--- a/2024/RU.pptx
+++ b/2024/RU.pptx
@@ -245,7 +245,7 @@
           <a:p>
             <a:fld id="{A36A2EB4-42A0-4A9F-94AC-04D10C1F231A}" type="datetimeFigureOut">
               <a:rPr lang="en-US" smtClean="0"/>
-              <a:t>2/10/2024</a:t>
+              <a:t>2/11/2024</a:t>
             </a:fld>
             <a:endParaRPr lang="en-US"/>
           </a:p>
@@ -4774,7 +4774,7 @@
           <a:p>
             <a:fld id="{83D30A23-1FB6-43A1-891F-95145083C4E9}" type="datetime1">
               <a:rPr lang="en-US" smtClean="0"/>
-              <a:t>2/10/2024</a:t>
+              <a:t>2/11/2024</a:t>
             </a:fld>
             <a:endParaRPr lang="en-US"/>
           </a:p>
@@ -4972,7 +4972,7 @@
           <a:p>
             <a:fld id="{A4B03399-60D8-4226-8AC7-3F159D57E860}" type="datetime1">
               <a:rPr lang="en-US" smtClean="0"/>
-              <a:t>2/10/2024</a:t>
+              <a:t>2/11/2024</a:t>
             </a:fld>
             <a:endParaRPr lang="en-US"/>
           </a:p>
@@ -5180,7 +5180,7 @@
           <a:p>
             <a:fld id="{1A646459-A066-416D-8E21-9D451FB1CBED}" type="datetime1">
               <a:rPr lang="en-US" smtClean="0"/>
-              <a:t>2/10/2024</a:t>
+              <a:t>2/11/2024</a:t>
             </a:fld>
             <a:endParaRPr lang="en-US"/>
           </a:p>
@@ -5378,7 +5378,7 @@
           <a:p>
             <a:fld id="{0636B939-1A2A-498F-9013-EEF28820D750}" type="datetime1">
               <a:rPr lang="en-US" smtClean="0"/>
-              <a:t>2/10/2024</a:t>
+              <a:t>2/11/2024</a:t>
             </a:fld>
             <a:endParaRPr lang="en-US"/>
           </a:p>
@@ -5692,7 +5692,7 @@
           <a:p>
             <a:fld id="{97D3760A-E884-42F2-A44C-F32FAA030BF6}" type="datetime1">
               <a:rPr lang="en-US" smtClean="0"/>
-              <a:t>2/10/2024</a:t>
+              <a:t>2/11/2024</a:t>
             </a:fld>
             <a:endParaRPr lang="en-US"/>
           </a:p>
@@ -5957,7 +5957,7 @@
           <a:p>
             <a:fld id="{4FC7535E-ABF1-4A69-B09E-251EF8B13143}" type="datetime1">
               <a:rPr lang="en-US" smtClean="0"/>
-              <a:t>2/10/2024</a:t>
+              <a:t>2/11/2024</a:t>
             </a:fld>
             <a:endParaRPr lang="en-US"/>
           </a:p>
@@ -6369,7 +6369,7 @@
           <a:p>
             <a:fld id="{CE54BCFC-68A7-4C68-9600-D4AAA16CF9A6}" type="datetime1">
               <a:rPr lang="en-US" smtClean="0"/>
-              <a:t>2/10/2024</a:t>
+              <a:t>2/11/2024</a:t>
             </a:fld>
             <a:endParaRPr lang="en-US"/>
           </a:p>
@@ -6510,7 +6510,7 @@
           <a:p>
             <a:fld id="{0F981744-C4F3-4F58-9E0E-AF6C4E78D03B}" type="datetime1">
               <a:rPr lang="en-US" smtClean="0"/>
-              <a:t>2/10/2024</a:t>
+              <a:t>2/11/2024</a:t>
             </a:fld>
             <a:endParaRPr lang="en-US"/>
           </a:p>
@@ -6623,7 +6623,7 @@
           <a:p>
             <a:fld id="{98ED47E1-EA96-4683-9629-E838295B20BC}" type="datetime1">
               <a:rPr lang="en-US" smtClean="0"/>
-              <a:t>2/10/2024</a:t>
+              <a:t>2/11/2024</a:t>
             </a:fld>
             <a:endParaRPr lang="en-US"/>
           </a:p>
@@ -6934,7 +6934,7 @@
           <a:p>
             <a:fld id="{2F2A1627-B435-455B-A0CA-0808E5748D61}" type="datetime1">
               <a:rPr lang="en-US" smtClean="0"/>
-              <a:t>2/10/2024</a:t>
+              <a:t>2/11/2024</a:t>
             </a:fld>
             <a:endParaRPr lang="en-US"/>
           </a:p>
@@ -7222,7 +7222,7 @@
           <a:p>
             <a:fld id="{FE11CB43-EB9E-4C41-ACD2-0EC61FB429F2}" type="datetime1">
               <a:rPr lang="en-US" smtClean="0"/>
-              <a:t>2/10/2024</a:t>
+              <a:t>2/11/2024</a:t>
             </a:fld>
             <a:endParaRPr lang="en-US"/>
           </a:p>
@@ -7463,7 +7463,7 @@
           <a:p>
             <a:fld id="{CC0B8F92-0932-40E4-878B-3E2E4AAA6810}" type="datetime1">
               <a:rPr lang="en-US" smtClean="0"/>
-              <a:t>2/10/2024</a:t>
+              <a:t>2/11/2024</a:t>
             </a:fld>
             <a:endParaRPr lang="en-US"/>
           </a:p>
@@ -17201,15 +17201,7 @@
             <a:pPr lvl="1"/>
             <a:r>
               <a:rPr lang="en-US" dirty="0"/>
-              <a:t>~</a:t>
-            </a:r>
-            <a:r>
-              <a:rPr lang="ru-RU" dirty="0"/>
-              <a:t>8</a:t>
-            </a:r>
-            <a:r>
-              <a:rPr lang="en-US" dirty="0"/>
-              <a:t>00M RAM </a:t>
+              <a:t>~1.2G RAM </a:t>
             </a:r>
             <a:r>
               <a:rPr lang="ru-RU" dirty="0"/>
@@ -17222,6 +17214,10 @@
             <a:r>
               <a:rPr lang="ru-RU" dirty="0"/>
               <a:t>с запущенным </a:t>
+            </a:r>
+            <a:r>
+              <a:rPr lang="en-US" dirty="0"/>
+              <a:t>Firefox/</a:t>
             </a:r>
             <a:r>
               <a:rPr lang="en-US" dirty="0" err="1"/>

--- a/2024/RU.pptx
+++ b/2024/RU.pptx
@@ -245,7 +245,7 @@
           <a:p>
             <a:fld id="{A36A2EB4-42A0-4A9F-94AC-04D10C1F231A}" type="datetimeFigureOut">
               <a:rPr lang="en-US" smtClean="0"/>
-              <a:t>2/11/2024</a:t>
+              <a:t>2/12/2024</a:t>
             </a:fld>
             <a:endParaRPr lang="en-US"/>
           </a:p>
@@ -4774,7 +4774,7 @@
           <a:p>
             <a:fld id="{83D30A23-1FB6-43A1-891F-95145083C4E9}" type="datetime1">
               <a:rPr lang="en-US" smtClean="0"/>
-              <a:t>2/11/2024</a:t>
+              <a:t>2/12/2024</a:t>
             </a:fld>
             <a:endParaRPr lang="en-US"/>
           </a:p>
@@ -4972,7 +4972,7 @@
           <a:p>
             <a:fld id="{A4B03399-60D8-4226-8AC7-3F159D57E860}" type="datetime1">
               <a:rPr lang="en-US" smtClean="0"/>
-              <a:t>2/11/2024</a:t>
+              <a:t>2/12/2024</a:t>
             </a:fld>
             <a:endParaRPr lang="en-US"/>
           </a:p>
@@ -5180,7 +5180,7 @@
           <a:p>
             <a:fld id="{1A646459-A066-416D-8E21-9D451FB1CBED}" type="datetime1">
               <a:rPr lang="en-US" smtClean="0"/>
-              <a:t>2/11/2024</a:t>
+              <a:t>2/12/2024</a:t>
             </a:fld>
             <a:endParaRPr lang="en-US"/>
           </a:p>
@@ -5378,7 +5378,7 @@
           <a:p>
             <a:fld id="{0636B939-1A2A-498F-9013-EEF28820D750}" type="datetime1">
               <a:rPr lang="en-US" smtClean="0"/>
-              <a:t>2/11/2024</a:t>
+              <a:t>2/12/2024</a:t>
             </a:fld>
             <a:endParaRPr lang="en-US"/>
           </a:p>
@@ -5692,7 +5692,7 @@
           <a:p>
             <a:fld id="{97D3760A-E884-42F2-A44C-F32FAA030BF6}" type="datetime1">
               <a:rPr lang="en-US" smtClean="0"/>
-              <a:t>2/11/2024</a:t>
+              <a:t>2/12/2024</a:t>
             </a:fld>
             <a:endParaRPr lang="en-US"/>
           </a:p>
@@ -5957,7 +5957,7 @@
           <a:p>
             <a:fld id="{4FC7535E-ABF1-4A69-B09E-251EF8B13143}" type="datetime1">
               <a:rPr lang="en-US" smtClean="0"/>
-              <a:t>2/11/2024</a:t>
+              <a:t>2/12/2024</a:t>
             </a:fld>
             <a:endParaRPr lang="en-US"/>
           </a:p>
@@ -6369,7 +6369,7 @@
           <a:p>
             <a:fld id="{CE54BCFC-68A7-4C68-9600-D4AAA16CF9A6}" type="datetime1">
               <a:rPr lang="en-US" smtClean="0"/>
-              <a:t>2/11/2024</a:t>
+              <a:t>2/12/2024</a:t>
             </a:fld>
             <a:endParaRPr lang="en-US"/>
           </a:p>
@@ -6510,7 +6510,7 @@
           <a:p>
             <a:fld id="{0F981744-C4F3-4F58-9E0E-AF6C4E78D03B}" type="datetime1">
               <a:rPr lang="en-US" smtClean="0"/>
-              <a:t>2/11/2024</a:t>
+              <a:t>2/12/2024</a:t>
             </a:fld>
             <a:endParaRPr lang="en-US"/>
           </a:p>
@@ -6623,7 +6623,7 @@
           <a:p>
             <a:fld id="{98ED47E1-EA96-4683-9629-E838295B20BC}" type="datetime1">
               <a:rPr lang="en-US" smtClean="0"/>
-              <a:t>2/11/2024</a:t>
+              <a:t>2/12/2024</a:t>
             </a:fld>
             <a:endParaRPr lang="en-US"/>
           </a:p>
@@ -6934,7 +6934,7 @@
           <a:p>
             <a:fld id="{2F2A1627-B435-455B-A0CA-0808E5748D61}" type="datetime1">
               <a:rPr lang="en-US" smtClean="0"/>
-              <a:t>2/11/2024</a:t>
+              <a:t>2/12/2024</a:t>
             </a:fld>
             <a:endParaRPr lang="en-US"/>
           </a:p>
@@ -7222,7 +7222,7 @@
           <a:p>
             <a:fld id="{FE11CB43-EB9E-4C41-ACD2-0EC61FB429F2}" type="datetime1">
               <a:rPr lang="en-US" smtClean="0"/>
-              <a:t>2/11/2024</a:t>
+              <a:t>2/12/2024</a:t>
             </a:fld>
             <a:endParaRPr lang="en-US"/>
           </a:p>
@@ -7463,7 +7463,7 @@
           <a:p>
             <a:fld id="{CC0B8F92-0932-40E4-878B-3E2E4AAA6810}" type="datetime1">
               <a:rPr lang="en-US" smtClean="0"/>
-              <a:t>2/11/2024</a:t>
+              <a:t>2/12/2024</a:t>
             </a:fld>
             <a:endParaRPr lang="en-US"/>
           </a:p>
@@ -12459,7 +12459,7 @@
         <p:spPr/>
         <p:txBody>
           <a:bodyPr>
-            <a:normAutofit fontScale="92500" lnSpcReduction="10000"/>
+            <a:normAutofit fontScale="92500" lnSpcReduction="20000"/>
           </a:bodyPr>
           <a:lstStyle/>
           <a:p>
@@ -12614,6 +12614,20 @@
               </a:rPr>
               <a:t>  call GOT[foo]</a:t>
             </a:r>
+          </a:p>
+          <a:p>
+            <a:r>
+              <a:rPr lang="ru-RU" dirty="0"/>
+              <a:t>Бесполезно в современных дистрибутивах </a:t>
+            </a:r>
+            <a:r>
+              <a:rPr lang="en-US" dirty="0"/>
+              <a:t>(RHEL, Ubuntu)</a:t>
+            </a:r>
+            <a:endParaRPr lang="en-US" dirty="0">
+              <a:latin typeface="Courier New" panose="02070309020205020404" pitchFamily="49" charset="0"/>
+              <a:cs typeface="Courier New" panose="02070309020205020404" pitchFamily="49" charset="0"/>
+            </a:endParaRPr>
           </a:p>
         </p:txBody>
       </p:sp>
@@ -13933,6 +13947,57 @@
             </a:r>
             <a:endParaRPr lang="en-US" dirty="0"/>
           </a:p>
+          <a:p>
+            <a:pPr lvl="1"/>
+            <a:r>
+              <a:rPr lang="ru-RU" dirty="0"/>
+              <a:t>В </a:t>
+            </a:r>
+            <a:r>
+              <a:rPr lang="en-US" dirty="0"/>
+              <a:t>RHEL </a:t>
+            </a:r>
+            <a:r>
+              <a:rPr lang="ru-RU" dirty="0"/>
+              <a:t>и </a:t>
+            </a:r>
+            <a:r>
+              <a:rPr lang="en-US" dirty="0"/>
+              <a:t>Ubuntu </a:t>
+            </a:r>
+            <a:r>
+              <a:rPr lang="ru-RU" dirty="0"/>
+              <a:t>функции уже разрешаются на старте </a:t>
+            </a:r>
+            <a:r>
+              <a:rPr lang="en-US" dirty="0"/>
+              <a:t>(-</a:t>
+            </a:r>
+            <a:r>
+              <a:rPr lang="en-US" dirty="0" err="1"/>
+              <a:t>Wl</a:t>
+            </a:r>
+            <a:r>
+              <a:rPr lang="en-US" dirty="0"/>
+              <a:t>,-</a:t>
+            </a:r>
+            <a:r>
+              <a:rPr lang="en-US" dirty="0" err="1"/>
+              <a:t>z,relro</a:t>
+            </a:r>
+            <a:r>
+              <a:rPr lang="en-US" dirty="0"/>
+              <a:t>,-</a:t>
+            </a:r>
+            <a:r>
+              <a:rPr lang="en-US" dirty="0" err="1"/>
+              <a:t>z,now</a:t>
+            </a:r>
+            <a:r>
+              <a:rPr lang="en-US" dirty="0"/>
+              <a:t>)</a:t>
+            </a:r>
+          </a:p>
         </p:txBody>
       </p:sp>
     </p:spTree>
@@ -15978,6 +16043,16 @@
             <a:r>
               <a:rPr lang="ru-RU" dirty="0"/>
               <a:t>Подкрепить цифрами перфоманс</a:t>
+            </a:r>
+          </a:p>
+          <a:p>
+            <a:r>
+              <a:rPr lang="ru-RU" dirty="0"/>
+              <a:t>Другие опции линкера для ускорения работы</a:t>
+            </a:r>
+            <a:r>
+              <a:rPr lang="en-US" dirty="0"/>
+              <a:t>: -hash-style=gnu, -O1, --as-needed</a:t>
             </a:r>
           </a:p>
           <a:p>

--- a/2024/RU.pptx
+++ b/2024/RU.pptx
@@ -12459,7 +12459,7 @@
         <p:spPr/>
         <p:txBody>
           <a:bodyPr>
-            <a:normAutofit fontScale="92500" lnSpcReduction="20000"/>
+            <a:normAutofit fontScale="92500" lnSpcReduction="10000"/>
           </a:bodyPr>
           <a:lstStyle/>
           <a:p>
@@ -12614,20 +12614,6 @@
               </a:rPr>
               <a:t>  call GOT[foo]</a:t>
             </a:r>
-          </a:p>
-          <a:p>
-            <a:r>
-              <a:rPr lang="ru-RU" dirty="0"/>
-              <a:t>Бесполезно в современных дистрибутивах </a:t>
-            </a:r>
-            <a:r>
-              <a:rPr lang="en-US" dirty="0"/>
-              <a:t>(RHEL, Ubuntu)</a:t>
-            </a:r>
-            <a:endParaRPr lang="en-US" dirty="0">
-              <a:latin typeface="Courier New" panose="02070309020205020404" pitchFamily="49" charset="0"/>
-              <a:cs typeface="Courier New" panose="02070309020205020404" pitchFamily="49" charset="0"/>
-            </a:endParaRPr>
           </a:p>
         </p:txBody>
       </p:sp>
@@ -13493,10 +13479,15 @@
             <p:ph idx="1"/>
           </p:nvPr>
         </p:nvSpPr>
-        <p:spPr/>
+        <p:spPr>
+          <a:xfrm>
+            <a:off x="838200" y="1825624"/>
+            <a:ext cx="10885714" cy="4792889"/>
+          </a:xfrm>
+        </p:spPr>
         <p:txBody>
           <a:bodyPr>
-            <a:normAutofit lnSpcReduction="10000"/>
+            <a:normAutofit fontScale="92500" lnSpcReduction="10000"/>
           </a:bodyPr>
           <a:lstStyle/>
           <a:p>
@@ -13610,6 +13601,37 @@
               <a:t>по случайным адресам (для усложнения подбора адресов хакерами)</a:t>
             </a:r>
             <a:endParaRPr lang="en-US" dirty="0"/>
+          </a:p>
+          <a:p>
+            <a:pPr lvl="1"/>
+            <a:r>
+              <a:rPr lang="en-US" dirty="0"/>
+              <a:t>/DYNAMICBASE </a:t>
+            </a:r>
+            <a:r>
+              <a:rPr lang="ru-RU" dirty="0"/>
+              <a:t>включен по умолчанию в новых версиях </a:t>
+            </a:r>
+            <a:r>
+              <a:rPr lang="en-US" dirty="0"/>
+              <a:t>Windows, -</a:t>
+            </a:r>
+            <a:r>
+              <a:rPr lang="en-US" dirty="0" err="1"/>
+              <a:t>fPIE</a:t>
+            </a:r>
+            <a:r>
+              <a:rPr lang="en-US" dirty="0"/>
+              <a:t> </a:t>
+            </a:r>
+            <a:r>
+              <a:rPr lang="ru-RU" dirty="0"/>
+              <a:t>в дистрибутивах </a:t>
+            </a:r>
+            <a:r>
+              <a:rPr lang="en-US" dirty="0"/>
+              <a:t>Linux</a:t>
+            </a:r>
           </a:p>
         </p:txBody>
       </p:sp>
@@ -13861,10 +13883,15 @@
             <p:ph idx="1"/>
           </p:nvPr>
         </p:nvSpPr>
-        <p:spPr/>
+        <p:spPr>
+          <a:xfrm>
+            <a:off x="838199" y="1825625"/>
+            <a:ext cx="10842171" cy="4667250"/>
+          </a:xfrm>
+        </p:spPr>
         <p:txBody>
           <a:bodyPr>
-            <a:normAutofit/>
+            <a:normAutofit lnSpcReduction="10000"/>
           </a:bodyPr>
           <a:lstStyle/>
           <a:p>
@@ -13951,52 +13978,37 @@
             <a:pPr lvl="1"/>
             <a:r>
               <a:rPr lang="ru-RU" dirty="0"/>
-              <a:t>В </a:t>
-            </a:r>
-            <a:r>
-              <a:rPr lang="en-US" dirty="0"/>
-              <a:t>RHEL </a:t>
-            </a:r>
-            <a:r>
-              <a:rPr lang="ru-RU" dirty="0"/>
-              <a:t>и </a:t>
-            </a:r>
-            <a:r>
-              <a:rPr lang="en-US" dirty="0"/>
-              <a:t>Ubuntu </a:t>
-            </a:r>
-            <a:r>
-              <a:rPr lang="ru-RU" dirty="0"/>
-              <a:t>функции уже разрешаются на старте </a:t>
-            </a:r>
-            <a:r>
-              <a:rPr lang="en-US" dirty="0"/>
-              <a:t>(-</a:t>
+              <a:t>Но в современных дистрибутивах </a:t>
+            </a:r>
+            <a:r>
+              <a:rPr lang="en-US" dirty="0"/>
+              <a:t>(RHEL,</a:t>
+            </a:r>
+            <a:r>
+              <a:rPr lang="ru-RU" dirty="0"/>
+              <a:t> </a:t>
+            </a:r>
+            <a:r>
+              <a:rPr lang="en-US" dirty="0"/>
+              <a:t>Ubuntu) </a:t>
+            </a:r>
+            <a:r>
+              <a:rPr lang="ru-RU" dirty="0"/>
+              <a:t>функции и так уже разрешаются на старте из-за требований безопасности (</a:t>
+            </a:r>
+            <a:r>
+              <a:rPr lang="en-US" dirty="0"/>
+              <a:t>Full </a:t>
             </a:r>
             <a:r>
               <a:rPr lang="en-US" dirty="0" err="1"/>
-              <a:t>Wl</a:t>
-            </a:r>
-            <a:r>
-              <a:rPr lang="en-US" dirty="0"/>
-              <a:t>,-</a:t>
-            </a:r>
-            <a:r>
-              <a:rPr lang="en-US" dirty="0" err="1"/>
-              <a:t>z,relro</a:t>
-            </a:r>
-            <a:r>
-              <a:rPr lang="en-US" dirty="0"/>
-              <a:t>,-</a:t>
-            </a:r>
-            <a:r>
-              <a:rPr lang="en-US" dirty="0" err="1"/>
-              <a:t>z,now</a:t>
-            </a:r>
-            <a:r>
-              <a:rPr lang="en-US" dirty="0"/>
+              <a:t>Relro</a:t>
+            </a:r>
+            <a:r>
+              <a:rPr lang="ru-RU" dirty="0"/>
               <a:t>)</a:t>
             </a:r>
+            <a:endParaRPr lang="en-US" dirty="0"/>
           </a:p>
         </p:txBody>
       </p:sp>

--- a/2024/RU.pptx
+++ b/2024/RU.pptx
@@ -5,7 +5,7 @@
     <p:sldMasterId id="2147483648" r:id="rId1"/>
   </p:sldMasterIdLst>
   <p:notesMasterIdLst>
-    <p:notesMasterId r:id="rId42"/>
+    <p:notesMasterId r:id="rId48"/>
   </p:notesMasterIdLst>
   <p:sldIdLst>
     <p:sldId id="256" r:id="rId2"/>
@@ -34,20 +34,26 @@
     <p:sldId id="322" r:id="rId25"/>
     <p:sldId id="334" r:id="rId26"/>
     <p:sldId id="320" r:id="rId27"/>
-    <p:sldId id="335" r:id="rId28"/>
-    <p:sldId id="344" r:id="rId29"/>
-    <p:sldId id="323" r:id="rId30"/>
-    <p:sldId id="345" r:id="rId31"/>
-    <p:sldId id="336" r:id="rId32"/>
-    <p:sldId id="324" r:id="rId33"/>
-    <p:sldId id="326" r:id="rId34"/>
-    <p:sldId id="327" r:id="rId35"/>
-    <p:sldId id="328" r:id="rId36"/>
-    <p:sldId id="330" r:id="rId37"/>
-    <p:sldId id="338" r:id="rId38"/>
-    <p:sldId id="319" r:id="rId39"/>
-    <p:sldId id="299" r:id="rId40"/>
-    <p:sldId id="337" r:id="rId41"/>
+    <p:sldId id="348" r:id="rId28"/>
+    <p:sldId id="335" r:id="rId29"/>
+    <p:sldId id="344" r:id="rId30"/>
+    <p:sldId id="323" r:id="rId31"/>
+    <p:sldId id="345" r:id="rId32"/>
+    <p:sldId id="351" r:id="rId33"/>
+    <p:sldId id="336" r:id="rId34"/>
+    <p:sldId id="324" r:id="rId35"/>
+    <p:sldId id="326" r:id="rId36"/>
+    <p:sldId id="327" r:id="rId37"/>
+    <p:sldId id="347" r:id="rId38"/>
+    <p:sldId id="328" r:id="rId39"/>
+    <p:sldId id="330" r:id="rId40"/>
+    <p:sldId id="338" r:id="rId41"/>
+    <p:sldId id="319" r:id="rId42"/>
+    <p:sldId id="299" r:id="rId43"/>
+    <p:sldId id="337" r:id="rId44"/>
+    <p:sldId id="349" r:id="rId45"/>
+    <p:sldId id="350" r:id="rId46"/>
+    <p:sldId id="346" r:id="rId47"/>
   </p:sldIdLst>
   <p:sldSz cx="12192000" cy="6858000"/>
   <p:notesSz cx="6858000" cy="9144000"/>
@@ -2730,9 +2736,110 @@
           <a:p>
             <a:r>
               <a:rPr lang="ru-RU" dirty="0"/>
-              <a:t>Обратимся теперь к накладным расходам на связывание символов.</a:t>
+              <a:t>Сразу скажу что решения для этой части в современных </a:t>
+            </a:r>
+            <a:r>
+              <a:rPr lang="en-US" dirty="0"/>
+              <a:t>Windows </a:t>
+            </a:r>
+            <a:r>
+              <a:rPr lang="ru-RU" dirty="0"/>
+              <a:t>и </a:t>
+            </a:r>
+            <a:r>
+              <a:rPr lang="en-US" dirty="0"/>
+              <a:t>Linux </a:t>
+            </a:r>
+            <a:r>
+              <a:rPr lang="ru-RU" dirty="0"/>
+              <a:t>нет. Но они существовали и использовались долгое время и вы до сих пор можете с ними столкнуться в статьях, поэтому посвятим им несколько слов.</a:t>
             </a:r>
             <a:endParaRPr lang="en-US" dirty="0"/>
+          </a:p>
+          <a:p>
+            <a:endParaRPr lang="en-US" dirty="0"/>
+          </a:p>
+          <a:p>
+            <a:r>
+              <a:rPr lang="ru-RU" dirty="0"/>
+              <a:t>Основная идея заключается в том, что мы можем заранее для всех используемых </a:t>
+            </a:r>
+            <a:r>
+              <a:rPr lang="en-US" dirty="0"/>
+              <a:t>DLL </a:t>
+            </a:r>
+            <a:r>
+              <a:rPr lang="ru-RU" dirty="0"/>
+              <a:t>выбрать непересекающиеся адреса в адресном простанстве процесса и слинковать их, исходя из того что они будут загружены по этим адресам. Загрузчик при загрузке увидит что адреса свободны и не будет проводить релокацию.</a:t>
+            </a:r>
+            <a:endParaRPr lang="en-US" dirty="0"/>
+          </a:p>
+          <a:p>
+            <a:endParaRPr lang="en-US" dirty="0"/>
+          </a:p>
+          <a:p>
+            <a:r>
+              <a:rPr lang="ru-RU" dirty="0"/>
+              <a:t>Решение это было реализовано и для </a:t>
+            </a:r>
+            <a:r>
+              <a:rPr lang="en-US" dirty="0"/>
+              <a:t>Windows, </a:t>
+            </a:r>
+            <a:r>
+              <a:rPr lang="ru-RU" dirty="0"/>
+              <a:t>и для </a:t>
+            </a:r>
+            <a:r>
+              <a:rPr lang="en-US" dirty="0"/>
+              <a:t>Linux, </a:t>
+            </a:r>
+            <a:r>
+              <a:rPr lang="ru-RU" dirty="0"/>
+              <a:t>но к сожалению вошло в противоречие с современными требованиями к безопасности, которые заключаются в том, что адрес загрузки </a:t>
+            </a:r>
+            <a:r>
+              <a:rPr lang="en-US" dirty="0"/>
+              <a:t>DLL </a:t>
+            </a:r>
+            <a:r>
+              <a:rPr lang="ru-RU" dirty="0"/>
+              <a:t>должен быть случайным (чтобы не упрощать подбор адресов хакерам).</a:t>
+            </a:r>
+            <a:endParaRPr lang="en-US" dirty="0"/>
+          </a:p>
+          <a:p>
+            <a:endParaRPr lang="en-US" dirty="0"/>
+          </a:p>
+          <a:p>
+            <a:r>
+              <a:rPr lang="ru-RU" dirty="0"/>
+              <a:t>Поэтому сейчас этот метод не применяется</a:t>
+            </a:r>
+            <a:r>
+              <a:rPr lang="en-US" dirty="0"/>
+              <a:t>, </a:t>
+            </a:r>
+            <a:r>
+              <a:rPr lang="ru-RU" dirty="0"/>
+              <a:t>а поддержка </a:t>
+            </a:r>
+            <a:r>
+              <a:rPr lang="en-US" dirty="0" err="1"/>
+              <a:t>Prelink</a:t>
+            </a:r>
+            <a:r>
+              <a:rPr lang="en-US" dirty="0"/>
+              <a:t> </a:t>
+            </a:r>
+            <a:r>
+              <a:rPr lang="ru-RU" dirty="0"/>
+              <a:t>даже была удалена в последних версиях </a:t>
+            </a:r>
+            <a:r>
+              <a:rPr lang="en-US" dirty="0"/>
+              <a:t>Glibc.</a:t>
+            </a:r>
           </a:p>
         </p:txBody>
       </p:sp>
@@ -2762,7 +2869,7 @@
     </p:spTree>
     <p:extLst>
       <p:ext uri="{BB962C8B-B14F-4D97-AF65-F5344CB8AC3E}">
-        <p14:creationId xmlns:p14="http://schemas.microsoft.com/office/powerpoint/2010/main" val="3397731765"/>
+        <p14:creationId xmlns:p14="http://schemas.microsoft.com/office/powerpoint/2010/main" val="1998125518"/>
       </p:ext>
     </p:extLst>
   </p:cSld>
@@ -2818,110 +2925,7 @@
           <a:p>
             <a:r>
               <a:rPr lang="ru-RU" dirty="0"/>
-              <a:t>Мы уже упоминали что ленивое связывание на </a:t>
-            </a:r>
-            <a:r>
-              <a:rPr lang="en-US" dirty="0"/>
-              <a:t>Linux </a:t>
-            </a:r>
-            <a:r>
-              <a:rPr lang="ru-RU" dirty="0"/>
-              <a:t>добавляет лишний вызов заглушки при вызове библиотечной функции.</a:t>
-            </a:r>
-          </a:p>
-          <a:p>
-            <a:endParaRPr lang="ru-RU" dirty="0"/>
-          </a:p>
-          <a:p>
-            <a:r>
-              <a:rPr lang="ru-RU" dirty="0"/>
-              <a:t>Современные </a:t>
-            </a:r>
-            <a:r>
-              <a:rPr lang="en-US" dirty="0" err="1"/>
-              <a:t>gcc</a:t>
-            </a:r>
-            <a:r>
-              <a:rPr lang="en-US" dirty="0"/>
-              <a:t> </a:t>
-            </a:r>
-            <a:r>
-              <a:rPr lang="ru-RU" dirty="0"/>
-              <a:t>и </a:t>
-            </a:r>
-            <a:r>
-              <a:rPr lang="en-US" dirty="0"/>
-              <a:t>clang </a:t>
-            </a:r>
-            <a:r>
-              <a:rPr lang="ru-RU" dirty="0"/>
-              <a:t>позволяют избежать этого с помощью специальной опции компиляции</a:t>
-            </a:r>
-            <a:r>
-              <a:rPr lang="en-US" dirty="0"/>
-              <a:t> –</a:t>
-            </a:r>
-            <a:r>
-              <a:rPr lang="en-US" dirty="0" err="1"/>
-              <a:t>fno-plt</a:t>
-            </a:r>
-            <a:r>
-              <a:rPr lang="en-US" dirty="0"/>
-              <a:t>.</a:t>
-            </a:r>
-          </a:p>
-          <a:p>
-            <a:endParaRPr lang="en-US" dirty="0"/>
-          </a:p>
-          <a:p>
-            <a:r>
-              <a:rPr lang="ru-RU" dirty="0"/>
-              <a:t>Её использование замедлит загрузку </a:t>
-            </a:r>
-            <a:r>
-              <a:rPr lang="en-US" dirty="0"/>
-              <a:t>DLL</a:t>
-            </a:r>
-            <a:r>
-              <a:rPr lang="ru-RU" dirty="0"/>
-              <a:t>, т.к. теперь все функции потребуется разрешить и связать на старте программы, но с другой стороны ускорит работу программы в дальнейшем, т.к. избавится от </a:t>
-            </a:r>
-            <a:r>
-              <a:rPr lang="en-US" dirty="0"/>
-              <a:t>PLT-</a:t>
-            </a:r>
-            <a:r>
-              <a:rPr lang="ru-RU" dirty="0"/>
-              <a:t>заглушки</a:t>
-            </a:r>
-            <a:r>
-              <a:rPr lang="en-US" dirty="0"/>
-              <a:t>.</a:t>
-            </a:r>
-          </a:p>
-          <a:p>
-            <a:endParaRPr lang="en-US" dirty="0"/>
-          </a:p>
-          <a:p>
-            <a:r>
-              <a:rPr lang="ru-RU" dirty="0"/>
-              <a:t>Также этот флаг позволит загружать адрес функции из таблицы </a:t>
-            </a:r>
-            <a:r>
-              <a:rPr lang="en-US" dirty="0"/>
-              <a:t>GOT </a:t>
-            </a:r>
-            <a:r>
-              <a:rPr lang="ru-RU" dirty="0"/>
-              <a:t>только один раз на несколько вызовов одной и той же функции</a:t>
-            </a:r>
-            <a:r>
-              <a:rPr lang="en-US" dirty="0"/>
-              <a:t>, </a:t>
-            </a:r>
-            <a:r>
-              <a:rPr lang="ru-RU" dirty="0"/>
-              <a:t>т.е. сократит количество обращений в память.</a:t>
+              <a:t>Обратимся теперь к накладным расходам на связывание символов.</a:t>
             </a:r>
             <a:endParaRPr lang="en-US" dirty="0"/>
           </a:p>
@@ -2944,7 +2948,7 @@
           <a:p>
             <a:fld id="{3AC94D10-082F-46D7-A834-266F9222130F}" type="slidenum">
               <a:rPr lang="en-US" smtClean="0"/>
-              <a:t>29</a:t>
+              <a:t>28</a:t>
             </a:fld>
             <a:endParaRPr lang="en-US"/>
           </a:p>
@@ -2953,7 +2957,7 @@
     </p:spTree>
     <p:extLst>
       <p:ext uri="{BB962C8B-B14F-4D97-AF65-F5344CB8AC3E}">
-        <p14:creationId xmlns:p14="http://schemas.microsoft.com/office/powerpoint/2010/main" val="305821099"/>
+        <p14:creationId xmlns:p14="http://schemas.microsoft.com/office/powerpoint/2010/main" val="3397731765"/>
       </p:ext>
     </p:extLst>
   </p:cSld>
@@ -3007,6 +3011,50 @@
           <a:bodyPr/>
           <a:lstStyle/>
           <a:p>
+            <a:r>
+              <a:rPr lang="ru-RU" dirty="0"/>
+              <a:t>Самый простой подход к связыванию символов</a:t>
+            </a:r>
+            <a:r>
+              <a:rPr lang="en-US" dirty="0"/>
+              <a:t>: </a:t>
+            </a:r>
+            <a:r>
+              <a:rPr lang="ru-RU" dirty="0"/>
+              <a:t>оптимизация размера соответсвующих таблиц поиска. Обычно рекомендуется использовать две опции</a:t>
+            </a:r>
+            <a:r>
+              <a:rPr lang="en-US" dirty="0"/>
+              <a:t>: hash-style </a:t>
+            </a:r>
+            <a:r>
+              <a:rPr lang="ru-RU" dirty="0"/>
+              <a:t>и </a:t>
+            </a:r>
+            <a:r>
+              <a:rPr lang="en-US" dirty="0"/>
+              <a:t>O1. </a:t>
+            </a:r>
+            <a:r>
+              <a:rPr lang="ru-RU" dirty="0"/>
+              <a:t>Первая из них уже по умолчанию включена в современных дистрибутивах (</a:t>
+            </a:r>
+            <a:r>
+              <a:rPr lang="en-US" dirty="0"/>
+              <a:t>RHEL </a:t>
+            </a:r>
+            <a:r>
+              <a:rPr lang="ru-RU" dirty="0"/>
+              <a:t>и </a:t>
+            </a:r>
+            <a:r>
+              <a:rPr lang="en-US" dirty="0"/>
+              <a:t>Ubuntu)</a:t>
+            </a:r>
+            <a:r>
+              <a:rPr lang="ru-RU" dirty="0"/>
+              <a:t>, а вторая по моим замерам не оказывает существенного влияния на производительность.</a:t>
+            </a:r>
             <a:endParaRPr lang="en-US" dirty="0"/>
           </a:p>
         </p:txBody>
@@ -3028,7 +3076,7 @@
           <a:p>
             <a:fld id="{3AC94D10-082F-46D7-A834-266F9222130F}" type="slidenum">
               <a:rPr lang="en-US" smtClean="0"/>
-              <a:t>30</a:t>
+              <a:t>29</a:t>
             </a:fld>
             <a:endParaRPr lang="en-US"/>
           </a:p>
@@ -3037,7 +3085,7 @@
     </p:spTree>
     <p:extLst>
       <p:ext uri="{BB962C8B-B14F-4D97-AF65-F5344CB8AC3E}">
-        <p14:creationId xmlns:p14="http://schemas.microsoft.com/office/powerpoint/2010/main" val="3696372151"/>
+        <p14:creationId xmlns:p14="http://schemas.microsoft.com/office/powerpoint/2010/main" val="1118954411"/>
       </p:ext>
     </p:extLst>
   </p:cSld>
@@ -3093,22 +3141,112 @@
           <a:p>
             <a:r>
               <a:rPr lang="ru-RU" dirty="0"/>
-              <a:t>Перейдём наконец к последнему пункту в списке накладных расходов. А именно рассмотрим как можно ускорить косвенные вызовы библиотечных функций.</a:t>
-            </a:r>
+              <a:t>Мы уже упоминали что ленивое связывание на </a:t>
+            </a:r>
+            <a:r>
+              <a:rPr lang="en-US" dirty="0"/>
+              <a:t>Linux </a:t>
+            </a:r>
+            <a:r>
+              <a:rPr lang="ru-RU" dirty="0"/>
+              <a:t>добавляет лишний вызов заглушки при вызове библиотечной функции.</a:t>
+            </a:r>
+          </a:p>
+          <a:p>
+            <a:endParaRPr lang="ru-RU" dirty="0"/>
+          </a:p>
+          <a:p>
+            <a:r>
+              <a:rPr lang="ru-RU" dirty="0"/>
+              <a:t>Современные </a:t>
+            </a:r>
+            <a:r>
+              <a:rPr lang="en-US" dirty="0" err="1"/>
+              <a:t>gcc</a:t>
+            </a:r>
+            <a:r>
+              <a:rPr lang="en-US" dirty="0"/>
+              <a:t> </a:t>
+            </a:r>
+            <a:r>
+              <a:rPr lang="ru-RU" dirty="0"/>
+              <a:t>и </a:t>
+            </a:r>
+            <a:r>
+              <a:rPr lang="en-US" dirty="0"/>
+              <a:t>clang </a:t>
+            </a:r>
+            <a:r>
+              <a:rPr lang="ru-RU" dirty="0"/>
+              <a:t>позволяют избежать этого с помощью специальной опции компиляции</a:t>
+            </a:r>
+            <a:r>
+              <a:rPr lang="en-US" dirty="0"/>
+              <a:t> –</a:t>
+            </a:r>
+            <a:r>
+              <a:rPr lang="en-US" dirty="0" err="1"/>
+              <a:t>fno-plt</a:t>
+            </a:r>
+            <a:r>
+              <a:rPr lang="en-US" dirty="0"/>
+              <a:t>.</a:t>
+            </a:r>
+          </a:p>
+          <a:p>
             <a:endParaRPr lang="en-US" dirty="0"/>
           </a:p>
           <a:p>
+            <a:r>
+              <a:rPr lang="ru-RU" dirty="0"/>
+              <a:t>Её использование замедлит загрузку </a:t>
+            </a:r>
+            <a:r>
+              <a:rPr lang="en-US" dirty="0"/>
+              <a:t>DLL</a:t>
+            </a:r>
+            <a:r>
+              <a:rPr lang="ru-RU" dirty="0"/>
+              <a:t>, т.к. теперь все функции потребуется разрешить и связать на старте программы, но с другой стороны ускорит работу программы в дальнейшем, т.к. избавится от </a:t>
+            </a:r>
+            <a:r>
+              <a:rPr lang="en-US" dirty="0"/>
+              <a:t>PLT-</a:t>
+            </a:r>
+            <a:r>
+              <a:rPr lang="ru-RU" dirty="0"/>
+              <a:t>заглушки</a:t>
+            </a:r>
+            <a:r>
+              <a:rPr lang="en-US" dirty="0"/>
+              <a:t>.</a:t>
+            </a:r>
+          </a:p>
+          <a:p>
             <a:endParaRPr lang="en-US" dirty="0"/>
           </a:p>
           <a:p>
             <a:r>
               <a:rPr lang="ru-RU" dirty="0"/>
-              <a:t>Эта часть в основном будет посвящена </a:t>
-            </a:r>
-            <a:r>
-              <a:rPr lang="en-US" dirty="0"/>
-              <a:t>Linux.</a:t>
-            </a:r>
+              <a:t>Также этот флаг позволит загружать адрес функции из таблицы </a:t>
+            </a:r>
+            <a:r>
+              <a:rPr lang="en-US" dirty="0"/>
+              <a:t>GOT </a:t>
+            </a:r>
+            <a:r>
+              <a:rPr lang="ru-RU" dirty="0"/>
+              <a:t>только один раз на несколько вызовов одной и той же функции</a:t>
+            </a:r>
+            <a:r>
+              <a:rPr lang="en-US" dirty="0"/>
+              <a:t>, </a:t>
+            </a:r>
+            <a:r>
+              <a:rPr lang="ru-RU" dirty="0"/>
+              <a:t>т.е. сократит количество обращений в память.</a:t>
+            </a:r>
+            <a:endParaRPr lang="en-US" dirty="0"/>
           </a:p>
         </p:txBody>
       </p:sp>
@@ -3129,7 +3267,7 @@
           <a:p>
             <a:fld id="{3AC94D10-082F-46D7-A834-266F9222130F}" type="slidenum">
               <a:rPr lang="en-US" smtClean="0"/>
-              <a:t>31</a:t>
+              <a:t>30</a:t>
             </a:fld>
             <a:endParaRPr lang="en-US"/>
           </a:p>
@@ -3138,7 +3276,7 @@
     </p:spTree>
     <p:extLst>
       <p:ext uri="{BB962C8B-B14F-4D97-AF65-F5344CB8AC3E}">
-        <p14:creationId xmlns:p14="http://schemas.microsoft.com/office/powerpoint/2010/main" val="3270444806"/>
+        <p14:creationId xmlns:p14="http://schemas.microsoft.com/office/powerpoint/2010/main" val="305821099"/>
       </p:ext>
     </p:extLst>
   </p:cSld>
@@ -3307,53 +3445,6 @@
           <a:bodyPr/>
           <a:lstStyle/>
           <a:p>
-            <a:r>
-              <a:rPr lang="ru-RU" dirty="0"/>
-              <a:t>Дело в том что на </a:t>
-            </a:r>
-            <a:r>
-              <a:rPr lang="en-US" dirty="0"/>
-              <a:t>Linux </a:t>
-            </a:r>
-            <a:r>
-              <a:rPr lang="ru-RU" dirty="0"/>
-              <a:t>все функции по умолчанию являются экспортируемыми (для того чтобы </a:t>
-            </a:r>
-            <a:r>
-              <a:rPr lang="en-US" dirty="0"/>
-              <a:t>DLL </a:t>
-            </a:r>
-            <a:r>
-              <a:rPr lang="ru-RU" dirty="0"/>
-              <a:t>были более похожи на статические библиотеки).</a:t>
-            </a:r>
-            <a:endParaRPr lang="en-US" dirty="0"/>
-          </a:p>
-          <a:p>
-            <a:endParaRPr lang="ru-RU" dirty="0"/>
-          </a:p>
-          <a:p>
-            <a:r>
-              <a:rPr lang="ru-RU" dirty="0"/>
-              <a:t>Это приводит к тому что вызовы функций даже внутри библиотеки делаются не напрямую, а через таблицу диспетчеризации, с соответствующими накладными расходами</a:t>
-            </a:r>
-            <a:r>
-              <a:rPr lang="en-US" dirty="0"/>
-              <a:t> </a:t>
-            </a:r>
-            <a:r>
-              <a:rPr lang="ru-RU" dirty="0"/>
-              <a:t>на косвенные вызовы.</a:t>
-            </a:r>
-          </a:p>
-          <a:p>
-            <a:endParaRPr lang="ru-RU" dirty="0"/>
-          </a:p>
-          <a:p>
-            <a:r>
-              <a:rPr lang="ru-RU" dirty="0"/>
-              <a:t>Кроме того из-за того что функции экспортируются возникает возможность их перехвата и компилятору приходится это учитывать и существенно ограничивать оптимизации.</a:t>
-            </a:r>
             <a:endParaRPr lang="en-US" dirty="0"/>
           </a:p>
         </p:txBody>
@@ -3375,7 +3466,7 @@
           <a:p>
             <a:fld id="{3AC94D10-082F-46D7-A834-266F9222130F}" type="slidenum">
               <a:rPr lang="en-US" smtClean="0"/>
-              <a:t>32</a:t>
+              <a:t>31</a:t>
             </a:fld>
             <a:endParaRPr lang="en-US"/>
           </a:p>
@@ -3384,7 +3475,7 @@
     </p:spTree>
     <p:extLst>
       <p:ext uri="{BB962C8B-B14F-4D97-AF65-F5344CB8AC3E}">
-        <p14:creationId xmlns:p14="http://schemas.microsoft.com/office/powerpoint/2010/main" val="1185757282"/>
+        <p14:creationId xmlns:p14="http://schemas.microsoft.com/office/powerpoint/2010/main" val="3696372151"/>
       </p:ext>
     </p:extLst>
   </p:cSld>
@@ -3438,58 +3529,6 @@
           <a:bodyPr/>
           <a:lstStyle/>
           <a:p>
-            <a:r>
-              <a:rPr lang="ru-RU" dirty="0"/>
-              <a:t>На данном слайде можно видеть пример отмены оптимизации</a:t>
-            </a:r>
-            <a:r>
-              <a:rPr lang="en-US" dirty="0"/>
-              <a:t>: </a:t>
-            </a:r>
-            <a:r>
-              <a:rPr lang="ru-RU" dirty="0"/>
-              <a:t>компилятор не может</a:t>
-            </a:r>
-            <a:r>
-              <a:rPr lang="en-US" dirty="0"/>
-              <a:t> </a:t>
-            </a:r>
-            <a:r>
-              <a:rPr lang="ru-RU" dirty="0"/>
-              <a:t>встроить вызов </a:t>
-            </a:r>
-            <a:r>
-              <a:rPr lang="en-US" dirty="0"/>
-              <a:t>foo </a:t>
-            </a:r>
-            <a:r>
-              <a:rPr lang="ru-RU" dirty="0"/>
-              <a:t>в </a:t>
-            </a:r>
-            <a:r>
-              <a:rPr lang="en-US" dirty="0"/>
-              <a:t>bar </a:t>
-            </a:r>
-            <a:r>
-              <a:rPr lang="ru-RU" dirty="0"/>
-              <a:t>из-за того что </a:t>
-            </a:r>
-            <a:r>
-              <a:rPr lang="en-US" dirty="0"/>
-              <a:t>foo </a:t>
-            </a:r>
-            <a:r>
-              <a:rPr lang="ru-RU" dirty="0"/>
-              <a:t>может быть перехвачена в рантайме</a:t>
-            </a:r>
-            <a:r>
-              <a:rPr lang="en-US" dirty="0"/>
-              <a:t> (</a:t>
-            </a:r>
-            <a:r>
-              <a:rPr lang="ru-RU" dirty="0"/>
-              <a:t>и соответственно её семантика может быть изменена).</a:t>
-            </a:r>
             <a:endParaRPr lang="en-US" dirty="0"/>
           </a:p>
         </p:txBody>
@@ -3511,7 +3550,7 @@
           <a:p>
             <a:fld id="{3AC94D10-082F-46D7-A834-266F9222130F}" type="slidenum">
               <a:rPr lang="en-US" smtClean="0"/>
-              <a:t>33</a:t>
+              <a:t>32</a:t>
             </a:fld>
             <a:endParaRPr lang="en-US"/>
           </a:p>
@@ -3520,7 +3559,7 @@
     </p:spTree>
     <p:extLst>
       <p:ext uri="{BB962C8B-B14F-4D97-AF65-F5344CB8AC3E}">
-        <p14:creationId xmlns:p14="http://schemas.microsoft.com/office/powerpoint/2010/main" val="2752840744"/>
+        <p14:creationId xmlns:p14="http://schemas.microsoft.com/office/powerpoint/2010/main" val="1863594613"/>
       </p:ext>
     </p:extLst>
   </p:cSld>
@@ -3576,60 +3615,7 @@
           <a:p>
             <a:r>
               <a:rPr lang="ru-RU" dirty="0"/>
-              <a:t>Бороться с таким неэффективным поведением можно несколькими способами.</a:t>
-            </a:r>
-          </a:p>
-          <a:p>
-            <a:endParaRPr lang="ru-RU" dirty="0"/>
-          </a:p>
-          <a:p>
-            <a:r>
-              <a:rPr lang="ru-RU" dirty="0"/>
-              <a:t>Во-первых есть специальные флаги компиляции</a:t>
-            </a:r>
-            <a:r>
-              <a:rPr lang="en-US" dirty="0"/>
-              <a:t>: </a:t>
-            </a:r>
-            <a:r>
-              <a:rPr lang="ru-RU" dirty="0"/>
-              <a:t>один, </a:t>
-            </a:r>
-            <a:r>
-              <a:rPr lang="en-US" dirty="0"/>
-              <a:t>-</a:t>
-            </a:r>
-            <a:r>
-              <a:rPr lang="en-US" dirty="0" err="1"/>
-              <a:t>Bsymbolic</a:t>
-            </a:r>
-            <a:r>
-              <a:rPr lang="ru-RU" dirty="0"/>
-              <a:t>, для линковки, чтобы вместо косвенных вызовы внутренних функций </a:t>
-            </a:r>
-            <a:r>
-              <a:rPr lang="en-US" dirty="0"/>
-              <a:t>DLL </a:t>
-            </a:r>
-            <a:r>
-              <a:rPr lang="ru-RU" dirty="0"/>
-              <a:t>использовать прямые. А второй</a:t>
-            </a:r>
-            <a:r>
-              <a:rPr lang="en-US" dirty="0"/>
-              <a:t>, -</a:t>
-            </a:r>
-            <a:r>
-              <a:rPr lang="en-US" dirty="0" err="1"/>
-              <a:t>fno</a:t>
-            </a:r>
-            <a:r>
-              <a:rPr lang="en-US" dirty="0"/>
-              <a:t>-semantic-interposition, </a:t>
-            </a:r>
-            <a:r>
-              <a:rPr lang="ru-RU" dirty="0"/>
-              <a:t>чтобы позволить компилятору при оптимизации игнорировать возможность перехвата функций.</a:t>
+              <a:t>Перейдём наконец к последнему пункту в списке накладных расходов. А именно рассмотрим как можно ускорить косвенные вызовы библиотечных функций.</a:t>
             </a:r>
             <a:endParaRPr lang="en-US" dirty="0"/>
           </a:p>
@@ -3639,9 +3625,12 @@
           <a:p>
             <a:r>
               <a:rPr lang="ru-RU" dirty="0"/>
-              <a:t>Для оптимальной производительности требуется включить оба флага.</a:t>
-            </a:r>
-            <a:endParaRPr lang="en-US" dirty="0"/>
+              <a:t>Эта часть в основном будет посвящена </a:t>
+            </a:r>
+            <a:r>
+              <a:rPr lang="en-US" dirty="0"/>
+              <a:t>Linux.</a:t>
+            </a:r>
           </a:p>
         </p:txBody>
       </p:sp>
@@ -3662,7 +3651,7 @@
           <a:p>
             <a:fld id="{3AC94D10-082F-46D7-A834-266F9222130F}" type="slidenum">
               <a:rPr lang="en-US" smtClean="0"/>
-              <a:t>34</a:t>
+              <a:t>33</a:t>
             </a:fld>
             <a:endParaRPr lang="en-US"/>
           </a:p>
@@ -3671,7 +3660,7 @@
     </p:spTree>
     <p:extLst>
       <p:ext uri="{BB962C8B-B14F-4D97-AF65-F5344CB8AC3E}">
-        <p14:creationId xmlns:p14="http://schemas.microsoft.com/office/powerpoint/2010/main" val="3733641060"/>
+        <p14:creationId xmlns:p14="http://schemas.microsoft.com/office/powerpoint/2010/main" val="3270444806"/>
       </p:ext>
     </p:extLst>
   </p:cSld>
@@ -3727,8 +3716,25 @@
           <a:p>
             <a:r>
               <a:rPr lang="ru-RU" dirty="0"/>
-              <a:t>Помимо использования флагов есть второй, более традиционный способ, который заключается в сокращении интерфейса библиотеки, т.е. уменьшении количества функций, которые она экспортирует.</a:t>
-            </a:r>
+              <a:t>Дело в том что на </a:t>
+            </a:r>
+            <a:r>
+              <a:rPr lang="en-US" dirty="0"/>
+              <a:t>Linux </a:t>
+            </a:r>
+            <a:r>
+              <a:rPr lang="ru-RU" dirty="0"/>
+              <a:t>все функции по умолчанию являются экспортируемыми (для того чтобы </a:t>
+            </a:r>
+            <a:r>
+              <a:rPr lang="en-US" dirty="0"/>
+              <a:t>DLL </a:t>
+            </a:r>
+            <a:r>
+              <a:rPr lang="ru-RU" dirty="0"/>
+              <a:t>были более похожи на статические библиотеки).</a:t>
+            </a:r>
+            <a:endParaRPr lang="en-US" dirty="0"/>
           </a:p>
           <a:p>
             <a:endParaRPr lang="ru-RU" dirty="0"/>
@@ -3736,15 +3742,7 @@
           <a:p>
             <a:r>
               <a:rPr lang="ru-RU" dirty="0"/>
-              <a:t>Суть его заключается в том, что мы явно помечаем экспортируемые функции специальным атрибутом </a:t>
-            </a:r>
-            <a:r>
-              <a:rPr lang="en-US" dirty="0"/>
-              <a:t>visibility</a:t>
-            </a:r>
-            <a:r>
-              <a:rPr lang="ru-RU" dirty="0"/>
-              <a:t>, а все остальные символы делаем внутренними</a:t>
+              <a:t>Это приводит к тому что вызовы функций даже внутри библиотеки делаются не напрямую, а через таблицу диспетчеризации, с соответствующими накладными расходами</a:t>
             </a:r>
             <a:r>
               <a:rPr lang="en-US" dirty="0"/>
@@ -3752,41 +3750,16 @@
             </a:r>
             <a:r>
               <a:rPr lang="ru-RU" dirty="0"/>
-              <a:t>с помощью флага. Соответственно для всех скрытых, неэкспортируемых символов </a:t>
-            </a:r>
-            <a:r>
-              <a:rPr lang="en-US" dirty="0"/>
-              <a:t>(</a:t>
-            </a:r>
-            <a:r>
-              <a:rPr lang="ru-RU" dirty="0"/>
-              <a:t>которых гораздо больше</a:t>
-            </a:r>
-            <a:r>
-              <a:rPr lang="en-US" dirty="0"/>
-              <a:t>) </a:t>
-            </a:r>
-            <a:r>
-              <a:rPr lang="ru-RU" dirty="0"/>
-              <a:t>компилятор сможет применять более агрессивные оптимизации и при генерации кода использовать прямые вызовы.</a:t>
-            </a:r>
-            <a:endParaRPr lang="en-US" dirty="0"/>
-          </a:p>
-          <a:p>
-            <a:endParaRPr lang="en-US" dirty="0"/>
-          </a:p>
-          <a:p>
-            <a:r>
-              <a:rPr lang="ru-RU" dirty="0"/>
-              <a:t>Помимо оптимизации у этого подхода есть ещё одно преимущество</a:t>
-            </a:r>
-            <a:r>
-              <a:rPr lang="en-US" dirty="0"/>
-              <a:t>: </a:t>
-            </a:r>
-            <a:r>
-              <a:rPr lang="ru-RU" dirty="0"/>
-              <a:t>мы скрываем от пользователя внутренние детали реализации библиотеки и не даём возможности использовать её недокументированным образом.</a:t>
+              <a:t>на косвенные вызовы.</a:t>
+            </a:r>
+          </a:p>
+          <a:p>
+            <a:endParaRPr lang="ru-RU" dirty="0"/>
+          </a:p>
+          <a:p>
+            <a:r>
+              <a:rPr lang="ru-RU" dirty="0"/>
+              <a:t>Кроме того из-за того что функции экспортируются возникает возможность их перехвата и компилятору приходится это учитывать и существенно ограничивать оптимизации.</a:t>
             </a:r>
             <a:endParaRPr lang="en-US" dirty="0"/>
           </a:p>
@@ -3809,7 +3782,7 @@
           <a:p>
             <a:fld id="{3AC94D10-082F-46D7-A834-266F9222130F}" type="slidenum">
               <a:rPr lang="en-US" smtClean="0"/>
-              <a:t>35</a:t>
+              <a:t>34</a:t>
             </a:fld>
             <a:endParaRPr lang="en-US"/>
           </a:p>
@@ -3818,7 +3791,7 @@
     </p:spTree>
     <p:extLst>
       <p:ext uri="{BB962C8B-B14F-4D97-AF65-F5344CB8AC3E}">
-        <p14:creationId xmlns:p14="http://schemas.microsoft.com/office/powerpoint/2010/main" val="1530341260"/>
+        <p14:creationId xmlns:p14="http://schemas.microsoft.com/office/powerpoint/2010/main" val="1185757282"/>
       </p:ext>
     </p:extLst>
   </p:cSld>
@@ -3874,28 +3847,15 @@
           <a:p>
             <a:r>
               <a:rPr lang="ru-RU" dirty="0"/>
-              <a:t>Если вы захотите применить оптимизацию сокрытия символов к большой кодовой базе, например к дистрибутиву </a:t>
-            </a:r>
-            <a:r>
-              <a:rPr lang="en-US" dirty="0"/>
-              <a:t>Linux, </a:t>
-            </a:r>
-            <a:r>
-              <a:rPr lang="ru-RU" dirty="0"/>
-              <a:t>то придётся анализировать по очереди каждую библиотеку вручную на предмет того экспортируются ли из неё ненужные символы и если да, то какие.</a:t>
-            </a:r>
-          </a:p>
-          <a:p>
-            <a:endParaRPr lang="ru-RU" dirty="0"/>
-          </a:p>
-          <a:p>
-            <a:r>
-              <a:rPr lang="ru-RU" dirty="0"/>
-              <a:t>Эту задачу можно упростить с помощью автоматизации. Утилита </a:t>
-            </a:r>
-            <a:r>
-              <a:rPr lang="en-US" dirty="0" err="1"/>
-              <a:t>ShlibVisibilityChecker</a:t>
+              <a:t>На данном слайде можно видеть пример отмены оптимизации</a:t>
+            </a:r>
+            <a:r>
+              <a:rPr lang="en-US" dirty="0"/>
+              <a:t>: </a:t>
+            </a:r>
+            <a:r>
+              <a:rPr lang="ru-RU" dirty="0"/>
+              <a:t>компилятор не может</a:t>
             </a:r>
             <a:r>
               <a:rPr lang="en-US" dirty="0"/>
@@ -3903,53 +3863,39 @@
             </a:r>
             <a:r>
               <a:rPr lang="ru-RU" dirty="0"/>
-              <a:t>по бинарному файлу библиотеки</a:t>
-            </a:r>
-            <a:r>
-              <a:rPr lang="en-US" dirty="0"/>
-              <a:t> </a:t>
-            </a:r>
-            <a:r>
-              <a:rPr lang="ru-RU" dirty="0"/>
-              <a:t>и заголовочному файлу скажет какие символы нужно скрыть. Я успешно применял эту утилиту для поиска проблемных библиотек в </a:t>
-            </a:r>
-            <a:r>
-              <a:rPr lang="en-US" dirty="0"/>
-              <a:t>Ubuntu.</a:t>
-            </a:r>
-            <a:endParaRPr lang="ru-RU" dirty="0"/>
-          </a:p>
-          <a:p>
-            <a:endParaRPr lang="ru-RU" dirty="0"/>
-          </a:p>
-          <a:p>
-            <a:r>
-              <a:rPr lang="ru-RU" dirty="0"/>
-              <a:t>На слайде приведён пример анализа популярной библиотеки</a:t>
-            </a:r>
-            <a:r>
-              <a:rPr lang="en-US" dirty="0"/>
-              <a:t> </a:t>
-            </a:r>
-            <a:r>
-              <a:rPr lang="en-US" dirty="0" err="1"/>
-              <a:t>libgmp</a:t>
-            </a:r>
-            <a:r>
-              <a:rPr lang="en-US" dirty="0"/>
-              <a:t> </a:t>
-            </a:r>
-            <a:r>
-              <a:rPr lang="ru-RU" dirty="0"/>
-              <a:t>для вычислений произвольной точности.</a:t>
-            </a:r>
-            <a:r>
-              <a:rPr lang="en-US" dirty="0"/>
-              <a:t> </a:t>
-            </a:r>
-            <a:r>
-              <a:rPr lang="ru-RU" dirty="0"/>
-              <a:t>Можно видеть что библиотека экспортирует большое количество ненужных символов.</a:t>
+              <a:t>встроить вызов </a:t>
+            </a:r>
+            <a:r>
+              <a:rPr lang="en-US" dirty="0"/>
+              <a:t>foo </a:t>
+            </a:r>
+            <a:r>
+              <a:rPr lang="ru-RU" dirty="0"/>
+              <a:t>в </a:t>
+            </a:r>
+            <a:r>
+              <a:rPr lang="en-US" dirty="0"/>
+              <a:t>bar </a:t>
+            </a:r>
+            <a:r>
+              <a:rPr lang="ru-RU" dirty="0"/>
+              <a:t>из-за того что </a:t>
+            </a:r>
+            <a:r>
+              <a:rPr lang="en-US" dirty="0"/>
+              <a:t>foo </a:t>
+            </a:r>
+            <a:r>
+              <a:rPr lang="ru-RU" dirty="0"/>
+              <a:t>может быть перехвачена в рантайме</a:t>
+            </a:r>
+            <a:r>
+              <a:rPr lang="en-US" dirty="0"/>
+              <a:t> (</a:t>
+            </a:r>
+            <a:r>
+              <a:rPr lang="ru-RU" dirty="0"/>
+              <a:t>и соответственно её семантика может быть изменена).</a:t>
             </a:r>
             <a:endParaRPr lang="en-US" dirty="0"/>
           </a:p>
@@ -3972,7 +3918,7 @@
           <a:p>
             <a:fld id="{3AC94D10-082F-46D7-A834-266F9222130F}" type="slidenum">
               <a:rPr lang="en-US" smtClean="0"/>
-              <a:t>36</a:t>
+              <a:t>35</a:t>
             </a:fld>
             <a:endParaRPr lang="en-US"/>
           </a:p>
@@ -3981,7 +3927,7 @@
     </p:spTree>
     <p:extLst>
       <p:ext uri="{BB962C8B-B14F-4D97-AF65-F5344CB8AC3E}">
-        <p14:creationId xmlns:p14="http://schemas.microsoft.com/office/powerpoint/2010/main" val="3687863370"/>
+        <p14:creationId xmlns:p14="http://schemas.microsoft.com/office/powerpoint/2010/main" val="2752840744"/>
       </p:ext>
     </p:extLst>
   </p:cSld>
@@ -4035,6 +3981,73 @@
           <a:bodyPr/>
           <a:lstStyle/>
           <a:p>
+            <a:r>
+              <a:rPr lang="ru-RU" dirty="0"/>
+              <a:t>Бороться с таким неэффективным поведением можно несколькими способами.</a:t>
+            </a:r>
+          </a:p>
+          <a:p>
+            <a:endParaRPr lang="ru-RU" dirty="0"/>
+          </a:p>
+          <a:p>
+            <a:r>
+              <a:rPr lang="ru-RU" dirty="0"/>
+              <a:t>Во-первых есть специальные флаги компиляции</a:t>
+            </a:r>
+            <a:r>
+              <a:rPr lang="en-US" dirty="0"/>
+              <a:t>: </a:t>
+            </a:r>
+            <a:r>
+              <a:rPr lang="ru-RU" dirty="0"/>
+              <a:t>один, </a:t>
+            </a:r>
+            <a:r>
+              <a:rPr lang="en-US" dirty="0"/>
+              <a:t>-</a:t>
+            </a:r>
+            <a:r>
+              <a:rPr lang="en-US" dirty="0" err="1"/>
+              <a:t>Bsymbolic</a:t>
+            </a:r>
+            <a:r>
+              <a:rPr lang="ru-RU" dirty="0"/>
+              <a:t>, для линковки, чтобы вместо косвенных вызовы внутренних функций </a:t>
+            </a:r>
+            <a:r>
+              <a:rPr lang="en-US" dirty="0"/>
+              <a:t>DLL </a:t>
+            </a:r>
+            <a:r>
+              <a:rPr lang="ru-RU" dirty="0"/>
+              <a:t>использовать прямые. А второй</a:t>
+            </a:r>
+            <a:r>
+              <a:rPr lang="en-US" dirty="0"/>
+              <a:t>, -</a:t>
+            </a:r>
+            <a:r>
+              <a:rPr lang="en-US" dirty="0" err="1"/>
+              <a:t>fno</a:t>
+            </a:r>
+            <a:r>
+              <a:rPr lang="en-US" dirty="0"/>
+              <a:t>-semantic-interposition, </a:t>
+            </a:r>
+            <a:r>
+              <a:rPr lang="ru-RU" dirty="0"/>
+              <a:t>чтобы позволить компилятору при оптимизации игнорировать возможность перехвата функций.</a:t>
+            </a:r>
+            <a:endParaRPr lang="en-US" dirty="0"/>
+          </a:p>
+          <a:p>
+            <a:endParaRPr lang="en-US" dirty="0"/>
+          </a:p>
+          <a:p>
+            <a:r>
+              <a:rPr lang="ru-RU" dirty="0"/>
+              <a:t>Для оптимальной производительности требуется включить оба флага.</a:t>
+            </a:r>
             <a:endParaRPr lang="en-US" dirty="0"/>
           </a:p>
         </p:txBody>
@@ -4056,7 +4069,401 @@
           <a:p>
             <a:fld id="{3AC94D10-082F-46D7-A834-266F9222130F}" type="slidenum">
               <a:rPr lang="en-US" smtClean="0"/>
-              <a:t>37</a:t>
+              <a:t>36</a:t>
+            </a:fld>
+            <a:endParaRPr lang="en-US"/>
+          </a:p>
+        </p:txBody>
+      </p:sp>
+    </p:spTree>
+    <p:extLst>
+      <p:ext uri="{BB962C8B-B14F-4D97-AF65-F5344CB8AC3E}">
+        <p14:creationId xmlns:p14="http://schemas.microsoft.com/office/powerpoint/2010/main" val="3733641060"/>
+      </p:ext>
+    </p:extLst>
+  </p:cSld>
+  <p:clrMapOvr>
+    <a:masterClrMapping/>
+  </p:clrMapOvr>
+</p:notes>
+</file>
+
+<file path=ppt/notesSlides/notesSlide36.xml><?xml version="1.0" encoding="utf-8"?>
+<p:notes xmlns:a="http://schemas.openxmlformats.org/drawingml/2006/main" xmlns:r="http://schemas.openxmlformats.org/officeDocument/2006/relationships" xmlns:p="http://schemas.openxmlformats.org/presentationml/2006/main">
+  <p:cSld>
+    <p:spTree>
+      <p:nvGrpSpPr>
+        <p:cNvPr id="1" name=""/>
+        <p:cNvGrpSpPr/>
+        <p:nvPr/>
+      </p:nvGrpSpPr>
+      <p:grpSpPr>
+        <a:xfrm>
+          <a:off x="0" y="0"/>
+          <a:ext cx="0" cy="0"/>
+          <a:chOff x="0" y="0"/>
+          <a:chExt cx="0" cy="0"/>
+        </a:xfrm>
+      </p:grpSpPr>
+      <p:sp>
+        <p:nvSpPr>
+          <p:cNvPr id="2" name="Slide Image Placeholder 1"/>
+          <p:cNvSpPr>
+            <a:spLocks noGrp="1" noRot="1" noChangeAspect="1"/>
+          </p:cNvSpPr>
+          <p:nvPr>
+            <p:ph type="sldImg"/>
+          </p:nvPr>
+        </p:nvSpPr>
+        <p:spPr/>
+      </p:sp>
+      <p:sp>
+        <p:nvSpPr>
+          <p:cNvPr id="3" name="Notes Placeholder 2"/>
+          <p:cNvSpPr>
+            <a:spLocks noGrp="1"/>
+          </p:cNvSpPr>
+          <p:nvPr>
+            <p:ph type="body" idx="1"/>
+          </p:nvPr>
+        </p:nvSpPr>
+        <p:spPr/>
+        <p:txBody>
+          <a:bodyPr/>
+          <a:lstStyle/>
+          <a:p>
+            <a:r>
+              <a:rPr lang="ru-RU" dirty="0"/>
+              <a:t>Помимо использования флагов есть второй, более традиционный способ, который заключается в сокращении интерфейса библиотеки, т.е. уменьшении количества функций, которые она экспортирует.</a:t>
+            </a:r>
+          </a:p>
+          <a:p>
+            <a:endParaRPr lang="ru-RU" dirty="0"/>
+          </a:p>
+          <a:p>
+            <a:r>
+              <a:rPr lang="ru-RU" dirty="0"/>
+              <a:t>Суть его заключается в том, что мы явно помечаем экспортируемые функции специальным атрибутом </a:t>
+            </a:r>
+            <a:r>
+              <a:rPr lang="en-US" dirty="0"/>
+              <a:t>visibility</a:t>
+            </a:r>
+            <a:r>
+              <a:rPr lang="ru-RU" dirty="0"/>
+              <a:t>, а все остальные символы делаем внутренними</a:t>
+            </a:r>
+            <a:r>
+              <a:rPr lang="en-US" dirty="0"/>
+              <a:t> </a:t>
+            </a:r>
+            <a:r>
+              <a:rPr lang="ru-RU" dirty="0"/>
+              <a:t>с помощью флага. Соответственно для всех скрытых, неэкспортируемых символов </a:t>
+            </a:r>
+            <a:r>
+              <a:rPr lang="en-US" dirty="0"/>
+              <a:t>(</a:t>
+            </a:r>
+            <a:r>
+              <a:rPr lang="ru-RU" dirty="0"/>
+              <a:t>которых гораздо больше</a:t>
+            </a:r>
+            <a:r>
+              <a:rPr lang="en-US" dirty="0"/>
+              <a:t>) </a:t>
+            </a:r>
+            <a:r>
+              <a:rPr lang="ru-RU" dirty="0"/>
+              <a:t>компилятор сможет применять более агрессивные оптимизации и при генерации кода использовать прямые вызовы.</a:t>
+            </a:r>
+            <a:endParaRPr lang="en-US" dirty="0"/>
+          </a:p>
+          <a:p>
+            <a:endParaRPr lang="en-US" dirty="0"/>
+          </a:p>
+          <a:p>
+            <a:r>
+              <a:rPr lang="ru-RU" dirty="0"/>
+              <a:t>Помимо оптимизации у этого подхода есть ещё одно преимущество</a:t>
+            </a:r>
+            <a:r>
+              <a:rPr lang="en-US" dirty="0"/>
+              <a:t>: </a:t>
+            </a:r>
+            <a:r>
+              <a:rPr lang="ru-RU" dirty="0"/>
+              <a:t>мы скрываем от пользователя внутренние детали реализации библиотеки и не даём возможности использовать её недокументированным образом.</a:t>
+            </a:r>
+            <a:endParaRPr lang="en-US" dirty="0"/>
+          </a:p>
+        </p:txBody>
+      </p:sp>
+      <p:sp>
+        <p:nvSpPr>
+          <p:cNvPr id="4" name="Slide Number Placeholder 3"/>
+          <p:cNvSpPr>
+            <a:spLocks noGrp="1"/>
+          </p:cNvSpPr>
+          <p:nvPr>
+            <p:ph type="sldNum" sz="quarter" idx="5"/>
+          </p:nvPr>
+        </p:nvSpPr>
+        <p:spPr/>
+        <p:txBody>
+          <a:bodyPr/>
+          <a:lstStyle/>
+          <a:p>
+            <a:fld id="{3AC94D10-082F-46D7-A834-266F9222130F}" type="slidenum">
+              <a:rPr lang="en-US" smtClean="0"/>
+              <a:t>38</a:t>
+            </a:fld>
+            <a:endParaRPr lang="en-US"/>
+          </a:p>
+        </p:txBody>
+      </p:sp>
+    </p:spTree>
+    <p:extLst>
+      <p:ext uri="{BB962C8B-B14F-4D97-AF65-F5344CB8AC3E}">
+        <p14:creationId xmlns:p14="http://schemas.microsoft.com/office/powerpoint/2010/main" val="1530341260"/>
+      </p:ext>
+    </p:extLst>
+  </p:cSld>
+  <p:clrMapOvr>
+    <a:masterClrMapping/>
+  </p:clrMapOvr>
+</p:notes>
+</file>
+
+<file path=ppt/notesSlides/notesSlide37.xml><?xml version="1.0" encoding="utf-8"?>
+<p:notes xmlns:a="http://schemas.openxmlformats.org/drawingml/2006/main" xmlns:r="http://schemas.openxmlformats.org/officeDocument/2006/relationships" xmlns:p="http://schemas.openxmlformats.org/presentationml/2006/main">
+  <p:cSld>
+    <p:spTree>
+      <p:nvGrpSpPr>
+        <p:cNvPr id="1" name=""/>
+        <p:cNvGrpSpPr/>
+        <p:nvPr/>
+      </p:nvGrpSpPr>
+      <p:grpSpPr>
+        <a:xfrm>
+          <a:off x="0" y="0"/>
+          <a:ext cx="0" cy="0"/>
+          <a:chOff x="0" y="0"/>
+          <a:chExt cx="0" cy="0"/>
+        </a:xfrm>
+      </p:grpSpPr>
+      <p:sp>
+        <p:nvSpPr>
+          <p:cNvPr id="2" name="Slide Image Placeholder 1"/>
+          <p:cNvSpPr>
+            <a:spLocks noGrp="1" noRot="1" noChangeAspect="1"/>
+          </p:cNvSpPr>
+          <p:nvPr>
+            <p:ph type="sldImg"/>
+          </p:nvPr>
+        </p:nvSpPr>
+        <p:spPr/>
+      </p:sp>
+      <p:sp>
+        <p:nvSpPr>
+          <p:cNvPr id="3" name="Notes Placeholder 2"/>
+          <p:cNvSpPr>
+            <a:spLocks noGrp="1"/>
+          </p:cNvSpPr>
+          <p:nvPr>
+            <p:ph type="body" idx="1"/>
+          </p:nvPr>
+        </p:nvSpPr>
+        <p:spPr/>
+        <p:txBody>
+          <a:bodyPr/>
+          <a:lstStyle/>
+          <a:p>
+            <a:r>
+              <a:rPr lang="ru-RU" dirty="0"/>
+              <a:t>Если вы захотите применить оптимизацию сокрытия символов к большой кодовой базе, например к дистрибутиву </a:t>
+            </a:r>
+            <a:r>
+              <a:rPr lang="en-US" dirty="0"/>
+              <a:t>Linux, </a:t>
+            </a:r>
+            <a:r>
+              <a:rPr lang="ru-RU" dirty="0"/>
+              <a:t>то придётся анализировать по очереди каждую библиотеку вручную на предмет того экспортируются ли из неё ненужные символы и если да, то какие.</a:t>
+            </a:r>
+          </a:p>
+          <a:p>
+            <a:endParaRPr lang="ru-RU" dirty="0"/>
+          </a:p>
+          <a:p>
+            <a:r>
+              <a:rPr lang="ru-RU" dirty="0"/>
+              <a:t>Эту задачу можно упростить с помощью автоматизации. Утилита </a:t>
+            </a:r>
+            <a:r>
+              <a:rPr lang="en-US" dirty="0" err="1"/>
+              <a:t>ShlibVisibilityChecker</a:t>
+            </a:r>
+            <a:r>
+              <a:rPr lang="en-US" dirty="0"/>
+              <a:t> </a:t>
+            </a:r>
+            <a:r>
+              <a:rPr lang="ru-RU" dirty="0"/>
+              <a:t>по бинарному файлу библиотеки</a:t>
+            </a:r>
+            <a:r>
+              <a:rPr lang="en-US" dirty="0"/>
+              <a:t> </a:t>
+            </a:r>
+            <a:r>
+              <a:rPr lang="ru-RU" dirty="0"/>
+              <a:t>и заголовочному файлу скажет какие символы нужно скрыть. Я успешно применял эту утилиту для поиска проблемных библиотек в </a:t>
+            </a:r>
+            <a:r>
+              <a:rPr lang="en-US" dirty="0"/>
+              <a:t>Ubuntu.</a:t>
+            </a:r>
+            <a:endParaRPr lang="ru-RU" dirty="0"/>
+          </a:p>
+          <a:p>
+            <a:endParaRPr lang="ru-RU" dirty="0"/>
+          </a:p>
+          <a:p>
+            <a:r>
+              <a:rPr lang="ru-RU" dirty="0"/>
+              <a:t>На слайде приведён пример анализа популярной библиотеки</a:t>
+            </a:r>
+            <a:r>
+              <a:rPr lang="en-US" dirty="0"/>
+              <a:t> </a:t>
+            </a:r>
+            <a:r>
+              <a:rPr lang="en-US" dirty="0" err="1"/>
+              <a:t>libgmp</a:t>
+            </a:r>
+            <a:r>
+              <a:rPr lang="en-US" dirty="0"/>
+              <a:t> </a:t>
+            </a:r>
+            <a:r>
+              <a:rPr lang="ru-RU" dirty="0"/>
+              <a:t>для вычислений произвольной точности.</a:t>
+            </a:r>
+            <a:r>
+              <a:rPr lang="en-US" dirty="0"/>
+              <a:t> </a:t>
+            </a:r>
+            <a:r>
+              <a:rPr lang="ru-RU" dirty="0"/>
+              <a:t>Можно видеть что библиотека экспортирует большое количество ненужных символов.</a:t>
+            </a:r>
+            <a:endParaRPr lang="en-US" dirty="0"/>
+          </a:p>
+        </p:txBody>
+      </p:sp>
+      <p:sp>
+        <p:nvSpPr>
+          <p:cNvPr id="4" name="Slide Number Placeholder 3"/>
+          <p:cNvSpPr>
+            <a:spLocks noGrp="1"/>
+          </p:cNvSpPr>
+          <p:nvPr>
+            <p:ph type="sldNum" sz="quarter" idx="5"/>
+          </p:nvPr>
+        </p:nvSpPr>
+        <p:spPr/>
+        <p:txBody>
+          <a:bodyPr/>
+          <a:lstStyle/>
+          <a:p>
+            <a:fld id="{3AC94D10-082F-46D7-A834-266F9222130F}" type="slidenum">
+              <a:rPr lang="en-US" smtClean="0"/>
+              <a:t>39</a:t>
+            </a:fld>
+            <a:endParaRPr lang="en-US"/>
+          </a:p>
+        </p:txBody>
+      </p:sp>
+    </p:spTree>
+    <p:extLst>
+      <p:ext uri="{BB962C8B-B14F-4D97-AF65-F5344CB8AC3E}">
+        <p14:creationId xmlns:p14="http://schemas.microsoft.com/office/powerpoint/2010/main" val="3687863370"/>
+      </p:ext>
+    </p:extLst>
+  </p:cSld>
+  <p:clrMapOvr>
+    <a:masterClrMapping/>
+  </p:clrMapOvr>
+</p:notes>
+</file>
+
+<file path=ppt/notesSlides/notesSlide38.xml><?xml version="1.0" encoding="utf-8"?>
+<p:notes xmlns:a="http://schemas.openxmlformats.org/drawingml/2006/main" xmlns:r="http://schemas.openxmlformats.org/officeDocument/2006/relationships" xmlns:p="http://schemas.openxmlformats.org/presentationml/2006/main">
+  <p:cSld>
+    <p:spTree>
+      <p:nvGrpSpPr>
+        <p:cNvPr id="1" name=""/>
+        <p:cNvGrpSpPr/>
+        <p:nvPr/>
+      </p:nvGrpSpPr>
+      <p:grpSpPr>
+        <a:xfrm>
+          <a:off x="0" y="0"/>
+          <a:ext cx="0" cy="0"/>
+          <a:chOff x="0" y="0"/>
+          <a:chExt cx="0" cy="0"/>
+        </a:xfrm>
+      </p:grpSpPr>
+      <p:sp>
+        <p:nvSpPr>
+          <p:cNvPr id="2" name="Slide Image Placeholder 1"/>
+          <p:cNvSpPr>
+            <a:spLocks noGrp="1" noRot="1" noChangeAspect="1"/>
+          </p:cNvSpPr>
+          <p:nvPr>
+            <p:ph type="sldImg"/>
+          </p:nvPr>
+        </p:nvSpPr>
+        <p:spPr/>
+      </p:sp>
+      <p:sp>
+        <p:nvSpPr>
+          <p:cNvPr id="3" name="Notes Placeholder 2"/>
+          <p:cNvSpPr>
+            <a:spLocks noGrp="1"/>
+          </p:cNvSpPr>
+          <p:nvPr>
+            <p:ph type="body" idx="1"/>
+          </p:nvPr>
+        </p:nvSpPr>
+        <p:spPr/>
+        <p:txBody>
+          <a:bodyPr/>
+          <a:lstStyle/>
+          <a:p>
+            <a:endParaRPr lang="en-US" dirty="0"/>
+          </a:p>
+        </p:txBody>
+      </p:sp>
+      <p:sp>
+        <p:nvSpPr>
+          <p:cNvPr id="4" name="Slide Number Placeholder 3"/>
+          <p:cNvSpPr>
+            <a:spLocks noGrp="1"/>
+          </p:cNvSpPr>
+          <p:nvPr>
+            <p:ph type="sldNum" sz="quarter" idx="5"/>
+          </p:nvPr>
+        </p:nvSpPr>
+        <p:spPr/>
+        <p:txBody>
+          <a:bodyPr/>
+          <a:lstStyle/>
+          <a:p>
+            <a:fld id="{3AC94D10-082F-46D7-A834-266F9222130F}" type="slidenum">
+              <a:rPr lang="en-US" smtClean="0"/>
+              <a:t>40</a:t>
             </a:fld>
             <a:endParaRPr lang="en-US"/>
           </a:p>
@@ -13606,7 +14013,7 @@
         </p:spPr>
         <p:txBody>
           <a:bodyPr>
-            <a:normAutofit fontScale="92500" lnSpcReduction="10000"/>
+            <a:normAutofit/>
           </a:bodyPr>
           <a:lstStyle/>
           <a:p>
@@ -13625,9 +14032,39 @@
             <a:endParaRPr lang="en-US" dirty="0"/>
           </a:p>
           <a:p>
-            <a:r>
-              <a:rPr lang="ru-RU" dirty="0"/>
-              <a:t>Решение для </a:t>
+            <a:pPr lvl="1"/>
+            <a:r>
+              <a:rPr lang="ru-RU" dirty="0"/>
+              <a:t>Просканировать все установленные программы и библиотеки</a:t>
+            </a:r>
+            <a:endParaRPr lang="en-US" dirty="0"/>
+          </a:p>
+          <a:p>
+            <a:pPr lvl="1"/>
+            <a:r>
+              <a:rPr lang="ru-RU" dirty="0"/>
+              <a:t>Статически распределить адресное пространство между всеми библиотеками</a:t>
+            </a:r>
+          </a:p>
+          <a:p>
+            <a:r>
+              <a:rPr lang="ru-RU" dirty="0"/>
+              <a:t>После этого адреса всех символов можно предварительно разрешить исходя из адреса загрузки</a:t>
+            </a:r>
+            <a:endParaRPr lang="en-US" dirty="0"/>
+          </a:p>
+          <a:p>
+            <a:r>
+              <a:rPr lang="ru-RU" dirty="0"/>
+              <a:t>Решение</a:t>
+            </a:r>
+            <a:r>
+              <a:rPr lang="en-US" dirty="0"/>
+              <a:t> </a:t>
+            </a:r>
+            <a:r>
+              <a:rPr lang="ru-RU" dirty="0"/>
+              <a:t>для </a:t>
             </a:r>
             <a:r>
               <a:rPr lang="en-US" dirty="0"/>
@@ -13639,7 +14076,7 @@
             </a:r>
             <a:r>
               <a:rPr lang="en-US" dirty="0"/>
-              <a:t>/BASE)</a:t>
+              <a:t>/BASE) + DLL binding</a:t>
             </a:r>
           </a:p>
           <a:p>
@@ -13655,102 +14092,10 @@
               <a:rPr lang="en-US" dirty="0" err="1"/>
               <a:t>Prelink</a:t>
             </a:r>
-            <a:r>
-              <a:rPr lang="en-US" dirty="0"/>
-              <a:t> tool</a:t>
-            </a:r>
             <a:endParaRPr lang="ru-RU" dirty="0"/>
           </a:p>
           <a:p>
-            <a:pPr lvl="1"/>
-            <a:r>
-              <a:rPr lang="ru-RU" dirty="0"/>
-              <a:t>Сканирует все установленные программы и библиотеки</a:t>
-            </a:r>
             <a:endParaRPr lang="en-US" dirty="0"/>
-          </a:p>
-          <a:p>
-            <a:pPr lvl="1"/>
-            <a:r>
-              <a:rPr lang="ru-RU" dirty="0"/>
-              <a:t>Статически распределяет адресное пространство между всеми модулями</a:t>
-            </a:r>
-          </a:p>
-          <a:p>
-            <a:pPr lvl="1"/>
-            <a:r>
-              <a:rPr lang="ru-RU" dirty="0"/>
-              <a:t>Записывает адреса загрузки в специальные секции </a:t>
-            </a:r>
-            <a:r>
-              <a:rPr lang="en-US" dirty="0"/>
-              <a:t>DLL</a:t>
-            </a:r>
-          </a:p>
-          <a:p>
-            <a:r>
-              <a:rPr lang="ru-RU" dirty="0"/>
-              <a:t>Оптимизация нерелевантна из-за современных требований к безопасности</a:t>
-            </a:r>
-            <a:r>
-              <a:rPr lang="en-US" dirty="0"/>
-              <a:t>:</a:t>
-            </a:r>
-          </a:p>
-          <a:p>
-            <a:pPr lvl="1"/>
-            <a:r>
-              <a:rPr lang="ru-RU" dirty="0"/>
-              <a:t>Механизм </a:t>
-            </a:r>
-            <a:r>
-              <a:rPr lang="en-US" dirty="0"/>
-              <a:t>ASLR</a:t>
-            </a:r>
-            <a:r>
-              <a:rPr lang="ru-RU" dirty="0"/>
-              <a:t> требует загружать </a:t>
-            </a:r>
-            <a:r>
-              <a:rPr lang="en-US" dirty="0"/>
-              <a:t>DLL </a:t>
-            </a:r>
-            <a:r>
-              <a:rPr lang="ru-RU" dirty="0"/>
-              <a:t>по случайным адресам (для усложнения подбора адресов хакерами)</a:t>
-            </a:r>
-            <a:endParaRPr lang="en-US" dirty="0"/>
-          </a:p>
-          <a:p>
-            <a:pPr lvl="1"/>
-            <a:r>
-              <a:rPr lang="en-US" dirty="0"/>
-              <a:t>/DYNAMICBASE </a:t>
-            </a:r>
-            <a:r>
-              <a:rPr lang="ru-RU" dirty="0"/>
-              <a:t>включен по умолчанию в новых версиях </a:t>
-            </a:r>
-            <a:r>
-              <a:rPr lang="en-US" dirty="0"/>
-              <a:t>Windows, -</a:t>
-            </a:r>
-            <a:r>
-              <a:rPr lang="en-US" dirty="0" err="1"/>
-              <a:t>fPIE</a:t>
-            </a:r>
-            <a:r>
-              <a:rPr lang="en-US" dirty="0"/>
-              <a:t> </a:t>
-            </a:r>
-            <a:r>
-              <a:rPr lang="ru-RU" dirty="0"/>
-              <a:t>в дистрибутивах </a:t>
-            </a:r>
-            <a:r>
-              <a:rPr lang="en-US" dirty="0"/>
-              <a:t>Linux</a:t>
-            </a:r>
           </a:p>
         </p:txBody>
       </p:sp>
@@ -13789,7 +14134,7 @@
           <p:cNvPr id="2" name="Title 1">
             <a:extLst>
               <a:ext uri="{FF2B5EF4-FFF2-40B4-BE49-F238E27FC236}">
-                <a16:creationId xmlns:a16="http://schemas.microsoft.com/office/drawing/2014/main" id="{0A95A14D-8CF8-471B-AF3D-26999D8951D8}"/>
+                <a16:creationId xmlns:a16="http://schemas.microsoft.com/office/drawing/2014/main" id="{7AF91015-ECCE-4F52-A094-F7A97B8372AA}"/>
               </a:ext>
             </a:extLst>
           </p:cNvPr>
@@ -13807,7 +14152,98 @@
           <a:p>
             <a:r>
               <a:rPr lang="ru-RU" dirty="0"/>
-              <a:t>Накладные расходы</a:t>
+              <a:t>Ускорение загрузки </a:t>
+            </a:r>
+            <a:r>
+              <a:rPr lang="en-US" dirty="0"/>
+              <a:t>DLL: </a:t>
+            </a:r>
+            <a:r>
+              <a:rPr lang="en-US" dirty="0" err="1"/>
+              <a:t>prelinking</a:t>
+            </a:r>
+            <a:endParaRPr lang="en-US" dirty="0"/>
+          </a:p>
+        </p:txBody>
+      </p:sp>
+      <p:sp>
+        <p:nvSpPr>
+          <p:cNvPr id="3" name="Content Placeholder 2">
+            <a:extLst>
+              <a:ext uri="{FF2B5EF4-FFF2-40B4-BE49-F238E27FC236}">
+                <a16:creationId xmlns:a16="http://schemas.microsoft.com/office/drawing/2014/main" id="{2BD8BCD0-2D76-422B-99E3-FFE3CED6CBCC}"/>
+              </a:ext>
+            </a:extLst>
+          </p:cNvPr>
+          <p:cNvSpPr>
+            <a:spLocks noGrp="1"/>
+          </p:cNvSpPr>
+          <p:nvPr>
+            <p:ph idx="1"/>
+          </p:nvPr>
+        </p:nvSpPr>
+        <p:spPr>
+          <a:xfrm>
+            <a:off x="838200" y="1825624"/>
+            <a:ext cx="10885714" cy="4792889"/>
+          </a:xfrm>
+        </p:spPr>
+        <p:txBody>
+          <a:bodyPr>
+            <a:normAutofit/>
+          </a:bodyPr>
+          <a:lstStyle/>
+          <a:p>
+            <a:r>
+              <a:rPr lang="ru-RU" dirty="0"/>
+              <a:t>Оптимизация нерелевантна из-за современных требований к безопасности</a:t>
+            </a:r>
+            <a:r>
+              <a:rPr lang="en-US" dirty="0"/>
+              <a:t>:</a:t>
+            </a:r>
+          </a:p>
+          <a:p>
+            <a:pPr lvl="1"/>
+            <a:r>
+              <a:rPr lang="ru-RU" dirty="0"/>
+              <a:t>Механизм </a:t>
+            </a:r>
+            <a:r>
+              <a:rPr lang="en-US" dirty="0"/>
+              <a:t>ASLR</a:t>
+            </a:r>
+            <a:r>
+              <a:rPr lang="ru-RU" dirty="0"/>
+              <a:t> требует загружать </a:t>
+            </a:r>
+            <a:r>
+              <a:rPr lang="en-US" dirty="0"/>
+              <a:t>DLL </a:t>
+            </a:r>
+            <a:r>
+              <a:rPr lang="ru-RU" dirty="0"/>
+              <a:t>по случайным адресам (для усложнения подбора адресов хакерами)</a:t>
+            </a:r>
+            <a:endParaRPr lang="en-US" dirty="0"/>
+          </a:p>
+          <a:p>
+            <a:pPr lvl="1"/>
+            <a:r>
+              <a:rPr lang="en-US" dirty="0"/>
+              <a:t>/DYNAMICBASE </a:t>
+            </a:r>
+            <a:r>
+              <a:rPr lang="ru-RU" dirty="0"/>
+              <a:t>включен по умолчанию в новых версиях </a:t>
+            </a:r>
+            <a:r>
+              <a:rPr lang="en-US" dirty="0"/>
+              <a:t>Windows, -</a:t>
+            </a:r>
+            <a:r>
+              <a:rPr lang="en-US" dirty="0" err="1"/>
+              <a:t>fPIE</a:t>
             </a:r>
             <a:r>
               <a:rPr lang="en-US" dirty="0"/>
@@ -13815,114 +14251,19 @@
             </a:r>
             <a:r>
               <a:rPr lang="ru-RU" dirty="0"/>
-              <a:t>при использовании </a:t>
-            </a:r>
-            <a:r>
-              <a:rPr lang="en-US" dirty="0"/>
-              <a:t>DLL</a:t>
-            </a:r>
-          </a:p>
-        </p:txBody>
-      </p:sp>
-      <p:sp>
-        <p:nvSpPr>
-          <p:cNvPr id="3" name="Content Placeholder 2">
-            <a:extLst>
-              <a:ext uri="{FF2B5EF4-FFF2-40B4-BE49-F238E27FC236}">
-                <a16:creationId xmlns:a16="http://schemas.microsoft.com/office/drawing/2014/main" id="{5B49B649-A403-4066-8731-42F55BC6F396}"/>
-              </a:ext>
-            </a:extLst>
-          </p:cNvPr>
-          <p:cNvSpPr>
-            <a:spLocks noGrp="1"/>
-          </p:cNvSpPr>
-          <p:nvPr>
-            <p:ph idx="1"/>
-          </p:nvPr>
-        </p:nvSpPr>
-        <p:spPr/>
-        <p:txBody>
-          <a:bodyPr/>
-          <a:lstStyle/>
-          <a:p>
-            <a:r>
-              <a:rPr lang="ru-RU" dirty="0"/>
-              <a:t>Загрузка</a:t>
-            </a:r>
-            <a:r>
-              <a:rPr lang="en-US" dirty="0"/>
-              <a:t> </a:t>
-            </a:r>
-            <a:r>
-              <a:rPr lang="ru-RU" dirty="0"/>
-              <a:t>библиотеки</a:t>
-            </a:r>
-            <a:endParaRPr lang="en-US" dirty="0"/>
-          </a:p>
-          <a:p>
-            <a:pPr lvl="1"/>
-            <a:r>
-              <a:rPr lang="ru-RU" dirty="0"/>
-              <a:t>Релокация кода</a:t>
-            </a:r>
-            <a:endParaRPr lang="en-US" dirty="0"/>
-          </a:p>
-          <a:p>
-            <a:pPr lvl="1"/>
-            <a:r>
-              <a:rPr lang="ru-RU" b="1" dirty="0"/>
-              <a:t>Разрешение и </a:t>
-            </a:r>
-            <a:r>
-              <a:rPr lang="en-US" b="1" dirty="0"/>
-              <a:t>c</a:t>
-            </a:r>
-            <a:r>
-              <a:rPr lang="ru-RU" b="1" dirty="0"/>
-              <a:t>вязывание символов</a:t>
-            </a:r>
-            <a:endParaRPr lang="en-US" b="1" dirty="0"/>
-          </a:p>
-          <a:p>
-            <a:r>
-              <a:rPr lang="ru-RU" dirty="0"/>
-              <a:t>Работа с библиотекой</a:t>
-            </a:r>
-            <a:r>
-              <a:rPr lang="en-US" dirty="0"/>
-              <a:t>:</a:t>
-            </a:r>
-          </a:p>
-          <a:p>
-            <a:pPr lvl="1"/>
-            <a:r>
-              <a:rPr lang="ru-RU" dirty="0"/>
-              <a:t>Косвенные вызовы (</a:t>
-            </a:r>
-            <a:r>
-              <a:rPr lang="en-US" dirty="0"/>
-              <a:t>indirect calls) </a:t>
-            </a:r>
-            <a:r>
-              <a:rPr lang="ru-RU" dirty="0"/>
-              <a:t>функций</a:t>
-            </a:r>
-            <a:r>
-              <a:rPr lang="en-US" dirty="0"/>
-              <a:t> </a:t>
-            </a:r>
-            <a:r>
-              <a:rPr lang="ru-RU" dirty="0"/>
-              <a:t>в рантайме</a:t>
-            </a:r>
-            <a:endParaRPr lang="en-US" dirty="0"/>
+              <a:t>в дистрибутивах </a:t>
+            </a:r>
+            <a:r>
+              <a:rPr lang="en-US" dirty="0"/>
+              <a:t>Linux</a:t>
+            </a:r>
           </a:p>
         </p:txBody>
       </p:sp>
     </p:spTree>
     <p:extLst>
       <p:ext uri="{BB962C8B-B14F-4D97-AF65-F5344CB8AC3E}">
-        <p14:creationId xmlns:p14="http://schemas.microsoft.com/office/powerpoint/2010/main" val="2436921369"/>
+        <p14:creationId xmlns:p14="http://schemas.microsoft.com/office/powerpoint/2010/main" val="3621633948"/>
       </p:ext>
     </p:extLst>
   </p:cSld>
@@ -13954,7 +14295,7 @@
           <p:cNvPr id="2" name="Title 1">
             <a:extLst>
               <a:ext uri="{FF2B5EF4-FFF2-40B4-BE49-F238E27FC236}">
-                <a16:creationId xmlns:a16="http://schemas.microsoft.com/office/drawing/2014/main" id="{CC798AB3-1D15-4521-A8DE-3E17788A428F}"/>
+                <a16:creationId xmlns:a16="http://schemas.microsoft.com/office/drawing/2014/main" id="{0A95A14D-8CF8-471B-AF3D-26999D8951D8}"/>
               </a:ext>
             </a:extLst>
           </p:cNvPr>
@@ -13972,52 +14313,105 @@
           <a:p>
             <a:r>
               <a:rPr lang="ru-RU" dirty="0"/>
-              <a:t>Ускорение работы </a:t>
-            </a:r>
-            <a:r>
-              <a:rPr lang="en-US" dirty="0"/>
-              <a:t>DLL: </a:t>
-            </a:r>
-            <a:r>
-              <a:rPr lang="ru-RU" dirty="0"/>
-              <a:t>оптимизация таблиц символов</a:t>
+              <a:t>Накладные расходы</a:t>
+            </a:r>
+            <a:r>
+              <a:rPr lang="en-US" dirty="0"/>
+              <a:t> </a:t>
+            </a:r>
+            <a:r>
+              <a:rPr lang="ru-RU" dirty="0"/>
+              <a:t>при использовании </a:t>
+            </a:r>
+            <a:r>
+              <a:rPr lang="en-US" dirty="0"/>
+              <a:t>DLL</a:t>
+            </a:r>
+          </a:p>
+        </p:txBody>
+      </p:sp>
+      <p:sp>
+        <p:nvSpPr>
+          <p:cNvPr id="3" name="Content Placeholder 2">
+            <a:extLst>
+              <a:ext uri="{FF2B5EF4-FFF2-40B4-BE49-F238E27FC236}">
+                <a16:creationId xmlns:a16="http://schemas.microsoft.com/office/drawing/2014/main" id="{5B49B649-A403-4066-8731-42F55BC6F396}"/>
+              </a:ext>
+            </a:extLst>
+          </p:cNvPr>
+          <p:cNvSpPr>
+            <a:spLocks noGrp="1"/>
+          </p:cNvSpPr>
+          <p:nvPr>
+            <p:ph idx="1"/>
+          </p:nvPr>
+        </p:nvSpPr>
+        <p:spPr/>
+        <p:txBody>
+          <a:bodyPr/>
+          <a:lstStyle/>
+          <a:p>
+            <a:r>
+              <a:rPr lang="ru-RU" dirty="0"/>
+              <a:t>Загрузка</a:t>
+            </a:r>
+            <a:r>
+              <a:rPr lang="en-US" dirty="0"/>
+              <a:t> </a:t>
+            </a:r>
+            <a:r>
+              <a:rPr lang="ru-RU" dirty="0"/>
+              <a:t>библиотеки</a:t>
             </a:r>
             <a:endParaRPr lang="en-US" dirty="0"/>
           </a:p>
-        </p:txBody>
-      </p:sp>
-      <p:sp>
-        <p:nvSpPr>
-          <p:cNvPr id="3" name="Content Placeholder 2">
-            <a:extLst>
-              <a:ext uri="{FF2B5EF4-FFF2-40B4-BE49-F238E27FC236}">
-                <a16:creationId xmlns:a16="http://schemas.microsoft.com/office/drawing/2014/main" id="{0CFC98EF-8A0E-4555-8157-8ACA61A524AE}"/>
-              </a:ext>
-            </a:extLst>
-          </p:cNvPr>
-          <p:cNvSpPr>
-            <a:spLocks noGrp="1"/>
-          </p:cNvSpPr>
-          <p:nvPr>
-            <p:ph idx="1"/>
-          </p:nvPr>
-        </p:nvSpPr>
-        <p:spPr/>
-        <p:txBody>
-          <a:bodyPr/>
-          <a:lstStyle/>
-          <a:p>
-            <a:r>
-              <a:rPr lang="ru-RU" dirty="0"/>
-              <a:t>Поиск символов в </a:t>
-            </a:r>
-            <a:r>
-              <a:rPr lang="en-US" dirty="0"/>
-              <a:t>Linux </a:t>
-            </a:r>
-            <a:r>
-              <a:rPr lang="ru-RU" dirty="0"/>
-              <a:t>осуществляется по хэштаблицам, хранящимся в файлах</a:t>
+          <a:p>
+            <a:pPr lvl="1"/>
+            <a:r>
+              <a:rPr lang="ru-RU" dirty="0"/>
+              <a:t>Релокация кода</a:t>
+            </a:r>
+            <a:endParaRPr lang="en-US" dirty="0"/>
+          </a:p>
+          <a:p>
+            <a:pPr lvl="1"/>
+            <a:r>
+              <a:rPr lang="ru-RU" b="1" dirty="0"/>
+              <a:t>Разрешение и </a:t>
+            </a:r>
+            <a:r>
+              <a:rPr lang="en-US" b="1" dirty="0"/>
+              <a:t>c</a:t>
+            </a:r>
+            <a:r>
+              <a:rPr lang="ru-RU" b="1" dirty="0"/>
+              <a:t>вязывание символов</a:t>
+            </a:r>
+            <a:endParaRPr lang="en-US" b="1" dirty="0"/>
+          </a:p>
+          <a:p>
+            <a:r>
+              <a:rPr lang="ru-RU" dirty="0"/>
+              <a:t>Работа с библиотекой</a:t>
+            </a:r>
+            <a:r>
+              <a:rPr lang="en-US" dirty="0"/>
+              <a:t>:</a:t>
+            </a:r>
+          </a:p>
+          <a:p>
+            <a:pPr lvl="1"/>
+            <a:r>
+              <a:rPr lang="ru-RU" dirty="0"/>
+              <a:t>Косвенные вызовы (</a:t>
+            </a:r>
+            <a:r>
+              <a:rPr lang="en-US" dirty="0"/>
+              <a:t>indirect calls) </a:t>
+            </a:r>
+            <a:r>
+              <a:rPr lang="ru-RU" dirty="0"/>
+              <a:t>функций</a:t>
             </a:r>
             <a:r>
               <a:rPr lang="en-US" dirty="0"/>
@@ -14025,50 +14419,7 @@
             </a:r>
             <a:r>
               <a:rPr lang="ru-RU" dirty="0"/>
-              <a:t>динамических библиотек</a:t>
-            </a:r>
-          </a:p>
-          <a:p>
-            <a:r>
-              <a:rPr lang="ru-RU" dirty="0"/>
-              <a:t>Линкеры позволяют гибко управлять размером и форматом этих хэштаблиц</a:t>
-            </a:r>
-            <a:endParaRPr lang="en-US" dirty="0"/>
-          </a:p>
-          <a:p>
-            <a:r>
-              <a:rPr lang="ru-RU" dirty="0"/>
-              <a:t>Наиболее оптимальная конфигурация опций</a:t>
-            </a:r>
-            <a:r>
-              <a:rPr lang="en-US" dirty="0"/>
-              <a:t>:</a:t>
-            </a:r>
-          </a:p>
-          <a:p>
-            <a:pPr lvl="1"/>
-            <a:r>
-              <a:rPr lang="en-US" dirty="0"/>
-              <a:t>-</a:t>
-            </a:r>
-            <a:r>
-              <a:rPr lang="en-US" dirty="0" err="1"/>
-              <a:t>Wl</a:t>
-            </a:r>
-            <a:r>
-              <a:rPr lang="en-US" dirty="0"/>
-              <a:t>,--hash-style=both -Wl,-O1</a:t>
-            </a:r>
-          </a:p>
-          <a:p>
-            <a:pPr lvl="1"/>
-            <a:r>
-              <a:rPr lang="en-US" dirty="0"/>
-              <a:t>--hash-style </a:t>
-            </a:r>
-            <a:r>
-              <a:rPr lang="ru-RU" dirty="0"/>
-              <a:t>уже включена по умолчанию во всех современных дистрибутивах</a:t>
+              <a:t>в рантайме</a:t>
             </a:r>
             <a:endParaRPr lang="en-US" dirty="0"/>
           </a:p>
@@ -14077,7 +14428,7 @@
     </p:spTree>
     <p:extLst>
       <p:ext uri="{BB962C8B-B14F-4D97-AF65-F5344CB8AC3E}">
-        <p14:creationId xmlns:p14="http://schemas.microsoft.com/office/powerpoint/2010/main" val="3957192232"/>
+        <p14:creationId xmlns:p14="http://schemas.microsoft.com/office/powerpoint/2010/main" val="2436921369"/>
       </p:ext>
     </p:extLst>
   </p:cSld>
@@ -14109,7 +14460,7 @@
           <p:cNvPr id="2" name="Title 1">
             <a:extLst>
               <a:ext uri="{FF2B5EF4-FFF2-40B4-BE49-F238E27FC236}">
-                <a16:creationId xmlns:a16="http://schemas.microsoft.com/office/drawing/2014/main" id="{EE2B7844-B8D9-42D2-80BE-3F170C7DECBA}"/>
+                <a16:creationId xmlns:a16="http://schemas.microsoft.com/office/drawing/2014/main" id="{CC798AB3-1D15-4521-A8DE-3E17788A428F}"/>
               </a:ext>
             </a:extLst>
           </p:cNvPr>
@@ -14135,7 +14486,7 @@
             </a:r>
             <a:r>
               <a:rPr lang="ru-RU" dirty="0"/>
-              <a:t>отключение ленивого связывания</a:t>
+              <a:t>оптимизация таблиц символов</a:t>
             </a:r>
             <a:endParaRPr lang="en-US" dirty="0"/>
           </a:p>
@@ -14146,7 +14497,7 @@
           <p:cNvPr id="3" name="Content Placeholder 2">
             <a:extLst>
               <a:ext uri="{FF2B5EF4-FFF2-40B4-BE49-F238E27FC236}">
-                <a16:creationId xmlns:a16="http://schemas.microsoft.com/office/drawing/2014/main" id="{0B44980E-F464-4A2A-AD5D-A16AADA1264C}"/>
+                <a16:creationId xmlns:a16="http://schemas.microsoft.com/office/drawing/2014/main" id="{0CFC98EF-8A0E-4555-8157-8ACA61A524AE}"/>
               </a:ext>
             </a:extLst>
           </p:cNvPr>
@@ -14157,21 +14508,16 @@
             <p:ph idx="1"/>
           </p:nvPr>
         </p:nvSpPr>
-        <p:spPr>
-          <a:xfrm>
-            <a:off x="838199" y="1825625"/>
-            <a:ext cx="10842171" cy="4667250"/>
-          </a:xfrm>
-        </p:spPr>
+        <p:spPr/>
         <p:txBody>
           <a:bodyPr>
-            <a:normAutofit/>
+            <a:normAutofit lnSpcReduction="10000"/>
           </a:bodyPr>
           <a:lstStyle/>
           <a:p>
             <a:r>
               <a:rPr lang="ru-RU" dirty="0"/>
-              <a:t>Ленивое связывание в </a:t>
+              <a:t>Поиск символов в </a:t>
             </a:r>
             <a:r>
               <a:rPr lang="en-US" dirty="0"/>
@@ -14179,54 +14525,77 @@
             </a:r>
             <a:r>
               <a:rPr lang="ru-RU" dirty="0"/>
-              <a:t>ускоряет начальную загрузку библиотек ценой накладных расходов в процессе работы</a:t>
-            </a:r>
-          </a:p>
-          <a:p>
-            <a:r>
-              <a:rPr lang="ru-RU" dirty="0"/>
-              <a:t>К загрузке адреса и косвенному вызову функции добавляется вызов </a:t>
-            </a:r>
-            <a:r>
-              <a:rPr lang="en-US" dirty="0"/>
-              <a:t>PLT-</a:t>
-            </a:r>
-            <a:r>
-              <a:rPr lang="ru-RU" dirty="0"/>
-              <a:t>заглушки</a:t>
+              <a:t>осуществляется по хэштаблицам, хранящимся в файлах</a:t>
+            </a:r>
+            <a:r>
+              <a:rPr lang="en-US" dirty="0"/>
+              <a:t> </a:t>
+            </a:r>
+            <a:r>
+              <a:rPr lang="ru-RU" dirty="0"/>
+              <a:t>динамических библиотек</a:t>
+            </a:r>
+          </a:p>
+          <a:p>
+            <a:r>
+              <a:rPr lang="ru-RU" dirty="0"/>
+              <a:t>Линкеры позволяют гибко управлять размером и форматом этих хэштаблиц</a:t>
+            </a:r>
+            <a:endParaRPr lang="en-US" dirty="0"/>
+          </a:p>
+          <a:p>
+            <a:r>
+              <a:rPr lang="ru-RU" dirty="0"/>
+              <a:t>Обычно рекомендуемая конфигурация опций</a:t>
+            </a:r>
+            <a:r>
+              <a:rPr lang="en-US" dirty="0"/>
+              <a:t>:</a:t>
             </a:r>
           </a:p>
           <a:p>
             <a:pPr lvl="1"/>
             <a:r>
-              <a:rPr lang="ru-RU" dirty="0"/>
-              <a:t>Загрузка адреса приходится осуществлять при каждом вызове</a:t>
-            </a:r>
-          </a:p>
-          <a:p>
-            <a:r>
-              <a:rPr lang="ru-RU" dirty="0"/>
-              <a:t>Ленивая загрузка и связанные с ней накладные расходы могут быть отключены</a:t>
-            </a:r>
-            <a:r>
-              <a:rPr lang="en-US" dirty="0"/>
-              <a:t> </a:t>
-            </a:r>
-            <a:r>
-              <a:rPr lang="ru-RU" dirty="0"/>
-              <a:t>флагом </a:t>
-            </a:r>
-            <a:r>
               <a:rPr lang="en-US" dirty="0"/>
               <a:t>-</a:t>
             </a:r>
             <a:r>
               <a:rPr lang="en-US" dirty="0" err="1"/>
-              <a:t>fno-plt</a:t>
+              <a:t>Wl</a:t>
+            </a:r>
+            <a:r>
+              <a:rPr lang="en-US" dirty="0"/>
+              <a:t>,--hash-style=both -Wl,-O1</a:t>
+            </a:r>
+          </a:p>
+          <a:p>
+            <a:r>
+              <a:rPr lang="en-US" dirty="0"/>
+              <a:t>-</a:t>
+            </a:r>
+            <a:r>
+              <a:rPr lang="en-US" dirty="0" err="1"/>
+              <a:t>Wl</a:t>
+            </a:r>
+            <a:r>
+              <a:rPr lang="en-US" dirty="0"/>
+              <a:t>,--hash-style </a:t>
+            </a:r>
+            <a:r>
+              <a:rPr lang="ru-RU" dirty="0"/>
+              <a:t>уже включена по умолчанию во всех современных дистрибутивах</a:t>
             </a:r>
             <a:endParaRPr lang="en-US" dirty="0"/>
           </a:p>
           <a:p>
+            <a:r>
+              <a:rPr lang="en-US" dirty="0"/>
+              <a:t>-Wl,-O1 </a:t>
+            </a:r>
+            <a:r>
+              <a:rPr lang="ru-RU" dirty="0"/>
+              <a:t>не оказывает существенного влияния на производительность</a:t>
+            </a:r>
             <a:endParaRPr lang="en-US" dirty="0"/>
           </a:p>
         </p:txBody>
@@ -14234,7 +14603,7 @@
     </p:spTree>
     <p:extLst>
       <p:ext uri="{BB962C8B-B14F-4D97-AF65-F5344CB8AC3E}">
-        <p14:creationId xmlns:p14="http://schemas.microsoft.com/office/powerpoint/2010/main" val="225035390"/>
+        <p14:creationId xmlns:p14="http://schemas.microsoft.com/office/powerpoint/2010/main" val="3957192232"/>
       </p:ext>
     </p:extLst>
   </p:cSld>
@@ -14325,7 +14694,7 @@
           <a:p>
             <a:r>
               <a:rPr lang="ru-RU" dirty="0"/>
-              <a:t>Сравнение </a:t>
+              <a:t>Сравнение реализаций в </a:t>
             </a:r>
             <a:r>
               <a:rPr lang="en-US" dirty="0"/>
@@ -14343,7 +14712,7 @@
           <a:p>
             <a:r>
               <a:rPr lang="ru-RU" dirty="0"/>
-              <a:t>Ускорение работы библиотек</a:t>
+              <a:t>Ускорение работы динамических библиотек</a:t>
             </a:r>
             <a:endParaRPr lang="en-US" dirty="0"/>
           </a:p>
@@ -14446,7 +14815,50 @@
           <a:p>
             <a:r>
               <a:rPr lang="ru-RU" dirty="0"/>
-              <a:t>Использование </a:t>
+              <a:t>Ленивое связывание в </a:t>
+            </a:r>
+            <a:r>
+              <a:rPr lang="en-US" dirty="0"/>
+              <a:t>Linux </a:t>
+            </a:r>
+            <a:r>
+              <a:rPr lang="ru-RU" dirty="0"/>
+              <a:t>ускоряет начальную загрузку библиотек ценой накладных расходов в процессе работы</a:t>
+            </a:r>
+          </a:p>
+          <a:p>
+            <a:r>
+              <a:rPr lang="ru-RU" dirty="0"/>
+              <a:t>К загрузке адреса и косвенному вызову функции добавляется вызов </a:t>
+            </a:r>
+            <a:r>
+              <a:rPr lang="en-US" dirty="0"/>
+              <a:t>PLT-</a:t>
+            </a:r>
+            <a:r>
+              <a:rPr lang="ru-RU" dirty="0"/>
+              <a:t>заглушки</a:t>
+            </a:r>
+          </a:p>
+          <a:p>
+            <a:pPr lvl="1"/>
+            <a:r>
+              <a:rPr lang="ru-RU" dirty="0"/>
+              <a:t>Загрузка адреса приходится осуществлять при каждом вызове</a:t>
+            </a:r>
+          </a:p>
+          <a:p>
+            <a:r>
+              <a:rPr lang="ru-RU" dirty="0"/>
+              <a:t>Ленивая загрузка и связанные с ней накладные расходы могут быть отключены</a:t>
+            </a:r>
+            <a:r>
+              <a:rPr lang="en-US" dirty="0"/>
+              <a:t> </a:t>
+            </a:r>
+            <a:r>
+              <a:rPr lang="ru-RU" dirty="0"/>
+              <a:t>флагом </a:t>
             </a:r>
             <a:r>
               <a:rPr lang="en-US" dirty="0"/>
@@ -14459,105 +14871,14 @@
             <a:endParaRPr lang="en-US" dirty="0"/>
           </a:p>
           <a:p>
-            <a:pPr lvl="1"/>
-            <a:r>
-              <a:rPr lang="ru-RU" dirty="0"/>
-              <a:t>Ускоряет вызовы библиотечных функций</a:t>
-            </a:r>
-          </a:p>
-          <a:p>
-            <a:pPr lvl="1"/>
-            <a:r>
-              <a:rPr lang="ru-RU" dirty="0"/>
-              <a:t>Замедляет загрузку</a:t>
-            </a:r>
-            <a:r>
-              <a:rPr lang="en-US" dirty="0"/>
-              <a:t> </a:t>
-            </a:r>
-            <a:r>
-              <a:rPr lang="ru-RU" dirty="0"/>
-              <a:t>библиотеки (т.к. все адреса надо разрешить и связать на старте</a:t>
-            </a:r>
-            <a:r>
-              <a:rPr lang="en-US" dirty="0"/>
-              <a:t> </a:t>
-            </a:r>
-            <a:r>
-              <a:rPr lang="ru-RU" dirty="0"/>
-              <a:t>программы)</a:t>
-            </a:r>
-          </a:p>
-          <a:p>
-            <a:r>
-              <a:rPr lang="ru-RU" dirty="0"/>
-              <a:t>Современные требования к безопасности и так рекомендуют разрешать все функции на старте программы</a:t>
-            </a:r>
-          </a:p>
-          <a:p>
-            <a:pPr lvl="1"/>
-            <a:r>
-              <a:rPr lang="ru-RU" dirty="0"/>
-              <a:t>Позволяет использовать технологию </a:t>
-            </a:r>
-            <a:r>
-              <a:rPr lang="en-US" dirty="0"/>
-              <a:t>Full </a:t>
-            </a:r>
-            <a:r>
-              <a:rPr lang="en-US" dirty="0" err="1"/>
-              <a:t>Relro</a:t>
-            </a:r>
-            <a:r>
-              <a:rPr lang="en-US" dirty="0"/>
-              <a:t> </a:t>
-            </a:r>
-            <a:r>
-              <a:rPr lang="ru-RU" dirty="0"/>
-              <a:t>для защиты от непреднамеренных модификаций </a:t>
-            </a:r>
-            <a:r>
-              <a:rPr lang="en-US" dirty="0"/>
-              <a:t>GOT</a:t>
-            </a:r>
-          </a:p>
-          <a:p>
-            <a:pPr lvl="1"/>
-            <a:r>
-              <a:rPr lang="en-US" dirty="0"/>
-              <a:t>Full </a:t>
-            </a:r>
-            <a:r>
-              <a:rPr lang="en-US" dirty="0" err="1"/>
-              <a:t>Relro</a:t>
-            </a:r>
-            <a:r>
-              <a:rPr lang="en-US" dirty="0"/>
-              <a:t> </a:t>
-            </a:r>
-            <a:r>
-              <a:rPr lang="ru-RU" dirty="0"/>
-              <a:t>используется для компиляции пакетов в </a:t>
-            </a:r>
-            <a:r>
-              <a:rPr lang="en-US" dirty="0"/>
-              <a:t>RHEL </a:t>
-            </a:r>
-            <a:r>
-              <a:rPr lang="ru-RU" dirty="0"/>
-              <a:t>и </a:t>
-            </a:r>
-            <a:r>
-              <a:rPr lang="en-US" dirty="0"/>
-              <a:t>Ubuntu</a:t>
-            </a:r>
+            <a:endParaRPr lang="en-US" dirty="0"/>
           </a:p>
         </p:txBody>
       </p:sp>
     </p:spTree>
     <p:extLst>
       <p:ext uri="{BB962C8B-B14F-4D97-AF65-F5344CB8AC3E}">
-        <p14:creationId xmlns:p14="http://schemas.microsoft.com/office/powerpoint/2010/main" val="1232306249"/>
+        <p14:creationId xmlns:p14="http://schemas.microsoft.com/office/powerpoint/2010/main" val="225035390"/>
       </p:ext>
     </p:extLst>
   </p:cSld>
@@ -14589,7 +14910,7 @@
           <p:cNvPr id="2" name="Title 1">
             <a:extLst>
               <a:ext uri="{FF2B5EF4-FFF2-40B4-BE49-F238E27FC236}">
-                <a16:creationId xmlns:a16="http://schemas.microsoft.com/office/drawing/2014/main" id="{0A95A14D-8CF8-471B-AF3D-26999D8951D8}"/>
+                <a16:creationId xmlns:a16="http://schemas.microsoft.com/office/drawing/2014/main" id="{EE2B7844-B8D9-42D2-80BE-3F170C7DECBA}"/>
               </a:ext>
             </a:extLst>
           </p:cNvPr>
@@ -14607,7 +14928,74 @@
           <a:p>
             <a:r>
               <a:rPr lang="ru-RU" dirty="0"/>
-              <a:t>Накладные расходы</a:t>
+              <a:t>Ускорение работы </a:t>
+            </a:r>
+            <a:r>
+              <a:rPr lang="en-US" dirty="0"/>
+              <a:t>DLL: </a:t>
+            </a:r>
+            <a:r>
+              <a:rPr lang="ru-RU" dirty="0"/>
+              <a:t>отключение ленивого связывания</a:t>
+            </a:r>
+            <a:endParaRPr lang="en-US" dirty="0"/>
+          </a:p>
+        </p:txBody>
+      </p:sp>
+      <p:sp>
+        <p:nvSpPr>
+          <p:cNvPr id="3" name="Content Placeholder 2">
+            <a:extLst>
+              <a:ext uri="{FF2B5EF4-FFF2-40B4-BE49-F238E27FC236}">
+                <a16:creationId xmlns:a16="http://schemas.microsoft.com/office/drawing/2014/main" id="{0B44980E-F464-4A2A-AD5D-A16AADA1264C}"/>
+              </a:ext>
+            </a:extLst>
+          </p:cNvPr>
+          <p:cNvSpPr>
+            <a:spLocks noGrp="1"/>
+          </p:cNvSpPr>
+          <p:nvPr>
+            <p:ph idx="1"/>
+          </p:nvPr>
+        </p:nvSpPr>
+        <p:spPr>
+          <a:xfrm>
+            <a:off x="838199" y="1825625"/>
+            <a:ext cx="10842171" cy="4667250"/>
+          </a:xfrm>
+        </p:spPr>
+        <p:txBody>
+          <a:bodyPr>
+            <a:normAutofit/>
+          </a:bodyPr>
+          <a:lstStyle/>
+          <a:p>
+            <a:r>
+              <a:rPr lang="ru-RU" dirty="0"/>
+              <a:t>Использование </a:t>
+            </a:r>
+            <a:r>
+              <a:rPr lang="en-US" dirty="0"/>
+              <a:t>-</a:t>
+            </a:r>
+            <a:r>
+              <a:rPr lang="en-US" dirty="0" err="1"/>
+              <a:t>fno-plt</a:t>
+            </a:r>
+            <a:endParaRPr lang="en-US" dirty="0"/>
+          </a:p>
+          <a:p>
+            <a:pPr lvl="1"/>
+            <a:r>
+              <a:rPr lang="ru-RU" dirty="0"/>
+              <a:t>Ускоряет вызовы библиотечных функций</a:t>
+            </a:r>
+          </a:p>
+          <a:p>
+            <a:pPr lvl="1"/>
+            <a:r>
+              <a:rPr lang="ru-RU" dirty="0"/>
+              <a:t>Замедляет загрузку</a:t>
             </a:r>
             <a:r>
               <a:rPr lang="en-US" dirty="0"/>
@@ -14615,39 +15003,7 @@
             </a:r>
             <a:r>
               <a:rPr lang="ru-RU" dirty="0"/>
-              <a:t>при использовании </a:t>
-            </a:r>
-            <a:r>
-              <a:rPr lang="en-US" dirty="0"/>
-              <a:t>DLL</a:t>
-            </a:r>
-          </a:p>
-        </p:txBody>
-      </p:sp>
-      <p:sp>
-        <p:nvSpPr>
-          <p:cNvPr id="3" name="Content Placeholder 2">
-            <a:extLst>
-              <a:ext uri="{FF2B5EF4-FFF2-40B4-BE49-F238E27FC236}">
-                <a16:creationId xmlns:a16="http://schemas.microsoft.com/office/drawing/2014/main" id="{5B49B649-A403-4066-8731-42F55BC6F396}"/>
-              </a:ext>
-            </a:extLst>
-          </p:cNvPr>
-          <p:cNvSpPr>
-            <a:spLocks noGrp="1"/>
-          </p:cNvSpPr>
-          <p:nvPr>
-            <p:ph idx="1"/>
-          </p:nvPr>
-        </p:nvSpPr>
-        <p:spPr/>
-        <p:txBody>
-          <a:bodyPr/>
-          <a:lstStyle/>
-          <a:p>
-            <a:r>
-              <a:rPr lang="ru-RU" dirty="0"/>
-              <a:t>Загрузка</a:t>
+              <a:t>библиотеки (т.к. все адреса надо разрешить и связать на старте</a:t>
             </a:r>
             <a:r>
               <a:rPr lang="en-US" dirty="0"/>
@@ -14655,71 +15011,79 @@
             </a:r>
             <a:r>
               <a:rPr lang="ru-RU" dirty="0"/>
-              <a:t>библиотеки</a:t>
-            </a:r>
-            <a:endParaRPr lang="en-US" dirty="0"/>
+              <a:t>программы)</a:t>
+            </a:r>
+          </a:p>
+          <a:p>
+            <a:r>
+              <a:rPr lang="ru-RU" dirty="0"/>
+              <a:t>Современные требования к безопасности и так рекомендуют разрешать все функции на старте программы</a:t>
+            </a:r>
           </a:p>
           <a:p>
             <a:pPr lvl="1"/>
             <a:r>
               <a:rPr lang="ru-RU" dirty="0"/>
-              <a:t>Релокация кода</a:t>
-            </a:r>
-            <a:endParaRPr lang="en-US" dirty="0"/>
+              <a:t>Позволяет использовать технологию </a:t>
+            </a:r>
+            <a:r>
+              <a:rPr lang="en-US" dirty="0"/>
+              <a:t>Full </a:t>
+            </a:r>
+            <a:r>
+              <a:rPr lang="en-US" dirty="0" err="1"/>
+              <a:t>Relro</a:t>
+            </a:r>
+            <a:r>
+              <a:rPr lang="en-US" dirty="0"/>
+              <a:t> </a:t>
+            </a:r>
+            <a:r>
+              <a:rPr lang="ru-RU" dirty="0"/>
+              <a:t>для защиты от непреднамеренных модификаций </a:t>
+            </a:r>
+            <a:r>
+              <a:rPr lang="en-US" dirty="0"/>
+              <a:t>GOT</a:t>
+            </a:r>
           </a:p>
           <a:p>
             <a:pPr lvl="1"/>
             <a:r>
-              <a:rPr lang="ru-RU" dirty="0"/>
-              <a:t>Разрешение и </a:t>
-            </a:r>
-            <a:r>
-              <a:rPr lang="en-US" dirty="0"/>
-              <a:t>c</a:t>
-            </a:r>
-            <a:r>
-              <a:rPr lang="ru-RU" dirty="0"/>
-              <a:t>вязывание символов</a:t>
-            </a:r>
-            <a:endParaRPr lang="en-US" dirty="0"/>
-          </a:p>
-          <a:p>
-            <a:r>
-              <a:rPr lang="ru-RU" dirty="0"/>
-              <a:t>Работа с библиотекой</a:t>
-            </a:r>
-            <a:endParaRPr lang="en-US" dirty="0"/>
-          </a:p>
-          <a:p>
-            <a:pPr lvl="1"/>
-            <a:r>
-              <a:rPr lang="ru-RU" b="1" dirty="0"/>
-              <a:t>Косвенные вызовы (</a:t>
-            </a:r>
-            <a:r>
-              <a:rPr lang="en-US" b="1" dirty="0"/>
-              <a:t>indirect calls) </a:t>
-            </a:r>
-            <a:r>
-              <a:rPr lang="ru-RU" b="1" dirty="0"/>
-              <a:t>функций</a:t>
-            </a:r>
-            <a:r>
-              <a:rPr lang="en-US" b="1" dirty="0"/>
+              <a:rPr lang="en-US" dirty="0"/>
+              <a:t>Full </a:t>
+            </a:r>
+            <a:r>
+              <a:rPr lang="en-US" dirty="0" err="1"/>
+              <a:t>Relro</a:t>
+            </a:r>
+            <a:r>
+              <a:rPr lang="en-US" dirty="0"/>
               <a:t> </a:t>
             </a:r>
             <a:r>
-              <a:rPr lang="ru-RU" b="1" dirty="0"/>
-              <a:t>в рантайме</a:t>
-            </a:r>
-            <a:endParaRPr lang="en-US" b="1" dirty="0"/>
+              <a:rPr lang="ru-RU" dirty="0"/>
+              <a:t>используется по умолчанию в </a:t>
+            </a:r>
+            <a:r>
+              <a:rPr lang="en-US" dirty="0"/>
+              <a:t>RHEL/Fedora </a:t>
+            </a:r>
+            <a:r>
+              <a:rPr lang="ru-RU" dirty="0"/>
+              <a:t>и </a:t>
+            </a:r>
+            <a:r>
+              <a:rPr lang="en-US" dirty="0"/>
+              <a:t>Ubuntu</a:t>
+            </a:r>
           </a:p>
         </p:txBody>
       </p:sp>
     </p:spTree>
     <p:extLst>
       <p:ext uri="{BB962C8B-B14F-4D97-AF65-F5344CB8AC3E}">
-        <p14:creationId xmlns:p14="http://schemas.microsoft.com/office/powerpoint/2010/main" val="3025777625"/>
+        <p14:creationId xmlns:p14="http://schemas.microsoft.com/office/powerpoint/2010/main" val="1232306249"/>
       </p:ext>
     </p:extLst>
   </p:cSld>
@@ -14751,7 +15115,7 @@
           <p:cNvPr id="2" name="Title 1">
             <a:extLst>
               <a:ext uri="{FF2B5EF4-FFF2-40B4-BE49-F238E27FC236}">
-                <a16:creationId xmlns:a16="http://schemas.microsoft.com/office/drawing/2014/main" id="{9E2F4025-5B63-47B1-ACD7-A498A81AE42A}"/>
+                <a16:creationId xmlns:a16="http://schemas.microsoft.com/office/drawing/2014/main" id="{EE2B7844-B8D9-42D2-80BE-3F170C7DECBA}"/>
               </a:ext>
             </a:extLst>
           </p:cNvPr>
@@ -14769,7 +15133,15 @@
           <a:p>
             <a:r>
               <a:rPr lang="ru-RU" dirty="0"/>
-              <a:t>Проблемы с экспортируемыми символами</a:t>
+              <a:t>Ускорение работы </a:t>
+            </a:r>
+            <a:r>
+              <a:rPr lang="en-US" dirty="0"/>
+              <a:t>DLL: </a:t>
+            </a:r>
+            <a:r>
+              <a:rPr lang="ru-RU" dirty="0"/>
+              <a:t>отключение ленивого связывания</a:t>
             </a:r>
             <a:endParaRPr lang="en-US" dirty="0"/>
           </a:p>
@@ -14780,7 +15152,7 @@
           <p:cNvPr id="3" name="Content Placeholder 2">
             <a:extLst>
               <a:ext uri="{FF2B5EF4-FFF2-40B4-BE49-F238E27FC236}">
-                <a16:creationId xmlns:a16="http://schemas.microsoft.com/office/drawing/2014/main" id="{37862244-1BB6-4E07-B31C-F099E59591B4}"/>
+                <a16:creationId xmlns:a16="http://schemas.microsoft.com/office/drawing/2014/main" id="{0B44980E-F464-4A2A-AD5D-A16AADA1264C}"/>
               </a:ext>
             </a:extLst>
           </p:cNvPr>
@@ -14791,76 +15163,69 @@
             <p:ph idx="1"/>
           </p:nvPr>
         </p:nvSpPr>
-        <p:spPr/>
-        <p:txBody>
-          <a:bodyPr/>
-          <a:lstStyle/>
-          <a:p>
-            <a:r>
-              <a:rPr lang="ru-RU" dirty="0"/>
-              <a:t>По умолчанию на </a:t>
-            </a:r>
-            <a:r>
-              <a:rPr lang="en-US" dirty="0"/>
-              <a:t>Linux </a:t>
-            </a:r>
-            <a:r>
-              <a:rPr lang="ru-RU" dirty="0"/>
-              <a:t>все функции библиотеки экспортируются</a:t>
+        <p:spPr>
+          <a:xfrm>
+            <a:off x="838199" y="1825625"/>
+            <a:ext cx="10842171" cy="4667250"/>
+          </a:xfrm>
+        </p:spPr>
+        <p:txBody>
+          <a:bodyPr>
+            <a:normAutofit/>
+          </a:bodyPr>
+          <a:lstStyle/>
+          <a:p>
+            <a:r>
+              <a:rPr lang="ru-RU" dirty="0"/>
+              <a:t>Примеры</a:t>
+            </a:r>
+            <a:r>
+              <a:rPr lang="en-US" dirty="0"/>
+              <a:t>:</a:t>
             </a:r>
           </a:p>
           <a:p>
             <a:pPr lvl="1"/>
             <a:r>
               <a:rPr lang="ru-RU" dirty="0"/>
-              <a:t>Для совместимости со статическими библиотеками</a:t>
-            </a:r>
-          </a:p>
-          <a:p>
-            <a:r>
-              <a:rPr lang="ru-RU" dirty="0"/>
-              <a:t>Из-за возможного перехвата функций вызов экспортируемой функции внутри библиотеки происходит через таблицу адресов</a:t>
-            </a:r>
-            <a:r>
-              <a:rPr lang="en-US" dirty="0"/>
-              <a:t> GOT</a:t>
-            </a:r>
-          </a:p>
-          <a:p>
-            <a:r>
-              <a:rPr lang="ru-RU" dirty="0"/>
-              <a:t>Накладные расходы</a:t>
-            </a:r>
-            <a:r>
-              <a:rPr lang="en-US" dirty="0"/>
-              <a:t>:</a:t>
-            </a:r>
-          </a:p>
-          <a:p>
-            <a:pPr lvl="1"/>
-            <a:r>
-              <a:rPr lang="ru-RU" dirty="0"/>
-              <a:t>Косвенные вызовы функций</a:t>
-            </a:r>
-          </a:p>
-          <a:p>
-            <a:pPr lvl="1"/>
-            <a:r>
-              <a:rPr lang="ru-RU" dirty="0"/>
-              <a:t>Отмена оптимизаций в компиляторе</a:t>
-            </a:r>
-            <a:r>
-              <a:rPr lang="en-US" dirty="0"/>
-              <a:t> (</a:t>
+              <a:t>Использование </a:t>
+            </a:r>
+            <a:r>
+              <a:rPr lang="en-US" dirty="0"/>
+              <a:t>-</a:t>
             </a:r>
             <a:r>
               <a:rPr lang="en-US" dirty="0" err="1"/>
-              <a:t>inlining</a:t>
-            </a:r>
-            <a:r>
-              <a:rPr lang="en-US" dirty="0"/>
-              <a:t>, cloning, etc.)</a:t>
-            </a:r>
+              <a:t>fno-plt</a:t>
+            </a:r>
+            <a:r>
+              <a:rPr lang="en-US" dirty="0"/>
+              <a:t> </a:t>
+            </a:r>
+            <a:r>
+              <a:rPr lang="ru-RU" dirty="0"/>
+              <a:t>в </a:t>
+            </a:r>
+            <a:r>
+              <a:rPr lang="en-US" dirty="0"/>
+              <a:t>Clang </a:t>
+            </a:r>
+            <a:r>
+              <a:rPr lang="ru-RU" dirty="0"/>
+              <a:t>даёт до </a:t>
+            </a:r>
+            <a:r>
+              <a:rPr lang="en-US" dirty="0"/>
+              <a:t>10% </a:t>
+            </a:r>
+            <a:r>
+              <a:rPr lang="ru-RU" dirty="0"/>
+              <a:t>прироста производительности</a:t>
+            </a:r>
+            <a:endParaRPr lang="en-US" dirty="0"/>
+          </a:p>
+          <a:p>
+            <a:endParaRPr lang="en-US" dirty="0"/>
           </a:p>
           <a:p>
             <a:endParaRPr lang="en-US" dirty="0"/>
@@ -14870,7 +15235,7 @@
     </p:spTree>
     <p:extLst>
       <p:ext uri="{BB962C8B-B14F-4D97-AF65-F5344CB8AC3E}">
-        <p14:creationId xmlns:p14="http://schemas.microsoft.com/office/powerpoint/2010/main" val="653850357"/>
+        <p14:creationId xmlns:p14="http://schemas.microsoft.com/office/powerpoint/2010/main" val="1282722250"/>
       </p:ext>
     </p:extLst>
   </p:cSld>
@@ -14902,7 +15267,7 @@
           <p:cNvPr id="2" name="Title 1">
             <a:extLst>
               <a:ext uri="{FF2B5EF4-FFF2-40B4-BE49-F238E27FC236}">
-                <a16:creationId xmlns:a16="http://schemas.microsoft.com/office/drawing/2014/main" id="{44E34916-01E9-4F42-B603-B05283CC4616}"/>
+                <a16:creationId xmlns:a16="http://schemas.microsoft.com/office/drawing/2014/main" id="{0A95A14D-8CF8-471B-AF3D-26999D8951D8}"/>
               </a:ext>
             </a:extLst>
           </p:cNvPr>
@@ -14920,257 +15285,119 @@
           <a:p>
             <a:r>
               <a:rPr lang="ru-RU" dirty="0"/>
-              <a:t>Пример отмены оптимизаций</a:t>
+              <a:t>Накладные расходы</a:t>
+            </a:r>
+            <a:r>
+              <a:rPr lang="en-US" dirty="0"/>
+              <a:t> </a:t>
+            </a:r>
+            <a:r>
+              <a:rPr lang="ru-RU" dirty="0"/>
+              <a:t>при использовании </a:t>
+            </a:r>
+            <a:r>
+              <a:rPr lang="en-US" dirty="0"/>
+              <a:t>DLL</a:t>
+            </a:r>
+          </a:p>
+        </p:txBody>
+      </p:sp>
+      <p:sp>
+        <p:nvSpPr>
+          <p:cNvPr id="3" name="Content Placeholder 2">
+            <a:extLst>
+              <a:ext uri="{FF2B5EF4-FFF2-40B4-BE49-F238E27FC236}">
+                <a16:creationId xmlns:a16="http://schemas.microsoft.com/office/drawing/2014/main" id="{5B49B649-A403-4066-8731-42F55BC6F396}"/>
+              </a:ext>
+            </a:extLst>
+          </p:cNvPr>
+          <p:cNvSpPr>
+            <a:spLocks noGrp="1"/>
+          </p:cNvSpPr>
+          <p:nvPr>
+            <p:ph idx="1"/>
+          </p:nvPr>
+        </p:nvSpPr>
+        <p:spPr/>
+        <p:txBody>
+          <a:bodyPr/>
+          <a:lstStyle/>
+          <a:p>
+            <a:r>
+              <a:rPr lang="ru-RU" dirty="0"/>
+              <a:t>Загрузка</a:t>
+            </a:r>
+            <a:r>
+              <a:rPr lang="en-US" dirty="0"/>
+              <a:t> </a:t>
+            </a:r>
+            <a:r>
+              <a:rPr lang="ru-RU" dirty="0"/>
+              <a:t>библиотеки</a:t>
             </a:r>
             <a:endParaRPr lang="en-US" dirty="0"/>
           </a:p>
-        </p:txBody>
-      </p:sp>
-      <p:sp>
-        <p:nvSpPr>
-          <p:cNvPr id="3" name="Content Placeholder 2">
-            <a:extLst>
-              <a:ext uri="{FF2B5EF4-FFF2-40B4-BE49-F238E27FC236}">
-                <a16:creationId xmlns:a16="http://schemas.microsoft.com/office/drawing/2014/main" id="{6770FDB2-1A82-4929-A1E6-E0FB79342368}"/>
-              </a:ext>
-            </a:extLst>
-          </p:cNvPr>
-          <p:cNvSpPr>
-            <a:spLocks noGrp="1"/>
-          </p:cNvSpPr>
-          <p:nvPr>
-            <p:ph idx="1"/>
-          </p:nvPr>
-        </p:nvSpPr>
-        <p:spPr/>
-        <p:txBody>
-          <a:bodyPr>
-            <a:normAutofit/>
-          </a:bodyPr>
-          <a:lstStyle/>
-          <a:p>
-            <a:r>
-              <a:rPr lang="ru-RU" dirty="0"/>
-              <a:t>Компилятор не встраивает вызов функции из-за возможности перехвата</a:t>
+          <a:p>
+            <a:pPr lvl="1"/>
+            <a:r>
+              <a:rPr lang="ru-RU" dirty="0"/>
+              <a:t>Релокация кода</a:t>
             </a:r>
             <a:endParaRPr lang="en-US" dirty="0"/>
           </a:p>
           <a:p>
-            <a:pPr marL="457200" lvl="1" indent="0">
-              <a:buNone/>
-            </a:pPr>
-            <a:r>
-              <a:rPr lang="en-US" dirty="0">
-                <a:latin typeface="Courier New" panose="02070309020205020404" pitchFamily="49" charset="0"/>
-                <a:cs typeface="Courier New" panose="02070309020205020404" pitchFamily="49" charset="0"/>
-              </a:rPr>
-              <a:t>$ cat </a:t>
-            </a:r>
-            <a:r>
-              <a:rPr lang="en-US" dirty="0" err="1">
-                <a:latin typeface="Courier New" panose="02070309020205020404" pitchFamily="49" charset="0"/>
-                <a:cs typeface="Courier New" panose="02070309020205020404" pitchFamily="49" charset="0"/>
-              </a:rPr>
-              <a:t>tmp.c</a:t>
-            </a:r>
-            <a:endParaRPr lang="en-US" dirty="0">
-              <a:latin typeface="Courier New" panose="02070309020205020404" pitchFamily="49" charset="0"/>
-              <a:cs typeface="Courier New" panose="02070309020205020404" pitchFamily="49" charset="0"/>
-            </a:endParaRPr>
-          </a:p>
-          <a:p>
-            <a:pPr marL="457200" lvl="1" indent="0">
-              <a:buNone/>
-            </a:pPr>
-            <a:r>
-              <a:rPr lang="en-US" dirty="0">
-                <a:solidFill>
-                  <a:prstClr val="black"/>
-                </a:solidFill>
-                <a:latin typeface="Courier New" panose="02070309020205020404" pitchFamily="49" charset="0"/>
-                <a:cs typeface="Courier New" panose="02070309020205020404" pitchFamily="49" charset="0"/>
-              </a:rPr>
-              <a:t>void foo() {}</a:t>
-            </a:r>
-          </a:p>
-          <a:p>
-            <a:pPr marL="457200" lvl="1" indent="0">
-              <a:buNone/>
-            </a:pPr>
-            <a:r>
-              <a:rPr lang="en-US" dirty="0">
-                <a:solidFill>
-                  <a:prstClr val="black"/>
-                </a:solidFill>
-                <a:latin typeface="Courier New" panose="02070309020205020404" pitchFamily="49" charset="0"/>
-                <a:cs typeface="Courier New" panose="02070309020205020404" pitchFamily="49" charset="0"/>
-              </a:rPr>
-              <a:t>void bar() { foo(); }</a:t>
-            </a:r>
-          </a:p>
-          <a:p>
-            <a:pPr marL="457200" lvl="1" indent="0">
-              <a:buNone/>
-            </a:pPr>
-            <a:r>
-              <a:rPr lang="en-US" dirty="0">
-                <a:solidFill>
-                  <a:prstClr val="black"/>
-                </a:solidFill>
-                <a:latin typeface="Courier New" panose="02070309020205020404" pitchFamily="49" charset="0"/>
-                <a:cs typeface="Courier New" panose="02070309020205020404" pitchFamily="49" charset="0"/>
-              </a:rPr>
-              <a:t>$ </a:t>
-            </a:r>
-            <a:r>
-              <a:rPr lang="en-US" dirty="0" err="1">
-                <a:solidFill>
-                  <a:prstClr val="black"/>
-                </a:solidFill>
-                <a:latin typeface="Courier New" panose="02070309020205020404" pitchFamily="49" charset="0"/>
-                <a:cs typeface="Courier New" panose="02070309020205020404" pitchFamily="49" charset="0"/>
-              </a:rPr>
-              <a:t>gcc</a:t>
-            </a:r>
-            <a:r>
-              <a:rPr lang="en-US" dirty="0">
-                <a:solidFill>
-                  <a:prstClr val="black"/>
-                </a:solidFill>
-                <a:latin typeface="Courier New" panose="02070309020205020404" pitchFamily="49" charset="0"/>
-                <a:cs typeface="Courier New" panose="02070309020205020404" pitchFamily="49" charset="0"/>
-              </a:rPr>
-              <a:t> –O3 -</a:t>
-            </a:r>
-            <a:r>
-              <a:rPr lang="en-US" dirty="0" err="1">
-                <a:solidFill>
-                  <a:prstClr val="black"/>
-                </a:solidFill>
-                <a:latin typeface="Courier New" panose="02070309020205020404" pitchFamily="49" charset="0"/>
-                <a:cs typeface="Courier New" panose="02070309020205020404" pitchFamily="49" charset="0"/>
-              </a:rPr>
-              <a:t>fPIC</a:t>
-            </a:r>
-            <a:r>
-              <a:rPr lang="en-US" dirty="0">
-                <a:solidFill>
-                  <a:prstClr val="black"/>
-                </a:solidFill>
-                <a:latin typeface="Courier New" panose="02070309020205020404" pitchFamily="49" charset="0"/>
-                <a:cs typeface="Courier New" panose="02070309020205020404" pitchFamily="49" charset="0"/>
-              </a:rPr>
-              <a:t> -S </a:t>
-            </a:r>
-            <a:r>
-              <a:rPr lang="en-US" dirty="0" err="1">
-                <a:solidFill>
-                  <a:prstClr val="black"/>
-                </a:solidFill>
-                <a:latin typeface="Courier New" panose="02070309020205020404" pitchFamily="49" charset="0"/>
-                <a:cs typeface="Courier New" panose="02070309020205020404" pitchFamily="49" charset="0"/>
-              </a:rPr>
-              <a:t>tmp.c</a:t>
-            </a:r>
-            <a:r>
-              <a:rPr lang="en-US" dirty="0">
-                <a:solidFill>
-                  <a:prstClr val="black"/>
-                </a:solidFill>
-                <a:latin typeface="Courier New" panose="02070309020205020404" pitchFamily="49" charset="0"/>
-                <a:cs typeface="Courier New" panose="02070309020205020404" pitchFamily="49" charset="0"/>
-              </a:rPr>
-              <a:t> -o-</a:t>
-            </a:r>
-          </a:p>
-          <a:p>
-            <a:pPr marL="457200" lvl="1" indent="0">
-              <a:buNone/>
-            </a:pPr>
-            <a:r>
-              <a:rPr lang="en-US" dirty="0">
-                <a:solidFill>
-                  <a:prstClr val="black"/>
-                </a:solidFill>
-                <a:latin typeface="Courier New" panose="02070309020205020404" pitchFamily="49" charset="0"/>
-                <a:cs typeface="Courier New" panose="02070309020205020404" pitchFamily="49" charset="0"/>
-              </a:rPr>
-              <a:t>...</a:t>
-            </a:r>
-          </a:p>
-          <a:p>
-            <a:pPr marL="457200" lvl="1" indent="0">
-              <a:buNone/>
-            </a:pPr>
-            <a:r>
-              <a:rPr lang="en-US" dirty="0">
-                <a:solidFill>
-                  <a:prstClr val="black"/>
-                </a:solidFill>
-                <a:latin typeface="Courier New" panose="02070309020205020404" pitchFamily="49" charset="0"/>
-                <a:cs typeface="Courier New" panose="02070309020205020404" pitchFamily="49" charset="0"/>
-              </a:rPr>
-              <a:t>bar:</a:t>
-            </a:r>
-          </a:p>
-          <a:p>
-            <a:pPr marL="457200" lvl="1" indent="0">
-              <a:buNone/>
-            </a:pPr>
-            <a:r>
-              <a:rPr lang="en-US" dirty="0">
-                <a:solidFill>
-                  <a:prstClr val="black"/>
-                </a:solidFill>
-                <a:latin typeface="Courier New" panose="02070309020205020404" pitchFamily="49" charset="0"/>
-                <a:cs typeface="Courier New" panose="02070309020205020404" pitchFamily="49" charset="0"/>
-              </a:rPr>
-              <a:t>  </a:t>
-            </a:r>
-            <a:r>
-              <a:rPr lang="en-US" dirty="0" err="1">
-                <a:solidFill>
-                  <a:prstClr val="black"/>
-                </a:solidFill>
-                <a:latin typeface="Courier New" panose="02070309020205020404" pitchFamily="49" charset="0"/>
-                <a:cs typeface="Courier New" panose="02070309020205020404" pitchFamily="49" charset="0"/>
-              </a:rPr>
-              <a:t>jmp</a:t>
-            </a:r>
-            <a:r>
-              <a:rPr lang="en-US" dirty="0">
-                <a:solidFill>
-                  <a:prstClr val="black"/>
-                </a:solidFill>
-                <a:latin typeface="Courier New" panose="02070309020205020404" pitchFamily="49" charset="0"/>
-                <a:cs typeface="Courier New" panose="02070309020205020404" pitchFamily="49" charset="0"/>
-              </a:rPr>
-              <a:t>     </a:t>
-            </a:r>
-            <a:r>
-              <a:rPr lang="en-US" dirty="0" err="1">
-                <a:solidFill>
-                  <a:prstClr val="black"/>
-                </a:solidFill>
-                <a:latin typeface="Courier New" panose="02070309020205020404" pitchFamily="49" charset="0"/>
-                <a:cs typeface="Courier New" panose="02070309020205020404" pitchFamily="49" charset="0"/>
-              </a:rPr>
-              <a:t>foo@PLT</a:t>
-            </a:r>
-            <a:endParaRPr lang="en-US" dirty="0">
-              <a:solidFill>
-                <a:prstClr val="black"/>
-              </a:solidFill>
-              <a:latin typeface="Courier New" panose="02070309020205020404" pitchFamily="49" charset="0"/>
-              <a:cs typeface="Courier New" panose="02070309020205020404" pitchFamily="49" charset="0"/>
-            </a:endParaRPr>
+            <a:pPr lvl="1"/>
+            <a:r>
+              <a:rPr lang="ru-RU" dirty="0"/>
+              <a:t>Разрешение и </a:t>
+            </a:r>
+            <a:r>
+              <a:rPr lang="en-US" dirty="0"/>
+              <a:t>c</a:t>
+            </a:r>
+            <a:r>
+              <a:rPr lang="ru-RU" dirty="0"/>
+              <a:t>вязывание символов</a:t>
+            </a:r>
+            <a:endParaRPr lang="en-US" dirty="0"/>
+          </a:p>
+          <a:p>
+            <a:r>
+              <a:rPr lang="ru-RU" dirty="0"/>
+              <a:t>Работа с библиотекой</a:t>
+            </a:r>
+            <a:endParaRPr lang="en-US" dirty="0"/>
+          </a:p>
+          <a:p>
+            <a:pPr lvl="1"/>
+            <a:r>
+              <a:rPr lang="ru-RU" b="1" dirty="0"/>
+              <a:t>Косвенные вызовы (</a:t>
+            </a:r>
+            <a:r>
+              <a:rPr lang="en-US" b="1" dirty="0"/>
+              <a:t>indirect calls) </a:t>
+            </a:r>
+            <a:r>
+              <a:rPr lang="ru-RU" b="1" dirty="0"/>
+              <a:t>функций</a:t>
+            </a:r>
+            <a:r>
+              <a:rPr lang="en-US" b="1" dirty="0"/>
+              <a:t> </a:t>
+            </a:r>
+            <a:r>
+              <a:rPr lang="ru-RU" b="1" dirty="0"/>
+              <a:t>в рантайме</a:t>
+            </a:r>
+            <a:endParaRPr lang="en-US" b="1" dirty="0"/>
           </a:p>
         </p:txBody>
       </p:sp>
     </p:spTree>
     <p:extLst>
       <p:ext uri="{BB962C8B-B14F-4D97-AF65-F5344CB8AC3E}">
-        <p14:creationId xmlns:p14="http://schemas.microsoft.com/office/powerpoint/2010/main" val="2182239902"/>
+        <p14:creationId xmlns:p14="http://schemas.microsoft.com/office/powerpoint/2010/main" val="3025777625"/>
       </p:ext>
     </p:extLst>
   </p:cSld>
@@ -15202,7 +15429,7 @@
           <p:cNvPr id="2" name="Title 1">
             <a:extLst>
               <a:ext uri="{FF2B5EF4-FFF2-40B4-BE49-F238E27FC236}">
-                <a16:creationId xmlns:a16="http://schemas.microsoft.com/office/drawing/2014/main" id="{BD766DFC-0AB1-4998-9C8F-D80FEAAB8954}"/>
+                <a16:creationId xmlns:a16="http://schemas.microsoft.com/office/drawing/2014/main" id="{9E2F4025-5B63-47B1-ACD7-A498A81AE42A}"/>
               </a:ext>
             </a:extLst>
           </p:cNvPr>
@@ -15220,15 +15447,7 @@
           <a:p>
             <a:r>
               <a:rPr lang="ru-RU" dirty="0"/>
-              <a:t>Ускорение работы </a:t>
-            </a:r>
-            <a:r>
-              <a:rPr lang="en-US" dirty="0"/>
-              <a:t>DLL –</a:t>
-            </a:r>
-            <a:r>
-              <a:rPr lang="ru-RU" dirty="0"/>
-              <a:t> отключение перехвата функций</a:t>
+              <a:t>Проблемы с экспортируемыми символами</a:t>
             </a:r>
             <a:endParaRPr lang="en-US" dirty="0"/>
           </a:p>
@@ -15239,7 +15458,7 @@
           <p:cNvPr id="3" name="Content Placeholder 2">
             <a:extLst>
               <a:ext uri="{FF2B5EF4-FFF2-40B4-BE49-F238E27FC236}">
-                <a16:creationId xmlns:a16="http://schemas.microsoft.com/office/drawing/2014/main" id="{CFEBEFD7-23BF-4F14-9339-37AF67D86D7F}"/>
+                <a16:creationId xmlns:a16="http://schemas.microsoft.com/office/drawing/2014/main" id="{37862244-1BB6-4E07-B31C-F099E59591B4}"/>
               </a:ext>
             </a:extLst>
           </p:cNvPr>
@@ -15257,122 +15476,71 @@
           <a:p>
             <a:r>
               <a:rPr lang="ru-RU" dirty="0"/>
-              <a:t>Флаги компилятора позволяют отключить учёт перехвата</a:t>
-            </a:r>
-          </a:p>
-          <a:p>
-            <a:r>
-              <a:rPr lang="en-US" dirty="0"/>
-              <a:t>-</a:t>
+              <a:t>По умолчанию на </a:t>
+            </a:r>
+            <a:r>
+              <a:rPr lang="en-US" dirty="0"/>
+              <a:t>Linux </a:t>
+            </a:r>
+            <a:r>
+              <a:rPr lang="ru-RU" dirty="0"/>
+              <a:t>все функции библиотеки экспортируются</a:t>
+            </a:r>
+          </a:p>
+          <a:p>
+            <a:pPr lvl="1"/>
+            <a:r>
+              <a:rPr lang="ru-RU" dirty="0"/>
+              <a:t>Для совместимости со статическими библиотеками</a:t>
+            </a:r>
+          </a:p>
+          <a:p>
+            <a:r>
+              <a:rPr lang="ru-RU" dirty="0"/>
+              <a:t>Из-за возможного перехвата функций вызов экспортируемой функции внутри библиотеки происходит через таблицу адресов</a:t>
+            </a:r>
+            <a:r>
+              <a:rPr lang="en-US" dirty="0"/>
+              <a:t> GOT</a:t>
+            </a:r>
+          </a:p>
+          <a:p>
+            <a:r>
+              <a:rPr lang="ru-RU" dirty="0"/>
+              <a:t>Накладные расходы</a:t>
+            </a:r>
+            <a:r>
+              <a:rPr lang="en-US" dirty="0"/>
+              <a:t>:</a:t>
+            </a:r>
+          </a:p>
+          <a:p>
+            <a:pPr lvl="1"/>
+            <a:r>
+              <a:rPr lang="ru-RU" dirty="0"/>
+              <a:t>Косвенные вызовы функций</a:t>
+            </a:r>
+          </a:p>
+          <a:p>
+            <a:pPr lvl="1"/>
+            <a:r>
+              <a:rPr lang="ru-RU" dirty="0"/>
+              <a:t>Отмена оптимизаций в компиляторе</a:t>
+            </a:r>
+            <a:r>
+              <a:rPr lang="en-US" dirty="0"/>
+              <a:t> (</a:t>
             </a:r>
             <a:r>
               <a:rPr lang="en-US" dirty="0" err="1"/>
-              <a:t>Bsymbolic</a:t>
-            </a:r>
-            <a:r>
-              <a:rPr lang="en-US" dirty="0"/>
-              <a:t>/-</a:t>
-            </a:r>
-            <a:r>
-              <a:rPr lang="en-US" dirty="0" err="1"/>
-              <a:t>Bsymbolic</a:t>
-            </a:r>
-            <a:r>
-              <a:rPr lang="en-US" dirty="0"/>
-              <a:t>-functions – </a:t>
-            </a:r>
-            <a:r>
-              <a:rPr lang="ru-RU" dirty="0"/>
-              <a:t>заменяет внутренние вызовы экспортируемых функций на прямые на этапе линковки</a:t>
-            </a:r>
-            <a:endParaRPr lang="en-US" dirty="0"/>
-          </a:p>
-          <a:p>
-            <a:pPr lvl="1"/>
-            <a:r>
-              <a:rPr lang="ru-RU" dirty="0"/>
-              <a:t>Опция включена по умолчанию в некоторых дистрибутивах (</a:t>
-            </a:r>
-            <a:r>
-              <a:rPr lang="en-US" dirty="0"/>
-              <a:t>Ubuntu, </a:t>
-            </a:r>
-            <a:r>
-              <a:rPr lang="ru-RU" dirty="0"/>
-              <a:t>но не </a:t>
-            </a:r>
-            <a:r>
-              <a:rPr lang="en-US" dirty="0"/>
-              <a:t>Debian)</a:t>
-            </a:r>
-            <a:endParaRPr lang="ru-RU" dirty="0"/>
-          </a:p>
-          <a:p>
-            <a:r>
-              <a:rPr lang="en-US" dirty="0"/>
-              <a:t>-</a:t>
-            </a:r>
-            <a:r>
-              <a:rPr lang="en-US" dirty="0" err="1"/>
-              <a:t>fno</a:t>
-            </a:r>
-            <a:r>
-              <a:rPr lang="en-US" dirty="0"/>
-              <a:t>-semantic-interposition – </a:t>
-            </a:r>
-            <a:r>
-              <a:rPr lang="ru-RU" dirty="0"/>
-              <a:t>отключает возможность перехвата на этапе компиляции</a:t>
-            </a:r>
-          </a:p>
-          <a:p>
-            <a:pPr lvl="1"/>
-            <a:r>
-              <a:rPr lang="ru-RU" dirty="0"/>
-              <a:t>Включена по умолчанию в </a:t>
-            </a:r>
-            <a:r>
-              <a:rPr lang="en-US" dirty="0"/>
-              <a:t>clang, </a:t>
-            </a:r>
-            <a:r>
-              <a:rPr lang="ru-RU" dirty="0"/>
-              <a:t>но не в </a:t>
-            </a:r>
-            <a:r>
-              <a:rPr lang="en-US" dirty="0"/>
-              <a:t>GCC</a:t>
-            </a:r>
-          </a:p>
-          <a:p>
-            <a:pPr lvl="1"/>
-            <a:r>
-              <a:rPr lang="ru-RU" dirty="0"/>
-              <a:t>Включается в </a:t>
-            </a:r>
-            <a:r>
-              <a:rPr lang="en-US" dirty="0"/>
-              <a:t>GCC </a:t>
-            </a:r>
-            <a:r>
-              <a:rPr lang="ru-RU" dirty="0"/>
-              <a:t>под </a:t>
-            </a:r>
-            <a:r>
-              <a:rPr lang="en-US" dirty="0"/>
-              <a:t>-</a:t>
-            </a:r>
-            <a:r>
-              <a:rPr lang="en-US" dirty="0" err="1"/>
-              <a:t>Ofast</a:t>
-            </a:r>
-            <a:endParaRPr lang="en-US" dirty="0"/>
-          </a:p>
-          <a:p>
-            <a:r>
-              <a:rPr lang="ru-RU" dirty="0"/>
-              <a:t>Для оптимальной производительности требуются оба флага</a:t>
-            </a:r>
+              <a:t>inlining</a:t>
+            </a:r>
+            <a:r>
+              <a:rPr lang="en-US" dirty="0"/>
+              <a:t>, cloning, etc.)</a:t>
+            </a:r>
+          </a:p>
+          <a:p>
             <a:endParaRPr lang="en-US" dirty="0"/>
           </a:p>
         </p:txBody>
@@ -15380,7 +15548,7 @@
     </p:spTree>
     <p:extLst>
       <p:ext uri="{BB962C8B-B14F-4D97-AF65-F5344CB8AC3E}">
-        <p14:creationId xmlns:p14="http://schemas.microsoft.com/office/powerpoint/2010/main" val="2993641233"/>
+        <p14:creationId xmlns:p14="http://schemas.microsoft.com/office/powerpoint/2010/main" val="653850357"/>
       </p:ext>
     </p:extLst>
   </p:cSld>
@@ -15412,7 +15580,7 @@
           <p:cNvPr id="2" name="Title 1">
             <a:extLst>
               <a:ext uri="{FF2B5EF4-FFF2-40B4-BE49-F238E27FC236}">
-                <a16:creationId xmlns:a16="http://schemas.microsoft.com/office/drawing/2014/main" id="{BD766DFC-0AB1-4998-9C8F-D80FEAAB8954}"/>
+                <a16:creationId xmlns:a16="http://schemas.microsoft.com/office/drawing/2014/main" id="{44E34916-01E9-4F42-B603-B05283CC4616}"/>
               </a:ext>
             </a:extLst>
           </p:cNvPr>
@@ -15430,15 +15598,7 @@
           <a:p>
             <a:r>
               <a:rPr lang="ru-RU" dirty="0"/>
-              <a:t>Ускорение работы </a:t>
-            </a:r>
-            <a:r>
-              <a:rPr lang="en-US" dirty="0"/>
-              <a:t>DLL –</a:t>
-            </a:r>
-            <a:r>
-              <a:rPr lang="ru-RU" dirty="0"/>
-              <a:t> сокращение интерфейса библиотеки</a:t>
+              <a:t>Пример отмены оптимизаций</a:t>
             </a:r>
             <a:endParaRPr lang="en-US" dirty="0"/>
           </a:p>
@@ -15449,7 +15609,7 @@
           <p:cNvPr id="3" name="Content Placeholder 2">
             <a:extLst>
               <a:ext uri="{FF2B5EF4-FFF2-40B4-BE49-F238E27FC236}">
-                <a16:creationId xmlns:a16="http://schemas.microsoft.com/office/drawing/2014/main" id="{CFEBEFD7-23BF-4F14-9339-37AF67D86D7F}"/>
+                <a16:creationId xmlns:a16="http://schemas.microsoft.com/office/drawing/2014/main" id="{6770FDB2-1A82-4929-A1E6-E0FB79342368}"/>
               </a:ext>
             </a:extLst>
           </p:cNvPr>
@@ -15460,58 +15620,38 @@
             <p:ph idx="1"/>
           </p:nvPr>
         </p:nvSpPr>
-        <p:spPr>
-          <a:xfrm>
-            <a:off x="838200" y="1825624"/>
-            <a:ext cx="10515600" cy="4498975"/>
-          </a:xfrm>
-        </p:spPr>
+        <p:spPr/>
         <p:txBody>
           <a:bodyPr>
-            <a:normAutofit fontScale="92500" lnSpcReduction="10000"/>
+            <a:normAutofit/>
           </a:bodyPr>
           <a:lstStyle/>
           <a:p>
             <a:r>
               <a:rPr lang="ru-RU" dirty="0"/>
-              <a:t>Простой способ ускорения работы</a:t>
-            </a:r>
-          </a:p>
-          <a:p>
-            <a:r>
-              <a:rPr lang="ru-RU" dirty="0"/>
-              <a:t>Не требует нестандартных флагов сборки</a:t>
-            </a:r>
-          </a:p>
-          <a:p>
-            <a:r>
-              <a:rPr lang="ru-RU" dirty="0"/>
-              <a:t>Явный контроль над тем какие символы считать экспортируемыми</a:t>
-            </a:r>
-            <a:r>
-              <a:rPr lang="en-US" dirty="0"/>
-              <a:t>:</a:t>
-            </a:r>
+              <a:t>Компилятор не встраивает вызов функции из-за возможности перехвата</a:t>
+            </a:r>
+            <a:endParaRPr lang="en-US" dirty="0"/>
           </a:p>
           <a:p>
             <a:pPr marL="457200" lvl="1" indent="0">
               <a:buNone/>
             </a:pPr>
             <a:r>
-              <a:rPr lang="en-US" sz="2000" dirty="0">
+              <a:rPr lang="en-US" dirty="0">
                 <a:latin typeface="Courier New" panose="02070309020205020404" pitchFamily="49" charset="0"/>
                 <a:cs typeface="Courier New" panose="02070309020205020404" pitchFamily="49" charset="0"/>
               </a:rPr>
               <a:t>$ cat </a:t>
             </a:r>
             <a:r>
-              <a:rPr lang="en-US" sz="2000" dirty="0" err="1">
+              <a:rPr lang="en-US" dirty="0" err="1">
                 <a:latin typeface="Courier New" panose="02070309020205020404" pitchFamily="49" charset="0"/>
                 <a:cs typeface="Courier New" panose="02070309020205020404" pitchFamily="49" charset="0"/>
               </a:rPr>
-              <a:t>mylib.c</a:t>
-            </a:r>
-            <a:endParaRPr lang="en-US" sz="2000" dirty="0">
+              <a:t>tmp.c</a:t>
+            </a:r>
+            <a:endParaRPr lang="en-US" dirty="0">
               <a:latin typeface="Courier New" panose="02070309020205020404" pitchFamily="49" charset="0"/>
               <a:cs typeface="Courier New" panose="02070309020205020404" pitchFamily="49" charset="0"/>
             </a:endParaRPr>
@@ -15521,150 +15661,194 @@
               <a:buNone/>
             </a:pPr>
             <a:r>
-              <a:rPr lang="en-US" sz="2000" dirty="0">
+              <a:rPr lang="en-US" dirty="0">
+                <a:solidFill>
+                  <a:prstClr val="black"/>
+                </a:solidFill>
                 <a:latin typeface="Courier New" panose="02070309020205020404" pitchFamily="49" charset="0"/>
                 <a:cs typeface="Courier New" panose="02070309020205020404" pitchFamily="49" charset="0"/>
               </a:rPr>
-              <a:t>void internal() {}</a:t>
+              <a:t>void foo() {}</a:t>
             </a:r>
           </a:p>
           <a:p>
             <a:pPr marL="457200" lvl="1" indent="0">
               <a:buNone/>
             </a:pPr>
-            <a:endParaRPr lang="en-US" sz="2000" dirty="0">
-              <a:latin typeface="Courier New" panose="02070309020205020404" pitchFamily="49" charset="0"/>
-              <a:cs typeface="Courier New" panose="02070309020205020404" pitchFamily="49" charset="0"/>
-            </a:endParaRPr>
+            <a:r>
+              <a:rPr lang="en-US" dirty="0">
+                <a:solidFill>
+                  <a:prstClr val="black"/>
+                </a:solidFill>
+                <a:latin typeface="Courier New" panose="02070309020205020404" pitchFamily="49" charset="0"/>
+                <a:cs typeface="Courier New" panose="02070309020205020404" pitchFamily="49" charset="0"/>
+              </a:rPr>
+              <a:t>void bar() { foo(); }</a:t>
+            </a:r>
           </a:p>
           <a:p>
             <a:pPr marL="457200" lvl="1" indent="0">
               <a:buNone/>
             </a:pPr>
             <a:r>
-              <a:rPr lang="en-US" sz="2000" dirty="0">
-                <a:latin typeface="Courier New" panose="02070309020205020404" pitchFamily="49" charset="0"/>
-                <a:cs typeface="Courier New" panose="02070309020205020404" pitchFamily="49" charset="0"/>
-              </a:rPr>
-              <a:t>__attribute__((visibility(“default”)))</a:t>
-            </a:r>
-          </a:p>
-          <a:p>
-            <a:pPr marL="457200" lvl="1" indent="0">
-              <a:buNone/>
-            </a:pPr>
-            <a:r>
-              <a:rPr lang="en-US" sz="2000" dirty="0">
-                <a:latin typeface="Courier New" panose="02070309020205020404" pitchFamily="49" charset="0"/>
-                <a:cs typeface="Courier New" panose="02070309020205020404" pitchFamily="49" charset="0"/>
-              </a:rPr>
-              <a:t>void public() { internal(); }</a:t>
-            </a:r>
-          </a:p>
-          <a:p>
-            <a:pPr marL="457200" lvl="1" indent="0">
-              <a:buNone/>
-            </a:pPr>
-            <a:endParaRPr lang="en-US" sz="2000" dirty="0">
-              <a:latin typeface="Courier New" panose="02070309020205020404" pitchFamily="49" charset="0"/>
-              <a:cs typeface="Courier New" panose="02070309020205020404" pitchFamily="49" charset="0"/>
-            </a:endParaRPr>
-          </a:p>
-          <a:p>
-            <a:pPr marL="457200" lvl="1" indent="0">
-              <a:buNone/>
-            </a:pPr>
-            <a:r>
-              <a:rPr lang="en-US" sz="2000" dirty="0">
+              <a:rPr lang="en-US" dirty="0">
+                <a:solidFill>
+                  <a:prstClr val="black"/>
+                </a:solidFill>
                 <a:latin typeface="Courier New" panose="02070309020205020404" pitchFamily="49" charset="0"/>
                 <a:cs typeface="Courier New" panose="02070309020205020404" pitchFamily="49" charset="0"/>
               </a:rPr>
               <a:t>$ </a:t>
             </a:r>
             <a:r>
-              <a:rPr lang="en-US" sz="2000" dirty="0" err="1">
+              <a:rPr lang="en-US" dirty="0" err="1">
+                <a:solidFill>
+                  <a:prstClr val="black"/>
+                </a:solidFill>
                 <a:latin typeface="Courier New" panose="02070309020205020404" pitchFamily="49" charset="0"/>
                 <a:cs typeface="Courier New" panose="02070309020205020404" pitchFamily="49" charset="0"/>
               </a:rPr>
               <a:t>gcc</a:t>
             </a:r>
             <a:r>
-              <a:rPr lang="en-US" sz="2000" dirty="0">
+              <a:rPr lang="en-US" dirty="0">
+                <a:solidFill>
+                  <a:prstClr val="black"/>
+                </a:solidFill>
                 <a:latin typeface="Courier New" panose="02070309020205020404" pitchFamily="49" charset="0"/>
                 <a:cs typeface="Courier New" panose="02070309020205020404" pitchFamily="49" charset="0"/>
               </a:rPr>
-              <a:t> -</a:t>
-            </a:r>
-            <a:r>
-              <a:rPr lang="en-US" sz="2000" dirty="0" err="1">
-                <a:latin typeface="Courier New" panose="02070309020205020404" pitchFamily="49" charset="0"/>
-                <a:cs typeface="Courier New" panose="02070309020205020404" pitchFamily="49" charset="0"/>
-              </a:rPr>
-              <a:t>fvisibility</a:t>
-            </a:r>
-            <a:r>
-              <a:rPr lang="en-US" sz="2000" dirty="0">
-                <a:latin typeface="Courier New" panose="02070309020205020404" pitchFamily="49" charset="0"/>
-                <a:cs typeface="Courier New" panose="02070309020205020404" pitchFamily="49" charset="0"/>
-              </a:rPr>
-              <a:t>=hidden -</a:t>
-            </a:r>
-            <a:r>
-              <a:rPr lang="en-US" sz="2000" dirty="0" err="1">
+              <a:t> –O3 -</a:t>
+            </a:r>
+            <a:r>
+              <a:rPr lang="en-US" dirty="0" err="1">
+                <a:solidFill>
+                  <a:prstClr val="black"/>
+                </a:solidFill>
                 <a:latin typeface="Courier New" panose="02070309020205020404" pitchFamily="49" charset="0"/>
                 <a:cs typeface="Courier New" panose="02070309020205020404" pitchFamily="49" charset="0"/>
               </a:rPr>
               <a:t>fPIC</a:t>
             </a:r>
             <a:r>
-              <a:rPr lang="en-US" sz="2000" dirty="0">
+              <a:rPr lang="en-US" dirty="0">
+                <a:solidFill>
+                  <a:prstClr val="black"/>
+                </a:solidFill>
                 <a:latin typeface="Courier New" panose="02070309020205020404" pitchFamily="49" charset="0"/>
                 <a:cs typeface="Courier New" panose="02070309020205020404" pitchFamily="49" charset="0"/>
               </a:rPr>
-              <a:t> -shared </a:t>
-            </a:r>
-            <a:r>
-              <a:rPr lang="en-US" sz="2000" dirty="0" err="1">
+              <a:t> -S </a:t>
+            </a:r>
+            <a:r>
+              <a:rPr lang="en-US" dirty="0" err="1">
+                <a:solidFill>
+                  <a:prstClr val="black"/>
+                </a:solidFill>
                 <a:latin typeface="Courier New" panose="02070309020205020404" pitchFamily="49" charset="0"/>
                 <a:cs typeface="Courier New" panose="02070309020205020404" pitchFamily="49" charset="0"/>
               </a:rPr>
-              <a:t>mylib.c</a:t>
-            </a:r>
-            <a:endParaRPr lang="ru-RU" sz="2000" dirty="0">
+              <a:t>tmp.c</a:t>
+            </a:r>
+            <a:r>
+              <a:rPr lang="en-US" dirty="0">
+                <a:solidFill>
+                  <a:prstClr val="black"/>
+                </a:solidFill>
+                <a:latin typeface="Courier New" panose="02070309020205020404" pitchFamily="49" charset="0"/>
+                <a:cs typeface="Courier New" panose="02070309020205020404" pitchFamily="49" charset="0"/>
+              </a:rPr>
+              <a:t> -o-</a:t>
+            </a:r>
+          </a:p>
+          <a:p>
+            <a:pPr marL="457200" lvl="1" indent="0">
+              <a:buNone/>
+            </a:pPr>
+            <a:r>
+              <a:rPr lang="en-US" dirty="0">
+                <a:solidFill>
+                  <a:prstClr val="black"/>
+                </a:solidFill>
+                <a:latin typeface="Courier New" panose="02070309020205020404" pitchFamily="49" charset="0"/>
+                <a:cs typeface="Courier New" panose="02070309020205020404" pitchFamily="49" charset="0"/>
+              </a:rPr>
+              <a:t>...</a:t>
+            </a:r>
+          </a:p>
+          <a:p>
+            <a:pPr marL="457200" lvl="1" indent="0">
+              <a:buNone/>
+            </a:pPr>
+            <a:r>
+              <a:rPr lang="en-US" dirty="0">
+                <a:solidFill>
+                  <a:prstClr val="black"/>
+                </a:solidFill>
+                <a:latin typeface="Courier New" panose="02070309020205020404" pitchFamily="49" charset="0"/>
+                <a:cs typeface="Courier New" panose="02070309020205020404" pitchFamily="49" charset="0"/>
+              </a:rPr>
+              <a:t>bar:</a:t>
+            </a:r>
+          </a:p>
+          <a:p>
+            <a:pPr marL="457200" lvl="1" indent="0">
+              <a:buNone/>
+            </a:pPr>
+            <a:r>
+              <a:rPr lang="en-US" dirty="0">
+                <a:solidFill>
+                  <a:prstClr val="black"/>
+                </a:solidFill>
+                <a:latin typeface="Courier New" panose="02070309020205020404" pitchFamily="49" charset="0"/>
+                <a:cs typeface="Courier New" panose="02070309020205020404" pitchFamily="49" charset="0"/>
+              </a:rPr>
+              <a:t>  </a:t>
+            </a:r>
+            <a:r>
+              <a:rPr lang="en-US" dirty="0" err="1">
+                <a:solidFill>
+                  <a:prstClr val="black"/>
+                </a:solidFill>
+                <a:latin typeface="Courier New" panose="02070309020205020404" pitchFamily="49" charset="0"/>
+                <a:cs typeface="Courier New" panose="02070309020205020404" pitchFamily="49" charset="0"/>
+              </a:rPr>
+              <a:t>jmp</a:t>
+            </a:r>
+            <a:r>
+              <a:rPr lang="en-US" dirty="0">
+                <a:solidFill>
+                  <a:prstClr val="black"/>
+                </a:solidFill>
+                <a:latin typeface="Courier New" panose="02070309020205020404" pitchFamily="49" charset="0"/>
+                <a:cs typeface="Courier New" panose="02070309020205020404" pitchFamily="49" charset="0"/>
+              </a:rPr>
+              <a:t>     </a:t>
+            </a:r>
+            <a:r>
+              <a:rPr lang="en-US" dirty="0" err="1">
+                <a:solidFill>
+                  <a:prstClr val="black"/>
+                </a:solidFill>
+                <a:latin typeface="Courier New" panose="02070309020205020404" pitchFamily="49" charset="0"/>
+                <a:cs typeface="Courier New" panose="02070309020205020404" pitchFamily="49" charset="0"/>
+              </a:rPr>
+              <a:t>foo@PLT</a:t>
+            </a:r>
+            <a:endParaRPr lang="en-US" dirty="0">
+              <a:solidFill>
+                <a:prstClr val="black"/>
+              </a:solidFill>
               <a:latin typeface="Courier New" panose="02070309020205020404" pitchFamily="49" charset="0"/>
               <a:cs typeface="Courier New" panose="02070309020205020404" pitchFamily="49" charset="0"/>
             </a:endParaRPr>
           </a:p>
-          <a:p>
-            <a:r>
-              <a:rPr lang="ru-RU" dirty="0">
-                <a:latin typeface="Calibri (Body)"/>
-                <a:cs typeface="Courier New" panose="02070309020205020404" pitchFamily="49" charset="0"/>
-              </a:rPr>
-              <a:t>Какие функции экспортировать</a:t>
-            </a:r>
-            <a:r>
-              <a:rPr lang="en-US" dirty="0">
-                <a:latin typeface="Calibri (Body)"/>
-                <a:cs typeface="Courier New" panose="02070309020205020404" pitchFamily="49" charset="0"/>
-              </a:rPr>
-              <a:t>?</a:t>
-            </a:r>
-          </a:p>
-          <a:p>
-            <a:pPr lvl="1"/>
-            <a:r>
-              <a:rPr lang="ru-RU" dirty="0"/>
-              <a:t>Как правило это функции из публичных заголовочных файлов</a:t>
-            </a:r>
-            <a:endParaRPr lang="en-US" dirty="0"/>
-          </a:p>
         </p:txBody>
       </p:sp>
     </p:spTree>
     <p:extLst>
       <p:ext uri="{BB962C8B-B14F-4D97-AF65-F5344CB8AC3E}">
-        <p14:creationId xmlns:p14="http://schemas.microsoft.com/office/powerpoint/2010/main" val="801253916"/>
+        <p14:creationId xmlns:p14="http://schemas.microsoft.com/office/powerpoint/2010/main" val="2182239902"/>
       </p:ext>
     </p:extLst>
   </p:cSld>
@@ -15714,7 +15898,15 @@
           <a:p>
             <a:r>
               <a:rPr lang="ru-RU" dirty="0"/>
-              <a:t>Сокращение интерфейса библиотек в дистрибутивах</a:t>
+              <a:t>Ускорение работы </a:t>
+            </a:r>
+            <a:r>
+              <a:rPr lang="en-US" dirty="0"/>
+              <a:t>DLL:</a:t>
+            </a:r>
+            <a:r>
+              <a:rPr lang="ru-RU" dirty="0"/>
+              <a:t> отключение перехвата функций</a:t>
             </a:r>
             <a:endParaRPr lang="en-US" dirty="0"/>
           </a:p>
@@ -15736,216 +15928,137 @@
             <p:ph idx="1"/>
           </p:nvPr>
         </p:nvSpPr>
-        <p:spPr>
-          <a:xfrm>
-            <a:off x="838200" y="1825625"/>
-            <a:ext cx="10515600" cy="4847318"/>
-          </a:xfrm>
-        </p:spPr>
-        <p:txBody>
-          <a:bodyPr>
-            <a:normAutofit fontScale="92500" lnSpcReduction="10000"/>
-          </a:bodyPr>
-          <a:lstStyle/>
-          <a:p>
-            <a:r>
-              <a:rPr lang="ru-RU" dirty="0"/>
-              <a:t>При наличии большой кодовой базы (например дистрибутива) может быть трудно найти библиотеки с избыточными экспортами</a:t>
+        <p:spPr/>
+        <p:txBody>
+          <a:bodyPr/>
+          <a:lstStyle/>
+          <a:p>
+            <a:r>
+              <a:rPr lang="ru-RU" dirty="0"/>
+              <a:t>Флаги компилятора позволяют отключить учёт перехвата</a:t>
+            </a:r>
+          </a:p>
+          <a:p>
+            <a:r>
+              <a:rPr lang="en-US" dirty="0"/>
+              <a:t>-</a:t>
+            </a:r>
+            <a:r>
+              <a:rPr lang="en-US" dirty="0" err="1"/>
+              <a:t>Bsymbolic</a:t>
+            </a:r>
+            <a:r>
+              <a:rPr lang="en-US" dirty="0"/>
+              <a:t>/-</a:t>
+            </a:r>
+            <a:r>
+              <a:rPr lang="en-US" dirty="0" err="1"/>
+              <a:t>Bsymbolic</a:t>
+            </a:r>
+            <a:r>
+              <a:rPr lang="en-US" dirty="0"/>
+              <a:t>-functions – </a:t>
+            </a:r>
+            <a:r>
+              <a:rPr lang="ru-RU" dirty="0"/>
+              <a:t>заменяет внутренние вызовы экспортируемых функций на прямые на этапе линковки</a:t>
             </a:r>
             <a:endParaRPr lang="en-US" dirty="0"/>
           </a:p>
           <a:p>
-            <a:r>
-              <a:rPr lang="ru-RU" dirty="0"/>
-              <a:t>Поиск таких библиотек можно автоматизировать с помощью утилиты </a:t>
-            </a:r>
-            <a:r>
-              <a:rPr lang="en-US" dirty="0" err="1">
-                <a:hlinkClick r:id="rId3"/>
-              </a:rPr>
-              <a:t>ShlibVisibilityChecker</a:t>
-            </a:r>
-            <a:r>
-              <a:rPr lang="en-US" dirty="0"/>
-              <a:t> :</a:t>
-            </a:r>
-          </a:p>
-          <a:p>
-            <a:pPr marL="457200" lvl="1" indent="0">
-              <a:buNone/>
-            </a:pPr>
-            <a:r>
-              <a:rPr lang="en-US" sz="1900" dirty="0"/>
-              <a:t>$ </a:t>
-            </a:r>
-            <a:r>
-              <a:rPr lang="en-US" sz="1900" dirty="0" err="1"/>
-              <a:t>read_header_api</a:t>
-            </a:r>
-            <a:r>
-              <a:rPr lang="en-US" sz="1900" dirty="0"/>
-              <a:t> --only-</a:t>
-            </a:r>
-            <a:r>
-              <a:rPr lang="en-US" sz="1900" dirty="0" err="1"/>
-              <a:t>args</a:t>
-            </a:r>
-            <a:r>
-              <a:rPr lang="en-US" sz="1900" dirty="0"/>
-              <a:t> /</a:t>
-            </a:r>
-            <a:r>
-              <a:rPr lang="en-US" sz="1900" dirty="0" err="1"/>
-              <a:t>usr</a:t>
-            </a:r>
-            <a:r>
-              <a:rPr lang="en-US" sz="1900" dirty="0"/>
-              <a:t>/include/x86_64-linux-gnu/</a:t>
-            </a:r>
-            <a:r>
-              <a:rPr lang="en-US" sz="1900" dirty="0" err="1"/>
-              <a:t>gmp.h</a:t>
-            </a:r>
-            <a:r>
-              <a:rPr lang="en-US" sz="1900" dirty="0"/>
-              <a:t> &gt; api.txt</a:t>
-            </a:r>
-          </a:p>
-          <a:p>
-            <a:pPr marL="457200" lvl="1" indent="0">
-              <a:buNone/>
-            </a:pPr>
-            <a:r>
-              <a:rPr lang="en-US" sz="1900" dirty="0"/>
-              <a:t>$ </a:t>
-            </a:r>
-            <a:r>
-              <a:rPr lang="en-US" sz="1900" dirty="0" err="1"/>
-              <a:t>read_binary_api</a:t>
-            </a:r>
-            <a:r>
-              <a:rPr lang="en-US" sz="1900" dirty="0"/>
-              <a:t> --permissive /</a:t>
-            </a:r>
-            <a:r>
-              <a:rPr lang="en-US" sz="1900" dirty="0" err="1"/>
-              <a:t>usr</a:t>
-            </a:r>
-            <a:r>
-              <a:rPr lang="en-US" sz="1900" dirty="0"/>
-              <a:t>/lib/x86_64-linux-gnu/libgmp.so.10.4.1 &gt; abi.txt</a:t>
-            </a:r>
-          </a:p>
-          <a:p>
-            <a:pPr marL="457200" lvl="1" indent="0">
-              <a:buNone/>
-            </a:pPr>
-            <a:r>
-              <a:rPr lang="en-US" sz="1900" dirty="0"/>
-              <a:t>$ diff api.txt abi.txt | </a:t>
-            </a:r>
-            <a:r>
-              <a:rPr lang="en-US" sz="1900" dirty="0" err="1"/>
-              <a:t>wc</a:t>
-            </a:r>
-            <a:r>
-              <a:rPr lang="en-US" sz="1900" dirty="0"/>
-              <a:t> -l</a:t>
-            </a:r>
-          </a:p>
-          <a:p>
-            <a:pPr marL="457200" lvl="1" indent="0">
-              <a:buNone/>
-            </a:pPr>
-            <a:r>
-              <a:rPr lang="en-US" sz="1900" b="1" dirty="0"/>
-              <a:t>323</a:t>
-            </a:r>
-          </a:p>
-          <a:p>
-            <a:pPr marL="457200" lvl="1" indent="0">
-              <a:buNone/>
-            </a:pPr>
-            <a:r>
-              <a:rPr lang="en-US" sz="1900" dirty="0"/>
-              <a:t>$ diff api.txt abi.txt</a:t>
-            </a:r>
-          </a:p>
-          <a:p>
-            <a:pPr marL="457200" lvl="1" indent="0">
-              <a:buNone/>
-            </a:pPr>
-            <a:r>
-              <a:rPr lang="en-US" sz="1900" dirty="0"/>
-              <a:t>0a1,10</a:t>
-            </a:r>
-          </a:p>
-          <a:p>
-            <a:pPr marL="457200" lvl="1" indent="0">
-              <a:buNone/>
-            </a:pPr>
-            <a:r>
-              <a:rPr lang="en-US" sz="1900" b="1" dirty="0"/>
-              <a:t>&gt; __gmp_0</a:t>
-            </a:r>
-          </a:p>
-          <a:p>
-            <a:pPr marL="457200" lvl="1" indent="0">
-              <a:buNone/>
-            </a:pPr>
-            <a:r>
-              <a:rPr lang="en-US" sz="1900" b="1" dirty="0"/>
-              <a:t>&gt; __</a:t>
-            </a:r>
-            <a:r>
-              <a:rPr lang="en-US" sz="1900" b="1" dirty="0" err="1"/>
-              <a:t>gmp_allocate_func</a:t>
-            </a:r>
-            <a:endParaRPr lang="en-US" sz="1900" b="1" dirty="0"/>
-          </a:p>
-          <a:p>
-            <a:pPr marL="457200" lvl="1" indent="0">
-              <a:buNone/>
-            </a:pPr>
-            <a:r>
-              <a:rPr lang="en-US" sz="1900" b="1" dirty="0"/>
-              <a:t>&gt; __</a:t>
-            </a:r>
-            <a:r>
-              <a:rPr lang="en-US" sz="1900" b="1" dirty="0" err="1"/>
-              <a:t>gmp_asprintf_final</a:t>
-            </a:r>
-            <a:endParaRPr lang="en-US" sz="1900" b="1" dirty="0"/>
-          </a:p>
-          <a:p>
-            <a:pPr marL="457200" lvl="1" indent="0">
-              <a:buNone/>
-            </a:pPr>
-            <a:r>
-              <a:rPr lang="en-US" sz="1900" b="1" dirty="0"/>
-              <a:t>&gt; __</a:t>
-            </a:r>
-            <a:r>
-              <a:rPr lang="en-US" sz="1900" b="1" dirty="0" err="1"/>
-              <a:t>gmp_asprintf_funs</a:t>
-            </a:r>
-            <a:endParaRPr lang="en-US" sz="1900" b="1" dirty="0"/>
-          </a:p>
-          <a:p>
-            <a:pPr marL="457200" lvl="1" indent="0">
-              <a:buNone/>
-            </a:pPr>
-            <a:r>
-              <a:rPr lang="en-US" sz="1900" b="1" dirty="0"/>
-              <a:t>…</a:t>
-            </a:r>
+            <a:pPr lvl="1"/>
+            <a:r>
+              <a:rPr lang="ru-RU" dirty="0"/>
+              <a:t>Опция включена по умолчанию в некоторых дистрибутивах (</a:t>
+            </a:r>
+            <a:r>
+              <a:rPr lang="en-US" dirty="0"/>
+              <a:t>Ubuntu, </a:t>
+            </a:r>
+            <a:r>
+              <a:rPr lang="ru-RU" dirty="0"/>
+              <a:t>но не </a:t>
+            </a:r>
+            <a:r>
+              <a:rPr lang="en-US" dirty="0"/>
+              <a:t>Debian)</a:t>
+            </a:r>
+            <a:endParaRPr lang="ru-RU" dirty="0"/>
+          </a:p>
+          <a:p>
+            <a:r>
+              <a:rPr lang="en-US" dirty="0"/>
+              <a:t>-</a:t>
+            </a:r>
+            <a:r>
+              <a:rPr lang="en-US" dirty="0" err="1"/>
+              <a:t>fno</a:t>
+            </a:r>
+            <a:r>
+              <a:rPr lang="en-US" dirty="0"/>
+              <a:t>-semantic-interposition – </a:t>
+            </a:r>
+            <a:r>
+              <a:rPr lang="ru-RU" dirty="0"/>
+              <a:t>отключает возможность перехвата на этапе компиляции</a:t>
+            </a:r>
+          </a:p>
+          <a:p>
+            <a:pPr lvl="1"/>
+            <a:r>
+              <a:rPr lang="ru-RU" dirty="0"/>
+              <a:t>Включена по умолчанию в </a:t>
+            </a:r>
+            <a:r>
+              <a:rPr lang="en-US" dirty="0"/>
+              <a:t>clang, </a:t>
+            </a:r>
+            <a:r>
+              <a:rPr lang="ru-RU" dirty="0"/>
+              <a:t>но не в </a:t>
+            </a:r>
+            <a:r>
+              <a:rPr lang="en-US" dirty="0"/>
+              <a:t>GCC</a:t>
+            </a:r>
+          </a:p>
+          <a:p>
+            <a:pPr lvl="1"/>
+            <a:r>
+              <a:rPr lang="ru-RU" dirty="0"/>
+              <a:t>Включается в </a:t>
+            </a:r>
+            <a:r>
+              <a:rPr lang="en-US" dirty="0"/>
+              <a:t>GCC </a:t>
+            </a:r>
+            <a:r>
+              <a:rPr lang="ru-RU" dirty="0"/>
+              <a:t>под </a:t>
+            </a:r>
+            <a:r>
+              <a:rPr lang="en-US" dirty="0"/>
+              <a:t>-</a:t>
+            </a:r>
+            <a:r>
+              <a:rPr lang="en-US" dirty="0" err="1"/>
+              <a:t>Ofast</a:t>
+            </a:r>
+            <a:endParaRPr lang="en-US" dirty="0"/>
+          </a:p>
+          <a:p>
+            <a:r>
+              <a:rPr lang="ru-RU" dirty="0"/>
+              <a:t>Для оптимальной производительности требуются оба флага</a:t>
+            </a:r>
+            <a:endParaRPr lang="en-US" dirty="0"/>
           </a:p>
         </p:txBody>
       </p:sp>
     </p:spTree>
     <p:extLst>
       <p:ext uri="{BB962C8B-B14F-4D97-AF65-F5344CB8AC3E}">
-        <p14:creationId xmlns:p14="http://schemas.microsoft.com/office/powerpoint/2010/main" val="1656182481"/>
+        <p14:creationId xmlns:p14="http://schemas.microsoft.com/office/powerpoint/2010/main" val="2993641233"/>
       </p:ext>
     </p:extLst>
   </p:cSld>
@@ -15977,7 +16090,7 @@
           <p:cNvPr id="2" name="Title 1">
             <a:extLst>
               <a:ext uri="{FF2B5EF4-FFF2-40B4-BE49-F238E27FC236}">
-                <a16:creationId xmlns:a16="http://schemas.microsoft.com/office/drawing/2014/main" id="{B79A58A2-53E2-4B07-B541-7560DC951115}"/>
+                <a16:creationId xmlns:a16="http://schemas.microsoft.com/office/drawing/2014/main" id="{D6D57C55-3A07-4A92-B7C9-EE076B659002}"/>
               </a:ext>
             </a:extLst>
           </p:cNvPr>
@@ -15995,7 +16108,15 @@
           <a:p>
             <a:r>
               <a:rPr lang="ru-RU" dirty="0"/>
-              <a:t>Резюме</a:t>
+              <a:t>Ускорение работы </a:t>
+            </a:r>
+            <a:r>
+              <a:rPr lang="en-US" dirty="0"/>
+              <a:t>DLL:</a:t>
+            </a:r>
+            <a:r>
+              <a:rPr lang="ru-RU" dirty="0"/>
+              <a:t> отключение перехвата функций</a:t>
             </a:r>
             <a:endParaRPr lang="en-US" dirty="0"/>
           </a:p>
@@ -16006,7 +16127,7 @@
           <p:cNvPr id="3" name="Content Placeholder 2">
             <a:extLst>
               <a:ext uri="{FF2B5EF4-FFF2-40B4-BE49-F238E27FC236}">
-                <a16:creationId xmlns:a16="http://schemas.microsoft.com/office/drawing/2014/main" id="{89B42026-4F60-4665-8FC5-FDB3293BF4A3}"/>
+                <a16:creationId xmlns:a16="http://schemas.microsoft.com/office/drawing/2014/main" id="{D1D88EA6-4D1B-47FD-A82A-C3C95174CBC6}"/>
               </a:ext>
             </a:extLst>
           </p:cNvPr>
@@ -16024,19 +16145,95 @@
           <a:p>
             <a:r>
               <a:rPr lang="ru-RU" dirty="0"/>
-              <a:t>Динамические библиотеки имеют ряд преимуществ над статическими</a:t>
-            </a:r>
-          </a:p>
-          <a:p>
-            <a:r>
-              <a:rPr lang="ru-RU" dirty="0"/>
-              <a:t>Добавляют накладные расходы на старте и во время работы приложения</a:t>
-            </a:r>
-          </a:p>
-          <a:p>
-            <a:r>
-              <a:rPr lang="ru-RU" dirty="0"/>
-              <a:t>Существуют методики, позволяющие существенно снизить оверхед</a:t>
+              <a:t>Примеры</a:t>
+            </a:r>
+            <a:r>
+              <a:rPr lang="en-US" dirty="0"/>
+              <a:t>:</a:t>
+            </a:r>
+          </a:p>
+          <a:p>
+            <a:pPr lvl="1"/>
+            <a:r>
+              <a:rPr lang="ru-RU" dirty="0"/>
+              <a:t>Использование </a:t>
+            </a:r>
+            <a:r>
+              <a:rPr lang="en-US" dirty="0"/>
+              <a:t>-</a:t>
+            </a:r>
+            <a:r>
+              <a:rPr lang="en-US" dirty="0" err="1"/>
+              <a:t>fno</a:t>
+            </a:r>
+            <a:r>
+              <a:rPr lang="en-US" dirty="0"/>
+              <a:t>-semantic-interposition </a:t>
+            </a:r>
+            <a:r>
+              <a:rPr lang="ru-RU" dirty="0"/>
+              <a:t>при сборке </a:t>
+            </a:r>
+            <a:r>
+              <a:rPr lang="en-US" dirty="0"/>
+              <a:t>Python </a:t>
+            </a:r>
+            <a:r>
+              <a:rPr lang="ru-RU" dirty="0"/>
+              <a:t>даёт до 30% прироста производительности</a:t>
+            </a:r>
+            <a:r>
+              <a:rPr lang="en-US" dirty="0"/>
+              <a:t> (</a:t>
+            </a:r>
+            <a:r>
+              <a:rPr lang="en-US" dirty="0" err="1">
+                <a:hlinkClick r:id="rId2"/>
+              </a:rPr>
+              <a:t>PythonNoSemanticInterpositionSpeedup</a:t>
+            </a:r>
+            <a:r>
+              <a:rPr lang="en-US" dirty="0"/>
+              <a:t>)</a:t>
+            </a:r>
+          </a:p>
+          <a:p>
+            <a:pPr lvl="1"/>
+            <a:r>
+              <a:rPr lang="ru-RU" dirty="0"/>
+              <a:t>Использование </a:t>
+            </a:r>
+            <a:r>
+              <a:rPr lang="en-US" dirty="0"/>
+              <a:t>-</a:t>
+            </a:r>
+            <a:r>
+              <a:rPr lang="en-US" dirty="0" err="1"/>
+              <a:t>Bsymbolic</a:t>
+            </a:r>
+            <a:r>
+              <a:rPr lang="en-US" dirty="0"/>
+              <a:t>-functions </a:t>
+            </a:r>
+            <a:r>
+              <a:rPr lang="ru-RU" dirty="0"/>
+              <a:t>в </a:t>
+            </a:r>
+            <a:r>
+              <a:rPr lang="en-US" dirty="0"/>
+              <a:t>Clang </a:t>
+            </a:r>
+            <a:r>
+              <a:rPr lang="ru-RU" dirty="0"/>
+              <a:t>даёт до </a:t>
+            </a:r>
+            <a:r>
+              <a:rPr lang="en-US" dirty="0"/>
+              <a:t>10% </a:t>
+            </a:r>
+            <a:r>
+              <a:rPr lang="ru-RU" dirty="0"/>
+              <a:t>прироста производительности</a:t>
             </a:r>
             <a:endParaRPr lang="en-US" dirty="0"/>
           </a:p>
@@ -16045,7 +16242,7 @@
     </p:spTree>
     <p:extLst>
       <p:ext uri="{BB962C8B-B14F-4D97-AF65-F5344CB8AC3E}">
-        <p14:creationId xmlns:p14="http://schemas.microsoft.com/office/powerpoint/2010/main" val="883765393"/>
+        <p14:creationId xmlns:p14="http://schemas.microsoft.com/office/powerpoint/2010/main" val="3385942271"/>
       </p:ext>
     </p:extLst>
   </p:cSld>
@@ -16077,7 +16274,7 @@
           <p:cNvPr id="2" name="Title 1">
             <a:extLst>
               <a:ext uri="{FF2B5EF4-FFF2-40B4-BE49-F238E27FC236}">
-                <a16:creationId xmlns:a16="http://schemas.microsoft.com/office/drawing/2014/main" id="{886196FC-6BEF-434E-B7EB-743173F137B2}"/>
+                <a16:creationId xmlns:a16="http://schemas.microsoft.com/office/drawing/2014/main" id="{BD766DFC-0AB1-4998-9C8F-D80FEAAB8954}"/>
               </a:ext>
             </a:extLst>
           </p:cNvPr>
@@ -16095,203 +16292,233 @@
           <a:p>
             <a:r>
               <a:rPr lang="ru-RU" dirty="0"/>
-              <a:t>Что почитать</a:t>
-            </a:r>
-            <a:r>
-              <a:rPr lang="en-US" dirty="0"/>
+              <a:t>Ускорение работы </a:t>
+            </a:r>
+            <a:r>
+              <a:rPr lang="en-US" dirty="0"/>
+              <a:t>DLL:</a:t>
+            </a:r>
+            <a:r>
+              <a:rPr lang="ru-RU" dirty="0"/>
+              <a:t> сокращение интерфейса библиотеки</a:t>
+            </a:r>
+            <a:endParaRPr lang="en-US" dirty="0"/>
+          </a:p>
+        </p:txBody>
+      </p:sp>
+      <p:sp>
+        <p:nvSpPr>
+          <p:cNvPr id="3" name="Content Placeholder 2">
+            <a:extLst>
+              <a:ext uri="{FF2B5EF4-FFF2-40B4-BE49-F238E27FC236}">
+                <a16:creationId xmlns:a16="http://schemas.microsoft.com/office/drawing/2014/main" id="{CFEBEFD7-23BF-4F14-9339-37AF67D86D7F}"/>
+              </a:ext>
+            </a:extLst>
+          </p:cNvPr>
+          <p:cNvSpPr>
+            <a:spLocks noGrp="1"/>
+          </p:cNvSpPr>
+          <p:nvPr>
+            <p:ph idx="1"/>
+          </p:nvPr>
+        </p:nvSpPr>
+        <p:spPr>
+          <a:xfrm>
+            <a:off x="838200" y="1825624"/>
+            <a:ext cx="10515600" cy="4498975"/>
+          </a:xfrm>
+        </p:spPr>
+        <p:txBody>
+          <a:bodyPr>
+            <a:normAutofit fontScale="92500" lnSpcReduction="10000"/>
+          </a:bodyPr>
+          <a:lstStyle/>
+          <a:p>
+            <a:r>
+              <a:rPr lang="ru-RU" dirty="0"/>
+              <a:t>Простой способ ускорения работы</a:t>
+            </a:r>
+          </a:p>
+          <a:p>
+            <a:r>
+              <a:rPr lang="ru-RU" dirty="0"/>
+              <a:t>Не требует нестандартных флагов сборки</a:t>
+            </a:r>
+          </a:p>
+          <a:p>
+            <a:r>
+              <a:rPr lang="ru-RU" dirty="0"/>
+              <a:t>Явный контроль над тем какие символы считать экспортируемыми</a:t>
+            </a:r>
+            <a:r>
+              <a:rPr lang="en-US" dirty="0"/>
+              <a:t>:</a:t>
+            </a:r>
+          </a:p>
+          <a:p>
+            <a:pPr marL="457200" lvl="1" indent="0">
+              <a:buNone/>
+            </a:pPr>
+            <a:r>
+              <a:rPr lang="en-US" sz="2000" dirty="0">
+                <a:latin typeface="Courier New" panose="02070309020205020404" pitchFamily="49" charset="0"/>
+                <a:cs typeface="Courier New" panose="02070309020205020404" pitchFamily="49" charset="0"/>
+              </a:rPr>
+              <a:t>$ cat </a:t>
+            </a:r>
+            <a:r>
+              <a:rPr lang="en-US" sz="2000" dirty="0" err="1">
+                <a:latin typeface="Courier New" panose="02070309020205020404" pitchFamily="49" charset="0"/>
+                <a:cs typeface="Courier New" panose="02070309020205020404" pitchFamily="49" charset="0"/>
+              </a:rPr>
+              <a:t>mylib.c</a:t>
+            </a:r>
+            <a:endParaRPr lang="en-US" sz="2000" dirty="0">
+              <a:latin typeface="Courier New" panose="02070309020205020404" pitchFamily="49" charset="0"/>
+              <a:cs typeface="Courier New" panose="02070309020205020404" pitchFamily="49" charset="0"/>
+            </a:endParaRPr>
+          </a:p>
+          <a:p>
+            <a:pPr marL="457200" lvl="1" indent="0">
+              <a:buNone/>
+            </a:pPr>
+            <a:r>
+              <a:rPr lang="en-US" sz="2000" dirty="0">
+                <a:latin typeface="Courier New" panose="02070309020205020404" pitchFamily="49" charset="0"/>
+                <a:cs typeface="Courier New" panose="02070309020205020404" pitchFamily="49" charset="0"/>
+              </a:rPr>
+              <a:t>void internal() {}</a:t>
+            </a:r>
+          </a:p>
+          <a:p>
+            <a:pPr marL="457200" lvl="1" indent="0">
+              <a:buNone/>
+            </a:pPr>
+            <a:endParaRPr lang="en-US" sz="2000" dirty="0">
+              <a:latin typeface="Courier New" panose="02070309020205020404" pitchFamily="49" charset="0"/>
+              <a:cs typeface="Courier New" panose="02070309020205020404" pitchFamily="49" charset="0"/>
+            </a:endParaRPr>
+          </a:p>
+          <a:p>
+            <a:pPr marL="457200" lvl="1" indent="0">
+              <a:buNone/>
+            </a:pPr>
+            <a:r>
+              <a:rPr lang="en-US" sz="2000" dirty="0">
+                <a:latin typeface="Courier New" panose="02070309020205020404" pitchFamily="49" charset="0"/>
+                <a:cs typeface="Courier New" panose="02070309020205020404" pitchFamily="49" charset="0"/>
+              </a:rPr>
+              <a:t>__attribute__((visibility(“default”)))</a:t>
+            </a:r>
+          </a:p>
+          <a:p>
+            <a:pPr marL="457200" lvl="1" indent="0">
+              <a:buNone/>
+            </a:pPr>
+            <a:r>
+              <a:rPr lang="en-US" sz="2000" dirty="0">
+                <a:latin typeface="Courier New" panose="02070309020205020404" pitchFamily="49" charset="0"/>
+                <a:cs typeface="Courier New" panose="02070309020205020404" pitchFamily="49" charset="0"/>
+              </a:rPr>
+              <a:t>void public() { internal(); }</a:t>
+            </a:r>
+          </a:p>
+          <a:p>
+            <a:pPr marL="457200" lvl="1" indent="0">
+              <a:buNone/>
+            </a:pPr>
+            <a:endParaRPr lang="en-US" sz="2000" dirty="0">
+              <a:latin typeface="Courier New" panose="02070309020205020404" pitchFamily="49" charset="0"/>
+              <a:cs typeface="Courier New" panose="02070309020205020404" pitchFamily="49" charset="0"/>
+            </a:endParaRPr>
+          </a:p>
+          <a:p>
+            <a:pPr marL="457200" lvl="1" indent="0">
+              <a:buNone/>
+            </a:pPr>
+            <a:r>
+              <a:rPr lang="en-US" sz="2000" dirty="0">
+                <a:latin typeface="Courier New" panose="02070309020205020404" pitchFamily="49" charset="0"/>
+                <a:cs typeface="Courier New" panose="02070309020205020404" pitchFamily="49" charset="0"/>
+              </a:rPr>
+              <a:t>$ </a:t>
+            </a:r>
+            <a:r>
+              <a:rPr lang="en-US" sz="2000" dirty="0" err="1">
+                <a:latin typeface="Courier New" panose="02070309020205020404" pitchFamily="49" charset="0"/>
+                <a:cs typeface="Courier New" panose="02070309020205020404" pitchFamily="49" charset="0"/>
+              </a:rPr>
+              <a:t>gcc</a:t>
+            </a:r>
+            <a:r>
+              <a:rPr lang="en-US" sz="2000" dirty="0">
+                <a:latin typeface="Courier New" panose="02070309020205020404" pitchFamily="49" charset="0"/>
+                <a:cs typeface="Courier New" panose="02070309020205020404" pitchFamily="49" charset="0"/>
+              </a:rPr>
+              <a:t> -</a:t>
+            </a:r>
+            <a:r>
+              <a:rPr lang="en-US" sz="2000" dirty="0" err="1">
+                <a:latin typeface="Courier New" panose="02070309020205020404" pitchFamily="49" charset="0"/>
+                <a:cs typeface="Courier New" panose="02070309020205020404" pitchFamily="49" charset="0"/>
+              </a:rPr>
+              <a:t>fvisibility</a:t>
+            </a:r>
+            <a:r>
+              <a:rPr lang="en-US" sz="2000" dirty="0">
+                <a:latin typeface="Courier New" panose="02070309020205020404" pitchFamily="49" charset="0"/>
+                <a:cs typeface="Courier New" panose="02070309020205020404" pitchFamily="49" charset="0"/>
+              </a:rPr>
+              <a:t>=hidden -</a:t>
+            </a:r>
+            <a:r>
+              <a:rPr lang="en-US" sz="2000" dirty="0" err="1">
+                <a:latin typeface="Courier New" panose="02070309020205020404" pitchFamily="49" charset="0"/>
+                <a:cs typeface="Courier New" panose="02070309020205020404" pitchFamily="49" charset="0"/>
+              </a:rPr>
+              <a:t>fPIC</a:t>
+            </a:r>
+            <a:r>
+              <a:rPr lang="en-US" sz="2000" dirty="0">
+                <a:latin typeface="Courier New" panose="02070309020205020404" pitchFamily="49" charset="0"/>
+                <a:cs typeface="Courier New" panose="02070309020205020404" pitchFamily="49" charset="0"/>
+              </a:rPr>
+              <a:t> -shared </a:t>
+            </a:r>
+            <a:r>
+              <a:rPr lang="en-US" sz="2000" dirty="0" err="1">
+                <a:latin typeface="Courier New" panose="02070309020205020404" pitchFamily="49" charset="0"/>
+                <a:cs typeface="Courier New" panose="02070309020205020404" pitchFamily="49" charset="0"/>
+              </a:rPr>
+              <a:t>mylib.c</a:t>
+            </a:r>
+            <a:endParaRPr lang="ru-RU" sz="2000" dirty="0">
+              <a:latin typeface="Courier New" panose="02070309020205020404" pitchFamily="49" charset="0"/>
+              <a:cs typeface="Courier New" panose="02070309020205020404" pitchFamily="49" charset="0"/>
+            </a:endParaRPr>
+          </a:p>
+          <a:p>
+            <a:r>
+              <a:rPr lang="ru-RU" dirty="0">
+                <a:latin typeface="Calibri (Body)"/>
+                <a:cs typeface="Courier New" panose="02070309020205020404" pitchFamily="49" charset="0"/>
+              </a:rPr>
+              <a:t>Какие функции экспортировать</a:t>
+            </a:r>
+            <a:r>
+              <a:rPr lang="en-US" dirty="0">
+                <a:latin typeface="Calibri (Body)"/>
+                <a:cs typeface="Courier New" panose="02070309020205020404" pitchFamily="49" charset="0"/>
+              </a:rPr>
               <a:t>?</a:t>
             </a:r>
           </a:p>
-        </p:txBody>
-      </p:sp>
-      <p:sp>
-        <p:nvSpPr>
-          <p:cNvPr id="3" name="Content Placeholder 2">
-            <a:extLst>
-              <a:ext uri="{FF2B5EF4-FFF2-40B4-BE49-F238E27FC236}">
-                <a16:creationId xmlns:a16="http://schemas.microsoft.com/office/drawing/2014/main" id="{FC6A6F34-CCD2-476C-82E8-06D3158E3E6F}"/>
-              </a:ext>
-            </a:extLst>
-          </p:cNvPr>
-          <p:cNvSpPr>
-            <a:spLocks noGrp="1"/>
-          </p:cNvSpPr>
-          <p:nvPr>
-            <p:ph idx="1"/>
-          </p:nvPr>
-        </p:nvSpPr>
-        <p:spPr/>
-        <p:txBody>
-          <a:bodyPr/>
-          <a:lstStyle/>
-          <a:p>
-            <a:r>
-              <a:rPr lang="en-US" dirty="0">
-                <a:hlinkClick r:id="rId2"/>
-              </a:rPr>
-              <a:t>Linkers, Loaders and Shared Libraries in Windows, Linux, and C++ - </a:t>
-            </a:r>
-            <a:r>
-              <a:rPr lang="en-US" dirty="0" err="1">
-                <a:hlinkClick r:id="rId2"/>
-              </a:rPr>
-              <a:t>Ofek</a:t>
-            </a:r>
-            <a:r>
-              <a:rPr lang="en-US" dirty="0">
-                <a:hlinkClick r:id="rId2"/>
-              </a:rPr>
-              <a:t> </a:t>
-            </a:r>
-            <a:r>
-              <a:rPr lang="en-US" dirty="0" err="1">
-                <a:hlinkClick r:id="rId2"/>
-              </a:rPr>
-              <a:t>Shilon</a:t>
-            </a:r>
-            <a:r>
-              <a:rPr lang="en-US" dirty="0">
-                <a:hlinkClick r:id="rId2"/>
-              </a:rPr>
-              <a:t> - </a:t>
-            </a:r>
-            <a:r>
-              <a:rPr lang="en-US" dirty="0" err="1">
-                <a:hlinkClick r:id="rId2"/>
-              </a:rPr>
-              <a:t>CppCon</a:t>
-            </a:r>
-            <a:r>
-              <a:rPr lang="en-US" dirty="0">
-                <a:hlinkClick r:id="rId2"/>
-              </a:rPr>
-              <a:t> 2023</a:t>
-            </a:r>
-            <a:endParaRPr lang="en-US" dirty="0"/>
-          </a:p>
           <a:p>
             <a:pPr lvl="1"/>
             <a:r>
               <a:rPr lang="ru-RU" dirty="0"/>
-              <a:t>Общий обзор </a:t>
-            </a:r>
-            <a:r>
-              <a:rPr lang="en-US" dirty="0"/>
-              <a:t>DLL </a:t>
-            </a:r>
-            <a:r>
-              <a:rPr lang="ru-RU" dirty="0"/>
-              <a:t>на разных платформах</a:t>
-            </a:r>
-            <a:endParaRPr lang="en-US" dirty="0"/>
-          </a:p>
-          <a:p>
-            <a:r>
-              <a:rPr lang="en-US" dirty="0">
-                <a:hlinkClick r:id="rId3"/>
-              </a:rPr>
-              <a:t>How to Write Shared Libraries – Ulrich </a:t>
-            </a:r>
-            <a:r>
-              <a:rPr lang="en-US" dirty="0" err="1">
-                <a:hlinkClick r:id="rId3"/>
-              </a:rPr>
-              <a:t>Drepper</a:t>
-            </a:r>
-            <a:endParaRPr lang="ru-RU" dirty="0"/>
-          </a:p>
-          <a:p>
-            <a:pPr lvl="1"/>
-            <a:r>
-              <a:rPr lang="ru-RU" dirty="0"/>
-              <a:t>Всё что нужно знать о </a:t>
-            </a:r>
-            <a:r>
-              <a:rPr lang="en-US" dirty="0"/>
-              <a:t>DLL </a:t>
-            </a:r>
-            <a:r>
-              <a:rPr lang="ru-RU" dirty="0"/>
-              <a:t>на </a:t>
-            </a:r>
-            <a:r>
-              <a:rPr lang="en-US" dirty="0"/>
-              <a:t>Linux</a:t>
-            </a:r>
-          </a:p>
-          <a:p>
-            <a:r>
-              <a:rPr lang="en-US" dirty="0">
-                <a:hlinkClick r:id="rId4"/>
-              </a:rPr>
-              <a:t>Everything You Ever Wanted to Know about DLLs – James McNellis - </a:t>
-            </a:r>
-            <a:r>
-              <a:rPr lang="en-US" dirty="0" err="1">
-                <a:hlinkClick r:id="rId4"/>
-              </a:rPr>
-              <a:t>CppCon</a:t>
-            </a:r>
-            <a:r>
-              <a:rPr lang="en-US" dirty="0">
-                <a:hlinkClick r:id="rId4"/>
-              </a:rPr>
-              <a:t> 2017</a:t>
-            </a:r>
-            <a:endParaRPr lang="en-US" dirty="0"/>
-          </a:p>
-          <a:p>
-            <a:pPr lvl="1"/>
-            <a:r>
-              <a:rPr lang="ru-RU" dirty="0"/>
-              <a:t>Всё что нужно знать о </a:t>
-            </a:r>
-            <a:r>
-              <a:rPr lang="en-US" dirty="0"/>
-              <a:t>DLL </a:t>
-            </a:r>
-            <a:r>
-              <a:rPr lang="ru-RU" dirty="0"/>
-              <a:t>на </a:t>
-            </a:r>
-            <a:r>
-              <a:rPr lang="en-US" dirty="0"/>
-              <a:t>Windows</a:t>
-            </a:r>
-          </a:p>
-          <a:p>
-            <a:r>
-              <a:rPr lang="en-US" dirty="0">
-                <a:hlinkClick r:id="rId5"/>
-              </a:rPr>
-              <a:t>https://maskray.me/blog</a:t>
-            </a:r>
-            <a:endParaRPr lang="en-US" dirty="0"/>
-          </a:p>
-          <a:p>
-            <a:pPr lvl="1"/>
-            <a:r>
-              <a:rPr lang="ru-RU" dirty="0"/>
-              <a:t>Блог </a:t>
-            </a:r>
-            <a:r>
-              <a:rPr lang="en-US" dirty="0" err="1"/>
-              <a:t>MaskRay</a:t>
-            </a:r>
-            <a:r>
-              <a:rPr lang="en-US" dirty="0"/>
-              <a:t> </a:t>
-            </a:r>
-            <a:r>
-              <a:rPr lang="ru-RU" dirty="0"/>
-              <a:t>о системном программировании под </a:t>
-            </a:r>
-            <a:r>
-              <a:rPr lang="en-US" dirty="0"/>
-              <a:t>Linux (GOT, PLT, etc.)</a:t>
-            </a:r>
-          </a:p>
-          <a:p>
+              <a:t>Как правило это функции из публичных заголовочных файлов</a:t>
+            </a:r>
             <a:endParaRPr lang="en-US" dirty="0"/>
           </a:p>
         </p:txBody>
@@ -16299,7 +16526,7 @@
     </p:spTree>
     <p:extLst>
       <p:ext uri="{BB962C8B-B14F-4D97-AF65-F5344CB8AC3E}">
-        <p14:creationId xmlns:p14="http://schemas.microsoft.com/office/powerpoint/2010/main" val="3359078839"/>
+        <p14:creationId xmlns:p14="http://schemas.microsoft.com/office/powerpoint/2010/main" val="801253916"/>
       </p:ext>
     </p:extLst>
   </p:cSld>
@@ -16331,7 +16558,7 @@
           <p:cNvPr id="2" name="Title 1">
             <a:extLst>
               <a:ext uri="{FF2B5EF4-FFF2-40B4-BE49-F238E27FC236}">
-                <a16:creationId xmlns:a16="http://schemas.microsoft.com/office/drawing/2014/main" id="{AE55B1BF-E6CB-4A61-A19B-EAB2E2F68128}"/>
+                <a16:creationId xmlns:a16="http://schemas.microsoft.com/office/drawing/2014/main" id="{BD766DFC-0AB1-4998-9C8F-D80FEAAB8954}"/>
               </a:ext>
             </a:extLst>
           </p:cNvPr>
@@ -16349,12 +16576,9 @@
           <a:p>
             <a:r>
               <a:rPr lang="ru-RU" dirty="0"/>
-              <a:t>Спасибо за внимание</a:t>
-            </a:r>
-            <a:r>
-              <a:rPr lang="en-US" dirty="0"/>
-              <a:t>!</a:t>
-            </a:r>
+              <a:t>Сокращение интерфейса библиотек в дистрибутивах</a:t>
+            </a:r>
+            <a:endParaRPr lang="en-US" dirty="0"/>
           </a:p>
         </p:txBody>
       </p:sp>
@@ -16363,7 +16587,7 @@
           <p:cNvPr id="3" name="Content Placeholder 2">
             <a:extLst>
               <a:ext uri="{FF2B5EF4-FFF2-40B4-BE49-F238E27FC236}">
-                <a16:creationId xmlns:a16="http://schemas.microsoft.com/office/drawing/2014/main" id="{FDC23327-086B-41AB-AC13-CE5A75450C7E}"/>
+                <a16:creationId xmlns:a16="http://schemas.microsoft.com/office/drawing/2014/main" id="{CFEBEFD7-23BF-4F14-9339-37AF67D86D7F}"/>
               </a:ext>
             </a:extLst>
           </p:cNvPr>
@@ -16374,19 +16598,216 @@
             <p:ph idx="1"/>
           </p:nvPr>
         </p:nvSpPr>
-        <p:spPr/>
-        <p:txBody>
-          <a:bodyPr/>
-          <a:lstStyle/>
-          <a:p>
+        <p:spPr>
+          <a:xfrm>
+            <a:off x="838200" y="1825625"/>
+            <a:ext cx="10515600" cy="4847318"/>
+          </a:xfrm>
+        </p:spPr>
+        <p:txBody>
+          <a:bodyPr>
+            <a:normAutofit fontScale="92500" lnSpcReduction="10000"/>
+          </a:bodyPr>
+          <a:lstStyle/>
+          <a:p>
+            <a:r>
+              <a:rPr lang="ru-RU" dirty="0"/>
+              <a:t>При наличии большой кодовой базы (например дистрибутива) может быть трудно найти библиотеки с избыточными экспортами</a:t>
+            </a:r>
             <a:endParaRPr lang="en-US" dirty="0"/>
+          </a:p>
+          <a:p>
+            <a:r>
+              <a:rPr lang="ru-RU" dirty="0"/>
+              <a:t>Поиск таких библиотек можно автоматизировать с помощью утилиты </a:t>
+            </a:r>
+            <a:r>
+              <a:rPr lang="en-US" dirty="0" err="1">
+                <a:hlinkClick r:id="rId3"/>
+              </a:rPr>
+              <a:t>ShlibVisibilityChecker</a:t>
+            </a:r>
+            <a:r>
+              <a:rPr lang="en-US" dirty="0"/>
+              <a:t> :</a:t>
+            </a:r>
+          </a:p>
+          <a:p>
+            <a:pPr marL="457200" lvl="1" indent="0">
+              <a:buNone/>
+            </a:pPr>
+            <a:r>
+              <a:rPr lang="en-US" sz="1900" dirty="0"/>
+              <a:t>$ </a:t>
+            </a:r>
+            <a:r>
+              <a:rPr lang="en-US" sz="1900" dirty="0" err="1"/>
+              <a:t>read_header_api</a:t>
+            </a:r>
+            <a:r>
+              <a:rPr lang="en-US" sz="1900" dirty="0"/>
+              <a:t> --only-</a:t>
+            </a:r>
+            <a:r>
+              <a:rPr lang="en-US" sz="1900" dirty="0" err="1"/>
+              <a:t>args</a:t>
+            </a:r>
+            <a:r>
+              <a:rPr lang="en-US" sz="1900" dirty="0"/>
+              <a:t> /</a:t>
+            </a:r>
+            <a:r>
+              <a:rPr lang="en-US" sz="1900" dirty="0" err="1"/>
+              <a:t>usr</a:t>
+            </a:r>
+            <a:r>
+              <a:rPr lang="en-US" sz="1900" dirty="0"/>
+              <a:t>/include/x86_64-linux-gnu/</a:t>
+            </a:r>
+            <a:r>
+              <a:rPr lang="en-US" sz="1900" dirty="0" err="1"/>
+              <a:t>gmp.h</a:t>
+            </a:r>
+            <a:r>
+              <a:rPr lang="en-US" sz="1900" dirty="0"/>
+              <a:t> &gt; api.txt</a:t>
+            </a:r>
+          </a:p>
+          <a:p>
+            <a:pPr marL="457200" lvl="1" indent="0">
+              <a:buNone/>
+            </a:pPr>
+            <a:r>
+              <a:rPr lang="en-US" sz="1900" dirty="0"/>
+              <a:t>$ </a:t>
+            </a:r>
+            <a:r>
+              <a:rPr lang="en-US" sz="1900" dirty="0" err="1"/>
+              <a:t>read_binary_api</a:t>
+            </a:r>
+            <a:r>
+              <a:rPr lang="en-US" sz="1900" dirty="0"/>
+              <a:t> --permissive /</a:t>
+            </a:r>
+            <a:r>
+              <a:rPr lang="en-US" sz="1900" dirty="0" err="1"/>
+              <a:t>usr</a:t>
+            </a:r>
+            <a:r>
+              <a:rPr lang="en-US" sz="1900" dirty="0"/>
+              <a:t>/lib/x86_64-linux-gnu/libgmp.so.10.4.1 &gt; abi.txt</a:t>
+            </a:r>
+          </a:p>
+          <a:p>
+            <a:pPr marL="457200" lvl="1" indent="0">
+              <a:buNone/>
+            </a:pPr>
+            <a:r>
+              <a:rPr lang="en-US" sz="1900" dirty="0"/>
+              <a:t>$ diff api.txt abi.txt | </a:t>
+            </a:r>
+            <a:r>
+              <a:rPr lang="en-US" sz="1900" dirty="0" err="1"/>
+              <a:t>wc</a:t>
+            </a:r>
+            <a:r>
+              <a:rPr lang="en-US" sz="1900" dirty="0"/>
+              <a:t> -l</a:t>
+            </a:r>
+          </a:p>
+          <a:p>
+            <a:pPr marL="457200" lvl="1" indent="0">
+              <a:buNone/>
+            </a:pPr>
+            <a:r>
+              <a:rPr lang="en-US" sz="1900" b="1" dirty="0"/>
+              <a:t>323</a:t>
+            </a:r>
+          </a:p>
+          <a:p>
+            <a:pPr marL="457200" lvl="1" indent="0">
+              <a:buNone/>
+            </a:pPr>
+            <a:r>
+              <a:rPr lang="en-US" sz="1900" dirty="0"/>
+              <a:t>$ diff api.txt abi.txt</a:t>
+            </a:r>
+          </a:p>
+          <a:p>
+            <a:pPr marL="457200" lvl="1" indent="0">
+              <a:buNone/>
+            </a:pPr>
+            <a:r>
+              <a:rPr lang="en-US" sz="1900" dirty="0"/>
+              <a:t>0a1,10</a:t>
+            </a:r>
+          </a:p>
+          <a:p>
+            <a:pPr marL="457200" lvl="1" indent="0">
+              <a:buNone/>
+            </a:pPr>
+            <a:r>
+              <a:rPr lang="en-US" sz="1900" b="1" dirty="0"/>
+              <a:t>&gt; __gmp_0</a:t>
+            </a:r>
+          </a:p>
+          <a:p>
+            <a:pPr marL="457200" lvl="1" indent="0">
+              <a:buNone/>
+            </a:pPr>
+            <a:r>
+              <a:rPr lang="en-US" sz="1900" b="1" dirty="0"/>
+              <a:t>&gt; __</a:t>
+            </a:r>
+            <a:r>
+              <a:rPr lang="en-US" sz="1900" b="1" dirty="0" err="1"/>
+              <a:t>gmp_allocate_func</a:t>
+            </a:r>
+            <a:endParaRPr lang="en-US" sz="1900" b="1" dirty="0"/>
+          </a:p>
+          <a:p>
+            <a:pPr marL="457200" lvl="1" indent="0">
+              <a:buNone/>
+            </a:pPr>
+            <a:r>
+              <a:rPr lang="en-US" sz="1900" b="1" dirty="0"/>
+              <a:t>&gt; __</a:t>
+            </a:r>
+            <a:r>
+              <a:rPr lang="en-US" sz="1900" b="1" dirty="0" err="1"/>
+              <a:t>gmp_asprintf_final</a:t>
+            </a:r>
+            <a:endParaRPr lang="en-US" sz="1900" b="1" dirty="0"/>
+          </a:p>
+          <a:p>
+            <a:pPr marL="457200" lvl="1" indent="0">
+              <a:buNone/>
+            </a:pPr>
+            <a:r>
+              <a:rPr lang="en-US" sz="1900" b="1" dirty="0"/>
+              <a:t>&gt; __</a:t>
+            </a:r>
+            <a:r>
+              <a:rPr lang="en-US" sz="1900" b="1" dirty="0" err="1"/>
+              <a:t>gmp_asprintf_funs</a:t>
+            </a:r>
+            <a:endParaRPr lang="en-US" sz="1900" b="1" dirty="0"/>
+          </a:p>
+          <a:p>
+            <a:pPr marL="457200" lvl="1" indent="0">
+              <a:buNone/>
+            </a:pPr>
+            <a:r>
+              <a:rPr lang="en-US" sz="1900" b="1" dirty="0"/>
+              <a:t>…</a:t>
+            </a:r>
           </a:p>
         </p:txBody>
       </p:sp>
     </p:spTree>
     <p:extLst>
       <p:ext uri="{BB962C8B-B14F-4D97-AF65-F5344CB8AC3E}">
-        <p14:creationId xmlns:p14="http://schemas.microsoft.com/office/powerpoint/2010/main" val="876813992"/>
+        <p14:creationId xmlns:p14="http://schemas.microsoft.com/office/powerpoint/2010/main" val="1656182481"/>
       </p:ext>
     </p:extLst>
   </p:cSld>
@@ -16578,6 +16999,447 @@
           <p:cNvPr id="2" name="Title 1">
             <a:extLst>
               <a:ext uri="{FF2B5EF4-FFF2-40B4-BE49-F238E27FC236}">
+                <a16:creationId xmlns:a16="http://schemas.microsoft.com/office/drawing/2014/main" id="{B79A58A2-53E2-4B07-B541-7560DC951115}"/>
+              </a:ext>
+            </a:extLst>
+          </p:cNvPr>
+          <p:cNvSpPr>
+            <a:spLocks noGrp="1"/>
+          </p:cNvSpPr>
+          <p:nvPr>
+            <p:ph type="title"/>
+          </p:nvPr>
+        </p:nvSpPr>
+        <p:spPr/>
+        <p:txBody>
+          <a:bodyPr/>
+          <a:lstStyle/>
+          <a:p>
+            <a:r>
+              <a:rPr lang="ru-RU" dirty="0"/>
+              <a:t>Резюме</a:t>
+            </a:r>
+            <a:endParaRPr lang="en-US" dirty="0"/>
+          </a:p>
+        </p:txBody>
+      </p:sp>
+      <p:sp>
+        <p:nvSpPr>
+          <p:cNvPr id="3" name="Content Placeholder 2">
+            <a:extLst>
+              <a:ext uri="{FF2B5EF4-FFF2-40B4-BE49-F238E27FC236}">
+                <a16:creationId xmlns:a16="http://schemas.microsoft.com/office/drawing/2014/main" id="{89B42026-4F60-4665-8FC5-FDB3293BF4A3}"/>
+              </a:ext>
+            </a:extLst>
+          </p:cNvPr>
+          <p:cNvSpPr>
+            <a:spLocks noGrp="1"/>
+          </p:cNvSpPr>
+          <p:nvPr>
+            <p:ph idx="1"/>
+          </p:nvPr>
+        </p:nvSpPr>
+        <p:spPr/>
+        <p:txBody>
+          <a:bodyPr/>
+          <a:lstStyle/>
+          <a:p>
+            <a:r>
+              <a:rPr lang="ru-RU" dirty="0"/>
+              <a:t>Динамические библиотеки имеют ряд преимуществ над статическими</a:t>
+            </a:r>
+          </a:p>
+          <a:p>
+            <a:r>
+              <a:rPr lang="ru-RU" dirty="0"/>
+              <a:t>Добавляют накладные расходы на старте и во время работы приложения</a:t>
+            </a:r>
+          </a:p>
+          <a:p>
+            <a:r>
+              <a:rPr lang="ru-RU" dirty="0"/>
+              <a:t>Существуют методики, позволяющие существенно снизить оверхед</a:t>
+            </a:r>
+            <a:endParaRPr lang="en-US" dirty="0"/>
+          </a:p>
+        </p:txBody>
+      </p:sp>
+    </p:spTree>
+    <p:extLst>
+      <p:ext uri="{BB962C8B-B14F-4D97-AF65-F5344CB8AC3E}">
+        <p14:creationId xmlns:p14="http://schemas.microsoft.com/office/powerpoint/2010/main" val="883765393"/>
+      </p:ext>
+    </p:extLst>
+  </p:cSld>
+  <p:clrMapOvr>
+    <a:masterClrMapping/>
+  </p:clrMapOvr>
+</p:sld>
+</file>
+
+<file path=ppt/slides/slide41.xml><?xml version="1.0" encoding="utf-8"?>
+<p:sld xmlns:a="http://schemas.openxmlformats.org/drawingml/2006/main" xmlns:r="http://schemas.openxmlformats.org/officeDocument/2006/relationships" xmlns:p="http://schemas.openxmlformats.org/presentationml/2006/main">
+  <p:cSld>
+    <p:spTree>
+      <p:nvGrpSpPr>
+        <p:cNvPr id="1" name=""/>
+        <p:cNvGrpSpPr/>
+        <p:nvPr/>
+      </p:nvGrpSpPr>
+      <p:grpSpPr>
+        <a:xfrm>
+          <a:off x="0" y="0"/>
+          <a:ext cx="0" cy="0"/>
+          <a:chOff x="0" y="0"/>
+          <a:chExt cx="0" cy="0"/>
+        </a:xfrm>
+      </p:grpSpPr>
+      <p:sp>
+        <p:nvSpPr>
+          <p:cNvPr id="2" name="Title 1">
+            <a:extLst>
+              <a:ext uri="{FF2B5EF4-FFF2-40B4-BE49-F238E27FC236}">
+                <a16:creationId xmlns:a16="http://schemas.microsoft.com/office/drawing/2014/main" id="{886196FC-6BEF-434E-B7EB-743173F137B2}"/>
+              </a:ext>
+            </a:extLst>
+          </p:cNvPr>
+          <p:cNvSpPr>
+            <a:spLocks noGrp="1"/>
+          </p:cNvSpPr>
+          <p:nvPr>
+            <p:ph type="title"/>
+          </p:nvPr>
+        </p:nvSpPr>
+        <p:spPr/>
+        <p:txBody>
+          <a:bodyPr/>
+          <a:lstStyle/>
+          <a:p>
+            <a:r>
+              <a:rPr lang="ru-RU" dirty="0"/>
+              <a:t>Что почитать</a:t>
+            </a:r>
+            <a:r>
+              <a:rPr lang="en-US" dirty="0"/>
+              <a:t>?</a:t>
+            </a:r>
+          </a:p>
+        </p:txBody>
+      </p:sp>
+      <p:sp>
+        <p:nvSpPr>
+          <p:cNvPr id="3" name="Content Placeholder 2">
+            <a:extLst>
+              <a:ext uri="{FF2B5EF4-FFF2-40B4-BE49-F238E27FC236}">
+                <a16:creationId xmlns:a16="http://schemas.microsoft.com/office/drawing/2014/main" id="{FC6A6F34-CCD2-476C-82E8-06D3158E3E6F}"/>
+              </a:ext>
+            </a:extLst>
+          </p:cNvPr>
+          <p:cNvSpPr>
+            <a:spLocks noGrp="1"/>
+          </p:cNvSpPr>
+          <p:nvPr>
+            <p:ph idx="1"/>
+          </p:nvPr>
+        </p:nvSpPr>
+        <p:spPr/>
+        <p:txBody>
+          <a:bodyPr/>
+          <a:lstStyle/>
+          <a:p>
+            <a:r>
+              <a:rPr lang="en-US" dirty="0">
+                <a:hlinkClick r:id="rId2"/>
+              </a:rPr>
+              <a:t>Linkers, Loaders and Shared Libraries in Windows, Linux, and C++ - </a:t>
+            </a:r>
+            <a:r>
+              <a:rPr lang="en-US" dirty="0" err="1">
+                <a:hlinkClick r:id="rId2"/>
+              </a:rPr>
+              <a:t>Ofek</a:t>
+            </a:r>
+            <a:r>
+              <a:rPr lang="en-US" dirty="0">
+                <a:hlinkClick r:id="rId2"/>
+              </a:rPr>
+              <a:t> </a:t>
+            </a:r>
+            <a:r>
+              <a:rPr lang="en-US" dirty="0" err="1">
+                <a:hlinkClick r:id="rId2"/>
+              </a:rPr>
+              <a:t>Shilon</a:t>
+            </a:r>
+            <a:r>
+              <a:rPr lang="en-US" dirty="0">
+                <a:hlinkClick r:id="rId2"/>
+              </a:rPr>
+              <a:t> - </a:t>
+            </a:r>
+            <a:r>
+              <a:rPr lang="en-US" dirty="0" err="1">
+                <a:hlinkClick r:id="rId2"/>
+              </a:rPr>
+              <a:t>CppCon</a:t>
+            </a:r>
+            <a:r>
+              <a:rPr lang="en-US" dirty="0">
+                <a:hlinkClick r:id="rId2"/>
+              </a:rPr>
+              <a:t> 2023</a:t>
+            </a:r>
+            <a:endParaRPr lang="en-US" dirty="0"/>
+          </a:p>
+          <a:p>
+            <a:pPr lvl="1"/>
+            <a:r>
+              <a:rPr lang="ru-RU" dirty="0"/>
+              <a:t>Общий обзор </a:t>
+            </a:r>
+            <a:r>
+              <a:rPr lang="en-US" dirty="0"/>
+              <a:t>DLL </a:t>
+            </a:r>
+            <a:r>
+              <a:rPr lang="ru-RU" dirty="0"/>
+              <a:t>на разных платформах</a:t>
+            </a:r>
+            <a:endParaRPr lang="en-US" dirty="0"/>
+          </a:p>
+          <a:p>
+            <a:r>
+              <a:rPr lang="en-US" dirty="0">
+                <a:hlinkClick r:id="rId3"/>
+              </a:rPr>
+              <a:t>How to Write Shared Libraries – Ulrich </a:t>
+            </a:r>
+            <a:r>
+              <a:rPr lang="en-US" dirty="0" err="1">
+                <a:hlinkClick r:id="rId3"/>
+              </a:rPr>
+              <a:t>Drepper</a:t>
+            </a:r>
+            <a:endParaRPr lang="ru-RU" dirty="0"/>
+          </a:p>
+          <a:p>
+            <a:pPr lvl="1"/>
+            <a:r>
+              <a:rPr lang="ru-RU" dirty="0"/>
+              <a:t>Всё что нужно знать о </a:t>
+            </a:r>
+            <a:r>
+              <a:rPr lang="en-US" dirty="0"/>
+              <a:t>DLL </a:t>
+            </a:r>
+            <a:r>
+              <a:rPr lang="ru-RU" dirty="0"/>
+              <a:t>на </a:t>
+            </a:r>
+            <a:r>
+              <a:rPr lang="en-US" dirty="0"/>
+              <a:t>Linux</a:t>
+            </a:r>
+          </a:p>
+          <a:p>
+            <a:r>
+              <a:rPr lang="en-US" dirty="0">
+                <a:hlinkClick r:id="rId4"/>
+              </a:rPr>
+              <a:t>Everything You Ever Wanted to Know about DLLs – James McNellis - </a:t>
+            </a:r>
+            <a:r>
+              <a:rPr lang="en-US" dirty="0" err="1">
+                <a:hlinkClick r:id="rId4"/>
+              </a:rPr>
+              <a:t>CppCon</a:t>
+            </a:r>
+            <a:r>
+              <a:rPr lang="en-US" dirty="0">
+                <a:hlinkClick r:id="rId4"/>
+              </a:rPr>
+              <a:t> 2017</a:t>
+            </a:r>
+            <a:endParaRPr lang="en-US" dirty="0"/>
+          </a:p>
+          <a:p>
+            <a:pPr lvl="1"/>
+            <a:r>
+              <a:rPr lang="ru-RU" dirty="0"/>
+              <a:t>Всё что нужно знать о </a:t>
+            </a:r>
+            <a:r>
+              <a:rPr lang="en-US" dirty="0"/>
+              <a:t>DLL </a:t>
+            </a:r>
+            <a:r>
+              <a:rPr lang="ru-RU" dirty="0"/>
+              <a:t>на </a:t>
+            </a:r>
+            <a:r>
+              <a:rPr lang="en-US" dirty="0"/>
+              <a:t>Windows</a:t>
+            </a:r>
+          </a:p>
+          <a:p>
+            <a:r>
+              <a:rPr lang="en-US" dirty="0">
+                <a:hlinkClick r:id="rId5"/>
+              </a:rPr>
+              <a:t>https://maskray.me/blog</a:t>
+            </a:r>
+            <a:endParaRPr lang="en-US" dirty="0"/>
+          </a:p>
+          <a:p>
+            <a:pPr lvl="1"/>
+            <a:r>
+              <a:rPr lang="ru-RU" dirty="0"/>
+              <a:t>Блог </a:t>
+            </a:r>
+            <a:r>
+              <a:rPr lang="en-US" dirty="0" err="1"/>
+              <a:t>MaskRay</a:t>
+            </a:r>
+            <a:r>
+              <a:rPr lang="en-US" dirty="0"/>
+              <a:t> </a:t>
+            </a:r>
+            <a:r>
+              <a:rPr lang="ru-RU" dirty="0"/>
+              <a:t>о системном программировании под </a:t>
+            </a:r>
+            <a:r>
+              <a:rPr lang="en-US" dirty="0"/>
+              <a:t>Linux (GOT, PLT, etc.)</a:t>
+            </a:r>
+          </a:p>
+          <a:p>
+            <a:endParaRPr lang="en-US" dirty="0"/>
+          </a:p>
+        </p:txBody>
+      </p:sp>
+    </p:spTree>
+    <p:extLst>
+      <p:ext uri="{BB962C8B-B14F-4D97-AF65-F5344CB8AC3E}">
+        <p14:creationId xmlns:p14="http://schemas.microsoft.com/office/powerpoint/2010/main" val="3359078839"/>
+      </p:ext>
+    </p:extLst>
+  </p:cSld>
+  <p:clrMapOvr>
+    <a:masterClrMapping/>
+  </p:clrMapOvr>
+</p:sld>
+</file>
+
+<file path=ppt/slides/slide42.xml><?xml version="1.0" encoding="utf-8"?>
+<p:sld xmlns:a="http://schemas.openxmlformats.org/drawingml/2006/main" xmlns:r="http://schemas.openxmlformats.org/officeDocument/2006/relationships" xmlns:p="http://schemas.openxmlformats.org/presentationml/2006/main">
+  <p:cSld>
+    <p:spTree>
+      <p:nvGrpSpPr>
+        <p:cNvPr id="1" name=""/>
+        <p:cNvGrpSpPr/>
+        <p:nvPr/>
+      </p:nvGrpSpPr>
+      <p:grpSpPr>
+        <a:xfrm>
+          <a:off x="0" y="0"/>
+          <a:ext cx="0" cy="0"/>
+          <a:chOff x="0" y="0"/>
+          <a:chExt cx="0" cy="0"/>
+        </a:xfrm>
+      </p:grpSpPr>
+      <p:sp>
+        <p:nvSpPr>
+          <p:cNvPr id="2" name="Title 1">
+            <a:extLst>
+              <a:ext uri="{FF2B5EF4-FFF2-40B4-BE49-F238E27FC236}">
+                <a16:creationId xmlns:a16="http://schemas.microsoft.com/office/drawing/2014/main" id="{AE55B1BF-E6CB-4A61-A19B-EAB2E2F68128}"/>
+              </a:ext>
+            </a:extLst>
+          </p:cNvPr>
+          <p:cNvSpPr>
+            <a:spLocks noGrp="1"/>
+          </p:cNvSpPr>
+          <p:nvPr>
+            <p:ph type="title"/>
+          </p:nvPr>
+        </p:nvSpPr>
+        <p:spPr/>
+        <p:txBody>
+          <a:bodyPr/>
+          <a:lstStyle/>
+          <a:p>
+            <a:r>
+              <a:rPr lang="ru-RU" dirty="0"/>
+              <a:t>Спасибо за внимание</a:t>
+            </a:r>
+            <a:r>
+              <a:rPr lang="en-US" dirty="0"/>
+              <a:t>!</a:t>
+            </a:r>
+          </a:p>
+        </p:txBody>
+      </p:sp>
+      <p:sp>
+        <p:nvSpPr>
+          <p:cNvPr id="3" name="Content Placeholder 2">
+            <a:extLst>
+              <a:ext uri="{FF2B5EF4-FFF2-40B4-BE49-F238E27FC236}">
+                <a16:creationId xmlns:a16="http://schemas.microsoft.com/office/drawing/2014/main" id="{FDC23327-086B-41AB-AC13-CE5A75450C7E}"/>
+              </a:ext>
+            </a:extLst>
+          </p:cNvPr>
+          <p:cNvSpPr>
+            <a:spLocks noGrp="1"/>
+          </p:cNvSpPr>
+          <p:nvPr>
+            <p:ph idx="1"/>
+          </p:nvPr>
+        </p:nvSpPr>
+        <p:spPr/>
+        <p:txBody>
+          <a:bodyPr/>
+          <a:lstStyle/>
+          <a:p>
+            <a:endParaRPr lang="en-US" dirty="0"/>
+          </a:p>
+        </p:txBody>
+      </p:sp>
+    </p:spTree>
+    <p:extLst>
+      <p:ext uri="{BB962C8B-B14F-4D97-AF65-F5344CB8AC3E}">
+        <p14:creationId xmlns:p14="http://schemas.microsoft.com/office/powerpoint/2010/main" val="876813992"/>
+      </p:ext>
+    </p:extLst>
+  </p:cSld>
+  <p:clrMapOvr>
+    <a:masterClrMapping/>
+  </p:clrMapOvr>
+</p:sld>
+</file>
+
+<file path=ppt/slides/slide43.xml><?xml version="1.0" encoding="utf-8"?>
+<p:sld xmlns:a="http://schemas.openxmlformats.org/drawingml/2006/main" xmlns:r="http://schemas.openxmlformats.org/officeDocument/2006/relationships" xmlns:p="http://schemas.openxmlformats.org/presentationml/2006/main">
+  <p:cSld>
+    <p:spTree>
+      <p:nvGrpSpPr>
+        <p:cNvPr id="1" name=""/>
+        <p:cNvGrpSpPr/>
+        <p:nvPr/>
+      </p:nvGrpSpPr>
+      <p:grpSpPr>
+        <a:xfrm>
+          <a:off x="0" y="0"/>
+          <a:ext cx="0" cy="0"/>
+          <a:chOff x="0" y="0"/>
+          <a:chExt cx="0" cy="0"/>
+        </a:xfrm>
+      </p:grpSpPr>
+      <p:sp>
+        <p:nvSpPr>
+          <p:cNvPr id="2" name="Title 1">
+            <a:extLst>
+              <a:ext uri="{FF2B5EF4-FFF2-40B4-BE49-F238E27FC236}">
                 <a16:creationId xmlns:a16="http://schemas.microsoft.com/office/drawing/2014/main" id="{93090202-CF24-421C-9485-04FBDD337F8A}"/>
               </a:ext>
             </a:extLst>
@@ -16643,9 +17505,27 @@
           </a:p>
           <a:p>
             <a:r>
+              <a:rPr lang="ru-RU" dirty="0"/>
+              <a:t>Проблема отсутствующего </a:t>
+            </a:r>
+            <a:r>
+              <a:rPr lang="en-US" dirty="0" err="1"/>
+              <a:t>dllimport</a:t>
+            </a:r>
+            <a:endParaRPr lang="ru-RU" dirty="0"/>
+          </a:p>
+          <a:p>
+            <a:r>
               <a:rPr lang="en-US" dirty="0"/>
               <a:t>--as-needed</a:t>
             </a:r>
+          </a:p>
+          <a:p>
+            <a:r>
+              <a:rPr lang="ru-RU" dirty="0"/>
+              <a:t>Добавить ссылок</a:t>
+            </a:r>
+            <a:endParaRPr lang="en-US" dirty="0"/>
           </a:p>
           <a:p>
             <a:r>
@@ -16660,13 +17540,6 @@
               <a:rPr lang="en-US" dirty="0"/>
               <a:t> (?)</a:t>
             </a:r>
-          </a:p>
-          <a:p>
-            <a:r>
-              <a:rPr lang="ru-RU" dirty="0"/>
-              <a:t>Добавить ссылок</a:t>
-            </a:r>
-            <a:endParaRPr lang="en-US" dirty="0"/>
           </a:p>
           <a:p>
             <a:r>
@@ -16684,6 +17557,436 @@
     <p:extLst>
       <p:ext uri="{BB962C8B-B14F-4D97-AF65-F5344CB8AC3E}">
         <p14:creationId xmlns:p14="http://schemas.microsoft.com/office/powerpoint/2010/main" val="1842829182"/>
+      </p:ext>
+    </p:extLst>
+  </p:cSld>
+  <p:clrMapOvr>
+    <a:masterClrMapping/>
+  </p:clrMapOvr>
+</p:sld>
+</file>
+
+<file path=ppt/slides/slide44.xml><?xml version="1.0" encoding="utf-8"?>
+<p:sld xmlns:a="http://schemas.openxmlformats.org/drawingml/2006/main" xmlns:r="http://schemas.openxmlformats.org/officeDocument/2006/relationships" xmlns:p="http://schemas.openxmlformats.org/presentationml/2006/main">
+  <p:cSld>
+    <p:spTree>
+      <p:nvGrpSpPr>
+        <p:cNvPr id="1" name=""/>
+        <p:cNvGrpSpPr/>
+        <p:nvPr/>
+      </p:nvGrpSpPr>
+      <p:grpSpPr>
+        <a:xfrm>
+          <a:off x="0" y="0"/>
+          <a:ext cx="0" cy="0"/>
+          <a:chOff x="0" y="0"/>
+          <a:chExt cx="0" cy="0"/>
+        </a:xfrm>
+      </p:grpSpPr>
+      <p:sp>
+        <p:nvSpPr>
+          <p:cNvPr id="2" name="Title 1">
+            <a:extLst>
+              <a:ext uri="{FF2B5EF4-FFF2-40B4-BE49-F238E27FC236}">
+                <a16:creationId xmlns:a16="http://schemas.microsoft.com/office/drawing/2014/main" id="{CD19E7E3-A310-49FF-A77B-B37588A39A3E}"/>
+              </a:ext>
+            </a:extLst>
+          </p:cNvPr>
+          <p:cNvSpPr>
+            <a:spLocks noGrp="1"/>
+          </p:cNvSpPr>
+          <p:nvPr>
+            <p:ph type="title"/>
+          </p:nvPr>
+        </p:nvSpPr>
+        <p:spPr/>
+        <p:txBody>
+          <a:bodyPr/>
+          <a:lstStyle/>
+          <a:p>
+            <a:r>
+              <a:rPr lang="ru-RU" dirty="0"/>
+              <a:t>Проверка </a:t>
+            </a:r>
+            <a:r>
+              <a:rPr lang="en-US" dirty="0"/>
+              <a:t>–O1</a:t>
+            </a:r>
+          </a:p>
+        </p:txBody>
+      </p:sp>
+      <p:sp>
+        <p:nvSpPr>
+          <p:cNvPr id="3" name="Content Placeholder 2">
+            <a:extLst>
+              <a:ext uri="{FF2B5EF4-FFF2-40B4-BE49-F238E27FC236}">
+                <a16:creationId xmlns:a16="http://schemas.microsoft.com/office/drawing/2014/main" id="{0263D36B-8799-48BF-9D12-7FA8EC932069}"/>
+              </a:ext>
+            </a:extLst>
+          </p:cNvPr>
+          <p:cNvSpPr>
+            <a:spLocks noGrp="1"/>
+          </p:cNvSpPr>
+          <p:nvPr>
+            <p:ph idx="1"/>
+          </p:nvPr>
+        </p:nvSpPr>
+        <p:spPr/>
+        <p:txBody>
+          <a:bodyPr/>
+          <a:lstStyle/>
+          <a:p>
+            <a:r>
+              <a:rPr lang="ru-RU" dirty="0"/>
+              <a:t>Собрать две версии </a:t>
+            </a:r>
+            <a:r>
+              <a:rPr lang="en-US" dirty="0"/>
+              <a:t>LLVM:</a:t>
+            </a:r>
+          </a:p>
+          <a:p>
+            <a:pPr lvl="1"/>
+            <a:r>
+              <a:rPr lang="en-US" dirty="0"/>
+              <a:t>-DBUILD_SHARED_LIBS=ON</a:t>
+            </a:r>
+          </a:p>
+          <a:p>
+            <a:pPr lvl="1"/>
+            <a:r>
+              <a:rPr lang="en-US" dirty="0"/>
+              <a:t>-DBUILD_SHARED_LIBS=ON -DCMAKE_SHARED_LINKER_FLAGS='-Wl,-O1’</a:t>
+            </a:r>
+          </a:p>
+          <a:p>
+            <a:r>
+              <a:rPr lang="ru-RU" dirty="0"/>
+              <a:t>Сравнить производительность</a:t>
+            </a:r>
+            <a:r>
+              <a:rPr lang="en-US" dirty="0"/>
+              <a:t>:</a:t>
+            </a:r>
+          </a:p>
+          <a:p>
+            <a:pPr lvl="1"/>
+            <a:r>
+              <a:rPr lang="en-US" dirty="0"/>
+              <a:t>./benchmark.pl 10 path/to/clang -h</a:t>
+            </a:r>
+          </a:p>
+        </p:txBody>
+      </p:sp>
+    </p:spTree>
+    <p:extLst>
+      <p:ext uri="{BB962C8B-B14F-4D97-AF65-F5344CB8AC3E}">
+        <p14:creationId xmlns:p14="http://schemas.microsoft.com/office/powerpoint/2010/main" val="1685019486"/>
+      </p:ext>
+    </p:extLst>
+  </p:cSld>
+  <p:clrMapOvr>
+    <a:masterClrMapping/>
+  </p:clrMapOvr>
+</p:sld>
+</file>
+
+<file path=ppt/slides/slide45.xml><?xml version="1.0" encoding="utf-8"?>
+<p:sld xmlns:a="http://schemas.openxmlformats.org/drawingml/2006/main" xmlns:r="http://schemas.openxmlformats.org/officeDocument/2006/relationships" xmlns:p="http://schemas.openxmlformats.org/presentationml/2006/main">
+  <p:cSld>
+    <p:spTree>
+      <p:nvGrpSpPr>
+        <p:cNvPr id="1" name=""/>
+        <p:cNvGrpSpPr/>
+        <p:nvPr/>
+      </p:nvGrpSpPr>
+      <p:grpSpPr>
+        <a:xfrm>
+          <a:off x="0" y="0"/>
+          <a:ext cx="0" cy="0"/>
+          <a:chOff x="0" y="0"/>
+          <a:chExt cx="0" cy="0"/>
+        </a:xfrm>
+      </p:grpSpPr>
+      <p:sp>
+        <p:nvSpPr>
+          <p:cNvPr id="2" name="Title 1">
+            <a:extLst>
+              <a:ext uri="{FF2B5EF4-FFF2-40B4-BE49-F238E27FC236}">
+                <a16:creationId xmlns:a16="http://schemas.microsoft.com/office/drawing/2014/main" id="{CD19E7E3-A310-49FF-A77B-B37588A39A3E}"/>
+              </a:ext>
+            </a:extLst>
+          </p:cNvPr>
+          <p:cNvSpPr>
+            <a:spLocks noGrp="1"/>
+          </p:cNvSpPr>
+          <p:nvPr>
+            <p:ph type="title"/>
+          </p:nvPr>
+        </p:nvSpPr>
+        <p:spPr/>
+        <p:txBody>
+          <a:bodyPr/>
+          <a:lstStyle/>
+          <a:p>
+            <a:r>
+              <a:rPr lang="ru-RU" dirty="0"/>
+              <a:t>Проверка </a:t>
+            </a:r>
+            <a:r>
+              <a:rPr lang="en-US" dirty="0"/>
+              <a:t>–</a:t>
+            </a:r>
+            <a:r>
+              <a:rPr lang="en-US" dirty="0" err="1"/>
+              <a:t>fno-plt</a:t>
+            </a:r>
+            <a:endParaRPr lang="en-US" dirty="0"/>
+          </a:p>
+        </p:txBody>
+      </p:sp>
+      <p:sp>
+        <p:nvSpPr>
+          <p:cNvPr id="3" name="Content Placeholder 2">
+            <a:extLst>
+              <a:ext uri="{FF2B5EF4-FFF2-40B4-BE49-F238E27FC236}">
+                <a16:creationId xmlns:a16="http://schemas.microsoft.com/office/drawing/2014/main" id="{0263D36B-8799-48BF-9D12-7FA8EC932069}"/>
+              </a:ext>
+            </a:extLst>
+          </p:cNvPr>
+          <p:cNvSpPr>
+            <a:spLocks noGrp="1"/>
+          </p:cNvSpPr>
+          <p:nvPr>
+            <p:ph idx="1"/>
+          </p:nvPr>
+        </p:nvSpPr>
+        <p:spPr/>
+        <p:txBody>
+          <a:bodyPr/>
+          <a:lstStyle/>
+          <a:p>
+            <a:r>
+              <a:rPr lang="ru-RU" dirty="0"/>
+              <a:t>Собрать две версии </a:t>
+            </a:r>
+            <a:r>
+              <a:rPr lang="en-US" dirty="0"/>
+              <a:t>LLVM:</a:t>
+            </a:r>
+          </a:p>
+          <a:p>
+            <a:pPr lvl="1"/>
+            <a:r>
+              <a:rPr lang="en-US" dirty="0"/>
+              <a:t>-DBUILD_SHARED_LIBS=ON</a:t>
+            </a:r>
+          </a:p>
+          <a:p>
+            <a:pPr lvl="1"/>
+            <a:r>
+              <a:rPr lang="en-US" dirty="0"/>
+              <a:t>-DBUILD_SHARED_LIBS=ON -DCMAKE_CXX_FLAGS=‘-</a:t>
+            </a:r>
+            <a:r>
+              <a:rPr lang="en-US" dirty="0" err="1"/>
+              <a:t>fno</a:t>
+            </a:r>
+            <a:r>
+              <a:rPr lang="en-US" dirty="0"/>
+              <a:t>-</a:t>
+            </a:r>
+            <a:r>
+              <a:rPr lang="en-US" dirty="0" err="1"/>
+              <a:t>plt</a:t>
+            </a:r>
+            <a:r>
+              <a:rPr lang="en-US" dirty="0"/>
+              <a:t>’</a:t>
+            </a:r>
+          </a:p>
+          <a:p>
+            <a:r>
+              <a:rPr lang="ru-RU" dirty="0"/>
+              <a:t>Сравнить производительность</a:t>
+            </a:r>
+            <a:r>
+              <a:rPr lang="en-US" dirty="0"/>
+              <a:t>:</a:t>
+            </a:r>
+          </a:p>
+          <a:p>
+            <a:pPr lvl="1"/>
+            <a:r>
+              <a:rPr lang="en-US" dirty="0"/>
+              <a:t>./benchmark.pl 10 path/to/clang -c -O2 ~/</a:t>
+            </a:r>
+            <a:r>
+              <a:rPr lang="en-US" dirty="0" err="1"/>
+              <a:t>InstCombining.i</a:t>
+            </a:r>
+            <a:endParaRPr lang="en-US" dirty="0"/>
+          </a:p>
+        </p:txBody>
+      </p:sp>
+    </p:spTree>
+    <p:extLst>
+      <p:ext uri="{BB962C8B-B14F-4D97-AF65-F5344CB8AC3E}">
+        <p14:creationId xmlns:p14="http://schemas.microsoft.com/office/powerpoint/2010/main" val="4180884372"/>
+      </p:ext>
+    </p:extLst>
+  </p:cSld>
+  <p:clrMapOvr>
+    <a:masterClrMapping/>
+  </p:clrMapOvr>
+</p:sld>
+</file>
+
+<file path=ppt/slides/slide46.xml><?xml version="1.0" encoding="utf-8"?>
+<p:sld xmlns:a="http://schemas.openxmlformats.org/drawingml/2006/main" xmlns:r="http://schemas.openxmlformats.org/officeDocument/2006/relationships" xmlns:p="http://schemas.openxmlformats.org/presentationml/2006/main">
+  <p:cSld>
+    <p:spTree>
+      <p:nvGrpSpPr>
+        <p:cNvPr id="1" name=""/>
+        <p:cNvGrpSpPr/>
+        <p:nvPr/>
+      </p:nvGrpSpPr>
+      <p:grpSpPr>
+        <a:xfrm>
+          <a:off x="0" y="0"/>
+          <a:ext cx="0" cy="0"/>
+          <a:chOff x="0" y="0"/>
+          <a:chExt cx="0" cy="0"/>
+        </a:xfrm>
+      </p:grpSpPr>
+      <p:sp>
+        <p:nvSpPr>
+          <p:cNvPr id="2" name="Title 1">
+            <a:extLst>
+              <a:ext uri="{FF2B5EF4-FFF2-40B4-BE49-F238E27FC236}">
+                <a16:creationId xmlns:a16="http://schemas.microsoft.com/office/drawing/2014/main" id="{CD19E7E3-A310-49FF-A77B-B37588A39A3E}"/>
+              </a:ext>
+            </a:extLst>
+          </p:cNvPr>
+          <p:cNvSpPr>
+            <a:spLocks noGrp="1"/>
+          </p:cNvSpPr>
+          <p:nvPr>
+            <p:ph type="title"/>
+          </p:nvPr>
+        </p:nvSpPr>
+        <p:spPr/>
+        <p:txBody>
+          <a:bodyPr/>
+          <a:lstStyle/>
+          <a:p>
+            <a:r>
+              <a:rPr lang="ru-RU" dirty="0"/>
+              <a:t>Проверка </a:t>
+            </a:r>
+            <a:r>
+              <a:rPr lang="en-US" dirty="0"/>
+              <a:t>–</a:t>
+            </a:r>
+            <a:r>
+              <a:rPr lang="en-US" dirty="0" err="1"/>
+              <a:t>Bsymbolic</a:t>
+            </a:r>
+            <a:r>
+              <a:rPr lang="en-US" dirty="0"/>
+              <a:t>-functions</a:t>
+            </a:r>
+          </a:p>
+        </p:txBody>
+      </p:sp>
+      <p:sp>
+        <p:nvSpPr>
+          <p:cNvPr id="3" name="Content Placeholder 2">
+            <a:extLst>
+              <a:ext uri="{FF2B5EF4-FFF2-40B4-BE49-F238E27FC236}">
+                <a16:creationId xmlns:a16="http://schemas.microsoft.com/office/drawing/2014/main" id="{0263D36B-8799-48BF-9D12-7FA8EC932069}"/>
+              </a:ext>
+            </a:extLst>
+          </p:cNvPr>
+          <p:cNvSpPr>
+            <a:spLocks noGrp="1"/>
+          </p:cNvSpPr>
+          <p:nvPr>
+            <p:ph idx="1"/>
+          </p:nvPr>
+        </p:nvSpPr>
+        <p:spPr/>
+        <p:txBody>
+          <a:bodyPr/>
+          <a:lstStyle/>
+          <a:p>
+            <a:r>
+              <a:rPr lang="ru-RU" dirty="0"/>
+              <a:t>Собрать две версии </a:t>
+            </a:r>
+            <a:r>
+              <a:rPr lang="en-US" dirty="0"/>
+              <a:t>LLVM:</a:t>
+            </a:r>
+          </a:p>
+          <a:p>
+            <a:pPr lvl="1"/>
+            <a:r>
+              <a:rPr lang="en-US" dirty="0"/>
+              <a:t>-DBUILD_SHARED_LIBS=ON</a:t>
+            </a:r>
+          </a:p>
+          <a:p>
+            <a:pPr lvl="1"/>
+            <a:r>
+              <a:rPr lang="en-US" dirty="0"/>
+              <a:t>-DBUILD_SHARED_LIBS=ON -DCMAKE_SHARED_LINKER_FLAGS='-</a:t>
+            </a:r>
+            <a:r>
+              <a:rPr lang="en-US" dirty="0" err="1"/>
+              <a:t>Wl</a:t>
+            </a:r>
+            <a:r>
+              <a:rPr lang="en-US" dirty="0"/>
+              <a:t>,-</a:t>
+            </a:r>
+            <a:r>
+              <a:rPr lang="en-US" dirty="0" err="1"/>
+              <a:t>Bsymbolic</a:t>
+            </a:r>
+            <a:r>
+              <a:rPr lang="en-US" dirty="0"/>
+              <a:t>-functions’</a:t>
+            </a:r>
+          </a:p>
+          <a:p>
+            <a:r>
+              <a:rPr lang="ru-RU" dirty="0"/>
+              <a:t>Сравнить производительность</a:t>
+            </a:r>
+            <a:r>
+              <a:rPr lang="en-US" dirty="0"/>
+              <a:t>:</a:t>
+            </a:r>
+          </a:p>
+          <a:p>
+            <a:pPr lvl="1"/>
+            <a:r>
+              <a:rPr lang="en-US" dirty="0"/>
+              <a:t>./benchmark.pl 10 path/to/clang -c -O2 ~/</a:t>
+            </a:r>
+            <a:r>
+              <a:rPr lang="en-US" dirty="0" err="1"/>
+              <a:t>InstCombining.i</a:t>
+            </a:r>
+            <a:endParaRPr lang="en-US" dirty="0"/>
+          </a:p>
+        </p:txBody>
+      </p:sp>
+    </p:spTree>
+    <p:extLst>
+      <p:ext uri="{BB962C8B-B14F-4D97-AF65-F5344CB8AC3E}">
+        <p14:creationId xmlns:p14="http://schemas.microsoft.com/office/powerpoint/2010/main" val="2465096134"/>
       </p:ext>
     </p:extLst>
   </p:cSld>

--- a/2024/RU.pptx
+++ b/2024/RU.pptx
@@ -5,7 +5,7 @@
     <p:sldMasterId id="2147483648" r:id="rId1"/>
   </p:sldMasterIdLst>
   <p:notesMasterIdLst>
-    <p:notesMasterId r:id="rId55"/>
+    <p:notesMasterId r:id="rId57"/>
   </p:notesMasterIdLst>
   <p:sldIdLst>
     <p:sldId id="256" r:id="rId2"/>
@@ -35,32 +35,34 @@
     <p:sldId id="316" r:id="rId26"/>
     <p:sldId id="317" r:id="rId27"/>
     <p:sldId id="318" r:id="rId28"/>
-    <p:sldId id="321" r:id="rId29"/>
-    <p:sldId id="322" r:id="rId30"/>
-    <p:sldId id="334" r:id="rId31"/>
-    <p:sldId id="320" r:id="rId32"/>
-    <p:sldId id="348" r:id="rId33"/>
-    <p:sldId id="335" r:id="rId34"/>
-    <p:sldId id="344" r:id="rId35"/>
-    <p:sldId id="323" r:id="rId36"/>
-    <p:sldId id="345" r:id="rId37"/>
-    <p:sldId id="351" r:id="rId38"/>
-    <p:sldId id="336" r:id="rId39"/>
-    <p:sldId id="324" r:id="rId40"/>
-    <p:sldId id="326" r:id="rId41"/>
-    <p:sldId id="327" r:id="rId42"/>
-    <p:sldId id="347" r:id="rId43"/>
-    <p:sldId id="328" r:id="rId44"/>
-    <p:sldId id="330" r:id="rId45"/>
-    <p:sldId id="338" r:id="rId46"/>
-    <p:sldId id="319" r:id="rId47"/>
-    <p:sldId id="299" r:id="rId48"/>
-    <p:sldId id="337" r:id="rId49"/>
-    <p:sldId id="349" r:id="rId50"/>
-    <p:sldId id="350" r:id="rId51"/>
-    <p:sldId id="346" r:id="rId52"/>
-    <p:sldId id="352" r:id="rId53"/>
-    <p:sldId id="353" r:id="rId54"/>
+    <p:sldId id="363" r:id="rId29"/>
+    <p:sldId id="362" r:id="rId30"/>
+    <p:sldId id="321" r:id="rId31"/>
+    <p:sldId id="322" r:id="rId32"/>
+    <p:sldId id="334" r:id="rId33"/>
+    <p:sldId id="320" r:id="rId34"/>
+    <p:sldId id="348" r:id="rId35"/>
+    <p:sldId id="335" r:id="rId36"/>
+    <p:sldId id="344" r:id="rId37"/>
+    <p:sldId id="323" r:id="rId38"/>
+    <p:sldId id="345" r:id="rId39"/>
+    <p:sldId id="351" r:id="rId40"/>
+    <p:sldId id="336" r:id="rId41"/>
+    <p:sldId id="324" r:id="rId42"/>
+    <p:sldId id="326" r:id="rId43"/>
+    <p:sldId id="327" r:id="rId44"/>
+    <p:sldId id="347" r:id="rId45"/>
+    <p:sldId id="328" r:id="rId46"/>
+    <p:sldId id="330" r:id="rId47"/>
+    <p:sldId id="338" r:id="rId48"/>
+    <p:sldId id="319" r:id="rId49"/>
+    <p:sldId id="299" r:id="rId50"/>
+    <p:sldId id="337" r:id="rId51"/>
+    <p:sldId id="349" r:id="rId52"/>
+    <p:sldId id="350" r:id="rId53"/>
+    <p:sldId id="346" r:id="rId54"/>
+    <p:sldId id="352" r:id="rId55"/>
+    <p:sldId id="353" r:id="rId56"/>
   </p:sldIdLst>
   <p:sldSz cx="12192000" cy="6858000"/>
   <p:notesSz cx="6858000" cy="9144000"/>
@@ -261,7 +263,7 @@
           <a:p>
             <a:fld id="{A36A2EB4-42A0-4A9F-94AC-04D10C1F231A}" type="datetimeFigureOut">
               <a:rPr lang="en-US" smtClean="0"/>
-              <a:t>2/18/2024</a:t>
+              <a:t>2/23/2024</a:t>
             </a:fld>
             <a:endParaRPr lang="en-US"/>
           </a:p>
@@ -2737,101 +2739,7 @@
           <a:bodyPr/>
           <a:lstStyle/>
           <a:p>
-            <a:r>
-              <a:rPr lang="ru-RU" dirty="0"/>
-              <a:t>Рассмотрим первый способ ускорения </a:t>
-            </a:r>
-            <a:r>
-              <a:rPr lang="en-US" dirty="0"/>
-              <a:t>DLL, </a:t>
-            </a:r>
-            <a:r>
-              <a:rPr lang="ru-RU" dirty="0"/>
-              <a:t>который</a:t>
-            </a:r>
-            <a:r>
-              <a:rPr lang="en-US" dirty="0"/>
-              <a:t> </a:t>
-            </a:r>
-            <a:r>
-              <a:rPr lang="ru-RU" dirty="0"/>
-              <a:t>заключается в том чтобы просто не загружать их без явной необходимости.</a:t>
-            </a:r>
-          </a:p>
-          <a:p>
-            <a:endParaRPr lang="ru-RU" dirty="0"/>
-          </a:p>
-          <a:p>
-            <a:r>
-              <a:rPr lang="ru-RU" dirty="0"/>
-              <a:t>В самом деле если библиотека используется редко или только в специфических сценариях, то нам нет особого смысла загружать её на старте программы и лучше отложить это до первого использования.</a:t>
-            </a:r>
-          </a:p>
-          <a:p>
-            <a:endParaRPr lang="ru-RU" dirty="0"/>
-          </a:p>
-          <a:p>
-            <a:r>
-              <a:rPr lang="en-US" dirty="0"/>
-              <a:t>Windows </a:t>
-            </a:r>
-            <a:r>
-              <a:rPr lang="ru-RU" dirty="0"/>
-              <a:t>и </a:t>
-            </a:r>
-            <a:r>
-              <a:rPr lang="en-US" dirty="0"/>
-              <a:t>macOS </a:t>
-            </a:r>
-            <a:r>
-              <a:rPr lang="ru-RU" dirty="0"/>
-              <a:t>предоставляют встроенные механизмы для этого. </a:t>
-            </a:r>
-            <a:r>
-              <a:rPr lang="en-US" dirty="0"/>
-              <a:t>Linux, </a:t>
-            </a:r>
-            <a:r>
-              <a:rPr lang="ru-RU" dirty="0"/>
-              <a:t>хотя и унаследовал свои </a:t>
-            </a:r>
-            <a:r>
-              <a:rPr lang="en-US" dirty="0"/>
-              <a:t>DLL</a:t>
-            </a:r>
-            <a:r>
-              <a:rPr lang="ru-RU" dirty="0"/>
-              <a:t> от </a:t>
-            </a:r>
-            <a:r>
-              <a:rPr lang="en-US" dirty="0"/>
-              <a:t>Solaris, </a:t>
-            </a:r>
-            <a:r>
-              <a:rPr lang="ru-RU" dirty="0"/>
-              <a:t>где была аналогичная возможность, не предоставляет встроенной поддежки для отложенной загрузки.</a:t>
-            </a:r>
-          </a:p>
-          <a:p>
-            <a:endParaRPr lang="ru-RU" dirty="0"/>
-          </a:p>
-          <a:p>
-            <a:r>
-              <a:rPr lang="ru-RU" dirty="0"/>
-              <a:t>Но можно воспользоваться </a:t>
-            </a:r>
-            <a:r>
-              <a:rPr lang="en-US" dirty="0"/>
-              <a:t>open-source </a:t>
-            </a:r>
-            <a:r>
-              <a:rPr lang="ru-RU" dirty="0"/>
-              <a:t>утилитой </a:t>
-            </a:r>
-            <a:r>
-              <a:rPr lang="en-US" dirty="0"/>
-              <a:t>Implib.so.</a:t>
-            </a:r>
+            <a:endParaRPr lang="en-US" dirty="0"/>
           </a:p>
         </p:txBody>
       </p:sp>
@@ -2861,7 +2769,7 @@
     </p:spTree>
     <p:extLst>
       <p:ext uri="{BB962C8B-B14F-4D97-AF65-F5344CB8AC3E}">
-        <p14:creationId xmlns:p14="http://schemas.microsoft.com/office/powerpoint/2010/main" val="2313320207"/>
+        <p14:creationId xmlns:p14="http://schemas.microsoft.com/office/powerpoint/2010/main" val="4188326306"/>
       </p:ext>
     </p:extLst>
   </p:cSld>
@@ -2917,17 +2825,99 @@
           <a:p>
             <a:r>
               <a:rPr lang="ru-RU" dirty="0"/>
-              <a:t>Рассмотрим теперь поочерёдно перечисленные нами накладные расходы</a:t>
-            </a:r>
-            <a:r>
-              <a:rPr lang="en-US" dirty="0"/>
-              <a:t>. </a:t>
-            </a:r>
-            <a:r>
-              <a:rPr lang="ru-RU" dirty="0"/>
-              <a:t>Начнём с релокации.</a:t>
-            </a:r>
-            <a:endParaRPr lang="en-US" dirty="0"/>
+              <a:t>Рассмотрим первый способ ускорения </a:t>
+            </a:r>
+            <a:r>
+              <a:rPr lang="en-US" dirty="0"/>
+              <a:t>DLL, </a:t>
+            </a:r>
+            <a:r>
+              <a:rPr lang="ru-RU" dirty="0"/>
+              <a:t>который</a:t>
+            </a:r>
+            <a:r>
+              <a:rPr lang="en-US" dirty="0"/>
+              <a:t> </a:t>
+            </a:r>
+            <a:r>
+              <a:rPr lang="ru-RU" dirty="0"/>
+              <a:t>заключается в том чтобы просто не загружать их без явной необходимости.</a:t>
+            </a:r>
+          </a:p>
+          <a:p>
+            <a:endParaRPr lang="ru-RU" dirty="0"/>
+          </a:p>
+          <a:p>
+            <a:r>
+              <a:rPr lang="ru-RU" dirty="0"/>
+              <a:t>В самом деле если библиотека используется редко или только в специфических сценариях, то нам нет особого смысла загружать её на старте программы и лучше отложить это до первого использования.</a:t>
+            </a:r>
+          </a:p>
+          <a:p>
+            <a:endParaRPr lang="ru-RU" dirty="0"/>
+          </a:p>
+          <a:p>
+            <a:r>
+              <a:rPr lang="en-US" dirty="0"/>
+              <a:t>Windows </a:t>
+            </a:r>
+            <a:r>
+              <a:rPr lang="ru-RU" dirty="0"/>
+              <a:t>и </a:t>
+            </a:r>
+            <a:r>
+              <a:rPr lang="en-US" dirty="0"/>
+              <a:t>macOS </a:t>
+            </a:r>
+            <a:r>
+              <a:rPr lang="ru-RU" dirty="0"/>
+              <a:t>предоставляют встроенные механизмы для этого. </a:t>
+            </a:r>
+            <a:r>
+              <a:rPr lang="en-US" dirty="0"/>
+              <a:t>Linux, </a:t>
+            </a:r>
+            <a:r>
+              <a:rPr lang="ru-RU" dirty="0"/>
+              <a:t>хотя и унаследовал свои </a:t>
+            </a:r>
+            <a:r>
+              <a:rPr lang="en-US" dirty="0"/>
+              <a:t>DLL</a:t>
+            </a:r>
+            <a:r>
+              <a:rPr lang="ru-RU" dirty="0"/>
+              <a:t> от </a:t>
+            </a:r>
+            <a:r>
+              <a:rPr lang="en-US" dirty="0"/>
+              <a:t>Solaris, </a:t>
+            </a:r>
+            <a:r>
+              <a:rPr lang="ru-RU" dirty="0"/>
+              <a:t>где была аналогичная возможность, не предоставляет встроенной поддежки для отложенной загрузки.</a:t>
+            </a:r>
+          </a:p>
+          <a:p>
+            <a:endParaRPr lang="ru-RU" dirty="0"/>
+          </a:p>
+          <a:p>
+            <a:r>
+              <a:rPr lang="ru-RU" dirty="0"/>
+              <a:t>Но можно воспользоваться </a:t>
+            </a:r>
+            <a:r>
+              <a:rPr lang="en-US" dirty="0"/>
+              <a:t>open-source </a:t>
+            </a:r>
+            <a:r>
+              <a:rPr lang="ru-RU" dirty="0"/>
+              <a:t>утилитой </a:t>
+            </a:r>
+            <a:r>
+              <a:rPr lang="en-US" dirty="0"/>
+              <a:t>Implib.so.</a:t>
+            </a:r>
           </a:p>
         </p:txBody>
       </p:sp>
@@ -2957,7 +2947,7 @@
     </p:spTree>
     <p:extLst>
       <p:ext uri="{BB962C8B-B14F-4D97-AF65-F5344CB8AC3E}">
-        <p14:creationId xmlns:p14="http://schemas.microsoft.com/office/powerpoint/2010/main" val="940538028"/>
+        <p14:creationId xmlns:p14="http://schemas.microsoft.com/office/powerpoint/2010/main" val="2313320207"/>
       </p:ext>
     </p:extLst>
   </p:cSld>
@@ -3128,110 +3118,17 @@
           <a:p>
             <a:r>
               <a:rPr lang="ru-RU" dirty="0"/>
-              <a:t>Сразу скажу что решения для этой части в современных </a:t>
-            </a:r>
-            <a:r>
-              <a:rPr lang="en-US" dirty="0"/>
-              <a:t>Windows </a:t>
-            </a:r>
-            <a:r>
-              <a:rPr lang="ru-RU" dirty="0"/>
-              <a:t>и </a:t>
-            </a:r>
-            <a:r>
-              <a:rPr lang="en-US" dirty="0"/>
-              <a:t>Linux </a:t>
-            </a:r>
-            <a:r>
-              <a:rPr lang="ru-RU" dirty="0"/>
-              <a:t>нет. Но они существовали и использовались долгое время и вы до сих пор можете с ними столкнуться в статьях, поэтому посвятим им несколько слов.</a:t>
+              <a:t>Рассмотрим теперь поочерёдно перечисленные нами накладные расходы</a:t>
+            </a:r>
+            <a:r>
+              <a:rPr lang="en-US" dirty="0"/>
+              <a:t>. </a:t>
+            </a:r>
+            <a:r>
+              <a:rPr lang="ru-RU" dirty="0"/>
+              <a:t>Начнём с релокации.</a:t>
             </a:r>
             <a:endParaRPr lang="en-US" dirty="0"/>
-          </a:p>
-          <a:p>
-            <a:endParaRPr lang="en-US" dirty="0"/>
-          </a:p>
-          <a:p>
-            <a:r>
-              <a:rPr lang="ru-RU" dirty="0"/>
-              <a:t>Основная идея заключается в том, что мы можем заранее для всех используемых </a:t>
-            </a:r>
-            <a:r>
-              <a:rPr lang="en-US" dirty="0"/>
-              <a:t>DLL </a:t>
-            </a:r>
-            <a:r>
-              <a:rPr lang="ru-RU" dirty="0"/>
-              <a:t>выбрать непересекающиеся адреса в адресном простанстве процесса и слинковать их, исходя из того что они будут загружены по этим адресам. Загрузчик при загрузке увидит что адреса свободны и не будет проводить релокацию.</a:t>
-            </a:r>
-            <a:endParaRPr lang="en-US" dirty="0"/>
-          </a:p>
-          <a:p>
-            <a:endParaRPr lang="en-US" dirty="0"/>
-          </a:p>
-          <a:p>
-            <a:r>
-              <a:rPr lang="ru-RU" dirty="0"/>
-              <a:t>Решение это было реализовано и для </a:t>
-            </a:r>
-            <a:r>
-              <a:rPr lang="en-US" dirty="0"/>
-              <a:t>Windows, </a:t>
-            </a:r>
-            <a:r>
-              <a:rPr lang="ru-RU" dirty="0"/>
-              <a:t>и для </a:t>
-            </a:r>
-            <a:r>
-              <a:rPr lang="en-US" dirty="0"/>
-              <a:t>Linux, </a:t>
-            </a:r>
-            <a:r>
-              <a:rPr lang="ru-RU" dirty="0"/>
-              <a:t>но к сожалению вошло в противоречие с современными требованиями к безопасности, которые заключаются в том, что адрес загрузки </a:t>
-            </a:r>
-            <a:r>
-              <a:rPr lang="en-US" dirty="0"/>
-              <a:t>DLL </a:t>
-            </a:r>
-            <a:r>
-              <a:rPr lang="ru-RU" dirty="0"/>
-              <a:t>должен быть случайным (чтобы не упрощать подбор адресов хакерам).</a:t>
-            </a:r>
-            <a:endParaRPr lang="en-US" dirty="0"/>
-          </a:p>
-          <a:p>
-            <a:endParaRPr lang="en-US" dirty="0"/>
-          </a:p>
-          <a:p>
-            <a:r>
-              <a:rPr lang="ru-RU" dirty="0"/>
-              <a:t>Поэтому сейчас этот метод не применяется</a:t>
-            </a:r>
-            <a:r>
-              <a:rPr lang="en-US" dirty="0"/>
-              <a:t>, </a:t>
-            </a:r>
-            <a:r>
-              <a:rPr lang="ru-RU" dirty="0"/>
-              <a:t>а поддержка </a:t>
-            </a:r>
-            <a:r>
-              <a:rPr lang="en-US" dirty="0" err="1"/>
-              <a:t>Prelink</a:t>
-            </a:r>
-            <a:r>
-              <a:rPr lang="en-US" dirty="0"/>
-              <a:t> </a:t>
-            </a:r>
-            <a:r>
-              <a:rPr lang="ru-RU" dirty="0"/>
-              <a:t>даже была удалена в последних версиях </a:t>
-            </a:r>
-            <a:r>
-              <a:rPr lang="en-US" dirty="0"/>
-              <a:t>Glibc.</a:t>
-            </a:r>
           </a:p>
         </p:txBody>
       </p:sp>
@@ -3252,7 +3149,7 @@
           <a:p>
             <a:fld id="{3AC94D10-082F-46D7-A834-266F9222130F}" type="slidenum">
               <a:rPr lang="en-US" smtClean="0"/>
-              <a:t>31</a:t>
+              <a:t>32</a:t>
             </a:fld>
             <a:endParaRPr lang="en-US"/>
           </a:p>
@@ -3261,7 +3158,7 @@
     </p:spTree>
     <p:extLst>
       <p:ext uri="{BB962C8B-B14F-4D97-AF65-F5344CB8AC3E}">
-        <p14:creationId xmlns:p14="http://schemas.microsoft.com/office/powerpoint/2010/main" val="3043525197"/>
+        <p14:creationId xmlns:p14="http://schemas.microsoft.com/office/powerpoint/2010/main" val="940538028"/>
       </p:ext>
     </p:extLst>
   </p:cSld>
@@ -3441,7 +3338,7 @@
           <a:p>
             <a:fld id="{3AC94D10-082F-46D7-A834-266F9222130F}" type="slidenum">
               <a:rPr lang="en-US" smtClean="0"/>
-              <a:t>32</a:t>
+              <a:t>33</a:t>
             </a:fld>
             <a:endParaRPr lang="en-US"/>
           </a:p>
@@ -3450,7 +3347,7 @@
     </p:spTree>
     <p:extLst>
       <p:ext uri="{BB962C8B-B14F-4D97-AF65-F5344CB8AC3E}">
-        <p14:creationId xmlns:p14="http://schemas.microsoft.com/office/powerpoint/2010/main" val="1998125518"/>
+        <p14:creationId xmlns:p14="http://schemas.microsoft.com/office/powerpoint/2010/main" val="3043525197"/>
       </p:ext>
     </p:extLst>
   </p:cSld>
@@ -3506,9 +3403,110 @@
           <a:p>
             <a:r>
               <a:rPr lang="ru-RU" dirty="0"/>
-              <a:t>Обратимся теперь к накладным расходам на связывание символов.</a:t>
+              <a:t>Сразу скажу что решения для этой части в современных </a:t>
+            </a:r>
+            <a:r>
+              <a:rPr lang="en-US" dirty="0"/>
+              <a:t>Windows </a:t>
+            </a:r>
+            <a:r>
+              <a:rPr lang="ru-RU" dirty="0"/>
+              <a:t>и </a:t>
+            </a:r>
+            <a:r>
+              <a:rPr lang="en-US" dirty="0"/>
+              <a:t>Linux </a:t>
+            </a:r>
+            <a:r>
+              <a:rPr lang="ru-RU" dirty="0"/>
+              <a:t>нет. Но они существовали и использовались долгое время и вы до сих пор можете с ними столкнуться в статьях, поэтому посвятим им несколько слов.</a:t>
             </a:r>
             <a:endParaRPr lang="en-US" dirty="0"/>
+          </a:p>
+          <a:p>
+            <a:endParaRPr lang="en-US" dirty="0"/>
+          </a:p>
+          <a:p>
+            <a:r>
+              <a:rPr lang="ru-RU" dirty="0"/>
+              <a:t>Основная идея заключается в том, что мы можем заранее для всех используемых </a:t>
+            </a:r>
+            <a:r>
+              <a:rPr lang="en-US" dirty="0"/>
+              <a:t>DLL </a:t>
+            </a:r>
+            <a:r>
+              <a:rPr lang="ru-RU" dirty="0"/>
+              <a:t>выбрать непересекающиеся адреса в адресном простанстве процесса и слинковать их, исходя из того что они будут загружены по этим адресам. Загрузчик при загрузке увидит что адреса свободны и не будет проводить релокацию.</a:t>
+            </a:r>
+            <a:endParaRPr lang="en-US" dirty="0"/>
+          </a:p>
+          <a:p>
+            <a:endParaRPr lang="en-US" dirty="0"/>
+          </a:p>
+          <a:p>
+            <a:r>
+              <a:rPr lang="ru-RU" dirty="0"/>
+              <a:t>Решение это было реализовано и для </a:t>
+            </a:r>
+            <a:r>
+              <a:rPr lang="en-US" dirty="0"/>
+              <a:t>Windows, </a:t>
+            </a:r>
+            <a:r>
+              <a:rPr lang="ru-RU" dirty="0"/>
+              <a:t>и для </a:t>
+            </a:r>
+            <a:r>
+              <a:rPr lang="en-US" dirty="0"/>
+              <a:t>Linux, </a:t>
+            </a:r>
+            <a:r>
+              <a:rPr lang="ru-RU" dirty="0"/>
+              <a:t>но к сожалению вошло в противоречие с современными требованиями к безопасности, которые заключаются в том, что адрес загрузки </a:t>
+            </a:r>
+            <a:r>
+              <a:rPr lang="en-US" dirty="0"/>
+              <a:t>DLL </a:t>
+            </a:r>
+            <a:r>
+              <a:rPr lang="ru-RU" dirty="0"/>
+              <a:t>должен быть случайным (чтобы не упрощать подбор адресов хакерам).</a:t>
+            </a:r>
+            <a:endParaRPr lang="en-US" dirty="0"/>
+          </a:p>
+          <a:p>
+            <a:endParaRPr lang="en-US" dirty="0"/>
+          </a:p>
+          <a:p>
+            <a:r>
+              <a:rPr lang="ru-RU" dirty="0"/>
+              <a:t>Поэтому сейчас этот метод не применяется</a:t>
+            </a:r>
+            <a:r>
+              <a:rPr lang="en-US" dirty="0"/>
+              <a:t>, </a:t>
+            </a:r>
+            <a:r>
+              <a:rPr lang="ru-RU" dirty="0"/>
+              <a:t>а поддержка </a:t>
+            </a:r>
+            <a:r>
+              <a:rPr lang="en-US" dirty="0" err="1"/>
+              <a:t>Prelink</a:t>
+            </a:r>
+            <a:r>
+              <a:rPr lang="en-US" dirty="0"/>
+              <a:t> </a:t>
+            </a:r>
+            <a:r>
+              <a:rPr lang="ru-RU" dirty="0"/>
+              <a:t>даже была удалена в последних версиях </a:t>
+            </a:r>
+            <a:r>
+              <a:rPr lang="en-US" dirty="0"/>
+              <a:t>Glibc.</a:t>
+            </a:r>
           </a:p>
         </p:txBody>
       </p:sp>
@@ -3529,7 +3527,7 @@
           <a:p>
             <a:fld id="{3AC94D10-082F-46D7-A834-266F9222130F}" type="slidenum">
               <a:rPr lang="en-US" smtClean="0"/>
-              <a:t>33</a:t>
+              <a:t>34</a:t>
             </a:fld>
             <a:endParaRPr lang="en-US"/>
           </a:p>
@@ -3538,7 +3536,7 @@
     </p:spTree>
     <p:extLst>
       <p:ext uri="{BB962C8B-B14F-4D97-AF65-F5344CB8AC3E}">
-        <p14:creationId xmlns:p14="http://schemas.microsoft.com/office/powerpoint/2010/main" val="3397731765"/>
+        <p14:creationId xmlns:p14="http://schemas.microsoft.com/office/powerpoint/2010/main" val="1998125518"/>
       </p:ext>
     </p:extLst>
   </p:cSld>
@@ -3594,47 +3592,7 @@
           <a:p>
             <a:r>
               <a:rPr lang="ru-RU" dirty="0"/>
-              <a:t>Самый простой подход к связыванию символов</a:t>
-            </a:r>
-            <a:r>
-              <a:rPr lang="en-US" dirty="0"/>
-              <a:t>: </a:t>
-            </a:r>
-            <a:r>
-              <a:rPr lang="ru-RU" dirty="0"/>
-              <a:t>оптимизация размера соответсвующих таблиц поиска. Обычно рекомендуется использовать две опции</a:t>
-            </a:r>
-            <a:r>
-              <a:rPr lang="en-US" dirty="0"/>
-              <a:t>: hash-style </a:t>
-            </a:r>
-            <a:r>
-              <a:rPr lang="ru-RU" dirty="0"/>
-              <a:t>и </a:t>
-            </a:r>
-            <a:r>
-              <a:rPr lang="en-US" dirty="0"/>
-              <a:t>O1. </a:t>
-            </a:r>
-            <a:r>
-              <a:rPr lang="ru-RU" dirty="0"/>
-              <a:t>Первая из них уже по умолчанию включена в современных дистрибутивах (</a:t>
-            </a:r>
-            <a:r>
-              <a:rPr lang="en-US" dirty="0"/>
-              <a:t>RHEL </a:t>
-            </a:r>
-            <a:r>
-              <a:rPr lang="ru-RU" dirty="0"/>
-              <a:t>и </a:t>
-            </a:r>
-            <a:r>
-              <a:rPr lang="en-US" dirty="0"/>
-              <a:t>Ubuntu)</a:t>
-            </a:r>
-            <a:r>
-              <a:rPr lang="ru-RU" dirty="0"/>
-              <a:t>, а вторая по моим замерам не оказывает существенного влияния на производительность.</a:t>
+              <a:t>Обратимся теперь к накладным расходам на связывание символов.</a:t>
             </a:r>
             <a:endParaRPr lang="en-US" dirty="0"/>
           </a:p>
@@ -3657,7 +3615,7 @@
           <a:p>
             <a:fld id="{3AC94D10-082F-46D7-A834-266F9222130F}" type="slidenum">
               <a:rPr lang="en-US" smtClean="0"/>
-              <a:t>34</a:t>
+              <a:t>35</a:t>
             </a:fld>
             <a:endParaRPr lang="en-US"/>
           </a:p>
@@ -3666,7 +3624,7 @@
     </p:spTree>
     <p:extLst>
       <p:ext uri="{BB962C8B-B14F-4D97-AF65-F5344CB8AC3E}">
-        <p14:creationId xmlns:p14="http://schemas.microsoft.com/office/powerpoint/2010/main" val="1118954411"/>
+        <p14:creationId xmlns:p14="http://schemas.microsoft.com/office/powerpoint/2010/main" val="3397731765"/>
       </p:ext>
     </p:extLst>
   </p:cSld>
@@ -3722,32 +3680,19 @@
           <a:p>
             <a:r>
               <a:rPr lang="ru-RU" dirty="0"/>
-              <a:t>Мы уже упоминали что ленивое связывание на </a:t>
-            </a:r>
-            <a:r>
-              <a:rPr lang="en-US" dirty="0"/>
-              <a:t>Linux </a:t>
-            </a:r>
-            <a:r>
-              <a:rPr lang="ru-RU" dirty="0"/>
-              <a:t>добавляет лишний вызов заглушки при вызове библиотечной функции.</a:t>
-            </a:r>
-          </a:p>
-          <a:p>
-            <a:endParaRPr lang="ru-RU" dirty="0"/>
-          </a:p>
-          <a:p>
-            <a:r>
-              <a:rPr lang="ru-RU" dirty="0"/>
-              <a:t>Современные </a:t>
-            </a:r>
-            <a:r>
-              <a:rPr lang="en-US" dirty="0" err="1"/>
-              <a:t>gcc</a:t>
-            </a:r>
-            <a:r>
-              <a:rPr lang="en-US" dirty="0"/>
-              <a:t> </a:t>
+              <a:t>Самый простой подход к связыванию символов</a:t>
+            </a:r>
+            <a:r>
+              <a:rPr lang="en-US" dirty="0"/>
+              <a:t>: </a:t>
+            </a:r>
+            <a:r>
+              <a:rPr lang="ru-RU" dirty="0"/>
+              <a:t>оптимизация размера соответсвующих таблиц поиска. Обычно рекомендуется использовать две опции</a:t>
+            </a:r>
+            <a:r>
+              <a:rPr lang="en-US" dirty="0"/>
+              <a:t>: hash-style </a:t>
             </a:r>
             <a:r>
               <a:rPr lang="ru-RU" dirty="0"/>
@@ -3755,77 +3700,27 @@
             </a:r>
             <a:r>
               <a:rPr lang="en-US" dirty="0"/>
-              <a:t>clang </a:t>
-            </a:r>
-            <a:r>
-              <a:rPr lang="ru-RU" dirty="0"/>
-              <a:t>позволяют избежать этого с помощью специальной опции компиляции</a:t>
-            </a:r>
-            <a:r>
-              <a:rPr lang="en-US" dirty="0"/>
-              <a:t> –</a:t>
-            </a:r>
-            <a:r>
-              <a:rPr lang="en-US" dirty="0" err="1"/>
-              <a:t>fno-plt</a:t>
-            </a:r>
-            <a:r>
-              <a:rPr lang="en-US" dirty="0"/>
-              <a:t>.</a:t>
-            </a:r>
-          </a:p>
-          <a:p>
-            <a:endParaRPr lang="en-US" dirty="0"/>
-          </a:p>
-          <a:p>
-            <a:r>
-              <a:rPr lang="ru-RU" dirty="0"/>
-              <a:t>Её использование замедлит загрузку </a:t>
-            </a:r>
-            <a:r>
-              <a:rPr lang="en-US" dirty="0"/>
-              <a:t>DLL</a:t>
-            </a:r>
-            <a:r>
-              <a:rPr lang="ru-RU" dirty="0"/>
-              <a:t>, т.к. теперь все функции потребуется разрешить и связать на старте программы, но с другой стороны ускорит работу программы в дальнейшем, т.к. избавится от </a:t>
-            </a:r>
-            <a:r>
-              <a:rPr lang="en-US" dirty="0"/>
-              <a:t>PLT-</a:t>
-            </a:r>
-            <a:r>
-              <a:rPr lang="ru-RU" dirty="0"/>
-              <a:t>заглушки</a:t>
-            </a:r>
-            <a:r>
-              <a:rPr lang="en-US" dirty="0"/>
-              <a:t>.</a:t>
-            </a:r>
-          </a:p>
-          <a:p>
-            <a:endParaRPr lang="en-US" dirty="0"/>
-          </a:p>
-          <a:p>
-            <a:r>
-              <a:rPr lang="ru-RU" dirty="0"/>
-              <a:t>Также этот флаг позволит загружать адрес функции из таблицы </a:t>
-            </a:r>
-            <a:r>
-              <a:rPr lang="en-US" dirty="0"/>
-              <a:t>GOT </a:t>
-            </a:r>
-            <a:r>
-              <a:rPr lang="ru-RU" dirty="0"/>
-              <a:t>только один раз на несколько вызовов одной и той же функции</a:t>
-            </a:r>
-            <a:r>
-              <a:rPr lang="en-US" dirty="0"/>
-              <a:t>, </a:t>
-            </a:r>
-            <a:r>
-              <a:rPr lang="ru-RU" dirty="0"/>
-              <a:t>т.е. сократит количество обращений в память.</a:t>
+              <a:t>O1. </a:t>
+            </a:r>
+            <a:r>
+              <a:rPr lang="ru-RU" dirty="0"/>
+              <a:t>Первая из них уже по умолчанию включена в современных дистрибутивах (</a:t>
+            </a:r>
+            <a:r>
+              <a:rPr lang="en-US" dirty="0"/>
+              <a:t>RHEL </a:t>
+            </a:r>
+            <a:r>
+              <a:rPr lang="ru-RU" dirty="0"/>
+              <a:t>и </a:t>
+            </a:r>
+            <a:r>
+              <a:rPr lang="en-US" dirty="0"/>
+              <a:t>Ubuntu)</a:t>
+            </a:r>
+            <a:r>
+              <a:rPr lang="ru-RU" dirty="0"/>
+              <a:t>, а вторая по моим замерам не оказывает существенного влияния на производительность.</a:t>
             </a:r>
             <a:endParaRPr lang="en-US" dirty="0"/>
           </a:p>
@@ -3848,7 +3743,7 @@
           <a:p>
             <a:fld id="{3AC94D10-082F-46D7-A834-266F9222130F}" type="slidenum">
               <a:rPr lang="en-US" smtClean="0"/>
-              <a:t>35</a:t>
+              <a:t>36</a:t>
             </a:fld>
             <a:endParaRPr lang="en-US"/>
           </a:p>
@@ -3857,7 +3752,7 @@
     </p:spTree>
     <p:extLst>
       <p:ext uri="{BB962C8B-B14F-4D97-AF65-F5344CB8AC3E}">
-        <p14:creationId xmlns:p14="http://schemas.microsoft.com/office/powerpoint/2010/main" val="305821099"/>
+        <p14:creationId xmlns:p14="http://schemas.microsoft.com/office/powerpoint/2010/main" val="1118954411"/>
       </p:ext>
     </p:extLst>
   </p:cSld>
@@ -3911,6 +3806,113 @@
           <a:bodyPr/>
           <a:lstStyle/>
           <a:p>
+            <a:r>
+              <a:rPr lang="ru-RU" dirty="0"/>
+              <a:t>Мы уже упоминали что ленивое связывание на </a:t>
+            </a:r>
+            <a:r>
+              <a:rPr lang="en-US" dirty="0"/>
+              <a:t>Linux </a:t>
+            </a:r>
+            <a:r>
+              <a:rPr lang="ru-RU" dirty="0"/>
+              <a:t>добавляет лишний вызов заглушки при вызове библиотечной функции.</a:t>
+            </a:r>
+          </a:p>
+          <a:p>
+            <a:endParaRPr lang="ru-RU" dirty="0"/>
+          </a:p>
+          <a:p>
+            <a:r>
+              <a:rPr lang="ru-RU" dirty="0"/>
+              <a:t>Современные </a:t>
+            </a:r>
+            <a:r>
+              <a:rPr lang="en-US" dirty="0" err="1"/>
+              <a:t>gcc</a:t>
+            </a:r>
+            <a:r>
+              <a:rPr lang="en-US" dirty="0"/>
+              <a:t> </a:t>
+            </a:r>
+            <a:r>
+              <a:rPr lang="ru-RU" dirty="0"/>
+              <a:t>и </a:t>
+            </a:r>
+            <a:r>
+              <a:rPr lang="en-US" dirty="0"/>
+              <a:t>clang </a:t>
+            </a:r>
+            <a:r>
+              <a:rPr lang="ru-RU" dirty="0"/>
+              <a:t>позволяют избежать этого с помощью специальной опции компиляции</a:t>
+            </a:r>
+            <a:r>
+              <a:rPr lang="en-US" dirty="0"/>
+              <a:t> –</a:t>
+            </a:r>
+            <a:r>
+              <a:rPr lang="en-US" dirty="0" err="1"/>
+              <a:t>fno-plt</a:t>
+            </a:r>
+            <a:r>
+              <a:rPr lang="en-US" dirty="0"/>
+              <a:t>.</a:t>
+            </a:r>
+          </a:p>
+          <a:p>
+            <a:endParaRPr lang="en-US" dirty="0"/>
+          </a:p>
+          <a:p>
+            <a:r>
+              <a:rPr lang="ru-RU" dirty="0"/>
+              <a:t>Её использование замедлит загрузку </a:t>
+            </a:r>
+            <a:r>
+              <a:rPr lang="en-US" dirty="0"/>
+              <a:t>DLL</a:t>
+            </a:r>
+            <a:r>
+              <a:rPr lang="ru-RU" dirty="0"/>
+              <a:t>, т.к. теперь все функции потребуется разрешить и связать на старте программы, но с другой стороны ускорит работу программы в дальнейшем, т.к. избавится от </a:t>
+            </a:r>
+            <a:r>
+              <a:rPr lang="en-US" dirty="0"/>
+              <a:t>PLT-</a:t>
+            </a:r>
+            <a:r>
+              <a:rPr lang="ru-RU" dirty="0"/>
+              <a:t>заглушки</a:t>
+            </a:r>
+            <a:r>
+              <a:rPr lang="en-US" dirty="0"/>
+              <a:t>.</a:t>
+            </a:r>
+          </a:p>
+          <a:p>
+            <a:endParaRPr lang="en-US" dirty="0"/>
+          </a:p>
+          <a:p>
+            <a:r>
+              <a:rPr lang="ru-RU" dirty="0"/>
+              <a:t>Также этот флаг позволит загружать адрес функции из таблицы </a:t>
+            </a:r>
+            <a:r>
+              <a:rPr lang="en-US" dirty="0"/>
+              <a:t>GOT </a:t>
+            </a:r>
+            <a:r>
+              <a:rPr lang="ru-RU" dirty="0"/>
+              <a:t>только один раз на несколько вызовов одной и той же функции</a:t>
+            </a:r>
+            <a:r>
+              <a:rPr lang="en-US" dirty="0"/>
+              <a:t>, </a:t>
+            </a:r>
+            <a:r>
+              <a:rPr lang="ru-RU" dirty="0"/>
+              <a:t>т.е. сократит количество обращений в память.</a:t>
+            </a:r>
             <a:endParaRPr lang="en-US" dirty="0"/>
           </a:p>
         </p:txBody>
@@ -3932,7 +3934,7 @@
           <a:p>
             <a:fld id="{3AC94D10-082F-46D7-A834-266F9222130F}" type="slidenum">
               <a:rPr lang="en-US" smtClean="0"/>
-              <a:t>36</a:t>
+              <a:t>37</a:t>
             </a:fld>
             <a:endParaRPr lang="en-US"/>
           </a:p>
@@ -3941,7 +3943,7 @@
     </p:spTree>
     <p:extLst>
       <p:ext uri="{BB962C8B-B14F-4D97-AF65-F5344CB8AC3E}">
-        <p14:creationId xmlns:p14="http://schemas.microsoft.com/office/powerpoint/2010/main" val="3696372151"/>
+        <p14:creationId xmlns:p14="http://schemas.microsoft.com/office/powerpoint/2010/main" val="305821099"/>
       </p:ext>
     </p:extLst>
   </p:cSld>
@@ -4016,7 +4018,7 @@
           <a:p>
             <a:fld id="{3AC94D10-082F-46D7-A834-266F9222130F}" type="slidenum">
               <a:rPr lang="en-US" smtClean="0"/>
-              <a:t>37</a:t>
+              <a:t>38</a:t>
             </a:fld>
             <a:endParaRPr lang="en-US"/>
           </a:p>
@@ -4025,7 +4027,7 @@
     </p:spTree>
     <p:extLst>
       <p:ext uri="{BB962C8B-B14F-4D97-AF65-F5344CB8AC3E}">
-        <p14:creationId xmlns:p14="http://schemas.microsoft.com/office/powerpoint/2010/main" val="1863594613"/>
+        <p14:creationId xmlns:p14="http://schemas.microsoft.com/office/powerpoint/2010/main" val="3696372151"/>
       </p:ext>
     </p:extLst>
   </p:cSld>
@@ -4079,24 +4081,7 @@
           <a:bodyPr/>
           <a:lstStyle/>
           <a:p>
-            <a:r>
-              <a:rPr lang="ru-RU" dirty="0"/>
-              <a:t>Перейдём наконец к последнему пункту в списке накладных расходов. А именно рассмотрим как можно ускорить косвенные вызовы библиотечных функций.</a:t>
-            </a:r>
             <a:endParaRPr lang="en-US" dirty="0"/>
-          </a:p>
-          <a:p>
-            <a:endParaRPr lang="en-US" dirty="0"/>
-          </a:p>
-          <a:p>
-            <a:r>
-              <a:rPr lang="ru-RU" dirty="0"/>
-              <a:t>Эта часть в основном будет посвящена </a:t>
-            </a:r>
-            <a:r>
-              <a:rPr lang="en-US" dirty="0"/>
-              <a:t>Linux.</a:t>
-            </a:r>
           </a:p>
         </p:txBody>
       </p:sp>
@@ -4117,7 +4102,7 @@
           <a:p>
             <a:fld id="{3AC94D10-082F-46D7-A834-266F9222130F}" type="slidenum">
               <a:rPr lang="en-US" smtClean="0"/>
-              <a:t>38</a:t>
+              <a:t>39</a:t>
             </a:fld>
             <a:endParaRPr lang="en-US"/>
           </a:p>
@@ -4126,7 +4111,7 @@
     </p:spTree>
     <p:extLst>
       <p:ext uri="{BB962C8B-B14F-4D97-AF65-F5344CB8AC3E}">
-        <p14:creationId xmlns:p14="http://schemas.microsoft.com/office/powerpoint/2010/main" val="3270444806"/>
+        <p14:creationId xmlns:p14="http://schemas.microsoft.com/office/powerpoint/2010/main" val="1863594613"/>
       </p:ext>
     </p:extLst>
   </p:cSld>
@@ -4182,52 +4167,22 @@
           <a:p>
             <a:r>
               <a:rPr lang="ru-RU" dirty="0"/>
-              <a:t>Дело в том что на </a:t>
-            </a:r>
-            <a:r>
-              <a:rPr lang="en-US" dirty="0"/>
-              <a:t>Linux </a:t>
-            </a:r>
-            <a:r>
-              <a:rPr lang="ru-RU" dirty="0"/>
-              <a:t>все функции по умолчанию являются экспортируемыми (для того чтобы </a:t>
-            </a:r>
-            <a:r>
-              <a:rPr lang="en-US" dirty="0"/>
-              <a:t>DLL </a:t>
-            </a:r>
-            <a:r>
-              <a:rPr lang="ru-RU" dirty="0"/>
-              <a:t>были более похожи на статические библиотеки).</a:t>
+              <a:t>Перейдём наконец к последнему пункту в списке накладных расходов. А именно рассмотрим как можно ускорить косвенные вызовы библиотечных функций.</a:t>
             </a:r>
             <a:endParaRPr lang="en-US" dirty="0"/>
           </a:p>
           <a:p>
-            <a:endParaRPr lang="ru-RU" dirty="0"/>
-          </a:p>
-          <a:p>
-            <a:r>
-              <a:rPr lang="ru-RU" dirty="0"/>
-              <a:t>Это приводит к тому что вызовы функций даже внутри библиотеки делаются не напрямую, а через таблицу диспетчеризации, с соответствующими накладными расходами</a:t>
-            </a:r>
-            <a:r>
-              <a:rPr lang="en-US" dirty="0"/>
-              <a:t> </a:t>
-            </a:r>
-            <a:r>
-              <a:rPr lang="ru-RU" dirty="0"/>
-              <a:t>на косвенные вызовы.</a:t>
-            </a:r>
-          </a:p>
-          <a:p>
-            <a:endParaRPr lang="ru-RU" dirty="0"/>
-          </a:p>
-          <a:p>
-            <a:r>
-              <a:rPr lang="ru-RU" dirty="0"/>
-              <a:t>Кроме того из-за того что функции экспортируются возникает возможность их перехвата и компилятору приходится это учитывать и существенно ограничивать оптимизации.</a:t>
-            </a:r>
             <a:endParaRPr lang="en-US" dirty="0"/>
+          </a:p>
+          <a:p>
+            <a:r>
+              <a:rPr lang="ru-RU" dirty="0"/>
+              <a:t>Эта часть в основном будет посвящена </a:t>
+            </a:r>
+            <a:r>
+              <a:rPr lang="en-US" dirty="0"/>
+              <a:t>Linux.</a:t>
+            </a:r>
           </a:p>
         </p:txBody>
       </p:sp>
@@ -4248,7 +4203,7 @@
           <a:p>
             <a:fld id="{3AC94D10-082F-46D7-A834-266F9222130F}" type="slidenum">
               <a:rPr lang="en-US" smtClean="0"/>
-              <a:t>39</a:t>
+              <a:t>40</a:t>
             </a:fld>
             <a:endParaRPr lang="en-US"/>
           </a:p>
@@ -4257,7 +4212,7 @@
     </p:spTree>
     <p:extLst>
       <p:ext uri="{BB962C8B-B14F-4D97-AF65-F5344CB8AC3E}">
-        <p14:creationId xmlns:p14="http://schemas.microsoft.com/office/powerpoint/2010/main" val="1185757282"/>
+        <p14:creationId xmlns:p14="http://schemas.microsoft.com/office/powerpoint/2010/main" val="3270444806"/>
       </p:ext>
     </p:extLst>
   </p:cSld>
@@ -4313,15 +4268,33 @@
           <a:p>
             <a:r>
               <a:rPr lang="ru-RU" dirty="0"/>
-              <a:t>На данном слайде можно видеть пример отмены оптимизации</a:t>
-            </a:r>
-            <a:r>
-              <a:rPr lang="en-US" dirty="0"/>
-              <a:t>: </a:t>
-            </a:r>
-            <a:r>
-              <a:rPr lang="ru-RU" dirty="0"/>
-              <a:t>компилятор не может</a:t>
+              <a:t>Дело в том что на </a:t>
+            </a:r>
+            <a:r>
+              <a:rPr lang="en-US" dirty="0"/>
+              <a:t>Linux </a:t>
+            </a:r>
+            <a:r>
+              <a:rPr lang="ru-RU" dirty="0"/>
+              <a:t>все функции по умолчанию являются экспортируемыми (для того чтобы </a:t>
+            </a:r>
+            <a:r>
+              <a:rPr lang="en-US" dirty="0"/>
+              <a:t>DLL </a:t>
+            </a:r>
+            <a:r>
+              <a:rPr lang="ru-RU" dirty="0"/>
+              <a:t>были более похожи на статические библиотеки).</a:t>
+            </a:r>
+            <a:endParaRPr lang="en-US" dirty="0"/>
+          </a:p>
+          <a:p>
+            <a:endParaRPr lang="ru-RU" dirty="0"/>
+          </a:p>
+          <a:p>
+            <a:r>
+              <a:rPr lang="ru-RU" dirty="0"/>
+              <a:t>Это приводит к тому что вызовы функций даже внутри библиотеки делаются не напрямую, а через таблицу диспетчеризации, с соответствующими накладными расходами</a:t>
             </a:r>
             <a:r>
               <a:rPr lang="en-US" dirty="0"/>
@@ -4329,39 +4302,16 @@
             </a:r>
             <a:r>
               <a:rPr lang="ru-RU" dirty="0"/>
-              <a:t>встроить вызов </a:t>
-            </a:r>
-            <a:r>
-              <a:rPr lang="en-US" dirty="0"/>
-              <a:t>foo </a:t>
-            </a:r>
-            <a:r>
-              <a:rPr lang="ru-RU" dirty="0"/>
-              <a:t>в </a:t>
-            </a:r>
-            <a:r>
-              <a:rPr lang="en-US" dirty="0"/>
-              <a:t>bar </a:t>
-            </a:r>
-            <a:r>
-              <a:rPr lang="ru-RU" dirty="0"/>
-              <a:t>из-за того что </a:t>
-            </a:r>
-            <a:r>
-              <a:rPr lang="en-US" dirty="0"/>
-              <a:t>foo </a:t>
-            </a:r>
-            <a:r>
-              <a:rPr lang="ru-RU" dirty="0"/>
-              <a:t>может быть перехвачена в рантайме</a:t>
-            </a:r>
-            <a:r>
-              <a:rPr lang="en-US" dirty="0"/>
-              <a:t> (</a:t>
-            </a:r>
-            <a:r>
-              <a:rPr lang="ru-RU" dirty="0"/>
-              <a:t>и соответственно её семантика может быть изменена).</a:t>
+              <a:t>на косвенные вызовы.</a:t>
+            </a:r>
+          </a:p>
+          <a:p>
+            <a:endParaRPr lang="ru-RU" dirty="0"/>
+          </a:p>
+          <a:p>
+            <a:r>
+              <a:rPr lang="ru-RU" dirty="0"/>
+              <a:t>Кроме того из-за того что функции экспортируются возникает возможность их перехвата и компилятору приходится это учитывать и существенно ограничивать оптимизации.</a:t>
             </a:r>
             <a:endParaRPr lang="en-US" dirty="0"/>
           </a:p>
@@ -4384,7 +4334,7 @@
           <a:p>
             <a:fld id="{3AC94D10-082F-46D7-A834-266F9222130F}" type="slidenum">
               <a:rPr lang="en-US" smtClean="0"/>
-              <a:t>40</a:t>
+              <a:t>41</a:t>
             </a:fld>
             <a:endParaRPr lang="en-US"/>
           </a:p>
@@ -4393,7 +4343,7 @@
     </p:spTree>
     <p:extLst>
       <p:ext uri="{BB962C8B-B14F-4D97-AF65-F5344CB8AC3E}">
-        <p14:creationId xmlns:p14="http://schemas.microsoft.com/office/powerpoint/2010/main" val="2752840744"/>
+        <p14:creationId xmlns:p14="http://schemas.microsoft.com/office/powerpoint/2010/main" val="1185757282"/>
       </p:ext>
     </p:extLst>
   </p:cSld>
@@ -4586,16 +4536,7 @@
           <a:p>
             <a:r>
               <a:rPr lang="ru-RU" dirty="0"/>
-              <a:t>Бороться с таким неэффективным поведением можно несколькими способами.</a:t>
-            </a:r>
-          </a:p>
-          <a:p>
-            <a:endParaRPr lang="ru-RU" dirty="0"/>
-          </a:p>
-          <a:p>
-            <a:r>
-              <a:rPr lang="ru-RU" dirty="0"/>
-              <a:t>Во-первых есть специальные флаги компиляции</a:t>
+              <a:t>На данном слайде можно видеть пример отмены оптимизации</a:t>
             </a:r>
             <a:r>
               <a:rPr lang="en-US" dirty="0"/>
@@ -4603,53 +4544,47 @@
             </a:r>
             <a:r>
               <a:rPr lang="ru-RU" dirty="0"/>
-              <a:t>один, </a:t>
-            </a:r>
-            <a:r>
-              <a:rPr lang="en-US" dirty="0"/>
-              <a:t>-</a:t>
-            </a:r>
-            <a:r>
-              <a:rPr lang="en-US" dirty="0" err="1"/>
-              <a:t>Bsymbolic</a:t>
-            </a:r>
-            <a:r>
-              <a:rPr lang="ru-RU" dirty="0"/>
-              <a:t>, для линковки, чтобы вместо косвенных вызовы внутренних функций </a:t>
-            </a:r>
-            <a:r>
-              <a:rPr lang="en-US" dirty="0"/>
-              <a:t>DLL </a:t>
-            </a:r>
-            <a:r>
-              <a:rPr lang="ru-RU" dirty="0"/>
-              <a:t>использовать прямые. А второй</a:t>
-            </a:r>
-            <a:r>
-              <a:rPr lang="en-US" dirty="0"/>
-              <a:t>, -</a:t>
-            </a:r>
-            <a:r>
-              <a:rPr lang="en-US" dirty="0" err="1"/>
-              <a:t>fno</a:t>
-            </a:r>
-            <a:r>
-              <a:rPr lang="en-US" dirty="0"/>
-              <a:t>-semantic-interposition, </a:t>
-            </a:r>
-            <a:r>
-              <a:rPr lang="ru-RU" dirty="0"/>
-              <a:t>чтобы позволить компилятору при оптимизации игнорировать возможность перехвата функций.</a:t>
-            </a:r>
-            <a:endParaRPr lang="en-US" dirty="0"/>
-          </a:p>
-          <a:p>
-            <a:endParaRPr lang="en-US" dirty="0"/>
-          </a:p>
-          <a:p>
-            <a:r>
-              <a:rPr lang="ru-RU" dirty="0"/>
-              <a:t>Для оптимальной производительности требуется включить оба флага.</a:t>
+              <a:t>компилятор не может</a:t>
+            </a:r>
+            <a:r>
+              <a:rPr lang="en-US" dirty="0"/>
+              <a:t> </a:t>
+            </a:r>
+            <a:r>
+              <a:rPr lang="ru-RU" dirty="0"/>
+              <a:t>встроить вызов </a:t>
+            </a:r>
+            <a:r>
+              <a:rPr lang="en-US" dirty="0"/>
+              <a:t>foo </a:t>
+            </a:r>
+            <a:r>
+              <a:rPr lang="ru-RU" dirty="0"/>
+              <a:t>в </a:t>
+            </a:r>
+            <a:r>
+              <a:rPr lang="en-US" dirty="0"/>
+              <a:t>bar </a:t>
+            </a:r>
+            <a:r>
+              <a:rPr lang="ru-RU" dirty="0"/>
+              <a:t>из-за того что </a:t>
+            </a:r>
+            <a:r>
+              <a:rPr lang="en-US" dirty="0"/>
+              <a:t>foo </a:t>
+            </a:r>
+            <a:r>
+              <a:rPr lang="ru-RU" dirty="0"/>
+              <a:t>может быть перехвачена в рантайме</a:t>
+            </a:r>
+            <a:r>
+              <a:rPr lang="en-US" dirty="0"/>
+              <a:t> (</a:t>
+            </a:r>
+            <a:r>
+              <a:rPr lang="ru-RU" dirty="0"/>
+              <a:t>и соответственно её семантика может быть изменена).</a:t>
             </a:r>
             <a:endParaRPr lang="en-US" dirty="0"/>
           </a:p>
@@ -4672,7 +4607,7 @@
           <a:p>
             <a:fld id="{3AC94D10-082F-46D7-A834-266F9222130F}" type="slidenum">
               <a:rPr lang="en-US" smtClean="0"/>
-              <a:t>41</a:t>
+              <a:t>42</a:t>
             </a:fld>
             <a:endParaRPr lang="en-US"/>
           </a:p>
@@ -4681,7 +4616,7 @@
     </p:spTree>
     <p:extLst>
       <p:ext uri="{BB962C8B-B14F-4D97-AF65-F5344CB8AC3E}">
-        <p14:creationId xmlns:p14="http://schemas.microsoft.com/office/powerpoint/2010/main" val="3733641060"/>
+        <p14:creationId xmlns:p14="http://schemas.microsoft.com/office/powerpoint/2010/main" val="2752840744"/>
       </p:ext>
     </p:extLst>
   </p:cSld>
@@ -4737,7 +4672,7 @@
           <a:p>
             <a:r>
               <a:rPr lang="ru-RU" dirty="0"/>
-              <a:t>Помимо использования флагов есть второй, более традиционный способ, который заключается в сокращении интерфейса библиотеки, т.е. уменьшении количества функций, которые она экспортирует.</a:t>
+              <a:t>Бороться с таким неэффективным поведением можно несколькими способами.</a:t>
             </a:r>
           </a:p>
           <a:p>
@@ -4746,39 +4681,51 @@
           <a:p>
             <a:r>
               <a:rPr lang="ru-RU" dirty="0"/>
-              <a:t>Суть его заключается в том, что мы явно помечаем экспортируемые функции специальным атрибутом </a:t>
-            </a:r>
-            <a:r>
-              <a:rPr lang="en-US" dirty="0"/>
-              <a:t>visibility</a:t>
-            </a:r>
-            <a:r>
-              <a:rPr lang="ru-RU" dirty="0"/>
-              <a:t>, а все остальные символы делаем внутренними</a:t>
-            </a:r>
-            <a:r>
-              <a:rPr lang="en-US" dirty="0"/>
-              <a:t> </a:t>
-            </a:r>
-            <a:r>
-              <a:rPr lang="ru-RU" dirty="0"/>
-              <a:t>с помощью флага. Соответственно для всех скрытых, неэкспортируемых символов </a:t>
-            </a:r>
-            <a:r>
-              <a:rPr lang="en-US" dirty="0"/>
-              <a:t>(</a:t>
-            </a:r>
-            <a:r>
-              <a:rPr lang="ru-RU" dirty="0"/>
-              <a:t>которых гораздо больше</a:t>
-            </a:r>
-            <a:r>
-              <a:rPr lang="en-US" dirty="0"/>
-              <a:t>) </a:t>
-            </a:r>
-            <a:r>
-              <a:rPr lang="ru-RU" dirty="0"/>
-              <a:t>компилятор сможет применять более агрессивные оптимизации и при генерации кода использовать прямые вызовы.</a:t>
+              <a:t>Во-первых есть специальные флаги компиляции</a:t>
+            </a:r>
+            <a:r>
+              <a:rPr lang="en-US" dirty="0"/>
+              <a:t>: </a:t>
+            </a:r>
+            <a:r>
+              <a:rPr lang="ru-RU" dirty="0"/>
+              <a:t>один, </a:t>
+            </a:r>
+            <a:r>
+              <a:rPr lang="en-US" dirty="0"/>
+              <a:t>-</a:t>
+            </a:r>
+            <a:r>
+              <a:rPr lang="en-US" dirty="0" err="1"/>
+              <a:t>Bsymbolic</a:t>
+            </a:r>
+            <a:r>
+              <a:rPr lang="ru-RU" dirty="0"/>
+              <a:t>, для линковки, чтобы вместо косвенных вызовы внутренних функций </a:t>
+            </a:r>
+            <a:r>
+              <a:rPr lang="en-US" dirty="0"/>
+              <a:t>DLL </a:t>
+            </a:r>
+            <a:r>
+              <a:rPr lang="ru-RU" dirty="0"/>
+              <a:t>использовать прямые. А второй</a:t>
+            </a:r>
+            <a:r>
+              <a:rPr lang="en-US" dirty="0"/>
+              <a:t>, -</a:t>
+            </a:r>
+            <a:r>
+              <a:rPr lang="en-US" dirty="0" err="1"/>
+              <a:t>fno</a:t>
+            </a:r>
+            <a:r>
+              <a:rPr lang="en-US" dirty="0"/>
+              <a:t>-semantic-interposition, </a:t>
+            </a:r>
+            <a:r>
+              <a:rPr lang="ru-RU" dirty="0"/>
+              <a:t>чтобы позволить компилятору при оптимизации игнорировать возможность перехвата функций.</a:t>
             </a:r>
             <a:endParaRPr lang="en-US" dirty="0"/>
           </a:p>
@@ -4788,15 +4735,7 @@
           <a:p>
             <a:r>
               <a:rPr lang="ru-RU" dirty="0"/>
-              <a:t>Помимо оптимизации у этого подхода есть ещё одно преимущество</a:t>
-            </a:r>
-            <a:r>
-              <a:rPr lang="en-US" dirty="0"/>
-              <a:t>: </a:t>
-            </a:r>
-            <a:r>
-              <a:rPr lang="ru-RU" dirty="0"/>
-              <a:t>мы скрываем от пользователя внутренние детали реализации библиотеки и не даём возможности использовать её недокументированным образом.</a:t>
+              <a:t>Для оптимальной производительности требуется включить оба флага.</a:t>
             </a:r>
             <a:endParaRPr lang="en-US" dirty="0"/>
           </a:p>
@@ -4828,7 +4767,7 @@
     </p:spTree>
     <p:extLst>
       <p:ext uri="{BB962C8B-B14F-4D97-AF65-F5344CB8AC3E}">
-        <p14:creationId xmlns:p14="http://schemas.microsoft.com/office/powerpoint/2010/main" val="1530341260"/>
+        <p14:creationId xmlns:p14="http://schemas.microsoft.com/office/powerpoint/2010/main" val="3733641060"/>
       </p:ext>
     </p:extLst>
   </p:cSld>
@@ -4884,15 +4823,7 @@
           <a:p>
             <a:r>
               <a:rPr lang="ru-RU" dirty="0"/>
-              <a:t>Если вы захотите применить оптимизацию сокрытия символов к большой кодовой базе, например к дистрибутиву </a:t>
-            </a:r>
-            <a:r>
-              <a:rPr lang="en-US" dirty="0"/>
-              <a:t>Linux, </a:t>
-            </a:r>
-            <a:r>
-              <a:rPr lang="ru-RU" dirty="0"/>
-              <a:t>то придётся анализировать по очереди каждую библиотеку вручную на предмет того экспортируются ли из неё ненужные символы и если да, то какие.</a:t>
+              <a:t>Помимо использования флагов есть второй, более традиционный способ, который заключается в сокращении интерфейса библиотеки, т.е. уменьшении количества функций, которые она экспортирует.</a:t>
             </a:r>
           </a:p>
           <a:p>
@@ -4901,11 +4832,15 @@
           <a:p>
             <a:r>
               <a:rPr lang="ru-RU" dirty="0"/>
-              <a:t>Эту задачу можно упростить с помощью автоматизации. Утилита </a:t>
-            </a:r>
-            <a:r>
-              <a:rPr lang="en-US" dirty="0" err="1"/>
-              <a:t>ShlibVisibilityChecker</a:t>
+              <a:t>Суть его заключается в том, что мы явно помечаем экспортируемые функции специальным атрибутом </a:t>
+            </a:r>
+            <a:r>
+              <a:rPr lang="en-US" dirty="0"/>
+              <a:t>visibility</a:t>
+            </a:r>
+            <a:r>
+              <a:rPr lang="ru-RU" dirty="0"/>
+              <a:t>, а все остальные символы делаем внутренними</a:t>
             </a:r>
             <a:r>
               <a:rPr lang="en-US" dirty="0"/>
@@ -4913,53 +4848,41 @@
             </a:r>
             <a:r>
               <a:rPr lang="ru-RU" dirty="0"/>
-              <a:t>по бинарному файлу библиотеки</a:t>
-            </a:r>
-            <a:r>
-              <a:rPr lang="en-US" dirty="0"/>
-              <a:t> </a:t>
-            </a:r>
-            <a:r>
-              <a:rPr lang="ru-RU" dirty="0"/>
-              <a:t>и заголовочному файлу скажет какие символы нужно скрыть. Я успешно применял эту утилиту для поиска проблемных библиотек в </a:t>
-            </a:r>
-            <a:r>
-              <a:rPr lang="en-US" dirty="0"/>
-              <a:t>Ubuntu.</a:t>
-            </a:r>
-            <a:endParaRPr lang="ru-RU" dirty="0"/>
-          </a:p>
-          <a:p>
-            <a:endParaRPr lang="ru-RU" dirty="0"/>
-          </a:p>
-          <a:p>
-            <a:r>
-              <a:rPr lang="ru-RU" dirty="0"/>
-              <a:t>На слайде приведён пример анализа популярной библиотеки</a:t>
-            </a:r>
-            <a:r>
-              <a:rPr lang="en-US" dirty="0"/>
-              <a:t> </a:t>
-            </a:r>
-            <a:r>
-              <a:rPr lang="en-US" dirty="0" err="1"/>
-              <a:t>libgmp</a:t>
-            </a:r>
-            <a:r>
-              <a:rPr lang="en-US" dirty="0"/>
-              <a:t> </a:t>
-            </a:r>
-            <a:r>
-              <a:rPr lang="ru-RU" dirty="0"/>
-              <a:t>для вычислений произвольной точности.</a:t>
-            </a:r>
-            <a:r>
-              <a:rPr lang="en-US" dirty="0"/>
-              <a:t> </a:t>
-            </a:r>
-            <a:r>
-              <a:rPr lang="ru-RU" dirty="0"/>
-              <a:t>Можно видеть что библиотека экспортирует большое количество ненужных символов.</a:t>
+              <a:t>с помощью флага. Соответственно для всех скрытых, неэкспортируемых символов </a:t>
+            </a:r>
+            <a:r>
+              <a:rPr lang="en-US" dirty="0"/>
+              <a:t>(</a:t>
+            </a:r>
+            <a:r>
+              <a:rPr lang="ru-RU" dirty="0"/>
+              <a:t>которых гораздо больше</a:t>
+            </a:r>
+            <a:r>
+              <a:rPr lang="en-US" dirty="0"/>
+              <a:t>) </a:t>
+            </a:r>
+            <a:r>
+              <a:rPr lang="ru-RU" dirty="0"/>
+              <a:t>компилятор сможет применять более агрессивные оптимизации и при генерации кода использовать прямые вызовы.</a:t>
+            </a:r>
+            <a:endParaRPr lang="en-US" dirty="0"/>
+          </a:p>
+          <a:p>
+            <a:endParaRPr lang="en-US" dirty="0"/>
+          </a:p>
+          <a:p>
+            <a:r>
+              <a:rPr lang="ru-RU" dirty="0"/>
+              <a:t>Помимо оптимизации у этого подхода есть ещё одно преимущество</a:t>
+            </a:r>
+            <a:r>
+              <a:rPr lang="en-US" dirty="0"/>
+              <a:t>: </a:t>
+            </a:r>
+            <a:r>
+              <a:rPr lang="ru-RU" dirty="0"/>
+              <a:t>мы скрываем от пользователя внутренние детали реализации библиотеки и не даём возможности использовать её недокументированным образом.</a:t>
             </a:r>
             <a:endParaRPr lang="en-US" dirty="0"/>
           </a:p>
@@ -4982,7 +4905,7 @@
           <a:p>
             <a:fld id="{3AC94D10-082F-46D7-A834-266F9222130F}" type="slidenum">
               <a:rPr lang="en-US" smtClean="0"/>
-              <a:t>44</a:t>
+              <a:t>45</a:t>
             </a:fld>
             <a:endParaRPr lang="en-US"/>
           </a:p>
@@ -4991,7 +4914,7 @@
     </p:spTree>
     <p:extLst>
       <p:ext uri="{BB962C8B-B14F-4D97-AF65-F5344CB8AC3E}">
-        <p14:creationId xmlns:p14="http://schemas.microsoft.com/office/powerpoint/2010/main" val="3687863370"/>
+        <p14:creationId xmlns:p14="http://schemas.microsoft.com/office/powerpoint/2010/main" val="1530341260"/>
       </p:ext>
     </p:extLst>
   </p:cSld>
@@ -5045,6 +4968,85 @@
           <a:bodyPr/>
           <a:lstStyle/>
           <a:p>
+            <a:r>
+              <a:rPr lang="ru-RU" dirty="0"/>
+              <a:t>Если вы захотите применить оптимизацию сокрытия символов к большой кодовой базе, например к дистрибутиву </a:t>
+            </a:r>
+            <a:r>
+              <a:rPr lang="en-US" dirty="0"/>
+              <a:t>Linux, </a:t>
+            </a:r>
+            <a:r>
+              <a:rPr lang="ru-RU" dirty="0"/>
+              <a:t>то придётся анализировать по очереди каждую библиотеку вручную на предмет того экспортируются ли из неё ненужные символы и если да, то какие.</a:t>
+            </a:r>
+          </a:p>
+          <a:p>
+            <a:endParaRPr lang="ru-RU" dirty="0"/>
+          </a:p>
+          <a:p>
+            <a:r>
+              <a:rPr lang="ru-RU" dirty="0"/>
+              <a:t>Эту задачу можно упростить с помощью автоматизации. Утилита </a:t>
+            </a:r>
+            <a:r>
+              <a:rPr lang="en-US" dirty="0" err="1"/>
+              <a:t>ShlibVisibilityChecker</a:t>
+            </a:r>
+            <a:r>
+              <a:rPr lang="en-US" dirty="0"/>
+              <a:t> </a:t>
+            </a:r>
+            <a:r>
+              <a:rPr lang="ru-RU" dirty="0"/>
+              <a:t>по бинарному файлу библиотеки</a:t>
+            </a:r>
+            <a:r>
+              <a:rPr lang="en-US" dirty="0"/>
+              <a:t> </a:t>
+            </a:r>
+            <a:r>
+              <a:rPr lang="ru-RU" dirty="0"/>
+              <a:t>и заголовочному файлу скажет какие символы нужно скрыть. Я успешно применял эту утилиту для поиска проблемных библиотек в </a:t>
+            </a:r>
+            <a:r>
+              <a:rPr lang="en-US" dirty="0"/>
+              <a:t>Ubuntu.</a:t>
+            </a:r>
+            <a:endParaRPr lang="ru-RU" dirty="0"/>
+          </a:p>
+          <a:p>
+            <a:endParaRPr lang="ru-RU" dirty="0"/>
+          </a:p>
+          <a:p>
+            <a:r>
+              <a:rPr lang="ru-RU" dirty="0"/>
+              <a:t>На слайде приведён пример анализа популярной библиотеки</a:t>
+            </a:r>
+            <a:r>
+              <a:rPr lang="en-US" dirty="0"/>
+              <a:t> </a:t>
+            </a:r>
+            <a:r>
+              <a:rPr lang="en-US" dirty="0" err="1"/>
+              <a:t>libgmp</a:t>
+            </a:r>
+            <a:r>
+              <a:rPr lang="en-US" dirty="0"/>
+              <a:t> </a:t>
+            </a:r>
+            <a:r>
+              <a:rPr lang="ru-RU" dirty="0"/>
+              <a:t>для вычислений произвольной точности.</a:t>
+            </a:r>
+            <a:r>
+              <a:rPr lang="en-US" dirty="0"/>
+              <a:t> </a:t>
+            </a:r>
+            <a:r>
+              <a:rPr lang="ru-RU" dirty="0"/>
+              <a:t>Можно видеть что библиотека экспортирует большое количество ненужных символов.</a:t>
+            </a:r>
             <a:endParaRPr lang="en-US" dirty="0"/>
           </a:p>
         </p:txBody>
@@ -5066,7 +5068,91 @@
           <a:p>
             <a:fld id="{3AC94D10-082F-46D7-A834-266F9222130F}" type="slidenum">
               <a:rPr lang="en-US" smtClean="0"/>
-              <a:t>45</a:t>
+              <a:t>46</a:t>
+            </a:fld>
+            <a:endParaRPr lang="en-US"/>
+          </a:p>
+        </p:txBody>
+      </p:sp>
+    </p:spTree>
+    <p:extLst>
+      <p:ext uri="{BB962C8B-B14F-4D97-AF65-F5344CB8AC3E}">
+        <p14:creationId xmlns:p14="http://schemas.microsoft.com/office/powerpoint/2010/main" val="3687863370"/>
+      </p:ext>
+    </p:extLst>
+  </p:cSld>
+  <p:clrMapOvr>
+    <a:masterClrMapping/>
+  </p:clrMapOvr>
+</p:notes>
+</file>
+
+<file path=ppt/notesSlides/notesSlide44.xml><?xml version="1.0" encoding="utf-8"?>
+<p:notes xmlns:a="http://schemas.openxmlformats.org/drawingml/2006/main" xmlns:r="http://schemas.openxmlformats.org/officeDocument/2006/relationships" xmlns:p="http://schemas.openxmlformats.org/presentationml/2006/main">
+  <p:cSld>
+    <p:spTree>
+      <p:nvGrpSpPr>
+        <p:cNvPr id="1" name=""/>
+        <p:cNvGrpSpPr/>
+        <p:nvPr/>
+      </p:nvGrpSpPr>
+      <p:grpSpPr>
+        <a:xfrm>
+          <a:off x="0" y="0"/>
+          <a:ext cx="0" cy="0"/>
+          <a:chOff x="0" y="0"/>
+          <a:chExt cx="0" cy="0"/>
+        </a:xfrm>
+      </p:grpSpPr>
+      <p:sp>
+        <p:nvSpPr>
+          <p:cNvPr id="2" name="Slide Image Placeholder 1"/>
+          <p:cNvSpPr>
+            <a:spLocks noGrp="1" noRot="1" noChangeAspect="1"/>
+          </p:cNvSpPr>
+          <p:nvPr>
+            <p:ph type="sldImg"/>
+          </p:nvPr>
+        </p:nvSpPr>
+        <p:spPr/>
+      </p:sp>
+      <p:sp>
+        <p:nvSpPr>
+          <p:cNvPr id="3" name="Notes Placeholder 2"/>
+          <p:cNvSpPr>
+            <a:spLocks noGrp="1"/>
+          </p:cNvSpPr>
+          <p:nvPr>
+            <p:ph type="body" idx="1"/>
+          </p:nvPr>
+        </p:nvSpPr>
+        <p:spPr/>
+        <p:txBody>
+          <a:bodyPr/>
+          <a:lstStyle/>
+          <a:p>
+            <a:endParaRPr lang="en-US" dirty="0"/>
+          </a:p>
+        </p:txBody>
+      </p:sp>
+      <p:sp>
+        <p:nvSpPr>
+          <p:cNvPr id="4" name="Slide Number Placeholder 3"/>
+          <p:cNvSpPr>
+            <a:spLocks noGrp="1"/>
+          </p:cNvSpPr>
+          <p:nvPr>
+            <p:ph type="sldNum" sz="quarter" idx="5"/>
+          </p:nvPr>
+        </p:nvSpPr>
+        <p:spPr/>
+        <p:txBody>
+          <a:bodyPr/>
+          <a:lstStyle/>
+          <a:p>
+            <a:fld id="{3AC94D10-082F-46D7-A834-266F9222130F}" type="slidenum">
+              <a:rPr lang="en-US" smtClean="0"/>
+              <a:t>47</a:t>
             </a:fld>
             <a:endParaRPr lang="en-US"/>
           </a:p>
@@ -5838,7 +5924,7 @@
           <a:p>
             <a:fld id="{83D30A23-1FB6-43A1-891F-95145083C4E9}" type="datetime1">
               <a:rPr lang="en-US" smtClean="0"/>
-              <a:t>2/18/2024</a:t>
+              <a:t>2/23/2024</a:t>
             </a:fld>
             <a:endParaRPr lang="en-US"/>
           </a:p>
@@ -6036,7 +6122,7 @@
           <a:p>
             <a:fld id="{A4B03399-60D8-4226-8AC7-3F159D57E860}" type="datetime1">
               <a:rPr lang="en-US" smtClean="0"/>
-              <a:t>2/18/2024</a:t>
+              <a:t>2/23/2024</a:t>
             </a:fld>
             <a:endParaRPr lang="en-US"/>
           </a:p>
@@ -6244,7 +6330,7 @@
           <a:p>
             <a:fld id="{1A646459-A066-416D-8E21-9D451FB1CBED}" type="datetime1">
               <a:rPr lang="en-US" smtClean="0"/>
-              <a:t>2/18/2024</a:t>
+              <a:t>2/23/2024</a:t>
             </a:fld>
             <a:endParaRPr lang="en-US"/>
           </a:p>
@@ -6442,7 +6528,7 @@
           <a:p>
             <a:fld id="{0636B939-1A2A-498F-9013-EEF28820D750}" type="datetime1">
               <a:rPr lang="en-US" smtClean="0"/>
-              <a:t>2/18/2024</a:t>
+              <a:t>2/23/2024</a:t>
             </a:fld>
             <a:endParaRPr lang="en-US"/>
           </a:p>
@@ -6756,7 +6842,7 @@
           <a:p>
             <a:fld id="{97D3760A-E884-42F2-A44C-F32FAA030BF6}" type="datetime1">
               <a:rPr lang="en-US" smtClean="0"/>
-              <a:t>2/18/2024</a:t>
+              <a:t>2/23/2024</a:t>
             </a:fld>
             <a:endParaRPr lang="en-US"/>
           </a:p>
@@ -7021,7 +7107,7 @@
           <a:p>
             <a:fld id="{4FC7535E-ABF1-4A69-B09E-251EF8B13143}" type="datetime1">
               <a:rPr lang="en-US" smtClean="0"/>
-              <a:t>2/18/2024</a:t>
+              <a:t>2/23/2024</a:t>
             </a:fld>
             <a:endParaRPr lang="en-US"/>
           </a:p>
@@ -7433,7 +7519,7 @@
           <a:p>
             <a:fld id="{CE54BCFC-68A7-4C68-9600-D4AAA16CF9A6}" type="datetime1">
               <a:rPr lang="en-US" smtClean="0"/>
-              <a:t>2/18/2024</a:t>
+              <a:t>2/23/2024</a:t>
             </a:fld>
             <a:endParaRPr lang="en-US"/>
           </a:p>
@@ -7574,7 +7660,7 @@
           <a:p>
             <a:fld id="{0F981744-C4F3-4F58-9E0E-AF6C4E78D03B}" type="datetime1">
               <a:rPr lang="en-US" smtClean="0"/>
-              <a:t>2/18/2024</a:t>
+              <a:t>2/23/2024</a:t>
             </a:fld>
             <a:endParaRPr lang="en-US"/>
           </a:p>
@@ -7687,7 +7773,7 @@
           <a:p>
             <a:fld id="{98ED47E1-EA96-4683-9629-E838295B20BC}" type="datetime1">
               <a:rPr lang="en-US" smtClean="0"/>
-              <a:t>2/18/2024</a:t>
+              <a:t>2/23/2024</a:t>
             </a:fld>
             <a:endParaRPr lang="en-US"/>
           </a:p>
@@ -7998,7 +8084,7 @@
           <a:p>
             <a:fld id="{2F2A1627-B435-455B-A0CA-0808E5748D61}" type="datetime1">
               <a:rPr lang="en-US" smtClean="0"/>
-              <a:t>2/18/2024</a:t>
+              <a:t>2/23/2024</a:t>
             </a:fld>
             <a:endParaRPr lang="en-US"/>
           </a:p>
@@ -8286,7 +8372,7 @@
           <a:p>
             <a:fld id="{FE11CB43-EB9E-4C41-ACD2-0EC61FB429F2}" type="datetime1">
               <a:rPr lang="en-US" smtClean="0"/>
-              <a:t>2/18/2024</a:t>
+              <a:t>2/23/2024</a:t>
             </a:fld>
             <a:endParaRPr lang="en-US"/>
           </a:p>
@@ -8527,7 +8613,7 @@
           <a:p>
             <a:fld id="{CC0B8F92-0932-40E4-878B-3E2E4AAA6810}" type="datetime1">
               <a:rPr lang="en-US" smtClean="0"/>
-              <a:t>2/18/2024</a:t>
+              <a:t>2/23/2024</a:t>
             </a:fld>
             <a:endParaRPr lang="en-US"/>
           </a:p>
@@ -16949,7 +17035,7 @@
           <p:cNvPr id="2" name="Title 1">
             <a:extLst>
               <a:ext uri="{FF2B5EF4-FFF2-40B4-BE49-F238E27FC236}">
-                <a16:creationId xmlns:a16="http://schemas.microsoft.com/office/drawing/2014/main" id="{84606581-FDA7-4089-A163-7CB8363A9132}"/>
+                <a16:creationId xmlns:a16="http://schemas.microsoft.com/office/drawing/2014/main" id="{0A95A14D-8CF8-471B-AF3D-26999D8951D8}"/>
               </a:ext>
             </a:extLst>
           </p:cNvPr>
@@ -16967,19 +17053,19 @@
           <a:p>
             <a:r>
               <a:rPr lang="ru-RU" dirty="0"/>
-              <a:t>Ускорение загрузки </a:t>
-            </a:r>
-            <a:r>
-              <a:rPr lang="en-US" dirty="0"/>
-              <a:t>DLL: </a:t>
-            </a:r>
-            <a:r>
-              <a:rPr lang="ru-RU" dirty="0"/>
-              <a:t>отложенная загрузка</a:t>
-            </a:r>
-            <a:r>
-              <a:rPr lang="en-US" dirty="0"/>
-              <a:t> (lazy loading)</a:t>
+              <a:t>Накладные расходы</a:t>
+            </a:r>
+            <a:r>
+              <a:rPr lang="en-US" dirty="0"/>
+              <a:t> </a:t>
+            </a:r>
+            <a:r>
+              <a:rPr lang="ru-RU" dirty="0"/>
+              <a:t>при использовании </a:t>
+            </a:r>
+            <a:r>
+              <a:rPr lang="en-US" dirty="0"/>
+              <a:t>DLL</a:t>
             </a:r>
           </a:p>
         </p:txBody>
@@ -16989,7 +17075,7 @@
           <p:cNvPr id="3" name="Content Placeholder 2">
             <a:extLst>
               <a:ext uri="{FF2B5EF4-FFF2-40B4-BE49-F238E27FC236}">
-                <a16:creationId xmlns:a16="http://schemas.microsoft.com/office/drawing/2014/main" id="{1342F495-A77A-453E-8C9B-995559B98E09}"/>
+                <a16:creationId xmlns:a16="http://schemas.microsoft.com/office/drawing/2014/main" id="{5B49B649-A403-4066-8731-42F55BC6F396}"/>
               </a:ext>
             </a:extLst>
           </p:cNvPr>
@@ -17006,99 +17092,55 @@
           <a:lstStyle/>
           <a:p>
             <a:r>
-              <a:rPr lang="ru-RU" dirty="0"/>
-              <a:t>Часто библиотека используется только в редких случаях или особых режимах работы приложения</a:t>
-            </a:r>
-          </a:p>
-          <a:p>
-            <a:r>
-              <a:rPr lang="ru-RU" dirty="0"/>
-              <a:t>Вместо загрузки на старте было бы выгодно загружать её при первом использовании</a:t>
-            </a:r>
-            <a:r>
-              <a:rPr lang="en-US" dirty="0"/>
-              <a:t> (</a:t>
-            </a:r>
-            <a:r>
-              <a:rPr lang="ru-RU" dirty="0"/>
-              <a:t>ленивая загрузка</a:t>
-            </a:r>
-            <a:r>
-              <a:rPr lang="en-US" dirty="0"/>
-              <a:t>)</a:t>
-            </a:r>
-          </a:p>
-          <a:p>
-            <a:r>
-              <a:rPr lang="ru-RU" dirty="0"/>
-              <a:t>Многие платформы предоставляют такую возможность</a:t>
-            </a:r>
-            <a:r>
-              <a:rPr lang="en-US" dirty="0"/>
-              <a:t>:</a:t>
-            </a:r>
+              <a:rPr lang="ru-RU" b="1" dirty="0"/>
+              <a:t>Загрузка</a:t>
+            </a:r>
+            <a:r>
+              <a:rPr lang="en-US" b="1" dirty="0"/>
+              <a:t> </a:t>
+            </a:r>
+            <a:r>
+              <a:rPr lang="ru-RU" b="1" dirty="0"/>
+              <a:t>библиотеки</a:t>
+            </a:r>
+            <a:endParaRPr lang="en-US" b="1" dirty="0"/>
           </a:p>
           <a:p>
             <a:pPr lvl="1"/>
             <a:r>
-              <a:rPr lang="en-US" dirty="0"/>
-              <a:t>Windows: </a:t>
-            </a:r>
-            <a:r>
-              <a:rPr lang="ru-RU" dirty="0"/>
-              <a:t>флаг </a:t>
-            </a:r>
-            <a:r>
-              <a:rPr lang="en-US" dirty="0"/>
-              <a:t>/DELAYLOAD</a:t>
-            </a:r>
+              <a:rPr lang="ru-RU" dirty="0"/>
+              <a:t>Релокация кода</a:t>
+            </a:r>
+            <a:endParaRPr lang="en-US" dirty="0"/>
           </a:p>
           <a:p>
             <a:pPr lvl="1"/>
             <a:r>
-              <a:rPr lang="en-US" dirty="0"/>
-              <a:t>macOS: </a:t>
-            </a:r>
-            <a:r>
-              <a:rPr lang="ru-RU" dirty="0"/>
-              <a:t>флаг </a:t>
-            </a:r>
-            <a:r>
-              <a:rPr lang="en-US" dirty="0"/>
-              <a:t>-</a:t>
-            </a:r>
-            <a:r>
-              <a:rPr lang="en-US" dirty="0" err="1"/>
-              <a:t>Wl</a:t>
-            </a:r>
-            <a:r>
-              <a:rPr lang="en-US" dirty="0"/>
-              <a:t>,-z,-lazy-l</a:t>
-            </a:r>
+              <a:rPr lang="ru-RU" dirty="0"/>
+              <a:t>Разрешение и связывание символов</a:t>
+            </a:r>
+            <a:endParaRPr lang="en-US" dirty="0"/>
+          </a:p>
+          <a:p>
+            <a:r>
+              <a:rPr lang="ru-RU" dirty="0"/>
+              <a:t>Работа с библиотекой</a:t>
+            </a:r>
+            <a:endParaRPr lang="en-US" dirty="0"/>
           </a:p>
           <a:p>
             <a:pPr lvl="1"/>
             <a:r>
-              <a:rPr lang="en-US" dirty="0"/>
-              <a:t>Linux: </a:t>
-            </a:r>
-            <a:r>
-              <a:rPr lang="ru-RU" dirty="0"/>
-              <a:t>стандартного решения нет, но можно использовать</a:t>
-            </a:r>
-            <a:r>
-              <a:rPr lang="en-US" dirty="0"/>
-              <a:t> </a:t>
-            </a:r>
-            <a:r>
-              <a:rPr lang="ru-RU" dirty="0"/>
-              <a:t>утилиту </a:t>
-            </a:r>
-            <a:r>
-              <a:rPr lang="en-US" dirty="0">
-                <a:hlinkClick r:id="rId3"/>
-              </a:rPr>
-              <a:t>Implib.so</a:t>
+              <a:rPr lang="ru-RU" dirty="0"/>
+              <a:t>Косвенные вызовы (</a:t>
+            </a:r>
+            <a:r>
+              <a:rPr lang="en-US" dirty="0"/>
+              <a:t>indirect calls) </a:t>
+            </a:r>
+            <a:r>
+              <a:rPr lang="ru-RU" dirty="0"/>
+              <a:t>функций</a:t>
             </a:r>
             <a:endParaRPr lang="en-US" dirty="0"/>
           </a:p>
@@ -17107,7 +17149,7 @@
     </p:spTree>
     <p:extLst>
       <p:ext uri="{BB962C8B-B14F-4D97-AF65-F5344CB8AC3E}">
-        <p14:creationId xmlns:p14="http://schemas.microsoft.com/office/powerpoint/2010/main" val="1966528652"/>
+        <p14:creationId xmlns:p14="http://schemas.microsoft.com/office/powerpoint/2010/main" val="3456458615"/>
       </p:ext>
     </p:extLst>
   </p:cSld>
@@ -17139,7 +17181,7 @@
           <p:cNvPr id="2" name="Title 1">
             <a:extLst>
               <a:ext uri="{FF2B5EF4-FFF2-40B4-BE49-F238E27FC236}">
-                <a16:creationId xmlns:a16="http://schemas.microsoft.com/office/drawing/2014/main" id="{C950FB13-62AB-4FE7-A1E1-3579C5B2DC9E}"/>
+                <a16:creationId xmlns:a16="http://schemas.microsoft.com/office/drawing/2014/main" id="{8E0E9818-C119-4C4F-A02D-FD8FDD74BB07}"/>
               </a:ext>
             </a:extLst>
           </p:cNvPr>
@@ -17156,9 +17198,18 @@
           <a:lstStyle/>
           <a:p>
             <a:r>
-              <a:rPr lang="en-US" dirty="0"/>
-              <a:t>Implib.so</a:t>
-            </a:r>
+              <a:rPr lang="ru-RU" dirty="0"/>
+              <a:t>Ускорение загрузки </a:t>
+            </a:r>
+            <a:r>
+              <a:rPr lang="en-US" dirty="0"/>
+              <a:t>DLL: </a:t>
+            </a:r>
+            <a:r>
+              <a:rPr lang="ru-RU" dirty="0"/>
+              <a:t>отключение неиспользуемых библиотек</a:t>
+            </a:r>
+            <a:endParaRPr lang="en-US" dirty="0"/>
           </a:p>
         </p:txBody>
       </p:sp>
@@ -17167,7 +17218,7 @@
           <p:cNvPr id="3" name="Content Placeholder 2">
             <a:extLst>
               <a:ext uri="{FF2B5EF4-FFF2-40B4-BE49-F238E27FC236}">
-                <a16:creationId xmlns:a16="http://schemas.microsoft.com/office/drawing/2014/main" id="{B528BA41-1C17-4678-8E95-464AFB383BDC}"/>
+                <a16:creationId xmlns:a16="http://schemas.microsoft.com/office/drawing/2014/main" id="{6B66DA0D-EF7A-4D19-8949-113744F62AD6}"/>
               </a:ext>
             </a:extLst>
           </p:cNvPr>
@@ -17180,204 +17231,60 @@
         </p:nvSpPr>
         <p:spPr/>
         <p:txBody>
-          <a:bodyPr>
-            <a:normAutofit fontScale="92500" lnSpcReduction="10000"/>
-          </a:bodyPr>
-          <a:lstStyle/>
-          <a:p>
-            <a:r>
-              <a:rPr lang="ru-RU" dirty="0"/>
-              <a:t>Для заданной </a:t>
-            </a:r>
-            <a:r>
-              <a:rPr lang="en-US" dirty="0"/>
-              <a:t>DLL </a:t>
-            </a:r>
-            <a:r>
-              <a:rPr lang="ru-RU" dirty="0"/>
-              <a:t>генерирует статическую библиотеку </a:t>
-            </a:r>
-            <a:r>
-              <a:rPr lang="en-US" dirty="0"/>
-              <a:t>c </a:t>
-            </a:r>
-            <a:r>
-              <a:rPr lang="ru-RU" dirty="0"/>
-              <a:t>функциями-заглушками (</a:t>
-            </a:r>
-            <a:r>
-              <a:rPr lang="en-US" dirty="0"/>
-              <a:t>trampolines)</a:t>
-            </a:r>
-          </a:p>
-          <a:p>
-            <a:r>
-              <a:rPr lang="ru-RU" dirty="0"/>
-              <a:t>Вместо </a:t>
-            </a:r>
-            <a:r>
-              <a:rPr lang="en-US" dirty="0"/>
-              <a:t>DLL </a:t>
-            </a:r>
-            <a:r>
-              <a:rPr lang="ru-RU" dirty="0"/>
-              <a:t>программа линкуется с этой статической библиотекой</a:t>
-            </a:r>
-          </a:p>
-          <a:p>
-            <a:r>
-              <a:rPr lang="ru-RU" dirty="0"/>
-              <a:t>Во время работы вызов функции-заглушки приведёт к загрузке библиотеки</a:t>
-            </a:r>
-            <a:r>
-              <a:rPr lang="en-US" dirty="0"/>
-              <a:t> </a:t>
-            </a:r>
-            <a:r>
-              <a:rPr lang="ru-RU" dirty="0"/>
-              <a:t>и передаче управления в неё</a:t>
+          <a:bodyPr/>
+          <a:lstStyle/>
+          <a:p>
+            <a:r>
+              <a:rPr lang="ru-RU" dirty="0"/>
+              <a:t>Часто в больших программах можно случайно указать лишние библиотеки при сборке</a:t>
             </a:r>
             <a:endParaRPr lang="en-US" dirty="0"/>
           </a:p>
           <a:p>
             <a:r>
               <a:rPr lang="ru-RU" dirty="0"/>
-              <a:t>Пример использования</a:t>
-            </a:r>
-            <a:r>
-              <a:rPr lang="en-US" dirty="0"/>
-              <a:t>:</a:t>
-            </a:r>
-          </a:p>
-          <a:p>
-            <a:pPr marL="457200" lvl="1" indent="0">
-              <a:buNone/>
-            </a:pPr>
-            <a:r>
-              <a:rPr lang="en-US" dirty="0">
-                <a:latin typeface="Courier New" panose="02070309020205020404" pitchFamily="49" charset="0"/>
-                <a:cs typeface="Courier New" panose="02070309020205020404" pitchFamily="49" charset="0"/>
-              </a:rPr>
-              <a:t>$ implib-gen.py libxyz.so</a:t>
-            </a:r>
-          </a:p>
-          <a:p>
-            <a:pPr marL="457200" lvl="1" indent="0">
-              <a:buNone/>
-            </a:pPr>
-            <a:r>
-              <a:rPr lang="en-US" dirty="0">
-                <a:latin typeface="Courier New" panose="02070309020205020404" pitchFamily="49" charset="0"/>
-                <a:cs typeface="Courier New" panose="02070309020205020404" pitchFamily="49" charset="0"/>
-              </a:rPr>
-              <a:t>$ </a:t>
-            </a:r>
-            <a:r>
-              <a:rPr lang="en-US" dirty="0" err="1">
-                <a:latin typeface="Courier New" panose="02070309020205020404" pitchFamily="49" charset="0"/>
-                <a:cs typeface="Courier New" panose="02070309020205020404" pitchFamily="49" charset="0"/>
-              </a:rPr>
-              <a:t>gcc</a:t>
-            </a:r>
-            <a:r>
-              <a:rPr lang="en-US" dirty="0">
-                <a:latin typeface="Courier New" panose="02070309020205020404" pitchFamily="49" charset="0"/>
-                <a:cs typeface="Courier New" panose="02070309020205020404" pitchFamily="49" charset="0"/>
-              </a:rPr>
-              <a:t> </a:t>
-            </a:r>
-            <a:r>
-              <a:rPr lang="en-US" dirty="0" err="1">
-                <a:latin typeface="Courier New" panose="02070309020205020404" pitchFamily="49" charset="0"/>
-                <a:cs typeface="Courier New" panose="02070309020205020404" pitchFamily="49" charset="0"/>
-              </a:rPr>
-              <a:t>myprog.c</a:t>
-            </a:r>
-            <a:r>
-              <a:rPr lang="en-US" dirty="0">
-                <a:latin typeface="Courier New" panose="02070309020205020404" pitchFamily="49" charset="0"/>
-                <a:cs typeface="Courier New" panose="02070309020205020404" pitchFamily="49" charset="0"/>
-              </a:rPr>
-              <a:t> </a:t>
-            </a:r>
-            <a:r>
-              <a:rPr lang="en-US" dirty="0" err="1">
-                <a:latin typeface="Courier New" panose="02070309020205020404" pitchFamily="49" charset="0"/>
-                <a:cs typeface="Courier New" panose="02070309020205020404" pitchFamily="49" charset="0"/>
-              </a:rPr>
-              <a:t>libxyz.so.tramp.S</a:t>
-            </a:r>
-            <a:r>
-              <a:rPr lang="en-US" dirty="0">
-                <a:latin typeface="Courier New" panose="02070309020205020404" pitchFamily="49" charset="0"/>
-                <a:cs typeface="Courier New" panose="02070309020205020404" pitchFamily="49" charset="0"/>
-              </a:rPr>
-              <a:t> </a:t>
-            </a:r>
-            <a:r>
-              <a:rPr lang="en-US" dirty="0" err="1">
-                <a:latin typeface="Courier New" panose="02070309020205020404" pitchFamily="49" charset="0"/>
-                <a:cs typeface="Courier New" panose="02070309020205020404" pitchFamily="49" charset="0"/>
-              </a:rPr>
-              <a:t>libxyz.so.init.c</a:t>
-            </a:r>
-            <a:r>
-              <a:rPr lang="en-US" dirty="0">
-                <a:latin typeface="Courier New" panose="02070309020205020404" pitchFamily="49" charset="0"/>
-                <a:cs typeface="Courier New" panose="02070309020205020404" pitchFamily="49" charset="0"/>
-              </a:rPr>
-              <a:t> -</a:t>
-            </a:r>
-            <a:r>
-              <a:rPr lang="en-US" dirty="0" err="1">
-                <a:latin typeface="Courier New" panose="02070309020205020404" pitchFamily="49" charset="0"/>
-                <a:cs typeface="Courier New" panose="02070309020205020404" pitchFamily="49" charset="0"/>
-              </a:rPr>
-              <a:t>ldl</a:t>
-            </a:r>
-            <a:endParaRPr lang="en-US" dirty="0">
-              <a:latin typeface="Courier New" panose="02070309020205020404" pitchFamily="49" charset="0"/>
-              <a:cs typeface="Courier New" panose="02070309020205020404" pitchFamily="49" charset="0"/>
-            </a:endParaRPr>
-          </a:p>
-          <a:p>
-            <a:r>
-              <a:rPr lang="ru-RU" dirty="0"/>
-              <a:t>Реализована с помощью </a:t>
-            </a:r>
-            <a:r>
-              <a:rPr lang="en-US" dirty="0"/>
-              <a:t>API </a:t>
-            </a:r>
-            <a:r>
-              <a:rPr lang="ru-RU" dirty="0"/>
-              <a:t>динамической загрузки (</a:t>
+              <a:t>Они замедлят загрузку приложения даже если не будут использоваться</a:t>
+            </a:r>
+          </a:p>
+          <a:p>
+            <a:r>
+              <a:rPr lang="ru-RU" dirty="0"/>
+              <a:t>Флаг </a:t>
+            </a:r>
+            <a:r>
+              <a:rPr lang="en-US" dirty="0"/>
+              <a:t>-</a:t>
             </a:r>
             <a:r>
               <a:rPr lang="en-US" dirty="0" err="1"/>
-              <a:t>dlopen</a:t>
-            </a:r>
-            <a:r>
-              <a:rPr lang="en-US" dirty="0"/>
-              <a:t>, </a:t>
-            </a:r>
-            <a:r>
-              <a:rPr lang="en-US" dirty="0" err="1"/>
-              <a:t>dlsym</a:t>
-            </a:r>
-            <a:r>
-              <a:rPr lang="en-US" dirty="0"/>
-              <a:t>)</a:t>
-            </a:r>
-          </a:p>
-          <a:p>
-            <a:r>
-              <a:rPr lang="ru-RU" dirty="0"/>
-              <a:t>Поддерживает большое количество платформ (</a:t>
-            </a:r>
-            <a:r>
-              <a:rPr lang="en-US" dirty="0"/>
-              <a:t>x86, ARM, AArch64, MIPS, e2k, etc.)</a:t>
+              <a:t>Wl</a:t>
+            </a:r>
+            <a:r>
+              <a:rPr lang="en-US" dirty="0"/>
+              <a:t>,--as-needed </a:t>
+            </a:r>
+            <a:r>
+              <a:rPr lang="ru-RU" dirty="0"/>
+              <a:t>позволит линкеру проигнорировать такие библиотеки</a:t>
+            </a:r>
+            <a:endParaRPr lang="en-US" dirty="0"/>
+          </a:p>
+          <a:p>
+            <a:r>
+              <a:rPr lang="ru-RU" dirty="0"/>
+              <a:t>Флаг включен по умолчанию в некоторых дистрибутивах</a:t>
+            </a:r>
+            <a:r>
+              <a:rPr lang="en-US" dirty="0"/>
+              <a:t> (Ubuntu, </a:t>
+            </a:r>
+            <a:r>
+              <a:rPr lang="ru-RU" dirty="0"/>
+              <a:t>но не </a:t>
+            </a:r>
+            <a:r>
+              <a:rPr lang="en-US" dirty="0"/>
+              <a:t>Fedora/RHEL)</a:t>
             </a:r>
           </a:p>
         </p:txBody>
@@ -17385,7 +17292,7 @@
     </p:spTree>
     <p:extLst>
       <p:ext uri="{BB962C8B-B14F-4D97-AF65-F5344CB8AC3E}">
-        <p14:creationId xmlns:p14="http://schemas.microsoft.com/office/powerpoint/2010/main" val="2978459452"/>
+        <p14:creationId xmlns:p14="http://schemas.microsoft.com/office/powerpoint/2010/main" val="1159637622"/>
       </p:ext>
     </p:extLst>
   </p:cSld>
@@ -17535,7 +17442,7 @@
           <p:cNvPr id="2" name="Title 1">
             <a:extLst>
               <a:ext uri="{FF2B5EF4-FFF2-40B4-BE49-F238E27FC236}">
-                <a16:creationId xmlns:a16="http://schemas.microsoft.com/office/drawing/2014/main" id="{0A95A14D-8CF8-471B-AF3D-26999D8951D8}"/>
+                <a16:creationId xmlns:a16="http://schemas.microsoft.com/office/drawing/2014/main" id="{84606581-FDA7-4089-A163-7CB8363A9132}"/>
               </a:ext>
             </a:extLst>
           </p:cNvPr>
@@ -17553,7 +17460,15 @@
           <a:p>
             <a:r>
               <a:rPr lang="ru-RU" dirty="0"/>
-              <a:t>Накладные расходы</a:t>
+              <a:t>Ускорение загрузки </a:t>
+            </a:r>
+            <a:r>
+              <a:rPr lang="en-US" dirty="0"/>
+              <a:t>DLL: </a:t>
+            </a:r>
+            <a:r>
+              <a:rPr lang="ru-RU" dirty="0"/>
+              <a:t>отложенная загрузка</a:t>
             </a:r>
             <a:r>
               <a:rPr lang="en-US" dirty="0"/>
@@ -17561,12 +17476,9 @@
             </a:r>
             <a:r>
               <a:rPr lang="ru-RU" dirty="0"/>
-              <a:t>при использовании </a:t>
-            </a:r>
-            <a:r>
-              <a:rPr lang="en-US" dirty="0"/>
-              <a:t>DLL</a:t>
-            </a:r>
+              <a:t>библиотек</a:t>
+            </a:r>
+            <a:endParaRPr lang="en-US" dirty="0"/>
           </a:p>
         </p:txBody>
       </p:sp>
@@ -17575,7 +17487,7 @@
           <p:cNvPr id="3" name="Content Placeholder 2">
             <a:extLst>
               <a:ext uri="{FF2B5EF4-FFF2-40B4-BE49-F238E27FC236}">
-                <a16:creationId xmlns:a16="http://schemas.microsoft.com/office/drawing/2014/main" id="{5B49B649-A403-4066-8731-42F55BC6F396}"/>
+                <a16:creationId xmlns:a16="http://schemas.microsoft.com/office/drawing/2014/main" id="{1342F495-A77A-453E-8C9B-995559B98E09}"/>
               </a:ext>
             </a:extLst>
           </p:cNvPr>
@@ -17593,7 +17505,84 @@
           <a:p>
             <a:r>
               <a:rPr lang="ru-RU" dirty="0"/>
-              <a:t>Загрузка</a:t>
+              <a:t>Часто библиотека используется только в редких случаях или особых режимах работы приложения</a:t>
+            </a:r>
+          </a:p>
+          <a:p>
+            <a:r>
+              <a:rPr lang="ru-RU" dirty="0"/>
+              <a:t>Вместо загрузки на старте было бы выгодно загружать её при первом использовании</a:t>
+            </a:r>
+            <a:r>
+              <a:rPr lang="en-US" dirty="0"/>
+              <a:t> (</a:t>
+            </a:r>
+            <a:r>
+              <a:rPr lang="ru-RU" dirty="0"/>
+              <a:t>ленивая загрузка</a:t>
+            </a:r>
+            <a:r>
+              <a:rPr lang="en-US" dirty="0"/>
+              <a:t>, lazy loading)</a:t>
+            </a:r>
+          </a:p>
+          <a:p>
+            <a:r>
+              <a:rPr lang="ru-RU" dirty="0"/>
+              <a:t>Многие платформы предоставляют такую возможность</a:t>
+            </a:r>
+            <a:r>
+              <a:rPr lang="en-US" dirty="0"/>
+              <a:t>:</a:t>
+            </a:r>
+          </a:p>
+          <a:p>
+            <a:pPr lvl="1"/>
+            <a:r>
+              <a:rPr lang="en-US" dirty="0"/>
+              <a:t>Windows: </a:t>
+            </a:r>
+            <a:r>
+              <a:rPr lang="ru-RU" dirty="0"/>
+              <a:t>флаг </a:t>
+            </a:r>
+            <a:r>
+              <a:rPr lang="en-US" dirty="0"/>
+              <a:t>/DELAYLOAD</a:t>
+            </a:r>
+          </a:p>
+          <a:p>
+            <a:pPr lvl="1"/>
+            <a:r>
+              <a:rPr lang="en-US" dirty="0"/>
+              <a:t>macOS: </a:t>
+            </a:r>
+            <a:r>
+              <a:rPr lang="ru-RU" dirty="0"/>
+              <a:t>флаг </a:t>
+            </a:r>
+            <a:r>
+              <a:rPr lang="en-US" dirty="0"/>
+              <a:t>-</a:t>
+            </a:r>
+            <a:r>
+              <a:rPr lang="en-US" dirty="0" err="1"/>
+              <a:t>Wl</a:t>
+            </a:r>
+            <a:r>
+              <a:rPr lang="en-US" dirty="0"/>
+              <a:t>,-z,-lazy-l</a:t>
+            </a:r>
+          </a:p>
+          <a:p>
+            <a:pPr lvl="1"/>
+            <a:r>
+              <a:rPr lang="en-US" dirty="0"/>
+              <a:t>Linux: </a:t>
+            </a:r>
+            <a:r>
+              <a:rPr lang="ru-RU" dirty="0"/>
+              <a:t>стандартного решения нет, но можно использовать</a:t>
             </a:r>
             <a:r>
               <a:rPr lang="en-US" dirty="0"/>
@@ -17601,65 +17590,13 @@
             </a:r>
             <a:r>
               <a:rPr lang="ru-RU" dirty="0"/>
-              <a:t>библиотеки</a:t>
-            </a:r>
-            <a:endParaRPr lang="en-US" dirty="0"/>
-          </a:p>
-          <a:p>
-            <a:pPr lvl="1"/>
-            <a:r>
-              <a:rPr lang="ru-RU" b="1" dirty="0"/>
-              <a:t>Релокация кода</a:t>
-            </a:r>
-            <a:endParaRPr lang="en-US" b="1" dirty="0"/>
-          </a:p>
-          <a:p>
-            <a:pPr lvl="1"/>
-            <a:r>
-              <a:rPr lang="ru-RU" dirty="0"/>
-              <a:t>Разрешение и </a:t>
-            </a:r>
-            <a:r>
-              <a:rPr lang="en-US" dirty="0"/>
-              <a:t>c</a:t>
-            </a:r>
-            <a:r>
-              <a:rPr lang="ru-RU" dirty="0"/>
-              <a:t>вязывание символов</a:t>
-            </a:r>
-            <a:endParaRPr lang="en-US" dirty="0"/>
-          </a:p>
-          <a:p>
-            <a:r>
-              <a:rPr lang="ru-RU" dirty="0"/>
-              <a:t>Работа с библиотекой</a:t>
-            </a:r>
-            <a:r>
-              <a:rPr lang="en-US" dirty="0"/>
-              <a:t>:</a:t>
-            </a:r>
-          </a:p>
-          <a:p>
-            <a:pPr lvl="1"/>
-            <a:r>
-              <a:rPr lang="ru-RU" dirty="0"/>
-              <a:t>Косвенные вызовы (</a:t>
-            </a:r>
-            <a:r>
-              <a:rPr lang="en-US" dirty="0"/>
-              <a:t>indirect calls) </a:t>
-            </a:r>
-            <a:r>
-              <a:rPr lang="ru-RU" dirty="0"/>
-              <a:t>функций</a:t>
-            </a:r>
-            <a:r>
-              <a:rPr lang="en-US" dirty="0"/>
-              <a:t> </a:t>
-            </a:r>
-            <a:r>
-              <a:rPr lang="ru-RU" dirty="0"/>
-              <a:t>в рантайме</a:t>
+              <a:t>утилиту </a:t>
+            </a:r>
+            <a:r>
+              <a:rPr lang="en-US" dirty="0">
+                <a:hlinkClick r:id="rId3"/>
+              </a:rPr>
+              <a:t>Implib.so</a:t>
             </a:r>
             <a:endParaRPr lang="en-US" dirty="0"/>
           </a:p>
@@ -17668,7 +17605,7 @@
     </p:spTree>
     <p:extLst>
       <p:ext uri="{BB962C8B-B14F-4D97-AF65-F5344CB8AC3E}">
-        <p14:creationId xmlns:p14="http://schemas.microsoft.com/office/powerpoint/2010/main" val="1022637675"/>
+        <p14:creationId xmlns:p14="http://schemas.microsoft.com/office/powerpoint/2010/main" val="1966528652"/>
       </p:ext>
     </p:extLst>
   </p:cSld>
@@ -17700,7 +17637,7 @@
           <p:cNvPr id="2" name="Title 1">
             <a:extLst>
               <a:ext uri="{FF2B5EF4-FFF2-40B4-BE49-F238E27FC236}">
-                <a16:creationId xmlns:a16="http://schemas.microsoft.com/office/drawing/2014/main" id="{7AF91015-ECCE-4F52-A094-F7A97B8372AA}"/>
+                <a16:creationId xmlns:a16="http://schemas.microsoft.com/office/drawing/2014/main" id="{C950FB13-62AB-4FE7-A1E1-3579C5B2DC9E}"/>
               </a:ext>
             </a:extLst>
           </p:cNvPr>
@@ -17717,135 +17654,236 @@
           <a:lstStyle/>
           <a:p>
             <a:r>
-              <a:rPr lang="ru-RU" dirty="0"/>
-              <a:t>Ускорение загрузки </a:t>
-            </a:r>
-            <a:r>
-              <a:rPr lang="en-US" dirty="0"/>
-              <a:t>DLL: </a:t>
+              <a:rPr lang="en-US" dirty="0"/>
+              <a:t>Implib.so</a:t>
+            </a:r>
+          </a:p>
+        </p:txBody>
+      </p:sp>
+      <p:sp>
+        <p:nvSpPr>
+          <p:cNvPr id="3" name="Content Placeholder 2">
+            <a:extLst>
+              <a:ext uri="{FF2B5EF4-FFF2-40B4-BE49-F238E27FC236}">
+                <a16:creationId xmlns:a16="http://schemas.microsoft.com/office/drawing/2014/main" id="{B528BA41-1C17-4678-8E95-464AFB383BDC}"/>
+              </a:ext>
+            </a:extLst>
+          </p:cNvPr>
+          <p:cNvSpPr>
+            <a:spLocks noGrp="1"/>
+          </p:cNvSpPr>
+          <p:nvPr>
+            <p:ph idx="1"/>
+          </p:nvPr>
+        </p:nvSpPr>
+        <p:spPr/>
+        <p:txBody>
+          <a:bodyPr>
+            <a:normAutofit fontScale="92500" lnSpcReduction="10000"/>
+          </a:bodyPr>
+          <a:lstStyle/>
+          <a:p>
+            <a:r>
+              <a:rPr lang="ru-RU" dirty="0"/>
+              <a:t>Для заданной </a:t>
+            </a:r>
+            <a:r>
+              <a:rPr lang="en-US" dirty="0"/>
+              <a:t>DLL </a:t>
+            </a:r>
+            <a:r>
+              <a:rPr lang="ru-RU" dirty="0"/>
+              <a:t>генерирует статическую библиотеку </a:t>
+            </a:r>
+            <a:r>
+              <a:rPr lang="en-US" dirty="0"/>
+              <a:t>c </a:t>
+            </a:r>
+            <a:r>
+              <a:rPr lang="ru-RU" dirty="0"/>
+              <a:t>функциями-заглушками (</a:t>
+            </a:r>
+            <a:r>
+              <a:rPr lang="en-US" dirty="0"/>
+              <a:t>trampolines)</a:t>
+            </a:r>
+          </a:p>
+          <a:p>
+            <a:r>
+              <a:rPr lang="ru-RU" dirty="0"/>
+              <a:t>Вместо </a:t>
+            </a:r>
+            <a:r>
+              <a:rPr lang="en-US" dirty="0"/>
+              <a:t>DLL </a:t>
+            </a:r>
+            <a:r>
+              <a:rPr lang="ru-RU" dirty="0"/>
+              <a:t>программа линкуется с этой статической библиотекой</a:t>
+            </a:r>
+          </a:p>
+          <a:p>
+            <a:r>
+              <a:rPr lang="ru-RU" dirty="0"/>
+              <a:t>Во время работы вызов функции-заглушки приведёт к загрузке библиотеки</a:t>
+            </a:r>
+            <a:r>
+              <a:rPr lang="en-US" dirty="0"/>
+              <a:t> </a:t>
+            </a:r>
+            <a:r>
+              <a:rPr lang="ru-RU" dirty="0"/>
+              <a:t>и передаче управления в неё</a:t>
+            </a:r>
+            <a:endParaRPr lang="en-US" dirty="0"/>
+          </a:p>
+          <a:p>
+            <a:r>
+              <a:rPr lang="ru-RU" dirty="0"/>
+              <a:t>Пример использования</a:t>
+            </a:r>
+            <a:r>
+              <a:rPr lang="en-US" dirty="0"/>
+              <a:t>:</a:t>
+            </a:r>
+          </a:p>
+          <a:p>
+            <a:pPr marL="457200" lvl="1" indent="0">
+              <a:buNone/>
+            </a:pPr>
+            <a:r>
+              <a:rPr lang="en-US" dirty="0">
+                <a:latin typeface="Courier New" panose="02070309020205020404" pitchFamily="49" charset="0"/>
+                <a:cs typeface="Courier New" panose="02070309020205020404" pitchFamily="49" charset="0"/>
+              </a:rPr>
+              <a:t>$ implib-gen.py libxyz.so</a:t>
+            </a:r>
+          </a:p>
+          <a:p>
+            <a:pPr marL="457200" lvl="1" indent="0">
+              <a:buNone/>
+            </a:pPr>
+            <a:r>
+              <a:rPr lang="en-US" dirty="0">
+                <a:latin typeface="Courier New" panose="02070309020205020404" pitchFamily="49" charset="0"/>
+                <a:cs typeface="Courier New" panose="02070309020205020404" pitchFamily="49" charset="0"/>
+              </a:rPr>
+              <a:t>$ </a:t>
+            </a:r>
+            <a:r>
+              <a:rPr lang="en-US" dirty="0" err="1">
+                <a:latin typeface="Courier New" panose="02070309020205020404" pitchFamily="49" charset="0"/>
+                <a:cs typeface="Courier New" panose="02070309020205020404" pitchFamily="49" charset="0"/>
+              </a:rPr>
+              <a:t>gcc</a:t>
+            </a:r>
+            <a:r>
+              <a:rPr lang="en-US" dirty="0">
+                <a:latin typeface="Courier New" panose="02070309020205020404" pitchFamily="49" charset="0"/>
+                <a:cs typeface="Courier New" panose="02070309020205020404" pitchFamily="49" charset="0"/>
+              </a:rPr>
+              <a:t> </a:t>
+            </a:r>
+            <a:r>
+              <a:rPr lang="en-US" dirty="0" err="1">
+                <a:latin typeface="Courier New" panose="02070309020205020404" pitchFamily="49" charset="0"/>
+                <a:cs typeface="Courier New" panose="02070309020205020404" pitchFamily="49" charset="0"/>
+              </a:rPr>
+              <a:t>myprog.c</a:t>
+            </a:r>
+            <a:r>
+              <a:rPr lang="en-US" dirty="0">
+                <a:latin typeface="Courier New" panose="02070309020205020404" pitchFamily="49" charset="0"/>
+                <a:cs typeface="Courier New" panose="02070309020205020404" pitchFamily="49" charset="0"/>
+              </a:rPr>
+              <a:t> </a:t>
+            </a:r>
+            <a:r>
+              <a:rPr lang="en-US" dirty="0" err="1">
+                <a:latin typeface="Courier New" panose="02070309020205020404" pitchFamily="49" charset="0"/>
+                <a:cs typeface="Courier New" panose="02070309020205020404" pitchFamily="49" charset="0"/>
+              </a:rPr>
+              <a:t>libxyz.so.tramp.S</a:t>
+            </a:r>
+            <a:r>
+              <a:rPr lang="en-US" dirty="0">
+                <a:latin typeface="Courier New" panose="02070309020205020404" pitchFamily="49" charset="0"/>
+                <a:cs typeface="Courier New" panose="02070309020205020404" pitchFamily="49" charset="0"/>
+              </a:rPr>
+              <a:t> </a:t>
+            </a:r>
+            <a:r>
+              <a:rPr lang="en-US" dirty="0" err="1">
+                <a:latin typeface="Courier New" panose="02070309020205020404" pitchFamily="49" charset="0"/>
+                <a:cs typeface="Courier New" panose="02070309020205020404" pitchFamily="49" charset="0"/>
+              </a:rPr>
+              <a:t>libxyz.so.init.c</a:t>
+            </a:r>
+            <a:r>
+              <a:rPr lang="en-US" dirty="0">
+                <a:latin typeface="Courier New" panose="02070309020205020404" pitchFamily="49" charset="0"/>
+                <a:cs typeface="Courier New" panose="02070309020205020404" pitchFamily="49" charset="0"/>
+              </a:rPr>
+              <a:t> -</a:t>
+            </a:r>
+            <a:r>
+              <a:rPr lang="en-US" dirty="0" err="1">
+                <a:latin typeface="Courier New" panose="02070309020205020404" pitchFamily="49" charset="0"/>
+                <a:cs typeface="Courier New" panose="02070309020205020404" pitchFamily="49" charset="0"/>
+              </a:rPr>
+              <a:t>ldl</a:t>
+            </a:r>
+            <a:endParaRPr lang="en-US" dirty="0">
+              <a:latin typeface="Courier New" panose="02070309020205020404" pitchFamily="49" charset="0"/>
+              <a:cs typeface="Courier New" panose="02070309020205020404" pitchFamily="49" charset="0"/>
+            </a:endParaRPr>
+          </a:p>
+          <a:p>
+            <a:r>
+              <a:rPr lang="ru-RU" dirty="0"/>
+              <a:t>Реализована с помощью </a:t>
+            </a:r>
+            <a:r>
+              <a:rPr lang="en-US" dirty="0"/>
+              <a:t>API </a:t>
+            </a:r>
+            <a:r>
+              <a:rPr lang="ru-RU" dirty="0"/>
+              <a:t>динамической загрузки (</a:t>
             </a:r>
             <a:r>
               <a:rPr lang="en-US" dirty="0" err="1"/>
-              <a:t>prelinking</a:t>
-            </a:r>
-            <a:endParaRPr lang="en-US" dirty="0"/>
-          </a:p>
-        </p:txBody>
-      </p:sp>
-      <p:sp>
-        <p:nvSpPr>
-          <p:cNvPr id="3" name="Content Placeholder 2">
-            <a:extLst>
-              <a:ext uri="{FF2B5EF4-FFF2-40B4-BE49-F238E27FC236}">
-                <a16:creationId xmlns:a16="http://schemas.microsoft.com/office/drawing/2014/main" id="{2BD8BCD0-2D76-422B-99E3-FFE3CED6CBCC}"/>
-              </a:ext>
-            </a:extLst>
-          </p:cNvPr>
-          <p:cNvSpPr>
-            <a:spLocks noGrp="1"/>
-          </p:cNvSpPr>
-          <p:nvPr>
-            <p:ph idx="1"/>
-          </p:nvPr>
-        </p:nvSpPr>
-        <p:spPr>
-          <a:xfrm>
-            <a:off x="838200" y="1825624"/>
-            <a:ext cx="10885714" cy="4792889"/>
-          </a:xfrm>
-        </p:spPr>
-        <p:txBody>
-          <a:bodyPr>
-            <a:normAutofit/>
-          </a:bodyPr>
-          <a:lstStyle/>
-          <a:p>
-            <a:r>
-              <a:rPr lang="ru-RU" dirty="0"/>
-              <a:t>Релокацию можно ускорить если зафиксировать адрес загрузки </a:t>
-            </a:r>
-            <a:r>
-              <a:rPr lang="en-US" dirty="0"/>
-              <a:t>DLL </a:t>
-            </a:r>
-            <a:r>
-              <a:rPr lang="ru-RU" dirty="0"/>
-              <a:t>и пре-релоцировать библиотеку на этапе линковки</a:t>
-            </a:r>
-            <a:endParaRPr lang="en-US" dirty="0"/>
-          </a:p>
-          <a:p>
-            <a:pPr lvl="1"/>
-            <a:r>
-              <a:rPr lang="ru-RU" dirty="0"/>
-              <a:t>Просканировать все установленные программы и библиотеки</a:t>
-            </a:r>
-            <a:endParaRPr lang="en-US" dirty="0"/>
-          </a:p>
-          <a:p>
-            <a:pPr lvl="1"/>
-            <a:r>
-              <a:rPr lang="ru-RU" dirty="0"/>
-              <a:t>Статически распределить адресное пространство между всеми библиотеками</a:t>
-            </a:r>
-          </a:p>
-          <a:p>
-            <a:r>
-              <a:rPr lang="ru-RU" dirty="0"/>
-              <a:t>После этого адреса всех символов можно предварительно разрешить исходя из адреса загрузки</a:t>
-            </a:r>
-            <a:endParaRPr lang="en-US" dirty="0"/>
-          </a:p>
-          <a:p>
-            <a:r>
-              <a:rPr lang="ru-RU" dirty="0"/>
-              <a:t>Решение</a:t>
-            </a:r>
-            <a:r>
-              <a:rPr lang="en-US" dirty="0"/>
-              <a:t> </a:t>
-            </a:r>
-            <a:r>
-              <a:rPr lang="ru-RU" dirty="0"/>
-              <a:t>для </a:t>
-            </a:r>
-            <a:r>
-              <a:rPr lang="en-US" dirty="0"/>
-              <a:t>Windows: preferred load address (</a:t>
-            </a:r>
-            <a:r>
-              <a:rPr lang="ru-RU" dirty="0"/>
-              <a:t>параметр </a:t>
-            </a:r>
-            <a:r>
-              <a:rPr lang="en-US" dirty="0"/>
-              <a:t>/BASE) + DLL binding</a:t>
-            </a:r>
-          </a:p>
-          <a:p>
-            <a:r>
-              <a:rPr lang="ru-RU" dirty="0"/>
-              <a:t>Решение для </a:t>
-            </a:r>
-            <a:r>
-              <a:rPr lang="en-US" dirty="0"/>
-              <a:t>Linux: </a:t>
+              <a:t>dlopen</a:t>
+            </a:r>
+            <a:r>
+              <a:rPr lang="en-US" dirty="0"/>
+              <a:t>, </a:t>
             </a:r>
             <a:r>
               <a:rPr lang="en-US" dirty="0" err="1"/>
-              <a:t>Prelink</a:t>
-            </a:r>
-            <a:endParaRPr lang="ru-RU" dirty="0"/>
-          </a:p>
-          <a:p>
-            <a:endParaRPr lang="en-US" dirty="0"/>
+              <a:t>dlsym</a:t>
+            </a:r>
+            <a:r>
+              <a:rPr lang="en-US" dirty="0"/>
+              <a:t>)</a:t>
+            </a:r>
+          </a:p>
+          <a:p>
+            <a:r>
+              <a:rPr lang="ru-RU" dirty="0"/>
+              <a:t>Поддерживает большое количество платформ (</a:t>
+            </a:r>
+            <a:r>
+              <a:rPr lang="en-US" dirty="0"/>
+              <a:t>x86, ARM, AArch64, MIPS, e2k, etc.)</a:t>
+            </a:r>
           </a:p>
         </p:txBody>
       </p:sp>
     </p:spTree>
     <p:extLst>
       <p:ext uri="{BB962C8B-B14F-4D97-AF65-F5344CB8AC3E}">
-        <p14:creationId xmlns:p14="http://schemas.microsoft.com/office/powerpoint/2010/main" val="3216698986"/>
+        <p14:creationId xmlns:p14="http://schemas.microsoft.com/office/powerpoint/2010/main" val="2978459452"/>
       </p:ext>
     </p:extLst>
   </p:cSld>
@@ -17877,7 +17915,7 @@
           <p:cNvPr id="2" name="Title 1">
             <a:extLst>
               <a:ext uri="{FF2B5EF4-FFF2-40B4-BE49-F238E27FC236}">
-                <a16:creationId xmlns:a16="http://schemas.microsoft.com/office/drawing/2014/main" id="{7AF91015-ECCE-4F52-A094-F7A97B8372AA}"/>
+                <a16:creationId xmlns:a16="http://schemas.microsoft.com/office/drawing/2014/main" id="{0A95A14D-8CF8-471B-AF3D-26999D8951D8}"/>
               </a:ext>
             </a:extLst>
           </p:cNvPr>
@@ -17895,51 +17933,86 @@
           <a:p>
             <a:r>
               <a:rPr lang="ru-RU" dirty="0"/>
-              <a:t>Ускорение загрузки </a:t>
-            </a:r>
-            <a:r>
-              <a:rPr lang="en-US" dirty="0"/>
-              <a:t>DLL: </a:t>
-            </a:r>
-            <a:r>
-              <a:rPr lang="en-US" dirty="0" err="1"/>
-              <a:t>prelinking</a:t>
+              <a:t>Накладные расходы</a:t>
+            </a:r>
+            <a:r>
+              <a:rPr lang="en-US" dirty="0"/>
+              <a:t> </a:t>
+            </a:r>
+            <a:r>
+              <a:rPr lang="ru-RU" dirty="0"/>
+              <a:t>при использовании </a:t>
+            </a:r>
+            <a:r>
+              <a:rPr lang="en-US" dirty="0"/>
+              <a:t>DLL</a:t>
+            </a:r>
+          </a:p>
+        </p:txBody>
+      </p:sp>
+      <p:sp>
+        <p:nvSpPr>
+          <p:cNvPr id="3" name="Content Placeholder 2">
+            <a:extLst>
+              <a:ext uri="{FF2B5EF4-FFF2-40B4-BE49-F238E27FC236}">
+                <a16:creationId xmlns:a16="http://schemas.microsoft.com/office/drawing/2014/main" id="{5B49B649-A403-4066-8731-42F55BC6F396}"/>
+              </a:ext>
+            </a:extLst>
+          </p:cNvPr>
+          <p:cNvSpPr>
+            <a:spLocks noGrp="1"/>
+          </p:cNvSpPr>
+          <p:nvPr>
+            <p:ph idx="1"/>
+          </p:nvPr>
+        </p:nvSpPr>
+        <p:spPr/>
+        <p:txBody>
+          <a:bodyPr/>
+          <a:lstStyle/>
+          <a:p>
+            <a:r>
+              <a:rPr lang="ru-RU" dirty="0"/>
+              <a:t>Загрузка</a:t>
+            </a:r>
+            <a:r>
+              <a:rPr lang="en-US" dirty="0"/>
+              <a:t> </a:t>
+            </a:r>
+            <a:r>
+              <a:rPr lang="ru-RU" dirty="0"/>
+              <a:t>библиотеки</a:t>
             </a:r>
             <a:endParaRPr lang="en-US" dirty="0"/>
           </a:p>
-        </p:txBody>
-      </p:sp>
-      <p:sp>
-        <p:nvSpPr>
-          <p:cNvPr id="3" name="Content Placeholder 2">
-            <a:extLst>
-              <a:ext uri="{FF2B5EF4-FFF2-40B4-BE49-F238E27FC236}">
-                <a16:creationId xmlns:a16="http://schemas.microsoft.com/office/drawing/2014/main" id="{2BD8BCD0-2D76-422B-99E3-FFE3CED6CBCC}"/>
-              </a:ext>
-            </a:extLst>
-          </p:cNvPr>
-          <p:cNvSpPr>
-            <a:spLocks noGrp="1"/>
-          </p:cNvSpPr>
-          <p:nvPr>
-            <p:ph idx="1"/>
-          </p:nvPr>
-        </p:nvSpPr>
-        <p:spPr>
-          <a:xfrm>
-            <a:off x="838200" y="1825624"/>
-            <a:ext cx="10885714" cy="4792889"/>
-          </a:xfrm>
-        </p:spPr>
-        <p:txBody>
-          <a:bodyPr>
-            <a:normAutofit/>
-          </a:bodyPr>
-          <a:lstStyle/>
-          <a:p>
-            <a:r>
-              <a:rPr lang="ru-RU" dirty="0"/>
-              <a:t>Оптимизация нерелевантна из-за современных требований к безопасности</a:t>
+          <a:p>
+            <a:pPr lvl="1"/>
+            <a:r>
+              <a:rPr lang="ru-RU" b="1" dirty="0"/>
+              <a:t>Релокация кода</a:t>
+            </a:r>
+            <a:endParaRPr lang="en-US" b="1" dirty="0"/>
+          </a:p>
+          <a:p>
+            <a:pPr lvl="1"/>
+            <a:r>
+              <a:rPr lang="ru-RU" dirty="0"/>
+              <a:t>Разрешение и </a:t>
+            </a:r>
+            <a:r>
+              <a:rPr lang="en-US" dirty="0"/>
+              <a:t>c</a:t>
+            </a:r>
+            <a:r>
+              <a:rPr lang="ru-RU" dirty="0"/>
+              <a:t>вязывание символов</a:t>
+            </a:r>
+            <a:endParaRPr lang="en-US" dirty="0"/>
+          </a:p>
+          <a:p>
+            <a:r>
+              <a:rPr lang="ru-RU" dirty="0"/>
+              <a:t>Работа с библиотекой</a:t>
             </a:r>
             <a:r>
               <a:rPr lang="en-US" dirty="0"/>
@@ -17950,63 +18023,32 @@
             <a:pPr lvl="1"/>
             <a:r>
               <a:rPr lang="ru-RU" dirty="0"/>
-              <a:t>Механизм </a:t>
-            </a:r>
-            <a:r>
-              <a:rPr lang="en-US" dirty="0"/>
-              <a:t>ASLR</a:t>
-            </a:r>
-            <a:r>
-              <a:rPr lang="ru-RU" dirty="0"/>
-              <a:t> требует загружать </a:t>
-            </a:r>
-            <a:r>
-              <a:rPr lang="en-US" dirty="0"/>
-              <a:t>DLL </a:t>
-            </a:r>
-            <a:r>
-              <a:rPr lang="ru-RU" dirty="0"/>
-              <a:t>по случайным адресам (для усложнения подбора адресов хакерами)</a:t>
+              <a:t>Косвенные вызовы (</a:t>
+            </a:r>
+            <a:r>
+              <a:rPr lang="en-US" dirty="0"/>
+              <a:t>indirect calls) </a:t>
+            </a:r>
+            <a:r>
+              <a:rPr lang="ru-RU" dirty="0"/>
+              <a:t>функций</a:t>
+            </a:r>
+            <a:r>
+              <a:rPr lang="en-US" dirty="0"/>
+              <a:t> </a:t>
+            </a:r>
+            <a:r>
+              <a:rPr lang="ru-RU" dirty="0"/>
+              <a:t>в рантайме</a:t>
             </a:r>
             <a:endParaRPr lang="en-US" dirty="0"/>
-          </a:p>
-          <a:p>
-            <a:pPr lvl="1"/>
-            <a:r>
-              <a:rPr lang="en-US" dirty="0"/>
-              <a:t>/DYNAMICBASE </a:t>
-            </a:r>
-            <a:r>
-              <a:rPr lang="ru-RU" dirty="0"/>
-              <a:t>включен по умолчанию в новых версиях </a:t>
-            </a:r>
-            <a:r>
-              <a:rPr lang="en-US" dirty="0"/>
-              <a:t>Windows, -</a:t>
-            </a:r>
-            <a:r>
-              <a:rPr lang="en-US" dirty="0" err="1"/>
-              <a:t>fPIE</a:t>
-            </a:r>
-            <a:r>
-              <a:rPr lang="en-US" dirty="0"/>
-              <a:t> </a:t>
-            </a:r>
-            <a:r>
-              <a:rPr lang="ru-RU" dirty="0"/>
-              <a:t>в дистрибутивах </a:t>
-            </a:r>
-            <a:r>
-              <a:rPr lang="en-US" dirty="0"/>
-              <a:t>Linux</a:t>
-            </a:r>
           </a:p>
         </p:txBody>
       </p:sp>
     </p:spTree>
     <p:extLst>
       <p:ext uri="{BB962C8B-B14F-4D97-AF65-F5344CB8AC3E}">
-        <p14:creationId xmlns:p14="http://schemas.microsoft.com/office/powerpoint/2010/main" val="3621633948"/>
+        <p14:creationId xmlns:p14="http://schemas.microsoft.com/office/powerpoint/2010/main" val="1022637675"/>
       </p:ext>
     </p:extLst>
   </p:cSld>
@@ -18038,7 +18080,7 @@
           <p:cNvPr id="2" name="Title 1">
             <a:extLst>
               <a:ext uri="{FF2B5EF4-FFF2-40B4-BE49-F238E27FC236}">
-                <a16:creationId xmlns:a16="http://schemas.microsoft.com/office/drawing/2014/main" id="{0A95A14D-8CF8-471B-AF3D-26999D8951D8}"/>
+                <a16:creationId xmlns:a16="http://schemas.microsoft.com/office/drawing/2014/main" id="{7AF91015-ECCE-4F52-A094-F7A97B8372AA}"/>
               </a:ext>
             </a:extLst>
           </p:cNvPr>
@@ -18056,7 +18098,88 @@
           <a:p>
             <a:r>
               <a:rPr lang="ru-RU" dirty="0"/>
-              <a:t>Накладные расходы</a:t>
+              <a:t>Ускорение загрузки </a:t>
+            </a:r>
+            <a:r>
+              <a:rPr lang="en-US" dirty="0"/>
+              <a:t>DLL: </a:t>
+            </a:r>
+            <a:r>
+              <a:rPr lang="en-US" dirty="0" err="1"/>
+              <a:t>prelinking</a:t>
+            </a:r>
+            <a:endParaRPr lang="en-US" dirty="0"/>
+          </a:p>
+        </p:txBody>
+      </p:sp>
+      <p:sp>
+        <p:nvSpPr>
+          <p:cNvPr id="3" name="Content Placeholder 2">
+            <a:extLst>
+              <a:ext uri="{FF2B5EF4-FFF2-40B4-BE49-F238E27FC236}">
+                <a16:creationId xmlns:a16="http://schemas.microsoft.com/office/drawing/2014/main" id="{2BD8BCD0-2D76-422B-99E3-FFE3CED6CBCC}"/>
+              </a:ext>
+            </a:extLst>
+          </p:cNvPr>
+          <p:cNvSpPr>
+            <a:spLocks noGrp="1"/>
+          </p:cNvSpPr>
+          <p:nvPr>
+            <p:ph idx="1"/>
+          </p:nvPr>
+        </p:nvSpPr>
+        <p:spPr>
+          <a:xfrm>
+            <a:off x="838200" y="1825624"/>
+            <a:ext cx="10885714" cy="4792889"/>
+          </a:xfrm>
+        </p:spPr>
+        <p:txBody>
+          <a:bodyPr>
+            <a:normAutofit/>
+          </a:bodyPr>
+          <a:lstStyle/>
+          <a:p>
+            <a:r>
+              <a:rPr lang="ru-RU" dirty="0"/>
+              <a:t>Релокацию можно ускорить если зафиксировать адрес загрузки </a:t>
+            </a:r>
+            <a:r>
+              <a:rPr lang="en-US" dirty="0"/>
+              <a:t>DLL </a:t>
+            </a:r>
+            <a:r>
+              <a:rPr lang="ru-RU" dirty="0"/>
+              <a:t>и пре-релоцировать библиотеку на этапе линковки</a:t>
+            </a:r>
+            <a:endParaRPr lang="en-US" dirty="0"/>
+          </a:p>
+          <a:p>
+            <a:pPr lvl="1"/>
+            <a:r>
+              <a:rPr lang="ru-RU" dirty="0"/>
+              <a:t>Просканировать все установленные программы и библиотеки</a:t>
+            </a:r>
+            <a:endParaRPr lang="en-US" dirty="0"/>
+          </a:p>
+          <a:p>
+            <a:pPr lvl="1"/>
+            <a:r>
+              <a:rPr lang="ru-RU" dirty="0"/>
+              <a:t>Статически распределить адресное пространство между всеми библиотеками</a:t>
+            </a:r>
+          </a:p>
+          <a:p>
+            <a:r>
+              <a:rPr lang="ru-RU" dirty="0"/>
+              <a:t>После этого адреса всех символов можно предварительно разрешить исходя из адреса загрузки</a:t>
+            </a:r>
+            <a:endParaRPr lang="en-US" dirty="0"/>
+          </a:p>
+          <a:p>
+            <a:r>
+              <a:rPr lang="ru-RU" dirty="0"/>
+              <a:t>Решение</a:t>
             </a:r>
             <a:r>
               <a:rPr lang="en-US" dirty="0"/>
@@ -18064,106 +18187,37 @@
             </a:r>
             <a:r>
               <a:rPr lang="ru-RU" dirty="0"/>
-              <a:t>при использовании </a:t>
-            </a:r>
-            <a:r>
-              <a:rPr lang="en-US" dirty="0"/>
-              <a:t>DLL</a:t>
-            </a:r>
-          </a:p>
-        </p:txBody>
-      </p:sp>
-      <p:sp>
-        <p:nvSpPr>
-          <p:cNvPr id="3" name="Content Placeholder 2">
-            <a:extLst>
-              <a:ext uri="{FF2B5EF4-FFF2-40B4-BE49-F238E27FC236}">
-                <a16:creationId xmlns:a16="http://schemas.microsoft.com/office/drawing/2014/main" id="{5B49B649-A403-4066-8731-42F55BC6F396}"/>
-              </a:ext>
-            </a:extLst>
-          </p:cNvPr>
-          <p:cNvSpPr>
-            <a:spLocks noGrp="1"/>
-          </p:cNvSpPr>
-          <p:nvPr>
-            <p:ph idx="1"/>
-          </p:nvPr>
-        </p:nvSpPr>
-        <p:spPr/>
-        <p:txBody>
-          <a:bodyPr/>
-          <a:lstStyle/>
-          <a:p>
-            <a:r>
-              <a:rPr lang="ru-RU" dirty="0"/>
-              <a:t>Загрузка</a:t>
-            </a:r>
-            <a:r>
-              <a:rPr lang="en-US" dirty="0"/>
-              <a:t> </a:t>
-            </a:r>
-            <a:r>
-              <a:rPr lang="ru-RU" dirty="0"/>
-              <a:t>библиотеки</a:t>
-            </a:r>
-            <a:endParaRPr lang="en-US" dirty="0"/>
-          </a:p>
-          <a:p>
-            <a:pPr lvl="1"/>
-            <a:r>
-              <a:rPr lang="ru-RU" dirty="0"/>
-              <a:t>Релокация кода</a:t>
-            </a:r>
-            <a:endParaRPr lang="en-US" dirty="0"/>
-          </a:p>
-          <a:p>
-            <a:pPr lvl="1"/>
-            <a:r>
-              <a:rPr lang="ru-RU" b="1" dirty="0"/>
-              <a:t>Разрешение и </a:t>
-            </a:r>
-            <a:r>
-              <a:rPr lang="en-US" b="1" dirty="0"/>
-              <a:t>c</a:t>
-            </a:r>
-            <a:r>
-              <a:rPr lang="ru-RU" b="1" dirty="0"/>
-              <a:t>вязывание символов</a:t>
-            </a:r>
-            <a:endParaRPr lang="en-US" b="1" dirty="0"/>
-          </a:p>
-          <a:p>
-            <a:r>
-              <a:rPr lang="ru-RU" dirty="0"/>
-              <a:t>Работа с библиотекой</a:t>
-            </a:r>
-            <a:r>
-              <a:rPr lang="en-US" dirty="0"/>
-              <a:t>:</a:t>
-            </a:r>
-          </a:p>
-          <a:p>
-            <a:pPr lvl="1"/>
-            <a:r>
-              <a:rPr lang="ru-RU" dirty="0"/>
-              <a:t>Косвенные вызовы (</a:t>
-            </a:r>
-            <a:r>
-              <a:rPr lang="en-US" dirty="0"/>
-              <a:t>indirect calls) </a:t>
-            </a:r>
-            <a:r>
-              <a:rPr lang="ru-RU" dirty="0"/>
-              <a:t>функций</a:t>
-            </a:r>
-            <a:r>
-              <a:rPr lang="en-US" dirty="0"/>
-              <a:t> </a:t>
-            </a:r>
-            <a:r>
-              <a:rPr lang="ru-RU" dirty="0"/>
-              <a:t>в рантайме</a:t>
-            </a:r>
+              <a:t>для </a:t>
+            </a:r>
+            <a:r>
+              <a:rPr lang="en-US" dirty="0"/>
+              <a:t>Windows: preferred load address (</a:t>
+            </a:r>
+            <a:r>
+              <a:rPr lang="ru-RU" dirty="0"/>
+              <a:t>параметр </a:t>
+            </a:r>
+            <a:r>
+              <a:rPr lang="en-US" dirty="0"/>
+              <a:t>/BASE) + DLL binding</a:t>
+            </a:r>
+          </a:p>
+          <a:p>
+            <a:r>
+              <a:rPr lang="ru-RU" dirty="0"/>
+              <a:t>Решение для </a:t>
+            </a:r>
+            <a:r>
+              <a:rPr lang="en-US" dirty="0"/>
+              <a:t>Linux: </a:t>
+            </a:r>
+            <a:r>
+              <a:rPr lang="en-US" dirty="0" err="1"/>
+              <a:t>Prelink</a:t>
+            </a:r>
+            <a:endParaRPr lang="ru-RU" dirty="0"/>
+          </a:p>
+          <a:p>
             <a:endParaRPr lang="en-US" dirty="0"/>
           </a:p>
         </p:txBody>
@@ -18171,7 +18225,7 @@
     </p:spTree>
     <p:extLst>
       <p:ext uri="{BB962C8B-B14F-4D97-AF65-F5344CB8AC3E}">
-        <p14:creationId xmlns:p14="http://schemas.microsoft.com/office/powerpoint/2010/main" val="2436921369"/>
+        <p14:creationId xmlns:p14="http://schemas.microsoft.com/office/powerpoint/2010/main" val="3216698986"/>
       </p:ext>
     </p:extLst>
   </p:cSld>
@@ -18203,7 +18257,7 @@
           <p:cNvPr id="2" name="Title 1">
             <a:extLst>
               <a:ext uri="{FF2B5EF4-FFF2-40B4-BE49-F238E27FC236}">
-                <a16:creationId xmlns:a16="http://schemas.microsoft.com/office/drawing/2014/main" id="{CC798AB3-1D15-4521-A8DE-3E17788A428F}"/>
+                <a16:creationId xmlns:a16="http://schemas.microsoft.com/office/drawing/2014/main" id="{7AF91015-ECCE-4F52-A094-F7A97B8372AA}"/>
               </a:ext>
             </a:extLst>
           </p:cNvPr>
@@ -18221,15 +18275,15 @@
           <a:p>
             <a:r>
               <a:rPr lang="ru-RU" dirty="0"/>
-              <a:t>Ускорение работы </a:t>
+              <a:t>Ускорение загрузки </a:t>
             </a:r>
             <a:r>
               <a:rPr lang="en-US" dirty="0"/>
               <a:t>DLL: </a:t>
             </a:r>
             <a:r>
-              <a:rPr lang="ru-RU" dirty="0"/>
-              <a:t>оптимизация таблиц символов</a:t>
+              <a:rPr lang="en-US" dirty="0" err="1"/>
+              <a:t>prelinking</a:t>
             </a:r>
             <a:endParaRPr lang="en-US" dirty="0"/>
           </a:p>
@@ -18240,7 +18294,7 @@
           <p:cNvPr id="3" name="Content Placeholder 2">
             <a:extLst>
               <a:ext uri="{FF2B5EF4-FFF2-40B4-BE49-F238E27FC236}">
-                <a16:creationId xmlns:a16="http://schemas.microsoft.com/office/drawing/2014/main" id="{0CFC98EF-8A0E-4555-8157-8ACA61A524AE}"/>
+                <a16:creationId xmlns:a16="http://schemas.microsoft.com/office/drawing/2014/main" id="{2BD8BCD0-2D76-422B-99E3-FFE3CED6CBCC}"/>
               </a:ext>
             </a:extLst>
           </p:cNvPr>
@@ -18251,24 +18305,68 @@
             <p:ph idx="1"/>
           </p:nvPr>
         </p:nvSpPr>
-        <p:spPr/>
+        <p:spPr>
+          <a:xfrm>
+            <a:off x="838200" y="1825624"/>
+            <a:ext cx="10885714" cy="4792889"/>
+          </a:xfrm>
+        </p:spPr>
         <p:txBody>
           <a:bodyPr>
-            <a:normAutofit lnSpcReduction="10000"/>
+            <a:normAutofit/>
           </a:bodyPr>
           <a:lstStyle/>
           <a:p>
             <a:r>
               <a:rPr lang="ru-RU" dirty="0"/>
-              <a:t>Поиск символов в </a:t>
-            </a:r>
-            <a:r>
-              <a:rPr lang="en-US" dirty="0"/>
-              <a:t>Linux </a:t>
-            </a:r>
-            <a:r>
-              <a:rPr lang="ru-RU" dirty="0"/>
-              <a:t>осуществляется по хэштаблицам, хранящимся в файлах</a:t>
+              <a:t>Оптимизация нерелевантна из-за современных требований к безопасности</a:t>
+            </a:r>
+            <a:r>
+              <a:rPr lang="en-US" dirty="0"/>
+              <a:t>:</a:t>
+            </a:r>
+          </a:p>
+          <a:p>
+            <a:pPr lvl="1"/>
+            <a:r>
+              <a:rPr lang="ru-RU" dirty="0"/>
+              <a:t>Механизм </a:t>
+            </a:r>
+            <a:r>
+              <a:rPr lang="en-US" dirty="0"/>
+              <a:t>ASLR</a:t>
+            </a:r>
+            <a:r>
+              <a:rPr lang="ru-RU" dirty="0"/>
+              <a:t> требует загружать </a:t>
+            </a:r>
+            <a:r>
+              <a:rPr lang="en-US" dirty="0"/>
+              <a:t>DLL </a:t>
+            </a:r>
+            <a:r>
+              <a:rPr lang="ru-RU" dirty="0"/>
+              <a:t>по случайным адресам (для усложнения подбора адресов хакерами)</a:t>
+            </a:r>
+            <a:endParaRPr lang="en-US" dirty="0"/>
+          </a:p>
+          <a:p>
+            <a:pPr lvl="1"/>
+            <a:r>
+              <a:rPr lang="en-US" dirty="0"/>
+              <a:t>/DYNAMICBASE </a:t>
+            </a:r>
+            <a:r>
+              <a:rPr lang="ru-RU" dirty="0"/>
+              <a:t>включен по умолчанию в новых версиях </a:t>
+            </a:r>
+            <a:r>
+              <a:rPr lang="en-US" dirty="0"/>
+              <a:t>Windows, -</a:t>
+            </a:r>
+            <a:r>
+              <a:rPr lang="en-US" dirty="0" err="1"/>
+              <a:t>fPIE</a:t>
             </a:r>
             <a:r>
               <a:rPr lang="en-US" dirty="0"/>
@@ -18276,77 +18374,19 @@
             </a:r>
             <a:r>
               <a:rPr lang="ru-RU" dirty="0"/>
-              <a:t>динамических библиотек</a:t>
-            </a:r>
-          </a:p>
-          <a:p>
-            <a:r>
-              <a:rPr lang="ru-RU" dirty="0"/>
-              <a:t>Линкеры позволяют гибко управлять размером и форматом этих хэштаблиц</a:t>
-            </a:r>
-            <a:endParaRPr lang="en-US" dirty="0"/>
-          </a:p>
-          <a:p>
-            <a:r>
-              <a:rPr lang="ru-RU" dirty="0"/>
-              <a:t>Обычно рекомендуемая конфигурация опций</a:t>
-            </a:r>
-            <a:r>
-              <a:rPr lang="en-US" dirty="0"/>
-              <a:t>:</a:t>
-            </a:r>
-          </a:p>
-          <a:p>
-            <a:pPr lvl="1"/>
-            <a:r>
-              <a:rPr lang="en-US" dirty="0"/>
-              <a:t>-</a:t>
-            </a:r>
-            <a:r>
-              <a:rPr lang="en-US" dirty="0" err="1"/>
-              <a:t>Wl</a:t>
-            </a:r>
-            <a:r>
-              <a:rPr lang="en-US" dirty="0"/>
-              <a:t>,--hash-style=both -Wl,-O1</a:t>
-            </a:r>
-          </a:p>
-          <a:p>
-            <a:r>
-              <a:rPr lang="en-US" dirty="0"/>
-              <a:t>-</a:t>
-            </a:r>
-            <a:r>
-              <a:rPr lang="en-US" dirty="0" err="1"/>
-              <a:t>Wl</a:t>
-            </a:r>
-            <a:r>
-              <a:rPr lang="en-US" dirty="0"/>
-              <a:t>,--hash-style </a:t>
-            </a:r>
-            <a:r>
-              <a:rPr lang="ru-RU" dirty="0"/>
-              <a:t>уже включена по умолчанию во всех современных дистрибутивах</a:t>
-            </a:r>
-            <a:endParaRPr lang="en-US" dirty="0"/>
-          </a:p>
-          <a:p>
-            <a:r>
-              <a:rPr lang="en-US" dirty="0"/>
-              <a:t>-Wl,-O1 </a:t>
-            </a:r>
-            <a:r>
-              <a:rPr lang="ru-RU" dirty="0"/>
-              <a:t>не оказывает существенного влияния на производительность</a:t>
-            </a:r>
-            <a:endParaRPr lang="en-US" dirty="0"/>
+              <a:t>в дистрибутивах </a:t>
+            </a:r>
+            <a:r>
+              <a:rPr lang="en-US" dirty="0"/>
+              <a:t>Linux</a:t>
+            </a:r>
           </a:p>
         </p:txBody>
       </p:sp>
     </p:spTree>
     <p:extLst>
       <p:ext uri="{BB962C8B-B14F-4D97-AF65-F5344CB8AC3E}">
-        <p14:creationId xmlns:p14="http://schemas.microsoft.com/office/powerpoint/2010/main" val="3957192232"/>
+        <p14:creationId xmlns:p14="http://schemas.microsoft.com/office/powerpoint/2010/main" val="3621633948"/>
       </p:ext>
     </p:extLst>
   </p:cSld>
@@ -18378,7 +18418,7 @@
           <p:cNvPr id="2" name="Title 1">
             <a:extLst>
               <a:ext uri="{FF2B5EF4-FFF2-40B4-BE49-F238E27FC236}">
-                <a16:creationId xmlns:a16="http://schemas.microsoft.com/office/drawing/2014/main" id="{EE2B7844-B8D9-42D2-80BE-3F170C7DECBA}"/>
+                <a16:creationId xmlns:a16="http://schemas.microsoft.com/office/drawing/2014/main" id="{0A95A14D-8CF8-471B-AF3D-26999D8951D8}"/>
               </a:ext>
             </a:extLst>
           </p:cNvPr>
@@ -18396,86 +18436,105 @@
           <a:p>
             <a:r>
               <a:rPr lang="ru-RU" dirty="0"/>
-              <a:t>Ускорение работы </a:t>
-            </a:r>
-            <a:r>
-              <a:rPr lang="en-US" dirty="0"/>
-              <a:t>DLL: </a:t>
-            </a:r>
-            <a:r>
-              <a:rPr lang="ru-RU" dirty="0"/>
-              <a:t>отключение ленивого связывания</a:t>
+              <a:t>Накладные расходы</a:t>
+            </a:r>
+            <a:r>
+              <a:rPr lang="en-US" dirty="0"/>
+              <a:t> </a:t>
+            </a:r>
+            <a:r>
+              <a:rPr lang="ru-RU" dirty="0"/>
+              <a:t>при использовании </a:t>
+            </a:r>
+            <a:r>
+              <a:rPr lang="en-US" dirty="0"/>
+              <a:t>DLL</a:t>
+            </a:r>
+          </a:p>
+        </p:txBody>
+      </p:sp>
+      <p:sp>
+        <p:nvSpPr>
+          <p:cNvPr id="3" name="Content Placeholder 2">
+            <a:extLst>
+              <a:ext uri="{FF2B5EF4-FFF2-40B4-BE49-F238E27FC236}">
+                <a16:creationId xmlns:a16="http://schemas.microsoft.com/office/drawing/2014/main" id="{5B49B649-A403-4066-8731-42F55BC6F396}"/>
+              </a:ext>
+            </a:extLst>
+          </p:cNvPr>
+          <p:cNvSpPr>
+            <a:spLocks noGrp="1"/>
+          </p:cNvSpPr>
+          <p:nvPr>
+            <p:ph idx="1"/>
+          </p:nvPr>
+        </p:nvSpPr>
+        <p:spPr/>
+        <p:txBody>
+          <a:bodyPr/>
+          <a:lstStyle/>
+          <a:p>
+            <a:r>
+              <a:rPr lang="ru-RU" dirty="0"/>
+              <a:t>Загрузка</a:t>
+            </a:r>
+            <a:r>
+              <a:rPr lang="en-US" dirty="0"/>
+              <a:t> </a:t>
+            </a:r>
+            <a:r>
+              <a:rPr lang="ru-RU" dirty="0"/>
+              <a:t>библиотеки</a:t>
             </a:r>
             <a:endParaRPr lang="en-US" dirty="0"/>
           </a:p>
-        </p:txBody>
-      </p:sp>
-      <p:sp>
-        <p:nvSpPr>
-          <p:cNvPr id="3" name="Content Placeholder 2">
-            <a:extLst>
-              <a:ext uri="{FF2B5EF4-FFF2-40B4-BE49-F238E27FC236}">
-                <a16:creationId xmlns:a16="http://schemas.microsoft.com/office/drawing/2014/main" id="{0B44980E-F464-4A2A-AD5D-A16AADA1264C}"/>
-              </a:ext>
-            </a:extLst>
-          </p:cNvPr>
-          <p:cNvSpPr>
-            <a:spLocks noGrp="1"/>
-          </p:cNvSpPr>
-          <p:nvPr>
-            <p:ph idx="1"/>
-          </p:nvPr>
-        </p:nvSpPr>
-        <p:spPr>
-          <a:xfrm>
-            <a:off x="838199" y="1825625"/>
-            <a:ext cx="10842171" cy="4667250"/>
-          </a:xfrm>
-        </p:spPr>
-        <p:txBody>
-          <a:bodyPr>
-            <a:normAutofit/>
-          </a:bodyPr>
-          <a:lstStyle/>
-          <a:p>
-            <a:r>
-              <a:rPr lang="ru-RU" dirty="0"/>
-              <a:t>Ленивое связывание в </a:t>
-            </a:r>
-            <a:r>
-              <a:rPr lang="en-US" dirty="0"/>
-              <a:t>Linux </a:t>
-            </a:r>
-            <a:r>
-              <a:rPr lang="ru-RU" dirty="0"/>
-              <a:t>ускоряет начальную загрузку библиотек ценой накладных расходов в процессе работы</a:t>
-            </a:r>
-          </a:p>
-          <a:p>
-            <a:r>
-              <a:rPr lang="ru-RU" dirty="0"/>
-              <a:t>К загрузке адреса и косвенному вызову функции добавляется вызов </a:t>
-            </a:r>
-            <a:r>
-              <a:rPr lang="en-US" dirty="0"/>
-              <a:t>PLT-</a:t>
-            </a:r>
-            <a:r>
-              <a:rPr lang="ru-RU" dirty="0"/>
-              <a:t>заглушки</a:t>
-            </a:r>
-          </a:p>
           <a:p>
             <a:pPr lvl="1"/>
             <a:r>
               <a:rPr lang="ru-RU" dirty="0"/>
-              <a:t>Загрузка адреса приходится осуществлять при каждом вызове</a:t>
-            </a:r>
-          </a:p>
-          <a:p>
-            <a:r>
-              <a:rPr lang="ru-RU" dirty="0"/>
-              <a:t>Ленивая загрузка и связанные с ней накладные расходы могут быть отключены</a:t>
+              <a:t>Релокация кода</a:t>
+            </a:r>
+            <a:endParaRPr lang="en-US" dirty="0"/>
+          </a:p>
+          <a:p>
+            <a:pPr lvl="1"/>
+            <a:r>
+              <a:rPr lang="ru-RU" b="1" dirty="0"/>
+              <a:t>Разрешение и </a:t>
+            </a:r>
+            <a:r>
+              <a:rPr lang="en-US" b="1" dirty="0"/>
+              <a:t>c</a:t>
+            </a:r>
+            <a:r>
+              <a:rPr lang="ru-RU" b="1" dirty="0"/>
+              <a:t>вязывание символов</a:t>
+            </a:r>
+            <a:endParaRPr lang="en-US" b="1" dirty="0"/>
+          </a:p>
+          <a:p>
+            <a:r>
+              <a:rPr lang="ru-RU" dirty="0"/>
+              <a:t>Работа с библиотекой</a:t>
+            </a:r>
+            <a:r>
+              <a:rPr lang="en-US" dirty="0"/>
+              <a:t>:</a:t>
+            </a:r>
+          </a:p>
+          <a:p>
+            <a:pPr lvl="1"/>
+            <a:r>
+              <a:rPr lang="ru-RU" dirty="0"/>
+              <a:t>Косвенные вызовы (</a:t>
+            </a:r>
+            <a:r>
+              <a:rPr lang="en-US" dirty="0"/>
+              <a:t>indirect calls) </a:t>
+            </a:r>
+            <a:r>
+              <a:rPr lang="ru-RU" dirty="0"/>
+              <a:t>функций</a:t>
             </a:r>
             <a:r>
               <a:rPr lang="en-US" dirty="0"/>
@@ -18483,19 +18542,8 @@
             </a:r>
             <a:r>
               <a:rPr lang="ru-RU" dirty="0"/>
-              <a:t>флагом </a:t>
-            </a:r>
-            <a:r>
-              <a:rPr lang="en-US" dirty="0"/>
-              <a:t>-</a:t>
-            </a:r>
-            <a:r>
-              <a:rPr lang="en-US" dirty="0" err="1"/>
-              <a:t>fno-plt</a:t>
-            </a:r>
-            <a:endParaRPr lang="en-US" dirty="0"/>
-          </a:p>
-          <a:p>
+              <a:t>в рантайме</a:t>
+            </a:r>
             <a:endParaRPr lang="en-US" dirty="0"/>
           </a:p>
         </p:txBody>
@@ -18503,7 +18551,7 @@
     </p:spTree>
     <p:extLst>
       <p:ext uri="{BB962C8B-B14F-4D97-AF65-F5344CB8AC3E}">
-        <p14:creationId xmlns:p14="http://schemas.microsoft.com/office/powerpoint/2010/main" val="225035390"/>
+        <p14:creationId xmlns:p14="http://schemas.microsoft.com/office/powerpoint/2010/main" val="2436921369"/>
       </p:ext>
     </p:extLst>
   </p:cSld>
@@ -18535,7 +18583,7 @@
           <p:cNvPr id="2" name="Title 1">
             <a:extLst>
               <a:ext uri="{FF2B5EF4-FFF2-40B4-BE49-F238E27FC236}">
-                <a16:creationId xmlns:a16="http://schemas.microsoft.com/office/drawing/2014/main" id="{EE2B7844-B8D9-42D2-80BE-3F170C7DECBA}"/>
+                <a16:creationId xmlns:a16="http://schemas.microsoft.com/office/drawing/2014/main" id="{CC798AB3-1D15-4521-A8DE-3E17788A428F}"/>
               </a:ext>
             </a:extLst>
           </p:cNvPr>
@@ -18561,7 +18609,7 @@
             </a:r>
             <a:r>
               <a:rPr lang="ru-RU" dirty="0"/>
-              <a:t>отключение ленивого связывания</a:t>
+              <a:t>оптимизация таблиц символов</a:t>
             </a:r>
             <a:endParaRPr lang="en-US" dirty="0"/>
           </a:p>
@@ -18572,7 +18620,7 @@
           <p:cNvPr id="3" name="Content Placeholder 2">
             <a:extLst>
               <a:ext uri="{FF2B5EF4-FFF2-40B4-BE49-F238E27FC236}">
-                <a16:creationId xmlns:a16="http://schemas.microsoft.com/office/drawing/2014/main" id="{0B44980E-F464-4A2A-AD5D-A16AADA1264C}"/>
+                <a16:creationId xmlns:a16="http://schemas.microsoft.com/office/drawing/2014/main" id="{0CFC98EF-8A0E-4555-8157-8ACA61A524AE}"/>
               </a:ext>
             </a:extLst>
           </p:cNvPr>
@@ -18583,132 +18631,102 @@
             <p:ph idx="1"/>
           </p:nvPr>
         </p:nvSpPr>
-        <p:spPr>
-          <a:xfrm>
-            <a:off x="838199" y="1825625"/>
-            <a:ext cx="10842171" cy="4667250"/>
-          </a:xfrm>
-        </p:spPr>
+        <p:spPr/>
         <p:txBody>
           <a:bodyPr>
-            <a:normAutofit/>
+            <a:normAutofit lnSpcReduction="10000"/>
           </a:bodyPr>
           <a:lstStyle/>
           <a:p>
             <a:r>
               <a:rPr lang="ru-RU" dirty="0"/>
-              <a:t>Использование </a:t>
-            </a:r>
+              <a:t>Поиск символов в </a:t>
+            </a:r>
+            <a:r>
+              <a:rPr lang="en-US" dirty="0"/>
+              <a:t>Linux </a:t>
+            </a:r>
+            <a:r>
+              <a:rPr lang="ru-RU" dirty="0"/>
+              <a:t>осуществляется по хэштаблицам, хранящимся в файлах</a:t>
+            </a:r>
+            <a:r>
+              <a:rPr lang="en-US" dirty="0"/>
+              <a:t> </a:t>
+            </a:r>
+            <a:r>
+              <a:rPr lang="ru-RU" dirty="0"/>
+              <a:t>динамических библиотек</a:t>
+            </a:r>
+          </a:p>
+          <a:p>
+            <a:r>
+              <a:rPr lang="ru-RU" dirty="0"/>
+              <a:t>Линкеры позволяют гибко управлять размером и форматом этих хэштаблиц</a:t>
+            </a:r>
+            <a:endParaRPr lang="en-US" dirty="0"/>
+          </a:p>
+          <a:p>
+            <a:r>
+              <a:rPr lang="ru-RU" dirty="0"/>
+              <a:t>Обычно рекомендуемая конфигурация опций</a:t>
+            </a:r>
+            <a:r>
+              <a:rPr lang="en-US" dirty="0"/>
+              <a:t>:</a:t>
+            </a:r>
+          </a:p>
+          <a:p>
+            <a:pPr lvl="1"/>
             <a:r>
               <a:rPr lang="en-US" dirty="0"/>
               <a:t>-</a:t>
             </a:r>
             <a:r>
               <a:rPr lang="en-US" dirty="0" err="1"/>
-              <a:t>fno-plt</a:t>
+              <a:t>Wl</a:t>
+            </a:r>
+            <a:r>
+              <a:rPr lang="en-US" dirty="0"/>
+              <a:t>,--hash-style=both -Wl,-O1</a:t>
+            </a:r>
+          </a:p>
+          <a:p>
+            <a:r>
+              <a:rPr lang="en-US" dirty="0"/>
+              <a:t>-</a:t>
+            </a:r>
+            <a:r>
+              <a:rPr lang="en-US" dirty="0" err="1"/>
+              <a:t>Wl</a:t>
+            </a:r>
+            <a:r>
+              <a:rPr lang="en-US" dirty="0"/>
+              <a:t>,--hash-style </a:t>
+            </a:r>
+            <a:r>
+              <a:rPr lang="ru-RU" dirty="0"/>
+              <a:t>уже включена по умолчанию во всех современных дистрибутивах</a:t>
             </a:r>
             <a:endParaRPr lang="en-US" dirty="0"/>
           </a:p>
           <a:p>
-            <a:pPr lvl="1"/>
-            <a:r>
-              <a:rPr lang="ru-RU" dirty="0"/>
-              <a:t>Ускоряет вызовы библиотечных функций</a:t>
-            </a:r>
-          </a:p>
-          <a:p>
-            <a:pPr lvl="1"/>
-            <a:r>
-              <a:rPr lang="ru-RU" dirty="0"/>
-              <a:t>Замедляет загрузку</a:t>
-            </a:r>
-            <a:r>
-              <a:rPr lang="en-US" dirty="0"/>
-              <a:t> </a:t>
-            </a:r>
-            <a:r>
-              <a:rPr lang="ru-RU" dirty="0"/>
-              <a:t>библиотеки (т.к. все адреса надо разрешить и связать на старте</a:t>
-            </a:r>
-            <a:r>
-              <a:rPr lang="en-US" dirty="0"/>
-              <a:t> </a:t>
-            </a:r>
-            <a:r>
-              <a:rPr lang="ru-RU" dirty="0"/>
-              <a:t>программы)</a:t>
-            </a:r>
-          </a:p>
-          <a:p>
-            <a:r>
-              <a:rPr lang="ru-RU" dirty="0"/>
-              <a:t>Современные требования к безопасности и так рекомендуют разрешать все функции на старте программы</a:t>
-            </a:r>
-          </a:p>
-          <a:p>
-            <a:pPr lvl="1"/>
-            <a:r>
-              <a:rPr lang="ru-RU" dirty="0"/>
-              <a:t>Позволяет использовать технологию </a:t>
-            </a:r>
-            <a:r>
-              <a:rPr lang="en-US" dirty="0"/>
-              <a:t>Full </a:t>
-            </a:r>
-            <a:r>
-              <a:rPr lang="en-US" dirty="0" err="1"/>
-              <a:t>Relro</a:t>
-            </a:r>
-            <a:r>
-              <a:rPr lang="en-US" dirty="0"/>
-              <a:t> </a:t>
-            </a:r>
-            <a:r>
-              <a:rPr lang="ru-RU" dirty="0"/>
-              <a:t>для защиты от непреднамеренных модификаций </a:t>
-            </a:r>
-            <a:r>
-              <a:rPr lang="en-US" dirty="0"/>
-              <a:t>GOT</a:t>
-            </a:r>
-          </a:p>
-          <a:p>
-            <a:pPr lvl="1"/>
-            <a:r>
-              <a:rPr lang="en-US" dirty="0"/>
-              <a:t>Full </a:t>
-            </a:r>
-            <a:r>
-              <a:rPr lang="en-US" dirty="0" err="1"/>
-              <a:t>Relro</a:t>
-            </a:r>
-            <a:r>
-              <a:rPr lang="en-US" dirty="0"/>
-              <a:t> </a:t>
-            </a:r>
-            <a:r>
-              <a:rPr lang="ru-RU" dirty="0"/>
-              <a:t>используется по умолчанию в </a:t>
-            </a:r>
-            <a:r>
-              <a:rPr lang="en-US" dirty="0"/>
-              <a:t>RHEL/Fedora </a:t>
-            </a:r>
-            <a:r>
-              <a:rPr lang="ru-RU" dirty="0"/>
-              <a:t>и </a:t>
-            </a:r>
-            <a:r>
-              <a:rPr lang="en-US" dirty="0"/>
-              <a:t>Ubuntu</a:t>
-            </a:r>
+            <a:r>
+              <a:rPr lang="en-US" dirty="0"/>
+              <a:t>-Wl,-O1 </a:t>
+            </a:r>
+            <a:r>
+              <a:rPr lang="ru-RU" dirty="0"/>
+              <a:t>не оказывает существенного влияния на производительность</a:t>
+            </a:r>
+            <a:endParaRPr lang="en-US" dirty="0"/>
           </a:p>
         </p:txBody>
       </p:sp>
     </p:spTree>
     <p:extLst>
       <p:ext uri="{BB962C8B-B14F-4D97-AF65-F5344CB8AC3E}">
-        <p14:creationId xmlns:p14="http://schemas.microsoft.com/office/powerpoint/2010/main" val="1232306249"/>
+        <p14:creationId xmlns:p14="http://schemas.microsoft.com/office/powerpoint/2010/main" val="3957192232"/>
       </p:ext>
     </p:extLst>
   </p:cSld>
@@ -18802,18 +18820,50 @@
           <a:p>
             <a:r>
               <a:rPr lang="ru-RU" dirty="0"/>
-              <a:t>Примеры</a:t>
-            </a:r>
-            <a:r>
-              <a:rPr lang="en-US" dirty="0"/>
-              <a:t>:</a:t>
+              <a:t>Ленивое связывание в </a:t>
+            </a:r>
+            <a:r>
+              <a:rPr lang="en-US" dirty="0"/>
+              <a:t>Linux </a:t>
+            </a:r>
+            <a:r>
+              <a:rPr lang="ru-RU" dirty="0"/>
+              <a:t>ускоряет начальную загрузку библиотек ценой накладных расходов в процессе работы</a:t>
+            </a:r>
+          </a:p>
+          <a:p>
+            <a:r>
+              <a:rPr lang="ru-RU" dirty="0"/>
+              <a:t>К загрузке адреса и косвенному вызову функции добавляется вызов </a:t>
+            </a:r>
+            <a:r>
+              <a:rPr lang="en-US" dirty="0"/>
+              <a:t>PLT-</a:t>
+            </a:r>
+            <a:r>
+              <a:rPr lang="ru-RU" dirty="0"/>
+              <a:t>заглушки</a:t>
             </a:r>
           </a:p>
           <a:p>
             <a:pPr lvl="1"/>
             <a:r>
               <a:rPr lang="ru-RU" dirty="0"/>
-              <a:t>Использование </a:t>
+              <a:t>Загрузка адреса приходится осуществлять при каждом вызове</a:t>
+            </a:r>
+          </a:p>
+          <a:p>
+            <a:r>
+              <a:rPr lang="ru-RU" dirty="0"/>
+              <a:t>Ленивая загрузка и связанные с ней накладные расходы могут быть отключены</a:t>
+            </a:r>
+            <a:r>
+              <a:rPr lang="en-US" dirty="0"/>
+              <a:t> </a:t>
+            </a:r>
+            <a:r>
+              <a:rPr lang="ru-RU" dirty="0"/>
+              <a:t>флагом </a:t>
             </a:r>
             <a:r>
               <a:rPr lang="en-US" dirty="0"/>
@@ -18823,33 +18873,6 @@
               <a:rPr lang="en-US" dirty="0" err="1"/>
               <a:t>fno-plt</a:t>
             </a:r>
-            <a:r>
-              <a:rPr lang="en-US" dirty="0"/>
-              <a:t> </a:t>
-            </a:r>
-            <a:r>
-              <a:rPr lang="ru-RU" dirty="0"/>
-              <a:t>в </a:t>
-            </a:r>
-            <a:r>
-              <a:rPr lang="en-US" dirty="0"/>
-              <a:t>Clang </a:t>
-            </a:r>
-            <a:r>
-              <a:rPr lang="ru-RU" dirty="0"/>
-              <a:t>даёт до </a:t>
-            </a:r>
-            <a:r>
-              <a:rPr lang="en-US" dirty="0"/>
-              <a:t>10% </a:t>
-            </a:r>
-            <a:r>
-              <a:rPr lang="ru-RU" dirty="0"/>
-              <a:t>прироста производительности</a:t>
-            </a:r>
-            <a:endParaRPr lang="en-US" dirty="0"/>
-          </a:p>
-          <a:p>
             <a:endParaRPr lang="en-US" dirty="0"/>
           </a:p>
           <a:p>
@@ -18860,7 +18883,7 @@
     </p:spTree>
     <p:extLst>
       <p:ext uri="{BB962C8B-B14F-4D97-AF65-F5344CB8AC3E}">
-        <p14:creationId xmlns:p14="http://schemas.microsoft.com/office/powerpoint/2010/main" val="1282722250"/>
+        <p14:creationId xmlns:p14="http://schemas.microsoft.com/office/powerpoint/2010/main" val="225035390"/>
       </p:ext>
     </p:extLst>
   </p:cSld>
@@ -18892,7 +18915,7 @@
           <p:cNvPr id="2" name="Title 1">
             <a:extLst>
               <a:ext uri="{FF2B5EF4-FFF2-40B4-BE49-F238E27FC236}">
-                <a16:creationId xmlns:a16="http://schemas.microsoft.com/office/drawing/2014/main" id="{0A95A14D-8CF8-471B-AF3D-26999D8951D8}"/>
+                <a16:creationId xmlns:a16="http://schemas.microsoft.com/office/drawing/2014/main" id="{EE2B7844-B8D9-42D2-80BE-3F170C7DECBA}"/>
               </a:ext>
             </a:extLst>
           </p:cNvPr>
@@ -18910,7 +18933,74 @@
           <a:p>
             <a:r>
               <a:rPr lang="ru-RU" dirty="0"/>
-              <a:t>Накладные расходы</a:t>
+              <a:t>Ускорение работы </a:t>
+            </a:r>
+            <a:r>
+              <a:rPr lang="en-US" dirty="0"/>
+              <a:t>DLL: </a:t>
+            </a:r>
+            <a:r>
+              <a:rPr lang="ru-RU" dirty="0"/>
+              <a:t>отключение ленивого связывания</a:t>
+            </a:r>
+            <a:endParaRPr lang="en-US" dirty="0"/>
+          </a:p>
+        </p:txBody>
+      </p:sp>
+      <p:sp>
+        <p:nvSpPr>
+          <p:cNvPr id="3" name="Content Placeholder 2">
+            <a:extLst>
+              <a:ext uri="{FF2B5EF4-FFF2-40B4-BE49-F238E27FC236}">
+                <a16:creationId xmlns:a16="http://schemas.microsoft.com/office/drawing/2014/main" id="{0B44980E-F464-4A2A-AD5D-A16AADA1264C}"/>
+              </a:ext>
+            </a:extLst>
+          </p:cNvPr>
+          <p:cNvSpPr>
+            <a:spLocks noGrp="1"/>
+          </p:cNvSpPr>
+          <p:nvPr>
+            <p:ph idx="1"/>
+          </p:nvPr>
+        </p:nvSpPr>
+        <p:spPr>
+          <a:xfrm>
+            <a:off x="838199" y="1825625"/>
+            <a:ext cx="10842171" cy="4667250"/>
+          </a:xfrm>
+        </p:spPr>
+        <p:txBody>
+          <a:bodyPr>
+            <a:normAutofit/>
+          </a:bodyPr>
+          <a:lstStyle/>
+          <a:p>
+            <a:r>
+              <a:rPr lang="ru-RU" dirty="0"/>
+              <a:t>Использование </a:t>
+            </a:r>
+            <a:r>
+              <a:rPr lang="en-US" dirty="0"/>
+              <a:t>-</a:t>
+            </a:r>
+            <a:r>
+              <a:rPr lang="en-US" dirty="0" err="1"/>
+              <a:t>fno-plt</a:t>
+            </a:r>
+            <a:endParaRPr lang="en-US" dirty="0"/>
+          </a:p>
+          <a:p>
+            <a:pPr lvl="1"/>
+            <a:r>
+              <a:rPr lang="ru-RU" dirty="0"/>
+              <a:t>Ускоряет вызовы библиотечных функций</a:t>
+            </a:r>
+          </a:p>
+          <a:p>
+            <a:pPr lvl="1"/>
+            <a:r>
+              <a:rPr lang="ru-RU" dirty="0"/>
+              <a:t>Замедляет загрузку</a:t>
             </a:r>
             <a:r>
               <a:rPr lang="en-US" dirty="0"/>
@@ -18918,39 +19008,7 @@
             </a:r>
             <a:r>
               <a:rPr lang="ru-RU" dirty="0"/>
-              <a:t>при использовании </a:t>
-            </a:r>
-            <a:r>
-              <a:rPr lang="en-US" dirty="0"/>
-              <a:t>DLL</a:t>
-            </a:r>
-          </a:p>
-        </p:txBody>
-      </p:sp>
-      <p:sp>
-        <p:nvSpPr>
-          <p:cNvPr id="3" name="Content Placeholder 2">
-            <a:extLst>
-              <a:ext uri="{FF2B5EF4-FFF2-40B4-BE49-F238E27FC236}">
-                <a16:creationId xmlns:a16="http://schemas.microsoft.com/office/drawing/2014/main" id="{5B49B649-A403-4066-8731-42F55BC6F396}"/>
-              </a:ext>
-            </a:extLst>
-          </p:cNvPr>
-          <p:cNvSpPr>
-            <a:spLocks noGrp="1"/>
-          </p:cNvSpPr>
-          <p:nvPr>
-            <p:ph idx="1"/>
-          </p:nvPr>
-        </p:nvSpPr>
-        <p:spPr/>
-        <p:txBody>
-          <a:bodyPr/>
-          <a:lstStyle/>
-          <a:p>
-            <a:r>
-              <a:rPr lang="ru-RU" dirty="0"/>
-              <a:t>Загрузка</a:t>
+              <a:t>библиотеки (т.к. все адреса надо разрешить и связать на старте</a:t>
             </a:r>
             <a:r>
               <a:rPr lang="en-US" dirty="0"/>
@@ -18958,71 +19016,79 @@
             </a:r>
             <a:r>
               <a:rPr lang="ru-RU" dirty="0"/>
-              <a:t>библиотеки</a:t>
-            </a:r>
-            <a:endParaRPr lang="en-US" dirty="0"/>
+              <a:t>программы)</a:t>
+            </a:r>
+          </a:p>
+          <a:p>
+            <a:r>
+              <a:rPr lang="ru-RU" dirty="0"/>
+              <a:t>Современные требования к безопасности и так рекомендуют разрешать все функции на старте программы</a:t>
+            </a:r>
           </a:p>
           <a:p>
             <a:pPr lvl="1"/>
             <a:r>
               <a:rPr lang="ru-RU" dirty="0"/>
-              <a:t>Релокация кода</a:t>
-            </a:r>
-            <a:endParaRPr lang="en-US" dirty="0"/>
+              <a:t>Позволяет использовать технологию </a:t>
+            </a:r>
+            <a:r>
+              <a:rPr lang="en-US" dirty="0"/>
+              <a:t>Full </a:t>
+            </a:r>
+            <a:r>
+              <a:rPr lang="en-US" dirty="0" err="1"/>
+              <a:t>Relro</a:t>
+            </a:r>
+            <a:r>
+              <a:rPr lang="en-US" dirty="0"/>
+              <a:t> </a:t>
+            </a:r>
+            <a:r>
+              <a:rPr lang="ru-RU" dirty="0"/>
+              <a:t>для защиты от непреднамеренных модификаций </a:t>
+            </a:r>
+            <a:r>
+              <a:rPr lang="en-US" dirty="0"/>
+              <a:t>GOT</a:t>
+            </a:r>
           </a:p>
           <a:p>
             <a:pPr lvl="1"/>
             <a:r>
-              <a:rPr lang="ru-RU" dirty="0"/>
-              <a:t>Разрешение и </a:t>
-            </a:r>
-            <a:r>
-              <a:rPr lang="en-US" dirty="0"/>
-              <a:t>c</a:t>
-            </a:r>
-            <a:r>
-              <a:rPr lang="ru-RU" dirty="0"/>
-              <a:t>вязывание символов</a:t>
-            </a:r>
-            <a:endParaRPr lang="en-US" dirty="0"/>
-          </a:p>
-          <a:p>
-            <a:r>
-              <a:rPr lang="ru-RU" dirty="0"/>
-              <a:t>Работа с библиотекой</a:t>
-            </a:r>
-            <a:endParaRPr lang="en-US" dirty="0"/>
-          </a:p>
-          <a:p>
-            <a:pPr lvl="1"/>
-            <a:r>
-              <a:rPr lang="ru-RU" b="1" dirty="0"/>
-              <a:t>Косвенные вызовы (</a:t>
-            </a:r>
-            <a:r>
-              <a:rPr lang="en-US" b="1" dirty="0"/>
-              <a:t>indirect calls) </a:t>
-            </a:r>
-            <a:r>
-              <a:rPr lang="ru-RU" b="1" dirty="0"/>
-              <a:t>функций</a:t>
-            </a:r>
-            <a:r>
-              <a:rPr lang="en-US" b="1" dirty="0"/>
+              <a:rPr lang="en-US" dirty="0"/>
+              <a:t>Full </a:t>
+            </a:r>
+            <a:r>
+              <a:rPr lang="en-US" dirty="0" err="1"/>
+              <a:t>Relro</a:t>
+            </a:r>
+            <a:r>
+              <a:rPr lang="en-US" dirty="0"/>
               <a:t> </a:t>
             </a:r>
             <a:r>
-              <a:rPr lang="ru-RU" b="1" dirty="0"/>
-              <a:t>в рантайме</a:t>
-            </a:r>
-            <a:endParaRPr lang="en-US" b="1" dirty="0"/>
+              <a:rPr lang="ru-RU" dirty="0"/>
+              <a:t>используется по умолчанию в </a:t>
+            </a:r>
+            <a:r>
+              <a:rPr lang="en-US" dirty="0"/>
+              <a:t>RHEL/Fedora </a:t>
+            </a:r>
+            <a:r>
+              <a:rPr lang="ru-RU" dirty="0"/>
+              <a:t>и </a:t>
+            </a:r>
+            <a:r>
+              <a:rPr lang="en-US" dirty="0"/>
+              <a:t>Ubuntu</a:t>
+            </a:r>
           </a:p>
         </p:txBody>
       </p:sp>
     </p:spTree>
     <p:extLst>
       <p:ext uri="{BB962C8B-B14F-4D97-AF65-F5344CB8AC3E}">
-        <p14:creationId xmlns:p14="http://schemas.microsoft.com/office/powerpoint/2010/main" val="3025777625"/>
+        <p14:creationId xmlns:p14="http://schemas.microsoft.com/office/powerpoint/2010/main" val="1232306249"/>
       </p:ext>
     </p:extLst>
   </p:cSld>
@@ -19054,7 +19120,7 @@
           <p:cNvPr id="2" name="Title 1">
             <a:extLst>
               <a:ext uri="{FF2B5EF4-FFF2-40B4-BE49-F238E27FC236}">
-                <a16:creationId xmlns:a16="http://schemas.microsoft.com/office/drawing/2014/main" id="{9E2F4025-5B63-47B1-ACD7-A498A81AE42A}"/>
+                <a16:creationId xmlns:a16="http://schemas.microsoft.com/office/drawing/2014/main" id="{EE2B7844-B8D9-42D2-80BE-3F170C7DECBA}"/>
               </a:ext>
             </a:extLst>
           </p:cNvPr>
@@ -19072,7 +19138,15 @@
           <a:p>
             <a:r>
               <a:rPr lang="ru-RU" dirty="0"/>
-              <a:t>Проблемы с экспортируемыми символами</a:t>
+              <a:t>Ускорение работы </a:t>
+            </a:r>
+            <a:r>
+              <a:rPr lang="en-US" dirty="0"/>
+              <a:t>DLL: </a:t>
+            </a:r>
+            <a:r>
+              <a:rPr lang="ru-RU" dirty="0"/>
+              <a:t>отключение ленивого связывания</a:t>
             </a:r>
             <a:endParaRPr lang="en-US" dirty="0"/>
           </a:p>
@@ -19083,7 +19157,7 @@
           <p:cNvPr id="3" name="Content Placeholder 2">
             <a:extLst>
               <a:ext uri="{FF2B5EF4-FFF2-40B4-BE49-F238E27FC236}">
-                <a16:creationId xmlns:a16="http://schemas.microsoft.com/office/drawing/2014/main" id="{37862244-1BB6-4E07-B31C-F099E59591B4}"/>
+                <a16:creationId xmlns:a16="http://schemas.microsoft.com/office/drawing/2014/main" id="{0B44980E-F464-4A2A-AD5D-A16AADA1264C}"/>
               </a:ext>
             </a:extLst>
           </p:cNvPr>
@@ -19094,76 +19168,69 @@
             <p:ph idx="1"/>
           </p:nvPr>
         </p:nvSpPr>
-        <p:spPr/>
-        <p:txBody>
-          <a:bodyPr/>
-          <a:lstStyle/>
-          <a:p>
-            <a:r>
-              <a:rPr lang="ru-RU" dirty="0"/>
-              <a:t>По умолчанию на </a:t>
-            </a:r>
-            <a:r>
-              <a:rPr lang="en-US" dirty="0"/>
-              <a:t>Linux </a:t>
-            </a:r>
-            <a:r>
-              <a:rPr lang="ru-RU" dirty="0"/>
-              <a:t>все функции библиотеки экспортируются</a:t>
+        <p:spPr>
+          <a:xfrm>
+            <a:off x="838199" y="1825625"/>
+            <a:ext cx="10842171" cy="4667250"/>
+          </a:xfrm>
+        </p:spPr>
+        <p:txBody>
+          <a:bodyPr>
+            <a:normAutofit/>
+          </a:bodyPr>
+          <a:lstStyle/>
+          <a:p>
+            <a:r>
+              <a:rPr lang="ru-RU" dirty="0"/>
+              <a:t>Примеры</a:t>
+            </a:r>
+            <a:r>
+              <a:rPr lang="en-US" dirty="0"/>
+              <a:t>:</a:t>
             </a:r>
           </a:p>
           <a:p>
             <a:pPr lvl="1"/>
             <a:r>
               <a:rPr lang="ru-RU" dirty="0"/>
-              <a:t>Для совместимости со статическими библиотеками</a:t>
-            </a:r>
-          </a:p>
-          <a:p>
-            <a:r>
-              <a:rPr lang="ru-RU" dirty="0"/>
-              <a:t>Из-за возможного перехвата функций вызов экспортируемой функции внутри библиотеки происходит через таблицу адресов</a:t>
-            </a:r>
-            <a:r>
-              <a:rPr lang="en-US" dirty="0"/>
-              <a:t> GOT</a:t>
-            </a:r>
-          </a:p>
-          <a:p>
-            <a:r>
-              <a:rPr lang="ru-RU" dirty="0"/>
-              <a:t>Накладные расходы</a:t>
-            </a:r>
-            <a:r>
-              <a:rPr lang="en-US" dirty="0"/>
-              <a:t>:</a:t>
-            </a:r>
-          </a:p>
-          <a:p>
-            <a:pPr lvl="1"/>
-            <a:r>
-              <a:rPr lang="ru-RU" dirty="0"/>
-              <a:t>Косвенные вызовы функций</a:t>
-            </a:r>
-          </a:p>
-          <a:p>
-            <a:pPr lvl="1"/>
-            <a:r>
-              <a:rPr lang="ru-RU" dirty="0"/>
-              <a:t>Отмена оптимизаций в компиляторе</a:t>
-            </a:r>
-            <a:r>
-              <a:rPr lang="en-US" dirty="0"/>
-              <a:t> (</a:t>
+              <a:t>Использование </a:t>
+            </a:r>
+            <a:r>
+              <a:rPr lang="en-US" dirty="0"/>
+              <a:t>-</a:t>
             </a:r>
             <a:r>
               <a:rPr lang="en-US" dirty="0" err="1"/>
-              <a:t>inlining</a:t>
-            </a:r>
-            <a:r>
-              <a:rPr lang="en-US" dirty="0"/>
-              <a:t>, cloning, etc.)</a:t>
-            </a:r>
+              <a:t>fno-plt</a:t>
+            </a:r>
+            <a:r>
+              <a:rPr lang="en-US" dirty="0"/>
+              <a:t> </a:t>
+            </a:r>
+            <a:r>
+              <a:rPr lang="ru-RU" dirty="0"/>
+              <a:t>в </a:t>
+            </a:r>
+            <a:r>
+              <a:rPr lang="en-US" dirty="0"/>
+              <a:t>Clang </a:t>
+            </a:r>
+            <a:r>
+              <a:rPr lang="ru-RU" dirty="0"/>
+              <a:t>даёт до </a:t>
+            </a:r>
+            <a:r>
+              <a:rPr lang="en-US" dirty="0"/>
+              <a:t>10% </a:t>
+            </a:r>
+            <a:r>
+              <a:rPr lang="ru-RU" dirty="0"/>
+              <a:t>прироста производительности</a:t>
+            </a:r>
+            <a:endParaRPr lang="en-US" dirty="0"/>
+          </a:p>
+          <a:p>
+            <a:endParaRPr lang="en-US" dirty="0"/>
           </a:p>
           <a:p>
             <a:endParaRPr lang="en-US" dirty="0"/>
@@ -19173,7 +19240,7 @@
     </p:spTree>
     <p:extLst>
       <p:ext uri="{BB962C8B-B14F-4D97-AF65-F5344CB8AC3E}">
-        <p14:creationId xmlns:p14="http://schemas.microsoft.com/office/powerpoint/2010/main" val="653850357"/>
+        <p14:creationId xmlns:p14="http://schemas.microsoft.com/office/powerpoint/2010/main" val="1282722250"/>
       </p:ext>
     </p:extLst>
   </p:cSld>
@@ -19365,7 +19432,7 @@
           <p:cNvPr id="2" name="Title 1">
             <a:extLst>
               <a:ext uri="{FF2B5EF4-FFF2-40B4-BE49-F238E27FC236}">
-                <a16:creationId xmlns:a16="http://schemas.microsoft.com/office/drawing/2014/main" id="{44E34916-01E9-4F42-B603-B05283CC4616}"/>
+                <a16:creationId xmlns:a16="http://schemas.microsoft.com/office/drawing/2014/main" id="{0A95A14D-8CF8-471B-AF3D-26999D8951D8}"/>
               </a:ext>
             </a:extLst>
           </p:cNvPr>
@@ -19383,257 +19450,119 @@
           <a:p>
             <a:r>
               <a:rPr lang="ru-RU" dirty="0"/>
-              <a:t>Пример отмены оптимизаций</a:t>
+              <a:t>Накладные расходы</a:t>
+            </a:r>
+            <a:r>
+              <a:rPr lang="en-US" dirty="0"/>
+              <a:t> </a:t>
+            </a:r>
+            <a:r>
+              <a:rPr lang="ru-RU" dirty="0"/>
+              <a:t>при использовании </a:t>
+            </a:r>
+            <a:r>
+              <a:rPr lang="en-US" dirty="0"/>
+              <a:t>DLL</a:t>
+            </a:r>
+          </a:p>
+        </p:txBody>
+      </p:sp>
+      <p:sp>
+        <p:nvSpPr>
+          <p:cNvPr id="3" name="Content Placeholder 2">
+            <a:extLst>
+              <a:ext uri="{FF2B5EF4-FFF2-40B4-BE49-F238E27FC236}">
+                <a16:creationId xmlns:a16="http://schemas.microsoft.com/office/drawing/2014/main" id="{5B49B649-A403-4066-8731-42F55BC6F396}"/>
+              </a:ext>
+            </a:extLst>
+          </p:cNvPr>
+          <p:cNvSpPr>
+            <a:spLocks noGrp="1"/>
+          </p:cNvSpPr>
+          <p:nvPr>
+            <p:ph idx="1"/>
+          </p:nvPr>
+        </p:nvSpPr>
+        <p:spPr/>
+        <p:txBody>
+          <a:bodyPr/>
+          <a:lstStyle/>
+          <a:p>
+            <a:r>
+              <a:rPr lang="ru-RU" dirty="0"/>
+              <a:t>Загрузка</a:t>
+            </a:r>
+            <a:r>
+              <a:rPr lang="en-US" dirty="0"/>
+              <a:t> </a:t>
+            </a:r>
+            <a:r>
+              <a:rPr lang="ru-RU" dirty="0"/>
+              <a:t>библиотеки</a:t>
             </a:r>
             <a:endParaRPr lang="en-US" dirty="0"/>
           </a:p>
-        </p:txBody>
-      </p:sp>
-      <p:sp>
-        <p:nvSpPr>
-          <p:cNvPr id="3" name="Content Placeholder 2">
-            <a:extLst>
-              <a:ext uri="{FF2B5EF4-FFF2-40B4-BE49-F238E27FC236}">
-                <a16:creationId xmlns:a16="http://schemas.microsoft.com/office/drawing/2014/main" id="{6770FDB2-1A82-4929-A1E6-E0FB79342368}"/>
-              </a:ext>
-            </a:extLst>
-          </p:cNvPr>
-          <p:cNvSpPr>
-            <a:spLocks noGrp="1"/>
-          </p:cNvSpPr>
-          <p:nvPr>
-            <p:ph idx="1"/>
-          </p:nvPr>
-        </p:nvSpPr>
-        <p:spPr/>
-        <p:txBody>
-          <a:bodyPr>
-            <a:normAutofit/>
-          </a:bodyPr>
-          <a:lstStyle/>
-          <a:p>
-            <a:r>
-              <a:rPr lang="ru-RU" dirty="0"/>
-              <a:t>Компилятор не встраивает вызов функции из-за возможности перехвата</a:t>
+          <a:p>
+            <a:pPr lvl="1"/>
+            <a:r>
+              <a:rPr lang="ru-RU" dirty="0"/>
+              <a:t>Релокация кода</a:t>
             </a:r>
             <a:endParaRPr lang="en-US" dirty="0"/>
           </a:p>
           <a:p>
-            <a:pPr marL="457200" lvl="1" indent="0">
-              <a:buNone/>
-            </a:pPr>
-            <a:r>
-              <a:rPr lang="en-US" dirty="0">
-                <a:latin typeface="Courier New" panose="02070309020205020404" pitchFamily="49" charset="0"/>
-                <a:cs typeface="Courier New" panose="02070309020205020404" pitchFamily="49" charset="0"/>
-              </a:rPr>
-              <a:t>$ cat </a:t>
-            </a:r>
-            <a:r>
-              <a:rPr lang="en-US" dirty="0" err="1">
-                <a:latin typeface="Courier New" panose="02070309020205020404" pitchFamily="49" charset="0"/>
-                <a:cs typeface="Courier New" panose="02070309020205020404" pitchFamily="49" charset="0"/>
-              </a:rPr>
-              <a:t>tmp.c</a:t>
-            </a:r>
-            <a:endParaRPr lang="en-US" dirty="0">
-              <a:latin typeface="Courier New" panose="02070309020205020404" pitchFamily="49" charset="0"/>
-              <a:cs typeface="Courier New" panose="02070309020205020404" pitchFamily="49" charset="0"/>
-            </a:endParaRPr>
-          </a:p>
-          <a:p>
-            <a:pPr marL="457200" lvl="1" indent="0">
-              <a:buNone/>
-            </a:pPr>
-            <a:r>
-              <a:rPr lang="en-US" dirty="0">
-                <a:solidFill>
-                  <a:prstClr val="black"/>
-                </a:solidFill>
-                <a:latin typeface="Courier New" panose="02070309020205020404" pitchFamily="49" charset="0"/>
-                <a:cs typeface="Courier New" panose="02070309020205020404" pitchFamily="49" charset="0"/>
-              </a:rPr>
-              <a:t>void foo() {}</a:t>
-            </a:r>
-          </a:p>
-          <a:p>
-            <a:pPr marL="457200" lvl="1" indent="0">
-              <a:buNone/>
-            </a:pPr>
-            <a:r>
-              <a:rPr lang="en-US" dirty="0">
-                <a:solidFill>
-                  <a:prstClr val="black"/>
-                </a:solidFill>
-                <a:latin typeface="Courier New" panose="02070309020205020404" pitchFamily="49" charset="0"/>
-                <a:cs typeface="Courier New" panose="02070309020205020404" pitchFamily="49" charset="0"/>
-              </a:rPr>
-              <a:t>void bar() { foo(); }</a:t>
-            </a:r>
-          </a:p>
-          <a:p>
-            <a:pPr marL="457200" lvl="1" indent="0">
-              <a:buNone/>
-            </a:pPr>
-            <a:r>
-              <a:rPr lang="en-US" dirty="0">
-                <a:solidFill>
-                  <a:prstClr val="black"/>
-                </a:solidFill>
-                <a:latin typeface="Courier New" panose="02070309020205020404" pitchFamily="49" charset="0"/>
-                <a:cs typeface="Courier New" panose="02070309020205020404" pitchFamily="49" charset="0"/>
-              </a:rPr>
-              <a:t>$ </a:t>
-            </a:r>
-            <a:r>
-              <a:rPr lang="en-US" dirty="0" err="1">
-                <a:solidFill>
-                  <a:prstClr val="black"/>
-                </a:solidFill>
-                <a:latin typeface="Courier New" panose="02070309020205020404" pitchFamily="49" charset="0"/>
-                <a:cs typeface="Courier New" panose="02070309020205020404" pitchFamily="49" charset="0"/>
-              </a:rPr>
-              <a:t>gcc</a:t>
-            </a:r>
-            <a:r>
-              <a:rPr lang="en-US" dirty="0">
-                <a:solidFill>
-                  <a:prstClr val="black"/>
-                </a:solidFill>
-                <a:latin typeface="Courier New" panose="02070309020205020404" pitchFamily="49" charset="0"/>
-                <a:cs typeface="Courier New" panose="02070309020205020404" pitchFamily="49" charset="0"/>
-              </a:rPr>
-              <a:t> –O3 -</a:t>
-            </a:r>
-            <a:r>
-              <a:rPr lang="en-US" dirty="0" err="1">
-                <a:solidFill>
-                  <a:prstClr val="black"/>
-                </a:solidFill>
-                <a:latin typeface="Courier New" panose="02070309020205020404" pitchFamily="49" charset="0"/>
-                <a:cs typeface="Courier New" panose="02070309020205020404" pitchFamily="49" charset="0"/>
-              </a:rPr>
-              <a:t>fPIC</a:t>
-            </a:r>
-            <a:r>
-              <a:rPr lang="en-US" dirty="0">
-                <a:solidFill>
-                  <a:prstClr val="black"/>
-                </a:solidFill>
-                <a:latin typeface="Courier New" panose="02070309020205020404" pitchFamily="49" charset="0"/>
-                <a:cs typeface="Courier New" panose="02070309020205020404" pitchFamily="49" charset="0"/>
-              </a:rPr>
-              <a:t> -S </a:t>
-            </a:r>
-            <a:r>
-              <a:rPr lang="en-US" dirty="0" err="1">
-                <a:solidFill>
-                  <a:prstClr val="black"/>
-                </a:solidFill>
-                <a:latin typeface="Courier New" panose="02070309020205020404" pitchFamily="49" charset="0"/>
-                <a:cs typeface="Courier New" panose="02070309020205020404" pitchFamily="49" charset="0"/>
-              </a:rPr>
-              <a:t>tmp.c</a:t>
-            </a:r>
-            <a:r>
-              <a:rPr lang="en-US" dirty="0">
-                <a:solidFill>
-                  <a:prstClr val="black"/>
-                </a:solidFill>
-                <a:latin typeface="Courier New" panose="02070309020205020404" pitchFamily="49" charset="0"/>
-                <a:cs typeface="Courier New" panose="02070309020205020404" pitchFamily="49" charset="0"/>
-              </a:rPr>
-              <a:t> -o-</a:t>
-            </a:r>
-          </a:p>
-          <a:p>
-            <a:pPr marL="457200" lvl="1" indent="0">
-              <a:buNone/>
-            </a:pPr>
-            <a:r>
-              <a:rPr lang="en-US" dirty="0">
-                <a:solidFill>
-                  <a:prstClr val="black"/>
-                </a:solidFill>
-                <a:latin typeface="Courier New" panose="02070309020205020404" pitchFamily="49" charset="0"/>
-                <a:cs typeface="Courier New" panose="02070309020205020404" pitchFamily="49" charset="0"/>
-              </a:rPr>
-              <a:t>...</a:t>
-            </a:r>
-          </a:p>
-          <a:p>
-            <a:pPr marL="457200" lvl="1" indent="0">
-              <a:buNone/>
-            </a:pPr>
-            <a:r>
-              <a:rPr lang="en-US" dirty="0">
-                <a:solidFill>
-                  <a:prstClr val="black"/>
-                </a:solidFill>
-                <a:latin typeface="Courier New" panose="02070309020205020404" pitchFamily="49" charset="0"/>
-                <a:cs typeface="Courier New" panose="02070309020205020404" pitchFamily="49" charset="0"/>
-              </a:rPr>
-              <a:t>bar:</a:t>
-            </a:r>
-          </a:p>
-          <a:p>
-            <a:pPr marL="457200" lvl="1" indent="0">
-              <a:buNone/>
-            </a:pPr>
-            <a:r>
-              <a:rPr lang="en-US" dirty="0">
-                <a:solidFill>
-                  <a:prstClr val="black"/>
-                </a:solidFill>
-                <a:latin typeface="Courier New" panose="02070309020205020404" pitchFamily="49" charset="0"/>
-                <a:cs typeface="Courier New" panose="02070309020205020404" pitchFamily="49" charset="0"/>
-              </a:rPr>
-              <a:t>  </a:t>
-            </a:r>
-            <a:r>
-              <a:rPr lang="en-US" dirty="0" err="1">
-                <a:solidFill>
-                  <a:prstClr val="black"/>
-                </a:solidFill>
-                <a:latin typeface="Courier New" panose="02070309020205020404" pitchFamily="49" charset="0"/>
-                <a:cs typeface="Courier New" panose="02070309020205020404" pitchFamily="49" charset="0"/>
-              </a:rPr>
-              <a:t>jmp</a:t>
-            </a:r>
-            <a:r>
-              <a:rPr lang="en-US" dirty="0">
-                <a:solidFill>
-                  <a:prstClr val="black"/>
-                </a:solidFill>
-                <a:latin typeface="Courier New" panose="02070309020205020404" pitchFamily="49" charset="0"/>
-                <a:cs typeface="Courier New" panose="02070309020205020404" pitchFamily="49" charset="0"/>
-              </a:rPr>
-              <a:t>     </a:t>
-            </a:r>
-            <a:r>
-              <a:rPr lang="en-US" dirty="0" err="1">
-                <a:solidFill>
-                  <a:prstClr val="black"/>
-                </a:solidFill>
-                <a:latin typeface="Courier New" panose="02070309020205020404" pitchFamily="49" charset="0"/>
-                <a:cs typeface="Courier New" panose="02070309020205020404" pitchFamily="49" charset="0"/>
-              </a:rPr>
-              <a:t>foo@PLT</a:t>
-            </a:r>
-            <a:endParaRPr lang="en-US" dirty="0">
-              <a:solidFill>
-                <a:prstClr val="black"/>
-              </a:solidFill>
-              <a:latin typeface="Courier New" panose="02070309020205020404" pitchFamily="49" charset="0"/>
-              <a:cs typeface="Courier New" panose="02070309020205020404" pitchFamily="49" charset="0"/>
-            </a:endParaRPr>
+            <a:pPr lvl="1"/>
+            <a:r>
+              <a:rPr lang="ru-RU" dirty="0"/>
+              <a:t>Разрешение и </a:t>
+            </a:r>
+            <a:r>
+              <a:rPr lang="en-US" dirty="0"/>
+              <a:t>c</a:t>
+            </a:r>
+            <a:r>
+              <a:rPr lang="ru-RU" dirty="0"/>
+              <a:t>вязывание символов</a:t>
+            </a:r>
+            <a:endParaRPr lang="en-US" dirty="0"/>
+          </a:p>
+          <a:p>
+            <a:r>
+              <a:rPr lang="ru-RU" dirty="0"/>
+              <a:t>Работа с библиотекой</a:t>
+            </a:r>
+            <a:endParaRPr lang="en-US" dirty="0"/>
+          </a:p>
+          <a:p>
+            <a:pPr lvl="1"/>
+            <a:r>
+              <a:rPr lang="ru-RU" b="1" dirty="0"/>
+              <a:t>Косвенные вызовы (</a:t>
+            </a:r>
+            <a:r>
+              <a:rPr lang="en-US" b="1" dirty="0"/>
+              <a:t>indirect calls) </a:t>
+            </a:r>
+            <a:r>
+              <a:rPr lang="ru-RU" b="1" dirty="0"/>
+              <a:t>функций</a:t>
+            </a:r>
+            <a:r>
+              <a:rPr lang="en-US" b="1" dirty="0"/>
+              <a:t> </a:t>
+            </a:r>
+            <a:r>
+              <a:rPr lang="ru-RU" b="1" dirty="0"/>
+              <a:t>в рантайме</a:t>
+            </a:r>
+            <a:endParaRPr lang="en-US" b="1" dirty="0"/>
           </a:p>
         </p:txBody>
       </p:sp>
     </p:spTree>
     <p:extLst>
       <p:ext uri="{BB962C8B-B14F-4D97-AF65-F5344CB8AC3E}">
-        <p14:creationId xmlns:p14="http://schemas.microsoft.com/office/powerpoint/2010/main" val="2182239902"/>
+        <p14:creationId xmlns:p14="http://schemas.microsoft.com/office/powerpoint/2010/main" val="3025777625"/>
       </p:ext>
     </p:extLst>
   </p:cSld>
@@ -19665,7 +19594,7 @@
           <p:cNvPr id="2" name="Title 1">
             <a:extLst>
               <a:ext uri="{FF2B5EF4-FFF2-40B4-BE49-F238E27FC236}">
-                <a16:creationId xmlns:a16="http://schemas.microsoft.com/office/drawing/2014/main" id="{BD766DFC-0AB1-4998-9C8F-D80FEAAB8954}"/>
+                <a16:creationId xmlns:a16="http://schemas.microsoft.com/office/drawing/2014/main" id="{9E2F4025-5B63-47B1-ACD7-A498A81AE42A}"/>
               </a:ext>
             </a:extLst>
           </p:cNvPr>
@@ -19683,15 +19612,7 @@
           <a:p>
             <a:r>
               <a:rPr lang="ru-RU" dirty="0"/>
-              <a:t>Ускорение работы </a:t>
-            </a:r>
-            <a:r>
-              <a:rPr lang="en-US" dirty="0"/>
-              <a:t>DLL:</a:t>
-            </a:r>
-            <a:r>
-              <a:rPr lang="ru-RU" dirty="0"/>
-              <a:t> отключение перехвата функций</a:t>
+              <a:t>Проблемы с экспортируемыми символами</a:t>
             </a:r>
             <a:endParaRPr lang="en-US" dirty="0"/>
           </a:p>
@@ -19702,7 +19623,7 @@
           <p:cNvPr id="3" name="Content Placeholder 2">
             <a:extLst>
               <a:ext uri="{FF2B5EF4-FFF2-40B4-BE49-F238E27FC236}">
-                <a16:creationId xmlns:a16="http://schemas.microsoft.com/office/drawing/2014/main" id="{CFEBEFD7-23BF-4F14-9339-37AF67D86D7F}"/>
+                <a16:creationId xmlns:a16="http://schemas.microsoft.com/office/drawing/2014/main" id="{37862244-1BB6-4E07-B31C-F099E59591B4}"/>
               </a:ext>
             </a:extLst>
           </p:cNvPr>
@@ -19720,122 +19641,71 @@
           <a:p>
             <a:r>
               <a:rPr lang="ru-RU" dirty="0"/>
-              <a:t>Флаги компилятора позволяют отключить учёт перехвата</a:t>
-            </a:r>
-          </a:p>
-          <a:p>
-            <a:r>
-              <a:rPr lang="en-US" dirty="0"/>
-              <a:t>-</a:t>
+              <a:t>По умолчанию на </a:t>
+            </a:r>
+            <a:r>
+              <a:rPr lang="en-US" dirty="0"/>
+              <a:t>Linux </a:t>
+            </a:r>
+            <a:r>
+              <a:rPr lang="ru-RU" dirty="0"/>
+              <a:t>все функции библиотеки экспортируются</a:t>
+            </a:r>
+          </a:p>
+          <a:p>
+            <a:pPr lvl="1"/>
+            <a:r>
+              <a:rPr lang="ru-RU" dirty="0"/>
+              <a:t>Для совместимости со статическими библиотеками</a:t>
+            </a:r>
+          </a:p>
+          <a:p>
+            <a:r>
+              <a:rPr lang="ru-RU" dirty="0"/>
+              <a:t>Из-за возможного перехвата функций вызов экспортируемой функции внутри библиотеки происходит через таблицу адресов</a:t>
+            </a:r>
+            <a:r>
+              <a:rPr lang="en-US" dirty="0"/>
+              <a:t> GOT</a:t>
+            </a:r>
+          </a:p>
+          <a:p>
+            <a:r>
+              <a:rPr lang="ru-RU" dirty="0"/>
+              <a:t>Накладные расходы</a:t>
+            </a:r>
+            <a:r>
+              <a:rPr lang="en-US" dirty="0"/>
+              <a:t>:</a:t>
+            </a:r>
+          </a:p>
+          <a:p>
+            <a:pPr lvl="1"/>
+            <a:r>
+              <a:rPr lang="ru-RU" dirty="0"/>
+              <a:t>Косвенные вызовы функций</a:t>
+            </a:r>
+          </a:p>
+          <a:p>
+            <a:pPr lvl="1"/>
+            <a:r>
+              <a:rPr lang="ru-RU" dirty="0"/>
+              <a:t>Отмена оптимизаций в компиляторе</a:t>
+            </a:r>
+            <a:r>
+              <a:rPr lang="en-US" dirty="0"/>
+              <a:t> (</a:t>
             </a:r>
             <a:r>
               <a:rPr lang="en-US" dirty="0" err="1"/>
-              <a:t>Bsymbolic</a:t>
-            </a:r>
-            <a:r>
-              <a:rPr lang="en-US" dirty="0"/>
-              <a:t>/-</a:t>
-            </a:r>
-            <a:r>
-              <a:rPr lang="en-US" dirty="0" err="1"/>
-              <a:t>Bsymbolic</a:t>
-            </a:r>
-            <a:r>
-              <a:rPr lang="en-US" dirty="0"/>
-              <a:t>-functions – </a:t>
-            </a:r>
-            <a:r>
-              <a:rPr lang="ru-RU" dirty="0"/>
-              <a:t>заменяет внутренние вызовы экспортируемых функций на прямые на этапе линковки</a:t>
-            </a:r>
-            <a:endParaRPr lang="en-US" dirty="0"/>
-          </a:p>
-          <a:p>
-            <a:pPr lvl="1"/>
-            <a:r>
-              <a:rPr lang="ru-RU" dirty="0"/>
-              <a:t>Опция включена по умолчанию в некоторых дистрибутивах (</a:t>
-            </a:r>
-            <a:r>
-              <a:rPr lang="en-US" dirty="0"/>
-              <a:t>Ubuntu, </a:t>
-            </a:r>
-            <a:r>
-              <a:rPr lang="ru-RU" dirty="0"/>
-              <a:t>но не </a:t>
-            </a:r>
-            <a:r>
-              <a:rPr lang="en-US" dirty="0"/>
-              <a:t>Debian)</a:t>
-            </a:r>
-            <a:endParaRPr lang="ru-RU" dirty="0"/>
-          </a:p>
-          <a:p>
-            <a:r>
-              <a:rPr lang="en-US" dirty="0"/>
-              <a:t>-</a:t>
-            </a:r>
-            <a:r>
-              <a:rPr lang="en-US" dirty="0" err="1"/>
-              <a:t>fno</a:t>
-            </a:r>
-            <a:r>
-              <a:rPr lang="en-US" dirty="0"/>
-              <a:t>-semantic-interposition – </a:t>
-            </a:r>
-            <a:r>
-              <a:rPr lang="ru-RU" dirty="0"/>
-              <a:t>отключает возможность перехвата на этапе компиляции</a:t>
-            </a:r>
-          </a:p>
-          <a:p>
-            <a:pPr lvl="1"/>
-            <a:r>
-              <a:rPr lang="ru-RU" dirty="0"/>
-              <a:t>Включена по умолчанию в </a:t>
-            </a:r>
-            <a:r>
-              <a:rPr lang="en-US" dirty="0"/>
-              <a:t>clang, </a:t>
-            </a:r>
-            <a:r>
-              <a:rPr lang="ru-RU" dirty="0"/>
-              <a:t>но не в </a:t>
-            </a:r>
-            <a:r>
-              <a:rPr lang="en-US" dirty="0"/>
-              <a:t>GCC</a:t>
-            </a:r>
-          </a:p>
-          <a:p>
-            <a:pPr lvl="1"/>
-            <a:r>
-              <a:rPr lang="ru-RU" dirty="0"/>
-              <a:t>Включается в </a:t>
-            </a:r>
-            <a:r>
-              <a:rPr lang="en-US" dirty="0"/>
-              <a:t>GCC </a:t>
-            </a:r>
-            <a:r>
-              <a:rPr lang="ru-RU" dirty="0"/>
-              <a:t>под </a:t>
-            </a:r>
-            <a:r>
-              <a:rPr lang="en-US" dirty="0"/>
-              <a:t>-</a:t>
-            </a:r>
-            <a:r>
-              <a:rPr lang="en-US" dirty="0" err="1"/>
-              <a:t>Ofast</a:t>
-            </a:r>
-            <a:endParaRPr lang="en-US" dirty="0"/>
-          </a:p>
-          <a:p>
-            <a:r>
-              <a:rPr lang="ru-RU" dirty="0"/>
-              <a:t>Для оптимальной производительности требуются оба флага</a:t>
-            </a:r>
+              <a:t>inlining</a:t>
+            </a:r>
+            <a:r>
+              <a:rPr lang="en-US" dirty="0"/>
+              <a:t>, cloning, etc.)</a:t>
+            </a:r>
+          </a:p>
+          <a:p>
             <a:endParaRPr lang="en-US" dirty="0"/>
           </a:p>
         </p:txBody>
@@ -19843,7 +19713,7 @@
     </p:spTree>
     <p:extLst>
       <p:ext uri="{BB962C8B-B14F-4D97-AF65-F5344CB8AC3E}">
-        <p14:creationId xmlns:p14="http://schemas.microsoft.com/office/powerpoint/2010/main" val="2993641233"/>
+        <p14:creationId xmlns:p14="http://schemas.microsoft.com/office/powerpoint/2010/main" val="653850357"/>
       </p:ext>
     </p:extLst>
   </p:cSld>
@@ -19875,7 +19745,7 @@
           <p:cNvPr id="2" name="Title 1">
             <a:extLst>
               <a:ext uri="{FF2B5EF4-FFF2-40B4-BE49-F238E27FC236}">
-                <a16:creationId xmlns:a16="http://schemas.microsoft.com/office/drawing/2014/main" id="{D6D57C55-3A07-4A92-B7C9-EE076B659002}"/>
+                <a16:creationId xmlns:a16="http://schemas.microsoft.com/office/drawing/2014/main" id="{44E34916-01E9-4F42-B603-B05283CC4616}"/>
               </a:ext>
             </a:extLst>
           </p:cNvPr>
@@ -19893,15 +19763,7 @@
           <a:p>
             <a:r>
               <a:rPr lang="ru-RU" dirty="0"/>
-              <a:t>Ускорение работы </a:t>
-            </a:r>
-            <a:r>
-              <a:rPr lang="en-US" dirty="0"/>
-              <a:t>DLL:</a:t>
-            </a:r>
-            <a:r>
-              <a:rPr lang="ru-RU" dirty="0"/>
-              <a:t> отключение перехвата функций</a:t>
+              <a:t>Пример отмены оптимизаций</a:t>
             </a:r>
             <a:endParaRPr lang="en-US" dirty="0"/>
           </a:p>
@@ -19912,7 +19774,7 @@
           <p:cNvPr id="3" name="Content Placeholder 2">
             <a:extLst>
               <a:ext uri="{FF2B5EF4-FFF2-40B4-BE49-F238E27FC236}">
-                <a16:creationId xmlns:a16="http://schemas.microsoft.com/office/drawing/2014/main" id="{D1D88EA6-4D1B-47FD-A82A-C3C95174CBC6}"/>
+                <a16:creationId xmlns:a16="http://schemas.microsoft.com/office/drawing/2014/main" id="{6770FDB2-1A82-4929-A1E6-E0FB79342368}"/>
               </a:ext>
             </a:extLst>
           </p:cNvPr>
@@ -19925,109 +19787,233 @@
         </p:nvSpPr>
         <p:spPr/>
         <p:txBody>
-          <a:bodyPr/>
-          <a:lstStyle/>
-          <a:p>
-            <a:r>
-              <a:rPr lang="ru-RU" dirty="0"/>
-              <a:t>Примеры</a:t>
-            </a:r>
-            <a:r>
-              <a:rPr lang="en-US" dirty="0"/>
-              <a:t>:</a:t>
-            </a:r>
-          </a:p>
-          <a:p>
-            <a:pPr lvl="1"/>
-            <a:r>
-              <a:rPr lang="ru-RU" dirty="0"/>
-              <a:t>Использование </a:t>
-            </a:r>
-            <a:r>
-              <a:rPr lang="en-US" dirty="0"/>
-              <a:t>-</a:t>
-            </a:r>
-            <a:r>
-              <a:rPr lang="en-US" dirty="0" err="1"/>
-              <a:t>fno</a:t>
-            </a:r>
-            <a:r>
-              <a:rPr lang="en-US" dirty="0"/>
-              <a:t>-semantic-interposition </a:t>
-            </a:r>
-            <a:r>
-              <a:rPr lang="ru-RU" dirty="0"/>
-              <a:t>при сборке </a:t>
-            </a:r>
-            <a:r>
-              <a:rPr lang="en-US" dirty="0"/>
-              <a:t>Python </a:t>
-            </a:r>
-            <a:r>
-              <a:rPr lang="ru-RU" dirty="0"/>
-              <a:t>даёт до 30% прироста производительности</a:t>
-            </a:r>
-            <a:r>
-              <a:rPr lang="en-US" dirty="0"/>
-              <a:t> (</a:t>
+          <a:bodyPr>
+            <a:normAutofit/>
+          </a:bodyPr>
+          <a:lstStyle/>
+          <a:p>
+            <a:r>
+              <a:rPr lang="ru-RU" dirty="0"/>
+              <a:t>Компилятор не встраивает вызов функции из-за возможности перехвата</a:t>
+            </a:r>
+            <a:endParaRPr lang="en-US" dirty="0"/>
+          </a:p>
+          <a:p>
+            <a:pPr marL="457200" lvl="1" indent="0">
+              <a:buNone/>
+            </a:pPr>
+            <a:r>
+              <a:rPr lang="en-US" dirty="0">
+                <a:latin typeface="Courier New" panose="02070309020205020404" pitchFamily="49" charset="0"/>
+                <a:cs typeface="Courier New" panose="02070309020205020404" pitchFamily="49" charset="0"/>
+              </a:rPr>
+              <a:t>$ cat </a:t>
             </a:r>
             <a:r>
               <a:rPr lang="en-US" dirty="0" err="1">
-                <a:hlinkClick r:id="rId2"/>
+                <a:latin typeface="Courier New" panose="02070309020205020404" pitchFamily="49" charset="0"/>
+                <a:cs typeface="Courier New" panose="02070309020205020404" pitchFamily="49" charset="0"/>
               </a:rPr>
-              <a:t>PythonNoSemanticInterpositionSpeedup</a:t>
-            </a:r>
-            <a:r>
-              <a:rPr lang="en-US" dirty="0"/>
-              <a:t>)</a:t>
-            </a:r>
-          </a:p>
-          <a:p>
-            <a:pPr lvl="1"/>
-            <a:r>
-              <a:rPr lang="ru-RU" dirty="0"/>
-              <a:t>Использование </a:t>
-            </a:r>
-            <a:r>
-              <a:rPr lang="en-US" dirty="0"/>
-              <a:t>-</a:t>
-            </a:r>
-            <a:r>
-              <a:rPr lang="en-US" dirty="0" err="1"/>
-              <a:t>Bsymbolic</a:t>
-            </a:r>
-            <a:r>
-              <a:rPr lang="en-US" dirty="0"/>
-              <a:t>-functions </a:t>
-            </a:r>
-            <a:r>
-              <a:rPr lang="ru-RU" dirty="0"/>
-              <a:t>в </a:t>
-            </a:r>
-            <a:r>
-              <a:rPr lang="en-US" dirty="0"/>
-              <a:t>Clang </a:t>
-            </a:r>
-            <a:r>
-              <a:rPr lang="ru-RU" dirty="0"/>
-              <a:t>даёт до </a:t>
-            </a:r>
-            <a:r>
-              <a:rPr lang="en-US" dirty="0"/>
-              <a:t>10% </a:t>
-            </a:r>
-            <a:r>
-              <a:rPr lang="ru-RU" dirty="0"/>
-              <a:t>прироста производительности</a:t>
-            </a:r>
-            <a:endParaRPr lang="en-US" dirty="0"/>
+              <a:t>tmp.c</a:t>
+            </a:r>
+            <a:endParaRPr lang="en-US" dirty="0">
+              <a:latin typeface="Courier New" panose="02070309020205020404" pitchFamily="49" charset="0"/>
+              <a:cs typeface="Courier New" panose="02070309020205020404" pitchFamily="49" charset="0"/>
+            </a:endParaRPr>
+          </a:p>
+          <a:p>
+            <a:pPr marL="457200" lvl="1" indent="0">
+              <a:buNone/>
+            </a:pPr>
+            <a:r>
+              <a:rPr lang="en-US" dirty="0">
+                <a:solidFill>
+                  <a:prstClr val="black"/>
+                </a:solidFill>
+                <a:latin typeface="Courier New" panose="02070309020205020404" pitchFamily="49" charset="0"/>
+                <a:cs typeface="Courier New" panose="02070309020205020404" pitchFamily="49" charset="0"/>
+              </a:rPr>
+              <a:t>void foo() {}</a:t>
+            </a:r>
+          </a:p>
+          <a:p>
+            <a:pPr marL="457200" lvl="1" indent="0">
+              <a:buNone/>
+            </a:pPr>
+            <a:r>
+              <a:rPr lang="en-US" dirty="0">
+                <a:solidFill>
+                  <a:prstClr val="black"/>
+                </a:solidFill>
+                <a:latin typeface="Courier New" panose="02070309020205020404" pitchFamily="49" charset="0"/>
+                <a:cs typeface="Courier New" panose="02070309020205020404" pitchFamily="49" charset="0"/>
+              </a:rPr>
+              <a:t>void bar() { foo(); }</a:t>
+            </a:r>
+          </a:p>
+          <a:p>
+            <a:pPr marL="457200" lvl="1" indent="0">
+              <a:buNone/>
+            </a:pPr>
+            <a:r>
+              <a:rPr lang="en-US" dirty="0">
+                <a:solidFill>
+                  <a:prstClr val="black"/>
+                </a:solidFill>
+                <a:latin typeface="Courier New" panose="02070309020205020404" pitchFamily="49" charset="0"/>
+                <a:cs typeface="Courier New" panose="02070309020205020404" pitchFamily="49" charset="0"/>
+              </a:rPr>
+              <a:t>$ </a:t>
+            </a:r>
+            <a:r>
+              <a:rPr lang="en-US" dirty="0" err="1">
+                <a:solidFill>
+                  <a:prstClr val="black"/>
+                </a:solidFill>
+                <a:latin typeface="Courier New" panose="02070309020205020404" pitchFamily="49" charset="0"/>
+                <a:cs typeface="Courier New" panose="02070309020205020404" pitchFamily="49" charset="0"/>
+              </a:rPr>
+              <a:t>gcc</a:t>
+            </a:r>
+            <a:r>
+              <a:rPr lang="en-US" dirty="0">
+                <a:solidFill>
+                  <a:prstClr val="black"/>
+                </a:solidFill>
+                <a:latin typeface="Courier New" panose="02070309020205020404" pitchFamily="49" charset="0"/>
+                <a:cs typeface="Courier New" panose="02070309020205020404" pitchFamily="49" charset="0"/>
+              </a:rPr>
+              <a:t> –O3 -</a:t>
+            </a:r>
+            <a:r>
+              <a:rPr lang="en-US" dirty="0" err="1">
+                <a:solidFill>
+                  <a:prstClr val="black"/>
+                </a:solidFill>
+                <a:latin typeface="Courier New" panose="02070309020205020404" pitchFamily="49" charset="0"/>
+                <a:cs typeface="Courier New" panose="02070309020205020404" pitchFamily="49" charset="0"/>
+              </a:rPr>
+              <a:t>fPIC</a:t>
+            </a:r>
+            <a:r>
+              <a:rPr lang="en-US" dirty="0">
+                <a:solidFill>
+                  <a:prstClr val="black"/>
+                </a:solidFill>
+                <a:latin typeface="Courier New" panose="02070309020205020404" pitchFamily="49" charset="0"/>
+                <a:cs typeface="Courier New" panose="02070309020205020404" pitchFamily="49" charset="0"/>
+              </a:rPr>
+              <a:t> -S </a:t>
+            </a:r>
+            <a:r>
+              <a:rPr lang="en-US" dirty="0" err="1">
+                <a:solidFill>
+                  <a:prstClr val="black"/>
+                </a:solidFill>
+                <a:latin typeface="Courier New" panose="02070309020205020404" pitchFamily="49" charset="0"/>
+                <a:cs typeface="Courier New" panose="02070309020205020404" pitchFamily="49" charset="0"/>
+              </a:rPr>
+              <a:t>tmp.c</a:t>
+            </a:r>
+            <a:r>
+              <a:rPr lang="en-US" dirty="0">
+                <a:solidFill>
+                  <a:prstClr val="black"/>
+                </a:solidFill>
+                <a:latin typeface="Courier New" panose="02070309020205020404" pitchFamily="49" charset="0"/>
+                <a:cs typeface="Courier New" panose="02070309020205020404" pitchFamily="49" charset="0"/>
+              </a:rPr>
+              <a:t> -o-</a:t>
+            </a:r>
+          </a:p>
+          <a:p>
+            <a:pPr marL="457200" lvl="1" indent="0">
+              <a:buNone/>
+            </a:pPr>
+            <a:r>
+              <a:rPr lang="en-US" dirty="0">
+                <a:solidFill>
+                  <a:prstClr val="black"/>
+                </a:solidFill>
+                <a:latin typeface="Courier New" panose="02070309020205020404" pitchFamily="49" charset="0"/>
+                <a:cs typeface="Courier New" panose="02070309020205020404" pitchFamily="49" charset="0"/>
+              </a:rPr>
+              <a:t>...</a:t>
+            </a:r>
+          </a:p>
+          <a:p>
+            <a:pPr marL="457200" lvl="1" indent="0">
+              <a:buNone/>
+            </a:pPr>
+            <a:r>
+              <a:rPr lang="en-US" dirty="0">
+                <a:solidFill>
+                  <a:prstClr val="black"/>
+                </a:solidFill>
+                <a:latin typeface="Courier New" panose="02070309020205020404" pitchFamily="49" charset="0"/>
+                <a:cs typeface="Courier New" panose="02070309020205020404" pitchFamily="49" charset="0"/>
+              </a:rPr>
+              <a:t>bar:</a:t>
+            </a:r>
+          </a:p>
+          <a:p>
+            <a:pPr marL="457200" lvl="1" indent="0">
+              <a:buNone/>
+            </a:pPr>
+            <a:r>
+              <a:rPr lang="en-US" dirty="0">
+                <a:solidFill>
+                  <a:prstClr val="black"/>
+                </a:solidFill>
+                <a:latin typeface="Courier New" panose="02070309020205020404" pitchFamily="49" charset="0"/>
+                <a:cs typeface="Courier New" panose="02070309020205020404" pitchFamily="49" charset="0"/>
+              </a:rPr>
+              <a:t>  </a:t>
+            </a:r>
+            <a:r>
+              <a:rPr lang="en-US" dirty="0" err="1">
+                <a:solidFill>
+                  <a:prstClr val="black"/>
+                </a:solidFill>
+                <a:latin typeface="Courier New" panose="02070309020205020404" pitchFamily="49" charset="0"/>
+                <a:cs typeface="Courier New" panose="02070309020205020404" pitchFamily="49" charset="0"/>
+              </a:rPr>
+              <a:t>jmp</a:t>
+            </a:r>
+            <a:r>
+              <a:rPr lang="en-US" dirty="0">
+                <a:solidFill>
+                  <a:prstClr val="black"/>
+                </a:solidFill>
+                <a:latin typeface="Courier New" panose="02070309020205020404" pitchFamily="49" charset="0"/>
+                <a:cs typeface="Courier New" panose="02070309020205020404" pitchFamily="49" charset="0"/>
+              </a:rPr>
+              <a:t>     </a:t>
+            </a:r>
+            <a:r>
+              <a:rPr lang="en-US" dirty="0" err="1">
+                <a:solidFill>
+                  <a:prstClr val="black"/>
+                </a:solidFill>
+                <a:latin typeface="Courier New" panose="02070309020205020404" pitchFamily="49" charset="0"/>
+                <a:cs typeface="Courier New" panose="02070309020205020404" pitchFamily="49" charset="0"/>
+              </a:rPr>
+              <a:t>foo@PLT</a:t>
+            </a:r>
+            <a:endParaRPr lang="en-US" dirty="0">
+              <a:solidFill>
+                <a:prstClr val="black"/>
+              </a:solidFill>
+              <a:latin typeface="Courier New" panose="02070309020205020404" pitchFamily="49" charset="0"/>
+              <a:cs typeface="Courier New" panose="02070309020205020404" pitchFamily="49" charset="0"/>
+            </a:endParaRPr>
           </a:p>
         </p:txBody>
       </p:sp>
     </p:spTree>
     <p:extLst>
       <p:ext uri="{BB962C8B-B14F-4D97-AF65-F5344CB8AC3E}">
-        <p14:creationId xmlns:p14="http://schemas.microsoft.com/office/powerpoint/2010/main" val="3385942271"/>
+        <p14:creationId xmlns:p14="http://schemas.microsoft.com/office/powerpoint/2010/main" val="2182239902"/>
       </p:ext>
     </p:extLst>
   </p:cSld>
@@ -20085,7 +20071,7 @@
             </a:r>
             <a:r>
               <a:rPr lang="ru-RU" dirty="0"/>
-              <a:t> сокращение интерфейса библиотеки</a:t>
+              <a:t> отключение перехвата функций</a:t>
             </a:r>
             <a:endParaRPr lang="en-US" dirty="0"/>
           </a:p>
@@ -20107,210 +20093,128 @@
             <p:ph idx="1"/>
           </p:nvPr>
         </p:nvSpPr>
-        <p:spPr>
-          <a:xfrm>
-            <a:off x="838200" y="1825624"/>
-            <a:ext cx="10515600" cy="4498975"/>
-          </a:xfrm>
-        </p:spPr>
-        <p:txBody>
-          <a:bodyPr>
-            <a:normAutofit fontScale="92500" lnSpcReduction="10000"/>
-          </a:bodyPr>
-          <a:lstStyle/>
-          <a:p>
-            <a:r>
-              <a:rPr lang="ru-RU" dirty="0"/>
-              <a:t>Простой способ ускорения работы</a:t>
-            </a:r>
-          </a:p>
-          <a:p>
-            <a:r>
-              <a:rPr lang="ru-RU" dirty="0"/>
-              <a:t>Не требует нестандартных флагов сборки</a:t>
-            </a:r>
-          </a:p>
-          <a:p>
-            <a:r>
-              <a:rPr lang="ru-RU" dirty="0"/>
-              <a:t>Явный контроль над тем какие символы считать экспортируемыми</a:t>
-            </a:r>
-            <a:r>
-              <a:rPr lang="en-US" dirty="0"/>
-              <a:t>:</a:t>
-            </a:r>
-          </a:p>
-          <a:p>
-            <a:pPr marL="457200" lvl="1" indent="0">
-              <a:buNone/>
-            </a:pPr>
-            <a:r>
-              <a:rPr lang="en-US" sz="2000" dirty="0">
-                <a:latin typeface="Courier New" panose="02070309020205020404" pitchFamily="49" charset="0"/>
-                <a:cs typeface="Courier New" panose="02070309020205020404" pitchFamily="49" charset="0"/>
-              </a:rPr>
-              <a:t>$ cat </a:t>
-            </a:r>
-            <a:r>
-              <a:rPr lang="en-US" sz="2000" dirty="0" err="1">
-                <a:latin typeface="Courier New" panose="02070309020205020404" pitchFamily="49" charset="0"/>
-                <a:cs typeface="Courier New" panose="02070309020205020404" pitchFamily="49" charset="0"/>
-              </a:rPr>
-              <a:t>mylib.c</a:t>
-            </a:r>
-            <a:endParaRPr lang="en-US" sz="2000" dirty="0">
-              <a:latin typeface="Courier New" panose="02070309020205020404" pitchFamily="49" charset="0"/>
-              <a:cs typeface="Courier New" panose="02070309020205020404" pitchFamily="49" charset="0"/>
-            </a:endParaRPr>
-          </a:p>
-          <a:p>
-            <a:pPr marL="457200" lvl="1" indent="0">
-              <a:buNone/>
-            </a:pPr>
-            <a:r>
-              <a:rPr lang="en-US" sz="2000" dirty="0">
-                <a:latin typeface="Courier New" panose="02070309020205020404" pitchFamily="49" charset="0"/>
-                <a:cs typeface="Courier New" panose="02070309020205020404" pitchFamily="49" charset="0"/>
-              </a:rPr>
-              <a:t>void internal() {}</a:t>
-            </a:r>
-          </a:p>
-          <a:p>
-            <a:pPr marL="457200" lvl="1" indent="0">
-              <a:buNone/>
-            </a:pPr>
-            <a:endParaRPr lang="en-US" sz="2000" dirty="0">
-              <a:latin typeface="Courier New" panose="02070309020205020404" pitchFamily="49" charset="0"/>
-              <a:cs typeface="Courier New" panose="02070309020205020404" pitchFamily="49" charset="0"/>
-            </a:endParaRPr>
-          </a:p>
-          <a:p>
-            <a:pPr marL="457200" lvl="1" indent="0">
-              <a:buNone/>
-            </a:pPr>
-            <a:r>
-              <a:rPr lang="en-US" sz="2000" dirty="0">
-                <a:latin typeface="Courier New" panose="02070309020205020404" pitchFamily="49" charset="0"/>
-                <a:cs typeface="Courier New" panose="02070309020205020404" pitchFamily="49" charset="0"/>
-              </a:rPr>
-              <a:t>__attribute__((visibility(“default”)))</a:t>
-            </a:r>
-          </a:p>
-          <a:p>
-            <a:pPr marL="457200" lvl="1" indent="0">
-              <a:buNone/>
-            </a:pPr>
-            <a:r>
-              <a:rPr lang="en-US" sz="2000" dirty="0">
-                <a:latin typeface="Courier New" panose="02070309020205020404" pitchFamily="49" charset="0"/>
-                <a:cs typeface="Courier New" panose="02070309020205020404" pitchFamily="49" charset="0"/>
-              </a:rPr>
-              <a:t>void public() { internal(); }</a:t>
-            </a:r>
-          </a:p>
-          <a:p>
-            <a:pPr marL="457200" lvl="1" indent="0">
-              <a:buNone/>
-            </a:pPr>
-            <a:endParaRPr lang="en-US" sz="2000" dirty="0">
-              <a:latin typeface="Courier New" panose="02070309020205020404" pitchFamily="49" charset="0"/>
-              <a:cs typeface="Courier New" panose="02070309020205020404" pitchFamily="49" charset="0"/>
-            </a:endParaRPr>
-          </a:p>
-          <a:p>
-            <a:pPr marL="457200" lvl="1" indent="0">
-              <a:buNone/>
-            </a:pPr>
-            <a:r>
-              <a:rPr lang="en-US" sz="2000" dirty="0">
-                <a:latin typeface="Courier New" panose="02070309020205020404" pitchFamily="49" charset="0"/>
-                <a:cs typeface="Courier New" panose="02070309020205020404" pitchFamily="49" charset="0"/>
-              </a:rPr>
-              <a:t>$ </a:t>
-            </a:r>
-            <a:r>
-              <a:rPr lang="en-US" sz="2000" dirty="0" err="1">
-                <a:latin typeface="Courier New" panose="02070309020205020404" pitchFamily="49" charset="0"/>
-                <a:cs typeface="Courier New" panose="02070309020205020404" pitchFamily="49" charset="0"/>
-              </a:rPr>
-              <a:t>gcc</a:t>
-            </a:r>
-            <a:r>
-              <a:rPr lang="en-US" sz="2000" dirty="0">
-                <a:latin typeface="Courier New" panose="02070309020205020404" pitchFamily="49" charset="0"/>
-                <a:cs typeface="Courier New" panose="02070309020205020404" pitchFamily="49" charset="0"/>
-              </a:rPr>
-              <a:t> -</a:t>
-            </a:r>
-            <a:r>
-              <a:rPr lang="en-US" sz="2000" dirty="0" err="1">
-                <a:latin typeface="Courier New" panose="02070309020205020404" pitchFamily="49" charset="0"/>
-                <a:cs typeface="Courier New" panose="02070309020205020404" pitchFamily="49" charset="0"/>
-              </a:rPr>
-              <a:t>fvisibility</a:t>
-            </a:r>
-            <a:r>
-              <a:rPr lang="en-US" sz="2000" dirty="0">
-                <a:latin typeface="Courier New" panose="02070309020205020404" pitchFamily="49" charset="0"/>
-                <a:cs typeface="Courier New" panose="02070309020205020404" pitchFamily="49" charset="0"/>
-              </a:rPr>
-              <a:t>=hidden -</a:t>
-            </a:r>
-            <a:r>
-              <a:rPr lang="en-US" sz="2000" dirty="0" err="1">
-                <a:latin typeface="Courier New" panose="02070309020205020404" pitchFamily="49" charset="0"/>
-                <a:cs typeface="Courier New" panose="02070309020205020404" pitchFamily="49" charset="0"/>
-              </a:rPr>
-              <a:t>fPIC</a:t>
-            </a:r>
-            <a:r>
-              <a:rPr lang="en-US" sz="2000" dirty="0">
-                <a:latin typeface="Courier New" panose="02070309020205020404" pitchFamily="49" charset="0"/>
-                <a:cs typeface="Courier New" panose="02070309020205020404" pitchFamily="49" charset="0"/>
-              </a:rPr>
-              <a:t> -shared </a:t>
-            </a:r>
-            <a:r>
-              <a:rPr lang="en-US" sz="2000" dirty="0" err="1">
-                <a:latin typeface="Courier New" panose="02070309020205020404" pitchFamily="49" charset="0"/>
-                <a:cs typeface="Courier New" panose="02070309020205020404" pitchFamily="49" charset="0"/>
-              </a:rPr>
-              <a:t>mylib.c</a:t>
-            </a:r>
-            <a:endParaRPr lang="ru-RU" sz="2000" dirty="0">
-              <a:latin typeface="Courier New" panose="02070309020205020404" pitchFamily="49" charset="0"/>
-              <a:cs typeface="Courier New" panose="02070309020205020404" pitchFamily="49" charset="0"/>
-            </a:endParaRPr>
-          </a:p>
-          <a:p>
-            <a:r>
-              <a:rPr lang="ru-RU" dirty="0">
-                <a:latin typeface="Calibri (Body)"/>
-                <a:cs typeface="Courier New" panose="02070309020205020404" pitchFamily="49" charset="0"/>
-              </a:rPr>
-              <a:t>Какие функции экспортировать</a:t>
-            </a:r>
-            <a:r>
-              <a:rPr lang="en-US" dirty="0">
-                <a:latin typeface="Calibri (Body)"/>
-                <a:cs typeface="Courier New" panose="02070309020205020404" pitchFamily="49" charset="0"/>
-              </a:rPr>
-              <a:t>?</a:t>
-            </a:r>
+        <p:spPr/>
+        <p:txBody>
+          <a:bodyPr/>
+          <a:lstStyle/>
+          <a:p>
+            <a:r>
+              <a:rPr lang="ru-RU" dirty="0"/>
+              <a:t>Флаги компилятора позволяют отключить учёт перехвата</a:t>
+            </a:r>
+          </a:p>
+          <a:p>
+            <a:r>
+              <a:rPr lang="en-US" dirty="0"/>
+              <a:t>-</a:t>
+            </a:r>
+            <a:r>
+              <a:rPr lang="en-US" dirty="0" err="1"/>
+              <a:t>Bsymbolic</a:t>
+            </a:r>
+            <a:r>
+              <a:rPr lang="en-US" dirty="0"/>
+              <a:t>/-</a:t>
+            </a:r>
+            <a:r>
+              <a:rPr lang="en-US" dirty="0" err="1"/>
+              <a:t>Bsymbolic</a:t>
+            </a:r>
+            <a:r>
+              <a:rPr lang="en-US" dirty="0"/>
+              <a:t>-functions – </a:t>
+            </a:r>
+            <a:r>
+              <a:rPr lang="ru-RU" dirty="0"/>
+              <a:t>заменяет внутренние вызовы экспортируемых функций на прямые на этапе линковки</a:t>
+            </a:r>
+            <a:endParaRPr lang="en-US" dirty="0"/>
           </a:p>
           <a:p>
             <a:pPr lvl="1"/>
             <a:r>
               <a:rPr lang="ru-RU" dirty="0"/>
-              <a:t>Как правило это функции из публичных заголовочных файлов</a:t>
+              <a:t>Опция включена по умолчанию в некоторых дистрибутивах (</a:t>
+            </a:r>
+            <a:r>
+              <a:rPr lang="en-US" dirty="0"/>
+              <a:t>Ubuntu, </a:t>
+            </a:r>
+            <a:r>
+              <a:rPr lang="ru-RU" dirty="0"/>
+              <a:t>но не </a:t>
+            </a:r>
+            <a:r>
+              <a:rPr lang="en-US" dirty="0"/>
+              <a:t>Debian)</a:t>
+            </a:r>
+            <a:endParaRPr lang="ru-RU" dirty="0"/>
+          </a:p>
+          <a:p>
+            <a:r>
+              <a:rPr lang="en-US" dirty="0"/>
+              <a:t>-</a:t>
+            </a:r>
+            <a:r>
+              <a:rPr lang="en-US" dirty="0" err="1"/>
+              <a:t>fno</a:t>
+            </a:r>
+            <a:r>
+              <a:rPr lang="en-US" dirty="0"/>
+              <a:t>-semantic-interposition – </a:t>
+            </a:r>
+            <a:r>
+              <a:rPr lang="ru-RU" dirty="0"/>
+              <a:t>отключает возможность перехвата на этапе компиляции</a:t>
+            </a:r>
+          </a:p>
+          <a:p>
+            <a:pPr lvl="1"/>
+            <a:r>
+              <a:rPr lang="ru-RU" dirty="0"/>
+              <a:t>Включена по умолчанию в </a:t>
+            </a:r>
+            <a:r>
+              <a:rPr lang="en-US" dirty="0"/>
+              <a:t>clang, </a:t>
+            </a:r>
+            <a:r>
+              <a:rPr lang="ru-RU" dirty="0"/>
+              <a:t>но не в </a:t>
+            </a:r>
+            <a:r>
+              <a:rPr lang="en-US" dirty="0"/>
+              <a:t>GCC</a:t>
+            </a:r>
+          </a:p>
+          <a:p>
+            <a:pPr lvl="1"/>
+            <a:r>
+              <a:rPr lang="ru-RU" dirty="0"/>
+              <a:t>Включается в </a:t>
+            </a:r>
+            <a:r>
+              <a:rPr lang="en-US" dirty="0"/>
+              <a:t>GCC </a:t>
+            </a:r>
+            <a:r>
+              <a:rPr lang="ru-RU" dirty="0"/>
+              <a:t>под </a:t>
+            </a:r>
+            <a:r>
+              <a:rPr lang="en-US" dirty="0"/>
+              <a:t>-</a:t>
+            </a:r>
+            <a:r>
+              <a:rPr lang="en-US" dirty="0" err="1"/>
+              <a:t>Ofast</a:t>
             </a:r>
             <a:endParaRPr lang="en-US" dirty="0"/>
           </a:p>
           <a:p>
-            <a:pPr lvl="1"/>
-            <a:r>
-              <a:rPr lang="ru-RU" dirty="0"/>
-              <a:t>Таких функций очень немного по сравнению со всеми функциями библиотеки</a:t>
+            <a:r>
+              <a:rPr lang="ru-RU" dirty="0"/>
+              <a:t>Для оптимальной производительности требуются оба флага</a:t>
             </a:r>
             <a:endParaRPr lang="en-US" dirty="0"/>
           </a:p>
@@ -20319,7 +20223,7 @@
     </p:spTree>
     <p:extLst>
       <p:ext uri="{BB962C8B-B14F-4D97-AF65-F5344CB8AC3E}">
-        <p14:creationId xmlns:p14="http://schemas.microsoft.com/office/powerpoint/2010/main" val="801253916"/>
+        <p14:creationId xmlns:p14="http://schemas.microsoft.com/office/powerpoint/2010/main" val="2993641233"/>
       </p:ext>
     </p:extLst>
   </p:cSld>
@@ -20351,7 +20255,7 @@
           <p:cNvPr id="2" name="Title 1">
             <a:extLst>
               <a:ext uri="{FF2B5EF4-FFF2-40B4-BE49-F238E27FC236}">
-                <a16:creationId xmlns:a16="http://schemas.microsoft.com/office/drawing/2014/main" id="{BD766DFC-0AB1-4998-9C8F-D80FEAAB8954}"/>
+                <a16:creationId xmlns:a16="http://schemas.microsoft.com/office/drawing/2014/main" id="{D6D57C55-3A07-4A92-B7C9-EE076B659002}"/>
               </a:ext>
             </a:extLst>
           </p:cNvPr>
@@ -20369,7 +20273,15 @@
           <a:p>
             <a:r>
               <a:rPr lang="ru-RU" dirty="0"/>
-              <a:t>Сокращение интерфейса библиотек в дистрибутивах</a:t>
+              <a:t>Ускорение работы </a:t>
+            </a:r>
+            <a:r>
+              <a:rPr lang="en-US" dirty="0"/>
+              <a:t>DLL:</a:t>
+            </a:r>
+            <a:r>
+              <a:rPr lang="ru-RU" dirty="0"/>
+              <a:t> отключение перехвата функций</a:t>
             </a:r>
             <a:endParaRPr lang="en-US" dirty="0"/>
           </a:p>
@@ -20380,7 +20292,7 @@
           <p:cNvPr id="3" name="Content Placeholder 2">
             <a:extLst>
               <a:ext uri="{FF2B5EF4-FFF2-40B4-BE49-F238E27FC236}">
-                <a16:creationId xmlns:a16="http://schemas.microsoft.com/office/drawing/2014/main" id="{CFEBEFD7-23BF-4F14-9339-37AF67D86D7F}"/>
+                <a16:creationId xmlns:a16="http://schemas.microsoft.com/office/drawing/2014/main" id="{D1D88EA6-4D1B-47FD-A82A-C3C95174CBC6}"/>
               </a:ext>
             </a:extLst>
           </p:cNvPr>
@@ -20391,216 +20303,111 @@
             <p:ph idx="1"/>
           </p:nvPr>
         </p:nvSpPr>
-        <p:spPr>
-          <a:xfrm>
-            <a:off x="838200" y="1825625"/>
-            <a:ext cx="10515600" cy="4847318"/>
-          </a:xfrm>
-        </p:spPr>
-        <p:txBody>
-          <a:bodyPr>
-            <a:normAutofit fontScale="92500" lnSpcReduction="10000"/>
-          </a:bodyPr>
-          <a:lstStyle/>
-          <a:p>
-            <a:r>
-              <a:rPr lang="ru-RU" dirty="0"/>
-              <a:t>При наличии большой кодовой базы (например дистрибутива) может быть трудно найти библиотеки с избыточными экспортами</a:t>
+        <p:spPr/>
+        <p:txBody>
+          <a:bodyPr/>
+          <a:lstStyle/>
+          <a:p>
+            <a:r>
+              <a:rPr lang="ru-RU" dirty="0"/>
+              <a:t>Примеры</a:t>
+            </a:r>
+            <a:r>
+              <a:rPr lang="en-US" dirty="0"/>
+              <a:t>:</a:t>
+            </a:r>
+          </a:p>
+          <a:p>
+            <a:pPr lvl="1"/>
+            <a:r>
+              <a:rPr lang="ru-RU" dirty="0"/>
+              <a:t>Использование </a:t>
+            </a:r>
+            <a:r>
+              <a:rPr lang="en-US" dirty="0"/>
+              <a:t>-</a:t>
+            </a:r>
+            <a:r>
+              <a:rPr lang="en-US" dirty="0" err="1"/>
+              <a:t>fno</a:t>
+            </a:r>
+            <a:r>
+              <a:rPr lang="en-US" dirty="0"/>
+              <a:t>-semantic-interposition </a:t>
+            </a:r>
+            <a:r>
+              <a:rPr lang="ru-RU" dirty="0"/>
+              <a:t>при сборке </a:t>
+            </a:r>
+            <a:r>
+              <a:rPr lang="en-US" dirty="0"/>
+              <a:t>Python </a:t>
+            </a:r>
+            <a:r>
+              <a:rPr lang="ru-RU" dirty="0"/>
+              <a:t>даёт до 30% прироста производительности</a:t>
+            </a:r>
+            <a:r>
+              <a:rPr lang="en-US" dirty="0"/>
+              <a:t> (</a:t>
+            </a:r>
+            <a:r>
+              <a:rPr lang="en-US" dirty="0" err="1">
+                <a:hlinkClick r:id="rId2"/>
+              </a:rPr>
+              <a:t>PythonNoSemanticInterpositionSpeedup</a:t>
+            </a:r>
+            <a:r>
+              <a:rPr lang="en-US" dirty="0"/>
+              <a:t>)</a:t>
+            </a:r>
+          </a:p>
+          <a:p>
+            <a:pPr lvl="1"/>
+            <a:r>
+              <a:rPr lang="ru-RU" dirty="0"/>
+              <a:t>Использование </a:t>
+            </a:r>
+            <a:r>
+              <a:rPr lang="en-US" dirty="0"/>
+              <a:t>-</a:t>
+            </a:r>
+            <a:r>
+              <a:rPr lang="en-US" dirty="0" err="1"/>
+              <a:t>Bsymbolic</a:t>
+            </a:r>
+            <a:r>
+              <a:rPr lang="en-US" dirty="0"/>
+              <a:t>-functions </a:t>
+            </a:r>
+            <a:r>
+              <a:rPr lang="ru-RU" dirty="0"/>
+              <a:t>в </a:t>
+            </a:r>
+            <a:r>
+              <a:rPr lang="en-US" dirty="0"/>
+              <a:t>Clang </a:t>
+            </a:r>
+            <a:r>
+              <a:rPr lang="ru-RU" dirty="0"/>
+              <a:t>даёт до </a:t>
+            </a:r>
+            <a:r>
+              <a:rPr lang="en-US" dirty="0"/>
+              <a:t>10% </a:t>
+            </a:r>
+            <a:r>
+              <a:rPr lang="ru-RU" dirty="0"/>
+              <a:t>прироста производительности</a:t>
             </a:r>
             <a:endParaRPr lang="en-US" dirty="0"/>
-          </a:p>
-          <a:p>
-            <a:r>
-              <a:rPr lang="ru-RU" dirty="0"/>
-              <a:t>Поиск таких библиотек можно автоматизировать с помощью утилиты </a:t>
-            </a:r>
-            <a:r>
-              <a:rPr lang="en-US" dirty="0" err="1">
-                <a:hlinkClick r:id="rId3"/>
-              </a:rPr>
-              <a:t>ShlibVisibilityChecker</a:t>
-            </a:r>
-            <a:r>
-              <a:rPr lang="en-US" dirty="0"/>
-              <a:t> :</a:t>
-            </a:r>
-          </a:p>
-          <a:p>
-            <a:pPr marL="457200" lvl="1" indent="0">
-              <a:buNone/>
-            </a:pPr>
-            <a:r>
-              <a:rPr lang="en-US" sz="1900" dirty="0"/>
-              <a:t>$ </a:t>
-            </a:r>
-            <a:r>
-              <a:rPr lang="en-US" sz="1900" dirty="0" err="1"/>
-              <a:t>read_header_api</a:t>
-            </a:r>
-            <a:r>
-              <a:rPr lang="en-US" sz="1900" dirty="0"/>
-              <a:t> --only-</a:t>
-            </a:r>
-            <a:r>
-              <a:rPr lang="en-US" sz="1900" dirty="0" err="1"/>
-              <a:t>args</a:t>
-            </a:r>
-            <a:r>
-              <a:rPr lang="en-US" sz="1900" dirty="0"/>
-              <a:t> /</a:t>
-            </a:r>
-            <a:r>
-              <a:rPr lang="en-US" sz="1900" dirty="0" err="1"/>
-              <a:t>usr</a:t>
-            </a:r>
-            <a:r>
-              <a:rPr lang="en-US" sz="1900" dirty="0"/>
-              <a:t>/include/x86_64-linux-gnu/</a:t>
-            </a:r>
-            <a:r>
-              <a:rPr lang="en-US" sz="1900" dirty="0" err="1"/>
-              <a:t>gmp.h</a:t>
-            </a:r>
-            <a:r>
-              <a:rPr lang="en-US" sz="1900" dirty="0"/>
-              <a:t> &gt; api.txt</a:t>
-            </a:r>
-          </a:p>
-          <a:p>
-            <a:pPr marL="457200" lvl="1" indent="0">
-              <a:buNone/>
-            </a:pPr>
-            <a:r>
-              <a:rPr lang="en-US" sz="1900" dirty="0"/>
-              <a:t>$ </a:t>
-            </a:r>
-            <a:r>
-              <a:rPr lang="en-US" sz="1900" dirty="0" err="1"/>
-              <a:t>read_binary_api</a:t>
-            </a:r>
-            <a:r>
-              <a:rPr lang="en-US" sz="1900" dirty="0"/>
-              <a:t> --permissive /</a:t>
-            </a:r>
-            <a:r>
-              <a:rPr lang="en-US" sz="1900" dirty="0" err="1"/>
-              <a:t>usr</a:t>
-            </a:r>
-            <a:r>
-              <a:rPr lang="en-US" sz="1900" dirty="0"/>
-              <a:t>/lib/x86_64-linux-gnu/libgmp.so.10.4.1 &gt; abi.txt</a:t>
-            </a:r>
-          </a:p>
-          <a:p>
-            <a:pPr marL="457200" lvl="1" indent="0">
-              <a:buNone/>
-            </a:pPr>
-            <a:r>
-              <a:rPr lang="en-US" sz="1900" dirty="0"/>
-              <a:t>$ diff api.txt abi.txt | </a:t>
-            </a:r>
-            <a:r>
-              <a:rPr lang="en-US" sz="1900" dirty="0" err="1"/>
-              <a:t>wc</a:t>
-            </a:r>
-            <a:r>
-              <a:rPr lang="en-US" sz="1900" dirty="0"/>
-              <a:t> -l</a:t>
-            </a:r>
-          </a:p>
-          <a:p>
-            <a:pPr marL="457200" lvl="1" indent="0">
-              <a:buNone/>
-            </a:pPr>
-            <a:r>
-              <a:rPr lang="en-US" sz="1900" b="1" dirty="0"/>
-              <a:t>323</a:t>
-            </a:r>
-          </a:p>
-          <a:p>
-            <a:pPr marL="457200" lvl="1" indent="0">
-              <a:buNone/>
-            </a:pPr>
-            <a:r>
-              <a:rPr lang="en-US" sz="1900" dirty="0"/>
-              <a:t>$ diff api.txt abi.txt</a:t>
-            </a:r>
-          </a:p>
-          <a:p>
-            <a:pPr marL="457200" lvl="1" indent="0">
-              <a:buNone/>
-            </a:pPr>
-            <a:r>
-              <a:rPr lang="en-US" sz="1900" dirty="0"/>
-              <a:t>0a1,10</a:t>
-            </a:r>
-          </a:p>
-          <a:p>
-            <a:pPr marL="457200" lvl="1" indent="0">
-              <a:buNone/>
-            </a:pPr>
-            <a:r>
-              <a:rPr lang="en-US" sz="1900" b="1" dirty="0"/>
-              <a:t>&gt; __gmp_0</a:t>
-            </a:r>
-          </a:p>
-          <a:p>
-            <a:pPr marL="457200" lvl="1" indent="0">
-              <a:buNone/>
-            </a:pPr>
-            <a:r>
-              <a:rPr lang="en-US" sz="1900" b="1" dirty="0"/>
-              <a:t>&gt; __</a:t>
-            </a:r>
-            <a:r>
-              <a:rPr lang="en-US" sz="1900" b="1" dirty="0" err="1"/>
-              <a:t>gmp_allocate_func</a:t>
-            </a:r>
-            <a:endParaRPr lang="en-US" sz="1900" b="1" dirty="0"/>
-          </a:p>
-          <a:p>
-            <a:pPr marL="457200" lvl="1" indent="0">
-              <a:buNone/>
-            </a:pPr>
-            <a:r>
-              <a:rPr lang="en-US" sz="1900" b="1" dirty="0"/>
-              <a:t>&gt; __</a:t>
-            </a:r>
-            <a:r>
-              <a:rPr lang="en-US" sz="1900" b="1" dirty="0" err="1"/>
-              <a:t>gmp_asprintf_final</a:t>
-            </a:r>
-            <a:endParaRPr lang="en-US" sz="1900" b="1" dirty="0"/>
-          </a:p>
-          <a:p>
-            <a:pPr marL="457200" lvl="1" indent="0">
-              <a:buNone/>
-            </a:pPr>
-            <a:r>
-              <a:rPr lang="en-US" sz="1900" b="1" dirty="0"/>
-              <a:t>&gt; __</a:t>
-            </a:r>
-            <a:r>
-              <a:rPr lang="en-US" sz="1900" b="1" dirty="0" err="1"/>
-              <a:t>gmp_asprintf_funs</a:t>
-            </a:r>
-            <a:endParaRPr lang="en-US" sz="1900" b="1" dirty="0"/>
-          </a:p>
-          <a:p>
-            <a:pPr marL="457200" lvl="1" indent="0">
-              <a:buNone/>
-            </a:pPr>
-            <a:r>
-              <a:rPr lang="en-US" sz="1900" b="1" dirty="0"/>
-              <a:t>…</a:t>
-            </a:r>
           </a:p>
         </p:txBody>
       </p:sp>
     </p:spTree>
     <p:extLst>
       <p:ext uri="{BB962C8B-B14F-4D97-AF65-F5344CB8AC3E}">
-        <p14:creationId xmlns:p14="http://schemas.microsoft.com/office/powerpoint/2010/main" val="1656182481"/>
+        <p14:creationId xmlns:p14="http://schemas.microsoft.com/office/powerpoint/2010/main" val="3385942271"/>
       </p:ext>
     </p:extLst>
   </p:cSld>
@@ -20632,7 +20439,7 @@
           <p:cNvPr id="2" name="Title 1">
             <a:extLst>
               <a:ext uri="{FF2B5EF4-FFF2-40B4-BE49-F238E27FC236}">
-                <a16:creationId xmlns:a16="http://schemas.microsoft.com/office/drawing/2014/main" id="{B79A58A2-53E2-4B07-B541-7560DC951115}"/>
+                <a16:creationId xmlns:a16="http://schemas.microsoft.com/office/drawing/2014/main" id="{BD766DFC-0AB1-4998-9C8F-D80FEAAB8954}"/>
               </a:ext>
             </a:extLst>
           </p:cNvPr>
@@ -20650,7 +20457,15 @@
           <a:p>
             <a:r>
               <a:rPr lang="ru-RU" dirty="0"/>
-              <a:t>Резюме</a:t>
+              <a:t>Ускорение работы </a:t>
+            </a:r>
+            <a:r>
+              <a:rPr lang="en-US" dirty="0"/>
+              <a:t>DLL:</a:t>
+            </a:r>
+            <a:r>
+              <a:rPr lang="ru-RU" dirty="0"/>
+              <a:t> сокращение интерфейса библиотеки</a:t>
             </a:r>
             <a:endParaRPr lang="en-US" dirty="0"/>
           </a:p>
@@ -20661,7 +20476,7 @@
           <p:cNvPr id="3" name="Content Placeholder 2">
             <a:extLst>
               <a:ext uri="{FF2B5EF4-FFF2-40B4-BE49-F238E27FC236}">
-                <a16:creationId xmlns:a16="http://schemas.microsoft.com/office/drawing/2014/main" id="{89B42026-4F60-4665-8FC5-FDB3293BF4A3}"/>
+                <a16:creationId xmlns:a16="http://schemas.microsoft.com/office/drawing/2014/main" id="{CFEBEFD7-23BF-4F14-9339-37AF67D86D7F}"/>
               </a:ext>
             </a:extLst>
           </p:cNvPr>
@@ -20672,26 +20487,210 @@
             <p:ph idx="1"/>
           </p:nvPr>
         </p:nvSpPr>
-        <p:spPr/>
-        <p:txBody>
-          <a:bodyPr/>
-          <a:lstStyle/>
-          <a:p>
-            <a:r>
-              <a:rPr lang="ru-RU" dirty="0"/>
-              <a:t>Динамические библиотеки имеют ряд преимуществ над статическими</a:t>
-            </a:r>
-          </a:p>
-          <a:p>
-            <a:r>
-              <a:rPr lang="ru-RU" dirty="0"/>
-              <a:t>Добавляют накладные расходы на старте и во время работы приложения</a:t>
-            </a:r>
-          </a:p>
-          <a:p>
-            <a:r>
-              <a:rPr lang="ru-RU" dirty="0"/>
-              <a:t>Существуют методики, позволяющие существенно снизить оверхед</a:t>
+        <p:spPr>
+          <a:xfrm>
+            <a:off x="838200" y="1825624"/>
+            <a:ext cx="10515600" cy="4498975"/>
+          </a:xfrm>
+        </p:spPr>
+        <p:txBody>
+          <a:bodyPr>
+            <a:normAutofit fontScale="92500" lnSpcReduction="10000"/>
+          </a:bodyPr>
+          <a:lstStyle/>
+          <a:p>
+            <a:r>
+              <a:rPr lang="ru-RU" dirty="0"/>
+              <a:t>Простой способ ускорения работы</a:t>
+            </a:r>
+          </a:p>
+          <a:p>
+            <a:r>
+              <a:rPr lang="ru-RU" dirty="0"/>
+              <a:t>Не требует нестандартных флагов сборки</a:t>
+            </a:r>
+          </a:p>
+          <a:p>
+            <a:r>
+              <a:rPr lang="ru-RU" dirty="0"/>
+              <a:t>Явный контроль над тем какие символы считать экспортируемыми</a:t>
+            </a:r>
+            <a:r>
+              <a:rPr lang="en-US" dirty="0"/>
+              <a:t>:</a:t>
+            </a:r>
+          </a:p>
+          <a:p>
+            <a:pPr marL="457200" lvl="1" indent="0">
+              <a:buNone/>
+            </a:pPr>
+            <a:r>
+              <a:rPr lang="en-US" sz="2000" dirty="0">
+                <a:latin typeface="Courier New" panose="02070309020205020404" pitchFamily="49" charset="0"/>
+                <a:cs typeface="Courier New" panose="02070309020205020404" pitchFamily="49" charset="0"/>
+              </a:rPr>
+              <a:t>$ cat </a:t>
+            </a:r>
+            <a:r>
+              <a:rPr lang="en-US" sz="2000" dirty="0" err="1">
+                <a:latin typeface="Courier New" panose="02070309020205020404" pitchFamily="49" charset="0"/>
+                <a:cs typeface="Courier New" panose="02070309020205020404" pitchFamily="49" charset="0"/>
+              </a:rPr>
+              <a:t>mylib.c</a:t>
+            </a:r>
+            <a:endParaRPr lang="en-US" sz="2000" dirty="0">
+              <a:latin typeface="Courier New" panose="02070309020205020404" pitchFamily="49" charset="0"/>
+              <a:cs typeface="Courier New" panose="02070309020205020404" pitchFamily="49" charset="0"/>
+            </a:endParaRPr>
+          </a:p>
+          <a:p>
+            <a:pPr marL="457200" lvl="1" indent="0">
+              <a:buNone/>
+            </a:pPr>
+            <a:r>
+              <a:rPr lang="en-US" sz="2000" dirty="0">
+                <a:latin typeface="Courier New" panose="02070309020205020404" pitchFamily="49" charset="0"/>
+                <a:cs typeface="Courier New" panose="02070309020205020404" pitchFamily="49" charset="0"/>
+              </a:rPr>
+              <a:t>void internal() {}</a:t>
+            </a:r>
+          </a:p>
+          <a:p>
+            <a:pPr marL="457200" lvl="1" indent="0">
+              <a:buNone/>
+            </a:pPr>
+            <a:endParaRPr lang="en-US" sz="2000" dirty="0">
+              <a:latin typeface="Courier New" panose="02070309020205020404" pitchFamily="49" charset="0"/>
+              <a:cs typeface="Courier New" panose="02070309020205020404" pitchFamily="49" charset="0"/>
+            </a:endParaRPr>
+          </a:p>
+          <a:p>
+            <a:pPr marL="457200" lvl="1" indent="0">
+              <a:buNone/>
+            </a:pPr>
+            <a:r>
+              <a:rPr lang="en-US" sz="2000" dirty="0">
+                <a:latin typeface="Courier New" panose="02070309020205020404" pitchFamily="49" charset="0"/>
+                <a:cs typeface="Courier New" panose="02070309020205020404" pitchFamily="49" charset="0"/>
+              </a:rPr>
+              <a:t>__attribute__((visibility(“default”)))</a:t>
+            </a:r>
+          </a:p>
+          <a:p>
+            <a:pPr marL="457200" lvl="1" indent="0">
+              <a:buNone/>
+            </a:pPr>
+            <a:r>
+              <a:rPr lang="en-US" sz="2000" dirty="0">
+                <a:latin typeface="Courier New" panose="02070309020205020404" pitchFamily="49" charset="0"/>
+                <a:cs typeface="Courier New" panose="02070309020205020404" pitchFamily="49" charset="0"/>
+              </a:rPr>
+              <a:t>void public() { internal(); }</a:t>
+            </a:r>
+          </a:p>
+          <a:p>
+            <a:pPr marL="457200" lvl="1" indent="0">
+              <a:buNone/>
+            </a:pPr>
+            <a:endParaRPr lang="en-US" sz="2000" dirty="0">
+              <a:latin typeface="Courier New" panose="02070309020205020404" pitchFamily="49" charset="0"/>
+              <a:cs typeface="Courier New" panose="02070309020205020404" pitchFamily="49" charset="0"/>
+            </a:endParaRPr>
+          </a:p>
+          <a:p>
+            <a:pPr marL="457200" lvl="1" indent="0">
+              <a:buNone/>
+            </a:pPr>
+            <a:r>
+              <a:rPr lang="en-US" sz="2000" dirty="0">
+                <a:latin typeface="Courier New" panose="02070309020205020404" pitchFamily="49" charset="0"/>
+                <a:cs typeface="Courier New" panose="02070309020205020404" pitchFamily="49" charset="0"/>
+              </a:rPr>
+              <a:t>$ </a:t>
+            </a:r>
+            <a:r>
+              <a:rPr lang="en-US" sz="2000" dirty="0" err="1">
+                <a:latin typeface="Courier New" panose="02070309020205020404" pitchFamily="49" charset="0"/>
+                <a:cs typeface="Courier New" panose="02070309020205020404" pitchFamily="49" charset="0"/>
+              </a:rPr>
+              <a:t>gcc</a:t>
+            </a:r>
+            <a:r>
+              <a:rPr lang="en-US" sz="2000" dirty="0">
+                <a:latin typeface="Courier New" panose="02070309020205020404" pitchFamily="49" charset="0"/>
+                <a:cs typeface="Courier New" panose="02070309020205020404" pitchFamily="49" charset="0"/>
+              </a:rPr>
+              <a:t> -</a:t>
+            </a:r>
+            <a:r>
+              <a:rPr lang="en-US" sz="2000" dirty="0" err="1">
+                <a:latin typeface="Courier New" panose="02070309020205020404" pitchFamily="49" charset="0"/>
+                <a:cs typeface="Courier New" panose="02070309020205020404" pitchFamily="49" charset="0"/>
+              </a:rPr>
+              <a:t>fvisibility</a:t>
+            </a:r>
+            <a:r>
+              <a:rPr lang="en-US" sz="2000" dirty="0">
+                <a:latin typeface="Courier New" panose="02070309020205020404" pitchFamily="49" charset="0"/>
+                <a:cs typeface="Courier New" panose="02070309020205020404" pitchFamily="49" charset="0"/>
+              </a:rPr>
+              <a:t>=hidden -</a:t>
+            </a:r>
+            <a:r>
+              <a:rPr lang="en-US" sz="2000" dirty="0" err="1">
+                <a:latin typeface="Courier New" panose="02070309020205020404" pitchFamily="49" charset="0"/>
+                <a:cs typeface="Courier New" panose="02070309020205020404" pitchFamily="49" charset="0"/>
+              </a:rPr>
+              <a:t>fPIC</a:t>
+            </a:r>
+            <a:r>
+              <a:rPr lang="en-US" sz="2000" dirty="0">
+                <a:latin typeface="Courier New" panose="02070309020205020404" pitchFamily="49" charset="0"/>
+                <a:cs typeface="Courier New" panose="02070309020205020404" pitchFamily="49" charset="0"/>
+              </a:rPr>
+              <a:t> -shared </a:t>
+            </a:r>
+            <a:r>
+              <a:rPr lang="en-US" sz="2000" dirty="0" err="1">
+                <a:latin typeface="Courier New" panose="02070309020205020404" pitchFamily="49" charset="0"/>
+                <a:cs typeface="Courier New" panose="02070309020205020404" pitchFamily="49" charset="0"/>
+              </a:rPr>
+              <a:t>mylib.c</a:t>
+            </a:r>
+            <a:endParaRPr lang="ru-RU" sz="2000" dirty="0">
+              <a:latin typeface="Courier New" panose="02070309020205020404" pitchFamily="49" charset="0"/>
+              <a:cs typeface="Courier New" panose="02070309020205020404" pitchFamily="49" charset="0"/>
+            </a:endParaRPr>
+          </a:p>
+          <a:p>
+            <a:r>
+              <a:rPr lang="ru-RU" dirty="0">
+                <a:latin typeface="Calibri (Body)"/>
+                <a:cs typeface="Courier New" panose="02070309020205020404" pitchFamily="49" charset="0"/>
+              </a:rPr>
+              <a:t>Какие функции экспортировать</a:t>
+            </a:r>
+            <a:r>
+              <a:rPr lang="en-US" dirty="0">
+                <a:latin typeface="Calibri (Body)"/>
+                <a:cs typeface="Courier New" panose="02070309020205020404" pitchFamily="49" charset="0"/>
+              </a:rPr>
+              <a:t>?</a:t>
+            </a:r>
+          </a:p>
+          <a:p>
+            <a:pPr lvl="1"/>
+            <a:r>
+              <a:rPr lang="ru-RU" dirty="0"/>
+              <a:t>Как правило это функции из публичных заголовочных файлов</a:t>
+            </a:r>
+            <a:endParaRPr lang="en-US" dirty="0"/>
+          </a:p>
+          <a:p>
+            <a:pPr lvl="1"/>
+            <a:r>
+              <a:rPr lang="ru-RU" dirty="0"/>
+              <a:t>Таких функций очень немного по сравнению со всеми функциями библиотеки</a:t>
             </a:r>
             <a:endParaRPr lang="en-US" dirty="0"/>
           </a:p>
@@ -20700,7 +20699,7 @@
     </p:spTree>
     <p:extLst>
       <p:ext uri="{BB962C8B-B14F-4D97-AF65-F5344CB8AC3E}">
-        <p14:creationId xmlns:p14="http://schemas.microsoft.com/office/powerpoint/2010/main" val="883765393"/>
+        <p14:creationId xmlns:p14="http://schemas.microsoft.com/office/powerpoint/2010/main" val="801253916"/>
       </p:ext>
     </p:extLst>
   </p:cSld>
@@ -20732,7 +20731,7 @@
           <p:cNvPr id="2" name="Title 1">
             <a:extLst>
               <a:ext uri="{FF2B5EF4-FFF2-40B4-BE49-F238E27FC236}">
-                <a16:creationId xmlns:a16="http://schemas.microsoft.com/office/drawing/2014/main" id="{886196FC-6BEF-434E-B7EB-743173F137B2}"/>
+                <a16:creationId xmlns:a16="http://schemas.microsoft.com/office/drawing/2014/main" id="{BD766DFC-0AB1-4998-9C8F-D80FEAAB8954}"/>
               </a:ext>
             </a:extLst>
           </p:cNvPr>
@@ -20750,12 +20749,9 @@
           <a:p>
             <a:r>
               <a:rPr lang="ru-RU" dirty="0"/>
-              <a:t>Что почитать</a:t>
-            </a:r>
-            <a:r>
-              <a:rPr lang="en-US" dirty="0"/>
-              <a:t>?</a:t>
-            </a:r>
+              <a:t>Сокращение интерфейса библиотек в дистрибутивах</a:t>
+            </a:r>
+            <a:endParaRPr lang="en-US" dirty="0"/>
           </a:p>
         </p:txBody>
       </p:sp>
@@ -20764,7 +20760,7 @@
           <p:cNvPr id="3" name="Content Placeholder 2">
             <a:extLst>
               <a:ext uri="{FF2B5EF4-FFF2-40B4-BE49-F238E27FC236}">
-                <a16:creationId xmlns:a16="http://schemas.microsoft.com/office/drawing/2014/main" id="{FC6A6F34-CCD2-476C-82E8-06D3158E3E6F}"/>
+                <a16:creationId xmlns:a16="http://schemas.microsoft.com/office/drawing/2014/main" id="{CFEBEFD7-23BF-4F14-9339-37AF67D86D7F}"/>
               </a:ext>
             </a:extLst>
           </p:cNvPr>
@@ -20775,186 +20771,216 @@
             <p:ph idx="1"/>
           </p:nvPr>
         </p:nvSpPr>
-        <p:spPr/>
-        <p:txBody>
-          <a:bodyPr/>
-          <a:lstStyle/>
-          <a:p>
-            <a:r>
-              <a:rPr lang="en-US" dirty="0">
-                <a:hlinkClick r:id="rId2"/>
-              </a:rPr>
-              <a:t>Linkers, Loaders and Shared Libraries in Windows, Linux, and C++ - </a:t>
-            </a:r>
-            <a:r>
-              <a:rPr lang="en-US" dirty="0" err="1">
-                <a:hlinkClick r:id="rId2"/>
-              </a:rPr>
-              <a:t>Ofek</a:t>
-            </a:r>
-            <a:r>
-              <a:rPr lang="en-US" dirty="0">
-                <a:hlinkClick r:id="rId2"/>
-              </a:rPr>
-              <a:t> </a:t>
-            </a:r>
-            <a:r>
-              <a:rPr lang="en-US" dirty="0" err="1">
-                <a:hlinkClick r:id="rId2"/>
-              </a:rPr>
-              <a:t>Shilon</a:t>
-            </a:r>
-            <a:r>
-              <a:rPr lang="en-US" dirty="0">
-                <a:hlinkClick r:id="rId2"/>
-              </a:rPr>
-              <a:t> - </a:t>
-            </a:r>
-            <a:r>
-              <a:rPr lang="en-US" dirty="0" err="1">
-                <a:hlinkClick r:id="rId2"/>
-              </a:rPr>
-              <a:t>CppCon</a:t>
-            </a:r>
-            <a:r>
-              <a:rPr lang="en-US" dirty="0">
-                <a:hlinkClick r:id="rId2"/>
-              </a:rPr>
-              <a:t> 2023</a:t>
+        <p:spPr>
+          <a:xfrm>
+            <a:off x="838200" y="1825625"/>
+            <a:ext cx="10515600" cy="4847318"/>
+          </a:xfrm>
+        </p:spPr>
+        <p:txBody>
+          <a:bodyPr>
+            <a:normAutofit fontScale="92500" lnSpcReduction="10000"/>
+          </a:bodyPr>
+          <a:lstStyle/>
+          <a:p>
+            <a:r>
+              <a:rPr lang="ru-RU" dirty="0"/>
+              <a:t>При наличии большой кодовой базы (например дистрибутива) может быть трудно найти библиотеки с избыточными экспортами</a:t>
             </a:r>
             <a:endParaRPr lang="en-US" dirty="0"/>
           </a:p>
           <a:p>
-            <a:pPr lvl="1"/>
-            <a:r>
-              <a:rPr lang="ru-RU" dirty="0"/>
-              <a:t>Общий обзор </a:t>
-            </a:r>
-            <a:r>
-              <a:rPr lang="en-US" dirty="0"/>
-              <a:t>DLL </a:t>
-            </a:r>
-            <a:r>
-              <a:rPr lang="ru-RU" dirty="0"/>
-              <a:t>на разных платформах</a:t>
-            </a:r>
-            <a:endParaRPr lang="en-US" dirty="0"/>
-          </a:p>
-          <a:p>
-            <a:r>
-              <a:rPr lang="en-US" dirty="0">
-                <a:hlinkClick r:id="rId3"/>
-              </a:rPr>
-              <a:t>How to Write Shared Libraries – Ulrich </a:t>
+            <a:r>
+              <a:rPr lang="ru-RU" dirty="0"/>
+              <a:t>Поиск таких библиотек можно автоматизировать с помощью утилиты </a:t>
             </a:r>
             <a:r>
               <a:rPr lang="en-US" dirty="0" err="1">
                 <a:hlinkClick r:id="rId3"/>
               </a:rPr>
-              <a:t>Drepper</a:t>
-            </a:r>
-            <a:endParaRPr lang="ru-RU" dirty="0"/>
-          </a:p>
-          <a:p>
-            <a:pPr lvl="1"/>
-            <a:r>
-              <a:rPr lang="ru-RU" dirty="0"/>
-              <a:t>Всё что нужно знать о </a:t>
-            </a:r>
-            <a:r>
-              <a:rPr lang="en-US" dirty="0"/>
-              <a:t>DLL </a:t>
-            </a:r>
-            <a:r>
-              <a:rPr lang="ru-RU" dirty="0"/>
-              <a:t>на </a:t>
-            </a:r>
-            <a:r>
-              <a:rPr lang="en-US" dirty="0"/>
-              <a:t>Linux</a:t>
-            </a:r>
-          </a:p>
-          <a:p>
-            <a:r>
-              <a:rPr lang="en-US" dirty="0">
-                <a:hlinkClick r:id="rId4"/>
-              </a:rPr>
-              <a:t>Everything You Ever Wanted to Know about DLLs – James McNellis - </a:t>
-            </a:r>
-            <a:r>
-              <a:rPr lang="en-US" dirty="0" err="1">
-                <a:hlinkClick r:id="rId4"/>
-              </a:rPr>
-              <a:t>CppCon</a:t>
-            </a:r>
-            <a:r>
-              <a:rPr lang="en-US" dirty="0">
-                <a:hlinkClick r:id="rId4"/>
-              </a:rPr>
-              <a:t> 2017</a:t>
-            </a:r>
-            <a:endParaRPr lang="en-US" dirty="0"/>
-          </a:p>
-          <a:p>
-            <a:pPr lvl="1"/>
-            <a:r>
-              <a:rPr lang="ru-RU" dirty="0"/>
-              <a:t>Всё что нужно знать о </a:t>
-            </a:r>
-            <a:r>
-              <a:rPr lang="en-US" dirty="0"/>
-              <a:t>DLL </a:t>
-            </a:r>
-            <a:r>
-              <a:rPr lang="ru-RU" dirty="0"/>
-              <a:t>на </a:t>
-            </a:r>
-            <a:r>
-              <a:rPr lang="en-US" dirty="0"/>
-              <a:t>Windows</a:t>
-            </a:r>
-          </a:p>
-          <a:p>
-            <a:r>
-              <a:rPr lang="en-US" dirty="0">
-                <a:hlinkClick r:id="rId5"/>
-              </a:rPr>
-              <a:t>https://maskray.me/blog</a:t>
-            </a:r>
-            <a:endParaRPr lang="en-US" dirty="0"/>
-          </a:p>
-          <a:p>
-            <a:pPr lvl="1"/>
-            <a:r>
-              <a:rPr lang="ru-RU" dirty="0"/>
-              <a:t>Блог </a:t>
-            </a:r>
-            <a:r>
-              <a:rPr lang="en-US" dirty="0" err="1"/>
-              <a:t>MaskRay</a:t>
-            </a:r>
-            <a:r>
-              <a:rPr lang="en-US" dirty="0"/>
-              <a:t> </a:t>
-            </a:r>
-            <a:r>
-              <a:rPr lang="ru-RU" dirty="0"/>
-              <a:t>о системном программировании под </a:t>
-            </a:r>
-            <a:r>
-              <a:rPr lang="en-US" dirty="0"/>
-              <a:t>Linux (GOT, PLT, etc.)</a:t>
-            </a:r>
-          </a:p>
-          <a:p>
-            <a:endParaRPr lang="en-US" dirty="0"/>
+              <a:t>ShlibVisibilityChecker</a:t>
+            </a:r>
+            <a:r>
+              <a:rPr lang="en-US" dirty="0"/>
+              <a:t> :</a:t>
+            </a:r>
+          </a:p>
+          <a:p>
+            <a:pPr marL="457200" lvl="1" indent="0">
+              <a:buNone/>
+            </a:pPr>
+            <a:r>
+              <a:rPr lang="en-US" sz="1900" dirty="0"/>
+              <a:t>$ </a:t>
+            </a:r>
+            <a:r>
+              <a:rPr lang="en-US" sz="1900" dirty="0" err="1"/>
+              <a:t>read_header_api</a:t>
+            </a:r>
+            <a:r>
+              <a:rPr lang="en-US" sz="1900" dirty="0"/>
+              <a:t> --only-</a:t>
+            </a:r>
+            <a:r>
+              <a:rPr lang="en-US" sz="1900" dirty="0" err="1"/>
+              <a:t>args</a:t>
+            </a:r>
+            <a:r>
+              <a:rPr lang="en-US" sz="1900" dirty="0"/>
+              <a:t> /</a:t>
+            </a:r>
+            <a:r>
+              <a:rPr lang="en-US" sz="1900" dirty="0" err="1"/>
+              <a:t>usr</a:t>
+            </a:r>
+            <a:r>
+              <a:rPr lang="en-US" sz="1900" dirty="0"/>
+              <a:t>/include/x86_64-linux-gnu/</a:t>
+            </a:r>
+            <a:r>
+              <a:rPr lang="en-US" sz="1900" dirty="0" err="1"/>
+              <a:t>gmp.h</a:t>
+            </a:r>
+            <a:r>
+              <a:rPr lang="en-US" sz="1900" dirty="0"/>
+              <a:t> &gt; api.txt</a:t>
+            </a:r>
+          </a:p>
+          <a:p>
+            <a:pPr marL="457200" lvl="1" indent="0">
+              <a:buNone/>
+            </a:pPr>
+            <a:r>
+              <a:rPr lang="en-US" sz="1900" dirty="0"/>
+              <a:t>$ </a:t>
+            </a:r>
+            <a:r>
+              <a:rPr lang="en-US" sz="1900" dirty="0" err="1"/>
+              <a:t>read_binary_api</a:t>
+            </a:r>
+            <a:r>
+              <a:rPr lang="en-US" sz="1900" dirty="0"/>
+              <a:t> --permissive /</a:t>
+            </a:r>
+            <a:r>
+              <a:rPr lang="en-US" sz="1900" dirty="0" err="1"/>
+              <a:t>usr</a:t>
+            </a:r>
+            <a:r>
+              <a:rPr lang="en-US" sz="1900" dirty="0"/>
+              <a:t>/lib/x86_64-linux-gnu/libgmp.so.10.4.1 &gt; abi.txt</a:t>
+            </a:r>
+          </a:p>
+          <a:p>
+            <a:pPr marL="457200" lvl="1" indent="0">
+              <a:buNone/>
+            </a:pPr>
+            <a:r>
+              <a:rPr lang="en-US" sz="1900" dirty="0"/>
+              <a:t>$ diff api.txt abi.txt | </a:t>
+            </a:r>
+            <a:r>
+              <a:rPr lang="en-US" sz="1900" dirty="0" err="1"/>
+              <a:t>wc</a:t>
+            </a:r>
+            <a:r>
+              <a:rPr lang="en-US" sz="1900" dirty="0"/>
+              <a:t> -l</a:t>
+            </a:r>
+          </a:p>
+          <a:p>
+            <a:pPr marL="457200" lvl="1" indent="0">
+              <a:buNone/>
+            </a:pPr>
+            <a:r>
+              <a:rPr lang="en-US" sz="1900" b="1" dirty="0"/>
+              <a:t>323</a:t>
+            </a:r>
+          </a:p>
+          <a:p>
+            <a:pPr marL="457200" lvl="1" indent="0">
+              <a:buNone/>
+            </a:pPr>
+            <a:r>
+              <a:rPr lang="en-US" sz="1900" dirty="0"/>
+              <a:t>$ diff api.txt abi.txt</a:t>
+            </a:r>
+          </a:p>
+          <a:p>
+            <a:pPr marL="457200" lvl="1" indent="0">
+              <a:buNone/>
+            </a:pPr>
+            <a:r>
+              <a:rPr lang="en-US" sz="1900" dirty="0"/>
+              <a:t>0a1,10</a:t>
+            </a:r>
+          </a:p>
+          <a:p>
+            <a:pPr marL="457200" lvl="1" indent="0">
+              <a:buNone/>
+            </a:pPr>
+            <a:r>
+              <a:rPr lang="en-US" sz="1900" b="1" dirty="0"/>
+              <a:t>&gt; __gmp_0</a:t>
+            </a:r>
+          </a:p>
+          <a:p>
+            <a:pPr marL="457200" lvl="1" indent="0">
+              <a:buNone/>
+            </a:pPr>
+            <a:r>
+              <a:rPr lang="en-US" sz="1900" b="1" dirty="0"/>
+              <a:t>&gt; __</a:t>
+            </a:r>
+            <a:r>
+              <a:rPr lang="en-US" sz="1900" b="1" dirty="0" err="1"/>
+              <a:t>gmp_allocate_func</a:t>
+            </a:r>
+            <a:endParaRPr lang="en-US" sz="1900" b="1" dirty="0"/>
+          </a:p>
+          <a:p>
+            <a:pPr marL="457200" lvl="1" indent="0">
+              <a:buNone/>
+            </a:pPr>
+            <a:r>
+              <a:rPr lang="en-US" sz="1900" b="1" dirty="0"/>
+              <a:t>&gt; __</a:t>
+            </a:r>
+            <a:r>
+              <a:rPr lang="en-US" sz="1900" b="1" dirty="0" err="1"/>
+              <a:t>gmp_asprintf_final</a:t>
+            </a:r>
+            <a:endParaRPr lang="en-US" sz="1900" b="1" dirty="0"/>
+          </a:p>
+          <a:p>
+            <a:pPr marL="457200" lvl="1" indent="0">
+              <a:buNone/>
+            </a:pPr>
+            <a:r>
+              <a:rPr lang="en-US" sz="1900" b="1" dirty="0"/>
+              <a:t>&gt; __</a:t>
+            </a:r>
+            <a:r>
+              <a:rPr lang="en-US" sz="1900" b="1" dirty="0" err="1"/>
+              <a:t>gmp_asprintf_funs</a:t>
+            </a:r>
+            <a:endParaRPr lang="en-US" sz="1900" b="1" dirty="0"/>
+          </a:p>
+          <a:p>
+            <a:pPr marL="457200" lvl="1" indent="0">
+              <a:buNone/>
+            </a:pPr>
+            <a:r>
+              <a:rPr lang="en-US" sz="1900" b="1" dirty="0"/>
+              <a:t>…</a:t>
+            </a:r>
           </a:p>
         </p:txBody>
       </p:sp>
     </p:spTree>
     <p:extLst>
       <p:ext uri="{BB962C8B-B14F-4D97-AF65-F5344CB8AC3E}">
-        <p14:creationId xmlns:p14="http://schemas.microsoft.com/office/powerpoint/2010/main" val="3359078839"/>
+        <p14:creationId xmlns:p14="http://schemas.microsoft.com/office/powerpoint/2010/main" val="1656182481"/>
       </p:ext>
     </p:extLst>
   </p:cSld>
@@ -20986,7 +21012,7 @@
           <p:cNvPr id="2" name="Title 1">
             <a:extLst>
               <a:ext uri="{FF2B5EF4-FFF2-40B4-BE49-F238E27FC236}">
-                <a16:creationId xmlns:a16="http://schemas.microsoft.com/office/drawing/2014/main" id="{AE55B1BF-E6CB-4A61-A19B-EAB2E2F68128}"/>
+                <a16:creationId xmlns:a16="http://schemas.microsoft.com/office/drawing/2014/main" id="{B79A58A2-53E2-4B07-B541-7560DC951115}"/>
               </a:ext>
             </a:extLst>
           </p:cNvPr>
@@ -21004,12 +21030,9 @@
           <a:p>
             <a:r>
               <a:rPr lang="ru-RU" dirty="0"/>
-              <a:t>Спасибо за внимание</a:t>
-            </a:r>
-            <a:r>
-              <a:rPr lang="en-US" dirty="0"/>
-              <a:t>!</a:t>
-            </a:r>
+              <a:t>Резюме</a:t>
+            </a:r>
+            <a:endParaRPr lang="en-US" dirty="0"/>
           </a:p>
         </p:txBody>
       </p:sp>
@@ -21018,7 +21041,7 @@
           <p:cNvPr id="3" name="Content Placeholder 2">
             <a:extLst>
               <a:ext uri="{FF2B5EF4-FFF2-40B4-BE49-F238E27FC236}">
-                <a16:creationId xmlns:a16="http://schemas.microsoft.com/office/drawing/2014/main" id="{FDC23327-086B-41AB-AC13-CE5A75450C7E}"/>
+                <a16:creationId xmlns:a16="http://schemas.microsoft.com/office/drawing/2014/main" id="{89B42026-4F60-4665-8FC5-FDB3293BF4A3}"/>
               </a:ext>
             </a:extLst>
           </p:cNvPr>
@@ -21034,6 +21057,22 @@
           <a:bodyPr/>
           <a:lstStyle/>
           <a:p>
+            <a:r>
+              <a:rPr lang="ru-RU" dirty="0"/>
+              <a:t>Динамические библиотеки имеют ряд преимуществ над статическими</a:t>
+            </a:r>
+          </a:p>
+          <a:p>
+            <a:r>
+              <a:rPr lang="ru-RU" dirty="0"/>
+              <a:t>Добавляют накладные расходы на старте и во время работы приложения</a:t>
+            </a:r>
+          </a:p>
+          <a:p>
+            <a:r>
+              <a:rPr lang="ru-RU" dirty="0"/>
+              <a:t>Существуют методики, позволяющие существенно снизить оверхед</a:t>
+            </a:r>
             <a:endParaRPr lang="en-US" dirty="0"/>
           </a:p>
         </p:txBody>
@@ -21041,7 +21080,7 @@
     </p:spTree>
     <p:extLst>
       <p:ext uri="{BB962C8B-B14F-4D97-AF65-F5344CB8AC3E}">
-        <p14:creationId xmlns:p14="http://schemas.microsoft.com/office/powerpoint/2010/main" val="876813992"/>
+        <p14:creationId xmlns:p14="http://schemas.microsoft.com/office/powerpoint/2010/main" val="883765393"/>
       </p:ext>
     </p:extLst>
   </p:cSld>
@@ -21073,7 +21112,7 @@
           <p:cNvPr id="2" name="Title 1">
             <a:extLst>
               <a:ext uri="{FF2B5EF4-FFF2-40B4-BE49-F238E27FC236}">
-                <a16:creationId xmlns:a16="http://schemas.microsoft.com/office/drawing/2014/main" id="{93090202-CF24-421C-9485-04FBDD337F8A}"/>
+                <a16:creationId xmlns:a16="http://schemas.microsoft.com/office/drawing/2014/main" id="{886196FC-6BEF-434E-B7EB-743173F137B2}"/>
               </a:ext>
             </a:extLst>
           </p:cNvPr>
@@ -21090,8 +21129,12 @@
           <a:lstStyle/>
           <a:p>
             <a:r>
-              <a:rPr lang="en-US" dirty="0"/>
-              <a:t>TODO</a:t>
+              <a:rPr lang="ru-RU" dirty="0"/>
+              <a:t>Что почитать</a:t>
+            </a:r>
+            <a:r>
+              <a:rPr lang="en-US" dirty="0"/>
+              <a:t>?</a:t>
             </a:r>
           </a:p>
         </p:txBody>
@@ -21101,7 +21144,7 @@
           <p:cNvPr id="3" name="Content Placeholder 2">
             <a:extLst>
               <a:ext uri="{FF2B5EF4-FFF2-40B4-BE49-F238E27FC236}">
-                <a16:creationId xmlns:a16="http://schemas.microsoft.com/office/drawing/2014/main" id="{47CB3639-5E9B-4AE5-9C58-15F576FBB26C}"/>
+                <a16:creationId xmlns:a16="http://schemas.microsoft.com/office/drawing/2014/main" id="{FC6A6F34-CCD2-476C-82E8-06D3158E3E6F}"/>
               </a:ext>
             </a:extLst>
           </p:cNvPr>
@@ -21118,65 +21161,180 @@
           <a:lstStyle/>
           <a:p>
             <a:r>
-              <a:rPr lang="ru-RU" dirty="0"/>
-              <a:t>Добавить иллюстраций</a:t>
+              <a:rPr lang="en-US" dirty="0">
+                <a:hlinkClick r:id="rId2"/>
+              </a:rPr>
+              <a:t>Linkers, Loaders and Shared Libraries in Windows, Linux, and C++ - </a:t>
+            </a:r>
+            <a:r>
+              <a:rPr lang="en-US" dirty="0" err="1">
+                <a:hlinkClick r:id="rId2"/>
+              </a:rPr>
+              <a:t>Ofek</a:t>
+            </a:r>
+            <a:r>
+              <a:rPr lang="en-US" dirty="0">
+                <a:hlinkClick r:id="rId2"/>
+              </a:rPr>
+              <a:t> </a:t>
+            </a:r>
+            <a:r>
+              <a:rPr lang="en-US" dirty="0" err="1">
+                <a:hlinkClick r:id="rId2"/>
+              </a:rPr>
+              <a:t>Shilon</a:t>
+            </a:r>
+            <a:r>
+              <a:rPr lang="en-US" dirty="0">
+                <a:hlinkClick r:id="rId2"/>
+              </a:rPr>
+              <a:t> - </a:t>
+            </a:r>
+            <a:r>
+              <a:rPr lang="en-US" dirty="0" err="1">
+                <a:hlinkClick r:id="rId2"/>
+              </a:rPr>
+              <a:t>CppCon</a:t>
+            </a:r>
+            <a:r>
+              <a:rPr lang="en-US" dirty="0">
+                <a:hlinkClick r:id="rId2"/>
+              </a:rPr>
+              <a:t> 2023</a:t>
             </a:r>
             <a:endParaRPr lang="en-US" dirty="0"/>
           </a:p>
           <a:p>
-            <a:r>
-              <a:rPr lang="ru-RU" dirty="0"/>
-              <a:t>Обсудить зачем нужны таблицы диспетчеризации</a:t>
+            <a:pPr lvl="1"/>
+            <a:r>
+              <a:rPr lang="ru-RU" dirty="0"/>
+              <a:t>Общий обзор </a:t>
+            </a:r>
+            <a:r>
+              <a:rPr lang="en-US" dirty="0"/>
+              <a:t>DLL </a:t>
+            </a:r>
+            <a:r>
+              <a:rPr lang="ru-RU" dirty="0"/>
+              <a:t>на разных платформах</a:t>
             </a:r>
             <a:endParaRPr lang="en-US" dirty="0"/>
           </a:p>
           <a:p>
             <a:r>
-              <a:rPr lang="ru-RU" dirty="0"/>
-              <a:t>Проблема отсутствующего </a:t>
+              <a:rPr lang="en-US" dirty="0">
+                <a:hlinkClick r:id="rId3"/>
+              </a:rPr>
+              <a:t>How to Write Shared Libraries – Ulrich </a:t>
+            </a:r>
+            <a:r>
+              <a:rPr lang="en-US" dirty="0" err="1">
+                <a:hlinkClick r:id="rId3"/>
+              </a:rPr>
+              <a:t>Drepper</a:t>
+            </a:r>
+            <a:endParaRPr lang="ru-RU" dirty="0"/>
+          </a:p>
+          <a:p>
+            <a:pPr lvl="1"/>
+            <a:r>
+              <a:rPr lang="ru-RU" dirty="0"/>
+              <a:t>Всё что нужно знать о </a:t>
+            </a:r>
+            <a:r>
+              <a:rPr lang="en-US" dirty="0"/>
+              <a:t>DLL </a:t>
+            </a:r>
+            <a:r>
+              <a:rPr lang="ru-RU" dirty="0"/>
+              <a:t>на </a:t>
+            </a:r>
+            <a:r>
+              <a:rPr lang="en-US" dirty="0"/>
+              <a:t>Linux</a:t>
+            </a:r>
+          </a:p>
+          <a:p>
+            <a:r>
+              <a:rPr lang="en-US" dirty="0">
+                <a:hlinkClick r:id="rId4"/>
+              </a:rPr>
+              <a:t>Everything You Ever Wanted to Know about DLLs – James McNellis - </a:t>
+            </a:r>
+            <a:r>
+              <a:rPr lang="en-US" dirty="0" err="1">
+                <a:hlinkClick r:id="rId4"/>
+              </a:rPr>
+              <a:t>CppCon</a:t>
+            </a:r>
+            <a:r>
+              <a:rPr lang="en-US" dirty="0">
+                <a:hlinkClick r:id="rId4"/>
+              </a:rPr>
+              <a:t> 2017</a:t>
+            </a:r>
+            <a:endParaRPr lang="en-US" dirty="0"/>
+          </a:p>
+          <a:p>
+            <a:pPr lvl="1"/>
+            <a:r>
+              <a:rPr lang="ru-RU" dirty="0"/>
+              <a:t>Всё что нужно знать о </a:t>
+            </a:r>
+            <a:r>
+              <a:rPr lang="en-US" dirty="0"/>
+              <a:t>DLL </a:t>
+            </a:r>
+            <a:r>
+              <a:rPr lang="ru-RU" dirty="0"/>
+              <a:t>на </a:t>
+            </a:r>
+            <a:r>
+              <a:rPr lang="en-US" dirty="0"/>
+              <a:t>Windows</a:t>
+            </a:r>
+          </a:p>
+          <a:p>
+            <a:r>
+              <a:rPr lang="en-US" dirty="0">
+                <a:hlinkClick r:id="rId5"/>
+              </a:rPr>
+              <a:t>https://maskray.me/blog</a:t>
+            </a:r>
+            <a:endParaRPr lang="en-US" dirty="0"/>
+          </a:p>
+          <a:p>
+            <a:pPr lvl="1"/>
+            <a:r>
+              <a:rPr lang="ru-RU" dirty="0"/>
+              <a:t>Блог </a:t>
             </a:r>
             <a:r>
               <a:rPr lang="en-US" dirty="0" err="1"/>
-              <a:t>dllimport</a:t>
-            </a:r>
-            <a:endParaRPr lang="ru-RU" dirty="0"/>
-          </a:p>
-          <a:p>
-            <a:r>
-              <a:rPr lang="en-US" dirty="0"/>
-              <a:t>--as-needed</a:t>
-            </a:r>
-          </a:p>
-          <a:p>
-            <a:r>
-              <a:rPr lang="en-US" dirty="0"/>
-              <a:t>DLL versioning, </a:t>
-            </a:r>
-            <a:r>
-              <a:rPr lang="en-US" dirty="0" err="1"/>
-              <a:t>symver</a:t>
-            </a:r>
-            <a:r>
-              <a:rPr lang="en-US" dirty="0"/>
-              <a:t> (?)</a:t>
-            </a:r>
-          </a:p>
-          <a:p>
-            <a:r>
-              <a:rPr lang="ru-RU" dirty="0"/>
-              <a:t>Что ещё</a:t>
-            </a:r>
-            <a:r>
-              <a:rPr lang="en-US" dirty="0"/>
-              <a:t>?!</a:t>
-            </a:r>
+              <a:t>MaskRay</a:t>
+            </a:r>
+            <a:r>
+              <a:rPr lang="en-US" dirty="0"/>
+              <a:t> </a:t>
+            </a:r>
+            <a:r>
+              <a:rPr lang="ru-RU" dirty="0"/>
+              <a:t>о системном программировании под </a:t>
+            </a:r>
+            <a:r>
+              <a:rPr lang="en-US" dirty="0"/>
+              <a:t>Linux (GOT, PLT, etc.)</a:t>
+            </a:r>
+          </a:p>
+          <a:p>
+            <a:endParaRPr lang="en-US" dirty="0"/>
           </a:p>
         </p:txBody>
       </p:sp>
     </p:spTree>
     <p:extLst>
       <p:ext uri="{BB962C8B-B14F-4D97-AF65-F5344CB8AC3E}">
-        <p14:creationId xmlns:p14="http://schemas.microsoft.com/office/powerpoint/2010/main" val="1842829182"/>
+        <p14:creationId xmlns:p14="http://schemas.microsoft.com/office/powerpoint/2010/main" val="3359078839"/>
       </p:ext>
     </p:extLst>
   </p:cSld>
@@ -21208,7 +21366,7 @@
           <p:cNvPr id="2" name="Title 1">
             <a:extLst>
               <a:ext uri="{FF2B5EF4-FFF2-40B4-BE49-F238E27FC236}">
-                <a16:creationId xmlns:a16="http://schemas.microsoft.com/office/drawing/2014/main" id="{CD19E7E3-A310-49FF-A77B-B37588A39A3E}"/>
+                <a16:creationId xmlns:a16="http://schemas.microsoft.com/office/drawing/2014/main" id="{AE55B1BF-E6CB-4A61-A19B-EAB2E2F68128}"/>
               </a:ext>
             </a:extLst>
           </p:cNvPr>
@@ -21226,11 +21384,11 @@
           <a:p>
             <a:r>
               <a:rPr lang="ru-RU" dirty="0"/>
-              <a:t>Проверка </a:t>
-            </a:r>
-            <a:r>
-              <a:rPr lang="en-US" dirty="0"/>
-              <a:t>–O1</a:t>
+              <a:t>Спасибо за внимание</a:t>
+            </a:r>
+            <a:r>
+              <a:rPr lang="en-US" dirty="0"/>
+              <a:t>!</a:t>
             </a:r>
           </a:p>
         </p:txBody>
@@ -21240,7 +21398,7 @@
           <p:cNvPr id="3" name="Content Placeholder 2">
             <a:extLst>
               <a:ext uri="{FF2B5EF4-FFF2-40B4-BE49-F238E27FC236}">
-                <a16:creationId xmlns:a16="http://schemas.microsoft.com/office/drawing/2014/main" id="{0263D36B-8799-48BF-9D12-7FA8EC932069}"/>
+                <a16:creationId xmlns:a16="http://schemas.microsoft.com/office/drawing/2014/main" id="{FDC23327-086B-41AB-AC13-CE5A75450C7E}"/>
               </a:ext>
             </a:extLst>
           </p:cNvPr>
@@ -21256,52 +21414,14 @@
           <a:bodyPr/>
           <a:lstStyle/>
           <a:p>
-            <a:r>
-              <a:rPr lang="ru-RU" dirty="0"/>
-              <a:t>Собрать две версии </a:t>
-            </a:r>
-            <a:r>
-              <a:rPr lang="en-US" dirty="0"/>
-              <a:t>LLVM:</a:t>
-            </a:r>
-          </a:p>
-          <a:p>
-            <a:pPr lvl="1"/>
-            <a:r>
-              <a:rPr lang="en-US" dirty="0"/>
-              <a:t>-DBUILD_SHARED_LIBS=ON</a:t>
-            </a:r>
-          </a:p>
-          <a:p>
-            <a:pPr lvl="1"/>
-            <a:r>
-              <a:rPr lang="en-US" dirty="0"/>
-              <a:t>-DBUILD_SHARED_LIBS=ON -DCMAKE_SHARED_LINKER_FLAGS='-Wl,-O1’</a:t>
-            </a:r>
-          </a:p>
-          <a:p>
-            <a:r>
-              <a:rPr lang="ru-RU" dirty="0"/>
-              <a:t>Сравнить производительность</a:t>
-            </a:r>
-            <a:r>
-              <a:rPr lang="en-US" dirty="0"/>
-              <a:t>:</a:t>
-            </a:r>
-          </a:p>
-          <a:p>
-            <a:pPr lvl="1"/>
-            <a:r>
-              <a:rPr lang="en-US" dirty="0"/>
-              <a:t>./benchmark.pl 10 path/to/clang -h</a:t>
-            </a:r>
+            <a:endParaRPr lang="en-US" dirty="0"/>
           </a:p>
         </p:txBody>
       </p:sp>
     </p:spTree>
     <p:extLst>
       <p:ext uri="{BB962C8B-B14F-4D97-AF65-F5344CB8AC3E}">
-        <p14:creationId xmlns:p14="http://schemas.microsoft.com/office/powerpoint/2010/main" val="1685019486"/>
+        <p14:creationId xmlns:p14="http://schemas.microsoft.com/office/powerpoint/2010/main" val="876813992"/>
       </p:ext>
     </p:extLst>
   </p:cSld>
@@ -22253,7 +22373,7 @@
           <p:cNvPr id="2" name="Title 1">
             <a:extLst>
               <a:ext uri="{FF2B5EF4-FFF2-40B4-BE49-F238E27FC236}">
-                <a16:creationId xmlns:a16="http://schemas.microsoft.com/office/drawing/2014/main" id="{CD19E7E3-A310-49FF-A77B-B37588A39A3E}"/>
+                <a16:creationId xmlns:a16="http://schemas.microsoft.com/office/drawing/2014/main" id="{93090202-CF24-421C-9485-04FBDD337F8A}"/>
               </a:ext>
             </a:extLst>
           </p:cNvPr>
@@ -22270,109 +22390,80 @@
           <a:lstStyle/>
           <a:p>
             <a:r>
-              <a:rPr lang="ru-RU" dirty="0"/>
-              <a:t>Проверка </a:t>
-            </a:r>
-            <a:r>
-              <a:rPr lang="en-US" dirty="0"/>
-              <a:t>–</a:t>
+              <a:rPr lang="en-US" dirty="0"/>
+              <a:t>TODO</a:t>
+            </a:r>
+          </a:p>
+        </p:txBody>
+      </p:sp>
+      <p:sp>
+        <p:nvSpPr>
+          <p:cNvPr id="3" name="Content Placeholder 2">
+            <a:extLst>
+              <a:ext uri="{FF2B5EF4-FFF2-40B4-BE49-F238E27FC236}">
+                <a16:creationId xmlns:a16="http://schemas.microsoft.com/office/drawing/2014/main" id="{47CB3639-5E9B-4AE5-9C58-15F576FBB26C}"/>
+              </a:ext>
+            </a:extLst>
+          </p:cNvPr>
+          <p:cNvSpPr>
+            <a:spLocks noGrp="1"/>
+          </p:cNvSpPr>
+          <p:nvPr>
+            <p:ph idx="1"/>
+          </p:nvPr>
+        </p:nvSpPr>
+        <p:spPr/>
+        <p:txBody>
+          <a:bodyPr/>
+          <a:lstStyle/>
+          <a:p>
+            <a:r>
+              <a:rPr lang="ru-RU" dirty="0"/>
+              <a:t>Добавить иллюстраций</a:t>
+            </a:r>
+            <a:endParaRPr lang="en-US" dirty="0"/>
+          </a:p>
+          <a:p>
+            <a:r>
+              <a:rPr lang="ru-RU" dirty="0"/>
+              <a:t>Проблема отсутствующего </a:t>
             </a:r>
             <a:r>
               <a:rPr lang="en-US" dirty="0" err="1"/>
-              <a:t>fno-plt</a:t>
-            </a:r>
-            <a:endParaRPr lang="en-US" dirty="0"/>
-          </a:p>
-        </p:txBody>
-      </p:sp>
-      <p:sp>
-        <p:nvSpPr>
-          <p:cNvPr id="3" name="Content Placeholder 2">
-            <a:extLst>
-              <a:ext uri="{FF2B5EF4-FFF2-40B4-BE49-F238E27FC236}">
-                <a16:creationId xmlns:a16="http://schemas.microsoft.com/office/drawing/2014/main" id="{0263D36B-8799-48BF-9D12-7FA8EC932069}"/>
-              </a:ext>
-            </a:extLst>
-          </p:cNvPr>
-          <p:cNvSpPr>
-            <a:spLocks noGrp="1"/>
-          </p:cNvSpPr>
-          <p:nvPr>
-            <p:ph idx="1"/>
-          </p:nvPr>
-        </p:nvSpPr>
-        <p:spPr/>
-        <p:txBody>
-          <a:bodyPr/>
-          <a:lstStyle/>
-          <a:p>
-            <a:r>
-              <a:rPr lang="ru-RU" dirty="0"/>
-              <a:t>Собрать две версии </a:t>
-            </a:r>
-            <a:r>
-              <a:rPr lang="en-US" dirty="0"/>
-              <a:t>LLVM:</a:t>
-            </a:r>
-          </a:p>
-          <a:p>
-            <a:pPr lvl="1"/>
-            <a:r>
-              <a:rPr lang="en-US" dirty="0"/>
-              <a:t>-DBUILD_SHARED_LIBS=ON</a:t>
-            </a:r>
-          </a:p>
-          <a:p>
-            <a:pPr lvl="1"/>
-            <a:r>
-              <a:rPr lang="en-US" dirty="0"/>
-              <a:t>-DBUILD_SHARED_LIBS=ON -DCMAKE_CXX_FLAGS=‘-</a:t>
+              <a:t>dllimport</a:t>
+            </a:r>
+            <a:endParaRPr lang="ru-RU" dirty="0"/>
+          </a:p>
+          <a:p>
+            <a:r>
+              <a:rPr lang="en-US" dirty="0"/>
+              <a:t>DLL versioning, </a:t>
             </a:r>
             <a:r>
               <a:rPr lang="en-US" dirty="0" err="1"/>
-              <a:t>fno</a:t>
-            </a:r>
-            <a:r>
-              <a:rPr lang="en-US" dirty="0"/>
-              <a:t>-</a:t>
-            </a:r>
-            <a:r>
-              <a:rPr lang="en-US" dirty="0" err="1"/>
-              <a:t>plt</a:t>
-            </a:r>
-            <a:r>
-              <a:rPr lang="en-US" dirty="0"/>
-              <a:t>’</a:t>
-            </a:r>
-          </a:p>
-          <a:p>
-            <a:r>
-              <a:rPr lang="ru-RU" dirty="0"/>
-              <a:t>Сравнить производительность</a:t>
-            </a:r>
-            <a:r>
-              <a:rPr lang="en-US" dirty="0"/>
-              <a:t>:</a:t>
-            </a:r>
-          </a:p>
-          <a:p>
-            <a:pPr lvl="1"/>
-            <a:r>
-              <a:rPr lang="en-US" dirty="0"/>
-              <a:t>./benchmark.pl 10 path/to/clang -S -O2 ~/</a:t>
-            </a:r>
-            <a:r>
-              <a:rPr lang="en-US" dirty="0" err="1"/>
-              <a:t>InstCombining.i</a:t>
-            </a:r>
-            <a:endParaRPr lang="en-US" dirty="0"/>
+              <a:t>symver</a:t>
+            </a:r>
+            <a:r>
+              <a:rPr lang="en-US" dirty="0"/>
+              <a:t> (?)</a:t>
+            </a:r>
+          </a:p>
+          <a:p>
+            <a:r>
+              <a:rPr lang="ru-RU" dirty="0"/>
+              <a:t>Что ещё</a:t>
+            </a:r>
+            <a:r>
+              <a:rPr lang="en-US" dirty="0"/>
+              <a:t>?!</a:t>
+            </a:r>
           </a:p>
         </p:txBody>
       </p:sp>
     </p:spTree>
     <p:extLst>
       <p:ext uri="{BB962C8B-B14F-4D97-AF65-F5344CB8AC3E}">
-        <p14:creationId xmlns:p14="http://schemas.microsoft.com/office/powerpoint/2010/main" val="4180884372"/>
+        <p14:creationId xmlns:p14="http://schemas.microsoft.com/office/powerpoint/2010/main" val="1842829182"/>
       </p:ext>
     </p:extLst>
   </p:cSld>
@@ -22426,15 +22517,7 @@
             </a:r>
             <a:r>
               <a:rPr lang="en-US" dirty="0"/>
-              <a:t>–</a:t>
-            </a:r>
-            <a:r>
-              <a:rPr lang="en-US" dirty="0" err="1"/>
-              <a:t>Bsymbolic</a:t>
-            </a:r>
-            <a:r>
-              <a:rPr lang="en-US" dirty="0"/>
-              <a:t>-functions</a:t>
+              <a:t>–O1</a:t>
             </a:r>
           </a:p>
         </p:txBody>
@@ -22480,23 +22563,7 @@
             <a:pPr lvl="1"/>
             <a:r>
               <a:rPr lang="en-US" dirty="0"/>
-              <a:t>-DBUILD_SHARED_LIBS=ON -DCMAKE_SHARED_LINKER_FLAGS='-</a:t>
-            </a:r>
-            <a:r>
-              <a:rPr lang="en-US" dirty="0" err="1"/>
-              <a:t>Wl</a:t>
-            </a:r>
-            <a:r>
-              <a:rPr lang="en-US" dirty="0"/>
-              <a:t>,-</a:t>
-            </a:r>
-            <a:r>
-              <a:rPr lang="en-US" dirty="0" err="1"/>
-              <a:t>Bsymbolic</a:t>
-            </a:r>
-            <a:r>
-              <a:rPr lang="en-US" dirty="0"/>
-              <a:t>-functions’</a:t>
+              <a:t>-DBUILD_SHARED_LIBS=ON -DCMAKE_SHARED_LINKER_FLAGS='-Wl,-O1’</a:t>
             </a:r>
           </a:p>
           <a:p>
@@ -22513,20 +22580,15 @@
             <a:pPr lvl="1"/>
             <a:r>
               <a:rPr lang="en-US" dirty="0"/>
-              <a:t>./benchmark.pl 10 path/to/clang -S -O2 ~/</a:t>
-            </a:r>
-            <a:r>
-              <a:rPr lang="en-US" dirty="0" err="1"/>
-              <a:t>InstCombining.i</a:t>
-            </a:r>
-            <a:endParaRPr lang="en-US" dirty="0"/>
+              <a:t>./benchmark.pl 10 path/to/clang -h</a:t>
+            </a:r>
           </a:p>
         </p:txBody>
       </p:sp>
     </p:spTree>
     <p:extLst>
       <p:ext uri="{BB962C8B-B14F-4D97-AF65-F5344CB8AC3E}">
-        <p14:creationId xmlns:p14="http://schemas.microsoft.com/office/powerpoint/2010/main" val="2465096134"/>
+        <p14:creationId xmlns:p14="http://schemas.microsoft.com/office/powerpoint/2010/main" val="1685019486"/>
       </p:ext>
     </p:extLst>
   </p:cSld>
@@ -22558,6 +22620,311 @@
           <p:cNvPr id="2" name="Title 1">
             <a:extLst>
               <a:ext uri="{FF2B5EF4-FFF2-40B4-BE49-F238E27FC236}">
+                <a16:creationId xmlns:a16="http://schemas.microsoft.com/office/drawing/2014/main" id="{CD19E7E3-A310-49FF-A77B-B37588A39A3E}"/>
+              </a:ext>
+            </a:extLst>
+          </p:cNvPr>
+          <p:cNvSpPr>
+            <a:spLocks noGrp="1"/>
+          </p:cNvSpPr>
+          <p:nvPr>
+            <p:ph type="title"/>
+          </p:nvPr>
+        </p:nvSpPr>
+        <p:spPr/>
+        <p:txBody>
+          <a:bodyPr/>
+          <a:lstStyle/>
+          <a:p>
+            <a:r>
+              <a:rPr lang="ru-RU" dirty="0"/>
+              <a:t>Проверка </a:t>
+            </a:r>
+            <a:r>
+              <a:rPr lang="en-US" dirty="0"/>
+              <a:t>–</a:t>
+            </a:r>
+            <a:r>
+              <a:rPr lang="en-US" dirty="0" err="1"/>
+              <a:t>fno-plt</a:t>
+            </a:r>
+            <a:endParaRPr lang="en-US" dirty="0"/>
+          </a:p>
+        </p:txBody>
+      </p:sp>
+      <p:sp>
+        <p:nvSpPr>
+          <p:cNvPr id="3" name="Content Placeholder 2">
+            <a:extLst>
+              <a:ext uri="{FF2B5EF4-FFF2-40B4-BE49-F238E27FC236}">
+                <a16:creationId xmlns:a16="http://schemas.microsoft.com/office/drawing/2014/main" id="{0263D36B-8799-48BF-9D12-7FA8EC932069}"/>
+              </a:ext>
+            </a:extLst>
+          </p:cNvPr>
+          <p:cNvSpPr>
+            <a:spLocks noGrp="1"/>
+          </p:cNvSpPr>
+          <p:nvPr>
+            <p:ph idx="1"/>
+          </p:nvPr>
+        </p:nvSpPr>
+        <p:spPr/>
+        <p:txBody>
+          <a:bodyPr/>
+          <a:lstStyle/>
+          <a:p>
+            <a:r>
+              <a:rPr lang="ru-RU" dirty="0"/>
+              <a:t>Собрать две версии </a:t>
+            </a:r>
+            <a:r>
+              <a:rPr lang="en-US" dirty="0"/>
+              <a:t>LLVM:</a:t>
+            </a:r>
+          </a:p>
+          <a:p>
+            <a:pPr lvl="1"/>
+            <a:r>
+              <a:rPr lang="en-US" dirty="0"/>
+              <a:t>-DBUILD_SHARED_LIBS=ON</a:t>
+            </a:r>
+          </a:p>
+          <a:p>
+            <a:pPr lvl="1"/>
+            <a:r>
+              <a:rPr lang="en-US" dirty="0"/>
+              <a:t>-DBUILD_SHARED_LIBS=ON -DCMAKE_CXX_FLAGS=‘-</a:t>
+            </a:r>
+            <a:r>
+              <a:rPr lang="en-US" dirty="0" err="1"/>
+              <a:t>fno</a:t>
+            </a:r>
+            <a:r>
+              <a:rPr lang="en-US" dirty="0"/>
+              <a:t>-</a:t>
+            </a:r>
+            <a:r>
+              <a:rPr lang="en-US" dirty="0" err="1"/>
+              <a:t>plt</a:t>
+            </a:r>
+            <a:r>
+              <a:rPr lang="en-US" dirty="0"/>
+              <a:t>’</a:t>
+            </a:r>
+          </a:p>
+          <a:p>
+            <a:r>
+              <a:rPr lang="ru-RU" dirty="0"/>
+              <a:t>Сравнить производительность</a:t>
+            </a:r>
+            <a:r>
+              <a:rPr lang="en-US" dirty="0"/>
+              <a:t>:</a:t>
+            </a:r>
+          </a:p>
+          <a:p>
+            <a:pPr lvl="1"/>
+            <a:r>
+              <a:rPr lang="en-US" dirty="0"/>
+              <a:t>./benchmark.pl 10 path/to/clang -S -O2 ~/</a:t>
+            </a:r>
+            <a:r>
+              <a:rPr lang="en-US" dirty="0" err="1"/>
+              <a:t>InstCombining.i</a:t>
+            </a:r>
+            <a:endParaRPr lang="en-US" dirty="0"/>
+          </a:p>
+        </p:txBody>
+      </p:sp>
+    </p:spTree>
+    <p:extLst>
+      <p:ext uri="{BB962C8B-B14F-4D97-AF65-F5344CB8AC3E}">
+        <p14:creationId xmlns:p14="http://schemas.microsoft.com/office/powerpoint/2010/main" val="4180884372"/>
+      </p:ext>
+    </p:extLst>
+  </p:cSld>
+  <p:clrMapOvr>
+    <a:masterClrMapping/>
+  </p:clrMapOvr>
+</p:sld>
+</file>
+
+<file path=ppt/slides/slide53.xml><?xml version="1.0" encoding="utf-8"?>
+<p:sld xmlns:a="http://schemas.openxmlformats.org/drawingml/2006/main" xmlns:r="http://schemas.openxmlformats.org/officeDocument/2006/relationships" xmlns:p="http://schemas.openxmlformats.org/presentationml/2006/main">
+  <p:cSld>
+    <p:spTree>
+      <p:nvGrpSpPr>
+        <p:cNvPr id="1" name=""/>
+        <p:cNvGrpSpPr/>
+        <p:nvPr/>
+      </p:nvGrpSpPr>
+      <p:grpSpPr>
+        <a:xfrm>
+          <a:off x="0" y="0"/>
+          <a:ext cx="0" cy="0"/>
+          <a:chOff x="0" y="0"/>
+          <a:chExt cx="0" cy="0"/>
+        </a:xfrm>
+      </p:grpSpPr>
+      <p:sp>
+        <p:nvSpPr>
+          <p:cNvPr id="2" name="Title 1">
+            <a:extLst>
+              <a:ext uri="{FF2B5EF4-FFF2-40B4-BE49-F238E27FC236}">
+                <a16:creationId xmlns:a16="http://schemas.microsoft.com/office/drawing/2014/main" id="{CD19E7E3-A310-49FF-A77B-B37588A39A3E}"/>
+              </a:ext>
+            </a:extLst>
+          </p:cNvPr>
+          <p:cNvSpPr>
+            <a:spLocks noGrp="1"/>
+          </p:cNvSpPr>
+          <p:nvPr>
+            <p:ph type="title"/>
+          </p:nvPr>
+        </p:nvSpPr>
+        <p:spPr/>
+        <p:txBody>
+          <a:bodyPr/>
+          <a:lstStyle/>
+          <a:p>
+            <a:r>
+              <a:rPr lang="ru-RU" dirty="0"/>
+              <a:t>Проверка </a:t>
+            </a:r>
+            <a:r>
+              <a:rPr lang="en-US" dirty="0"/>
+              <a:t>–</a:t>
+            </a:r>
+            <a:r>
+              <a:rPr lang="en-US" dirty="0" err="1"/>
+              <a:t>Bsymbolic</a:t>
+            </a:r>
+            <a:r>
+              <a:rPr lang="en-US" dirty="0"/>
+              <a:t>-functions</a:t>
+            </a:r>
+          </a:p>
+        </p:txBody>
+      </p:sp>
+      <p:sp>
+        <p:nvSpPr>
+          <p:cNvPr id="3" name="Content Placeholder 2">
+            <a:extLst>
+              <a:ext uri="{FF2B5EF4-FFF2-40B4-BE49-F238E27FC236}">
+                <a16:creationId xmlns:a16="http://schemas.microsoft.com/office/drawing/2014/main" id="{0263D36B-8799-48BF-9D12-7FA8EC932069}"/>
+              </a:ext>
+            </a:extLst>
+          </p:cNvPr>
+          <p:cNvSpPr>
+            <a:spLocks noGrp="1"/>
+          </p:cNvSpPr>
+          <p:nvPr>
+            <p:ph idx="1"/>
+          </p:nvPr>
+        </p:nvSpPr>
+        <p:spPr/>
+        <p:txBody>
+          <a:bodyPr/>
+          <a:lstStyle/>
+          <a:p>
+            <a:r>
+              <a:rPr lang="ru-RU" dirty="0"/>
+              <a:t>Собрать две версии </a:t>
+            </a:r>
+            <a:r>
+              <a:rPr lang="en-US" dirty="0"/>
+              <a:t>LLVM:</a:t>
+            </a:r>
+          </a:p>
+          <a:p>
+            <a:pPr lvl="1"/>
+            <a:r>
+              <a:rPr lang="en-US" dirty="0"/>
+              <a:t>-DBUILD_SHARED_LIBS=ON</a:t>
+            </a:r>
+          </a:p>
+          <a:p>
+            <a:pPr lvl="1"/>
+            <a:r>
+              <a:rPr lang="en-US" dirty="0"/>
+              <a:t>-DBUILD_SHARED_LIBS=ON -DCMAKE_SHARED_LINKER_FLAGS='-</a:t>
+            </a:r>
+            <a:r>
+              <a:rPr lang="en-US" dirty="0" err="1"/>
+              <a:t>Wl</a:t>
+            </a:r>
+            <a:r>
+              <a:rPr lang="en-US" dirty="0"/>
+              <a:t>,-</a:t>
+            </a:r>
+            <a:r>
+              <a:rPr lang="en-US" dirty="0" err="1"/>
+              <a:t>Bsymbolic</a:t>
+            </a:r>
+            <a:r>
+              <a:rPr lang="en-US" dirty="0"/>
+              <a:t>-functions’</a:t>
+            </a:r>
+          </a:p>
+          <a:p>
+            <a:r>
+              <a:rPr lang="ru-RU" dirty="0"/>
+              <a:t>Сравнить производительность</a:t>
+            </a:r>
+            <a:r>
+              <a:rPr lang="en-US" dirty="0"/>
+              <a:t>:</a:t>
+            </a:r>
+          </a:p>
+          <a:p>
+            <a:pPr lvl="1"/>
+            <a:r>
+              <a:rPr lang="en-US" dirty="0"/>
+              <a:t>./benchmark.pl 10 path/to/clang -S -O2 ~/</a:t>
+            </a:r>
+            <a:r>
+              <a:rPr lang="en-US" dirty="0" err="1"/>
+              <a:t>InstCombining.i</a:t>
+            </a:r>
+            <a:endParaRPr lang="en-US" dirty="0"/>
+          </a:p>
+        </p:txBody>
+      </p:sp>
+    </p:spTree>
+    <p:extLst>
+      <p:ext uri="{BB962C8B-B14F-4D97-AF65-F5344CB8AC3E}">
+        <p14:creationId xmlns:p14="http://schemas.microsoft.com/office/powerpoint/2010/main" val="2465096134"/>
+      </p:ext>
+    </p:extLst>
+  </p:cSld>
+  <p:clrMapOvr>
+    <a:masterClrMapping/>
+  </p:clrMapOvr>
+</p:sld>
+</file>
+
+<file path=ppt/slides/slide54.xml><?xml version="1.0" encoding="utf-8"?>
+<p:sld xmlns:a="http://schemas.openxmlformats.org/drawingml/2006/main" xmlns:r="http://schemas.openxmlformats.org/officeDocument/2006/relationships" xmlns:p="http://schemas.openxmlformats.org/presentationml/2006/main">
+  <p:cSld>
+    <p:spTree>
+      <p:nvGrpSpPr>
+        <p:cNvPr id="1" name=""/>
+        <p:cNvGrpSpPr/>
+        <p:nvPr/>
+      </p:nvGrpSpPr>
+      <p:grpSpPr>
+        <a:xfrm>
+          <a:off x="0" y="0"/>
+          <a:ext cx="0" cy="0"/>
+          <a:chOff x="0" y="0"/>
+          <a:chExt cx="0" cy="0"/>
+        </a:xfrm>
+      </p:grpSpPr>
+      <p:sp>
+        <p:nvSpPr>
+          <p:cNvPr id="2" name="Title 1">
+            <a:extLst>
+              <a:ext uri="{FF2B5EF4-FFF2-40B4-BE49-F238E27FC236}">
                 <a16:creationId xmlns:a16="http://schemas.microsoft.com/office/drawing/2014/main" id="{F09C38B6-88BB-47D5-AECF-F1AEB00015C7}"/>
               </a:ext>
             </a:extLst>
@@ -22678,7 +23045,7 @@
 </p:sld>
 </file>
 
-<file path=ppt/slides/slide53.xml><?xml version="1.0" encoding="utf-8"?>
+<file path=ppt/slides/slide55.xml><?xml version="1.0" encoding="utf-8"?>
 <p:sld xmlns:a="http://schemas.openxmlformats.org/drawingml/2006/main" xmlns:r="http://schemas.openxmlformats.org/officeDocument/2006/relationships" xmlns:p="http://schemas.openxmlformats.org/presentationml/2006/main">
   <p:cSld>
     <p:spTree>

--- a/2024/RU.pptx
+++ b/2024/RU.pptx
@@ -5,7 +5,7 @@
     <p:sldMasterId id="2147483648" r:id="rId1"/>
   </p:sldMasterIdLst>
   <p:notesMasterIdLst>
-    <p:notesMasterId r:id="rId57"/>
+    <p:notesMasterId r:id="rId58"/>
   </p:notesMasterIdLst>
   <p:sldIdLst>
     <p:sldId id="256" r:id="rId2"/>
@@ -54,15 +54,16 @@
     <p:sldId id="347" r:id="rId45"/>
     <p:sldId id="328" r:id="rId46"/>
     <p:sldId id="330" r:id="rId47"/>
-    <p:sldId id="338" r:id="rId48"/>
-    <p:sldId id="319" r:id="rId49"/>
-    <p:sldId id="299" r:id="rId50"/>
-    <p:sldId id="337" r:id="rId51"/>
-    <p:sldId id="349" r:id="rId52"/>
-    <p:sldId id="350" r:id="rId53"/>
-    <p:sldId id="346" r:id="rId54"/>
-    <p:sldId id="352" r:id="rId55"/>
-    <p:sldId id="353" r:id="rId56"/>
+    <p:sldId id="364" r:id="rId48"/>
+    <p:sldId id="338" r:id="rId49"/>
+    <p:sldId id="319" r:id="rId50"/>
+    <p:sldId id="299" r:id="rId51"/>
+    <p:sldId id="337" r:id="rId52"/>
+    <p:sldId id="349" r:id="rId53"/>
+    <p:sldId id="350" r:id="rId54"/>
+    <p:sldId id="346" r:id="rId55"/>
+    <p:sldId id="352" r:id="rId56"/>
+    <p:sldId id="353" r:id="rId57"/>
   </p:sldIdLst>
   <p:sldSz cx="12192000" cy="6858000"/>
   <p:notesSz cx="6858000" cy="9144000"/>
@@ -263,7 +264,7 @@
           <a:p>
             <a:fld id="{A36A2EB4-42A0-4A9F-94AC-04D10C1F231A}" type="datetimeFigureOut">
               <a:rPr lang="en-US" smtClean="0"/>
-              <a:t>2/23/2024</a:t>
+              <a:t>3/31/2024</a:t>
             </a:fld>
             <a:endParaRPr lang="en-US"/>
           </a:p>
@@ -2653,7 +2654,23 @@
             </a:r>
             <a:r>
               <a:rPr lang="ru-RU" dirty="0"/>
-              <a:t>мы можем теперь более чётко перечислить накладные расходы, которые возникают при их использовании.</a:t>
+              <a:t>мы можем теперь более чётко перечислить накладные расходы, которые возникают при их использовании</a:t>
+            </a:r>
+            <a:r>
+              <a:rPr lang="en-US" dirty="0"/>
+              <a:t>: </a:t>
+            </a:r>
+            <a:r>
+              <a:rPr lang="ru-RU" dirty="0"/>
+              <a:t>это релокация кода, разрешение</a:t>
+            </a:r>
+            <a:r>
+              <a:rPr lang="en-US" dirty="0"/>
+              <a:t>/</a:t>
+            </a:r>
+            <a:r>
+              <a:rPr lang="ru-RU" dirty="0"/>
+              <a:t>связывание символов и косвенные вызовы библиотечных функций.</a:t>
             </a:r>
             <a:endParaRPr lang="en-US" dirty="0"/>
           </a:p>
@@ -2739,6 +2756,10 @@
           <a:bodyPr/>
           <a:lstStyle/>
           <a:p>
+            <a:r>
+              <a:rPr lang="ru-RU" dirty="0"/>
+              <a:t>Самой простой оптимизацией является отключение загрузки ненужных библиотек.</a:t>
+            </a:r>
             <a:endParaRPr lang="en-US" dirty="0"/>
           </a:p>
         </p:txBody>
@@ -5131,6 +5152,85 @@
           <a:bodyPr/>
           <a:lstStyle/>
           <a:p>
+            <a:r>
+              <a:rPr lang="ru-RU" dirty="0"/>
+              <a:t>Если вы захотите применить оптимизацию сокрытия символов к большой кодовой базе, например к дистрибутиву </a:t>
+            </a:r>
+            <a:r>
+              <a:rPr lang="en-US" dirty="0"/>
+              <a:t>Linux, </a:t>
+            </a:r>
+            <a:r>
+              <a:rPr lang="ru-RU" dirty="0"/>
+              <a:t>то придётся анализировать по очереди каждую библиотеку вручную на предмет того экспортируются ли из неё ненужные символы и если да, то какие.</a:t>
+            </a:r>
+          </a:p>
+          <a:p>
+            <a:endParaRPr lang="ru-RU" dirty="0"/>
+          </a:p>
+          <a:p>
+            <a:r>
+              <a:rPr lang="ru-RU" dirty="0"/>
+              <a:t>Эту задачу можно упростить с помощью автоматизации. Утилита </a:t>
+            </a:r>
+            <a:r>
+              <a:rPr lang="en-US" dirty="0" err="1"/>
+              <a:t>ShlibVisibilityChecker</a:t>
+            </a:r>
+            <a:r>
+              <a:rPr lang="en-US" dirty="0"/>
+              <a:t> </a:t>
+            </a:r>
+            <a:r>
+              <a:rPr lang="ru-RU" dirty="0"/>
+              <a:t>по бинарному файлу библиотеки</a:t>
+            </a:r>
+            <a:r>
+              <a:rPr lang="en-US" dirty="0"/>
+              <a:t> </a:t>
+            </a:r>
+            <a:r>
+              <a:rPr lang="ru-RU" dirty="0"/>
+              <a:t>и заголовочному файлу скажет какие символы нужно скрыть. Я успешно применял эту утилиту для поиска проблемных библиотек в </a:t>
+            </a:r>
+            <a:r>
+              <a:rPr lang="en-US" dirty="0"/>
+              <a:t>Ubuntu.</a:t>
+            </a:r>
+            <a:endParaRPr lang="ru-RU" dirty="0"/>
+          </a:p>
+          <a:p>
+            <a:endParaRPr lang="ru-RU" dirty="0"/>
+          </a:p>
+          <a:p>
+            <a:r>
+              <a:rPr lang="ru-RU" dirty="0"/>
+              <a:t>На слайде приведён пример анализа популярной библиотеки</a:t>
+            </a:r>
+            <a:r>
+              <a:rPr lang="en-US" dirty="0"/>
+              <a:t> </a:t>
+            </a:r>
+            <a:r>
+              <a:rPr lang="en-US" dirty="0" err="1"/>
+              <a:t>libgmp</a:t>
+            </a:r>
+            <a:r>
+              <a:rPr lang="en-US" dirty="0"/>
+              <a:t> </a:t>
+            </a:r>
+            <a:r>
+              <a:rPr lang="ru-RU" dirty="0"/>
+              <a:t>для вычислений произвольной точности.</a:t>
+            </a:r>
+            <a:r>
+              <a:rPr lang="en-US" dirty="0"/>
+              <a:t> </a:t>
+            </a:r>
+            <a:r>
+              <a:rPr lang="ru-RU" dirty="0"/>
+              <a:t>Можно видеть что библиотека экспортирует большое количество ненужных символов.</a:t>
+            </a:r>
             <a:endParaRPr lang="en-US" dirty="0"/>
           </a:p>
         </p:txBody>
@@ -5153,6 +5253,90 @@
             <a:fld id="{3AC94D10-082F-46D7-A834-266F9222130F}" type="slidenum">
               <a:rPr lang="en-US" smtClean="0"/>
               <a:t>47</a:t>
+            </a:fld>
+            <a:endParaRPr lang="en-US"/>
+          </a:p>
+        </p:txBody>
+      </p:sp>
+    </p:spTree>
+    <p:extLst>
+      <p:ext uri="{BB962C8B-B14F-4D97-AF65-F5344CB8AC3E}">
+        <p14:creationId xmlns:p14="http://schemas.microsoft.com/office/powerpoint/2010/main" val="492988692"/>
+      </p:ext>
+    </p:extLst>
+  </p:cSld>
+  <p:clrMapOvr>
+    <a:masterClrMapping/>
+  </p:clrMapOvr>
+</p:notes>
+</file>
+
+<file path=ppt/notesSlides/notesSlide45.xml><?xml version="1.0" encoding="utf-8"?>
+<p:notes xmlns:a="http://schemas.openxmlformats.org/drawingml/2006/main" xmlns:r="http://schemas.openxmlformats.org/officeDocument/2006/relationships" xmlns:p="http://schemas.openxmlformats.org/presentationml/2006/main">
+  <p:cSld>
+    <p:spTree>
+      <p:nvGrpSpPr>
+        <p:cNvPr id="1" name=""/>
+        <p:cNvGrpSpPr/>
+        <p:nvPr/>
+      </p:nvGrpSpPr>
+      <p:grpSpPr>
+        <a:xfrm>
+          <a:off x="0" y="0"/>
+          <a:ext cx="0" cy="0"/>
+          <a:chOff x="0" y="0"/>
+          <a:chExt cx="0" cy="0"/>
+        </a:xfrm>
+      </p:grpSpPr>
+      <p:sp>
+        <p:nvSpPr>
+          <p:cNvPr id="2" name="Slide Image Placeholder 1"/>
+          <p:cNvSpPr>
+            <a:spLocks noGrp="1" noRot="1" noChangeAspect="1"/>
+          </p:cNvSpPr>
+          <p:nvPr>
+            <p:ph type="sldImg"/>
+          </p:nvPr>
+        </p:nvSpPr>
+        <p:spPr/>
+      </p:sp>
+      <p:sp>
+        <p:nvSpPr>
+          <p:cNvPr id="3" name="Notes Placeholder 2"/>
+          <p:cNvSpPr>
+            <a:spLocks noGrp="1"/>
+          </p:cNvSpPr>
+          <p:nvPr>
+            <p:ph type="body" idx="1"/>
+          </p:nvPr>
+        </p:nvSpPr>
+        <p:spPr/>
+        <p:txBody>
+          <a:bodyPr/>
+          <a:lstStyle/>
+          <a:p>
+            <a:endParaRPr lang="en-US" dirty="0"/>
+          </a:p>
+        </p:txBody>
+      </p:sp>
+      <p:sp>
+        <p:nvSpPr>
+          <p:cNvPr id="4" name="Slide Number Placeholder 3"/>
+          <p:cNvSpPr>
+            <a:spLocks noGrp="1"/>
+          </p:cNvSpPr>
+          <p:nvPr>
+            <p:ph type="sldNum" sz="quarter" idx="5"/>
+          </p:nvPr>
+        </p:nvSpPr>
+        <p:spPr/>
+        <p:txBody>
+          <a:bodyPr/>
+          <a:lstStyle/>
+          <a:p>
+            <a:fld id="{3AC94D10-082F-46D7-A834-266F9222130F}" type="slidenum">
+              <a:rPr lang="en-US" smtClean="0"/>
+              <a:t>48</a:t>
             </a:fld>
             <a:endParaRPr lang="en-US"/>
           </a:p>
@@ -5924,7 +6108,7 @@
           <a:p>
             <a:fld id="{83D30A23-1FB6-43A1-891F-95145083C4E9}" type="datetime1">
               <a:rPr lang="en-US" smtClean="0"/>
-              <a:t>2/23/2024</a:t>
+              <a:t>3/31/2024</a:t>
             </a:fld>
             <a:endParaRPr lang="en-US"/>
           </a:p>
@@ -6122,7 +6306,7 @@
           <a:p>
             <a:fld id="{A4B03399-60D8-4226-8AC7-3F159D57E860}" type="datetime1">
               <a:rPr lang="en-US" smtClean="0"/>
-              <a:t>2/23/2024</a:t>
+              <a:t>3/31/2024</a:t>
             </a:fld>
             <a:endParaRPr lang="en-US"/>
           </a:p>
@@ -6330,7 +6514,7 @@
           <a:p>
             <a:fld id="{1A646459-A066-416D-8E21-9D451FB1CBED}" type="datetime1">
               <a:rPr lang="en-US" smtClean="0"/>
-              <a:t>2/23/2024</a:t>
+              <a:t>3/31/2024</a:t>
             </a:fld>
             <a:endParaRPr lang="en-US"/>
           </a:p>
@@ -6528,7 +6712,7 @@
           <a:p>
             <a:fld id="{0636B939-1A2A-498F-9013-EEF28820D750}" type="datetime1">
               <a:rPr lang="en-US" smtClean="0"/>
-              <a:t>2/23/2024</a:t>
+              <a:t>3/31/2024</a:t>
             </a:fld>
             <a:endParaRPr lang="en-US"/>
           </a:p>
@@ -6842,7 +7026,7 @@
           <a:p>
             <a:fld id="{97D3760A-E884-42F2-A44C-F32FAA030BF6}" type="datetime1">
               <a:rPr lang="en-US" smtClean="0"/>
-              <a:t>2/23/2024</a:t>
+              <a:t>3/31/2024</a:t>
             </a:fld>
             <a:endParaRPr lang="en-US"/>
           </a:p>
@@ -7107,7 +7291,7 @@
           <a:p>
             <a:fld id="{4FC7535E-ABF1-4A69-B09E-251EF8B13143}" type="datetime1">
               <a:rPr lang="en-US" smtClean="0"/>
-              <a:t>2/23/2024</a:t>
+              <a:t>3/31/2024</a:t>
             </a:fld>
             <a:endParaRPr lang="en-US"/>
           </a:p>
@@ -7519,7 +7703,7 @@
           <a:p>
             <a:fld id="{CE54BCFC-68A7-4C68-9600-D4AAA16CF9A6}" type="datetime1">
               <a:rPr lang="en-US" smtClean="0"/>
-              <a:t>2/23/2024</a:t>
+              <a:t>3/31/2024</a:t>
             </a:fld>
             <a:endParaRPr lang="en-US"/>
           </a:p>
@@ -7660,7 +7844,7 @@
           <a:p>
             <a:fld id="{0F981744-C4F3-4F58-9E0E-AF6C4E78D03B}" type="datetime1">
               <a:rPr lang="en-US" smtClean="0"/>
-              <a:t>2/23/2024</a:t>
+              <a:t>3/31/2024</a:t>
             </a:fld>
             <a:endParaRPr lang="en-US"/>
           </a:p>
@@ -7773,7 +7957,7 @@
           <a:p>
             <a:fld id="{98ED47E1-EA96-4683-9629-E838295B20BC}" type="datetime1">
               <a:rPr lang="en-US" smtClean="0"/>
-              <a:t>2/23/2024</a:t>
+              <a:t>3/31/2024</a:t>
             </a:fld>
             <a:endParaRPr lang="en-US"/>
           </a:p>
@@ -8084,7 +8268,7 @@
           <a:p>
             <a:fld id="{2F2A1627-B435-455B-A0CA-0808E5748D61}" type="datetime1">
               <a:rPr lang="en-US" smtClean="0"/>
-              <a:t>2/23/2024</a:t>
+              <a:t>3/31/2024</a:t>
             </a:fld>
             <a:endParaRPr lang="en-US"/>
           </a:p>
@@ -8372,7 +8556,7 @@
           <a:p>
             <a:fld id="{FE11CB43-EB9E-4C41-ACD2-0EC61FB429F2}" type="datetime1">
               <a:rPr lang="en-US" smtClean="0"/>
-              <a:t>2/23/2024</a:t>
+              <a:t>3/31/2024</a:t>
             </a:fld>
             <a:endParaRPr lang="en-US"/>
           </a:p>
@@ -8613,7 +8797,7 @@
           <a:p>
             <a:fld id="{CC0B8F92-0932-40E4-878B-3E2E4AAA6810}" type="datetime1">
               <a:rPr lang="en-US" smtClean="0"/>
-              <a:t>2/23/2024</a:t>
+              <a:t>3/31/2024</a:t>
             </a:fld>
             <a:endParaRPr lang="en-US"/>
           </a:p>
@@ -14080,7 +14264,7 @@
         <p:spPr/>
         <p:txBody>
           <a:bodyPr>
-            <a:normAutofit/>
+            <a:normAutofit fontScale="92500" lnSpcReduction="20000"/>
           </a:bodyPr>
           <a:lstStyle/>
           <a:p>
@@ -14107,6 +14291,14 @@
               <a:rPr lang="ru-RU" dirty="0"/>
               <a:t>В коде отсутствуют абсолютные адреса функций</a:t>
             </a:r>
+            <a:r>
+              <a:rPr lang="en-US" dirty="0"/>
+              <a:t> </a:t>
+            </a:r>
+            <a:r>
+              <a:rPr lang="ru-RU" dirty="0"/>
+              <a:t>и глобальных переменных</a:t>
+            </a:r>
           </a:p>
           <a:p>
             <a:pPr lvl="1"/>
@@ -14120,6 +14312,12 @@
             </a:r>
           </a:p>
           <a:p>
+            <a:endParaRPr lang="en-US" dirty="0"/>
+          </a:p>
+          <a:p>
+            <a:endParaRPr lang="en-US" dirty="0"/>
+          </a:p>
+          <a:p>
             <a:r>
               <a:rPr lang="ru-RU" dirty="0"/>
               <a:t>Код не нужно релоцировать при загрузке</a:t>
@@ -14137,7 +14335,7 @@
             <a:pPr lvl="1"/>
             <a:r>
               <a:rPr lang="ru-RU" dirty="0"/>
-              <a:t>Например</a:t>
+              <a:t>Например в случае</a:t>
             </a:r>
             <a:endParaRPr lang="en-US" dirty="0"/>
           </a:p>
@@ -14193,6 +14391,180 @@
           </a:p>
         </p:txBody>
       </p:sp>
+      <p:sp>
+        <p:nvSpPr>
+          <p:cNvPr id="4" name="TextBox 3">
+            <a:extLst>
+              <a:ext uri="{FF2B5EF4-FFF2-40B4-BE49-F238E27FC236}">
+                <a16:creationId xmlns:a16="http://schemas.microsoft.com/office/drawing/2014/main" id="{C8FDE8C1-D2E9-42AE-9B35-3EBD2D3374A9}"/>
+              </a:ext>
+            </a:extLst>
+          </p:cNvPr>
+          <p:cNvSpPr txBox="1"/>
+          <p:nvPr/>
+        </p:nvSpPr>
+        <p:spPr>
+          <a:xfrm>
+            <a:off x="1600200" y="3244334"/>
+            <a:ext cx="3211286" cy="369332"/>
+          </a:xfrm>
+          <a:prstGeom prst="rect">
+            <a:avLst/>
+          </a:prstGeom>
+          <a:noFill/>
+        </p:spPr>
+        <p:txBody>
+          <a:bodyPr wrap="square" rtlCol="0">
+            <a:spAutoFit/>
+          </a:bodyPr>
+          <a:lstStyle/>
+          <a:p>
+            <a:r>
+              <a:rPr lang="en-US" dirty="0">
+                <a:latin typeface="Courier New" panose="02070309020205020404" pitchFamily="49" charset="0"/>
+                <a:cs typeface="Courier New" panose="02070309020205020404" pitchFamily="49" charset="0"/>
+              </a:rPr>
+              <a:t>mov </a:t>
+            </a:r>
+            <a:r>
+              <a:rPr lang="en-US" dirty="0" err="1">
+                <a:latin typeface="Courier New" panose="02070309020205020404" pitchFamily="49" charset="0"/>
+                <a:cs typeface="Courier New" panose="02070309020205020404" pitchFamily="49" charset="0"/>
+              </a:rPr>
+              <a:t>global_var</a:t>
+            </a:r>
+            <a:r>
+              <a:rPr lang="en-US" dirty="0">
+                <a:latin typeface="Courier New" panose="02070309020205020404" pitchFamily="49" charset="0"/>
+                <a:cs typeface="Courier New" panose="02070309020205020404" pitchFamily="49" charset="0"/>
+              </a:rPr>
+              <a:t>, %</a:t>
+            </a:r>
+            <a:r>
+              <a:rPr lang="en-US" dirty="0" err="1">
+                <a:latin typeface="Courier New" panose="02070309020205020404" pitchFamily="49" charset="0"/>
+                <a:cs typeface="Courier New" panose="02070309020205020404" pitchFamily="49" charset="0"/>
+              </a:rPr>
+              <a:t>rdi</a:t>
+            </a:r>
+            <a:r>
+              <a:rPr lang="en-US" dirty="0">
+                <a:latin typeface="Courier New" panose="02070309020205020404" pitchFamily="49" charset="0"/>
+                <a:cs typeface="Courier New" panose="02070309020205020404" pitchFamily="49" charset="0"/>
+              </a:rPr>
+              <a:t> </a:t>
+            </a:r>
+          </a:p>
+        </p:txBody>
+      </p:sp>
+      <p:sp>
+        <p:nvSpPr>
+          <p:cNvPr id="5" name="TextBox 4">
+            <a:extLst>
+              <a:ext uri="{FF2B5EF4-FFF2-40B4-BE49-F238E27FC236}">
+                <a16:creationId xmlns:a16="http://schemas.microsoft.com/office/drawing/2014/main" id="{20436F11-679E-4472-8F94-635B88843433}"/>
+              </a:ext>
+            </a:extLst>
+          </p:cNvPr>
+          <p:cNvSpPr txBox="1"/>
+          <p:nvPr/>
+        </p:nvSpPr>
+        <p:spPr>
+          <a:xfrm>
+            <a:off x="6215742" y="3244334"/>
+            <a:ext cx="4005943" cy="369332"/>
+          </a:xfrm>
+          <a:prstGeom prst="rect">
+            <a:avLst/>
+          </a:prstGeom>
+          <a:noFill/>
+        </p:spPr>
+        <p:txBody>
+          <a:bodyPr wrap="square" rtlCol="0">
+            <a:spAutoFit/>
+          </a:bodyPr>
+          <a:lstStyle/>
+          <a:p>
+            <a:r>
+              <a:rPr lang="en-US" dirty="0">
+                <a:latin typeface="Courier New" panose="02070309020205020404" pitchFamily="49" charset="0"/>
+                <a:cs typeface="Courier New" panose="02070309020205020404" pitchFamily="49" charset="0"/>
+              </a:rPr>
+              <a:t>mov </a:t>
+            </a:r>
+            <a:r>
+              <a:rPr lang="en-US" dirty="0" err="1">
+                <a:latin typeface="Courier New" panose="02070309020205020404" pitchFamily="49" charset="0"/>
+                <a:cs typeface="Courier New" panose="02070309020205020404" pitchFamily="49" charset="0"/>
+              </a:rPr>
+              <a:t>global_var</a:t>
+            </a:r>
+            <a:r>
+              <a:rPr lang="en-US" dirty="0">
+                <a:latin typeface="Courier New" panose="02070309020205020404" pitchFamily="49" charset="0"/>
+                <a:cs typeface="Courier New" panose="02070309020205020404" pitchFamily="49" charset="0"/>
+              </a:rPr>
+              <a:t>(%rip), %</a:t>
+            </a:r>
+            <a:r>
+              <a:rPr lang="en-US" dirty="0" err="1">
+                <a:latin typeface="Courier New" panose="02070309020205020404" pitchFamily="49" charset="0"/>
+                <a:cs typeface="Courier New" panose="02070309020205020404" pitchFamily="49" charset="0"/>
+              </a:rPr>
+              <a:t>rdi</a:t>
+            </a:r>
+            <a:r>
+              <a:rPr lang="en-US" dirty="0">
+                <a:latin typeface="Courier New" panose="02070309020205020404" pitchFamily="49" charset="0"/>
+                <a:cs typeface="Courier New" panose="02070309020205020404" pitchFamily="49" charset="0"/>
+              </a:rPr>
+              <a:t> </a:t>
+            </a:r>
+          </a:p>
+        </p:txBody>
+      </p:sp>
+      <p:cxnSp>
+        <p:nvCxnSpPr>
+          <p:cNvPr id="7" name="Straight Arrow Connector 6">
+            <a:extLst>
+              <a:ext uri="{FF2B5EF4-FFF2-40B4-BE49-F238E27FC236}">
+                <a16:creationId xmlns:a16="http://schemas.microsoft.com/office/drawing/2014/main" id="{14AECB82-DF9E-4375-96FE-844EC0EEFE32}"/>
+              </a:ext>
+            </a:extLst>
+          </p:cNvPr>
+          <p:cNvCxnSpPr>
+            <a:cxnSpLocks/>
+            <a:stCxn id="4" idx="3"/>
+          </p:cNvCxnSpPr>
+          <p:nvPr/>
+        </p:nvCxnSpPr>
+        <p:spPr>
+          <a:xfrm>
+            <a:off x="4811486" y="3429000"/>
+            <a:ext cx="1153885" cy="0"/>
+          </a:xfrm>
+          <a:prstGeom prst="straightConnector1">
+            <a:avLst/>
+          </a:prstGeom>
+          <a:ln w="31750">
+            <a:tailEnd type="triangle"/>
+          </a:ln>
+        </p:spPr>
+        <p:style>
+          <a:lnRef idx="1">
+            <a:schemeClr val="accent1"/>
+          </a:lnRef>
+          <a:fillRef idx="0">
+            <a:schemeClr val="accent1"/>
+          </a:fillRef>
+          <a:effectRef idx="0">
+            <a:schemeClr val="accent1"/>
+          </a:effectRef>
+          <a:fontRef idx="minor">
+            <a:schemeClr val="tx1"/>
+          </a:fontRef>
+        </p:style>
+      </p:cxnSp>
     </p:spTree>
     <p:extLst>
       <p:ext uri="{BB962C8B-B14F-4D97-AF65-F5344CB8AC3E}">
@@ -17243,7 +17615,7 @@
           <a:p>
             <a:r>
               <a:rPr lang="ru-RU" dirty="0"/>
-              <a:t>Они замедлят загрузку приложения даже если не будут использоваться</a:t>
+              <a:t>Их загрузка замедлит работу приложения даже если не будут использоваться</a:t>
             </a:r>
           </a:p>
           <a:p>
@@ -17375,9 +17747,25 @@
             </a:r>
           </a:p>
           <a:p>
-            <a:r>
-              <a:rPr lang="ru-RU" dirty="0"/>
-              <a:t>Принципы их работы</a:t>
+            <a:pPr lvl="1"/>
+            <a:r>
+              <a:rPr lang="ru-RU" dirty="0"/>
+              <a:t>Отличия от статических библиотек</a:t>
+            </a:r>
+            <a:endParaRPr lang="en-US" dirty="0"/>
+          </a:p>
+          <a:p>
+            <a:pPr lvl="1"/>
+            <a:r>
+              <a:rPr lang="ru-RU" dirty="0"/>
+              <a:t>Принципы работы</a:t>
+            </a:r>
+          </a:p>
+          <a:p>
+            <a:pPr lvl="1"/>
+            <a:r>
+              <a:rPr lang="ru-RU" dirty="0"/>
+              <a:t>Преимущества и недостатки</a:t>
             </a:r>
           </a:p>
           <a:p>
@@ -17402,6 +17790,20 @@
             <a:r>
               <a:rPr lang="ru-RU" dirty="0"/>
               <a:t>Ускорение работы динамических библиотек</a:t>
+            </a:r>
+          </a:p>
+          <a:p>
+            <a:pPr lvl="1"/>
+            <a:r>
+              <a:rPr lang="ru-RU" dirty="0"/>
+              <a:t>Причины накладных расходов</a:t>
+            </a:r>
+          </a:p>
+          <a:p>
+            <a:pPr lvl="1"/>
+            <a:r>
+              <a:rPr lang="ru-RU" dirty="0"/>
+              <a:t>Способы уменьшения накладных расходов в современных тулчейнах</a:t>
             </a:r>
             <a:endParaRPr lang="en-US" dirty="0"/>
           </a:p>
@@ -17468,7 +17870,15 @@
             </a:r>
             <a:r>
               <a:rPr lang="ru-RU" dirty="0"/>
-              <a:t>отложенная загрузка</a:t>
+              <a:t>отложенная</a:t>
+            </a:r>
+            <a:r>
+              <a:rPr lang="en-US" dirty="0"/>
+              <a:t> (</a:t>
+            </a:r>
+            <a:r>
+              <a:rPr lang="ru-RU" dirty="0"/>
+              <a:t>ленивая) загрузка</a:t>
             </a:r>
             <a:r>
               <a:rPr lang="en-US" dirty="0"/>
@@ -17575,10 +17985,13 @@
             </a:r>
           </a:p>
           <a:p>
-            <a:pPr lvl="1"/>
-            <a:r>
-              <a:rPr lang="en-US" dirty="0"/>
-              <a:t>Linux: </a:t>
+            <a:r>
+              <a:rPr lang="ru-RU" dirty="0"/>
+              <a:t>Для </a:t>
+            </a:r>
+            <a:r>
+              <a:rPr lang="en-US" dirty="0"/>
+              <a:t>Linux </a:t>
             </a:r>
             <a:r>
               <a:rPr lang="ru-RU" dirty="0"/>
@@ -17693,7 +18106,7 @@
             </a:r>
             <a:r>
               <a:rPr lang="ru-RU" dirty="0"/>
-              <a:t>генерирует статическую библиотеку </a:t>
+              <a:t>генерирует небольшую статическую библиотеку </a:t>
             </a:r>
             <a:r>
               <a:rPr lang="en-US" dirty="0"/>
@@ -17875,7 +18288,7 @@
             </a:r>
             <a:r>
               <a:rPr lang="en-US" dirty="0"/>
-              <a:t>x86, ARM, AArch64, MIPS, e2k, etc.)</a:t>
+              <a:t>x86, ARM, AArch64, RISC-V, e2k, etc.)</a:t>
             </a:r>
           </a:p>
         </p:txBody>
@@ -20779,7 +21192,7 @@
         </p:spPr>
         <p:txBody>
           <a:bodyPr>
-            <a:normAutofit fontScale="92500" lnSpcReduction="10000"/>
+            <a:normAutofit/>
           </a:bodyPr>
           <a:lstStyle/>
           <a:p>
@@ -20800,180 +21213,37 @@
               </a:rPr>
               <a:t>ShlibVisibilityChecker</a:t>
             </a:r>
-            <a:r>
-              <a:rPr lang="en-US" dirty="0"/>
-              <a:t> :</a:t>
-            </a:r>
-          </a:p>
-          <a:p>
-            <a:pPr marL="457200" lvl="1" indent="0">
-              <a:buNone/>
-            </a:pPr>
-            <a:r>
-              <a:rPr lang="en-US" sz="1900" dirty="0"/>
-              <a:t>$ </a:t>
-            </a:r>
-            <a:r>
-              <a:rPr lang="en-US" sz="1900" dirty="0" err="1"/>
-              <a:t>read_header_api</a:t>
-            </a:r>
-            <a:r>
-              <a:rPr lang="en-US" sz="1900" dirty="0"/>
-              <a:t> --only-</a:t>
-            </a:r>
-            <a:r>
-              <a:rPr lang="en-US" sz="1900" dirty="0" err="1"/>
-              <a:t>args</a:t>
-            </a:r>
-            <a:r>
-              <a:rPr lang="en-US" sz="1900" dirty="0"/>
-              <a:t> /</a:t>
-            </a:r>
-            <a:r>
-              <a:rPr lang="en-US" sz="1900" dirty="0" err="1"/>
-              <a:t>usr</a:t>
-            </a:r>
-            <a:r>
-              <a:rPr lang="en-US" sz="1900" dirty="0"/>
-              <a:t>/include/x86_64-linux-gnu/</a:t>
-            </a:r>
-            <a:r>
-              <a:rPr lang="en-US" sz="1900" dirty="0" err="1"/>
-              <a:t>gmp.h</a:t>
-            </a:r>
-            <a:r>
-              <a:rPr lang="en-US" sz="1900" dirty="0"/>
-              <a:t> &gt; api.txt</a:t>
-            </a:r>
-          </a:p>
-          <a:p>
-            <a:pPr marL="457200" lvl="1" indent="0">
-              <a:buNone/>
-            </a:pPr>
-            <a:r>
-              <a:rPr lang="en-US" sz="1900" dirty="0"/>
-              <a:t>$ </a:t>
-            </a:r>
-            <a:r>
-              <a:rPr lang="en-US" sz="1900" dirty="0" err="1"/>
-              <a:t>read_binary_api</a:t>
-            </a:r>
-            <a:r>
-              <a:rPr lang="en-US" sz="1900" dirty="0"/>
-              <a:t> --permissive /</a:t>
-            </a:r>
-            <a:r>
-              <a:rPr lang="en-US" sz="1900" dirty="0" err="1"/>
-              <a:t>usr</a:t>
-            </a:r>
-            <a:r>
-              <a:rPr lang="en-US" sz="1900" dirty="0"/>
-              <a:t>/lib/x86_64-linux-gnu/libgmp.so.10.4.1 &gt; abi.txt</a:t>
-            </a:r>
-          </a:p>
-          <a:p>
-            <a:pPr marL="457200" lvl="1" indent="0">
-              <a:buNone/>
-            </a:pPr>
-            <a:r>
-              <a:rPr lang="en-US" sz="1900" dirty="0"/>
-              <a:t>$ diff api.txt abi.txt | </a:t>
-            </a:r>
-            <a:r>
-              <a:rPr lang="en-US" sz="1900" dirty="0" err="1"/>
-              <a:t>wc</a:t>
-            </a:r>
-            <a:r>
-              <a:rPr lang="en-US" sz="1900" dirty="0"/>
-              <a:t> -l</a:t>
-            </a:r>
-          </a:p>
-          <a:p>
-            <a:pPr marL="457200" lvl="1" indent="0">
-              <a:buNone/>
-            </a:pPr>
-            <a:r>
-              <a:rPr lang="en-US" sz="1900" b="1" dirty="0"/>
-              <a:t>323</a:t>
-            </a:r>
-          </a:p>
-          <a:p>
-            <a:pPr marL="457200" lvl="1" indent="0">
-              <a:buNone/>
-            </a:pPr>
-            <a:r>
-              <a:rPr lang="en-US" sz="1900" dirty="0"/>
-              <a:t>$ diff api.txt abi.txt</a:t>
-            </a:r>
-          </a:p>
-          <a:p>
-            <a:pPr marL="457200" lvl="1" indent="0">
-              <a:buNone/>
-            </a:pPr>
-            <a:r>
-              <a:rPr lang="en-US" sz="1900" dirty="0"/>
-              <a:t>0a1,10</a:t>
-            </a:r>
-          </a:p>
-          <a:p>
-            <a:pPr marL="457200" lvl="1" indent="0">
-              <a:buNone/>
-            </a:pPr>
-            <a:r>
-              <a:rPr lang="en-US" sz="1900" b="1" dirty="0"/>
-              <a:t>&gt; __gmp_0</a:t>
-            </a:r>
-          </a:p>
-          <a:p>
-            <a:pPr marL="457200" lvl="1" indent="0">
-              <a:buNone/>
-            </a:pPr>
-            <a:r>
-              <a:rPr lang="en-US" sz="1900" b="1" dirty="0"/>
-              <a:t>&gt; __</a:t>
-            </a:r>
-            <a:r>
-              <a:rPr lang="en-US" sz="1900" b="1" dirty="0" err="1"/>
-              <a:t>gmp_allocate_func</a:t>
-            </a:r>
-            <a:endParaRPr lang="en-US" sz="1900" b="1" dirty="0"/>
-          </a:p>
-          <a:p>
-            <a:pPr marL="457200" lvl="1" indent="0">
-              <a:buNone/>
-            </a:pPr>
-            <a:r>
-              <a:rPr lang="en-US" sz="1900" b="1" dirty="0"/>
-              <a:t>&gt; __</a:t>
-            </a:r>
-            <a:r>
-              <a:rPr lang="en-US" sz="1900" b="1" dirty="0" err="1"/>
-              <a:t>gmp_asprintf_final</a:t>
-            </a:r>
-            <a:endParaRPr lang="en-US" sz="1900" b="1" dirty="0"/>
-          </a:p>
-          <a:p>
-            <a:pPr marL="457200" lvl="1" indent="0">
-              <a:buNone/>
-            </a:pPr>
-            <a:r>
-              <a:rPr lang="en-US" sz="1900" b="1" dirty="0"/>
-              <a:t>&gt; __</a:t>
-            </a:r>
-            <a:r>
-              <a:rPr lang="en-US" sz="1900" b="1" dirty="0" err="1"/>
-              <a:t>gmp_asprintf_funs</a:t>
-            </a:r>
-            <a:endParaRPr lang="en-US" sz="1900" b="1" dirty="0"/>
-          </a:p>
-          <a:p>
-            <a:pPr marL="457200" lvl="1" indent="0">
-              <a:buNone/>
-            </a:pPr>
-            <a:r>
-              <a:rPr lang="en-US" sz="1900" b="1" dirty="0"/>
-              <a:t>…</a:t>
-            </a:r>
+            <a:endParaRPr lang="en-US" dirty="0"/>
+          </a:p>
+          <a:p>
+            <a:pPr lvl="1"/>
+            <a:r>
+              <a:rPr lang="ru-RU" dirty="0"/>
+              <a:t>Анализирует функции в публичных заголовочных файлах</a:t>
+            </a:r>
+            <a:r>
+              <a:rPr lang="en-US" dirty="0"/>
+              <a:t> </a:t>
+            </a:r>
+            <a:r>
+              <a:rPr lang="ru-RU" dirty="0"/>
+              <a:t>библиотеки</a:t>
+            </a:r>
+          </a:p>
+          <a:p>
+            <a:pPr lvl="1"/>
+            <a:r>
+              <a:rPr lang="ru-RU" dirty="0"/>
+              <a:t>Сравнивает их с функциями, экспортируемыми библиотекой</a:t>
+            </a:r>
+          </a:p>
+          <a:p>
+            <a:pPr lvl="1"/>
+            <a:r>
+              <a:rPr lang="ru-RU" dirty="0"/>
+              <a:t>Избыточные экспорты должны быть удалены</a:t>
+            </a:r>
+            <a:endParaRPr lang="en-US" dirty="0"/>
           </a:p>
         </p:txBody>
       </p:sp>
@@ -21012,7 +21282,7 @@
           <p:cNvPr id="2" name="Title 1">
             <a:extLst>
               <a:ext uri="{FF2B5EF4-FFF2-40B4-BE49-F238E27FC236}">
-                <a16:creationId xmlns:a16="http://schemas.microsoft.com/office/drawing/2014/main" id="{B79A58A2-53E2-4B07-B541-7560DC951115}"/>
+                <a16:creationId xmlns:a16="http://schemas.microsoft.com/office/drawing/2014/main" id="{BD766DFC-0AB1-4998-9C8F-D80FEAAB8954}"/>
               </a:ext>
             </a:extLst>
           </p:cNvPr>
@@ -21030,7 +21300,11 @@
           <a:p>
             <a:r>
               <a:rPr lang="ru-RU" dirty="0"/>
-              <a:t>Резюме</a:t>
+              <a:t>Пример использования </a:t>
+            </a:r>
+            <a:r>
+              <a:rPr lang="en-US" dirty="0" err="1"/>
+              <a:t>ShlibVisibilityChecker</a:t>
             </a:r>
             <a:endParaRPr lang="en-US" dirty="0"/>
           </a:p>
@@ -21041,7 +21315,7 @@
           <p:cNvPr id="3" name="Content Placeholder 2">
             <a:extLst>
               <a:ext uri="{FF2B5EF4-FFF2-40B4-BE49-F238E27FC236}">
-                <a16:creationId xmlns:a16="http://schemas.microsoft.com/office/drawing/2014/main" id="{89B42026-4F60-4665-8FC5-FDB3293BF4A3}"/>
+                <a16:creationId xmlns:a16="http://schemas.microsoft.com/office/drawing/2014/main" id="{CFEBEFD7-23BF-4F14-9339-37AF67D86D7F}"/>
               </a:ext>
             </a:extLst>
           </p:cNvPr>
@@ -21052,35 +21326,193 @@
             <p:ph idx="1"/>
           </p:nvPr>
         </p:nvSpPr>
-        <p:spPr/>
-        <p:txBody>
-          <a:bodyPr/>
-          <a:lstStyle/>
-          <a:p>
-            <a:r>
-              <a:rPr lang="ru-RU" dirty="0"/>
-              <a:t>Динамические библиотеки имеют ряд преимуществ над статическими</a:t>
-            </a:r>
-          </a:p>
-          <a:p>
-            <a:r>
-              <a:rPr lang="ru-RU" dirty="0"/>
-              <a:t>Добавляют накладные расходы на старте и во время работы приложения</a:t>
-            </a:r>
-          </a:p>
-          <a:p>
-            <a:r>
-              <a:rPr lang="ru-RU" dirty="0"/>
-              <a:t>Существуют методики, позволяющие существенно снизить оверхед</a:t>
-            </a:r>
-            <a:endParaRPr lang="en-US" dirty="0"/>
+        <p:spPr>
+          <a:xfrm>
+            <a:off x="838200" y="1825625"/>
+            <a:ext cx="10515600" cy="4847318"/>
+          </a:xfrm>
+        </p:spPr>
+        <p:txBody>
+          <a:bodyPr>
+            <a:normAutofit/>
+          </a:bodyPr>
+          <a:lstStyle/>
+          <a:p>
+            <a:pPr marL="457200" lvl="1" indent="0">
+              <a:buNone/>
+            </a:pPr>
+            <a:r>
+              <a:rPr lang="en-US" dirty="0"/>
+              <a:t>$ </a:t>
+            </a:r>
+            <a:r>
+              <a:rPr lang="en-US" dirty="0" err="1"/>
+              <a:t>read_header_api</a:t>
+            </a:r>
+            <a:r>
+              <a:rPr lang="en-US" dirty="0"/>
+              <a:t> --only-</a:t>
+            </a:r>
+            <a:r>
+              <a:rPr lang="en-US" dirty="0" err="1"/>
+              <a:t>args</a:t>
+            </a:r>
+            <a:r>
+              <a:rPr lang="en-US" dirty="0"/>
+              <a:t> /</a:t>
+            </a:r>
+            <a:r>
+              <a:rPr lang="en-US" dirty="0" err="1"/>
+              <a:t>usr</a:t>
+            </a:r>
+            <a:r>
+              <a:rPr lang="en-US" dirty="0"/>
+              <a:t>/include/x86_64-linux-gnu/</a:t>
+            </a:r>
+            <a:r>
+              <a:rPr lang="en-US" dirty="0" err="1"/>
+              <a:t>gmp.h</a:t>
+            </a:r>
+            <a:r>
+              <a:rPr lang="en-US" dirty="0"/>
+              <a:t> &gt; api.txt</a:t>
+            </a:r>
+          </a:p>
+          <a:p>
+            <a:pPr marL="457200" lvl="1" indent="0">
+              <a:buNone/>
+            </a:pPr>
+            <a:r>
+              <a:rPr lang="en-US" dirty="0"/>
+              <a:t>$ </a:t>
+            </a:r>
+            <a:r>
+              <a:rPr lang="en-US" dirty="0" err="1"/>
+              <a:t>read_binary_api</a:t>
+            </a:r>
+            <a:r>
+              <a:rPr lang="en-US" dirty="0"/>
+              <a:t> --permissive /</a:t>
+            </a:r>
+            <a:r>
+              <a:rPr lang="en-US" dirty="0" err="1"/>
+              <a:t>usr</a:t>
+            </a:r>
+            <a:r>
+              <a:rPr lang="en-US" dirty="0"/>
+              <a:t>/lib/x86_64-linux-gnu/libgmp.so.10.4.1 &gt; abi.txt</a:t>
+            </a:r>
+          </a:p>
+          <a:p>
+            <a:pPr marL="457200" lvl="1" indent="0">
+              <a:buNone/>
+            </a:pPr>
+            <a:r>
+              <a:rPr lang="en-US" dirty="0"/>
+              <a:t>$ diff api.txt abi.txt | </a:t>
+            </a:r>
+            <a:r>
+              <a:rPr lang="en-US" dirty="0" err="1"/>
+              <a:t>wc</a:t>
+            </a:r>
+            <a:r>
+              <a:rPr lang="en-US" dirty="0"/>
+              <a:t> -l</a:t>
+            </a:r>
+          </a:p>
+          <a:p>
+            <a:pPr marL="457200" lvl="1" indent="0">
+              <a:buNone/>
+            </a:pPr>
+            <a:r>
+              <a:rPr lang="en-US" b="1" dirty="0"/>
+              <a:t>323</a:t>
+            </a:r>
+          </a:p>
+          <a:p>
+            <a:pPr marL="457200" lvl="1" indent="0">
+              <a:buNone/>
+            </a:pPr>
+            <a:r>
+              <a:rPr lang="en-US" dirty="0"/>
+              <a:t>$ diff api.txt abi.txt</a:t>
+            </a:r>
+          </a:p>
+          <a:p>
+            <a:pPr marL="457200" lvl="1" indent="0">
+              <a:buNone/>
+            </a:pPr>
+            <a:r>
+              <a:rPr lang="en-US" dirty="0"/>
+              <a:t>0a1,10</a:t>
+            </a:r>
+          </a:p>
+          <a:p>
+            <a:pPr marL="457200" lvl="1" indent="0">
+              <a:buNone/>
+            </a:pPr>
+            <a:r>
+              <a:rPr lang="en-US" b="1" dirty="0"/>
+              <a:t>&gt; __gmp_0</a:t>
+            </a:r>
+          </a:p>
+          <a:p>
+            <a:pPr marL="457200" lvl="1" indent="0">
+              <a:buNone/>
+            </a:pPr>
+            <a:r>
+              <a:rPr lang="en-US" b="1" dirty="0"/>
+              <a:t>&gt; __</a:t>
+            </a:r>
+            <a:r>
+              <a:rPr lang="en-US" b="1" dirty="0" err="1"/>
+              <a:t>gmp_allocate_func</a:t>
+            </a:r>
+            <a:endParaRPr lang="en-US" b="1" dirty="0"/>
+          </a:p>
+          <a:p>
+            <a:pPr marL="457200" lvl="1" indent="0">
+              <a:buNone/>
+            </a:pPr>
+            <a:r>
+              <a:rPr lang="en-US" b="1" dirty="0"/>
+              <a:t>&gt; __</a:t>
+            </a:r>
+            <a:r>
+              <a:rPr lang="en-US" b="1" dirty="0" err="1"/>
+              <a:t>gmp_asprintf_final</a:t>
+            </a:r>
+            <a:endParaRPr lang="en-US" b="1" dirty="0"/>
+          </a:p>
+          <a:p>
+            <a:pPr marL="457200" lvl="1" indent="0">
+              <a:buNone/>
+            </a:pPr>
+            <a:r>
+              <a:rPr lang="en-US" b="1" dirty="0"/>
+              <a:t>&gt; __</a:t>
+            </a:r>
+            <a:r>
+              <a:rPr lang="en-US" b="1" dirty="0" err="1"/>
+              <a:t>gmp_asprintf_funs</a:t>
+            </a:r>
+            <a:endParaRPr lang="en-US" b="1" dirty="0"/>
+          </a:p>
+          <a:p>
+            <a:pPr marL="457200" lvl="1" indent="0">
+              <a:buNone/>
+            </a:pPr>
+            <a:r>
+              <a:rPr lang="en-US" b="1" dirty="0"/>
+              <a:t>…</a:t>
+            </a:r>
           </a:p>
         </p:txBody>
       </p:sp>
     </p:spTree>
     <p:extLst>
       <p:ext uri="{BB962C8B-B14F-4D97-AF65-F5344CB8AC3E}">
-        <p14:creationId xmlns:p14="http://schemas.microsoft.com/office/powerpoint/2010/main" val="883765393"/>
+        <p14:creationId xmlns:p14="http://schemas.microsoft.com/office/powerpoint/2010/main" val="3323570136"/>
       </p:ext>
     </p:extLst>
   </p:cSld>
@@ -21112,7 +21544,7 @@
           <p:cNvPr id="2" name="Title 1">
             <a:extLst>
               <a:ext uri="{FF2B5EF4-FFF2-40B4-BE49-F238E27FC236}">
-                <a16:creationId xmlns:a16="http://schemas.microsoft.com/office/drawing/2014/main" id="{886196FC-6BEF-434E-B7EB-743173F137B2}"/>
+                <a16:creationId xmlns:a16="http://schemas.microsoft.com/office/drawing/2014/main" id="{B79A58A2-53E2-4B07-B541-7560DC951115}"/>
               </a:ext>
             </a:extLst>
           </p:cNvPr>
@@ -21130,12 +21562,9 @@
           <a:p>
             <a:r>
               <a:rPr lang="ru-RU" dirty="0"/>
-              <a:t>Что почитать</a:t>
-            </a:r>
-            <a:r>
-              <a:rPr lang="en-US" dirty="0"/>
-              <a:t>?</a:t>
-            </a:r>
+              <a:t>Резюме</a:t>
+            </a:r>
+            <a:endParaRPr lang="en-US" dirty="0"/>
           </a:p>
         </p:txBody>
       </p:sp>
@@ -21144,7 +21573,7 @@
           <p:cNvPr id="3" name="Content Placeholder 2">
             <a:extLst>
               <a:ext uri="{FF2B5EF4-FFF2-40B4-BE49-F238E27FC236}">
-                <a16:creationId xmlns:a16="http://schemas.microsoft.com/office/drawing/2014/main" id="{FC6A6F34-CCD2-476C-82E8-06D3158E3E6F}"/>
+                <a16:creationId xmlns:a16="http://schemas.microsoft.com/office/drawing/2014/main" id="{89B42026-4F60-4665-8FC5-FDB3293BF4A3}"/>
               </a:ext>
             </a:extLst>
           </p:cNvPr>
@@ -21161,172 +21590,21 @@
           <a:lstStyle/>
           <a:p>
             <a:r>
-              <a:rPr lang="en-US" dirty="0">
-                <a:hlinkClick r:id="rId2"/>
-              </a:rPr>
-              <a:t>Linkers, Loaders and Shared Libraries in Windows, Linux, and C++ - </a:t>
-            </a:r>
-            <a:r>
-              <a:rPr lang="en-US" dirty="0" err="1">
-                <a:hlinkClick r:id="rId2"/>
-              </a:rPr>
-              <a:t>Ofek</a:t>
-            </a:r>
-            <a:r>
-              <a:rPr lang="en-US" dirty="0">
-                <a:hlinkClick r:id="rId2"/>
-              </a:rPr>
-              <a:t> </a:t>
-            </a:r>
-            <a:r>
-              <a:rPr lang="en-US" dirty="0" err="1">
-                <a:hlinkClick r:id="rId2"/>
-              </a:rPr>
-              <a:t>Shilon</a:t>
-            </a:r>
-            <a:r>
-              <a:rPr lang="en-US" dirty="0">
-                <a:hlinkClick r:id="rId2"/>
-              </a:rPr>
-              <a:t> - </a:t>
-            </a:r>
-            <a:r>
-              <a:rPr lang="en-US" dirty="0" err="1">
-                <a:hlinkClick r:id="rId2"/>
-              </a:rPr>
-              <a:t>CppCon</a:t>
-            </a:r>
-            <a:r>
-              <a:rPr lang="en-US" dirty="0">
-                <a:hlinkClick r:id="rId2"/>
-              </a:rPr>
-              <a:t> 2023</a:t>
-            </a:r>
-            <a:endParaRPr lang="en-US" dirty="0"/>
-          </a:p>
-          <a:p>
-            <a:pPr lvl="1"/>
-            <a:r>
-              <a:rPr lang="ru-RU" dirty="0"/>
-              <a:t>Общий обзор </a:t>
-            </a:r>
-            <a:r>
-              <a:rPr lang="en-US" dirty="0"/>
-              <a:t>DLL </a:t>
-            </a:r>
-            <a:r>
-              <a:rPr lang="ru-RU" dirty="0"/>
-              <a:t>на разных платформах</a:t>
-            </a:r>
-            <a:endParaRPr lang="en-US" dirty="0"/>
-          </a:p>
-          <a:p>
-            <a:r>
-              <a:rPr lang="en-US" dirty="0">
-                <a:hlinkClick r:id="rId3"/>
-              </a:rPr>
-              <a:t>How to Write Shared Libraries – Ulrich </a:t>
-            </a:r>
-            <a:r>
-              <a:rPr lang="en-US" dirty="0" err="1">
-                <a:hlinkClick r:id="rId3"/>
-              </a:rPr>
-              <a:t>Drepper</a:t>
-            </a:r>
-            <a:endParaRPr lang="ru-RU" dirty="0"/>
-          </a:p>
-          <a:p>
-            <a:pPr lvl="1"/>
-            <a:r>
-              <a:rPr lang="ru-RU" dirty="0"/>
-              <a:t>Всё что нужно знать о </a:t>
-            </a:r>
-            <a:r>
-              <a:rPr lang="en-US" dirty="0"/>
-              <a:t>DLL </a:t>
-            </a:r>
-            <a:r>
-              <a:rPr lang="ru-RU" dirty="0"/>
-              <a:t>на </a:t>
-            </a:r>
-            <a:r>
-              <a:rPr lang="en-US" dirty="0"/>
-              <a:t>Linux</a:t>
-            </a:r>
-          </a:p>
-          <a:p>
-            <a:r>
-              <a:rPr lang="en-US" dirty="0">
-                <a:hlinkClick r:id="rId4"/>
-              </a:rPr>
-              <a:t>Everything You Ever Wanted to Know about DLLs – James McNellis - </a:t>
-            </a:r>
-            <a:r>
-              <a:rPr lang="en-US" dirty="0" err="1">
-                <a:hlinkClick r:id="rId4"/>
-              </a:rPr>
-              <a:t>CppCon</a:t>
-            </a:r>
-            <a:r>
-              <a:rPr lang="en-US" dirty="0">
-                <a:hlinkClick r:id="rId4"/>
-              </a:rPr>
-              <a:t> 2017</a:t>
-            </a:r>
-            <a:endParaRPr lang="en-US" dirty="0"/>
-          </a:p>
-          <a:p>
-            <a:pPr lvl="1"/>
-            <a:r>
-              <a:rPr lang="ru-RU" dirty="0"/>
-              <a:t>Всё что нужно знать о </a:t>
-            </a:r>
-            <a:r>
-              <a:rPr lang="en-US" dirty="0"/>
-              <a:t>DLL </a:t>
-            </a:r>
-            <a:r>
-              <a:rPr lang="ru-RU" dirty="0"/>
-              <a:t>на </a:t>
-            </a:r>
-            <a:r>
-              <a:rPr lang="en-US" dirty="0"/>
-              <a:t>Windows</a:t>
-            </a:r>
-          </a:p>
-          <a:p>
-            <a:r>
-              <a:rPr lang="en-US" dirty="0">
-                <a:hlinkClick r:id="rId5"/>
-              </a:rPr>
-              <a:t>https://maskray.me/blog</a:t>
-            </a:r>
-            <a:endParaRPr lang="en-US" dirty="0"/>
-          </a:p>
-          <a:p>
-            <a:pPr lvl="1"/>
-            <a:r>
-              <a:rPr lang="ru-RU" dirty="0"/>
-              <a:t>Блог </a:t>
-            </a:r>
-            <a:r>
-              <a:rPr lang="en-US" dirty="0" err="1"/>
-              <a:t>MaskRay</a:t>
-            </a:r>
-            <a:r>
-              <a:rPr lang="en-US" dirty="0"/>
-              <a:t> </a:t>
-            </a:r>
-            <a:r>
-              <a:rPr lang="ru-RU" dirty="0"/>
-              <a:t>о системном программировании под </a:t>
-            </a:r>
-            <a:r>
-              <a:rPr lang="en-US" dirty="0"/>
-              <a:t>Linux (GOT, PLT, etc.)</a:t>
-            </a:r>
-          </a:p>
-          <a:p>
+              <a:rPr lang="ru-RU" dirty="0"/>
+              <a:t>Динамические библиотеки имеют ряд преимуществ над статическими</a:t>
+            </a:r>
+          </a:p>
+          <a:p>
+            <a:r>
+              <a:rPr lang="ru-RU" dirty="0"/>
+              <a:t>Добавляют накладные расходы на старте и во время работы приложения</a:t>
+            </a:r>
+          </a:p>
+          <a:p>
+            <a:r>
+              <a:rPr lang="ru-RU" dirty="0"/>
+              <a:t>Современные тулчейны содержат средства, позволяющие существенно снизить оверхед</a:t>
+            </a:r>
             <a:endParaRPr lang="en-US" dirty="0"/>
           </a:p>
         </p:txBody>
@@ -21334,7 +21612,7 @@
     </p:spTree>
     <p:extLst>
       <p:ext uri="{BB962C8B-B14F-4D97-AF65-F5344CB8AC3E}">
-        <p14:creationId xmlns:p14="http://schemas.microsoft.com/office/powerpoint/2010/main" val="3359078839"/>
+        <p14:creationId xmlns:p14="http://schemas.microsoft.com/office/powerpoint/2010/main" val="883765393"/>
       </p:ext>
     </p:extLst>
   </p:cSld>
@@ -21366,7 +21644,7 @@
           <p:cNvPr id="2" name="Title 1">
             <a:extLst>
               <a:ext uri="{FF2B5EF4-FFF2-40B4-BE49-F238E27FC236}">
-                <a16:creationId xmlns:a16="http://schemas.microsoft.com/office/drawing/2014/main" id="{AE55B1BF-E6CB-4A61-A19B-EAB2E2F68128}"/>
+                <a16:creationId xmlns:a16="http://schemas.microsoft.com/office/drawing/2014/main" id="{886196FC-6BEF-434E-B7EB-743173F137B2}"/>
               </a:ext>
             </a:extLst>
           </p:cNvPr>
@@ -21384,11 +21662,11 @@
           <a:p>
             <a:r>
               <a:rPr lang="ru-RU" dirty="0"/>
-              <a:t>Спасибо за внимание</a:t>
-            </a:r>
-            <a:r>
-              <a:rPr lang="en-US" dirty="0"/>
-              <a:t>!</a:t>
+              <a:t>Что почитать</a:t>
+            </a:r>
+            <a:r>
+              <a:rPr lang="en-US" dirty="0"/>
+              <a:t>?</a:t>
             </a:r>
           </a:p>
         </p:txBody>
@@ -21398,7 +21676,7 @@
           <p:cNvPr id="3" name="Content Placeholder 2">
             <a:extLst>
               <a:ext uri="{FF2B5EF4-FFF2-40B4-BE49-F238E27FC236}">
-                <a16:creationId xmlns:a16="http://schemas.microsoft.com/office/drawing/2014/main" id="{FDC23327-086B-41AB-AC13-CE5A75450C7E}"/>
+                <a16:creationId xmlns:a16="http://schemas.microsoft.com/office/drawing/2014/main" id="{FC6A6F34-CCD2-476C-82E8-06D3158E3E6F}"/>
               </a:ext>
             </a:extLst>
           </p:cNvPr>
@@ -21413,6 +21691,173 @@
         <p:txBody>
           <a:bodyPr/>
           <a:lstStyle/>
+          <a:p>
+            <a:r>
+              <a:rPr lang="en-US" dirty="0">
+                <a:hlinkClick r:id="rId2"/>
+              </a:rPr>
+              <a:t>Linkers, Loaders and Shared Libraries in Windows, Linux, and C++ - </a:t>
+            </a:r>
+            <a:r>
+              <a:rPr lang="en-US" dirty="0" err="1">
+                <a:hlinkClick r:id="rId2"/>
+              </a:rPr>
+              <a:t>Ofek</a:t>
+            </a:r>
+            <a:r>
+              <a:rPr lang="en-US" dirty="0">
+                <a:hlinkClick r:id="rId2"/>
+              </a:rPr>
+              <a:t> </a:t>
+            </a:r>
+            <a:r>
+              <a:rPr lang="en-US" dirty="0" err="1">
+                <a:hlinkClick r:id="rId2"/>
+              </a:rPr>
+              <a:t>Shilon</a:t>
+            </a:r>
+            <a:r>
+              <a:rPr lang="en-US" dirty="0">
+                <a:hlinkClick r:id="rId2"/>
+              </a:rPr>
+              <a:t> - </a:t>
+            </a:r>
+            <a:r>
+              <a:rPr lang="en-US" dirty="0" err="1">
+                <a:hlinkClick r:id="rId2"/>
+              </a:rPr>
+              <a:t>CppCon</a:t>
+            </a:r>
+            <a:r>
+              <a:rPr lang="en-US" dirty="0">
+                <a:hlinkClick r:id="rId2"/>
+              </a:rPr>
+              <a:t> 2023</a:t>
+            </a:r>
+            <a:endParaRPr lang="en-US" dirty="0"/>
+          </a:p>
+          <a:p>
+            <a:pPr lvl="1"/>
+            <a:r>
+              <a:rPr lang="ru-RU" dirty="0"/>
+              <a:t>Общий обзор </a:t>
+            </a:r>
+            <a:r>
+              <a:rPr lang="en-US" dirty="0"/>
+              <a:t>DLL </a:t>
+            </a:r>
+            <a:r>
+              <a:rPr lang="ru-RU" dirty="0"/>
+              <a:t>на разных платформах</a:t>
+            </a:r>
+            <a:endParaRPr lang="en-US" dirty="0"/>
+          </a:p>
+          <a:p>
+            <a:r>
+              <a:rPr lang="en-US" dirty="0">
+                <a:hlinkClick r:id="rId3"/>
+              </a:rPr>
+              <a:t>How to Write Shared Libraries – Ulrich </a:t>
+            </a:r>
+            <a:r>
+              <a:rPr lang="en-US" dirty="0" err="1">
+                <a:hlinkClick r:id="rId3"/>
+              </a:rPr>
+              <a:t>Drepper</a:t>
+            </a:r>
+            <a:endParaRPr lang="ru-RU" dirty="0"/>
+          </a:p>
+          <a:p>
+            <a:pPr lvl="1"/>
+            <a:r>
+              <a:rPr lang="ru-RU" dirty="0"/>
+              <a:t>Всё что нужно знать о </a:t>
+            </a:r>
+            <a:r>
+              <a:rPr lang="en-US" dirty="0"/>
+              <a:t>DLL </a:t>
+            </a:r>
+            <a:r>
+              <a:rPr lang="ru-RU" dirty="0"/>
+              <a:t>на </a:t>
+            </a:r>
+            <a:r>
+              <a:rPr lang="en-US" dirty="0"/>
+              <a:t>Linux</a:t>
+            </a:r>
+          </a:p>
+          <a:p>
+            <a:r>
+              <a:rPr lang="en-US" dirty="0">
+                <a:hlinkClick r:id="rId4"/>
+              </a:rPr>
+              <a:t>Everything You Ever Wanted to Know about DLLs – James McNellis - </a:t>
+            </a:r>
+            <a:r>
+              <a:rPr lang="en-US" dirty="0" err="1">
+                <a:hlinkClick r:id="rId4"/>
+              </a:rPr>
+              <a:t>CppCon</a:t>
+            </a:r>
+            <a:r>
+              <a:rPr lang="en-US" dirty="0">
+                <a:hlinkClick r:id="rId4"/>
+              </a:rPr>
+              <a:t> 2017</a:t>
+            </a:r>
+            <a:endParaRPr lang="en-US" dirty="0"/>
+          </a:p>
+          <a:p>
+            <a:pPr lvl="1"/>
+            <a:r>
+              <a:rPr lang="ru-RU" dirty="0"/>
+              <a:t>Всё что нужно знать о </a:t>
+            </a:r>
+            <a:r>
+              <a:rPr lang="en-US" dirty="0"/>
+              <a:t>DLL </a:t>
+            </a:r>
+            <a:r>
+              <a:rPr lang="ru-RU" dirty="0"/>
+              <a:t>на </a:t>
+            </a:r>
+            <a:r>
+              <a:rPr lang="en-US" dirty="0"/>
+              <a:t>Windows</a:t>
+            </a:r>
+          </a:p>
+          <a:p>
+            <a:r>
+              <a:rPr lang="en-US" dirty="0">
+                <a:hlinkClick r:id="rId5"/>
+              </a:rPr>
+              <a:t>https://maskray.me/blog</a:t>
+            </a:r>
+            <a:endParaRPr lang="en-US" dirty="0"/>
+          </a:p>
+          <a:p>
+            <a:pPr lvl="1"/>
+            <a:r>
+              <a:rPr lang="ru-RU" dirty="0"/>
+              <a:t>Блог </a:t>
+            </a:r>
+            <a:r>
+              <a:rPr lang="en-US" dirty="0" err="1"/>
+              <a:t>MaskRay</a:t>
+            </a:r>
+            <a:r>
+              <a:rPr lang="en-US" dirty="0"/>
+              <a:t> </a:t>
+            </a:r>
+            <a:r>
+              <a:rPr lang="ru-RU" dirty="0"/>
+              <a:t>о системном программировании под </a:t>
+            </a:r>
+            <a:r>
+              <a:rPr lang="en-US" dirty="0"/>
+              <a:t>Linux (GOT, PLT, etc.)</a:t>
+            </a:r>
+          </a:p>
           <a:p>
             <a:endParaRPr lang="en-US" dirty="0"/>
           </a:p>
@@ -21421,7 +21866,7 @@
     </p:spTree>
     <p:extLst>
       <p:ext uri="{BB962C8B-B14F-4D97-AF65-F5344CB8AC3E}">
-        <p14:creationId xmlns:p14="http://schemas.microsoft.com/office/powerpoint/2010/main" val="876813992"/>
+        <p14:creationId xmlns:p14="http://schemas.microsoft.com/office/powerpoint/2010/main" val="3359078839"/>
       </p:ext>
     </p:extLst>
   </p:cSld>
@@ -22373,7 +22818,7 @@
           <p:cNvPr id="2" name="Title 1">
             <a:extLst>
               <a:ext uri="{FF2B5EF4-FFF2-40B4-BE49-F238E27FC236}">
-                <a16:creationId xmlns:a16="http://schemas.microsoft.com/office/drawing/2014/main" id="{93090202-CF24-421C-9485-04FBDD337F8A}"/>
+                <a16:creationId xmlns:a16="http://schemas.microsoft.com/office/drawing/2014/main" id="{AE55B1BF-E6CB-4A61-A19B-EAB2E2F68128}"/>
               </a:ext>
             </a:extLst>
           </p:cNvPr>
@@ -22390,8 +22835,12 @@
           <a:lstStyle/>
           <a:p>
             <a:r>
-              <a:rPr lang="en-US" dirty="0"/>
-              <a:t>TODO</a:t>
+              <a:rPr lang="ru-RU" dirty="0"/>
+              <a:t>Спасибо за внимание</a:t>
+            </a:r>
+            <a:r>
+              <a:rPr lang="en-US" dirty="0"/>
+              <a:t>!</a:t>
             </a:r>
           </a:p>
         </p:txBody>
@@ -22401,7 +22850,7 @@
           <p:cNvPr id="3" name="Content Placeholder 2">
             <a:extLst>
               <a:ext uri="{FF2B5EF4-FFF2-40B4-BE49-F238E27FC236}">
-                <a16:creationId xmlns:a16="http://schemas.microsoft.com/office/drawing/2014/main" id="{47CB3639-5E9B-4AE5-9C58-15F576FBB26C}"/>
+                <a16:creationId xmlns:a16="http://schemas.microsoft.com/office/drawing/2014/main" id="{FDC23327-086B-41AB-AC13-CE5A75450C7E}"/>
               </a:ext>
             </a:extLst>
           </p:cNvPr>
@@ -22417,53 +22866,14 @@
           <a:bodyPr/>
           <a:lstStyle/>
           <a:p>
-            <a:r>
-              <a:rPr lang="ru-RU" dirty="0"/>
-              <a:t>Добавить иллюстраций</a:t>
-            </a:r>
             <a:endParaRPr lang="en-US" dirty="0"/>
-          </a:p>
-          <a:p>
-            <a:r>
-              <a:rPr lang="ru-RU" dirty="0"/>
-              <a:t>Проблема отсутствующего </a:t>
-            </a:r>
-            <a:r>
-              <a:rPr lang="en-US" dirty="0" err="1"/>
-              <a:t>dllimport</a:t>
-            </a:r>
-            <a:endParaRPr lang="ru-RU" dirty="0"/>
-          </a:p>
-          <a:p>
-            <a:r>
-              <a:rPr lang="en-US" dirty="0"/>
-              <a:t>DLL versioning, </a:t>
-            </a:r>
-            <a:r>
-              <a:rPr lang="en-US" dirty="0" err="1"/>
-              <a:t>symver</a:t>
-            </a:r>
-            <a:r>
-              <a:rPr lang="en-US" dirty="0"/>
-              <a:t> (?)</a:t>
-            </a:r>
-          </a:p>
-          <a:p>
-            <a:r>
-              <a:rPr lang="ru-RU" dirty="0"/>
-              <a:t>Что ещё</a:t>
-            </a:r>
-            <a:r>
-              <a:rPr lang="en-US" dirty="0"/>
-              <a:t>?!</a:t>
-            </a:r>
           </a:p>
         </p:txBody>
       </p:sp>
     </p:spTree>
     <p:extLst>
       <p:ext uri="{BB962C8B-B14F-4D97-AF65-F5344CB8AC3E}">
-        <p14:creationId xmlns:p14="http://schemas.microsoft.com/office/powerpoint/2010/main" val="1842829182"/>
+        <p14:creationId xmlns:p14="http://schemas.microsoft.com/office/powerpoint/2010/main" val="876813992"/>
       </p:ext>
     </p:extLst>
   </p:cSld>
@@ -22495,7 +22905,7 @@
           <p:cNvPr id="2" name="Title 1">
             <a:extLst>
               <a:ext uri="{FF2B5EF4-FFF2-40B4-BE49-F238E27FC236}">
-                <a16:creationId xmlns:a16="http://schemas.microsoft.com/office/drawing/2014/main" id="{CD19E7E3-A310-49FF-A77B-B37588A39A3E}"/>
+                <a16:creationId xmlns:a16="http://schemas.microsoft.com/office/drawing/2014/main" id="{93090202-CF24-421C-9485-04FBDD337F8A}"/>
               </a:ext>
             </a:extLst>
           </p:cNvPr>
@@ -22512,12 +22922,8 @@
           <a:lstStyle/>
           <a:p>
             <a:r>
-              <a:rPr lang="ru-RU" dirty="0"/>
-              <a:t>Проверка </a:t>
-            </a:r>
-            <a:r>
-              <a:rPr lang="en-US" dirty="0"/>
-              <a:t>–O1</a:t>
+              <a:rPr lang="en-US" dirty="0"/>
+              <a:t>TODO</a:t>
             </a:r>
           </a:p>
         </p:txBody>
@@ -22527,7 +22933,7 @@
           <p:cNvPr id="3" name="Content Placeholder 2">
             <a:extLst>
               <a:ext uri="{FF2B5EF4-FFF2-40B4-BE49-F238E27FC236}">
-                <a16:creationId xmlns:a16="http://schemas.microsoft.com/office/drawing/2014/main" id="{0263D36B-8799-48BF-9D12-7FA8EC932069}"/>
+                <a16:creationId xmlns:a16="http://schemas.microsoft.com/office/drawing/2014/main" id="{47CB3639-5E9B-4AE5-9C58-15F576FBB26C}"/>
               </a:ext>
             </a:extLst>
           </p:cNvPr>
@@ -22545,42 +22951,43 @@
           <a:p>
             <a:r>
               <a:rPr lang="ru-RU" dirty="0"/>
-              <a:t>Собрать две версии </a:t>
-            </a:r>
-            <a:r>
-              <a:rPr lang="en-US" dirty="0"/>
-              <a:t>LLVM:</a:t>
-            </a:r>
-          </a:p>
-          <a:p>
-            <a:pPr lvl="1"/>
-            <a:r>
-              <a:rPr lang="en-US" dirty="0"/>
-              <a:t>-DBUILD_SHARED_LIBS=ON</a:t>
-            </a:r>
-          </a:p>
-          <a:p>
-            <a:pPr lvl="1"/>
-            <a:r>
-              <a:rPr lang="en-US" dirty="0"/>
-              <a:t>-DBUILD_SHARED_LIBS=ON -DCMAKE_SHARED_LINKER_FLAGS='-Wl,-O1’</a:t>
-            </a:r>
-          </a:p>
-          <a:p>
-            <a:r>
-              <a:rPr lang="ru-RU" dirty="0"/>
-              <a:t>Сравнить производительность</a:t>
-            </a:r>
-            <a:r>
-              <a:rPr lang="en-US" dirty="0"/>
-              <a:t>:</a:t>
-            </a:r>
-          </a:p>
-          <a:p>
-            <a:pPr lvl="1"/>
-            <a:r>
-              <a:rPr lang="en-US" dirty="0"/>
-              <a:t>./benchmark.pl 10 path/to/clang -h</a:t>
+              <a:t>Добавить иллюстраций</a:t>
+            </a:r>
+            <a:endParaRPr lang="en-US" dirty="0"/>
+          </a:p>
+          <a:p>
+            <a:r>
+              <a:rPr lang="ru-RU" dirty="0"/>
+              <a:t>Проблема отсутствующего </a:t>
+            </a:r>
+            <a:r>
+              <a:rPr lang="en-US" dirty="0" err="1"/>
+              <a:t>dllimport</a:t>
+            </a:r>
+            <a:endParaRPr lang="ru-RU" dirty="0"/>
+          </a:p>
+          <a:p>
+            <a:r>
+              <a:rPr lang="en-US" dirty="0"/>
+              <a:t>DLL versioning, </a:t>
+            </a:r>
+            <a:r>
+              <a:rPr lang="en-US" dirty="0" err="1"/>
+              <a:t>symver</a:t>
+            </a:r>
+            <a:r>
+              <a:rPr lang="en-US" dirty="0"/>
+              <a:t> (?)</a:t>
+            </a:r>
+          </a:p>
+          <a:p>
+            <a:r>
+              <a:rPr lang="ru-RU" dirty="0"/>
+              <a:t>Что ещё</a:t>
+            </a:r>
+            <a:r>
+              <a:rPr lang="en-US" dirty="0"/>
+              <a:t>?!</a:t>
             </a:r>
           </a:p>
         </p:txBody>
@@ -22588,7 +22995,7 @@
     </p:spTree>
     <p:extLst>
       <p:ext uri="{BB962C8B-B14F-4D97-AF65-F5344CB8AC3E}">
-        <p14:creationId xmlns:p14="http://schemas.microsoft.com/office/powerpoint/2010/main" val="1685019486"/>
+        <p14:creationId xmlns:p14="http://schemas.microsoft.com/office/powerpoint/2010/main" val="1842829182"/>
       </p:ext>
     </p:extLst>
   </p:cSld>
@@ -22642,13 +23049,8 @@
             </a:r>
             <a:r>
               <a:rPr lang="en-US" dirty="0"/>
-              <a:t>–</a:t>
-            </a:r>
-            <a:r>
-              <a:rPr lang="en-US" dirty="0" err="1"/>
-              <a:t>fno-plt</a:t>
-            </a:r>
-            <a:endParaRPr lang="en-US" dirty="0"/>
+              <a:t>-Wl,-O1</a:t>
+            </a:r>
           </a:p>
         </p:txBody>
       </p:sp>
@@ -22693,23 +23095,7 @@
             <a:pPr lvl="1"/>
             <a:r>
               <a:rPr lang="en-US" dirty="0"/>
-              <a:t>-DBUILD_SHARED_LIBS=ON -DCMAKE_CXX_FLAGS=‘-</a:t>
-            </a:r>
-            <a:r>
-              <a:rPr lang="en-US" dirty="0" err="1"/>
-              <a:t>fno</a:t>
-            </a:r>
-            <a:r>
-              <a:rPr lang="en-US" dirty="0"/>
-              <a:t>-</a:t>
-            </a:r>
-            <a:r>
-              <a:rPr lang="en-US" dirty="0" err="1"/>
-              <a:t>plt</a:t>
-            </a:r>
-            <a:r>
-              <a:rPr lang="en-US" dirty="0"/>
-              <a:t>’</a:t>
+              <a:t>-DBUILD_SHARED_LIBS=ON -DCMAKE_SHARED_LINKER_FLAGS='-Wl,-O1’</a:t>
             </a:r>
           </a:p>
           <a:p>
@@ -22726,20 +23112,15 @@
             <a:pPr lvl="1"/>
             <a:r>
               <a:rPr lang="en-US" dirty="0"/>
-              <a:t>./benchmark.pl 10 path/to/clang -S -O2 ~/</a:t>
-            </a:r>
-            <a:r>
-              <a:rPr lang="en-US" dirty="0" err="1"/>
-              <a:t>InstCombining.i</a:t>
-            </a:r>
-            <a:endParaRPr lang="en-US" dirty="0"/>
+              <a:t>./benchmark.pl 10 path/to/clang -h</a:t>
+            </a:r>
           </a:p>
         </p:txBody>
       </p:sp>
     </p:spTree>
     <p:extLst>
       <p:ext uri="{BB962C8B-B14F-4D97-AF65-F5344CB8AC3E}">
-        <p14:creationId xmlns:p14="http://schemas.microsoft.com/office/powerpoint/2010/main" val="4180884372"/>
+        <p14:creationId xmlns:p14="http://schemas.microsoft.com/office/powerpoint/2010/main" val="1685019486"/>
       </p:ext>
     </p:extLst>
   </p:cSld>
@@ -22793,16 +23174,13 @@
             </a:r>
             <a:r>
               <a:rPr lang="en-US" dirty="0"/>
-              <a:t>–</a:t>
+              <a:t>-</a:t>
             </a:r>
             <a:r>
               <a:rPr lang="en-US" dirty="0" err="1"/>
-              <a:t>Bsymbolic</a:t>
-            </a:r>
-            <a:r>
-              <a:rPr lang="en-US" dirty="0"/>
-              <a:t>-functions</a:t>
-            </a:r>
+              <a:t>fno-plt</a:t>
+            </a:r>
+            <a:endParaRPr lang="en-US" dirty="0"/>
           </a:p>
         </p:txBody>
       </p:sp>
@@ -22847,23 +23225,23 @@
             <a:pPr lvl="1"/>
             <a:r>
               <a:rPr lang="en-US" dirty="0"/>
-              <a:t>-DBUILD_SHARED_LIBS=ON -DCMAKE_SHARED_LINKER_FLAGS='-</a:t>
+              <a:t>-DBUILD_SHARED_LIBS=ON -DCMAKE_CXX_FLAGS=‘-</a:t>
             </a:r>
             <a:r>
               <a:rPr lang="en-US" dirty="0" err="1"/>
-              <a:t>Wl</a:t>
-            </a:r>
-            <a:r>
-              <a:rPr lang="en-US" dirty="0"/>
-              <a:t>,-</a:t>
+              <a:t>fno</a:t>
+            </a:r>
+            <a:r>
+              <a:rPr lang="en-US" dirty="0"/>
+              <a:t>-</a:t>
             </a:r>
             <a:r>
               <a:rPr lang="en-US" dirty="0" err="1"/>
-              <a:t>Bsymbolic</a:t>
-            </a:r>
-            <a:r>
-              <a:rPr lang="en-US" dirty="0"/>
-              <a:t>-functions’</a:t>
+              <a:t>plt</a:t>
+            </a:r>
+            <a:r>
+              <a:rPr lang="en-US" dirty="0"/>
+              <a:t>’</a:t>
             </a:r>
           </a:p>
           <a:p>
@@ -22893,7 +23271,7 @@
     </p:spTree>
     <p:extLst>
       <p:ext uri="{BB962C8B-B14F-4D97-AF65-F5344CB8AC3E}">
-        <p14:creationId xmlns:p14="http://schemas.microsoft.com/office/powerpoint/2010/main" val="2465096134"/>
+        <p14:creationId xmlns:p14="http://schemas.microsoft.com/office/powerpoint/2010/main" val="4180884372"/>
       </p:ext>
     </p:extLst>
   </p:cSld>
@@ -22925,6 +23303,160 @@
           <p:cNvPr id="2" name="Title 1">
             <a:extLst>
               <a:ext uri="{FF2B5EF4-FFF2-40B4-BE49-F238E27FC236}">
+                <a16:creationId xmlns:a16="http://schemas.microsoft.com/office/drawing/2014/main" id="{CD19E7E3-A310-49FF-A77B-B37588A39A3E}"/>
+              </a:ext>
+            </a:extLst>
+          </p:cNvPr>
+          <p:cNvSpPr>
+            <a:spLocks noGrp="1"/>
+          </p:cNvSpPr>
+          <p:nvPr>
+            <p:ph type="title"/>
+          </p:nvPr>
+        </p:nvSpPr>
+        <p:spPr/>
+        <p:txBody>
+          <a:bodyPr/>
+          <a:lstStyle/>
+          <a:p>
+            <a:r>
+              <a:rPr lang="ru-RU" dirty="0"/>
+              <a:t>Проверка </a:t>
+            </a:r>
+            <a:r>
+              <a:rPr lang="en-US" dirty="0"/>
+              <a:t>-</a:t>
+            </a:r>
+            <a:r>
+              <a:rPr lang="en-US" dirty="0" err="1"/>
+              <a:t>Bsymbolic</a:t>
+            </a:r>
+            <a:r>
+              <a:rPr lang="en-US" dirty="0"/>
+              <a:t>-functions</a:t>
+            </a:r>
+          </a:p>
+        </p:txBody>
+      </p:sp>
+      <p:sp>
+        <p:nvSpPr>
+          <p:cNvPr id="3" name="Content Placeholder 2">
+            <a:extLst>
+              <a:ext uri="{FF2B5EF4-FFF2-40B4-BE49-F238E27FC236}">
+                <a16:creationId xmlns:a16="http://schemas.microsoft.com/office/drawing/2014/main" id="{0263D36B-8799-48BF-9D12-7FA8EC932069}"/>
+              </a:ext>
+            </a:extLst>
+          </p:cNvPr>
+          <p:cNvSpPr>
+            <a:spLocks noGrp="1"/>
+          </p:cNvSpPr>
+          <p:nvPr>
+            <p:ph idx="1"/>
+          </p:nvPr>
+        </p:nvSpPr>
+        <p:spPr/>
+        <p:txBody>
+          <a:bodyPr/>
+          <a:lstStyle/>
+          <a:p>
+            <a:r>
+              <a:rPr lang="ru-RU" dirty="0"/>
+              <a:t>Собрать две версии </a:t>
+            </a:r>
+            <a:r>
+              <a:rPr lang="en-US" dirty="0"/>
+              <a:t>LLVM:</a:t>
+            </a:r>
+          </a:p>
+          <a:p>
+            <a:pPr lvl="1"/>
+            <a:r>
+              <a:rPr lang="en-US" dirty="0"/>
+              <a:t>-DBUILD_SHARED_LIBS=ON</a:t>
+            </a:r>
+          </a:p>
+          <a:p>
+            <a:pPr lvl="1"/>
+            <a:r>
+              <a:rPr lang="en-US" dirty="0"/>
+              <a:t>-DBUILD_SHARED_LIBS=ON -DCMAKE_SHARED_LINKER_FLAGS='-</a:t>
+            </a:r>
+            <a:r>
+              <a:rPr lang="en-US" dirty="0" err="1"/>
+              <a:t>Wl</a:t>
+            </a:r>
+            <a:r>
+              <a:rPr lang="en-US" dirty="0"/>
+              <a:t>,-</a:t>
+            </a:r>
+            <a:r>
+              <a:rPr lang="en-US" dirty="0" err="1"/>
+              <a:t>Bsymbolic</a:t>
+            </a:r>
+            <a:r>
+              <a:rPr lang="en-US" dirty="0"/>
+              <a:t>-functions’</a:t>
+            </a:r>
+          </a:p>
+          <a:p>
+            <a:r>
+              <a:rPr lang="ru-RU" dirty="0"/>
+              <a:t>Сравнить производительность</a:t>
+            </a:r>
+            <a:r>
+              <a:rPr lang="en-US" dirty="0"/>
+              <a:t>:</a:t>
+            </a:r>
+          </a:p>
+          <a:p>
+            <a:pPr lvl="1"/>
+            <a:r>
+              <a:rPr lang="en-US" dirty="0"/>
+              <a:t>./benchmark.pl 10 path/to/clang -S -O2 ~/</a:t>
+            </a:r>
+            <a:r>
+              <a:rPr lang="en-US" dirty="0" err="1"/>
+              <a:t>InstCombining.i</a:t>
+            </a:r>
+            <a:endParaRPr lang="en-US" dirty="0"/>
+          </a:p>
+        </p:txBody>
+      </p:sp>
+    </p:spTree>
+    <p:extLst>
+      <p:ext uri="{BB962C8B-B14F-4D97-AF65-F5344CB8AC3E}">
+        <p14:creationId xmlns:p14="http://schemas.microsoft.com/office/powerpoint/2010/main" val="2465096134"/>
+      </p:ext>
+    </p:extLst>
+  </p:cSld>
+  <p:clrMapOvr>
+    <a:masterClrMapping/>
+  </p:clrMapOvr>
+</p:sld>
+</file>
+
+<file path=ppt/slides/slide55.xml><?xml version="1.0" encoding="utf-8"?>
+<p:sld xmlns:a="http://schemas.openxmlformats.org/drawingml/2006/main" xmlns:r="http://schemas.openxmlformats.org/officeDocument/2006/relationships" xmlns:p="http://schemas.openxmlformats.org/presentationml/2006/main">
+  <p:cSld>
+    <p:spTree>
+      <p:nvGrpSpPr>
+        <p:cNvPr id="1" name=""/>
+        <p:cNvGrpSpPr/>
+        <p:nvPr/>
+      </p:nvGrpSpPr>
+      <p:grpSpPr>
+        <a:xfrm>
+          <a:off x="0" y="0"/>
+          <a:ext cx="0" cy="0"/>
+          <a:chOff x="0" y="0"/>
+          <a:chExt cx="0" cy="0"/>
+        </a:xfrm>
+      </p:grpSpPr>
+      <p:sp>
+        <p:nvSpPr>
+          <p:cNvPr id="2" name="Title 1">
+            <a:extLst>
+              <a:ext uri="{FF2B5EF4-FFF2-40B4-BE49-F238E27FC236}">
                 <a16:creationId xmlns:a16="http://schemas.microsoft.com/office/drawing/2014/main" id="{F09C38B6-88BB-47D5-AECF-F1AEB00015C7}"/>
               </a:ext>
             </a:extLst>
@@ -23045,7 +23577,7 @@
 </p:sld>
 </file>
 
-<file path=ppt/slides/slide55.xml><?xml version="1.0" encoding="utf-8"?>
+<file path=ppt/slides/slide56.xml><?xml version="1.0" encoding="utf-8"?>
 <p:sld xmlns:a="http://schemas.openxmlformats.org/drawingml/2006/main" xmlns:r="http://schemas.openxmlformats.org/officeDocument/2006/relationships" xmlns:p="http://schemas.openxmlformats.org/presentationml/2006/main">
   <p:cSld>
     <p:spTree>

--- a/2024/RU.pptx
+++ b/2024/RU.pptx
@@ -5,7 +5,7 @@
     <p:sldMasterId id="2147483648" r:id="rId1"/>
   </p:sldMasterIdLst>
   <p:notesMasterIdLst>
-    <p:notesMasterId r:id="rId58"/>
+    <p:notesMasterId r:id="rId60"/>
   </p:notesMasterIdLst>
   <p:sldIdLst>
     <p:sldId id="256" r:id="rId2"/>
@@ -39,31 +39,33 @@
     <p:sldId id="362" r:id="rId30"/>
     <p:sldId id="321" r:id="rId31"/>
     <p:sldId id="322" r:id="rId32"/>
-    <p:sldId id="334" r:id="rId33"/>
-    <p:sldId id="320" r:id="rId34"/>
-    <p:sldId id="348" r:id="rId35"/>
-    <p:sldId id="335" r:id="rId36"/>
-    <p:sldId id="344" r:id="rId37"/>
-    <p:sldId id="323" r:id="rId38"/>
-    <p:sldId id="345" r:id="rId39"/>
-    <p:sldId id="351" r:id="rId40"/>
-    <p:sldId id="336" r:id="rId41"/>
-    <p:sldId id="324" r:id="rId42"/>
-    <p:sldId id="326" r:id="rId43"/>
-    <p:sldId id="327" r:id="rId44"/>
-    <p:sldId id="347" r:id="rId45"/>
-    <p:sldId id="328" r:id="rId46"/>
-    <p:sldId id="330" r:id="rId47"/>
-    <p:sldId id="364" r:id="rId48"/>
-    <p:sldId id="338" r:id="rId49"/>
-    <p:sldId id="319" r:id="rId50"/>
-    <p:sldId id="299" r:id="rId51"/>
-    <p:sldId id="337" r:id="rId52"/>
-    <p:sldId id="349" r:id="rId53"/>
-    <p:sldId id="350" r:id="rId54"/>
-    <p:sldId id="346" r:id="rId55"/>
-    <p:sldId id="352" r:id="rId56"/>
-    <p:sldId id="353" r:id="rId57"/>
+    <p:sldId id="366" r:id="rId33"/>
+    <p:sldId id="334" r:id="rId34"/>
+    <p:sldId id="320" r:id="rId35"/>
+    <p:sldId id="348" r:id="rId36"/>
+    <p:sldId id="335" r:id="rId37"/>
+    <p:sldId id="344" r:id="rId38"/>
+    <p:sldId id="323" r:id="rId39"/>
+    <p:sldId id="345" r:id="rId40"/>
+    <p:sldId id="351" r:id="rId41"/>
+    <p:sldId id="336" r:id="rId42"/>
+    <p:sldId id="324" r:id="rId43"/>
+    <p:sldId id="326" r:id="rId44"/>
+    <p:sldId id="327" r:id="rId45"/>
+    <p:sldId id="347" r:id="rId46"/>
+    <p:sldId id="328" r:id="rId47"/>
+    <p:sldId id="330" r:id="rId48"/>
+    <p:sldId id="365" r:id="rId49"/>
+    <p:sldId id="364" r:id="rId50"/>
+    <p:sldId id="338" r:id="rId51"/>
+    <p:sldId id="319" r:id="rId52"/>
+    <p:sldId id="299" r:id="rId53"/>
+    <p:sldId id="337" r:id="rId54"/>
+    <p:sldId id="349" r:id="rId55"/>
+    <p:sldId id="350" r:id="rId56"/>
+    <p:sldId id="346" r:id="rId57"/>
+    <p:sldId id="352" r:id="rId58"/>
+    <p:sldId id="353" r:id="rId59"/>
   </p:sldIdLst>
   <p:sldSz cx="12192000" cy="6858000"/>
   <p:notesSz cx="6858000" cy="9144000"/>
@@ -172,7 +174,7 @@
 
 <file path=ppt/commentAuthors.xml><?xml version="1.0" encoding="utf-8"?>
 <p:cmAuthorLst xmlns:a="http://schemas.openxmlformats.org/drawingml/2006/main" xmlns:r="http://schemas.openxmlformats.org/officeDocument/2006/relationships" xmlns:p="http://schemas.openxmlformats.org/presentationml/2006/main">
-  <p:cmAuthor id="1" name="Asus" initials="A" lastIdx="2" clrIdx="0">
+  <p:cmAuthor id="1" name="Asus" initials="A" lastIdx="3" clrIdx="0">
     <p:extLst>
       <p:ext uri="{19B8F6BF-5375-455C-9EA6-DF929625EA0E}">
         <p15:presenceInfo xmlns:p15="http://schemas.microsoft.com/office/powerpoint/2012/main" userId="Asus" providerId="None"/>
@@ -264,7 +266,7 @@
           <a:p>
             <a:fld id="{A36A2EB4-42A0-4A9F-94AC-04D10C1F231A}" type="datetimeFigureOut">
               <a:rPr lang="en-US" smtClean="0"/>
-              <a:t>3/31/2024</a:t>
+              <a:t>4/7/2024</a:t>
             </a:fld>
             <a:endParaRPr lang="en-US"/>
           </a:p>
@@ -3170,7 +3172,7 @@
           <a:p>
             <a:fld id="{3AC94D10-082F-46D7-A834-266F9222130F}" type="slidenum">
               <a:rPr lang="en-US" smtClean="0"/>
-              <a:t>32</a:t>
+              <a:t>33</a:t>
             </a:fld>
             <a:endParaRPr lang="en-US"/>
           </a:p>
@@ -3359,7 +3361,7 @@
           <a:p>
             <a:fld id="{3AC94D10-082F-46D7-A834-266F9222130F}" type="slidenum">
               <a:rPr lang="en-US" smtClean="0"/>
-              <a:t>33</a:t>
+              <a:t>34</a:t>
             </a:fld>
             <a:endParaRPr lang="en-US"/>
           </a:p>
@@ -3548,7 +3550,7 @@
           <a:p>
             <a:fld id="{3AC94D10-082F-46D7-A834-266F9222130F}" type="slidenum">
               <a:rPr lang="en-US" smtClean="0"/>
-              <a:t>34</a:t>
+              <a:t>35</a:t>
             </a:fld>
             <a:endParaRPr lang="en-US"/>
           </a:p>
@@ -3636,7 +3638,7 @@
           <a:p>
             <a:fld id="{3AC94D10-082F-46D7-A834-266F9222130F}" type="slidenum">
               <a:rPr lang="en-US" smtClean="0"/>
-              <a:t>35</a:t>
+              <a:t>36</a:t>
             </a:fld>
             <a:endParaRPr lang="en-US"/>
           </a:p>
@@ -3764,7 +3766,7 @@
           <a:p>
             <a:fld id="{3AC94D10-082F-46D7-A834-266F9222130F}" type="slidenum">
               <a:rPr lang="en-US" smtClean="0"/>
-              <a:t>36</a:t>
+              <a:t>37</a:t>
             </a:fld>
             <a:endParaRPr lang="en-US"/>
           </a:p>
@@ -3955,7 +3957,7 @@
           <a:p>
             <a:fld id="{3AC94D10-082F-46D7-A834-266F9222130F}" type="slidenum">
               <a:rPr lang="en-US" smtClean="0"/>
-              <a:t>37</a:t>
+              <a:t>38</a:t>
             </a:fld>
             <a:endParaRPr lang="en-US"/>
           </a:p>
@@ -4039,7 +4041,7 @@
           <a:p>
             <a:fld id="{3AC94D10-082F-46D7-A834-266F9222130F}" type="slidenum">
               <a:rPr lang="en-US" smtClean="0"/>
-              <a:t>38</a:t>
+              <a:t>39</a:t>
             </a:fld>
             <a:endParaRPr lang="en-US"/>
           </a:p>
@@ -4123,7 +4125,7 @@
           <a:p>
             <a:fld id="{3AC94D10-082F-46D7-A834-266F9222130F}" type="slidenum">
               <a:rPr lang="en-US" smtClean="0"/>
-              <a:t>39</a:t>
+              <a:t>40</a:t>
             </a:fld>
             <a:endParaRPr lang="en-US"/>
           </a:p>
@@ -4224,7 +4226,7 @@
           <a:p>
             <a:fld id="{3AC94D10-082F-46D7-A834-266F9222130F}" type="slidenum">
               <a:rPr lang="en-US" smtClean="0"/>
-              <a:t>40</a:t>
+              <a:t>41</a:t>
             </a:fld>
             <a:endParaRPr lang="en-US"/>
           </a:p>
@@ -4355,7 +4357,7 @@
           <a:p>
             <a:fld id="{3AC94D10-082F-46D7-A834-266F9222130F}" type="slidenum">
               <a:rPr lang="en-US" smtClean="0"/>
-              <a:t>41</a:t>
+              <a:t>42</a:t>
             </a:fld>
             <a:endParaRPr lang="en-US"/>
           </a:p>
@@ -4628,7 +4630,7 @@
           <a:p>
             <a:fld id="{3AC94D10-082F-46D7-A834-266F9222130F}" type="slidenum">
               <a:rPr lang="en-US" smtClean="0"/>
-              <a:t>42</a:t>
+              <a:t>43</a:t>
             </a:fld>
             <a:endParaRPr lang="en-US"/>
           </a:p>
@@ -4779,7 +4781,7 @@
           <a:p>
             <a:fld id="{3AC94D10-082F-46D7-A834-266F9222130F}" type="slidenum">
               <a:rPr lang="en-US" smtClean="0"/>
-              <a:t>43</a:t>
+              <a:t>44</a:t>
             </a:fld>
             <a:endParaRPr lang="en-US"/>
           </a:p>
@@ -4926,7 +4928,7 @@
           <a:p>
             <a:fld id="{3AC94D10-082F-46D7-A834-266F9222130F}" type="slidenum">
               <a:rPr lang="en-US" smtClean="0"/>
-              <a:t>45</a:t>
+              <a:t>46</a:t>
             </a:fld>
             <a:endParaRPr lang="en-US"/>
           </a:p>
@@ -5089,7 +5091,7 @@
           <a:p>
             <a:fld id="{3AC94D10-082F-46D7-A834-266F9222130F}" type="slidenum">
               <a:rPr lang="en-US" smtClean="0"/>
-              <a:t>46</a:t>
+              <a:t>47</a:t>
             </a:fld>
             <a:endParaRPr lang="en-US"/>
           </a:p>
@@ -5252,7 +5254,7 @@
           <a:p>
             <a:fld id="{3AC94D10-082F-46D7-A834-266F9222130F}" type="slidenum">
               <a:rPr lang="en-US" smtClean="0"/>
-              <a:t>47</a:t>
+              <a:t>49</a:t>
             </a:fld>
             <a:endParaRPr lang="en-US"/>
           </a:p>
@@ -5336,7 +5338,7 @@
           <a:p>
             <a:fld id="{3AC94D10-082F-46D7-A834-266F9222130F}" type="slidenum">
               <a:rPr lang="en-US" smtClean="0"/>
-              <a:t>48</a:t>
+              <a:t>50</a:t>
             </a:fld>
             <a:endParaRPr lang="en-US"/>
           </a:p>
@@ -6108,7 +6110,7 @@
           <a:p>
             <a:fld id="{83D30A23-1FB6-43A1-891F-95145083C4E9}" type="datetime1">
               <a:rPr lang="en-US" smtClean="0"/>
-              <a:t>3/31/2024</a:t>
+              <a:t>4/7/2024</a:t>
             </a:fld>
             <a:endParaRPr lang="en-US"/>
           </a:p>
@@ -6306,7 +6308,7 @@
           <a:p>
             <a:fld id="{A4B03399-60D8-4226-8AC7-3F159D57E860}" type="datetime1">
               <a:rPr lang="en-US" smtClean="0"/>
-              <a:t>3/31/2024</a:t>
+              <a:t>4/7/2024</a:t>
             </a:fld>
             <a:endParaRPr lang="en-US"/>
           </a:p>
@@ -6514,7 +6516,7 @@
           <a:p>
             <a:fld id="{1A646459-A066-416D-8E21-9D451FB1CBED}" type="datetime1">
               <a:rPr lang="en-US" smtClean="0"/>
-              <a:t>3/31/2024</a:t>
+              <a:t>4/7/2024</a:t>
             </a:fld>
             <a:endParaRPr lang="en-US"/>
           </a:p>
@@ -6712,7 +6714,7 @@
           <a:p>
             <a:fld id="{0636B939-1A2A-498F-9013-EEF28820D750}" type="datetime1">
               <a:rPr lang="en-US" smtClean="0"/>
-              <a:t>3/31/2024</a:t>
+              <a:t>4/7/2024</a:t>
             </a:fld>
             <a:endParaRPr lang="en-US"/>
           </a:p>
@@ -6806,7 +6808,7 @@
             </a:fld>
             <a:r>
               <a:rPr lang="en-US" dirty="0"/>
-              <a:t>/47</a:t>
+              <a:t>/52</a:t>
             </a:r>
           </a:p>
         </p:txBody>
@@ -7026,7 +7028,7 @@
           <a:p>
             <a:fld id="{97D3760A-E884-42F2-A44C-F32FAA030BF6}" type="datetime1">
               <a:rPr lang="en-US" smtClean="0"/>
-              <a:t>3/31/2024</a:t>
+              <a:t>4/7/2024</a:t>
             </a:fld>
             <a:endParaRPr lang="en-US"/>
           </a:p>
@@ -7291,7 +7293,7 @@
           <a:p>
             <a:fld id="{4FC7535E-ABF1-4A69-B09E-251EF8B13143}" type="datetime1">
               <a:rPr lang="en-US" smtClean="0"/>
-              <a:t>3/31/2024</a:t>
+              <a:t>4/7/2024</a:t>
             </a:fld>
             <a:endParaRPr lang="en-US"/>
           </a:p>
@@ -7703,7 +7705,7 @@
           <a:p>
             <a:fld id="{CE54BCFC-68A7-4C68-9600-D4AAA16CF9A6}" type="datetime1">
               <a:rPr lang="en-US" smtClean="0"/>
-              <a:t>3/31/2024</a:t>
+              <a:t>4/7/2024</a:t>
             </a:fld>
             <a:endParaRPr lang="en-US"/>
           </a:p>
@@ -7844,7 +7846,7 @@
           <a:p>
             <a:fld id="{0F981744-C4F3-4F58-9E0E-AF6C4E78D03B}" type="datetime1">
               <a:rPr lang="en-US" smtClean="0"/>
-              <a:t>3/31/2024</a:t>
+              <a:t>4/7/2024</a:t>
             </a:fld>
             <a:endParaRPr lang="en-US"/>
           </a:p>
@@ -7957,7 +7959,7 @@
           <a:p>
             <a:fld id="{98ED47E1-EA96-4683-9629-E838295B20BC}" type="datetime1">
               <a:rPr lang="en-US" smtClean="0"/>
-              <a:t>3/31/2024</a:t>
+              <a:t>4/7/2024</a:t>
             </a:fld>
             <a:endParaRPr lang="en-US"/>
           </a:p>
@@ -8268,7 +8270,7 @@
           <a:p>
             <a:fld id="{2F2A1627-B435-455B-A0CA-0808E5748D61}" type="datetime1">
               <a:rPr lang="en-US" smtClean="0"/>
-              <a:t>3/31/2024</a:t>
+              <a:t>4/7/2024</a:t>
             </a:fld>
             <a:endParaRPr lang="en-US"/>
           </a:p>
@@ -8556,7 +8558,7 @@
           <a:p>
             <a:fld id="{FE11CB43-EB9E-4C41-ACD2-0EC61FB429F2}" type="datetime1">
               <a:rPr lang="en-US" smtClean="0"/>
-              <a:t>3/31/2024</a:t>
+              <a:t>4/7/2024</a:t>
             </a:fld>
             <a:endParaRPr lang="en-US"/>
           </a:p>
@@ -8797,7 +8799,7 @@
           <a:p>
             <a:fld id="{CC0B8F92-0932-40E4-878B-3E2E4AAA6810}" type="datetime1">
               <a:rPr lang="en-US" smtClean="0"/>
-              <a:t>3/31/2024</a:t>
+              <a:t>4/7/2024</a:t>
             </a:fld>
             <a:endParaRPr lang="en-US"/>
           </a:p>
@@ -17939,7 +17941,7 @@
           <a:p>
             <a:r>
               <a:rPr lang="ru-RU" dirty="0"/>
-              <a:t>Многие платформы предоставляют такую возможность</a:t>
+              <a:t>Некоторые платформы предоставляют такую возможность</a:t>
             </a:r>
             <a:r>
               <a:rPr lang="en-US" dirty="0"/>
@@ -17983,6 +17985,11 @@
               <a:rPr lang="en-US" dirty="0"/>
               <a:t>,-z,-lazy-l</a:t>
             </a:r>
+            <a:r>
+              <a:rPr lang="ru-RU" dirty="0"/>
+              <a:t> (больше не поддерживается)</a:t>
+            </a:r>
+            <a:endParaRPr lang="en-US" dirty="0"/>
           </a:p>
           <a:p>
             <a:r>
@@ -18092,164 +18099,33 @@
         <p:spPr/>
         <p:txBody>
           <a:bodyPr>
-            <a:normAutofit fontScale="92500" lnSpcReduction="10000"/>
+            <a:normAutofit/>
           </a:bodyPr>
           <a:lstStyle/>
           <a:p>
             <a:r>
               <a:rPr lang="ru-RU" dirty="0"/>
-              <a:t>Для заданной </a:t>
-            </a:r>
-            <a:r>
-              <a:rPr lang="en-US" dirty="0"/>
-              <a:t>DLL </a:t>
-            </a:r>
-            <a:r>
-              <a:rPr lang="ru-RU" dirty="0"/>
-              <a:t>генерирует небольшую статическую библиотеку </a:t>
-            </a:r>
-            <a:r>
-              <a:rPr lang="en-US" dirty="0"/>
-              <a:t>c </a:t>
-            </a:r>
-            <a:r>
-              <a:rPr lang="ru-RU" dirty="0"/>
-              <a:t>функциями-заглушками (</a:t>
-            </a:r>
-            <a:r>
-              <a:rPr lang="en-US" dirty="0"/>
-              <a:t>trampolines)</a:t>
-            </a:r>
-          </a:p>
-          <a:p>
-            <a:r>
-              <a:rPr lang="ru-RU" dirty="0"/>
-              <a:t>Вместо </a:t>
-            </a:r>
-            <a:r>
-              <a:rPr lang="en-US" dirty="0"/>
-              <a:t>DLL </a:t>
-            </a:r>
-            <a:r>
-              <a:rPr lang="ru-RU" dirty="0"/>
-              <a:t>программа линкуется с этой статической библиотекой</a:t>
-            </a:r>
-          </a:p>
-          <a:p>
-            <a:r>
-              <a:rPr lang="ru-RU" dirty="0"/>
-              <a:t>Во время работы вызов функции-заглушки приведёт к загрузке библиотеки</a:t>
-            </a:r>
-            <a:r>
-              <a:rPr lang="en-US" dirty="0"/>
-              <a:t> </a:t>
-            </a:r>
-            <a:r>
-              <a:rPr lang="ru-RU" dirty="0"/>
-              <a:t>и передаче управления в неё</a:t>
+              <a:t>Простое решение задачи ленивой загрузки для </a:t>
+            </a:r>
+            <a:r>
+              <a:rPr lang="en-US" dirty="0"/>
+              <a:t>POSIX</a:t>
+            </a:r>
+            <a:r>
+              <a:rPr lang="ru-RU" dirty="0"/>
+              <a:t>-систем</a:t>
             </a:r>
             <a:endParaRPr lang="en-US" dirty="0"/>
           </a:p>
           <a:p>
             <a:r>
               <a:rPr lang="ru-RU" dirty="0"/>
-              <a:t>Пример использования</a:t>
-            </a:r>
-            <a:r>
-              <a:rPr lang="en-US" dirty="0"/>
-              <a:t>:</a:t>
-            </a:r>
-          </a:p>
-          <a:p>
-            <a:pPr marL="457200" lvl="1" indent="0">
-              <a:buNone/>
-            </a:pPr>
-            <a:r>
-              <a:rPr lang="en-US" dirty="0">
-                <a:latin typeface="Courier New" panose="02070309020205020404" pitchFamily="49" charset="0"/>
-                <a:cs typeface="Courier New" panose="02070309020205020404" pitchFamily="49" charset="0"/>
-              </a:rPr>
-              <a:t>$ implib-gen.py libxyz.so</a:t>
-            </a:r>
-          </a:p>
-          <a:p>
-            <a:pPr marL="457200" lvl="1" indent="0">
-              <a:buNone/>
-            </a:pPr>
-            <a:r>
-              <a:rPr lang="en-US" dirty="0">
-                <a:latin typeface="Courier New" panose="02070309020205020404" pitchFamily="49" charset="0"/>
-                <a:cs typeface="Courier New" panose="02070309020205020404" pitchFamily="49" charset="0"/>
-              </a:rPr>
-              <a:t>$ </a:t>
-            </a:r>
-            <a:r>
-              <a:rPr lang="en-US" dirty="0" err="1">
-                <a:latin typeface="Courier New" panose="02070309020205020404" pitchFamily="49" charset="0"/>
-                <a:cs typeface="Courier New" panose="02070309020205020404" pitchFamily="49" charset="0"/>
-              </a:rPr>
-              <a:t>gcc</a:t>
-            </a:r>
-            <a:r>
-              <a:rPr lang="en-US" dirty="0">
-                <a:latin typeface="Courier New" panose="02070309020205020404" pitchFamily="49" charset="0"/>
-                <a:cs typeface="Courier New" panose="02070309020205020404" pitchFamily="49" charset="0"/>
-              </a:rPr>
-              <a:t> </a:t>
-            </a:r>
-            <a:r>
-              <a:rPr lang="en-US" dirty="0" err="1">
-                <a:latin typeface="Courier New" panose="02070309020205020404" pitchFamily="49" charset="0"/>
-                <a:cs typeface="Courier New" panose="02070309020205020404" pitchFamily="49" charset="0"/>
-              </a:rPr>
-              <a:t>myprog.c</a:t>
-            </a:r>
-            <a:r>
-              <a:rPr lang="en-US" dirty="0">
-                <a:latin typeface="Courier New" panose="02070309020205020404" pitchFamily="49" charset="0"/>
-                <a:cs typeface="Courier New" panose="02070309020205020404" pitchFamily="49" charset="0"/>
-              </a:rPr>
-              <a:t> </a:t>
-            </a:r>
-            <a:r>
-              <a:rPr lang="en-US" dirty="0" err="1">
-                <a:latin typeface="Courier New" panose="02070309020205020404" pitchFamily="49" charset="0"/>
-                <a:cs typeface="Courier New" panose="02070309020205020404" pitchFamily="49" charset="0"/>
-              </a:rPr>
-              <a:t>libxyz.so.tramp.S</a:t>
-            </a:r>
-            <a:r>
-              <a:rPr lang="en-US" dirty="0">
-                <a:latin typeface="Courier New" panose="02070309020205020404" pitchFamily="49" charset="0"/>
-                <a:cs typeface="Courier New" panose="02070309020205020404" pitchFamily="49" charset="0"/>
-              </a:rPr>
-              <a:t> </a:t>
-            </a:r>
-            <a:r>
-              <a:rPr lang="en-US" dirty="0" err="1">
-                <a:latin typeface="Courier New" panose="02070309020205020404" pitchFamily="49" charset="0"/>
-                <a:cs typeface="Courier New" panose="02070309020205020404" pitchFamily="49" charset="0"/>
-              </a:rPr>
-              <a:t>libxyz.so.init.c</a:t>
-            </a:r>
-            <a:r>
-              <a:rPr lang="en-US" dirty="0">
-                <a:latin typeface="Courier New" panose="02070309020205020404" pitchFamily="49" charset="0"/>
-                <a:cs typeface="Courier New" panose="02070309020205020404" pitchFamily="49" charset="0"/>
-              </a:rPr>
-              <a:t> -</a:t>
-            </a:r>
-            <a:r>
-              <a:rPr lang="en-US" dirty="0" err="1">
-                <a:latin typeface="Courier New" panose="02070309020205020404" pitchFamily="49" charset="0"/>
-                <a:cs typeface="Courier New" panose="02070309020205020404" pitchFamily="49" charset="0"/>
-              </a:rPr>
-              <a:t>ldl</a:t>
-            </a:r>
-            <a:endParaRPr lang="en-US" dirty="0">
-              <a:latin typeface="Courier New" panose="02070309020205020404" pitchFamily="49" charset="0"/>
-              <a:cs typeface="Courier New" panose="02070309020205020404" pitchFamily="49" charset="0"/>
-            </a:endParaRPr>
+              <a:t>Поддерживает большое количество платформ (</a:t>
+            </a:r>
+            <a:r>
+              <a:rPr lang="en-US" dirty="0"/>
+              <a:t>x86, ARM, AArch64, RISC-V, e2k, etc.)</a:t>
+            </a:r>
           </a:p>
           <a:p>
             <a:r>
@@ -18279,16 +18155,6 @@
             <a:r>
               <a:rPr lang="en-US" dirty="0"/>
               <a:t>)</a:t>
-            </a:r>
-          </a:p>
-          <a:p>
-            <a:r>
-              <a:rPr lang="ru-RU" dirty="0"/>
-              <a:t>Поддерживает большое количество платформ (</a:t>
-            </a:r>
-            <a:r>
-              <a:rPr lang="en-US" dirty="0"/>
-              <a:t>x86, ARM, AArch64, RISC-V, e2k, etc.)</a:t>
             </a:r>
           </a:p>
         </p:txBody>
@@ -18328,7 +18194,7 @@
           <p:cNvPr id="2" name="Title 1">
             <a:extLst>
               <a:ext uri="{FF2B5EF4-FFF2-40B4-BE49-F238E27FC236}">
-                <a16:creationId xmlns:a16="http://schemas.microsoft.com/office/drawing/2014/main" id="{0A95A14D-8CF8-471B-AF3D-26999D8951D8}"/>
+                <a16:creationId xmlns:a16="http://schemas.microsoft.com/office/drawing/2014/main" id="{C950FB13-62AB-4FE7-A1E1-3579C5B2DC9E}"/>
               </a:ext>
             </a:extLst>
           </p:cNvPr>
@@ -18345,8 +18211,83 @@
           <a:lstStyle/>
           <a:p>
             <a:r>
-              <a:rPr lang="ru-RU" dirty="0"/>
-              <a:t>Накладные расходы</a:t>
+              <a:rPr lang="en-US" dirty="0"/>
+              <a:t>Implib.so</a:t>
+            </a:r>
+          </a:p>
+        </p:txBody>
+      </p:sp>
+      <p:sp>
+        <p:nvSpPr>
+          <p:cNvPr id="3" name="Content Placeholder 2">
+            <a:extLst>
+              <a:ext uri="{FF2B5EF4-FFF2-40B4-BE49-F238E27FC236}">
+                <a16:creationId xmlns:a16="http://schemas.microsoft.com/office/drawing/2014/main" id="{B528BA41-1C17-4678-8E95-464AFB383BDC}"/>
+              </a:ext>
+            </a:extLst>
+          </p:cNvPr>
+          <p:cNvSpPr>
+            <a:spLocks noGrp="1"/>
+          </p:cNvSpPr>
+          <p:nvPr>
+            <p:ph idx="1"/>
+          </p:nvPr>
+        </p:nvSpPr>
+        <p:spPr>
+          <a:xfrm>
+            <a:off x="838200" y="1825625"/>
+            <a:ext cx="10515600" cy="4667250"/>
+          </a:xfrm>
+        </p:spPr>
+        <p:txBody>
+          <a:bodyPr>
+            <a:normAutofit fontScale="92500" lnSpcReduction="10000"/>
+          </a:bodyPr>
+          <a:lstStyle/>
+          <a:p>
+            <a:r>
+              <a:rPr lang="ru-RU" dirty="0"/>
+              <a:t>Для заданной </a:t>
+            </a:r>
+            <a:r>
+              <a:rPr lang="en-US" dirty="0"/>
+              <a:t>DLL </a:t>
+            </a:r>
+            <a:r>
+              <a:rPr lang="ru-RU" dirty="0"/>
+              <a:t>генерирует небольшую статическую библиотеку </a:t>
+            </a:r>
+            <a:r>
+              <a:rPr lang="en-US" dirty="0"/>
+              <a:t>c </a:t>
+            </a:r>
+            <a:r>
+              <a:rPr lang="ru-RU" dirty="0"/>
+              <a:t>функциями-заглушками (</a:t>
+            </a:r>
+            <a:r>
+              <a:rPr lang="en-US" dirty="0"/>
+              <a:t>trampolines)</a:t>
+            </a:r>
+          </a:p>
+          <a:p>
+            <a:r>
+              <a:rPr lang="ru-RU" dirty="0"/>
+              <a:t>Вместо </a:t>
+            </a:r>
+            <a:r>
+              <a:rPr lang="en-US" dirty="0"/>
+              <a:t>DLL </a:t>
+            </a:r>
+            <a:r>
+              <a:rPr lang="ru-RU" dirty="0"/>
+              <a:t>программа линкуется с этой статической библиотекой</a:t>
+            </a:r>
+          </a:p>
+          <a:p>
+            <a:r>
+              <a:rPr lang="ru-RU" dirty="0"/>
+              <a:t>Во время работы вызов функции-заглушки приведёт к загрузке библиотеки</a:t>
             </a:r>
             <a:r>
               <a:rPr lang="en-US" dirty="0"/>
@@ -18354,78 +18295,7 @@
             </a:r>
             <a:r>
               <a:rPr lang="ru-RU" dirty="0"/>
-              <a:t>при использовании </a:t>
-            </a:r>
-            <a:r>
-              <a:rPr lang="en-US" dirty="0"/>
-              <a:t>DLL</a:t>
-            </a:r>
-          </a:p>
-        </p:txBody>
-      </p:sp>
-      <p:sp>
-        <p:nvSpPr>
-          <p:cNvPr id="3" name="Content Placeholder 2">
-            <a:extLst>
-              <a:ext uri="{FF2B5EF4-FFF2-40B4-BE49-F238E27FC236}">
-                <a16:creationId xmlns:a16="http://schemas.microsoft.com/office/drawing/2014/main" id="{5B49B649-A403-4066-8731-42F55BC6F396}"/>
-              </a:ext>
-            </a:extLst>
-          </p:cNvPr>
-          <p:cNvSpPr>
-            <a:spLocks noGrp="1"/>
-          </p:cNvSpPr>
-          <p:nvPr>
-            <p:ph idx="1"/>
-          </p:nvPr>
-        </p:nvSpPr>
-        <p:spPr/>
-        <p:txBody>
-          <a:bodyPr/>
-          <a:lstStyle/>
-          <a:p>
-            <a:r>
-              <a:rPr lang="ru-RU" dirty="0"/>
-              <a:t>Загрузка</a:t>
-            </a:r>
-            <a:r>
-              <a:rPr lang="en-US" dirty="0"/>
-              <a:t> </a:t>
-            </a:r>
-            <a:r>
-              <a:rPr lang="ru-RU" dirty="0"/>
-              <a:t>библиотеки</a:t>
-            </a:r>
-            <a:endParaRPr lang="en-US" dirty="0"/>
-          </a:p>
-          <a:p>
-            <a:pPr lvl="1"/>
-            <a:r>
-              <a:rPr lang="ru-RU" b="1" dirty="0"/>
-              <a:t>Релокация кода</a:t>
-            </a:r>
-            <a:endParaRPr lang="en-US" b="1" dirty="0"/>
-          </a:p>
-          <a:p>
-            <a:pPr lvl="1"/>
-            <a:r>
-              <a:rPr lang="ru-RU" dirty="0"/>
-              <a:t>Разрешение и </a:t>
-            </a:r>
-            <a:r>
-              <a:rPr lang="en-US" dirty="0"/>
-              <a:t>c</a:t>
-            </a:r>
-            <a:r>
-              <a:rPr lang="ru-RU" dirty="0"/>
-              <a:t>вязывание символов</a:t>
-            </a:r>
-            <a:endParaRPr lang="en-US" dirty="0"/>
-          </a:p>
-          <a:p>
-            <a:r>
-              <a:rPr lang="ru-RU" dirty="0"/>
-              <a:t>Работа с библиотекой</a:t>
+              <a:t>и передаче управления в неё</a:t>
             </a:r>
             <a:r>
               <a:rPr lang="en-US" dirty="0"/>
@@ -18433,35 +18303,165 @@
             </a:r>
           </a:p>
           <a:p>
-            <a:pPr lvl="1"/>
-            <a:r>
-              <a:rPr lang="ru-RU" dirty="0"/>
-              <a:t>Косвенные вызовы (</a:t>
-            </a:r>
-            <a:r>
-              <a:rPr lang="en-US" dirty="0"/>
-              <a:t>indirect calls) </a:t>
-            </a:r>
-            <a:r>
-              <a:rPr lang="ru-RU" dirty="0"/>
-              <a:t>функций</a:t>
-            </a:r>
-            <a:r>
-              <a:rPr lang="en-US" dirty="0"/>
-              <a:t> </a:t>
-            </a:r>
-            <a:r>
-              <a:rPr lang="ru-RU" dirty="0"/>
-              <a:t>в рантайме</a:t>
-            </a:r>
-            <a:endParaRPr lang="en-US" dirty="0"/>
+            <a:pPr marL="457200" lvl="1" indent="0">
+              <a:buNone/>
+            </a:pPr>
+            <a:r>
+              <a:rPr lang="en-US" dirty="0">
+                <a:latin typeface="Courier New" panose="02070309020205020404" pitchFamily="49" charset="0"/>
+                <a:cs typeface="Courier New" panose="02070309020205020404" pitchFamily="49" charset="0"/>
+              </a:rPr>
+              <a:t>int foo(type1 arg1, type2 arg2, …) {</a:t>
+            </a:r>
+          </a:p>
+          <a:p>
+            <a:pPr marL="457200" lvl="1" indent="0">
+              <a:buNone/>
+            </a:pPr>
+            <a:r>
+              <a:rPr lang="en-US" dirty="0">
+                <a:latin typeface="Courier New" panose="02070309020205020404" pitchFamily="49" charset="0"/>
+                <a:cs typeface="Courier New" panose="02070309020205020404" pitchFamily="49" charset="0"/>
+              </a:rPr>
+              <a:t>  if (!</a:t>
+            </a:r>
+            <a:r>
+              <a:rPr lang="en-US" dirty="0" err="1">
+                <a:latin typeface="Courier New" panose="02070309020205020404" pitchFamily="49" charset="0"/>
+                <a:cs typeface="Courier New" panose="02070309020205020404" pitchFamily="49" charset="0"/>
+              </a:rPr>
+              <a:t>isLibraryLoaded</a:t>
+            </a:r>
+            <a:r>
+              <a:rPr lang="en-US" dirty="0">
+                <a:latin typeface="Courier New" panose="02070309020205020404" pitchFamily="49" charset="0"/>
+                <a:cs typeface="Courier New" panose="02070309020205020404" pitchFamily="49" charset="0"/>
+              </a:rPr>
+              <a:t>()) {</a:t>
+            </a:r>
+          </a:p>
+          <a:p>
+            <a:pPr marL="457200" lvl="1" indent="0">
+              <a:buNone/>
+            </a:pPr>
+            <a:r>
+              <a:rPr lang="en-US" dirty="0">
+                <a:latin typeface="Courier New" panose="02070309020205020404" pitchFamily="49" charset="0"/>
+                <a:cs typeface="Courier New" panose="02070309020205020404" pitchFamily="49" charset="0"/>
+              </a:rPr>
+              <a:t>    </a:t>
+            </a:r>
+            <a:r>
+              <a:rPr lang="en-US" dirty="0" err="1">
+                <a:latin typeface="Courier New" panose="02070309020205020404" pitchFamily="49" charset="0"/>
+                <a:cs typeface="Courier New" panose="02070309020205020404" pitchFamily="49" charset="0"/>
+              </a:rPr>
+              <a:t>LoadLibrary</a:t>
+            </a:r>
+            <a:r>
+              <a:rPr lang="en-US" dirty="0">
+                <a:latin typeface="Courier New" panose="02070309020205020404" pitchFamily="49" charset="0"/>
+                <a:cs typeface="Courier New" panose="02070309020205020404" pitchFamily="49" charset="0"/>
+              </a:rPr>
+              <a:t>();</a:t>
+            </a:r>
+          </a:p>
+          <a:p>
+            <a:pPr marL="457200" lvl="1" indent="0">
+              <a:buNone/>
+            </a:pPr>
+            <a:r>
+              <a:rPr lang="en-US" dirty="0">
+                <a:latin typeface="Courier New" panose="02070309020205020404" pitchFamily="49" charset="0"/>
+                <a:cs typeface="Courier New" panose="02070309020205020404" pitchFamily="49" charset="0"/>
+              </a:rPr>
+              <a:t>    </a:t>
+            </a:r>
+            <a:r>
+              <a:rPr lang="en-US" dirty="0" err="1">
+                <a:latin typeface="Courier New" panose="02070309020205020404" pitchFamily="49" charset="0"/>
+                <a:cs typeface="Courier New" panose="02070309020205020404" pitchFamily="49" charset="0"/>
+              </a:rPr>
+              <a:t>foo_real</a:t>
+            </a:r>
+            <a:r>
+              <a:rPr lang="en-US" dirty="0">
+                <a:latin typeface="Courier New" panose="02070309020205020404" pitchFamily="49" charset="0"/>
+                <a:cs typeface="Courier New" panose="02070309020205020404" pitchFamily="49" charset="0"/>
+              </a:rPr>
+              <a:t> = </a:t>
+            </a:r>
+            <a:r>
+              <a:rPr lang="en-US" dirty="0" err="1">
+                <a:latin typeface="Courier New" panose="02070309020205020404" pitchFamily="49" charset="0"/>
+                <a:cs typeface="Courier New" panose="02070309020205020404" pitchFamily="49" charset="0"/>
+              </a:rPr>
+              <a:t>LoadSymbol</a:t>
+            </a:r>
+            <a:r>
+              <a:rPr lang="en-US" dirty="0">
+                <a:latin typeface="Courier New" panose="02070309020205020404" pitchFamily="49" charset="0"/>
+                <a:cs typeface="Courier New" panose="02070309020205020404" pitchFamily="49" charset="0"/>
+              </a:rPr>
+              <a:t>();</a:t>
+            </a:r>
+          </a:p>
+          <a:p>
+            <a:pPr marL="457200" lvl="1" indent="0">
+              <a:buNone/>
+            </a:pPr>
+            <a:r>
+              <a:rPr lang="en-US" dirty="0">
+                <a:latin typeface="Courier New" panose="02070309020205020404" pitchFamily="49" charset="0"/>
+                <a:cs typeface="Courier New" panose="02070309020205020404" pitchFamily="49" charset="0"/>
+              </a:rPr>
+              <a:t>  }</a:t>
+            </a:r>
+          </a:p>
+          <a:p>
+            <a:pPr marL="457200" lvl="1" indent="0">
+              <a:buNone/>
+            </a:pPr>
+            <a:r>
+              <a:rPr lang="en-US" dirty="0">
+                <a:latin typeface="Courier New" panose="02070309020205020404" pitchFamily="49" charset="0"/>
+                <a:cs typeface="Courier New" panose="02070309020205020404" pitchFamily="49" charset="0"/>
+              </a:rPr>
+              <a:t>  return </a:t>
+            </a:r>
+            <a:r>
+              <a:rPr lang="en-US" dirty="0" err="1">
+                <a:latin typeface="Courier New" panose="02070309020205020404" pitchFamily="49" charset="0"/>
+                <a:cs typeface="Courier New" panose="02070309020205020404" pitchFamily="49" charset="0"/>
+              </a:rPr>
+              <a:t>foo_real</a:t>
+            </a:r>
+            <a:r>
+              <a:rPr lang="en-US" dirty="0">
+                <a:latin typeface="Courier New" panose="02070309020205020404" pitchFamily="49" charset="0"/>
+                <a:cs typeface="Courier New" panose="02070309020205020404" pitchFamily="49" charset="0"/>
+              </a:rPr>
+              <a:t>(arg1, arg2, …);</a:t>
+            </a:r>
+          </a:p>
+          <a:p>
+            <a:pPr marL="457200" lvl="1" indent="0">
+              <a:buNone/>
+            </a:pPr>
+            <a:r>
+              <a:rPr lang="en-US" dirty="0">
+                <a:latin typeface="Courier New" panose="02070309020205020404" pitchFamily="49" charset="0"/>
+                <a:cs typeface="Courier New" panose="02070309020205020404" pitchFamily="49" charset="0"/>
+              </a:rPr>
+              <a:t>}</a:t>
+            </a:r>
           </a:p>
         </p:txBody>
       </p:sp>
     </p:spTree>
     <p:extLst>
       <p:ext uri="{BB962C8B-B14F-4D97-AF65-F5344CB8AC3E}">
-        <p14:creationId xmlns:p14="http://schemas.microsoft.com/office/powerpoint/2010/main" val="1022637675"/>
+        <p14:creationId xmlns:p14="http://schemas.microsoft.com/office/powerpoint/2010/main" val="355822256"/>
       </p:ext>
     </p:extLst>
   </p:cSld>
@@ -18493,7 +18493,7 @@
           <p:cNvPr id="2" name="Title 1">
             <a:extLst>
               <a:ext uri="{FF2B5EF4-FFF2-40B4-BE49-F238E27FC236}">
-                <a16:creationId xmlns:a16="http://schemas.microsoft.com/office/drawing/2014/main" id="{7AF91015-ECCE-4F52-A094-F7A97B8372AA}"/>
+                <a16:creationId xmlns:a16="http://schemas.microsoft.com/office/drawing/2014/main" id="{0A95A14D-8CF8-471B-AF3D-26999D8951D8}"/>
               </a:ext>
             </a:extLst>
           </p:cNvPr>
@@ -18511,88 +18511,105 @@
           <a:p>
             <a:r>
               <a:rPr lang="ru-RU" dirty="0"/>
-              <a:t>Ускорение загрузки </a:t>
-            </a:r>
-            <a:r>
-              <a:rPr lang="en-US" dirty="0"/>
-              <a:t>DLL: </a:t>
-            </a:r>
-            <a:r>
-              <a:rPr lang="en-US" dirty="0" err="1"/>
-              <a:t>prelinking</a:t>
+              <a:t>Накладные расходы</a:t>
+            </a:r>
+            <a:r>
+              <a:rPr lang="en-US" dirty="0"/>
+              <a:t> </a:t>
+            </a:r>
+            <a:r>
+              <a:rPr lang="ru-RU" dirty="0"/>
+              <a:t>при использовании </a:t>
+            </a:r>
+            <a:r>
+              <a:rPr lang="en-US" dirty="0"/>
+              <a:t>DLL</a:t>
+            </a:r>
+          </a:p>
+        </p:txBody>
+      </p:sp>
+      <p:sp>
+        <p:nvSpPr>
+          <p:cNvPr id="3" name="Content Placeholder 2">
+            <a:extLst>
+              <a:ext uri="{FF2B5EF4-FFF2-40B4-BE49-F238E27FC236}">
+                <a16:creationId xmlns:a16="http://schemas.microsoft.com/office/drawing/2014/main" id="{5B49B649-A403-4066-8731-42F55BC6F396}"/>
+              </a:ext>
+            </a:extLst>
+          </p:cNvPr>
+          <p:cNvSpPr>
+            <a:spLocks noGrp="1"/>
+          </p:cNvSpPr>
+          <p:nvPr>
+            <p:ph idx="1"/>
+          </p:nvPr>
+        </p:nvSpPr>
+        <p:spPr/>
+        <p:txBody>
+          <a:bodyPr/>
+          <a:lstStyle/>
+          <a:p>
+            <a:r>
+              <a:rPr lang="ru-RU" dirty="0"/>
+              <a:t>Загрузка</a:t>
+            </a:r>
+            <a:r>
+              <a:rPr lang="en-US" dirty="0"/>
+              <a:t> </a:t>
+            </a:r>
+            <a:r>
+              <a:rPr lang="ru-RU" dirty="0"/>
+              <a:t>библиотеки</a:t>
             </a:r>
             <a:endParaRPr lang="en-US" dirty="0"/>
           </a:p>
-        </p:txBody>
-      </p:sp>
-      <p:sp>
-        <p:nvSpPr>
-          <p:cNvPr id="3" name="Content Placeholder 2">
-            <a:extLst>
-              <a:ext uri="{FF2B5EF4-FFF2-40B4-BE49-F238E27FC236}">
-                <a16:creationId xmlns:a16="http://schemas.microsoft.com/office/drawing/2014/main" id="{2BD8BCD0-2D76-422B-99E3-FFE3CED6CBCC}"/>
-              </a:ext>
-            </a:extLst>
-          </p:cNvPr>
-          <p:cNvSpPr>
-            <a:spLocks noGrp="1"/>
-          </p:cNvSpPr>
-          <p:nvPr>
-            <p:ph idx="1"/>
-          </p:nvPr>
-        </p:nvSpPr>
-        <p:spPr>
-          <a:xfrm>
-            <a:off x="838200" y="1825624"/>
-            <a:ext cx="10885714" cy="4792889"/>
-          </a:xfrm>
-        </p:spPr>
-        <p:txBody>
-          <a:bodyPr>
-            <a:normAutofit/>
-          </a:bodyPr>
-          <a:lstStyle/>
-          <a:p>
-            <a:r>
-              <a:rPr lang="ru-RU" dirty="0"/>
-              <a:t>Релокацию можно ускорить если зафиксировать адрес загрузки </a:t>
-            </a:r>
-            <a:r>
-              <a:rPr lang="en-US" dirty="0"/>
-              <a:t>DLL </a:t>
-            </a:r>
-            <a:r>
-              <a:rPr lang="ru-RU" dirty="0"/>
-              <a:t>и пре-релоцировать библиотеку на этапе линковки</a:t>
+          <a:p>
+            <a:pPr lvl="1"/>
+            <a:r>
+              <a:rPr lang="ru-RU" b="1" dirty="0"/>
+              <a:t>Релокация кода</a:t>
+            </a:r>
+            <a:endParaRPr lang="en-US" b="1" dirty="0"/>
+          </a:p>
+          <a:p>
+            <a:pPr lvl="1"/>
+            <a:r>
+              <a:rPr lang="ru-RU" dirty="0"/>
+              <a:t>Разрешение и </a:t>
+            </a:r>
+            <a:r>
+              <a:rPr lang="en-US" dirty="0"/>
+              <a:t>c</a:t>
+            </a:r>
+            <a:r>
+              <a:rPr lang="ru-RU" dirty="0"/>
+              <a:t>вязывание символов</a:t>
             </a:r>
             <a:endParaRPr lang="en-US" dirty="0"/>
           </a:p>
           <a:p>
+            <a:r>
+              <a:rPr lang="ru-RU" dirty="0"/>
+              <a:t>Работа с библиотекой</a:t>
+            </a:r>
+            <a:r>
+              <a:rPr lang="en-US" dirty="0"/>
+              <a:t>:</a:t>
+            </a:r>
+          </a:p>
+          <a:p>
             <a:pPr lvl="1"/>
             <a:r>
               <a:rPr lang="ru-RU" dirty="0"/>
-              <a:t>Просканировать все установленные программы и библиотеки</a:t>
-            </a:r>
-            <a:endParaRPr lang="en-US" dirty="0"/>
-          </a:p>
-          <a:p>
-            <a:pPr lvl="1"/>
-            <a:r>
-              <a:rPr lang="ru-RU" dirty="0"/>
-              <a:t>Статически распределить адресное пространство между всеми библиотеками</a:t>
-            </a:r>
-          </a:p>
-          <a:p>
-            <a:r>
-              <a:rPr lang="ru-RU" dirty="0"/>
-              <a:t>После этого адреса всех символов можно предварительно разрешить исходя из адреса загрузки</a:t>
-            </a:r>
-            <a:endParaRPr lang="en-US" dirty="0"/>
-          </a:p>
-          <a:p>
-            <a:r>
-              <a:rPr lang="ru-RU" dirty="0"/>
-              <a:t>Решение</a:t>
+              <a:t>Косвенные вызовы (</a:t>
+            </a:r>
+            <a:r>
+              <a:rPr lang="en-US" dirty="0"/>
+              <a:t>indirect calls) </a:t>
+            </a:r>
+            <a:r>
+              <a:rPr lang="ru-RU" dirty="0"/>
+              <a:t>функций</a:t>
             </a:r>
             <a:r>
               <a:rPr lang="en-US" dirty="0"/>
@@ -18600,37 +18617,8 @@
             </a:r>
             <a:r>
               <a:rPr lang="ru-RU" dirty="0"/>
-              <a:t>для </a:t>
-            </a:r>
-            <a:r>
-              <a:rPr lang="en-US" dirty="0"/>
-              <a:t>Windows: preferred load address (</a:t>
-            </a:r>
-            <a:r>
-              <a:rPr lang="ru-RU" dirty="0"/>
-              <a:t>параметр </a:t>
-            </a:r>
-            <a:r>
-              <a:rPr lang="en-US" dirty="0"/>
-              <a:t>/BASE) + DLL binding</a:t>
-            </a:r>
-          </a:p>
-          <a:p>
-            <a:r>
-              <a:rPr lang="ru-RU" dirty="0"/>
-              <a:t>Решение для </a:t>
-            </a:r>
-            <a:r>
-              <a:rPr lang="en-US" dirty="0"/>
-              <a:t>Linux: </a:t>
-            </a:r>
-            <a:r>
-              <a:rPr lang="en-US" dirty="0" err="1"/>
-              <a:t>Prelink</a:t>
-            </a:r>
-            <a:endParaRPr lang="ru-RU" dirty="0"/>
-          </a:p>
-          <a:p>
+              <a:t>в рантайме</a:t>
+            </a:r>
             <a:endParaRPr lang="en-US" dirty="0"/>
           </a:p>
         </p:txBody>
@@ -18638,7 +18626,7 @@
     </p:spTree>
     <p:extLst>
       <p:ext uri="{BB962C8B-B14F-4D97-AF65-F5344CB8AC3E}">
-        <p14:creationId xmlns:p14="http://schemas.microsoft.com/office/powerpoint/2010/main" val="3216698986"/>
+        <p14:creationId xmlns:p14="http://schemas.microsoft.com/office/powerpoint/2010/main" val="1022637675"/>
       </p:ext>
     </p:extLst>
   </p:cSld>
@@ -18732,74 +18720,90 @@
           <a:p>
             <a:r>
               <a:rPr lang="ru-RU" dirty="0"/>
-              <a:t>Оптимизация нерелевантна из-за современных требований к безопасности</a:t>
-            </a:r>
-            <a:r>
-              <a:rPr lang="en-US" dirty="0"/>
-              <a:t>:</a:t>
-            </a:r>
+              <a:t>Релокацию можно ускорить если зафиксировать адрес загрузки </a:t>
+            </a:r>
+            <a:r>
+              <a:rPr lang="en-US" dirty="0"/>
+              <a:t>DLL </a:t>
+            </a:r>
+            <a:r>
+              <a:rPr lang="ru-RU" dirty="0"/>
+              <a:t>и пре-релоцировать библиотеку на этапе линковки</a:t>
+            </a:r>
+            <a:endParaRPr lang="en-US" dirty="0"/>
           </a:p>
           <a:p>
             <a:pPr lvl="1"/>
             <a:r>
               <a:rPr lang="ru-RU" dirty="0"/>
-              <a:t>Механизм </a:t>
-            </a:r>
-            <a:r>
-              <a:rPr lang="en-US" dirty="0"/>
-              <a:t>ASLR</a:t>
-            </a:r>
-            <a:r>
-              <a:rPr lang="ru-RU" dirty="0"/>
-              <a:t> требует загружать </a:t>
-            </a:r>
-            <a:r>
-              <a:rPr lang="en-US" dirty="0"/>
-              <a:t>DLL </a:t>
-            </a:r>
-            <a:r>
-              <a:rPr lang="ru-RU" dirty="0"/>
-              <a:t>по случайным адресам (для усложнения подбора адресов хакерами)</a:t>
+              <a:t>Просканировать все установленные программы и библиотеки</a:t>
             </a:r>
             <a:endParaRPr lang="en-US" dirty="0"/>
           </a:p>
           <a:p>
             <a:pPr lvl="1"/>
             <a:r>
-              <a:rPr lang="en-US" dirty="0"/>
-              <a:t>/DYNAMICBASE </a:t>
-            </a:r>
-            <a:r>
-              <a:rPr lang="ru-RU" dirty="0"/>
-              <a:t>включен по умолчанию в новых версиях </a:t>
-            </a:r>
-            <a:r>
-              <a:rPr lang="en-US" dirty="0"/>
-              <a:t>Windows, -</a:t>
+              <a:rPr lang="ru-RU" dirty="0"/>
+              <a:t>Статически распределить адресное пространство между всеми библиотеками</a:t>
+            </a:r>
+          </a:p>
+          <a:p>
+            <a:r>
+              <a:rPr lang="ru-RU" dirty="0"/>
+              <a:t>После этого адреса всех символов можно предварительно разрешить исходя из адреса загрузки</a:t>
+            </a:r>
+            <a:endParaRPr lang="en-US" dirty="0"/>
+          </a:p>
+          <a:p>
+            <a:r>
+              <a:rPr lang="ru-RU" dirty="0"/>
+              <a:t>Решение</a:t>
+            </a:r>
+            <a:r>
+              <a:rPr lang="en-US" dirty="0"/>
+              <a:t> </a:t>
+            </a:r>
+            <a:r>
+              <a:rPr lang="ru-RU" dirty="0"/>
+              <a:t>для </a:t>
+            </a:r>
+            <a:r>
+              <a:rPr lang="en-US" dirty="0"/>
+              <a:t>Windows: preferred load address (</a:t>
+            </a:r>
+            <a:r>
+              <a:rPr lang="ru-RU" dirty="0"/>
+              <a:t>параметр </a:t>
+            </a:r>
+            <a:r>
+              <a:rPr lang="en-US" dirty="0"/>
+              <a:t>/BASE) + DLL binding</a:t>
+            </a:r>
+          </a:p>
+          <a:p>
+            <a:r>
+              <a:rPr lang="ru-RU" dirty="0"/>
+              <a:t>Решение для </a:t>
+            </a:r>
+            <a:r>
+              <a:rPr lang="en-US" dirty="0"/>
+              <a:t>Linux: </a:t>
             </a:r>
             <a:r>
               <a:rPr lang="en-US" dirty="0" err="1"/>
-              <a:t>fPIE</a:t>
-            </a:r>
-            <a:r>
-              <a:rPr lang="en-US" dirty="0"/>
-              <a:t> </a:t>
-            </a:r>
-            <a:r>
-              <a:rPr lang="ru-RU" dirty="0"/>
-              <a:t>в дистрибутивах </a:t>
-            </a:r>
-            <a:r>
-              <a:rPr lang="en-US" dirty="0"/>
-              <a:t>Linux</a:t>
-            </a:r>
+              <a:t>Prelink</a:t>
+            </a:r>
+            <a:endParaRPr lang="ru-RU" dirty="0"/>
+          </a:p>
+          <a:p>
+            <a:endParaRPr lang="en-US" dirty="0"/>
           </a:p>
         </p:txBody>
       </p:sp>
     </p:spTree>
     <p:extLst>
       <p:ext uri="{BB962C8B-B14F-4D97-AF65-F5344CB8AC3E}">
-        <p14:creationId xmlns:p14="http://schemas.microsoft.com/office/powerpoint/2010/main" val="3621633948"/>
+        <p14:creationId xmlns:p14="http://schemas.microsoft.com/office/powerpoint/2010/main" val="3216698986"/>
       </p:ext>
     </p:extLst>
   </p:cSld>
@@ -18831,7 +18835,7 @@
           <p:cNvPr id="2" name="Title 1">
             <a:extLst>
               <a:ext uri="{FF2B5EF4-FFF2-40B4-BE49-F238E27FC236}">
-                <a16:creationId xmlns:a16="http://schemas.microsoft.com/office/drawing/2014/main" id="{0A95A14D-8CF8-471B-AF3D-26999D8951D8}"/>
+                <a16:creationId xmlns:a16="http://schemas.microsoft.com/office/drawing/2014/main" id="{7AF91015-ECCE-4F52-A094-F7A97B8372AA}"/>
               </a:ext>
             </a:extLst>
           </p:cNvPr>
@@ -18849,7 +18853,98 @@
           <a:p>
             <a:r>
               <a:rPr lang="ru-RU" dirty="0"/>
-              <a:t>Накладные расходы</a:t>
+              <a:t>Ускорение загрузки </a:t>
+            </a:r>
+            <a:r>
+              <a:rPr lang="en-US" dirty="0"/>
+              <a:t>DLL: </a:t>
+            </a:r>
+            <a:r>
+              <a:rPr lang="en-US" dirty="0" err="1"/>
+              <a:t>prelinking</a:t>
+            </a:r>
+            <a:endParaRPr lang="en-US" dirty="0"/>
+          </a:p>
+        </p:txBody>
+      </p:sp>
+      <p:sp>
+        <p:nvSpPr>
+          <p:cNvPr id="3" name="Content Placeholder 2">
+            <a:extLst>
+              <a:ext uri="{FF2B5EF4-FFF2-40B4-BE49-F238E27FC236}">
+                <a16:creationId xmlns:a16="http://schemas.microsoft.com/office/drawing/2014/main" id="{2BD8BCD0-2D76-422B-99E3-FFE3CED6CBCC}"/>
+              </a:ext>
+            </a:extLst>
+          </p:cNvPr>
+          <p:cNvSpPr>
+            <a:spLocks noGrp="1"/>
+          </p:cNvSpPr>
+          <p:nvPr>
+            <p:ph idx="1"/>
+          </p:nvPr>
+        </p:nvSpPr>
+        <p:spPr>
+          <a:xfrm>
+            <a:off x="838200" y="1825624"/>
+            <a:ext cx="10885714" cy="4792889"/>
+          </a:xfrm>
+        </p:spPr>
+        <p:txBody>
+          <a:bodyPr>
+            <a:normAutofit/>
+          </a:bodyPr>
+          <a:lstStyle/>
+          <a:p>
+            <a:r>
+              <a:rPr lang="ru-RU" dirty="0"/>
+              <a:t>Оптимизация нерелевантна из-за современных требований к безопасности</a:t>
+            </a:r>
+            <a:r>
+              <a:rPr lang="en-US" dirty="0"/>
+              <a:t>:</a:t>
+            </a:r>
+          </a:p>
+          <a:p>
+            <a:pPr lvl="1"/>
+            <a:r>
+              <a:rPr lang="ru-RU" dirty="0"/>
+              <a:t>Механизм </a:t>
+            </a:r>
+            <a:r>
+              <a:rPr lang="en-US" dirty="0"/>
+              <a:t>ASLR</a:t>
+            </a:r>
+            <a:r>
+              <a:rPr lang="ru-RU" dirty="0"/>
+              <a:t> требует загружать </a:t>
+            </a:r>
+            <a:r>
+              <a:rPr lang="en-US" dirty="0"/>
+              <a:t>DLL </a:t>
+            </a:r>
+            <a:r>
+              <a:rPr lang="ru-RU" dirty="0"/>
+              <a:t>по случайным адресам (для усложнения подбора адресов хакерами)</a:t>
+            </a:r>
+            <a:endParaRPr lang="en-US" dirty="0"/>
+          </a:p>
+          <a:p>
+            <a:pPr lvl="1"/>
+            <a:r>
+              <a:rPr lang="en-US" dirty="0"/>
+              <a:t>/DYNAMICBASE </a:t>
+            </a:r>
+            <a:r>
+              <a:rPr lang="ru-RU" dirty="0"/>
+              <a:t>включен по умолчанию в новых версиях </a:t>
+            </a:r>
+            <a:r>
+              <a:rPr lang="en-US" dirty="0"/>
+              <a:t>Windows, -</a:t>
+            </a:r>
+            <a:r>
+              <a:rPr lang="en-US" dirty="0" err="1"/>
+              <a:t>fPIE</a:t>
             </a:r>
             <a:r>
               <a:rPr lang="en-US" dirty="0"/>
@@ -18857,114 +18952,19 @@
             </a:r>
             <a:r>
               <a:rPr lang="ru-RU" dirty="0"/>
-              <a:t>при использовании </a:t>
-            </a:r>
-            <a:r>
-              <a:rPr lang="en-US" dirty="0"/>
-              <a:t>DLL</a:t>
-            </a:r>
-          </a:p>
-        </p:txBody>
-      </p:sp>
-      <p:sp>
-        <p:nvSpPr>
-          <p:cNvPr id="3" name="Content Placeholder 2">
-            <a:extLst>
-              <a:ext uri="{FF2B5EF4-FFF2-40B4-BE49-F238E27FC236}">
-                <a16:creationId xmlns:a16="http://schemas.microsoft.com/office/drawing/2014/main" id="{5B49B649-A403-4066-8731-42F55BC6F396}"/>
-              </a:ext>
-            </a:extLst>
-          </p:cNvPr>
-          <p:cNvSpPr>
-            <a:spLocks noGrp="1"/>
-          </p:cNvSpPr>
-          <p:nvPr>
-            <p:ph idx="1"/>
-          </p:nvPr>
-        </p:nvSpPr>
-        <p:spPr/>
-        <p:txBody>
-          <a:bodyPr/>
-          <a:lstStyle/>
-          <a:p>
-            <a:r>
-              <a:rPr lang="ru-RU" dirty="0"/>
-              <a:t>Загрузка</a:t>
-            </a:r>
-            <a:r>
-              <a:rPr lang="en-US" dirty="0"/>
-              <a:t> </a:t>
-            </a:r>
-            <a:r>
-              <a:rPr lang="ru-RU" dirty="0"/>
-              <a:t>библиотеки</a:t>
-            </a:r>
-            <a:endParaRPr lang="en-US" dirty="0"/>
-          </a:p>
-          <a:p>
-            <a:pPr lvl="1"/>
-            <a:r>
-              <a:rPr lang="ru-RU" dirty="0"/>
-              <a:t>Релокация кода</a:t>
-            </a:r>
-            <a:endParaRPr lang="en-US" dirty="0"/>
-          </a:p>
-          <a:p>
-            <a:pPr lvl="1"/>
-            <a:r>
-              <a:rPr lang="ru-RU" b="1" dirty="0"/>
-              <a:t>Разрешение и </a:t>
-            </a:r>
-            <a:r>
-              <a:rPr lang="en-US" b="1" dirty="0"/>
-              <a:t>c</a:t>
-            </a:r>
-            <a:r>
-              <a:rPr lang="ru-RU" b="1" dirty="0"/>
-              <a:t>вязывание символов</a:t>
-            </a:r>
-            <a:endParaRPr lang="en-US" b="1" dirty="0"/>
-          </a:p>
-          <a:p>
-            <a:r>
-              <a:rPr lang="ru-RU" dirty="0"/>
-              <a:t>Работа с библиотекой</a:t>
-            </a:r>
-            <a:r>
-              <a:rPr lang="en-US" dirty="0"/>
-              <a:t>:</a:t>
-            </a:r>
-          </a:p>
-          <a:p>
-            <a:pPr lvl="1"/>
-            <a:r>
-              <a:rPr lang="ru-RU" dirty="0"/>
-              <a:t>Косвенные вызовы (</a:t>
-            </a:r>
-            <a:r>
-              <a:rPr lang="en-US" dirty="0"/>
-              <a:t>indirect calls) </a:t>
-            </a:r>
-            <a:r>
-              <a:rPr lang="ru-RU" dirty="0"/>
-              <a:t>функций</a:t>
-            </a:r>
-            <a:r>
-              <a:rPr lang="en-US" dirty="0"/>
-              <a:t> </a:t>
-            </a:r>
-            <a:r>
-              <a:rPr lang="ru-RU" dirty="0"/>
-              <a:t>в рантайме</a:t>
-            </a:r>
-            <a:endParaRPr lang="en-US" dirty="0"/>
+              <a:t>в дистрибутивах </a:t>
+            </a:r>
+            <a:r>
+              <a:rPr lang="en-US" dirty="0"/>
+              <a:t>Linux</a:t>
+            </a:r>
           </a:p>
         </p:txBody>
       </p:sp>
     </p:spTree>
     <p:extLst>
       <p:ext uri="{BB962C8B-B14F-4D97-AF65-F5344CB8AC3E}">
-        <p14:creationId xmlns:p14="http://schemas.microsoft.com/office/powerpoint/2010/main" val="2436921369"/>
+        <p14:creationId xmlns:p14="http://schemas.microsoft.com/office/powerpoint/2010/main" val="3621633948"/>
       </p:ext>
     </p:extLst>
   </p:cSld>
@@ -18996,7 +18996,7 @@
           <p:cNvPr id="2" name="Title 1">
             <a:extLst>
               <a:ext uri="{FF2B5EF4-FFF2-40B4-BE49-F238E27FC236}">
-                <a16:creationId xmlns:a16="http://schemas.microsoft.com/office/drawing/2014/main" id="{CC798AB3-1D15-4521-A8DE-3E17788A428F}"/>
+                <a16:creationId xmlns:a16="http://schemas.microsoft.com/office/drawing/2014/main" id="{0A95A14D-8CF8-471B-AF3D-26999D8951D8}"/>
               </a:ext>
             </a:extLst>
           </p:cNvPr>
@@ -19014,54 +19014,105 @@
           <a:p>
             <a:r>
               <a:rPr lang="ru-RU" dirty="0"/>
-              <a:t>Ускорение работы </a:t>
-            </a:r>
-            <a:r>
-              <a:rPr lang="en-US" dirty="0"/>
-              <a:t>DLL: </a:t>
-            </a:r>
-            <a:r>
-              <a:rPr lang="ru-RU" dirty="0"/>
-              <a:t>оптимизация таблиц символов</a:t>
+              <a:t>Накладные расходы</a:t>
+            </a:r>
+            <a:r>
+              <a:rPr lang="en-US" dirty="0"/>
+              <a:t> </a:t>
+            </a:r>
+            <a:r>
+              <a:rPr lang="ru-RU" dirty="0"/>
+              <a:t>при использовании </a:t>
+            </a:r>
+            <a:r>
+              <a:rPr lang="en-US" dirty="0"/>
+              <a:t>DLL</a:t>
+            </a:r>
+          </a:p>
+        </p:txBody>
+      </p:sp>
+      <p:sp>
+        <p:nvSpPr>
+          <p:cNvPr id="3" name="Content Placeholder 2">
+            <a:extLst>
+              <a:ext uri="{FF2B5EF4-FFF2-40B4-BE49-F238E27FC236}">
+                <a16:creationId xmlns:a16="http://schemas.microsoft.com/office/drawing/2014/main" id="{5B49B649-A403-4066-8731-42F55BC6F396}"/>
+              </a:ext>
+            </a:extLst>
+          </p:cNvPr>
+          <p:cNvSpPr>
+            <a:spLocks noGrp="1"/>
+          </p:cNvSpPr>
+          <p:nvPr>
+            <p:ph idx="1"/>
+          </p:nvPr>
+        </p:nvSpPr>
+        <p:spPr/>
+        <p:txBody>
+          <a:bodyPr/>
+          <a:lstStyle/>
+          <a:p>
+            <a:r>
+              <a:rPr lang="ru-RU" dirty="0"/>
+              <a:t>Загрузка</a:t>
+            </a:r>
+            <a:r>
+              <a:rPr lang="en-US" dirty="0"/>
+              <a:t> </a:t>
+            </a:r>
+            <a:r>
+              <a:rPr lang="ru-RU" dirty="0"/>
+              <a:t>библиотеки</a:t>
             </a:r>
             <a:endParaRPr lang="en-US" dirty="0"/>
           </a:p>
-        </p:txBody>
-      </p:sp>
-      <p:sp>
-        <p:nvSpPr>
-          <p:cNvPr id="3" name="Content Placeholder 2">
-            <a:extLst>
-              <a:ext uri="{FF2B5EF4-FFF2-40B4-BE49-F238E27FC236}">
-                <a16:creationId xmlns:a16="http://schemas.microsoft.com/office/drawing/2014/main" id="{0CFC98EF-8A0E-4555-8157-8ACA61A524AE}"/>
-              </a:ext>
-            </a:extLst>
-          </p:cNvPr>
-          <p:cNvSpPr>
-            <a:spLocks noGrp="1"/>
-          </p:cNvSpPr>
-          <p:nvPr>
-            <p:ph idx="1"/>
-          </p:nvPr>
-        </p:nvSpPr>
-        <p:spPr/>
-        <p:txBody>
-          <a:bodyPr>
-            <a:normAutofit lnSpcReduction="10000"/>
-          </a:bodyPr>
-          <a:lstStyle/>
-          <a:p>
-            <a:r>
-              <a:rPr lang="ru-RU" dirty="0"/>
-              <a:t>Поиск символов в </a:t>
-            </a:r>
-            <a:r>
-              <a:rPr lang="en-US" dirty="0"/>
-              <a:t>Linux </a:t>
-            </a:r>
-            <a:r>
-              <a:rPr lang="ru-RU" dirty="0"/>
-              <a:t>осуществляется по хэштаблицам, хранящимся в файлах</a:t>
+          <a:p>
+            <a:pPr lvl="1"/>
+            <a:r>
+              <a:rPr lang="ru-RU" dirty="0"/>
+              <a:t>Релокация кода</a:t>
+            </a:r>
+            <a:endParaRPr lang="en-US" dirty="0"/>
+          </a:p>
+          <a:p>
+            <a:pPr lvl="1"/>
+            <a:r>
+              <a:rPr lang="ru-RU" b="1" dirty="0"/>
+              <a:t>Разрешение и </a:t>
+            </a:r>
+            <a:r>
+              <a:rPr lang="en-US" b="1" dirty="0"/>
+              <a:t>c</a:t>
+            </a:r>
+            <a:r>
+              <a:rPr lang="ru-RU" b="1" dirty="0"/>
+              <a:t>вязывание символов</a:t>
+            </a:r>
+            <a:endParaRPr lang="en-US" b="1" dirty="0"/>
+          </a:p>
+          <a:p>
+            <a:r>
+              <a:rPr lang="ru-RU" dirty="0"/>
+              <a:t>Работа с библиотекой</a:t>
+            </a:r>
+            <a:r>
+              <a:rPr lang="en-US" dirty="0"/>
+              <a:t>:</a:t>
+            </a:r>
+          </a:p>
+          <a:p>
+            <a:pPr lvl="1"/>
+            <a:r>
+              <a:rPr lang="ru-RU" dirty="0"/>
+              <a:t>Косвенные вызовы (</a:t>
+            </a:r>
+            <a:r>
+              <a:rPr lang="en-US" dirty="0"/>
+              <a:t>indirect calls) </a:t>
+            </a:r>
+            <a:r>
+              <a:rPr lang="ru-RU" dirty="0"/>
+              <a:t>функций</a:t>
             </a:r>
             <a:r>
               <a:rPr lang="en-US" dirty="0"/>
@@ -19069,68 +19120,7 @@
             </a:r>
             <a:r>
               <a:rPr lang="ru-RU" dirty="0"/>
-              <a:t>динамических библиотек</a:t>
-            </a:r>
-          </a:p>
-          <a:p>
-            <a:r>
-              <a:rPr lang="ru-RU" dirty="0"/>
-              <a:t>Линкеры позволяют гибко управлять размером и форматом этих хэштаблиц</a:t>
-            </a:r>
-            <a:endParaRPr lang="en-US" dirty="0"/>
-          </a:p>
-          <a:p>
-            <a:r>
-              <a:rPr lang="ru-RU" dirty="0"/>
-              <a:t>Обычно рекомендуемая конфигурация опций</a:t>
-            </a:r>
-            <a:r>
-              <a:rPr lang="en-US" dirty="0"/>
-              <a:t>:</a:t>
-            </a:r>
-          </a:p>
-          <a:p>
-            <a:pPr lvl="1"/>
-            <a:r>
-              <a:rPr lang="en-US" dirty="0"/>
-              <a:t>-</a:t>
-            </a:r>
-            <a:r>
-              <a:rPr lang="en-US" dirty="0" err="1"/>
-              <a:t>Wl</a:t>
-            </a:r>
-            <a:r>
-              <a:rPr lang="en-US" dirty="0"/>
-              <a:t>,--hash-style=both -Wl,-O1</a:t>
-            </a:r>
-          </a:p>
-          <a:p>
-            <a:r>
-              <a:rPr lang="en-US" dirty="0"/>
-              <a:t>-</a:t>
-            </a:r>
-            <a:r>
-              <a:rPr lang="en-US" dirty="0" err="1"/>
-              <a:t>Wl</a:t>
-            </a:r>
-            <a:r>
-              <a:rPr lang="en-US" dirty="0"/>
-              <a:t>,--hash-style </a:t>
-            </a:r>
-            <a:r>
-              <a:rPr lang="ru-RU" dirty="0"/>
-              <a:t>уже включена по умолчанию во всех современных дистрибутивах</a:t>
-            </a:r>
-            <a:endParaRPr lang="en-US" dirty="0"/>
-          </a:p>
-          <a:p>
-            <a:r>
-              <a:rPr lang="en-US" dirty="0"/>
-              <a:t>-Wl,-O1 </a:t>
-            </a:r>
-            <a:r>
-              <a:rPr lang="ru-RU" dirty="0"/>
-              <a:t>не оказывает существенного влияния на производительность</a:t>
+              <a:t>в рантайме</a:t>
             </a:r>
             <a:endParaRPr lang="en-US" dirty="0"/>
           </a:p>
@@ -19139,7 +19129,7 @@
     </p:spTree>
     <p:extLst>
       <p:ext uri="{BB962C8B-B14F-4D97-AF65-F5344CB8AC3E}">
-        <p14:creationId xmlns:p14="http://schemas.microsoft.com/office/powerpoint/2010/main" val="3957192232"/>
+        <p14:creationId xmlns:p14="http://schemas.microsoft.com/office/powerpoint/2010/main" val="2436921369"/>
       </p:ext>
     </p:extLst>
   </p:cSld>
@@ -19171,7 +19161,7 @@
           <p:cNvPr id="2" name="Title 1">
             <a:extLst>
               <a:ext uri="{FF2B5EF4-FFF2-40B4-BE49-F238E27FC236}">
-                <a16:creationId xmlns:a16="http://schemas.microsoft.com/office/drawing/2014/main" id="{EE2B7844-B8D9-42D2-80BE-3F170C7DECBA}"/>
+                <a16:creationId xmlns:a16="http://schemas.microsoft.com/office/drawing/2014/main" id="{CC798AB3-1D15-4521-A8DE-3E17788A428F}"/>
               </a:ext>
             </a:extLst>
           </p:cNvPr>
@@ -19197,7 +19187,7 @@
             </a:r>
             <a:r>
               <a:rPr lang="ru-RU" dirty="0"/>
-              <a:t>отключение ленивого связывания</a:t>
+              <a:t>оптимизация таблиц символов</a:t>
             </a:r>
             <a:endParaRPr lang="en-US" dirty="0"/>
           </a:p>
@@ -19208,7 +19198,7 @@
           <p:cNvPr id="3" name="Content Placeholder 2">
             <a:extLst>
               <a:ext uri="{FF2B5EF4-FFF2-40B4-BE49-F238E27FC236}">
-                <a16:creationId xmlns:a16="http://schemas.microsoft.com/office/drawing/2014/main" id="{0B44980E-F464-4A2A-AD5D-A16AADA1264C}"/>
+                <a16:creationId xmlns:a16="http://schemas.microsoft.com/office/drawing/2014/main" id="{0CFC98EF-8A0E-4555-8157-8ACA61A524AE}"/>
               </a:ext>
             </a:extLst>
           </p:cNvPr>
@@ -19219,21 +19209,16 @@
             <p:ph idx="1"/>
           </p:nvPr>
         </p:nvSpPr>
-        <p:spPr>
-          <a:xfrm>
-            <a:off x="838199" y="1825625"/>
-            <a:ext cx="10842171" cy="4667250"/>
-          </a:xfrm>
-        </p:spPr>
+        <p:spPr/>
         <p:txBody>
           <a:bodyPr>
-            <a:normAutofit/>
+            <a:normAutofit lnSpcReduction="10000"/>
           </a:bodyPr>
           <a:lstStyle/>
           <a:p>
             <a:r>
               <a:rPr lang="ru-RU" dirty="0"/>
-              <a:t>Ленивое связывание в </a:t>
+              <a:t>Поиск символов в </a:t>
             </a:r>
             <a:r>
               <a:rPr lang="en-US" dirty="0"/>
@@ -19241,54 +19226,77 @@
             </a:r>
             <a:r>
               <a:rPr lang="ru-RU" dirty="0"/>
-              <a:t>ускоряет начальную загрузку библиотек ценой накладных расходов в процессе работы</a:t>
-            </a:r>
-          </a:p>
-          <a:p>
-            <a:r>
-              <a:rPr lang="ru-RU" dirty="0"/>
-              <a:t>К загрузке адреса и косвенному вызову функции добавляется вызов </a:t>
-            </a:r>
-            <a:r>
-              <a:rPr lang="en-US" dirty="0"/>
-              <a:t>PLT-</a:t>
-            </a:r>
-            <a:r>
-              <a:rPr lang="ru-RU" dirty="0"/>
-              <a:t>заглушки</a:t>
+              <a:t>осуществляется по хэштаблицам, хранящимся в файлах</a:t>
+            </a:r>
+            <a:r>
+              <a:rPr lang="en-US" dirty="0"/>
+              <a:t> </a:t>
+            </a:r>
+            <a:r>
+              <a:rPr lang="ru-RU" dirty="0"/>
+              <a:t>динамических библиотек</a:t>
+            </a:r>
+          </a:p>
+          <a:p>
+            <a:r>
+              <a:rPr lang="ru-RU" dirty="0"/>
+              <a:t>Линкеры позволяют управлять размером и форматом этих хэштаблиц</a:t>
+            </a:r>
+            <a:endParaRPr lang="en-US" dirty="0"/>
+          </a:p>
+          <a:p>
+            <a:r>
+              <a:rPr lang="ru-RU" dirty="0"/>
+              <a:t>Обычно рекомендуемая конфигурация опций</a:t>
+            </a:r>
+            <a:r>
+              <a:rPr lang="en-US" dirty="0"/>
+              <a:t>:</a:t>
             </a:r>
           </a:p>
           <a:p>
             <a:pPr lvl="1"/>
             <a:r>
-              <a:rPr lang="ru-RU" dirty="0"/>
-              <a:t>Загрузка адреса приходится осуществлять при каждом вызове</a:t>
-            </a:r>
-          </a:p>
-          <a:p>
-            <a:r>
-              <a:rPr lang="ru-RU" dirty="0"/>
-              <a:t>Ленивая загрузка и связанные с ней накладные расходы могут быть отключены</a:t>
-            </a:r>
-            <a:r>
-              <a:rPr lang="en-US" dirty="0"/>
-              <a:t> </a:t>
-            </a:r>
-            <a:r>
-              <a:rPr lang="ru-RU" dirty="0"/>
-              <a:t>флагом </a:t>
-            </a:r>
-            <a:r>
               <a:rPr lang="en-US" dirty="0"/>
               <a:t>-</a:t>
             </a:r>
             <a:r>
               <a:rPr lang="en-US" dirty="0" err="1"/>
-              <a:t>fno-plt</a:t>
+              <a:t>Wl</a:t>
+            </a:r>
+            <a:r>
+              <a:rPr lang="en-US" dirty="0"/>
+              <a:t>,--hash-style=both -Wl,-O1</a:t>
+            </a:r>
+          </a:p>
+          <a:p>
+            <a:r>
+              <a:rPr lang="en-US" dirty="0"/>
+              <a:t>-</a:t>
+            </a:r>
+            <a:r>
+              <a:rPr lang="en-US" dirty="0" err="1"/>
+              <a:t>Wl</a:t>
+            </a:r>
+            <a:r>
+              <a:rPr lang="en-US" dirty="0"/>
+              <a:t>,--hash-style </a:t>
+            </a:r>
+            <a:r>
+              <a:rPr lang="ru-RU" dirty="0"/>
+              <a:t>уже включена по умолчанию во всех современных дистрибутивах</a:t>
             </a:r>
             <a:endParaRPr lang="en-US" dirty="0"/>
           </a:p>
           <a:p>
+            <a:r>
+              <a:rPr lang="en-US" dirty="0"/>
+              <a:t>-Wl,-O1 </a:t>
+            </a:r>
+            <a:r>
+              <a:rPr lang="ru-RU" dirty="0"/>
+              <a:t>не оказывает существенного влияния на производительность</a:t>
+            </a:r>
             <a:endParaRPr lang="en-US" dirty="0"/>
           </a:p>
         </p:txBody>
@@ -19296,7 +19304,7 @@
     </p:spTree>
     <p:extLst>
       <p:ext uri="{BB962C8B-B14F-4D97-AF65-F5344CB8AC3E}">
-        <p14:creationId xmlns:p14="http://schemas.microsoft.com/office/powerpoint/2010/main" val="225035390"/>
+        <p14:creationId xmlns:p14="http://schemas.microsoft.com/office/powerpoint/2010/main" val="3957192232"/>
       </p:ext>
     </p:extLst>
   </p:cSld>
@@ -19390,7 +19398,50 @@
           <a:p>
             <a:r>
               <a:rPr lang="ru-RU" dirty="0"/>
-              <a:t>Использование </a:t>
+              <a:t>Ленивое связывание в </a:t>
+            </a:r>
+            <a:r>
+              <a:rPr lang="en-US" dirty="0"/>
+              <a:t>Linux </a:t>
+            </a:r>
+            <a:r>
+              <a:rPr lang="ru-RU" dirty="0"/>
+              <a:t>ускоряет начальную загрузку библиотек ценой накладных расходов в процессе работы</a:t>
+            </a:r>
+          </a:p>
+          <a:p>
+            <a:r>
+              <a:rPr lang="ru-RU" dirty="0"/>
+              <a:t>К загрузке адреса и косвенному вызову функции добавляется вызов </a:t>
+            </a:r>
+            <a:r>
+              <a:rPr lang="en-US" dirty="0"/>
+              <a:t>PLT-</a:t>
+            </a:r>
+            <a:r>
+              <a:rPr lang="ru-RU" dirty="0"/>
+              <a:t>заглушки</a:t>
+            </a:r>
+          </a:p>
+          <a:p>
+            <a:pPr lvl="1"/>
+            <a:r>
+              <a:rPr lang="ru-RU" dirty="0"/>
+              <a:t>Загрузка адреса приходится осуществлять при каждом вызове</a:t>
+            </a:r>
+          </a:p>
+          <a:p>
+            <a:r>
+              <a:rPr lang="ru-RU" dirty="0"/>
+              <a:t>Ленивая загрузка и связанные с ней накладные расходы могут быть отключены</a:t>
+            </a:r>
+            <a:r>
+              <a:rPr lang="en-US" dirty="0"/>
+              <a:t> </a:t>
+            </a:r>
+            <a:r>
+              <a:rPr lang="ru-RU" dirty="0"/>
+              <a:t>флагом </a:t>
             </a:r>
             <a:r>
               <a:rPr lang="en-US" dirty="0"/>
@@ -19403,105 +19454,14 @@
             <a:endParaRPr lang="en-US" dirty="0"/>
           </a:p>
           <a:p>
-            <a:pPr lvl="1"/>
-            <a:r>
-              <a:rPr lang="ru-RU" dirty="0"/>
-              <a:t>Ускоряет вызовы библиотечных функций</a:t>
-            </a:r>
-          </a:p>
-          <a:p>
-            <a:pPr lvl="1"/>
-            <a:r>
-              <a:rPr lang="ru-RU" dirty="0"/>
-              <a:t>Замедляет загрузку</a:t>
-            </a:r>
-            <a:r>
-              <a:rPr lang="en-US" dirty="0"/>
-              <a:t> </a:t>
-            </a:r>
-            <a:r>
-              <a:rPr lang="ru-RU" dirty="0"/>
-              <a:t>библиотеки (т.к. все адреса надо разрешить и связать на старте</a:t>
-            </a:r>
-            <a:r>
-              <a:rPr lang="en-US" dirty="0"/>
-              <a:t> </a:t>
-            </a:r>
-            <a:r>
-              <a:rPr lang="ru-RU" dirty="0"/>
-              <a:t>программы)</a:t>
-            </a:r>
-          </a:p>
-          <a:p>
-            <a:r>
-              <a:rPr lang="ru-RU" dirty="0"/>
-              <a:t>Современные требования к безопасности и так рекомендуют разрешать все функции на старте программы</a:t>
-            </a:r>
-          </a:p>
-          <a:p>
-            <a:pPr lvl="1"/>
-            <a:r>
-              <a:rPr lang="ru-RU" dirty="0"/>
-              <a:t>Позволяет использовать технологию </a:t>
-            </a:r>
-            <a:r>
-              <a:rPr lang="en-US" dirty="0"/>
-              <a:t>Full </a:t>
-            </a:r>
-            <a:r>
-              <a:rPr lang="en-US" dirty="0" err="1"/>
-              <a:t>Relro</a:t>
-            </a:r>
-            <a:r>
-              <a:rPr lang="en-US" dirty="0"/>
-              <a:t> </a:t>
-            </a:r>
-            <a:r>
-              <a:rPr lang="ru-RU" dirty="0"/>
-              <a:t>для защиты от непреднамеренных модификаций </a:t>
-            </a:r>
-            <a:r>
-              <a:rPr lang="en-US" dirty="0"/>
-              <a:t>GOT</a:t>
-            </a:r>
-          </a:p>
-          <a:p>
-            <a:pPr lvl="1"/>
-            <a:r>
-              <a:rPr lang="en-US" dirty="0"/>
-              <a:t>Full </a:t>
-            </a:r>
-            <a:r>
-              <a:rPr lang="en-US" dirty="0" err="1"/>
-              <a:t>Relro</a:t>
-            </a:r>
-            <a:r>
-              <a:rPr lang="en-US" dirty="0"/>
-              <a:t> </a:t>
-            </a:r>
-            <a:r>
-              <a:rPr lang="ru-RU" dirty="0"/>
-              <a:t>используется по умолчанию в </a:t>
-            </a:r>
-            <a:r>
-              <a:rPr lang="en-US" dirty="0"/>
-              <a:t>RHEL/Fedora </a:t>
-            </a:r>
-            <a:r>
-              <a:rPr lang="ru-RU" dirty="0"/>
-              <a:t>и </a:t>
-            </a:r>
-            <a:r>
-              <a:rPr lang="en-US" dirty="0"/>
-              <a:t>Ubuntu</a:t>
-            </a:r>
+            <a:endParaRPr lang="en-US" dirty="0"/>
           </a:p>
         </p:txBody>
       </p:sp>
     </p:spTree>
     <p:extLst>
       <p:ext uri="{BB962C8B-B14F-4D97-AF65-F5344CB8AC3E}">
-        <p14:creationId xmlns:p14="http://schemas.microsoft.com/office/powerpoint/2010/main" val="1232306249"/>
+        <p14:creationId xmlns:p14="http://schemas.microsoft.com/office/powerpoint/2010/main" val="225035390"/>
       </p:ext>
     </p:extLst>
   </p:cSld>
@@ -19595,17 +19555,6 @@
           <a:p>
             <a:r>
               <a:rPr lang="ru-RU" dirty="0"/>
-              <a:t>Примеры</a:t>
-            </a:r>
-            <a:r>
-              <a:rPr lang="en-US" dirty="0"/>
-              <a:t>:</a:t>
-            </a:r>
-          </a:p>
-          <a:p>
-            <a:pPr lvl="1"/>
-            <a:r>
-              <a:rPr lang="ru-RU" dirty="0"/>
               <a:t>Использование </a:t>
             </a:r>
             <a:r>
@@ -19616,44 +19565,108 @@
               <a:rPr lang="en-US" dirty="0" err="1"/>
               <a:t>fno-plt</a:t>
             </a:r>
+            <a:endParaRPr lang="en-US" dirty="0"/>
+          </a:p>
+          <a:p>
+            <a:pPr lvl="1"/>
+            <a:r>
+              <a:rPr lang="ru-RU" dirty="0"/>
+              <a:t>Ускоряет вызовы библиотечных функций</a:t>
+            </a:r>
+          </a:p>
+          <a:p>
+            <a:pPr lvl="1"/>
+            <a:r>
+              <a:rPr lang="ru-RU" dirty="0"/>
+              <a:t>Замедляет загрузку</a:t>
+            </a:r>
             <a:r>
               <a:rPr lang="en-US" dirty="0"/>
               <a:t> </a:t>
             </a:r>
             <a:r>
               <a:rPr lang="ru-RU" dirty="0"/>
-              <a:t>в </a:t>
-            </a:r>
-            <a:r>
-              <a:rPr lang="en-US" dirty="0"/>
-              <a:t>Clang </a:t>
-            </a:r>
-            <a:r>
-              <a:rPr lang="ru-RU" dirty="0"/>
-              <a:t>даёт до </a:t>
-            </a:r>
-            <a:r>
-              <a:rPr lang="en-US" dirty="0"/>
-              <a:t>10% </a:t>
-            </a:r>
-            <a:r>
-              <a:rPr lang="ru-RU" dirty="0"/>
-              <a:t>прироста производительности</a:t>
-            </a:r>
-            <a:endParaRPr lang="en-US" dirty="0"/>
-          </a:p>
-          <a:p>
-            <a:endParaRPr lang="en-US" dirty="0"/>
-          </a:p>
-          <a:p>
-            <a:endParaRPr lang="en-US" dirty="0"/>
+              <a:t>библиотеки (т.к. все адреса надо разрешить и связать на старте</a:t>
+            </a:r>
+            <a:r>
+              <a:rPr lang="en-US" dirty="0"/>
+              <a:t> </a:t>
+            </a:r>
+            <a:r>
+              <a:rPr lang="ru-RU" dirty="0"/>
+              <a:t>программы)</a:t>
+            </a:r>
+          </a:p>
+          <a:p>
+            <a:r>
+              <a:rPr lang="ru-RU" dirty="0"/>
+              <a:t>Современные требования к безопасности и так рекомендуют разрешать все функции на старте программы</a:t>
+            </a:r>
+          </a:p>
+          <a:p>
+            <a:pPr lvl="1"/>
+            <a:r>
+              <a:rPr lang="ru-RU" dirty="0"/>
+              <a:t>Позволяет использовать технологию </a:t>
+            </a:r>
+            <a:r>
+              <a:rPr lang="en-US" dirty="0"/>
+              <a:t>Full </a:t>
+            </a:r>
+            <a:r>
+              <a:rPr lang="en-US" dirty="0" err="1"/>
+              <a:t>Relro</a:t>
+            </a:r>
+            <a:r>
+              <a:rPr lang="en-US" dirty="0"/>
+              <a:t> </a:t>
+            </a:r>
+            <a:r>
+              <a:rPr lang="ru-RU" dirty="0"/>
+              <a:t>для защиты от непреднамеренных модификаций </a:t>
+            </a:r>
+            <a:r>
+              <a:rPr lang="en-US" dirty="0"/>
+              <a:t>GOT</a:t>
+            </a:r>
+          </a:p>
+          <a:p>
+            <a:pPr lvl="1"/>
+            <a:r>
+              <a:rPr lang="en-US" dirty="0"/>
+              <a:t>Full </a:t>
+            </a:r>
+            <a:r>
+              <a:rPr lang="en-US" dirty="0" err="1"/>
+              <a:t>Relro</a:t>
+            </a:r>
+            <a:r>
+              <a:rPr lang="en-US" dirty="0"/>
+              <a:t> </a:t>
+            </a:r>
+            <a:r>
+              <a:rPr lang="ru-RU" dirty="0"/>
+              <a:t>используется по умолчанию в </a:t>
+            </a:r>
+            <a:r>
+              <a:rPr lang="en-US" dirty="0"/>
+              <a:t>RHEL/Fedora </a:t>
+            </a:r>
+            <a:r>
+              <a:rPr lang="ru-RU" dirty="0"/>
+              <a:t>и </a:t>
+            </a:r>
+            <a:r>
+              <a:rPr lang="en-US" dirty="0"/>
+              <a:t>Ubuntu</a:t>
+            </a:r>
           </a:p>
         </p:txBody>
       </p:sp>
     </p:spTree>
     <p:extLst>
       <p:ext uri="{BB962C8B-B14F-4D97-AF65-F5344CB8AC3E}">
-        <p14:creationId xmlns:p14="http://schemas.microsoft.com/office/powerpoint/2010/main" val="1282722250"/>
+        <p14:creationId xmlns:p14="http://schemas.microsoft.com/office/powerpoint/2010/main" val="1232306249"/>
       </p:ext>
     </p:extLst>
   </p:cSld>
@@ -19845,7 +19858,7 @@
           <p:cNvPr id="2" name="Title 1">
             <a:extLst>
               <a:ext uri="{FF2B5EF4-FFF2-40B4-BE49-F238E27FC236}">
-                <a16:creationId xmlns:a16="http://schemas.microsoft.com/office/drawing/2014/main" id="{0A95A14D-8CF8-471B-AF3D-26999D8951D8}"/>
+                <a16:creationId xmlns:a16="http://schemas.microsoft.com/office/drawing/2014/main" id="{EE2B7844-B8D9-42D2-80BE-3F170C7DECBA}"/>
               </a:ext>
             </a:extLst>
           </p:cNvPr>
@@ -19863,7 +19876,70 @@
           <a:p>
             <a:r>
               <a:rPr lang="ru-RU" dirty="0"/>
-              <a:t>Накладные расходы</a:t>
+              <a:t>Ускорение работы </a:t>
+            </a:r>
+            <a:r>
+              <a:rPr lang="en-US" dirty="0"/>
+              <a:t>DLL: </a:t>
+            </a:r>
+            <a:r>
+              <a:rPr lang="ru-RU" dirty="0"/>
+              <a:t>отключение ленивого связывания</a:t>
+            </a:r>
+            <a:endParaRPr lang="en-US" dirty="0"/>
+          </a:p>
+        </p:txBody>
+      </p:sp>
+      <p:sp>
+        <p:nvSpPr>
+          <p:cNvPr id="3" name="Content Placeholder 2">
+            <a:extLst>
+              <a:ext uri="{FF2B5EF4-FFF2-40B4-BE49-F238E27FC236}">
+                <a16:creationId xmlns:a16="http://schemas.microsoft.com/office/drawing/2014/main" id="{0B44980E-F464-4A2A-AD5D-A16AADA1264C}"/>
+              </a:ext>
+            </a:extLst>
+          </p:cNvPr>
+          <p:cNvSpPr>
+            <a:spLocks noGrp="1"/>
+          </p:cNvSpPr>
+          <p:nvPr>
+            <p:ph idx="1"/>
+          </p:nvPr>
+        </p:nvSpPr>
+        <p:spPr>
+          <a:xfrm>
+            <a:off x="838199" y="1825625"/>
+            <a:ext cx="10842171" cy="4667250"/>
+          </a:xfrm>
+        </p:spPr>
+        <p:txBody>
+          <a:bodyPr>
+            <a:normAutofit/>
+          </a:bodyPr>
+          <a:lstStyle/>
+          <a:p>
+            <a:r>
+              <a:rPr lang="ru-RU" dirty="0"/>
+              <a:t>Примеры</a:t>
+            </a:r>
+            <a:r>
+              <a:rPr lang="en-US" dirty="0"/>
+              <a:t>:</a:t>
+            </a:r>
+          </a:p>
+          <a:p>
+            <a:pPr lvl="1"/>
+            <a:r>
+              <a:rPr lang="ru-RU" dirty="0"/>
+              <a:t>Использование </a:t>
+            </a:r>
+            <a:r>
+              <a:rPr lang="en-US" dirty="0"/>
+              <a:t>-</a:t>
+            </a:r>
+            <a:r>
+              <a:rPr lang="en-US" dirty="0" err="1"/>
+              <a:t>fno-plt</a:t>
             </a:r>
             <a:r>
               <a:rPr lang="en-US" dirty="0"/>
@@ -19871,111 +19947,38 @@
             </a:r>
             <a:r>
               <a:rPr lang="ru-RU" dirty="0"/>
-              <a:t>при использовании </a:t>
-            </a:r>
-            <a:r>
-              <a:rPr lang="en-US" dirty="0"/>
-              <a:t>DLL</a:t>
-            </a:r>
-          </a:p>
-        </p:txBody>
-      </p:sp>
-      <p:sp>
-        <p:nvSpPr>
-          <p:cNvPr id="3" name="Content Placeholder 2">
-            <a:extLst>
-              <a:ext uri="{FF2B5EF4-FFF2-40B4-BE49-F238E27FC236}">
-                <a16:creationId xmlns:a16="http://schemas.microsoft.com/office/drawing/2014/main" id="{5B49B649-A403-4066-8731-42F55BC6F396}"/>
-              </a:ext>
-            </a:extLst>
-          </p:cNvPr>
-          <p:cNvSpPr>
-            <a:spLocks noGrp="1"/>
-          </p:cNvSpPr>
-          <p:nvPr>
-            <p:ph idx="1"/>
-          </p:nvPr>
-        </p:nvSpPr>
-        <p:spPr/>
-        <p:txBody>
-          <a:bodyPr/>
-          <a:lstStyle/>
-          <a:p>
-            <a:r>
-              <a:rPr lang="ru-RU" dirty="0"/>
-              <a:t>Загрузка</a:t>
-            </a:r>
-            <a:r>
-              <a:rPr lang="en-US" dirty="0"/>
-              <a:t> </a:t>
-            </a:r>
-            <a:r>
-              <a:rPr lang="ru-RU" dirty="0"/>
-              <a:t>библиотеки</a:t>
+              <a:t>в </a:t>
+            </a:r>
+            <a:r>
+              <a:rPr lang="en-US" dirty="0"/>
+              <a:t>Clang </a:t>
+            </a:r>
+            <a:r>
+              <a:rPr lang="ru-RU" dirty="0"/>
+              <a:t>даёт до </a:t>
+            </a:r>
+            <a:r>
+              <a:rPr lang="en-US" dirty="0"/>
+              <a:t>10% </a:t>
+            </a:r>
+            <a:r>
+              <a:rPr lang="ru-RU" dirty="0"/>
+              <a:t>прироста производительности</a:t>
             </a:r>
             <a:endParaRPr lang="en-US" dirty="0"/>
           </a:p>
           <a:p>
-            <a:pPr lvl="1"/>
-            <a:r>
-              <a:rPr lang="ru-RU" dirty="0"/>
-              <a:t>Релокация кода</a:t>
-            </a:r>
             <a:endParaRPr lang="en-US" dirty="0"/>
           </a:p>
           <a:p>
-            <a:pPr lvl="1"/>
-            <a:r>
-              <a:rPr lang="ru-RU" dirty="0"/>
-              <a:t>Разрешение и </a:t>
-            </a:r>
-            <a:r>
-              <a:rPr lang="en-US" dirty="0"/>
-              <a:t>c</a:t>
-            </a:r>
-            <a:r>
-              <a:rPr lang="ru-RU" dirty="0"/>
-              <a:t>вязывание символов</a:t>
-            </a:r>
             <a:endParaRPr lang="en-US" dirty="0"/>
-          </a:p>
-          <a:p>
-            <a:r>
-              <a:rPr lang="ru-RU" dirty="0"/>
-              <a:t>Работа с библиотекой</a:t>
-            </a:r>
-            <a:endParaRPr lang="en-US" dirty="0"/>
-          </a:p>
-          <a:p>
-            <a:pPr lvl="1"/>
-            <a:r>
-              <a:rPr lang="ru-RU" b="1" dirty="0"/>
-              <a:t>Косвенные вызовы (</a:t>
-            </a:r>
-            <a:r>
-              <a:rPr lang="en-US" b="1" dirty="0"/>
-              <a:t>indirect calls) </a:t>
-            </a:r>
-            <a:r>
-              <a:rPr lang="ru-RU" b="1" dirty="0"/>
-              <a:t>функций</a:t>
-            </a:r>
-            <a:r>
-              <a:rPr lang="en-US" b="1" dirty="0"/>
-              <a:t> </a:t>
-            </a:r>
-            <a:r>
-              <a:rPr lang="ru-RU" b="1" dirty="0"/>
-              <a:t>в рантайме</a:t>
-            </a:r>
-            <a:endParaRPr lang="en-US" b="1" dirty="0"/>
           </a:p>
         </p:txBody>
       </p:sp>
     </p:spTree>
     <p:extLst>
       <p:ext uri="{BB962C8B-B14F-4D97-AF65-F5344CB8AC3E}">
-        <p14:creationId xmlns:p14="http://schemas.microsoft.com/office/powerpoint/2010/main" val="3025777625"/>
+        <p14:creationId xmlns:p14="http://schemas.microsoft.com/office/powerpoint/2010/main" val="1282722250"/>
       </p:ext>
     </p:extLst>
   </p:cSld>
@@ -20007,7 +20010,7 @@
           <p:cNvPr id="2" name="Title 1">
             <a:extLst>
               <a:ext uri="{FF2B5EF4-FFF2-40B4-BE49-F238E27FC236}">
-                <a16:creationId xmlns:a16="http://schemas.microsoft.com/office/drawing/2014/main" id="{9E2F4025-5B63-47B1-ACD7-A498A81AE42A}"/>
+                <a16:creationId xmlns:a16="http://schemas.microsoft.com/office/drawing/2014/main" id="{0A95A14D-8CF8-471B-AF3D-26999D8951D8}"/>
               </a:ext>
             </a:extLst>
           </p:cNvPr>
@@ -20025,108 +20028,119 @@
           <a:p>
             <a:r>
               <a:rPr lang="ru-RU" dirty="0"/>
-              <a:t>Проблемы с экспортируемыми символами</a:t>
+              <a:t>Накладные расходы</a:t>
+            </a:r>
+            <a:r>
+              <a:rPr lang="en-US" dirty="0"/>
+              <a:t> </a:t>
+            </a:r>
+            <a:r>
+              <a:rPr lang="ru-RU" dirty="0"/>
+              <a:t>при использовании </a:t>
+            </a:r>
+            <a:r>
+              <a:rPr lang="en-US" dirty="0"/>
+              <a:t>DLL</a:t>
+            </a:r>
+          </a:p>
+        </p:txBody>
+      </p:sp>
+      <p:sp>
+        <p:nvSpPr>
+          <p:cNvPr id="3" name="Content Placeholder 2">
+            <a:extLst>
+              <a:ext uri="{FF2B5EF4-FFF2-40B4-BE49-F238E27FC236}">
+                <a16:creationId xmlns:a16="http://schemas.microsoft.com/office/drawing/2014/main" id="{5B49B649-A403-4066-8731-42F55BC6F396}"/>
+              </a:ext>
+            </a:extLst>
+          </p:cNvPr>
+          <p:cNvSpPr>
+            <a:spLocks noGrp="1"/>
+          </p:cNvSpPr>
+          <p:nvPr>
+            <p:ph idx="1"/>
+          </p:nvPr>
+        </p:nvSpPr>
+        <p:spPr/>
+        <p:txBody>
+          <a:bodyPr/>
+          <a:lstStyle/>
+          <a:p>
+            <a:r>
+              <a:rPr lang="ru-RU" dirty="0"/>
+              <a:t>Загрузка</a:t>
+            </a:r>
+            <a:r>
+              <a:rPr lang="en-US" dirty="0"/>
+              <a:t> </a:t>
+            </a:r>
+            <a:r>
+              <a:rPr lang="ru-RU" dirty="0"/>
+              <a:t>библиотеки</a:t>
             </a:r>
             <a:endParaRPr lang="en-US" dirty="0"/>
           </a:p>
-        </p:txBody>
-      </p:sp>
-      <p:sp>
-        <p:nvSpPr>
-          <p:cNvPr id="3" name="Content Placeholder 2">
-            <a:extLst>
-              <a:ext uri="{FF2B5EF4-FFF2-40B4-BE49-F238E27FC236}">
-                <a16:creationId xmlns:a16="http://schemas.microsoft.com/office/drawing/2014/main" id="{37862244-1BB6-4E07-B31C-F099E59591B4}"/>
-              </a:ext>
-            </a:extLst>
-          </p:cNvPr>
-          <p:cNvSpPr>
-            <a:spLocks noGrp="1"/>
-          </p:cNvSpPr>
-          <p:nvPr>
-            <p:ph idx="1"/>
-          </p:nvPr>
-        </p:nvSpPr>
-        <p:spPr/>
-        <p:txBody>
-          <a:bodyPr/>
-          <a:lstStyle/>
-          <a:p>
-            <a:r>
-              <a:rPr lang="ru-RU" dirty="0"/>
-              <a:t>По умолчанию на </a:t>
-            </a:r>
-            <a:r>
-              <a:rPr lang="en-US" dirty="0"/>
-              <a:t>Linux </a:t>
-            </a:r>
-            <a:r>
-              <a:rPr lang="ru-RU" dirty="0"/>
-              <a:t>все функции библиотеки экспортируются</a:t>
-            </a:r>
-          </a:p>
           <a:p>
             <a:pPr lvl="1"/>
             <a:r>
               <a:rPr lang="ru-RU" dirty="0"/>
-              <a:t>Для совместимости со статическими библиотеками</a:t>
-            </a:r>
-          </a:p>
-          <a:p>
-            <a:r>
-              <a:rPr lang="ru-RU" dirty="0"/>
-              <a:t>Из-за возможного перехвата функций вызов экспортируемой функции внутри библиотеки происходит через таблицу адресов</a:t>
-            </a:r>
-            <a:r>
-              <a:rPr lang="en-US" dirty="0"/>
-              <a:t> GOT</a:t>
-            </a:r>
-          </a:p>
-          <a:p>
-            <a:r>
-              <a:rPr lang="ru-RU" dirty="0"/>
-              <a:t>Накладные расходы</a:t>
-            </a:r>
-            <a:r>
-              <a:rPr lang="en-US" dirty="0"/>
-              <a:t>:</a:t>
-            </a:r>
+              <a:t>Релокация кода</a:t>
+            </a:r>
+            <a:endParaRPr lang="en-US" dirty="0"/>
           </a:p>
           <a:p>
             <a:pPr lvl="1"/>
             <a:r>
               <a:rPr lang="ru-RU" dirty="0"/>
-              <a:t>Косвенные вызовы функций</a:t>
-            </a:r>
+              <a:t>Разрешение и </a:t>
+            </a:r>
+            <a:r>
+              <a:rPr lang="en-US" dirty="0"/>
+              <a:t>c</a:t>
+            </a:r>
+            <a:r>
+              <a:rPr lang="ru-RU" dirty="0"/>
+              <a:t>вязывание символов</a:t>
+            </a:r>
+            <a:endParaRPr lang="en-US" dirty="0"/>
+          </a:p>
+          <a:p>
+            <a:r>
+              <a:rPr lang="ru-RU" dirty="0"/>
+              <a:t>Работа с библиотекой</a:t>
+            </a:r>
+            <a:endParaRPr lang="en-US" dirty="0"/>
           </a:p>
           <a:p>
             <a:pPr lvl="1"/>
             <a:r>
-              <a:rPr lang="ru-RU" dirty="0"/>
-              <a:t>Отмена оптимизаций в компиляторе</a:t>
-            </a:r>
-            <a:r>
-              <a:rPr lang="en-US" dirty="0"/>
-              <a:t> (</a:t>
-            </a:r>
-            <a:r>
-              <a:rPr lang="en-US" dirty="0" err="1"/>
-              <a:t>inlining</a:t>
-            </a:r>
-            <a:r>
-              <a:rPr lang="en-US" dirty="0"/>
-              <a:t>, cloning, etc.)</a:t>
-            </a:r>
-          </a:p>
-          <a:p>
-            <a:endParaRPr lang="en-US" dirty="0"/>
+              <a:rPr lang="ru-RU" b="1" dirty="0"/>
+              <a:t>Косвенные вызовы (</a:t>
+            </a:r>
+            <a:r>
+              <a:rPr lang="en-US" b="1" dirty="0"/>
+              <a:t>indirect calls) </a:t>
+            </a:r>
+            <a:r>
+              <a:rPr lang="ru-RU" b="1" dirty="0"/>
+              <a:t>функций</a:t>
+            </a:r>
+            <a:r>
+              <a:rPr lang="en-US" b="1" dirty="0"/>
+              <a:t> </a:t>
+            </a:r>
+            <a:r>
+              <a:rPr lang="ru-RU" b="1" dirty="0"/>
+              <a:t>в рантайме</a:t>
+            </a:r>
+            <a:endParaRPr lang="en-US" b="1" dirty="0"/>
           </a:p>
         </p:txBody>
       </p:sp>
     </p:spTree>
     <p:extLst>
       <p:ext uri="{BB962C8B-B14F-4D97-AF65-F5344CB8AC3E}">
-        <p14:creationId xmlns:p14="http://schemas.microsoft.com/office/powerpoint/2010/main" val="653850357"/>
+        <p14:creationId xmlns:p14="http://schemas.microsoft.com/office/powerpoint/2010/main" val="3025777625"/>
       </p:ext>
     </p:extLst>
   </p:cSld>
@@ -20158,7 +20172,7 @@
           <p:cNvPr id="2" name="Title 1">
             <a:extLst>
               <a:ext uri="{FF2B5EF4-FFF2-40B4-BE49-F238E27FC236}">
-                <a16:creationId xmlns:a16="http://schemas.microsoft.com/office/drawing/2014/main" id="{44E34916-01E9-4F42-B603-B05283CC4616}"/>
+                <a16:creationId xmlns:a16="http://schemas.microsoft.com/office/drawing/2014/main" id="{9E2F4025-5B63-47B1-ACD7-A498A81AE42A}"/>
               </a:ext>
             </a:extLst>
           </p:cNvPr>
@@ -20176,7 +20190,7 @@
           <a:p>
             <a:r>
               <a:rPr lang="ru-RU" dirty="0"/>
-              <a:t>Пример отмены оптимизаций</a:t>
+              <a:t>Проблемы с экспортируемыми символами</a:t>
             </a:r>
             <a:endParaRPr lang="en-US" dirty="0"/>
           </a:p>
@@ -20187,7 +20201,7 @@
           <p:cNvPr id="3" name="Content Placeholder 2">
             <a:extLst>
               <a:ext uri="{FF2B5EF4-FFF2-40B4-BE49-F238E27FC236}">
-                <a16:creationId xmlns:a16="http://schemas.microsoft.com/office/drawing/2014/main" id="{6770FDB2-1A82-4929-A1E6-E0FB79342368}"/>
+                <a16:creationId xmlns:a16="http://schemas.microsoft.com/office/drawing/2014/main" id="{37862244-1BB6-4E07-B31C-F099E59591B4}"/>
               </a:ext>
             </a:extLst>
           </p:cNvPr>
@@ -20200,233 +20214,84 @@
         </p:nvSpPr>
         <p:spPr/>
         <p:txBody>
-          <a:bodyPr>
-            <a:normAutofit/>
-          </a:bodyPr>
-          <a:lstStyle/>
-          <a:p>
-            <a:r>
-              <a:rPr lang="ru-RU" dirty="0"/>
-              <a:t>Компилятор не встраивает вызов функции из-за возможности перехвата</a:t>
-            </a:r>
+          <a:bodyPr/>
+          <a:lstStyle/>
+          <a:p>
+            <a:r>
+              <a:rPr lang="ru-RU" dirty="0"/>
+              <a:t>По умолчанию на </a:t>
+            </a:r>
+            <a:r>
+              <a:rPr lang="en-US" dirty="0"/>
+              <a:t>Linux </a:t>
+            </a:r>
+            <a:r>
+              <a:rPr lang="ru-RU" dirty="0"/>
+              <a:t>все функции библиотеки экспортируются</a:t>
+            </a:r>
+          </a:p>
+          <a:p>
+            <a:pPr lvl="1"/>
+            <a:r>
+              <a:rPr lang="ru-RU" dirty="0"/>
+              <a:t>Для совместимости со статическими библиотеками</a:t>
+            </a:r>
+          </a:p>
+          <a:p>
+            <a:r>
+              <a:rPr lang="ru-RU" dirty="0"/>
+              <a:t>Из-за возможного перехвата функций вызов внутренних функций библиотеки происходит через таблицу адресов</a:t>
+            </a:r>
+            <a:r>
+              <a:rPr lang="en-US" dirty="0"/>
+              <a:t> GOT</a:t>
+            </a:r>
+          </a:p>
+          <a:p>
+            <a:r>
+              <a:rPr lang="ru-RU" dirty="0"/>
+              <a:t>Накладные расходы</a:t>
+            </a:r>
+            <a:r>
+              <a:rPr lang="en-US" dirty="0"/>
+              <a:t>:</a:t>
+            </a:r>
+          </a:p>
+          <a:p>
+            <a:pPr lvl="1"/>
+            <a:r>
+              <a:rPr lang="ru-RU" dirty="0"/>
+              <a:t>Косвенные вызовы функций</a:t>
+            </a:r>
+          </a:p>
+          <a:p>
+            <a:pPr lvl="1"/>
+            <a:r>
+              <a:rPr lang="ru-RU" dirty="0"/>
+              <a:t>Отмена оптимизаций в компиляторе</a:t>
+            </a:r>
+            <a:r>
+              <a:rPr lang="en-US" dirty="0"/>
+              <a:t> (</a:t>
+            </a:r>
+            <a:r>
+              <a:rPr lang="en-US" dirty="0" err="1"/>
+              <a:t>inlining</a:t>
+            </a:r>
+            <a:r>
+              <a:rPr lang="en-US" dirty="0"/>
+              <a:t>, cloning, etc.)</a:t>
+            </a:r>
+          </a:p>
+          <a:p>
             <a:endParaRPr lang="en-US" dirty="0"/>
-          </a:p>
-          <a:p>
-            <a:pPr marL="457200" lvl="1" indent="0">
-              <a:buNone/>
-            </a:pPr>
-            <a:r>
-              <a:rPr lang="en-US" dirty="0">
-                <a:latin typeface="Courier New" panose="02070309020205020404" pitchFamily="49" charset="0"/>
-                <a:cs typeface="Courier New" panose="02070309020205020404" pitchFamily="49" charset="0"/>
-              </a:rPr>
-              <a:t>$ cat </a:t>
-            </a:r>
-            <a:r>
-              <a:rPr lang="en-US" dirty="0" err="1">
-                <a:latin typeface="Courier New" panose="02070309020205020404" pitchFamily="49" charset="0"/>
-                <a:cs typeface="Courier New" panose="02070309020205020404" pitchFamily="49" charset="0"/>
-              </a:rPr>
-              <a:t>tmp.c</a:t>
-            </a:r>
-            <a:endParaRPr lang="en-US" dirty="0">
-              <a:latin typeface="Courier New" panose="02070309020205020404" pitchFamily="49" charset="0"/>
-              <a:cs typeface="Courier New" panose="02070309020205020404" pitchFamily="49" charset="0"/>
-            </a:endParaRPr>
-          </a:p>
-          <a:p>
-            <a:pPr marL="457200" lvl="1" indent="0">
-              <a:buNone/>
-            </a:pPr>
-            <a:r>
-              <a:rPr lang="en-US" dirty="0">
-                <a:solidFill>
-                  <a:prstClr val="black"/>
-                </a:solidFill>
-                <a:latin typeface="Courier New" panose="02070309020205020404" pitchFamily="49" charset="0"/>
-                <a:cs typeface="Courier New" panose="02070309020205020404" pitchFamily="49" charset="0"/>
-              </a:rPr>
-              <a:t>void foo() {}</a:t>
-            </a:r>
-          </a:p>
-          <a:p>
-            <a:pPr marL="457200" lvl="1" indent="0">
-              <a:buNone/>
-            </a:pPr>
-            <a:r>
-              <a:rPr lang="en-US" dirty="0">
-                <a:solidFill>
-                  <a:prstClr val="black"/>
-                </a:solidFill>
-                <a:latin typeface="Courier New" panose="02070309020205020404" pitchFamily="49" charset="0"/>
-                <a:cs typeface="Courier New" panose="02070309020205020404" pitchFamily="49" charset="0"/>
-              </a:rPr>
-              <a:t>void bar() { foo(); }</a:t>
-            </a:r>
-          </a:p>
-          <a:p>
-            <a:pPr marL="457200" lvl="1" indent="0">
-              <a:buNone/>
-            </a:pPr>
-            <a:r>
-              <a:rPr lang="en-US" dirty="0">
-                <a:solidFill>
-                  <a:prstClr val="black"/>
-                </a:solidFill>
-                <a:latin typeface="Courier New" panose="02070309020205020404" pitchFamily="49" charset="0"/>
-                <a:cs typeface="Courier New" panose="02070309020205020404" pitchFamily="49" charset="0"/>
-              </a:rPr>
-              <a:t>$ </a:t>
-            </a:r>
-            <a:r>
-              <a:rPr lang="en-US" dirty="0" err="1">
-                <a:solidFill>
-                  <a:prstClr val="black"/>
-                </a:solidFill>
-                <a:latin typeface="Courier New" panose="02070309020205020404" pitchFamily="49" charset="0"/>
-                <a:cs typeface="Courier New" panose="02070309020205020404" pitchFamily="49" charset="0"/>
-              </a:rPr>
-              <a:t>gcc</a:t>
-            </a:r>
-            <a:r>
-              <a:rPr lang="en-US" dirty="0">
-                <a:solidFill>
-                  <a:prstClr val="black"/>
-                </a:solidFill>
-                <a:latin typeface="Courier New" panose="02070309020205020404" pitchFamily="49" charset="0"/>
-                <a:cs typeface="Courier New" panose="02070309020205020404" pitchFamily="49" charset="0"/>
-              </a:rPr>
-              <a:t> –O3 -</a:t>
-            </a:r>
-            <a:r>
-              <a:rPr lang="en-US" dirty="0" err="1">
-                <a:solidFill>
-                  <a:prstClr val="black"/>
-                </a:solidFill>
-                <a:latin typeface="Courier New" panose="02070309020205020404" pitchFamily="49" charset="0"/>
-                <a:cs typeface="Courier New" panose="02070309020205020404" pitchFamily="49" charset="0"/>
-              </a:rPr>
-              <a:t>fPIC</a:t>
-            </a:r>
-            <a:r>
-              <a:rPr lang="en-US" dirty="0">
-                <a:solidFill>
-                  <a:prstClr val="black"/>
-                </a:solidFill>
-                <a:latin typeface="Courier New" panose="02070309020205020404" pitchFamily="49" charset="0"/>
-                <a:cs typeface="Courier New" panose="02070309020205020404" pitchFamily="49" charset="0"/>
-              </a:rPr>
-              <a:t> -S </a:t>
-            </a:r>
-            <a:r>
-              <a:rPr lang="en-US" dirty="0" err="1">
-                <a:solidFill>
-                  <a:prstClr val="black"/>
-                </a:solidFill>
-                <a:latin typeface="Courier New" panose="02070309020205020404" pitchFamily="49" charset="0"/>
-                <a:cs typeface="Courier New" panose="02070309020205020404" pitchFamily="49" charset="0"/>
-              </a:rPr>
-              <a:t>tmp.c</a:t>
-            </a:r>
-            <a:r>
-              <a:rPr lang="en-US" dirty="0">
-                <a:solidFill>
-                  <a:prstClr val="black"/>
-                </a:solidFill>
-                <a:latin typeface="Courier New" panose="02070309020205020404" pitchFamily="49" charset="0"/>
-                <a:cs typeface="Courier New" panose="02070309020205020404" pitchFamily="49" charset="0"/>
-              </a:rPr>
-              <a:t> -o-</a:t>
-            </a:r>
-          </a:p>
-          <a:p>
-            <a:pPr marL="457200" lvl="1" indent="0">
-              <a:buNone/>
-            </a:pPr>
-            <a:r>
-              <a:rPr lang="en-US" dirty="0">
-                <a:solidFill>
-                  <a:prstClr val="black"/>
-                </a:solidFill>
-                <a:latin typeface="Courier New" panose="02070309020205020404" pitchFamily="49" charset="0"/>
-                <a:cs typeface="Courier New" panose="02070309020205020404" pitchFamily="49" charset="0"/>
-              </a:rPr>
-              <a:t>...</a:t>
-            </a:r>
-          </a:p>
-          <a:p>
-            <a:pPr marL="457200" lvl="1" indent="0">
-              <a:buNone/>
-            </a:pPr>
-            <a:r>
-              <a:rPr lang="en-US" dirty="0">
-                <a:solidFill>
-                  <a:prstClr val="black"/>
-                </a:solidFill>
-                <a:latin typeface="Courier New" panose="02070309020205020404" pitchFamily="49" charset="0"/>
-                <a:cs typeface="Courier New" panose="02070309020205020404" pitchFamily="49" charset="0"/>
-              </a:rPr>
-              <a:t>bar:</a:t>
-            </a:r>
-          </a:p>
-          <a:p>
-            <a:pPr marL="457200" lvl="1" indent="0">
-              <a:buNone/>
-            </a:pPr>
-            <a:r>
-              <a:rPr lang="en-US" dirty="0">
-                <a:solidFill>
-                  <a:prstClr val="black"/>
-                </a:solidFill>
-                <a:latin typeface="Courier New" panose="02070309020205020404" pitchFamily="49" charset="0"/>
-                <a:cs typeface="Courier New" panose="02070309020205020404" pitchFamily="49" charset="0"/>
-              </a:rPr>
-              <a:t>  </a:t>
-            </a:r>
-            <a:r>
-              <a:rPr lang="en-US" dirty="0" err="1">
-                <a:solidFill>
-                  <a:prstClr val="black"/>
-                </a:solidFill>
-                <a:latin typeface="Courier New" panose="02070309020205020404" pitchFamily="49" charset="0"/>
-                <a:cs typeface="Courier New" panose="02070309020205020404" pitchFamily="49" charset="0"/>
-              </a:rPr>
-              <a:t>jmp</a:t>
-            </a:r>
-            <a:r>
-              <a:rPr lang="en-US" dirty="0">
-                <a:solidFill>
-                  <a:prstClr val="black"/>
-                </a:solidFill>
-                <a:latin typeface="Courier New" panose="02070309020205020404" pitchFamily="49" charset="0"/>
-                <a:cs typeface="Courier New" panose="02070309020205020404" pitchFamily="49" charset="0"/>
-              </a:rPr>
-              <a:t>     </a:t>
-            </a:r>
-            <a:r>
-              <a:rPr lang="en-US" dirty="0" err="1">
-                <a:solidFill>
-                  <a:prstClr val="black"/>
-                </a:solidFill>
-                <a:latin typeface="Courier New" panose="02070309020205020404" pitchFamily="49" charset="0"/>
-                <a:cs typeface="Courier New" panose="02070309020205020404" pitchFamily="49" charset="0"/>
-              </a:rPr>
-              <a:t>foo@PLT</a:t>
-            </a:r>
-            <a:endParaRPr lang="en-US" dirty="0">
-              <a:solidFill>
-                <a:prstClr val="black"/>
-              </a:solidFill>
-              <a:latin typeface="Courier New" panose="02070309020205020404" pitchFamily="49" charset="0"/>
-              <a:cs typeface="Courier New" panose="02070309020205020404" pitchFamily="49" charset="0"/>
-            </a:endParaRPr>
           </a:p>
         </p:txBody>
       </p:sp>
     </p:spTree>
     <p:extLst>
       <p:ext uri="{BB962C8B-B14F-4D97-AF65-F5344CB8AC3E}">
-        <p14:creationId xmlns:p14="http://schemas.microsoft.com/office/powerpoint/2010/main" val="2182239902"/>
+        <p14:creationId xmlns:p14="http://schemas.microsoft.com/office/powerpoint/2010/main" val="653850357"/>
       </p:ext>
     </p:extLst>
   </p:cSld>
@@ -20458,7 +20323,7 @@
           <p:cNvPr id="2" name="Title 1">
             <a:extLst>
               <a:ext uri="{FF2B5EF4-FFF2-40B4-BE49-F238E27FC236}">
-                <a16:creationId xmlns:a16="http://schemas.microsoft.com/office/drawing/2014/main" id="{BD766DFC-0AB1-4998-9C8F-D80FEAAB8954}"/>
+                <a16:creationId xmlns:a16="http://schemas.microsoft.com/office/drawing/2014/main" id="{44E34916-01E9-4F42-B603-B05283CC4616}"/>
               </a:ext>
             </a:extLst>
           </p:cNvPr>
@@ -20476,15 +20341,7 @@
           <a:p>
             <a:r>
               <a:rPr lang="ru-RU" dirty="0"/>
-              <a:t>Ускорение работы </a:t>
-            </a:r>
-            <a:r>
-              <a:rPr lang="en-US" dirty="0"/>
-              <a:t>DLL:</a:t>
-            </a:r>
-            <a:r>
-              <a:rPr lang="ru-RU" dirty="0"/>
-              <a:t> отключение перехвата функций</a:t>
+              <a:t>Пример отмены оптимизаций</a:t>
             </a:r>
             <a:endParaRPr lang="en-US" dirty="0"/>
           </a:p>
@@ -20495,7 +20352,7 @@
           <p:cNvPr id="3" name="Content Placeholder 2">
             <a:extLst>
               <a:ext uri="{FF2B5EF4-FFF2-40B4-BE49-F238E27FC236}">
-                <a16:creationId xmlns:a16="http://schemas.microsoft.com/office/drawing/2014/main" id="{CFEBEFD7-23BF-4F14-9339-37AF67D86D7F}"/>
+                <a16:creationId xmlns:a16="http://schemas.microsoft.com/office/drawing/2014/main" id="{6770FDB2-1A82-4929-A1E6-E0FB79342368}"/>
               </a:ext>
             </a:extLst>
           </p:cNvPr>
@@ -20508,135 +20365,233 @@
         </p:nvSpPr>
         <p:spPr/>
         <p:txBody>
-          <a:bodyPr/>
-          <a:lstStyle/>
-          <a:p>
-            <a:r>
-              <a:rPr lang="ru-RU" dirty="0"/>
-              <a:t>Флаги компилятора позволяют отключить учёт перехвата</a:t>
-            </a:r>
-          </a:p>
-          <a:p>
-            <a:r>
-              <a:rPr lang="en-US" dirty="0"/>
-              <a:t>-</a:t>
-            </a:r>
-            <a:r>
-              <a:rPr lang="en-US" dirty="0" err="1"/>
-              <a:t>Bsymbolic</a:t>
-            </a:r>
-            <a:r>
-              <a:rPr lang="en-US" dirty="0"/>
-              <a:t>/-</a:t>
-            </a:r>
-            <a:r>
-              <a:rPr lang="en-US" dirty="0" err="1"/>
-              <a:t>Bsymbolic</a:t>
-            </a:r>
-            <a:r>
-              <a:rPr lang="en-US" dirty="0"/>
-              <a:t>-functions – </a:t>
-            </a:r>
-            <a:r>
-              <a:rPr lang="ru-RU" dirty="0"/>
-              <a:t>заменяет внутренние вызовы экспортируемых функций на прямые на этапе линковки</a:t>
+          <a:bodyPr>
+            <a:normAutofit/>
+          </a:bodyPr>
+          <a:lstStyle/>
+          <a:p>
+            <a:r>
+              <a:rPr lang="ru-RU" dirty="0"/>
+              <a:t>Компилятор не встраивает вызов функции из-за возможности перехвата</a:t>
             </a:r>
             <a:endParaRPr lang="en-US" dirty="0"/>
           </a:p>
           <a:p>
-            <a:pPr lvl="1"/>
-            <a:r>
-              <a:rPr lang="ru-RU" dirty="0"/>
-              <a:t>Опция включена по умолчанию в некоторых дистрибутивах (</a:t>
-            </a:r>
-            <a:r>
-              <a:rPr lang="en-US" dirty="0"/>
-              <a:t>Ubuntu, </a:t>
-            </a:r>
-            <a:r>
-              <a:rPr lang="ru-RU" dirty="0"/>
-              <a:t>но не </a:t>
-            </a:r>
-            <a:r>
-              <a:rPr lang="en-US" dirty="0"/>
-              <a:t>Debian)</a:t>
-            </a:r>
-            <a:endParaRPr lang="ru-RU" dirty="0"/>
-          </a:p>
-          <a:p>
-            <a:r>
-              <a:rPr lang="en-US" dirty="0"/>
-              <a:t>-</a:t>
-            </a:r>
-            <a:r>
-              <a:rPr lang="en-US" dirty="0" err="1"/>
-              <a:t>fno</a:t>
-            </a:r>
-            <a:r>
-              <a:rPr lang="en-US" dirty="0"/>
-              <a:t>-semantic-interposition – </a:t>
-            </a:r>
-            <a:r>
-              <a:rPr lang="ru-RU" dirty="0"/>
-              <a:t>отключает возможность перехвата на этапе компиляции</a:t>
-            </a:r>
-          </a:p>
-          <a:p>
-            <a:pPr lvl="1"/>
-            <a:r>
-              <a:rPr lang="ru-RU" dirty="0"/>
-              <a:t>Включена по умолчанию в </a:t>
-            </a:r>
-            <a:r>
-              <a:rPr lang="en-US" dirty="0"/>
-              <a:t>clang, </a:t>
-            </a:r>
-            <a:r>
-              <a:rPr lang="ru-RU" dirty="0"/>
-              <a:t>но не в </a:t>
-            </a:r>
-            <a:r>
-              <a:rPr lang="en-US" dirty="0"/>
-              <a:t>GCC</a:t>
-            </a:r>
-          </a:p>
-          <a:p>
-            <a:pPr lvl="1"/>
-            <a:r>
-              <a:rPr lang="ru-RU" dirty="0"/>
-              <a:t>Включается в </a:t>
-            </a:r>
-            <a:r>
-              <a:rPr lang="en-US" dirty="0"/>
-              <a:t>GCC </a:t>
-            </a:r>
-            <a:r>
-              <a:rPr lang="ru-RU" dirty="0"/>
-              <a:t>под </a:t>
-            </a:r>
-            <a:r>
-              <a:rPr lang="en-US" dirty="0"/>
-              <a:t>-</a:t>
-            </a:r>
-            <a:r>
-              <a:rPr lang="en-US" dirty="0" err="1"/>
-              <a:t>Ofast</a:t>
-            </a:r>
-            <a:endParaRPr lang="en-US" dirty="0"/>
-          </a:p>
-          <a:p>
-            <a:r>
-              <a:rPr lang="ru-RU" dirty="0"/>
-              <a:t>Для оптимальной производительности требуются оба флага</a:t>
-            </a:r>
-            <a:endParaRPr lang="en-US" dirty="0"/>
+            <a:pPr marL="457200" lvl="1" indent="0">
+              <a:buNone/>
+            </a:pPr>
+            <a:r>
+              <a:rPr lang="en-US" dirty="0">
+                <a:latin typeface="Courier New" panose="02070309020205020404" pitchFamily="49" charset="0"/>
+                <a:cs typeface="Courier New" panose="02070309020205020404" pitchFamily="49" charset="0"/>
+              </a:rPr>
+              <a:t>$ cat </a:t>
+            </a:r>
+            <a:r>
+              <a:rPr lang="en-US" dirty="0" err="1">
+                <a:latin typeface="Courier New" panose="02070309020205020404" pitchFamily="49" charset="0"/>
+                <a:cs typeface="Courier New" panose="02070309020205020404" pitchFamily="49" charset="0"/>
+              </a:rPr>
+              <a:t>tmp.c</a:t>
+            </a:r>
+            <a:endParaRPr lang="en-US" dirty="0">
+              <a:latin typeface="Courier New" panose="02070309020205020404" pitchFamily="49" charset="0"/>
+              <a:cs typeface="Courier New" panose="02070309020205020404" pitchFamily="49" charset="0"/>
+            </a:endParaRPr>
+          </a:p>
+          <a:p>
+            <a:pPr marL="457200" lvl="1" indent="0">
+              <a:buNone/>
+            </a:pPr>
+            <a:r>
+              <a:rPr lang="en-US" dirty="0">
+                <a:solidFill>
+                  <a:prstClr val="black"/>
+                </a:solidFill>
+                <a:latin typeface="Courier New" panose="02070309020205020404" pitchFamily="49" charset="0"/>
+                <a:cs typeface="Courier New" panose="02070309020205020404" pitchFamily="49" charset="0"/>
+              </a:rPr>
+              <a:t>void foo() {}</a:t>
+            </a:r>
+          </a:p>
+          <a:p>
+            <a:pPr marL="457200" lvl="1" indent="0">
+              <a:buNone/>
+            </a:pPr>
+            <a:r>
+              <a:rPr lang="en-US" dirty="0">
+                <a:solidFill>
+                  <a:prstClr val="black"/>
+                </a:solidFill>
+                <a:latin typeface="Courier New" panose="02070309020205020404" pitchFamily="49" charset="0"/>
+                <a:cs typeface="Courier New" panose="02070309020205020404" pitchFamily="49" charset="0"/>
+              </a:rPr>
+              <a:t>void bar() { foo(); }</a:t>
+            </a:r>
+          </a:p>
+          <a:p>
+            <a:pPr marL="457200" lvl="1" indent="0">
+              <a:buNone/>
+            </a:pPr>
+            <a:r>
+              <a:rPr lang="en-US" dirty="0">
+                <a:solidFill>
+                  <a:prstClr val="black"/>
+                </a:solidFill>
+                <a:latin typeface="Courier New" panose="02070309020205020404" pitchFamily="49" charset="0"/>
+                <a:cs typeface="Courier New" panose="02070309020205020404" pitchFamily="49" charset="0"/>
+              </a:rPr>
+              <a:t>$ </a:t>
+            </a:r>
+            <a:r>
+              <a:rPr lang="en-US" dirty="0" err="1">
+                <a:solidFill>
+                  <a:prstClr val="black"/>
+                </a:solidFill>
+                <a:latin typeface="Courier New" panose="02070309020205020404" pitchFamily="49" charset="0"/>
+                <a:cs typeface="Courier New" panose="02070309020205020404" pitchFamily="49" charset="0"/>
+              </a:rPr>
+              <a:t>gcc</a:t>
+            </a:r>
+            <a:r>
+              <a:rPr lang="en-US" dirty="0">
+                <a:solidFill>
+                  <a:prstClr val="black"/>
+                </a:solidFill>
+                <a:latin typeface="Courier New" panose="02070309020205020404" pitchFamily="49" charset="0"/>
+                <a:cs typeface="Courier New" panose="02070309020205020404" pitchFamily="49" charset="0"/>
+              </a:rPr>
+              <a:t> –O3 -</a:t>
+            </a:r>
+            <a:r>
+              <a:rPr lang="en-US" dirty="0" err="1">
+                <a:solidFill>
+                  <a:prstClr val="black"/>
+                </a:solidFill>
+                <a:latin typeface="Courier New" panose="02070309020205020404" pitchFamily="49" charset="0"/>
+                <a:cs typeface="Courier New" panose="02070309020205020404" pitchFamily="49" charset="0"/>
+              </a:rPr>
+              <a:t>fPIC</a:t>
+            </a:r>
+            <a:r>
+              <a:rPr lang="en-US" dirty="0">
+                <a:solidFill>
+                  <a:prstClr val="black"/>
+                </a:solidFill>
+                <a:latin typeface="Courier New" panose="02070309020205020404" pitchFamily="49" charset="0"/>
+                <a:cs typeface="Courier New" panose="02070309020205020404" pitchFamily="49" charset="0"/>
+              </a:rPr>
+              <a:t> -S </a:t>
+            </a:r>
+            <a:r>
+              <a:rPr lang="en-US" dirty="0" err="1">
+                <a:solidFill>
+                  <a:prstClr val="black"/>
+                </a:solidFill>
+                <a:latin typeface="Courier New" panose="02070309020205020404" pitchFamily="49" charset="0"/>
+                <a:cs typeface="Courier New" panose="02070309020205020404" pitchFamily="49" charset="0"/>
+              </a:rPr>
+              <a:t>tmp.c</a:t>
+            </a:r>
+            <a:r>
+              <a:rPr lang="en-US" dirty="0">
+                <a:solidFill>
+                  <a:prstClr val="black"/>
+                </a:solidFill>
+                <a:latin typeface="Courier New" panose="02070309020205020404" pitchFamily="49" charset="0"/>
+                <a:cs typeface="Courier New" panose="02070309020205020404" pitchFamily="49" charset="0"/>
+              </a:rPr>
+              <a:t> -o-</a:t>
+            </a:r>
+          </a:p>
+          <a:p>
+            <a:pPr marL="457200" lvl="1" indent="0">
+              <a:buNone/>
+            </a:pPr>
+            <a:r>
+              <a:rPr lang="en-US" dirty="0">
+                <a:solidFill>
+                  <a:prstClr val="black"/>
+                </a:solidFill>
+                <a:latin typeface="Courier New" panose="02070309020205020404" pitchFamily="49" charset="0"/>
+                <a:cs typeface="Courier New" panose="02070309020205020404" pitchFamily="49" charset="0"/>
+              </a:rPr>
+              <a:t>...</a:t>
+            </a:r>
+          </a:p>
+          <a:p>
+            <a:pPr marL="457200" lvl="1" indent="0">
+              <a:buNone/>
+            </a:pPr>
+            <a:r>
+              <a:rPr lang="en-US" dirty="0">
+                <a:solidFill>
+                  <a:prstClr val="black"/>
+                </a:solidFill>
+                <a:latin typeface="Courier New" panose="02070309020205020404" pitchFamily="49" charset="0"/>
+                <a:cs typeface="Courier New" panose="02070309020205020404" pitchFamily="49" charset="0"/>
+              </a:rPr>
+              <a:t>bar:</a:t>
+            </a:r>
+          </a:p>
+          <a:p>
+            <a:pPr marL="457200" lvl="1" indent="0">
+              <a:buNone/>
+            </a:pPr>
+            <a:r>
+              <a:rPr lang="en-US" dirty="0">
+                <a:solidFill>
+                  <a:prstClr val="black"/>
+                </a:solidFill>
+                <a:latin typeface="Courier New" panose="02070309020205020404" pitchFamily="49" charset="0"/>
+                <a:cs typeface="Courier New" panose="02070309020205020404" pitchFamily="49" charset="0"/>
+              </a:rPr>
+              <a:t>  </a:t>
+            </a:r>
+            <a:r>
+              <a:rPr lang="en-US" dirty="0" err="1">
+                <a:solidFill>
+                  <a:prstClr val="black"/>
+                </a:solidFill>
+                <a:latin typeface="Courier New" panose="02070309020205020404" pitchFamily="49" charset="0"/>
+                <a:cs typeface="Courier New" panose="02070309020205020404" pitchFamily="49" charset="0"/>
+              </a:rPr>
+              <a:t>jmp</a:t>
+            </a:r>
+            <a:r>
+              <a:rPr lang="en-US" dirty="0">
+                <a:solidFill>
+                  <a:prstClr val="black"/>
+                </a:solidFill>
+                <a:latin typeface="Courier New" panose="02070309020205020404" pitchFamily="49" charset="0"/>
+                <a:cs typeface="Courier New" panose="02070309020205020404" pitchFamily="49" charset="0"/>
+              </a:rPr>
+              <a:t>     </a:t>
+            </a:r>
+            <a:r>
+              <a:rPr lang="en-US" dirty="0" err="1">
+                <a:solidFill>
+                  <a:prstClr val="black"/>
+                </a:solidFill>
+                <a:latin typeface="Courier New" panose="02070309020205020404" pitchFamily="49" charset="0"/>
+                <a:cs typeface="Courier New" panose="02070309020205020404" pitchFamily="49" charset="0"/>
+              </a:rPr>
+              <a:t>foo@PLT</a:t>
+            </a:r>
+            <a:endParaRPr lang="en-US" dirty="0">
+              <a:solidFill>
+                <a:prstClr val="black"/>
+              </a:solidFill>
+              <a:latin typeface="Courier New" panose="02070309020205020404" pitchFamily="49" charset="0"/>
+              <a:cs typeface="Courier New" panose="02070309020205020404" pitchFamily="49" charset="0"/>
+            </a:endParaRPr>
           </a:p>
         </p:txBody>
       </p:sp>
     </p:spTree>
     <p:extLst>
       <p:ext uri="{BB962C8B-B14F-4D97-AF65-F5344CB8AC3E}">
-        <p14:creationId xmlns:p14="http://schemas.microsoft.com/office/powerpoint/2010/main" val="2993641233"/>
+        <p14:creationId xmlns:p14="http://schemas.microsoft.com/office/powerpoint/2010/main" val="2182239902"/>
       </p:ext>
     </p:extLst>
   </p:cSld>
@@ -20668,7 +20623,7 @@
           <p:cNvPr id="2" name="Title 1">
             <a:extLst>
               <a:ext uri="{FF2B5EF4-FFF2-40B4-BE49-F238E27FC236}">
-                <a16:creationId xmlns:a16="http://schemas.microsoft.com/office/drawing/2014/main" id="{D6D57C55-3A07-4A92-B7C9-EE076B659002}"/>
+                <a16:creationId xmlns:a16="http://schemas.microsoft.com/office/drawing/2014/main" id="{BD766DFC-0AB1-4998-9C8F-D80FEAAB8954}"/>
               </a:ext>
             </a:extLst>
           </p:cNvPr>
@@ -20705,7 +20660,7 @@
           <p:cNvPr id="3" name="Content Placeholder 2">
             <a:extLst>
               <a:ext uri="{FF2B5EF4-FFF2-40B4-BE49-F238E27FC236}">
-                <a16:creationId xmlns:a16="http://schemas.microsoft.com/office/drawing/2014/main" id="{D1D88EA6-4D1B-47FD-A82A-C3C95174CBC6}"/>
+                <a16:creationId xmlns:a16="http://schemas.microsoft.com/office/drawing/2014/main" id="{CFEBEFD7-23BF-4F14-9339-37AF67D86D7F}"/>
               </a:ext>
             </a:extLst>
           </p:cNvPr>
@@ -20723,19 +20678,57 @@
           <a:p>
             <a:r>
               <a:rPr lang="ru-RU" dirty="0"/>
-              <a:t>Примеры</a:t>
-            </a:r>
-            <a:r>
-              <a:rPr lang="en-US" dirty="0"/>
-              <a:t>:</a:t>
-            </a:r>
+              <a:t>Флаги компилятора позволяют отключить учёт перехвата</a:t>
+            </a:r>
+          </a:p>
+          <a:p>
+            <a:r>
+              <a:rPr lang="en-US" dirty="0"/>
+              <a:t>-</a:t>
+            </a:r>
+            <a:r>
+              <a:rPr lang="en-US" dirty="0" err="1"/>
+              <a:t>Bsymbolic</a:t>
+            </a:r>
+            <a:r>
+              <a:rPr lang="en-US" dirty="0"/>
+              <a:t>/-</a:t>
+            </a:r>
+            <a:r>
+              <a:rPr lang="en-US" dirty="0" err="1"/>
+              <a:t>Bsymbolic</a:t>
+            </a:r>
+            <a:r>
+              <a:rPr lang="en-US" dirty="0"/>
+              <a:t>-functions – </a:t>
+            </a:r>
+            <a:r>
+              <a:rPr lang="ru-RU" dirty="0"/>
+              <a:t>заменяет внутренние вызовы экспортируемых функций на прямые на этапе линковки</a:t>
+            </a:r>
+            <a:endParaRPr lang="en-US" dirty="0"/>
           </a:p>
           <a:p>
             <a:pPr lvl="1"/>
             <a:r>
               <a:rPr lang="ru-RU" dirty="0"/>
-              <a:t>Использование </a:t>
-            </a:r>
+              <a:t>Опция включена по умолчанию в некоторых дистрибутивах (</a:t>
+            </a:r>
+            <a:r>
+              <a:rPr lang="en-US" dirty="0"/>
+              <a:t>Ubuntu, </a:t>
+            </a:r>
+            <a:r>
+              <a:rPr lang="ru-RU" dirty="0"/>
+              <a:t>но не </a:t>
+            </a:r>
+            <a:r>
+              <a:rPr lang="en-US" dirty="0"/>
+              <a:t>Debian)</a:t>
+            </a:r>
+            <a:endParaRPr lang="ru-RU" dirty="0"/>
+          </a:p>
+          <a:p>
             <a:r>
               <a:rPr lang="en-US" dirty="0"/>
               <a:t>-</a:t>
@@ -20746,40 +20739,45 @@
             </a:r>
             <a:r>
               <a:rPr lang="en-US" dirty="0"/>
-              <a:t>-semantic-interposition </a:t>
-            </a:r>
-            <a:r>
-              <a:rPr lang="ru-RU" dirty="0"/>
-              <a:t>при сборке </a:t>
-            </a:r>
-            <a:r>
-              <a:rPr lang="en-US" dirty="0"/>
-              <a:t>Python </a:t>
-            </a:r>
-            <a:r>
-              <a:rPr lang="ru-RU" dirty="0"/>
-              <a:t>даёт до 30% прироста производительности</a:t>
-            </a:r>
-            <a:r>
-              <a:rPr lang="en-US" dirty="0"/>
-              <a:t> (</a:t>
-            </a:r>
-            <a:r>
-              <a:rPr lang="en-US" dirty="0" err="1">
-                <a:hlinkClick r:id="rId2"/>
-              </a:rPr>
-              <a:t>PythonNoSemanticInterpositionSpeedup</a:t>
-            </a:r>
-            <a:r>
-              <a:rPr lang="en-US" dirty="0"/>
-              <a:t>)</a:t>
+              <a:t>-semantic-interposition – </a:t>
+            </a:r>
+            <a:r>
+              <a:rPr lang="ru-RU" dirty="0"/>
+              <a:t>отключает возможность перехвата на этапе компиляции</a:t>
             </a:r>
           </a:p>
           <a:p>
             <a:pPr lvl="1"/>
             <a:r>
               <a:rPr lang="ru-RU" dirty="0"/>
-              <a:t>Использование </a:t>
+              <a:t>Включена по умолчанию в </a:t>
+            </a:r>
+            <a:r>
+              <a:rPr lang="en-US" dirty="0"/>
+              <a:t>clang, </a:t>
+            </a:r>
+            <a:r>
+              <a:rPr lang="ru-RU" dirty="0"/>
+              <a:t>но не в </a:t>
+            </a:r>
+            <a:r>
+              <a:rPr lang="en-US" dirty="0"/>
+              <a:t>GCC</a:t>
+            </a:r>
+          </a:p>
+          <a:p>
+            <a:pPr lvl="1"/>
+            <a:r>
+              <a:rPr lang="ru-RU" dirty="0"/>
+              <a:t>Включается в </a:t>
+            </a:r>
+            <a:r>
+              <a:rPr lang="en-US" dirty="0"/>
+              <a:t>GCC </a:t>
+            </a:r>
+            <a:r>
+              <a:rPr lang="ru-RU" dirty="0"/>
+              <a:t>под </a:t>
             </a:r>
             <a:r>
               <a:rPr lang="en-US" dirty="0"/>
@@ -20787,31 +20785,14 @@
             </a:r>
             <a:r>
               <a:rPr lang="en-US" dirty="0" err="1"/>
-              <a:t>Bsymbolic</a:t>
-            </a:r>
-            <a:r>
-              <a:rPr lang="en-US" dirty="0"/>
-              <a:t>-functions </a:t>
-            </a:r>
-            <a:r>
-              <a:rPr lang="ru-RU" dirty="0"/>
-              <a:t>в </a:t>
-            </a:r>
-            <a:r>
-              <a:rPr lang="en-US" dirty="0"/>
-              <a:t>Clang </a:t>
-            </a:r>
-            <a:r>
-              <a:rPr lang="ru-RU" dirty="0"/>
-              <a:t>даёт до </a:t>
-            </a:r>
-            <a:r>
-              <a:rPr lang="en-US" dirty="0"/>
-              <a:t>10% </a:t>
-            </a:r>
-            <a:r>
-              <a:rPr lang="ru-RU" dirty="0"/>
-              <a:t>прироста производительности</a:t>
+              <a:t>Ofast</a:t>
+            </a:r>
+            <a:endParaRPr lang="en-US" dirty="0"/>
+          </a:p>
+          <a:p>
+            <a:r>
+              <a:rPr lang="ru-RU" dirty="0"/>
+              <a:t>Для оптимальной производительности требуются оба флага</a:t>
             </a:r>
             <a:endParaRPr lang="en-US" dirty="0"/>
           </a:p>
@@ -20820,7 +20801,7 @@
     </p:spTree>
     <p:extLst>
       <p:ext uri="{BB962C8B-B14F-4D97-AF65-F5344CB8AC3E}">
-        <p14:creationId xmlns:p14="http://schemas.microsoft.com/office/powerpoint/2010/main" val="3385942271"/>
+        <p14:creationId xmlns:p14="http://schemas.microsoft.com/office/powerpoint/2010/main" val="2993641233"/>
       </p:ext>
     </p:extLst>
   </p:cSld>
@@ -20852,7 +20833,7 @@
           <p:cNvPr id="2" name="Title 1">
             <a:extLst>
               <a:ext uri="{FF2B5EF4-FFF2-40B4-BE49-F238E27FC236}">
-                <a16:creationId xmlns:a16="http://schemas.microsoft.com/office/drawing/2014/main" id="{BD766DFC-0AB1-4998-9C8F-D80FEAAB8954}"/>
+                <a16:creationId xmlns:a16="http://schemas.microsoft.com/office/drawing/2014/main" id="{D6D57C55-3A07-4A92-B7C9-EE076B659002}"/>
               </a:ext>
             </a:extLst>
           </p:cNvPr>
@@ -20878,7 +20859,7 @@
             </a:r>
             <a:r>
               <a:rPr lang="ru-RU" dirty="0"/>
-              <a:t> сокращение интерфейса библиотеки</a:t>
+              <a:t> отключение перехвата функций</a:t>
             </a:r>
             <a:endParaRPr lang="en-US" dirty="0"/>
           </a:p>
@@ -20889,7 +20870,7 @@
           <p:cNvPr id="3" name="Content Placeholder 2">
             <a:extLst>
               <a:ext uri="{FF2B5EF4-FFF2-40B4-BE49-F238E27FC236}">
-                <a16:creationId xmlns:a16="http://schemas.microsoft.com/office/drawing/2014/main" id="{CFEBEFD7-23BF-4F14-9339-37AF67D86D7F}"/>
+                <a16:creationId xmlns:a16="http://schemas.microsoft.com/office/drawing/2014/main" id="{D1D88EA6-4D1B-47FD-A82A-C3C95174CBC6}"/>
               </a:ext>
             </a:extLst>
           </p:cNvPr>
@@ -20900,33 +20881,14 @@
             <p:ph idx="1"/>
           </p:nvPr>
         </p:nvSpPr>
-        <p:spPr>
-          <a:xfrm>
-            <a:off x="838200" y="1825624"/>
-            <a:ext cx="10515600" cy="4498975"/>
-          </a:xfrm>
-        </p:spPr>
-        <p:txBody>
-          <a:bodyPr>
-            <a:normAutofit fontScale="92500" lnSpcReduction="10000"/>
-          </a:bodyPr>
-          <a:lstStyle/>
-          <a:p>
-            <a:r>
-              <a:rPr lang="ru-RU" dirty="0"/>
-              <a:t>Простой способ ускорения работы</a:t>
-            </a:r>
-          </a:p>
-          <a:p>
-            <a:r>
-              <a:rPr lang="ru-RU" dirty="0"/>
-              <a:t>Не требует нестандартных флагов сборки</a:t>
-            </a:r>
-          </a:p>
-          <a:p>
-            <a:r>
-              <a:rPr lang="ru-RU" dirty="0"/>
-              <a:t>Явный контроль над тем какие символы считать экспортируемыми</a:t>
+        <p:spPr/>
+        <p:txBody>
+          <a:bodyPr/>
+          <a:lstStyle/>
+          <a:p>
+            <a:r>
+              <a:rPr lang="ru-RU" dirty="0"/>
+              <a:t>Примеры</a:t>
             </a:r>
             <a:r>
               <a:rPr lang="en-US" dirty="0"/>
@@ -20934,176 +20896,87 @@
             </a:r>
           </a:p>
           <a:p>
-            <a:pPr marL="457200" lvl="1" indent="0">
-              <a:buNone/>
-            </a:pPr>
-            <a:r>
-              <a:rPr lang="en-US" sz="2000" dirty="0">
-                <a:latin typeface="Courier New" panose="02070309020205020404" pitchFamily="49" charset="0"/>
-                <a:cs typeface="Courier New" panose="02070309020205020404" pitchFamily="49" charset="0"/>
+            <a:pPr lvl="1"/>
+            <a:r>
+              <a:rPr lang="ru-RU" dirty="0"/>
+              <a:t>Использование </a:t>
+            </a:r>
+            <a:r>
+              <a:rPr lang="en-US" dirty="0"/>
+              <a:t>-</a:t>
+            </a:r>
+            <a:r>
+              <a:rPr lang="en-US" dirty="0" err="1"/>
+              <a:t>fno</a:t>
+            </a:r>
+            <a:r>
+              <a:rPr lang="en-US" dirty="0"/>
+              <a:t>-semantic-interposition </a:t>
+            </a:r>
+            <a:r>
+              <a:rPr lang="ru-RU" dirty="0"/>
+              <a:t>при сборке </a:t>
+            </a:r>
+            <a:r>
+              <a:rPr lang="en-US" dirty="0"/>
+              <a:t>Python </a:t>
+            </a:r>
+            <a:r>
+              <a:rPr lang="ru-RU" dirty="0"/>
+              <a:t>даёт до 30% прироста производительности</a:t>
+            </a:r>
+            <a:r>
+              <a:rPr lang="en-US" dirty="0"/>
+              <a:t> (</a:t>
+            </a:r>
+            <a:r>
+              <a:rPr lang="en-US" dirty="0" err="1">
+                <a:hlinkClick r:id="rId2"/>
               </a:rPr>
-              <a:t>$ cat </a:t>
-            </a:r>
-            <a:r>
-              <a:rPr lang="en-US" sz="2000" dirty="0" err="1">
-                <a:latin typeface="Courier New" panose="02070309020205020404" pitchFamily="49" charset="0"/>
-                <a:cs typeface="Courier New" panose="02070309020205020404" pitchFamily="49" charset="0"/>
-              </a:rPr>
-              <a:t>mylib.c</a:t>
-            </a:r>
-            <a:endParaRPr lang="en-US" sz="2000" dirty="0">
-              <a:latin typeface="Courier New" panose="02070309020205020404" pitchFamily="49" charset="0"/>
-              <a:cs typeface="Courier New" panose="02070309020205020404" pitchFamily="49" charset="0"/>
-            </a:endParaRPr>
-          </a:p>
-          <a:p>
-            <a:pPr marL="457200" lvl="1" indent="0">
-              <a:buNone/>
-            </a:pPr>
-            <a:r>
-              <a:rPr lang="en-US" sz="2000" dirty="0">
-                <a:latin typeface="Courier New" panose="02070309020205020404" pitchFamily="49" charset="0"/>
-                <a:cs typeface="Courier New" panose="02070309020205020404" pitchFamily="49" charset="0"/>
-              </a:rPr>
-              <a:t>void internal() {}</a:t>
-            </a:r>
-          </a:p>
-          <a:p>
-            <a:pPr marL="457200" lvl="1" indent="0">
-              <a:buNone/>
-            </a:pPr>
-            <a:endParaRPr lang="en-US" sz="2000" dirty="0">
-              <a:latin typeface="Courier New" panose="02070309020205020404" pitchFamily="49" charset="0"/>
-              <a:cs typeface="Courier New" panose="02070309020205020404" pitchFamily="49" charset="0"/>
-            </a:endParaRPr>
-          </a:p>
-          <a:p>
-            <a:pPr marL="457200" lvl="1" indent="0">
-              <a:buNone/>
-            </a:pPr>
-            <a:r>
-              <a:rPr lang="en-US" sz="2000" dirty="0">
-                <a:latin typeface="Courier New" panose="02070309020205020404" pitchFamily="49" charset="0"/>
-                <a:cs typeface="Courier New" panose="02070309020205020404" pitchFamily="49" charset="0"/>
-              </a:rPr>
-              <a:t>__attribute__((visibility(“default”)))</a:t>
-            </a:r>
-          </a:p>
-          <a:p>
-            <a:pPr marL="457200" lvl="1" indent="0">
-              <a:buNone/>
-            </a:pPr>
-            <a:r>
-              <a:rPr lang="en-US" sz="2000" dirty="0">
-                <a:latin typeface="Courier New" panose="02070309020205020404" pitchFamily="49" charset="0"/>
-                <a:cs typeface="Courier New" panose="02070309020205020404" pitchFamily="49" charset="0"/>
-              </a:rPr>
-              <a:t>void public() { internal(); }</a:t>
-            </a:r>
-          </a:p>
-          <a:p>
-            <a:pPr marL="457200" lvl="1" indent="0">
-              <a:buNone/>
-            </a:pPr>
-            <a:endParaRPr lang="en-US" sz="2000" dirty="0">
-              <a:latin typeface="Courier New" panose="02070309020205020404" pitchFamily="49" charset="0"/>
-              <a:cs typeface="Courier New" panose="02070309020205020404" pitchFamily="49" charset="0"/>
-            </a:endParaRPr>
-          </a:p>
-          <a:p>
-            <a:pPr marL="457200" lvl="1" indent="0">
-              <a:buNone/>
-            </a:pPr>
-            <a:r>
-              <a:rPr lang="en-US" sz="2000" dirty="0">
-                <a:latin typeface="Courier New" panose="02070309020205020404" pitchFamily="49" charset="0"/>
-                <a:cs typeface="Courier New" panose="02070309020205020404" pitchFamily="49" charset="0"/>
-              </a:rPr>
-              <a:t>$ </a:t>
-            </a:r>
-            <a:r>
-              <a:rPr lang="en-US" sz="2000" dirty="0" err="1">
-                <a:latin typeface="Courier New" panose="02070309020205020404" pitchFamily="49" charset="0"/>
-                <a:cs typeface="Courier New" panose="02070309020205020404" pitchFamily="49" charset="0"/>
-              </a:rPr>
-              <a:t>gcc</a:t>
-            </a:r>
-            <a:r>
-              <a:rPr lang="en-US" sz="2000" dirty="0">
-                <a:latin typeface="Courier New" panose="02070309020205020404" pitchFamily="49" charset="0"/>
-                <a:cs typeface="Courier New" panose="02070309020205020404" pitchFamily="49" charset="0"/>
-              </a:rPr>
-              <a:t> -</a:t>
-            </a:r>
-            <a:r>
-              <a:rPr lang="en-US" sz="2000" dirty="0" err="1">
-                <a:latin typeface="Courier New" panose="02070309020205020404" pitchFamily="49" charset="0"/>
-                <a:cs typeface="Courier New" panose="02070309020205020404" pitchFamily="49" charset="0"/>
-              </a:rPr>
-              <a:t>fvisibility</a:t>
-            </a:r>
-            <a:r>
-              <a:rPr lang="en-US" sz="2000" dirty="0">
-                <a:latin typeface="Courier New" panose="02070309020205020404" pitchFamily="49" charset="0"/>
-                <a:cs typeface="Courier New" panose="02070309020205020404" pitchFamily="49" charset="0"/>
-              </a:rPr>
-              <a:t>=hidden -</a:t>
-            </a:r>
-            <a:r>
-              <a:rPr lang="en-US" sz="2000" dirty="0" err="1">
-                <a:latin typeface="Courier New" panose="02070309020205020404" pitchFamily="49" charset="0"/>
-                <a:cs typeface="Courier New" panose="02070309020205020404" pitchFamily="49" charset="0"/>
-              </a:rPr>
-              <a:t>fPIC</a:t>
-            </a:r>
-            <a:r>
-              <a:rPr lang="en-US" sz="2000" dirty="0">
-                <a:latin typeface="Courier New" panose="02070309020205020404" pitchFamily="49" charset="0"/>
-                <a:cs typeface="Courier New" panose="02070309020205020404" pitchFamily="49" charset="0"/>
-              </a:rPr>
-              <a:t> -shared </a:t>
-            </a:r>
-            <a:r>
-              <a:rPr lang="en-US" sz="2000" dirty="0" err="1">
-                <a:latin typeface="Courier New" panose="02070309020205020404" pitchFamily="49" charset="0"/>
-                <a:cs typeface="Courier New" panose="02070309020205020404" pitchFamily="49" charset="0"/>
-              </a:rPr>
-              <a:t>mylib.c</a:t>
-            </a:r>
-            <a:endParaRPr lang="ru-RU" sz="2000" dirty="0">
-              <a:latin typeface="Courier New" panose="02070309020205020404" pitchFamily="49" charset="0"/>
-              <a:cs typeface="Courier New" panose="02070309020205020404" pitchFamily="49" charset="0"/>
-            </a:endParaRPr>
-          </a:p>
-          <a:p>
-            <a:r>
-              <a:rPr lang="ru-RU" dirty="0">
-                <a:latin typeface="Calibri (Body)"/>
-                <a:cs typeface="Courier New" panose="02070309020205020404" pitchFamily="49" charset="0"/>
-              </a:rPr>
-              <a:t>Какие функции экспортировать</a:t>
-            </a:r>
-            <a:r>
-              <a:rPr lang="en-US" dirty="0">
-                <a:latin typeface="Calibri (Body)"/>
-                <a:cs typeface="Courier New" panose="02070309020205020404" pitchFamily="49" charset="0"/>
-              </a:rPr>
-              <a:t>?</a:t>
+              <a:t>PythonNoSemanticInterpositionSpeedup</a:t>
+            </a:r>
+            <a:r>
+              <a:rPr lang="en-US" dirty="0"/>
+              <a:t>)</a:t>
             </a:r>
           </a:p>
           <a:p>
             <a:pPr lvl="1"/>
             <a:r>
               <a:rPr lang="ru-RU" dirty="0"/>
-              <a:t>Как правило это функции из публичных заголовочных файлов</a:t>
-            </a:r>
-            <a:endParaRPr lang="en-US" dirty="0"/>
-          </a:p>
-          <a:p>
-            <a:pPr lvl="1"/>
-            <a:r>
-              <a:rPr lang="ru-RU" dirty="0"/>
-              <a:t>Таких функций очень немного по сравнению со всеми функциями библиотеки</a:t>
+              <a:t>Использование </a:t>
+            </a:r>
+            <a:r>
+              <a:rPr lang="en-US" dirty="0"/>
+              <a:t>-</a:t>
+            </a:r>
+            <a:r>
+              <a:rPr lang="en-US" dirty="0" err="1"/>
+              <a:t>Bsymbolic</a:t>
+            </a:r>
+            <a:r>
+              <a:rPr lang="en-US" dirty="0"/>
+              <a:t>-functions </a:t>
+            </a:r>
+            <a:r>
+              <a:rPr lang="ru-RU" dirty="0"/>
+              <a:t>в </a:t>
+            </a:r>
+            <a:r>
+              <a:rPr lang="en-US" dirty="0"/>
+              <a:t>Clang </a:t>
+            </a:r>
+            <a:r>
+              <a:rPr lang="ru-RU" dirty="0"/>
+              <a:t>даёт до </a:t>
+            </a:r>
+            <a:r>
+              <a:rPr lang="en-US" dirty="0"/>
+              <a:t>10% </a:t>
+            </a:r>
+            <a:r>
+              <a:rPr lang="ru-RU" dirty="0"/>
+              <a:t>прироста производительности</a:t>
             </a:r>
             <a:endParaRPr lang="en-US" dirty="0"/>
           </a:p>
@@ -21112,7 +20985,7 @@
     </p:spTree>
     <p:extLst>
       <p:ext uri="{BB962C8B-B14F-4D97-AF65-F5344CB8AC3E}">
-        <p14:creationId xmlns:p14="http://schemas.microsoft.com/office/powerpoint/2010/main" val="801253916"/>
+        <p14:creationId xmlns:p14="http://schemas.microsoft.com/office/powerpoint/2010/main" val="3385942271"/>
       </p:ext>
     </p:extLst>
   </p:cSld>
@@ -21162,7 +21035,15 @@
           <a:p>
             <a:r>
               <a:rPr lang="ru-RU" dirty="0"/>
-              <a:t>Сокращение интерфейса библиотек в дистрибутивах</a:t>
+              <a:t>Ускорение работы </a:t>
+            </a:r>
+            <a:r>
+              <a:rPr lang="en-US" dirty="0"/>
+              <a:t>DLL:</a:t>
+            </a:r>
+            <a:r>
+              <a:rPr lang="ru-RU" dirty="0"/>
+              <a:t> сокращение интерфейса библиотеки</a:t>
             </a:r>
             <a:endParaRPr lang="en-US" dirty="0"/>
           </a:p>
@@ -21186,62 +21067,208 @@
         </p:nvSpPr>
         <p:spPr>
           <a:xfrm>
-            <a:off x="838200" y="1825625"/>
-            <a:ext cx="10515600" cy="4847318"/>
+            <a:off x="838200" y="1825624"/>
+            <a:ext cx="10515600" cy="4498975"/>
           </a:xfrm>
         </p:spPr>
         <p:txBody>
           <a:bodyPr>
-            <a:normAutofit/>
+            <a:normAutofit fontScale="92500" lnSpcReduction="10000"/>
           </a:bodyPr>
           <a:lstStyle/>
           <a:p>
             <a:r>
               <a:rPr lang="ru-RU" dirty="0"/>
-              <a:t>При наличии большой кодовой базы (например дистрибутива) может быть трудно найти библиотеки с избыточными экспортами</a:t>
+              <a:t>Простой способ ускорения работы</a:t>
+            </a:r>
+          </a:p>
+          <a:p>
+            <a:r>
+              <a:rPr lang="ru-RU" dirty="0"/>
+              <a:t>Не требует нестандартных флагов сборки</a:t>
+            </a:r>
+          </a:p>
+          <a:p>
+            <a:r>
+              <a:rPr lang="ru-RU" dirty="0"/>
+              <a:t>Явный контроль над тем какие символы считать экспортируемыми</a:t>
+            </a:r>
+            <a:r>
+              <a:rPr lang="en-US" dirty="0"/>
+              <a:t>:</a:t>
+            </a:r>
+          </a:p>
+          <a:p>
+            <a:pPr marL="457200" lvl="1" indent="0">
+              <a:buNone/>
+            </a:pPr>
+            <a:r>
+              <a:rPr lang="en-US" sz="2000" dirty="0">
+                <a:latin typeface="Courier New" panose="02070309020205020404" pitchFamily="49" charset="0"/>
+                <a:cs typeface="Courier New" panose="02070309020205020404" pitchFamily="49" charset="0"/>
+              </a:rPr>
+              <a:t>$ cat </a:t>
+            </a:r>
+            <a:r>
+              <a:rPr lang="en-US" sz="2000" dirty="0" err="1">
+                <a:latin typeface="Courier New" panose="02070309020205020404" pitchFamily="49" charset="0"/>
+                <a:cs typeface="Courier New" panose="02070309020205020404" pitchFamily="49" charset="0"/>
+              </a:rPr>
+              <a:t>mylib.c</a:t>
+            </a:r>
+            <a:endParaRPr lang="en-US" sz="2000" dirty="0">
+              <a:latin typeface="Courier New" panose="02070309020205020404" pitchFamily="49" charset="0"/>
+              <a:cs typeface="Courier New" panose="02070309020205020404" pitchFamily="49" charset="0"/>
+            </a:endParaRPr>
+          </a:p>
+          <a:p>
+            <a:pPr marL="457200" lvl="1" indent="0">
+              <a:buNone/>
+            </a:pPr>
+            <a:r>
+              <a:rPr lang="en-US" sz="2000" dirty="0">
+                <a:latin typeface="Courier New" panose="02070309020205020404" pitchFamily="49" charset="0"/>
+                <a:cs typeface="Courier New" panose="02070309020205020404" pitchFamily="49" charset="0"/>
+              </a:rPr>
+              <a:t>void internal() {}</a:t>
+            </a:r>
+          </a:p>
+          <a:p>
+            <a:pPr marL="457200" lvl="1" indent="0">
+              <a:buNone/>
+            </a:pPr>
+            <a:endParaRPr lang="en-US" sz="2000" dirty="0">
+              <a:latin typeface="Courier New" panose="02070309020205020404" pitchFamily="49" charset="0"/>
+              <a:cs typeface="Courier New" panose="02070309020205020404" pitchFamily="49" charset="0"/>
+            </a:endParaRPr>
+          </a:p>
+          <a:p>
+            <a:pPr marL="457200" lvl="1" indent="0">
+              <a:buNone/>
+            </a:pPr>
+            <a:r>
+              <a:rPr lang="en-US" sz="2000" dirty="0">
+                <a:latin typeface="Courier New" panose="02070309020205020404" pitchFamily="49" charset="0"/>
+                <a:cs typeface="Courier New" panose="02070309020205020404" pitchFamily="49" charset="0"/>
+              </a:rPr>
+              <a:t>__attribute__((visibility(“default”)))</a:t>
+            </a:r>
+          </a:p>
+          <a:p>
+            <a:pPr marL="457200" lvl="1" indent="0">
+              <a:buNone/>
+            </a:pPr>
+            <a:r>
+              <a:rPr lang="en-US" sz="2000" dirty="0">
+                <a:latin typeface="Courier New" panose="02070309020205020404" pitchFamily="49" charset="0"/>
+                <a:cs typeface="Courier New" panose="02070309020205020404" pitchFamily="49" charset="0"/>
+              </a:rPr>
+              <a:t>void public() { internal(); }</a:t>
+            </a:r>
+          </a:p>
+          <a:p>
+            <a:pPr marL="457200" lvl="1" indent="0">
+              <a:buNone/>
+            </a:pPr>
+            <a:endParaRPr lang="en-US" sz="2000" dirty="0">
+              <a:latin typeface="Courier New" panose="02070309020205020404" pitchFamily="49" charset="0"/>
+              <a:cs typeface="Courier New" panose="02070309020205020404" pitchFamily="49" charset="0"/>
+            </a:endParaRPr>
+          </a:p>
+          <a:p>
+            <a:pPr marL="457200" lvl="1" indent="0">
+              <a:buNone/>
+            </a:pPr>
+            <a:r>
+              <a:rPr lang="en-US" sz="2000" dirty="0">
+                <a:latin typeface="Courier New" panose="02070309020205020404" pitchFamily="49" charset="0"/>
+                <a:cs typeface="Courier New" panose="02070309020205020404" pitchFamily="49" charset="0"/>
+              </a:rPr>
+              <a:t>$ </a:t>
+            </a:r>
+            <a:r>
+              <a:rPr lang="en-US" sz="2000" dirty="0" err="1">
+                <a:latin typeface="Courier New" panose="02070309020205020404" pitchFamily="49" charset="0"/>
+                <a:cs typeface="Courier New" panose="02070309020205020404" pitchFamily="49" charset="0"/>
+              </a:rPr>
+              <a:t>gcc</a:t>
+            </a:r>
+            <a:r>
+              <a:rPr lang="en-US" sz="2000" dirty="0">
+                <a:latin typeface="Courier New" panose="02070309020205020404" pitchFamily="49" charset="0"/>
+                <a:cs typeface="Courier New" panose="02070309020205020404" pitchFamily="49" charset="0"/>
+              </a:rPr>
+              <a:t> -</a:t>
+            </a:r>
+            <a:r>
+              <a:rPr lang="en-US" sz="2000" dirty="0" err="1">
+                <a:latin typeface="Courier New" panose="02070309020205020404" pitchFamily="49" charset="0"/>
+                <a:cs typeface="Courier New" panose="02070309020205020404" pitchFamily="49" charset="0"/>
+              </a:rPr>
+              <a:t>fvisibility</a:t>
+            </a:r>
+            <a:r>
+              <a:rPr lang="en-US" sz="2000" dirty="0">
+                <a:latin typeface="Courier New" panose="02070309020205020404" pitchFamily="49" charset="0"/>
+                <a:cs typeface="Courier New" panose="02070309020205020404" pitchFamily="49" charset="0"/>
+              </a:rPr>
+              <a:t>=hidden -</a:t>
+            </a:r>
+            <a:r>
+              <a:rPr lang="en-US" sz="2000" dirty="0" err="1">
+                <a:latin typeface="Courier New" panose="02070309020205020404" pitchFamily="49" charset="0"/>
+                <a:cs typeface="Courier New" panose="02070309020205020404" pitchFamily="49" charset="0"/>
+              </a:rPr>
+              <a:t>fPIC</a:t>
+            </a:r>
+            <a:r>
+              <a:rPr lang="en-US" sz="2000" dirty="0">
+                <a:latin typeface="Courier New" panose="02070309020205020404" pitchFamily="49" charset="0"/>
+                <a:cs typeface="Courier New" panose="02070309020205020404" pitchFamily="49" charset="0"/>
+              </a:rPr>
+              <a:t> -shared </a:t>
+            </a:r>
+            <a:r>
+              <a:rPr lang="en-US" sz="2000" dirty="0" err="1">
+                <a:latin typeface="Courier New" panose="02070309020205020404" pitchFamily="49" charset="0"/>
+                <a:cs typeface="Courier New" panose="02070309020205020404" pitchFamily="49" charset="0"/>
+              </a:rPr>
+              <a:t>mylib.c</a:t>
+            </a:r>
+            <a:endParaRPr lang="ru-RU" sz="2000" dirty="0">
+              <a:latin typeface="Courier New" panose="02070309020205020404" pitchFamily="49" charset="0"/>
+              <a:cs typeface="Courier New" panose="02070309020205020404" pitchFamily="49" charset="0"/>
+            </a:endParaRPr>
+          </a:p>
+          <a:p>
+            <a:r>
+              <a:rPr lang="ru-RU" dirty="0">
+                <a:latin typeface="Calibri (Body)"/>
+                <a:cs typeface="Courier New" panose="02070309020205020404" pitchFamily="49" charset="0"/>
+              </a:rPr>
+              <a:t>Какие функции экспортировать</a:t>
+            </a:r>
+            <a:r>
+              <a:rPr lang="en-US" dirty="0">
+                <a:latin typeface="Calibri (Body)"/>
+                <a:cs typeface="Courier New" panose="02070309020205020404" pitchFamily="49" charset="0"/>
+              </a:rPr>
+              <a:t>?</a:t>
+            </a:r>
+          </a:p>
+          <a:p>
+            <a:pPr lvl="1"/>
+            <a:r>
+              <a:rPr lang="ru-RU" dirty="0"/>
+              <a:t>Как правило это функции из публичных заголовочных файлов</a:t>
             </a:r>
             <a:endParaRPr lang="en-US" dirty="0"/>
           </a:p>
           <a:p>
-            <a:r>
-              <a:rPr lang="ru-RU" dirty="0"/>
-              <a:t>Поиск таких библиотек можно автоматизировать с помощью утилиты </a:t>
-            </a:r>
-            <a:r>
-              <a:rPr lang="en-US" dirty="0" err="1">
-                <a:hlinkClick r:id="rId3"/>
-              </a:rPr>
-              <a:t>ShlibVisibilityChecker</a:t>
-            </a:r>
-            <a:endParaRPr lang="en-US" dirty="0"/>
-          </a:p>
-          <a:p>
             <a:pPr lvl="1"/>
             <a:r>
               <a:rPr lang="ru-RU" dirty="0"/>
-              <a:t>Анализирует функции в публичных заголовочных файлах</a:t>
-            </a:r>
-            <a:r>
-              <a:rPr lang="en-US" dirty="0"/>
-              <a:t> </a:t>
-            </a:r>
-            <a:r>
-              <a:rPr lang="ru-RU" dirty="0"/>
-              <a:t>библиотеки</a:t>
-            </a:r>
-          </a:p>
-          <a:p>
-            <a:pPr lvl="1"/>
-            <a:r>
-              <a:rPr lang="ru-RU" dirty="0"/>
-              <a:t>Сравнивает их с функциями, экспортируемыми библиотекой</a:t>
-            </a:r>
-          </a:p>
-          <a:p>
-            <a:pPr lvl="1"/>
-            <a:r>
-              <a:rPr lang="ru-RU" dirty="0"/>
-              <a:t>Избыточные экспорты должны быть удалены</a:t>
+              <a:t>Таких функций очень немного по сравнению со всеми функциями библиотеки</a:t>
             </a:r>
             <a:endParaRPr lang="en-US" dirty="0"/>
           </a:p>
@@ -21250,7 +21277,7 @@
     </p:spTree>
     <p:extLst>
       <p:ext uri="{BB962C8B-B14F-4D97-AF65-F5344CB8AC3E}">
-        <p14:creationId xmlns:p14="http://schemas.microsoft.com/office/powerpoint/2010/main" val="1656182481"/>
+        <p14:creationId xmlns:p14="http://schemas.microsoft.com/office/powerpoint/2010/main" val="801253916"/>
       </p:ext>
     </p:extLst>
   </p:cSld>
@@ -21300,11 +21327,7 @@
           <a:p>
             <a:r>
               <a:rPr lang="ru-RU" dirty="0"/>
-              <a:t>Пример использования </a:t>
-            </a:r>
-            <a:r>
-              <a:rPr lang="en-US" dirty="0" err="1"/>
-              <a:t>ShlibVisibilityChecker</a:t>
+              <a:t>Сокращение интерфейса библиотек в дистрибутивах</a:t>
             </a:r>
             <a:endParaRPr lang="en-US" dirty="0"/>
           </a:p>
@@ -21338,181 +21361,35 @@
           </a:bodyPr>
           <a:lstStyle/>
           <a:p>
-            <a:pPr marL="457200" lvl="1" indent="0">
-              <a:buNone/>
-            </a:pPr>
-            <a:r>
-              <a:rPr lang="en-US" dirty="0"/>
-              <a:t>$ </a:t>
-            </a:r>
-            <a:r>
-              <a:rPr lang="en-US" dirty="0" err="1"/>
-              <a:t>read_header_api</a:t>
-            </a:r>
-            <a:r>
-              <a:rPr lang="en-US" dirty="0"/>
-              <a:t> --only-</a:t>
-            </a:r>
-            <a:r>
-              <a:rPr lang="en-US" dirty="0" err="1"/>
-              <a:t>args</a:t>
-            </a:r>
-            <a:r>
-              <a:rPr lang="en-US" dirty="0"/>
-              <a:t> /</a:t>
-            </a:r>
-            <a:r>
-              <a:rPr lang="en-US" dirty="0" err="1"/>
-              <a:t>usr</a:t>
-            </a:r>
-            <a:r>
-              <a:rPr lang="en-US" dirty="0"/>
-              <a:t>/include/x86_64-linux-gnu/</a:t>
-            </a:r>
-            <a:r>
-              <a:rPr lang="en-US" dirty="0" err="1"/>
-              <a:t>gmp.h</a:t>
-            </a:r>
-            <a:r>
-              <a:rPr lang="en-US" dirty="0"/>
-              <a:t> &gt; api.txt</a:t>
-            </a:r>
-          </a:p>
-          <a:p>
-            <a:pPr marL="457200" lvl="1" indent="0">
-              <a:buNone/>
-            </a:pPr>
-            <a:r>
-              <a:rPr lang="en-US" dirty="0"/>
-              <a:t>$ </a:t>
-            </a:r>
-            <a:r>
-              <a:rPr lang="en-US" dirty="0" err="1"/>
-              <a:t>read_binary_api</a:t>
-            </a:r>
-            <a:r>
-              <a:rPr lang="en-US" dirty="0"/>
-              <a:t> --permissive /</a:t>
-            </a:r>
-            <a:r>
-              <a:rPr lang="en-US" dirty="0" err="1"/>
-              <a:t>usr</a:t>
-            </a:r>
-            <a:r>
-              <a:rPr lang="en-US" dirty="0"/>
-              <a:t>/lib/x86_64-linux-gnu/libgmp.so.10.4.1 &gt; abi.txt</a:t>
-            </a:r>
-          </a:p>
-          <a:p>
-            <a:pPr marL="457200" lvl="1" indent="0">
-              <a:buNone/>
-            </a:pPr>
-            <a:r>
-              <a:rPr lang="en-US" dirty="0"/>
-              <a:t>$ diff api.txt abi.txt | </a:t>
-            </a:r>
-            <a:r>
-              <a:rPr lang="en-US" dirty="0" err="1"/>
-              <a:t>wc</a:t>
-            </a:r>
-            <a:r>
-              <a:rPr lang="en-US" dirty="0"/>
-              <a:t> -l</a:t>
-            </a:r>
-          </a:p>
-          <a:p>
-            <a:pPr marL="457200" lvl="1" indent="0">
-              <a:buNone/>
-            </a:pPr>
-            <a:r>
-              <a:rPr lang="en-US" b="1" dirty="0"/>
-              <a:t>323</a:t>
-            </a:r>
-          </a:p>
-          <a:p>
-            <a:pPr marL="457200" lvl="1" indent="0">
-              <a:buNone/>
-            </a:pPr>
-            <a:r>
-              <a:rPr lang="en-US" dirty="0"/>
-              <a:t>$ diff api.txt abi.txt</a:t>
-            </a:r>
-          </a:p>
-          <a:p>
-            <a:pPr marL="457200" lvl="1" indent="0">
-              <a:buNone/>
-            </a:pPr>
-            <a:r>
-              <a:rPr lang="en-US" dirty="0"/>
-              <a:t>0a1,10</a:t>
-            </a:r>
-          </a:p>
-          <a:p>
-            <a:pPr marL="457200" lvl="1" indent="0">
-              <a:buNone/>
-            </a:pPr>
-            <a:r>
-              <a:rPr lang="en-US" b="1" dirty="0"/>
-              <a:t>&gt; __gmp_0</a:t>
-            </a:r>
-          </a:p>
-          <a:p>
-            <a:pPr marL="457200" lvl="1" indent="0">
-              <a:buNone/>
-            </a:pPr>
-            <a:r>
-              <a:rPr lang="en-US" b="1" dirty="0"/>
-              <a:t>&gt; __</a:t>
-            </a:r>
-            <a:r>
-              <a:rPr lang="en-US" b="1" dirty="0" err="1"/>
-              <a:t>gmp_allocate_func</a:t>
-            </a:r>
-            <a:endParaRPr lang="en-US" b="1" dirty="0"/>
-          </a:p>
-          <a:p>
-            <a:pPr marL="457200" lvl="1" indent="0">
-              <a:buNone/>
-            </a:pPr>
-            <a:r>
-              <a:rPr lang="en-US" b="1" dirty="0"/>
-              <a:t>&gt; __</a:t>
-            </a:r>
-            <a:r>
-              <a:rPr lang="en-US" b="1" dirty="0" err="1"/>
-              <a:t>gmp_asprintf_final</a:t>
-            </a:r>
-            <a:endParaRPr lang="en-US" b="1" dirty="0"/>
-          </a:p>
-          <a:p>
-            <a:pPr marL="457200" lvl="1" indent="0">
-              <a:buNone/>
-            </a:pPr>
-            <a:r>
-              <a:rPr lang="en-US" b="1" dirty="0"/>
-              <a:t>&gt; __</a:t>
-            </a:r>
-            <a:r>
-              <a:rPr lang="en-US" b="1" dirty="0" err="1"/>
-              <a:t>gmp_asprintf_funs</a:t>
-            </a:r>
-            <a:endParaRPr lang="en-US" b="1" dirty="0"/>
-          </a:p>
-          <a:p>
-            <a:pPr marL="457200" lvl="1" indent="0">
-              <a:buNone/>
-            </a:pPr>
-            <a:r>
-              <a:rPr lang="en-US" b="1" dirty="0"/>
-              <a:t>…</a:t>
-            </a:r>
+            <a:r>
+              <a:rPr lang="ru-RU" dirty="0"/>
+              <a:t>При наличии большой кодовой базы (например дистрибутива) может быть трудно найти библиотеки с избыточными экспортами</a:t>
+            </a:r>
+            <a:endParaRPr lang="en-US" dirty="0"/>
+          </a:p>
+          <a:p>
+            <a:r>
+              <a:rPr lang="ru-RU" dirty="0"/>
+              <a:t>Поиск таких библиотек можно автоматизировать с помощью утилиты </a:t>
+            </a:r>
+            <a:r>
+              <a:rPr lang="en-US" dirty="0" err="1">
+                <a:hlinkClick r:id="rId3"/>
+              </a:rPr>
+              <a:t>ShlibVisibilityChecker</a:t>
+            </a:r>
+            <a:endParaRPr lang="en-US" dirty="0"/>
+          </a:p>
+          <a:p>
+            <a:pPr lvl="1"/>
+            <a:endParaRPr lang="en-US" dirty="0"/>
           </a:p>
         </p:txBody>
       </p:sp>
     </p:spTree>
     <p:extLst>
       <p:ext uri="{BB962C8B-B14F-4D97-AF65-F5344CB8AC3E}">
-        <p14:creationId xmlns:p14="http://schemas.microsoft.com/office/powerpoint/2010/main" val="3323570136"/>
+        <p14:creationId xmlns:p14="http://schemas.microsoft.com/office/powerpoint/2010/main" val="1656182481"/>
       </p:ext>
     </p:extLst>
   </p:cSld>
@@ -21544,7 +21421,7 @@
           <p:cNvPr id="2" name="Title 1">
             <a:extLst>
               <a:ext uri="{FF2B5EF4-FFF2-40B4-BE49-F238E27FC236}">
-                <a16:creationId xmlns:a16="http://schemas.microsoft.com/office/drawing/2014/main" id="{B79A58A2-53E2-4B07-B541-7560DC951115}"/>
+                <a16:creationId xmlns:a16="http://schemas.microsoft.com/office/drawing/2014/main" id="{4D86D150-D2F7-43FC-A33D-8E3FC1E6B65E}"/>
               </a:ext>
             </a:extLst>
           </p:cNvPr>
@@ -21561,8 +21438,8 @@
           <a:lstStyle/>
           <a:p>
             <a:r>
-              <a:rPr lang="ru-RU" dirty="0"/>
-              <a:t>Резюме</a:t>
+              <a:rPr lang="en-US" dirty="0" err="1"/>
+              <a:t>ShlibVisibilityChecker</a:t>
             </a:r>
             <a:endParaRPr lang="en-US" dirty="0"/>
           </a:p>
@@ -21573,7 +21450,7 @@
           <p:cNvPr id="3" name="Content Placeholder 2">
             <a:extLst>
               <a:ext uri="{FF2B5EF4-FFF2-40B4-BE49-F238E27FC236}">
-                <a16:creationId xmlns:a16="http://schemas.microsoft.com/office/drawing/2014/main" id="{89B42026-4F60-4665-8FC5-FDB3293BF4A3}"/>
+                <a16:creationId xmlns:a16="http://schemas.microsoft.com/office/drawing/2014/main" id="{4B745797-F3FC-472C-9979-812FF6FAE68D}"/>
               </a:ext>
             </a:extLst>
           </p:cNvPr>
@@ -21584,26 +21461,438 @@
             <p:ph idx="1"/>
           </p:nvPr>
         </p:nvSpPr>
-        <p:spPr/>
+        <p:spPr>
+          <a:xfrm>
+            <a:off x="838200" y="1553482"/>
+            <a:ext cx="10515600" cy="4351338"/>
+          </a:xfrm>
+        </p:spPr>
         <p:txBody>
           <a:bodyPr/>
           <a:lstStyle/>
           <a:p>
             <a:r>
               <a:rPr lang="ru-RU" dirty="0"/>
-              <a:t>Динамические библиотеки имеют ряд преимуществ над статическими</a:t>
-            </a:r>
-          </a:p>
-          <a:p>
-            <a:r>
-              <a:rPr lang="ru-RU" dirty="0"/>
-              <a:t>Добавляют накладные расходы на старте и во время работы приложения</a:t>
-            </a:r>
-          </a:p>
-          <a:p>
-            <a:r>
-              <a:rPr lang="ru-RU" dirty="0"/>
-              <a:t>Современные тулчейны содержат средства, позволяющие существенно снизить оверхед</a:t>
+              <a:t>Анализирует функции в публичных заголовочных файлах</a:t>
+            </a:r>
+            <a:r>
+              <a:rPr lang="en-US" dirty="0"/>
+              <a:t> </a:t>
+            </a:r>
+            <a:r>
+              <a:rPr lang="ru-RU" dirty="0"/>
+              <a:t>библиотеки</a:t>
+            </a:r>
+            <a:r>
+              <a:rPr lang="en-US" dirty="0"/>
+              <a:t> </a:t>
+            </a:r>
+            <a:r>
+              <a:rPr lang="ru-RU" dirty="0"/>
+              <a:t>с помощью </a:t>
+            </a:r>
+            <a:r>
+              <a:rPr lang="en-US" dirty="0" err="1"/>
+              <a:t>libclang</a:t>
+            </a:r>
+            <a:endParaRPr lang="ru-RU" dirty="0"/>
+          </a:p>
+          <a:p>
+            <a:r>
+              <a:rPr lang="ru-RU" dirty="0"/>
+              <a:t>Сравнивает их с функциями, экспортируемыми библиотекой</a:t>
+            </a:r>
+          </a:p>
+          <a:p>
+            <a:r>
+              <a:rPr lang="ru-RU" dirty="0"/>
+              <a:t>Избыточные экспорты должны быть удалены</a:t>
+            </a:r>
+            <a:endParaRPr lang="en-US" dirty="0"/>
+          </a:p>
+        </p:txBody>
+      </p:sp>
+      <p:sp>
+        <p:nvSpPr>
+          <p:cNvPr id="4" name="Flowchart: Multidocument 3">
+            <a:extLst>
+              <a:ext uri="{FF2B5EF4-FFF2-40B4-BE49-F238E27FC236}">
+                <a16:creationId xmlns:a16="http://schemas.microsoft.com/office/drawing/2014/main" id="{F8192D6F-A9B0-4855-A996-99222F5EC8CD}"/>
+              </a:ext>
+            </a:extLst>
+          </p:cNvPr>
+          <p:cNvSpPr/>
+          <p:nvPr/>
+        </p:nvSpPr>
+        <p:spPr>
+          <a:xfrm>
+            <a:off x="1238249" y="3735388"/>
+            <a:ext cx="1899557" cy="1325563"/>
+          </a:xfrm>
+          <a:prstGeom prst="flowChartMultidocument">
+            <a:avLst/>
+          </a:prstGeom>
+        </p:spPr>
+        <p:style>
+          <a:lnRef idx="2">
+            <a:schemeClr val="accent1">
+              <a:shade val="50000"/>
+            </a:schemeClr>
+          </a:lnRef>
+          <a:fillRef idx="1">
+            <a:schemeClr val="accent1"/>
+          </a:fillRef>
+          <a:effectRef idx="0">
+            <a:schemeClr val="accent1"/>
+          </a:effectRef>
+          <a:fontRef idx="minor">
+            <a:schemeClr val="lt1"/>
+          </a:fontRef>
+        </p:style>
+        <p:txBody>
+          <a:bodyPr rtlCol="0" anchor="ctr"/>
+          <a:lstStyle/>
+          <a:p>
+            <a:pPr algn="ctr"/>
+            <a:r>
+              <a:rPr lang="ru-RU" dirty="0"/>
+              <a:t>Заголовочные файлы</a:t>
+            </a:r>
+            <a:endParaRPr lang="en-US" dirty="0"/>
+          </a:p>
+        </p:txBody>
+      </p:sp>
+      <p:sp>
+        <p:nvSpPr>
+          <p:cNvPr id="5" name="Flowchart: Magnetic Disk 4">
+            <a:extLst>
+              <a:ext uri="{FF2B5EF4-FFF2-40B4-BE49-F238E27FC236}">
+                <a16:creationId xmlns:a16="http://schemas.microsoft.com/office/drawing/2014/main" id="{AC9A3467-1E56-45D2-B4C7-0986914125A4}"/>
+              </a:ext>
+            </a:extLst>
+          </p:cNvPr>
+          <p:cNvSpPr/>
+          <p:nvPr/>
+        </p:nvSpPr>
+        <p:spPr>
+          <a:xfrm>
+            <a:off x="1458685" y="5472339"/>
+            <a:ext cx="1458686" cy="864961"/>
+          </a:xfrm>
+          <a:prstGeom prst="flowChartMagneticDisk">
+            <a:avLst/>
+          </a:prstGeom>
+          <a:solidFill>
+            <a:srgbClr val="92D050"/>
+          </a:solidFill>
+        </p:spPr>
+        <p:style>
+          <a:lnRef idx="2">
+            <a:schemeClr val="accent1">
+              <a:shade val="50000"/>
+            </a:schemeClr>
+          </a:lnRef>
+          <a:fillRef idx="1">
+            <a:schemeClr val="accent1"/>
+          </a:fillRef>
+          <a:effectRef idx="0">
+            <a:schemeClr val="accent1"/>
+          </a:effectRef>
+          <a:fontRef idx="minor">
+            <a:schemeClr val="lt1"/>
+          </a:fontRef>
+        </p:style>
+        <p:txBody>
+          <a:bodyPr rtlCol="0" anchor="ctr"/>
+          <a:lstStyle/>
+          <a:p>
+            <a:pPr algn="ctr"/>
+            <a:r>
+              <a:rPr lang="ru-RU" dirty="0"/>
+              <a:t>Библиотека</a:t>
+            </a:r>
+            <a:endParaRPr lang="en-US" dirty="0"/>
+          </a:p>
+        </p:txBody>
+      </p:sp>
+      <p:cxnSp>
+        <p:nvCxnSpPr>
+          <p:cNvPr id="7" name="Connector: Elbow 6">
+            <a:extLst>
+              <a:ext uri="{FF2B5EF4-FFF2-40B4-BE49-F238E27FC236}">
+                <a16:creationId xmlns:a16="http://schemas.microsoft.com/office/drawing/2014/main" id="{7FCA57A7-841B-4166-BDC1-0209C8BBACA7}"/>
+              </a:ext>
+            </a:extLst>
+          </p:cNvPr>
+          <p:cNvCxnSpPr>
+            <a:cxnSpLocks/>
+            <a:stCxn id="5" idx="4"/>
+          </p:cNvCxnSpPr>
+          <p:nvPr/>
+        </p:nvCxnSpPr>
+        <p:spPr>
+          <a:xfrm flipV="1">
+            <a:off x="2917371" y="5304518"/>
+            <a:ext cx="2579915" cy="600302"/>
+          </a:xfrm>
+          <a:prstGeom prst="bentConnector3">
+            <a:avLst/>
+          </a:prstGeom>
+          <a:ln w="44450">
+            <a:tailEnd type="triangle"/>
+          </a:ln>
+        </p:spPr>
+        <p:style>
+          <a:lnRef idx="1">
+            <a:schemeClr val="accent1"/>
+          </a:lnRef>
+          <a:fillRef idx="0">
+            <a:schemeClr val="accent1"/>
+          </a:fillRef>
+          <a:effectRef idx="0">
+            <a:schemeClr val="accent1"/>
+          </a:effectRef>
+          <a:fontRef idx="minor">
+            <a:schemeClr val="tx1"/>
+          </a:fontRef>
+        </p:style>
+      </p:cxnSp>
+      <p:cxnSp>
+        <p:nvCxnSpPr>
+          <p:cNvPr id="8" name="Connector: Elbow 7">
+            <a:extLst>
+              <a:ext uri="{FF2B5EF4-FFF2-40B4-BE49-F238E27FC236}">
+                <a16:creationId xmlns:a16="http://schemas.microsoft.com/office/drawing/2014/main" id="{B8A6640B-A36A-4960-90A1-AFE5E25E0120}"/>
+              </a:ext>
+            </a:extLst>
+          </p:cNvPr>
+          <p:cNvCxnSpPr>
+            <a:cxnSpLocks/>
+            <a:stCxn id="4" idx="3"/>
+          </p:cNvCxnSpPr>
+          <p:nvPr/>
+        </p:nvCxnSpPr>
+        <p:spPr>
+          <a:xfrm>
+            <a:off x="3137806" y="4398170"/>
+            <a:ext cx="2359480" cy="326230"/>
+          </a:xfrm>
+          <a:prstGeom prst="bentConnector3">
+            <a:avLst>
+              <a:gd name="adj1" fmla="val 46309"/>
+            </a:avLst>
+          </a:prstGeom>
+          <a:ln w="44450">
+            <a:tailEnd type="triangle"/>
+          </a:ln>
+        </p:spPr>
+        <p:style>
+          <a:lnRef idx="1">
+            <a:schemeClr val="accent1"/>
+          </a:lnRef>
+          <a:fillRef idx="0">
+            <a:schemeClr val="accent1"/>
+          </a:fillRef>
+          <a:effectRef idx="0">
+            <a:schemeClr val="accent1"/>
+          </a:effectRef>
+          <a:fontRef idx="minor">
+            <a:schemeClr val="tx1"/>
+          </a:fontRef>
+        </p:style>
+      </p:cxnSp>
+      <p:sp>
+        <p:nvSpPr>
+          <p:cNvPr id="13" name="Not Equal 12">
+            <a:extLst>
+              <a:ext uri="{FF2B5EF4-FFF2-40B4-BE49-F238E27FC236}">
+                <a16:creationId xmlns:a16="http://schemas.microsoft.com/office/drawing/2014/main" id="{69C5B3B3-6B54-41EC-B505-2990EC7BC422}"/>
+              </a:ext>
+            </a:extLst>
+          </p:cNvPr>
+          <p:cNvSpPr/>
+          <p:nvPr/>
+        </p:nvSpPr>
+        <p:spPr>
+          <a:xfrm>
+            <a:off x="5668735" y="4724400"/>
+            <a:ext cx="751114" cy="471261"/>
+          </a:xfrm>
+          <a:prstGeom prst="mathNotEqual">
+            <a:avLst/>
+          </a:prstGeom>
+        </p:spPr>
+        <p:style>
+          <a:lnRef idx="2">
+            <a:schemeClr val="accent1">
+              <a:shade val="50000"/>
+            </a:schemeClr>
+          </a:lnRef>
+          <a:fillRef idx="1">
+            <a:schemeClr val="accent1"/>
+          </a:fillRef>
+          <a:effectRef idx="0">
+            <a:schemeClr val="accent1"/>
+          </a:effectRef>
+          <a:fontRef idx="minor">
+            <a:schemeClr val="lt1"/>
+          </a:fontRef>
+        </p:style>
+        <p:txBody>
+          <a:bodyPr rtlCol="0" anchor="ctr"/>
+          <a:lstStyle/>
+          <a:p>
+            <a:pPr algn="ctr"/>
+            <a:endParaRPr lang="en-US">
+              <a:solidFill>
+                <a:schemeClr val="tx1"/>
+              </a:solidFill>
+            </a:endParaRPr>
+          </a:p>
+        </p:txBody>
+      </p:sp>
+      <p:sp>
+        <p:nvSpPr>
+          <p:cNvPr id="14" name="TextBox 13">
+            <a:extLst>
+              <a:ext uri="{FF2B5EF4-FFF2-40B4-BE49-F238E27FC236}">
+                <a16:creationId xmlns:a16="http://schemas.microsoft.com/office/drawing/2014/main" id="{28A01486-0696-4E5D-B27B-2BF6BDEE63DB}"/>
+              </a:ext>
+            </a:extLst>
+          </p:cNvPr>
+          <p:cNvSpPr txBox="1"/>
+          <p:nvPr/>
+        </p:nvSpPr>
+        <p:spPr>
+          <a:xfrm>
+            <a:off x="3769178" y="3642634"/>
+            <a:ext cx="1899557" cy="646331"/>
+          </a:xfrm>
+          <a:prstGeom prst="rect">
+            <a:avLst/>
+          </a:prstGeom>
+          <a:noFill/>
+        </p:spPr>
+        <p:txBody>
+          <a:bodyPr wrap="square" rtlCol="0">
+            <a:spAutoFit/>
+          </a:bodyPr>
+          <a:lstStyle/>
+          <a:p>
+            <a:r>
+              <a:rPr lang="ru-RU" dirty="0"/>
+              <a:t>Публичные функции</a:t>
+            </a:r>
+            <a:endParaRPr lang="en-US" dirty="0"/>
+          </a:p>
+        </p:txBody>
+      </p:sp>
+      <p:sp>
+        <p:nvSpPr>
+          <p:cNvPr id="15" name="TextBox 14">
+            <a:extLst>
+              <a:ext uri="{FF2B5EF4-FFF2-40B4-BE49-F238E27FC236}">
+                <a16:creationId xmlns:a16="http://schemas.microsoft.com/office/drawing/2014/main" id="{7C1DAEAE-B11A-4BC2-9058-93F6B69A3389}"/>
+              </a:ext>
+            </a:extLst>
+          </p:cNvPr>
+          <p:cNvSpPr txBox="1"/>
+          <p:nvPr/>
+        </p:nvSpPr>
+        <p:spPr>
+          <a:xfrm>
+            <a:off x="3792309" y="5936234"/>
+            <a:ext cx="1899557" cy="646331"/>
+          </a:xfrm>
+          <a:prstGeom prst="rect">
+            <a:avLst/>
+          </a:prstGeom>
+          <a:noFill/>
+        </p:spPr>
+        <p:txBody>
+          <a:bodyPr wrap="square" rtlCol="0">
+            <a:spAutoFit/>
+          </a:bodyPr>
+          <a:lstStyle/>
+          <a:p>
+            <a:r>
+              <a:rPr lang="ru-RU" dirty="0"/>
+              <a:t>Экспортируемые символы</a:t>
+            </a:r>
+            <a:endParaRPr lang="en-US" dirty="0"/>
+          </a:p>
+        </p:txBody>
+      </p:sp>
+      <p:cxnSp>
+        <p:nvCxnSpPr>
+          <p:cNvPr id="17" name="Straight Arrow Connector 16">
+            <a:extLst>
+              <a:ext uri="{FF2B5EF4-FFF2-40B4-BE49-F238E27FC236}">
+                <a16:creationId xmlns:a16="http://schemas.microsoft.com/office/drawing/2014/main" id="{A84EF3EC-FA77-4E57-B90E-407A9B62AE47}"/>
+              </a:ext>
+            </a:extLst>
+          </p:cNvPr>
+          <p:cNvCxnSpPr/>
+          <p:nvPr/>
+        </p:nvCxnSpPr>
+        <p:spPr>
+          <a:xfrm>
+            <a:off x="6553200" y="4933777"/>
+            <a:ext cx="1045029" cy="26253"/>
+          </a:xfrm>
+          <a:prstGeom prst="straightConnector1">
+            <a:avLst/>
+          </a:prstGeom>
+          <a:ln w="44450">
+            <a:tailEnd type="triangle"/>
+          </a:ln>
+        </p:spPr>
+        <p:style>
+          <a:lnRef idx="1">
+            <a:schemeClr val="accent1"/>
+          </a:lnRef>
+          <a:fillRef idx="0">
+            <a:schemeClr val="accent1"/>
+          </a:fillRef>
+          <a:effectRef idx="0">
+            <a:schemeClr val="accent1"/>
+          </a:effectRef>
+          <a:fontRef idx="minor">
+            <a:schemeClr val="tx1"/>
+          </a:fontRef>
+        </p:style>
+      </p:cxnSp>
+      <p:sp>
+        <p:nvSpPr>
+          <p:cNvPr id="18" name="TextBox 17">
+            <a:extLst>
+              <a:ext uri="{FF2B5EF4-FFF2-40B4-BE49-F238E27FC236}">
+                <a16:creationId xmlns:a16="http://schemas.microsoft.com/office/drawing/2014/main" id="{CEEAF713-6A5A-4AE3-BA32-2048B1962E77}"/>
+              </a:ext>
+            </a:extLst>
+          </p:cNvPr>
+          <p:cNvSpPr txBox="1"/>
+          <p:nvPr/>
+        </p:nvSpPr>
+        <p:spPr>
+          <a:xfrm>
+            <a:off x="7731580" y="4472112"/>
+            <a:ext cx="1899557" cy="923330"/>
+          </a:xfrm>
+          <a:prstGeom prst="rect">
+            <a:avLst/>
+          </a:prstGeom>
+          <a:noFill/>
+        </p:spPr>
+        <p:txBody>
+          <a:bodyPr wrap="square" rtlCol="0">
+            <a:spAutoFit/>
+          </a:bodyPr>
+          <a:lstStyle/>
+          <a:p>
+            <a:r>
+              <a:rPr lang="ru-RU" dirty="0"/>
+              <a:t>Ненужные экспортируемые символы</a:t>
             </a:r>
             <a:endParaRPr lang="en-US" dirty="0"/>
           </a:p>
@@ -21612,7 +21901,7 @@
     </p:spTree>
     <p:extLst>
       <p:ext uri="{BB962C8B-B14F-4D97-AF65-F5344CB8AC3E}">
-        <p14:creationId xmlns:p14="http://schemas.microsoft.com/office/powerpoint/2010/main" val="883765393"/>
+        <p14:creationId xmlns:p14="http://schemas.microsoft.com/office/powerpoint/2010/main" val="469104947"/>
       </p:ext>
     </p:extLst>
   </p:cSld>
@@ -21644,7 +21933,7 @@
           <p:cNvPr id="2" name="Title 1">
             <a:extLst>
               <a:ext uri="{FF2B5EF4-FFF2-40B4-BE49-F238E27FC236}">
-                <a16:creationId xmlns:a16="http://schemas.microsoft.com/office/drawing/2014/main" id="{886196FC-6BEF-434E-B7EB-743173F137B2}"/>
+                <a16:creationId xmlns:a16="http://schemas.microsoft.com/office/drawing/2014/main" id="{BD766DFC-0AB1-4998-9C8F-D80FEAAB8954}"/>
               </a:ext>
             </a:extLst>
           </p:cNvPr>
@@ -21662,12 +21951,13 @@
           <a:p>
             <a:r>
               <a:rPr lang="ru-RU" dirty="0"/>
-              <a:t>Что почитать</a:t>
-            </a:r>
-            <a:r>
-              <a:rPr lang="en-US" dirty="0"/>
-              <a:t>?</a:t>
-            </a:r>
+              <a:t>Пример использования </a:t>
+            </a:r>
+            <a:r>
+              <a:rPr lang="en-US" dirty="0" err="1"/>
+              <a:t>ShlibVisibilityChecker</a:t>
+            </a:r>
+            <a:endParaRPr lang="en-US" dirty="0"/>
           </a:p>
         </p:txBody>
       </p:sp>
@@ -21676,7 +21966,7 @@
           <p:cNvPr id="3" name="Content Placeholder 2">
             <a:extLst>
               <a:ext uri="{FF2B5EF4-FFF2-40B4-BE49-F238E27FC236}">
-                <a16:creationId xmlns:a16="http://schemas.microsoft.com/office/drawing/2014/main" id="{FC6A6F34-CCD2-476C-82E8-06D3158E3E6F}"/>
+                <a16:creationId xmlns:a16="http://schemas.microsoft.com/office/drawing/2014/main" id="{CFEBEFD7-23BF-4F14-9339-37AF67D86D7F}"/>
               </a:ext>
             </a:extLst>
           </p:cNvPr>
@@ -21687,186 +21977,211 @@
             <p:ph idx="1"/>
           </p:nvPr>
         </p:nvSpPr>
-        <p:spPr/>
-        <p:txBody>
-          <a:bodyPr/>
-          <a:lstStyle/>
-          <a:p>
-            <a:r>
-              <a:rPr lang="en-US" dirty="0">
-                <a:hlinkClick r:id="rId2"/>
-              </a:rPr>
-              <a:t>Linkers, Loaders and Shared Libraries in Windows, Linux, and C++ - </a:t>
-            </a:r>
-            <a:r>
-              <a:rPr lang="en-US" dirty="0" err="1">
-                <a:hlinkClick r:id="rId2"/>
-              </a:rPr>
-              <a:t>Ofek</a:t>
-            </a:r>
-            <a:r>
-              <a:rPr lang="en-US" dirty="0">
-                <a:hlinkClick r:id="rId2"/>
-              </a:rPr>
-              <a:t> </a:t>
-            </a:r>
-            <a:r>
-              <a:rPr lang="en-US" dirty="0" err="1">
-                <a:hlinkClick r:id="rId2"/>
-              </a:rPr>
-              <a:t>Shilon</a:t>
-            </a:r>
-            <a:r>
-              <a:rPr lang="en-US" dirty="0">
-                <a:hlinkClick r:id="rId2"/>
-              </a:rPr>
-              <a:t> - </a:t>
-            </a:r>
-            <a:r>
-              <a:rPr lang="en-US" dirty="0" err="1">
-                <a:hlinkClick r:id="rId2"/>
-              </a:rPr>
-              <a:t>CppCon</a:t>
-            </a:r>
-            <a:r>
-              <a:rPr lang="en-US" dirty="0">
-                <a:hlinkClick r:id="rId2"/>
-              </a:rPr>
-              <a:t> 2023</a:t>
-            </a:r>
+        <p:spPr>
+          <a:xfrm>
+            <a:off x="838200" y="1825625"/>
+            <a:ext cx="10515600" cy="4847318"/>
+          </a:xfrm>
+        </p:spPr>
+        <p:txBody>
+          <a:bodyPr>
+            <a:normAutofit fontScale="92500" lnSpcReduction="10000"/>
+          </a:bodyPr>
+          <a:lstStyle/>
+          <a:p>
+            <a:pPr marL="457200" lvl="1" indent="0">
+              <a:buNone/>
+            </a:pPr>
+            <a:r>
+              <a:rPr lang="en-US" dirty="0"/>
+              <a:t>$ </a:t>
+            </a:r>
+            <a:r>
+              <a:rPr lang="en-US" dirty="0" err="1"/>
+              <a:t>read_header_api</a:t>
+            </a:r>
+            <a:r>
+              <a:rPr lang="en-US" dirty="0"/>
+              <a:t> --only-</a:t>
+            </a:r>
+            <a:r>
+              <a:rPr lang="en-US" dirty="0" err="1"/>
+              <a:t>args</a:t>
+            </a:r>
+            <a:r>
+              <a:rPr lang="en-US" dirty="0"/>
+              <a:t> /</a:t>
+            </a:r>
+            <a:r>
+              <a:rPr lang="en-US" dirty="0" err="1"/>
+              <a:t>usr</a:t>
+            </a:r>
+            <a:r>
+              <a:rPr lang="en-US" dirty="0"/>
+              <a:t>/include/x86_64-linux-gnu/</a:t>
+            </a:r>
+            <a:r>
+              <a:rPr lang="en-US" dirty="0" err="1"/>
+              <a:t>gmp.h</a:t>
+            </a:r>
+            <a:r>
+              <a:rPr lang="en-US" dirty="0"/>
+              <a:t> &gt; api.txt</a:t>
+            </a:r>
+          </a:p>
+          <a:p>
+            <a:pPr marL="457200" lvl="1" indent="0">
+              <a:buNone/>
+            </a:pPr>
             <a:endParaRPr lang="en-US" dirty="0"/>
           </a:p>
           <a:p>
-            <a:pPr lvl="1"/>
-            <a:r>
-              <a:rPr lang="ru-RU" dirty="0"/>
-              <a:t>Общий обзор </a:t>
-            </a:r>
-            <a:r>
-              <a:rPr lang="en-US" dirty="0"/>
-              <a:t>DLL </a:t>
-            </a:r>
-            <a:r>
-              <a:rPr lang="ru-RU" dirty="0"/>
-              <a:t>на разных платформах</a:t>
-            </a:r>
+            <a:pPr marL="457200" lvl="1" indent="0">
+              <a:buNone/>
+            </a:pPr>
+            <a:r>
+              <a:rPr lang="en-US" dirty="0"/>
+              <a:t>$ </a:t>
+            </a:r>
+            <a:r>
+              <a:rPr lang="en-US" dirty="0" err="1"/>
+              <a:t>read_binary_api</a:t>
+            </a:r>
+            <a:r>
+              <a:rPr lang="en-US" dirty="0"/>
+              <a:t> --permissive /</a:t>
+            </a:r>
+            <a:r>
+              <a:rPr lang="en-US" dirty="0" err="1"/>
+              <a:t>usr</a:t>
+            </a:r>
+            <a:r>
+              <a:rPr lang="en-US" dirty="0"/>
+              <a:t>/lib/x86_64-linux-gnu/libgmp.so.10.4.1 &gt; abi.txt</a:t>
+            </a:r>
+          </a:p>
+          <a:p>
+            <a:pPr marL="457200" lvl="1" indent="0">
+              <a:buNone/>
+            </a:pPr>
             <a:endParaRPr lang="en-US" dirty="0"/>
           </a:p>
           <a:p>
-            <a:r>
-              <a:rPr lang="en-US" dirty="0">
-                <a:hlinkClick r:id="rId3"/>
-              </a:rPr>
-              <a:t>How to Write Shared Libraries – Ulrich </a:t>
-            </a:r>
-            <a:r>
-              <a:rPr lang="en-US" dirty="0" err="1">
-                <a:hlinkClick r:id="rId3"/>
-              </a:rPr>
-              <a:t>Drepper</a:t>
-            </a:r>
-            <a:endParaRPr lang="ru-RU" dirty="0"/>
-          </a:p>
-          <a:p>
-            <a:pPr lvl="1"/>
-            <a:r>
-              <a:rPr lang="ru-RU" dirty="0"/>
-              <a:t>Всё что нужно знать о </a:t>
-            </a:r>
-            <a:r>
-              <a:rPr lang="en-US" dirty="0"/>
-              <a:t>DLL </a:t>
-            </a:r>
-            <a:r>
-              <a:rPr lang="ru-RU" dirty="0"/>
-              <a:t>на </a:t>
-            </a:r>
-            <a:r>
-              <a:rPr lang="en-US" dirty="0"/>
-              <a:t>Linux</a:t>
-            </a:r>
-          </a:p>
-          <a:p>
-            <a:r>
-              <a:rPr lang="en-US" dirty="0">
-                <a:hlinkClick r:id="rId4"/>
-              </a:rPr>
-              <a:t>Everything You Ever Wanted to Know about DLLs – James McNellis - </a:t>
-            </a:r>
-            <a:r>
-              <a:rPr lang="en-US" dirty="0" err="1">
-                <a:hlinkClick r:id="rId4"/>
-              </a:rPr>
-              <a:t>CppCon</a:t>
-            </a:r>
-            <a:r>
-              <a:rPr lang="en-US" dirty="0">
-                <a:hlinkClick r:id="rId4"/>
-              </a:rPr>
-              <a:t> 2017</a:t>
-            </a:r>
+            <a:pPr marL="457200" lvl="1" indent="0">
+              <a:buNone/>
+            </a:pPr>
+            <a:r>
+              <a:rPr lang="en-US" dirty="0"/>
+              <a:t>$ diff api.txt abi.txt | </a:t>
+            </a:r>
+            <a:r>
+              <a:rPr lang="en-US" dirty="0" err="1"/>
+              <a:t>wc</a:t>
+            </a:r>
+            <a:r>
+              <a:rPr lang="en-US" dirty="0"/>
+              <a:t> -l</a:t>
+            </a:r>
+          </a:p>
+          <a:p>
+            <a:pPr marL="457200" lvl="1" indent="0">
+              <a:buNone/>
+            </a:pPr>
+            <a:r>
+              <a:rPr lang="en-US" b="1" dirty="0"/>
+              <a:t>323</a:t>
+            </a:r>
+          </a:p>
+          <a:p>
+            <a:pPr marL="457200" lvl="1" indent="0">
+              <a:buNone/>
+            </a:pPr>
             <a:endParaRPr lang="en-US" dirty="0"/>
           </a:p>
           <a:p>
-            <a:pPr lvl="1"/>
-            <a:r>
-              <a:rPr lang="ru-RU" dirty="0"/>
-              <a:t>Всё что нужно знать о </a:t>
-            </a:r>
-            <a:r>
-              <a:rPr lang="en-US" dirty="0"/>
-              <a:t>DLL </a:t>
-            </a:r>
-            <a:r>
-              <a:rPr lang="ru-RU" dirty="0"/>
-              <a:t>на </a:t>
-            </a:r>
-            <a:r>
-              <a:rPr lang="en-US" dirty="0"/>
-              <a:t>Windows</a:t>
-            </a:r>
-          </a:p>
-          <a:p>
-            <a:r>
-              <a:rPr lang="en-US" dirty="0">
-                <a:hlinkClick r:id="rId5"/>
-              </a:rPr>
-              <a:t>https://maskray.me/blog</a:t>
-            </a:r>
-            <a:endParaRPr lang="en-US" dirty="0"/>
-          </a:p>
-          <a:p>
-            <a:pPr lvl="1"/>
-            <a:r>
-              <a:rPr lang="ru-RU" dirty="0"/>
-              <a:t>Блог </a:t>
-            </a:r>
-            <a:r>
-              <a:rPr lang="en-US" dirty="0" err="1"/>
-              <a:t>MaskRay</a:t>
-            </a:r>
-            <a:r>
-              <a:rPr lang="en-US" dirty="0"/>
-              <a:t> </a:t>
-            </a:r>
-            <a:r>
-              <a:rPr lang="ru-RU" dirty="0"/>
-              <a:t>о системном программировании под </a:t>
-            </a:r>
-            <a:r>
-              <a:rPr lang="en-US" dirty="0"/>
-              <a:t>Linux (GOT, PLT, etc.)</a:t>
-            </a:r>
-          </a:p>
-          <a:p>
-            <a:endParaRPr lang="en-US" dirty="0"/>
+            <a:pPr marL="457200" lvl="1" indent="0">
+              <a:buNone/>
+            </a:pPr>
+            <a:r>
+              <a:rPr lang="en-US" dirty="0"/>
+              <a:t>$ diff api.txt abi.txt</a:t>
+            </a:r>
+          </a:p>
+          <a:p>
+            <a:pPr marL="457200" lvl="1" indent="0">
+              <a:buNone/>
+            </a:pPr>
+            <a:r>
+              <a:rPr lang="en-US" dirty="0"/>
+              <a:t>0a1,10</a:t>
+            </a:r>
+          </a:p>
+          <a:p>
+            <a:pPr marL="457200" lvl="1" indent="0">
+              <a:buNone/>
+            </a:pPr>
+            <a:r>
+              <a:rPr lang="en-US" b="1" dirty="0"/>
+              <a:t>&gt; __gmp_0</a:t>
+            </a:r>
+          </a:p>
+          <a:p>
+            <a:pPr marL="457200" lvl="1" indent="0">
+              <a:buNone/>
+            </a:pPr>
+            <a:r>
+              <a:rPr lang="en-US" b="1" dirty="0"/>
+              <a:t>&gt; __</a:t>
+            </a:r>
+            <a:r>
+              <a:rPr lang="en-US" b="1" dirty="0" err="1"/>
+              <a:t>gmp_allocate_func</a:t>
+            </a:r>
+            <a:endParaRPr lang="en-US" b="1" dirty="0"/>
+          </a:p>
+          <a:p>
+            <a:pPr marL="457200" lvl="1" indent="0">
+              <a:buNone/>
+            </a:pPr>
+            <a:r>
+              <a:rPr lang="en-US" b="1" dirty="0"/>
+              <a:t>&gt; __</a:t>
+            </a:r>
+            <a:r>
+              <a:rPr lang="en-US" b="1" dirty="0" err="1"/>
+              <a:t>gmp_asprintf_final</a:t>
+            </a:r>
+            <a:endParaRPr lang="en-US" b="1" dirty="0"/>
+          </a:p>
+          <a:p>
+            <a:pPr marL="457200" lvl="1" indent="0">
+              <a:buNone/>
+            </a:pPr>
+            <a:r>
+              <a:rPr lang="en-US" b="1" dirty="0"/>
+              <a:t>&gt; __</a:t>
+            </a:r>
+            <a:r>
+              <a:rPr lang="en-US" b="1" dirty="0" err="1"/>
+              <a:t>gmp_asprintf_funs</a:t>
+            </a:r>
+            <a:endParaRPr lang="en-US" b="1" dirty="0"/>
+          </a:p>
+          <a:p>
+            <a:pPr marL="457200" lvl="1" indent="0">
+              <a:buNone/>
+            </a:pPr>
+            <a:r>
+              <a:rPr lang="en-US" b="1" dirty="0"/>
+              <a:t>…</a:t>
+            </a:r>
           </a:p>
         </p:txBody>
       </p:sp>
     </p:spTree>
     <p:extLst>
       <p:ext uri="{BB962C8B-B14F-4D97-AF65-F5344CB8AC3E}">
-        <p14:creationId xmlns:p14="http://schemas.microsoft.com/office/powerpoint/2010/main" val="3359078839"/>
+        <p14:creationId xmlns:p14="http://schemas.microsoft.com/office/powerpoint/2010/main" val="3323570136"/>
       </p:ext>
     </p:extLst>
   </p:cSld>
@@ -22818,7 +23133,7 @@
           <p:cNvPr id="2" name="Title 1">
             <a:extLst>
               <a:ext uri="{FF2B5EF4-FFF2-40B4-BE49-F238E27FC236}">
-                <a16:creationId xmlns:a16="http://schemas.microsoft.com/office/drawing/2014/main" id="{AE55B1BF-E6CB-4A61-A19B-EAB2E2F68128}"/>
+                <a16:creationId xmlns:a16="http://schemas.microsoft.com/office/drawing/2014/main" id="{B79A58A2-53E2-4B07-B541-7560DC951115}"/>
               </a:ext>
             </a:extLst>
           </p:cNvPr>
@@ -22836,12 +23151,9 @@
           <a:p>
             <a:r>
               <a:rPr lang="ru-RU" dirty="0"/>
-              <a:t>Спасибо за внимание</a:t>
-            </a:r>
-            <a:r>
-              <a:rPr lang="en-US" dirty="0"/>
-              <a:t>!</a:t>
-            </a:r>
+              <a:t>Резюме</a:t>
+            </a:r>
+            <a:endParaRPr lang="en-US" dirty="0"/>
           </a:p>
         </p:txBody>
       </p:sp>
@@ -22850,7 +23162,7 @@
           <p:cNvPr id="3" name="Content Placeholder 2">
             <a:extLst>
               <a:ext uri="{FF2B5EF4-FFF2-40B4-BE49-F238E27FC236}">
-                <a16:creationId xmlns:a16="http://schemas.microsoft.com/office/drawing/2014/main" id="{FDC23327-086B-41AB-AC13-CE5A75450C7E}"/>
+                <a16:creationId xmlns:a16="http://schemas.microsoft.com/office/drawing/2014/main" id="{89B42026-4F60-4665-8FC5-FDB3293BF4A3}"/>
               </a:ext>
             </a:extLst>
           </p:cNvPr>
@@ -22866,6 +23178,22 @@
           <a:bodyPr/>
           <a:lstStyle/>
           <a:p>
+            <a:r>
+              <a:rPr lang="ru-RU" dirty="0"/>
+              <a:t>Динамические библиотеки имеют ряд преимуществ над статическими</a:t>
+            </a:r>
+          </a:p>
+          <a:p>
+            <a:r>
+              <a:rPr lang="ru-RU" dirty="0"/>
+              <a:t>Добавляют накладные расходы на старте и во время работы приложения</a:t>
+            </a:r>
+          </a:p>
+          <a:p>
+            <a:r>
+              <a:rPr lang="ru-RU" dirty="0"/>
+              <a:t>Современные тулчейны содержат средства, позволяющие существенно снизить оверхед</a:t>
+            </a:r>
             <a:endParaRPr lang="en-US" dirty="0"/>
           </a:p>
         </p:txBody>
@@ -22873,7 +23201,7 @@
     </p:spTree>
     <p:extLst>
       <p:ext uri="{BB962C8B-B14F-4D97-AF65-F5344CB8AC3E}">
-        <p14:creationId xmlns:p14="http://schemas.microsoft.com/office/powerpoint/2010/main" val="876813992"/>
+        <p14:creationId xmlns:p14="http://schemas.microsoft.com/office/powerpoint/2010/main" val="883765393"/>
       </p:ext>
     </p:extLst>
   </p:cSld>
@@ -22905,7 +23233,7 @@
           <p:cNvPr id="2" name="Title 1">
             <a:extLst>
               <a:ext uri="{FF2B5EF4-FFF2-40B4-BE49-F238E27FC236}">
-                <a16:creationId xmlns:a16="http://schemas.microsoft.com/office/drawing/2014/main" id="{93090202-CF24-421C-9485-04FBDD337F8A}"/>
+                <a16:creationId xmlns:a16="http://schemas.microsoft.com/office/drawing/2014/main" id="{886196FC-6BEF-434E-B7EB-743173F137B2}"/>
               </a:ext>
             </a:extLst>
           </p:cNvPr>
@@ -22922,8 +23250,12 @@
           <a:lstStyle/>
           <a:p>
             <a:r>
-              <a:rPr lang="en-US" dirty="0"/>
-              <a:t>TODO</a:t>
+              <a:rPr lang="ru-RU" dirty="0"/>
+              <a:t>Что почитать</a:t>
+            </a:r>
+            <a:r>
+              <a:rPr lang="en-US" dirty="0"/>
+              <a:t>?</a:t>
             </a:r>
           </a:p>
         </p:txBody>
@@ -22933,7 +23265,7 @@
           <p:cNvPr id="3" name="Content Placeholder 2">
             <a:extLst>
               <a:ext uri="{FF2B5EF4-FFF2-40B4-BE49-F238E27FC236}">
-                <a16:creationId xmlns:a16="http://schemas.microsoft.com/office/drawing/2014/main" id="{47CB3639-5E9B-4AE5-9C58-15F576FBB26C}"/>
+                <a16:creationId xmlns:a16="http://schemas.microsoft.com/office/drawing/2014/main" id="{FC6A6F34-CCD2-476C-82E8-06D3158E3E6F}"/>
               </a:ext>
             </a:extLst>
           </p:cNvPr>
@@ -22950,52 +23282,180 @@
           <a:lstStyle/>
           <a:p>
             <a:r>
-              <a:rPr lang="ru-RU" dirty="0"/>
-              <a:t>Добавить иллюстраций</a:t>
+              <a:rPr lang="en-US" dirty="0">
+                <a:hlinkClick r:id="rId2"/>
+              </a:rPr>
+              <a:t>Linkers, Loaders and Shared Libraries in Windows, Linux, and C++ - </a:t>
+            </a:r>
+            <a:r>
+              <a:rPr lang="en-US" dirty="0" err="1">
+                <a:hlinkClick r:id="rId2"/>
+              </a:rPr>
+              <a:t>Ofek</a:t>
+            </a:r>
+            <a:r>
+              <a:rPr lang="en-US" dirty="0">
+                <a:hlinkClick r:id="rId2"/>
+              </a:rPr>
+              <a:t> </a:t>
+            </a:r>
+            <a:r>
+              <a:rPr lang="en-US" dirty="0" err="1">
+                <a:hlinkClick r:id="rId2"/>
+              </a:rPr>
+              <a:t>Shilon</a:t>
+            </a:r>
+            <a:r>
+              <a:rPr lang="en-US" dirty="0">
+                <a:hlinkClick r:id="rId2"/>
+              </a:rPr>
+              <a:t> - </a:t>
+            </a:r>
+            <a:r>
+              <a:rPr lang="en-US" dirty="0" err="1">
+                <a:hlinkClick r:id="rId2"/>
+              </a:rPr>
+              <a:t>CppCon</a:t>
+            </a:r>
+            <a:r>
+              <a:rPr lang="en-US" dirty="0">
+                <a:hlinkClick r:id="rId2"/>
+              </a:rPr>
+              <a:t> 2023</a:t>
             </a:r>
             <a:endParaRPr lang="en-US" dirty="0"/>
           </a:p>
           <a:p>
-            <a:r>
-              <a:rPr lang="ru-RU" dirty="0"/>
-              <a:t>Проблема отсутствующего </a:t>
+            <a:pPr lvl="1"/>
+            <a:r>
+              <a:rPr lang="ru-RU" dirty="0"/>
+              <a:t>Общий обзор </a:t>
+            </a:r>
+            <a:r>
+              <a:rPr lang="en-US" dirty="0"/>
+              <a:t>DLL </a:t>
+            </a:r>
+            <a:r>
+              <a:rPr lang="ru-RU" dirty="0"/>
+              <a:t>на разных платформах</a:t>
+            </a:r>
+            <a:endParaRPr lang="en-US" dirty="0"/>
+          </a:p>
+          <a:p>
+            <a:r>
+              <a:rPr lang="en-US" dirty="0">
+                <a:hlinkClick r:id="rId3"/>
+              </a:rPr>
+              <a:t>How to Write Shared Libraries – Ulrich </a:t>
+            </a:r>
+            <a:r>
+              <a:rPr lang="en-US" dirty="0" err="1">
+                <a:hlinkClick r:id="rId3"/>
+              </a:rPr>
+              <a:t>Drepper</a:t>
+            </a:r>
+            <a:endParaRPr lang="ru-RU" dirty="0"/>
+          </a:p>
+          <a:p>
+            <a:pPr lvl="1"/>
+            <a:r>
+              <a:rPr lang="ru-RU" dirty="0"/>
+              <a:t>Всё что нужно знать о </a:t>
+            </a:r>
+            <a:r>
+              <a:rPr lang="en-US" dirty="0"/>
+              <a:t>DLL </a:t>
+            </a:r>
+            <a:r>
+              <a:rPr lang="ru-RU" dirty="0"/>
+              <a:t>на </a:t>
+            </a:r>
+            <a:r>
+              <a:rPr lang="en-US" dirty="0"/>
+              <a:t>Linux</a:t>
+            </a:r>
+          </a:p>
+          <a:p>
+            <a:r>
+              <a:rPr lang="en-US" dirty="0">
+                <a:hlinkClick r:id="rId4"/>
+              </a:rPr>
+              <a:t>Everything You Ever Wanted to Know about DLLs – James McNellis - </a:t>
+            </a:r>
+            <a:r>
+              <a:rPr lang="en-US" dirty="0" err="1">
+                <a:hlinkClick r:id="rId4"/>
+              </a:rPr>
+              <a:t>CppCon</a:t>
+            </a:r>
+            <a:r>
+              <a:rPr lang="en-US" dirty="0">
+                <a:hlinkClick r:id="rId4"/>
+              </a:rPr>
+              <a:t> 2017</a:t>
+            </a:r>
+            <a:endParaRPr lang="en-US" dirty="0"/>
+          </a:p>
+          <a:p>
+            <a:pPr lvl="1"/>
+            <a:r>
+              <a:rPr lang="ru-RU" dirty="0"/>
+              <a:t>Всё что нужно знать о </a:t>
+            </a:r>
+            <a:r>
+              <a:rPr lang="en-US" dirty="0"/>
+              <a:t>DLL </a:t>
+            </a:r>
+            <a:r>
+              <a:rPr lang="ru-RU" dirty="0"/>
+              <a:t>на </a:t>
+            </a:r>
+            <a:r>
+              <a:rPr lang="en-US" dirty="0"/>
+              <a:t>Windows</a:t>
+            </a:r>
+          </a:p>
+          <a:p>
+            <a:r>
+              <a:rPr lang="en-US" dirty="0">
+                <a:hlinkClick r:id="rId5"/>
+              </a:rPr>
+              <a:t>https://maskray.me/blog</a:t>
+            </a:r>
+            <a:endParaRPr lang="en-US" dirty="0"/>
+          </a:p>
+          <a:p>
+            <a:pPr lvl="1"/>
+            <a:r>
+              <a:rPr lang="ru-RU" dirty="0"/>
+              <a:t>Блог </a:t>
             </a:r>
             <a:r>
               <a:rPr lang="en-US" dirty="0" err="1"/>
-              <a:t>dllimport</a:t>
-            </a:r>
-            <a:endParaRPr lang="ru-RU" dirty="0"/>
-          </a:p>
-          <a:p>
-            <a:r>
-              <a:rPr lang="en-US" dirty="0"/>
-              <a:t>DLL versioning, </a:t>
-            </a:r>
-            <a:r>
-              <a:rPr lang="en-US" dirty="0" err="1"/>
-              <a:t>symver</a:t>
-            </a:r>
-            <a:r>
-              <a:rPr lang="en-US" dirty="0"/>
-              <a:t> (?)</a:t>
-            </a:r>
-          </a:p>
-          <a:p>
-            <a:r>
-              <a:rPr lang="ru-RU" dirty="0"/>
-              <a:t>Что ещё</a:t>
-            </a:r>
-            <a:r>
-              <a:rPr lang="en-US" dirty="0"/>
-              <a:t>?!</a:t>
-            </a:r>
+              <a:t>MaskRay</a:t>
+            </a:r>
+            <a:r>
+              <a:rPr lang="en-US" dirty="0"/>
+              <a:t> </a:t>
+            </a:r>
+            <a:r>
+              <a:rPr lang="ru-RU" dirty="0"/>
+              <a:t>о системном программировании под </a:t>
+            </a:r>
+            <a:r>
+              <a:rPr lang="en-US" dirty="0"/>
+              <a:t>Linux (GOT, PLT, etc.)</a:t>
+            </a:r>
+          </a:p>
+          <a:p>
+            <a:endParaRPr lang="en-US" dirty="0"/>
           </a:p>
         </p:txBody>
       </p:sp>
     </p:spTree>
     <p:extLst>
       <p:ext uri="{BB962C8B-B14F-4D97-AF65-F5344CB8AC3E}">
-        <p14:creationId xmlns:p14="http://schemas.microsoft.com/office/powerpoint/2010/main" val="1842829182"/>
+        <p14:creationId xmlns:p14="http://schemas.microsoft.com/office/powerpoint/2010/main" val="3359078839"/>
       </p:ext>
     </p:extLst>
   </p:cSld>
@@ -23027,7 +23487,7 @@
           <p:cNvPr id="2" name="Title 1">
             <a:extLst>
               <a:ext uri="{FF2B5EF4-FFF2-40B4-BE49-F238E27FC236}">
-                <a16:creationId xmlns:a16="http://schemas.microsoft.com/office/drawing/2014/main" id="{CD19E7E3-A310-49FF-A77B-B37588A39A3E}"/>
+                <a16:creationId xmlns:a16="http://schemas.microsoft.com/office/drawing/2014/main" id="{AE55B1BF-E6CB-4A61-A19B-EAB2E2F68128}"/>
               </a:ext>
             </a:extLst>
           </p:cNvPr>
@@ -23045,11 +23505,11 @@
           <a:p>
             <a:r>
               <a:rPr lang="ru-RU" dirty="0"/>
-              <a:t>Проверка </a:t>
-            </a:r>
-            <a:r>
-              <a:rPr lang="en-US" dirty="0"/>
-              <a:t>-Wl,-O1</a:t>
+              <a:t>Спасибо за внимание</a:t>
+            </a:r>
+            <a:r>
+              <a:rPr lang="en-US" dirty="0"/>
+              <a:t>!</a:t>
             </a:r>
           </a:p>
         </p:txBody>
@@ -23059,7 +23519,7 @@
           <p:cNvPr id="3" name="Content Placeholder 2">
             <a:extLst>
               <a:ext uri="{FF2B5EF4-FFF2-40B4-BE49-F238E27FC236}">
-                <a16:creationId xmlns:a16="http://schemas.microsoft.com/office/drawing/2014/main" id="{0263D36B-8799-48BF-9D12-7FA8EC932069}"/>
+                <a16:creationId xmlns:a16="http://schemas.microsoft.com/office/drawing/2014/main" id="{FDC23327-086B-41AB-AC13-CE5A75450C7E}"/>
               </a:ext>
             </a:extLst>
           </p:cNvPr>
@@ -23075,52 +23535,14 @@
           <a:bodyPr/>
           <a:lstStyle/>
           <a:p>
-            <a:r>
-              <a:rPr lang="ru-RU" dirty="0"/>
-              <a:t>Собрать две версии </a:t>
-            </a:r>
-            <a:r>
-              <a:rPr lang="en-US" dirty="0"/>
-              <a:t>LLVM:</a:t>
-            </a:r>
-          </a:p>
-          <a:p>
-            <a:pPr lvl="1"/>
-            <a:r>
-              <a:rPr lang="en-US" dirty="0"/>
-              <a:t>-DBUILD_SHARED_LIBS=ON</a:t>
-            </a:r>
-          </a:p>
-          <a:p>
-            <a:pPr lvl="1"/>
-            <a:r>
-              <a:rPr lang="en-US" dirty="0"/>
-              <a:t>-DBUILD_SHARED_LIBS=ON -DCMAKE_SHARED_LINKER_FLAGS='-Wl,-O1’</a:t>
-            </a:r>
-          </a:p>
-          <a:p>
-            <a:r>
-              <a:rPr lang="ru-RU" dirty="0"/>
-              <a:t>Сравнить производительность</a:t>
-            </a:r>
-            <a:r>
-              <a:rPr lang="en-US" dirty="0"/>
-              <a:t>:</a:t>
-            </a:r>
-          </a:p>
-          <a:p>
-            <a:pPr lvl="1"/>
-            <a:r>
-              <a:rPr lang="en-US" dirty="0"/>
-              <a:t>./benchmark.pl 10 path/to/clang -h</a:t>
-            </a:r>
+            <a:endParaRPr lang="en-US" dirty="0"/>
           </a:p>
         </p:txBody>
       </p:sp>
     </p:spTree>
     <p:extLst>
       <p:ext uri="{BB962C8B-B14F-4D97-AF65-F5344CB8AC3E}">
-        <p14:creationId xmlns:p14="http://schemas.microsoft.com/office/powerpoint/2010/main" val="1685019486"/>
+        <p14:creationId xmlns:p14="http://schemas.microsoft.com/office/powerpoint/2010/main" val="876813992"/>
       </p:ext>
     </p:extLst>
   </p:cSld>
@@ -23152,7 +23574,7 @@
           <p:cNvPr id="2" name="Title 1">
             <a:extLst>
               <a:ext uri="{FF2B5EF4-FFF2-40B4-BE49-F238E27FC236}">
-                <a16:creationId xmlns:a16="http://schemas.microsoft.com/office/drawing/2014/main" id="{CD19E7E3-A310-49FF-A77B-B37588A39A3E}"/>
+                <a16:creationId xmlns:a16="http://schemas.microsoft.com/office/drawing/2014/main" id="{93090202-CF24-421C-9485-04FBDD337F8A}"/>
               </a:ext>
             </a:extLst>
           </p:cNvPr>
@@ -23169,109 +23591,80 @@
           <a:lstStyle/>
           <a:p>
             <a:r>
-              <a:rPr lang="ru-RU" dirty="0"/>
-              <a:t>Проверка </a:t>
-            </a:r>
-            <a:r>
-              <a:rPr lang="en-US" dirty="0"/>
-              <a:t>-</a:t>
+              <a:rPr lang="en-US" dirty="0"/>
+              <a:t>TODO</a:t>
+            </a:r>
+          </a:p>
+        </p:txBody>
+      </p:sp>
+      <p:sp>
+        <p:nvSpPr>
+          <p:cNvPr id="3" name="Content Placeholder 2">
+            <a:extLst>
+              <a:ext uri="{FF2B5EF4-FFF2-40B4-BE49-F238E27FC236}">
+                <a16:creationId xmlns:a16="http://schemas.microsoft.com/office/drawing/2014/main" id="{47CB3639-5E9B-4AE5-9C58-15F576FBB26C}"/>
+              </a:ext>
+            </a:extLst>
+          </p:cNvPr>
+          <p:cNvSpPr>
+            <a:spLocks noGrp="1"/>
+          </p:cNvSpPr>
+          <p:nvPr>
+            <p:ph idx="1"/>
+          </p:nvPr>
+        </p:nvSpPr>
+        <p:spPr/>
+        <p:txBody>
+          <a:bodyPr/>
+          <a:lstStyle/>
+          <a:p>
+            <a:r>
+              <a:rPr lang="ru-RU" dirty="0"/>
+              <a:t>Добавить иллюстраций</a:t>
+            </a:r>
+            <a:endParaRPr lang="en-US" dirty="0"/>
+          </a:p>
+          <a:p>
+            <a:r>
+              <a:rPr lang="ru-RU" dirty="0"/>
+              <a:t>Проблема отсутствующего </a:t>
             </a:r>
             <a:r>
               <a:rPr lang="en-US" dirty="0" err="1"/>
-              <a:t>fno-plt</a:t>
-            </a:r>
-            <a:endParaRPr lang="en-US" dirty="0"/>
-          </a:p>
-        </p:txBody>
-      </p:sp>
-      <p:sp>
-        <p:nvSpPr>
-          <p:cNvPr id="3" name="Content Placeholder 2">
-            <a:extLst>
-              <a:ext uri="{FF2B5EF4-FFF2-40B4-BE49-F238E27FC236}">
-                <a16:creationId xmlns:a16="http://schemas.microsoft.com/office/drawing/2014/main" id="{0263D36B-8799-48BF-9D12-7FA8EC932069}"/>
-              </a:ext>
-            </a:extLst>
-          </p:cNvPr>
-          <p:cNvSpPr>
-            <a:spLocks noGrp="1"/>
-          </p:cNvSpPr>
-          <p:nvPr>
-            <p:ph idx="1"/>
-          </p:nvPr>
-        </p:nvSpPr>
-        <p:spPr/>
-        <p:txBody>
-          <a:bodyPr/>
-          <a:lstStyle/>
-          <a:p>
-            <a:r>
-              <a:rPr lang="ru-RU" dirty="0"/>
-              <a:t>Собрать две версии </a:t>
-            </a:r>
-            <a:r>
-              <a:rPr lang="en-US" dirty="0"/>
-              <a:t>LLVM:</a:t>
-            </a:r>
-          </a:p>
-          <a:p>
-            <a:pPr lvl="1"/>
-            <a:r>
-              <a:rPr lang="en-US" dirty="0"/>
-              <a:t>-DBUILD_SHARED_LIBS=ON</a:t>
-            </a:r>
-          </a:p>
-          <a:p>
-            <a:pPr lvl="1"/>
-            <a:r>
-              <a:rPr lang="en-US" dirty="0"/>
-              <a:t>-DBUILD_SHARED_LIBS=ON -DCMAKE_CXX_FLAGS=‘-</a:t>
+              <a:t>dllimport</a:t>
+            </a:r>
+            <a:endParaRPr lang="ru-RU" dirty="0"/>
+          </a:p>
+          <a:p>
+            <a:r>
+              <a:rPr lang="en-US" dirty="0"/>
+              <a:t>DLL versioning, </a:t>
             </a:r>
             <a:r>
               <a:rPr lang="en-US" dirty="0" err="1"/>
-              <a:t>fno</a:t>
-            </a:r>
-            <a:r>
-              <a:rPr lang="en-US" dirty="0"/>
-              <a:t>-</a:t>
-            </a:r>
-            <a:r>
-              <a:rPr lang="en-US" dirty="0" err="1"/>
-              <a:t>plt</a:t>
-            </a:r>
-            <a:r>
-              <a:rPr lang="en-US" dirty="0"/>
-              <a:t>’</a:t>
-            </a:r>
-          </a:p>
-          <a:p>
-            <a:r>
-              <a:rPr lang="ru-RU" dirty="0"/>
-              <a:t>Сравнить производительность</a:t>
-            </a:r>
-            <a:r>
-              <a:rPr lang="en-US" dirty="0"/>
-              <a:t>:</a:t>
-            </a:r>
-          </a:p>
-          <a:p>
-            <a:pPr lvl="1"/>
-            <a:r>
-              <a:rPr lang="en-US" dirty="0"/>
-              <a:t>./benchmark.pl 10 path/to/clang -S -O2 ~/</a:t>
-            </a:r>
-            <a:r>
-              <a:rPr lang="en-US" dirty="0" err="1"/>
-              <a:t>InstCombining.i</a:t>
-            </a:r>
-            <a:endParaRPr lang="en-US" dirty="0"/>
+              <a:t>symver</a:t>
+            </a:r>
+            <a:r>
+              <a:rPr lang="en-US" dirty="0"/>
+              <a:t> (?)</a:t>
+            </a:r>
+          </a:p>
+          <a:p>
+            <a:r>
+              <a:rPr lang="ru-RU" dirty="0"/>
+              <a:t>Что ещё</a:t>
+            </a:r>
+            <a:r>
+              <a:rPr lang="en-US" dirty="0"/>
+              <a:t>?!</a:t>
+            </a:r>
           </a:p>
         </p:txBody>
       </p:sp>
     </p:spTree>
     <p:extLst>
       <p:ext uri="{BB962C8B-B14F-4D97-AF65-F5344CB8AC3E}">
-        <p14:creationId xmlns:p14="http://schemas.microsoft.com/office/powerpoint/2010/main" val="4180884372"/>
+        <p14:creationId xmlns:p14="http://schemas.microsoft.com/office/powerpoint/2010/main" val="1842829182"/>
       </p:ext>
     </p:extLst>
   </p:cSld>
@@ -23325,15 +23718,7 @@
             </a:r>
             <a:r>
               <a:rPr lang="en-US" dirty="0"/>
-              <a:t>-</a:t>
-            </a:r>
-            <a:r>
-              <a:rPr lang="en-US" dirty="0" err="1"/>
-              <a:t>Bsymbolic</a:t>
-            </a:r>
-            <a:r>
-              <a:rPr lang="en-US" dirty="0"/>
-              <a:t>-functions</a:t>
+              <a:t>-Wl,-O1</a:t>
             </a:r>
           </a:p>
         </p:txBody>
@@ -23379,23 +23764,7 @@
             <a:pPr lvl="1"/>
             <a:r>
               <a:rPr lang="en-US" dirty="0"/>
-              <a:t>-DBUILD_SHARED_LIBS=ON -DCMAKE_SHARED_LINKER_FLAGS='-</a:t>
-            </a:r>
-            <a:r>
-              <a:rPr lang="en-US" dirty="0" err="1"/>
-              <a:t>Wl</a:t>
-            </a:r>
-            <a:r>
-              <a:rPr lang="en-US" dirty="0"/>
-              <a:t>,-</a:t>
-            </a:r>
-            <a:r>
-              <a:rPr lang="en-US" dirty="0" err="1"/>
-              <a:t>Bsymbolic</a:t>
-            </a:r>
-            <a:r>
-              <a:rPr lang="en-US" dirty="0"/>
-              <a:t>-functions’</a:t>
+              <a:t>-DBUILD_SHARED_LIBS=ON -DCMAKE_SHARED_LINKER_FLAGS='-Wl,-O1’</a:t>
             </a:r>
           </a:p>
           <a:p>
@@ -23412,20 +23781,15 @@
             <a:pPr lvl="1"/>
             <a:r>
               <a:rPr lang="en-US" dirty="0"/>
-              <a:t>./benchmark.pl 10 path/to/clang -S -O2 ~/</a:t>
-            </a:r>
-            <a:r>
-              <a:rPr lang="en-US" dirty="0" err="1"/>
-              <a:t>InstCombining.i</a:t>
-            </a:r>
-            <a:endParaRPr lang="en-US" dirty="0"/>
+              <a:t>./benchmark.pl 10 path/to/clang -h</a:t>
+            </a:r>
           </a:p>
         </p:txBody>
       </p:sp>
     </p:spTree>
     <p:extLst>
       <p:ext uri="{BB962C8B-B14F-4D97-AF65-F5344CB8AC3E}">
-        <p14:creationId xmlns:p14="http://schemas.microsoft.com/office/powerpoint/2010/main" val="2465096134"/>
+        <p14:creationId xmlns:p14="http://schemas.microsoft.com/office/powerpoint/2010/main" val="1685019486"/>
       </p:ext>
     </p:extLst>
   </p:cSld>
@@ -23457,6 +23821,311 @@
           <p:cNvPr id="2" name="Title 1">
             <a:extLst>
               <a:ext uri="{FF2B5EF4-FFF2-40B4-BE49-F238E27FC236}">
+                <a16:creationId xmlns:a16="http://schemas.microsoft.com/office/drawing/2014/main" id="{CD19E7E3-A310-49FF-A77B-B37588A39A3E}"/>
+              </a:ext>
+            </a:extLst>
+          </p:cNvPr>
+          <p:cNvSpPr>
+            <a:spLocks noGrp="1"/>
+          </p:cNvSpPr>
+          <p:nvPr>
+            <p:ph type="title"/>
+          </p:nvPr>
+        </p:nvSpPr>
+        <p:spPr/>
+        <p:txBody>
+          <a:bodyPr/>
+          <a:lstStyle/>
+          <a:p>
+            <a:r>
+              <a:rPr lang="ru-RU" dirty="0"/>
+              <a:t>Проверка </a:t>
+            </a:r>
+            <a:r>
+              <a:rPr lang="en-US" dirty="0"/>
+              <a:t>-</a:t>
+            </a:r>
+            <a:r>
+              <a:rPr lang="en-US" dirty="0" err="1"/>
+              <a:t>fno-plt</a:t>
+            </a:r>
+            <a:endParaRPr lang="en-US" dirty="0"/>
+          </a:p>
+        </p:txBody>
+      </p:sp>
+      <p:sp>
+        <p:nvSpPr>
+          <p:cNvPr id="3" name="Content Placeholder 2">
+            <a:extLst>
+              <a:ext uri="{FF2B5EF4-FFF2-40B4-BE49-F238E27FC236}">
+                <a16:creationId xmlns:a16="http://schemas.microsoft.com/office/drawing/2014/main" id="{0263D36B-8799-48BF-9D12-7FA8EC932069}"/>
+              </a:ext>
+            </a:extLst>
+          </p:cNvPr>
+          <p:cNvSpPr>
+            <a:spLocks noGrp="1"/>
+          </p:cNvSpPr>
+          <p:nvPr>
+            <p:ph idx="1"/>
+          </p:nvPr>
+        </p:nvSpPr>
+        <p:spPr/>
+        <p:txBody>
+          <a:bodyPr/>
+          <a:lstStyle/>
+          <a:p>
+            <a:r>
+              <a:rPr lang="ru-RU" dirty="0"/>
+              <a:t>Собрать две версии </a:t>
+            </a:r>
+            <a:r>
+              <a:rPr lang="en-US" dirty="0"/>
+              <a:t>LLVM:</a:t>
+            </a:r>
+          </a:p>
+          <a:p>
+            <a:pPr lvl="1"/>
+            <a:r>
+              <a:rPr lang="en-US" dirty="0"/>
+              <a:t>-DBUILD_SHARED_LIBS=ON</a:t>
+            </a:r>
+          </a:p>
+          <a:p>
+            <a:pPr lvl="1"/>
+            <a:r>
+              <a:rPr lang="en-US" dirty="0"/>
+              <a:t>-DBUILD_SHARED_LIBS=ON -DCMAKE_CXX_FLAGS=‘-</a:t>
+            </a:r>
+            <a:r>
+              <a:rPr lang="en-US" dirty="0" err="1"/>
+              <a:t>fno</a:t>
+            </a:r>
+            <a:r>
+              <a:rPr lang="en-US" dirty="0"/>
+              <a:t>-</a:t>
+            </a:r>
+            <a:r>
+              <a:rPr lang="en-US" dirty="0" err="1"/>
+              <a:t>plt</a:t>
+            </a:r>
+            <a:r>
+              <a:rPr lang="en-US" dirty="0"/>
+              <a:t>’</a:t>
+            </a:r>
+          </a:p>
+          <a:p>
+            <a:r>
+              <a:rPr lang="ru-RU" dirty="0"/>
+              <a:t>Сравнить производительность</a:t>
+            </a:r>
+            <a:r>
+              <a:rPr lang="en-US" dirty="0"/>
+              <a:t>:</a:t>
+            </a:r>
+          </a:p>
+          <a:p>
+            <a:pPr lvl="1"/>
+            <a:r>
+              <a:rPr lang="en-US" dirty="0"/>
+              <a:t>./benchmark.pl 10 path/to/clang -S -O2 ~/</a:t>
+            </a:r>
+            <a:r>
+              <a:rPr lang="en-US" dirty="0" err="1"/>
+              <a:t>InstCombining.i</a:t>
+            </a:r>
+            <a:endParaRPr lang="en-US" dirty="0"/>
+          </a:p>
+        </p:txBody>
+      </p:sp>
+    </p:spTree>
+    <p:extLst>
+      <p:ext uri="{BB962C8B-B14F-4D97-AF65-F5344CB8AC3E}">
+        <p14:creationId xmlns:p14="http://schemas.microsoft.com/office/powerpoint/2010/main" val="4180884372"/>
+      </p:ext>
+    </p:extLst>
+  </p:cSld>
+  <p:clrMapOvr>
+    <a:masterClrMapping/>
+  </p:clrMapOvr>
+</p:sld>
+</file>
+
+<file path=ppt/slides/slide56.xml><?xml version="1.0" encoding="utf-8"?>
+<p:sld xmlns:a="http://schemas.openxmlformats.org/drawingml/2006/main" xmlns:r="http://schemas.openxmlformats.org/officeDocument/2006/relationships" xmlns:p="http://schemas.openxmlformats.org/presentationml/2006/main">
+  <p:cSld>
+    <p:spTree>
+      <p:nvGrpSpPr>
+        <p:cNvPr id="1" name=""/>
+        <p:cNvGrpSpPr/>
+        <p:nvPr/>
+      </p:nvGrpSpPr>
+      <p:grpSpPr>
+        <a:xfrm>
+          <a:off x="0" y="0"/>
+          <a:ext cx="0" cy="0"/>
+          <a:chOff x="0" y="0"/>
+          <a:chExt cx="0" cy="0"/>
+        </a:xfrm>
+      </p:grpSpPr>
+      <p:sp>
+        <p:nvSpPr>
+          <p:cNvPr id="2" name="Title 1">
+            <a:extLst>
+              <a:ext uri="{FF2B5EF4-FFF2-40B4-BE49-F238E27FC236}">
+                <a16:creationId xmlns:a16="http://schemas.microsoft.com/office/drawing/2014/main" id="{CD19E7E3-A310-49FF-A77B-B37588A39A3E}"/>
+              </a:ext>
+            </a:extLst>
+          </p:cNvPr>
+          <p:cNvSpPr>
+            <a:spLocks noGrp="1"/>
+          </p:cNvSpPr>
+          <p:nvPr>
+            <p:ph type="title"/>
+          </p:nvPr>
+        </p:nvSpPr>
+        <p:spPr/>
+        <p:txBody>
+          <a:bodyPr/>
+          <a:lstStyle/>
+          <a:p>
+            <a:r>
+              <a:rPr lang="ru-RU" dirty="0"/>
+              <a:t>Проверка </a:t>
+            </a:r>
+            <a:r>
+              <a:rPr lang="en-US" dirty="0"/>
+              <a:t>-</a:t>
+            </a:r>
+            <a:r>
+              <a:rPr lang="en-US" dirty="0" err="1"/>
+              <a:t>Bsymbolic</a:t>
+            </a:r>
+            <a:r>
+              <a:rPr lang="en-US" dirty="0"/>
+              <a:t>-functions</a:t>
+            </a:r>
+          </a:p>
+        </p:txBody>
+      </p:sp>
+      <p:sp>
+        <p:nvSpPr>
+          <p:cNvPr id="3" name="Content Placeholder 2">
+            <a:extLst>
+              <a:ext uri="{FF2B5EF4-FFF2-40B4-BE49-F238E27FC236}">
+                <a16:creationId xmlns:a16="http://schemas.microsoft.com/office/drawing/2014/main" id="{0263D36B-8799-48BF-9D12-7FA8EC932069}"/>
+              </a:ext>
+            </a:extLst>
+          </p:cNvPr>
+          <p:cNvSpPr>
+            <a:spLocks noGrp="1"/>
+          </p:cNvSpPr>
+          <p:nvPr>
+            <p:ph idx="1"/>
+          </p:nvPr>
+        </p:nvSpPr>
+        <p:spPr/>
+        <p:txBody>
+          <a:bodyPr/>
+          <a:lstStyle/>
+          <a:p>
+            <a:r>
+              <a:rPr lang="ru-RU" dirty="0"/>
+              <a:t>Собрать две версии </a:t>
+            </a:r>
+            <a:r>
+              <a:rPr lang="en-US" dirty="0"/>
+              <a:t>LLVM:</a:t>
+            </a:r>
+          </a:p>
+          <a:p>
+            <a:pPr lvl="1"/>
+            <a:r>
+              <a:rPr lang="en-US" dirty="0"/>
+              <a:t>-DBUILD_SHARED_LIBS=ON</a:t>
+            </a:r>
+          </a:p>
+          <a:p>
+            <a:pPr lvl="1"/>
+            <a:r>
+              <a:rPr lang="en-US" dirty="0"/>
+              <a:t>-DBUILD_SHARED_LIBS=ON -DCMAKE_SHARED_LINKER_FLAGS='-</a:t>
+            </a:r>
+            <a:r>
+              <a:rPr lang="en-US" dirty="0" err="1"/>
+              <a:t>Wl</a:t>
+            </a:r>
+            <a:r>
+              <a:rPr lang="en-US" dirty="0"/>
+              <a:t>,-</a:t>
+            </a:r>
+            <a:r>
+              <a:rPr lang="en-US" dirty="0" err="1"/>
+              <a:t>Bsymbolic</a:t>
+            </a:r>
+            <a:r>
+              <a:rPr lang="en-US" dirty="0"/>
+              <a:t>-functions’</a:t>
+            </a:r>
+          </a:p>
+          <a:p>
+            <a:r>
+              <a:rPr lang="ru-RU" dirty="0"/>
+              <a:t>Сравнить производительность</a:t>
+            </a:r>
+            <a:r>
+              <a:rPr lang="en-US" dirty="0"/>
+              <a:t>:</a:t>
+            </a:r>
+          </a:p>
+          <a:p>
+            <a:pPr lvl="1"/>
+            <a:r>
+              <a:rPr lang="en-US" dirty="0"/>
+              <a:t>./benchmark.pl 10 path/to/clang -S -O2 ~/</a:t>
+            </a:r>
+            <a:r>
+              <a:rPr lang="en-US" dirty="0" err="1"/>
+              <a:t>InstCombining.i</a:t>
+            </a:r>
+            <a:endParaRPr lang="en-US" dirty="0"/>
+          </a:p>
+        </p:txBody>
+      </p:sp>
+    </p:spTree>
+    <p:extLst>
+      <p:ext uri="{BB962C8B-B14F-4D97-AF65-F5344CB8AC3E}">
+        <p14:creationId xmlns:p14="http://schemas.microsoft.com/office/powerpoint/2010/main" val="2465096134"/>
+      </p:ext>
+    </p:extLst>
+  </p:cSld>
+  <p:clrMapOvr>
+    <a:masterClrMapping/>
+  </p:clrMapOvr>
+</p:sld>
+</file>
+
+<file path=ppt/slides/slide57.xml><?xml version="1.0" encoding="utf-8"?>
+<p:sld xmlns:a="http://schemas.openxmlformats.org/drawingml/2006/main" xmlns:r="http://schemas.openxmlformats.org/officeDocument/2006/relationships" xmlns:p="http://schemas.openxmlformats.org/presentationml/2006/main">
+  <p:cSld>
+    <p:spTree>
+      <p:nvGrpSpPr>
+        <p:cNvPr id="1" name=""/>
+        <p:cNvGrpSpPr/>
+        <p:nvPr/>
+      </p:nvGrpSpPr>
+      <p:grpSpPr>
+        <a:xfrm>
+          <a:off x="0" y="0"/>
+          <a:ext cx="0" cy="0"/>
+          <a:chOff x="0" y="0"/>
+          <a:chExt cx="0" cy="0"/>
+        </a:xfrm>
+      </p:grpSpPr>
+      <p:sp>
+        <p:nvSpPr>
+          <p:cNvPr id="2" name="Title 1">
+            <a:extLst>
+              <a:ext uri="{FF2B5EF4-FFF2-40B4-BE49-F238E27FC236}">
                 <a16:creationId xmlns:a16="http://schemas.microsoft.com/office/drawing/2014/main" id="{F09C38B6-88BB-47D5-AECF-F1AEB00015C7}"/>
               </a:ext>
             </a:extLst>
@@ -23577,7 +24246,7 @@
 </p:sld>
 </file>
 
-<file path=ppt/slides/slide56.xml><?xml version="1.0" encoding="utf-8"?>
+<file path=ppt/slides/slide58.xml><?xml version="1.0" encoding="utf-8"?>
 <p:sld xmlns:a="http://schemas.openxmlformats.org/drawingml/2006/main" xmlns:r="http://schemas.openxmlformats.org/officeDocument/2006/relationships" xmlns:p="http://schemas.openxmlformats.org/presentationml/2006/main">
   <p:cSld>
     <p:spTree>

--- a/2024/RU.pptx
+++ b/2024/RU.pptx
@@ -13,15 +13,15 @@
     <p:sldId id="301" r:id="rId4"/>
     <p:sldId id="302" r:id="rId5"/>
     <p:sldId id="339" r:id="rId6"/>
-    <p:sldId id="303" r:id="rId7"/>
-    <p:sldId id="304" r:id="rId8"/>
-    <p:sldId id="314" r:id="rId9"/>
+    <p:sldId id="314" r:id="rId7"/>
+    <p:sldId id="303" r:id="rId8"/>
+    <p:sldId id="304" r:id="rId9"/>
     <p:sldId id="305" r:id="rId10"/>
     <p:sldId id="354" r:id="rId11"/>
     <p:sldId id="358" r:id="rId12"/>
     <p:sldId id="359" r:id="rId13"/>
     <p:sldId id="361" r:id="rId14"/>
-    <p:sldId id="360" r:id="rId15"/>
+    <p:sldId id="367" r:id="rId15"/>
     <p:sldId id="340" r:id="rId16"/>
     <p:sldId id="309" r:id="rId17"/>
     <p:sldId id="341" r:id="rId18"/>
@@ -266,7 +266,7 @@
           <a:p>
             <a:fld id="{A36A2EB4-42A0-4A9F-94AC-04D10C1F231A}" type="datetimeFigureOut">
               <a:rPr lang="en-US" smtClean="0"/>
-              <a:t>4/7/2024</a:t>
+              <a:t>4/14/2024</a:t>
             </a:fld>
             <a:endParaRPr lang="en-US"/>
           </a:p>
@@ -1044,7 +1044,7 @@
           <a:p>
             <a:r>
               <a:rPr lang="ru-RU" dirty="0"/>
-              <a:t>Мы создаём специальную таблицу</a:t>
+              <a:t>Мы добавляем специальную таблицу</a:t>
             </a:r>
             <a:r>
               <a:rPr lang="en-US" dirty="0"/>
@@ -1060,7 +1060,7 @@
             </a:r>
             <a:r>
               <a:rPr lang="ru-RU" dirty="0"/>
-              <a:t>, которая заполняется адресами импортированных функций. Вызовы импортируемых функций осуществляются косвенно – по адресу, загруженному из таблицы.</a:t>
+              <a:t>, в которую заносим адреса функций, импортированных из библиотеки. Вызовы импортируемых функций осуществляются косвенно – по адресу, загруженному из таблицы.</a:t>
             </a:r>
             <a:endParaRPr lang="en-US" dirty="0"/>
           </a:p>
@@ -1092,7 +1092,7 @@
     </p:spTree>
     <p:extLst>
       <p:ext uri="{BB962C8B-B14F-4D97-AF65-F5344CB8AC3E}">
-        <p14:creationId xmlns:p14="http://schemas.microsoft.com/office/powerpoint/2010/main" val="2374747975"/>
+        <p14:creationId xmlns:p14="http://schemas.microsoft.com/office/powerpoint/2010/main" val="254919395"/>
       </p:ext>
     </p:extLst>
   </p:cSld>
@@ -1257,6 +1257,16 @@
           <a:p>
             <a:r>
               <a:rPr lang="ru-RU" dirty="0"/>
+              <a:t>Рассмотрим этапы работы загручика. Эта информация потребуется в дальнейшем при анализе накладных расходов.</a:t>
+            </a:r>
+            <a:endParaRPr lang="en-US" dirty="0"/>
+          </a:p>
+          <a:p>
+            <a:endParaRPr lang="en-US" dirty="0"/>
+          </a:p>
+          <a:p>
+            <a:r>
+              <a:rPr lang="ru-RU" dirty="0"/>
               <a:t>Процесс загрузки </a:t>
             </a:r>
             <a:r>
@@ -2063,7 +2073,7 @@
             </a:r>
             <a:r>
               <a:rPr lang="ru-RU" dirty="0"/>
-              <a:t>такой привязки не делается и загрузчик ищет каждый импортируемый во всех загруженных библиотеках. Это делает возможной специальную технику перехвата символов, о которой мы сейчас поговорим.</a:t>
+              <a:t>такой привязки не делается и загрузчик ищет каждый импортируемый во всех загруженных библиотеках. Это делает возможной специальную технику перехвата символов, о которой нужно сказать несколько слов, поскольку она будет в дальнейшем важна при обсуждении перфоманса.</a:t>
             </a:r>
             <a:endParaRPr lang="en-US" dirty="0"/>
           </a:p>
@@ -2205,6 +2215,14 @@
               <a:rPr lang="ru-RU" dirty="0"/>
               <a:t>и других отладчиках памяти.</a:t>
             </a:r>
+            <a:r>
+              <a:rPr lang="en-US" dirty="0"/>
+              <a:t> </a:t>
+            </a:r>
+            <a:r>
+              <a:rPr lang="ru-RU" dirty="0"/>
+              <a:t>В нормальном режиме работы программы перехват символов не используется.</a:t>
+            </a:r>
             <a:endParaRPr lang="en-US" dirty="0"/>
           </a:p>
           <a:p>
@@ -2848,99 +2866,19 @@
           <a:p>
             <a:r>
               <a:rPr lang="ru-RU" dirty="0"/>
-              <a:t>Рассмотрим первый способ ускорения </a:t>
-            </a:r>
-            <a:r>
-              <a:rPr lang="en-US" dirty="0"/>
-              <a:t>DLL, </a:t>
-            </a:r>
-            <a:r>
-              <a:rPr lang="ru-RU" dirty="0"/>
-              <a:t>который</a:t>
-            </a:r>
-            <a:r>
-              <a:rPr lang="en-US" dirty="0"/>
-              <a:t> </a:t>
-            </a:r>
-            <a:r>
-              <a:rPr lang="ru-RU" dirty="0"/>
-              <a:t>заключается в том чтобы просто не загружать их без явной необходимости.</a:t>
-            </a:r>
-          </a:p>
-          <a:p>
-            <a:endParaRPr lang="ru-RU" dirty="0"/>
-          </a:p>
-          <a:p>
-            <a:r>
-              <a:rPr lang="ru-RU" dirty="0"/>
-              <a:t>В самом деле если библиотека используется редко или только в специфических сценариях, то нам нет особого смысла загружать её на старте программы и лучше отложить это до первого использования.</a:t>
-            </a:r>
-          </a:p>
-          <a:p>
-            <a:endParaRPr lang="ru-RU" dirty="0"/>
-          </a:p>
-          <a:p>
-            <a:r>
-              <a:rPr lang="en-US" dirty="0"/>
-              <a:t>Windows </a:t>
-            </a:r>
-            <a:r>
-              <a:rPr lang="ru-RU" dirty="0"/>
-              <a:t>и </a:t>
-            </a:r>
-            <a:r>
-              <a:rPr lang="en-US" dirty="0"/>
-              <a:t>macOS </a:t>
-            </a:r>
-            <a:r>
-              <a:rPr lang="ru-RU" dirty="0"/>
-              <a:t>предоставляют встроенные механизмы для этого. </a:t>
-            </a:r>
-            <a:r>
-              <a:rPr lang="en-US" dirty="0"/>
-              <a:t>Linux, </a:t>
-            </a:r>
-            <a:r>
-              <a:rPr lang="ru-RU" dirty="0"/>
-              <a:t>хотя и унаследовал свои </a:t>
-            </a:r>
-            <a:r>
-              <a:rPr lang="en-US" dirty="0"/>
-              <a:t>DLL</a:t>
-            </a:r>
-            <a:r>
-              <a:rPr lang="ru-RU" dirty="0"/>
-              <a:t> от </a:t>
-            </a:r>
-            <a:r>
-              <a:rPr lang="en-US" dirty="0"/>
-              <a:t>Solaris, </a:t>
-            </a:r>
-            <a:r>
-              <a:rPr lang="ru-RU" dirty="0"/>
-              <a:t>где была аналогичная возможность, не предоставляет встроенной поддежки для отложенной загрузки.</a:t>
-            </a:r>
-          </a:p>
-          <a:p>
-            <a:endParaRPr lang="ru-RU" dirty="0"/>
-          </a:p>
-          <a:p>
-            <a:r>
-              <a:rPr lang="ru-RU" dirty="0"/>
-              <a:t>Но можно воспользоваться </a:t>
-            </a:r>
-            <a:r>
-              <a:rPr lang="en-US" dirty="0"/>
-              <a:t>open-source </a:t>
-            </a:r>
-            <a:r>
-              <a:rPr lang="ru-RU" dirty="0"/>
-              <a:t>утилитой </a:t>
-            </a:r>
-            <a:r>
-              <a:rPr lang="en-US" dirty="0"/>
-              <a:t>Implib.so.</a:t>
-            </a:r>
+              <a:t>В больших программах, таких как дистрибутивы, часто можно указать избыточные наборы библиотек при линковке программы. Наличие таких лишних библиотек приведет к замедлению работы даже если библиотека не используется. Но есть специальный флаг линкера, которые такую ситуацию обнаруживает и игнорирует такие библиотеки.</a:t>
+            </a:r>
+            <a:endParaRPr lang="en-US" dirty="0"/>
+          </a:p>
+          <a:p>
+            <a:endParaRPr lang="en-US" dirty="0"/>
+          </a:p>
+          <a:p>
+            <a:r>
+              <a:rPr lang="ru-RU" dirty="0"/>
+              <a:t>Этот флаг не включён по умолчанию в некоторых дистрибутивах, поэтому может быть полезным указать его вручную.</a:t>
+            </a:r>
+            <a:endParaRPr lang="en-US" dirty="0"/>
           </a:p>
         </p:txBody>
       </p:sp>
@@ -2961,7 +2899,7 @@
           <a:p>
             <a:fld id="{3AC94D10-082F-46D7-A834-266F9222130F}" type="slidenum">
               <a:rPr lang="en-US" smtClean="0"/>
-              <a:t>30</a:t>
+              <a:t>29</a:t>
             </a:fld>
             <a:endParaRPr lang="en-US"/>
           </a:p>
@@ -2970,7 +2908,7 @@
     </p:spTree>
     <p:extLst>
       <p:ext uri="{BB962C8B-B14F-4D97-AF65-F5344CB8AC3E}">
-        <p14:creationId xmlns:p14="http://schemas.microsoft.com/office/powerpoint/2010/main" val="2313320207"/>
+        <p14:creationId xmlns:p14="http://schemas.microsoft.com/office/powerpoint/2010/main" val="1416292603"/>
       </p:ext>
     </p:extLst>
   </p:cSld>
@@ -3141,17 +3079,99 @@
           <a:p>
             <a:r>
               <a:rPr lang="ru-RU" dirty="0"/>
-              <a:t>Рассмотрим теперь поочерёдно перечисленные нами накладные расходы</a:t>
-            </a:r>
-            <a:r>
-              <a:rPr lang="en-US" dirty="0"/>
-              <a:t>. </a:t>
-            </a:r>
-            <a:r>
-              <a:rPr lang="ru-RU" dirty="0"/>
-              <a:t>Начнём с релокации.</a:t>
-            </a:r>
-            <a:endParaRPr lang="en-US" dirty="0"/>
+              <a:t>Рассмотрим первый способ ускорения </a:t>
+            </a:r>
+            <a:r>
+              <a:rPr lang="en-US" dirty="0"/>
+              <a:t>DLL, </a:t>
+            </a:r>
+            <a:r>
+              <a:rPr lang="ru-RU" dirty="0"/>
+              <a:t>который</a:t>
+            </a:r>
+            <a:r>
+              <a:rPr lang="en-US" dirty="0"/>
+              <a:t> </a:t>
+            </a:r>
+            <a:r>
+              <a:rPr lang="ru-RU" dirty="0"/>
+              <a:t>заключается в том чтобы просто не загружать их без явной необходимости.</a:t>
+            </a:r>
+          </a:p>
+          <a:p>
+            <a:endParaRPr lang="ru-RU" dirty="0"/>
+          </a:p>
+          <a:p>
+            <a:r>
+              <a:rPr lang="ru-RU" dirty="0"/>
+              <a:t>В самом деле если библиотека используется редко или только в специфических сценариях, то нам нет особого смысла загружать её на старте программы и лучше отложить это до первого использования.</a:t>
+            </a:r>
+          </a:p>
+          <a:p>
+            <a:endParaRPr lang="ru-RU" dirty="0"/>
+          </a:p>
+          <a:p>
+            <a:r>
+              <a:rPr lang="en-US" dirty="0"/>
+              <a:t>Windows </a:t>
+            </a:r>
+            <a:r>
+              <a:rPr lang="ru-RU" dirty="0"/>
+              <a:t>и </a:t>
+            </a:r>
+            <a:r>
+              <a:rPr lang="en-US" dirty="0"/>
+              <a:t>macOS </a:t>
+            </a:r>
+            <a:r>
+              <a:rPr lang="ru-RU" dirty="0"/>
+              <a:t>предоставляют встроенные механизмы для этого. </a:t>
+            </a:r>
+            <a:r>
+              <a:rPr lang="en-US" dirty="0"/>
+              <a:t>Linux, </a:t>
+            </a:r>
+            <a:r>
+              <a:rPr lang="ru-RU" dirty="0"/>
+              <a:t>хотя и унаследовал свои </a:t>
+            </a:r>
+            <a:r>
+              <a:rPr lang="en-US" dirty="0"/>
+              <a:t>DLL</a:t>
+            </a:r>
+            <a:r>
+              <a:rPr lang="ru-RU" dirty="0"/>
+              <a:t> от </a:t>
+            </a:r>
+            <a:r>
+              <a:rPr lang="en-US" dirty="0"/>
+              <a:t>Solaris, </a:t>
+            </a:r>
+            <a:r>
+              <a:rPr lang="ru-RU" dirty="0"/>
+              <a:t>где была аналогичная возможность, не предоставляет встроенной поддежки для отложенной загрузки.</a:t>
+            </a:r>
+          </a:p>
+          <a:p>
+            <a:endParaRPr lang="ru-RU" dirty="0"/>
+          </a:p>
+          <a:p>
+            <a:r>
+              <a:rPr lang="ru-RU" dirty="0"/>
+              <a:t>Но можно воспользоваться </a:t>
+            </a:r>
+            <a:r>
+              <a:rPr lang="en-US" dirty="0"/>
+              <a:t>open-source </a:t>
+            </a:r>
+            <a:r>
+              <a:rPr lang="ru-RU" dirty="0"/>
+              <a:t>утилитой </a:t>
+            </a:r>
+            <a:r>
+              <a:rPr lang="en-US" dirty="0"/>
+              <a:t>Implib.so.</a:t>
+            </a:r>
           </a:p>
         </p:txBody>
       </p:sp>
@@ -3172,7 +3192,7 @@
           <a:p>
             <a:fld id="{3AC94D10-082F-46D7-A834-266F9222130F}" type="slidenum">
               <a:rPr lang="en-US" smtClean="0"/>
-              <a:t>33</a:t>
+              <a:t>30</a:t>
             </a:fld>
             <a:endParaRPr lang="en-US"/>
           </a:p>
@@ -3181,7 +3201,7 @@
     </p:spTree>
     <p:extLst>
       <p:ext uri="{BB962C8B-B14F-4D97-AF65-F5344CB8AC3E}">
-        <p14:creationId xmlns:p14="http://schemas.microsoft.com/office/powerpoint/2010/main" val="940538028"/>
+        <p14:creationId xmlns:p14="http://schemas.microsoft.com/office/powerpoint/2010/main" val="2313320207"/>
       </p:ext>
     </p:extLst>
   </p:cSld>
@@ -3237,110 +3257,17 @@
           <a:p>
             <a:r>
               <a:rPr lang="ru-RU" dirty="0"/>
-              <a:t>Сразу скажу что решения для этой части в современных </a:t>
-            </a:r>
-            <a:r>
-              <a:rPr lang="en-US" dirty="0"/>
-              <a:t>Windows </a:t>
-            </a:r>
-            <a:r>
-              <a:rPr lang="ru-RU" dirty="0"/>
-              <a:t>и </a:t>
-            </a:r>
-            <a:r>
-              <a:rPr lang="en-US" dirty="0"/>
-              <a:t>Linux </a:t>
-            </a:r>
-            <a:r>
-              <a:rPr lang="ru-RU" dirty="0"/>
-              <a:t>нет. Но они существовали и использовались долгое время и вы до сих пор можете с ними столкнуться в статьях, поэтому посвятим им несколько слов.</a:t>
+              <a:t>Рассмотрим теперь поочерёдно перечисленные нами накладные расходы</a:t>
+            </a:r>
+            <a:r>
+              <a:rPr lang="en-US" dirty="0"/>
+              <a:t>. </a:t>
+            </a:r>
+            <a:r>
+              <a:rPr lang="ru-RU" dirty="0"/>
+              <a:t>Начнём с релокации.</a:t>
             </a:r>
             <a:endParaRPr lang="en-US" dirty="0"/>
-          </a:p>
-          <a:p>
-            <a:endParaRPr lang="en-US" dirty="0"/>
-          </a:p>
-          <a:p>
-            <a:r>
-              <a:rPr lang="ru-RU" dirty="0"/>
-              <a:t>Основная идея заключается в том, что мы можем заранее для всех используемых </a:t>
-            </a:r>
-            <a:r>
-              <a:rPr lang="en-US" dirty="0"/>
-              <a:t>DLL </a:t>
-            </a:r>
-            <a:r>
-              <a:rPr lang="ru-RU" dirty="0"/>
-              <a:t>выбрать непересекающиеся адреса в адресном простанстве процесса и слинковать их, исходя из того что они будут загружены по этим адресам. Загрузчик при загрузке увидит что адреса свободны и не будет проводить релокацию.</a:t>
-            </a:r>
-            <a:endParaRPr lang="en-US" dirty="0"/>
-          </a:p>
-          <a:p>
-            <a:endParaRPr lang="en-US" dirty="0"/>
-          </a:p>
-          <a:p>
-            <a:r>
-              <a:rPr lang="ru-RU" dirty="0"/>
-              <a:t>Решение это было реализовано и для </a:t>
-            </a:r>
-            <a:r>
-              <a:rPr lang="en-US" dirty="0"/>
-              <a:t>Windows, </a:t>
-            </a:r>
-            <a:r>
-              <a:rPr lang="ru-RU" dirty="0"/>
-              <a:t>и для </a:t>
-            </a:r>
-            <a:r>
-              <a:rPr lang="en-US" dirty="0"/>
-              <a:t>Linux, </a:t>
-            </a:r>
-            <a:r>
-              <a:rPr lang="ru-RU" dirty="0"/>
-              <a:t>но к сожалению вошло в противоречие с современными требованиями к безопасности, которые заключаются в том, что адрес загрузки </a:t>
-            </a:r>
-            <a:r>
-              <a:rPr lang="en-US" dirty="0"/>
-              <a:t>DLL </a:t>
-            </a:r>
-            <a:r>
-              <a:rPr lang="ru-RU" dirty="0"/>
-              <a:t>должен быть случайным (чтобы не упрощать подбор адресов хакерам).</a:t>
-            </a:r>
-            <a:endParaRPr lang="en-US" dirty="0"/>
-          </a:p>
-          <a:p>
-            <a:endParaRPr lang="en-US" dirty="0"/>
-          </a:p>
-          <a:p>
-            <a:r>
-              <a:rPr lang="ru-RU" dirty="0"/>
-              <a:t>Поэтому сейчас этот метод не применяется</a:t>
-            </a:r>
-            <a:r>
-              <a:rPr lang="en-US" dirty="0"/>
-              <a:t>, </a:t>
-            </a:r>
-            <a:r>
-              <a:rPr lang="ru-RU" dirty="0"/>
-              <a:t>а поддержка </a:t>
-            </a:r>
-            <a:r>
-              <a:rPr lang="en-US" dirty="0" err="1"/>
-              <a:t>Prelink</a:t>
-            </a:r>
-            <a:r>
-              <a:rPr lang="en-US" dirty="0"/>
-              <a:t> </a:t>
-            </a:r>
-            <a:r>
-              <a:rPr lang="ru-RU" dirty="0"/>
-              <a:t>даже была удалена в последних версиях </a:t>
-            </a:r>
-            <a:r>
-              <a:rPr lang="en-US" dirty="0"/>
-              <a:t>Glibc.</a:t>
-            </a:r>
           </a:p>
         </p:txBody>
       </p:sp>
@@ -3361,7 +3288,7 @@
           <a:p>
             <a:fld id="{3AC94D10-082F-46D7-A834-266F9222130F}" type="slidenum">
               <a:rPr lang="en-US" smtClean="0"/>
-              <a:t>34</a:t>
+              <a:t>33</a:t>
             </a:fld>
             <a:endParaRPr lang="en-US"/>
           </a:p>
@@ -3370,7 +3297,7 @@
     </p:spTree>
     <p:extLst>
       <p:ext uri="{BB962C8B-B14F-4D97-AF65-F5344CB8AC3E}">
-        <p14:creationId xmlns:p14="http://schemas.microsoft.com/office/powerpoint/2010/main" val="3043525197"/>
+        <p14:creationId xmlns:p14="http://schemas.microsoft.com/office/powerpoint/2010/main" val="940538028"/>
       </p:ext>
     </p:extLst>
   </p:cSld>
@@ -3464,73 +3391,6 @@
             </a:r>
             <a:endParaRPr lang="en-US" dirty="0"/>
           </a:p>
-          <a:p>
-            <a:endParaRPr lang="en-US" dirty="0"/>
-          </a:p>
-          <a:p>
-            <a:r>
-              <a:rPr lang="ru-RU" dirty="0"/>
-              <a:t>Решение это было реализовано и для </a:t>
-            </a:r>
-            <a:r>
-              <a:rPr lang="en-US" dirty="0"/>
-              <a:t>Windows, </a:t>
-            </a:r>
-            <a:r>
-              <a:rPr lang="ru-RU" dirty="0"/>
-              <a:t>и для </a:t>
-            </a:r>
-            <a:r>
-              <a:rPr lang="en-US" dirty="0"/>
-              <a:t>Linux, </a:t>
-            </a:r>
-            <a:r>
-              <a:rPr lang="ru-RU" dirty="0"/>
-              <a:t>но к сожалению вошло в противоречие с современными требованиями к безопасности, которые заключаются в том, что адрес загрузки </a:t>
-            </a:r>
-            <a:r>
-              <a:rPr lang="en-US" dirty="0"/>
-              <a:t>DLL </a:t>
-            </a:r>
-            <a:r>
-              <a:rPr lang="ru-RU" dirty="0"/>
-              <a:t>должен быть случайным (чтобы не упрощать подбор адресов хакерам).</a:t>
-            </a:r>
-            <a:endParaRPr lang="en-US" dirty="0"/>
-          </a:p>
-          <a:p>
-            <a:endParaRPr lang="en-US" dirty="0"/>
-          </a:p>
-          <a:p>
-            <a:r>
-              <a:rPr lang="ru-RU" dirty="0"/>
-              <a:t>Поэтому сейчас этот метод не применяется</a:t>
-            </a:r>
-            <a:r>
-              <a:rPr lang="en-US" dirty="0"/>
-              <a:t>, </a:t>
-            </a:r>
-            <a:r>
-              <a:rPr lang="ru-RU" dirty="0"/>
-              <a:t>а поддержка </a:t>
-            </a:r>
-            <a:r>
-              <a:rPr lang="en-US" dirty="0" err="1"/>
-              <a:t>Prelink</a:t>
-            </a:r>
-            <a:r>
-              <a:rPr lang="en-US" dirty="0"/>
-              <a:t> </a:t>
-            </a:r>
-            <a:r>
-              <a:rPr lang="ru-RU" dirty="0"/>
-              <a:t>даже была удалена в последних версиях </a:t>
-            </a:r>
-            <a:r>
-              <a:rPr lang="en-US" dirty="0"/>
-              <a:t>Glibc.</a:t>
-            </a:r>
-          </a:p>
         </p:txBody>
       </p:sp>
       <p:sp>
@@ -3550,7 +3410,7 @@
           <a:p>
             <a:fld id="{3AC94D10-082F-46D7-A834-266F9222130F}" type="slidenum">
               <a:rPr lang="en-US" smtClean="0"/>
-              <a:t>35</a:t>
+              <a:t>34</a:t>
             </a:fld>
             <a:endParaRPr lang="en-US"/>
           </a:p>
@@ -3559,7 +3419,7 @@
     </p:spTree>
     <p:extLst>
       <p:ext uri="{BB962C8B-B14F-4D97-AF65-F5344CB8AC3E}">
-        <p14:creationId xmlns:p14="http://schemas.microsoft.com/office/powerpoint/2010/main" val="1998125518"/>
+        <p14:creationId xmlns:p14="http://schemas.microsoft.com/office/powerpoint/2010/main" val="3043525197"/>
       </p:ext>
     </p:extLst>
   </p:cSld>
@@ -3615,9 +3475,66 @@
           <a:p>
             <a:r>
               <a:rPr lang="ru-RU" dirty="0"/>
-              <a:t>Обратимся теперь к накладным расходам на связывание символов.</a:t>
+              <a:t>Решение это было реализовано и для </a:t>
+            </a:r>
+            <a:r>
+              <a:rPr lang="en-US" dirty="0"/>
+              <a:t>Windows, </a:t>
+            </a:r>
+            <a:r>
+              <a:rPr lang="ru-RU" dirty="0"/>
+              <a:t>и для </a:t>
+            </a:r>
+            <a:r>
+              <a:rPr lang="en-US" dirty="0"/>
+              <a:t>Linux, </a:t>
+            </a:r>
+            <a:r>
+              <a:rPr lang="ru-RU" dirty="0"/>
+              <a:t>но к сожалению вошло в противоречие с современными требованиями к безопасности, которые заключаются в том, что адрес загрузки </a:t>
+            </a:r>
+            <a:r>
+              <a:rPr lang="en-US" dirty="0"/>
+              <a:t>DLL </a:t>
+            </a:r>
+            <a:r>
+              <a:rPr lang="ru-RU" dirty="0"/>
+              <a:t>должен быть случайным (чтобы не упрощать подбор адресов хакерам).</a:t>
             </a:r>
             <a:endParaRPr lang="en-US" dirty="0"/>
+          </a:p>
+          <a:p>
+            <a:endParaRPr lang="en-US" dirty="0"/>
+          </a:p>
+          <a:p>
+            <a:r>
+              <a:rPr lang="ru-RU" dirty="0"/>
+              <a:t>Поэтому сейчас этот метод не применяется</a:t>
+            </a:r>
+            <a:r>
+              <a:rPr lang="en-US" dirty="0"/>
+              <a:t>, </a:t>
+            </a:r>
+            <a:r>
+              <a:rPr lang="ru-RU" dirty="0"/>
+              <a:t>а поддержка </a:t>
+            </a:r>
+            <a:r>
+              <a:rPr lang="en-US" dirty="0" err="1"/>
+              <a:t>Prelink</a:t>
+            </a:r>
+            <a:r>
+              <a:rPr lang="en-US" dirty="0"/>
+              <a:t> </a:t>
+            </a:r>
+            <a:r>
+              <a:rPr lang="ru-RU" dirty="0"/>
+              <a:t>даже была удалена в последних версиях </a:t>
+            </a:r>
+            <a:r>
+              <a:rPr lang="en-US" dirty="0"/>
+              <a:t>Glibc.</a:t>
+            </a:r>
           </a:p>
         </p:txBody>
       </p:sp>
@@ -3638,7 +3555,7 @@
           <a:p>
             <a:fld id="{3AC94D10-082F-46D7-A834-266F9222130F}" type="slidenum">
               <a:rPr lang="en-US" smtClean="0"/>
-              <a:t>36</a:t>
+              <a:t>35</a:t>
             </a:fld>
             <a:endParaRPr lang="en-US"/>
           </a:p>
@@ -3647,7 +3564,7 @@
     </p:spTree>
     <p:extLst>
       <p:ext uri="{BB962C8B-B14F-4D97-AF65-F5344CB8AC3E}">
-        <p14:creationId xmlns:p14="http://schemas.microsoft.com/office/powerpoint/2010/main" val="3397731765"/>
+        <p14:creationId xmlns:p14="http://schemas.microsoft.com/office/powerpoint/2010/main" val="1998125518"/>
       </p:ext>
     </p:extLst>
   </p:cSld>
@@ -3703,47 +3620,7 @@
           <a:p>
             <a:r>
               <a:rPr lang="ru-RU" dirty="0"/>
-              <a:t>Самый простой подход к связыванию символов</a:t>
-            </a:r>
-            <a:r>
-              <a:rPr lang="en-US" dirty="0"/>
-              <a:t>: </a:t>
-            </a:r>
-            <a:r>
-              <a:rPr lang="ru-RU" dirty="0"/>
-              <a:t>оптимизация размера соответсвующих таблиц поиска. Обычно рекомендуется использовать две опции</a:t>
-            </a:r>
-            <a:r>
-              <a:rPr lang="en-US" dirty="0"/>
-              <a:t>: hash-style </a:t>
-            </a:r>
-            <a:r>
-              <a:rPr lang="ru-RU" dirty="0"/>
-              <a:t>и </a:t>
-            </a:r>
-            <a:r>
-              <a:rPr lang="en-US" dirty="0"/>
-              <a:t>O1. </a:t>
-            </a:r>
-            <a:r>
-              <a:rPr lang="ru-RU" dirty="0"/>
-              <a:t>Первая из них уже по умолчанию включена в современных дистрибутивах (</a:t>
-            </a:r>
-            <a:r>
-              <a:rPr lang="en-US" dirty="0"/>
-              <a:t>RHEL </a:t>
-            </a:r>
-            <a:r>
-              <a:rPr lang="ru-RU" dirty="0"/>
-              <a:t>и </a:t>
-            </a:r>
-            <a:r>
-              <a:rPr lang="en-US" dirty="0"/>
-              <a:t>Ubuntu)</a:t>
-            </a:r>
-            <a:r>
-              <a:rPr lang="ru-RU" dirty="0"/>
-              <a:t>, а вторая по моим замерам не оказывает существенного влияния на производительность.</a:t>
+              <a:t>Обратимся теперь к накладным расходам на связывание символов.</a:t>
             </a:r>
             <a:endParaRPr lang="en-US" dirty="0"/>
           </a:p>
@@ -3766,7 +3643,7 @@
           <a:p>
             <a:fld id="{3AC94D10-082F-46D7-A834-266F9222130F}" type="slidenum">
               <a:rPr lang="en-US" smtClean="0"/>
-              <a:t>37</a:t>
+              <a:t>36</a:t>
             </a:fld>
             <a:endParaRPr lang="en-US"/>
           </a:p>
@@ -3775,7 +3652,7 @@
     </p:spTree>
     <p:extLst>
       <p:ext uri="{BB962C8B-B14F-4D97-AF65-F5344CB8AC3E}">
-        <p14:creationId xmlns:p14="http://schemas.microsoft.com/office/powerpoint/2010/main" val="1118954411"/>
+        <p14:creationId xmlns:p14="http://schemas.microsoft.com/office/powerpoint/2010/main" val="3397731765"/>
       </p:ext>
     </p:extLst>
   </p:cSld>
@@ -3831,32 +3708,19 @@
           <a:p>
             <a:r>
               <a:rPr lang="ru-RU" dirty="0"/>
-              <a:t>Мы уже упоминали что ленивое связывание на </a:t>
-            </a:r>
-            <a:r>
-              <a:rPr lang="en-US" dirty="0"/>
-              <a:t>Linux </a:t>
-            </a:r>
-            <a:r>
-              <a:rPr lang="ru-RU" dirty="0"/>
-              <a:t>добавляет лишний вызов заглушки при вызове библиотечной функции.</a:t>
-            </a:r>
-          </a:p>
-          <a:p>
-            <a:endParaRPr lang="ru-RU" dirty="0"/>
-          </a:p>
-          <a:p>
-            <a:r>
-              <a:rPr lang="ru-RU" dirty="0"/>
-              <a:t>Современные </a:t>
-            </a:r>
-            <a:r>
-              <a:rPr lang="en-US" dirty="0" err="1"/>
-              <a:t>gcc</a:t>
-            </a:r>
-            <a:r>
-              <a:rPr lang="en-US" dirty="0"/>
-              <a:t> </a:t>
+              <a:t>Самый простой подход к связыванию символов</a:t>
+            </a:r>
+            <a:r>
+              <a:rPr lang="en-US" dirty="0"/>
+              <a:t>: </a:t>
+            </a:r>
+            <a:r>
+              <a:rPr lang="ru-RU" dirty="0"/>
+              <a:t>оптимизация размера соответсвующих таблиц поиска. Обычно рекомендуется использовать две опции</a:t>
+            </a:r>
+            <a:r>
+              <a:rPr lang="en-US" dirty="0"/>
+              <a:t>: hash-style </a:t>
             </a:r>
             <a:r>
               <a:rPr lang="ru-RU" dirty="0"/>
@@ -3864,77 +3728,37 @@
             </a:r>
             <a:r>
               <a:rPr lang="en-US" dirty="0"/>
-              <a:t>clang </a:t>
-            </a:r>
-            <a:r>
-              <a:rPr lang="ru-RU" dirty="0"/>
-              <a:t>позволяют избежать этого с помощью специальной опции компиляции</a:t>
-            </a:r>
-            <a:r>
-              <a:rPr lang="en-US" dirty="0"/>
-              <a:t> –</a:t>
-            </a:r>
-            <a:r>
-              <a:rPr lang="en-US" dirty="0" err="1"/>
-              <a:t>fno-plt</a:t>
-            </a:r>
-            <a:r>
-              <a:rPr lang="en-US" dirty="0"/>
-              <a:t>.</a:t>
-            </a:r>
-          </a:p>
-          <a:p>
+              <a:t>O1. </a:t>
+            </a:r>
+            <a:r>
+              <a:rPr lang="ru-RU" dirty="0"/>
+              <a:t>Первая из них уже по умолчанию включена в современных дистрибутивах (</a:t>
+            </a:r>
+            <a:r>
+              <a:rPr lang="en-US" dirty="0"/>
+              <a:t>RHEL </a:t>
+            </a:r>
+            <a:r>
+              <a:rPr lang="ru-RU" dirty="0"/>
+              <a:t>и </a:t>
+            </a:r>
+            <a:r>
+              <a:rPr lang="en-US" dirty="0"/>
+              <a:t>Ubuntu)</a:t>
+            </a:r>
+            <a:r>
+              <a:rPr lang="ru-RU" dirty="0"/>
+              <a:t>, а вторая по моим замерам не оказывает существенного влияния на производительность.</a:t>
+            </a:r>
             <a:endParaRPr lang="en-US" dirty="0"/>
           </a:p>
           <a:p>
-            <a:r>
-              <a:rPr lang="ru-RU" dirty="0"/>
-              <a:t>Её использование замедлит загрузку </a:t>
-            </a:r>
-            <a:r>
-              <a:rPr lang="en-US" dirty="0"/>
-              <a:t>DLL</a:t>
-            </a:r>
-            <a:r>
-              <a:rPr lang="ru-RU" dirty="0"/>
-              <a:t>, т.к. теперь все функции потребуется разрешить и связать на старте программы, но с другой стороны ускорит работу программы в дальнейшем, т.к. избавится от </a:t>
-            </a:r>
-            <a:r>
-              <a:rPr lang="en-US" dirty="0"/>
-              <a:t>PLT-</a:t>
-            </a:r>
-            <a:r>
-              <a:rPr lang="ru-RU" dirty="0"/>
-              <a:t>заглушки</a:t>
-            </a:r>
-            <a:r>
-              <a:rPr lang="en-US" dirty="0"/>
-              <a:t>.</a:t>
-            </a:r>
-          </a:p>
-          <a:p>
             <a:endParaRPr lang="en-US" dirty="0"/>
           </a:p>
           <a:p>
             <a:r>
               <a:rPr lang="ru-RU" dirty="0"/>
-              <a:t>Также этот флаг позволит загружать адрес функции из таблицы </a:t>
-            </a:r>
-            <a:r>
-              <a:rPr lang="en-US" dirty="0"/>
-              <a:t>GOT </a:t>
-            </a:r>
-            <a:r>
-              <a:rPr lang="ru-RU" dirty="0"/>
-              <a:t>только один раз на несколько вызовов одной и той же функции</a:t>
-            </a:r>
-            <a:r>
-              <a:rPr lang="en-US" dirty="0"/>
-              <a:t>, </a:t>
-            </a:r>
-            <a:r>
-              <a:rPr lang="ru-RU" dirty="0"/>
-              <a:t>т.е. сократит количество обращений в память.</a:t>
+              <a:t>Резюмируя данный слайд можно сказать что дефолтные настройки тулчейнов в данном контексте оптимальны.</a:t>
             </a:r>
             <a:endParaRPr lang="en-US" dirty="0"/>
           </a:p>
@@ -3957,7 +3781,7 @@
           <a:p>
             <a:fld id="{3AC94D10-082F-46D7-A834-266F9222130F}" type="slidenum">
               <a:rPr lang="en-US" smtClean="0"/>
-              <a:t>38</a:t>
+              <a:t>37</a:t>
             </a:fld>
             <a:endParaRPr lang="en-US"/>
           </a:p>
@@ -3966,7 +3790,7 @@
     </p:spTree>
     <p:extLst>
       <p:ext uri="{BB962C8B-B14F-4D97-AF65-F5344CB8AC3E}">
-        <p14:creationId xmlns:p14="http://schemas.microsoft.com/office/powerpoint/2010/main" val="305821099"/>
+        <p14:creationId xmlns:p14="http://schemas.microsoft.com/office/powerpoint/2010/main" val="1118954411"/>
       </p:ext>
     </p:extLst>
   </p:cSld>
@@ -4020,6 +3844,113 @@
           <a:bodyPr/>
           <a:lstStyle/>
           <a:p>
+            <a:r>
+              <a:rPr lang="ru-RU" dirty="0"/>
+              <a:t>Мы уже упоминали что ленивое связывание на </a:t>
+            </a:r>
+            <a:r>
+              <a:rPr lang="en-US" dirty="0"/>
+              <a:t>Linux </a:t>
+            </a:r>
+            <a:r>
+              <a:rPr lang="ru-RU" dirty="0"/>
+              <a:t>добавляет лишний вызов заглушки при вызове библиотечной функции.</a:t>
+            </a:r>
+          </a:p>
+          <a:p>
+            <a:endParaRPr lang="ru-RU" dirty="0"/>
+          </a:p>
+          <a:p>
+            <a:r>
+              <a:rPr lang="ru-RU" dirty="0"/>
+              <a:t>Современные </a:t>
+            </a:r>
+            <a:r>
+              <a:rPr lang="en-US" dirty="0" err="1"/>
+              <a:t>gcc</a:t>
+            </a:r>
+            <a:r>
+              <a:rPr lang="en-US" dirty="0"/>
+              <a:t> </a:t>
+            </a:r>
+            <a:r>
+              <a:rPr lang="ru-RU" dirty="0"/>
+              <a:t>и </a:t>
+            </a:r>
+            <a:r>
+              <a:rPr lang="en-US" dirty="0"/>
+              <a:t>clang </a:t>
+            </a:r>
+            <a:r>
+              <a:rPr lang="ru-RU" dirty="0"/>
+              <a:t>позволяют избежать этого с помощью специальной опции компиляции</a:t>
+            </a:r>
+            <a:r>
+              <a:rPr lang="en-US" dirty="0"/>
+              <a:t> –</a:t>
+            </a:r>
+            <a:r>
+              <a:rPr lang="en-US" dirty="0" err="1"/>
+              <a:t>fno-plt</a:t>
+            </a:r>
+            <a:r>
+              <a:rPr lang="en-US" dirty="0"/>
+              <a:t>.</a:t>
+            </a:r>
+          </a:p>
+          <a:p>
+            <a:endParaRPr lang="en-US" dirty="0"/>
+          </a:p>
+          <a:p>
+            <a:r>
+              <a:rPr lang="ru-RU" dirty="0"/>
+              <a:t>Её использование замедлит загрузку </a:t>
+            </a:r>
+            <a:r>
+              <a:rPr lang="en-US" dirty="0"/>
+              <a:t>DLL</a:t>
+            </a:r>
+            <a:r>
+              <a:rPr lang="ru-RU" dirty="0"/>
+              <a:t>, т.к. теперь все функции потребуется разрешить и связать на старте программы, но с другой стороны ускорит работу программы в дальнейшем, т.к. избавится от </a:t>
+            </a:r>
+            <a:r>
+              <a:rPr lang="en-US" dirty="0"/>
+              <a:t>PLT-</a:t>
+            </a:r>
+            <a:r>
+              <a:rPr lang="ru-RU" dirty="0"/>
+              <a:t>заглушки</a:t>
+            </a:r>
+            <a:r>
+              <a:rPr lang="en-US" dirty="0"/>
+              <a:t>.</a:t>
+            </a:r>
+          </a:p>
+          <a:p>
+            <a:endParaRPr lang="en-US" dirty="0"/>
+          </a:p>
+          <a:p>
+            <a:r>
+              <a:rPr lang="ru-RU" dirty="0"/>
+              <a:t>Также этот флаг позволит загружать адрес функции из таблицы </a:t>
+            </a:r>
+            <a:r>
+              <a:rPr lang="en-US" dirty="0"/>
+              <a:t>GOT </a:t>
+            </a:r>
+            <a:r>
+              <a:rPr lang="ru-RU" dirty="0"/>
+              <a:t>только один раз на несколько вызовов одной и той же функции</a:t>
+            </a:r>
+            <a:r>
+              <a:rPr lang="en-US" dirty="0"/>
+              <a:t>, </a:t>
+            </a:r>
+            <a:r>
+              <a:rPr lang="ru-RU" dirty="0"/>
+              <a:t>т.е. сократит количество обращений в память.</a:t>
+            </a:r>
             <a:endParaRPr lang="en-US" dirty="0"/>
           </a:p>
         </p:txBody>
@@ -4041,7 +3972,7 @@
           <a:p>
             <a:fld id="{3AC94D10-082F-46D7-A834-266F9222130F}" type="slidenum">
               <a:rPr lang="en-US" smtClean="0"/>
-              <a:t>39</a:t>
+              <a:t>38</a:t>
             </a:fld>
             <a:endParaRPr lang="en-US"/>
           </a:p>
@@ -4050,7 +3981,7 @@
     </p:spTree>
     <p:extLst>
       <p:ext uri="{BB962C8B-B14F-4D97-AF65-F5344CB8AC3E}">
-        <p14:creationId xmlns:p14="http://schemas.microsoft.com/office/powerpoint/2010/main" val="3696372151"/>
+        <p14:creationId xmlns:p14="http://schemas.microsoft.com/office/powerpoint/2010/main" val="305821099"/>
       </p:ext>
     </p:extLst>
   </p:cSld>
@@ -4125,7 +4056,7 @@
           <a:p>
             <a:fld id="{3AC94D10-082F-46D7-A834-266F9222130F}" type="slidenum">
               <a:rPr lang="en-US" smtClean="0"/>
-              <a:t>40</a:t>
+              <a:t>39</a:t>
             </a:fld>
             <a:endParaRPr lang="en-US"/>
           </a:p>
@@ -4134,7 +4065,7 @@
     </p:spTree>
     <p:extLst>
       <p:ext uri="{BB962C8B-B14F-4D97-AF65-F5344CB8AC3E}">
-        <p14:creationId xmlns:p14="http://schemas.microsoft.com/office/powerpoint/2010/main" val="1863594613"/>
+        <p14:creationId xmlns:p14="http://schemas.microsoft.com/office/powerpoint/2010/main" val="3696372151"/>
       </p:ext>
     </p:extLst>
   </p:cSld>
@@ -4188,24 +4119,7 @@
           <a:bodyPr/>
           <a:lstStyle/>
           <a:p>
-            <a:r>
-              <a:rPr lang="ru-RU" dirty="0"/>
-              <a:t>Перейдём наконец к последнему пункту в списке накладных расходов. А именно рассмотрим как можно ускорить косвенные вызовы библиотечных функций.</a:t>
-            </a:r>
             <a:endParaRPr lang="en-US" dirty="0"/>
-          </a:p>
-          <a:p>
-            <a:endParaRPr lang="en-US" dirty="0"/>
-          </a:p>
-          <a:p>
-            <a:r>
-              <a:rPr lang="ru-RU" dirty="0"/>
-              <a:t>Эта часть в основном будет посвящена </a:t>
-            </a:r>
-            <a:r>
-              <a:rPr lang="en-US" dirty="0"/>
-              <a:t>Linux.</a:t>
-            </a:r>
           </a:p>
         </p:txBody>
       </p:sp>
@@ -4226,7 +4140,7 @@
           <a:p>
             <a:fld id="{3AC94D10-082F-46D7-A834-266F9222130F}" type="slidenum">
               <a:rPr lang="en-US" smtClean="0"/>
-              <a:t>41</a:t>
+              <a:t>40</a:t>
             </a:fld>
             <a:endParaRPr lang="en-US"/>
           </a:p>
@@ -4235,7 +4149,7 @@
     </p:spTree>
     <p:extLst>
       <p:ext uri="{BB962C8B-B14F-4D97-AF65-F5344CB8AC3E}">
-        <p14:creationId xmlns:p14="http://schemas.microsoft.com/office/powerpoint/2010/main" val="3270444806"/>
+        <p14:creationId xmlns:p14="http://schemas.microsoft.com/office/powerpoint/2010/main" val="1863594613"/>
       </p:ext>
     </p:extLst>
   </p:cSld>
@@ -4291,52 +4205,22 @@
           <a:p>
             <a:r>
               <a:rPr lang="ru-RU" dirty="0"/>
-              <a:t>Дело в том что на </a:t>
-            </a:r>
-            <a:r>
-              <a:rPr lang="en-US" dirty="0"/>
-              <a:t>Linux </a:t>
-            </a:r>
-            <a:r>
-              <a:rPr lang="ru-RU" dirty="0"/>
-              <a:t>все функции по умолчанию являются экспортируемыми (для того чтобы </a:t>
-            </a:r>
-            <a:r>
-              <a:rPr lang="en-US" dirty="0"/>
-              <a:t>DLL </a:t>
-            </a:r>
-            <a:r>
-              <a:rPr lang="ru-RU" dirty="0"/>
-              <a:t>были более похожи на статические библиотеки).</a:t>
+              <a:t>Перейдём наконец к последнему пункту в списке накладных расходов. А именно рассмотрим как можно ускорить вызовы библиотечных функций.</a:t>
             </a:r>
             <a:endParaRPr lang="en-US" dirty="0"/>
           </a:p>
           <a:p>
-            <a:endParaRPr lang="ru-RU" dirty="0"/>
-          </a:p>
-          <a:p>
-            <a:r>
-              <a:rPr lang="ru-RU" dirty="0"/>
-              <a:t>Это приводит к тому что вызовы функций даже внутри библиотеки делаются не напрямую, а через таблицу диспетчеризации, с соответствующими накладными расходами</a:t>
-            </a:r>
-            <a:r>
-              <a:rPr lang="en-US" dirty="0"/>
-              <a:t> </a:t>
-            </a:r>
-            <a:r>
-              <a:rPr lang="ru-RU" dirty="0"/>
-              <a:t>на косвенные вызовы.</a:t>
-            </a:r>
-          </a:p>
-          <a:p>
-            <a:endParaRPr lang="ru-RU" dirty="0"/>
-          </a:p>
-          <a:p>
-            <a:r>
-              <a:rPr lang="ru-RU" dirty="0"/>
-              <a:t>Кроме того из-за того что функции экспортируются возникает возможность их перехвата и компилятору приходится это учитывать и существенно ограничивать оптимизации.</a:t>
-            </a:r>
             <a:endParaRPr lang="en-US" dirty="0"/>
+          </a:p>
+          <a:p>
+            <a:r>
+              <a:rPr lang="ru-RU" dirty="0"/>
+              <a:t>Эта часть в основном будет посвящена </a:t>
+            </a:r>
+            <a:r>
+              <a:rPr lang="en-US" dirty="0"/>
+              <a:t>Linux.</a:t>
+            </a:r>
           </a:p>
         </p:txBody>
       </p:sp>
@@ -4357,7 +4241,7 @@
           <a:p>
             <a:fld id="{3AC94D10-082F-46D7-A834-266F9222130F}" type="slidenum">
               <a:rPr lang="en-US" smtClean="0"/>
-              <a:t>42</a:t>
+              <a:t>41</a:t>
             </a:fld>
             <a:endParaRPr lang="en-US"/>
           </a:p>
@@ -4366,7 +4250,7 @@
     </p:spTree>
     <p:extLst>
       <p:ext uri="{BB962C8B-B14F-4D97-AF65-F5344CB8AC3E}">
-        <p14:creationId xmlns:p14="http://schemas.microsoft.com/office/powerpoint/2010/main" val="1185757282"/>
+        <p14:creationId xmlns:p14="http://schemas.microsoft.com/office/powerpoint/2010/main" val="3270444806"/>
       </p:ext>
     </p:extLst>
   </p:cSld>
@@ -4559,15 +4443,33 @@
           <a:p>
             <a:r>
               <a:rPr lang="ru-RU" dirty="0"/>
-              <a:t>На данном слайде можно видеть пример отмены оптимизации</a:t>
-            </a:r>
-            <a:r>
-              <a:rPr lang="en-US" dirty="0"/>
-              <a:t>: </a:t>
-            </a:r>
-            <a:r>
-              <a:rPr lang="ru-RU" dirty="0"/>
-              <a:t>компилятор не может</a:t>
+              <a:t>Дело в том что на </a:t>
+            </a:r>
+            <a:r>
+              <a:rPr lang="en-US" dirty="0"/>
+              <a:t>Linux </a:t>
+            </a:r>
+            <a:r>
+              <a:rPr lang="ru-RU" dirty="0"/>
+              <a:t>все библиотечные функции по умолчанию являются экспортируемыми (для того чтобы </a:t>
+            </a:r>
+            <a:r>
+              <a:rPr lang="en-US" dirty="0"/>
+              <a:t>DLL </a:t>
+            </a:r>
+            <a:r>
+              <a:rPr lang="ru-RU" dirty="0"/>
+              <a:t>были более похожи на статические библиотеки).</a:t>
+            </a:r>
+            <a:endParaRPr lang="en-US" dirty="0"/>
+          </a:p>
+          <a:p>
+            <a:endParaRPr lang="ru-RU" dirty="0"/>
+          </a:p>
+          <a:p>
+            <a:r>
+              <a:rPr lang="ru-RU" dirty="0"/>
+              <a:t>Это приводит к тому что вызовы функций даже внутри библиотеки делаются не напрямую, а через таблицу диспетчеризации, с соответствующими накладными расходами</a:t>
             </a:r>
             <a:r>
               <a:rPr lang="en-US" dirty="0"/>
@@ -4575,39 +4477,16 @@
             </a:r>
             <a:r>
               <a:rPr lang="ru-RU" dirty="0"/>
-              <a:t>встроить вызов </a:t>
-            </a:r>
-            <a:r>
-              <a:rPr lang="en-US" dirty="0"/>
-              <a:t>foo </a:t>
-            </a:r>
-            <a:r>
-              <a:rPr lang="ru-RU" dirty="0"/>
-              <a:t>в </a:t>
-            </a:r>
-            <a:r>
-              <a:rPr lang="en-US" dirty="0"/>
-              <a:t>bar </a:t>
-            </a:r>
-            <a:r>
-              <a:rPr lang="ru-RU" dirty="0"/>
-              <a:t>из-за того что </a:t>
-            </a:r>
-            <a:r>
-              <a:rPr lang="en-US" dirty="0"/>
-              <a:t>foo </a:t>
-            </a:r>
-            <a:r>
-              <a:rPr lang="ru-RU" dirty="0"/>
-              <a:t>может быть перехвачена в рантайме</a:t>
-            </a:r>
-            <a:r>
-              <a:rPr lang="en-US" dirty="0"/>
-              <a:t> (</a:t>
-            </a:r>
-            <a:r>
-              <a:rPr lang="ru-RU" dirty="0"/>
-              <a:t>и соответственно её семантика может быть изменена).</a:t>
+              <a:t>на косвенные вызовы.</a:t>
+            </a:r>
+          </a:p>
+          <a:p>
+            <a:endParaRPr lang="ru-RU" dirty="0"/>
+          </a:p>
+          <a:p>
+            <a:r>
+              <a:rPr lang="ru-RU" dirty="0"/>
+              <a:t>Кроме того из-за того что функции экспортируются возникает возможность их перехвата и компилятору приходится это учитывать и существенно ограничивать оптимизации.</a:t>
             </a:r>
             <a:endParaRPr lang="en-US" dirty="0"/>
           </a:p>
@@ -4630,7 +4509,7 @@
           <a:p>
             <a:fld id="{3AC94D10-082F-46D7-A834-266F9222130F}" type="slidenum">
               <a:rPr lang="en-US" smtClean="0"/>
-              <a:t>43</a:t>
+              <a:t>42</a:t>
             </a:fld>
             <a:endParaRPr lang="en-US"/>
           </a:p>
@@ -4639,7 +4518,7 @@
     </p:spTree>
     <p:extLst>
       <p:ext uri="{BB962C8B-B14F-4D97-AF65-F5344CB8AC3E}">
-        <p14:creationId xmlns:p14="http://schemas.microsoft.com/office/powerpoint/2010/main" val="2752840744"/>
+        <p14:creationId xmlns:p14="http://schemas.microsoft.com/office/powerpoint/2010/main" val="1185757282"/>
       </p:ext>
     </p:extLst>
   </p:cSld>
@@ -4695,16 +4574,7 @@
           <a:p>
             <a:r>
               <a:rPr lang="ru-RU" dirty="0"/>
-              <a:t>Бороться с таким неэффективным поведением можно несколькими способами.</a:t>
-            </a:r>
-          </a:p>
-          <a:p>
-            <a:endParaRPr lang="ru-RU" dirty="0"/>
-          </a:p>
-          <a:p>
-            <a:r>
-              <a:rPr lang="ru-RU" dirty="0"/>
-              <a:t>Во-первых есть специальные флаги компиляции</a:t>
+              <a:t>На данном слайде можно видеть пример отмены оптимизации</a:t>
             </a:r>
             <a:r>
               <a:rPr lang="en-US" dirty="0"/>
@@ -4712,53 +4582,47 @@
             </a:r>
             <a:r>
               <a:rPr lang="ru-RU" dirty="0"/>
-              <a:t>один, </a:t>
-            </a:r>
-            <a:r>
-              <a:rPr lang="en-US" dirty="0"/>
-              <a:t>-</a:t>
-            </a:r>
-            <a:r>
-              <a:rPr lang="en-US" dirty="0" err="1"/>
-              <a:t>Bsymbolic</a:t>
-            </a:r>
-            <a:r>
-              <a:rPr lang="ru-RU" dirty="0"/>
-              <a:t>, для линковки, чтобы вместо косвенных вызовы внутренних функций </a:t>
-            </a:r>
-            <a:r>
-              <a:rPr lang="en-US" dirty="0"/>
-              <a:t>DLL </a:t>
-            </a:r>
-            <a:r>
-              <a:rPr lang="ru-RU" dirty="0"/>
-              <a:t>использовать прямые. А второй</a:t>
-            </a:r>
-            <a:r>
-              <a:rPr lang="en-US" dirty="0"/>
-              <a:t>, -</a:t>
-            </a:r>
-            <a:r>
-              <a:rPr lang="en-US" dirty="0" err="1"/>
-              <a:t>fno</a:t>
-            </a:r>
-            <a:r>
-              <a:rPr lang="en-US" dirty="0"/>
-              <a:t>-semantic-interposition, </a:t>
-            </a:r>
-            <a:r>
-              <a:rPr lang="ru-RU" dirty="0"/>
-              <a:t>чтобы позволить компилятору при оптимизации игнорировать возможность перехвата функций.</a:t>
-            </a:r>
-            <a:endParaRPr lang="en-US" dirty="0"/>
-          </a:p>
-          <a:p>
-            <a:endParaRPr lang="en-US" dirty="0"/>
-          </a:p>
-          <a:p>
-            <a:r>
-              <a:rPr lang="ru-RU" dirty="0"/>
-              <a:t>Для оптимальной производительности требуется включить оба флага.</a:t>
+              <a:t>компилятор не может</a:t>
+            </a:r>
+            <a:r>
+              <a:rPr lang="en-US" dirty="0"/>
+              <a:t> </a:t>
+            </a:r>
+            <a:r>
+              <a:rPr lang="ru-RU" dirty="0"/>
+              <a:t>встроить вызов </a:t>
+            </a:r>
+            <a:r>
+              <a:rPr lang="en-US" dirty="0"/>
+              <a:t>foo </a:t>
+            </a:r>
+            <a:r>
+              <a:rPr lang="ru-RU" dirty="0"/>
+              <a:t>в </a:t>
+            </a:r>
+            <a:r>
+              <a:rPr lang="en-US" dirty="0"/>
+              <a:t>bar </a:t>
+            </a:r>
+            <a:r>
+              <a:rPr lang="ru-RU" dirty="0"/>
+              <a:t>из-за того что </a:t>
+            </a:r>
+            <a:r>
+              <a:rPr lang="en-US" dirty="0"/>
+              <a:t>foo </a:t>
+            </a:r>
+            <a:r>
+              <a:rPr lang="ru-RU" dirty="0"/>
+              <a:t>может быть перехвачена в рантайме</a:t>
+            </a:r>
+            <a:r>
+              <a:rPr lang="en-US" dirty="0"/>
+              <a:t> (</a:t>
+            </a:r>
+            <a:r>
+              <a:rPr lang="ru-RU" dirty="0"/>
+              <a:t>и соответственно её семантика может быть изменена).</a:t>
             </a:r>
             <a:endParaRPr lang="en-US" dirty="0"/>
           </a:p>
@@ -4781,7 +4645,7 @@
           <a:p>
             <a:fld id="{3AC94D10-082F-46D7-A834-266F9222130F}" type="slidenum">
               <a:rPr lang="en-US" smtClean="0"/>
-              <a:t>44</a:t>
+              <a:t>43</a:t>
             </a:fld>
             <a:endParaRPr lang="en-US"/>
           </a:p>
@@ -4790,7 +4654,7 @@
     </p:spTree>
     <p:extLst>
       <p:ext uri="{BB962C8B-B14F-4D97-AF65-F5344CB8AC3E}">
-        <p14:creationId xmlns:p14="http://schemas.microsoft.com/office/powerpoint/2010/main" val="3733641060"/>
+        <p14:creationId xmlns:p14="http://schemas.microsoft.com/office/powerpoint/2010/main" val="2752840744"/>
       </p:ext>
     </p:extLst>
   </p:cSld>
@@ -4846,7 +4710,7 @@
           <a:p>
             <a:r>
               <a:rPr lang="ru-RU" dirty="0"/>
-              <a:t>Помимо использования флагов есть второй, более традиционный способ, который заключается в сокращении интерфейса библиотеки, т.е. уменьшении количества функций, которые она экспортирует.</a:t>
+              <a:t>Бороться с таким неэффективным поведением можно несколькими способами.</a:t>
             </a:r>
           </a:p>
           <a:p>
@@ -4855,39 +4719,51 @@
           <a:p>
             <a:r>
               <a:rPr lang="ru-RU" dirty="0"/>
-              <a:t>Суть его заключается в том, что мы явно помечаем экспортируемые функции специальным атрибутом </a:t>
-            </a:r>
-            <a:r>
-              <a:rPr lang="en-US" dirty="0"/>
-              <a:t>visibility</a:t>
-            </a:r>
-            <a:r>
-              <a:rPr lang="ru-RU" dirty="0"/>
-              <a:t>, а все остальные символы делаем внутренними</a:t>
-            </a:r>
-            <a:r>
-              <a:rPr lang="en-US" dirty="0"/>
-              <a:t> </a:t>
-            </a:r>
-            <a:r>
-              <a:rPr lang="ru-RU" dirty="0"/>
-              <a:t>с помощью флага. Соответственно для всех скрытых, неэкспортируемых символов </a:t>
-            </a:r>
-            <a:r>
-              <a:rPr lang="en-US" dirty="0"/>
-              <a:t>(</a:t>
-            </a:r>
-            <a:r>
-              <a:rPr lang="ru-RU" dirty="0"/>
-              <a:t>которых гораздо больше</a:t>
-            </a:r>
-            <a:r>
-              <a:rPr lang="en-US" dirty="0"/>
-              <a:t>) </a:t>
-            </a:r>
-            <a:r>
-              <a:rPr lang="ru-RU" dirty="0"/>
-              <a:t>компилятор сможет применять более агрессивные оптимизации и при генерации кода использовать прямые вызовы.</a:t>
+              <a:t>Во-первых есть специальные флаги компиляции</a:t>
+            </a:r>
+            <a:r>
+              <a:rPr lang="en-US" dirty="0"/>
+              <a:t>: </a:t>
+            </a:r>
+            <a:r>
+              <a:rPr lang="ru-RU" dirty="0"/>
+              <a:t>один, </a:t>
+            </a:r>
+            <a:r>
+              <a:rPr lang="en-US" dirty="0"/>
+              <a:t>-</a:t>
+            </a:r>
+            <a:r>
+              <a:rPr lang="en-US" dirty="0" err="1"/>
+              <a:t>Bsymbolic</a:t>
+            </a:r>
+            <a:r>
+              <a:rPr lang="ru-RU" dirty="0"/>
+              <a:t>, для линковки, чтобы вместо косвенных вызовы внутренних функций </a:t>
+            </a:r>
+            <a:r>
+              <a:rPr lang="en-US" dirty="0"/>
+              <a:t>DLL </a:t>
+            </a:r>
+            <a:r>
+              <a:rPr lang="ru-RU" dirty="0"/>
+              <a:t>использовать прямые. А второй</a:t>
+            </a:r>
+            <a:r>
+              <a:rPr lang="en-US" dirty="0"/>
+              <a:t>, -</a:t>
+            </a:r>
+            <a:r>
+              <a:rPr lang="en-US" dirty="0" err="1"/>
+              <a:t>fno</a:t>
+            </a:r>
+            <a:r>
+              <a:rPr lang="en-US" dirty="0"/>
+              <a:t>-semantic-interposition, </a:t>
+            </a:r>
+            <a:r>
+              <a:rPr lang="ru-RU" dirty="0"/>
+              <a:t>чтобы позволить компилятору при оптимизации игнорировать возможность перехвата функций.</a:t>
             </a:r>
             <a:endParaRPr lang="en-US" dirty="0"/>
           </a:p>
@@ -4897,15 +4773,7 @@
           <a:p>
             <a:r>
               <a:rPr lang="ru-RU" dirty="0"/>
-              <a:t>Помимо оптимизации у этого подхода есть ещё одно преимущество</a:t>
-            </a:r>
-            <a:r>
-              <a:rPr lang="en-US" dirty="0"/>
-              <a:t>: </a:t>
-            </a:r>
-            <a:r>
-              <a:rPr lang="ru-RU" dirty="0"/>
-              <a:t>мы скрываем от пользователя внутренние детали реализации библиотеки и не даём возможности использовать её недокументированным образом.</a:t>
+              <a:t>Для оптимальной производительности требуется включить оба флага.</a:t>
             </a:r>
             <a:endParaRPr lang="en-US" dirty="0"/>
           </a:p>
@@ -4928,7 +4796,7 @@
           <a:p>
             <a:fld id="{3AC94D10-082F-46D7-A834-266F9222130F}" type="slidenum">
               <a:rPr lang="en-US" smtClean="0"/>
-              <a:t>46</a:t>
+              <a:t>44</a:t>
             </a:fld>
             <a:endParaRPr lang="en-US"/>
           </a:p>
@@ -4937,7 +4805,7 @@
     </p:spTree>
     <p:extLst>
       <p:ext uri="{BB962C8B-B14F-4D97-AF65-F5344CB8AC3E}">
-        <p14:creationId xmlns:p14="http://schemas.microsoft.com/office/powerpoint/2010/main" val="1530341260"/>
+        <p14:creationId xmlns:p14="http://schemas.microsoft.com/office/powerpoint/2010/main" val="3733641060"/>
       </p:ext>
     </p:extLst>
   </p:cSld>
@@ -4993,15 +4861,7 @@
           <a:p>
             <a:r>
               <a:rPr lang="ru-RU" dirty="0"/>
-              <a:t>Если вы захотите применить оптимизацию сокрытия символов к большой кодовой базе, например к дистрибутиву </a:t>
-            </a:r>
-            <a:r>
-              <a:rPr lang="en-US" dirty="0"/>
-              <a:t>Linux, </a:t>
-            </a:r>
-            <a:r>
-              <a:rPr lang="ru-RU" dirty="0"/>
-              <a:t>то придётся анализировать по очереди каждую библиотеку вручную на предмет того экспортируются ли из неё ненужные символы и если да, то какие.</a:t>
+              <a:t>Помимо использования флагов есть второй, более традиционный способ, который заключается в сокращении интерфейса библиотеки, т.е. уменьшении количества функций, которые она экспортирует.</a:t>
             </a:r>
           </a:p>
           <a:p>
@@ -5010,11 +4870,15 @@
           <a:p>
             <a:r>
               <a:rPr lang="ru-RU" dirty="0"/>
-              <a:t>Эту задачу можно упростить с помощью автоматизации. Утилита </a:t>
-            </a:r>
-            <a:r>
-              <a:rPr lang="en-US" dirty="0" err="1"/>
-              <a:t>ShlibVisibilityChecker</a:t>
+              <a:t>Суть его заключается в том, что мы явно помечаем экспортируемые функции специальным атрибутом </a:t>
+            </a:r>
+            <a:r>
+              <a:rPr lang="en-US" dirty="0"/>
+              <a:t>visibility</a:t>
+            </a:r>
+            <a:r>
+              <a:rPr lang="ru-RU" dirty="0"/>
+              <a:t>, а все остальные символы делаем внутренними</a:t>
             </a:r>
             <a:r>
               <a:rPr lang="en-US" dirty="0"/>
@@ -5022,53 +4886,49 @@
             </a:r>
             <a:r>
               <a:rPr lang="ru-RU" dirty="0"/>
-              <a:t>по бинарному файлу библиотеки</a:t>
-            </a:r>
-            <a:r>
-              <a:rPr lang="en-US" dirty="0"/>
-              <a:t> </a:t>
-            </a:r>
-            <a:r>
-              <a:rPr lang="ru-RU" dirty="0"/>
-              <a:t>и заголовочному файлу скажет какие символы нужно скрыть. Я успешно применял эту утилиту для поиска проблемных библиотек в </a:t>
-            </a:r>
-            <a:r>
-              <a:rPr lang="en-US" dirty="0"/>
-              <a:t>Ubuntu.</a:t>
-            </a:r>
-            <a:endParaRPr lang="ru-RU" dirty="0"/>
-          </a:p>
-          <a:p>
-            <a:endParaRPr lang="ru-RU" dirty="0"/>
-          </a:p>
-          <a:p>
-            <a:r>
-              <a:rPr lang="ru-RU" dirty="0"/>
-              <a:t>На слайде приведён пример анализа популярной библиотеки</a:t>
-            </a:r>
-            <a:r>
-              <a:rPr lang="en-US" dirty="0"/>
-              <a:t> </a:t>
-            </a:r>
-            <a:r>
-              <a:rPr lang="en-US" dirty="0" err="1"/>
-              <a:t>libgmp</a:t>
-            </a:r>
-            <a:r>
-              <a:rPr lang="en-US" dirty="0"/>
-              <a:t> </a:t>
-            </a:r>
-            <a:r>
-              <a:rPr lang="ru-RU" dirty="0"/>
-              <a:t>для вычислений произвольной точности.</a:t>
-            </a:r>
-            <a:r>
-              <a:rPr lang="en-US" dirty="0"/>
-              <a:t> </a:t>
-            </a:r>
-            <a:r>
-              <a:rPr lang="ru-RU" dirty="0"/>
-              <a:t>Можно видеть что библиотека экспортирует большое количество ненужных символов.</a:t>
+              <a:t>с помощью флага. Соответственно для всех скрытых, неэкспортируемых функций </a:t>
+            </a:r>
+            <a:r>
+              <a:rPr lang="en-US" dirty="0"/>
+              <a:t>(</a:t>
+            </a:r>
+            <a:r>
+              <a:rPr lang="ru-RU" dirty="0"/>
+              <a:t>которых гораздо больше</a:t>
+            </a:r>
+            <a:r>
+              <a:rPr lang="en-US" dirty="0"/>
+              <a:t>) </a:t>
+            </a:r>
+            <a:r>
+              <a:rPr lang="ru-RU" dirty="0"/>
+              <a:t>компилятор сможет применять более агрессивные оптимизации и при генерации кода использовать прямые вызовы</a:t>
+            </a:r>
+            <a:r>
+              <a:rPr lang="en-US" dirty="0"/>
+              <a:t> (</a:t>
+            </a:r>
+            <a:r>
+              <a:rPr lang="ru-RU" dirty="0"/>
+              <a:t>вместо косвенных).</a:t>
+            </a:r>
+            <a:endParaRPr lang="en-US" dirty="0"/>
+          </a:p>
+          <a:p>
+            <a:endParaRPr lang="en-US" dirty="0"/>
+          </a:p>
+          <a:p>
+            <a:r>
+              <a:rPr lang="ru-RU" dirty="0"/>
+              <a:t>Помимо оптимизации у этого подхода есть ещё одно преимущество</a:t>
+            </a:r>
+            <a:r>
+              <a:rPr lang="en-US" dirty="0"/>
+              <a:t>: </a:t>
+            </a:r>
+            <a:r>
+              <a:rPr lang="ru-RU" dirty="0"/>
+              <a:t>мы скрываем от пользователя внутренние детали реализации библиотеки и не даём возможности использовать её недокументированным образом.</a:t>
             </a:r>
             <a:endParaRPr lang="en-US" dirty="0"/>
           </a:p>
@@ -5091,7 +4951,7 @@
           <a:p>
             <a:fld id="{3AC94D10-082F-46D7-A834-266F9222130F}" type="slidenum">
               <a:rPr lang="en-US" smtClean="0"/>
-              <a:t>47</a:t>
+              <a:t>46</a:t>
             </a:fld>
             <a:endParaRPr lang="en-US"/>
           </a:p>
@@ -5100,7 +4960,7 @@
     </p:spTree>
     <p:extLst>
       <p:ext uri="{BB962C8B-B14F-4D97-AF65-F5344CB8AC3E}">
-        <p14:creationId xmlns:p14="http://schemas.microsoft.com/office/powerpoint/2010/main" val="3687863370"/>
+        <p14:creationId xmlns:p14="http://schemas.microsoft.com/office/powerpoint/2010/main" val="1530341260"/>
       </p:ext>
     </p:extLst>
   </p:cSld>
@@ -5164,7 +5024,15 @@
             </a:r>
             <a:r>
               <a:rPr lang="ru-RU" dirty="0"/>
-              <a:t>то придётся анализировать по очереди каждую библиотеку вручную на предмет того экспортируются ли из неё ненужные символы и если да, то какие.</a:t>
+              <a:t>то придётся вручную</a:t>
+            </a:r>
+            <a:r>
+              <a:rPr lang="en-US" dirty="0"/>
+              <a:t> </a:t>
+            </a:r>
+            <a:r>
+              <a:rPr lang="ru-RU" dirty="0"/>
+              <a:t>по очереди анализировать каждую библиотеку на предмет того экспортируются ли из неё ненужные символы и если да, то какие.</a:t>
             </a:r>
           </a:p>
           <a:p>
@@ -5173,7 +5041,95 @@
           <a:p>
             <a:r>
               <a:rPr lang="ru-RU" dirty="0"/>
-              <a:t>Эту задачу можно упростить с помощью автоматизации. Утилита </a:t>
+              <a:t>Эту задачу можно упростить с помощью автоматизации.</a:t>
+            </a:r>
+            <a:endParaRPr lang="en-US" dirty="0"/>
+          </a:p>
+        </p:txBody>
+      </p:sp>
+      <p:sp>
+        <p:nvSpPr>
+          <p:cNvPr id="4" name="Slide Number Placeholder 3"/>
+          <p:cNvSpPr>
+            <a:spLocks noGrp="1"/>
+          </p:cNvSpPr>
+          <p:nvPr>
+            <p:ph type="sldNum" sz="quarter" idx="5"/>
+          </p:nvPr>
+        </p:nvSpPr>
+        <p:spPr/>
+        <p:txBody>
+          <a:bodyPr/>
+          <a:lstStyle/>
+          <a:p>
+            <a:fld id="{3AC94D10-082F-46D7-A834-266F9222130F}" type="slidenum">
+              <a:rPr lang="en-US" smtClean="0"/>
+              <a:t>47</a:t>
+            </a:fld>
+            <a:endParaRPr lang="en-US"/>
+          </a:p>
+        </p:txBody>
+      </p:sp>
+    </p:spTree>
+    <p:extLst>
+      <p:ext uri="{BB962C8B-B14F-4D97-AF65-F5344CB8AC3E}">
+        <p14:creationId xmlns:p14="http://schemas.microsoft.com/office/powerpoint/2010/main" val="3687863370"/>
+      </p:ext>
+    </p:extLst>
+  </p:cSld>
+  <p:clrMapOvr>
+    <a:masterClrMapping/>
+  </p:clrMapOvr>
+</p:notes>
+</file>
+
+<file path=ppt/notesSlides/notesSlide45.xml><?xml version="1.0" encoding="utf-8"?>
+<p:notes xmlns:a="http://schemas.openxmlformats.org/drawingml/2006/main" xmlns:r="http://schemas.openxmlformats.org/officeDocument/2006/relationships" xmlns:p="http://schemas.openxmlformats.org/presentationml/2006/main">
+  <p:cSld>
+    <p:spTree>
+      <p:nvGrpSpPr>
+        <p:cNvPr id="1" name=""/>
+        <p:cNvGrpSpPr/>
+        <p:nvPr/>
+      </p:nvGrpSpPr>
+      <p:grpSpPr>
+        <a:xfrm>
+          <a:off x="0" y="0"/>
+          <a:ext cx="0" cy="0"/>
+          <a:chOff x="0" y="0"/>
+          <a:chExt cx="0" cy="0"/>
+        </a:xfrm>
+      </p:grpSpPr>
+      <p:sp>
+        <p:nvSpPr>
+          <p:cNvPr id="2" name="Slide Image Placeholder 1"/>
+          <p:cNvSpPr>
+            <a:spLocks noGrp="1" noRot="1" noChangeAspect="1"/>
+          </p:cNvSpPr>
+          <p:nvPr>
+            <p:ph type="sldImg"/>
+          </p:nvPr>
+        </p:nvSpPr>
+        <p:spPr/>
+      </p:sp>
+      <p:sp>
+        <p:nvSpPr>
+          <p:cNvPr id="3" name="Notes Placeholder 2"/>
+          <p:cNvSpPr>
+            <a:spLocks noGrp="1"/>
+          </p:cNvSpPr>
+          <p:nvPr>
+            <p:ph type="body" idx="1"/>
+          </p:nvPr>
+        </p:nvSpPr>
+        <p:spPr/>
+        <p:txBody>
+          <a:bodyPr/>
+          <a:lstStyle/>
+          <a:p>
+            <a:r>
+              <a:rPr lang="ru-RU" dirty="0"/>
+              <a:t>Утилита </a:t>
             </a:r>
             <a:r>
               <a:rPr lang="en-US" dirty="0" err="1"/>
@@ -5193,7 +5149,7 @@
             </a:r>
             <a:r>
               <a:rPr lang="ru-RU" dirty="0"/>
-              <a:t>и заголовочному файлу скажет какие символы нужно скрыть. Я успешно применял эту утилиту для поиска проблемных библиотек в </a:t>
+              <a:t>и её заголовочным файлам скажет какие символы нужно скрыть. Я успешно применял эту утилиту для поиска проблемных библиотек в </a:t>
             </a:r>
             <a:r>
               <a:rPr lang="en-US" dirty="0"/>
@@ -5202,8 +5158,89 @@
             <a:endParaRPr lang="ru-RU" dirty="0"/>
           </a:p>
           <a:p>
-            <a:endParaRPr lang="ru-RU" dirty="0"/>
-          </a:p>
+            <a:endParaRPr lang="en-US" dirty="0"/>
+          </a:p>
+        </p:txBody>
+      </p:sp>
+      <p:sp>
+        <p:nvSpPr>
+          <p:cNvPr id="4" name="Slide Number Placeholder 3"/>
+          <p:cNvSpPr>
+            <a:spLocks noGrp="1"/>
+          </p:cNvSpPr>
+          <p:nvPr>
+            <p:ph type="sldNum" sz="quarter" idx="5"/>
+          </p:nvPr>
+        </p:nvSpPr>
+        <p:spPr/>
+        <p:txBody>
+          <a:bodyPr/>
+          <a:lstStyle/>
+          <a:p>
+            <a:fld id="{3AC94D10-082F-46D7-A834-266F9222130F}" type="slidenum">
+              <a:rPr lang="en-US" smtClean="0"/>
+              <a:t>48</a:t>
+            </a:fld>
+            <a:endParaRPr lang="en-US"/>
+          </a:p>
+        </p:txBody>
+      </p:sp>
+    </p:spTree>
+    <p:extLst>
+      <p:ext uri="{BB962C8B-B14F-4D97-AF65-F5344CB8AC3E}">
+        <p14:creationId xmlns:p14="http://schemas.microsoft.com/office/powerpoint/2010/main" val="286087877"/>
+      </p:ext>
+    </p:extLst>
+  </p:cSld>
+  <p:clrMapOvr>
+    <a:masterClrMapping/>
+  </p:clrMapOvr>
+</p:notes>
+</file>
+
+<file path=ppt/notesSlides/notesSlide46.xml><?xml version="1.0" encoding="utf-8"?>
+<p:notes xmlns:a="http://schemas.openxmlformats.org/drawingml/2006/main" xmlns:r="http://schemas.openxmlformats.org/officeDocument/2006/relationships" xmlns:p="http://schemas.openxmlformats.org/presentationml/2006/main">
+  <p:cSld>
+    <p:spTree>
+      <p:nvGrpSpPr>
+        <p:cNvPr id="1" name=""/>
+        <p:cNvGrpSpPr/>
+        <p:nvPr/>
+      </p:nvGrpSpPr>
+      <p:grpSpPr>
+        <a:xfrm>
+          <a:off x="0" y="0"/>
+          <a:ext cx="0" cy="0"/>
+          <a:chOff x="0" y="0"/>
+          <a:chExt cx="0" cy="0"/>
+        </a:xfrm>
+      </p:grpSpPr>
+      <p:sp>
+        <p:nvSpPr>
+          <p:cNvPr id="2" name="Slide Image Placeholder 1"/>
+          <p:cNvSpPr>
+            <a:spLocks noGrp="1" noRot="1" noChangeAspect="1"/>
+          </p:cNvSpPr>
+          <p:nvPr>
+            <p:ph type="sldImg"/>
+          </p:nvPr>
+        </p:nvSpPr>
+        <p:spPr/>
+      </p:sp>
+      <p:sp>
+        <p:nvSpPr>
+          <p:cNvPr id="3" name="Notes Placeholder 2"/>
+          <p:cNvSpPr>
+            <a:spLocks noGrp="1"/>
+          </p:cNvSpPr>
+          <p:nvPr>
+            <p:ph type="body" idx="1"/>
+          </p:nvPr>
+        </p:nvSpPr>
+        <p:spPr/>
+        <p:txBody>
+          <a:bodyPr/>
+          <a:lstStyle/>
           <a:p>
             <a:r>
               <a:rPr lang="ru-RU" dirty="0"/>
@@ -5273,7 +5310,7 @@
 </p:notes>
 </file>
 
-<file path=ppt/notesSlides/notesSlide45.xml><?xml version="1.0" encoding="utf-8"?>
+<file path=ppt/notesSlides/notesSlide47.xml><?xml version="1.0" encoding="utf-8"?>
 <p:notes xmlns:a="http://schemas.openxmlformats.org/drawingml/2006/main" xmlns:r="http://schemas.openxmlformats.org/officeDocument/2006/relationships" xmlns:p="http://schemas.openxmlformats.org/presentationml/2006/main">
   <p:cSld>
     <p:spTree>
@@ -5487,11 +5524,11 @@
           <a:p>
             <a:r>
               <a:rPr lang="ru-RU" dirty="0"/>
-              <a:t>Какие же есть преимущества у </a:t>
-            </a:r>
-            <a:r>
-              <a:rPr lang="en-US" dirty="0"/>
-              <a:t>DLL?</a:t>
+              <a:t>Перед тем как двигаться дальше рассмотрим как происходит линковка исполняемого файла и </a:t>
+            </a:r>
+            <a:r>
+              <a:rPr lang="en-US" dirty="0"/>
+              <a:t>DLL.</a:t>
             </a:r>
           </a:p>
           <a:p>
@@ -5500,35 +5537,48 @@
           <a:p>
             <a:r>
               <a:rPr lang="ru-RU" dirty="0"/>
-              <a:t>Во-первых это упрощение системных обновлений. Благодаря тому что динамические библиотеки отвязаны от исполняемых файлов, при исправлении бага в библиотеке достаточно обновить только её файл и не модифицировать зависимые от неё исполняемые файлы. Благодаря этому регулярные апдейты Убунты занимают несколько МБ вместо десятков МБ.</a:t>
-            </a:r>
-            <a:endParaRPr lang="en-US" dirty="0"/>
-          </a:p>
-          <a:p>
-            <a:endParaRPr lang="en-US" dirty="0"/>
-          </a:p>
-          <a:p>
-            <a:r>
-              <a:rPr lang="ru-RU" dirty="0"/>
-              <a:t>Кроме того библиотеки экономят пространство оперативной памяти, т.к. один и тот же файл библиотеки шарится несколькими процессами.</a:t>
-            </a:r>
-            <a:endParaRPr lang="en-US" dirty="0"/>
-          </a:p>
-          <a:p>
-            <a:endParaRPr lang="en-US" dirty="0"/>
-          </a:p>
-          <a:p>
-            <a:r>
-              <a:rPr lang="ru-RU" dirty="0"/>
-              <a:t>В частности третий сценарий используется библиотекой </a:t>
-            </a:r>
-            <a:r>
-              <a:rPr lang="en-US" dirty="0"/>
-              <a:t>Intel MKL </a:t>
-            </a:r>
-            <a:r>
-              <a:rPr lang="ru-RU" dirty="0"/>
-              <a:t>для загрузки реализации, которая наиболее полно использует возможности доступного процессора.</a:t>
+              <a:t>Есть два основных способа</a:t>
+            </a:r>
+            <a:r>
+              <a:rPr lang="en-US" dirty="0"/>
+              <a:t>: </a:t>
+            </a:r>
+            <a:r>
+              <a:rPr lang="ru-RU" dirty="0"/>
+              <a:t>традиционный, при котором связывание происходит на этапе линковки</a:t>
+            </a:r>
+            <a:r>
+              <a:rPr lang="en-US" dirty="0"/>
+              <a:t> (</a:t>
+            </a:r>
+            <a:r>
+              <a:rPr lang="ru-RU" dirty="0"/>
+              <a:t>т.е. мы явно указываем при сборке что потребуется загрузить ту или иную </a:t>
+            </a:r>
+            <a:r>
+              <a:rPr lang="en-US" dirty="0"/>
+              <a:t>DLL)</a:t>
+            </a:r>
+            <a:r>
+              <a:rPr lang="ru-RU" dirty="0"/>
+              <a:t>, и связывание на этапе исполнения (когда мы явно подгружаем библиотеку в уже запущенный процесс</a:t>
+            </a:r>
+            <a:r>
+              <a:rPr lang="en-US" dirty="0"/>
+              <a:t> </a:t>
+            </a:r>
+            <a:r>
+              <a:rPr lang="ru-RU" dirty="0"/>
+              <a:t>в произвольный момент исполнения программы).</a:t>
+            </a:r>
+          </a:p>
+          <a:p>
+            <a:endParaRPr lang="ru-RU" dirty="0"/>
+          </a:p>
+          <a:p>
+            <a:r>
+              <a:rPr lang="ru-RU" dirty="0"/>
+              <a:t>Зачем нужен второй способ и какие дополнительные возможности он предоставляет скоро обсудим.</a:t>
             </a:r>
             <a:endParaRPr lang="en-US" dirty="0"/>
           </a:p>
@@ -5560,7 +5610,7 @@
     </p:spTree>
     <p:extLst>
       <p:ext uri="{BB962C8B-B14F-4D97-AF65-F5344CB8AC3E}">
-        <p14:creationId xmlns:p14="http://schemas.microsoft.com/office/powerpoint/2010/main" val="2795593978"/>
+        <p14:creationId xmlns:p14="http://schemas.microsoft.com/office/powerpoint/2010/main" val="1120511098"/>
       </p:ext>
     </p:extLst>
   </p:cSld>
@@ -5615,46 +5665,49 @@
           <a:lstStyle/>
           <a:p>
             <a:r>
-              <a:rPr lang="en-US" dirty="0"/>
-              <a:t>DLL </a:t>
-            </a:r>
-            <a:r>
-              <a:rPr lang="ru-RU" dirty="0"/>
-              <a:t>не</a:t>
-            </a:r>
-            <a:r>
-              <a:rPr lang="en-US" dirty="0"/>
-              <a:t> </a:t>
-            </a:r>
-            <a:r>
-              <a:rPr lang="ru-RU" dirty="0"/>
-              <a:t>свободны от недостатков. К ним относятся прежде всего накладные расходы при загрузке библиотек и их использовании.</a:t>
-            </a:r>
+              <a:rPr lang="ru-RU" dirty="0"/>
+              <a:t>Какие же есть преимущества у </a:t>
+            </a:r>
+            <a:r>
+              <a:rPr lang="en-US" dirty="0"/>
+              <a:t>DLL?</a:t>
+            </a:r>
+          </a:p>
+          <a:p>
             <a:endParaRPr lang="en-US" dirty="0"/>
           </a:p>
           <a:p>
+            <a:r>
+              <a:rPr lang="ru-RU" dirty="0"/>
+              <a:t>Во-первых это упрощение системных обновлений. Благодаря тому что динамические библиотеки отвязаны от исполняемых файлов, при исправлении бага в библиотеке достаточно обновить только её файл и не модифицировать зависимые от неё исполняемые файлы. Благодаря этому регулярные апдейты Убунты занимают несколько МБ вместо десятков МБ.</a:t>
+            </a:r>
             <a:endParaRPr lang="en-US" dirty="0"/>
           </a:p>
           <a:p>
-            <a:r>
-              <a:rPr lang="ru-RU" dirty="0"/>
-              <a:t>Также важным является то, что инфраструктура </a:t>
-            </a:r>
-            <a:r>
-              <a:rPr lang="en-US" dirty="0"/>
-              <a:t>DLL </a:t>
-            </a:r>
-            <a:r>
-              <a:rPr lang="ru-RU" dirty="0"/>
-              <a:t>гораздо более уязвима к неправильному использованию. Например если при очередном обновлении автор случайно изменит интерфейс библиотеки несовместимым образом, то он сломает все зависимые от неё исполняемые файлы (в пределе всю систему). Это было большой проблемой в старых версиях </a:t>
-            </a:r>
-            <a:r>
-              <a:rPr lang="en-US" dirty="0"/>
-              <a:t>Windows, </a:t>
-            </a:r>
-            <a:r>
-              <a:rPr lang="ru-RU" dirty="0"/>
-              <a:t>в которых отсутствовал контроль над установкой несовместимых версий библиотек в системные папки.</a:t>
+            <a:endParaRPr lang="en-US" dirty="0"/>
+          </a:p>
+          <a:p>
+            <a:r>
+              <a:rPr lang="ru-RU" dirty="0"/>
+              <a:t>Кроме того библиотеки экономят пространство оперативной памяти, т.к. один и тот же файл библиотеки шарится несколькими процессами.</a:t>
+            </a:r>
+            <a:endParaRPr lang="en-US" dirty="0"/>
+          </a:p>
+          <a:p>
+            <a:endParaRPr lang="en-US" dirty="0"/>
+          </a:p>
+          <a:p>
+            <a:r>
+              <a:rPr lang="ru-RU" dirty="0"/>
+              <a:t>В частности третий сценарий используется библиотекой </a:t>
+            </a:r>
+            <a:r>
+              <a:rPr lang="en-US" dirty="0"/>
+              <a:t>Intel MKL </a:t>
+            </a:r>
+            <a:r>
+              <a:rPr lang="ru-RU" dirty="0"/>
+              <a:t>для загрузки реализации, которая наиболее полно использует возможности доступного процессора.</a:t>
             </a:r>
             <a:endParaRPr lang="en-US" dirty="0"/>
           </a:p>
@@ -5686,7 +5739,7 @@
     </p:spTree>
     <p:extLst>
       <p:ext uri="{BB962C8B-B14F-4D97-AF65-F5344CB8AC3E}">
-        <p14:creationId xmlns:p14="http://schemas.microsoft.com/office/powerpoint/2010/main" val="2984619290"/>
+        <p14:creationId xmlns:p14="http://schemas.microsoft.com/office/powerpoint/2010/main" val="2795593978"/>
       </p:ext>
     </p:extLst>
   </p:cSld>
@@ -5741,62 +5794,46 @@
           <a:lstStyle/>
           <a:p>
             <a:r>
-              <a:rPr lang="ru-RU" dirty="0"/>
-              <a:t>Перед тем как двигаться дальше рассмотрим как происходит линковка исполняемого файла и </a:t>
-            </a:r>
-            <a:r>
-              <a:rPr lang="en-US" dirty="0"/>
-              <a:t>DLL.</a:t>
-            </a:r>
-          </a:p>
-          <a:p>
+              <a:rPr lang="en-US" dirty="0"/>
+              <a:t>DLL </a:t>
+            </a:r>
+            <a:r>
+              <a:rPr lang="ru-RU" dirty="0"/>
+              <a:t>не</a:t>
+            </a:r>
+            <a:r>
+              <a:rPr lang="en-US" dirty="0"/>
+              <a:t> </a:t>
+            </a:r>
+            <a:r>
+              <a:rPr lang="ru-RU" dirty="0"/>
+              <a:t>свободны от недостатков. К ним относятся прежде всего накладные расходы при загрузке библиотек и их использовании.</a:t>
+            </a:r>
             <a:endParaRPr lang="en-US" dirty="0"/>
           </a:p>
           <a:p>
-            <a:r>
-              <a:rPr lang="ru-RU" dirty="0"/>
-              <a:t>Есть два основных способа</a:t>
-            </a:r>
-            <a:r>
-              <a:rPr lang="en-US" dirty="0"/>
-              <a:t>: </a:t>
-            </a:r>
-            <a:r>
-              <a:rPr lang="ru-RU" dirty="0"/>
-              <a:t>традиционный, при котором связывание происходит на этапе линковки</a:t>
-            </a:r>
-            <a:r>
-              <a:rPr lang="en-US" dirty="0"/>
-              <a:t> (</a:t>
-            </a:r>
-            <a:r>
-              <a:rPr lang="ru-RU" dirty="0"/>
-              <a:t>т.е. мы явно указываем при сборке что потребуется загрузить ту или иную </a:t>
-            </a:r>
-            <a:r>
-              <a:rPr lang="en-US" dirty="0"/>
-              <a:t>DLL)</a:t>
-            </a:r>
-            <a:r>
-              <a:rPr lang="ru-RU" dirty="0"/>
-              <a:t>, и связывание на этапе исполнения (когда мы явно подгружаем библиотеку в уже запущенный процесс</a:t>
-            </a:r>
-            <a:r>
-              <a:rPr lang="en-US" dirty="0"/>
-              <a:t> </a:t>
-            </a:r>
-            <a:r>
-              <a:rPr lang="ru-RU" dirty="0"/>
-              <a:t>в произвольный момент исполнения программы).</a:t>
-            </a:r>
-          </a:p>
-          <a:p>
-            <a:endParaRPr lang="ru-RU" dirty="0"/>
-          </a:p>
-          <a:p>
-            <a:r>
-              <a:rPr lang="ru-RU" dirty="0"/>
-              <a:t>Зачем нужен второй способ и какие дополнительные возможности он предоставляет скоро обсудим.</a:t>
+            <a:endParaRPr lang="en-US" dirty="0"/>
+          </a:p>
+          <a:p>
+            <a:r>
+              <a:rPr lang="ru-RU" dirty="0"/>
+              <a:t>Также важным является то, что инфраструктура </a:t>
+            </a:r>
+            <a:r>
+              <a:rPr lang="en-US" dirty="0"/>
+              <a:t>DLL </a:t>
+            </a:r>
+            <a:r>
+              <a:rPr lang="ru-RU" dirty="0"/>
+              <a:t>гораздо более уязвима к неправильному использованию. Например если при очередном обновлении автор случайно изменит интерфейс библиотеки несовместимым образом, то он сломает все зависимые от неё исполняемые файлы (в пределе всю систему). Это было большой проблемой в старых версиях </a:t>
+            </a:r>
+            <a:r>
+              <a:rPr lang="en-US" dirty="0"/>
+              <a:t>Windows, </a:t>
+            </a:r>
+            <a:r>
+              <a:rPr lang="ru-RU" dirty="0"/>
+              <a:t>в которых отсутствовал контроль над установкой несовместимых версий библиотек в системные папки.</a:t>
             </a:r>
             <a:endParaRPr lang="en-US" dirty="0"/>
           </a:p>
@@ -5828,7 +5865,7 @@
     </p:spTree>
     <p:extLst>
       <p:ext uri="{BB962C8B-B14F-4D97-AF65-F5344CB8AC3E}">
-        <p14:creationId xmlns:p14="http://schemas.microsoft.com/office/powerpoint/2010/main" val="1120511098"/>
+        <p14:creationId xmlns:p14="http://schemas.microsoft.com/office/powerpoint/2010/main" val="2984619290"/>
       </p:ext>
     </p:extLst>
   </p:cSld>
@@ -6110,7 +6147,7 @@
           <a:p>
             <a:fld id="{83D30A23-1FB6-43A1-891F-95145083C4E9}" type="datetime1">
               <a:rPr lang="en-US" smtClean="0"/>
-              <a:t>4/7/2024</a:t>
+              <a:t>4/14/2024</a:t>
             </a:fld>
             <a:endParaRPr lang="en-US"/>
           </a:p>
@@ -6308,7 +6345,7 @@
           <a:p>
             <a:fld id="{A4B03399-60D8-4226-8AC7-3F159D57E860}" type="datetime1">
               <a:rPr lang="en-US" smtClean="0"/>
-              <a:t>4/7/2024</a:t>
+              <a:t>4/14/2024</a:t>
             </a:fld>
             <a:endParaRPr lang="en-US"/>
           </a:p>
@@ -6516,7 +6553,7 @@
           <a:p>
             <a:fld id="{1A646459-A066-416D-8E21-9D451FB1CBED}" type="datetime1">
               <a:rPr lang="en-US" smtClean="0"/>
-              <a:t>4/7/2024</a:t>
+              <a:t>4/14/2024</a:t>
             </a:fld>
             <a:endParaRPr lang="en-US"/>
           </a:p>
@@ -6714,7 +6751,7 @@
           <a:p>
             <a:fld id="{0636B939-1A2A-498F-9013-EEF28820D750}" type="datetime1">
               <a:rPr lang="en-US" smtClean="0"/>
-              <a:t>4/7/2024</a:t>
+              <a:t>4/14/2024</a:t>
             </a:fld>
             <a:endParaRPr lang="en-US"/>
           </a:p>
@@ -7028,7 +7065,7 @@
           <a:p>
             <a:fld id="{97D3760A-E884-42F2-A44C-F32FAA030BF6}" type="datetime1">
               <a:rPr lang="en-US" smtClean="0"/>
-              <a:t>4/7/2024</a:t>
+              <a:t>4/14/2024</a:t>
             </a:fld>
             <a:endParaRPr lang="en-US"/>
           </a:p>
@@ -7293,7 +7330,7 @@
           <a:p>
             <a:fld id="{4FC7535E-ABF1-4A69-B09E-251EF8B13143}" type="datetime1">
               <a:rPr lang="en-US" smtClean="0"/>
-              <a:t>4/7/2024</a:t>
+              <a:t>4/14/2024</a:t>
             </a:fld>
             <a:endParaRPr lang="en-US"/>
           </a:p>
@@ -7705,7 +7742,7 @@
           <a:p>
             <a:fld id="{CE54BCFC-68A7-4C68-9600-D4AAA16CF9A6}" type="datetime1">
               <a:rPr lang="en-US" smtClean="0"/>
-              <a:t>4/7/2024</a:t>
+              <a:t>4/14/2024</a:t>
             </a:fld>
             <a:endParaRPr lang="en-US"/>
           </a:p>
@@ -7846,7 +7883,7 @@
           <a:p>
             <a:fld id="{0F981744-C4F3-4F58-9E0E-AF6C4E78D03B}" type="datetime1">
               <a:rPr lang="en-US" smtClean="0"/>
-              <a:t>4/7/2024</a:t>
+              <a:t>4/14/2024</a:t>
             </a:fld>
             <a:endParaRPr lang="en-US"/>
           </a:p>
@@ -7959,7 +7996,7 @@
           <a:p>
             <a:fld id="{98ED47E1-EA96-4683-9629-E838295B20BC}" type="datetime1">
               <a:rPr lang="en-US" smtClean="0"/>
-              <a:t>4/7/2024</a:t>
+              <a:t>4/14/2024</a:t>
             </a:fld>
             <a:endParaRPr lang="en-US"/>
           </a:p>
@@ -8270,7 +8307,7 @@
           <a:p>
             <a:fld id="{2F2A1627-B435-455B-A0CA-0808E5748D61}" type="datetime1">
               <a:rPr lang="en-US" smtClean="0"/>
-              <a:t>4/7/2024</a:t>
+              <a:t>4/14/2024</a:t>
             </a:fld>
             <a:endParaRPr lang="en-US"/>
           </a:p>
@@ -8558,7 +8595,7 @@
           <a:p>
             <a:fld id="{FE11CB43-EB9E-4C41-ACD2-0EC61FB429F2}" type="datetime1">
               <a:rPr lang="en-US" smtClean="0"/>
-              <a:t>4/7/2024</a:t>
+              <a:t>4/14/2024</a:t>
             </a:fld>
             <a:endParaRPr lang="en-US"/>
           </a:p>
@@ -8799,7 +8836,7 @@
           <a:p>
             <a:fld id="{CC0B8F92-0932-40E4-878B-3E2E4AAA6810}" type="datetime1">
               <a:rPr lang="en-US" smtClean="0"/>
-              <a:t>4/7/2024</a:t>
+              <a:t>4/14/2024</a:t>
             </a:fld>
             <a:endParaRPr lang="en-US"/>
           </a:p>
@@ -10861,13 +10898,15 @@
               </a:ext>
             </a:extLst>
           </p:cNvPr>
-          <p:cNvCxnSpPr/>
+          <p:cNvCxnSpPr>
+            <a:cxnSpLocks/>
+          </p:cNvCxnSpPr>
           <p:nvPr/>
         </p:nvCxnSpPr>
         <p:spPr>
           <a:xfrm>
-            <a:off x="3015343" y="3265714"/>
-            <a:ext cx="2710543" cy="250372"/>
+            <a:off x="2917376" y="3251944"/>
+            <a:ext cx="2808510" cy="264142"/>
           </a:xfrm>
           <a:prstGeom prst="straightConnector1">
             <a:avLst/>
@@ -11459,13 +11498,15 @@
               </a:ext>
             </a:extLst>
           </p:cNvPr>
-          <p:cNvCxnSpPr/>
+          <p:cNvCxnSpPr>
+            <a:cxnSpLocks/>
+          </p:cNvCxnSpPr>
           <p:nvPr/>
         </p:nvCxnSpPr>
         <p:spPr>
           <a:xfrm>
-            <a:off x="3015343" y="3265714"/>
-            <a:ext cx="2710543" cy="250372"/>
+            <a:off x="2917376" y="3290599"/>
+            <a:ext cx="2808510" cy="225487"/>
           </a:xfrm>
           <a:prstGeom prst="straightConnector1">
             <a:avLst/>
@@ -12440,7 +12481,7 @@
     </p:spTree>
     <p:extLst>
       <p:ext uri="{BB962C8B-B14F-4D97-AF65-F5344CB8AC3E}">
-        <p14:creationId xmlns:p14="http://schemas.microsoft.com/office/powerpoint/2010/main" val="4242767350"/>
+        <p14:creationId xmlns:p14="http://schemas.microsoft.com/office/powerpoint/2010/main" val="3190744035"/>
       </p:ext>
     </p:extLst>
   </p:cSld>
@@ -12583,7 +12624,7 @@
             <a:pPr lvl="1"/>
             <a:r>
               <a:rPr lang="ru-RU" dirty="0"/>
-              <a:t>Грузит в память файлы программы и импортируемых библиотек</a:t>
+              <a:t>Размещает в память файлы программы и импортируемых библиотек</a:t>
             </a:r>
           </a:p>
           <a:p>
@@ -14179,7 +14220,7 @@
             </a:r>
             <a:r>
               <a:rPr lang="ru-RU" dirty="0"/>
-              <a:t>различается</a:t>
+              <a:t>различаются</a:t>
             </a:r>
             <a:endParaRPr lang="en-US" dirty="0"/>
           </a:p>
@@ -14266,7 +14307,7 @@
         <p:spPr/>
         <p:txBody>
           <a:bodyPr>
-            <a:normAutofit fontScale="92500" lnSpcReduction="20000"/>
+            <a:normAutofit fontScale="92500" lnSpcReduction="10000"/>
           </a:bodyPr>
           <a:lstStyle/>
           <a:p>
@@ -14310,7 +14351,7 @@
             </a:r>
             <a:r>
               <a:rPr lang="en-US" dirty="0"/>
-              <a:t>Program Counter</a:t>
+              <a:t>Program Counter:</a:t>
             </a:r>
           </a:p>
           <a:p>
@@ -14331,15 +14372,18 @@
               <a:rPr lang="ru-RU" dirty="0"/>
               <a:t>Данные по-прежнему нужно релоцировать</a:t>
             </a:r>
-            <a:endParaRPr lang="en-US" dirty="0"/>
-          </a:p>
-          <a:p>
-            <a:pPr lvl="1"/>
-            <a:r>
-              <a:rPr lang="ru-RU" dirty="0"/>
-              <a:t>Например в случае</a:t>
-            </a:r>
-            <a:endParaRPr lang="en-US" dirty="0"/>
+            <a:r>
+              <a:rPr lang="en-US" dirty="0"/>
+              <a:t> (</a:t>
+            </a:r>
+            <a:r>
+              <a:rPr lang="ru-RU" dirty="0"/>
+              <a:t>но таких релокаций гораздо меньше</a:t>
+            </a:r>
+            <a:r>
+              <a:rPr lang="en-US" dirty="0"/>
+              <a:t>)</a:t>
+            </a:r>
           </a:p>
           <a:p>
             <a:pPr marL="457200" lvl="1" indent="0">
@@ -14382,13 +14426,6 @@
           </a:p>
           <a:p>
             <a:pPr lvl="1"/>
-            <a:r>
-              <a:rPr lang="ru-RU" dirty="0"/>
-              <a:t>Но таких релокаций гораздо меньше</a:t>
-            </a:r>
-          </a:p>
-          <a:p>
-            <a:pPr lvl="1"/>
             <a:endParaRPr lang="en-US" dirty="0"/>
           </a:p>
         </p:txBody>
@@ -14407,7 +14444,7 @@
         </p:nvSpPr>
         <p:spPr>
           <a:xfrm>
-            <a:off x="1600200" y="3244334"/>
+            <a:off x="1600200" y="3407620"/>
             <a:ext cx="3211286" cy="369332"/>
           </a:xfrm>
           <a:prstGeom prst="rect">
@@ -14473,7 +14510,7 @@
         </p:nvSpPr>
         <p:spPr>
           <a:xfrm>
-            <a:off x="6215742" y="3244334"/>
+            <a:off x="6215742" y="3407620"/>
             <a:ext cx="4005943" cy="369332"/>
           </a:xfrm>
           <a:prstGeom prst="rect">
@@ -14542,7 +14579,7 @@
         </p:nvCxnSpPr>
         <p:spPr>
           <a:xfrm>
-            <a:off x="4811486" y="3429000"/>
+            <a:off x="4811486" y="3592286"/>
             <a:ext cx="1153885" cy="0"/>
           </a:xfrm>
           <a:prstGeom prst="straightConnector1">
@@ -14823,14 +14860,14 @@
           <a:p>
             <a:r>
               <a:rPr lang="ru-RU" dirty="0"/>
-              <a:t>В коде могут быть использованы абсолютные адреса</a:t>
+              <a:t>В коде могут использоваться абсолютные адреса</a:t>
             </a:r>
             <a:endParaRPr lang="en-US" dirty="0"/>
           </a:p>
           <a:p>
             <a:r>
               <a:rPr lang="ru-RU" dirty="0"/>
-              <a:t>При загрузке требуется релокация кода</a:t>
+              <a:t>При загрузке требуется релокация</a:t>
             </a:r>
             <a:endParaRPr lang="en-US" dirty="0"/>
           </a:p>
@@ -15622,7 +15659,7 @@
           <a:p>
             <a:r>
               <a:rPr lang="ru-RU" dirty="0"/>
-              <a:t>Поиск соответствия между экспортируемыми символами библиотек и импортируемыми символами исполняемых файлов</a:t>
+              <a:t>Поиск соответствия между экспортируемыми и импортируемыми символами</a:t>
             </a:r>
           </a:p>
           <a:p>
@@ -15867,7 +15904,67 @@
                 <a:latin typeface="Courier New" panose="02070309020205020404" pitchFamily="49" charset="0"/>
                 <a:cs typeface="Courier New" panose="02070309020205020404" pitchFamily="49" charset="0"/>
               </a:rPr>
-              <a:t> main() { printf("%d\n", 1); }</a:t>
+              <a:t> main(</a:t>
+            </a:r>
+            <a:r>
+              <a:rPr lang="fr-FR" sz="1800" dirty="0" err="1">
+                <a:solidFill>
+                  <a:prstClr val="black"/>
+                </a:solidFill>
+                <a:latin typeface="Courier New" panose="02070309020205020404" pitchFamily="49" charset="0"/>
+                <a:cs typeface="Courier New" panose="02070309020205020404" pitchFamily="49" charset="0"/>
+              </a:rPr>
+              <a:t>int</a:t>
+            </a:r>
+            <a:r>
+              <a:rPr lang="fr-FR" sz="1800" dirty="0">
+                <a:solidFill>
+                  <a:prstClr val="black"/>
+                </a:solidFill>
+                <a:latin typeface="Courier New" panose="02070309020205020404" pitchFamily="49" charset="0"/>
+                <a:cs typeface="Courier New" panose="02070309020205020404" pitchFamily="49" charset="0"/>
+              </a:rPr>
+              <a:t> </a:t>
+            </a:r>
+            <a:r>
+              <a:rPr lang="fr-FR" sz="1800" dirty="0" err="1">
+                <a:solidFill>
+                  <a:prstClr val="black"/>
+                </a:solidFill>
+                <a:latin typeface="Courier New" panose="02070309020205020404" pitchFamily="49" charset="0"/>
+                <a:cs typeface="Courier New" panose="02070309020205020404" pitchFamily="49" charset="0"/>
+              </a:rPr>
+              <a:t>argc</a:t>
+            </a:r>
+            <a:r>
+              <a:rPr lang="fr-FR" sz="1800" dirty="0">
+                <a:solidFill>
+                  <a:prstClr val="black"/>
+                </a:solidFill>
+                <a:latin typeface="Courier New" panose="02070309020205020404" pitchFamily="49" charset="0"/>
+                <a:cs typeface="Courier New" panose="02070309020205020404" pitchFamily="49" charset="0"/>
+              </a:rPr>
+              <a:t>) { printf("%d\n", </a:t>
+            </a:r>
+            <a:r>
+              <a:rPr lang="fr-FR" sz="1800" dirty="0" err="1">
+                <a:solidFill>
+                  <a:prstClr val="black"/>
+                </a:solidFill>
+                <a:latin typeface="Courier New" panose="02070309020205020404" pitchFamily="49" charset="0"/>
+                <a:cs typeface="Courier New" panose="02070309020205020404" pitchFamily="49" charset="0"/>
+              </a:rPr>
+              <a:t>argc</a:t>
+            </a:r>
+            <a:r>
+              <a:rPr lang="fr-FR" sz="1800" dirty="0">
+                <a:solidFill>
+                  <a:prstClr val="black"/>
+                </a:solidFill>
+                <a:latin typeface="Courier New" panose="02070309020205020404" pitchFamily="49" charset="0"/>
+                <a:cs typeface="Courier New" panose="02070309020205020404" pitchFamily="49" charset="0"/>
+              </a:rPr>
+              <a:t>); }</a:t>
             </a:r>
           </a:p>
           <a:p>
@@ -17617,7 +17714,7 @@
           <a:p>
             <a:r>
               <a:rPr lang="ru-RU" dirty="0"/>
-              <a:t>Их загрузка замедлит работу приложения даже если не будут использоваться</a:t>
+              <a:t>Их загрузка замедлит работу приложения даже если они не будут использоваться</a:t>
             </a:r>
           </a:p>
           <a:p>
@@ -18120,16 +18217,6 @@
           <a:p>
             <a:r>
               <a:rPr lang="ru-RU" dirty="0"/>
-              <a:t>Поддерживает большое количество платформ (</a:t>
-            </a:r>
-            <a:r>
-              <a:rPr lang="en-US" dirty="0"/>
-              <a:t>x86, ARM, AArch64, RISC-V, e2k, etc.)</a:t>
-            </a:r>
-          </a:p>
-          <a:p>
-            <a:r>
-              <a:rPr lang="ru-RU" dirty="0"/>
               <a:t>Реализована с помощью </a:t>
             </a:r>
             <a:r>
@@ -18155,6 +18242,35 @@
             <a:r>
               <a:rPr lang="en-US" dirty="0"/>
               <a:t>)</a:t>
+            </a:r>
+          </a:p>
+          <a:p>
+            <a:r>
+              <a:rPr lang="ru-RU" dirty="0"/>
+              <a:t>Поддерживает большое количество платформ</a:t>
+            </a:r>
+            <a:endParaRPr lang="en-US" dirty="0"/>
+          </a:p>
+          <a:p>
+            <a:pPr lvl="1"/>
+            <a:r>
+              <a:rPr lang="en-US" dirty="0"/>
+              <a:t>x86, ARM, AArch64, RISC-V, e2k, etc.</a:t>
+            </a:r>
+          </a:p>
+          <a:p>
+            <a:pPr lvl="1"/>
+            <a:r>
+              <a:rPr lang="en-US" dirty="0"/>
+              <a:t>Linux (+ </a:t>
+            </a:r>
+            <a:r>
+              <a:rPr lang="ru-RU" dirty="0"/>
+              <a:t>частично </a:t>
+            </a:r>
+            <a:r>
+              <a:rPr lang="en-US" dirty="0"/>
+              <a:t>BSD)</a:t>
             </a:r>
           </a:p>
         </p:txBody>
@@ -18311,7 +18427,33 @@
                 <a:latin typeface="Courier New" panose="02070309020205020404" pitchFamily="49" charset="0"/>
                 <a:cs typeface="Courier New" panose="02070309020205020404" pitchFamily="49" charset="0"/>
               </a:rPr>
-              <a:t>int foo(type1 arg1, type2 arg2, …) {</a:t>
+              <a:t>int foo(type1 arg1, type2 arg2, …) {  # Stub</a:t>
+            </a:r>
+          </a:p>
+          <a:p>
+            <a:pPr marL="457200" lvl="1" indent="0">
+              <a:buNone/>
+            </a:pPr>
+            <a:r>
+              <a:rPr lang="en-US" dirty="0">
+                <a:latin typeface="Courier New" panose="02070309020205020404" pitchFamily="49" charset="0"/>
+                <a:cs typeface="Courier New" panose="02070309020205020404" pitchFamily="49" charset="0"/>
+              </a:rPr>
+              <a:t>  static void *</a:t>
+            </a:r>
+            <a:r>
+              <a:rPr lang="en-US" dirty="0" err="1">
+                <a:latin typeface="Courier New" panose="02070309020205020404" pitchFamily="49" charset="0"/>
+                <a:cs typeface="Courier New" panose="02070309020205020404" pitchFamily="49" charset="0"/>
+              </a:rPr>
+              <a:t>foo_real</a:t>
+            </a:r>
+            <a:r>
+              <a:rPr lang="en-US" dirty="0">
+                <a:latin typeface="Courier New" panose="02070309020205020404" pitchFamily="49" charset="0"/>
+                <a:cs typeface="Courier New" panose="02070309020205020404" pitchFamily="49" charset="0"/>
+              </a:rPr>
+              <a:t> = NULL;</a:t>
             </a:r>
           </a:p>
           <a:p>
@@ -18330,14 +18472,40 @@
                 <a:latin typeface="Courier New" panose="02070309020205020404" pitchFamily="49" charset="0"/>
                 <a:cs typeface="Courier New" panose="02070309020205020404" pitchFamily="49" charset="0"/>
               </a:rPr>
-              <a:t>isLibraryLoaded</a:t>
+              <a:t>foo_real</a:t>
             </a:r>
             <a:r>
               <a:rPr lang="en-US" dirty="0">
                 <a:latin typeface="Courier New" panose="02070309020205020404" pitchFamily="49" charset="0"/>
                 <a:cs typeface="Courier New" panose="02070309020205020404" pitchFamily="49" charset="0"/>
               </a:rPr>
-              <a:t>()) {</a:t>
+              <a:t>) {</a:t>
+            </a:r>
+          </a:p>
+          <a:p>
+            <a:pPr marL="457200" lvl="1" indent="0">
+              <a:buNone/>
+            </a:pPr>
+            <a:r>
+              <a:rPr lang="en-US" dirty="0">
+                <a:latin typeface="Courier New" panose="02070309020205020404" pitchFamily="49" charset="0"/>
+                <a:cs typeface="Courier New" panose="02070309020205020404" pitchFamily="49" charset="0"/>
+              </a:rPr>
+              <a:t>    void *handle = </a:t>
+            </a:r>
+            <a:r>
+              <a:rPr lang="en-US" dirty="0" err="1">
+                <a:latin typeface="Courier New" panose="02070309020205020404" pitchFamily="49" charset="0"/>
+                <a:cs typeface="Courier New" panose="02070309020205020404" pitchFamily="49" charset="0"/>
+              </a:rPr>
+              <a:t>dlopen</a:t>
+            </a:r>
+            <a:r>
+              <a:rPr lang="en-US" dirty="0">
+                <a:latin typeface="Courier New" panose="02070309020205020404" pitchFamily="49" charset="0"/>
+                <a:cs typeface="Courier New" panose="02070309020205020404" pitchFamily="49" charset="0"/>
+              </a:rPr>
+              <a:t>(...);</a:t>
             </a:r>
           </a:p>
           <a:p>
@@ -18356,32 +18524,6 @@
                 <a:latin typeface="Courier New" panose="02070309020205020404" pitchFamily="49" charset="0"/>
                 <a:cs typeface="Courier New" panose="02070309020205020404" pitchFamily="49" charset="0"/>
               </a:rPr>
-              <a:t>LoadLibrary</a:t>
-            </a:r>
-            <a:r>
-              <a:rPr lang="en-US" dirty="0">
-                <a:latin typeface="Courier New" panose="02070309020205020404" pitchFamily="49" charset="0"/>
-                <a:cs typeface="Courier New" panose="02070309020205020404" pitchFamily="49" charset="0"/>
-              </a:rPr>
-              <a:t>();</a:t>
-            </a:r>
-          </a:p>
-          <a:p>
-            <a:pPr marL="457200" lvl="1" indent="0">
-              <a:buNone/>
-            </a:pPr>
-            <a:r>
-              <a:rPr lang="en-US" dirty="0">
-                <a:latin typeface="Courier New" panose="02070309020205020404" pitchFamily="49" charset="0"/>
-                <a:cs typeface="Courier New" panose="02070309020205020404" pitchFamily="49" charset="0"/>
-              </a:rPr>
-              <a:t>    </a:t>
-            </a:r>
-            <a:r>
-              <a:rPr lang="en-US" dirty="0" err="1">
-                <a:latin typeface="Courier New" panose="02070309020205020404" pitchFamily="49" charset="0"/>
-                <a:cs typeface="Courier New" panose="02070309020205020404" pitchFamily="49" charset="0"/>
-              </a:rPr>
               <a:t>foo_real</a:t>
             </a:r>
             <a:r>
@@ -18396,14 +18538,14 @@
                 <a:latin typeface="Courier New" panose="02070309020205020404" pitchFamily="49" charset="0"/>
                 <a:cs typeface="Courier New" panose="02070309020205020404" pitchFamily="49" charset="0"/>
               </a:rPr>
-              <a:t>LoadSymbol</a:t>
+              <a:t>dlsym</a:t>
             </a:r>
             <a:r>
               <a:rPr lang="en-US" dirty="0">
                 <a:latin typeface="Courier New" panose="02070309020205020404" pitchFamily="49" charset="0"/>
                 <a:cs typeface="Courier New" panose="02070309020205020404" pitchFamily="49" charset="0"/>
               </a:rPr>
-              <a:t>();</a:t>
+              <a:t>(handle, “foo”);</a:t>
             </a:r>
           </a:p>
           <a:p>
@@ -19280,7 +19422,7 @@
             </a:r>
             <a:r>
               <a:rPr lang="en-US" dirty="0"/>
-              <a:t>,--hash-style </a:t>
+              <a:t>,--hash-style=both </a:t>
             </a:r>
             <a:r>
               <a:rPr lang="ru-RU" dirty="0"/>
@@ -20190,7 +20332,7 @@
           <a:p>
             <a:r>
               <a:rPr lang="ru-RU" dirty="0"/>
-              <a:t>Проблемы с экспортируемыми символами</a:t>
+              <a:t>Проблема с экспортируемыми символами</a:t>
             </a:r>
             <a:endParaRPr lang="en-US" dirty="0"/>
           </a:p>
@@ -20227,7 +20369,7 @@
             </a:r>
             <a:r>
               <a:rPr lang="ru-RU" dirty="0"/>
-              <a:t>все функции библиотеки экспортируются</a:t>
+              <a:t>все функции в библиотеках экспортируются</a:t>
             </a:r>
           </a:p>
           <a:p>
@@ -20240,11 +20382,11 @@
           <a:p>
             <a:r>
               <a:rPr lang="ru-RU" dirty="0"/>
-              <a:t>Из-за возможного перехвата функций вызов внутренних функций библиотеки происходит через таблицу адресов</a:t>
-            </a:r>
-            <a:r>
-              <a:rPr lang="en-US" dirty="0"/>
-              <a:t> GOT</a:t>
+              <a:t>Из-за возможного перехвата функций вызов функций внутри библиотеки происходит через таблицу </a:t>
+            </a:r>
+            <a:r>
+              <a:rPr lang="en-US" dirty="0"/>
+              <a:t>GOT</a:t>
             </a:r>
           </a:p>
           <a:p>
@@ -20366,7 +20508,7 @@
         <p:spPr/>
         <p:txBody>
           <a:bodyPr>
-            <a:normAutofit/>
+            <a:normAutofit lnSpcReduction="10000"/>
           </a:bodyPr>
           <a:lstStyle/>
           <a:p>
@@ -20375,6 +20517,15 @@
               <a:t>Компилятор не встраивает вызов функции из-за возможности перехвата</a:t>
             </a:r>
             <a:endParaRPr lang="en-US" dirty="0"/>
+          </a:p>
+          <a:p>
+            <a:pPr marL="457200" lvl="1" indent="0">
+              <a:buNone/>
+            </a:pPr>
+            <a:endParaRPr lang="ru-RU" dirty="0">
+              <a:latin typeface="Courier New" panose="02070309020205020404" pitchFamily="49" charset="0"/>
+              <a:cs typeface="Courier New" panose="02070309020205020404" pitchFamily="49" charset="0"/>
+            </a:endParaRPr>
           </a:p>
           <a:p>
             <a:pPr marL="457200" lvl="1" indent="0">
@@ -20392,7 +20543,7 @@
                 <a:latin typeface="Courier New" panose="02070309020205020404" pitchFamily="49" charset="0"/>
                 <a:cs typeface="Courier New" panose="02070309020205020404" pitchFamily="49" charset="0"/>
               </a:rPr>
-              <a:t>tmp.c</a:t>
+              <a:t>mylib.c</a:t>
             </a:r>
             <a:endParaRPr lang="en-US" dirty="0">
               <a:latin typeface="Courier New" panose="02070309020205020404" pitchFamily="49" charset="0"/>
@@ -20433,6 +20584,18 @@
             <a:pPr marL="457200" lvl="1" indent="0">
               <a:buNone/>
             </a:pPr>
+            <a:endParaRPr lang="ru-RU" dirty="0">
+              <a:solidFill>
+                <a:prstClr val="black"/>
+              </a:solidFill>
+              <a:latin typeface="Courier New" panose="02070309020205020404" pitchFamily="49" charset="0"/>
+              <a:cs typeface="Courier New" panose="02070309020205020404" pitchFamily="49" charset="0"/>
+            </a:endParaRPr>
+          </a:p>
+          <a:p>
+            <a:pPr marL="457200" lvl="1" indent="0">
+              <a:buNone/>
+            </a:pPr>
             <a:r>
               <a:rPr lang="en-US" dirty="0">
                 <a:solidFill>
@@ -20461,7 +20624,27 @@
                 <a:latin typeface="Courier New" panose="02070309020205020404" pitchFamily="49" charset="0"/>
                 <a:cs typeface="Courier New" panose="02070309020205020404" pitchFamily="49" charset="0"/>
               </a:rPr>
-              <a:t> –O3 -</a:t>
+              <a:t> </a:t>
+            </a:r>
+            <a:r>
+              <a:rPr lang="en-US" dirty="0" err="1">
+                <a:solidFill>
+                  <a:prstClr val="black"/>
+                </a:solidFill>
+                <a:latin typeface="Courier New" panose="02070309020205020404" pitchFamily="49" charset="0"/>
+                <a:cs typeface="Courier New" panose="02070309020205020404" pitchFamily="49" charset="0"/>
+              </a:rPr>
+              <a:t>mylib.c</a:t>
+            </a:r>
+            <a:r>
+              <a:rPr lang="en-US" dirty="0">
+                <a:solidFill>
+                  <a:prstClr val="black"/>
+                </a:solidFill>
+                <a:latin typeface="Courier New" panose="02070309020205020404" pitchFamily="49" charset="0"/>
+                <a:cs typeface="Courier New" panose="02070309020205020404" pitchFamily="49" charset="0"/>
+              </a:rPr>
+              <a:t> -O3 -</a:t>
             </a:r>
             <a:r>
               <a:rPr lang="en-US" dirty="0" err="1">
@@ -20481,27 +20664,7 @@
                 <a:latin typeface="Courier New" panose="02070309020205020404" pitchFamily="49" charset="0"/>
                 <a:cs typeface="Courier New" panose="02070309020205020404" pitchFamily="49" charset="0"/>
               </a:rPr>
-              <a:t> -S </a:t>
-            </a:r>
-            <a:r>
-              <a:rPr lang="en-US" dirty="0" err="1">
-                <a:solidFill>
-                  <a:prstClr val="black"/>
-                </a:solidFill>
-                <a:latin typeface="Courier New" panose="02070309020205020404" pitchFamily="49" charset="0"/>
-                <a:cs typeface="Courier New" panose="02070309020205020404" pitchFamily="49" charset="0"/>
-              </a:rPr>
-              <a:t>tmp.c</a:t>
-            </a:r>
-            <a:r>
-              <a:rPr lang="en-US" dirty="0">
-                <a:solidFill>
-                  <a:prstClr val="black"/>
-                </a:solidFill>
-                <a:latin typeface="Courier New" panose="02070309020205020404" pitchFamily="49" charset="0"/>
-                <a:cs typeface="Courier New" panose="02070309020205020404" pitchFamily="49" charset="0"/>
-              </a:rPr>
-              <a:t> -o-</a:t>
+              <a:t> -S -o-</a:t>
             </a:r>
           </a:p>
           <a:p>
@@ -20750,11 +20913,11 @@
             <a:pPr lvl="1"/>
             <a:r>
               <a:rPr lang="ru-RU" dirty="0"/>
-              <a:t>Включена по умолчанию в </a:t>
-            </a:r>
-            <a:r>
-              <a:rPr lang="en-US" dirty="0"/>
-              <a:t>clang, </a:t>
+              <a:t>Включена по умолчанию в С</a:t>
+            </a:r>
+            <a:r>
+              <a:rPr lang="en-US" dirty="0"/>
+              <a:t>lang, </a:t>
             </a:r>
             <a:r>
               <a:rPr lang="ru-RU" dirty="0"/>
@@ -20907,6 +21070,46 @@
             </a:r>
             <a:r>
               <a:rPr lang="en-US" dirty="0" err="1"/>
+              <a:t>Bsymbolic</a:t>
+            </a:r>
+            <a:r>
+              <a:rPr lang="en-US" dirty="0"/>
+              <a:t>-functions </a:t>
+            </a:r>
+            <a:r>
+              <a:rPr lang="ru-RU" dirty="0"/>
+              <a:t>при сборке </a:t>
+            </a:r>
+            <a:r>
+              <a:rPr lang="en-US" dirty="0"/>
+              <a:t>Clang </a:t>
+            </a:r>
+            <a:r>
+              <a:rPr lang="ru-RU" dirty="0"/>
+              <a:t>даёт до </a:t>
+            </a:r>
+            <a:r>
+              <a:rPr lang="en-US" dirty="0"/>
+              <a:t>10% </a:t>
+            </a:r>
+            <a:r>
+              <a:rPr lang="ru-RU" dirty="0"/>
+              <a:t>прироста производительности</a:t>
+            </a:r>
+            <a:endParaRPr lang="en-US" dirty="0"/>
+          </a:p>
+          <a:p>
+            <a:pPr lvl="1"/>
+            <a:r>
+              <a:rPr lang="ru-RU" dirty="0"/>
+              <a:t>Использование </a:t>
+            </a:r>
+            <a:r>
+              <a:rPr lang="en-US" dirty="0"/>
+              <a:t>-</a:t>
+            </a:r>
+            <a:r>
+              <a:rPr lang="en-US" dirty="0" err="1"/>
               <a:t>fno</a:t>
             </a:r>
             <a:r>
@@ -20939,46 +21142,6 @@
               <a:rPr lang="en-US" dirty="0"/>
               <a:t>)</a:t>
             </a:r>
-          </a:p>
-          <a:p>
-            <a:pPr lvl="1"/>
-            <a:r>
-              <a:rPr lang="ru-RU" dirty="0"/>
-              <a:t>Использование </a:t>
-            </a:r>
-            <a:r>
-              <a:rPr lang="en-US" dirty="0"/>
-              <a:t>-</a:t>
-            </a:r>
-            <a:r>
-              <a:rPr lang="en-US" dirty="0" err="1"/>
-              <a:t>Bsymbolic</a:t>
-            </a:r>
-            <a:r>
-              <a:rPr lang="en-US" dirty="0"/>
-              <a:t>-functions </a:t>
-            </a:r>
-            <a:r>
-              <a:rPr lang="ru-RU" dirty="0"/>
-              <a:t>в </a:t>
-            </a:r>
-            <a:r>
-              <a:rPr lang="en-US" dirty="0"/>
-              <a:t>Clang </a:t>
-            </a:r>
-            <a:r>
-              <a:rPr lang="ru-RU" dirty="0"/>
-              <a:t>даёт до </a:t>
-            </a:r>
-            <a:r>
-              <a:rPr lang="en-US" dirty="0"/>
-              <a:t>10% </a:t>
-            </a:r>
-            <a:r>
-              <a:rPr lang="ru-RU" dirty="0"/>
-              <a:t>прироста производительности</a:t>
-            </a:r>
-            <a:endParaRPr lang="en-US" dirty="0"/>
           </a:p>
         </p:txBody>
       </p:sp>
@@ -21506,7 +21669,7 @@
           <a:p>
             <a:r>
               <a:rPr lang="ru-RU" dirty="0"/>
-              <a:t>Избыточные экспорты должны быть удалены</a:t>
+              <a:t>Избыточные экспорты должны быть скрыты</a:t>
             </a:r>
             <a:endParaRPr lang="en-US" dirty="0"/>
           </a:p>
@@ -21985,7 +22148,7 @@
         </p:spPr>
         <p:txBody>
           <a:bodyPr>
-            <a:normAutofit fontScale="92500" lnSpcReduction="10000"/>
+            <a:normAutofit fontScale="92500" lnSpcReduction="20000"/>
           </a:bodyPr>
           <a:lstStyle/>
           <a:p>
@@ -21993,39 +22156,66 @@
               <a:buNone/>
             </a:pPr>
             <a:r>
-              <a:rPr lang="en-US" dirty="0"/>
+              <a:rPr lang="en-US" dirty="0">
+                <a:latin typeface="Courier New" panose="02070309020205020404" pitchFamily="49" charset="0"/>
+                <a:cs typeface="Courier New" panose="02070309020205020404" pitchFamily="49" charset="0"/>
+              </a:rPr>
               <a:t>$ </a:t>
             </a:r>
             <a:r>
-              <a:rPr lang="en-US" dirty="0" err="1"/>
+              <a:rPr lang="en-US" dirty="0" err="1">
+                <a:latin typeface="Courier New" panose="02070309020205020404" pitchFamily="49" charset="0"/>
+                <a:cs typeface="Courier New" panose="02070309020205020404" pitchFamily="49" charset="0"/>
+              </a:rPr>
               <a:t>read_header_api</a:t>
             </a:r>
             <a:r>
-              <a:rPr lang="en-US" dirty="0"/>
+              <a:rPr lang="en-US" dirty="0">
+                <a:latin typeface="Courier New" panose="02070309020205020404" pitchFamily="49" charset="0"/>
+                <a:cs typeface="Courier New" panose="02070309020205020404" pitchFamily="49" charset="0"/>
+              </a:rPr>
               <a:t> --only-</a:t>
             </a:r>
             <a:r>
-              <a:rPr lang="en-US" dirty="0" err="1"/>
+              <a:rPr lang="en-US" dirty="0" err="1">
+                <a:latin typeface="Courier New" panose="02070309020205020404" pitchFamily="49" charset="0"/>
+                <a:cs typeface="Courier New" panose="02070309020205020404" pitchFamily="49" charset="0"/>
+              </a:rPr>
               <a:t>args</a:t>
             </a:r>
             <a:r>
-              <a:rPr lang="en-US" dirty="0"/>
+              <a:rPr lang="en-US" dirty="0">
+                <a:latin typeface="Courier New" panose="02070309020205020404" pitchFamily="49" charset="0"/>
+                <a:cs typeface="Courier New" panose="02070309020205020404" pitchFamily="49" charset="0"/>
+              </a:rPr>
               <a:t> /</a:t>
             </a:r>
             <a:r>
-              <a:rPr lang="en-US" dirty="0" err="1"/>
+              <a:rPr lang="en-US" dirty="0" err="1">
+                <a:latin typeface="Courier New" panose="02070309020205020404" pitchFamily="49" charset="0"/>
+                <a:cs typeface="Courier New" panose="02070309020205020404" pitchFamily="49" charset="0"/>
+              </a:rPr>
               <a:t>usr</a:t>
             </a:r>
             <a:r>
-              <a:rPr lang="en-US" dirty="0"/>
+              <a:rPr lang="en-US" dirty="0">
+                <a:latin typeface="Courier New" panose="02070309020205020404" pitchFamily="49" charset="0"/>
+                <a:cs typeface="Courier New" panose="02070309020205020404" pitchFamily="49" charset="0"/>
+              </a:rPr>
               <a:t>/include/x86_64-linux-gnu/</a:t>
             </a:r>
             <a:r>
-              <a:rPr lang="en-US" dirty="0" err="1"/>
+              <a:rPr lang="en-US" dirty="0" err="1">
+                <a:latin typeface="Courier New" panose="02070309020205020404" pitchFamily="49" charset="0"/>
+                <a:cs typeface="Courier New" panose="02070309020205020404" pitchFamily="49" charset="0"/>
+              </a:rPr>
               <a:t>gmp.h</a:t>
             </a:r>
             <a:r>
-              <a:rPr lang="en-US" dirty="0"/>
+              <a:rPr lang="en-US" dirty="0">
+                <a:latin typeface="Courier New" panose="02070309020205020404" pitchFamily="49" charset="0"/>
+                <a:cs typeface="Courier New" panose="02070309020205020404" pitchFamily="49" charset="0"/>
+              </a:rPr>
               <a:t> &gt; api.txt</a:t>
             </a:r>
           </a:p>
@@ -22033,30 +22223,48 @@
             <a:pPr marL="457200" lvl="1" indent="0">
               <a:buNone/>
             </a:pPr>
-            <a:endParaRPr lang="en-US" dirty="0"/>
+            <a:endParaRPr lang="en-US" dirty="0">
+              <a:latin typeface="Courier New" panose="02070309020205020404" pitchFamily="49" charset="0"/>
+              <a:cs typeface="Courier New" panose="02070309020205020404" pitchFamily="49" charset="0"/>
+            </a:endParaRPr>
           </a:p>
           <a:p>
             <a:pPr marL="457200" lvl="1" indent="0">
               <a:buNone/>
             </a:pPr>
             <a:r>
-              <a:rPr lang="en-US" dirty="0"/>
+              <a:rPr lang="en-US" dirty="0">
+                <a:latin typeface="Courier New" panose="02070309020205020404" pitchFamily="49" charset="0"/>
+                <a:cs typeface="Courier New" panose="02070309020205020404" pitchFamily="49" charset="0"/>
+              </a:rPr>
               <a:t>$ </a:t>
             </a:r>
             <a:r>
-              <a:rPr lang="en-US" dirty="0" err="1"/>
+              <a:rPr lang="en-US" dirty="0" err="1">
+                <a:latin typeface="Courier New" panose="02070309020205020404" pitchFamily="49" charset="0"/>
+                <a:cs typeface="Courier New" panose="02070309020205020404" pitchFamily="49" charset="0"/>
+              </a:rPr>
               <a:t>read_binary_api</a:t>
             </a:r>
             <a:r>
-              <a:rPr lang="en-US" dirty="0"/>
+              <a:rPr lang="en-US" dirty="0">
+                <a:latin typeface="Courier New" panose="02070309020205020404" pitchFamily="49" charset="0"/>
+                <a:cs typeface="Courier New" panose="02070309020205020404" pitchFamily="49" charset="0"/>
+              </a:rPr>
               <a:t> --permissive /</a:t>
             </a:r>
             <a:r>
-              <a:rPr lang="en-US" dirty="0" err="1"/>
+              <a:rPr lang="en-US" dirty="0" err="1">
+                <a:latin typeface="Courier New" panose="02070309020205020404" pitchFamily="49" charset="0"/>
+                <a:cs typeface="Courier New" panose="02070309020205020404" pitchFamily="49" charset="0"/>
+              </a:rPr>
               <a:t>usr</a:t>
             </a:r>
             <a:r>
-              <a:rPr lang="en-US" dirty="0"/>
+              <a:rPr lang="en-US" dirty="0">
+                <a:latin typeface="Courier New" panose="02070309020205020404" pitchFamily="49" charset="0"/>
+                <a:cs typeface="Courier New" panose="02070309020205020404" pitchFamily="49" charset="0"/>
+              </a:rPr>
               <a:t>/lib/x86_64-linux-gnu/libgmp.so.10.4.1 &gt; abi.txt</a:t>
             </a:r>
           </a:p>
@@ -22064,22 +22272,34 @@
             <a:pPr marL="457200" lvl="1" indent="0">
               <a:buNone/>
             </a:pPr>
-            <a:endParaRPr lang="en-US" dirty="0"/>
+            <a:endParaRPr lang="en-US" dirty="0">
+              <a:latin typeface="Courier New" panose="02070309020205020404" pitchFamily="49" charset="0"/>
+              <a:cs typeface="Courier New" panose="02070309020205020404" pitchFamily="49" charset="0"/>
+            </a:endParaRPr>
           </a:p>
           <a:p>
             <a:pPr marL="457200" lvl="1" indent="0">
               <a:buNone/>
             </a:pPr>
             <a:r>
-              <a:rPr lang="en-US" dirty="0"/>
+              <a:rPr lang="en-US" dirty="0">
+                <a:latin typeface="Courier New" panose="02070309020205020404" pitchFamily="49" charset="0"/>
+                <a:cs typeface="Courier New" panose="02070309020205020404" pitchFamily="49" charset="0"/>
+              </a:rPr>
               <a:t>$ diff api.txt abi.txt | </a:t>
             </a:r>
             <a:r>
-              <a:rPr lang="en-US" dirty="0" err="1"/>
+              <a:rPr lang="en-US" dirty="0" err="1">
+                <a:latin typeface="Courier New" panose="02070309020205020404" pitchFamily="49" charset="0"/>
+                <a:cs typeface="Courier New" panose="02070309020205020404" pitchFamily="49" charset="0"/>
+              </a:rPr>
               <a:t>wc</a:t>
             </a:r>
             <a:r>
-              <a:rPr lang="en-US" dirty="0"/>
+              <a:rPr lang="en-US" dirty="0">
+                <a:latin typeface="Courier New" panose="02070309020205020404" pitchFamily="49" charset="0"/>
+                <a:cs typeface="Courier New" panose="02070309020205020404" pitchFamily="49" charset="0"/>
+              </a:rPr>
               <a:t> -l</a:t>
             </a:r>
           </a:p>
@@ -22088,7 +22308,10 @@
               <a:buNone/>
             </a:pPr>
             <a:r>
-              <a:rPr lang="en-US" b="1" dirty="0"/>
+              <a:rPr lang="en-US" b="1" dirty="0">
+                <a:latin typeface="Courier New" panose="02070309020205020404" pitchFamily="49" charset="0"/>
+                <a:cs typeface="Courier New" panose="02070309020205020404" pitchFamily="49" charset="0"/>
+              </a:rPr>
               <a:t>323</a:t>
             </a:r>
           </a:p>
@@ -22096,14 +22319,20 @@
             <a:pPr marL="457200" lvl="1" indent="0">
               <a:buNone/>
             </a:pPr>
-            <a:endParaRPr lang="en-US" dirty="0"/>
+            <a:endParaRPr lang="en-US" dirty="0">
+              <a:latin typeface="Courier New" panose="02070309020205020404" pitchFamily="49" charset="0"/>
+              <a:cs typeface="Courier New" panose="02070309020205020404" pitchFamily="49" charset="0"/>
+            </a:endParaRPr>
           </a:p>
           <a:p>
             <a:pPr marL="457200" lvl="1" indent="0">
               <a:buNone/>
             </a:pPr>
             <a:r>
-              <a:rPr lang="en-US" dirty="0"/>
+              <a:rPr lang="en-US" dirty="0">
+                <a:latin typeface="Courier New" panose="02070309020205020404" pitchFamily="49" charset="0"/>
+                <a:cs typeface="Courier New" panose="02070309020205020404" pitchFamily="49" charset="0"/>
+              </a:rPr>
               <a:t>$ diff api.txt abi.txt</a:t>
             </a:r>
           </a:p>
@@ -22112,7 +22341,10 @@
               <a:buNone/>
             </a:pPr>
             <a:r>
-              <a:rPr lang="en-US" dirty="0"/>
+              <a:rPr lang="en-US" dirty="0">
+                <a:latin typeface="Courier New" panose="02070309020205020404" pitchFamily="49" charset="0"/>
+                <a:cs typeface="Courier New" panose="02070309020205020404" pitchFamily="49" charset="0"/>
+              </a:rPr>
               <a:t>0a1,10</a:t>
             </a:r>
           </a:p>
@@ -22121,7 +22353,10 @@
               <a:buNone/>
             </a:pPr>
             <a:r>
-              <a:rPr lang="en-US" b="1" dirty="0"/>
+              <a:rPr lang="en-US" b="1" dirty="0">
+                <a:latin typeface="Courier New" panose="02070309020205020404" pitchFamily="49" charset="0"/>
+                <a:cs typeface="Courier New" panose="02070309020205020404" pitchFamily="49" charset="0"/>
+              </a:rPr>
               <a:t>&gt; __gmp_0</a:t>
             </a:r>
           </a:p>
@@ -22130,49 +22365,79 @@
               <a:buNone/>
             </a:pPr>
             <a:r>
-              <a:rPr lang="en-US" b="1" dirty="0"/>
+              <a:rPr lang="en-US" b="1" dirty="0">
+                <a:latin typeface="Courier New" panose="02070309020205020404" pitchFamily="49" charset="0"/>
+                <a:cs typeface="Courier New" panose="02070309020205020404" pitchFamily="49" charset="0"/>
+              </a:rPr>
               <a:t>&gt; __</a:t>
             </a:r>
             <a:r>
-              <a:rPr lang="en-US" b="1" dirty="0" err="1"/>
+              <a:rPr lang="en-US" b="1" dirty="0" err="1">
+                <a:latin typeface="Courier New" panose="02070309020205020404" pitchFamily="49" charset="0"/>
+                <a:cs typeface="Courier New" panose="02070309020205020404" pitchFamily="49" charset="0"/>
+              </a:rPr>
               <a:t>gmp_allocate_func</a:t>
             </a:r>
-            <a:endParaRPr lang="en-US" b="1" dirty="0"/>
+            <a:endParaRPr lang="en-US" b="1" dirty="0">
+              <a:latin typeface="Courier New" panose="02070309020205020404" pitchFamily="49" charset="0"/>
+              <a:cs typeface="Courier New" panose="02070309020205020404" pitchFamily="49" charset="0"/>
+            </a:endParaRPr>
           </a:p>
           <a:p>
             <a:pPr marL="457200" lvl="1" indent="0">
               <a:buNone/>
             </a:pPr>
             <a:r>
-              <a:rPr lang="en-US" b="1" dirty="0"/>
+              <a:rPr lang="en-US" b="1" dirty="0">
+                <a:latin typeface="Courier New" panose="02070309020205020404" pitchFamily="49" charset="0"/>
+                <a:cs typeface="Courier New" panose="02070309020205020404" pitchFamily="49" charset="0"/>
+              </a:rPr>
               <a:t>&gt; __</a:t>
             </a:r>
             <a:r>
-              <a:rPr lang="en-US" b="1" dirty="0" err="1"/>
+              <a:rPr lang="en-US" b="1" dirty="0" err="1">
+                <a:latin typeface="Courier New" panose="02070309020205020404" pitchFamily="49" charset="0"/>
+                <a:cs typeface="Courier New" panose="02070309020205020404" pitchFamily="49" charset="0"/>
+              </a:rPr>
               <a:t>gmp_asprintf_final</a:t>
             </a:r>
-            <a:endParaRPr lang="en-US" b="1" dirty="0"/>
+            <a:endParaRPr lang="en-US" b="1" dirty="0">
+              <a:latin typeface="Courier New" panose="02070309020205020404" pitchFamily="49" charset="0"/>
+              <a:cs typeface="Courier New" panose="02070309020205020404" pitchFamily="49" charset="0"/>
+            </a:endParaRPr>
           </a:p>
           <a:p>
             <a:pPr marL="457200" lvl="1" indent="0">
               <a:buNone/>
             </a:pPr>
             <a:r>
-              <a:rPr lang="en-US" b="1" dirty="0"/>
+              <a:rPr lang="en-US" b="1" dirty="0">
+                <a:latin typeface="Courier New" panose="02070309020205020404" pitchFamily="49" charset="0"/>
+                <a:cs typeface="Courier New" panose="02070309020205020404" pitchFamily="49" charset="0"/>
+              </a:rPr>
               <a:t>&gt; __</a:t>
             </a:r>
             <a:r>
-              <a:rPr lang="en-US" b="1" dirty="0" err="1"/>
+              <a:rPr lang="en-US" b="1" dirty="0" err="1">
+                <a:latin typeface="Courier New" panose="02070309020205020404" pitchFamily="49" charset="0"/>
+                <a:cs typeface="Courier New" panose="02070309020205020404" pitchFamily="49" charset="0"/>
+              </a:rPr>
               <a:t>gmp_asprintf_funs</a:t>
             </a:r>
-            <a:endParaRPr lang="en-US" b="1" dirty="0"/>
+            <a:endParaRPr lang="en-US" b="1" dirty="0">
+              <a:latin typeface="Courier New" panose="02070309020205020404" pitchFamily="49" charset="0"/>
+              <a:cs typeface="Courier New" panose="02070309020205020404" pitchFamily="49" charset="0"/>
+            </a:endParaRPr>
           </a:p>
           <a:p>
             <a:pPr marL="457200" lvl="1" indent="0">
               <a:buNone/>
             </a:pPr>
             <a:r>
-              <a:rPr lang="en-US" b="1" dirty="0"/>
+              <a:rPr lang="en-US" b="1" dirty="0">
+                <a:latin typeface="Courier New" panose="02070309020205020404" pitchFamily="49" charset="0"/>
+                <a:cs typeface="Courier New" panose="02070309020205020404" pitchFamily="49" charset="0"/>
+              </a:rPr>
               <a:t>…</a:t>
             </a:r>
           </a:p>
@@ -24363,7 +24628,7 @@
           <p:cNvPr id="2" name="Title 1">
             <a:extLst>
               <a:ext uri="{FF2B5EF4-FFF2-40B4-BE49-F238E27FC236}">
-                <a16:creationId xmlns:a16="http://schemas.microsoft.com/office/drawing/2014/main" id="{BA4A0742-007F-4576-9460-A8607D634745}"/>
+                <a16:creationId xmlns:a16="http://schemas.microsoft.com/office/drawing/2014/main" id="{E20D1D78-8C9F-4C59-9456-FF1FD01FE452}"/>
               </a:ext>
             </a:extLst>
           </p:cNvPr>
@@ -24381,12 +24646,9 @@
           <a:p>
             <a:r>
               <a:rPr lang="ru-RU" dirty="0"/>
-              <a:t>Преимущества </a:t>
-            </a:r>
-            <a:r>
-              <a:rPr lang="en-US" dirty="0"/>
-              <a:t>DLL</a:t>
-            </a:r>
+              <a:t>Использование динамических библиотек</a:t>
+            </a:r>
+            <a:endParaRPr lang="en-US" dirty="0"/>
           </a:p>
         </p:txBody>
       </p:sp>
@@ -24395,7 +24657,7 @@
           <p:cNvPr id="3" name="Content Placeholder 2">
             <a:extLst>
               <a:ext uri="{FF2B5EF4-FFF2-40B4-BE49-F238E27FC236}">
-                <a16:creationId xmlns:a16="http://schemas.microsoft.com/office/drawing/2014/main" id="{800FC03B-9AD8-4AE4-B8AF-6C64E29AB20E}"/>
+                <a16:creationId xmlns:a16="http://schemas.microsoft.com/office/drawing/2014/main" id="{C7C9F386-0B77-47F8-9C2F-C0FBAF3FCA37}"/>
               </a:ext>
             </a:extLst>
           </p:cNvPr>
@@ -24409,147 +24671,185 @@
         <p:spPr/>
         <p:txBody>
           <a:bodyPr>
-            <a:normAutofit fontScale="92500"/>
+            <a:normAutofit lnSpcReduction="10000"/>
           </a:bodyPr>
           <a:lstStyle/>
           <a:p>
             <a:r>
               <a:rPr lang="ru-RU" dirty="0"/>
-              <a:t>Быстрые системные обновления </a:t>
+              <a:t>Два основных способа</a:t>
+            </a:r>
+            <a:r>
+              <a:rPr lang="en-US" dirty="0"/>
+              <a:t>:</a:t>
             </a:r>
           </a:p>
           <a:p>
             <a:pPr lvl="1"/>
             <a:r>
               <a:rPr lang="ru-RU" dirty="0"/>
-              <a:t>Зависимые файлы не нужно перекомпилировать при обновлении библиотеки</a:t>
-            </a:r>
-          </a:p>
-          <a:p>
-            <a:r>
-              <a:rPr lang="ru-RU" dirty="0"/>
-              <a:t>Экономия оперативной памяти и диска</a:t>
+              <a:t>Традиционное </a:t>
+            </a:r>
+            <a:r>
+              <a:rPr lang="en-US" dirty="0"/>
+              <a:t>link-time </a:t>
+            </a:r>
+            <a:r>
+              <a:rPr lang="ru-RU" dirty="0"/>
+              <a:t>связывание</a:t>
             </a:r>
             <a:endParaRPr lang="en-US" dirty="0"/>
           </a:p>
           <a:p>
+            <a:pPr marL="914400" lvl="2" indent="0">
+              <a:buNone/>
+            </a:pPr>
+            <a:r>
+              <a:rPr lang="en-US" dirty="0" err="1">
+                <a:latin typeface="Courier New" panose="02070309020205020404" pitchFamily="49" charset="0"/>
+                <a:cs typeface="Courier New" panose="02070309020205020404" pitchFamily="49" charset="0"/>
+              </a:rPr>
+              <a:t>gcc</a:t>
+            </a:r>
+            <a:r>
+              <a:rPr lang="en-US" dirty="0">
+                <a:latin typeface="Courier New" panose="02070309020205020404" pitchFamily="49" charset="0"/>
+                <a:cs typeface="Courier New" panose="02070309020205020404" pitchFamily="49" charset="0"/>
+              </a:rPr>
+              <a:t> </a:t>
+            </a:r>
+            <a:r>
+              <a:rPr lang="en-US" dirty="0" err="1">
+                <a:latin typeface="Courier New" panose="02070309020205020404" pitchFamily="49" charset="0"/>
+                <a:cs typeface="Courier New" panose="02070309020205020404" pitchFamily="49" charset="0"/>
+              </a:rPr>
+              <a:t>program.o</a:t>
+            </a:r>
+            <a:r>
+              <a:rPr lang="en-US" dirty="0">
+                <a:latin typeface="Courier New" panose="02070309020205020404" pitchFamily="49" charset="0"/>
+                <a:cs typeface="Courier New" panose="02070309020205020404" pitchFamily="49" charset="0"/>
+              </a:rPr>
+              <a:t> -</a:t>
+            </a:r>
+            <a:r>
+              <a:rPr lang="en-US" dirty="0" err="1">
+                <a:latin typeface="Courier New" panose="02070309020205020404" pitchFamily="49" charset="0"/>
+                <a:cs typeface="Courier New" panose="02070309020205020404" pitchFamily="49" charset="0"/>
+              </a:rPr>
+              <a:t>lgmp</a:t>
+            </a:r>
+            <a:endParaRPr lang="en-US" dirty="0">
+              <a:latin typeface="Courier New" panose="02070309020205020404" pitchFamily="49" charset="0"/>
+              <a:cs typeface="Courier New" panose="02070309020205020404" pitchFamily="49" charset="0"/>
+            </a:endParaRPr>
+          </a:p>
+          <a:p>
+            <a:pPr marL="914400" lvl="2" indent="0">
+              <a:buNone/>
+            </a:pPr>
+            <a:r>
+              <a:rPr lang="en-US" dirty="0">
+                <a:latin typeface="Courier New" panose="02070309020205020404" pitchFamily="49" charset="0"/>
+                <a:cs typeface="Courier New" panose="02070309020205020404" pitchFamily="49" charset="0"/>
+              </a:rPr>
+              <a:t>link.exe program.obj libgmp.lib</a:t>
+            </a:r>
+          </a:p>
+          <a:p>
             <a:pPr lvl="1"/>
             <a:r>
-              <a:rPr lang="en-US" dirty="0"/>
-              <a:t>~1.1G RAM </a:t>
-            </a:r>
-            <a:r>
-              <a:rPr lang="ru-RU" dirty="0"/>
-              <a:t>на </a:t>
-            </a:r>
-            <a:r>
-              <a:rPr lang="en-US" dirty="0"/>
-              <a:t>Ubuntu Desktop (</a:t>
-            </a:r>
-            <a:r>
-              <a:rPr lang="ru-RU" dirty="0"/>
-              <a:t>с запущенным </a:t>
-            </a:r>
-            <a:r>
-              <a:rPr lang="en-US" dirty="0"/>
-              <a:t>Firefox/</a:t>
-            </a:r>
-            <a:r>
-              <a:rPr lang="en-US" dirty="0" err="1"/>
-              <a:t>KOffice</a:t>
-            </a:r>
-            <a:r>
-              <a:rPr lang="en-US" dirty="0"/>
-              <a:t>/Thunderbird, </a:t>
-            </a:r>
-            <a:r>
-              <a:rPr lang="ru-RU" dirty="0"/>
-              <a:t>по методологии из </a:t>
-            </a:r>
+              <a:rPr lang="ru-RU" dirty="0"/>
+              <a:t>Связывание на этапе исполнения</a:t>
+            </a:r>
+            <a:r>
+              <a:rPr lang="en-US" dirty="0"/>
+              <a:t> (run-time loading, dynamic loading)</a:t>
+            </a:r>
+          </a:p>
+          <a:p>
+            <a:pPr marL="914400" lvl="2" indent="0">
+              <a:buNone/>
+            </a:pPr>
             <a:r>
               <a:rPr lang="en-US" dirty="0">
-                <a:hlinkClick r:id="rId3"/>
+                <a:latin typeface="Courier New" panose="02070309020205020404" pitchFamily="49" charset="0"/>
+                <a:cs typeface="Courier New" panose="02070309020205020404" pitchFamily="49" charset="0"/>
               </a:rPr>
-              <a:t>No significant memory savings from shared libraries</a:t>
-            </a:r>
-            <a:r>
-              <a:rPr lang="en-US" dirty="0"/>
-              <a:t>)</a:t>
-            </a:r>
+              <a:t>void *lib = </a:t>
+            </a:r>
+            <a:r>
+              <a:rPr lang="en-US" dirty="0" err="1">
+                <a:latin typeface="Courier New" panose="02070309020205020404" pitchFamily="49" charset="0"/>
+                <a:cs typeface="Courier New" panose="02070309020205020404" pitchFamily="49" charset="0"/>
+              </a:rPr>
+              <a:t>dlopen</a:t>
+            </a:r>
+            <a:r>
+              <a:rPr lang="en-US" dirty="0">
+                <a:latin typeface="Courier New" panose="02070309020205020404" pitchFamily="49" charset="0"/>
+                <a:cs typeface="Courier New" panose="02070309020205020404" pitchFamily="49" charset="0"/>
+              </a:rPr>
+              <a:t>(“libgmp.so”, RTLD_LAZY | RTLD_GLOBAL);</a:t>
+            </a:r>
+          </a:p>
+          <a:p>
+            <a:pPr marL="914400" lvl="2" indent="0">
+              <a:buNone/>
+            </a:pPr>
+            <a:r>
+              <a:rPr lang="en-US" dirty="0">
+                <a:latin typeface="Courier New" panose="02070309020205020404" pitchFamily="49" charset="0"/>
+                <a:cs typeface="Courier New" panose="02070309020205020404" pitchFamily="49" charset="0"/>
+              </a:rPr>
+              <a:t>HANDLE lib = </a:t>
+            </a:r>
+            <a:r>
+              <a:rPr lang="en-US" dirty="0" err="1">
+                <a:latin typeface="Courier New" panose="02070309020205020404" pitchFamily="49" charset="0"/>
+                <a:cs typeface="Courier New" panose="02070309020205020404" pitchFamily="49" charset="0"/>
+              </a:rPr>
+              <a:t>LoadLibrary</a:t>
+            </a:r>
+            <a:r>
+              <a:rPr lang="en-US" dirty="0">
+                <a:latin typeface="Courier New" panose="02070309020205020404" pitchFamily="49" charset="0"/>
+                <a:cs typeface="Courier New" panose="02070309020205020404" pitchFamily="49" charset="0"/>
+              </a:rPr>
+              <a:t>(“libgmp.dll”);</a:t>
+            </a:r>
+            <a:endParaRPr lang="ru-RU" dirty="0">
+              <a:latin typeface="Courier New" panose="02070309020205020404" pitchFamily="49" charset="0"/>
+              <a:cs typeface="Courier New" panose="02070309020205020404" pitchFamily="49" charset="0"/>
+            </a:endParaRPr>
+          </a:p>
+          <a:p>
+            <a:r>
+              <a:rPr lang="ru-RU" dirty="0"/>
+              <a:t>При традиционном связывании библиотека будет загружена на старте программы</a:t>
+            </a:r>
+          </a:p>
+          <a:p>
+            <a:r>
+              <a:rPr lang="ru-RU" dirty="0"/>
+              <a:t>При втором варианте – в любом месте программы</a:t>
+            </a:r>
+            <a:endParaRPr lang="en-US" dirty="0"/>
           </a:p>
           <a:p>
             <a:pPr lvl="1"/>
             <a:r>
-              <a:rPr lang="en-US" dirty="0"/>
-              <a:t>~20G HDD </a:t>
-            </a:r>
-            <a:r>
-              <a:rPr lang="ru-RU" dirty="0"/>
-              <a:t>на </a:t>
-            </a:r>
-            <a:r>
-              <a:rPr lang="en-US" dirty="0"/>
-              <a:t>Ubuntu Desktop (</a:t>
-            </a:r>
-            <a:r>
-              <a:rPr lang="ru-RU" dirty="0"/>
-              <a:t>с </a:t>
-            </a:r>
-            <a:r>
-              <a:rPr lang="en-US" dirty="0" err="1"/>
-              <a:t>KOffice</a:t>
-            </a:r>
-            <a:r>
-              <a:rPr lang="en-US" dirty="0"/>
-              <a:t>, Firefox, etc.)</a:t>
-            </a:r>
-            <a:endParaRPr lang="ru-RU" dirty="0"/>
-          </a:p>
-          <a:p>
-            <a:r>
-              <a:rPr lang="ru-RU" dirty="0"/>
-              <a:t>Поддержка более сложных сценариев работы</a:t>
-            </a:r>
-            <a:r>
-              <a:rPr lang="en-US" dirty="0"/>
-              <a:t>:</a:t>
-            </a:r>
-          </a:p>
-          <a:p>
-            <a:pPr lvl="1"/>
-            <a:r>
-              <a:rPr lang="ru-RU" dirty="0"/>
-              <a:t>Отложенная загрузка </a:t>
-            </a:r>
-            <a:r>
-              <a:rPr lang="en-US" dirty="0"/>
-              <a:t>DLL (lazy loading)</a:t>
-            </a:r>
-          </a:p>
-          <a:p>
-            <a:pPr lvl="1"/>
-            <a:r>
-              <a:rPr lang="ru-RU" dirty="0"/>
-              <a:t>Загрузка пользовательских динамических расширений (плагинов)</a:t>
-            </a:r>
-          </a:p>
-          <a:p>
-            <a:pPr lvl="1"/>
-            <a:r>
-              <a:rPr lang="ru-RU" dirty="0"/>
-              <a:t>Загрузка</a:t>
-            </a:r>
-            <a:r>
-              <a:rPr lang="en-US" dirty="0"/>
-              <a:t> </a:t>
-            </a:r>
-            <a:r>
-              <a:rPr lang="ru-RU" dirty="0"/>
-              <a:t>наиболее различных версий библиотеки в зависимости от окружения (например от возможностей процессора)</a:t>
-            </a:r>
-            <a:endParaRPr lang="en-US" dirty="0"/>
-          </a:p>
-          <a:p>
+              <a:rPr lang="ru-RU" dirty="0"/>
+              <a:t>Открывает возможность для использования </a:t>
+            </a:r>
+            <a:r>
+              <a:rPr lang="en-US" dirty="0"/>
+              <a:t>lazy loading, </a:t>
+            </a:r>
+            <a:r>
+              <a:rPr lang="ru-RU" dirty="0"/>
+              <a:t>плагинов и пр.</a:t>
+            </a:r>
             <a:endParaRPr lang="en-US" dirty="0"/>
           </a:p>
         </p:txBody>
@@ -24557,7 +24857,7 @@
     </p:spTree>
     <p:extLst>
       <p:ext uri="{BB962C8B-B14F-4D97-AF65-F5344CB8AC3E}">
-        <p14:creationId xmlns:p14="http://schemas.microsoft.com/office/powerpoint/2010/main" val="107301343"/>
+        <p14:creationId xmlns:p14="http://schemas.microsoft.com/office/powerpoint/2010/main" val="1420442731"/>
       </p:ext>
     </p:extLst>
   </p:cSld>
@@ -24607,7 +24907,7 @@
           <a:p>
             <a:r>
               <a:rPr lang="ru-RU" dirty="0"/>
-              <a:t>Недостатки </a:t>
+              <a:t>Преимущества </a:t>
             </a:r>
             <a:r>
               <a:rPr lang="en-US" dirty="0"/>
@@ -24634,49 +24934,148 @@
         </p:nvSpPr>
         <p:spPr/>
         <p:txBody>
-          <a:bodyPr/>
-          <a:lstStyle/>
-          <a:p>
-            <a:r>
-              <a:rPr lang="ru-RU" dirty="0"/>
-              <a:t>Накладные загрузки при старте программы</a:t>
+          <a:bodyPr>
+            <a:normAutofit fontScale="92500"/>
+          </a:bodyPr>
+          <a:lstStyle/>
+          <a:p>
+            <a:r>
+              <a:rPr lang="ru-RU" dirty="0"/>
+              <a:t>Быстрые системные обновления </a:t>
             </a:r>
           </a:p>
           <a:p>
             <a:pPr lvl="1"/>
             <a:r>
               <a:rPr lang="ru-RU" dirty="0"/>
-              <a:t>Поиск и загрузка библиотек, разрешение символов</a:t>
-            </a:r>
-          </a:p>
-          <a:p>
-            <a:r>
-              <a:rPr lang="ru-RU" dirty="0"/>
-              <a:t>Накладные расходы при вызове библиотечных функций</a:t>
+              <a:t>Зависимые файлы не нужно перекомпилировать при обновлении библиотеки</a:t>
+            </a:r>
+          </a:p>
+          <a:p>
+            <a:r>
+              <a:rPr lang="ru-RU" dirty="0"/>
+              <a:t>Экономия оперативной памяти и диска</a:t>
             </a:r>
             <a:endParaRPr lang="en-US" dirty="0"/>
           </a:p>
           <a:p>
-            <a:r>
-              <a:rPr lang="ru-RU" dirty="0"/>
-              <a:t>Более хрупкая инфраструктура</a:t>
+            <a:pPr lvl="1"/>
+            <a:r>
+              <a:rPr lang="en-US" dirty="0"/>
+              <a:t>~1.1G RAM </a:t>
+            </a:r>
+            <a:r>
+              <a:rPr lang="ru-RU" dirty="0"/>
+              <a:t>на </a:t>
+            </a:r>
+            <a:r>
+              <a:rPr lang="en-US" dirty="0"/>
+              <a:t>Ubuntu Desktop (</a:t>
+            </a:r>
+            <a:r>
+              <a:rPr lang="ru-RU" dirty="0"/>
+              <a:t>с запущенным </a:t>
+            </a:r>
+            <a:r>
+              <a:rPr lang="en-US" dirty="0"/>
+              <a:t>Firefox/</a:t>
+            </a:r>
+            <a:r>
+              <a:rPr lang="en-US" dirty="0" err="1"/>
+              <a:t>KOffice</a:t>
+            </a:r>
+            <a:r>
+              <a:rPr lang="en-US" dirty="0"/>
+              <a:t>/Thunderbird, </a:t>
+            </a:r>
+            <a:r>
+              <a:rPr lang="ru-RU" dirty="0"/>
+              <a:t>по методологии из </a:t>
+            </a:r>
+            <a:r>
+              <a:rPr lang="en-US" dirty="0">
+                <a:hlinkClick r:id="rId3"/>
+              </a:rPr>
+              <a:t>No significant memory savings from shared libraries</a:t>
+            </a:r>
+            <a:r>
+              <a:rPr lang="en-US" dirty="0"/>
+              <a:t>)</a:t>
+            </a:r>
+          </a:p>
+          <a:p>
+            <a:pPr lvl="1"/>
+            <a:r>
+              <a:rPr lang="en-US" dirty="0"/>
+              <a:t>~20G HDD </a:t>
+            </a:r>
+            <a:r>
+              <a:rPr lang="ru-RU" dirty="0"/>
+              <a:t>на </a:t>
+            </a:r>
+            <a:r>
+              <a:rPr lang="en-US" dirty="0"/>
+              <a:t>Ubuntu Desktop (</a:t>
+            </a:r>
+            <a:r>
+              <a:rPr lang="ru-RU" dirty="0"/>
+              <a:t>с </a:t>
+            </a:r>
+            <a:r>
+              <a:rPr lang="en-US" dirty="0" err="1"/>
+              <a:t>KOffice</a:t>
+            </a:r>
+            <a:r>
+              <a:rPr lang="en-US" dirty="0"/>
+              <a:t>, Firefox, etc.)</a:t>
+            </a:r>
+            <a:endParaRPr lang="ru-RU" dirty="0"/>
+          </a:p>
+          <a:p>
+            <a:r>
+              <a:rPr lang="ru-RU" dirty="0"/>
+              <a:t>Поддержка более сложных сценариев работы</a:t>
+            </a:r>
+            <a:r>
+              <a:rPr lang="en-US" dirty="0"/>
+              <a:t>:</a:t>
+            </a:r>
+          </a:p>
+          <a:p>
+            <a:pPr lvl="1"/>
+            <a:r>
+              <a:rPr lang="ru-RU" dirty="0"/>
+              <a:t>Отложенная загрузка </a:t>
+            </a:r>
+            <a:r>
+              <a:rPr lang="en-US" dirty="0"/>
+              <a:t>DLL (lazy loading)</a:t>
+            </a:r>
+          </a:p>
+          <a:p>
+            <a:pPr lvl="1"/>
+            <a:r>
+              <a:rPr lang="ru-RU" dirty="0"/>
+              <a:t>Загрузка пользовательских динамических расширений (плагинов)</a:t>
+            </a:r>
+          </a:p>
+          <a:p>
+            <a:pPr lvl="1"/>
+            <a:r>
+              <a:rPr lang="ru-RU" dirty="0"/>
+              <a:t>Загрузка</a:t>
+            </a:r>
+            <a:r>
+              <a:rPr lang="en-US" dirty="0"/>
+              <a:t> </a:t>
+            </a:r>
+            <a:r>
+              <a:rPr lang="ru-RU" dirty="0"/>
+              <a:t>наиболее различных версий библиотеки в зависимости от окружения (например от возможностей процессора)</a:t>
             </a:r>
             <a:endParaRPr lang="en-US" dirty="0"/>
           </a:p>
           <a:p>
-            <a:pPr lvl="1"/>
-            <a:r>
-              <a:rPr lang="ru-RU" dirty="0"/>
-              <a:t>Высокая вероятность сбоев при установке несовместимых версий библиотек (</a:t>
-            </a:r>
-            <a:r>
-              <a:rPr lang="en-US" dirty="0"/>
-              <a:t>DLL hell</a:t>
-            </a:r>
-            <a:r>
-              <a:rPr lang="ru-RU" dirty="0"/>
-              <a:t>)</a:t>
-            </a:r>
             <a:endParaRPr lang="en-US" dirty="0"/>
           </a:p>
         </p:txBody>
@@ -24684,7 +25083,7 @@
     </p:spTree>
     <p:extLst>
       <p:ext uri="{BB962C8B-B14F-4D97-AF65-F5344CB8AC3E}">
-        <p14:creationId xmlns:p14="http://schemas.microsoft.com/office/powerpoint/2010/main" val="2572590090"/>
+        <p14:creationId xmlns:p14="http://schemas.microsoft.com/office/powerpoint/2010/main" val="107301343"/>
       </p:ext>
     </p:extLst>
   </p:cSld>
@@ -24716,7 +25115,7 @@
           <p:cNvPr id="2" name="Title 1">
             <a:extLst>
               <a:ext uri="{FF2B5EF4-FFF2-40B4-BE49-F238E27FC236}">
-                <a16:creationId xmlns:a16="http://schemas.microsoft.com/office/drawing/2014/main" id="{E20D1D78-8C9F-4C59-9456-FF1FD01FE452}"/>
+                <a16:creationId xmlns:a16="http://schemas.microsoft.com/office/drawing/2014/main" id="{BA4A0742-007F-4576-9460-A8607D634745}"/>
               </a:ext>
             </a:extLst>
           </p:cNvPr>
@@ -24734,209 +25133,75 @@
           <a:p>
             <a:r>
               <a:rPr lang="ru-RU" dirty="0"/>
-              <a:t>Использование динамических библиотек</a:t>
+              <a:t>Недостатки </a:t>
+            </a:r>
+            <a:r>
+              <a:rPr lang="en-US" dirty="0"/>
+              <a:t>DLL</a:t>
+            </a:r>
+          </a:p>
+        </p:txBody>
+      </p:sp>
+      <p:sp>
+        <p:nvSpPr>
+          <p:cNvPr id="3" name="Content Placeholder 2">
+            <a:extLst>
+              <a:ext uri="{FF2B5EF4-FFF2-40B4-BE49-F238E27FC236}">
+                <a16:creationId xmlns:a16="http://schemas.microsoft.com/office/drawing/2014/main" id="{800FC03B-9AD8-4AE4-B8AF-6C64E29AB20E}"/>
+              </a:ext>
+            </a:extLst>
+          </p:cNvPr>
+          <p:cNvSpPr>
+            <a:spLocks noGrp="1"/>
+          </p:cNvSpPr>
+          <p:nvPr>
+            <p:ph idx="1"/>
+          </p:nvPr>
+        </p:nvSpPr>
+        <p:spPr/>
+        <p:txBody>
+          <a:bodyPr/>
+          <a:lstStyle/>
+          <a:p>
+            <a:r>
+              <a:rPr lang="ru-RU" dirty="0"/>
+              <a:t>Накладные загрузки при старте программы</a:t>
+            </a:r>
+          </a:p>
+          <a:p>
+            <a:pPr lvl="1"/>
+            <a:r>
+              <a:rPr lang="ru-RU" dirty="0"/>
+              <a:t>Поиск и загрузка библиотек, разрешение символов</a:t>
+            </a:r>
+          </a:p>
+          <a:p>
+            <a:r>
+              <a:rPr lang="ru-RU" dirty="0"/>
+              <a:t>Накладные расходы при вызове библиотечных функций</a:t>
             </a:r>
             <a:endParaRPr lang="en-US" dirty="0"/>
           </a:p>
-        </p:txBody>
-      </p:sp>
-      <p:sp>
-        <p:nvSpPr>
-          <p:cNvPr id="3" name="Content Placeholder 2">
-            <a:extLst>
-              <a:ext uri="{FF2B5EF4-FFF2-40B4-BE49-F238E27FC236}">
-                <a16:creationId xmlns:a16="http://schemas.microsoft.com/office/drawing/2014/main" id="{C7C9F386-0B77-47F8-9C2F-C0FBAF3FCA37}"/>
-              </a:ext>
-            </a:extLst>
-          </p:cNvPr>
-          <p:cNvSpPr>
-            <a:spLocks noGrp="1"/>
-          </p:cNvSpPr>
-          <p:nvPr>
-            <p:ph idx="1"/>
-          </p:nvPr>
-        </p:nvSpPr>
-        <p:spPr/>
-        <p:txBody>
-          <a:bodyPr>
-            <a:normAutofit lnSpcReduction="10000"/>
-          </a:bodyPr>
-          <a:lstStyle/>
-          <a:p>
-            <a:r>
-              <a:rPr lang="ru-RU" dirty="0"/>
-              <a:t>Два основных способа</a:t>
-            </a:r>
-            <a:r>
-              <a:rPr lang="en-US" dirty="0"/>
-              <a:t>:</a:t>
-            </a:r>
+          <a:p>
+            <a:r>
+              <a:rPr lang="ru-RU" dirty="0"/>
+              <a:t>Более хрупкая инфраструктура</a:t>
+            </a:r>
+            <a:endParaRPr lang="en-US" dirty="0"/>
           </a:p>
           <a:p>
             <a:pPr lvl="1"/>
             <a:r>
               <a:rPr lang="ru-RU" dirty="0"/>
-              <a:t>Традиционное </a:t>
-            </a:r>
-            <a:r>
-              <a:rPr lang="en-US" dirty="0"/>
-              <a:t>link-time </a:t>
-            </a:r>
-            <a:r>
-              <a:rPr lang="ru-RU" dirty="0"/>
-              <a:t>связывание</a:t>
-            </a:r>
-            <a:endParaRPr lang="en-US" dirty="0"/>
-          </a:p>
-          <a:p>
-            <a:pPr marL="914400" lvl="2" indent="0">
-              <a:buNone/>
-            </a:pPr>
-            <a:r>
-              <a:rPr lang="en-US" dirty="0" err="1">
-                <a:latin typeface="Courier New" panose="02070309020205020404" pitchFamily="49" charset="0"/>
-                <a:cs typeface="Courier New" panose="02070309020205020404" pitchFamily="49" charset="0"/>
-              </a:rPr>
-              <a:t>gcc</a:t>
-            </a:r>
-            <a:r>
-              <a:rPr lang="en-US" dirty="0">
-                <a:latin typeface="Courier New" panose="02070309020205020404" pitchFamily="49" charset="0"/>
-                <a:cs typeface="Courier New" panose="02070309020205020404" pitchFamily="49" charset="0"/>
-              </a:rPr>
-              <a:t> </a:t>
-            </a:r>
-            <a:r>
-              <a:rPr lang="en-US" dirty="0" err="1">
-                <a:latin typeface="Courier New" panose="02070309020205020404" pitchFamily="49" charset="0"/>
-                <a:cs typeface="Courier New" panose="02070309020205020404" pitchFamily="49" charset="0"/>
-              </a:rPr>
-              <a:t>program.o</a:t>
-            </a:r>
-            <a:r>
-              <a:rPr lang="en-US" dirty="0">
-                <a:latin typeface="Courier New" panose="02070309020205020404" pitchFamily="49" charset="0"/>
-                <a:cs typeface="Courier New" panose="02070309020205020404" pitchFamily="49" charset="0"/>
-              </a:rPr>
-              <a:t> -</a:t>
-            </a:r>
-            <a:r>
-              <a:rPr lang="en-US" dirty="0" err="1">
-                <a:latin typeface="Courier New" panose="02070309020205020404" pitchFamily="49" charset="0"/>
-                <a:cs typeface="Courier New" panose="02070309020205020404" pitchFamily="49" charset="0"/>
-              </a:rPr>
-              <a:t>lgmp</a:t>
-            </a:r>
-            <a:endParaRPr lang="en-US" dirty="0">
-              <a:latin typeface="Courier New" panose="02070309020205020404" pitchFamily="49" charset="0"/>
-              <a:cs typeface="Courier New" panose="02070309020205020404" pitchFamily="49" charset="0"/>
-            </a:endParaRPr>
-          </a:p>
-          <a:p>
-            <a:pPr marL="914400" lvl="2" indent="0">
-              <a:buNone/>
-            </a:pPr>
-            <a:r>
-              <a:rPr lang="en-US" dirty="0">
-                <a:latin typeface="Courier New" panose="02070309020205020404" pitchFamily="49" charset="0"/>
-                <a:cs typeface="Courier New" panose="02070309020205020404" pitchFamily="49" charset="0"/>
-              </a:rPr>
-              <a:t>link.exe program.obj libgmp.lib</a:t>
-            </a:r>
-          </a:p>
-          <a:p>
-            <a:pPr lvl="1"/>
-            <a:r>
-              <a:rPr lang="ru-RU" dirty="0"/>
-              <a:t>Связывание на этапе исполнения</a:t>
-            </a:r>
-            <a:r>
-              <a:rPr lang="en-US" dirty="0"/>
-              <a:t> (run-time loading, dynamic loading)</a:t>
-            </a:r>
-          </a:p>
-          <a:p>
-            <a:pPr marL="914400" lvl="2" indent="0">
-              <a:buNone/>
-            </a:pPr>
-            <a:r>
-              <a:rPr lang="en-US" dirty="0">
-                <a:latin typeface="Courier New" panose="02070309020205020404" pitchFamily="49" charset="0"/>
-                <a:cs typeface="Courier New" panose="02070309020205020404" pitchFamily="49" charset="0"/>
-              </a:rPr>
-              <a:t>void *lib = </a:t>
-            </a:r>
-            <a:r>
-              <a:rPr lang="en-US" dirty="0" err="1">
-                <a:latin typeface="Courier New" panose="02070309020205020404" pitchFamily="49" charset="0"/>
-                <a:cs typeface="Courier New" panose="02070309020205020404" pitchFamily="49" charset="0"/>
-              </a:rPr>
-              <a:t>dlopen</a:t>
-            </a:r>
-            <a:r>
-              <a:rPr lang="en-US" dirty="0">
-                <a:latin typeface="Courier New" panose="02070309020205020404" pitchFamily="49" charset="0"/>
-                <a:cs typeface="Courier New" panose="02070309020205020404" pitchFamily="49" charset="0"/>
-              </a:rPr>
-              <a:t>(“libgmp.so”, RTLD_LAZY | RTLD_GLOBAL);</a:t>
-            </a:r>
-          </a:p>
-          <a:p>
-            <a:pPr marL="914400" lvl="2" indent="0">
-              <a:buNone/>
-            </a:pPr>
-            <a:r>
-              <a:rPr lang="en-US" dirty="0">
-                <a:latin typeface="Courier New" panose="02070309020205020404" pitchFamily="49" charset="0"/>
-                <a:cs typeface="Courier New" panose="02070309020205020404" pitchFamily="49" charset="0"/>
-              </a:rPr>
-              <a:t>HANDLE lib = </a:t>
-            </a:r>
-            <a:r>
-              <a:rPr lang="en-US" dirty="0" err="1">
-                <a:latin typeface="Courier New" panose="02070309020205020404" pitchFamily="49" charset="0"/>
-                <a:cs typeface="Courier New" panose="02070309020205020404" pitchFamily="49" charset="0"/>
-              </a:rPr>
-              <a:t>LoadLibrary</a:t>
-            </a:r>
-            <a:r>
-              <a:rPr lang="en-US" dirty="0">
-                <a:latin typeface="Courier New" panose="02070309020205020404" pitchFamily="49" charset="0"/>
-                <a:cs typeface="Courier New" panose="02070309020205020404" pitchFamily="49" charset="0"/>
-              </a:rPr>
-              <a:t>(“libgmp.dll”);</a:t>
-            </a:r>
-            <a:endParaRPr lang="ru-RU" dirty="0">
-              <a:latin typeface="Courier New" panose="02070309020205020404" pitchFamily="49" charset="0"/>
-              <a:cs typeface="Courier New" panose="02070309020205020404" pitchFamily="49" charset="0"/>
-            </a:endParaRPr>
-          </a:p>
-          <a:p>
-            <a:r>
-              <a:rPr lang="ru-RU" dirty="0"/>
-              <a:t>При традиционном связывании библиотека будет загружена на старте программы</a:t>
-            </a:r>
-          </a:p>
-          <a:p>
-            <a:r>
-              <a:rPr lang="ru-RU" dirty="0"/>
-              <a:t>При втором варианте – в любом месте программы</a:t>
-            </a:r>
-            <a:endParaRPr lang="en-US" dirty="0"/>
-          </a:p>
-          <a:p>
-            <a:pPr lvl="1"/>
-            <a:r>
-              <a:rPr lang="ru-RU" dirty="0"/>
-              <a:t>Открывает возможность для использования </a:t>
-            </a:r>
-            <a:r>
-              <a:rPr lang="en-US" dirty="0"/>
-              <a:t>lazy loading, </a:t>
-            </a:r>
-            <a:r>
-              <a:rPr lang="ru-RU" dirty="0"/>
-              <a:t>плагинов и пр.</a:t>
+              <a:t>Высокая вероятность сбоев при установке несовместимых версий библиотек (</a:t>
+            </a:r>
+            <a:r>
+              <a:rPr lang="en-US" dirty="0"/>
+              <a:t>DLL hell</a:t>
+            </a:r>
+            <a:r>
+              <a:rPr lang="ru-RU" dirty="0"/>
+              <a:t>)</a:t>
             </a:r>
             <a:endParaRPr lang="en-US" dirty="0"/>
           </a:p>
@@ -24945,7 +25210,7 @@
     </p:spTree>
     <p:extLst>
       <p:ext uri="{BB962C8B-B14F-4D97-AF65-F5344CB8AC3E}">
-        <p14:creationId xmlns:p14="http://schemas.microsoft.com/office/powerpoint/2010/main" val="1420442731"/>
+        <p14:creationId xmlns:p14="http://schemas.microsoft.com/office/powerpoint/2010/main" val="2572590090"/>
       </p:ext>
     </p:extLst>
   </p:cSld>

--- a/2024/RU.pptx
+++ b/2024/RU.pptx
@@ -5,7 +5,7 @@
     <p:sldMasterId id="2147483648" r:id="rId1"/>
   </p:sldMasterIdLst>
   <p:notesMasterIdLst>
-    <p:notesMasterId r:id="rId68"/>
+    <p:notesMasterId r:id="rId71"/>
   </p:notesMasterIdLst>
   <p:sldIdLst>
     <p:sldId id="256" r:id="rId2"/>
@@ -67,13 +67,16 @@
     <p:sldId id="365" r:id="rId58"/>
     <p:sldId id="364" r:id="rId59"/>
     <p:sldId id="338" r:id="rId60"/>
-    <p:sldId id="319" r:id="rId61"/>
-    <p:sldId id="299" r:id="rId62"/>
-    <p:sldId id="349" r:id="rId63"/>
-    <p:sldId id="350" r:id="rId64"/>
-    <p:sldId id="346" r:id="rId65"/>
-    <p:sldId id="352" r:id="rId66"/>
-    <p:sldId id="353" r:id="rId67"/>
+    <p:sldId id="379" r:id="rId61"/>
+    <p:sldId id="377" r:id="rId62"/>
+    <p:sldId id="378" r:id="rId63"/>
+    <p:sldId id="319" r:id="rId64"/>
+    <p:sldId id="299" r:id="rId65"/>
+    <p:sldId id="349" r:id="rId66"/>
+    <p:sldId id="350" r:id="rId67"/>
+    <p:sldId id="346" r:id="rId68"/>
+    <p:sldId id="352" r:id="rId69"/>
+    <p:sldId id="353" r:id="rId70"/>
   </p:sldIdLst>
   <p:sldSz cx="12192000" cy="6858000"/>
   <p:notesSz cx="6858000" cy="9144000"/>
@@ -834,7 +837,7 @@
             </a:r>
             <a:r>
               <a:rPr lang="ru-RU" dirty="0"/>
-              <a:t>На слайде приведены примеры замеров на моей системе, которые дают представление о масштабе экономии. Детали всех замеров приведены в приложении к данной презентации, размещенной на </a:t>
+              <a:t>На слайде приведены примеры замеров на моей системе, которые дают представление о масштабе экономии. Исторически это основная причина появления динамических библиотек. Детали всех замеров приведены в приложении к данной презентации, размещенной на </a:t>
             </a:r>
             <a:r>
               <a:rPr lang="en-US" dirty="0" err="1"/>
@@ -851,7 +854,7 @@
           <a:p>
             <a:r>
               <a:rPr lang="ru-RU" dirty="0"/>
-              <a:t>Во-вторых библиотеки упрощают системных обновлений. Благодаря тому что динамические библиотеки отвязаны от исполняемых файлов, при исправлении бага в библиотеке достаточно обновить только её файл и не модифицировать зависимые от неё исполняемые файлы. Благодаря этому регулярные апдейты Убунты занимают несколько МБ вместо десятков МБ.</a:t>
+              <a:t>Во-вторых библиотеки упрощают системные обновления. Благодаря тому что динамические библиотеки отвязаны от исполняемых файлов, при исправлении бага в библиотеке достаточно обновить только её файл и не модифицировать зависимые от неё исполняемые файлы. Благодаря этому регулярные апдейты Убунты занимают несколько МБ вместо десятков МБ.</a:t>
             </a:r>
             <a:endParaRPr lang="en-US" dirty="0"/>
           </a:p>
@@ -1646,7 +1649,7 @@
             </a:r>
             <a:r>
               <a:rPr lang="ru-RU" dirty="0"/>
-              <a:t>Но это было бы слишком расточительно, т.к. функции могут вызываться во множестве мест и модификация загруженного кода программы была бы очень медленной.</a:t>
+              <a:t>Но это было бы слишком расточительно, т.к. функции могут вызываться во множестве мест и модификация загруженного кода программы была бы очень медленной, а кроме того сегмент кода не мог бы разделяться несколькими приложениями.</a:t>
             </a:r>
             <a:endParaRPr lang="en-US" dirty="0"/>
           </a:p>
@@ -6335,6 +6338,258 @@
     <p:extLst>
       <p:ext uri="{BB962C8B-B14F-4D97-AF65-F5344CB8AC3E}">
         <p14:creationId xmlns:p14="http://schemas.microsoft.com/office/powerpoint/2010/main" val="1220552600"/>
+      </p:ext>
+    </p:extLst>
+  </p:cSld>
+  <p:clrMapOvr>
+    <a:masterClrMapping/>
+  </p:clrMapOvr>
+</p:notes>
+</file>
+
+<file path=ppt/notesSlides/notesSlide54.xml><?xml version="1.0" encoding="utf-8"?>
+<p:notes xmlns:a="http://schemas.openxmlformats.org/drawingml/2006/main" xmlns:r="http://schemas.openxmlformats.org/officeDocument/2006/relationships" xmlns:p="http://schemas.openxmlformats.org/presentationml/2006/main">
+  <p:cSld>
+    <p:spTree>
+      <p:nvGrpSpPr>
+        <p:cNvPr id="1" name=""/>
+        <p:cNvGrpSpPr/>
+        <p:nvPr/>
+      </p:nvGrpSpPr>
+      <p:grpSpPr>
+        <a:xfrm>
+          <a:off x="0" y="0"/>
+          <a:ext cx="0" cy="0"/>
+          <a:chOff x="0" y="0"/>
+          <a:chExt cx="0" cy="0"/>
+        </a:xfrm>
+      </p:grpSpPr>
+      <p:sp>
+        <p:nvSpPr>
+          <p:cNvPr id="2" name="Slide Image Placeholder 1"/>
+          <p:cNvSpPr>
+            <a:spLocks noGrp="1" noRot="1" noChangeAspect="1"/>
+          </p:cNvSpPr>
+          <p:nvPr>
+            <p:ph type="sldImg"/>
+          </p:nvPr>
+        </p:nvSpPr>
+        <p:spPr/>
+      </p:sp>
+      <p:sp>
+        <p:nvSpPr>
+          <p:cNvPr id="3" name="Notes Placeholder 2"/>
+          <p:cNvSpPr>
+            <a:spLocks noGrp="1"/>
+          </p:cNvSpPr>
+          <p:nvPr>
+            <p:ph type="body" idx="1"/>
+          </p:nvPr>
+        </p:nvSpPr>
+        <p:spPr/>
+        <p:txBody>
+          <a:bodyPr/>
+          <a:lstStyle/>
+          <a:p>
+            <a:endParaRPr lang="en-US" dirty="0"/>
+          </a:p>
+        </p:txBody>
+      </p:sp>
+      <p:sp>
+        <p:nvSpPr>
+          <p:cNvPr id="4" name="Slide Number Placeholder 3"/>
+          <p:cNvSpPr>
+            <a:spLocks noGrp="1"/>
+          </p:cNvSpPr>
+          <p:nvPr>
+            <p:ph type="sldNum" sz="quarter" idx="5"/>
+          </p:nvPr>
+        </p:nvSpPr>
+        <p:spPr/>
+        <p:txBody>
+          <a:bodyPr/>
+          <a:lstStyle/>
+          <a:p>
+            <a:fld id="{3AC94D10-082F-46D7-A834-266F9222130F}" type="slidenum">
+              <a:rPr lang="en-US" smtClean="0"/>
+              <a:t>60</a:t>
+            </a:fld>
+            <a:endParaRPr lang="en-US"/>
+          </a:p>
+        </p:txBody>
+      </p:sp>
+    </p:spTree>
+    <p:extLst>
+      <p:ext uri="{BB962C8B-B14F-4D97-AF65-F5344CB8AC3E}">
+        <p14:creationId xmlns:p14="http://schemas.microsoft.com/office/powerpoint/2010/main" val="499940782"/>
+      </p:ext>
+    </p:extLst>
+  </p:cSld>
+  <p:clrMapOvr>
+    <a:masterClrMapping/>
+  </p:clrMapOvr>
+</p:notes>
+</file>
+
+<file path=ppt/notesSlides/notesSlide55.xml><?xml version="1.0" encoding="utf-8"?>
+<p:notes xmlns:a="http://schemas.openxmlformats.org/drawingml/2006/main" xmlns:r="http://schemas.openxmlformats.org/officeDocument/2006/relationships" xmlns:p="http://schemas.openxmlformats.org/presentationml/2006/main">
+  <p:cSld>
+    <p:spTree>
+      <p:nvGrpSpPr>
+        <p:cNvPr id="1" name=""/>
+        <p:cNvGrpSpPr/>
+        <p:nvPr/>
+      </p:nvGrpSpPr>
+      <p:grpSpPr>
+        <a:xfrm>
+          <a:off x="0" y="0"/>
+          <a:ext cx="0" cy="0"/>
+          <a:chOff x="0" y="0"/>
+          <a:chExt cx="0" cy="0"/>
+        </a:xfrm>
+      </p:grpSpPr>
+      <p:sp>
+        <p:nvSpPr>
+          <p:cNvPr id="2" name="Slide Image Placeholder 1"/>
+          <p:cNvSpPr>
+            <a:spLocks noGrp="1" noRot="1" noChangeAspect="1"/>
+          </p:cNvSpPr>
+          <p:nvPr>
+            <p:ph type="sldImg"/>
+          </p:nvPr>
+        </p:nvSpPr>
+        <p:spPr/>
+      </p:sp>
+      <p:sp>
+        <p:nvSpPr>
+          <p:cNvPr id="3" name="Notes Placeholder 2"/>
+          <p:cNvSpPr>
+            <a:spLocks noGrp="1"/>
+          </p:cNvSpPr>
+          <p:nvPr>
+            <p:ph type="body" idx="1"/>
+          </p:nvPr>
+        </p:nvSpPr>
+        <p:spPr/>
+        <p:txBody>
+          <a:bodyPr/>
+          <a:lstStyle/>
+          <a:p>
+            <a:endParaRPr lang="en-US" dirty="0"/>
+          </a:p>
+        </p:txBody>
+      </p:sp>
+      <p:sp>
+        <p:nvSpPr>
+          <p:cNvPr id="4" name="Slide Number Placeholder 3"/>
+          <p:cNvSpPr>
+            <a:spLocks noGrp="1"/>
+          </p:cNvSpPr>
+          <p:nvPr>
+            <p:ph type="sldNum" sz="quarter" idx="5"/>
+          </p:nvPr>
+        </p:nvSpPr>
+        <p:spPr/>
+        <p:txBody>
+          <a:bodyPr/>
+          <a:lstStyle/>
+          <a:p>
+            <a:fld id="{3AC94D10-082F-46D7-A834-266F9222130F}" type="slidenum">
+              <a:rPr lang="en-US" smtClean="0"/>
+              <a:t>61</a:t>
+            </a:fld>
+            <a:endParaRPr lang="en-US"/>
+          </a:p>
+        </p:txBody>
+      </p:sp>
+    </p:spTree>
+    <p:extLst>
+      <p:ext uri="{BB962C8B-B14F-4D97-AF65-F5344CB8AC3E}">
+        <p14:creationId xmlns:p14="http://schemas.microsoft.com/office/powerpoint/2010/main" val="2809069906"/>
+      </p:ext>
+    </p:extLst>
+  </p:cSld>
+  <p:clrMapOvr>
+    <a:masterClrMapping/>
+  </p:clrMapOvr>
+</p:notes>
+</file>
+
+<file path=ppt/notesSlides/notesSlide56.xml><?xml version="1.0" encoding="utf-8"?>
+<p:notes xmlns:a="http://schemas.openxmlformats.org/drawingml/2006/main" xmlns:r="http://schemas.openxmlformats.org/officeDocument/2006/relationships" xmlns:p="http://schemas.openxmlformats.org/presentationml/2006/main">
+  <p:cSld>
+    <p:spTree>
+      <p:nvGrpSpPr>
+        <p:cNvPr id="1" name=""/>
+        <p:cNvGrpSpPr/>
+        <p:nvPr/>
+      </p:nvGrpSpPr>
+      <p:grpSpPr>
+        <a:xfrm>
+          <a:off x="0" y="0"/>
+          <a:ext cx="0" cy="0"/>
+          <a:chOff x="0" y="0"/>
+          <a:chExt cx="0" cy="0"/>
+        </a:xfrm>
+      </p:grpSpPr>
+      <p:sp>
+        <p:nvSpPr>
+          <p:cNvPr id="2" name="Slide Image Placeholder 1"/>
+          <p:cNvSpPr>
+            <a:spLocks noGrp="1" noRot="1" noChangeAspect="1"/>
+          </p:cNvSpPr>
+          <p:nvPr>
+            <p:ph type="sldImg"/>
+          </p:nvPr>
+        </p:nvSpPr>
+        <p:spPr/>
+      </p:sp>
+      <p:sp>
+        <p:nvSpPr>
+          <p:cNvPr id="3" name="Notes Placeholder 2"/>
+          <p:cNvSpPr>
+            <a:spLocks noGrp="1"/>
+          </p:cNvSpPr>
+          <p:nvPr>
+            <p:ph type="body" idx="1"/>
+          </p:nvPr>
+        </p:nvSpPr>
+        <p:spPr/>
+        <p:txBody>
+          <a:bodyPr/>
+          <a:lstStyle/>
+          <a:p>
+            <a:endParaRPr lang="en-US" dirty="0"/>
+          </a:p>
+        </p:txBody>
+      </p:sp>
+      <p:sp>
+        <p:nvSpPr>
+          <p:cNvPr id="4" name="Slide Number Placeholder 3"/>
+          <p:cNvSpPr>
+            <a:spLocks noGrp="1"/>
+          </p:cNvSpPr>
+          <p:nvPr>
+            <p:ph type="sldNum" sz="quarter" idx="5"/>
+          </p:nvPr>
+        </p:nvSpPr>
+        <p:spPr/>
+        <p:txBody>
+          <a:bodyPr/>
+          <a:lstStyle/>
+          <a:p>
+            <a:fld id="{3AC94D10-082F-46D7-A834-266F9222130F}" type="slidenum">
+              <a:rPr lang="en-US" smtClean="0"/>
+              <a:t>62</a:t>
+            </a:fld>
+            <a:endParaRPr lang="en-US"/>
+          </a:p>
+        </p:txBody>
+      </p:sp>
+    </p:spTree>
+    <p:extLst>
+      <p:ext uri="{BB962C8B-B14F-4D97-AF65-F5344CB8AC3E}">
+        <p14:creationId xmlns:p14="http://schemas.microsoft.com/office/powerpoint/2010/main" val="4042281356"/>
       </p:ext>
     </p:extLst>
   </p:cSld>
@@ -7640,7 +7895,7 @@
             </a:fld>
             <a:r>
               <a:rPr lang="en-US" dirty="0"/>
-              <a:t>/61</a:t>
+              <a:t>/64</a:t>
             </a:r>
           </a:p>
         </p:txBody>
@@ -17380,7 +17635,7 @@
         <p:spPr/>
         <p:txBody>
           <a:bodyPr>
-            <a:normAutofit fontScale="92500" lnSpcReduction="10000"/>
+            <a:normAutofit fontScale="92500" lnSpcReduction="20000"/>
           </a:bodyPr>
           <a:lstStyle/>
           <a:p>
@@ -17431,6 +17686,21 @@
             <a:r>
               <a:rPr lang="ru-RU" dirty="0"/>
               <a:t>Такой код не нужно релоцировать при загрузке</a:t>
+            </a:r>
+            <a:endParaRPr lang="en-US" dirty="0"/>
+          </a:p>
+          <a:p>
+            <a:pPr lvl="1"/>
+            <a:r>
+              <a:rPr lang="ru-RU" dirty="0"/>
+              <a:t>Более быстрая загрузка</a:t>
+            </a:r>
+          </a:p>
+          <a:p>
+            <a:pPr lvl="1"/>
+            <a:r>
+              <a:rPr lang="ru-RU" dirty="0"/>
+              <a:t>Сегмент кода может разделяться несколькими программами</a:t>
             </a:r>
             <a:endParaRPr lang="en-US" dirty="0"/>
           </a:p>
@@ -17605,7 +17875,7 @@
         </p:nvSpPr>
         <p:spPr>
           <a:xfrm>
-            <a:off x="1600200" y="3298762"/>
+            <a:off x="1600200" y="3070163"/>
             <a:ext cx="3211286" cy="369332"/>
           </a:xfrm>
           <a:prstGeom prst="rect">
@@ -17694,7 +17964,7 @@
         </p:nvSpPr>
         <p:spPr>
           <a:xfrm>
-            <a:off x="6215742" y="3298762"/>
+            <a:off x="6215742" y="3070163"/>
             <a:ext cx="4005943" cy="369332"/>
           </a:xfrm>
           <a:prstGeom prst="rect">
@@ -17809,7 +18079,7 @@
         </p:nvCxnSpPr>
         <p:spPr>
           <a:xfrm>
-            <a:off x="4811486" y="3483428"/>
+            <a:off x="4811486" y="3254829"/>
             <a:ext cx="1153885" cy="0"/>
           </a:xfrm>
           <a:prstGeom prst="straightConnector1">
@@ -23698,7 +23968,23 @@
             </a:r>
             <a:r>
               <a:rPr lang="en-US" dirty="0"/>
-              <a:t> </a:t>
+              <a:t> (-</a:t>
+            </a:r>
+            <a:r>
+              <a:rPr lang="en-US" dirty="0" err="1"/>
+              <a:t>Wl</a:t>
+            </a:r>
+            <a:r>
+              <a:rPr lang="en-US" dirty="0"/>
+              <a:t>,-</a:t>
+            </a:r>
+            <a:r>
+              <a:rPr lang="en-US" dirty="0" err="1"/>
+              <a:t>z,relro</a:t>
+            </a:r>
+            <a:r>
+              <a:rPr lang="en-US" dirty="0"/>
+              <a:t>) </a:t>
             </a:r>
             <a:r>
               <a:rPr lang="ru-RU" dirty="0"/>
@@ -26510,22 +26796,6 @@
           <a:bodyPr/>
           <a:lstStyle/>
           <a:p>
-            <a:r>
-              <a:rPr lang="ru-RU" dirty="0"/>
-              <a:t>Динамические библиотеки имеют ряд преимуществ над статическими</a:t>
-            </a:r>
-          </a:p>
-          <a:p>
-            <a:r>
-              <a:rPr lang="ru-RU" dirty="0"/>
-              <a:t>Добавляют накладные расходы на старте и во время работы приложения</a:t>
-            </a:r>
-          </a:p>
-          <a:p>
-            <a:r>
-              <a:rPr lang="ru-RU" dirty="0"/>
-              <a:t>Современные тулчейны содержат средства, позволяющие существенно снизить оверхед</a:t>
-            </a:r>
             <a:endParaRPr lang="en-US" dirty="0"/>
           </a:p>
         </p:txBody>
@@ -26698,6 +26968,305 @@
           <p:cNvPr id="2" name="Title 1">
             <a:extLst>
               <a:ext uri="{FF2B5EF4-FFF2-40B4-BE49-F238E27FC236}">
+                <a16:creationId xmlns:a16="http://schemas.microsoft.com/office/drawing/2014/main" id="{B79A58A2-53E2-4B07-B541-7560DC951115}"/>
+              </a:ext>
+            </a:extLst>
+          </p:cNvPr>
+          <p:cNvSpPr>
+            <a:spLocks noGrp="1"/>
+          </p:cNvSpPr>
+          <p:nvPr>
+            <p:ph type="title"/>
+          </p:nvPr>
+        </p:nvSpPr>
+        <p:spPr/>
+        <p:txBody>
+          <a:bodyPr/>
+          <a:lstStyle/>
+          <a:p>
+            <a:r>
+              <a:rPr lang="ru-RU" dirty="0"/>
+              <a:t>Резюме</a:t>
+            </a:r>
+            <a:endParaRPr lang="en-US" dirty="0"/>
+          </a:p>
+        </p:txBody>
+      </p:sp>
+      <p:sp>
+        <p:nvSpPr>
+          <p:cNvPr id="3" name="Content Placeholder 2">
+            <a:extLst>
+              <a:ext uri="{FF2B5EF4-FFF2-40B4-BE49-F238E27FC236}">
+                <a16:creationId xmlns:a16="http://schemas.microsoft.com/office/drawing/2014/main" id="{89B42026-4F60-4665-8FC5-FDB3293BF4A3}"/>
+              </a:ext>
+            </a:extLst>
+          </p:cNvPr>
+          <p:cNvSpPr>
+            <a:spLocks noGrp="1"/>
+          </p:cNvSpPr>
+          <p:nvPr>
+            <p:ph idx="1"/>
+          </p:nvPr>
+        </p:nvSpPr>
+        <p:spPr/>
+        <p:txBody>
+          <a:bodyPr/>
+          <a:lstStyle/>
+          <a:p>
+            <a:r>
+              <a:rPr lang="ru-RU" dirty="0"/>
+              <a:t>Динамические библиотеки имеют ряд преимуществ над статическими</a:t>
+            </a:r>
+          </a:p>
+        </p:txBody>
+      </p:sp>
+    </p:spTree>
+    <p:extLst>
+      <p:ext uri="{BB962C8B-B14F-4D97-AF65-F5344CB8AC3E}">
+        <p14:creationId xmlns:p14="http://schemas.microsoft.com/office/powerpoint/2010/main" val="871995427"/>
+      </p:ext>
+    </p:extLst>
+  </p:cSld>
+  <p:clrMapOvr>
+    <a:masterClrMapping/>
+  </p:clrMapOvr>
+</p:sld>
+</file>
+
+<file path=ppt/slides/slide61.xml><?xml version="1.0" encoding="utf-8"?>
+<p:sld xmlns:a="http://schemas.openxmlformats.org/drawingml/2006/main" xmlns:r="http://schemas.openxmlformats.org/officeDocument/2006/relationships" xmlns:p="http://schemas.openxmlformats.org/presentationml/2006/main">
+  <p:cSld>
+    <p:spTree>
+      <p:nvGrpSpPr>
+        <p:cNvPr id="1" name=""/>
+        <p:cNvGrpSpPr/>
+        <p:nvPr/>
+      </p:nvGrpSpPr>
+      <p:grpSpPr>
+        <a:xfrm>
+          <a:off x="0" y="0"/>
+          <a:ext cx="0" cy="0"/>
+          <a:chOff x="0" y="0"/>
+          <a:chExt cx="0" cy="0"/>
+        </a:xfrm>
+      </p:grpSpPr>
+      <p:sp>
+        <p:nvSpPr>
+          <p:cNvPr id="2" name="Title 1">
+            <a:extLst>
+              <a:ext uri="{FF2B5EF4-FFF2-40B4-BE49-F238E27FC236}">
+                <a16:creationId xmlns:a16="http://schemas.microsoft.com/office/drawing/2014/main" id="{B79A58A2-53E2-4B07-B541-7560DC951115}"/>
+              </a:ext>
+            </a:extLst>
+          </p:cNvPr>
+          <p:cNvSpPr>
+            <a:spLocks noGrp="1"/>
+          </p:cNvSpPr>
+          <p:nvPr>
+            <p:ph type="title"/>
+          </p:nvPr>
+        </p:nvSpPr>
+        <p:spPr/>
+        <p:txBody>
+          <a:bodyPr/>
+          <a:lstStyle/>
+          <a:p>
+            <a:r>
+              <a:rPr lang="ru-RU" dirty="0"/>
+              <a:t>Резюме</a:t>
+            </a:r>
+            <a:endParaRPr lang="en-US" dirty="0"/>
+          </a:p>
+        </p:txBody>
+      </p:sp>
+      <p:sp>
+        <p:nvSpPr>
+          <p:cNvPr id="3" name="Content Placeholder 2">
+            <a:extLst>
+              <a:ext uri="{FF2B5EF4-FFF2-40B4-BE49-F238E27FC236}">
+                <a16:creationId xmlns:a16="http://schemas.microsoft.com/office/drawing/2014/main" id="{89B42026-4F60-4665-8FC5-FDB3293BF4A3}"/>
+              </a:ext>
+            </a:extLst>
+          </p:cNvPr>
+          <p:cNvSpPr>
+            <a:spLocks noGrp="1"/>
+          </p:cNvSpPr>
+          <p:nvPr>
+            <p:ph idx="1"/>
+          </p:nvPr>
+        </p:nvSpPr>
+        <p:spPr/>
+        <p:txBody>
+          <a:bodyPr/>
+          <a:lstStyle/>
+          <a:p>
+            <a:r>
+              <a:rPr lang="ru-RU" dirty="0"/>
+              <a:t>Динамические библиотеки имеют ряд преимуществ над статическими</a:t>
+            </a:r>
+          </a:p>
+          <a:p>
+            <a:r>
+              <a:rPr lang="ru-RU" dirty="0"/>
+              <a:t>Добавляют накладные расходы на старте и во время работы приложения</a:t>
+            </a:r>
+          </a:p>
+        </p:txBody>
+      </p:sp>
+    </p:spTree>
+    <p:extLst>
+      <p:ext uri="{BB962C8B-B14F-4D97-AF65-F5344CB8AC3E}">
+        <p14:creationId xmlns:p14="http://schemas.microsoft.com/office/powerpoint/2010/main" val="2882286536"/>
+      </p:ext>
+    </p:extLst>
+  </p:cSld>
+  <p:clrMapOvr>
+    <a:masterClrMapping/>
+  </p:clrMapOvr>
+</p:sld>
+</file>
+
+<file path=ppt/slides/slide62.xml><?xml version="1.0" encoding="utf-8"?>
+<p:sld xmlns:a="http://schemas.openxmlformats.org/drawingml/2006/main" xmlns:r="http://schemas.openxmlformats.org/officeDocument/2006/relationships" xmlns:p="http://schemas.openxmlformats.org/presentationml/2006/main">
+  <p:cSld>
+    <p:spTree>
+      <p:nvGrpSpPr>
+        <p:cNvPr id="1" name=""/>
+        <p:cNvGrpSpPr/>
+        <p:nvPr/>
+      </p:nvGrpSpPr>
+      <p:grpSpPr>
+        <a:xfrm>
+          <a:off x="0" y="0"/>
+          <a:ext cx="0" cy="0"/>
+          <a:chOff x="0" y="0"/>
+          <a:chExt cx="0" cy="0"/>
+        </a:xfrm>
+      </p:grpSpPr>
+      <p:sp>
+        <p:nvSpPr>
+          <p:cNvPr id="2" name="Title 1">
+            <a:extLst>
+              <a:ext uri="{FF2B5EF4-FFF2-40B4-BE49-F238E27FC236}">
+                <a16:creationId xmlns:a16="http://schemas.microsoft.com/office/drawing/2014/main" id="{B79A58A2-53E2-4B07-B541-7560DC951115}"/>
+              </a:ext>
+            </a:extLst>
+          </p:cNvPr>
+          <p:cNvSpPr>
+            <a:spLocks noGrp="1"/>
+          </p:cNvSpPr>
+          <p:nvPr>
+            <p:ph type="title"/>
+          </p:nvPr>
+        </p:nvSpPr>
+        <p:spPr/>
+        <p:txBody>
+          <a:bodyPr/>
+          <a:lstStyle/>
+          <a:p>
+            <a:r>
+              <a:rPr lang="ru-RU" dirty="0"/>
+              <a:t>Резюме</a:t>
+            </a:r>
+            <a:endParaRPr lang="en-US" dirty="0"/>
+          </a:p>
+        </p:txBody>
+      </p:sp>
+      <p:sp>
+        <p:nvSpPr>
+          <p:cNvPr id="3" name="Content Placeholder 2">
+            <a:extLst>
+              <a:ext uri="{FF2B5EF4-FFF2-40B4-BE49-F238E27FC236}">
+                <a16:creationId xmlns:a16="http://schemas.microsoft.com/office/drawing/2014/main" id="{89B42026-4F60-4665-8FC5-FDB3293BF4A3}"/>
+              </a:ext>
+            </a:extLst>
+          </p:cNvPr>
+          <p:cNvSpPr>
+            <a:spLocks noGrp="1"/>
+          </p:cNvSpPr>
+          <p:nvPr>
+            <p:ph idx="1"/>
+          </p:nvPr>
+        </p:nvSpPr>
+        <p:spPr/>
+        <p:txBody>
+          <a:bodyPr/>
+          <a:lstStyle/>
+          <a:p>
+            <a:r>
+              <a:rPr lang="ru-RU" dirty="0"/>
+              <a:t>Динамические библиотеки имеют ряд преимуществ над статическими</a:t>
+            </a:r>
+          </a:p>
+          <a:p>
+            <a:r>
+              <a:rPr lang="ru-RU" dirty="0"/>
+              <a:t>Добавляют накладные расходы на старте и во время работы приложения</a:t>
+            </a:r>
+          </a:p>
+          <a:p>
+            <a:r>
+              <a:rPr lang="ru-RU" dirty="0"/>
+              <a:t>Современные тулчейны содержат средства, позволяющие существенно снизить оверхед</a:t>
+            </a:r>
+            <a:endParaRPr lang="en-US" dirty="0"/>
+          </a:p>
+          <a:p>
+            <a:pPr lvl="1"/>
+            <a:r>
+              <a:rPr lang="ru-RU"/>
+              <a:t>Особенно</a:t>
+            </a:r>
+            <a:r>
+              <a:rPr lang="en-US" dirty="0"/>
+              <a:t> </a:t>
+            </a:r>
+            <a:r>
+              <a:rPr lang="ru-RU" dirty="0"/>
+              <a:t>на </a:t>
+            </a:r>
+            <a:r>
+              <a:rPr lang="en-US" dirty="0"/>
+              <a:t>Linux</a:t>
+            </a:r>
+          </a:p>
+        </p:txBody>
+      </p:sp>
+    </p:spTree>
+    <p:extLst>
+      <p:ext uri="{BB962C8B-B14F-4D97-AF65-F5344CB8AC3E}">
+        <p14:creationId xmlns:p14="http://schemas.microsoft.com/office/powerpoint/2010/main" val="3289349887"/>
+      </p:ext>
+    </p:extLst>
+  </p:cSld>
+  <p:clrMapOvr>
+    <a:masterClrMapping/>
+  </p:clrMapOvr>
+</p:sld>
+</file>
+
+<file path=ppt/slides/slide63.xml><?xml version="1.0" encoding="utf-8"?>
+<p:sld xmlns:a="http://schemas.openxmlformats.org/drawingml/2006/main" xmlns:r="http://schemas.openxmlformats.org/officeDocument/2006/relationships" xmlns:p="http://schemas.openxmlformats.org/presentationml/2006/main">
+  <p:cSld>
+    <p:spTree>
+      <p:nvGrpSpPr>
+        <p:cNvPr id="1" name=""/>
+        <p:cNvGrpSpPr/>
+        <p:nvPr/>
+      </p:nvGrpSpPr>
+      <p:grpSpPr>
+        <a:xfrm>
+          <a:off x="0" y="0"/>
+          <a:ext cx="0" cy="0"/>
+          <a:chOff x="0" y="0"/>
+          <a:chExt cx="0" cy="0"/>
+        </a:xfrm>
+      </p:grpSpPr>
+      <p:sp>
+        <p:nvSpPr>
+          <p:cNvPr id="2" name="Title 1">
+            <a:extLst>
+              <a:ext uri="{FF2B5EF4-FFF2-40B4-BE49-F238E27FC236}">
                 <a16:creationId xmlns:a16="http://schemas.microsoft.com/office/drawing/2014/main" id="{886196FC-6BEF-434E-B7EB-743173F137B2}"/>
               </a:ext>
             </a:extLst>
@@ -27101,369 +27670,6 @@
 </p:sld>
 </file>
 
-<file path=ppt/slides/slide61.xml><?xml version="1.0" encoding="utf-8"?>
-<p:sld xmlns:a="http://schemas.openxmlformats.org/drawingml/2006/main" xmlns:r="http://schemas.openxmlformats.org/officeDocument/2006/relationships" xmlns:p="http://schemas.openxmlformats.org/presentationml/2006/main">
-  <p:cSld>
-    <p:spTree>
-      <p:nvGrpSpPr>
-        <p:cNvPr id="1" name=""/>
-        <p:cNvGrpSpPr/>
-        <p:nvPr/>
-      </p:nvGrpSpPr>
-      <p:grpSpPr>
-        <a:xfrm>
-          <a:off x="0" y="0"/>
-          <a:ext cx="0" cy="0"/>
-          <a:chOff x="0" y="0"/>
-          <a:chExt cx="0" cy="0"/>
-        </a:xfrm>
-      </p:grpSpPr>
-      <p:sp>
-        <p:nvSpPr>
-          <p:cNvPr id="2" name="Title 1">
-            <a:extLst>
-              <a:ext uri="{FF2B5EF4-FFF2-40B4-BE49-F238E27FC236}">
-                <a16:creationId xmlns:a16="http://schemas.microsoft.com/office/drawing/2014/main" id="{AE55B1BF-E6CB-4A61-A19B-EAB2E2F68128}"/>
-              </a:ext>
-            </a:extLst>
-          </p:cNvPr>
-          <p:cNvSpPr>
-            <a:spLocks noGrp="1"/>
-          </p:cNvSpPr>
-          <p:nvPr>
-            <p:ph type="title"/>
-          </p:nvPr>
-        </p:nvSpPr>
-        <p:spPr/>
-        <p:txBody>
-          <a:bodyPr/>
-          <a:lstStyle/>
-          <a:p>
-            <a:r>
-              <a:rPr lang="ru-RU" dirty="0"/>
-              <a:t>Спасибо за внимание</a:t>
-            </a:r>
-            <a:r>
-              <a:rPr lang="en-US" dirty="0"/>
-              <a:t>!</a:t>
-            </a:r>
-          </a:p>
-        </p:txBody>
-      </p:sp>
-      <p:sp>
-        <p:nvSpPr>
-          <p:cNvPr id="3" name="Content Placeholder 2">
-            <a:extLst>
-              <a:ext uri="{FF2B5EF4-FFF2-40B4-BE49-F238E27FC236}">
-                <a16:creationId xmlns:a16="http://schemas.microsoft.com/office/drawing/2014/main" id="{FDC23327-086B-41AB-AC13-CE5A75450C7E}"/>
-              </a:ext>
-            </a:extLst>
-          </p:cNvPr>
-          <p:cNvSpPr>
-            <a:spLocks noGrp="1"/>
-          </p:cNvSpPr>
-          <p:nvPr>
-            <p:ph idx="1"/>
-          </p:nvPr>
-        </p:nvSpPr>
-        <p:spPr/>
-        <p:txBody>
-          <a:bodyPr/>
-          <a:lstStyle/>
-          <a:p>
-            <a:endParaRPr lang="en-US" dirty="0"/>
-          </a:p>
-        </p:txBody>
-      </p:sp>
-    </p:spTree>
-    <p:extLst>
-      <p:ext uri="{BB962C8B-B14F-4D97-AF65-F5344CB8AC3E}">
-        <p14:creationId xmlns:p14="http://schemas.microsoft.com/office/powerpoint/2010/main" val="876813992"/>
-      </p:ext>
-    </p:extLst>
-  </p:cSld>
-  <p:clrMapOvr>
-    <a:masterClrMapping/>
-  </p:clrMapOvr>
-</p:sld>
-</file>
-
-<file path=ppt/slides/slide62.xml><?xml version="1.0" encoding="utf-8"?>
-<p:sld xmlns:a="http://schemas.openxmlformats.org/drawingml/2006/main" xmlns:r="http://schemas.openxmlformats.org/officeDocument/2006/relationships" xmlns:p="http://schemas.openxmlformats.org/presentationml/2006/main">
-  <p:cSld>
-    <p:spTree>
-      <p:nvGrpSpPr>
-        <p:cNvPr id="1" name=""/>
-        <p:cNvGrpSpPr/>
-        <p:nvPr/>
-      </p:nvGrpSpPr>
-      <p:grpSpPr>
-        <a:xfrm>
-          <a:off x="0" y="0"/>
-          <a:ext cx="0" cy="0"/>
-          <a:chOff x="0" y="0"/>
-          <a:chExt cx="0" cy="0"/>
-        </a:xfrm>
-      </p:grpSpPr>
-      <p:sp>
-        <p:nvSpPr>
-          <p:cNvPr id="2" name="Title 1">
-            <a:extLst>
-              <a:ext uri="{FF2B5EF4-FFF2-40B4-BE49-F238E27FC236}">
-                <a16:creationId xmlns:a16="http://schemas.microsoft.com/office/drawing/2014/main" id="{CD19E7E3-A310-49FF-A77B-B37588A39A3E}"/>
-              </a:ext>
-            </a:extLst>
-          </p:cNvPr>
-          <p:cNvSpPr>
-            <a:spLocks noGrp="1"/>
-          </p:cNvSpPr>
-          <p:nvPr>
-            <p:ph type="title"/>
-          </p:nvPr>
-        </p:nvSpPr>
-        <p:spPr/>
-        <p:txBody>
-          <a:bodyPr/>
-          <a:lstStyle/>
-          <a:p>
-            <a:r>
-              <a:rPr lang="ru-RU" dirty="0"/>
-              <a:t>Проверка </a:t>
-            </a:r>
-            <a:r>
-              <a:rPr lang="en-US" dirty="0"/>
-              <a:t>-Wl,-O1</a:t>
-            </a:r>
-          </a:p>
-        </p:txBody>
-      </p:sp>
-      <p:sp>
-        <p:nvSpPr>
-          <p:cNvPr id="3" name="Content Placeholder 2">
-            <a:extLst>
-              <a:ext uri="{FF2B5EF4-FFF2-40B4-BE49-F238E27FC236}">
-                <a16:creationId xmlns:a16="http://schemas.microsoft.com/office/drawing/2014/main" id="{0263D36B-8799-48BF-9D12-7FA8EC932069}"/>
-              </a:ext>
-            </a:extLst>
-          </p:cNvPr>
-          <p:cNvSpPr>
-            <a:spLocks noGrp="1"/>
-          </p:cNvSpPr>
-          <p:nvPr>
-            <p:ph idx="1"/>
-          </p:nvPr>
-        </p:nvSpPr>
-        <p:spPr/>
-        <p:txBody>
-          <a:bodyPr/>
-          <a:lstStyle/>
-          <a:p>
-            <a:r>
-              <a:rPr lang="ru-RU" dirty="0"/>
-              <a:t>Собрать две версии </a:t>
-            </a:r>
-            <a:r>
-              <a:rPr lang="en-US" dirty="0"/>
-              <a:t>LLVM:</a:t>
-            </a:r>
-          </a:p>
-          <a:p>
-            <a:pPr lvl="1"/>
-            <a:r>
-              <a:rPr lang="en-US" dirty="0"/>
-              <a:t>-DBUILD_SHARED_LIBS=ON</a:t>
-            </a:r>
-          </a:p>
-          <a:p>
-            <a:pPr lvl="1"/>
-            <a:r>
-              <a:rPr lang="en-US" dirty="0"/>
-              <a:t>-DBUILD_SHARED_LIBS=ON -DCMAKE_SHARED_LINKER_FLAGS='-Wl,-O1’</a:t>
-            </a:r>
-          </a:p>
-          <a:p>
-            <a:r>
-              <a:rPr lang="ru-RU" dirty="0"/>
-              <a:t>Сравнить производительность</a:t>
-            </a:r>
-            <a:r>
-              <a:rPr lang="en-US" dirty="0"/>
-              <a:t>:</a:t>
-            </a:r>
-          </a:p>
-          <a:p>
-            <a:pPr lvl="1"/>
-            <a:r>
-              <a:rPr lang="en-US" dirty="0"/>
-              <a:t>./benchmark.pl 10 path/to/clang -h</a:t>
-            </a:r>
-          </a:p>
-        </p:txBody>
-      </p:sp>
-    </p:spTree>
-    <p:extLst>
-      <p:ext uri="{BB962C8B-B14F-4D97-AF65-F5344CB8AC3E}">
-        <p14:creationId xmlns:p14="http://schemas.microsoft.com/office/powerpoint/2010/main" val="1685019486"/>
-      </p:ext>
-    </p:extLst>
-  </p:cSld>
-  <p:clrMapOvr>
-    <a:masterClrMapping/>
-  </p:clrMapOvr>
-</p:sld>
-</file>
-
-<file path=ppt/slides/slide63.xml><?xml version="1.0" encoding="utf-8"?>
-<p:sld xmlns:a="http://schemas.openxmlformats.org/drawingml/2006/main" xmlns:r="http://schemas.openxmlformats.org/officeDocument/2006/relationships" xmlns:p="http://schemas.openxmlformats.org/presentationml/2006/main">
-  <p:cSld>
-    <p:spTree>
-      <p:nvGrpSpPr>
-        <p:cNvPr id="1" name=""/>
-        <p:cNvGrpSpPr/>
-        <p:nvPr/>
-      </p:nvGrpSpPr>
-      <p:grpSpPr>
-        <a:xfrm>
-          <a:off x="0" y="0"/>
-          <a:ext cx="0" cy="0"/>
-          <a:chOff x="0" y="0"/>
-          <a:chExt cx="0" cy="0"/>
-        </a:xfrm>
-      </p:grpSpPr>
-      <p:sp>
-        <p:nvSpPr>
-          <p:cNvPr id="2" name="Title 1">
-            <a:extLst>
-              <a:ext uri="{FF2B5EF4-FFF2-40B4-BE49-F238E27FC236}">
-                <a16:creationId xmlns:a16="http://schemas.microsoft.com/office/drawing/2014/main" id="{CD19E7E3-A310-49FF-A77B-B37588A39A3E}"/>
-              </a:ext>
-            </a:extLst>
-          </p:cNvPr>
-          <p:cNvSpPr>
-            <a:spLocks noGrp="1"/>
-          </p:cNvSpPr>
-          <p:nvPr>
-            <p:ph type="title"/>
-          </p:nvPr>
-        </p:nvSpPr>
-        <p:spPr/>
-        <p:txBody>
-          <a:bodyPr/>
-          <a:lstStyle/>
-          <a:p>
-            <a:r>
-              <a:rPr lang="ru-RU" dirty="0"/>
-              <a:t>Проверка </a:t>
-            </a:r>
-            <a:r>
-              <a:rPr lang="en-US" dirty="0"/>
-              <a:t>-</a:t>
-            </a:r>
-            <a:r>
-              <a:rPr lang="en-US" dirty="0" err="1"/>
-              <a:t>fno-plt</a:t>
-            </a:r>
-            <a:endParaRPr lang="en-US" dirty="0"/>
-          </a:p>
-        </p:txBody>
-      </p:sp>
-      <p:sp>
-        <p:nvSpPr>
-          <p:cNvPr id="3" name="Content Placeholder 2">
-            <a:extLst>
-              <a:ext uri="{FF2B5EF4-FFF2-40B4-BE49-F238E27FC236}">
-                <a16:creationId xmlns:a16="http://schemas.microsoft.com/office/drawing/2014/main" id="{0263D36B-8799-48BF-9D12-7FA8EC932069}"/>
-              </a:ext>
-            </a:extLst>
-          </p:cNvPr>
-          <p:cNvSpPr>
-            <a:spLocks noGrp="1"/>
-          </p:cNvSpPr>
-          <p:nvPr>
-            <p:ph idx="1"/>
-          </p:nvPr>
-        </p:nvSpPr>
-        <p:spPr/>
-        <p:txBody>
-          <a:bodyPr/>
-          <a:lstStyle/>
-          <a:p>
-            <a:r>
-              <a:rPr lang="ru-RU" dirty="0"/>
-              <a:t>Собрать две версии </a:t>
-            </a:r>
-            <a:r>
-              <a:rPr lang="en-US" dirty="0"/>
-              <a:t>LLVM:</a:t>
-            </a:r>
-          </a:p>
-          <a:p>
-            <a:pPr lvl="1"/>
-            <a:r>
-              <a:rPr lang="en-US" dirty="0"/>
-              <a:t>-DBUILD_SHARED_LIBS=ON</a:t>
-            </a:r>
-          </a:p>
-          <a:p>
-            <a:pPr lvl="1"/>
-            <a:r>
-              <a:rPr lang="en-US" dirty="0"/>
-              <a:t>-DBUILD_SHARED_LIBS=ON -DCMAKE_CXX_FLAGS=‘-</a:t>
-            </a:r>
-            <a:r>
-              <a:rPr lang="en-US" dirty="0" err="1"/>
-              <a:t>fno</a:t>
-            </a:r>
-            <a:r>
-              <a:rPr lang="en-US" dirty="0"/>
-              <a:t>-</a:t>
-            </a:r>
-            <a:r>
-              <a:rPr lang="en-US" dirty="0" err="1"/>
-              <a:t>plt</a:t>
-            </a:r>
-            <a:r>
-              <a:rPr lang="en-US" dirty="0"/>
-              <a:t>’</a:t>
-            </a:r>
-          </a:p>
-          <a:p>
-            <a:r>
-              <a:rPr lang="ru-RU" dirty="0"/>
-              <a:t>Сравнить производительность</a:t>
-            </a:r>
-            <a:r>
-              <a:rPr lang="en-US" dirty="0"/>
-              <a:t>:</a:t>
-            </a:r>
-          </a:p>
-          <a:p>
-            <a:pPr lvl="1"/>
-            <a:r>
-              <a:rPr lang="en-US" dirty="0"/>
-              <a:t>./benchmark.pl 10 path/to/clang -S -O2 ~/</a:t>
-            </a:r>
-            <a:r>
-              <a:rPr lang="en-US" dirty="0" err="1"/>
-              <a:t>InstCombining.ii</a:t>
-            </a:r>
-            <a:endParaRPr lang="en-US" dirty="0"/>
-          </a:p>
-        </p:txBody>
-      </p:sp>
-    </p:spTree>
-    <p:extLst>
-      <p:ext uri="{BB962C8B-B14F-4D97-AF65-F5344CB8AC3E}">
-        <p14:creationId xmlns:p14="http://schemas.microsoft.com/office/powerpoint/2010/main" val="4180884372"/>
-      </p:ext>
-    </p:extLst>
-  </p:cSld>
-  <p:clrMapOvr>
-    <a:masterClrMapping/>
-  </p:clrMapOvr>
-</p:sld>
-</file>
-
 <file path=ppt/slides/slide64.xml><?xml version="1.0" encoding="utf-8"?>
 <p:sld xmlns:a="http://schemas.openxmlformats.org/drawingml/2006/main" xmlns:r="http://schemas.openxmlformats.org/officeDocument/2006/relationships" xmlns:p="http://schemas.openxmlformats.org/presentationml/2006/main">
   <p:cSld>
@@ -27486,7 +27692,7 @@
           <p:cNvPr id="2" name="Title 1">
             <a:extLst>
               <a:ext uri="{FF2B5EF4-FFF2-40B4-BE49-F238E27FC236}">
-                <a16:creationId xmlns:a16="http://schemas.microsoft.com/office/drawing/2014/main" id="{CD19E7E3-A310-49FF-A77B-B37588A39A3E}"/>
+                <a16:creationId xmlns:a16="http://schemas.microsoft.com/office/drawing/2014/main" id="{AE55B1BF-E6CB-4A61-A19B-EAB2E2F68128}"/>
               </a:ext>
             </a:extLst>
           </p:cNvPr>
@@ -27504,19 +27710,11 @@
           <a:p>
             <a:r>
               <a:rPr lang="ru-RU" dirty="0"/>
-              <a:t>Проверка </a:t>
-            </a:r>
-            <a:r>
-              <a:rPr lang="en-US" dirty="0"/>
-              <a:t>-</a:t>
-            </a:r>
-            <a:r>
-              <a:rPr lang="en-US" dirty="0" err="1"/>
-              <a:t>Bsymbolic</a:t>
-            </a:r>
-            <a:r>
-              <a:rPr lang="en-US" dirty="0"/>
-              <a:t>-functions</a:t>
+              <a:t>Спасибо за внимание</a:t>
+            </a:r>
+            <a:r>
+              <a:rPr lang="en-US" dirty="0"/>
+              <a:t>!</a:t>
             </a:r>
           </a:p>
         </p:txBody>
@@ -27526,7 +27724,7 @@
           <p:cNvPr id="3" name="Content Placeholder 2">
             <a:extLst>
               <a:ext uri="{FF2B5EF4-FFF2-40B4-BE49-F238E27FC236}">
-                <a16:creationId xmlns:a16="http://schemas.microsoft.com/office/drawing/2014/main" id="{0263D36B-8799-48BF-9D12-7FA8EC932069}"/>
+                <a16:creationId xmlns:a16="http://schemas.microsoft.com/office/drawing/2014/main" id="{FDC23327-086B-41AB-AC13-CE5A75450C7E}"/>
               </a:ext>
             </a:extLst>
           </p:cNvPr>
@@ -27542,65 +27740,6 @@
           <a:bodyPr/>
           <a:lstStyle/>
           <a:p>
-            <a:r>
-              <a:rPr lang="ru-RU" dirty="0"/>
-              <a:t>Собрать две версии </a:t>
-            </a:r>
-            <a:r>
-              <a:rPr lang="en-US" dirty="0"/>
-              <a:t>LLVM:</a:t>
-            </a:r>
-          </a:p>
-          <a:p>
-            <a:pPr lvl="1"/>
-            <a:r>
-              <a:rPr lang="en-US" dirty="0"/>
-              <a:t>-DBUILD_SHARED_LIBS=ON</a:t>
-            </a:r>
-          </a:p>
-          <a:p>
-            <a:pPr lvl="1"/>
-            <a:r>
-              <a:rPr lang="en-US" dirty="0"/>
-              <a:t>-DBUILD_SHARED_LIBS=ON -DCMAKE_SHARED_LINKER_FLAGS='-</a:t>
-            </a:r>
-            <a:r>
-              <a:rPr lang="en-US" dirty="0" err="1"/>
-              <a:t>Wl</a:t>
-            </a:r>
-            <a:r>
-              <a:rPr lang="en-US" dirty="0"/>
-              <a:t>,-</a:t>
-            </a:r>
-            <a:r>
-              <a:rPr lang="en-US" dirty="0" err="1"/>
-              <a:t>Bsymbolic</a:t>
-            </a:r>
-            <a:r>
-              <a:rPr lang="en-US" dirty="0"/>
-              <a:t>-functions’</a:t>
-            </a:r>
-          </a:p>
-          <a:p>
-            <a:r>
-              <a:rPr lang="ru-RU" dirty="0"/>
-              <a:t>Сравнить производительность</a:t>
-            </a:r>
-            <a:r>
-              <a:rPr lang="en-US" dirty="0"/>
-              <a:t>:</a:t>
-            </a:r>
-          </a:p>
-          <a:p>
-            <a:pPr lvl="1"/>
-            <a:r>
-              <a:rPr lang="en-US" dirty="0"/>
-              <a:t>./benchmark.pl 10 path/to/clang -S -O2 ~/</a:t>
-            </a:r>
-            <a:r>
-              <a:rPr lang="en-US" dirty="0" err="1"/>
-              <a:t>InstCombining.ii</a:t>
-            </a:r>
             <a:endParaRPr lang="en-US" dirty="0"/>
           </a:p>
         </p:txBody>
@@ -27608,7 +27747,7 @@
     </p:spTree>
     <p:extLst>
       <p:ext uri="{BB962C8B-B14F-4D97-AF65-F5344CB8AC3E}">
-        <p14:creationId xmlns:p14="http://schemas.microsoft.com/office/powerpoint/2010/main" val="2465096134"/>
+        <p14:creationId xmlns:p14="http://schemas.microsoft.com/office/powerpoint/2010/main" val="876813992"/>
       </p:ext>
     </p:extLst>
   </p:cSld>
@@ -27640,6 +27779,436 @@
           <p:cNvPr id="2" name="Title 1">
             <a:extLst>
               <a:ext uri="{FF2B5EF4-FFF2-40B4-BE49-F238E27FC236}">
+                <a16:creationId xmlns:a16="http://schemas.microsoft.com/office/drawing/2014/main" id="{CD19E7E3-A310-49FF-A77B-B37588A39A3E}"/>
+              </a:ext>
+            </a:extLst>
+          </p:cNvPr>
+          <p:cNvSpPr>
+            <a:spLocks noGrp="1"/>
+          </p:cNvSpPr>
+          <p:nvPr>
+            <p:ph type="title"/>
+          </p:nvPr>
+        </p:nvSpPr>
+        <p:spPr/>
+        <p:txBody>
+          <a:bodyPr/>
+          <a:lstStyle/>
+          <a:p>
+            <a:r>
+              <a:rPr lang="ru-RU" dirty="0"/>
+              <a:t>Проверка </a:t>
+            </a:r>
+            <a:r>
+              <a:rPr lang="en-US" dirty="0"/>
+              <a:t>-Wl,-O1</a:t>
+            </a:r>
+          </a:p>
+        </p:txBody>
+      </p:sp>
+      <p:sp>
+        <p:nvSpPr>
+          <p:cNvPr id="3" name="Content Placeholder 2">
+            <a:extLst>
+              <a:ext uri="{FF2B5EF4-FFF2-40B4-BE49-F238E27FC236}">
+                <a16:creationId xmlns:a16="http://schemas.microsoft.com/office/drawing/2014/main" id="{0263D36B-8799-48BF-9D12-7FA8EC932069}"/>
+              </a:ext>
+            </a:extLst>
+          </p:cNvPr>
+          <p:cNvSpPr>
+            <a:spLocks noGrp="1"/>
+          </p:cNvSpPr>
+          <p:nvPr>
+            <p:ph idx="1"/>
+          </p:nvPr>
+        </p:nvSpPr>
+        <p:spPr/>
+        <p:txBody>
+          <a:bodyPr/>
+          <a:lstStyle/>
+          <a:p>
+            <a:r>
+              <a:rPr lang="ru-RU" dirty="0"/>
+              <a:t>Собрать две версии </a:t>
+            </a:r>
+            <a:r>
+              <a:rPr lang="en-US" dirty="0"/>
+              <a:t>LLVM:</a:t>
+            </a:r>
+          </a:p>
+          <a:p>
+            <a:pPr lvl="1"/>
+            <a:r>
+              <a:rPr lang="en-US" dirty="0"/>
+              <a:t>-DBUILD_SHARED_LIBS=ON</a:t>
+            </a:r>
+          </a:p>
+          <a:p>
+            <a:pPr lvl="1"/>
+            <a:r>
+              <a:rPr lang="en-US" dirty="0"/>
+              <a:t>-DBUILD_SHARED_LIBS=ON -DCMAKE_SHARED_LINKER_FLAGS='-Wl,-O1’</a:t>
+            </a:r>
+          </a:p>
+          <a:p>
+            <a:r>
+              <a:rPr lang="ru-RU" dirty="0"/>
+              <a:t>Сравнить производительность</a:t>
+            </a:r>
+            <a:r>
+              <a:rPr lang="en-US" dirty="0"/>
+              <a:t>:</a:t>
+            </a:r>
+          </a:p>
+          <a:p>
+            <a:pPr lvl="1"/>
+            <a:r>
+              <a:rPr lang="en-US" dirty="0"/>
+              <a:t>./benchmark.pl 10 path/to/clang -h</a:t>
+            </a:r>
+          </a:p>
+        </p:txBody>
+      </p:sp>
+    </p:spTree>
+    <p:extLst>
+      <p:ext uri="{BB962C8B-B14F-4D97-AF65-F5344CB8AC3E}">
+        <p14:creationId xmlns:p14="http://schemas.microsoft.com/office/powerpoint/2010/main" val="1685019486"/>
+      </p:ext>
+    </p:extLst>
+  </p:cSld>
+  <p:clrMapOvr>
+    <a:masterClrMapping/>
+  </p:clrMapOvr>
+</p:sld>
+</file>
+
+<file path=ppt/slides/slide66.xml><?xml version="1.0" encoding="utf-8"?>
+<p:sld xmlns:a="http://schemas.openxmlformats.org/drawingml/2006/main" xmlns:r="http://schemas.openxmlformats.org/officeDocument/2006/relationships" xmlns:p="http://schemas.openxmlformats.org/presentationml/2006/main">
+  <p:cSld>
+    <p:spTree>
+      <p:nvGrpSpPr>
+        <p:cNvPr id="1" name=""/>
+        <p:cNvGrpSpPr/>
+        <p:nvPr/>
+      </p:nvGrpSpPr>
+      <p:grpSpPr>
+        <a:xfrm>
+          <a:off x="0" y="0"/>
+          <a:ext cx="0" cy="0"/>
+          <a:chOff x="0" y="0"/>
+          <a:chExt cx="0" cy="0"/>
+        </a:xfrm>
+      </p:grpSpPr>
+      <p:sp>
+        <p:nvSpPr>
+          <p:cNvPr id="2" name="Title 1">
+            <a:extLst>
+              <a:ext uri="{FF2B5EF4-FFF2-40B4-BE49-F238E27FC236}">
+                <a16:creationId xmlns:a16="http://schemas.microsoft.com/office/drawing/2014/main" id="{CD19E7E3-A310-49FF-A77B-B37588A39A3E}"/>
+              </a:ext>
+            </a:extLst>
+          </p:cNvPr>
+          <p:cNvSpPr>
+            <a:spLocks noGrp="1"/>
+          </p:cNvSpPr>
+          <p:nvPr>
+            <p:ph type="title"/>
+          </p:nvPr>
+        </p:nvSpPr>
+        <p:spPr/>
+        <p:txBody>
+          <a:bodyPr/>
+          <a:lstStyle/>
+          <a:p>
+            <a:r>
+              <a:rPr lang="ru-RU" dirty="0"/>
+              <a:t>Проверка </a:t>
+            </a:r>
+            <a:r>
+              <a:rPr lang="en-US" dirty="0"/>
+              <a:t>-</a:t>
+            </a:r>
+            <a:r>
+              <a:rPr lang="en-US" dirty="0" err="1"/>
+              <a:t>fno-plt</a:t>
+            </a:r>
+            <a:endParaRPr lang="en-US" dirty="0"/>
+          </a:p>
+        </p:txBody>
+      </p:sp>
+      <p:sp>
+        <p:nvSpPr>
+          <p:cNvPr id="3" name="Content Placeholder 2">
+            <a:extLst>
+              <a:ext uri="{FF2B5EF4-FFF2-40B4-BE49-F238E27FC236}">
+                <a16:creationId xmlns:a16="http://schemas.microsoft.com/office/drawing/2014/main" id="{0263D36B-8799-48BF-9D12-7FA8EC932069}"/>
+              </a:ext>
+            </a:extLst>
+          </p:cNvPr>
+          <p:cNvSpPr>
+            <a:spLocks noGrp="1"/>
+          </p:cNvSpPr>
+          <p:nvPr>
+            <p:ph idx="1"/>
+          </p:nvPr>
+        </p:nvSpPr>
+        <p:spPr/>
+        <p:txBody>
+          <a:bodyPr/>
+          <a:lstStyle/>
+          <a:p>
+            <a:r>
+              <a:rPr lang="ru-RU" dirty="0"/>
+              <a:t>Собрать две версии </a:t>
+            </a:r>
+            <a:r>
+              <a:rPr lang="en-US" dirty="0"/>
+              <a:t>LLVM:</a:t>
+            </a:r>
+          </a:p>
+          <a:p>
+            <a:pPr lvl="1"/>
+            <a:r>
+              <a:rPr lang="en-US" dirty="0"/>
+              <a:t>-DBUILD_SHARED_LIBS=ON</a:t>
+            </a:r>
+          </a:p>
+          <a:p>
+            <a:pPr lvl="1"/>
+            <a:r>
+              <a:rPr lang="en-US" dirty="0"/>
+              <a:t>-DBUILD_SHARED_LIBS=ON -DCMAKE_CXX_FLAGS=‘-</a:t>
+            </a:r>
+            <a:r>
+              <a:rPr lang="en-US" dirty="0" err="1"/>
+              <a:t>fno</a:t>
+            </a:r>
+            <a:r>
+              <a:rPr lang="en-US" dirty="0"/>
+              <a:t>-</a:t>
+            </a:r>
+            <a:r>
+              <a:rPr lang="en-US" dirty="0" err="1"/>
+              <a:t>plt</a:t>
+            </a:r>
+            <a:r>
+              <a:rPr lang="en-US" dirty="0"/>
+              <a:t>’</a:t>
+            </a:r>
+          </a:p>
+          <a:p>
+            <a:r>
+              <a:rPr lang="ru-RU" dirty="0"/>
+              <a:t>Сравнить производительность</a:t>
+            </a:r>
+            <a:r>
+              <a:rPr lang="en-US" dirty="0"/>
+              <a:t>:</a:t>
+            </a:r>
+          </a:p>
+          <a:p>
+            <a:pPr lvl="1"/>
+            <a:r>
+              <a:rPr lang="en-US" dirty="0"/>
+              <a:t>./benchmark.pl 10 path/to/clang -S -O2 ~/</a:t>
+            </a:r>
+            <a:r>
+              <a:rPr lang="en-US" dirty="0" err="1"/>
+              <a:t>InstCombining.ii</a:t>
+            </a:r>
+            <a:endParaRPr lang="en-US" dirty="0"/>
+          </a:p>
+        </p:txBody>
+      </p:sp>
+    </p:spTree>
+    <p:extLst>
+      <p:ext uri="{BB962C8B-B14F-4D97-AF65-F5344CB8AC3E}">
+        <p14:creationId xmlns:p14="http://schemas.microsoft.com/office/powerpoint/2010/main" val="4180884372"/>
+      </p:ext>
+    </p:extLst>
+  </p:cSld>
+  <p:clrMapOvr>
+    <a:masterClrMapping/>
+  </p:clrMapOvr>
+</p:sld>
+</file>
+
+<file path=ppt/slides/slide67.xml><?xml version="1.0" encoding="utf-8"?>
+<p:sld xmlns:a="http://schemas.openxmlformats.org/drawingml/2006/main" xmlns:r="http://schemas.openxmlformats.org/officeDocument/2006/relationships" xmlns:p="http://schemas.openxmlformats.org/presentationml/2006/main">
+  <p:cSld>
+    <p:spTree>
+      <p:nvGrpSpPr>
+        <p:cNvPr id="1" name=""/>
+        <p:cNvGrpSpPr/>
+        <p:nvPr/>
+      </p:nvGrpSpPr>
+      <p:grpSpPr>
+        <a:xfrm>
+          <a:off x="0" y="0"/>
+          <a:ext cx="0" cy="0"/>
+          <a:chOff x="0" y="0"/>
+          <a:chExt cx="0" cy="0"/>
+        </a:xfrm>
+      </p:grpSpPr>
+      <p:sp>
+        <p:nvSpPr>
+          <p:cNvPr id="2" name="Title 1">
+            <a:extLst>
+              <a:ext uri="{FF2B5EF4-FFF2-40B4-BE49-F238E27FC236}">
+                <a16:creationId xmlns:a16="http://schemas.microsoft.com/office/drawing/2014/main" id="{CD19E7E3-A310-49FF-A77B-B37588A39A3E}"/>
+              </a:ext>
+            </a:extLst>
+          </p:cNvPr>
+          <p:cNvSpPr>
+            <a:spLocks noGrp="1"/>
+          </p:cNvSpPr>
+          <p:nvPr>
+            <p:ph type="title"/>
+          </p:nvPr>
+        </p:nvSpPr>
+        <p:spPr/>
+        <p:txBody>
+          <a:bodyPr/>
+          <a:lstStyle/>
+          <a:p>
+            <a:r>
+              <a:rPr lang="ru-RU" dirty="0"/>
+              <a:t>Проверка </a:t>
+            </a:r>
+            <a:r>
+              <a:rPr lang="en-US" dirty="0"/>
+              <a:t>-</a:t>
+            </a:r>
+            <a:r>
+              <a:rPr lang="en-US" dirty="0" err="1"/>
+              <a:t>Bsymbolic</a:t>
+            </a:r>
+            <a:r>
+              <a:rPr lang="en-US" dirty="0"/>
+              <a:t>-functions</a:t>
+            </a:r>
+          </a:p>
+        </p:txBody>
+      </p:sp>
+      <p:sp>
+        <p:nvSpPr>
+          <p:cNvPr id="3" name="Content Placeholder 2">
+            <a:extLst>
+              <a:ext uri="{FF2B5EF4-FFF2-40B4-BE49-F238E27FC236}">
+                <a16:creationId xmlns:a16="http://schemas.microsoft.com/office/drawing/2014/main" id="{0263D36B-8799-48BF-9D12-7FA8EC932069}"/>
+              </a:ext>
+            </a:extLst>
+          </p:cNvPr>
+          <p:cNvSpPr>
+            <a:spLocks noGrp="1"/>
+          </p:cNvSpPr>
+          <p:nvPr>
+            <p:ph idx="1"/>
+          </p:nvPr>
+        </p:nvSpPr>
+        <p:spPr/>
+        <p:txBody>
+          <a:bodyPr/>
+          <a:lstStyle/>
+          <a:p>
+            <a:r>
+              <a:rPr lang="ru-RU" dirty="0"/>
+              <a:t>Собрать две версии </a:t>
+            </a:r>
+            <a:r>
+              <a:rPr lang="en-US" dirty="0"/>
+              <a:t>LLVM:</a:t>
+            </a:r>
+          </a:p>
+          <a:p>
+            <a:pPr lvl="1"/>
+            <a:r>
+              <a:rPr lang="en-US" dirty="0"/>
+              <a:t>-DBUILD_SHARED_LIBS=ON</a:t>
+            </a:r>
+          </a:p>
+          <a:p>
+            <a:pPr lvl="1"/>
+            <a:r>
+              <a:rPr lang="en-US" dirty="0"/>
+              <a:t>-DBUILD_SHARED_LIBS=ON -DCMAKE_SHARED_LINKER_FLAGS='-</a:t>
+            </a:r>
+            <a:r>
+              <a:rPr lang="en-US" dirty="0" err="1"/>
+              <a:t>Wl</a:t>
+            </a:r>
+            <a:r>
+              <a:rPr lang="en-US" dirty="0"/>
+              <a:t>,-</a:t>
+            </a:r>
+            <a:r>
+              <a:rPr lang="en-US" dirty="0" err="1"/>
+              <a:t>Bsymbolic</a:t>
+            </a:r>
+            <a:r>
+              <a:rPr lang="en-US" dirty="0"/>
+              <a:t>-functions’</a:t>
+            </a:r>
+          </a:p>
+          <a:p>
+            <a:r>
+              <a:rPr lang="ru-RU" dirty="0"/>
+              <a:t>Сравнить производительность</a:t>
+            </a:r>
+            <a:r>
+              <a:rPr lang="en-US" dirty="0"/>
+              <a:t>:</a:t>
+            </a:r>
+          </a:p>
+          <a:p>
+            <a:pPr lvl="1"/>
+            <a:r>
+              <a:rPr lang="en-US" dirty="0"/>
+              <a:t>./benchmark.pl 10 path/to/clang -S -O2 ~/</a:t>
+            </a:r>
+            <a:r>
+              <a:rPr lang="en-US" dirty="0" err="1"/>
+              <a:t>InstCombining.ii</a:t>
+            </a:r>
+            <a:endParaRPr lang="en-US" dirty="0"/>
+          </a:p>
+        </p:txBody>
+      </p:sp>
+    </p:spTree>
+    <p:extLst>
+      <p:ext uri="{BB962C8B-B14F-4D97-AF65-F5344CB8AC3E}">
+        <p14:creationId xmlns:p14="http://schemas.microsoft.com/office/powerpoint/2010/main" val="2465096134"/>
+      </p:ext>
+    </p:extLst>
+  </p:cSld>
+  <p:clrMapOvr>
+    <a:masterClrMapping/>
+  </p:clrMapOvr>
+</p:sld>
+</file>
+
+<file path=ppt/slides/slide68.xml><?xml version="1.0" encoding="utf-8"?>
+<p:sld xmlns:a="http://schemas.openxmlformats.org/drawingml/2006/main" xmlns:r="http://schemas.openxmlformats.org/officeDocument/2006/relationships" xmlns:p="http://schemas.openxmlformats.org/presentationml/2006/main">
+  <p:cSld>
+    <p:spTree>
+      <p:nvGrpSpPr>
+        <p:cNvPr id="1" name=""/>
+        <p:cNvGrpSpPr/>
+        <p:nvPr/>
+      </p:nvGrpSpPr>
+      <p:grpSpPr>
+        <a:xfrm>
+          <a:off x="0" y="0"/>
+          <a:ext cx="0" cy="0"/>
+          <a:chOff x="0" y="0"/>
+          <a:chExt cx="0" cy="0"/>
+        </a:xfrm>
+      </p:grpSpPr>
+      <p:sp>
+        <p:nvSpPr>
+          <p:cNvPr id="2" name="Title 1">
+            <a:extLst>
+              <a:ext uri="{FF2B5EF4-FFF2-40B4-BE49-F238E27FC236}">
                 <a16:creationId xmlns:a16="http://schemas.microsoft.com/office/drawing/2014/main" id="{F09C38B6-88BB-47D5-AECF-F1AEB00015C7}"/>
               </a:ext>
             </a:extLst>
@@ -27760,7 +28329,7 @@
 </p:sld>
 </file>
 
-<file path=ppt/slides/slide66.xml><?xml version="1.0" encoding="utf-8"?>
+<file path=ppt/slides/slide69.xml><?xml version="1.0" encoding="utf-8"?>
 <p:sld xmlns:a="http://schemas.openxmlformats.org/drawingml/2006/main" xmlns:r="http://schemas.openxmlformats.org/officeDocument/2006/relationships" xmlns:p="http://schemas.openxmlformats.org/presentationml/2006/main">
   <p:cSld>
     <p:spTree>

--- a/2024/RU.pptx
+++ b/2024/RU.pptx
@@ -5,7 +5,7 @@
     <p:sldMasterId id="2147483648" r:id="rId1"/>
   </p:sldMasterIdLst>
   <p:notesMasterIdLst>
-    <p:notesMasterId r:id="rId71"/>
+    <p:notesMasterId r:id="rId72"/>
   </p:notesMasterIdLst>
   <p:sldIdLst>
     <p:sldId id="256" r:id="rId2"/>
@@ -54,29 +54,30 @@
     <p:sldId id="348" r:id="rId45"/>
     <p:sldId id="335" r:id="rId46"/>
     <p:sldId id="344" r:id="rId47"/>
-    <p:sldId id="323" r:id="rId48"/>
-    <p:sldId id="345" r:id="rId49"/>
-    <p:sldId id="351" r:id="rId50"/>
-    <p:sldId id="336" r:id="rId51"/>
-    <p:sldId id="324" r:id="rId52"/>
-    <p:sldId id="326" r:id="rId53"/>
-    <p:sldId id="327" r:id="rId54"/>
-    <p:sldId id="347" r:id="rId55"/>
-    <p:sldId id="328" r:id="rId56"/>
-    <p:sldId id="330" r:id="rId57"/>
-    <p:sldId id="365" r:id="rId58"/>
-    <p:sldId id="364" r:id="rId59"/>
-    <p:sldId id="338" r:id="rId60"/>
-    <p:sldId id="379" r:id="rId61"/>
-    <p:sldId id="377" r:id="rId62"/>
-    <p:sldId id="378" r:id="rId63"/>
-    <p:sldId id="319" r:id="rId64"/>
-    <p:sldId id="299" r:id="rId65"/>
-    <p:sldId id="349" r:id="rId66"/>
-    <p:sldId id="350" r:id="rId67"/>
-    <p:sldId id="346" r:id="rId68"/>
-    <p:sldId id="352" r:id="rId69"/>
-    <p:sldId id="353" r:id="rId70"/>
+    <p:sldId id="380" r:id="rId48"/>
+    <p:sldId id="323" r:id="rId49"/>
+    <p:sldId id="345" r:id="rId50"/>
+    <p:sldId id="351" r:id="rId51"/>
+    <p:sldId id="336" r:id="rId52"/>
+    <p:sldId id="324" r:id="rId53"/>
+    <p:sldId id="326" r:id="rId54"/>
+    <p:sldId id="327" r:id="rId55"/>
+    <p:sldId id="347" r:id="rId56"/>
+    <p:sldId id="328" r:id="rId57"/>
+    <p:sldId id="330" r:id="rId58"/>
+    <p:sldId id="365" r:id="rId59"/>
+    <p:sldId id="364" r:id="rId60"/>
+    <p:sldId id="338" r:id="rId61"/>
+    <p:sldId id="379" r:id="rId62"/>
+    <p:sldId id="377" r:id="rId63"/>
+    <p:sldId id="378" r:id="rId64"/>
+    <p:sldId id="319" r:id="rId65"/>
+    <p:sldId id="299" r:id="rId66"/>
+    <p:sldId id="352" r:id="rId67"/>
+    <p:sldId id="353" r:id="rId68"/>
+    <p:sldId id="349" r:id="rId69"/>
+    <p:sldId id="350" r:id="rId70"/>
+    <p:sldId id="346" r:id="rId71"/>
   </p:sldIdLst>
   <p:sldSz cx="12192000" cy="6858000"/>
   <p:notesSz cx="6858000" cy="9144000"/>
@@ -277,7 +278,7 @@
           <a:p>
             <a:fld id="{A36A2EB4-42A0-4A9F-94AC-04D10C1F231A}" type="datetimeFigureOut">
               <a:rPr lang="en-US" smtClean="0"/>
-              <a:t>5/4/2024</a:t>
+              <a:t>5/5/2024</a:t>
             </a:fld>
             <a:endParaRPr lang="en-US"/>
           </a:p>
@@ -2411,7 +2412,7 @@
             </a:r>
             <a:r>
               <a:rPr lang="en-US" dirty="0"/>
-              <a:t> (0x140000000 </a:t>
+              <a:t> (0x180000000 </a:t>
             </a:r>
             <a:r>
               <a:rPr lang="ru-RU" dirty="0"/>
@@ -3549,7 +3550,7 @@
             </a:r>
             <a:r>
               <a:rPr lang="en-US" dirty="0"/>
-              <a:t>Linux, </a:t>
+              <a:t>Linux (I$, BTB), </a:t>
             </a:r>
             <a:r>
               <a:rPr lang="ru-RU" dirty="0"/>
@@ -4821,32 +4822,19 @@
           <a:p>
             <a:r>
               <a:rPr lang="ru-RU" dirty="0"/>
-              <a:t>Мы уже упоминали что ленивое связывание на </a:t>
-            </a:r>
-            <a:r>
-              <a:rPr lang="en-US" dirty="0"/>
-              <a:t>Linux </a:t>
-            </a:r>
-            <a:r>
-              <a:rPr lang="ru-RU" dirty="0"/>
-              <a:t>добавляет лишний вызов заглушки при вызове библиотечной функции.</a:t>
-            </a:r>
-          </a:p>
-          <a:p>
-            <a:endParaRPr lang="ru-RU" dirty="0"/>
-          </a:p>
-          <a:p>
-            <a:r>
-              <a:rPr lang="ru-RU" dirty="0"/>
-              <a:t>Современные </a:t>
-            </a:r>
-            <a:r>
-              <a:rPr lang="en-US" dirty="0" err="1"/>
-              <a:t>gcc</a:t>
-            </a:r>
-            <a:r>
-              <a:rPr lang="en-US" dirty="0"/>
-              <a:t> </a:t>
+              <a:t>Самый простой подход к связыванию символов</a:t>
+            </a:r>
+            <a:r>
+              <a:rPr lang="en-US" dirty="0"/>
+              <a:t>: </a:t>
+            </a:r>
+            <a:r>
+              <a:rPr lang="ru-RU" dirty="0"/>
+              <a:t>оптимизация размера соответсвующих таблиц поиска. Обычно рекомендуется использовать две опции</a:t>
+            </a:r>
+            <a:r>
+              <a:rPr lang="en-US" dirty="0"/>
+              <a:t>: hash-style </a:t>
             </a:r>
             <a:r>
               <a:rPr lang="ru-RU" dirty="0"/>
@@ -4854,77 +4842,37 @@
             </a:r>
             <a:r>
               <a:rPr lang="en-US" dirty="0"/>
-              <a:t>clang </a:t>
-            </a:r>
-            <a:r>
-              <a:rPr lang="ru-RU" dirty="0"/>
-              <a:t>позволяют избежать этого с помощью специальной опции компиляции</a:t>
-            </a:r>
-            <a:r>
-              <a:rPr lang="en-US" dirty="0"/>
-              <a:t> –</a:t>
-            </a:r>
-            <a:r>
-              <a:rPr lang="en-US" dirty="0" err="1"/>
-              <a:t>fno-plt</a:t>
-            </a:r>
-            <a:r>
-              <a:rPr lang="en-US" dirty="0"/>
-              <a:t>.</a:t>
-            </a:r>
-          </a:p>
-          <a:p>
+              <a:t>O1. </a:t>
+            </a:r>
+            <a:r>
+              <a:rPr lang="ru-RU" dirty="0"/>
+              <a:t>Первая из них уже по умолчанию включена в современных дистрибутивах (</a:t>
+            </a:r>
+            <a:r>
+              <a:rPr lang="en-US" dirty="0"/>
+              <a:t>RHEL </a:t>
+            </a:r>
+            <a:r>
+              <a:rPr lang="ru-RU" dirty="0"/>
+              <a:t>и </a:t>
+            </a:r>
+            <a:r>
+              <a:rPr lang="en-US" dirty="0"/>
+              <a:t>Ubuntu)</a:t>
+            </a:r>
+            <a:r>
+              <a:rPr lang="ru-RU" dirty="0"/>
+              <a:t>, а вторая по моим замерам не оказывает существенного влияния на производительность.</a:t>
+            </a:r>
             <a:endParaRPr lang="en-US" dirty="0"/>
           </a:p>
           <a:p>
-            <a:r>
-              <a:rPr lang="ru-RU" dirty="0"/>
-              <a:t>Её использование замедлит загрузку </a:t>
-            </a:r>
-            <a:r>
-              <a:rPr lang="en-US" dirty="0"/>
-              <a:t>DLL</a:t>
-            </a:r>
-            <a:r>
-              <a:rPr lang="ru-RU" dirty="0"/>
-              <a:t>, т.к. теперь все функции потребуется разрешить и связать на старте программы, но с другой стороны ускорит работу программы в дальнейшем, т.к. избавится от </a:t>
-            </a:r>
-            <a:r>
-              <a:rPr lang="en-US" dirty="0"/>
-              <a:t>PLT-</a:t>
-            </a:r>
-            <a:r>
-              <a:rPr lang="ru-RU" dirty="0"/>
-              <a:t>заглушки</a:t>
-            </a:r>
-            <a:r>
-              <a:rPr lang="en-US" dirty="0"/>
-              <a:t>.</a:t>
-            </a:r>
-          </a:p>
-          <a:p>
             <a:endParaRPr lang="en-US" dirty="0"/>
           </a:p>
           <a:p>
             <a:r>
               <a:rPr lang="ru-RU" dirty="0"/>
-              <a:t>Также этот флаг позволит загружать адрес функции из таблицы </a:t>
-            </a:r>
-            <a:r>
-              <a:rPr lang="en-US" dirty="0"/>
-              <a:t>GOT </a:t>
-            </a:r>
-            <a:r>
-              <a:rPr lang="ru-RU" dirty="0"/>
-              <a:t>только один раз на несколько вызовов одной и той же функции</a:t>
-            </a:r>
-            <a:r>
-              <a:rPr lang="en-US" dirty="0"/>
-              <a:t>, </a:t>
-            </a:r>
-            <a:r>
-              <a:rPr lang="ru-RU" dirty="0"/>
-              <a:t>т.е. сократит количество обращений в память.</a:t>
+              <a:t>Резюмируя данный слайд можно сказать что дефолтные настройки тулчейнов в данном контексте оптимальны.</a:t>
             </a:r>
             <a:endParaRPr lang="en-US" dirty="0"/>
           </a:p>
@@ -4956,7 +4904,7 @@
     </p:spTree>
     <p:extLst>
       <p:ext uri="{BB962C8B-B14F-4D97-AF65-F5344CB8AC3E}">
-        <p14:creationId xmlns:p14="http://schemas.microsoft.com/office/powerpoint/2010/main" val="305821099"/>
+        <p14:creationId xmlns:p14="http://schemas.microsoft.com/office/powerpoint/2010/main" val="1525720301"/>
       </p:ext>
     </p:extLst>
   </p:cSld>
@@ -5010,6 +4958,113 @@
           <a:bodyPr/>
           <a:lstStyle/>
           <a:p>
+            <a:r>
+              <a:rPr lang="ru-RU" dirty="0"/>
+              <a:t>Мы уже упоминали что ленивое связывание на </a:t>
+            </a:r>
+            <a:r>
+              <a:rPr lang="en-US" dirty="0"/>
+              <a:t>Linux </a:t>
+            </a:r>
+            <a:r>
+              <a:rPr lang="ru-RU" dirty="0"/>
+              <a:t>добавляет лишний вызов заглушки при вызове библиотечной функции.</a:t>
+            </a:r>
+          </a:p>
+          <a:p>
+            <a:endParaRPr lang="ru-RU" dirty="0"/>
+          </a:p>
+          <a:p>
+            <a:r>
+              <a:rPr lang="ru-RU" dirty="0"/>
+              <a:t>Современные </a:t>
+            </a:r>
+            <a:r>
+              <a:rPr lang="en-US" dirty="0" err="1"/>
+              <a:t>gcc</a:t>
+            </a:r>
+            <a:r>
+              <a:rPr lang="en-US" dirty="0"/>
+              <a:t> </a:t>
+            </a:r>
+            <a:r>
+              <a:rPr lang="ru-RU" dirty="0"/>
+              <a:t>и </a:t>
+            </a:r>
+            <a:r>
+              <a:rPr lang="en-US" dirty="0"/>
+              <a:t>clang </a:t>
+            </a:r>
+            <a:r>
+              <a:rPr lang="ru-RU" dirty="0"/>
+              <a:t>позволяют избежать этого с помощью специальной опции компиляции</a:t>
+            </a:r>
+            <a:r>
+              <a:rPr lang="en-US" dirty="0"/>
+              <a:t> –</a:t>
+            </a:r>
+            <a:r>
+              <a:rPr lang="en-US" dirty="0" err="1"/>
+              <a:t>fno-plt</a:t>
+            </a:r>
+            <a:r>
+              <a:rPr lang="en-US" dirty="0"/>
+              <a:t>.</a:t>
+            </a:r>
+          </a:p>
+          <a:p>
+            <a:endParaRPr lang="en-US" dirty="0"/>
+          </a:p>
+          <a:p>
+            <a:r>
+              <a:rPr lang="ru-RU" dirty="0"/>
+              <a:t>Её использование замедлит загрузку </a:t>
+            </a:r>
+            <a:r>
+              <a:rPr lang="en-US" dirty="0"/>
+              <a:t>DLL</a:t>
+            </a:r>
+            <a:r>
+              <a:rPr lang="ru-RU" dirty="0"/>
+              <a:t>, т.к. теперь все функции потребуется разрешить и связать на старте программы, но с другой стороны ускорит работу программы в дальнейшем, т.к. избавится от </a:t>
+            </a:r>
+            <a:r>
+              <a:rPr lang="en-US" dirty="0"/>
+              <a:t>PLT-</a:t>
+            </a:r>
+            <a:r>
+              <a:rPr lang="ru-RU" dirty="0"/>
+              <a:t>заглушки</a:t>
+            </a:r>
+            <a:r>
+              <a:rPr lang="en-US" dirty="0"/>
+              <a:t>.</a:t>
+            </a:r>
+          </a:p>
+          <a:p>
+            <a:endParaRPr lang="en-US" dirty="0"/>
+          </a:p>
+          <a:p>
+            <a:r>
+              <a:rPr lang="ru-RU" dirty="0"/>
+              <a:t>Также этот флаг позволит загружать адрес функции из таблицы </a:t>
+            </a:r>
+            <a:r>
+              <a:rPr lang="en-US" dirty="0"/>
+              <a:t>GOT </a:t>
+            </a:r>
+            <a:r>
+              <a:rPr lang="ru-RU" dirty="0"/>
+              <a:t>только один раз на несколько вызовов одной и той же функции</a:t>
+            </a:r>
+            <a:r>
+              <a:rPr lang="en-US" dirty="0"/>
+              <a:t>, </a:t>
+            </a:r>
+            <a:r>
+              <a:rPr lang="ru-RU" dirty="0"/>
+              <a:t>т.е. сократит количество обращений в память.</a:t>
+            </a:r>
             <a:endParaRPr lang="en-US" dirty="0"/>
           </a:p>
         </p:txBody>
@@ -5040,7 +5095,7 @@
     </p:spTree>
     <p:extLst>
       <p:ext uri="{BB962C8B-B14F-4D97-AF65-F5344CB8AC3E}">
-        <p14:creationId xmlns:p14="http://schemas.microsoft.com/office/powerpoint/2010/main" val="3696372151"/>
+        <p14:creationId xmlns:p14="http://schemas.microsoft.com/office/powerpoint/2010/main" val="305821099"/>
       </p:ext>
     </p:extLst>
   </p:cSld>
@@ -5124,7 +5179,7 @@
     </p:spTree>
     <p:extLst>
       <p:ext uri="{BB962C8B-B14F-4D97-AF65-F5344CB8AC3E}">
-        <p14:creationId xmlns:p14="http://schemas.microsoft.com/office/powerpoint/2010/main" val="1863594613"/>
+        <p14:creationId xmlns:p14="http://schemas.microsoft.com/office/powerpoint/2010/main" val="3696372151"/>
       </p:ext>
     </p:extLst>
   </p:cSld>
@@ -5178,24 +5233,7 @@
           <a:bodyPr/>
           <a:lstStyle/>
           <a:p>
-            <a:r>
-              <a:rPr lang="ru-RU" dirty="0"/>
-              <a:t>Перейдём наконец к последнему пункту в списке накладных расходов. А именно рассмотрим как можно ускорить вызовы библиотечных функций.</a:t>
-            </a:r>
             <a:endParaRPr lang="en-US" dirty="0"/>
-          </a:p>
-          <a:p>
-            <a:endParaRPr lang="en-US" dirty="0"/>
-          </a:p>
-          <a:p>
-            <a:r>
-              <a:rPr lang="ru-RU" dirty="0"/>
-              <a:t>Эта часть в основном будет посвящена </a:t>
-            </a:r>
-            <a:r>
-              <a:rPr lang="en-US" dirty="0"/>
-              <a:t>Linux.</a:t>
-            </a:r>
           </a:p>
         </p:txBody>
       </p:sp>
@@ -5225,7 +5263,7 @@
     </p:spTree>
     <p:extLst>
       <p:ext uri="{BB962C8B-B14F-4D97-AF65-F5344CB8AC3E}">
-        <p14:creationId xmlns:p14="http://schemas.microsoft.com/office/powerpoint/2010/main" val="3270444806"/>
+        <p14:creationId xmlns:p14="http://schemas.microsoft.com/office/powerpoint/2010/main" val="1863594613"/>
       </p:ext>
     </p:extLst>
   </p:cSld>
@@ -5281,52 +5319,22 @@
           <a:p>
             <a:r>
               <a:rPr lang="ru-RU" dirty="0"/>
-              <a:t>Дело в том что на </a:t>
-            </a:r>
-            <a:r>
-              <a:rPr lang="en-US" dirty="0"/>
-              <a:t>Linux </a:t>
-            </a:r>
-            <a:r>
-              <a:rPr lang="ru-RU" dirty="0"/>
-              <a:t>все библиотечные функции по умолчанию являются экспортируемыми (для того чтобы </a:t>
-            </a:r>
-            <a:r>
-              <a:rPr lang="en-US" dirty="0"/>
-              <a:t>DLL </a:t>
-            </a:r>
-            <a:r>
-              <a:rPr lang="ru-RU" dirty="0"/>
-              <a:t>были более похожи на статические библиотеки).</a:t>
+              <a:t>Перейдём наконец к последнему пункту в списке накладных расходов. А именно рассмотрим как можно ускорить вызовы библиотечных функций.</a:t>
             </a:r>
             <a:endParaRPr lang="en-US" dirty="0"/>
           </a:p>
           <a:p>
-            <a:endParaRPr lang="ru-RU" dirty="0"/>
-          </a:p>
-          <a:p>
-            <a:r>
-              <a:rPr lang="ru-RU" dirty="0"/>
-              <a:t>Это приводит к тому что вызовы функций даже внутри библиотеки делаются не напрямую, а через таблицу диспетчеризации, с соответствующими накладными расходами</a:t>
-            </a:r>
-            <a:r>
-              <a:rPr lang="en-US" dirty="0"/>
-              <a:t> </a:t>
-            </a:r>
-            <a:r>
-              <a:rPr lang="ru-RU" dirty="0"/>
-              <a:t>на косвенные вызовы.</a:t>
-            </a:r>
-          </a:p>
-          <a:p>
-            <a:endParaRPr lang="ru-RU" dirty="0"/>
-          </a:p>
-          <a:p>
-            <a:r>
-              <a:rPr lang="ru-RU" dirty="0"/>
-              <a:t>Кроме того из-за того что функции экспортируются возникает возможность их перехвата и компилятору приходится это учитывать и существенно ограничивать оптимизации.</a:t>
-            </a:r>
             <a:endParaRPr lang="en-US" dirty="0"/>
+          </a:p>
+          <a:p>
+            <a:r>
+              <a:rPr lang="ru-RU" dirty="0"/>
+              <a:t>Эта часть в основном будет посвящена </a:t>
+            </a:r>
+            <a:r>
+              <a:rPr lang="en-US" dirty="0"/>
+              <a:t>Linux.</a:t>
+            </a:r>
           </a:p>
         </p:txBody>
       </p:sp>
@@ -5356,7 +5364,7 @@
     </p:spTree>
     <p:extLst>
       <p:ext uri="{BB962C8B-B14F-4D97-AF65-F5344CB8AC3E}">
-        <p14:creationId xmlns:p14="http://schemas.microsoft.com/office/powerpoint/2010/main" val="1185757282"/>
+        <p14:creationId xmlns:p14="http://schemas.microsoft.com/office/powerpoint/2010/main" val="3270444806"/>
       </p:ext>
     </p:extLst>
   </p:cSld>
@@ -5412,15 +5420,33 @@
           <a:p>
             <a:r>
               <a:rPr lang="ru-RU" dirty="0"/>
-              <a:t>На данном слайде можно видеть пример отмены оптимизации</a:t>
-            </a:r>
-            <a:r>
-              <a:rPr lang="en-US" dirty="0"/>
-              <a:t>: </a:t>
-            </a:r>
-            <a:r>
-              <a:rPr lang="ru-RU" dirty="0"/>
-              <a:t>компилятор не может</a:t>
+              <a:t>Дело в том что на </a:t>
+            </a:r>
+            <a:r>
+              <a:rPr lang="en-US" dirty="0"/>
+              <a:t>Linux </a:t>
+            </a:r>
+            <a:r>
+              <a:rPr lang="ru-RU" dirty="0"/>
+              <a:t>все библиотечные функции по умолчанию являются экспортируемыми (для того чтобы </a:t>
+            </a:r>
+            <a:r>
+              <a:rPr lang="en-US" dirty="0"/>
+              <a:t>DLL </a:t>
+            </a:r>
+            <a:r>
+              <a:rPr lang="ru-RU" dirty="0"/>
+              <a:t>были более похожи на статические библиотеки).</a:t>
+            </a:r>
+            <a:endParaRPr lang="en-US" dirty="0"/>
+          </a:p>
+          <a:p>
+            <a:endParaRPr lang="ru-RU" dirty="0"/>
+          </a:p>
+          <a:p>
+            <a:r>
+              <a:rPr lang="ru-RU" dirty="0"/>
+              <a:t>Это приводит к тому что вызовы функций даже внутри библиотеки делаются не напрямую, а через таблицу диспетчеризации, с соответствующими накладными расходами</a:t>
             </a:r>
             <a:r>
               <a:rPr lang="en-US" dirty="0"/>
@@ -5428,39 +5454,16 @@
             </a:r>
             <a:r>
               <a:rPr lang="ru-RU" dirty="0"/>
-              <a:t>встроить вызов </a:t>
-            </a:r>
-            <a:r>
-              <a:rPr lang="en-US" dirty="0"/>
-              <a:t>foo </a:t>
-            </a:r>
-            <a:r>
-              <a:rPr lang="ru-RU" dirty="0"/>
-              <a:t>в </a:t>
-            </a:r>
-            <a:r>
-              <a:rPr lang="en-US" dirty="0"/>
-              <a:t>bar </a:t>
-            </a:r>
-            <a:r>
-              <a:rPr lang="ru-RU" dirty="0"/>
-              <a:t>из-за того что </a:t>
-            </a:r>
-            <a:r>
-              <a:rPr lang="en-US" dirty="0"/>
-              <a:t>foo </a:t>
-            </a:r>
-            <a:r>
-              <a:rPr lang="ru-RU" dirty="0"/>
-              <a:t>может быть перехвачена в рантайме</a:t>
-            </a:r>
-            <a:r>
-              <a:rPr lang="en-US" dirty="0"/>
-              <a:t> (</a:t>
-            </a:r>
-            <a:r>
-              <a:rPr lang="ru-RU" dirty="0"/>
-              <a:t>и соответственно её семантика может быть изменена).</a:t>
+              <a:t>на косвенные вызовы.</a:t>
+            </a:r>
+          </a:p>
+          <a:p>
+            <a:endParaRPr lang="ru-RU" dirty="0"/>
+          </a:p>
+          <a:p>
+            <a:r>
+              <a:rPr lang="ru-RU" dirty="0"/>
+              <a:t>Кроме того из-за того что функции экспортируются возникает возможность их перехвата и компилятору приходится это учитывать и существенно ограничивать оптимизации.</a:t>
             </a:r>
             <a:endParaRPr lang="en-US" dirty="0"/>
           </a:p>
@@ -5492,7 +5495,7 @@
     </p:spTree>
     <p:extLst>
       <p:ext uri="{BB962C8B-B14F-4D97-AF65-F5344CB8AC3E}">
-        <p14:creationId xmlns:p14="http://schemas.microsoft.com/office/powerpoint/2010/main" val="2752840744"/>
+        <p14:creationId xmlns:p14="http://schemas.microsoft.com/office/powerpoint/2010/main" val="1185757282"/>
       </p:ext>
     </p:extLst>
   </p:cSld>
@@ -5548,16 +5551,7 @@
           <a:p>
             <a:r>
               <a:rPr lang="ru-RU" dirty="0"/>
-              <a:t>Бороться с таким неэффективным поведением можно несколькими способами.</a:t>
-            </a:r>
-          </a:p>
-          <a:p>
-            <a:endParaRPr lang="ru-RU" dirty="0"/>
-          </a:p>
-          <a:p>
-            <a:r>
-              <a:rPr lang="ru-RU" dirty="0"/>
-              <a:t>Во-первых есть специальные флаги компиляции</a:t>
+              <a:t>На данном слайде можно видеть пример отмены оптимизации</a:t>
             </a:r>
             <a:r>
               <a:rPr lang="en-US" dirty="0"/>
@@ -5565,53 +5559,47 @@
             </a:r>
             <a:r>
               <a:rPr lang="ru-RU" dirty="0"/>
-              <a:t>один, </a:t>
-            </a:r>
-            <a:r>
-              <a:rPr lang="en-US" dirty="0"/>
-              <a:t>-</a:t>
-            </a:r>
-            <a:r>
-              <a:rPr lang="en-US" dirty="0" err="1"/>
-              <a:t>Bsymbolic</a:t>
-            </a:r>
-            <a:r>
-              <a:rPr lang="ru-RU" dirty="0"/>
-              <a:t>, для линковки, чтобы вместо косвенных вызовы внутренних функций </a:t>
-            </a:r>
-            <a:r>
-              <a:rPr lang="en-US" dirty="0"/>
-              <a:t>DLL </a:t>
-            </a:r>
-            <a:r>
-              <a:rPr lang="ru-RU" dirty="0"/>
-              <a:t>использовать прямые. А второй</a:t>
-            </a:r>
-            <a:r>
-              <a:rPr lang="en-US" dirty="0"/>
-              <a:t>, -</a:t>
-            </a:r>
-            <a:r>
-              <a:rPr lang="en-US" dirty="0" err="1"/>
-              <a:t>fno</a:t>
-            </a:r>
-            <a:r>
-              <a:rPr lang="en-US" dirty="0"/>
-              <a:t>-semantic-interposition, </a:t>
-            </a:r>
-            <a:r>
-              <a:rPr lang="ru-RU" dirty="0"/>
-              <a:t>чтобы позволить компилятору при оптимизации игнорировать возможность перехвата функций.</a:t>
-            </a:r>
-            <a:endParaRPr lang="en-US" dirty="0"/>
-          </a:p>
-          <a:p>
-            <a:endParaRPr lang="en-US" dirty="0"/>
-          </a:p>
-          <a:p>
-            <a:r>
-              <a:rPr lang="ru-RU" dirty="0"/>
-              <a:t>Для оптимальной производительности требуется включить оба флага.</a:t>
+              <a:t>компилятор не может</a:t>
+            </a:r>
+            <a:r>
+              <a:rPr lang="en-US" dirty="0"/>
+              <a:t> </a:t>
+            </a:r>
+            <a:r>
+              <a:rPr lang="ru-RU" dirty="0"/>
+              <a:t>встроить вызов </a:t>
+            </a:r>
+            <a:r>
+              <a:rPr lang="en-US" dirty="0"/>
+              <a:t>foo </a:t>
+            </a:r>
+            <a:r>
+              <a:rPr lang="ru-RU" dirty="0"/>
+              <a:t>в </a:t>
+            </a:r>
+            <a:r>
+              <a:rPr lang="en-US" dirty="0"/>
+              <a:t>bar </a:t>
+            </a:r>
+            <a:r>
+              <a:rPr lang="ru-RU" dirty="0"/>
+              <a:t>из-за того что </a:t>
+            </a:r>
+            <a:r>
+              <a:rPr lang="en-US" dirty="0"/>
+              <a:t>foo </a:t>
+            </a:r>
+            <a:r>
+              <a:rPr lang="ru-RU" dirty="0"/>
+              <a:t>может быть перехвачена в рантайме</a:t>
+            </a:r>
+            <a:r>
+              <a:rPr lang="en-US" dirty="0"/>
+              <a:t> (</a:t>
+            </a:r>
+            <a:r>
+              <a:rPr lang="ru-RU" dirty="0"/>
+              <a:t>и соответственно её семантика может быть изменена).</a:t>
             </a:r>
             <a:endParaRPr lang="en-US" dirty="0"/>
           </a:p>
@@ -5643,7 +5631,7 @@
     </p:spTree>
     <p:extLst>
       <p:ext uri="{BB962C8B-B14F-4D97-AF65-F5344CB8AC3E}">
-        <p14:creationId xmlns:p14="http://schemas.microsoft.com/office/powerpoint/2010/main" val="3733641060"/>
+        <p14:creationId xmlns:p14="http://schemas.microsoft.com/office/powerpoint/2010/main" val="2752840744"/>
       </p:ext>
     </p:extLst>
   </p:cSld>
@@ -5699,7 +5687,7 @@
           <a:p>
             <a:r>
               <a:rPr lang="ru-RU" dirty="0"/>
-              <a:t>Помимо использования флагов есть второй, более традиционный способ, который заключается в сокращении интерфейса библиотеки, т.е. уменьшении количества функций, которые она экспортирует.</a:t>
+              <a:t>Бороться с таким неэффективным поведением можно несколькими способами.</a:t>
             </a:r>
           </a:p>
           <a:p>
@@ -5708,47 +5696,51 @@
           <a:p>
             <a:r>
               <a:rPr lang="ru-RU" dirty="0"/>
-              <a:t>Суть его заключается в том, что мы явно помечаем экспортируемые функции специальным атрибутом </a:t>
-            </a:r>
-            <a:r>
-              <a:rPr lang="en-US" dirty="0"/>
-              <a:t>visibility</a:t>
-            </a:r>
-            <a:r>
-              <a:rPr lang="ru-RU" dirty="0"/>
-              <a:t>, а все остальные символы делаем внутренними</a:t>
-            </a:r>
-            <a:r>
-              <a:rPr lang="en-US" dirty="0"/>
-              <a:t> </a:t>
-            </a:r>
-            <a:r>
-              <a:rPr lang="ru-RU" dirty="0"/>
-              <a:t>с помощью флага. Соответственно для всех скрытых, неэкспортируемых функций </a:t>
-            </a:r>
-            <a:r>
-              <a:rPr lang="en-US" dirty="0"/>
-              <a:t>(</a:t>
-            </a:r>
-            <a:r>
-              <a:rPr lang="ru-RU" dirty="0"/>
-              <a:t>которых гораздо больше</a:t>
-            </a:r>
-            <a:r>
-              <a:rPr lang="en-US" dirty="0"/>
-              <a:t>) </a:t>
-            </a:r>
-            <a:r>
-              <a:rPr lang="ru-RU" dirty="0"/>
-              <a:t>компилятор сможет применять более агрессивные оптимизации и при генерации кода использовать прямые вызовы</a:t>
-            </a:r>
-            <a:r>
-              <a:rPr lang="en-US" dirty="0"/>
-              <a:t> (</a:t>
-            </a:r>
-            <a:r>
-              <a:rPr lang="ru-RU" dirty="0"/>
-              <a:t>вместо косвенных).</a:t>
+              <a:t>Во-первых есть специальные флаги компиляции</a:t>
+            </a:r>
+            <a:r>
+              <a:rPr lang="en-US" dirty="0"/>
+              <a:t>: </a:t>
+            </a:r>
+            <a:r>
+              <a:rPr lang="ru-RU" dirty="0"/>
+              <a:t>один, </a:t>
+            </a:r>
+            <a:r>
+              <a:rPr lang="en-US" dirty="0"/>
+              <a:t>-</a:t>
+            </a:r>
+            <a:r>
+              <a:rPr lang="en-US" dirty="0" err="1"/>
+              <a:t>Bsymbolic</a:t>
+            </a:r>
+            <a:r>
+              <a:rPr lang="ru-RU" dirty="0"/>
+              <a:t>, для линковки, чтобы вместо косвенных вызовы внутренних функций </a:t>
+            </a:r>
+            <a:r>
+              <a:rPr lang="en-US" dirty="0"/>
+              <a:t>DLL </a:t>
+            </a:r>
+            <a:r>
+              <a:rPr lang="ru-RU" dirty="0"/>
+              <a:t>использовать прямые. А второй</a:t>
+            </a:r>
+            <a:r>
+              <a:rPr lang="en-US" dirty="0"/>
+              <a:t>, -</a:t>
+            </a:r>
+            <a:r>
+              <a:rPr lang="en-US" dirty="0" err="1"/>
+              <a:t>fno</a:t>
+            </a:r>
+            <a:r>
+              <a:rPr lang="en-US" dirty="0"/>
+              <a:t>-semantic-interposition, </a:t>
+            </a:r>
+            <a:r>
+              <a:rPr lang="ru-RU" dirty="0"/>
+              <a:t>чтобы позволить компилятору при оптимизации игнорировать возможность перехвата функций.</a:t>
             </a:r>
             <a:endParaRPr lang="en-US" dirty="0"/>
           </a:p>
@@ -5758,15 +5750,7 @@
           <a:p>
             <a:r>
               <a:rPr lang="ru-RU" dirty="0"/>
-              <a:t>Помимо оптимизации у этого подхода есть ещё одно преимущество</a:t>
-            </a:r>
-            <a:r>
-              <a:rPr lang="en-US" dirty="0"/>
-              <a:t>: </a:t>
-            </a:r>
-            <a:r>
-              <a:rPr lang="ru-RU" dirty="0"/>
-              <a:t>мы скрываем от пользователя внутренние детали реализации библиотеки и не даём возможности использовать её недокументированным образом.</a:t>
+              <a:t>Для оптимальной производительности требуется включить оба флага.</a:t>
             </a:r>
             <a:endParaRPr lang="en-US" dirty="0"/>
           </a:p>
@@ -5789,7 +5773,7 @@
           <a:p>
             <a:fld id="{3AC94D10-082F-46D7-A834-266F9222130F}" type="slidenum">
               <a:rPr lang="en-US" smtClean="0"/>
-              <a:t>55</a:t>
+              <a:t>54</a:t>
             </a:fld>
             <a:endParaRPr lang="en-US"/>
           </a:p>
@@ -5798,7 +5782,7 @@
     </p:spTree>
     <p:extLst>
       <p:ext uri="{BB962C8B-B14F-4D97-AF65-F5344CB8AC3E}">
-        <p14:creationId xmlns:p14="http://schemas.microsoft.com/office/powerpoint/2010/main" val="1530341260"/>
+        <p14:creationId xmlns:p14="http://schemas.microsoft.com/office/powerpoint/2010/main" val="3733641060"/>
       </p:ext>
     </p:extLst>
   </p:cSld>
@@ -5969,15 +5953,24 @@
           <a:p>
             <a:r>
               <a:rPr lang="ru-RU" dirty="0"/>
-              <a:t>Если вы захотите применить оптимизацию сокрытия символов к большой кодовой базе, например к дистрибутиву </a:t>
-            </a:r>
-            <a:r>
-              <a:rPr lang="en-US" dirty="0"/>
-              <a:t>Linux, </a:t>
-            </a:r>
-            <a:r>
-              <a:rPr lang="ru-RU" dirty="0"/>
-              <a:t>то придётся вручную</a:t>
+              <a:t>Помимо использования флагов есть второй, более традиционный способ, который заключается в сокращении интерфейса библиотеки, т.е. уменьшении количества функций, которые она экспортирует.</a:t>
+            </a:r>
+          </a:p>
+          <a:p>
+            <a:endParaRPr lang="ru-RU" dirty="0"/>
+          </a:p>
+          <a:p>
+            <a:r>
+              <a:rPr lang="ru-RU" dirty="0"/>
+              <a:t>Суть его заключается в том, что мы явно помечаем экспортируемые функции специальным атрибутом </a:t>
+            </a:r>
+            <a:r>
+              <a:rPr lang="en-US" dirty="0"/>
+              <a:t>visibility</a:t>
+            </a:r>
+            <a:r>
+              <a:rPr lang="ru-RU" dirty="0"/>
+              <a:t>, а все остальные символы делаем внутренними</a:t>
             </a:r>
             <a:r>
               <a:rPr lang="en-US" dirty="0"/>
@@ -5985,16 +5978,49 @@
             </a:r>
             <a:r>
               <a:rPr lang="ru-RU" dirty="0"/>
-              <a:t>по очереди анализировать каждую библиотеку на предмет того экспортируются ли из неё ненужные символы и если да, то какие.</a:t>
-            </a:r>
-          </a:p>
-          <a:p>
-            <a:endParaRPr lang="ru-RU" dirty="0"/>
-          </a:p>
-          <a:p>
-            <a:r>
-              <a:rPr lang="ru-RU" dirty="0"/>
-              <a:t>Эту задачу можно упростить с помощью автоматизации.</a:t>
+              <a:t>с помощью флага. Соответственно для всех скрытых, неэкспортируемых функций </a:t>
+            </a:r>
+            <a:r>
+              <a:rPr lang="en-US" dirty="0"/>
+              <a:t>(</a:t>
+            </a:r>
+            <a:r>
+              <a:rPr lang="ru-RU" dirty="0"/>
+              <a:t>которых гораздо больше</a:t>
+            </a:r>
+            <a:r>
+              <a:rPr lang="en-US" dirty="0"/>
+              <a:t>) </a:t>
+            </a:r>
+            <a:r>
+              <a:rPr lang="ru-RU" dirty="0"/>
+              <a:t>компилятор сможет применять более агрессивные оптимизации и при генерации кода использовать прямые вызовы</a:t>
+            </a:r>
+            <a:r>
+              <a:rPr lang="en-US" dirty="0"/>
+              <a:t> (</a:t>
+            </a:r>
+            <a:r>
+              <a:rPr lang="ru-RU" dirty="0"/>
+              <a:t>вместо косвенных).</a:t>
+            </a:r>
+            <a:endParaRPr lang="en-US" dirty="0"/>
+          </a:p>
+          <a:p>
+            <a:endParaRPr lang="en-US" dirty="0"/>
+          </a:p>
+          <a:p>
+            <a:r>
+              <a:rPr lang="ru-RU" dirty="0"/>
+              <a:t>Помимо оптимизации у этого подхода есть ещё одно преимущество</a:t>
+            </a:r>
+            <a:r>
+              <a:rPr lang="en-US" dirty="0"/>
+              <a:t>: </a:t>
+            </a:r>
+            <a:r>
+              <a:rPr lang="ru-RU" dirty="0"/>
+              <a:t>мы скрываем от пользователя внутренние детали реализации библиотеки и не даём возможности использовать её недокументированным образом.</a:t>
             </a:r>
             <a:endParaRPr lang="en-US" dirty="0"/>
           </a:p>
@@ -6026,7 +6052,7 @@
     </p:spTree>
     <p:extLst>
       <p:ext uri="{BB962C8B-B14F-4D97-AF65-F5344CB8AC3E}">
-        <p14:creationId xmlns:p14="http://schemas.microsoft.com/office/powerpoint/2010/main" val="3687863370"/>
+        <p14:creationId xmlns:p14="http://schemas.microsoft.com/office/powerpoint/2010/main" val="1530341260"/>
       </p:ext>
     </p:extLst>
   </p:cSld>
@@ -6082,11 +6108,15 @@
           <a:p>
             <a:r>
               <a:rPr lang="ru-RU" dirty="0"/>
-              <a:t>Утилита </a:t>
-            </a:r>
-            <a:r>
-              <a:rPr lang="en-US" dirty="0" err="1"/>
-              <a:t>ShlibVisibilityChecker</a:t>
+              <a:t>Если вы захотите применить оптимизацию сокрытия символов к большой кодовой базе, например к дистрибутиву </a:t>
+            </a:r>
+            <a:r>
+              <a:rPr lang="en-US" dirty="0"/>
+              <a:t>Linux, </a:t>
+            </a:r>
+            <a:r>
+              <a:rPr lang="ru-RU" dirty="0"/>
+              <a:t>то придётся вручную</a:t>
             </a:r>
             <a:r>
               <a:rPr lang="en-US" dirty="0"/>
@@ -6094,23 +6124,17 @@
             </a:r>
             <a:r>
               <a:rPr lang="ru-RU" dirty="0"/>
-              <a:t>по бинарному файлу библиотеки</a:t>
-            </a:r>
-            <a:r>
-              <a:rPr lang="en-US" dirty="0"/>
-              <a:t> </a:t>
-            </a:r>
-            <a:r>
-              <a:rPr lang="ru-RU" dirty="0"/>
-              <a:t>и её заголовочным файлам скажет какие символы нужно скрыть. Я успешно применял эту утилиту для поиска проблемных библиотек в </a:t>
-            </a:r>
-            <a:r>
-              <a:rPr lang="en-US" dirty="0"/>
-              <a:t>Ubuntu.</a:t>
-            </a:r>
+              <a:t>по очереди анализировать каждую библиотеку на предмет того экспортируются ли из неё ненужные символы и если да, то какие.</a:t>
+            </a:r>
+          </a:p>
+          <a:p>
             <a:endParaRPr lang="ru-RU" dirty="0"/>
           </a:p>
           <a:p>
+            <a:r>
+              <a:rPr lang="ru-RU" dirty="0"/>
+              <a:t>Эту задачу можно упростить с помощью автоматизации.</a:t>
+            </a:r>
             <a:endParaRPr lang="en-US" dirty="0"/>
           </a:p>
         </p:txBody>
@@ -6141,7 +6165,7 @@
     </p:spTree>
     <p:extLst>
       <p:ext uri="{BB962C8B-B14F-4D97-AF65-F5344CB8AC3E}">
-        <p14:creationId xmlns:p14="http://schemas.microsoft.com/office/powerpoint/2010/main" val="286087877"/>
+        <p14:creationId xmlns:p14="http://schemas.microsoft.com/office/powerpoint/2010/main" val="3687863370"/>
       </p:ext>
     </p:extLst>
   </p:cSld>
@@ -6197,15 +6221,19 @@
           <a:p>
             <a:r>
               <a:rPr lang="ru-RU" dirty="0"/>
-              <a:t>На слайде приведён пример анализа популярной библиотеки</a:t>
+              <a:t>Утилита </a:t>
+            </a:r>
+            <a:r>
+              <a:rPr lang="en-US" dirty="0" err="1"/>
+              <a:t>ShlibVisibilityChecker</a:t>
             </a:r>
             <a:r>
               <a:rPr lang="en-US" dirty="0"/>
               <a:t> </a:t>
             </a:r>
             <a:r>
-              <a:rPr lang="en-US" dirty="0" err="1"/>
-              <a:t>libgmp</a:t>
+              <a:rPr lang="ru-RU" dirty="0"/>
+              <a:t>по бинарному файлу библиотеки</a:t>
             </a:r>
             <a:r>
               <a:rPr lang="en-US" dirty="0"/>
@@ -6213,16 +6241,15 @@
             </a:r>
             <a:r>
               <a:rPr lang="ru-RU" dirty="0"/>
-              <a:t>для вычислений произвольной точности.</a:t>
-            </a:r>
-            <a:r>
-              <a:rPr lang="en-US" dirty="0"/>
-              <a:t> </a:t>
-            </a:r>
-            <a:r>
-              <a:rPr lang="ru-RU" dirty="0"/>
-              <a:t>Можно видеть что библиотека экспортирует большое количество ненужных символов.</a:t>
-            </a:r>
+              <a:t>и её заголовочным файлам скажет какие символы нужно скрыть. Я успешно применял эту утилиту для поиска проблемных библиотек в </a:t>
+            </a:r>
+            <a:r>
+              <a:rPr lang="en-US" dirty="0"/>
+              <a:t>Ubuntu.</a:t>
+            </a:r>
+            <a:endParaRPr lang="ru-RU" dirty="0"/>
+          </a:p>
+          <a:p>
             <a:endParaRPr lang="en-US" dirty="0"/>
           </a:p>
         </p:txBody>
@@ -6253,7 +6280,7 @@
     </p:spTree>
     <p:extLst>
       <p:ext uri="{BB962C8B-B14F-4D97-AF65-F5344CB8AC3E}">
-        <p14:creationId xmlns:p14="http://schemas.microsoft.com/office/powerpoint/2010/main" val="492988692"/>
+        <p14:creationId xmlns:p14="http://schemas.microsoft.com/office/powerpoint/2010/main" val="286087877"/>
       </p:ext>
     </p:extLst>
   </p:cSld>
@@ -6307,6 +6334,34 @@
           <a:bodyPr/>
           <a:lstStyle/>
           <a:p>
+            <a:r>
+              <a:rPr lang="ru-RU" dirty="0"/>
+              <a:t>На слайде приведён пример анализа популярной библиотеки</a:t>
+            </a:r>
+            <a:r>
+              <a:rPr lang="en-US" dirty="0"/>
+              <a:t> </a:t>
+            </a:r>
+            <a:r>
+              <a:rPr lang="en-US" dirty="0" err="1"/>
+              <a:t>libgmp</a:t>
+            </a:r>
+            <a:r>
+              <a:rPr lang="en-US" dirty="0"/>
+              <a:t> </a:t>
+            </a:r>
+            <a:r>
+              <a:rPr lang="ru-RU" dirty="0"/>
+              <a:t>для вычислений произвольной точности.</a:t>
+            </a:r>
+            <a:r>
+              <a:rPr lang="en-US" dirty="0"/>
+              <a:t> </a:t>
+            </a:r>
+            <a:r>
+              <a:rPr lang="ru-RU" dirty="0"/>
+              <a:t>Можно видеть что библиотека экспортирует большое количество ненужных символов.</a:t>
+            </a:r>
             <a:endParaRPr lang="en-US" dirty="0"/>
           </a:p>
         </p:txBody>
@@ -6337,7 +6392,7 @@
     </p:spTree>
     <p:extLst>
       <p:ext uri="{BB962C8B-B14F-4D97-AF65-F5344CB8AC3E}">
-        <p14:creationId xmlns:p14="http://schemas.microsoft.com/office/powerpoint/2010/main" val="1220552600"/>
+        <p14:creationId xmlns:p14="http://schemas.microsoft.com/office/powerpoint/2010/main" val="492988692"/>
       </p:ext>
     </p:extLst>
   </p:cSld>
@@ -6421,7 +6476,7 @@
     </p:spTree>
     <p:extLst>
       <p:ext uri="{BB962C8B-B14F-4D97-AF65-F5344CB8AC3E}">
-        <p14:creationId xmlns:p14="http://schemas.microsoft.com/office/powerpoint/2010/main" val="499940782"/>
+        <p14:creationId xmlns:p14="http://schemas.microsoft.com/office/powerpoint/2010/main" val="1220552600"/>
       </p:ext>
     </p:extLst>
   </p:cSld>
@@ -6505,7 +6560,7 @@
     </p:spTree>
     <p:extLst>
       <p:ext uri="{BB962C8B-B14F-4D97-AF65-F5344CB8AC3E}">
-        <p14:creationId xmlns:p14="http://schemas.microsoft.com/office/powerpoint/2010/main" val="2809069906"/>
+        <p14:creationId xmlns:p14="http://schemas.microsoft.com/office/powerpoint/2010/main" val="499940782"/>
       </p:ext>
     </p:extLst>
   </p:cSld>
@@ -6581,6 +6636,90 @@
             <a:fld id="{3AC94D10-082F-46D7-A834-266F9222130F}" type="slidenum">
               <a:rPr lang="en-US" smtClean="0"/>
               <a:t>62</a:t>
+            </a:fld>
+            <a:endParaRPr lang="en-US"/>
+          </a:p>
+        </p:txBody>
+      </p:sp>
+    </p:spTree>
+    <p:extLst>
+      <p:ext uri="{BB962C8B-B14F-4D97-AF65-F5344CB8AC3E}">
+        <p14:creationId xmlns:p14="http://schemas.microsoft.com/office/powerpoint/2010/main" val="2809069906"/>
+      </p:ext>
+    </p:extLst>
+  </p:cSld>
+  <p:clrMapOvr>
+    <a:masterClrMapping/>
+  </p:clrMapOvr>
+</p:notes>
+</file>
+
+<file path=ppt/notesSlides/notesSlide57.xml><?xml version="1.0" encoding="utf-8"?>
+<p:notes xmlns:a="http://schemas.openxmlformats.org/drawingml/2006/main" xmlns:r="http://schemas.openxmlformats.org/officeDocument/2006/relationships" xmlns:p="http://schemas.openxmlformats.org/presentationml/2006/main">
+  <p:cSld>
+    <p:spTree>
+      <p:nvGrpSpPr>
+        <p:cNvPr id="1" name=""/>
+        <p:cNvGrpSpPr/>
+        <p:nvPr/>
+      </p:nvGrpSpPr>
+      <p:grpSpPr>
+        <a:xfrm>
+          <a:off x="0" y="0"/>
+          <a:ext cx="0" cy="0"/>
+          <a:chOff x="0" y="0"/>
+          <a:chExt cx="0" cy="0"/>
+        </a:xfrm>
+      </p:grpSpPr>
+      <p:sp>
+        <p:nvSpPr>
+          <p:cNvPr id="2" name="Slide Image Placeholder 1"/>
+          <p:cNvSpPr>
+            <a:spLocks noGrp="1" noRot="1" noChangeAspect="1"/>
+          </p:cNvSpPr>
+          <p:nvPr>
+            <p:ph type="sldImg"/>
+          </p:nvPr>
+        </p:nvSpPr>
+        <p:spPr/>
+      </p:sp>
+      <p:sp>
+        <p:nvSpPr>
+          <p:cNvPr id="3" name="Notes Placeholder 2"/>
+          <p:cNvSpPr>
+            <a:spLocks noGrp="1"/>
+          </p:cNvSpPr>
+          <p:nvPr>
+            <p:ph type="body" idx="1"/>
+          </p:nvPr>
+        </p:nvSpPr>
+        <p:spPr/>
+        <p:txBody>
+          <a:bodyPr/>
+          <a:lstStyle/>
+          <a:p>
+            <a:endParaRPr lang="en-US" dirty="0"/>
+          </a:p>
+        </p:txBody>
+      </p:sp>
+      <p:sp>
+        <p:nvSpPr>
+          <p:cNvPr id="4" name="Slide Number Placeholder 3"/>
+          <p:cNvSpPr>
+            <a:spLocks noGrp="1"/>
+          </p:cNvSpPr>
+          <p:nvPr>
+            <p:ph type="sldNum" sz="quarter" idx="5"/>
+          </p:nvPr>
+        </p:nvSpPr>
+        <p:spPr/>
+        <p:txBody>
+          <a:bodyPr/>
+          <a:lstStyle/>
+          <a:p>
+            <a:fld id="{3AC94D10-082F-46D7-A834-266F9222130F}" type="slidenum">
+              <a:rPr lang="en-US" smtClean="0"/>
+              <a:t>63</a:t>
             </a:fld>
             <a:endParaRPr lang="en-US"/>
           </a:p>
@@ -7197,7 +7336,7 @@
           <a:p>
             <a:fld id="{83D30A23-1FB6-43A1-891F-95145083C4E9}" type="datetime1">
               <a:rPr lang="en-US" smtClean="0"/>
-              <a:t>5/4/2024</a:t>
+              <a:t>5/5/2024</a:t>
             </a:fld>
             <a:endParaRPr lang="en-US"/>
           </a:p>
@@ -7395,7 +7534,7 @@
           <a:p>
             <a:fld id="{A4B03399-60D8-4226-8AC7-3F159D57E860}" type="datetime1">
               <a:rPr lang="en-US" smtClean="0"/>
-              <a:t>5/4/2024</a:t>
+              <a:t>5/5/2024</a:t>
             </a:fld>
             <a:endParaRPr lang="en-US"/>
           </a:p>
@@ -7603,7 +7742,7 @@
           <a:p>
             <a:fld id="{1A646459-A066-416D-8E21-9D451FB1CBED}" type="datetime1">
               <a:rPr lang="en-US" smtClean="0"/>
-              <a:t>5/4/2024</a:t>
+              <a:t>5/5/2024</a:t>
             </a:fld>
             <a:endParaRPr lang="en-US"/>
           </a:p>
@@ -7801,7 +7940,7 @@
           <a:p>
             <a:fld id="{0636B939-1A2A-498F-9013-EEF28820D750}" type="datetime1">
               <a:rPr lang="en-US" smtClean="0"/>
-              <a:t>5/4/2024</a:t>
+              <a:t>5/5/2024</a:t>
             </a:fld>
             <a:endParaRPr lang="en-US"/>
           </a:p>
@@ -7895,7 +8034,7 @@
             </a:fld>
             <a:r>
               <a:rPr lang="en-US" dirty="0"/>
-              <a:t>/64</a:t>
+              <a:t>/65</a:t>
             </a:r>
           </a:p>
         </p:txBody>
@@ -8115,7 +8254,7 @@
           <a:p>
             <a:fld id="{97D3760A-E884-42F2-A44C-F32FAA030BF6}" type="datetime1">
               <a:rPr lang="en-US" smtClean="0"/>
-              <a:t>5/4/2024</a:t>
+              <a:t>5/5/2024</a:t>
             </a:fld>
             <a:endParaRPr lang="en-US"/>
           </a:p>
@@ -8380,7 +8519,7 @@
           <a:p>
             <a:fld id="{4FC7535E-ABF1-4A69-B09E-251EF8B13143}" type="datetime1">
               <a:rPr lang="en-US" smtClean="0"/>
-              <a:t>5/4/2024</a:t>
+              <a:t>5/5/2024</a:t>
             </a:fld>
             <a:endParaRPr lang="en-US"/>
           </a:p>
@@ -8792,7 +8931,7 @@
           <a:p>
             <a:fld id="{CE54BCFC-68A7-4C68-9600-D4AAA16CF9A6}" type="datetime1">
               <a:rPr lang="en-US" smtClean="0"/>
-              <a:t>5/4/2024</a:t>
+              <a:t>5/5/2024</a:t>
             </a:fld>
             <a:endParaRPr lang="en-US"/>
           </a:p>
@@ -8933,7 +9072,7 @@
           <a:p>
             <a:fld id="{0F981744-C4F3-4F58-9E0E-AF6C4E78D03B}" type="datetime1">
               <a:rPr lang="en-US" smtClean="0"/>
-              <a:t>5/4/2024</a:t>
+              <a:t>5/5/2024</a:t>
             </a:fld>
             <a:endParaRPr lang="en-US"/>
           </a:p>
@@ -9046,7 +9185,7 @@
           <a:p>
             <a:fld id="{98ED47E1-EA96-4683-9629-E838295B20BC}" type="datetime1">
               <a:rPr lang="en-US" smtClean="0"/>
-              <a:t>5/4/2024</a:t>
+              <a:t>5/5/2024</a:t>
             </a:fld>
             <a:endParaRPr lang="en-US"/>
           </a:p>
@@ -9357,7 +9496,7 @@
           <a:p>
             <a:fld id="{2F2A1627-B435-455B-A0CA-0808E5748D61}" type="datetime1">
               <a:rPr lang="en-US" smtClean="0"/>
-              <a:t>5/4/2024</a:t>
+              <a:t>5/5/2024</a:t>
             </a:fld>
             <a:endParaRPr lang="en-US"/>
           </a:p>
@@ -9645,7 +9784,7 @@
           <a:p>
             <a:fld id="{FE11CB43-EB9E-4C41-ACD2-0EC61FB429F2}" type="datetime1">
               <a:rPr lang="en-US" smtClean="0"/>
-              <a:t>5/4/2024</a:t>
+              <a:t>5/5/2024</a:t>
             </a:fld>
             <a:endParaRPr lang="en-US"/>
           </a:p>
@@ -9886,7 +10025,7 @@
           <a:p>
             <a:fld id="{CC0B8F92-0932-40E4-878B-3E2E4AAA6810}" type="datetime1">
               <a:rPr lang="en-US" smtClean="0"/>
-              <a:t>5/4/2024</a:t>
+              <a:t>5/5/2024</a:t>
             </a:fld>
             <a:endParaRPr lang="en-US"/>
           </a:p>
@@ -17367,13 +17506,51 @@
         <p:spPr/>
         <p:txBody>
           <a:bodyPr>
-            <a:normAutofit/>
+            <a:normAutofit fontScale="92500" lnSpcReduction="10000"/>
           </a:bodyPr>
           <a:lstStyle/>
           <a:p>
             <a:r>
               <a:rPr lang="ru-RU" dirty="0"/>
-              <a:t>Библиотека загружается в произвольное место в адресном пространстве процесса</a:t>
+              <a:t>Библиотека слинкована по определённому адресу загрузки</a:t>
+            </a:r>
+            <a:endParaRPr lang="en-US" dirty="0"/>
+          </a:p>
+          <a:p>
+            <a:pPr lvl="1"/>
+            <a:r>
+              <a:rPr lang="en-US" dirty="0"/>
+              <a:t>0x180000000 </a:t>
+            </a:r>
+            <a:r>
+              <a:rPr lang="ru-RU" dirty="0"/>
+              <a:t>на </a:t>
+            </a:r>
+            <a:r>
+              <a:rPr lang="en-US" dirty="0"/>
+              <a:t>Windows, </a:t>
+            </a:r>
+            <a:r>
+              <a:rPr lang="ru-RU" dirty="0"/>
+              <a:t>0</a:t>
+            </a:r>
+            <a:r>
+              <a:rPr lang="en-US" dirty="0"/>
+              <a:t>x0 </a:t>
+            </a:r>
+            <a:r>
+              <a:rPr lang="ru-RU" dirty="0"/>
+              <a:t>на </a:t>
+            </a:r>
+            <a:r>
+              <a:rPr lang="en-US" dirty="0"/>
+              <a:t>Linux</a:t>
+            </a:r>
+          </a:p>
+          <a:p>
+            <a:r>
+              <a:rPr lang="ru-RU" dirty="0"/>
+              <a:t>Но загружается в произвольное место в адресном пространстве процесса</a:t>
             </a:r>
           </a:p>
           <a:p>
@@ -20973,7 +21150,24 @@
                 <a:latin typeface="Courier New" panose="02070309020205020404" pitchFamily="49" charset="0"/>
                 <a:cs typeface="Courier New" panose="02070309020205020404" pitchFamily="49" charset="0"/>
               </a:rPr>
-              <a:t> = resolve address of foo</a:t>
+              <a:t> </a:t>
+            </a:r>
+            <a:r>
+              <a:rPr lang="en-US" dirty="0">
+                <a:solidFill>
+                  <a:schemeClr val="accent5"/>
+                </a:solidFill>
+                <a:latin typeface="Courier New" panose="02070309020205020404" pitchFamily="49" charset="0"/>
+                <a:cs typeface="Courier New" panose="02070309020205020404" pitchFamily="49" charset="0"/>
+              </a:rPr>
+              <a:t>=</a:t>
+            </a:r>
+            <a:r>
+              <a:rPr lang="en-US" dirty="0">
+                <a:latin typeface="Courier New" panose="02070309020205020404" pitchFamily="49" charset="0"/>
+                <a:cs typeface="Courier New" panose="02070309020205020404" pitchFamily="49" charset="0"/>
+              </a:rPr>
+              <a:t> resolve address of foo</a:t>
             </a:r>
           </a:p>
           <a:p>
@@ -23029,13 +23223,8 @@
             </a:r>
             <a:r>
               <a:rPr lang="en-US" dirty="0"/>
-              <a:t>DLL: </a:t>
-            </a:r>
-            <a:r>
-              <a:rPr lang="en-US" dirty="0" err="1"/>
-              <a:t>prelinking</a:t>
-            </a:r>
-            <a:endParaRPr lang="en-US" dirty="0"/>
+              <a:t>DLL: link-time relocation</a:t>
+            </a:r>
           </a:p>
         </p:txBody>
       </p:sp>
@@ -23069,15 +23258,18 @@
           <a:p>
             <a:r>
               <a:rPr lang="ru-RU" dirty="0"/>
-              <a:t>Релокацию можно ускорить если зафиксировать адрес загрузки </a:t>
-            </a:r>
-            <a:r>
-              <a:rPr lang="en-US" dirty="0"/>
-              <a:t>DLL </a:t>
-            </a:r>
-            <a:r>
-              <a:rPr lang="ru-RU" dirty="0"/>
-              <a:t>и пре-релоцировать библиотеку на этапе линковки</a:t>
+              <a:t>Релокации можно избежать если выбрать гарантированно свободный адрес загрузки на этапе линковки</a:t>
+            </a:r>
+            <a:r>
+              <a:rPr lang="en-US" dirty="0"/>
+              <a:t>:</a:t>
+            </a:r>
+          </a:p>
+          <a:p>
+            <a:pPr lvl="1"/>
+            <a:r>
+              <a:rPr lang="ru-RU" dirty="0"/>
+              <a:t>Просканировать все установленные программы и библиотеки</a:t>
             </a:r>
             <a:endParaRPr lang="en-US" dirty="0"/>
           </a:p>
@@ -23085,38 +23277,29 @@
             <a:pPr lvl="1"/>
             <a:r>
               <a:rPr lang="ru-RU" dirty="0"/>
-              <a:t>Просканировать все установленные программы и библиотеки</a:t>
+              <a:t>Статически распределить адресное пространство между всеми библиотеками</a:t>
+            </a:r>
+          </a:p>
+          <a:p>
+            <a:r>
+              <a:rPr lang="ru-RU" dirty="0"/>
+              <a:t>Динамический загрузчик сможет избежать релокации библиотеки</a:t>
             </a:r>
             <a:endParaRPr lang="en-US" dirty="0"/>
           </a:p>
           <a:p>
+            <a:r>
+              <a:rPr lang="ru-RU" dirty="0"/>
+              <a:t>Решение</a:t>
+            </a:r>
+            <a:r>
+              <a:rPr lang="en-US" dirty="0"/>
+              <a:t>:</a:t>
+            </a:r>
+          </a:p>
+          <a:p>
             <a:pPr lvl="1"/>
             <a:r>
-              <a:rPr lang="ru-RU" dirty="0"/>
-              <a:t>Статически распределить адресное пространство между всеми библиотеками</a:t>
-            </a:r>
-          </a:p>
-          <a:p>
-            <a:r>
-              <a:rPr lang="ru-RU" dirty="0"/>
-              <a:t>После этого адреса всех символов можно предварительно разрешить исходя из адреса загрузки</a:t>
-            </a:r>
-            <a:endParaRPr lang="en-US" dirty="0"/>
-          </a:p>
-          <a:p>
-            <a:r>
-              <a:rPr lang="ru-RU" dirty="0"/>
-              <a:t>Решение</a:t>
-            </a:r>
-            <a:r>
-              <a:rPr lang="en-US" dirty="0"/>
-              <a:t> </a:t>
-            </a:r>
-            <a:r>
-              <a:rPr lang="ru-RU" dirty="0"/>
-              <a:t>для </a:t>
-            </a:r>
-            <a:r>
               <a:rPr lang="en-US" dirty="0"/>
               <a:t>Windows: preferred load address (</a:t>
             </a:r>
@@ -23126,14 +23309,11 @@
             </a:r>
             <a:r>
               <a:rPr lang="en-US" dirty="0"/>
-              <a:t>/BASE) + DLL binding</a:t>
-            </a:r>
-          </a:p>
-          <a:p>
-            <a:r>
-              <a:rPr lang="ru-RU" dirty="0"/>
-              <a:t>Решение для </a:t>
-            </a:r>
+              <a:t>/BASE)</a:t>
+            </a:r>
+          </a:p>
+          <a:p>
+            <a:pPr lvl="1"/>
             <a:r>
               <a:rPr lang="en-US" dirty="0"/>
               <a:t>Linux: </a:t>
@@ -23206,13 +23386,8 @@
             </a:r>
             <a:r>
               <a:rPr lang="en-US" dirty="0"/>
-              <a:t>DLL: </a:t>
-            </a:r>
-            <a:r>
-              <a:rPr lang="en-US" dirty="0" err="1"/>
-              <a:t>prelinking</a:t>
-            </a:r>
-            <a:endParaRPr lang="en-US" dirty="0"/>
+              <a:t>DLL: link-time relocation</a:t>
+            </a:r>
           </a:p>
         </p:txBody>
       </p:sp>
@@ -23535,8 +23710,8 @@
               <a:t>DLL: </a:t>
             </a:r>
             <a:r>
-              <a:rPr lang="ru-RU" dirty="0"/>
-              <a:t>оптимизация таблиц символов</a:t>
+              <a:rPr lang="en-US" dirty="0" err="1"/>
+              <a:t>prelinking</a:t>
             </a:r>
             <a:endParaRPr lang="en-US" dirty="0"/>
           </a:p>
@@ -23561,13 +23736,73 @@
         <p:spPr/>
         <p:txBody>
           <a:bodyPr>
-            <a:normAutofit lnSpcReduction="10000"/>
+            <a:normAutofit/>
           </a:bodyPr>
           <a:lstStyle/>
           <a:p>
             <a:r>
               <a:rPr lang="ru-RU" dirty="0"/>
-              <a:t>Поиск символов в </a:t>
+              <a:t>Заранее (до запуска) инициализировать таблицу диспетчеризации в файле программы</a:t>
+            </a:r>
+          </a:p>
+          <a:p>
+            <a:r>
+              <a:rPr lang="ru-RU" dirty="0"/>
+              <a:t>Это ускорит разрешение символов если библиотека всегда загружается по одному и тому же адресу</a:t>
+            </a:r>
+          </a:p>
+          <a:p>
+            <a:pPr lvl="1"/>
+            <a:r>
+              <a:rPr lang="ru-RU" dirty="0"/>
+              <a:t>Т.е. была проведена </a:t>
+            </a:r>
+            <a:r>
+              <a:rPr lang="en-US" dirty="0"/>
+              <a:t>link-time relocation</a:t>
+            </a:r>
+          </a:p>
+          <a:p>
+            <a:r>
+              <a:rPr lang="ru-RU" dirty="0"/>
+              <a:t>Решение</a:t>
+            </a:r>
+            <a:r>
+              <a:rPr lang="en-US" dirty="0"/>
+              <a:t>:</a:t>
+            </a:r>
+          </a:p>
+          <a:p>
+            <a:pPr lvl="1"/>
+            <a:r>
+              <a:rPr lang="en-US" dirty="0"/>
+              <a:t>Windows: DLL binding</a:t>
+            </a:r>
+          </a:p>
+          <a:p>
+            <a:pPr lvl="1"/>
+            <a:r>
+              <a:rPr lang="en-US" dirty="0"/>
+              <a:t>Linux: </a:t>
+            </a:r>
+            <a:r>
+              <a:rPr lang="en-US" dirty="0" err="1"/>
+              <a:t>Prelink</a:t>
+            </a:r>
+            <a:endParaRPr lang="en-US" dirty="0"/>
+          </a:p>
+          <a:p>
+            <a:r>
+              <a:rPr lang="ru-RU" dirty="0"/>
+              <a:t>Не используется в современных версиях </a:t>
+            </a:r>
+            <a:r>
+              <a:rPr lang="en-US" dirty="0"/>
+              <a:t>Windows </a:t>
+            </a:r>
+            <a:r>
+              <a:rPr lang="ru-RU" dirty="0"/>
+              <a:t>и </a:t>
             </a:r>
             <a:r>
               <a:rPr lang="en-US" dirty="0"/>
@@ -23575,77 +23810,14 @@
             </a:r>
             <a:r>
               <a:rPr lang="ru-RU" dirty="0"/>
-              <a:t>осуществляется по хэштаблицам, хранящимся в файлах</a:t>
-            </a:r>
-            <a:r>
-              <a:rPr lang="en-US" dirty="0"/>
-              <a:t> </a:t>
-            </a:r>
-            <a:r>
-              <a:rPr lang="ru-RU" dirty="0"/>
-              <a:t>динамических библиотек</a:t>
-            </a:r>
-          </a:p>
-          <a:p>
-            <a:r>
-              <a:rPr lang="ru-RU" dirty="0"/>
-              <a:t>Линкеры позволяют управлять размером и форматом этих хэштаблиц</a:t>
-            </a:r>
-            <a:endParaRPr lang="en-US" dirty="0"/>
-          </a:p>
-          <a:p>
-            <a:r>
-              <a:rPr lang="ru-RU" dirty="0"/>
-              <a:t>Обычно рекомендуемая конфигурация опций</a:t>
-            </a:r>
-            <a:r>
-              <a:rPr lang="en-US" dirty="0"/>
-              <a:t>:</a:t>
-            </a:r>
-          </a:p>
-          <a:p>
-            <a:pPr lvl="1"/>
-            <a:r>
-              <a:rPr lang="en-US" dirty="0"/>
-              <a:t>-</a:t>
-            </a:r>
-            <a:r>
-              <a:rPr lang="en-US" dirty="0" err="1"/>
-              <a:t>Wl</a:t>
-            </a:r>
-            <a:r>
-              <a:rPr lang="en-US" dirty="0"/>
-              <a:t>,--hash-style=both -Wl,-O1</a:t>
-            </a:r>
-          </a:p>
-          <a:p>
-            <a:r>
-              <a:rPr lang="en-US" dirty="0"/>
-              <a:t>-</a:t>
-            </a:r>
-            <a:r>
-              <a:rPr lang="en-US" dirty="0" err="1"/>
-              <a:t>Wl</a:t>
-            </a:r>
-            <a:r>
-              <a:rPr lang="en-US" dirty="0"/>
-              <a:t>,--hash-style=both </a:t>
-            </a:r>
-            <a:r>
-              <a:rPr lang="ru-RU" dirty="0"/>
-              <a:t>уже включена по умолчанию во всех современных дистрибутивах</a:t>
-            </a:r>
-            <a:endParaRPr lang="en-US" dirty="0"/>
-          </a:p>
-          <a:p>
-            <a:r>
-              <a:rPr lang="en-US" dirty="0"/>
-              <a:t>-Wl,-O1 </a:t>
-            </a:r>
-            <a:r>
-              <a:rPr lang="ru-RU" dirty="0"/>
-              <a:t>не оказывает существенного влияния на производительность</a:t>
-            </a:r>
+              <a:t>из-за </a:t>
+            </a:r>
+            <a:r>
+              <a:rPr lang="en-US" dirty="0"/>
+              <a:t>ASLR</a:t>
+            </a:r>
+          </a:p>
+          <a:p>
             <a:endParaRPr lang="en-US" dirty="0"/>
           </a:p>
         </p:txBody>
@@ -23685,7 +23857,7 @@
           <p:cNvPr id="2" name="Title 1">
             <a:extLst>
               <a:ext uri="{FF2B5EF4-FFF2-40B4-BE49-F238E27FC236}">
-                <a16:creationId xmlns:a16="http://schemas.microsoft.com/office/drawing/2014/main" id="{EE2B7844-B8D9-42D2-80BE-3F170C7DECBA}"/>
+                <a16:creationId xmlns:a16="http://schemas.microsoft.com/office/drawing/2014/main" id="{CC798AB3-1D15-4521-A8DE-3E17788A428F}"/>
               </a:ext>
             </a:extLst>
           </p:cNvPr>
@@ -23711,7 +23883,7 @@
             </a:r>
             <a:r>
               <a:rPr lang="ru-RU" dirty="0"/>
-              <a:t>отключение ленивого связывания</a:t>
+              <a:t>оптимизация таблиц символов</a:t>
             </a:r>
             <a:endParaRPr lang="en-US" dirty="0"/>
           </a:p>
@@ -23722,7 +23894,7 @@
           <p:cNvPr id="3" name="Content Placeholder 2">
             <a:extLst>
               <a:ext uri="{FF2B5EF4-FFF2-40B4-BE49-F238E27FC236}">
-                <a16:creationId xmlns:a16="http://schemas.microsoft.com/office/drawing/2014/main" id="{0B44980E-F464-4A2A-AD5D-A16AADA1264C}"/>
+                <a16:creationId xmlns:a16="http://schemas.microsoft.com/office/drawing/2014/main" id="{0CFC98EF-8A0E-4555-8157-8ACA61A524AE}"/>
               </a:ext>
             </a:extLst>
           </p:cNvPr>
@@ -23733,21 +23905,16 @@
             <p:ph idx="1"/>
           </p:nvPr>
         </p:nvSpPr>
-        <p:spPr>
-          <a:xfrm>
-            <a:off x="838199" y="1825625"/>
-            <a:ext cx="10842171" cy="4667250"/>
-          </a:xfrm>
-        </p:spPr>
+        <p:spPr/>
         <p:txBody>
           <a:bodyPr>
-            <a:normAutofit/>
+            <a:normAutofit lnSpcReduction="10000"/>
           </a:bodyPr>
           <a:lstStyle/>
           <a:p>
             <a:r>
               <a:rPr lang="ru-RU" dirty="0"/>
-              <a:t>Ленивое связывание в </a:t>
+              <a:t>Поиск символов в </a:t>
             </a:r>
             <a:r>
               <a:rPr lang="en-US" dirty="0"/>
@@ -23755,54 +23922,77 @@
             </a:r>
             <a:r>
               <a:rPr lang="ru-RU" dirty="0"/>
-              <a:t>ускоряет начальную загрузку библиотек ценой накладных расходов в процессе работы</a:t>
-            </a:r>
-          </a:p>
-          <a:p>
-            <a:r>
-              <a:rPr lang="ru-RU" dirty="0"/>
-              <a:t>К загрузке адреса и косвенному вызову функции добавляется вызов </a:t>
-            </a:r>
-            <a:r>
-              <a:rPr lang="en-US" dirty="0"/>
-              <a:t>PLT-</a:t>
-            </a:r>
-            <a:r>
-              <a:rPr lang="ru-RU" dirty="0"/>
-              <a:t>заглушки</a:t>
+              <a:t>осуществляется по хэштаблицам, хранящимся в файлах</a:t>
+            </a:r>
+            <a:r>
+              <a:rPr lang="en-US" dirty="0"/>
+              <a:t> </a:t>
+            </a:r>
+            <a:r>
+              <a:rPr lang="ru-RU" dirty="0"/>
+              <a:t>динамических библиотек</a:t>
+            </a:r>
+          </a:p>
+          <a:p>
+            <a:r>
+              <a:rPr lang="ru-RU" dirty="0"/>
+              <a:t>Линкеры позволяют управлять размером и форматом этих хэштаблиц</a:t>
+            </a:r>
+            <a:endParaRPr lang="en-US" dirty="0"/>
+          </a:p>
+          <a:p>
+            <a:r>
+              <a:rPr lang="ru-RU" dirty="0"/>
+              <a:t>Обычно рекомендуемая конфигурация опций</a:t>
+            </a:r>
+            <a:r>
+              <a:rPr lang="en-US" dirty="0"/>
+              <a:t>:</a:t>
             </a:r>
           </a:p>
           <a:p>
             <a:pPr lvl="1"/>
             <a:r>
-              <a:rPr lang="ru-RU" dirty="0"/>
-              <a:t>Загрузка адреса приходится осуществлять при каждом вызове</a:t>
-            </a:r>
-          </a:p>
-          <a:p>
-            <a:r>
-              <a:rPr lang="ru-RU" dirty="0"/>
-              <a:t>Ленивая загрузка и связанные с ней накладные расходы могут быть отключены</a:t>
-            </a:r>
-            <a:r>
-              <a:rPr lang="en-US" dirty="0"/>
-              <a:t> </a:t>
-            </a:r>
-            <a:r>
-              <a:rPr lang="ru-RU" dirty="0"/>
-              <a:t>флагом </a:t>
-            </a:r>
-            <a:r>
               <a:rPr lang="en-US" dirty="0"/>
               <a:t>-</a:t>
             </a:r>
             <a:r>
               <a:rPr lang="en-US" dirty="0" err="1"/>
-              <a:t>fno-plt</a:t>
+              <a:t>Wl</a:t>
+            </a:r>
+            <a:r>
+              <a:rPr lang="en-US" dirty="0"/>
+              <a:t>,--hash-style=both -Wl,-O1</a:t>
+            </a:r>
+          </a:p>
+          <a:p>
+            <a:r>
+              <a:rPr lang="en-US" dirty="0"/>
+              <a:t>-</a:t>
+            </a:r>
+            <a:r>
+              <a:rPr lang="en-US" dirty="0" err="1"/>
+              <a:t>Wl</a:t>
+            </a:r>
+            <a:r>
+              <a:rPr lang="en-US" dirty="0"/>
+              <a:t>,--hash-style=both </a:t>
+            </a:r>
+            <a:r>
+              <a:rPr lang="ru-RU" dirty="0"/>
+              <a:t>уже включена по умолчанию во всех современных дистрибутивах</a:t>
             </a:r>
             <a:endParaRPr lang="en-US" dirty="0"/>
           </a:p>
           <a:p>
+            <a:r>
+              <a:rPr lang="en-US" dirty="0"/>
+              <a:t>-Wl,-O1 </a:t>
+            </a:r>
+            <a:r>
+              <a:rPr lang="ru-RU" dirty="0"/>
+              <a:t>не оказывает существенного влияния на производительность</a:t>
+            </a:r>
             <a:endParaRPr lang="en-US" dirty="0"/>
           </a:p>
         </p:txBody>
@@ -23810,7 +24000,7 @@
     </p:spTree>
     <p:extLst>
       <p:ext uri="{BB962C8B-B14F-4D97-AF65-F5344CB8AC3E}">
-        <p14:creationId xmlns:p14="http://schemas.microsoft.com/office/powerpoint/2010/main" val="225035390"/>
+        <p14:creationId xmlns:p14="http://schemas.microsoft.com/office/powerpoint/2010/main" val="2083035709"/>
       </p:ext>
     </p:extLst>
   </p:cSld>
@@ -23904,7 +24094,50 @@
           <a:p>
             <a:r>
               <a:rPr lang="ru-RU" dirty="0"/>
-              <a:t>Использование </a:t>
+              <a:t>Ленивое связывание в </a:t>
+            </a:r>
+            <a:r>
+              <a:rPr lang="en-US" dirty="0"/>
+              <a:t>Linux </a:t>
+            </a:r>
+            <a:r>
+              <a:rPr lang="ru-RU" dirty="0"/>
+              <a:t>ускоряет начальную загрузку библиотек ценой накладных расходов в процессе работы</a:t>
+            </a:r>
+          </a:p>
+          <a:p>
+            <a:r>
+              <a:rPr lang="ru-RU" dirty="0"/>
+              <a:t>К загрузке адреса и косвенному вызову функции добавляется вызов </a:t>
+            </a:r>
+            <a:r>
+              <a:rPr lang="en-US" dirty="0"/>
+              <a:t>PLT-</a:t>
+            </a:r>
+            <a:r>
+              <a:rPr lang="ru-RU" dirty="0"/>
+              <a:t>заглушки</a:t>
+            </a:r>
+          </a:p>
+          <a:p>
+            <a:pPr lvl="1"/>
+            <a:r>
+              <a:rPr lang="ru-RU" dirty="0"/>
+              <a:t>Загрузка адреса приходится осуществлять при каждом вызове</a:t>
+            </a:r>
+          </a:p>
+          <a:p>
+            <a:r>
+              <a:rPr lang="ru-RU" dirty="0"/>
+              <a:t>Ленивая загрузка и связанные с ней накладные расходы могут быть отключены</a:t>
+            </a:r>
+            <a:r>
+              <a:rPr lang="en-US" dirty="0"/>
+              <a:t> </a:t>
+            </a:r>
+            <a:r>
+              <a:rPr lang="ru-RU" dirty="0"/>
+              <a:t>флагом </a:t>
             </a:r>
             <a:r>
               <a:rPr lang="en-US" dirty="0"/>
@@ -23917,121 +24150,14 @@
             <a:endParaRPr lang="en-US" dirty="0"/>
           </a:p>
           <a:p>
-            <a:pPr lvl="1"/>
-            <a:r>
-              <a:rPr lang="ru-RU" dirty="0"/>
-              <a:t>Ускоряет вызовы библиотечных функций</a:t>
-            </a:r>
-          </a:p>
-          <a:p>
-            <a:pPr lvl="1"/>
-            <a:r>
-              <a:rPr lang="ru-RU" dirty="0"/>
-              <a:t>Замедляет загрузку</a:t>
-            </a:r>
-            <a:r>
-              <a:rPr lang="en-US" dirty="0"/>
-              <a:t> </a:t>
-            </a:r>
-            <a:r>
-              <a:rPr lang="ru-RU" dirty="0"/>
-              <a:t>библиотеки (т.к. все адреса надо разрешить и связать на старте</a:t>
-            </a:r>
-            <a:r>
-              <a:rPr lang="en-US" dirty="0"/>
-              <a:t> </a:t>
-            </a:r>
-            <a:r>
-              <a:rPr lang="ru-RU" dirty="0"/>
-              <a:t>программы)</a:t>
-            </a:r>
-          </a:p>
-          <a:p>
-            <a:r>
-              <a:rPr lang="ru-RU" dirty="0"/>
-              <a:t>Современные требования к безопасности и так рекомендуют разрешать все функции на старте программы</a:t>
-            </a:r>
-          </a:p>
-          <a:p>
-            <a:pPr lvl="1"/>
-            <a:r>
-              <a:rPr lang="ru-RU" dirty="0"/>
-              <a:t>Позволяет использовать технологию </a:t>
-            </a:r>
-            <a:r>
-              <a:rPr lang="en-US" dirty="0"/>
-              <a:t>Full </a:t>
-            </a:r>
-            <a:r>
-              <a:rPr lang="en-US" dirty="0" err="1"/>
-              <a:t>Relro</a:t>
-            </a:r>
-            <a:r>
-              <a:rPr lang="en-US" dirty="0"/>
-              <a:t> (-</a:t>
-            </a:r>
-            <a:r>
-              <a:rPr lang="en-US" dirty="0" err="1"/>
-              <a:t>Wl</a:t>
-            </a:r>
-            <a:r>
-              <a:rPr lang="en-US" dirty="0"/>
-              <a:t>,-</a:t>
-            </a:r>
-            <a:r>
-              <a:rPr lang="en-US" dirty="0" err="1"/>
-              <a:t>z,relro</a:t>
-            </a:r>
-            <a:r>
-              <a:rPr lang="en-US" dirty="0"/>
-              <a:t>) </a:t>
-            </a:r>
-            <a:r>
-              <a:rPr lang="ru-RU" dirty="0"/>
-              <a:t>для защиты от непреднамеренных модификаций </a:t>
-            </a:r>
-            <a:r>
-              <a:rPr lang="en-US" dirty="0"/>
-              <a:t>GOT</a:t>
-            </a:r>
-          </a:p>
-          <a:p>
-            <a:pPr lvl="1"/>
-            <a:r>
-              <a:rPr lang="en-US" dirty="0"/>
-              <a:t>Full </a:t>
-            </a:r>
-            <a:r>
-              <a:rPr lang="en-US" dirty="0" err="1"/>
-              <a:t>Relro</a:t>
-            </a:r>
-            <a:r>
-              <a:rPr lang="en-US" dirty="0"/>
-              <a:t> </a:t>
-            </a:r>
-            <a:r>
-              <a:rPr lang="ru-RU" dirty="0"/>
-              <a:t>используется по умолчанию в </a:t>
-            </a:r>
-            <a:r>
-              <a:rPr lang="en-US" dirty="0"/>
-              <a:t>RHEL/Fedora </a:t>
-            </a:r>
-            <a:r>
-              <a:rPr lang="ru-RU" dirty="0"/>
-              <a:t>и </a:t>
-            </a:r>
-            <a:r>
-              <a:rPr lang="en-US" dirty="0"/>
-              <a:t>Ubuntu</a:t>
-            </a:r>
+            <a:endParaRPr lang="en-US" dirty="0"/>
           </a:p>
         </p:txBody>
       </p:sp>
     </p:spTree>
     <p:extLst>
       <p:ext uri="{BB962C8B-B14F-4D97-AF65-F5344CB8AC3E}">
-        <p14:creationId xmlns:p14="http://schemas.microsoft.com/office/powerpoint/2010/main" val="1232306249"/>
+        <p14:creationId xmlns:p14="http://schemas.microsoft.com/office/powerpoint/2010/main" val="225035390"/>
       </p:ext>
     </p:extLst>
   </p:cSld>
@@ -24125,17 +24251,6 @@
           <a:p>
             <a:r>
               <a:rPr lang="ru-RU" dirty="0"/>
-              <a:t>Примеры</a:t>
-            </a:r>
-            <a:r>
-              <a:rPr lang="en-US" dirty="0"/>
-              <a:t>:</a:t>
-            </a:r>
-          </a:p>
-          <a:p>
-            <a:pPr lvl="1"/>
-            <a:r>
-              <a:rPr lang="ru-RU" dirty="0"/>
               <a:t>Использование </a:t>
             </a:r>
             <a:r>
@@ -24146,44 +24261,143 @@
               <a:rPr lang="en-US" dirty="0" err="1"/>
               <a:t>fno-plt</a:t>
             </a:r>
+            <a:endParaRPr lang="en-US" dirty="0"/>
+          </a:p>
+          <a:p>
+            <a:pPr lvl="1"/>
+            <a:r>
+              <a:rPr lang="ru-RU" dirty="0"/>
+              <a:t>Ускоряет вызовы библиотечных функций</a:t>
+            </a:r>
+          </a:p>
+          <a:p>
+            <a:pPr lvl="1"/>
+            <a:r>
+              <a:rPr lang="ru-RU" dirty="0"/>
+              <a:t>Снижает нагрузку на </a:t>
+            </a:r>
+            <a:r>
+              <a:rPr lang="en-US" dirty="0"/>
+              <a:t>I$ </a:t>
+            </a:r>
+            <a:r>
+              <a:rPr lang="ru-RU" dirty="0"/>
+              <a:t>и </a:t>
+            </a:r>
+            <a:r>
+              <a:rPr lang="en-US" dirty="0"/>
+              <a:t>BTB</a:t>
+            </a:r>
+          </a:p>
+          <a:p>
+            <a:pPr lvl="1"/>
+            <a:r>
+              <a:rPr lang="ru-RU" dirty="0"/>
+              <a:t>Замедляет загрузку</a:t>
+            </a:r>
             <a:r>
               <a:rPr lang="en-US" dirty="0"/>
               <a:t> </a:t>
             </a:r>
             <a:r>
               <a:rPr lang="ru-RU" dirty="0"/>
-              <a:t>в </a:t>
-            </a:r>
-            <a:r>
-              <a:rPr lang="en-US" dirty="0"/>
-              <a:t>Clang </a:t>
-            </a:r>
-            <a:r>
-              <a:rPr lang="ru-RU" dirty="0"/>
-              <a:t>даёт до </a:t>
-            </a:r>
-            <a:r>
-              <a:rPr lang="en-US" dirty="0"/>
-              <a:t>10% </a:t>
-            </a:r>
-            <a:r>
-              <a:rPr lang="ru-RU" dirty="0"/>
-              <a:t>прироста производительности</a:t>
-            </a:r>
-            <a:endParaRPr lang="en-US" dirty="0"/>
-          </a:p>
-          <a:p>
-            <a:endParaRPr lang="en-US" dirty="0"/>
-          </a:p>
-          <a:p>
-            <a:endParaRPr lang="en-US" dirty="0"/>
+              <a:t>библиотеки (т.к. все адреса надо разрешить и связать на старте</a:t>
+            </a:r>
+            <a:r>
+              <a:rPr lang="en-US" dirty="0"/>
+              <a:t> </a:t>
+            </a:r>
+            <a:r>
+              <a:rPr lang="ru-RU" dirty="0"/>
+              <a:t>программы)</a:t>
+            </a:r>
+          </a:p>
+          <a:p>
+            <a:r>
+              <a:rPr lang="ru-RU" dirty="0"/>
+              <a:t>Современные требования к безопасности и так рекомендуют разрешать все функции на старте программы</a:t>
+            </a:r>
+          </a:p>
+          <a:p>
+            <a:pPr lvl="1"/>
+            <a:r>
+              <a:rPr lang="ru-RU" dirty="0"/>
+              <a:t>Позволяет использовать технологию </a:t>
+            </a:r>
+            <a:r>
+              <a:rPr lang="en-US" dirty="0"/>
+              <a:t>Full </a:t>
+            </a:r>
+            <a:r>
+              <a:rPr lang="en-US" dirty="0" err="1"/>
+              <a:t>Relro</a:t>
+            </a:r>
+            <a:r>
+              <a:rPr lang="en-US" dirty="0"/>
+              <a:t> (-</a:t>
+            </a:r>
+            <a:r>
+              <a:rPr lang="en-US" dirty="0" err="1"/>
+              <a:t>Wl</a:t>
+            </a:r>
+            <a:r>
+              <a:rPr lang="en-US" dirty="0"/>
+              <a:t>,-</a:t>
+            </a:r>
+            <a:r>
+              <a:rPr lang="en-US" dirty="0" err="1"/>
+              <a:t>z,relro</a:t>
+            </a:r>
+            <a:r>
+              <a:rPr lang="en-US" dirty="0"/>
+              <a:t>) </a:t>
+            </a:r>
+            <a:r>
+              <a:rPr lang="ru-RU" dirty="0"/>
+              <a:t>для защиты от непреднамеренных модификаций </a:t>
+            </a:r>
+            <a:r>
+              <a:rPr lang="en-US" dirty="0"/>
+              <a:t>GOT</a:t>
+            </a:r>
+          </a:p>
+          <a:p>
+            <a:pPr lvl="1"/>
+            <a:r>
+              <a:rPr lang="en-US" dirty="0"/>
+              <a:t>Full </a:t>
+            </a:r>
+            <a:r>
+              <a:rPr lang="en-US" dirty="0" err="1"/>
+              <a:t>Relro</a:t>
+            </a:r>
+            <a:r>
+              <a:rPr lang="en-US" dirty="0"/>
+              <a:t> </a:t>
+            </a:r>
+            <a:r>
+              <a:rPr lang="ru-RU" dirty="0"/>
+              <a:t>используется по умолчанию в </a:t>
+            </a:r>
+            <a:r>
+              <a:rPr lang="en-US" dirty="0"/>
+              <a:t>RHEL/Fedora </a:t>
+            </a:r>
+            <a:r>
+              <a:rPr lang="ru-RU" dirty="0"/>
+              <a:t>и </a:t>
+            </a:r>
+            <a:r>
+              <a:rPr lang="en-US" dirty="0"/>
+              <a:t>Ubuntu</a:t>
+            </a:r>
           </a:p>
         </p:txBody>
       </p:sp>
     </p:spTree>
     <p:extLst>
       <p:ext uri="{BB962C8B-B14F-4D97-AF65-F5344CB8AC3E}">
-        <p14:creationId xmlns:p14="http://schemas.microsoft.com/office/powerpoint/2010/main" val="1282722250"/>
+        <p14:creationId xmlns:p14="http://schemas.microsoft.com/office/powerpoint/2010/main" val="1232306249"/>
       </p:ext>
     </p:extLst>
   </p:cSld>
@@ -24342,7 +24556,7 @@
           <p:cNvPr id="2" name="Title 1">
             <a:extLst>
               <a:ext uri="{FF2B5EF4-FFF2-40B4-BE49-F238E27FC236}">
-                <a16:creationId xmlns:a16="http://schemas.microsoft.com/office/drawing/2014/main" id="{0A95A14D-8CF8-471B-AF3D-26999D8951D8}"/>
+                <a16:creationId xmlns:a16="http://schemas.microsoft.com/office/drawing/2014/main" id="{EE2B7844-B8D9-42D2-80BE-3F170C7DECBA}"/>
               </a:ext>
             </a:extLst>
           </p:cNvPr>
@@ -24360,7 +24574,70 @@
           <a:p>
             <a:r>
               <a:rPr lang="ru-RU" dirty="0"/>
-              <a:t>Накладные расходы</a:t>
+              <a:t>Ускорение работы </a:t>
+            </a:r>
+            <a:r>
+              <a:rPr lang="en-US" dirty="0"/>
+              <a:t>DLL: </a:t>
+            </a:r>
+            <a:r>
+              <a:rPr lang="ru-RU" dirty="0"/>
+              <a:t>отключение ленивого связывания</a:t>
+            </a:r>
+            <a:endParaRPr lang="en-US" dirty="0"/>
+          </a:p>
+        </p:txBody>
+      </p:sp>
+      <p:sp>
+        <p:nvSpPr>
+          <p:cNvPr id="3" name="Content Placeholder 2">
+            <a:extLst>
+              <a:ext uri="{FF2B5EF4-FFF2-40B4-BE49-F238E27FC236}">
+                <a16:creationId xmlns:a16="http://schemas.microsoft.com/office/drawing/2014/main" id="{0B44980E-F464-4A2A-AD5D-A16AADA1264C}"/>
+              </a:ext>
+            </a:extLst>
+          </p:cNvPr>
+          <p:cNvSpPr>
+            <a:spLocks noGrp="1"/>
+          </p:cNvSpPr>
+          <p:nvPr>
+            <p:ph idx="1"/>
+          </p:nvPr>
+        </p:nvSpPr>
+        <p:spPr>
+          <a:xfrm>
+            <a:off x="838199" y="1825625"/>
+            <a:ext cx="10842171" cy="4667250"/>
+          </a:xfrm>
+        </p:spPr>
+        <p:txBody>
+          <a:bodyPr>
+            <a:normAutofit/>
+          </a:bodyPr>
+          <a:lstStyle/>
+          <a:p>
+            <a:r>
+              <a:rPr lang="ru-RU" dirty="0"/>
+              <a:t>Примеры</a:t>
+            </a:r>
+            <a:r>
+              <a:rPr lang="en-US" dirty="0"/>
+              <a:t>:</a:t>
+            </a:r>
+          </a:p>
+          <a:p>
+            <a:pPr lvl="1"/>
+            <a:r>
+              <a:rPr lang="ru-RU" dirty="0"/>
+              <a:t>Использование </a:t>
+            </a:r>
+            <a:r>
+              <a:rPr lang="en-US" dirty="0"/>
+              <a:t>-</a:t>
+            </a:r>
+            <a:r>
+              <a:rPr lang="en-US" dirty="0" err="1"/>
+              <a:t>fno-plt</a:t>
             </a:r>
             <a:r>
               <a:rPr lang="en-US" dirty="0"/>
@@ -24368,111 +24645,38 @@
             </a:r>
             <a:r>
               <a:rPr lang="ru-RU" dirty="0"/>
-              <a:t>при использовании </a:t>
-            </a:r>
-            <a:r>
-              <a:rPr lang="en-US" dirty="0"/>
-              <a:t>DLL</a:t>
-            </a:r>
-          </a:p>
-        </p:txBody>
-      </p:sp>
-      <p:sp>
-        <p:nvSpPr>
-          <p:cNvPr id="3" name="Content Placeholder 2">
-            <a:extLst>
-              <a:ext uri="{FF2B5EF4-FFF2-40B4-BE49-F238E27FC236}">
-                <a16:creationId xmlns:a16="http://schemas.microsoft.com/office/drawing/2014/main" id="{5B49B649-A403-4066-8731-42F55BC6F396}"/>
-              </a:ext>
-            </a:extLst>
-          </p:cNvPr>
-          <p:cNvSpPr>
-            <a:spLocks noGrp="1"/>
-          </p:cNvSpPr>
-          <p:nvPr>
-            <p:ph idx="1"/>
-          </p:nvPr>
-        </p:nvSpPr>
-        <p:spPr/>
-        <p:txBody>
-          <a:bodyPr/>
-          <a:lstStyle/>
-          <a:p>
-            <a:r>
-              <a:rPr lang="ru-RU" dirty="0"/>
-              <a:t>Загрузка</a:t>
-            </a:r>
-            <a:r>
-              <a:rPr lang="en-US" dirty="0"/>
-              <a:t> </a:t>
-            </a:r>
-            <a:r>
-              <a:rPr lang="ru-RU" dirty="0"/>
-              <a:t>библиотеки</a:t>
+              <a:t>в </a:t>
+            </a:r>
+            <a:r>
+              <a:rPr lang="en-US" dirty="0"/>
+              <a:t>Clang </a:t>
+            </a:r>
+            <a:r>
+              <a:rPr lang="ru-RU" dirty="0"/>
+              <a:t>даёт до </a:t>
+            </a:r>
+            <a:r>
+              <a:rPr lang="en-US" dirty="0"/>
+              <a:t>10% </a:t>
+            </a:r>
+            <a:r>
+              <a:rPr lang="ru-RU" dirty="0"/>
+              <a:t>прироста производительности</a:t>
             </a:r>
             <a:endParaRPr lang="en-US" dirty="0"/>
           </a:p>
           <a:p>
-            <a:pPr lvl="1"/>
-            <a:r>
-              <a:rPr lang="ru-RU" dirty="0"/>
-              <a:t>Релокация кода</a:t>
-            </a:r>
             <a:endParaRPr lang="en-US" dirty="0"/>
           </a:p>
           <a:p>
-            <a:pPr lvl="1"/>
-            <a:r>
-              <a:rPr lang="ru-RU" dirty="0"/>
-              <a:t>Разрешение и </a:t>
-            </a:r>
-            <a:r>
-              <a:rPr lang="en-US" dirty="0"/>
-              <a:t>c</a:t>
-            </a:r>
-            <a:r>
-              <a:rPr lang="ru-RU" dirty="0"/>
-              <a:t>вязывание символов</a:t>
-            </a:r>
             <a:endParaRPr lang="en-US" dirty="0"/>
-          </a:p>
-          <a:p>
-            <a:r>
-              <a:rPr lang="ru-RU" dirty="0"/>
-              <a:t>Работа с библиотекой</a:t>
-            </a:r>
-            <a:endParaRPr lang="en-US" dirty="0"/>
-          </a:p>
-          <a:p>
-            <a:pPr lvl="1"/>
-            <a:r>
-              <a:rPr lang="ru-RU" b="1" dirty="0"/>
-              <a:t>Косвенные вызовы (</a:t>
-            </a:r>
-            <a:r>
-              <a:rPr lang="en-US" b="1" dirty="0"/>
-              <a:t>indirect calls) </a:t>
-            </a:r>
-            <a:r>
-              <a:rPr lang="ru-RU" b="1" dirty="0"/>
-              <a:t>функций</a:t>
-            </a:r>
-            <a:r>
-              <a:rPr lang="en-US" b="1" dirty="0"/>
-              <a:t> </a:t>
-            </a:r>
-            <a:r>
-              <a:rPr lang="ru-RU" b="1" dirty="0"/>
-              <a:t>в рантайме</a:t>
-            </a:r>
-            <a:endParaRPr lang="en-US" b="1" dirty="0"/>
           </a:p>
         </p:txBody>
       </p:sp>
     </p:spTree>
     <p:extLst>
       <p:ext uri="{BB962C8B-B14F-4D97-AF65-F5344CB8AC3E}">
-        <p14:creationId xmlns:p14="http://schemas.microsoft.com/office/powerpoint/2010/main" val="3025777625"/>
+        <p14:creationId xmlns:p14="http://schemas.microsoft.com/office/powerpoint/2010/main" val="1282722250"/>
       </p:ext>
     </p:extLst>
   </p:cSld>
@@ -24504,7 +24708,7 @@
           <p:cNvPr id="2" name="Title 1">
             <a:extLst>
               <a:ext uri="{FF2B5EF4-FFF2-40B4-BE49-F238E27FC236}">
-                <a16:creationId xmlns:a16="http://schemas.microsoft.com/office/drawing/2014/main" id="{9E2F4025-5B63-47B1-ACD7-A498A81AE42A}"/>
+                <a16:creationId xmlns:a16="http://schemas.microsoft.com/office/drawing/2014/main" id="{0A95A14D-8CF8-471B-AF3D-26999D8951D8}"/>
               </a:ext>
             </a:extLst>
           </p:cNvPr>
@@ -24522,108 +24726,119 @@
           <a:p>
             <a:r>
               <a:rPr lang="ru-RU" dirty="0"/>
-              <a:t>Проблема с экспортируемыми символами</a:t>
+              <a:t>Накладные расходы</a:t>
+            </a:r>
+            <a:r>
+              <a:rPr lang="en-US" dirty="0"/>
+              <a:t> </a:t>
+            </a:r>
+            <a:r>
+              <a:rPr lang="ru-RU" dirty="0"/>
+              <a:t>при использовании </a:t>
+            </a:r>
+            <a:r>
+              <a:rPr lang="en-US" dirty="0"/>
+              <a:t>DLL</a:t>
+            </a:r>
+          </a:p>
+        </p:txBody>
+      </p:sp>
+      <p:sp>
+        <p:nvSpPr>
+          <p:cNvPr id="3" name="Content Placeholder 2">
+            <a:extLst>
+              <a:ext uri="{FF2B5EF4-FFF2-40B4-BE49-F238E27FC236}">
+                <a16:creationId xmlns:a16="http://schemas.microsoft.com/office/drawing/2014/main" id="{5B49B649-A403-4066-8731-42F55BC6F396}"/>
+              </a:ext>
+            </a:extLst>
+          </p:cNvPr>
+          <p:cNvSpPr>
+            <a:spLocks noGrp="1"/>
+          </p:cNvSpPr>
+          <p:nvPr>
+            <p:ph idx="1"/>
+          </p:nvPr>
+        </p:nvSpPr>
+        <p:spPr/>
+        <p:txBody>
+          <a:bodyPr/>
+          <a:lstStyle/>
+          <a:p>
+            <a:r>
+              <a:rPr lang="ru-RU" dirty="0"/>
+              <a:t>Загрузка</a:t>
+            </a:r>
+            <a:r>
+              <a:rPr lang="en-US" dirty="0"/>
+              <a:t> </a:t>
+            </a:r>
+            <a:r>
+              <a:rPr lang="ru-RU" dirty="0"/>
+              <a:t>библиотеки</a:t>
             </a:r>
             <a:endParaRPr lang="en-US" dirty="0"/>
           </a:p>
-        </p:txBody>
-      </p:sp>
-      <p:sp>
-        <p:nvSpPr>
-          <p:cNvPr id="3" name="Content Placeholder 2">
-            <a:extLst>
-              <a:ext uri="{FF2B5EF4-FFF2-40B4-BE49-F238E27FC236}">
-                <a16:creationId xmlns:a16="http://schemas.microsoft.com/office/drawing/2014/main" id="{37862244-1BB6-4E07-B31C-F099E59591B4}"/>
-              </a:ext>
-            </a:extLst>
-          </p:cNvPr>
-          <p:cNvSpPr>
-            <a:spLocks noGrp="1"/>
-          </p:cNvSpPr>
-          <p:nvPr>
-            <p:ph idx="1"/>
-          </p:nvPr>
-        </p:nvSpPr>
-        <p:spPr/>
-        <p:txBody>
-          <a:bodyPr/>
-          <a:lstStyle/>
-          <a:p>
-            <a:r>
-              <a:rPr lang="ru-RU" dirty="0"/>
-              <a:t>По умолчанию на </a:t>
-            </a:r>
-            <a:r>
-              <a:rPr lang="en-US" dirty="0"/>
-              <a:t>Linux </a:t>
-            </a:r>
-            <a:r>
-              <a:rPr lang="ru-RU" dirty="0"/>
-              <a:t>все функции в библиотеках экспортируются</a:t>
-            </a:r>
-          </a:p>
           <a:p>
             <a:pPr lvl="1"/>
             <a:r>
               <a:rPr lang="ru-RU" dirty="0"/>
-              <a:t>Для совместимости со статическими библиотеками</a:t>
-            </a:r>
-          </a:p>
-          <a:p>
-            <a:r>
-              <a:rPr lang="ru-RU" dirty="0"/>
-              <a:t>Из-за возможного перехвата функций вызов функций внутри библиотеки происходит через таблицу </a:t>
-            </a:r>
-            <a:r>
-              <a:rPr lang="en-US" dirty="0"/>
-              <a:t>GOT</a:t>
-            </a:r>
-          </a:p>
-          <a:p>
-            <a:r>
-              <a:rPr lang="ru-RU" dirty="0"/>
-              <a:t>Накладные расходы</a:t>
-            </a:r>
-            <a:r>
-              <a:rPr lang="en-US" dirty="0"/>
-              <a:t>:</a:t>
-            </a:r>
+              <a:t>Релокация кода</a:t>
+            </a:r>
+            <a:endParaRPr lang="en-US" dirty="0"/>
           </a:p>
           <a:p>
             <a:pPr lvl="1"/>
             <a:r>
               <a:rPr lang="ru-RU" dirty="0"/>
-              <a:t>Косвенные вызовы функций</a:t>
-            </a:r>
+              <a:t>Разрешение и </a:t>
+            </a:r>
+            <a:r>
+              <a:rPr lang="en-US" dirty="0"/>
+              <a:t>c</a:t>
+            </a:r>
+            <a:r>
+              <a:rPr lang="ru-RU" dirty="0"/>
+              <a:t>вязывание символов</a:t>
+            </a:r>
+            <a:endParaRPr lang="en-US" dirty="0"/>
+          </a:p>
+          <a:p>
+            <a:r>
+              <a:rPr lang="ru-RU" dirty="0"/>
+              <a:t>Работа с библиотекой</a:t>
+            </a:r>
+            <a:endParaRPr lang="en-US" dirty="0"/>
           </a:p>
           <a:p>
             <a:pPr lvl="1"/>
             <a:r>
-              <a:rPr lang="ru-RU" dirty="0"/>
-              <a:t>Отмена оптимизаций в компиляторе</a:t>
-            </a:r>
-            <a:r>
-              <a:rPr lang="en-US" dirty="0"/>
-              <a:t> (</a:t>
-            </a:r>
-            <a:r>
-              <a:rPr lang="en-US" dirty="0" err="1"/>
-              <a:t>inlining</a:t>
-            </a:r>
-            <a:r>
-              <a:rPr lang="en-US" dirty="0"/>
-              <a:t>, cloning, etc.)</a:t>
-            </a:r>
-          </a:p>
-          <a:p>
-            <a:endParaRPr lang="en-US" dirty="0"/>
+              <a:rPr lang="ru-RU" b="1" dirty="0"/>
+              <a:t>Косвенные вызовы (</a:t>
+            </a:r>
+            <a:r>
+              <a:rPr lang="en-US" b="1" dirty="0"/>
+              <a:t>indirect calls) </a:t>
+            </a:r>
+            <a:r>
+              <a:rPr lang="ru-RU" b="1" dirty="0"/>
+              <a:t>функций</a:t>
+            </a:r>
+            <a:r>
+              <a:rPr lang="en-US" b="1" dirty="0"/>
+              <a:t> </a:t>
+            </a:r>
+            <a:r>
+              <a:rPr lang="ru-RU" b="1" dirty="0"/>
+              <a:t>в рантайме</a:t>
+            </a:r>
+            <a:endParaRPr lang="en-US" b="1" dirty="0"/>
           </a:p>
         </p:txBody>
       </p:sp>
     </p:spTree>
     <p:extLst>
       <p:ext uri="{BB962C8B-B14F-4D97-AF65-F5344CB8AC3E}">
-        <p14:creationId xmlns:p14="http://schemas.microsoft.com/office/powerpoint/2010/main" val="653850357"/>
+        <p14:creationId xmlns:p14="http://schemas.microsoft.com/office/powerpoint/2010/main" val="3025777625"/>
       </p:ext>
     </p:extLst>
   </p:cSld>
@@ -24655,7 +24870,7 @@
           <p:cNvPr id="2" name="Title 1">
             <a:extLst>
               <a:ext uri="{FF2B5EF4-FFF2-40B4-BE49-F238E27FC236}">
-                <a16:creationId xmlns:a16="http://schemas.microsoft.com/office/drawing/2014/main" id="{44E34916-01E9-4F42-B603-B05283CC4616}"/>
+                <a16:creationId xmlns:a16="http://schemas.microsoft.com/office/drawing/2014/main" id="{9E2F4025-5B63-47B1-ACD7-A498A81AE42A}"/>
               </a:ext>
             </a:extLst>
           </p:cNvPr>
@@ -24673,7 +24888,7 @@
           <a:p>
             <a:r>
               <a:rPr lang="ru-RU" dirty="0"/>
-              <a:t>Пример отмены оптимизаций</a:t>
+              <a:t>Проблема с экспортируемыми символами</a:t>
             </a:r>
             <a:endParaRPr lang="en-US" dirty="0"/>
           </a:p>
@@ -24684,7 +24899,7 @@
           <p:cNvPr id="3" name="Content Placeholder 2">
             <a:extLst>
               <a:ext uri="{FF2B5EF4-FFF2-40B4-BE49-F238E27FC236}">
-                <a16:creationId xmlns:a16="http://schemas.microsoft.com/office/drawing/2014/main" id="{6770FDB2-1A82-4929-A1E6-E0FB79342368}"/>
+                <a16:creationId xmlns:a16="http://schemas.microsoft.com/office/drawing/2014/main" id="{37862244-1BB6-4E07-B31C-F099E59591B4}"/>
               </a:ext>
             </a:extLst>
           </p:cNvPr>
@@ -24697,257 +24912,84 @@
         </p:nvSpPr>
         <p:spPr/>
         <p:txBody>
-          <a:bodyPr>
-            <a:normAutofit lnSpcReduction="10000"/>
-          </a:bodyPr>
-          <a:lstStyle/>
-          <a:p>
-            <a:r>
-              <a:rPr lang="ru-RU" dirty="0"/>
-              <a:t>Компилятор не встраивает вызов функции из-за возможности перехвата</a:t>
-            </a:r>
-            <a:r>
-              <a:rPr lang="en-US" dirty="0"/>
-              <a:t> foo</a:t>
-            </a:r>
-          </a:p>
-          <a:p>
-            <a:pPr marL="457200" lvl="1" indent="0">
-              <a:buNone/>
-            </a:pPr>
-            <a:endParaRPr lang="ru-RU" dirty="0">
-              <a:latin typeface="Courier New" panose="02070309020205020404" pitchFamily="49" charset="0"/>
-              <a:cs typeface="Courier New" panose="02070309020205020404" pitchFamily="49" charset="0"/>
-            </a:endParaRPr>
-          </a:p>
-          <a:p>
-            <a:pPr marL="457200" lvl="1" indent="0">
-              <a:buNone/>
-            </a:pPr>
-            <a:r>
-              <a:rPr lang="en-US" dirty="0">
-                <a:latin typeface="Courier New" panose="02070309020205020404" pitchFamily="49" charset="0"/>
-                <a:cs typeface="Courier New" panose="02070309020205020404" pitchFamily="49" charset="0"/>
-              </a:rPr>
-              <a:t>$ cat </a:t>
-            </a:r>
-            <a:r>
-              <a:rPr lang="en-US" dirty="0" err="1">
-                <a:latin typeface="Courier New" panose="02070309020205020404" pitchFamily="49" charset="0"/>
-                <a:cs typeface="Courier New" panose="02070309020205020404" pitchFamily="49" charset="0"/>
-              </a:rPr>
-              <a:t>mylib.c</a:t>
-            </a:r>
-            <a:endParaRPr lang="en-US" dirty="0">
-              <a:latin typeface="Courier New" panose="02070309020205020404" pitchFamily="49" charset="0"/>
-              <a:cs typeface="Courier New" panose="02070309020205020404" pitchFamily="49" charset="0"/>
-            </a:endParaRPr>
-          </a:p>
-          <a:p>
-            <a:pPr marL="457200" lvl="1" indent="0">
-              <a:buNone/>
-            </a:pPr>
-            <a:r>
-              <a:rPr lang="en-US" dirty="0">
-                <a:solidFill>
-                  <a:prstClr val="black"/>
-                </a:solidFill>
-                <a:latin typeface="Courier New" panose="02070309020205020404" pitchFamily="49" charset="0"/>
-                <a:cs typeface="Courier New" panose="02070309020205020404" pitchFamily="49" charset="0"/>
-              </a:rPr>
-              <a:t>void foo() {}</a:t>
-            </a:r>
-          </a:p>
-          <a:p>
-            <a:pPr marL="457200" lvl="1" indent="0">
-              <a:buNone/>
-            </a:pPr>
-            <a:r>
-              <a:rPr lang="en-US" dirty="0">
-                <a:solidFill>
-                  <a:prstClr val="black"/>
-                </a:solidFill>
-                <a:latin typeface="Courier New" panose="02070309020205020404" pitchFamily="49" charset="0"/>
-                <a:cs typeface="Courier New" panose="02070309020205020404" pitchFamily="49" charset="0"/>
-              </a:rPr>
-              <a:t>void bar() { foo(); }</a:t>
-            </a:r>
-          </a:p>
-          <a:p>
-            <a:pPr marL="457200" lvl="1" indent="0">
-              <a:buNone/>
-            </a:pPr>
-            <a:endParaRPr lang="ru-RU" dirty="0">
-              <a:solidFill>
-                <a:prstClr val="black"/>
-              </a:solidFill>
-              <a:latin typeface="Courier New" panose="02070309020205020404" pitchFamily="49" charset="0"/>
-              <a:cs typeface="Courier New" panose="02070309020205020404" pitchFamily="49" charset="0"/>
-            </a:endParaRPr>
-          </a:p>
-          <a:p>
-            <a:pPr marL="457200" lvl="1" indent="0">
-              <a:buNone/>
-            </a:pPr>
-            <a:r>
-              <a:rPr lang="en-US" dirty="0">
-                <a:solidFill>
-                  <a:prstClr val="black"/>
-                </a:solidFill>
-                <a:latin typeface="Courier New" panose="02070309020205020404" pitchFamily="49" charset="0"/>
-                <a:cs typeface="Courier New" panose="02070309020205020404" pitchFamily="49" charset="0"/>
-              </a:rPr>
-              <a:t>$ </a:t>
-            </a:r>
-            <a:r>
-              <a:rPr lang="en-US" dirty="0" err="1">
-                <a:solidFill>
-                  <a:prstClr val="black"/>
-                </a:solidFill>
-                <a:latin typeface="Courier New" panose="02070309020205020404" pitchFamily="49" charset="0"/>
-                <a:cs typeface="Courier New" panose="02070309020205020404" pitchFamily="49" charset="0"/>
-              </a:rPr>
-              <a:t>gcc</a:t>
-            </a:r>
-            <a:r>
-              <a:rPr lang="en-US" dirty="0">
-                <a:solidFill>
-                  <a:prstClr val="black"/>
-                </a:solidFill>
-                <a:latin typeface="Courier New" panose="02070309020205020404" pitchFamily="49" charset="0"/>
-                <a:cs typeface="Courier New" panose="02070309020205020404" pitchFamily="49" charset="0"/>
-              </a:rPr>
-              <a:t> </a:t>
-            </a:r>
-            <a:r>
-              <a:rPr lang="en-US" dirty="0" err="1">
-                <a:solidFill>
-                  <a:prstClr val="black"/>
-                </a:solidFill>
-                <a:latin typeface="Courier New" panose="02070309020205020404" pitchFamily="49" charset="0"/>
-                <a:cs typeface="Courier New" panose="02070309020205020404" pitchFamily="49" charset="0"/>
-              </a:rPr>
-              <a:t>mylib.c</a:t>
-            </a:r>
-            <a:r>
-              <a:rPr lang="en-US" dirty="0">
-                <a:solidFill>
-                  <a:prstClr val="black"/>
-                </a:solidFill>
-                <a:latin typeface="Courier New" panose="02070309020205020404" pitchFamily="49" charset="0"/>
-                <a:cs typeface="Courier New" panose="02070309020205020404" pitchFamily="49" charset="0"/>
-              </a:rPr>
-              <a:t> -O3 -</a:t>
-            </a:r>
-            <a:r>
-              <a:rPr lang="en-US" dirty="0" err="1">
-                <a:solidFill>
-                  <a:prstClr val="black"/>
-                </a:solidFill>
-                <a:latin typeface="Courier New" panose="02070309020205020404" pitchFamily="49" charset="0"/>
-                <a:cs typeface="Courier New" panose="02070309020205020404" pitchFamily="49" charset="0"/>
-              </a:rPr>
-              <a:t>fPIC</a:t>
-            </a:r>
-            <a:r>
-              <a:rPr lang="en-US" dirty="0">
-                <a:solidFill>
-                  <a:prstClr val="black"/>
-                </a:solidFill>
-                <a:latin typeface="Courier New" panose="02070309020205020404" pitchFamily="49" charset="0"/>
-                <a:cs typeface="Courier New" panose="02070309020205020404" pitchFamily="49" charset="0"/>
-              </a:rPr>
-              <a:t> -S –o -</a:t>
-            </a:r>
-          </a:p>
-          <a:p>
-            <a:pPr marL="457200" lvl="1" indent="0">
-              <a:buNone/>
-            </a:pPr>
-            <a:r>
-              <a:rPr lang="en-US" dirty="0">
-                <a:solidFill>
-                  <a:prstClr val="black"/>
-                </a:solidFill>
-                <a:latin typeface="Courier New" panose="02070309020205020404" pitchFamily="49" charset="0"/>
-                <a:cs typeface="Courier New" panose="02070309020205020404" pitchFamily="49" charset="0"/>
-              </a:rPr>
-              <a:t>...</a:t>
-            </a:r>
-          </a:p>
-          <a:p>
-            <a:pPr marL="457200" lvl="1" indent="0">
-              <a:buNone/>
-            </a:pPr>
-            <a:r>
-              <a:rPr lang="en-US" dirty="0">
-                <a:solidFill>
-                  <a:prstClr val="black"/>
-                </a:solidFill>
-                <a:latin typeface="Courier New" panose="02070309020205020404" pitchFamily="49" charset="0"/>
-                <a:cs typeface="Courier New" panose="02070309020205020404" pitchFamily="49" charset="0"/>
-              </a:rPr>
-              <a:t>bar:</a:t>
-            </a:r>
-          </a:p>
-          <a:p>
-            <a:pPr marL="457200" lvl="1" indent="0">
-              <a:buNone/>
-            </a:pPr>
-            <a:r>
-              <a:rPr lang="en-US" dirty="0">
-                <a:solidFill>
-                  <a:prstClr val="black"/>
-                </a:solidFill>
-                <a:latin typeface="Courier New" panose="02070309020205020404" pitchFamily="49" charset="0"/>
-                <a:cs typeface="Courier New" panose="02070309020205020404" pitchFamily="49" charset="0"/>
-              </a:rPr>
-              <a:t>  </a:t>
-            </a:r>
-            <a:r>
-              <a:rPr lang="en-US" dirty="0" err="1">
-                <a:solidFill>
-                  <a:prstClr val="black"/>
-                </a:solidFill>
-                <a:latin typeface="Courier New" panose="02070309020205020404" pitchFamily="49" charset="0"/>
-                <a:cs typeface="Courier New" panose="02070309020205020404" pitchFamily="49" charset="0"/>
-              </a:rPr>
-              <a:t>jmp</a:t>
-            </a:r>
-            <a:r>
-              <a:rPr lang="en-US" dirty="0">
-                <a:solidFill>
-                  <a:prstClr val="black"/>
-                </a:solidFill>
-                <a:latin typeface="Courier New" panose="02070309020205020404" pitchFamily="49" charset="0"/>
-                <a:cs typeface="Courier New" panose="02070309020205020404" pitchFamily="49" charset="0"/>
-              </a:rPr>
-              <a:t>     </a:t>
-            </a:r>
-            <a:r>
-              <a:rPr lang="en-US" dirty="0" err="1">
-                <a:solidFill>
-                  <a:prstClr val="black"/>
-                </a:solidFill>
-                <a:latin typeface="Courier New" panose="02070309020205020404" pitchFamily="49" charset="0"/>
-                <a:cs typeface="Courier New" panose="02070309020205020404" pitchFamily="49" charset="0"/>
-              </a:rPr>
-              <a:t>foo@PLT</a:t>
-            </a:r>
-            <a:endParaRPr lang="en-US" dirty="0">
-              <a:solidFill>
-                <a:prstClr val="black"/>
-              </a:solidFill>
-              <a:latin typeface="Courier New" panose="02070309020205020404" pitchFamily="49" charset="0"/>
-              <a:cs typeface="Courier New" panose="02070309020205020404" pitchFamily="49" charset="0"/>
-            </a:endParaRPr>
+          <a:bodyPr/>
+          <a:lstStyle/>
+          <a:p>
+            <a:r>
+              <a:rPr lang="ru-RU" dirty="0"/>
+              <a:t>По умолчанию на </a:t>
+            </a:r>
+            <a:r>
+              <a:rPr lang="en-US" dirty="0"/>
+              <a:t>Linux </a:t>
+            </a:r>
+            <a:r>
+              <a:rPr lang="ru-RU" dirty="0"/>
+              <a:t>все функции в библиотеках экспортируются</a:t>
+            </a:r>
+          </a:p>
+          <a:p>
+            <a:pPr lvl="1"/>
+            <a:r>
+              <a:rPr lang="ru-RU" dirty="0"/>
+              <a:t>Для совместимости со статическими библиотеками</a:t>
+            </a:r>
+          </a:p>
+          <a:p>
+            <a:r>
+              <a:rPr lang="ru-RU" dirty="0"/>
+              <a:t>Из-за возможного перехвата функций вызов функций внутри библиотеки происходит через таблицу </a:t>
+            </a:r>
+            <a:r>
+              <a:rPr lang="en-US" dirty="0"/>
+              <a:t>GOT</a:t>
+            </a:r>
+          </a:p>
+          <a:p>
+            <a:r>
+              <a:rPr lang="ru-RU" dirty="0"/>
+              <a:t>Накладные расходы</a:t>
+            </a:r>
+            <a:r>
+              <a:rPr lang="en-US" dirty="0"/>
+              <a:t>:</a:t>
+            </a:r>
+          </a:p>
+          <a:p>
+            <a:pPr lvl="1"/>
+            <a:r>
+              <a:rPr lang="ru-RU" dirty="0"/>
+              <a:t>Косвенные вызовы функций</a:t>
+            </a:r>
+          </a:p>
+          <a:p>
+            <a:pPr lvl="1"/>
+            <a:r>
+              <a:rPr lang="ru-RU" dirty="0"/>
+              <a:t>Отмена оптимизаций в компиляторе</a:t>
+            </a:r>
+            <a:r>
+              <a:rPr lang="en-US" dirty="0"/>
+              <a:t> (</a:t>
+            </a:r>
+            <a:r>
+              <a:rPr lang="en-US" dirty="0" err="1"/>
+              <a:t>inlining</a:t>
+            </a:r>
+            <a:r>
+              <a:rPr lang="en-US" dirty="0"/>
+              <a:t>, cloning, etc.)</a:t>
+            </a:r>
+          </a:p>
+          <a:p>
+            <a:endParaRPr lang="en-US" dirty="0"/>
           </a:p>
         </p:txBody>
       </p:sp>
     </p:spTree>
     <p:extLst>
       <p:ext uri="{BB962C8B-B14F-4D97-AF65-F5344CB8AC3E}">
-        <p14:creationId xmlns:p14="http://schemas.microsoft.com/office/powerpoint/2010/main" val="2182239902"/>
+        <p14:creationId xmlns:p14="http://schemas.microsoft.com/office/powerpoint/2010/main" val="653850357"/>
       </p:ext>
     </p:extLst>
   </p:cSld>
@@ -24979,6 +25021,330 @@
           <p:cNvPr id="2" name="Title 1">
             <a:extLst>
               <a:ext uri="{FF2B5EF4-FFF2-40B4-BE49-F238E27FC236}">
+                <a16:creationId xmlns:a16="http://schemas.microsoft.com/office/drawing/2014/main" id="{44E34916-01E9-4F42-B603-B05283CC4616}"/>
+              </a:ext>
+            </a:extLst>
+          </p:cNvPr>
+          <p:cNvSpPr>
+            <a:spLocks noGrp="1"/>
+          </p:cNvSpPr>
+          <p:nvPr>
+            <p:ph type="title"/>
+          </p:nvPr>
+        </p:nvSpPr>
+        <p:spPr/>
+        <p:txBody>
+          <a:bodyPr/>
+          <a:lstStyle/>
+          <a:p>
+            <a:r>
+              <a:rPr lang="ru-RU" dirty="0"/>
+              <a:t>Пример отмены оптимизаций</a:t>
+            </a:r>
+            <a:endParaRPr lang="en-US" dirty="0"/>
+          </a:p>
+        </p:txBody>
+      </p:sp>
+      <p:sp>
+        <p:nvSpPr>
+          <p:cNvPr id="3" name="Content Placeholder 2">
+            <a:extLst>
+              <a:ext uri="{FF2B5EF4-FFF2-40B4-BE49-F238E27FC236}">
+                <a16:creationId xmlns:a16="http://schemas.microsoft.com/office/drawing/2014/main" id="{6770FDB2-1A82-4929-A1E6-E0FB79342368}"/>
+              </a:ext>
+            </a:extLst>
+          </p:cNvPr>
+          <p:cNvSpPr>
+            <a:spLocks noGrp="1"/>
+          </p:cNvSpPr>
+          <p:nvPr>
+            <p:ph idx="1"/>
+          </p:nvPr>
+        </p:nvSpPr>
+        <p:spPr/>
+        <p:txBody>
+          <a:bodyPr>
+            <a:normAutofit lnSpcReduction="10000"/>
+          </a:bodyPr>
+          <a:lstStyle/>
+          <a:p>
+            <a:r>
+              <a:rPr lang="ru-RU" dirty="0"/>
+              <a:t>Компилятор не встраивает вызов функции из-за возможности перехвата</a:t>
+            </a:r>
+            <a:r>
+              <a:rPr lang="en-US" dirty="0"/>
+              <a:t> foo</a:t>
+            </a:r>
+          </a:p>
+          <a:p>
+            <a:pPr marL="457200" lvl="1" indent="0">
+              <a:buNone/>
+            </a:pPr>
+            <a:endParaRPr lang="ru-RU" dirty="0">
+              <a:latin typeface="Courier New" panose="02070309020205020404" pitchFamily="49" charset="0"/>
+              <a:cs typeface="Courier New" panose="02070309020205020404" pitchFamily="49" charset="0"/>
+            </a:endParaRPr>
+          </a:p>
+          <a:p>
+            <a:pPr marL="457200" lvl="1" indent="0">
+              <a:buNone/>
+            </a:pPr>
+            <a:r>
+              <a:rPr lang="en-US" dirty="0">
+                <a:latin typeface="Courier New" panose="02070309020205020404" pitchFamily="49" charset="0"/>
+                <a:cs typeface="Courier New" panose="02070309020205020404" pitchFamily="49" charset="0"/>
+              </a:rPr>
+              <a:t>$ cat </a:t>
+            </a:r>
+            <a:r>
+              <a:rPr lang="en-US" dirty="0" err="1">
+                <a:latin typeface="Courier New" panose="02070309020205020404" pitchFamily="49" charset="0"/>
+                <a:cs typeface="Courier New" panose="02070309020205020404" pitchFamily="49" charset="0"/>
+              </a:rPr>
+              <a:t>mylib.c</a:t>
+            </a:r>
+            <a:endParaRPr lang="en-US" dirty="0">
+              <a:latin typeface="Courier New" panose="02070309020205020404" pitchFamily="49" charset="0"/>
+              <a:cs typeface="Courier New" panose="02070309020205020404" pitchFamily="49" charset="0"/>
+            </a:endParaRPr>
+          </a:p>
+          <a:p>
+            <a:pPr marL="457200" lvl="1" indent="0">
+              <a:buNone/>
+            </a:pPr>
+            <a:r>
+              <a:rPr lang="en-US" dirty="0">
+                <a:solidFill>
+                  <a:prstClr val="black"/>
+                </a:solidFill>
+                <a:latin typeface="Courier New" panose="02070309020205020404" pitchFamily="49" charset="0"/>
+                <a:cs typeface="Courier New" panose="02070309020205020404" pitchFamily="49" charset="0"/>
+              </a:rPr>
+              <a:t>void foo() {}</a:t>
+            </a:r>
+          </a:p>
+          <a:p>
+            <a:pPr marL="457200" lvl="1" indent="0">
+              <a:buNone/>
+            </a:pPr>
+            <a:r>
+              <a:rPr lang="en-US" dirty="0">
+                <a:solidFill>
+                  <a:prstClr val="black"/>
+                </a:solidFill>
+                <a:latin typeface="Courier New" panose="02070309020205020404" pitchFamily="49" charset="0"/>
+                <a:cs typeface="Courier New" panose="02070309020205020404" pitchFamily="49" charset="0"/>
+              </a:rPr>
+              <a:t>void bar() { foo(); }</a:t>
+            </a:r>
+          </a:p>
+          <a:p>
+            <a:pPr marL="457200" lvl="1" indent="0">
+              <a:buNone/>
+            </a:pPr>
+            <a:endParaRPr lang="ru-RU" dirty="0">
+              <a:solidFill>
+                <a:prstClr val="black"/>
+              </a:solidFill>
+              <a:latin typeface="Courier New" panose="02070309020205020404" pitchFamily="49" charset="0"/>
+              <a:cs typeface="Courier New" panose="02070309020205020404" pitchFamily="49" charset="0"/>
+            </a:endParaRPr>
+          </a:p>
+          <a:p>
+            <a:pPr marL="457200" lvl="1" indent="0">
+              <a:buNone/>
+            </a:pPr>
+            <a:r>
+              <a:rPr lang="en-US" dirty="0">
+                <a:solidFill>
+                  <a:prstClr val="black"/>
+                </a:solidFill>
+                <a:latin typeface="Courier New" panose="02070309020205020404" pitchFamily="49" charset="0"/>
+                <a:cs typeface="Courier New" panose="02070309020205020404" pitchFamily="49" charset="0"/>
+              </a:rPr>
+              <a:t>$ </a:t>
+            </a:r>
+            <a:r>
+              <a:rPr lang="en-US" dirty="0" err="1">
+                <a:solidFill>
+                  <a:prstClr val="black"/>
+                </a:solidFill>
+                <a:latin typeface="Courier New" panose="02070309020205020404" pitchFamily="49" charset="0"/>
+                <a:cs typeface="Courier New" panose="02070309020205020404" pitchFamily="49" charset="0"/>
+              </a:rPr>
+              <a:t>gcc</a:t>
+            </a:r>
+            <a:r>
+              <a:rPr lang="en-US" dirty="0">
+                <a:solidFill>
+                  <a:prstClr val="black"/>
+                </a:solidFill>
+                <a:latin typeface="Courier New" panose="02070309020205020404" pitchFamily="49" charset="0"/>
+                <a:cs typeface="Courier New" panose="02070309020205020404" pitchFamily="49" charset="0"/>
+              </a:rPr>
+              <a:t> </a:t>
+            </a:r>
+            <a:r>
+              <a:rPr lang="en-US" dirty="0" err="1">
+                <a:solidFill>
+                  <a:prstClr val="black"/>
+                </a:solidFill>
+                <a:latin typeface="Courier New" panose="02070309020205020404" pitchFamily="49" charset="0"/>
+                <a:cs typeface="Courier New" panose="02070309020205020404" pitchFamily="49" charset="0"/>
+              </a:rPr>
+              <a:t>mylib.c</a:t>
+            </a:r>
+            <a:r>
+              <a:rPr lang="en-US" dirty="0">
+                <a:solidFill>
+                  <a:prstClr val="black"/>
+                </a:solidFill>
+                <a:latin typeface="Courier New" panose="02070309020205020404" pitchFamily="49" charset="0"/>
+                <a:cs typeface="Courier New" panose="02070309020205020404" pitchFamily="49" charset="0"/>
+              </a:rPr>
+              <a:t> -O3 -</a:t>
+            </a:r>
+            <a:r>
+              <a:rPr lang="en-US" dirty="0" err="1">
+                <a:solidFill>
+                  <a:prstClr val="black"/>
+                </a:solidFill>
+                <a:latin typeface="Courier New" panose="02070309020205020404" pitchFamily="49" charset="0"/>
+                <a:cs typeface="Courier New" panose="02070309020205020404" pitchFamily="49" charset="0"/>
+              </a:rPr>
+              <a:t>fPIC</a:t>
+            </a:r>
+            <a:r>
+              <a:rPr lang="en-US" dirty="0">
+                <a:solidFill>
+                  <a:prstClr val="black"/>
+                </a:solidFill>
+                <a:latin typeface="Courier New" panose="02070309020205020404" pitchFamily="49" charset="0"/>
+                <a:cs typeface="Courier New" panose="02070309020205020404" pitchFamily="49" charset="0"/>
+              </a:rPr>
+              <a:t> -S –o -</a:t>
+            </a:r>
+          </a:p>
+          <a:p>
+            <a:pPr marL="457200" lvl="1" indent="0">
+              <a:buNone/>
+            </a:pPr>
+            <a:r>
+              <a:rPr lang="en-US" dirty="0">
+                <a:solidFill>
+                  <a:prstClr val="black"/>
+                </a:solidFill>
+                <a:latin typeface="Courier New" panose="02070309020205020404" pitchFamily="49" charset="0"/>
+                <a:cs typeface="Courier New" panose="02070309020205020404" pitchFamily="49" charset="0"/>
+              </a:rPr>
+              <a:t>...</a:t>
+            </a:r>
+          </a:p>
+          <a:p>
+            <a:pPr marL="457200" lvl="1" indent="0">
+              <a:buNone/>
+            </a:pPr>
+            <a:r>
+              <a:rPr lang="en-US" dirty="0">
+                <a:solidFill>
+                  <a:prstClr val="black"/>
+                </a:solidFill>
+                <a:latin typeface="Courier New" panose="02070309020205020404" pitchFamily="49" charset="0"/>
+                <a:cs typeface="Courier New" panose="02070309020205020404" pitchFamily="49" charset="0"/>
+              </a:rPr>
+              <a:t>bar:</a:t>
+            </a:r>
+          </a:p>
+          <a:p>
+            <a:pPr marL="457200" lvl="1" indent="0">
+              <a:buNone/>
+            </a:pPr>
+            <a:r>
+              <a:rPr lang="en-US" dirty="0">
+                <a:solidFill>
+                  <a:prstClr val="black"/>
+                </a:solidFill>
+                <a:latin typeface="Courier New" panose="02070309020205020404" pitchFamily="49" charset="0"/>
+                <a:cs typeface="Courier New" panose="02070309020205020404" pitchFamily="49" charset="0"/>
+              </a:rPr>
+              <a:t>  </a:t>
+            </a:r>
+            <a:r>
+              <a:rPr lang="en-US" dirty="0" err="1">
+                <a:solidFill>
+                  <a:prstClr val="black"/>
+                </a:solidFill>
+                <a:latin typeface="Courier New" panose="02070309020205020404" pitchFamily="49" charset="0"/>
+                <a:cs typeface="Courier New" panose="02070309020205020404" pitchFamily="49" charset="0"/>
+              </a:rPr>
+              <a:t>jmp</a:t>
+            </a:r>
+            <a:r>
+              <a:rPr lang="en-US" dirty="0">
+                <a:solidFill>
+                  <a:prstClr val="black"/>
+                </a:solidFill>
+                <a:latin typeface="Courier New" panose="02070309020205020404" pitchFamily="49" charset="0"/>
+                <a:cs typeface="Courier New" panose="02070309020205020404" pitchFamily="49" charset="0"/>
+              </a:rPr>
+              <a:t>     </a:t>
+            </a:r>
+            <a:r>
+              <a:rPr lang="en-US" dirty="0" err="1">
+                <a:solidFill>
+                  <a:prstClr val="black"/>
+                </a:solidFill>
+                <a:latin typeface="Courier New" panose="02070309020205020404" pitchFamily="49" charset="0"/>
+                <a:cs typeface="Courier New" panose="02070309020205020404" pitchFamily="49" charset="0"/>
+              </a:rPr>
+              <a:t>foo@PLT</a:t>
+            </a:r>
+            <a:endParaRPr lang="en-US" dirty="0">
+              <a:solidFill>
+                <a:prstClr val="black"/>
+              </a:solidFill>
+              <a:latin typeface="Courier New" panose="02070309020205020404" pitchFamily="49" charset="0"/>
+              <a:cs typeface="Courier New" panose="02070309020205020404" pitchFamily="49" charset="0"/>
+            </a:endParaRPr>
+          </a:p>
+        </p:txBody>
+      </p:sp>
+    </p:spTree>
+    <p:extLst>
+      <p:ext uri="{BB962C8B-B14F-4D97-AF65-F5344CB8AC3E}">
+        <p14:creationId xmlns:p14="http://schemas.microsoft.com/office/powerpoint/2010/main" val="2182239902"/>
+      </p:ext>
+    </p:extLst>
+  </p:cSld>
+  <p:clrMapOvr>
+    <a:masterClrMapping/>
+  </p:clrMapOvr>
+</p:sld>
+</file>
+
+<file path=ppt/slides/slide54.xml><?xml version="1.0" encoding="utf-8"?>
+<p:sld xmlns:a="http://schemas.openxmlformats.org/drawingml/2006/main" xmlns:r="http://schemas.openxmlformats.org/officeDocument/2006/relationships" xmlns:p="http://schemas.openxmlformats.org/presentationml/2006/main">
+  <p:cSld>
+    <p:spTree>
+      <p:nvGrpSpPr>
+        <p:cNvPr id="1" name=""/>
+        <p:cNvGrpSpPr/>
+        <p:nvPr/>
+      </p:nvGrpSpPr>
+      <p:grpSpPr>
+        <a:xfrm>
+          <a:off x="0" y="0"/>
+          <a:ext cx="0" cy="0"/>
+          <a:chOff x="0" y="0"/>
+          <a:chExt cx="0" cy="0"/>
+        </a:xfrm>
+      </p:grpSpPr>
+      <p:sp>
+        <p:nvSpPr>
+          <p:cNvPr id="2" name="Title 1">
+            <a:extLst>
+              <a:ext uri="{FF2B5EF4-FFF2-40B4-BE49-F238E27FC236}">
                 <a16:creationId xmlns:a16="http://schemas.microsoft.com/office/drawing/2014/main" id="{BD766DFC-0AB1-4998-9C8F-D80FEAAB8954}"/>
               </a:ext>
             </a:extLst>
@@ -25167,7 +25533,7 @@
 </p:sld>
 </file>
 
-<file path=ppt/slides/slide54.xml><?xml version="1.0" encoding="utf-8"?>
+<file path=ppt/slides/slide55.xml><?xml version="1.0" encoding="utf-8"?>
 <p:sld xmlns:a="http://schemas.openxmlformats.org/drawingml/2006/main" xmlns:r="http://schemas.openxmlformats.org/officeDocument/2006/relationships" xmlns:p="http://schemas.openxmlformats.org/presentationml/2006/main">
   <p:cSld>
     <p:spTree>
@@ -25384,7 +25750,7 @@
 </p:sld>
 </file>
 
-<file path=ppt/slides/slide55.xml><?xml version="1.0" encoding="utf-8"?>
+<file path=ppt/slides/slide56.xml><?xml version="1.0" encoding="utf-8"?>
 <p:sld xmlns:a="http://schemas.openxmlformats.org/drawingml/2006/main" xmlns:r="http://schemas.openxmlformats.org/officeDocument/2006/relationships" xmlns:p="http://schemas.openxmlformats.org/presentationml/2006/main">
   <p:cSld>
     <p:spTree>
@@ -25587,6 +25953,20 @@
                 <a:latin typeface="Courier New" panose="02070309020205020404" pitchFamily="49" charset="0"/>
                 <a:cs typeface="Courier New" panose="02070309020205020404" pitchFamily="49" charset="0"/>
               </a:rPr>
+              <a:t> </a:t>
+            </a:r>
+            <a:r>
+              <a:rPr lang="en-US" sz="2000" dirty="0" err="1">
+                <a:latin typeface="Courier New" panose="02070309020205020404" pitchFamily="49" charset="0"/>
+                <a:cs typeface="Courier New" panose="02070309020205020404" pitchFamily="49" charset="0"/>
+              </a:rPr>
+              <a:t>mylib.c</a:t>
+            </a:r>
+            <a:r>
+              <a:rPr lang="en-US" sz="2000" dirty="0">
+                <a:latin typeface="Courier New" panose="02070309020205020404" pitchFamily="49" charset="0"/>
+                <a:cs typeface="Courier New" panose="02070309020205020404" pitchFamily="49" charset="0"/>
+              </a:rPr>
               <a:t> -</a:t>
             </a:r>
             <a:r>
@@ -25615,14 +25995,7 @@
                 <a:latin typeface="Courier New" panose="02070309020205020404" pitchFamily="49" charset="0"/>
                 <a:cs typeface="Courier New" panose="02070309020205020404" pitchFamily="49" charset="0"/>
               </a:rPr>
-              <a:t> -shared </a:t>
-            </a:r>
-            <a:r>
-              <a:rPr lang="en-US" sz="2000" dirty="0" err="1">
-                <a:latin typeface="Courier New" panose="02070309020205020404" pitchFamily="49" charset="0"/>
-                <a:cs typeface="Courier New" panose="02070309020205020404" pitchFamily="49" charset="0"/>
-              </a:rPr>
-              <a:t>mylib.c</a:t>
+              <a:t> -shared</a:t>
             </a:r>
             <a:endParaRPr lang="ru-RU" sz="2000" dirty="0">
               <a:latin typeface="Courier New" panose="02070309020205020404" pitchFamily="49" charset="0"/>
@@ -25676,7 +26049,7 @@
 </p:sld>
 </file>
 
-<file path=ppt/slides/slide56.xml><?xml version="1.0" encoding="utf-8"?>
+<file path=ppt/slides/slide57.xml><?xml version="1.0" encoding="utf-8"?>
 <p:sld xmlns:a="http://schemas.openxmlformats.org/drawingml/2006/main" xmlns:r="http://schemas.openxmlformats.org/officeDocument/2006/relationships" xmlns:p="http://schemas.openxmlformats.org/presentationml/2006/main">
   <p:cSld>
     <p:spTree>
@@ -25835,7 +26208,7 @@
 </p:sld>
 </file>
 
-<file path=ppt/slides/slide57.xml><?xml version="1.0" encoding="utf-8"?>
+<file path=ppt/slides/slide58.xml><?xml version="1.0" encoding="utf-8"?>
 <p:sld xmlns:a="http://schemas.openxmlformats.org/drawingml/2006/main" xmlns:r="http://schemas.openxmlformats.org/officeDocument/2006/relationships" xmlns:p="http://schemas.openxmlformats.org/presentationml/2006/main">
   <p:cSld>
     <p:spTree>
@@ -26347,388 +26720,6 @@
 </p:sld>
 </file>
 
-<file path=ppt/slides/slide58.xml><?xml version="1.0" encoding="utf-8"?>
-<p:sld xmlns:a="http://schemas.openxmlformats.org/drawingml/2006/main" xmlns:r="http://schemas.openxmlformats.org/officeDocument/2006/relationships" xmlns:p="http://schemas.openxmlformats.org/presentationml/2006/main">
-  <p:cSld>
-    <p:spTree>
-      <p:nvGrpSpPr>
-        <p:cNvPr id="1" name=""/>
-        <p:cNvGrpSpPr/>
-        <p:nvPr/>
-      </p:nvGrpSpPr>
-      <p:grpSpPr>
-        <a:xfrm>
-          <a:off x="0" y="0"/>
-          <a:ext cx="0" cy="0"/>
-          <a:chOff x="0" y="0"/>
-          <a:chExt cx="0" cy="0"/>
-        </a:xfrm>
-      </p:grpSpPr>
-      <p:sp>
-        <p:nvSpPr>
-          <p:cNvPr id="2" name="Title 1">
-            <a:extLst>
-              <a:ext uri="{FF2B5EF4-FFF2-40B4-BE49-F238E27FC236}">
-                <a16:creationId xmlns:a16="http://schemas.microsoft.com/office/drawing/2014/main" id="{BD766DFC-0AB1-4998-9C8F-D80FEAAB8954}"/>
-              </a:ext>
-            </a:extLst>
-          </p:cNvPr>
-          <p:cNvSpPr>
-            <a:spLocks noGrp="1"/>
-          </p:cNvSpPr>
-          <p:nvPr>
-            <p:ph type="title"/>
-          </p:nvPr>
-        </p:nvSpPr>
-        <p:spPr/>
-        <p:txBody>
-          <a:bodyPr/>
-          <a:lstStyle/>
-          <a:p>
-            <a:r>
-              <a:rPr lang="ru-RU" dirty="0"/>
-              <a:t>Пример использования </a:t>
-            </a:r>
-            <a:r>
-              <a:rPr lang="en-US" dirty="0" err="1"/>
-              <a:t>ShlibVisibilityChecker</a:t>
-            </a:r>
-            <a:endParaRPr lang="en-US" dirty="0"/>
-          </a:p>
-        </p:txBody>
-      </p:sp>
-      <p:sp>
-        <p:nvSpPr>
-          <p:cNvPr id="3" name="Content Placeholder 2">
-            <a:extLst>
-              <a:ext uri="{FF2B5EF4-FFF2-40B4-BE49-F238E27FC236}">
-                <a16:creationId xmlns:a16="http://schemas.microsoft.com/office/drawing/2014/main" id="{CFEBEFD7-23BF-4F14-9339-37AF67D86D7F}"/>
-              </a:ext>
-            </a:extLst>
-          </p:cNvPr>
-          <p:cNvSpPr>
-            <a:spLocks noGrp="1"/>
-          </p:cNvSpPr>
-          <p:nvPr>
-            <p:ph idx="1"/>
-          </p:nvPr>
-        </p:nvSpPr>
-        <p:spPr>
-          <a:xfrm>
-            <a:off x="838200" y="1825625"/>
-            <a:ext cx="10515600" cy="4847318"/>
-          </a:xfrm>
-        </p:spPr>
-        <p:txBody>
-          <a:bodyPr>
-            <a:normAutofit fontScale="92500" lnSpcReduction="20000"/>
-          </a:bodyPr>
-          <a:lstStyle/>
-          <a:p>
-            <a:pPr marL="457200" lvl="1" indent="0">
-              <a:buNone/>
-            </a:pPr>
-            <a:r>
-              <a:rPr lang="en-US" dirty="0">
-                <a:latin typeface="Courier New" panose="02070309020205020404" pitchFamily="49" charset="0"/>
-                <a:cs typeface="Courier New" panose="02070309020205020404" pitchFamily="49" charset="0"/>
-              </a:rPr>
-              <a:t>$ </a:t>
-            </a:r>
-            <a:r>
-              <a:rPr lang="en-US" dirty="0" err="1">
-                <a:latin typeface="Courier New" panose="02070309020205020404" pitchFamily="49" charset="0"/>
-                <a:cs typeface="Courier New" panose="02070309020205020404" pitchFamily="49" charset="0"/>
-              </a:rPr>
-              <a:t>read_header_api</a:t>
-            </a:r>
-            <a:r>
-              <a:rPr lang="en-US" dirty="0">
-                <a:latin typeface="Courier New" panose="02070309020205020404" pitchFamily="49" charset="0"/>
-                <a:cs typeface="Courier New" panose="02070309020205020404" pitchFamily="49" charset="0"/>
-              </a:rPr>
-              <a:t> --only-</a:t>
-            </a:r>
-            <a:r>
-              <a:rPr lang="en-US" dirty="0" err="1">
-                <a:latin typeface="Courier New" panose="02070309020205020404" pitchFamily="49" charset="0"/>
-                <a:cs typeface="Courier New" panose="02070309020205020404" pitchFamily="49" charset="0"/>
-              </a:rPr>
-              <a:t>args</a:t>
-            </a:r>
-            <a:r>
-              <a:rPr lang="en-US" dirty="0">
-                <a:latin typeface="Courier New" panose="02070309020205020404" pitchFamily="49" charset="0"/>
-                <a:cs typeface="Courier New" panose="02070309020205020404" pitchFamily="49" charset="0"/>
-              </a:rPr>
-              <a:t> /</a:t>
-            </a:r>
-            <a:r>
-              <a:rPr lang="en-US" dirty="0" err="1">
-                <a:latin typeface="Courier New" panose="02070309020205020404" pitchFamily="49" charset="0"/>
-                <a:cs typeface="Courier New" panose="02070309020205020404" pitchFamily="49" charset="0"/>
-              </a:rPr>
-              <a:t>usr</a:t>
-            </a:r>
-            <a:r>
-              <a:rPr lang="en-US" dirty="0">
-                <a:latin typeface="Courier New" panose="02070309020205020404" pitchFamily="49" charset="0"/>
-                <a:cs typeface="Courier New" panose="02070309020205020404" pitchFamily="49" charset="0"/>
-              </a:rPr>
-              <a:t>/include/x86_64-linux-gnu/</a:t>
-            </a:r>
-            <a:r>
-              <a:rPr lang="en-US" dirty="0" err="1">
-                <a:latin typeface="Courier New" panose="02070309020205020404" pitchFamily="49" charset="0"/>
-                <a:cs typeface="Courier New" panose="02070309020205020404" pitchFamily="49" charset="0"/>
-              </a:rPr>
-              <a:t>gmp.h</a:t>
-            </a:r>
-            <a:r>
-              <a:rPr lang="en-US" dirty="0">
-                <a:latin typeface="Courier New" panose="02070309020205020404" pitchFamily="49" charset="0"/>
-                <a:cs typeface="Courier New" panose="02070309020205020404" pitchFamily="49" charset="0"/>
-              </a:rPr>
-              <a:t> &gt; api.txt</a:t>
-            </a:r>
-          </a:p>
-          <a:p>
-            <a:pPr marL="457200" lvl="1" indent="0">
-              <a:buNone/>
-            </a:pPr>
-            <a:endParaRPr lang="en-US" dirty="0">
-              <a:latin typeface="Courier New" panose="02070309020205020404" pitchFamily="49" charset="0"/>
-              <a:cs typeface="Courier New" panose="02070309020205020404" pitchFamily="49" charset="0"/>
-            </a:endParaRPr>
-          </a:p>
-          <a:p>
-            <a:pPr marL="457200" lvl="1" indent="0">
-              <a:buNone/>
-            </a:pPr>
-            <a:r>
-              <a:rPr lang="en-US" dirty="0">
-                <a:latin typeface="Courier New" panose="02070309020205020404" pitchFamily="49" charset="0"/>
-                <a:cs typeface="Courier New" panose="02070309020205020404" pitchFamily="49" charset="0"/>
-              </a:rPr>
-              <a:t>$ </a:t>
-            </a:r>
-            <a:r>
-              <a:rPr lang="en-US" dirty="0" err="1">
-                <a:latin typeface="Courier New" panose="02070309020205020404" pitchFamily="49" charset="0"/>
-                <a:cs typeface="Courier New" panose="02070309020205020404" pitchFamily="49" charset="0"/>
-              </a:rPr>
-              <a:t>read_binary_api</a:t>
-            </a:r>
-            <a:r>
-              <a:rPr lang="en-US" dirty="0">
-                <a:latin typeface="Courier New" panose="02070309020205020404" pitchFamily="49" charset="0"/>
-                <a:cs typeface="Courier New" panose="02070309020205020404" pitchFamily="49" charset="0"/>
-              </a:rPr>
-              <a:t> --permissive /</a:t>
-            </a:r>
-            <a:r>
-              <a:rPr lang="en-US" dirty="0" err="1">
-                <a:latin typeface="Courier New" panose="02070309020205020404" pitchFamily="49" charset="0"/>
-                <a:cs typeface="Courier New" panose="02070309020205020404" pitchFamily="49" charset="0"/>
-              </a:rPr>
-              <a:t>usr</a:t>
-            </a:r>
-            <a:r>
-              <a:rPr lang="en-US" dirty="0">
-                <a:latin typeface="Courier New" panose="02070309020205020404" pitchFamily="49" charset="0"/>
-                <a:cs typeface="Courier New" panose="02070309020205020404" pitchFamily="49" charset="0"/>
-              </a:rPr>
-              <a:t>/lib/x86_64-linux-gnu/libgmp.so.10.4.1 &gt; abi.txt</a:t>
-            </a:r>
-          </a:p>
-          <a:p>
-            <a:pPr marL="457200" lvl="1" indent="0">
-              <a:buNone/>
-            </a:pPr>
-            <a:endParaRPr lang="en-US" dirty="0">
-              <a:latin typeface="Courier New" panose="02070309020205020404" pitchFamily="49" charset="0"/>
-              <a:cs typeface="Courier New" panose="02070309020205020404" pitchFamily="49" charset="0"/>
-            </a:endParaRPr>
-          </a:p>
-          <a:p>
-            <a:pPr marL="457200" lvl="1" indent="0">
-              <a:buNone/>
-            </a:pPr>
-            <a:r>
-              <a:rPr lang="en-US" dirty="0">
-                <a:latin typeface="Courier New" panose="02070309020205020404" pitchFamily="49" charset="0"/>
-                <a:cs typeface="Courier New" panose="02070309020205020404" pitchFamily="49" charset="0"/>
-              </a:rPr>
-              <a:t>$ diff api.txt abi.txt | </a:t>
-            </a:r>
-            <a:r>
-              <a:rPr lang="en-US" dirty="0" err="1">
-                <a:latin typeface="Courier New" panose="02070309020205020404" pitchFamily="49" charset="0"/>
-                <a:cs typeface="Courier New" panose="02070309020205020404" pitchFamily="49" charset="0"/>
-              </a:rPr>
-              <a:t>wc</a:t>
-            </a:r>
-            <a:r>
-              <a:rPr lang="en-US" dirty="0">
-                <a:latin typeface="Courier New" panose="02070309020205020404" pitchFamily="49" charset="0"/>
-                <a:cs typeface="Courier New" panose="02070309020205020404" pitchFamily="49" charset="0"/>
-              </a:rPr>
-              <a:t> -l</a:t>
-            </a:r>
-          </a:p>
-          <a:p>
-            <a:pPr marL="457200" lvl="1" indent="0">
-              <a:buNone/>
-            </a:pPr>
-            <a:r>
-              <a:rPr lang="en-US" b="1" dirty="0">
-                <a:latin typeface="Courier New" panose="02070309020205020404" pitchFamily="49" charset="0"/>
-                <a:cs typeface="Courier New" panose="02070309020205020404" pitchFamily="49" charset="0"/>
-              </a:rPr>
-              <a:t>323</a:t>
-            </a:r>
-          </a:p>
-          <a:p>
-            <a:pPr marL="457200" lvl="1" indent="0">
-              <a:buNone/>
-            </a:pPr>
-            <a:endParaRPr lang="en-US" dirty="0">
-              <a:latin typeface="Courier New" panose="02070309020205020404" pitchFamily="49" charset="0"/>
-              <a:cs typeface="Courier New" panose="02070309020205020404" pitchFamily="49" charset="0"/>
-            </a:endParaRPr>
-          </a:p>
-          <a:p>
-            <a:pPr marL="457200" lvl="1" indent="0">
-              <a:buNone/>
-            </a:pPr>
-            <a:r>
-              <a:rPr lang="en-US" dirty="0">
-                <a:latin typeface="Courier New" panose="02070309020205020404" pitchFamily="49" charset="0"/>
-                <a:cs typeface="Courier New" panose="02070309020205020404" pitchFamily="49" charset="0"/>
-              </a:rPr>
-              <a:t>$ diff api.txt abi.txt</a:t>
-            </a:r>
-          </a:p>
-          <a:p>
-            <a:pPr marL="457200" lvl="1" indent="0">
-              <a:buNone/>
-            </a:pPr>
-            <a:r>
-              <a:rPr lang="en-US" dirty="0">
-                <a:latin typeface="Courier New" panose="02070309020205020404" pitchFamily="49" charset="0"/>
-                <a:cs typeface="Courier New" panose="02070309020205020404" pitchFamily="49" charset="0"/>
-              </a:rPr>
-              <a:t>0a1,10</a:t>
-            </a:r>
-          </a:p>
-          <a:p>
-            <a:pPr marL="457200" lvl="1" indent="0">
-              <a:buNone/>
-            </a:pPr>
-            <a:r>
-              <a:rPr lang="en-US" b="1" dirty="0">
-                <a:latin typeface="Courier New" panose="02070309020205020404" pitchFamily="49" charset="0"/>
-                <a:cs typeface="Courier New" panose="02070309020205020404" pitchFamily="49" charset="0"/>
-              </a:rPr>
-              <a:t>&gt; __gmp_0</a:t>
-            </a:r>
-          </a:p>
-          <a:p>
-            <a:pPr marL="457200" lvl="1" indent="0">
-              <a:buNone/>
-            </a:pPr>
-            <a:r>
-              <a:rPr lang="en-US" b="1" dirty="0">
-                <a:latin typeface="Courier New" panose="02070309020205020404" pitchFamily="49" charset="0"/>
-                <a:cs typeface="Courier New" panose="02070309020205020404" pitchFamily="49" charset="0"/>
-              </a:rPr>
-              <a:t>&gt; __</a:t>
-            </a:r>
-            <a:r>
-              <a:rPr lang="en-US" b="1" dirty="0" err="1">
-                <a:latin typeface="Courier New" panose="02070309020205020404" pitchFamily="49" charset="0"/>
-                <a:cs typeface="Courier New" panose="02070309020205020404" pitchFamily="49" charset="0"/>
-              </a:rPr>
-              <a:t>gmp_allocate_func</a:t>
-            </a:r>
-            <a:endParaRPr lang="en-US" b="1" dirty="0">
-              <a:latin typeface="Courier New" panose="02070309020205020404" pitchFamily="49" charset="0"/>
-              <a:cs typeface="Courier New" panose="02070309020205020404" pitchFamily="49" charset="0"/>
-            </a:endParaRPr>
-          </a:p>
-          <a:p>
-            <a:pPr marL="457200" lvl="1" indent="0">
-              <a:buNone/>
-            </a:pPr>
-            <a:r>
-              <a:rPr lang="en-US" b="1" dirty="0">
-                <a:latin typeface="Courier New" panose="02070309020205020404" pitchFamily="49" charset="0"/>
-                <a:cs typeface="Courier New" panose="02070309020205020404" pitchFamily="49" charset="0"/>
-              </a:rPr>
-              <a:t>&gt; __</a:t>
-            </a:r>
-            <a:r>
-              <a:rPr lang="en-US" b="1" dirty="0" err="1">
-                <a:latin typeface="Courier New" panose="02070309020205020404" pitchFamily="49" charset="0"/>
-                <a:cs typeface="Courier New" panose="02070309020205020404" pitchFamily="49" charset="0"/>
-              </a:rPr>
-              <a:t>gmp_asprintf_final</a:t>
-            </a:r>
-            <a:endParaRPr lang="en-US" b="1" dirty="0">
-              <a:latin typeface="Courier New" panose="02070309020205020404" pitchFamily="49" charset="0"/>
-              <a:cs typeface="Courier New" panose="02070309020205020404" pitchFamily="49" charset="0"/>
-            </a:endParaRPr>
-          </a:p>
-          <a:p>
-            <a:pPr marL="457200" lvl="1" indent="0">
-              <a:buNone/>
-            </a:pPr>
-            <a:r>
-              <a:rPr lang="en-US" b="1" dirty="0">
-                <a:latin typeface="Courier New" panose="02070309020205020404" pitchFamily="49" charset="0"/>
-                <a:cs typeface="Courier New" panose="02070309020205020404" pitchFamily="49" charset="0"/>
-              </a:rPr>
-              <a:t>&gt; __</a:t>
-            </a:r>
-            <a:r>
-              <a:rPr lang="en-US" b="1" dirty="0" err="1">
-                <a:latin typeface="Courier New" panose="02070309020205020404" pitchFamily="49" charset="0"/>
-                <a:cs typeface="Courier New" panose="02070309020205020404" pitchFamily="49" charset="0"/>
-              </a:rPr>
-              <a:t>gmp_asprintf_funs</a:t>
-            </a:r>
-            <a:endParaRPr lang="en-US" b="1" dirty="0">
-              <a:latin typeface="Courier New" panose="02070309020205020404" pitchFamily="49" charset="0"/>
-              <a:cs typeface="Courier New" panose="02070309020205020404" pitchFamily="49" charset="0"/>
-            </a:endParaRPr>
-          </a:p>
-          <a:p>
-            <a:pPr marL="457200" lvl="1" indent="0">
-              <a:buNone/>
-            </a:pPr>
-            <a:r>
-              <a:rPr lang="en-US" b="1" dirty="0">
-                <a:latin typeface="Courier New" panose="02070309020205020404" pitchFamily="49" charset="0"/>
-                <a:cs typeface="Courier New" panose="02070309020205020404" pitchFamily="49" charset="0"/>
-              </a:rPr>
-              <a:t>…</a:t>
-            </a:r>
-          </a:p>
-        </p:txBody>
-      </p:sp>
-    </p:spTree>
-    <p:extLst>
-      <p:ext uri="{BB962C8B-B14F-4D97-AF65-F5344CB8AC3E}">
-        <p14:creationId xmlns:p14="http://schemas.microsoft.com/office/powerpoint/2010/main" val="3323570136"/>
-      </p:ext>
-    </p:extLst>
-  </p:cSld>
-  <p:clrMapOvr>
-    <a:masterClrMapping/>
-  </p:clrMapOvr>
-</p:sld>
-</file>
-
 <file path=ppt/slides/slide59.xml><?xml version="1.0" encoding="utf-8"?>
 <p:sld xmlns:a="http://schemas.openxmlformats.org/drawingml/2006/main" xmlns:r="http://schemas.openxmlformats.org/officeDocument/2006/relationships" xmlns:p="http://schemas.openxmlformats.org/presentationml/2006/main">
   <p:cSld>
@@ -26751,7 +26742,7 @@
           <p:cNvPr id="2" name="Title 1">
             <a:extLst>
               <a:ext uri="{FF2B5EF4-FFF2-40B4-BE49-F238E27FC236}">
-                <a16:creationId xmlns:a16="http://schemas.microsoft.com/office/drawing/2014/main" id="{B79A58A2-53E2-4B07-B541-7560DC951115}"/>
+                <a16:creationId xmlns:a16="http://schemas.microsoft.com/office/drawing/2014/main" id="{BD766DFC-0AB1-4998-9C8F-D80FEAAB8954}"/>
               </a:ext>
             </a:extLst>
           </p:cNvPr>
@@ -26769,7 +26760,11 @@
           <a:p>
             <a:r>
               <a:rPr lang="ru-RU" dirty="0"/>
-              <a:t>Резюме</a:t>
+              <a:t>Пример использования </a:t>
+            </a:r>
+            <a:r>
+              <a:rPr lang="en-US" dirty="0" err="1"/>
+              <a:t>ShlibVisibilityChecker</a:t>
             </a:r>
             <a:endParaRPr lang="en-US" dirty="0"/>
           </a:p>
@@ -26780,7 +26775,7 @@
           <p:cNvPr id="3" name="Content Placeholder 2">
             <a:extLst>
               <a:ext uri="{FF2B5EF4-FFF2-40B4-BE49-F238E27FC236}">
-                <a16:creationId xmlns:a16="http://schemas.microsoft.com/office/drawing/2014/main" id="{89B42026-4F60-4665-8FC5-FDB3293BF4A3}"/>
+                <a16:creationId xmlns:a16="http://schemas.microsoft.com/office/drawing/2014/main" id="{CFEBEFD7-23BF-4F14-9339-37AF67D86D7F}"/>
               </a:ext>
             </a:extLst>
           </p:cNvPr>
@@ -26791,19 +26786,313 @@
             <p:ph idx="1"/>
           </p:nvPr>
         </p:nvSpPr>
-        <p:spPr/>
-        <p:txBody>
-          <a:bodyPr/>
-          <a:lstStyle/>
-          <a:p>
-            <a:endParaRPr lang="en-US" dirty="0"/>
+        <p:spPr>
+          <a:xfrm>
+            <a:off x="838200" y="1825625"/>
+            <a:ext cx="10515600" cy="4847318"/>
+          </a:xfrm>
+        </p:spPr>
+        <p:txBody>
+          <a:bodyPr>
+            <a:normAutofit fontScale="92500" lnSpcReduction="20000"/>
+          </a:bodyPr>
+          <a:lstStyle/>
+          <a:p>
+            <a:pPr marL="457200" lvl="1" indent="0">
+              <a:buNone/>
+            </a:pPr>
+            <a:r>
+              <a:rPr lang="en-US" dirty="0">
+                <a:latin typeface="Courier New" panose="02070309020205020404" pitchFamily="49" charset="0"/>
+                <a:cs typeface="Courier New" panose="02070309020205020404" pitchFamily="49" charset="0"/>
+              </a:rPr>
+              <a:t>$ </a:t>
+            </a:r>
+            <a:r>
+              <a:rPr lang="en-US" dirty="0" err="1">
+                <a:latin typeface="Courier New" panose="02070309020205020404" pitchFamily="49" charset="0"/>
+                <a:cs typeface="Courier New" panose="02070309020205020404" pitchFamily="49" charset="0"/>
+              </a:rPr>
+              <a:t>read_header_api</a:t>
+            </a:r>
+            <a:r>
+              <a:rPr lang="en-US" dirty="0">
+                <a:latin typeface="Courier New" panose="02070309020205020404" pitchFamily="49" charset="0"/>
+                <a:cs typeface="Courier New" panose="02070309020205020404" pitchFamily="49" charset="0"/>
+              </a:rPr>
+              <a:t> --only-</a:t>
+            </a:r>
+            <a:r>
+              <a:rPr lang="en-US" dirty="0" err="1">
+                <a:latin typeface="Courier New" panose="02070309020205020404" pitchFamily="49" charset="0"/>
+                <a:cs typeface="Courier New" panose="02070309020205020404" pitchFamily="49" charset="0"/>
+              </a:rPr>
+              <a:t>args</a:t>
+            </a:r>
+            <a:r>
+              <a:rPr lang="en-US" dirty="0">
+                <a:latin typeface="Courier New" panose="02070309020205020404" pitchFamily="49" charset="0"/>
+                <a:cs typeface="Courier New" panose="02070309020205020404" pitchFamily="49" charset="0"/>
+              </a:rPr>
+              <a:t> /</a:t>
+            </a:r>
+            <a:r>
+              <a:rPr lang="en-US" dirty="0" err="1">
+                <a:latin typeface="Courier New" panose="02070309020205020404" pitchFamily="49" charset="0"/>
+                <a:cs typeface="Courier New" panose="02070309020205020404" pitchFamily="49" charset="0"/>
+              </a:rPr>
+              <a:t>usr</a:t>
+            </a:r>
+            <a:r>
+              <a:rPr lang="en-US" dirty="0">
+                <a:latin typeface="Courier New" panose="02070309020205020404" pitchFamily="49" charset="0"/>
+                <a:cs typeface="Courier New" panose="02070309020205020404" pitchFamily="49" charset="0"/>
+              </a:rPr>
+              <a:t>/include/x86_64-linux-gnu/</a:t>
+            </a:r>
+            <a:r>
+              <a:rPr lang="en-US" dirty="0" err="1">
+                <a:latin typeface="Courier New" panose="02070309020205020404" pitchFamily="49" charset="0"/>
+                <a:cs typeface="Courier New" panose="02070309020205020404" pitchFamily="49" charset="0"/>
+              </a:rPr>
+              <a:t>gmp.h</a:t>
+            </a:r>
+            <a:r>
+              <a:rPr lang="en-US" dirty="0">
+                <a:latin typeface="Courier New" panose="02070309020205020404" pitchFamily="49" charset="0"/>
+                <a:cs typeface="Courier New" panose="02070309020205020404" pitchFamily="49" charset="0"/>
+              </a:rPr>
+              <a:t> &gt; api.txt</a:t>
+            </a:r>
+          </a:p>
+          <a:p>
+            <a:pPr marL="457200" lvl="1" indent="0">
+              <a:buNone/>
+            </a:pPr>
+            <a:endParaRPr lang="en-US" dirty="0">
+              <a:latin typeface="Courier New" panose="02070309020205020404" pitchFamily="49" charset="0"/>
+              <a:cs typeface="Courier New" panose="02070309020205020404" pitchFamily="49" charset="0"/>
+            </a:endParaRPr>
+          </a:p>
+          <a:p>
+            <a:pPr marL="457200" lvl="1" indent="0">
+              <a:buNone/>
+            </a:pPr>
+            <a:r>
+              <a:rPr lang="en-US" dirty="0">
+                <a:latin typeface="Courier New" panose="02070309020205020404" pitchFamily="49" charset="0"/>
+                <a:cs typeface="Courier New" panose="02070309020205020404" pitchFamily="49" charset="0"/>
+              </a:rPr>
+              <a:t>$ </a:t>
+            </a:r>
+            <a:r>
+              <a:rPr lang="en-US" dirty="0" err="1">
+                <a:latin typeface="Courier New" panose="02070309020205020404" pitchFamily="49" charset="0"/>
+                <a:cs typeface="Courier New" panose="02070309020205020404" pitchFamily="49" charset="0"/>
+              </a:rPr>
+              <a:t>read_binary_api</a:t>
+            </a:r>
+            <a:r>
+              <a:rPr lang="en-US" dirty="0">
+                <a:latin typeface="Courier New" panose="02070309020205020404" pitchFamily="49" charset="0"/>
+                <a:cs typeface="Courier New" panose="02070309020205020404" pitchFamily="49" charset="0"/>
+              </a:rPr>
+              <a:t> --permissive /</a:t>
+            </a:r>
+            <a:r>
+              <a:rPr lang="en-US" dirty="0" err="1">
+                <a:latin typeface="Courier New" panose="02070309020205020404" pitchFamily="49" charset="0"/>
+                <a:cs typeface="Courier New" panose="02070309020205020404" pitchFamily="49" charset="0"/>
+              </a:rPr>
+              <a:t>usr</a:t>
+            </a:r>
+            <a:r>
+              <a:rPr lang="en-US" dirty="0">
+                <a:latin typeface="Courier New" panose="02070309020205020404" pitchFamily="49" charset="0"/>
+                <a:cs typeface="Courier New" panose="02070309020205020404" pitchFamily="49" charset="0"/>
+              </a:rPr>
+              <a:t>/lib/x86_64-linux-gnu/libgmp.so.10.4.1 &gt; abi.txt</a:t>
+            </a:r>
+          </a:p>
+          <a:p>
+            <a:pPr marL="457200" lvl="1" indent="0">
+              <a:buNone/>
+            </a:pPr>
+            <a:endParaRPr lang="en-US" dirty="0">
+              <a:latin typeface="Courier New" panose="02070309020205020404" pitchFamily="49" charset="0"/>
+              <a:cs typeface="Courier New" panose="02070309020205020404" pitchFamily="49" charset="0"/>
+            </a:endParaRPr>
+          </a:p>
+          <a:p>
+            <a:pPr marL="457200" lvl="1" indent="0">
+              <a:buNone/>
+            </a:pPr>
+            <a:r>
+              <a:rPr lang="en-US" dirty="0">
+                <a:latin typeface="Courier New" panose="02070309020205020404" pitchFamily="49" charset="0"/>
+                <a:cs typeface="Courier New" panose="02070309020205020404" pitchFamily="49" charset="0"/>
+              </a:rPr>
+              <a:t>$ diff api.txt abi.txt | </a:t>
+            </a:r>
+            <a:r>
+              <a:rPr lang="en-US" dirty="0" err="1">
+                <a:latin typeface="Courier New" panose="02070309020205020404" pitchFamily="49" charset="0"/>
+                <a:cs typeface="Courier New" panose="02070309020205020404" pitchFamily="49" charset="0"/>
+              </a:rPr>
+              <a:t>wc</a:t>
+            </a:r>
+            <a:r>
+              <a:rPr lang="en-US" dirty="0">
+                <a:latin typeface="Courier New" panose="02070309020205020404" pitchFamily="49" charset="0"/>
+                <a:cs typeface="Courier New" panose="02070309020205020404" pitchFamily="49" charset="0"/>
+              </a:rPr>
+              <a:t> -l</a:t>
+            </a:r>
+          </a:p>
+          <a:p>
+            <a:pPr marL="457200" lvl="1" indent="0">
+              <a:buNone/>
+            </a:pPr>
+            <a:r>
+              <a:rPr lang="en-US" b="1" dirty="0">
+                <a:latin typeface="Courier New" panose="02070309020205020404" pitchFamily="49" charset="0"/>
+                <a:cs typeface="Courier New" panose="02070309020205020404" pitchFamily="49" charset="0"/>
+              </a:rPr>
+              <a:t>323</a:t>
+            </a:r>
+          </a:p>
+          <a:p>
+            <a:pPr marL="457200" lvl="1" indent="0">
+              <a:buNone/>
+            </a:pPr>
+            <a:endParaRPr lang="en-US" dirty="0">
+              <a:latin typeface="Courier New" panose="02070309020205020404" pitchFamily="49" charset="0"/>
+              <a:cs typeface="Courier New" panose="02070309020205020404" pitchFamily="49" charset="0"/>
+            </a:endParaRPr>
+          </a:p>
+          <a:p>
+            <a:pPr marL="457200" lvl="1" indent="0">
+              <a:buNone/>
+            </a:pPr>
+            <a:r>
+              <a:rPr lang="en-US" dirty="0">
+                <a:latin typeface="Courier New" panose="02070309020205020404" pitchFamily="49" charset="0"/>
+                <a:cs typeface="Courier New" panose="02070309020205020404" pitchFamily="49" charset="0"/>
+              </a:rPr>
+              <a:t>$ diff api.txt abi.txt</a:t>
+            </a:r>
+          </a:p>
+          <a:p>
+            <a:pPr marL="457200" lvl="1" indent="0">
+              <a:buNone/>
+            </a:pPr>
+            <a:r>
+              <a:rPr lang="en-US" dirty="0">
+                <a:latin typeface="Courier New" panose="02070309020205020404" pitchFamily="49" charset="0"/>
+                <a:cs typeface="Courier New" panose="02070309020205020404" pitchFamily="49" charset="0"/>
+              </a:rPr>
+              <a:t>0a1,10</a:t>
+            </a:r>
+          </a:p>
+          <a:p>
+            <a:pPr marL="457200" lvl="1" indent="0">
+              <a:buNone/>
+            </a:pPr>
+            <a:r>
+              <a:rPr lang="en-US" b="1" dirty="0">
+                <a:latin typeface="Courier New" panose="02070309020205020404" pitchFamily="49" charset="0"/>
+                <a:cs typeface="Courier New" panose="02070309020205020404" pitchFamily="49" charset="0"/>
+              </a:rPr>
+              <a:t>&gt; __gmp_0</a:t>
+            </a:r>
+          </a:p>
+          <a:p>
+            <a:pPr marL="457200" lvl="1" indent="0">
+              <a:buNone/>
+            </a:pPr>
+            <a:r>
+              <a:rPr lang="en-US" b="1" dirty="0">
+                <a:latin typeface="Courier New" panose="02070309020205020404" pitchFamily="49" charset="0"/>
+                <a:cs typeface="Courier New" panose="02070309020205020404" pitchFamily="49" charset="0"/>
+              </a:rPr>
+              <a:t>&gt; __</a:t>
+            </a:r>
+            <a:r>
+              <a:rPr lang="en-US" b="1" dirty="0" err="1">
+                <a:latin typeface="Courier New" panose="02070309020205020404" pitchFamily="49" charset="0"/>
+                <a:cs typeface="Courier New" panose="02070309020205020404" pitchFamily="49" charset="0"/>
+              </a:rPr>
+              <a:t>gmp_allocate_func</a:t>
+            </a:r>
+            <a:endParaRPr lang="en-US" b="1" dirty="0">
+              <a:latin typeface="Courier New" panose="02070309020205020404" pitchFamily="49" charset="0"/>
+              <a:cs typeface="Courier New" panose="02070309020205020404" pitchFamily="49" charset="0"/>
+            </a:endParaRPr>
+          </a:p>
+          <a:p>
+            <a:pPr marL="457200" lvl="1" indent="0">
+              <a:buNone/>
+            </a:pPr>
+            <a:r>
+              <a:rPr lang="en-US" b="1" dirty="0">
+                <a:latin typeface="Courier New" panose="02070309020205020404" pitchFamily="49" charset="0"/>
+                <a:cs typeface="Courier New" panose="02070309020205020404" pitchFamily="49" charset="0"/>
+              </a:rPr>
+              <a:t>&gt; __</a:t>
+            </a:r>
+            <a:r>
+              <a:rPr lang="en-US" b="1" dirty="0" err="1">
+                <a:latin typeface="Courier New" panose="02070309020205020404" pitchFamily="49" charset="0"/>
+                <a:cs typeface="Courier New" panose="02070309020205020404" pitchFamily="49" charset="0"/>
+              </a:rPr>
+              <a:t>gmp_asprintf_final</a:t>
+            </a:r>
+            <a:endParaRPr lang="en-US" b="1" dirty="0">
+              <a:latin typeface="Courier New" panose="02070309020205020404" pitchFamily="49" charset="0"/>
+              <a:cs typeface="Courier New" panose="02070309020205020404" pitchFamily="49" charset="0"/>
+            </a:endParaRPr>
+          </a:p>
+          <a:p>
+            <a:pPr marL="457200" lvl="1" indent="0">
+              <a:buNone/>
+            </a:pPr>
+            <a:r>
+              <a:rPr lang="en-US" b="1" dirty="0">
+                <a:latin typeface="Courier New" panose="02070309020205020404" pitchFamily="49" charset="0"/>
+                <a:cs typeface="Courier New" panose="02070309020205020404" pitchFamily="49" charset="0"/>
+              </a:rPr>
+              <a:t>&gt; __</a:t>
+            </a:r>
+            <a:r>
+              <a:rPr lang="en-US" b="1" dirty="0" err="1">
+                <a:latin typeface="Courier New" panose="02070309020205020404" pitchFamily="49" charset="0"/>
+                <a:cs typeface="Courier New" panose="02070309020205020404" pitchFamily="49" charset="0"/>
+              </a:rPr>
+              <a:t>gmp_asprintf_funs</a:t>
+            </a:r>
+            <a:endParaRPr lang="en-US" b="1" dirty="0">
+              <a:latin typeface="Courier New" panose="02070309020205020404" pitchFamily="49" charset="0"/>
+              <a:cs typeface="Courier New" panose="02070309020205020404" pitchFamily="49" charset="0"/>
+            </a:endParaRPr>
+          </a:p>
+          <a:p>
+            <a:pPr marL="457200" lvl="1" indent="0">
+              <a:buNone/>
+            </a:pPr>
+            <a:r>
+              <a:rPr lang="en-US" b="1" dirty="0">
+                <a:latin typeface="Courier New" panose="02070309020205020404" pitchFamily="49" charset="0"/>
+                <a:cs typeface="Courier New" panose="02070309020205020404" pitchFamily="49" charset="0"/>
+              </a:rPr>
+              <a:t>…</a:t>
+            </a:r>
           </a:p>
         </p:txBody>
       </p:sp>
     </p:spTree>
     <p:extLst>
       <p:ext uri="{BB962C8B-B14F-4D97-AF65-F5344CB8AC3E}">
-        <p14:creationId xmlns:p14="http://schemas.microsoft.com/office/powerpoint/2010/main" val="883765393"/>
+        <p14:creationId xmlns:p14="http://schemas.microsoft.com/office/powerpoint/2010/main" val="3323570136"/>
       </p:ext>
     </p:extLst>
   </p:cSld>
@@ -27013,17 +27302,14 @@
           <a:bodyPr/>
           <a:lstStyle/>
           <a:p>
-            <a:r>
-              <a:rPr lang="ru-RU" dirty="0"/>
-              <a:t>Динамические библиотеки имеют ряд преимуществ над статическими</a:t>
-            </a:r>
+            <a:endParaRPr lang="en-US" dirty="0"/>
           </a:p>
         </p:txBody>
       </p:sp>
     </p:spTree>
     <p:extLst>
       <p:ext uri="{BB962C8B-B14F-4D97-AF65-F5344CB8AC3E}">
-        <p14:creationId xmlns:p14="http://schemas.microsoft.com/office/powerpoint/2010/main" val="871995427"/>
+        <p14:creationId xmlns:p14="http://schemas.microsoft.com/office/powerpoint/2010/main" val="883765393"/>
       </p:ext>
     </p:extLst>
   </p:cSld>
@@ -27105,18 +27391,12 @@
               <a:t>Динамические библиотеки имеют ряд преимуществ над статическими</a:t>
             </a:r>
           </a:p>
-          <a:p>
-            <a:r>
-              <a:rPr lang="ru-RU" dirty="0"/>
-              <a:t>Добавляют накладные расходы на старте и во время работы приложения</a:t>
-            </a:r>
-          </a:p>
         </p:txBody>
       </p:sp>
     </p:spTree>
     <p:extLst>
       <p:ext uri="{BB962C8B-B14F-4D97-AF65-F5344CB8AC3E}">
-        <p14:creationId xmlns:p14="http://schemas.microsoft.com/office/powerpoint/2010/main" val="2882286536"/>
+        <p14:creationId xmlns:p14="http://schemas.microsoft.com/office/powerpoint/2010/main" val="871995427"/>
       </p:ext>
     </p:extLst>
   </p:cSld>
@@ -27204,6 +27484,99 @@
               <a:t>Добавляют накладные расходы на старте и во время работы приложения</a:t>
             </a:r>
           </a:p>
+        </p:txBody>
+      </p:sp>
+    </p:spTree>
+    <p:extLst>
+      <p:ext uri="{BB962C8B-B14F-4D97-AF65-F5344CB8AC3E}">
+        <p14:creationId xmlns:p14="http://schemas.microsoft.com/office/powerpoint/2010/main" val="2882286536"/>
+      </p:ext>
+    </p:extLst>
+  </p:cSld>
+  <p:clrMapOvr>
+    <a:masterClrMapping/>
+  </p:clrMapOvr>
+</p:sld>
+</file>
+
+<file path=ppt/slides/slide63.xml><?xml version="1.0" encoding="utf-8"?>
+<p:sld xmlns:a="http://schemas.openxmlformats.org/drawingml/2006/main" xmlns:r="http://schemas.openxmlformats.org/officeDocument/2006/relationships" xmlns:p="http://schemas.openxmlformats.org/presentationml/2006/main">
+  <p:cSld>
+    <p:spTree>
+      <p:nvGrpSpPr>
+        <p:cNvPr id="1" name=""/>
+        <p:cNvGrpSpPr/>
+        <p:nvPr/>
+      </p:nvGrpSpPr>
+      <p:grpSpPr>
+        <a:xfrm>
+          <a:off x="0" y="0"/>
+          <a:ext cx="0" cy="0"/>
+          <a:chOff x="0" y="0"/>
+          <a:chExt cx="0" cy="0"/>
+        </a:xfrm>
+      </p:grpSpPr>
+      <p:sp>
+        <p:nvSpPr>
+          <p:cNvPr id="2" name="Title 1">
+            <a:extLst>
+              <a:ext uri="{FF2B5EF4-FFF2-40B4-BE49-F238E27FC236}">
+                <a16:creationId xmlns:a16="http://schemas.microsoft.com/office/drawing/2014/main" id="{B79A58A2-53E2-4B07-B541-7560DC951115}"/>
+              </a:ext>
+            </a:extLst>
+          </p:cNvPr>
+          <p:cNvSpPr>
+            <a:spLocks noGrp="1"/>
+          </p:cNvSpPr>
+          <p:nvPr>
+            <p:ph type="title"/>
+          </p:nvPr>
+        </p:nvSpPr>
+        <p:spPr/>
+        <p:txBody>
+          <a:bodyPr/>
+          <a:lstStyle/>
+          <a:p>
+            <a:r>
+              <a:rPr lang="ru-RU" dirty="0"/>
+              <a:t>Резюме</a:t>
+            </a:r>
+            <a:endParaRPr lang="en-US" dirty="0"/>
+          </a:p>
+        </p:txBody>
+      </p:sp>
+      <p:sp>
+        <p:nvSpPr>
+          <p:cNvPr id="3" name="Content Placeholder 2">
+            <a:extLst>
+              <a:ext uri="{FF2B5EF4-FFF2-40B4-BE49-F238E27FC236}">
+                <a16:creationId xmlns:a16="http://schemas.microsoft.com/office/drawing/2014/main" id="{89B42026-4F60-4665-8FC5-FDB3293BF4A3}"/>
+              </a:ext>
+            </a:extLst>
+          </p:cNvPr>
+          <p:cNvSpPr>
+            <a:spLocks noGrp="1"/>
+          </p:cNvSpPr>
+          <p:nvPr>
+            <p:ph idx="1"/>
+          </p:nvPr>
+        </p:nvSpPr>
+        <p:spPr/>
+        <p:txBody>
+          <a:bodyPr/>
+          <a:lstStyle/>
+          <a:p>
+            <a:r>
+              <a:rPr lang="ru-RU" dirty="0"/>
+              <a:t>Динамические библиотеки имеют ряд преимуществ над статическими</a:t>
+            </a:r>
+          </a:p>
+          <a:p>
+            <a:r>
+              <a:rPr lang="ru-RU" dirty="0"/>
+              <a:t>Добавляют накладные расходы на старте и во время работы приложения</a:t>
+            </a:r>
+          </a:p>
           <a:p>
             <a:r>
               <a:rPr lang="ru-RU" dirty="0"/>
@@ -27245,7 +27618,7 @@
 </p:sld>
 </file>
 
-<file path=ppt/slides/slide63.xml><?xml version="1.0" encoding="utf-8"?>
+<file path=ppt/slides/slide64.xml><?xml version="1.0" encoding="utf-8"?>
 <p:sld xmlns:a="http://schemas.openxmlformats.org/drawingml/2006/main" xmlns:r="http://schemas.openxmlformats.org/officeDocument/2006/relationships" xmlns:p="http://schemas.openxmlformats.org/presentationml/2006/main">
   <p:cSld>
     <p:spTree>
@@ -27670,93 +28043,6 @@
 </p:sld>
 </file>
 
-<file path=ppt/slides/slide64.xml><?xml version="1.0" encoding="utf-8"?>
-<p:sld xmlns:a="http://schemas.openxmlformats.org/drawingml/2006/main" xmlns:r="http://schemas.openxmlformats.org/officeDocument/2006/relationships" xmlns:p="http://schemas.openxmlformats.org/presentationml/2006/main">
-  <p:cSld>
-    <p:spTree>
-      <p:nvGrpSpPr>
-        <p:cNvPr id="1" name=""/>
-        <p:cNvGrpSpPr/>
-        <p:nvPr/>
-      </p:nvGrpSpPr>
-      <p:grpSpPr>
-        <a:xfrm>
-          <a:off x="0" y="0"/>
-          <a:ext cx="0" cy="0"/>
-          <a:chOff x="0" y="0"/>
-          <a:chExt cx="0" cy="0"/>
-        </a:xfrm>
-      </p:grpSpPr>
-      <p:sp>
-        <p:nvSpPr>
-          <p:cNvPr id="2" name="Title 1">
-            <a:extLst>
-              <a:ext uri="{FF2B5EF4-FFF2-40B4-BE49-F238E27FC236}">
-                <a16:creationId xmlns:a16="http://schemas.microsoft.com/office/drawing/2014/main" id="{AE55B1BF-E6CB-4A61-A19B-EAB2E2F68128}"/>
-              </a:ext>
-            </a:extLst>
-          </p:cNvPr>
-          <p:cNvSpPr>
-            <a:spLocks noGrp="1"/>
-          </p:cNvSpPr>
-          <p:nvPr>
-            <p:ph type="title"/>
-          </p:nvPr>
-        </p:nvSpPr>
-        <p:spPr/>
-        <p:txBody>
-          <a:bodyPr/>
-          <a:lstStyle/>
-          <a:p>
-            <a:r>
-              <a:rPr lang="ru-RU" dirty="0"/>
-              <a:t>Спасибо за внимание</a:t>
-            </a:r>
-            <a:r>
-              <a:rPr lang="en-US" dirty="0"/>
-              <a:t>!</a:t>
-            </a:r>
-          </a:p>
-        </p:txBody>
-      </p:sp>
-      <p:sp>
-        <p:nvSpPr>
-          <p:cNvPr id="3" name="Content Placeholder 2">
-            <a:extLst>
-              <a:ext uri="{FF2B5EF4-FFF2-40B4-BE49-F238E27FC236}">
-                <a16:creationId xmlns:a16="http://schemas.microsoft.com/office/drawing/2014/main" id="{FDC23327-086B-41AB-AC13-CE5A75450C7E}"/>
-              </a:ext>
-            </a:extLst>
-          </p:cNvPr>
-          <p:cNvSpPr>
-            <a:spLocks noGrp="1"/>
-          </p:cNvSpPr>
-          <p:nvPr>
-            <p:ph idx="1"/>
-          </p:nvPr>
-        </p:nvSpPr>
-        <p:spPr/>
-        <p:txBody>
-          <a:bodyPr/>
-          <a:lstStyle/>
-          <a:p>
-            <a:endParaRPr lang="en-US" dirty="0"/>
-          </a:p>
-        </p:txBody>
-      </p:sp>
-    </p:spTree>
-    <p:extLst>
-      <p:ext uri="{BB962C8B-B14F-4D97-AF65-F5344CB8AC3E}">
-        <p14:creationId xmlns:p14="http://schemas.microsoft.com/office/powerpoint/2010/main" val="876813992"/>
-      </p:ext>
-    </p:extLst>
-  </p:cSld>
-  <p:clrMapOvr>
-    <a:masterClrMapping/>
-  </p:clrMapOvr>
-</p:sld>
-</file>
-
 <file path=ppt/slides/slide65.xml><?xml version="1.0" encoding="utf-8"?>
 <p:sld xmlns:a="http://schemas.openxmlformats.org/drawingml/2006/main" xmlns:r="http://schemas.openxmlformats.org/officeDocument/2006/relationships" xmlns:p="http://schemas.openxmlformats.org/presentationml/2006/main">
   <p:cSld>
@@ -27779,7 +28065,7 @@
           <p:cNvPr id="2" name="Title 1">
             <a:extLst>
               <a:ext uri="{FF2B5EF4-FFF2-40B4-BE49-F238E27FC236}">
-                <a16:creationId xmlns:a16="http://schemas.microsoft.com/office/drawing/2014/main" id="{CD19E7E3-A310-49FF-A77B-B37588A39A3E}"/>
+                <a16:creationId xmlns:a16="http://schemas.microsoft.com/office/drawing/2014/main" id="{AE55B1BF-E6CB-4A61-A19B-EAB2E2F68128}"/>
               </a:ext>
             </a:extLst>
           </p:cNvPr>
@@ -27797,11 +28083,11 @@
           <a:p>
             <a:r>
               <a:rPr lang="ru-RU" dirty="0"/>
-              <a:t>Проверка </a:t>
-            </a:r>
-            <a:r>
-              <a:rPr lang="en-US" dirty="0"/>
-              <a:t>-Wl,-O1</a:t>
+              <a:t>Спасибо за внимание</a:t>
+            </a:r>
+            <a:r>
+              <a:rPr lang="en-US" dirty="0"/>
+              <a:t>!</a:t>
             </a:r>
           </a:p>
         </p:txBody>
@@ -27811,7 +28097,7 @@
           <p:cNvPr id="3" name="Content Placeholder 2">
             <a:extLst>
               <a:ext uri="{FF2B5EF4-FFF2-40B4-BE49-F238E27FC236}">
-                <a16:creationId xmlns:a16="http://schemas.microsoft.com/office/drawing/2014/main" id="{0263D36B-8799-48BF-9D12-7FA8EC932069}"/>
+                <a16:creationId xmlns:a16="http://schemas.microsoft.com/office/drawing/2014/main" id="{FDC23327-086B-41AB-AC13-CE5A75450C7E}"/>
               </a:ext>
             </a:extLst>
           </p:cNvPr>
@@ -27827,52 +28113,14 @@
           <a:bodyPr/>
           <a:lstStyle/>
           <a:p>
-            <a:r>
-              <a:rPr lang="ru-RU" dirty="0"/>
-              <a:t>Собрать две версии </a:t>
-            </a:r>
-            <a:r>
-              <a:rPr lang="en-US" dirty="0"/>
-              <a:t>LLVM:</a:t>
-            </a:r>
-          </a:p>
-          <a:p>
-            <a:pPr lvl="1"/>
-            <a:r>
-              <a:rPr lang="en-US" dirty="0"/>
-              <a:t>-DBUILD_SHARED_LIBS=ON</a:t>
-            </a:r>
-          </a:p>
-          <a:p>
-            <a:pPr lvl="1"/>
-            <a:r>
-              <a:rPr lang="en-US" dirty="0"/>
-              <a:t>-DBUILD_SHARED_LIBS=ON -DCMAKE_SHARED_LINKER_FLAGS='-Wl,-O1’</a:t>
-            </a:r>
-          </a:p>
-          <a:p>
-            <a:r>
-              <a:rPr lang="ru-RU" dirty="0"/>
-              <a:t>Сравнить производительность</a:t>
-            </a:r>
-            <a:r>
-              <a:rPr lang="en-US" dirty="0"/>
-              <a:t>:</a:t>
-            </a:r>
-          </a:p>
-          <a:p>
-            <a:pPr lvl="1"/>
-            <a:r>
-              <a:rPr lang="en-US" dirty="0"/>
-              <a:t>./benchmark.pl 10 path/to/clang -h</a:t>
-            </a:r>
+            <a:endParaRPr lang="en-US" dirty="0"/>
           </a:p>
         </p:txBody>
       </p:sp>
     </p:spTree>
     <p:extLst>
       <p:ext uri="{BB962C8B-B14F-4D97-AF65-F5344CB8AC3E}">
-        <p14:creationId xmlns:p14="http://schemas.microsoft.com/office/powerpoint/2010/main" val="1685019486"/>
+        <p14:creationId xmlns:p14="http://schemas.microsoft.com/office/powerpoint/2010/main" val="876813992"/>
       </p:ext>
     </p:extLst>
   </p:cSld>
@@ -27904,7 +28152,7 @@
           <p:cNvPr id="2" name="Title 1">
             <a:extLst>
               <a:ext uri="{FF2B5EF4-FFF2-40B4-BE49-F238E27FC236}">
-                <a16:creationId xmlns:a16="http://schemas.microsoft.com/office/drawing/2014/main" id="{CD19E7E3-A310-49FF-A77B-B37588A39A3E}"/>
+                <a16:creationId xmlns:a16="http://schemas.microsoft.com/office/drawing/2014/main" id="{F09C38B6-88BB-47D5-AECF-F1AEB00015C7}"/>
               </a:ext>
             </a:extLst>
           </p:cNvPr>
@@ -27922,99 +28170,90 @@
           <a:p>
             <a:r>
               <a:rPr lang="ru-RU" dirty="0"/>
-              <a:t>Проверка </a:t>
-            </a:r>
-            <a:r>
-              <a:rPr lang="en-US" dirty="0"/>
-              <a:t>-</a:t>
-            </a:r>
+              <a:t>Проверка экономии памяти</a:t>
+            </a:r>
+            <a:endParaRPr lang="en-US" dirty="0"/>
+          </a:p>
+        </p:txBody>
+      </p:sp>
+      <p:sp>
+        <p:nvSpPr>
+          <p:cNvPr id="3" name="Content Placeholder 2">
+            <a:extLst>
+              <a:ext uri="{FF2B5EF4-FFF2-40B4-BE49-F238E27FC236}">
+                <a16:creationId xmlns:a16="http://schemas.microsoft.com/office/drawing/2014/main" id="{EB72A63E-B5E1-4193-A82F-B3B0576B1822}"/>
+              </a:ext>
+            </a:extLst>
+          </p:cNvPr>
+          <p:cNvSpPr>
+            <a:spLocks noGrp="1"/>
+          </p:cNvSpPr>
+          <p:nvPr>
+            <p:ph idx="1"/>
+          </p:nvPr>
+        </p:nvSpPr>
+        <p:spPr/>
+        <p:txBody>
+          <a:bodyPr/>
+          <a:lstStyle/>
+          <a:p>
+            <a:r>
+              <a:rPr lang="ru-RU" dirty="0"/>
+              <a:t>Собрать сканнер</a:t>
+            </a:r>
+            <a:endParaRPr lang="en-US" dirty="0"/>
+          </a:p>
+          <a:p>
+            <a:pPr lvl="1"/>
             <a:r>
               <a:rPr lang="en-US" dirty="0" err="1"/>
-              <a:t>fno-plt</a:t>
+              <a:t>gcc</a:t>
+            </a:r>
+            <a:r>
+              <a:rPr lang="en-US" dirty="0"/>
+              <a:t> -Wall -</a:t>
+            </a:r>
+            <a:r>
+              <a:rPr lang="en-US" dirty="0" err="1"/>
+              <a:t>Wextra</a:t>
+            </a:r>
+            <a:r>
+              <a:rPr lang="en-US" dirty="0"/>
+              <a:t> scripts/ram-</a:t>
+            </a:r>
+            <a:r>
+              <a:rPr lang="en-US" dirty="0" err="1"/>
+              <a:t>savings.c</a:t>
             </a:r>
             <a:endParaRPr lang="en-US" dirty="0"/>
           </a:p>
-        </p:txBody>
-      </p:sp>
-      <p:sp>
-        <p:nvSpPr>
-          <p:cNvPr id="3" name="Content Placeholder 2">
-            <a:extLst>
-              <a:ext uri="{FF2B5EF4-FFF2-40B4-BE49-F238E27FC236}">
-                <a16:creationId xmlns:a16="http://schemas.microsoft.com/office/drawing/2014/main" id="{0263D36B-8799-48BF-9D12-7FA8EC932069}"/>
-              </a:ext>
-            </a:extLst>
-          </p:cNvPr>
-          <p:cNvSpPr>
-            <a:spLocks noGrp="1"/>
-          </p:cNvSpPr>
-          <p:nvPr>
-            <p:ph idx="1"/>
-          </p:nvPr>
-        </p:nvSpPr>
-        <p:spPr/>
-        <p:txBody>
-          <a:bodyPr/>
-          <a:lstStyle/>
-          <a:p>
-            <a:r>
-              <a:rPr lang="ru-RU" dirty="0"/>
-              <a:t>Собрать две версии </a:t>
-            </a:r>
-            <a:r>
-              <a:rPr lang="en-US" dirty="0"/>
-              <a:t>LLVM:</a:t>
+          <a:p>
+            <a:r>
+              <a:rPr lang="ru-RU" dirty="0"/>
+              <a:t>Запустить под </a:t>
+            </a:r>
+            <a:r>
+              <a:rPr lang="en-US" dirty="0" err="1"/>
+              <a:t>sudo</a:t>
+            </a:r>
+            <a:r>
+              <a:rPr lang="en-US" dirty="0"/>
+              <a:t>:</a:t>
             </a:r>
           </a:p>
           <a:p>
             <a:pPr lvl="1"/>
             <a:r>
-              <a:rPr lang="en-US" dirty="0"/>
-              <a:t>-DBUILD_SHARED_LIBS=ON</a:t>
-            </a:r>
-          </a:p>
-          <a:p>
-            <a:pPr lvl="1"/>
-            <a:r>
-              <a:rPr lang="en-US" dirty="0"/>
-              <a:t>-DBUILD_SHARED_LIBS=ON -DCMAKE_CXX_FLAGS=‘-</a:t>
-            </a:r>
-            <a:r>
               <a:rPr lang="en-US" dirty="0" err="1"/>
-              <a:t>fno</a:t>
-            </a:r>
-            <a:r>
-              <a:rPr lang="en-US" dirty="0"/>
-              <a:t>-</a:t>
+              <a:t>sudo</a:t>
+            </a:r>
+            <a:r>
+              <a:rPr lang="en-US" dirty="0"/>
+              <a:t> ./</a:t>
             </a:r>
             <a:r>
               <a:rPr lang="en-US" dirty="0" err="1"/>
-              <a:t>plt</a:t>
-            </a:r>
-            <a:r>
-              <a:rPr lang="en-US" dirty="0"/>
-              <a:t>’</a:t>
-            </a:r>
-          </a:p>
-          <a:p>
-            <a:r>
-              <a:rPr lang="ru-RU" dirty="0"/>
-              <a:t>Сравнить производительность</a:t>
-            </a:r>
-            <a:r>
-              <a:rPr lang="en-US" dirty="0"/>
-              <a:t>:</a:t>
-            </a:r>
-          </a:p>
-          <a:p>
-            <a:pPr lvl="1"/>
-            <a:r>
-              <a:rPr lang="en-US" dirty="0"/>
-              <a:t>./benchmark.pl 10 path/to/clang -S -O2 ~/</a:t>
-            </a:r>
-            <a:r>
-              <a:rPr lang="en-US" dirty="0" err="1"/>
-              <a:t>InstCombining.ii</a:t>
+              <a:t>a.out</a:t>
             </a:r>
             <a:endParaRPr lang="en-US" dirty="0"/>
           </a:p>
@@ -28023,7 +28262,7 @@
     </p:spTree>
     <p:extLst>
       <p:ext uri="{BB962C8B-B14F-4D97-AF65-F5344CB8AC3E}">
-        <p14:creationId xmlns:p14="http://schemas.microsoft.com/office/powerpoint/2010/main" val="4180884372"/>
+        <p14:creationId xmlns:p14="http://schemas.microsoft.com/office/powerpoint/2010/main" val="458418495"/>
       </p:ext>
     </p:extLst>
   </p:cSld>
@@ -28055,7 +28294,7 @@
           <p:cNvPr id="2" name="Title 1">
             <a:extLst>
               <a:ext uri="{FF2B5EF4-FFF2-40B4-BE49-F238E27FC236}">
-                <a16:creationId xmlns:a16="http://schemas.microsoft.com/office/drawing/2014/main" id="{CD19E7E3-A310-49FF-A77B-B37588A39A3E}"/>
+                <a16:creationId xmlns:a16="http://schemas.microsoft.com/office/drawing/2014/main" id="{A332E884-F784-4417-BF2B-03646842341A}"/>
               </a:ext>
             </a:extLst>
           </p:cNvPr>
@@ -28073,20 +28312,9 @@
           <a:p>
             <a:r>
               <a:rPr lang="ru-RU" dirty="0"/>
-              <a:t>Проверка </a:t>
-            </a:r>
-            <a:r>
-              <a:rPr lang="en-US" dirty="0"/>
-              <a:t>-</a:t>
-            </a:r>
-            <a:r>
-              <a:rPr lang="en-US" dirty="0" err="1"/>
-              <a:t>Bsymbolic</a:t>
-            </a:r>
-            <a:r>
-              <a:rPr lang="en-US" dirty="0"/>
-              <a:t>-functions</a:t>
-            </a:r>
+              <a:t>Анализ экономии диска</a:t>
+            </a:r>
+            <a:endParaRPr lang="en-US" dirty="0"/>
           </a:p>
         </p:txBody>
       </p:sp>
@@ -28095,7 +28323,7 @@
           <p:cNvPr id="3" name="Content Placeholder 2">
             <a:extLst>
               <a:ext uri="{FF2B5EF4-FFF2-40B4-BE49-F238E27FC236}">
-                <a16:creationId xmlns:a16="http://schemas.microsoft.com/office/drawing/2014/main" id="{0263D36B-8799-48BF-9D12-7FA8EC932069}"/>
+                <a16:creationId xmlns:a16="http://schemas.microsoft.com/office/drawing/2014/main" id="{E04AF023-58A8-450D-A198-B852C2288198}"/>
               </a:ext>
             </a:extLst>
           </p:cNvPr>
@@ -28113,62 +28341,35 @@
           <a:p>
             <a:r>
               <a:rPr lang="ru-RU" dirty="0"/>
-              <a:t>Собрать две версии </a:t>
-            </a:r>
-            <a:r>
-              <a:rPr lang="en-US" dirty="0"/>
-              <a:t>LLVM:</a:t>
-            </a:r>
+              <a:t>Запустить</a:t>
+            </a:r>
+            <a:endParaRPr lang="en-US" dirty="0"/>
           </a:p>
           <a:p>
             <a:pPr lvl="1"/>
             <a:r>
               <a:rPr lang="en-US" dirty="0"/>
-              <a:t>-DBUILD_SHARED_LIBS=ON</a:t>
+              <a:t>scripts/disk-savings.pl</a:t>
+            </a:r>
+          </a:p>
+          <a:p>
+            <a:r>
+              <a:rPr lang="ru-RU" dirty="0"/>
+              <a:t>Скрипт даёт верхнюю оценку – реальная экономии памяти будет ниже</a:t>
             </a:r>
           </a:p>
           <a:p>
             <a:pPr lvl="1"/>
             <a:r>
-              <a:rPr lang="en-US" dirty="0"/>
-              <a:t>-DBUILD_SHARED_LIBS=ON -DCMAKE_SHARED_LINKER_FLAGS='-</a:t>
-            </a:r>
-            <a:r>
-              <a:rPr lang="en-US" dirty="0" err="1"/>
-              <a:t>Wl</a:t>
-            </a:r>
-            <a:r>
-              <a:rPr lang="en-US" dirty="0"/>
-              <a:t>,-</a:t>
-            </a:r>
-            <a:r>
-              <a:rPr lang="en-US" dirty="0" err="1"/>
-              <a:t>Bsymbolic</a:t>
-            </a:r>
-            <a:r>
-              <a:rPr lang="en-US" dirty="0"/>
-              <a:t>-functions’</a:t>
-            </a:r>
-          </a:p>
-          <a:p>
-            <a:r>
-              <a:rPr lang="ru-RU" dirty="0"/>
-              <a:t>Сравнить производительность</a:t>
-            </a:r>
-            <a:r>
-              <a:rPr lang="en-US" dirty="0"/>
-              <a:t>:</a:t>
+              <a:rPr lang="ru-RU" dirty="0"/>
+              <a:t>При статической сборке не все функции библиотек будут использованы приложениями</a:t>
             </a:r>
           </a:p>
           <a:p>
             <a:pPr lvl="1"/>
             <a:r>
-              <a:rPr lang="en-US" dirty="0"/>
-              <a:t>./benchmark.pl 10 path/to/clang -S -O2 ~/</a:t>
-            </a:r>
-            <a:r>
-              <a:rPr lang="en-US" dirty="0" err="1"/>
-              <a:t>InstCombining.ii</a:t>
+              <a:rPr lang="ru-RU" dirty="0"/>
+              <a:t>Соответственно библиотеки только частично будут включены в исполняемые файлы</a:t>
             </a:r>
             <a:endParaRPr lang="en-US" dirty="0"/>
           </a:p>
@@ -28177,7 +28378,7 @@
     </p:spTree>
     <p:extLst>
       <p:ext uri="{BB962C8B-B14F-4D97-AF65-F5344CB8AC3E}">
-        <p14:creationId xmlns:p14="http://schemas.microsoft.com/office/powerpoint/2010/main" val="2465096134"/>
+        <p14:creationId xmlns:p14="http://schemas.microsoft.com/office/powerpoint/2010/main" val="4057433900"/>
       </p:ext>
     </p:extLst>
   </p:cSld>
@@ -28209,7 +28410,7 @@
           <p:cNvPr id="2" name="Title 1">
             <a:extLst>
               <a:ext uri="{FF2B5EF4-FFF2-40B4-BE49-F238E27FC236}">
-                <a16:creationId xmlns:a16="http://schemas.microsoft.com/office/drawing/2014/main" id="{F09C38B6-88BB-47D5-AECF-F1AEB00015C7}"/>
+                <a16:creationId xmlns:a16="http://schemas.microsoft.com/office/drawing/2014/main" id="{CD19E7E3-A310-49FF-A77B-B37588A39A3E}"/>
               </a:ext>
             </a:extLst>
           </p:cNvPr>
@@ -28227,9 +28428,12 @@
           <a:p>
             <a:r>
               <a:rPr lang="ru-RU" dirty="0"/>
-              <a:t>Проверка экономии памяти</a:t>
-            </a:r>
-            <a:endParaRPr lang="en-US" dirty="0"/>
+              <a:t>Проверка </a:t>
+            </a:r>
+            <a:r>
+              <a:rPr lang="en-US" dirty="0"/>
+              <a:t>-Wl,-O1</a:t>
+            </a:r>
           </a:p>
         </p:txBody>
       </p:sp>
@@ -28238,7 +28442,7 @@
           <p:cNvPr id="3" name="Content Placeholder 2">
             <a:extLst>
               <a:ext uri="{FF2B5EF4-FFF2-40B4-BE49-F238E27FC236}">
-                <a16:creationId xmlns:a16="http://schemas.microsoft.com/office/drawing/2014/main" id="{EB72A63E-B5E1-4193-A82F-B3B0576B1822}"/>
+                <a16:creationId xmlns:a16="http://schemas.microsoft.com/office/drawing/2014/main" id="{0263D36B-8799-48BF-9D12-7FA8EC932069}"/>
               </a:ext>
             </a:extLst>
           </p:cNvPr>
@@ -28256,42 +28460,31 @@
           <a:p>
             <a:r>
               <a:rPr lang="ru-RU" dirty="0"/>
-              <a:t>Собрать сканнер</a:t>
-            </a:r>
-            <a:endParaRPr lang="en-US" dirty="0"/>
+              <a:t>Собрать две версии </a:t>
+            </a:r>
+            <a:r>
+              <a:rPr lang="en-US" dirty="0"/>
+              <a:t>LLVM:</a:t>
+            </a:r>
           </a:p>
           <a:p>
             <a:pPr lvl="1"/>
             <a:r>
-              <a:rPr lang="en-US" dirty="0" err="1"/>
-              <a:t>gcc</a:t>
-            </a:r>
-            <a:r>
-              <a:rPr lang="en-US" dirty="0"/>
-              <a:t> -Wall -</a:t>
-            </a:r>
-            <a:r>
-              <a:rPr lang="en-US" dirty="0" err="1"/>
-              <a:t>Wextra</a:t>
-            </a:r>
-            <a:r>
-              <a:rPr lang="en-US" dirty="0"/>
-              <a:t> scripts/ram-</a:t>
-            </a:r>
-            <a:r>
-              <a:rPr lang="en-US" dirty="0" err="1"/>
-              <a:t>savings.c</a:t>
-            </a:r>
-            <a:endParaRPr lang="en-US" dirty="0"/>
-          </a:p>
-          <a:p>
-            <a:r>
-              <a:rPr lang="ru-RU" dirty="0"/>
-              <a:t>Запустить под </a:t>
-            </a:r>
-            <a:r>
-              <a:rPr lang="en-US" dirty="0" err="1"/>
-              <a:t>sudo</a:t>
+              <a:rPr lang="en-US" dirty="0"/>
+              <a:t>-DBUILD_SHARED_LIBS=ON</a:t>
+            </a:r>
+          </a:p>
+          <a:p>
+            <a:pPr lvl="1"/>
+            <a:r>
+              <a:rPr lang="en-US" dirty="0"/>
+              <a:t>-DBUILD_SHARED_LIBS=ON -DCMAKE_SHARED_LINKER_FLAGS='-Wl,-O1’</a:t>
+            </a:r>
+          </a:p>
+          <a:p>
+            <a:r>
+              <a:rPr lang="ru-RU" dirty="0"/>
+              <a:t>Сравнить производительность</a:t>
             </a:r>
             <a:r>
               <a:rPr lang="en-US" dirty="0"/>
@@ -28301,25 +28494,16 @@
           <a:p>
             <a:pPr lvl="1"/>
             <a:r>
-              <a:rPr lang="en-US" dirty="0" err="1"/>
-              <a:t>sudo</a:t>
-            </a:r>
-            <a:r>
-              <a:rPr lang="en-US" dirty="0"/>
-              <a:t> ./</a:t>
-            </a:r>
-            <a:r>
-              <a:rPr lang="en-US" dirty="0" err="1"/>
-              <a:t>a.out</a:t>
-            </a:r>
-            <a:endParaRPr lang="en-US" dirty="0"/>
+              <a:rPr lang="en-US" dirty="0"/>
+              <a:t>./benchmark.pl 10 path/to/clang -h</a:t>
+            </a:r>
           </a:p>
         </p:txBody>
       </p:sp>
     </p:spTree>
     <p:extLst>
       <p:ext uri="{BB962C8B-B14F-4D97-AF65-F5344CB8AC3E}">
-        <p14:creationId xmlns:p14="http://schemas.microsoft.com/office/powerpoint/2010/main" val="458418495"/>
+        <p14:creationId xmlns:p14="http://schemas.microsoft.com/office/powerpoint/2010/main" val="1685019486"/>
       </p:ext>
     </p:extLst>
   </p:cSld>
@@ -28351,7 +28535,7 @@
           <p:cNvPr id="2" name="Title 1">
             <a:extLst>
               <a:ext uri="{FF2B5EF4-FFF2-40B4-BE49-F238E27FC236}">
-                <a16:creationId xmlns:a16="http://schemas.microsoft.com/office/drawing/2014/main" id="{A332E884-F784-4417-BF2B-03646842341A}"/>
+                <a16:creationId xmlns:a16="http://schemas.microsoft.com/office/drawing/2014/main" id="{CD19E7E3-A310-49FF-A77B-B37588A39A3E}"/>
               </a:ext>
             </a:extLst>
           </p:cNvPr>
@@ -28369,7 +28553,15 @@
           <a:p>
             <a:r>
               <a:rPr lang="ru-RU" dirty="0"/>
-              <a:t>Анализ экономии диска</a:t>
+              <a:t>Проверка </a:t>
+            </a:r>
+            <a:r>
+              <a:rPr lang="en-US" dirty="0"/>
+              <a:t>-</a:t>
+            </a:r>
+            <a:r>
+              <a:rPr lang="en-US" dirty="0" err="1"/>
+              <a:t>fno-plt</a:t>
             </a:r>
             <a:endParaRPr lang="en-US" dirty="0"/>
           </a:p>
@@ -28380,7 +28572,7 @@
           <p:cNvPr id="3" name="Content Placeholder 2">
             <a:extLst>
               <a:ext uri="{FF2B5EF4-FFF2-40B4-BE49-F238E27FC236}">
-                <a16:creationId xmlns:a16="http://schemas.microsoft.com/office/drawing/2014/main" id="{E04AF023-58A8-450D-A198-B852C2288198}"/>
+                <a16:creationId xmlns:a16="http://schemas.microsoft.com/office/drawing/2014/main" id="{0263D36B-8799-48BF-9D12-7FA8EC932069}"/>
               </a:ext>
             </a:extLst>
           </p:cNvPr>
@@ -28398,35 +28590,62 @@
           <a:p>
             <a:r>
               <a:rPr lang="ru-RU" dirty="0"/>
-              <a:t>Запустить</a:t>
-            </a:r>
-            <a:endParaRPr lang="en-US" dirty="0"/>
+              <a:t>Собрать две версии </a:t>
+            </a:r>
+            <a:r>
+              <a:rPr lang="en-US" dirty="0"/>
+              <a:t>LLVM:</a:t>
+            </a:r>
           </a:p>
           <a:p>
             <a:pPr lvl="1"/>
             <a:r>
               <a:rPr lang="en-US" dirty="0"/>
-              <a:t>scripts/disk-savings.pl</a:t>
-            </a:r>
-          </a:p>
-          <a:p>
-            <a:r>
-              <a:rPr lang="ru-RU" dirty="0"/>
-              <a:t>Скрипт даёт верхнюю оценку – реальная экономии памяти будет ниже</a:t>
+              <a:t>-DBUILD_SHARED_LIBS=ON</a:t>
             </a:r>
           </a:p>
           <a:p>
             <a:pPr lvl="1"/>
             <a:r>
-              <a:rPr lang="ru-RU" dirty="0"/>
-              <a:t>При статической сборке не все функции библиотек будут использованы приложениями</a:t>
+              <a:rPr lang="en-US" dirty="0"/>
+              <a:t>-DBUILD_SHARED_LIBS=ON -DCMAKE_CXX_FLAGS=‘-</a:t>
+            </a:r>
+            <a:r>
+              <a:rPr lang="en-US" dirty="0" err="1"/>
+              <a:t>fno</a:t>
+            </a:r>
+            <a:r>
+              <a:rPr lang="en-US" dirty="0"/>
+              <a:t>-</a:t>
+            </a:r>
+            <a:r>
+              <a:rPr lang="en-US" dirty="0" err="1"/>
+              <a:t>plt</a:t>
+            </a:r>
+            <a:r>
+              <a:rPr lang="en-US" dirty="0"/>
+              <a:t>’</a:t>
+            </a:r>
+          </a:p>
+          <a:p>
+            <a:r>
+              <a:rPr lang="ru-RU" dirty="0"/>
+              <a:t>Сравнить производительность</a:t>
+            </a:r>
+            <a:r>
+              <a:rPr lang="en-US" dirty="0"/>
+              <a:t>:</a:t>
             </a:r>
           </a:p>
           <a:p>
             <a:pPr lvl="1"/>
             <a:r>
-              <a:rPr lang="ru-RU" dirty="0"/>
-              <a:t>Соответственно библиотеки только частично будут включены в исполняемые файлы</a:t>
+              <a:rPr lang="en-US" dirty="0"/>
+              <a:t>./benchmark.pl 10 path/to/clang -S -O2 ~/</a:t>
+            </a:r>
+            <a:r>
+              <a:rPr lang="en-US" dirty="0" err="1"/>
+              <a:t>InstCombining.ii</a:t>
             </a:r>
             <a:endParaRPr lang="en-US" dirty="0"/>
           </a:p>
@@ -28435,7 +28654,7 @@
     </p:spTree>
     <p:extLst>
       <p:ext uri="{BB962C8B-B14F-4D97-AF65-F5344CB8AC3E}">
-        <p14:creationId xmlns:p14="http://schemas.microsoft.com/office/powerpoint/2010/main" val="4057433900"/>
+        <p14:creationId xmlns:p14="http://schemas.microsoft.com/office/powerpoint/2010/main" val="4180884372"/>
       </p:ext>
     </p:extLst>
   </p:cSld>
@@ -28584,6 +28803,160 @@
     <p:extLst>
       <p:ext uri="{BB962C8B-B14F-4D97-AF65-F5344CB8AC3E}">
         <p14:creationId xmlns:p14="http://schemas.microsoft.com/office/powerpoint/2010/main" val="245115085"/>
+      </p:ext>
+    </p:extLst>
+  </p:cSld>
+  <p:clrMapOvr>
+    <a:masterClrMapping/>
+  </p:clrMapOvr>
+</p:sld>
+</file>
+
+<file path=ppt/slides/slide70.xml><?xml version="1.0" encoding="utf-8"?>
+<p:sld xmlns:a="http://schemas.openxmlformats.org/drawingml/2006/main" xmlns:r="http://schemas.openxmlformats.org/officeDocument/2006/relationships" xmlns:p="http://schemas.openxmlformats.org/presentationml/2006/main">
+  <p:cSld>
+    <p:spTree>
+      <p:nvGrpSpPr>
+        <p:cNvPr id="1" name=""/>
+        <p:cNvGrpSpPr/>
+        <p:nvPr/>
+      </p:nvGrpSpPr>
+      <p:grpSpPr>
+        <a:xfrm>
+          <a:off x="0" y="0"/>
+          <a:ext cx="0" cy="0"/>
+          <a:chOff x="0" y="0"/>
+          <a:chExt cx="0" cy="0"/>
+        </a:xfrm>
+      </p:grpSpPr>
+      <p:sp>
+        <p:nvSpPr>
+          <p:cNvPr id="2" name="Title 1">
+            <a:extLst>
+              <a:ext uri="{FF2B5EF4-FFF2-40B4-BE49-F238E27FC236}">
+                <a16:creationId xmlns:a16="http://schemas.microsoft.com/office/drawing/2014/main" id="{CD19E7E3-A310-49FF-A77B-B37588A39A3E}"/>
+              </a:ext>
+            </a:extLst>
+          </p:cNvPr>
+          <p:cNvSpPr>
+            <a:spLocks noGrp="1"/>
+          </p:cNvSpPr>
+          <p:nvPr>
+            <p:ph type="title"/>
+          </p:nvPr>
+        </p:nvSpPr>
+        <p:spPr/>
+        <p:txBody>
+          <a:bodyPr/>
+          <a:lstStyle/>
+          <a:p>
+            <a:r>
+              <a:rPr lang="ru-RU" dirty="0"/>
+              <a:t>Проверка </a:t>
+            </a:r>
+            <a:r>
+              <a:rPr lang="en-US" dirty="0"/>
+              <a:t>-</a:t>
+            </a:r>
+            <a:r>
+              <a:rPr lang="en-US" dirty="0" err="1"/>
+              <a:t>Bsymbolic</a:t>
+            </a:r>
+            <a:r>
+              <a:rPr lang="en-US" dirty="0"/>
+              <a:t>-functions</a:t>
+            </a:r>
+          </a:p>
+        </p:txBody>
+      </p:sp>
+      <p:sp>
+        <p:nvSpPr>
+          <p:cNvPr id="3" name="Content Placeholder 2">
+            <a:extLst>
+              <a:ext uri="{FF2B5EF4-FFF2-40B4-BE49-F238E27FC236}">
+                <a16:creationId xmlns:a16="http://schemas.microsoft.com/office/drawing/2014/main" id="{0263D36B-8799-48BF-9D12-7FA8EC932069}"/>
+              </a:ext>
+            </a:extLst>
+          </p:cNvPr>
+          <p:cNvSpPr>
+            <a:spLocks noGrp="1"/>
+          </p:cNvSpPr>
+          <p:nvPr>
+            <p:ph idx="1"/>
+          </p:nvPr>
+        </p:nvSpPr>
+        <p:spPr/>
+        <p:txBody>
+          <a:bodyPr/>
+          <a:lstStyle/>
+          <a:p>
+            <a:r>
+              <a:rPr lang="ru-RU" dirty="0"/>
+              <a:t>Собрать две версии </a:t>
+            </a:r>
+            <a:r>
+              <a:rPr lang="en-US" dirty="0"/>
+              <a:t>LLVM:</a:t>
+            </a:r>
+          </a:p>
+          <a:p>
+            <a:pPr lvl="1"/>
+            <a:r>
+              <a:rPr lang="en-US" dirty="0"/>
+              <a:t>-DBUILD_SHARED_LIBS=ON</a:t>
+            </a:r>
+          </a:p>
+          <a:p>
+            <a:pPr lvl="1"/>
+            <a:r>
+              <a:rPr lang="en-US" dirty="0"/>
+              <a:t>-DBUILD_SHARED_LIBS=ON -DCMAKE_SHARED_LINKER_FLAGS='-</a:t>
+            </a:r>
+            <a:r>
+              <a:rPr lang="en-US" dirty="0" err="1"/>
+              <a:t>Wl</a:t>
+            </a:r>
+            <a:r>
+              <a:rPr lang="en-US" dirty="0"/>
+              <a:t>,-</a:t>
+            </a:r>
+            <a:r>
+              <a:rPr lang="en-US" dirty="0" err="1"/>
+              <a:t>Bsymbolic</a:t>
+            </a:r>
+            <a:r>
+              <a:rPr lang="en-US" dirty="0"/>
+              <a:t>-functions’</a:t>
+            </a:r>
+          </a:p>
+          <a:p>
+            <a:r>
+              <a:rPr lang="ru-RU" dirty="0"/>
+              <a:t>Сравнить производительность</a:t>
+            </a:r>
+            <a:r>
+              <a:rPr lang="en-US" dirty="0"/>
+              <a:t>:</a:t>
+            </a:r>
+          </a:p>
+          <a:p>
+            <a:pPr lvl="1"/>
+            <a:r>
+              <a:rPr lang="en-US" dirty="0"/>
+              <a:t>./benchmark.pl 10 path/to/clang -S -O2 ~/</a:t>
+            </a:r>
+            <a:r>
+              <a:rPr lang="en-US" dirty="0" err="1"/>
+              <a:t>InstCombining.ii</a:t>
+            </a:r>
+            <a:endParaRPr lang="en-US" dirty="0"/>
+          </a:p>
+        </p:txBody>
+      </p:sp>
+    </p:spTree>
+    <p:extLst>
+      <p:ext uri="{BB962C8B-B14F-4D97-AF65-F5344CB8AC3E}">
+        <p14:creationId xmlns:p14="http://schemas.microsoft.com/office/powerpoint/2010/main" val="2465096134"/>
       </p:ext>
     </p:extLst>
   </p:cSld>

--- a/2024/RU.pptx
+++ b/2024/RU.pptx
@@ -278,7 +278,7 @@
           <a:p>
             <a:fld id="{A36A2EB4-42A0-4A9F-94AC-04D10C1F231A}" type="datetimeFigureOut">
               <a:rPr lang="en-US" smtClean="0"/>
-              <a:t>5/5/2024</a:t>
+              <a:t>5/7/2024</a:t>
             </a:fld>
             <a:endParaRPr lang="en-US"/>
           </a:p>
@@ -4116,18 +4116,6 @@
           <a:bodyPr/>
           <a:lstStyle/>
           <a:p>
-            <a:r>
-              <a:rPr lang="ru-RU" dirty="0"/>
-              <a:t>Рассмотрим теперь поочерёдно перечисленные нами накладные расходы</a:t>
-            </a:r>
-            <a:r>
-              <a:rPr lang="en-US" dirty="0"/>
-              <a:t>. </a:t>
-            </a:r>
-            <a:r>
-              <a:rPr lang="ru-RU" dirty="0"/>
-              <a:t>Начнём с релокации.</a:t>
-            </a:r>
             <a:endParaRPr lang="en-US" dirty="0"/>
           </a:p>
         </p:txBody>
@@ -4149,7 +4137,7 @@
           <a:p>
             <a:fld id="{3AC94D10-082F-46D7-A834-266F9222130F}" type="slidenum">
               <a:rPr lang="en-US" smtClean="0"/>
-              <a:t>42</a:t>
+              <a:t>40</a:t>
             </a:fld>
             <a:endParaRPr lang="en-US"/>
           </a:p>
@@ -4158,7 +4146,7 @@
     </p:spTree>
     <p:extLst>
       <p:ext uri="{BB962C8B-B14F-4D97-AF65-F5344CB8AC3E}">
-        <p14:creationId xmlns:p14="http://schemas.microsoft.com/office/powerpoint/2010/main" val="940538028"/>
+        <p14:creationId xmlns:p14="http://schemas.microsoft.com/office/powerpoint/2010/main" val="1031465222"/>
       </p:ext>
     </p:extLst>
   </p:cSld>
@@ -4212,44 +4200,6 @@
           <a:bodyPr/>
           <a:lstStyle/>
           <a:p>
-            <a:r>
-              <a:rPr lang="ru-RU" dirty="0"/>
-              <a:t>Сразу скажу что решения для этой части в современных </a:t>
-            </a:r>
-            <a:r>
-              <a:rPr lang="en-US" dirty="0"/>
-              <a:t>Windows </a:t>
-            </a:r>
-            <a:r>
-              <a:rPr lang="ru-RU" dirty="0"/>
-              <a:t>и </a:t>
-            </a:r>
-            <a:r>
-              <a:rPr lang="en-US" dirty="0"/>
-              <a:t>Linux </a:t>
-            </a:r>
-            <a:r>
-              <a:rPr lang="ru-RU" dirty="0"/>
-              <a:t>нет. Но они существовали и использовались долгое время и вы до сих пор можете с ними столкнуться в статьях, поэтому посвятим им несколько слов.</a:t>
-            </a:r>
-            <a:endParaRPr lang="en-US" dirty="0"/>
-          </a:p>
-          <a:p>
-            <a:endParaRPr lang="en-US" dirty="0"/>
-          </a:p>
-          <a:p>
-            <a:r>
-              <a:rPr lang="ru-RU" dirty="0"/>
-              <a:t>Основная идея заключается в том, что мы можем заранее для всех используемых </a:t>
-            </a:r>
-            <a:r>
-              <a:rPr lang="en-US" dirty="0"/>
-              <a:t>DLL </a:t>
-            </a:r>
-            <a:r>
-              <a:rPr lang="ru-RU" dirty="0"/>
-              <a:t>выбрать непересекающиеся адреса в адресном простанстве процесса и слинковать их, исходя из того что они будут загружены по этим адресам. Загрузчик при загрузке увидит что адреса свободны и не будет проводить релокацию.</a:t>
-            </a:r>
             <a:endParaRPr lang="en-US" dirty="0"/>
           </a:p>
         </p:txBody>
@@ -4271,7 +4221,7 @@
           <a:p>
             <a:fld id="{3AC94D10-082F-46D7-A834-266F9222130F}" type="slidenum">
               <a:rPr lang="en-US" smtClean="0"/>
-              <a:t>43</a:t>
+              <a:t>41</a:t>
             </a:fld>
             <a:endParaRPr lang="en-US"/>
           </a:p>
@@ -4280,7 +4230,7 @@
     </p:spTree>
     <p:extLst>
       <p:ext uri="{BB962C8B-B14F-4D97-AF65-F5344CB8AC3E}">
-        <p14:creationId xmlns:p14="http://schemas.microsoft.com/office/powerpoint/2010/main" val="3043525197"/>
+        <p14:creationId xmlns:p14="http://schemas.microsoft.com/office/powerpoint/2010/main" val="620556484"/>
       </p:ext>
     </p:extLst>
   </p:cSld>
@@ -4336,66 +4286,17 @@
           <a:p>
             <a:r>
               <a:rPr lang="ru-RU" dirty="0"/>
-              <a:t>Решение это было реализовано и для </a:t>
-            </a:r>
-            <a:r>
-              <a:rPr lang="en-US" dirty="0"/>
-              <a:t>Windows, </a:t>
-            </a:r>
-            <a:r>
-              <a:rPr lang="ru-RU" dirty="0"/>
-              <a:t>и для </a:t>
-            </a:r>
-            <a:r>
-              <a:rPr lang="en-US" dirty="0"/>
-              <a:t>Linux, </a:t>
-            </a:r>
-            <a:r>
-              <a:rPr lang="ru-RU" dirty="0"/>
-              <a:t>но к сожалению вошло в противоречие с современными требованиями к безопасности, которые заключаются в том, что адрес загрузки </a:t>
-            </a:r>
-            <a:r>
-              <a:rPr lang="en-US" dirty="0"/>
-              <a:t>DLL </a:t>
-            </a:r>
-            <a:r>
-              <a:rPr lang="ru-RU" dirty="0"/>
-              <a:t>должен быть случайным (чтобы не упрощать подбор адресов хакерам).</a:t>
+              <a:t>Рассмотрим теперь поочерёдно перечисленные нами накладные расходы</a:t>
+            </a:r>
+            <a:r>
+              <a:rPr lang="en-US" dirty="0"/>
+              <a:t>. </a:t>
+            </a:r>
+            <a:r>
+              <a:rPr lang="ru-RU" dirty="0"/>
+              <a:t>Начнём с релокации.</a:t>
             </a:r>
             <a:endParaRPr lang="en-US" dirty="0"/>
-          </a:p>
-          <a:p>
-            <a:endParaRPr lang="en-US" dirty="0"/>
-          </a:p>
-          <a:p>
-            <a:r>
-              <a:rPr lang="ru-RU" dirty="0"/>
-              <a:t>Поэтому сейчас этот метод не применяется</a:t>
-            </a:r>
-            <a:r>
-              <a:rPr lang="en-US" dirty="0"/>
-              <a:t>, </a:t>
-            </a:r>
-            <a:r>
-              <a:rPr lang="ru-RU" dirty="0"/>
-              <a:t>а поддержка </a:t>
-            </a:r>
-            <a:r>
-              <a:rPr lang="en-US" dirty="0" err="1"/>
-              <a:t>Prelink</a:t>
-            </a:r>
-            <a:r>
-              <a:rPr lang="en-US" dirty="0"/>
-              <a:t> </a:t>
-            </a:r>
-            <a:r>
-              <a:rPr lang="ru-RU" dirty="0"/>
-              <a:t>даже была удалена в последних версиях </a:t>
-            </a:r>
-            <a:r>
-              <a:rPr lang="en-US" dirty="0"/>
-              <a:t>Glibc.</a:t>
-            </a:r>
           </a:p>
         </p:txBody>
       </p:sp>
@@ -4416,7 +4317,7 @@
           <a:p>
             <a:fld id="{3AC94D10-082F-46D7-A834-266F9222130F}" type="slidenum">
               <a:rPr lang="en-US" smtClean="0"/>
-              <a:t>44</a:t>
+              <a:t>42</a:t>
             </a:fld>
             <a:endParaRPr lang="en-US"/>
           </a:p>
@@ -4425,7 +4326,7 @@
     </p:spTree>
     <p:extLst>
       <p:ext uri="{BB962C8B-B14F-4D97-AF65-F5344CB8AC3E}">
-        <p14:creationId xmlns:p14="http://schemas.microsoft.com/office/powerpoint/2010/main" val="1998125518"/>
+        <p14:creationId xmlns:p14="http://schemas.microsoft.com/office/powerpoint/2010/main" val="940538028"/>
       </p:ext>
     </p:extLst>
   </p:cSld>
@@ -4596,7 +4497,41 @@
           <a:p>
             <a:r>
               <a:rPr lang="ru-RU" dirty="0"/>
-              <a:t>Обратимся теперь к накладным расходам на связывание символов.</a:t>
+              <a:t>Сразу скажу что решения для этой части в современных </a:t>
+            </a:r>
+            <a:r>
+              <a:rPr lang="en-US" dirty="0"/>
+              <a:t>Windows </a:t>
+            </a:r>
+            <a:r>
+              <a:rPr lang="ru-RU" dirty="0"/>
+              <a:t>и </a:t>
+            </a:r>
+            <a:r>
+              <a:rPr lang="en-US" dirty="0"/>
+              <a:t>Linux </a:t>
+            </a:r>
+            <a:r>
+              <a:rPr lang="ru-RU" dirty="0"/>
+              <a:t>нет. Но они существовали и использовались долгое время и вы до сих пор можете с ними столкнуться в статьях, поэтому посвятим им несколько слов.</a:t>
+            </a:r>
+            <a:endParaRPr lang="en-US" dirty="0"/>
+          </a:p>
+          <a:p>
+            <a:endParaRPr lang="en-US" dirty="0"/>
+          </a:p>
+          <a:p>
+            <a:r>
+              <a:rPr lang="ru-RU" dirty="0"/>
+              <a:t>Основная идея заключается в том, что мы можем заранее для всех используемых </a:t>
+            </a:r>
+            <a:r>
+              <a:rPr lang="en-US" dirty="0"/>
+              <a:t>DLL </a:t>
+            </a:r>
+            <a:r>
+              <a:rPr lang="ru-RU" dirty="0"/>
+              <a:t>выбрать непересекающиеся адреса в адресном простанстве процесса и слинковать их, исходя из того что они будут загружены по этим адресам. Загрузчик при загрузке увидит что адреса свободны и не будет проводить релокацию.</a:t>
             </a:r>
             <a:endParaRPr lang="en-US" dirty="0"/>
           </a:p>
@@ -4619,7 +4554,7 @@
           <a:p>
             <a:fld id="{3AC94D10-082F-46D7-A834-266F9222130F}" type="slidenum">
               <a:rPr lang="en-US" smtClean="0"/>
-              <a:t>45</a:t>
+              <a:t>43</a:t>
             </a:fld>
             <a:endParaRPr lang="en-US"/>
           </a:p>
@@ -4628,7 +4563,7 @@
     </p:spTree>
     <p:extLst>
       <p:ext uri="{BB962C8B-B14F-4D97-AF65-F5344CB8AC3E}">
-        <p14:creationId xmlns:p14="http://schemas.microsoft.com/office/powerpoint/2010/main" val="3397731765"/>
+        <p14:creationId xmlns:p14="http://schemas.microsoft.com/office/powerpoint/2010/main" val="3043525197"/>
       </p:ext>
     </p:extLst>
   </p:cSld>
@@ -4684,47 +4619,31 @@
           <a:p>
             <a:r>
               <a:rPr lang="ru-RU" dirty="0"/>
-              <a:t>Самый простой подход к связыванию символов</a:t>
-            </a:r>
-            <a:r>
-              <a:rPr lang="en-US" dirty="0"/>
-              <a:t>: </a:t>
-            </a:r>
-            <a:r>
-              <a:rPr lang="ru-RU" dirty="0"/>
-              <a:t>оптимизация размера соответсвующих таблиц поиска. Обычно рекомендуется использовать две опции</a:t>
-            </a:r>
-            <a:r>
-              <a:rPr lang="en-US" dirty="0"/>
-              <a:t>: hash-style </a:t>
-            </a:r>
-            <a:r>
-              <a:rPr lang="ru-RU" dirty="0"/>
-              <a:t>и </a:t>
-            </a:r>
-            <a:r>
-              <a:rPr lang="en-US" dirty="0"/>
-              <a:t>O1. </a:t>
-            </a:r>
-            <a:r>
-              <a:rPr lang="ru-RU" dirty="0"/>
-              <a:t>Первая из них уже по умолчанию включена в современных дистрибутивах (</a:t>
-            </a:r>
-            <a:r>
-              <a:rPr lang="en-US" dirty="0"/>
-              <a:t>RHEL </a:t>
-            </a:r>
-            <a:r>
-              <a:rPr lang="ru-RU" dirty="0"/>
-              <a:t>и </a:t>
-            </a:r>
-            <a:r>
-              <a:rPr lang="en-US" dirty="0"/>
-              <a:t>Ubuntu)</a:t>
-            </a:r>
-            <a:r>
-              <a:rPr lang="ru-RU" dirty="0"/>
-              <a:t>, а вторая по моим замерам не оказывает существенного влияния на производительность.</a:t>
+              <a:t>Решение это было реализовано и для </a:t>
+            </a:r>
+            <a:r>
+              <a:rPr lang="en-US" dirty="0"/>
+              <a:t>Windows, </a:t>
+            </a:r>
+            <a:r>
+              <a:rPr lang="ru-RU" dirty="0"/>
+              <a:t>и для </a:t>
+            </a:r>
+            <a:r>
+              <a:rPr lang="en-US" dirty="0"/>
+              <a:t>Linux, </a:t>
+            </a:r>
+            <a:r>
+              <a:rPr lang="ru-RU" dirty="0"/>
+              <a:t>но к сожалению вошло в противоречие с современными требованиями к безопасности, которые заключаются в том, что адрес загрузки </a:t>
+            </a:r>
+            <a:r>
+              <a:rPr lang="en-US" dirty="0"/>
+              <a:t>DLL </a:t>
+            </a:r>
+            <a:r>
+              <a:rPr lang="ru-RU" dirty="0"/>
+              <a:t>должен быть случайным (чтобы не упрощать подбор адресов хакерам).</a:t>
             </a:r>
             <a:endParaRPr lang="en-US" dirty="0"/>
           </a:p>
@@ -4734,9 +4653,32 @@
           <a:p>
             <a:r>
               <a:rPr lang="ru-RU" dirty="0"/>
-              <a:t>Резюмируя данный слайд можно сказать что дефолтные настройки тулчейнов в данном контексте оптимальны.</a:t>
-            </a:r>
-            <a:endParaRPr lang="en-US" dirty="0"/>
+              <a:t>Поэтому сейчас этот метод не применяется</a:t>
+            </a:r>
+            <a:r>
+              <a:rPr lang="en-US" dirty="0"/>
+              <a:t>, </a:t>
+            </a:r>
+            <a:r>
+              <a:rPr lang="ru-RU" dirty="0"/>
+              <a:t>а поддержка </a:t>
+            </a:r>
+            <a:r>
+              <a:rPr lang="en-US" dirty="0" err="1"/>
+              <a:t>Prelink</a:t>
+            </a:r>
+            <a:r>
+              <a:rPr lang="en-US" dirty="0"/>
+              <a:t> </a:t>
+            </a:r>
+            <a:r>
+              <a:rPr lang="ru-RU" dirty="0"/>
+              <a:t>даже была удалена в последних версиях </a:t>
+            </a:r>
+            <a:r>
+              <a:rPr lang="en-US" dirty="0"/>
+              <a:t>Glibc.</a:t>
+            </a:r>
           </a:p>
         </p:txBody>
       </p:sp>
@@ -4757,7 +4699,7 @@
           <a:p>
             <a:fld id="{3AC94D10-082F-46D7-A834-266F9222130F}" type="slidenum">
               <a:rPr lang="en-US" smtClean="0"/>
-              <a:t>46</a:t>
+              <a:t>44</a:t>
             </a:fld>
             <a:endParaRPr lang="en-US"/>
           </a:p>
@@ -4766,7 +4708,7 @@
     </p:spTree>
     <p:extLst>
       <p:ext uri="{BB962C8B-B14F-4D97-AF65-F5344CB8AC3E}">
-        <p14:creationId xmlns:p14="http://schemas.microsoft.com/office/powerpoint/2010/main" val="1118954411"/>
+        <p14:creationId xmlns:p14="http://schemas.microsoft.com/office/powerpoint/2010/main" val="1998125518"/>
       </p:ext>
     </p:extLst>
   </p:cSld>
@@ -4822,57 +4764,7 @@
           <a:p>
             <a:r>
               <a:rPr lang="ru-RU" dirty="0"/>
-              <a:t>Самый простой подход к связыванию символов</a:t>
-            </a:r>
-            <a:r>
-              <a:rPr lang="en-US" dirty="0"/>
-              <a:t>: </a:t>
-            </a:r>
-            <a:r>
-              <a:rPr lang="ru-RU" dirty="0"/>
-              <a:t>оптимизация размера соответсвующих таблиц поиска. Обычно рекомендуется использовать две опции</a:t>
-            </a:r>
-            <a:r>
-              <a:rPr lang="en-US" dirty="0"/>
-              <a:t>: hash-style </a:t>
-            </a:r>
-            <a:r>
-              <a:rPr lang="ru-RU" dirty="0"/>
-              <a:t>и </a:t>
-            </a:r>
-            <a:r>
-              <a:rPr lang="en-US" dirty="0"/>
-              <a:t>O1. </a:t>
-            </a:r>
-            <a:r>
-              <a:rPr lang="ru-RU" dirty="0"/>
-              <a:t>Первая из них уже по умолчанию включена в современных дистрибутивах (</a:t>
-            </a:r>
-            <a:r>
-              <a:rPr lang="en-US" dirty="0"/>
-              <a:t>RHEL </a:t>
-            </a:r>
-            <a:r>
-              <a:rPr lang="ru-RU" dirty="0"/>
-              <a:t>и </a:t>
-            </a:r>
-            <a:r>
-              <a:rPr lang="en-US" dirty="0"/>
-              <a:t>Ubuntu)</a:t>
-            </a:r>
-            <a:r>
-              <a:rPr lang="ru-RU" dirty="0"/>
-              <a:t>, а вторая по моим замерам не оказывает существенного влияния на производительность.</a:t>
-            </a:r>
-            <a:endParaRPr lang="en-US" dirty="0"/>
-          </a:p>
-          <a:p>
-            <a:endParaRPr lang="en-US" dirty="0"/>
-          </a:p>
-          <a:p>
-            <a:r>
-              <a:rPr lang="ru-RU" dirty="0"/>
-              <a:t>Резюмируя данный слайд можно сказать что дефолтные настройки тулчейнов в данном контексте оптимальны.</a:t>
+              <a:t>Обратимся теперь к накладным расходам на связывание символов.</a:t>
             </a:r>
             <a:endParaRPr lang="en-US" dirty="0"/>
           </a:p>
@@ -4895,7 +4787,7 @@
           <a:p>
             <a:fld id="{3AC94D10-082F-46D7-A834-266F9222130F}" type="slidenum">
               <a:rPr lang="en-US" smtClean="0"/>
-              <a:t>47</a:t>
+              <a:t>45</a:t>
             </a:fld>
             <a:endParaRPr lang="en-US"/>
           </a:p>
@@ -4904,7 +4796,7 @@
     </p:spTree>
     <p:extLst>
       <p:ext uri="{BB962C8B-B14F-4D97-AF65-F5344CB8AC3E}">
-        <p14:creationId xmlns:p14="http://schemas.microsoft.com/office/powerpoint/2010/main" val="1525720301"/>
+        <p14:creationId xmlns:p14="http://schemas.microsoft.com/office/powerpoint/2010/main" val="3397731765"/>
       </p:ext>
     </p:extLst>
   </p:cSld>
@@ -4960,32 +4852,19 @@
           <a:p>
             <a:r>
               <a:rPr lang="ru-RU" dirty="0"/>
-              <a:t>Мы уже упоминали что ленивое связывание на </a:t>
-            </a:r>
-            <a:r>
-              <a:rPr lang="en-US" dirty="0"/>
-              <a:t>Linux </a:t>
-            </a:r>
-            <a:r>
-              <a:rPr lang="ru-RU" dirty="0"/>
-              <a:t>добавляет лишний вызов заглушки при вызове библиотечной функции.</a:t>
-            </a:r>
-          </a:p>
-          <a:p>
-            <a:endParaRPr lang="ru-RU" dirty="0"/>
-          </a:p>
-          <a:p>
-            <a:r>
-              <a:rPr lang="ru-RU" dirty="0"/>
-              <a:t>Современные </a:t>
-            </a:r>
-            <a:r>
-              <a:rPr lang="en-US" dirty="0" err="1"/>
-              <a:t>gcc</a:t>
-            </a:r>
-            <a:r>
-              <a:rPr lang="en-US" dirty="0"/>
-              <a:t> </a:t>
+              <a:t>Самый простой подход к связыванию символов</a:t>
+            </a:r>
+            <a:r>
+              <a:rPr lang="en-US" dirty="0"/>
+              <a:t>: </a:t>
+            </a:r>
+            <a:r>
+              <a:rPr lang="ru-RU" dirty="0"/>
+              <a:t>оптимизация размера соответсвующих таблиц поиска. Обычно рекомендуется использовать две опции</a:t>
+            </a:r>
+            <a:r>
+              <a:rPr lang="en-US" dirty="0"/>
+              <a:t>: hash-style </a:t>
             </a:r>
             <a:r>
               <a:rPr lang="ru-RU" dirty="0"/>
@@ -4993,77 +4872,37 @@
             </a:r>
             <a:r>
               <a:rPr lang="en-US" dirty="0"/>
-              <a:t>clang </a:t>
-            </a:r>
-            <a:r>
-              <a:rPr lang="ru-RU" dirty="0"/>
-              <a:t>позволяют избежать этого с помощью специальной опции компиляции</a:t>
-            </a:r>
-            <a:r>
-              <a:rPr lang="en-US" dirty="0"/>
-              <a:t> –</a:t>
-            </a:r>
-            <a:r>
-              <a:rPr lang="en-US" dirty="0" err="1"/>
-              <a:t>fno-plt</a:t>
-            </a:r>
-            <a:r>
-              <a:rPr lang="en-US" dirty="0"/>
-              <a:t>.</a:t>
-            </a:r>
-          </a:p>
-          <a:p>
+              <a:t>O1. </a:t>
+            </a:r>
+            <a:r>
+              <a:rPr lang="ru-RU" dirty="0"/>
+              <a:t>Первая из них уже по умолчанию включена в современных дистрибутивах (</a:t>
+            </a:r>
+            <a:r>
+              <a:rPr lang="en-US" dirty="0"/>
+              <a:t>RHEL </a:t>
+            </a:r>
+            <a:r>
+              <a:rPr lang="ru-RU" dirty="0"/>
+              <a:t>и </a:t>
+            </a:r>
+            <a:r>
+              <a:rPr lang="en-US" dirty="0"/>
+              <a:t>Ubuntu)</a:t>
+            </a:r>
+            <a:r>
+              <a:rPr lang="ru-RU" dirty="0"/>
+              <a:t>, а вторая по моим замерам не оказывает существенного влияния на производительность.</a:t>
+            </a:r>
             <a:endParaRPr lang="en-US" dirty="0"/>
           </a:p>
           <a:p>
-            <a:r>
-              <a:rPr lang="ru-RU" dirty="0"/>
-              <a:t>Её использование замедлит загрузку </a:t>
-            </a:r>
-            <a:r>
-              <a:rPr lang="en-US" dirty="0"/>
-              <a:t>DLL</a:t>
-            </a:r>
-            <a:r>
-              <a:rPr lang="ru-RU" dirty="0"/>
-              <a:t>, т.к. теперь все функции потребуется разрешить и связать на старте программы, но с другой стороны ускорит работу программы в дальнейшем, т.к. избавится от </a:t>
-            </a:r>
-            <a:r>
-              <a:rPr lang="en-US" dirty="0"/>
-              <a:t>PLT-</a:t>
-            </a:r>
-            <a:r>
-              <a:rPr lang="ru-RU" dirty="0"/>
-              <a:t>заглушки</a:t>
-            </a:r>
-            <a:r>
-              <a:rPr lang="en-US" dirty="0"/>
-              <a:t>.</a:t>
-            </a:r>
-          </a:p>
-          <a:p>
             <a:endParaRPr lang="en-US" dirty="0"/>
           </a:p>
           <a:p>
             <a:r>
               <a:rPr lang="ru-RU" dirty="0"/>
-              <a:t>Также этот флаг позволит загружать адрес функции из таблицы </a:t>
-            </a:r>
-            <a:r>
-              <a:rPr lang="en-US" dirty="0"/>
-              <a:t>GOT </a:t>
-            </a:r>
-            <a:r>
-              <a:rPr lang="ru-RU" dirty="0"/>
-              <a:t>только один раз на несколько вызовов одной и той же функции</a:t>
-            </a:r>
-            <a:r>
-              <a:rPr lang="en-US" dirty="0"/>
-              <a:t>, </a:t>
-            </a:r>
-            <a:r>
-              <a:rPr lang="ru-RU" dirty="0"/>
-              <a:t>т.е. сократит количество обращений в память.</a:t>
+              <a:t>Резюмируя данный слайд можно сказать что дефолтные настройки тулчейнов в данном контексте оптимальны.</a:t>
             </a:r>
             <a:endParaRPr lang="en-US" dirty="0"/>
           </a:p>
@@ -5086,7 +4925,7 @@
           <a:p>
             <a:fld id="{3AC94D10-082F-46D7-A834-266F9222130F}" type="slidenum">
               <a:rPr lang="en-US" smtClean="0"/>
-              <a:t>48</a:t>
+              <a:t>46</a:t>
             </a:fld>
             <a:endParaRPr lang="en-US"/>
           </a:p>
@@ -5095,7 +4934,7 @@
     </p:spTree>
     <p:extLst>
       <p:ext uri="{BB962C8B-B14F-4D97-AF65-F5344CB8AC3E}">
-        <p14:creationId xmlns:p14="http://schemas.microsoft.com/office/powerpoint/2010/main" val="305821099"/>
+        <p14:creationId xmlns:p14="http://schemas.microsoft.com/office/powerpoint/2010/main" val="1118954411"/>
       </p:ext>
     </p:extLst>
   </p:cSld>
@@ -5149,6 +4988,60 @@
           <a:bodyPr/>
           <a:lstStyle/>
           <a:p>
+            <a:r>
+              <a:rPr lang="ru-RU" dirty="0"/>
+              <a:t>Самый простой подход к связыванию символов</a:t>
+            </a:r>
+            <a:r>
+              <a:rPr lang="en-US" dirty="0"/>
+              <a:t>: </a:t>
+            </a:r>
+            <a:r>
+              <a:rPr lang="ru-RU" dirty="0"/>
+              <a:t>оптимизация размера соответсвующих таблиц поиска. Обычно рекомендуется использовать две опции</a:t>
+            </a:r>
+            <a:r>
+              <a:rPr lang="en-US" dirty="0"/>
+              <a:t>: hash-style </a:t>
+            </a:r>
+            <a:r>
+              <a:rPr lang="ru-RU" dirty="0"/>
+              <a:t>и </a:t>
+            </a:r>
+            <a:r>
+              <a:rPr lang="en-US" dirty="0"/>
+              <a:t>O1. </a:t>
+            </a:r>
+            <a:r>
+              <a:rPr lang="ru-RU" dirty="0"/>
+              <a:t>Первая из них уже по умолчанию включена в современных дистрибутивах (</a:t>
+            </a:r>
+            <a:r>
+              <a:rPr lang="en-US" dirty="0"/>
+              <a:t>RHEL </a:t>
+            </a:r>
+            <a:r>
+              <a:rPr lang="ru-RU" dirty="0"/>
+              <a:t>и </a:t>
+            </a:r>
+            <a:r>
+              <a:rPr lang="en-US" dirty="0"/>
+              <a:t>Ubuntu)</a:t>
+            </a:r>
+            <a:r>
+              <a:rPr lang="ru-RU" dirty="0"/>
+              <a:t>, а вторая по моим замерам не оказывает существенного влияния на производительность.</a:t>
+            </a:r>
+            <a:endParaRPr lang="en-US" dirty="0"/>
+          </a:p>
+          <a:p>
+            <a:endParaRPr lang="en-US" dirty="0"/>
+          </a:p>
+          <a:p>
+            <a:r>
+              <a:rPr lang="ru-RU" dirty="0"/>
+              <a:t>Резюмируя данный слайд можно сказать что дефолтные настройки тулчейнов в данном контексте оптимальны.</a:t>
+            </a:r>
             <a:endParaRPr lang="en-US" dirty="0"/>
           </a:p>
         </p:txBody>
@@ -5170,7 +5063,7 @@
           <a:p>
             <a:fld id="{3AC94D10-082F-46D7-A834-266F9222130F}" type="slidenum">
               <a:rPr lang="en-US" smtClean="0"/>
-              <a:t>49</a:t>
+              <a:t>47</a:t>
             </a:fld>
             <a:endParaRPr lang="en-US"/>
           </a:p>
@@ -5179,7 +5072,7 @@
     </p:spTree>
     <p:extLst>
       <p:ext uri="{BB962C8B-B14F-4D97-AF65-F5344CB8AC3E}">
-        <p14:creationId xmlns:p14="http://schemas.microsoft.com/office/powerpoint/2010/main" val="3696372151"/>
+        <p14:creationId xmlns:p14="http://schemas.microsoft.com/office/powerpoint/2010/main" val="1525720301"/>
       </p:ext>
     </p:extLst>
   </p:cSld>
@@ -5233,6 +5126,113 @@
           <a:bodyPr/>
           <a:lstStyle/>
           <a:p>
+            <a:r>
+              <a:rPr lang="ru-RU" dirty="0"/>
+              <a:t>Мы уже упоминали что ленивое связывание на </a:t>
+            </a:r>
+            <a:r>
+              <a:rPr lang="en-US" dirty="0"/>
+              <a:t>Linux </a:t>
+            </a:r>
+            <a:r>
+              <a:rPr lang="ru-RU" dirty="0"/>
+              <a:t>добавляет лишний вызов заглушки при вызове библиотечной функции.</a:t>
+            </a:r>
+          </a:p>
+          <a:p>
+            <a:endParaRPr lang="ru-RU" dirty="0"/>
+          </a:p>
+          <a:p>
+            <a:r>
+              <a:rPr lang="ru-RU" dirty="0"/>
+              <a:t>Современные </a:t>
+            </a:r>
+            <a:r>
+              <a:rPr lang="en-US" dirty="0" err="1"/>
+              <a:t>gcc</a:t>
+            </a:r>
+            <a:r>
+              <a:rPr lang="en-US" dirty="0"/>
+              <a:t> </a:t>
+            </a:r>
+            <a:r>
+              <a:rPr lang="ru-RU" dirty="0"/>
+              <a:t>и </a:t>
+            </a:r>
+            <a:r>
+              <a:rPr lang="en-US" dirty="0"/>
+              <a:t>clang </a:t>
+            </a:r>
+            <a:r>
+              <a:rPr lang="ru-RU" dirty="0"/>
+              <a:t>позволяют избежать этого с помощью специальной опции компиляции</a:t>
+            </a:r>
+            <a:r>
+              <a:rPr lang="en-US" dirty="0"/>
+              <a:t> –</a:t>
+            </a:r>
+            <a:r>
+              <a:rPr lang="en-US" dirty="0" err="1"/>
+              <a:t>fno-plt</a:t>
+            </a:r>
+            <a:r>
+              <a:rPr lang="en-US" dirty="0"/>
+              <a:t>.</a:t>
+            </a:r>
+          </a:p>
+          <a:p>
+            <a:endParaRPr lang="en-US" dirty="0"/>
+          </a:p>
+          <a:p>
+            <a:r>
+              <a:rPr lang="ru-RU" dirty="0"/>
+              <a:t>Её использование замедлит загрузку </a:t>
+            </a:r>
+            <a:r>
+              <a:rPr lang="en-US" dirty="0"/>
+              <a:t>DLL</a:t>
+            </a:r>
+            <a:r>
+              <a:rPr lang="ru-RU" dirty="0"/>
+              <a:t>, т.к. теперь все функции потребуется разрешить и связать на старте программы, но с другой стороны ускорит работу программы в дальнейшем, т.к. избавится от </a:t>
+            </a:r>
+            <a:r>
+              <a:rPr lang="en-US" dirty="0"/>
+              <a:t>PLT-</a:t>
+            </a:r>
+            <a:r>
+              <a:rPr lang="ru-RU" dirty="0"/>
+              <a:t>заглушки</a:t>
+            </a:r>
+            <a:r>
+              <a:rPr lang="en-US" dirty="0"/>
+              <a:t>.</a:t>
+            </a:r>
+          </a:p>
+          <a:p>
+            <a:endParaRPr lang="en-US" dirty="0"/>
+          </a:p>
+          <a:p>
+            <a:r>
+              <a:rPr lang="ru-RU" dirty="0"/>
+              <a:t>Также этот флаг позволит загружать адрес функции из таблицы </a:t>
+            </a:r>
+            <a:r>
+              <a:rPr lang="en-US" dirty="0"/>
+              <a:t>GOT </a:t>
+            </a:r>
+            <a:r>
+              <a:rPr lang="ru-RU" dirty="0"/>
+              <a:t>только один раз на несколько вызовов одной и той же функции</a:t>
+            </a:r>
+            <a:r>
+              <a:rPr lang="en-US" dirty="0"/>
+              <a:t>, </a:t>
+            </a:r>
+            <a:r>
+              <a:rPr lang="ru-RU" dirty="0"/>
+              <a:t>т.е. сократит количество обращений в память.</a:t>
+            </a:r>
             <a:endParaRPr lang="en-US" dirty="0"/>
           </a:p>
         </p:txBody>
@@ -5254,7 +5254,7 @@
           <a:p>
             <a:fld id="{3AC94D10-082F-46D7-A834-266F9222130F}" type="slidenum">
               <a:rPr lang="en-US" smtClean="0"/>
-              <a:t>50</a:t>
+              <a:t>48</a:t>
             </a:fld>
             <a:endParaRPr lang="en-US"/>
           </a:p>
@@ -5263,7 +5263,7 @@
     </p:spTree>
     <p:extLst>
       <p:ext uri="{BB962C8B-B14F-4D97-AF65-F5344CB8AC3E}">
-        <p14:creationId xmlns:p14="http://schemas.microsoft.com/office/powerpoint/2010/main" val="1863594613"/>
+        <p14:creationId xmlns:p14="http://schemas.microsoft.com/office/powerpoint/2010/main" val="305821099"/>
       </p:ext>
     </p:extLst>
   </p:cSld>
@@ -5317,24 +5317,7 @@
           <a:bodyPr/>
           <a:lstStyle/>
           <a:p>
-            <a:r>
-              <a:rPr lang="ru-RU" dirty="0"/>
-              <a:t>Перейдём наконец к последнему пункту в списке накладных расходов. А именно рассмотрим как можно ускорить вызовы библиотечных функций.</a:t>
-            </a:r>
             <a:endParaRPr lang="en-US" dirty="0"/>
-          </a:p>
-          <a:p>
-            <a:endParaRPr lang="en-US" dirty="0"/>
-          </a:p>
-          <a:p>
-            <a:r>
-              <a:rPr lang="ru-RU" dirty="0"/>
-              <a:t>Эта часть в основном будет посвящена </a:t>
-            </a:r>
-            <a:r>
-              <a:rPr lang="en-US" dirty="0"/>
-              <a:t>Linux.</a:t>
-            </a:r>
           </a:p>
         </p:txBody>
       </p:sp>
@@ -5355,7 +5338,7 @@
           <a:p>
             <a:fld id="{3AC94D10-082F-46D7-A834-266F9222130F}" type="slidenum">
               <a:rPr lang="en-US" smtClean="0"/>
-              <a:t>51</a:t>
+              <a:t>49</a:t>
             </a:fld>
             <a:endParaRPr lang="en-US"/>
           </a:p>
@@ -5364,7 +5347,7 @@
     </p:spTree>
     <p:extLst>
       <p:ext uri="{BB962C8B-B14F-4D97-AF65-F5344CB8AC3E}">
-        <p14:creationId xmlns:p14="http://schemas.microsoft.com/office/powerpoint/2010/main" val="3270444806"/>
+        <p14:creationId xmlns:p14="http://schemas.microsoft.com/office/powerpoint/2010/main" val="3696372151"/>
       </p:ext>
     </p:extLst>
   </p:cSld>
@@ -5418,53 +5401,6 @@
           <a:bodyPr/>
           <a:lstStyle/>
           <a:p>
-            <a:r>
-              <a:rPr lang="ru-RU" dirty="0"/>
-              <a:t>Дело в том что на </a:t>
-            </a:r>
-            <a:r>
-              <a:rPr lang="en-US" dirty="0"/>
-              <a:t>Linux </a:t>
-            </a:r>
-            <a:r>
-              <a:rPr lang="ru-RU" dirty="0"/>
-              <a:t>все библиотечные функции по умолчанию являются экспортируемыми (для того чтобы </a:t>
-            </a:r>
-            <a:r>
-              <a:rPr lang="en-US" dirty="0"/>
-              <a:t>DLL </a:t>
-            </a:r>
-            <a:r>
-              <a:rPr lang="ru-RU" dirty="0"/>
-              <a:t>были более похожи на статические библиотеки).</a:t>
-            </a:r>
-            <a:endParaRPr lang="en-US" dirty="0"/>
-          </a:p>
-          <a:p>
-            <a:endParaRPr lang="ru-RU" dirty="0"/>
-          </a:p>
-          <a:p>
-            <a:r>
-              <a:rPr lang="ru-RU" dirty="0"/>
-              <a:t>Это приводит к тому что вызовы функций даже внутри библиотеки делаются не напрямую, а через таблицу диспетчеризации, с соответствующими накладными расходами</a:t>
-            </a:r>
-            <a:r>
-              <a:rPr lang="en-US" dirty="0"/>
-              <a:t> </a:t>
-            </a:r>
-            <a:r>
-              <a:rPr lang="ru-RU" dirty="0"/>
-              <a:t>на косвенные вызовы.</a:t>
-            </a:r>
-          </a:p>
-          <a:p>
-            <a:endParaRPr lang="ru-RU" dirty="0"/>
-          </a:p>
-          <a:p>
-            <a:r>
-              <a:rPr lang="ru-RU" dirty="0"/>
-              <a:t>Кроме того из-за того что функции экспортируются возникает возможность их перехвата и компилятору приходится это учитывать и существенно ограничивать оптимизации.</a:t>
-            </a:r>
             <a:endParaRPr lang="en-US" dirty="0"/>
           </a:p>
         </p:txBody>
@@ -5486,7 +5422,7 @@
           <a:p>
             <a:fld id="{3AC94D10-082F-46D7-A834-266F9222130F}" type="slidenum">
               <a:rPr lang="en-US" smtClean="0"/>
-              <a:t>52</a:t>
+              <a:t>50</a:t>
             </a:fld>
             <a:endParaRPr lang="en-US"/>
           </a:p>
@@ -5495,7 +5431,7 @@
     </p:spTree>
     <p:extLst>
       <p:ext uri="{BB962C8B-B14F-4D97-AF65-F5344CB8AC3E}">
-        <p14:creationId xmlns:p14="http://schemas.microsoft.com/office/powerpoint/2010/main" val="1185757282"/>
+        <p14:creationId xmlns:p14="http://schemas.microsoft.com/office/powerpoint/2010/main" val="1863594613"/>
       </p:ext>
     </p:extLst>
   </p:cSld>
@@ -5551,57 +5487,22 @@
           <a:p>
             <a:r>
               <a:rPr lang="ru-RU" dirty="0"/>
-              <a:t>На данном слайде можно видеть пример отмены оптимизации</a:t>
-            </a:r>
-            <a:r>
-              <a:rPr lang="en-US" dirty="0"/>
-              <a:t>: </a:t>
-            </a:r>
-            <a:r>
-              <a:rPr lang="ru-RU" dirty="0"/>
-              <a:t>компилятор не может</a:t>
-            </a:r>
-            <a:r>
-              <a:rPr lang="en-US" dirty="0"/>
-              <a:t> </a:t>
-            </a:r>
-            <a:r>
-              <a:rPr lang="ru-RU" dirty="0"/>
-              <a:t>встроить вызов </a:t>
-            </a:r>
-            <a:r>
-              <a:rPr lang="en-US" dirty="0"/>
-              <a:t>foo </a:t>
-            </a:r>
-            <a:r>
-              <a:rPr lang="ru-RU" dirty="0"/>
-              <a:t>в </a:t>
-            </a:r>
-            <a:r>
-              <a:rPr lang="en-US" dirty="0"/>
-              <a:t>bar </a:t>
-            </a:r>
-            <a:r>
-              <a:rPr lang="ru-RU" dirty="0"/>
-              <a:t>из-за того что </a:t>
-            </a:r>
-            <a:r>
-              <a:rPr lang="en-US" dirty="0"/>
-              <a:t>foo </a:t>
-            </a:r>
-            <a:r>
-              <a:rPr lang="ru-RU" dirty="0"/>
-              <a:t>может быть перехвачена в рантайме</a:t>
-            </a:r>
-            <a:r>
-              <a:rPr lang="en-US" dirty="0"/>
-              <a:t> (</a:t>
-            </a:r>
-            <a:r>
-              <a:rPr lang="ru-RU" dirty="0"/>
-              <a:t>и соответственно её семантика может быть изменена).</a:t>
+              <a:t>Перейдём наконец к последнему пункту в списке накладных расходов. А именно рассмотрим как можно ускорить вызовы библиотечных функций.</a:t>
             </a:r>
             <a:endParaRPr lang="en-US" dirty="0"/>
+          </a:p>
+          <a:p>
+            <a:endParaRPr lang="en-US" dirty="0"/>
+          </a:p>
+          <a:p>
+            <a:r>
+              <a:rPr lang="ru-RU" dirty="0"/>
+              <a:t>Эта часть в основном будет посвящена </a:t>
+            </a:r>
+            <a:r>
+              <a:rPr lang="en-US" dirty="0"/>
+              <a:t>Linux.</a:t>
+            </a:r>
           </a:p>
         </p:txBody>
       </p:sp>
@@ -5622,7 +5523,7 @@
           <a:p>
             <a:fld id="{3AC94D10-082F-46D7-A834-266F9222130F}" type="slidenum">
               <a:rPr lang="en-US" smtClean="0"/>
-              <a:t>53</a:t>
+              <a:t>51</a:t>
             </a:fld>
             <a:endParaRPr lang="en-US"/>
           </a:p>
@@ -5631,7 +5532,7 @@
     </p:spTree>
     <p:extLst>
       <p:ext uri="{BB962C8B-B14F-4D97-AF65-F5344CB8AC3E}">
-        <p14:creationId xmlns:p14="http://schemas.microsoft.com/office/powerpoint/2010/main" val="2752840744"/>
+        <p14:creationId xmlns:p14="http://schemas.microsoft.com/office/powerpoint/2010/main" val="3270444806"/>
       </p:ext>
     </p:extLst>
   </p:cSld>
@@ -5687,8 +5588,25 @@
           <a:p>
             <a:r>
               <a:rPr lang="ru-RU" dirty="0"/>
-              <a:t>Бороться с таким неэффективным поведением можно несколькими способами.</a:t>
-            </a:r>
+              <a:t>Дело в том что на </a:t>
+            </a:r>
+            <a:r>
+              <a:rPr lang="en-US" dirty="0"/>
+              <a:t>Linux </a:t>
+            </a:r>
+            <a:r>
+              <a:rPr lang="ru-RU" dirty="0"/>
+              <a:t>все библиотечные функции по умолчанию являются экспортируемыми (для того чтобы </a:t>
+            </a:r>
+            <a:r>
+              <a:rPr lang="en-US" dirty="0"/>
+              <a:t>DLL </a:t>
+            </a:r>
+            <a:r>
+              <a:rPr lang="ru-RU" dirty="0"/>
+              <a:t>были более похожи на статические библиотеки).</a:t>
+            </a:r>
+            <a:endParaRPr lang="en-US" dirty="0"/>
           </a:p>
           <a:p>
             <a:endParaRPr lang="ru-RU" dirty="0"/>
@@ -5696,61 +5614,24 @@
           <a:p>
             <a:r>
               <a:rPr lang="ru-RU" dirty="0"/>
-              <a:t>Во-первых есть специальные флаги компиляции</a:t>
-            </a:r>
-            <a:r>
-              <a:rPr lang="en-US" dirty="0"/>
-              <a:t>: </a:t>
-            </a:r>
-            <a:r>
-              <a:rPr lang="ru-RU" dirty="0"/>
-              <a:t>один, </a:t>
-            </a:r>
-            <a:r>
-              <a:rPr lang="en-US" dirty="0"/>
-              <a:t>-</a:t>
-            </a:r>
-            <a:r>
-              <a:rPr lang="en-US" dirty="0" err="1"/>
-              <a:t>Bsymbolic</a:t>
-            </a:r>
-            <a:r>
-              <a:rPr lang="ru-RU" dirty="0"/>
-              <a:t>, для линковки, чтобы вместо косвенных вызовы внутренних функций </a:t>
-            </a:r>
-            <a:r>
-              <a:rPr lang="en-US" dirty="0"/>
-              <a:t>DLL </a:t>
-            </a:r>
-            <a:r>
-              <a:rPr lang="ru-RU" dirty="0"/>
-              <a:t>использовать прямые. А второй</a:t>
-            </a:r>
-            <a:r>
-              <a:rPr lang="en-US" dirty="0"/>
-              <a:t>, -</a:t>
-            </a:r>
-            <a:r>
-              <a:rPr lang="en-US" dirty="0" err="1"/>
-              <a:t>fno</a:t>
-            </a:r>
-            <a:r>
-              <a:rPr lang="en-US" dirty="0"/>
-              <a:t>-semantic-interposition, </a:t>
-            </a:r>
-            <a:r>
-              <a:rPr lang="ru-RU" dirty="0"/>
-              <a:t>чтобы позволить компилятору при оптимизации игнорировать возможность перехвата функций.</a:t>
-            </a:r>
-            <a:endParaRPr lang="en-US" dirty="0"/>
-          </a:p>
-          <a:p>
-            <a:endParaRPr lang="en-US" dirty="0"/>
-          </a:p>
-          <a:p>
-            <a:r>
-              <a:rPr lang="ru-RU" dirty="0"/>
-              <a:t>Для оптимальной производительности требуется включить оба флага.</a:t>
+              <a:t>Это приводит к тому что вызовы функций даже внутри библиотеки делаются не напрямую, а через таблицу диспетчеризации, с соответствующими накладными расходами</a:t>
+            </a:r>
+            <a:r>
+              <a:rPr lang="en-US" dirty="0"/>
+              <a:t> </a:t>
+            </a:r>
+            <a:r>
+              <a:rPr lang="ru-RU" dirty="0"/>
+              <a:t>на косвенные вызовы.</a:t>
+            </a:r>
+          </a:p>
+          <a:p>
+            <a:endParaRPr lang="ru-RU" dirty="0"/>
+          </a:p>
+          <a:p>
+            <a:r>
+              <a:rPr lang="ru-RU" dirty="0"/>
+              <a:t>Кроме того из-за того что функции экспортируются возникает возможность их перехвата и компилятору приходится это учитывать и существенно ограничивать оптимизации.</a:t>
             </a:r>
             <a:endParaRPr lang="en-US" dirty="0"/>
           </a:p>
@@ -5773,7 +5654,7 @@
           <a:p>
             <a:fld id="{3AC94D10-082F-46D7-A834-266F9222130F}" type="slidenum">
               <a:rPr lang="en-US" smtClean="0"/>
-              <a:t>54</a:t>
+              <a:t>52</a:t>
             </a:fld>
             <a:endParaRPr lang="en-US"/>
           </a:p>
@@ -5782,7 +5663,7 @@
     </p:spTree>
     <p:extLst>
       <p:ext uri="{BB962C8B-B14F-4D97-AF65-F5344CB8AC3E}">
-        <p14:creationId xmlns:p14="http://schemas.microsoft.com/office/powerpoint/2010/main" val="3733641060"/>
+        <p14:creationId xmlns:p14="http://schemas.microsoft.com/office/powerpoint/2010/main" val="1185757282"/>
       </p:ext>
     </p:extLst>
   </p:cSld>
@@ -5953,24 +5834,15 @@
           <a:p>
             <a:r>
               <a:rPr lang="ru-RU" dirty="0"/>
-              <a:t>Помимо использования флагов есть второй, более традиционный способ, который заключается в сокращении интерфейса библиотеки, т.е. уменьшении количества функций, которые она экспортирует.</a:t>
-            </a:r>
-          </a:p>
-          <a:p>
-            <a:endParaRPr lang="ru-RU" dirty="0"/>
-          </a:p>
-          <a:p>
-            <a:r>
-              <a:rPr lang="ru-RU" dirty="0"/>
-              <a:t>Суть его заключается в том, что мы явно помечаем экспортируемые функции специальным атрибутом </a:t>
-            </a:r>
-            <a:r>
-              <a:rPr lang="en-US" dirty="0"/>
-              <a:t>visibility</a:t>
-            </a:r>
-            <a:r>
-              <a:rPr lang="ru-RU" dirty="0"/>
-              <a:t>, а все остальные символы делаем внутренними</a:t>
+              <a:t>На данном слайде можно видеть пример отмены оптимизации</a:t>
+            </a:r>
+            <a:r>
+              <a:rPr lang="en-US" dirty="0"/>
+              <a:t>: </a:t>
+            </a:r>
+            <a:r>
+              <a:rPr lang="ru-RU" dirty="0"/>
+              <a:t>компилятор не может</a:t>
             </a:r>
             <a:r>
               <a:rPr lang="en-US" dirty="0"/>
@@ -5978,23 +5850,31 @@
             </a:r>
             <a:r>
               <a:rPr lang="ru-RU" dirty="0"/>
-              <a:t>с помощью флага. Соответственно для всех скрытых, неэкспортируемых функций </a:t>
-            </a:r>
-            <a:r>
-              <a:rPr lang="en-US" dirty="0"/>
-              <a:t>(</a:t>
-            </a:r>
-            <a:r>
-              <a:rPr lang="ru-RU" dirty="0"/>
-              <a:t>которых гораздо больше</a:t>
-            </a:r>
-            <a:r>
-              <a:rPr lang="en-US" dirty="0"/>
-              <a:t>) </a:t>
-            </a:r>
-            <a:r>
-              <a:rPr lang="ru-RU" dirty="0"/>
-              <a:t>компилятор сможет применять более агрессивные оптимизации и при генерации кода использовать прямые вызовы</a:t>
+              <a:t>встроить вызов </a:t>
+            </a:r>
+            <a:r>
+              <a:rPr lang="en-US" dirty="0"/>
+              <a:t>foo </a:t>
+            </a:r>
+            <a:r>
+              <a:rPr lang="ru-RU" dirty="0"/>
+              <a:t>в </a:t>
+            </a:r>
+            <a:r>
+              <a:rPr lang="en-US" dirty="0"/>
+              <a:t>bar </a:t>
+            </a:r>
+            <a:r>
+              <a:rPr lang="ru-RU" dirty="0"/>
+              <a:t>из-за того что </a:t>
+            </a:r>
+            <a:r>
+              <a:rPr lang="en-US" dirty="0"/>
+              <a:t>foo </a:t>
+            </a:r>
+            <a:r>
+              <a:rPr lang="ru-RU" dirty="0"/>
+              <a:t>может быть перехвачена в рантайме</a:t>
             </a:r>
             <a:r>
               <a:rPr lang="en-US" dirty="0"/>
@@ -6002,25 +5882,7 @@
             </a:r>
             <a:r>
               <a:rPr lang="ru-RU" dirty="0"/>
-              <a:t>вместо косвенных).</a:t>
-            </a:r>
-            <a:endParaRPr lang="en-US" dirty="0"/>
-          </a:p>
-          <a:p>
-            <a:endParaRPr lang="en-US" dirty="0"/>
-          </a:p>
-          <a:p>
-            <a:r>
-              <a:rPr lang="ru-RU" dirty="0"/>
-              <a:t>Помимо оптимизации у этого подхода есть ещё одно преимущество</a:t>
-            </a:r>
-            <a:r>
-              <a:rPr lang="en-US" dirty="0"/>
-              <a:t>: </a:t>
-            </a:r>
-            <a:r>
-              <a:rPr lang="ru-RU" dirty="0"/>
-              <a:t>мы скрываем от пользователя внутренние детали реализации библиотеки и не даём возможности использовать её недокументированным образом.</a:t>
+              <a:t>и соответственно её семантика может быть изменена).</a:t>
             </a:r>
             <a:endParaRPr lang="en-US" dirty="0"/>
           </a:p>
@@ -6043,7 +5905,7 @@
           <a:p>
             <a:fld id="{3AC94D10-082F-46D7-A834-266F9222130F}" type="slidenum">
               <a:rPr lang="en-US" smtClean="0"/>
-              <a:t>56</a:t>
+              <a:t>53</a:t>
             </a:fld>
             <a:endParaRPr lang="en-US"/>
           </a:p>
@@ -6052,7 +5914,7 @@
     </p:spTree>
     <p:extLst>
       <p:ext uri="{BB962C8B-B14F-4D97-AF65-F5344CB8AC3E}">
-        <p14:creationId xmlns:p14="http://schemas.microsoft.com/office/powerpoint/2010/main" val="1530341260"/>
+        <p14:creationId xmlns:p14="http://schemas.microsoft.com/office/powerpoint/2010/main" val="2752840744"/>
       </p:ext>
     </p:extLst>
   </p:cSld>
@@ -6108,23 +5970,7 @@
           <a:p>
             <a:r>
               <a:rPr lang="ru-RU" dirty="0"/>
-              <a:t>Если вы захотите применить оптимизацию сокрытия символов к большой кодовой базе, например к дистрибутиву </a:t>
-            </a:r>
-            <a:r>
-              <a:rPr lang="en-US" dirty="0"/>
-              <a:t>Linux, </a:t>
-            </a:r>
-            <a:r>
-              <a:rPr lang="ru-RU" dirty="0"/>
-              <a:t>то придётся вручную</a:t>
-            </a:r>
-            <a:r>
-              <a:rPr lang="en-US" dirty="0"/>
-              <a:t> </a:t>
-            </a:r>
-            <a:r>
-              <a:rPr lang="ru-RU" dirty="0"/>
-              <a:t>по очереди анализировать каждую библиотеку на предмет того экспортируются ли из неё ненужные символы и если да, то какие.</a:t>
+              <a:t>Бороться с таким неэффективным поведением можно несколькими способами.</a:t>
             </a:r>
           </a:p>
           <a:p>
@@ -6133,7 +5979,61 @@
           <a:p>
             <a:r>
               <a:rPr lang="ru-RU" dirty="0"/>
-              <a:t>Эту задачу можно упростить с помощью автоматизации.</a:t>
+              <a:t>Во-первых есть специальные флаги компиляции</a:t>
+            </a:r>
+            <a:r>
+              <a:rPr lang="en-US" dirty="0"/>
+              <a:t>: </a:t>
+            </a:r>
+            <a:r>
+              <a:rPr lang="ru-RU" dirty="0"/>
+              <a:t>один, </a:t>
+            </a:r>
+            <a:r>
+              <a:rPr lang="en-US" dirty="0"/>
+              <a:t>-</a:t>
+            </a:r>
+            <a:r>
+              <a:rPr lang="en-US" dirty="0" err="1"/>
+              <a:t>Bsymbolic</a:t>
+            </a:r>
+            <a:r>
+              <a:rPr lang="ru-RU" dirty="0"/>
+              <a:t>, для линковки, чтобы вместо косвенных вызовы внутренних функций </a:t>
+            </a:r>
+            <a:r>
+              <a:rPr lang="en-US" dirty="0"/>
+              <a:t>DLL </a:t>
+            </a:r>
+            <a:r>
+              <a:rPr lang="ru-RU" dirty="0"/>
+              <a:t>использовать прямые. А второй</a:t>
+            </a:r>
+            <a:r>
+              <a:rPr lang="en-US" dirty="0"/>
+              <a:t>, -</a:t>
+            </a:r>
+            <a:r>
+              <a:rPr lang="en-US" dirty="0" err="1"/>
+              <a:t>fno</a:t>
+            </a:r>
+            <a:r>
+              <a:rPr lang="en-US" dirty="0"/>
+              <a:t>-semantic-interposition, </a:t>
+            </a:r>
+            <a:r>
+              <a:rPr lang="ru-RU" dirty="0"/>
+              <a:t>чтобы позволить компилятору при оптимизации игнорировать возможность перехвата функций.</a:t>
+            </a:r>
+            <a:endParaRPr lang="en-US" dirty="0"/>
+          </a:p>
+          <a:p>
+            <a:endParaRPr lang="en-US" dirty="0"/>
+          </a:p>
+          <a:p>
+            <a:r>
+              <a:rPr lang="ru-RU" dirty="0"/>
+              <a:t>Для оптимальной производительности требуется включить оба флага.</a:t>
             </a:r>
             <a:endParaRPr lang="en-US" dirty="0"/>
           </a:p>
@@ -6156,7 +6056,7 @@
           <a:p>
             <a:fld id="{3AC94D10-082F-46D7-A834-266F9222130F}" type="slidenum">
               <a:rPr lang="en-US" smtClean="0"/>
-              <a:t>57</a:t>
+              <a:t>54</a:t>
             </a:fld>
             <a:endParaRPr lang="en-US"/>
           </a:p>
@@ -6165,7 +6065,7 @@
     </p:spTree>
     <p:extLst>
       <p:ext uri="{BB962C8B-B14F-4D97-AF65-F5344CB8AC3E}">
-        <p14:creationId xmlns:p14="http://schemas.microsoft.com/office/powerpoint/2010/main" val="3687863370"/>
+        <p14:creationId xmlns:p14="http://schemas.microsoft.com/office/powerpoint/2010/main" val="3733641060"/>
       </p:ext>
     </p:extLst>
   </p:cSld>
@@ -6219,37 +6119,6 @@
           <a:bodyPr/>
           <a:lstStyle/>
           <a:p>
-            <a:r>
-              <a:rPr lang="ru-RU" dirty="0"/>
-              <a:t>Утилита </a:t>
-            </a:r>
-            <a:r>
-              <a:rPr lang="en-US" dirty="0" err="1"/>
-              <a:t>ShlibVisibilityChecker</a:t>
-            </a:r>
-            <a:r>
-              <a:rPr lang="en-US" dirty="0"/>
-              <a:t> </a:t>
-            </a:r>
-            <a:r>
-              <a:rPr lang="ru-RU" dirty="0"/>
-              <a:t>по бинарному файлу библиотеки</a:t>
-            </a:r>
-            <a:r>
-              <a:rPr lang="en-US" dirty="0"/>
-              <a:t> </a:t>
-            </a:r>
-            <a:r>
-              <a:rPr lang="ru-RU" dirty="0"/>
-              <a:t>и её заголовочным файлам скажет какие символы нужно скрыть. Я успешно применял эту утилиту для поиска проблемных библиотек в </a:t>
-            </a:r>
-            <a:r>
-              <a:rPr lang="en-US" dirty="0"/>
-              <a:t>Ubuntu.</a:t>
-            </a:r>
-            <a:endParaRPr lang="ru-RU" dirty="0"/>
-          </a:p>
-          <a:p>
             <a:endParaRPr lang="en-US" dirty="0"/>
           </a:p>
         </p:txBody>
@@ -6271,7 +6140,7 @@
           <a:p>
             <a:fld id="{3AC94D10-082F-46D7-A834-266F9222130F}" type="slidenum">
               <a:rPr lang="en-US" smtClean="0"/>
-              <a:t>58</a:t>
+              <a:t>55</a:t>
             </a:fld>
             <a:endParaRPr lang="en-US"/>
           </a:p>
@@ -6280,7 +6149,7 @@
     </p:spTree>
     <p:extLst>
       <p:ext uri="{BB962C8B-B14F-4D97-AF65-F5344CB8AC3E}">
-        <p14:creationId xmlns:p14="http://schemas.microsoft.com/office/powerpoint/2010/main" val="286087877"/>
+        <p14:creationId xmlns:p14="http://schemas.microsoft.com/office/powerpoint/2010/main" val="22341218"/>
       </p:ext>
     </p:extLst>
   </p:cSld>
@@ -6336,31 +6205,74 @@
           <a:p>
             <a:r>
               <a:rPr lang="ru-RU" dirty="0"/>
-              <a:t>На слайде приведён пример анализа популярной библиотеки</a:t>
+              <a:t>Помимо использования флагов есть второй, более традиционный способ, который заключается в сокращении интерфейса библиотеки, т.е. уменьшении количества функций, которые она экспортирует.</a:t>
+            </a:r>
+          </a:p>
+          <a:p>
+            <a:endParaRPr lang="ru-RU" dirty="0"/>
+          </a:p>
+          <a:p>
+            <a:r>
+              <a:rPr lang="ru-RU" dirty="0"/>
+              <a:t>Суть его заключается в том, что мы явно помечаем экспортируемые функции специальным атрибутом </a:t>
+            </a:r>
+            <a:r>
+              <a:rPr lang="en-US" dirty="0"/>
+              <a:t>visibility</a:t>
+            </a:r>
+            <a:r>
+              <a:rPr lang="ru-RU" dirty="0"/>
+              <a:t>, а все остальные символы делаем внутренними</a:t>
             </a:r>
             <a:r>
               <a:rPr lang="en-US" dirty="0"/>
               <a:t> </a:t>
             </a:r>
             <a:r>
-              <a:rPr lang="en-US" dirty="0" err="1"/>
-              <a:t>libgmp</a:t>
-            </a:r>
-            <a:r>
-              <a:rPr lang="en-US" dirty="0"/>
-              <a:t> </a:t>
-            </a:r>
-            <a:r>
-              <a:rPr lang="ru-RU" dirty="0"/>
-              <a:t>для вычислений произвольной точности.</a:t>
-            </a:r>
-            <a:r>
-              <a:rPr lang="en-US" dirty="0"/>
-              <a:t> </a:t>
-            </a:r>
-            <a:r>
-              <a:rPr lang="ru-RU" dirty="0"/>
-              <a:t>Можно видеть что библиотека экспортирует большое количество ненужных символов.</a:t>
+              <a:rPr lang="ru-RU" dirty="0"/>
+              <a:t>с помощью флага. Соответственно для всех скрытых, неэкспортируемых функций </a:t>
+            </a:r>
+            <a:r>
+              <a:rPr lang="en-US" dirty="0"/>
+              <a:t>(</a:t>
+            </a:r>
+            <a:r>
+              <a:rPr lang="ru-RU" dirty="0"/>
+              <a:t>которых гораздо больше</a:t>
+            </a:r>
+            <a:r>
+              <a:rPr lang="en-US" dirty="0"/>
+              <a:t>) </a:t>
+            </a:r>
+            <a:r>
+              <a:rPr lang="ru-RU" dirty="0"/>
+              <a:t>компилятор сможет применять более агрессивные оптимизации и при генерации кода использовать прямые вызовы</a:t>
+            </a:r>
+            <a:r>
+              <a:rPr lang="en-US" dirty="0"/>
+              <a:t> (</a:t>
+            </a:r>
+            <a:r>
+              <a:rPr lang="ru-RU" dirty="0"/>
+              <a:t>вместо косвенных).</a:t>
+            </a:r>
+            <a:endParaRPr lang="en-US" dirty="0"/>
+          </a:p>
+          <a:p>
+            <a:endParaRPr lang="en-US" dirty="0"/>
+          </a:p>
+          <a:p>
+            <a:r>
+              <a:rPr lang="ru-RU" dirty="0"/>
+              <a:t>Помимо оптимизации у этого подхода есть ещё одно преимущество</a:t>
+            </a:r>
+            <a:r>
+              <a:rPr lang="en-US" dirty="0"/>
+              <a:t>: </a:t>
+            </a:r>
+            <a:r>
+              <a:rPr lang="ru-RU" dirty="0"/>
+              <a:t>мы скрываем от пользователя внутренние детали реализации библиотеки и не даём возможности использовать её недокументированным образом.</a:t>
             </a:r>
             <a:endParaRPr lang="en-US" dirty="0"/>
           </a:p>
@@ -6383,7 +6295,7 @@
           <a:p>
             <a:fld id="{3AC94D10-082F-46D7-A834-266F9222130F}" type="slidenum">
               <a:rPr lang="en-US" smtClean="0"/>
-              <a:t>59</a:t>
+              <a:t>56</a:t>
             </a:fld>
             <a:endParaRPr lang="en-US"/>
           </a:p>
@@ -6392,7 +6304,7 @@
     </p:spTree>
     <p:extLst>
       <p:ext uri="{BB962C8B-B14F-4D97-AF65-F5344CB8AC3E}">
-        <p14:creationId xmlns:p14="http://schemas.microsoft.com/office/powerpoint/2010/main" val="492988692"/>
+        <p14:creationId xmlns:p14="http://schemas.microsoft.com/office/powerpoint/2010/main" val="1530341260"/>
       </p:ext>
     </p:extLst>
   </p:cSld>
@@ -6446,6 +6358,35 @@
           <a:bodyPr/>
           <a:lstStyle/>
           <a:p>
+            <a:r>
+              <a:rPr lang="ru-RU" dirty="0"/>
+              <a:t>Если вы захотите применить оптимизацию сокрытия символов к большой кодовой базе, например к дистрибутиву </a:t>
+            </a:r>
+            <a:r>
+              <a:rPr lang="en-US" dirty="0"/>
+              <a:t>Linux, </a:t>
+            </a:r>
+            <a:r>
+              <a:rPr lang="ru-RU" dirty="0"/>
+              <a:t>то придётся вручную</a:t>
+            </a:r>
+            <a:r>
+              <a:rPr lang="en-US" dirty="0"/>
+              <a:t> </a:t>
+            </a:r>
+            <a:r>
+              <a:rPr lang="ru-RU" dirty="0"/>
+              <a:t>по очереди анализировать каждую библиотеку на предмет того экспортируются ли из неё ненужные символы и если да, то какие.</a:t>
+            </a:r>
+          </a:p>
+          <a:p>
+            <a:endParaRPr lang="ru-RU" dirty="0"/>
+          </a:p>
+          <a:p>
+            <a:r>
+              <a:rPr lang="ru-RU" dirty="0"/>
+              <a:t>Эту задачу можно упростить с помощью автоматизации.</a:t>
+            </a:r>
             <a:endParaRPr lang="en-US" dirty="0"/>
           </a:p>
         </p:txBody>
@@ -6467,7 +6408,7 @@
           <a:p>
             <a:fld id="{3AC94D10-082F-46D7-A834-266F9222130F}" type="slidenum">
               <a:rPr lang="en-US" smtClean="0"/>
-              <a:t>60</a:t>
+              <a:t>57</a:t>
             </a:fld>
             <a:endParaRPr lang="en-US"/>
           </a:p>
@@ -6476,7 +6417,7 @@
     </p:spTree>
     <p:extLst>
       <p:ext uri="{BB962C8B-B14F-4D97-AF65-F5344CB8AC3E}">
-        <p14:creationId xmlns:p14="http://schemas.microsoft.com/office/powerpoint/2010/main" val="1220552600"/>
+        <p14:creationId xmlns:p14="http://schemas.microsoft.com/office/powerpoint/2010/main" val="3687863370"/>
       </p:ext>
     </p:extLst>
   </p:cSld>
@@ -6530,6 +6471,37 @@
           <a:bodyPr/>
           <a:lstStyle/>
           <a:p>
+            <a:r>
+              <a:rPr lang="ru-RU" dirty="0"/>
+              <a:t>Утилита </a:t>
+            </a:r>
+            <a:r>
+              <a:rPr lang="en-US" dirty="0" err="1"/>
+              <a:t>ShlibVisibilityChecker</a:t>
+            </a:r>
+            <a:r>
+              <a:rPr lang="en-US" dirty="0"/>
+              <a:t> </a:t>
+            </a:r>
+            <a:r>
+              <a:rPr lang="ru-RU" dirty="0"/>
+              <a:t>по бинарному файлу библиотеки</a:t>
+            </a:r>
+            <a:r>
+              <a:rPr lang="en-US" dirty="0"/>
+              <a:t> </a:t>
+            </a:r>
+            <a:r>
+              <a:rPr lang="ru-RU" dirty="0"/>
+              <a:t>и её заголовочным файлам скажет какие символы нужно скрыть. Я успешно применял эту утилиту для поиска проблемных библиотек в </a:t>
+            </a:r>
+            <a:r>
+              <a:rPr lang="en-US" dirty="0"/>
+              <a:t>Ubuntu.</a:t>
+            </a:r>
+            <a:endParaRPr lang="ru-RU" dirty="0"/>
+          </a:p>
+          <a:p>
             <a:endParaRPr lang="en-US" dirty="0"/>
           </a:p>
         </p:txBody>
@@ -6551,7 +6523,7 @@
           <a:p>
             <a:fld id="{3AC94D10-082F-46D7-A834-266F9222130F}" type="slidenum">
               <a:rPr lang="en-US" smtClean="0"/>
-              <a:t>61</a:t>
+              <a:t>58</a:t>
             </a:fld>
             <a:endParaRPr lang="en-US"/>
           </a:p>
@@ -6560,7 +6532,7 @@
     </p:spTree>
     <p:extLst>
       <p:ext uri="{BB962C8B-B14F-4D97-AF65-F5344CB8AC3E}">
-        <p14:creationId xmlns:p14="http://schemas.microsoft.com/office/powerpoint/2010/main" val="499940782"/>
+        <p14:creationId xmlns:p14="http://schemas.microsoft.com/office/powerpoint/2010/main" val="286087877"/>
       </p:ext>
     </p:extLst>
   </p:cSld>
@@ -6614,6 +6586,34 @@
           <a:bodyPr/>
           <a:lstStyle/>
           <a:p>
+            <a:r>
+              <a:rPr lang="ru-RU" dirty="0"/>
+              <a:t>На слайде приведён пример анализа популярной библиотеки</a:t>
+            </a:r>
+            <a:r>
+              <a:rPr lang="en-US" dirty="0"/>
+              <a:t> </a:t>
+            </a:r>
+            <a:r>
+              <a:rPr lang="en-US" dirty="0" err="1"/>
+              <a:t>libgmp</a:t>
+            </a:r>
+            <a:r>
+              <a:rPr lang="en-US" dirty="0"/>
+              <a:t> </a:t>
+            </a:r>
+            <a:r>
+              <a:rPr lang="ru-RU" dirty="0"/>
+              <a:t>для вычислений произвольной точности.</a:t>
+            </a:r>
+            <a:r>
+              <a:rPr lang="en-US" dirty="0"/>
+              <a:t> </a:t>
+            </a:r>
+            <a:r>
+              <a:rPr lang="ru-RU" dirty="0"/>
+              <a:t>Можно видеть что библиотека экспортирует большое количество ненужных символов.</a:t>
+            </a:r>
             <a:endParaRPr lang="en-US" dirty="0"/>
           </a:p>
         </p:txBody>
@@ -6635,7 +6635,7 @@
           <a:p>
             <a:fld id="{3AC94D10-082F-46D7-A834-266F9222130F}" type="slidenum">
               <a:rPr lang="en-US" smtClean="0"/>
-              <a:t>62</a:t>
+              <a:t>59</a:t>
             </a:fld>
             <a:endParaRPr lang="en-US"/>
           </a:p>
@@ -6644,7 +6644,7 @@
     </p:spTree>
     <p:extLst>
       <p:ext uri="{BB962C8B-B14F-4D97-AF65-F5344CB8AC3E}">
-        <p14:creationId xmlns:p14="http://schemas.microsoft.com/office/powerpoint/2010/main" val="2809069906"/>
+        <p14:creationId xmlns:p14="http://schemas.microsoft.com/office/powerpoint/2010/main" val="492988692"/>
       </p:ext>
     </p:extLst>
   </p:cSld>
@@ -6719,7 +6719,7 @@
           <a:p>
             <a:fld id="{3AC94D10-082F-46D7-A834-266F9222130F}" type="slidenum">
               <a:rPr lang="en-US" smtClean="0"/>
-              <a:t>63</a:t>
+              <a:t>60</a:t>
             </a:fld>
             <a:endParaRPr lang="en-US"/>
           </a:p>
@@ -6728,7 +6728,175 @@
     </p:spTree>
     <p:extLst>
       <p:ext uri="{BB962C8B-B14F-4D97-AF65-F5344CB8AC3E}">
-        <p14:creationId xmlns:p14="http://schemas.microsoft.com/office/powerpoint/2010/main" val="4042281356"/>
+        <p14:creationId xmlns:p14="http://schemas.microsoft.com/office/powerpoint/2010/main" val="1220552600"/>
+      </p:ext>
+    </p:extLst>
+  </p:cSld>
+  <p:clrMapOvr>
+    <a:masterClrMapping/>
+  </p:clrMapOvr>
+</p:notes>
+</file>
+
+<file path=ppt/notesSlides/notesSlide58.xml><?xml version="1.0" encoding="utf-8"?>
+<p:notes xmlns:a="http://schemas.openxmlformats.org/drawingml/2006/main" xmlns:r="http://schemas.openxmlformats.org/officeDocument/2006/relationships" xmlns:p="http://schemas.openxmlformats.org/presentationml/2006/main">
+  <p:cSld>
+    <p:spTree>
+      <p:nvGrpSpPr>
+        <p:cNvPr id="1" name=""/>
+        <p:cNvGrpSpPr/>
+        <p:nvPr/>
+      </p:nvGrpSpPr>
+      <p:grpSpPr>
+        <a:xfrm>
+          <a:off x="0" y="0"/>
+          <a:ext cx="0" cy="0"/>
+          <a:chOff x="0" y="0"/>
+          <a:chExt cx="0" cy="0"/>
+        </a:xfrm>
+      </p:grpSpPr>
+      <p:sp>
+        <p:nvSpPr>
+          <p:cNvPr id="2" name="Slide Image Placeholder 1"/>
+          <p:cNvSpPr>
+            <a:spLocks noGrp="1" noRot="1" noChangeAspect="1"/>
+          </p:cNvSpPr>
+          <p:nvPr>
+            <p:ph type="sldImg"/>
+          </p:nvPr>
+        </p:nvSpPr>
+        <p:spPr/>
+      </p:sp>
+      <p:sp>
+        <p:nvSpPr>
+          <p:cNvPr id="3" name="Notes Placeholder 2"/>
+          <p:cNvSpPr>
+            <a:spLocks noGrp="1"/>
+          </p:cNvSpPr>
+          <p:nvPr>
+            <p:ph type="body" idx="1"/>
+          </p:nvPr>
+        </p:nvSpPr>
+        <p:spPr/>
+        <p:txBody>
+          <a:bodyPr/>
+          <a:lstStyle/>
+          <a:p>
+            <a:endParaRPr lang="en-US" dirty="0"/>
+          </a:p>
+        </p:txBody>
+      </p:sp>
+      <p:sp>
+        <p:nvSpPr>
+          <p:cNvPr id="4" name="Slide Number Placeholder 3"/>
+          <p:cNvSpPr>
+            <a:spLocks noGrp="1"/>
+          </p:cNvSpPr>
+          <p:nvPr>
+            <p:ph type="sldNum" sz="quarter" idx="5"/>
+          </p:nvPr>
+        </p:nvSpPr>
+        <p:spPr/>
+        <p:txBody>
+          <a:bodyPr/>
+          <a:lstStyle/>
+          <a:p>
+            <a:fld id="{3AC94D10-082F-46D7-A834-266F9222130F}" type="slidenum">
+              <a:rPr lang="en-US" smtClean="0"/>
+              <a:t>61</a:t>
+            </a:fld>
+            <a:endParaRPr lang="en-US"/>
+          </a:p>
+        </p:txBody>
+      </p:sp>
+    </p:spTree>
+    <p:extLst>
+      <p:ext uri="{BB962C8B-B14F-4D97-AF65-F5344CB8AC3E}">
+        <p14:creationId xmlns:p14="http://schemas.microsoft.com/office/powerpoint/2010/main" val="499940782"/>
+      </p:ext>
+    </p:extLst>
+  </p:cSld>
+  <p:clrMapOvr>
+    <a:masterClrMapping/>
+  </p:clrMapOvr>
+</p:notes>
+</file>
+
+<file path=ppt/notesSlides/notesSlide59.xml><?xml version="1.0" encoding="utf-8"?>
+<p:notes xmlns:a="http://schemas.openxmlformats.org/drawingml/2006/main" xmlns:r="http://schemas.openxmlformats.org/officeDocument/2006/relationships" xmlns:p="http://schemas.openxmlformats.org/presentationml/2006/main">
+  <p:cSld>
+    <p:spTree>
+      <p:nvGrpSpPr>
+        <p:cNvPr id="1" name=""/>
+        <p:cNvGrpSpPr/>
+        <p:nvPr/>
+      </p:nvGrpSpPr>
+      <p:grpSpPr>
+        <a:xfrm>
+          <a:off x="0" y="0"/>
+          <a:ext cx="0" cy="0"/>
+          <a:chOff x="0" y="0"/>
+          <a:chExt cx="0" cy="0"/>
+        </a:xfrm>
+      </p:grpSpPr>
+      <p:sp>
+        <p:nvSpPr>
+          <p:cNvPr id="2" name="Slide Image Placeholder 1"/>
+          <p:cNvSpPr>
+            <a:spLocks noGrp="1" noRot="1" noChangeAspect="1"/>
+          </p:cNvSpPr>
+          <p:nvPr>
+            <p:ph type="sldImg"/>
+          </p:nvPr>
+        </p:nvSpPr>
+        <p:spPr/>
+      </p:sp>
+      <p:sp>
+        <p:nvSpPr>
+          <p:cNvPr id="3" name="Notes Placeholder 2"/>
+          <p:cNvSpPr>
+            <a:spLocks noGrp="1"/>
+          </p:cNvSpPr>
+          <p:nvPr>
+            <p:ph type="body" idx="1"/>
+          </p:nvPr>
+        </p:nvSpPr>
+        <p:spPr/>
+        <p:txBody>
+          <a:bodyPr/>
+          <a:lstStyle/>
+          <a:p>
+            <a:endParaRPr lang="en-US" dirty="0"/>
+          </a:p>
+        </p:txBody>
+      </p:sp>
+      <p:sp>
+        <p:nvSpPr>
+          <p:cNvPr id="4" name="Slide Number Placeholder 3"/>
+          <p:cNvSpPr>
+            <a:spLocks noGrp="1"/>
+          </p:cNvSpPr>
+          <p:nvPr>
+            <p:ph type="sldNum" sz="quarter" idx="5"/>
+          </p:nvPr>
+        </p:nvSpPr>
+        <p:spPr/>
+        <p:txBody>
+          <a:bodyPr/>
+          <a:lstStyle/>
+          <a:p>
+            <a:fld id="{3AC94D10-082F-46D7-A834-266F9222130F}" type="slidenum">
+              <a:rPr lang="en-US" smtClean="0"/>
+              <a:t>62</a:t>
+            </a:fld>
+            <a:endParaRPr lang="en-US"/>
+          </a:p>
+        </p:txBody>
+      </p:sp>
+    </p:spTree>
+    <p:extLst>
+      <p:ext uri="{BB962C8B-B14F-4D97-AF65-F5344CB8AC3E}">
+        <p14:creationId xmlns:p14="http://schemas.microsoft.com/office/powerpoint/2010/main" val="2809069906"/>
       </p:ext>
     </p:extLst>
   </p:cSld>
@@ -6844,6 +7012,90 @@
     <p:extLst>
       <p:ext uri="{BB962C8B-B14F-4D97-AF65-F5344CB8AC3E}">
         <p14:creationId xmlns:p14="http://schemas.microsoft.com/office/powerpoint/2010/main" val="2647935613"/>
+      </p:ext>
+    </p:extLst>
+  </p:cSld>
+  <p:clrMapOvr>
+    <a:masterClrMapping/>
+  </p:clrMapOvr>
+</p:notes>
+</file>
+
+<file path=ppt/notesSlides/notesSlide60.xml><?xml version="1.0" encoding="utf-8"?>
+<p:notes xmlns:a="http://schemas.openxmlformats.org/drawingml/2006/main" xmlns:r="http://schemas.openxmlformats.org/officeDocument/2006/relationships" xmlns:p="http://schemas.openxmlformats.org/presentationml/2006/main">
+  <p:cSld>
+    <p:spTree>
+      <p:nvGrpSpPr>
+        <p:cNvPr id="1" name=""/>
+        <p:cNvGrpSpPr/>
+        <p:nvPr/>
+      </p:nvGrpSpPr>
+      <p:grpSpPr>
+        <a:xfrm>
+          <a:off x="0" y="0"/>
+          <a:ext cx="0" cy="0"/>
+          <a:chOff x="0" y="0"/>
+          <a:chExt cx="0" cy="0"/>
+        </a:xfrm>
+      </p:grpSpPr>
+      <p:sp>
+        <p:nvSpPr>
+          <p:cNvPr id="2" name="Slide Image Placeholder 1"/>
+          <p:cNvSpPr>
+            <a:spLocks noGrp="1" noRot="1" noChangeAspect="1"/>
+          </p:cNvSpPr>
+          <p:nvPr>
+            <p:ph type="sldImg"/>
+          </p:nvPr>
+        </p:nvSpPr>
+        <p:spPr/>
+      </p:sp>
+      <p:sp>
+        <p:nvSpPr>
+          <p:cNvPr id="3" name="Notes Placeholder 2"/>
+          <p:cNvSpPr>
+            <a:spLocks noGrp="1"/>
+          </p:cNvSpPr>
+          <p:nvPr>
+            <p:ph type="body" idx="1"/>
+          </p:nvPr>
+        </p:nvSpPr>
+        <p:spPr/>
+        <p:txBody>
+          <a:bodyPr/>
+          <a:lstStyle/>
+          <a:p>
+            <a:endParaRPr lang="en-US" dirty="0"/>
+          </a:p>
+        </p:txBody>
+      </p:sp>
+      <p:sp>
+        <p:nvSpPr>
+          <p:cNvPr id="4" name="Slide Number Placeholder 3"/>
+          <p:cNvSpPr>
+            <a:spLocks noGrp="1"/>
+          </p:cNvSpPr>
+          <p:nvPr>
+            <p:ph type="sldNum" sz="quarter" idx="5"/>
+          </p:nvPr>
+        </p:nvSpPr>
+        <p:spPr/>
+        <p:txBody>
+          <a:bodyPr/>
+          <a:lstStyle/>
+          <a:p>
+            <a:fld id="{3AC94D10-082F-46D7-A834-266F9222130F}" type="slidenum">
+              <a:rPr lang="en-US" smtClean="0"/>
+              <a:t>63</a:t>
+            </a:fld>
+            <a:endParaRPr lang="en-US"/>
+          </a:p>
+        </p:txBody>
+      </p:sp>
+    </p:spTree>
+    <p:extLst>
+      <p:ext uri="{BB962C8B-B14F-4D97-AF65-F5344CB8AC3E}">
+        <p14:creationId xmlns:p14="http://schemas.microsoft.com/office/powerpoint/2010/main" val="4042281356"/>
       </p:ext>
     </p:extLst>
   </p:cSld>
@@ -7336,7 +7588,7 @@
           <a:p>
             <a:fld id="{83D30A23-1FB6-43A1-891F-95145083C4E9}" type="datetime1">
               <a:rPr lang="en-US" smtClean="0"/>
-              <a:t>5/5/2024</a:t>
+              <a:t>5/7/2024</a:t>
             </a:fld>
             <a:endParaRPr lang="en-US"/>
           </a:p>
@@ -7534,7 +7786,7 @@
           <a:p>
             <a:fld id="{A4B03399-60D8-4226-8AC7-3F159D57E860}" type="datetime1">
               <a:rPr lang="en-US" smtClean="0"/>
-              <a:t>5/5/2024</a:t>
+              <a:t>5/7/2024</a:t>
             </a:fld>
             <a:endParaRPr lang="en-US"/>
           </a:p>
@@ -7742,7 +7994,7 @@
           <a:p>
             <a:fld id="{1A646459-A066-416D-8E21-9D451FB1CBED}" type="datetime1">
               <a:rPr lang="en-US" smtClean="0"/>
-              <a:t>5/5/2024</a:t>
+              <a:t>5/7/2024</a:t>
             </a:fld>
             <a:endParaRPr lang="en-US"/>
           </a:p>
@@ -7940,7 +8192,7 @@
           <a:p>
             <a:fld id="{0636B939-1A2A-498F-9013-EEF28820D750}" type="datetime1">
               <a:rPr lang="en-US" smtClean="0"/>
-              <a:t>5/5/2024</a:t>
+              <a:t>5/7/2024</a:t>
             </a:fld>
             <a:endParaRPr lang="en-US"/>
           </a:p>
@@ -8254,7 +8506,7 @@
           <a:p>
             <a:fld id="{97D3760A-E884-42F2-A44C-F32FAA030BF6}" type="datetime1">
               <a:rPr lang="en-US" smtClean="0"/>
-              <a:t>5/5/2024</a:t>
+              <a:t>5/7/2024</a:t>
             </a:fld>
             <a:endParaRPr lang="en-US"/>
           </a:p>
@@ -8519,7 +8771,7 @@
           <a:p>
             <a:fld id="{4FC7535E-ABF1-4A69-B09E-251EF8B13143}" type="datetime1">
               <a:rPr lang="en-US" smtClean="0"/>
-              <a:t>5/5/2024</a:t>
+              <a:t>5/7/2024</a:t>
             </a:fld>
             <a:endParaRPr lang="en-US"/>
           </a:p>
@@ -8931,7 +9183,7 @@
           <a:p>
             <a:fld id="{CE54BCFC-68A7-4C68-9600-D4AAA16CF9A6}" type="datetime1">
               <a:rPr lang="en-US" smtClean="0"/>
-              <a:t>5/5/2024</a:t>
+              <a:t>5/7/2024</a:t>
             </a:fld>
             <a:endParaRPr lang="en-US"/>
           </a:p>
@@ -9072,7 +9324,7 @@
           <a:p>
             <a:fld id="{0F981744-C4F3-4F58-9E0E-AF6C4E78D03B}" type="datetime1">
               <a:rPr lang="en-US" smtClean="0"/>
-              <a:t>5/5/2024</a:t>
+              <a:t>5/7/2024</a:t>
             </a:fld>
             <a:endParaRPr lang="en-US"/>
           </a:p>
@@ -9185,7 +9437,7 @@
           <a:p>
             <a:fld id="{98ED47E1-EA96-4683-9629-E838295B20BC}" type="datetime1">
               <a:rPr lang="en-US" smtClean="0"/>
-              <a:t>5/5/2024</a:t>
+              <a:t>5/7/2024</a:t>
             </a:fld>
             <a:endParaRPr lang="en-US"/>
           </a:p>
@@ -9496,7 +9748,7 @@
           <a:p>
             <a:fld id="{2F2A1627-B435-455B-A0CA-0808E5748D61}" type="datetime1">
               <a:rPr lang="en-US" smtClean="0"/>
-              <a:t>5/5/2024</a:t>
+              <a:t>5/7/2024</a:t>
             </a:fld>
             <a:endParaRPr lang="en-US"/>
           </a:p>
@@ -9784,7 +10036,7 @@
           <a:p>
             <a:fld id="{FE11CB43-EB9E-4C41-ACD2-0EC61FB429F2}" type="datetime1">
               <a:rPr lang="en-US" smtClean="0"/>
-              <a:t>5/5/2024</a:t>
+              <a:t>5/7/2024</a:t>
             </a:fld>
             <a:endParaRPr lang="en-US"/>
           </a:p>
@@ -10025,7 +10277,7 @@
           <a:p>
             <a:fld id="{CC0B8F92-0932-40E4-878B-3E2E4AAA6810}" type="datetime1">
               <a:rPr lang="en-US" smtClean="0"/>
-              <a:t>5/5/2024</a:t>
+              <a:t>5/7/2024</a:t>
             </a:fld>
             <a:endParaRPr lang="en-US"/>
           </a:p>
@@ -16446,64 +16698,6 @@
           </a:fontRef>
         </p:style>
       </p:cxnSp>
-      <p:sp>
-        <p:nvSpPr>
-          <p:cNvPr id="12" name="Title 1">
-            <a:extLst>
-              <a:ext uri="{FF2B5EF4-FFF2-40B4-BE49-F238E27FC236}">
-                <a16:creationId xmlns:a16="http://schemas.microsoft.com/office/drawing/2014/main" id="{B1EF5697-ECE4-4697-BF14-9837998FF827}"/>
-              </a:ext>
-            </a:extLst>
-          </p:cNvPr>
-          <p:cNvSpPr txBox="1">
-            <a:spLocks/>
-          </p:cNvSpPr>
-          <p:nvPr/>
-        </p:nvSpPr>
-        <p:spPr>
-          <a:xfrm>
-            <a:off x="838200" y="343354"/>
-            <a:ext cx="10515600" cy="1325563"/>
-          </a:xfrm>
-          <a:prstGeom prst="rect">
-            <a:avLst/>
-          </a:prstGeom>
-        </p:spPr>
-        <p:txBody>
-          <a:bodyPr vert="horz" lIns="91440" tIns="45720" rIns="91440" bIns="45720" rtlCol="0" anchor="ctr">
-            <a:normAutofit/>
-          </a:bodyPr>
-          <a:lstStyle>
-            <a:lvl1pPr algn="l" defTabSz="914400" rtl="0" eaLnBrk="1" latinLnBrk="0" hangingPunct="1">
-              <a:lnSpc>
-                <a:spcPct val="90000"/>
-              </a:lnSpc>
-              <a:spcBef>
-                <a:spcPct val="0"/>
-              </a:spcBef>
-              <a:buNone/>
-              <a:defRPr sz="4400" kern="1200">
-                <a:solidFill>
-                  <a:schemeClr val="tx1"/>
-                </a:solidFill>
-                <a:latin typeface="+mj-lt"/>
-                <a:ea typeface="+mj-ea"/>
-                <a:cs typeface="+mj-cs"/>
-              </a:defRPr>
-            </a:lvl1pPr>
-          </a:lstStyle>
-          <a:p>
-            <a:r>
-              <a:rPr lang="ru-RU" dirty="0"/>
-              <a:t>Процесс загрузки </a:t>
-            </a:r>
-            <a:r>
-              <a:rPr lang="en-US" dirty="0"/>
-              <a:t>DLL</a:t>
-            </a:r>
-          </a:p>
-        </p:txBody>
-      </p:sp>
       <p:cxnSp>
         <p:nvCxnSpPr>
           <p:cNvPr id="14" name="Straight Arrow Connector 13">
@@ -16731,31 +16925,6 @@
           </a:fontRef>
         </p:style>
       </p:cxnSp>
-      <p:sp>
-        <p:nvSpPr>
-          <p:cNvPr id="7" name="Content Placeholder 6">
-            <a:extLst>
-              <a:ext uri="{FF2B5EF4-FFF2-40B4-BE49-F238E27FC236}">
-                <a16:creationId xmlns:a16="http://schemas.microsoft.com/office/drawing/2014/main" id="{AB27C4D9-3AA5-4F00-944D-3872EF8FE4DB}"/>
-              </a:ext>
-            </a:extLst>
-          </p:cNvPr>
-          <p:cNvSpPr>
-            <a:spLocks noGrp="1"/>
-          </p:cNvSpPr>
-          <p:nvPr>
-            <p:ph idx="1"/>
-          </p:nvPr>
-        </p:nvSpPr>
-        <p:spPr/>
-        <p:txBody>
-          <a:bodyPr/>
-          <a:lstStyle/>
-          <a:p>
-            <a:endParaRPr lang="en-US"/>
-          </a:p>
-        </p:txBody>
-      </p:sp>
     </p:spTree>
     <p:extLst>
       <p:ext uri="{BB962C8B-B14F-4D97-AF65-F5344CB8AC3E}">
@@ -18745,64 +18914,6 @@
           </a:fontRef>
         </p:style>
       </p:cxnSp>
-      <p:sp>
-        <p:nvSpPr>
-          <p:cNvPr id="12" name="Title 1">
-            <a:extLst>
-              <a:ext uri="{FF2B5EF4-FFF2-40B4-BE49-F238E27FC236}">
-                <a16:creationId xmlns:a16="http://schemas.microsoft.com/office/drawing/2014/main" id="{B1EF5697-ECE4-4697-BF14-9837998FF827}"/>
-              </a:ext>
-            </a:extLst>
-          </p:cNvPr>
-          <p:cNvSpPr txBox="1">
-            <a:spLocks/>
-          </p:cNvSpPr>
-          <p:nvPr/>
-        </p:nvSpPr>
-        <p:spPr>
-          <a:xfrm>
-            <a:off x="838200" y="343354"/>
-            <a:ext cx="10515600" cy="1325563"/>
-          </a:xfrm>
-          <a:prstGeom prst="rect">
-            <a:avLst/>
-          </a:prstGeom>
-        </p:spPr>
-        <p:txBody>
-          <a:bodyPr vert="horz" lIns="91440" tIns="45720" rIns="91440" bIns="45720" rtlCol="0" anchor="ctr">
-            <a:normAutofit/>
-          </a:bodyPr>
-          <a:lstStyle>
-            <a:lvl1pPr algn="l" defTabSz="914400" rtl="0" eaLnBrk="1" latinLnBrk="0" hangingPunct="1">
-              <a:lnSpc>
-                <a:spcPct val="90000"/>
-              </a:lnSpc>
-              <a:spcBef>
-                <a:spcPct val="0"/>
-              </a:spcBef>
-              <a:buNone/>
-              <a:defRPr sz="4400" kern="1200">
-                <a:solidFill>
-                  <a:schemeClr val="tx1"/>
-                </a:solidFill>
-                <a:latin typeface="+mj-lt"/>
-                <a:ea typeface="+mj-ea"/>
-                <a:cs typeface="+mj-cs"/>
-              </a:defRPr>
-            </a:lvl1pPr>
-          </a:lstStyle>
-          <a:p>
-            <a:r>
-              <a:rPr lang="ru-RU" dirty="0"/>
-              <a:t>Процесс загрузки </a:t>
-            </a:r>
-            <a:r>
-              <a:rPr lang="en-US" dirty="0"/>
-              <a:t>DLL</a:t>
-            </a:r>
-          </a:p>
-        </p:txBody>
-      </p:sp>
       <p:cxnSp>
         <p:nvCxnSpPr>
           <p:cNvPr id="14" name="Straight Arrow Connector 13">
@@ -19032,31 +19143,6 @@
       </p:cxnSp>
       <p:sp>
         <p:nvSpPr>
-          <p:cNvPr id="7" name="Content Placeholder 6">
-            <a:extLst>
-              <a:ext uri="{FF2B5EF4-FFF2-40B4-BE49-F238E27FC236}">
-                <a16:creationId xmlns:a16="http://schemas.microsoft.com/office/drawing/2014/main" id="{AB27C4D9-3AA5-4F00-944D-3872EF8FE4DB}"/>
-              </a:ext>
-            </a:extLst>
-          </p:cNvPr>
-          <p:cNvSpPr>
-            <a:spLocks noGrp="1"/>
-          </p:cNvSpPr>
-          <p:nvPr>
-            <p:ph idx="1"/>
-          </p:nvPr>
-        </p:nvSpPr>
-        <p:spPr/>
-        <p:txBody>
-          <a:bodyPr/>
-          <a:lstStyle/>
-          <a:p>
-            <a:endParaRPr lang="en-US"/>
-          </a:p>
-        </p:txBody>
-      </p:sp>
-      <p:sp>
-        <p:nvSpPr>
           <p:cNvPr id="15" name="Rectangle 14">
             <a:extLst>
               <a:ext uri="{FF2B5EF4-FFF2-40B4-BE49-F238E27FC236}">
@@ -19781,38 +19867,6 @@
           <a:chExt cx="0" cy="0"/>
         </a:xfrm>
       </p:grpSpPr>
-      <p:sp>
-        <p:nvSpPr>
-          <p:cNvPr id="2" name="Title 1">
-            <a:extLst>
-              <a:ext uri="{FF2B5EF4-FFF2-40B4-BE49-F238E27FC236}">
-                <a16:creationId xmlns:a16="http://schemas.microsoft.com/office/drawing/2014/main" id="{D490002F-4CE0-45C4-8D68-71037BD46965}"/>
-              </a:ext>
-            </a:extLst>
-          </p:cNvPr>
-          <p:cNvSpPr>
-            <a:spLocks noGrp="1"/>
-          </p:cNvSpPr>
-          <p:nvPr>
-            <p:ph type="title"/>
-          </p:nvPr>
-        </p:nvSpPr>
-        <p:spPr/>
-        <p:txBody>
-          <a:bodyPr/>
-          <a:lstStyle/>
-          <a:p>
-            <a:r>
-              <a:rPr lang="ru-RU" dirty="0"/>
-              <a:t>Процесс загрузки </a:t>
-            </a:r>
-            <a:r>
-              <a:rPr lang="en-US" dirty="0"/>
-              <a:t>DLL</a:t>
-            </a:r>
-          </a:p>
-        </p:txBody>
-      </p:sp>
       <p:sp>
         <p:nvSpPr>
           <p:cNvPr id="4" name="Rectangle 3">
@@ -20077,7 +20131,7 @@
         </p:nvSpPr>
         <p:spPr>
           <a:xfrm>
-            <a:off x="838200" y="343354"/>
+            <a:off x="538643" y="205225"/>
             <a:ext cx="10515600" cy="1325563"/>
           </a:xfrm>
           <a:prstGeom prst="rect">
@@ -20346,31 +20400,6 @@
           </a:fontRef>
         </p:style>
       </p:cxnSp>
-      <p:sp>
-        <p:nvSpPr>
-          <p:cNvPr id="7" name="Content Placeholder 6">
-            <a:extLst>
-              <a:ext uri="{FF2B5EF4-FFF2-40B4-BE49-F238E27FC236}">
-                <a16:creationId xmlns:a16="http://schemas.microsoft.com/office/drawing/2014/main" id="{AB27C4D9-3AA5-4F00-944D-3872EF8FE4DB}"/>
-              </a:ext>
-            </a:extLst>
-          </p:cNvPr>
-          <p:cNvSpPr>
-            <a:spLocks noGrp="1"/>
-          </p:cNvSpPr>
-          <p:nvPr>
-            <p:ph idx="1"/>
-          </p:nvPr>
-        </p:nvSpPr>
-        <p:spPr/>
-        <p:txBody>
-          <a:bodyPr/>
-          <a:lstStyle/>
-          <a:p>
-            <a:endParaRPr lang="en-US"/>
-          </a:p>
-        </p:txBody>
-      </p:sp>
       <p:sp>
         <p:nvSpPr>
           <p:cNvPr id="15" name="Rectangle 14">
@@ -24123,7 +24152,7 @@
             <a:pPr lvl="1"/>
             <a:r>
               <a:rPr lang="ru-RU" dirty="0"/>
-              <a:t>Загрузка адреса приходится осуществлять при каждом вызове</a:t>
+              <a:t>Загрузку адреса приходится осуществлять при каждом вызове</a:t>
             </a:r>
           </a:p>
           <a:p>
@@ -25693,7 +25722,7 @@
             <a:pPr lvl="2"/>
             <a:r>
               <a:rPr lang="en-US" dirty="0">
-                <a:hlinkClick r:id="rId2"/>
+                <a:hlinkClick r:id="rId3"/>
               </a:rPr>
               <a:t>https://fedoraproject.org/wiki/Changes/PythonNoSemanticInterpositionSpeedup</a:t>
             </a:r>
@@ -25716,7 +25745,7 @@
           <p:nvPr/>
         </p:nvPicPr>
         <p:blipFill>
-          <a:blip r:embed="rId3">
+          <a:blip r:embed="rId4">
             <a:extLst>
               <a:ext uri="{28A0092B-C50C-407E-A947-70E740481C1C}">
                 <a14:useLocalDpi xmlns:a14="http://schemas.microsoft.com/office/drawing/2010/main" val="0"/>
@@ -26626,7 +26655,7 @@
           <a:p>
             <a:r>
               <a:rPr lang="ru-RU" dirty="0"/>
-              <a:t>Экспортируемые символы</a:t>
+              <a:t>Экспортируемые функции</a:t>
             </a:r>
             <a:endParaRPr lang="en-US" dirty="0"/>
           </a:p>
@@ -28362,7 +28391,7 @@
             <a:pPr lvl="1"/>
             <a:r>
               <a:rPr lang="ru-RU" dirty="0"/>
-              <a:t>При статической сборке не все функции библиотек будут использованы приложениями</a:t>
+              <a:t>При использовании статическх библиотек не все их функции будут использованы приложениями</a:t>
             </a:r>
           </a:p>
           <a:p>

--- a/2024/RU.pptx
+++ b/2024/RU.pptx
@@ -278,7 +278,7 @@
           <a:p>
             <a:fld id="{A36A2EB4-42A0-4A9F-94AC-04D10C1F231A}" type="datetimeFigureOut">
               <a:rPr lang="en-US" smtClean="0"/>
-              <a:t>5/7/2024</a:t>
+              <a:t>5/10/2024</a:t>
             </a:fld>
             <a:endParaRPr lang="en-US"/>
           </a:p>
@@ -873,9 +873,20 @@
             </a:r>
             <a:r>
               <a:rPr lang="ru-RU" dirty="0"/>
-              <a:t>для загрузки реализации, которая наиболее полно использует возможности доступного процессора.</a:t>
-            </a:r>
-            <a:endParaRPr lang="en-US" dirty="0"/>
+              <a:t>для загрузки реализации, которая наиболее полно использует возможности доступного процессора</a:t>
+            </a:r>
+            <a:r>
+              <a:rPr lang="en-US" dirty="0"/>
+              <a:t> (</a:t>
+            </a:r>
+            <a:r>
+              <a:rPr lang="ru-RU" dirty="0"/>
+              <a:t>например версию векторных расширений </a:t>
+            </a:r>
+            <a:r>
+              <a:rPr lang="en-US" dirty="0"/>
+              <a:t>AVX).</a:t>
+            </a:r>
           </a:p>
         </p:txBody>
       </p:sp>
@@ -1830,19 +1841,11 @@
             </a:r>
             <a:r>
               <a:rPr lang="en-US" dirty="0"/>
-              <a:t> (</a:t>
-            </a:r>
-            <a:r>
-              <a:rPr lang="ru-RU" dirty="0"/>
-              <a:t>таблица диспетчеризации, </a:t>
-            </a:r>
-            <a:r>
-              <a:rPr lang="en-US" dirty="0"/>
-              <a:t>jump table)</a:t>
-            </a:r>
-            <a:r>
-              <a:rPr lang="ru-RU" dirty="0"/>
-              <a:t>, в которую заносим адреса функций, импортированных из библиотеки.</a:t>
+              <a:t> </a:t>
+            </a:r>
+            <a:r>
+              <a:rPr lang="ru-RU" dirty="0"/>
+              <a:t>адресов, в которую заносим адреса функций, импортированных из библиотеки.</a:t>
             </a:r>
             <a:endParaRPr lang="en-US" dirty="0"/>
           </a:p>
@@ -2438,7 +2441,7 @@
             </a:r>
             <a:r>
               <a:rPr lang="ru-RU" dirty="0"/>
-              <a:t>в соответствии с адресом загрузки.</a:t>
+              <a:t>в соответствии с фактическим адресом загрузки.</a:t>
             </a:r>
             <a:r>
               <a:rPr lang="en-US" dirty="0"/>
@@ -2447,32 +2450,6 @@
             <a:r>
               <a:rPr lang="ru-RU" dirty="0"/>
               <a:t>Эта модификация называется релокацией.</a:t>
-            </a:r>
-            <a:endParaRPr lang="en-US" dirty="0"/>
-          </a:p>
-          <a:p>
-            <a:endParaRPr lang="en-US" dirty="0"/>
-          </a:p>
-          <a:p>
-            <a:r>
-              <a:rPr lang="ru-RU" dirty="0"/>
-              <a:t>Подходы к релокации на </a:t>
-            </a:r>
-            <a:r>
-              <a:rPr lang="en-US" dirty="0"/>
-              <a:t>Windows </a:t>
-            </a:r>
-            <a:r>
-              <a:rPr lang="ru-RU" dirty="0"/>
-              <a:t>и </a:t>
-            </a:r>
-            <a:r>
-              <a:rPr lang="en-US" dirty="0"/>
-              <a:t>Linux </a:t>
-            </a:r>
-            <a:r>
-              <a:rPr lang="ru-RU" dirty="0"/>
-              <a:t>существенно отличаются.</a:t>
             </a:r>
             <a:endParaRPr lang="en-US" dirty="0"/>
           </a:p>
@@ -2560,7 +2537,7 @@
           <a:p>
             <a:r>
               <a:rPr lang="ru-RU" dirty="0"/>
-              <a:t>На современных платформах библиотеки компилируются в специальном режиме, который использует подмножество системы команд, в котором не используются абсолютные адреса. Поэтому при загрузке библиотеки не надо релоцировать код и это сильно ускоряет загрузку.</a:t>
+              <a:t>Для ускорения релокации на современных платформах библиотеки компилируются в специальном режиме, который использует подмножество системы команд, в котором не используются абсолютные адреса. Вместо этого компилятор использует специальное подмножество инструкций, которые не используют фиксированные адреса, а использует их смещения относительно указателя инструкций. Поэтому при загрузке библиотеки не надо релоцировать код и это сильно ускоряет загрузку.</a:t>
             </a:r>
             <a:endParaRPr lang="en-US" dirty="0"/>
           </a:p>
@@ -2570,7 +2547,7 @@
           <a:p>
             <a:r>
               <a:rPr lang="ru-RU" dirty="0"/>
-              <a:t>Указатели на внутренние данные библиотеки во внутренних структурах данных по-прежнему надо релоцировать, но их как правило на порядки меньше</a:t>
+              <a:t>Указатели во внутренних структурах данных библиотеки по-прежнему надо релоцировать, но их как правило на порядки меньше</a:t>
             </a:r>
             <a:r>
               <a:rPr lang="en-US" dirty="0"/>
@@ -3940,32 +3917,7 @@
           <a:p>
             <a:r>
               <a:rPr lang="ru-RU" dirty="0"/>
-              <a:t>Рассмотрим первый способ ускорения </a:t>
-            </a:r>
-            <a:r>
-              <a:rPr lang="en-US" dirty="0"/>
-              <a:t>DLL, </a:t>
-            </a:r>
-            <a:r>
-              <a:rPr lang="ru-RU" dirty="0"/>
-              <a:t>который</a:t>
-            </a:r>
-            <a:r>
-              <a:rPr lang="en-US" dirty="0"/>
-              <a:t> </a:t>
-            </a:r>
-            <a:r>
-              <a:rPr lang="ru-RU" dirty="0"/>
-              <a:t>заключается в том чтобы просто не загружать их без явной необходимости.</a:t>
-            </a:r>
-          </a:p>
-          <a:p>
-            <a:endParaRPr lang="ru-RU" dirty="0"/>
-          </a:p>
-          <a:p>
-            <a:r>
-              <a:rPr lang="ru-RU" dirty="0"/>
-              <a:t>В самом деле если библиотека используется редко или только в специфических сценариях, то нам нет особого смысла загружать её на старте программы и лучше отложить это до первого использования.</a:t>
+              <a:t>Даже если библиотека нужна, может оказаться что она используется редко или только в специфических сценариях, то нам нет особого смысла загружать её на старте программы и лучше отложить это до первого использования.</a:t>
             </a:r>
           </a:p>
           <a:p>
@@ -4286,6 +4238,15 @@
           <a:p>
             <a:r>
               <a:rPr lang="ru-RU" dirty="0"/>
+              <a:t>Посмотрим теперь что делать если библиотеку всё же пришлось загрузить.</a:t>
+            </a:r>
+          </a:p>
+          <a:p>
+            <a:endParaRPr lang="ru-RU" dirty="0"/>
+          </a:p>
+          <a:p>
+            <a:r>
+              <a:rPr lang="ru-RU" dirty="0"/>
               <a:t>Рассмотрим теперь поочерёдно перечисленные нами накладные расходы</a:t>
             </a:r>
             <a:r>
@@ -4850,60 +4811,6 @@
           <a:bodyPr/>
           <a:lstStyle/>
           <a:p>
-            <a:r>
-              <a:rPr lang="ru-RU" dirty="0"/>
-              <a:t>Самый простой подход к связыванию символов</a:t>
-            </a:r>
-            <a:r>
-              <a:rPr lang="en-US" dirty="0"/>
-              <a:t>: </a:t>
-            </a:r>
-            <a:r>
-              <a:rPr lang="ru-RU" dirty="0"/>
-              <a:t>оптимизация размера соответсвующих таблиц поиска. Обычно рекомендуется использовать две опции</a:t>
-            </a:r>
-            <a:r>
-              <a:rPr lang="en-US" dirty="0"/>
-              <a:t>: hash-style </a:t>
-            </a:r>
-            <a:r>
-              <a:rPr lang="ru-RU" dirty="0"/>
-              <a:t>и </a:t>
-            </a:r>
-            <a:r>
-              <a:rPr lang="en-US" dirty="0"/>
-              <a:t>O1. </a:t>
-            </a:r>
-            <a:r>
-              <a:rPr lang="ru-RU" dirty="0"/>
-              <a:t>Первая из них уже по умолчанию включена в современных дистрибутивах (</a:t>
-            </a:r>
-            <a:r>
-              <a:rPr lang="en-US" dirty="0"/>
-              <a:t>RHEL </a:t>
-            </a:r>
-            <a:r>
-              <a:rPr lang="ru-RU" dirty="0"/>
-              <a:t>и </a:t>
-            </a:r>
-            <a:r>
-              <a:rPr lang="en-US" dirty="0"/>
-              <a:t>Ubuntu)</a:t>
-            </a:r>
-            <a:r>
-              <a:rPr lang="ru-RU" dirty="0"/>
-              <a:t>, а вторая по моим замерам не оказывает существенного влияния на производительность.</a:t>
-            </a:r>
-            <a:endParaRPr lang="en-US" dirty="0"/>
-          </a:p>
-          <a:p>
-            <a:endParaRPr lang="en-US" dirty="0"/>
-          </a:p>
-          <a:p>
-            <a:r>
-              <a:rPr lang="ru-RU" dirty="0"/>
-              <a:t>Резюмируя данный слайд можно сказать что дефолтные настройки тулчейнов в данном контексте оптимальны.</a:t>
-            </a:r>
             <a:endParaRPr lang="en-US" dirty="0"/>
           </a:p>
         </p:txBody>
@@ -5401,6 +5308,26 @@
           <a:bodyPr/>
           <a:lstStyle/>
           <a:p>
+            <a:r>
+              <a:rPr lang="ru-RU" dirty="0"/>
+              <a:t>Мои замеры показали что </a:t>
+            </a:r>
+            <a:r>
+              <a:rPr lang="en-US" dirty="0"/>
+              <a:t>–</a:t>
+            </a:r>
+            <a:r>
+              <a:rPr lang="en-US" dirty="0" err="1"/>
+              <a:t>fno-plt</a:t>
+            </a:r>
+            <a:r>
+              <a:rPr lang="en-US" dirty="0"/>
+              <a:t> </a:t>
+            </a:r>
+            <a:r>
+              <a:rPr lang="ru-RU" dirty="0"/>
+              <a:t>даёт существенный прирост производительности и я рекомендую её использовать.</a:t>
+            </a:r>
             <a:endParaRPr lang="en-US" dirty="0"/>
           </a:p>
         </p:txBody>
@@ -5631,7 +5558,7 @@
           <a:p>
             <a:r>
               <a:rPr lang="ru-RU" dirty="0"/>
-              <a:t>Кроме того из-за того что функции экспортируются возникает возможность их перехвата и компилятору приходится это учитывать и существенно ограничивать оптимизации.</a:t>
+              <a:t>Кроме того из-за того что функции экспортируются возникает возможность их перехвата и компилятору приходится вести себя более консервативно и существенно ограничивать оптимизации.</a:t>
             </a:r>
             <a:endParaRPr lang="en-US" dirty="0"/>
           </a:p>
@@ -6612,7 +6539,7 @@
             </a:r>
             <a:r>
               <a:rPr lang="ru-RU" dirty="0"/>
-              <a:t>Можно видеть что библиотека экспортирует большое количество ненужных символов.</a:t>
+              <a:t>В своё время её авторы не приняли мой патч про сокращение интерфейса и можно видеть что библиотека экспортирует большое количество ненужных символов. Такие неоптимальности встречаются во многих библиотеках.</a:t>
             </a:r>
             <a:endParaRPr lang="en-US" dirty="0"/>
           </a:p>
@@ -7588,7 +7515,7 @@
           <a:p>
             <a:fld id="{83D30A23-1FB6-43A1-891F-95145083C4E9}" type="datetime1">
               <a:rPr lang="en-US" smtClean="0"/>
-              <a:t>5/7/2024</a:t>
+              <a:t>5/10/2024</a:t>
             </a:fld>
             <a:endParaRPr lang="en-US"/>
           </a:p>
@@ -7786,7 +7713,7 @@
           <a:p>
             <a:fld id="{A4B03399-60D8-4226-8AC7-3F159D57E860}" type="datetime1">
               <a:rPr lang="en-US" smtClean="0"/>
-              <a:t>5/7/2024</a:t>
+              <a:t>5/10/2024</a:t>
             </a:fld>
             <a:endParaRPr lang="en-US"/>
           </a:p>
@@ -7994,7 +7921,7 @@
           <a:p>
             <a:fld id="{1A646459-A066-416D-8E21-9D451FB1CBED}" type="datetime1">
               <a:rPr lang="en-US" smtClean="0"/>
-              <a:t>5/7/2024</a:t>
+              <a:t>5/10/2024</a:t>
             </a:fld>
             <a:endParaRPr lang="en-US"/>
           </a:p>
@@ -8192,7 +8119,7 @@
           <a:p>
             <a:fld id="{0636B939-1A2A-498F-9013-EEF28820D750}" type="datetime1">
               <a:rPr lang="en-US" smtClean="0"/>
-              <a:t>5/7/2024</a:t>
+              <a:t>5/10/2024</a:t>
             </a:fld>
             <a:endParaRPr lang="en-US"/>
           </a:p>
@@ -8506,7 +8433,7 @@
           <a:p>
             <a:fld id="{97D3760A-E884-42F2-A44C-F32FAA030BF6}" type="datetime1">
               <a:rPr lang="en-US" smtClean="0"/>
-              <a:t>5/7/2024</a:t>
+              <a:t>5/10/2024</a:t>
             </a:fld>
             <a:endParaRPr lang="en-US"/>
           </a:p>
@@ -8771,7 +8698,7 @@
           <a:p>
             <a:fld id="{4FC7535E-ABF1-4A69-B09E-251EF8B13143}" type="datetime1">
               <a:rPr lang="en-US" smtClean="0"/>
-              <a:t>5/7/2024</a:t>
+              <a:t>5/10/2024</a:t>
             </a:fld>
             <a:endParaRPr lang="en-US"/>
           </a:p>
@@ -9183,7 +9110,7 @@
           <a:p>
             <a:fld id="{CE54BCFC-68A7-4C68-9600-D4AAA16CF9A6}" type="datetime1">
               <a:rPr lang="en-US" smtClean="0"/>
-              <a:t>5/7/2024</a:t>
+              <a:t>5/10/2024</a:t>
             </a:fld>
             <a:endParaRPr lang="en-US"/>
           </a:p>
@@ -9324,7 +9251,7 @@
           <a:p>
             <a:fld id="{0F981744-C4F3-4F58-9E0E-AF6C4E78D03B}" type="datetime1">
               <a:rPr lang="en-US" smtClean="0"/>
-              <a:t>5/7/2024</a:t>
+              <a:t>5/10/2024</a:t>
             </a:fld>
             <a:endParaRPr lang="en-US"/>
           </a:p>
@@ -9437,7 +9364,7 @@
           <a:p>
             <a:fld id="{98ED47E1-EA96-4683-9629-E838295B20BC}" type="datetime1">
               <a:rPr lang="en-US" smtClean="0"/>
-              <a:t>5/7/2024</a:t>
+              <a:t>5/10/2024</a:t>
             </a:fld>
             <a:endParaRPr lang="en-US"/>
           </a:p>
@@ -9748,7 +9675,7 @@
           <a:p>
             <a:fld id="{2F2A1627-B435-455B-A0CA-0808E5748D61}" type="datetime1">
               <a:rPr lang="en-US" smtClean="0"/>
-              <a:t>5/7/2024</a:t>
+              <a:t>5/10/2024</a:t>
             </a:fld>
             <a:endParaRPr lang="en-US"/>
           </a:p>
@@ -10036,7 +9963,7 @@
           <a:p>
             <a:fld id="{FE11CB43-EB9E-4C41-ACD2-0EC61FB429F2}" type="datetime1">
               <a:rPr lang="en-US" smtClean="0"/>
-              <a:t>5/7/2024</a:t>
+              <a:t>5/10/2024</a:t>
             </a:fld>
             <a:endParaRPr lang="en-US"/>
           </a:p>
@@ -10277,7 +10204,7 @@
           <a:p>
             <a:fld id="{CC0B8F92-0932-40E4-878B-3E2E4AAA6810}" type="datetime1">
               <a:rPr lang="en-US" smtClean="0"/>
-              <a:t>5/7/2024</a:t>
+              <a:t>5/10/2024</a:t>
             </a:fld>
             <a:endParaRPr lang="en-US"/>
           </a:p>
@@ -11260,7 +11187,12 @@
             <p:ph idx="1"/>
           </p:nvPr>
         </p:nvSpPr>
-        <p:spPr/>
+        <p:spPr>
+          <a:xfrm>
+            <a:off x="838200" y="1705881"/>
+            <a:ext cx="10515600" cy="4351338"/>
+          </a:xfrm>
+        </p:spPr>
         <p:txBody>
           <a:bodyPr>
             <a:normAutofit fontScale="92500"/>
@@ -11646,13 +11578,6 @@
             <a:r>
               <a:rPr lang="ru-RU" dirty="0"/>
               <a:t>Накладные загрузки при старте программы</a:t>
-            </a:r>
-          </a:p>
-          <a:p>
-            <a:pPr lvl="1"/>
-            <a:r>
-              <a:rPr lang="ru-RU" dirty="0"/>
-              <a:t>Поиск и загрузка библиотек, поиск символов</a:t>
             </a:r>
           </a:p>
           <a:p>
@@ -15282,7 +15207,7 @@
           <a:p>
             <a:r>
               <a:rPr lang="en-US" dirty="0"/>
-              <a:t>Dispatch section (GOT/IAT)</a:t>
+              <a:t>Address table (GOT/IAT)</a:t>
             </a:r>
           </a:p>
           <a:p>
@@ -15875,7 +15800,7 @@
           <a:p>
             <a:r>
               <a:rPr lang="en-US" dirty="0"/>
-              <a:t>Dispatch section (GOT/IAT)</a:t>
+              <a:t>Address table (GOT/IAT)</a:t>
             </a:r>
           </a:p>
           <a:p>
@@ -16348,7 +16273,7 @@
             <a:pPr lvl="1"/>
             <a:r>
               <a:rPr lang="ru-RU" dirty="0"/>
-              <a:t>Размещает в память файлы программы и импортируемых библиотек</a:t>
+              <a:t>Размещает в памяти файлы импортируемых библиотек</a:t>
             </a:r>
           </a:p>
           <a:p>
@@ -17235,64 +17160,6 @@
           </a:fontRef>
         </p:style>
       </p:cxnSp>
-      <p:sp>
-        <p:nvSpPr>
-          <p:cNvPr id="12" name="Title 1">
-            <a:extLst>
-              <a:ext uri="{FF2B5EF4-FFF2-40B4-BE49-F238E27FC236}">
-                <a16:creationId xmlns:a16="http://schemas.microsoft.com/office/drawing/2014/main" id="{B1EF5697-ECE4-4697-BF14-9837998FF827}"/>
-              </a:ext>
-            </a:extLst>
-          </p:cNvPr>
-          <p:cNvSpPr txBox="1">
-            <a:spLocks/>
-          </p:cNvSpPr>
-          <p:nvPr/>
-        </p:nvSpPr>
-        <p:spPr>
-          <a:xfrm>
-            <a:off x="838200" y="343354"/>
-            <a:ext cx="10515600" cy="1325563"/>
-          </a:xfrm>
-          <a:prstGeom prst="rect">
-            <a:avLst/>
-          </a:prstGeom>
-        </p:spPr>
-        <p:txBody>
-          <a:bodyPr vert="horz" lIns="91440" tIns="45720" rIns="91440" bIns="45720" rtlCol="0" anchor="ctr">
-            <a:normAutofit/>
-          </a:bodyPr>
-          <a:lstStyle>
-            <a:lvl1pPr algn="l" defTabSz="914400" rtl="0" eaLnBrk="1" latinLnBrk="0" hangingPunct="1">
-              <a:lnSpc>
-                <a:spcPct val="90000"/>
-              </a:lnSpc>
-              <a:spcBef>
-                <a:spcPct val="0"/>
-              </a:spcBef>
-              <a:buNone/>
-              <a:defRPr sz="4400" kern="1200">
-                <a:solidFill>
-                  <a:schemeClr val="tx1"/>
-                </a:solidFill>
-                <a:latin typeface="+mj-lt"/>
-                <a:ea typeface="+mj-ea"/>
-                <a:cs typeface="+mj-cs"/>
-              </a:defRPr>
-            </a:lvl1pPr>
-          </a:lstStyle>
-          <a:p>
-            <a:r>
-              <a:rPr lang="ru-RU" dirty="0"/>
-              <a:t>Процесс загрузки </a:t>
-            </a:r>
-            <a:r>
-              <a:rPr lang="en-US" dirty="0"/>
-              <a:t>DLL</a:t>
-            </a:r>
-          </a:p>
-        </p:txBody>
-      </p:sp>
       <p:cxnSp>
         <p:nvCxnSpPr>
           <p:cNvPr id="14" name="Straight Arrow Connector 13">
@@ -17522,31 +17389,6 @@
       </p:cxnSp>
       <p:sp>
         <p:nvSpPr>
-          <p:cNvPr id="7" name="Content Placeholder 6">
-            <a:extLst>
-              <a:ext uri="{FF2B5EF4-FFF2-40B4-BE49-F238E27FC236}">
-                <a16:creationId xmlns:a16="http://schemas.microsoft.com/office/drawing/2014/main" id="{AB27C4D9-3AA5-4F00-944D-3872EF8FE4DB}"/>
-              </a:ext>
-            </a:extLst>
-          </p:cNvPr>
-          <p:cNvSpPr>
-            <a:spLocks noGrp="1"/>
-          </p:cNvSpPr>
-          <p:nvPr>
-            <p:ph idx="1"/>
-          </p:nvPr>
-        </p:nvSpPr>
-        <p:spPr/>
-        <p:txBody>
-          <a:bodyPr/>
-          <a:lstStyle/>
-          <a:p>
-            <a:endParaRPr lang="en-US"/>
-          </a:p>
-        </p:txBody>
-      </p:sp>
-      <p:sp>
-        <p:nvSpPr>
           <p:cNvPr id="15" name="Rectangle 14">
             <a:extLst>
               <a:ext uri="{FF2B5EF4-FFF2-40B4-BE49-F238E27FC236}">
@@ -17842,7 +17684,7 @@
                 <a:latin typeface="Courier New" panose="02070309020205020404" pitchFamily="49" charset="0"/>
                 <a:cs typeface="Courier New" panose="02070309020205020404" pitchFamily="49" charset="0"/>
               </a:rPr>
-              <a:t>puts</a:t>
+              <a:t>foo</a:t>
             </a:r>
             <a:r>
               <a:rPr lang="en-US" sz="2800" dirty="0">
@@ -19534,7 +19376,7 @@
         </p:spPr>
         <p:txBody>
           <a:bodyPr>
-            <a:normAutofit/>
+            <a:normAutofit lnSpcReduction="10000"/>
           </a:bodyPr>
           <a:lstStyle/>
           <a:p>
@@ -19763,6 +19605,36 @@
                 <a:cs typeface="Courier New" panose="02070309020205020404" pitchFamily="49" charset="0"/>
               </a:rPr>
               <a:t>, ...) { puts("Hello from interceptor\n"); }</a:t>
+            </a:r>
+          </a:p>
+          <a:p>
+            <a:pPr marL="457200" lvl="1" indent="0">
+              <a:buNone/>
+            </a:pPr>
+            <a:r>
+              <a:rPr lang="en-US" sz="1800" dirty="0">
+                <a:solidFill>
+                  <a:prstClr val="black"/>
+                </a:solidFill>
+                <a:latin typeface="Courier New" panose="02070309020205020404" pitchFamily="49" charset="0"/>
+                <a:cs typeface="Courier New" panose="02070309020205020404" pitchFamily="49" charset="0"/>
+              </a:rPr>
+              <a:t>$ ./prog</a:t>
+            </a:r>
+          </a:p>
+          <a:p>
+            <a:pPr marL="457200" lvl="1" indent="0">
+              <a:buNone/>
+            </a:pPr>
+            <a:r>
+              <a:rPr lang="en-US" sz="1800" dirty="0">
+                <a:solidFill>
+                  <a:prstClr val="black"/>
+                </a:solidFill>
+                <a:latin typeface="Courier New" panose="02070309020205020404" pitchFamily="49" charset="0"/>
+                <a:cs typeface="Courier New" panose="02070309020205020404" pitchFamily="49" charset="0"/>
+              </a:rPr>
+              <a:t>1</a:t>
             </a:r>
           </a:p>
           <a:p>
@@ -20538,7 +20410,7 @@
         </p:spPr>
         <p:txBody>
           <a:bodyPr>
-            <a:normAutofit fontScale="85000" lnSpcReduction="10000"/>
+            <a:normAutofit fontScale="92500" lnSpcReduction="20000"/>
           </a:bodyPr>
           <a:lstStyle/>
           <a:p>
@@ -20562,7 +20434,7 @@
           <a:p>
             <a:r>
               <a:rPr lang="ru-RU" dirty="0"/>
-              <a:t>Импортируемые функции вызываются через специальную таблицу импорта</a:t>
+              <a:t>Импортируемые функции вызываются через специальную таблицу</a:t>
             </a:r>
             <a:endParaRPr lang="en-US" dirty="0"/>
           </a:p>
@@ -20906,7 +20778,7 @@
           <a:p>
             <a:r>
               <a:rPr lang="ru-RU" dirty="0"/>
-              <a:t>Загрузка символа из таблицы импорта осуществляется не напрямую, а через заглушку </a:t>
+              <a:t>Загрузка символа из таблицы адресов осуществляется не напрямую, а через функцию-заглушку </a:t>
             </a:r>
             <a:r>
               <a:rPr lang="en-US" dirty="0"/>
@@ -21453,7 +21325,7 @@
             <a:pPr lvl="1"/>
             <a:r>
               <a:rPr lang="ru-RU" dirty="0"/>
-              <a:t>Релокация кода</a:t>
+              <a:t>Релокация</a:t>
             </a:r>
             <a:endParaRPr lang="en-US" dirty="0"/>
           </a:p>
@@ -21476,17 +21348,12 @@
             <a:pPr lvl="1"/>
             <a:r>
               <a:rPr lang="ru-RU" dirty="0"/>
-              <a:t>Косвенные вызовы (</a:t>
-            </a:r>
-            <a:r>
-              <a:rPr lang="en-US" dirty="0"/>
-              <a:t>indirect calls) </a:t>
-            </a:r>
-            <a:r>
-              <a:rPr lang="ru-RU" dirty="0"/>
-              <a:t>функций</a:t>
-            </a:r>
-            <a:endParaRPr lang="en-US" dirty="0"/>
+              <a:t>Косвенные вызовы функций (</a:t>
+            </a:r>
+            <a:r>
+              <a:rPr lang="en-US" dirty="0"/>
+              <a:t>indirect calls)</a:t>
+            </a:r>
           </a:p>
         </p:txBody>
       </p:sp>
@@ -21599,7 +21466,7 @@
             <a:pPr lvl="1"/>
             <a:r>
               <a:rPr lang="ru-RU" dirty="0"/>
-              <a:t>Релокация кода</a:t>
+              <a:t>Релокация</a:t>
             </a:r>
             <a:endParaRPr lang="en-US" dirty="0"/>
           </a:p>
@@ -21622,17 +21489,12 @@
             <a:pPr lvl="1"/>
             <a:r>
               <a:rPr lang="ru-RU" dirty="0"/>
-              <a:t>Косвенные вызовы (</a:t>
-            </a:r>
-            <a:r>
-              <a:rPr lang="en-US" dirty="0"/>
-              <a:t>indirect calls) </a:t>
-            </a:r>
-            <a:r>
-              <a:rPr lang="ru-RU" dirty="0"/>
-              <a:t>функций</a:t>
-            </a:r>
-            <a:endParaRPr lang="en-US" dirty="0"/>
+              <a:t>Косвенные вызовы функций (</a:t>
+            </a:r>
+            <a:r>
+              <a:rPr lang="en-US" dirty="0"/>
+              <a:t>indirect calls)</a:t>
+            </a:r>
           </a:p>
         </p:txBody>
       </p:sp>
@@ -21885,7 +21747,7 @@
           <a:p>
             <a:r>
               <a:rPr lang="ru-RU" dirty="0"/>
-              <a:t>Часто библиотека используется только в редких случаях или особых режимах работы приложения</a:t>
+              <a:t>Часто библиотека используется только в редких случаях</a:t>
             </a:r>
           </a:p>
           <a:p>
@@ -23139,7 +23001,7 @@
             <a:pPr lvl="1"/>
             <a:r>
               <a:rPr lang="ru-RU" b="1" dirty="0"/>
-              <a:t>Релокация кода</a:t>
+              <a:t>Релокация</a:t>
             </a:r>
             <a:endParaRPr lang="en-US" b="1" dirty="0"/>
           </a:p>
@@ -23173,15 +23035,7 @@
             <a:pPr lvl="1"/>
             <a:r>
               <a:rPr lang="ru-RU" dirty="0"/>
-              <a:t>Косвенные вызовы (</a:t>
-            </a:r>
-            <a:r>
-              <a:rPr lang="en-US" dirty="0"/>
-              <a:t>indirect calls) </a:t>
-            </a:r>
-            <a:r>
-              <a:rPr lang="ru-RU" dirty="0"/>
-              <a:t>функций</a:t>
+              <a:t>Косвенные вызовы функций</a:t>
             </a:r>
             <a:r>
               <a:rPr lang="en-US" dirty="0"/>
@@ -23189,9 +23043,12 @@
             </a:r>
             <a:r>
               <a:rPr lang="ru-RU" dirty="0"/>
-              <a:t>в рантайме</a:t>
-            </a:r>
-            <a:endParaRPr lang="en-US" dirty="0"/>
+              <a:t>(</a:t>
+            </a:r>
+            <a:r>
+              <a:rPr lang="en-US" dirty="0"/>
+              <a:t>indirect calls)</a:t>
+            </a:r>
           </a:p>
         </p:txBody>
       </p:sp>
@@ -23308,6 +23165,14 @@
               <a:rPr lang="ru-RU" dirty="0"/>
               <a:t>Статически распределить адресное пространство между всеми библиотеками</a:t>
             </a:r>
+            <a:endParaRPr lang="en-US" dirty="0"/>
+          </a:p>
+          <a:p>
+            <a:pPr lvl="1"/>
+            <a:r>
+              <a:rPr lang="ru-RU" dirty="0"/>
+              <a:t>Слинковать каждую библиотеку по её адресу</a:t>
+            </a:r>
           </a:p>
           <a:p>
             <a:r>
@@ -23481,37 +23346,6 @@
             </a:r>
             <a:endParaRPr lang="en-US" dirty="0"/>
           </a:p>
-          <a:p>
-            <a:pPr lvl="1"/>
-            <a:r>
-              <a:rPr lang="en-US" dirty="0"/>
-              <a:t>/DYNAMICBASE </a:t>
-            </a:r>
-            <a:r>
-              <a:rPr lang="ru-RU" dirty="0"/>
-              <a:t>включен по умолчанию в новых версиях </a:t>
-            </a:r>
-            <a:r>
-              <a:rPr lang="en-US" dirty="0"/>
-              <a:t>Windows, -</a:t>
-            </a:r>
-            <a:r>
-              <a:rPr lang="en-US" dirty="0" err="1"/>
-              <a:t>fPIE</a:t>
-            </a:r>
-            <a:r>
-              <a:rPr lang="en-US" dirty="0"/>
-              <a:t> </a:t>
-            </a:r>
-            <a:r>
-              <a:rPr lang="ru-RU" dirty="0"/>
-              <a:t>в дистрибутивах </a:t>
-            </a:r>
-            <a:r>
-              <a:rPr lang="en-US" dirty="0"/>
-              <a:t>Linux</a:t>
-            </a:r>
-          </a:p>
         </p:txBody>
       </p:sp>
     </p:spTree>
@@ -23623,7 +23457,7 @@
             <a:pPr lvl="1"/>
             <a:r>
               <a:rPr lang="ru-RU" dirty="0"/>
-              <a:t>Релокация кода</a:t>
+              <a:t>Релокация</a:t>
             </a:r>
             <a:endParaRPr lang="en-US" dirty="0"/>
           </a:p>
@@ -23657,25 +23491,12 @@
             <a:pPr lvl="1"/>
             <a:r>
               <a:rPr lang="ru-RU" dirty="0"/>
-              <a:t>Косвенные вызовы (</a:t>
-            </a:r>
-            <a:r>
-              <a:rPr lang="en-US" dirty="0"/>
-              <a:t>indirect calls) </a:t>
-            </a:r>
-            <a:r>
-              <a:rPr lang="ru-RU" dirty="0"/>
-              <a:t>функций</a:t>
-            </a:r>
-            <a:r>
-              <a:rPr lang="en-US" dirty="0"/>
-              <a:t> </a:t>
-            </a:r>
-            <a:r>
-              <a:rPr lang="ru-RU" dirty="0"/>
-              <a:t>в рантайме</a:t>
-            </a:r>
-            <a:endParaRPr lang="en-US" dirty="0"/>
+              <a:t>Косвенные вызовы функций (</a:t>
+            </a:r>
+            <a:r>
+              <a:rPr lang="en-US" dirty="0"/>
+              <a:t>indirect calls)</a:t>
+            </a:r>
           </a:p>
         </p:txBody>
       </p:sp>
@@ -23771,13 +23592,13 @@
           <a:p>
             <a:r>
               <a:rPr lang="ru-RU" dirty="0"/>
-              <a:t>Заранее (до запуска) инициализировать таблицу диспетчеризации в файле программы</a:t>
-            </a:r>
-          </a:p>
-          <a:p>
-            <a:r>
-              <a:rPr lang="ru-RU" dirty="0"/>
-              <a:t>Это ускорит разрешение символов если библиотека всегда загружается по одному и тому же адресу</a:t>
+              <a:t>Заранее (до запуска) инициализировать таблицу адресов в файле программы</a:t>
+            </a:r>
+          </a:p>
+          <a:p>
+            <a:r>
+              <a:rPr lang="ru-RU" dirty="0"/>
+              <a:t>Ускорит поиск символов если библиотека всегда загружается по одному и тому же адресу</a:t>
             </a:r>
           </a:p>
           <a:p>
@@ -24330,7 +24151,7 @@
             </a:r>
             <a:r>
               <a:rPr lang="ru-RU" dirty="0"/>
-              <a:t>библиотеки (т.к. все адреса надо разрешить и связать на старте</a:t>
+              <a:t>библиотеки (т.к. все адреса надо инициализировать на старте</a:t>
             </a:r>
             <a:r>
               <a:rPr lang="en-US" dirty="0"/>
@@ -24811,7 +24632,7 @@
             <a:pPr lvl="1"/>
             <a:r>
               <a:rPr lang="ru-RU" dirty="0"/>
-              <a:t>Релокация кода</a:t>
+              <a:t>Релокация</a:t>
             </a:r>
             <a:endParaRPr lang="en-US" dirty="0"/>
           </a:p>
@@ -24842,25 +24663,12 @@
             <a:pPr lvl="1"/>
             <a:r>
               <a:rPr lang="ru-RU" b="1" dirty="0"/>
-              <a:t>Косвенные вызовы (</a:t>
+              <a:t>Косвенные вызовы функций (</a:t>
             </a:r>
             <a:r>
               <a:rPr lang="en-US" b="1" dirty="0"/>
-              <a:t>indirect calls) </a:t>
-            </a:r>
-            <a:r>
-              <a:rPr lang="ru-RU" b="1" dirty="0"/>
-              <a:t>функций</a:t>
-            </a:r>
-            <a:r>
-              <a:rPr lang="en-US" b="1" dirty="0"/>
-              <a:t> </a:t>
-            </a:r>
-            <a:r>
-              <a:rPr lang="ru-RU" b="1" dirty="0"/>
-              <a:t>в рантайме</a:t>
-            </a:r>
-            <a:endParaRPr lang="en-US" b="1" dirty="0"/>
+              <a:t>indirect calls)</a:t>
+            </a:r>
           </a:p>
         </p:txBody>
       </p:sp>
@@ -24967,12 +24775,17 @@
           <a:p>
             <a:r>
               <a:rPr lang="ru-RU" dirty="0"/>
-              <a:t>Из-за возможного перехвата функций вызов функций внутри библиотеки происходит через таблицу </a:t>
+              <a:t>Из-за возможного перехвата функций вызов функций внутри библиотеки происходит через таблицу адресов (</a:t>
             </a:r>
             <a:r>
               <a:rPr lang="en-US" dirty="0"/>
               <a:t>GOT</a:t>
             </a:r>
+            <a:r>
+              <a:rPr lang="ru-RU" dirty="0"/>
+              <a:t>)</a:t>
+            </a:r>
+            <a:endParaRPr lang="en-US" dirty="0"/>
           </a:p>
           <a:p>
             <a:r>
@@ -25494,7 +25307,7 @@
             </a:r>
             <a:r>
               <a:rPr lang="ru-RU" dirty="0"/>
-              <a:t>отключает возможность перехвата на этапе компиляции</a:t>
+              <a:t>игнорирует возможность перехвата на этапе компиляции</a:t>
             </a:r>
           </a:p>
           <a:p>
@@ -25857,7 +25670,7 @@
         </p:spPr>
         <p:txBody>
           <a:bodyPr>
-            <a:normAutofit fontScale="92500" lnSpcReduction="10000"/>
+            <a:normAutofit fontScale="92500" lnSpcReduction="20000"/>
           </a:bodyPr>
           <a:lstStyle/>
           <a:p>
@@ -25869,18 +25682,13 @@
           <a:p>
             <a:r>
               <a:rPr lang="ru-RU" dirty="0"/>
-              <a:t>Не требует нестандартных флагов сборки</a:t>
-            </a:r>
-          </a:p>
-          <a:p>
-            <a:r>
-              <a:rPr lang="ru-RU" dirty="0"/>
-              <a:t>Явный контроль над тем какие символы считать экспортируемыми</a:t>
+              <a:t>Явно помечаем публичные функции библиотеки</a:t>
             </a:r>
             <a:r>
               <a:rPr lang="en-US" dirty="0"/>
               <a:t>:</a:t>
             </a:r>
+            <a:endParaRPr lang="ru-RU" dirty="0"/>
           </a:p>
           <a:p>
             <a:pPr marL="457200" lvl="1" indent="0">
@@ -25931,7 +25739,7 @@
               <a:buNone/>
             </a:pPr>
             <a:r>
-              <a:rPr lang="en-US" sz="2000" dirty="0">
+              <a:rPr lang="en-US" sz="2000" b="1" dirty="0">
                 <a:latin typeface="Courier New" panose="02070309020205020404" pitchFamily="49" charset="0"/>
                 <a:cs typeface="Courier New" panose="02070309020205020404" pitchFamily="49" charset="0"/>
               </a:rPr>
@@ -25996,21 +25804,35 @@
                 <a:latin typeface="Courier New" panose="02070309020205020404" pitchFamily="49" charset="0"/>
                 <a:cs typeface="Courier New" panose="02070309020205020404" pitchFamily="49" charset="0"/>
               </a:rPr>
-              <a:t> -</a:t>
-            </a:r>
-            <a:r>
-              <a:rPr lang="en-US" sz="2000" dirty="0" err="1">
+              <a:t> </a:t>
+            </a:r>
+            <a:r>
+              <a:rPr lang="en-US" sz="2000" b="1" dirty="0">
+                <a:latin typeface="Courier New" panose="02070309020205020404" pitchFamily="49" charset="0"/>
+                <a:cs typeface="Courier New" panose="02070309020205020404" pitchFamily="49" charset="0"/>
+              </a:rPr>
+              <a:t>-</a:t>
+            </a:r>
+            <a:r>
+              <a:rPr lang="en-US" sz="2000" b="1" dirty="0" err="1">
                 <a:latin typeface="Courier New" panose="02070309020205020404" pitchFamily="49" charset="0"/>
                 <a:cs typeface="Courier New" panose="02070309020205020404" pitchFamily="49" charset="0"/>
               </a:rPr>
               <a:t>fvisibility</a:t>
             </a:r>
             <a:r>
+              <a:rPr lang="en-US" sz="2000" b="1" dirty="0">
+                <a:latin typeface="Courier New" panose="02070309020205020404" pitchFamily="49" charset="0"/>
+                <a:cs typeface="Courier New" panose="02070309020205020404" pitchFamily="49" charset="0"/>
+              </a:rPr>
+              <a:t>=hidden</a:t>
+            </a:r>
+            <a:r>
               <a:rPr lang="en-US" sz="2000" dirty="0">
                 <a:latin typeface="Courier New" panose="02070309020205020404" pitchFamily="49" charset="0"/>
                 <a:cs typeface="Courier New" panose="02070309020205020404" pitchFamily="49" charset="0"/>
               </a:rPr>
-              <a:t>=hidden -</a:t>
+              <a:t> -</a:t>
             </a:r>
             <a:r>
               <a:rPr lang="en-US" sz="2000" dirty="0" err="1">
@@ -26028,6 +25850,19 @@
             </a:r>
             <a:endParaRPr lang="ru-RU" sz="2000" dirty="0">
               <a:latin typeface="Courier New" panose="02070309020205020404" pitchFamily="49" charset="0"/>
+              <a:cs typeface="Courier New" panose="02070309020205020404" pitchFamily="49" charset="0"/>
+            </a:endParaRPr>
+          </a:p>
+          <a:p>
+            <a:r>
+              <a:rPr lang="ru-RU" dirty="0">
+                <a:latin typeface="Calibri (Body)"/>
+                <a:cs typeface="Courier New" panose="02070309020205020404" pitchFamily="49" charset="0"/>
+              </a:rPr>
+              <a:t>Непубличные функции будет полноценно оптимизироваться компилятором</a:t>
+            </a:r>
+            <a:endParaRPr lang="en-US" dirty="0">
+              <a:latin typeface="Calibri (Body)"/>
               <a:cs typeface="Courier New" panose="02070309020205020404" pitchFamily="49" charset="0"/>
             </a:endParaRPr>
           </a:p>
@@ -26553,7 +26388,7 @@
         </p:nvSpPr>
         <p:spPr>
           <a:xfrm>
-            <a:off x="5668735" y="4724400"/>
+            <a:off x="5668735" y="4757058"/>
             <a:ext cx="751114" cy="471261"/>
           </a:xfrm>
           <a:prstGeom prst="mathNotEqual">
@@ -26670,13 +26505,15 @@
               </a:ext>
             </a:extLst>
           </p:cNvPr>
-          <p:cNvCxnSpPr/>
+          <p:cNvCxnSpPr>
+            <a:cxnSpLocks/>
+          </p:cNvCxnSpPr>
           <p:nvPr/>
         </p:nvCxnSpPr>
         <p:spPr>
           <a:xfrm>
-            <a:off x="6553200" y="4933777"/>
-            <a:ext cx="1045029" cy="26253"/>
+            <a:off x="6591298" y="4960030"/>
+            <a:ext cx="1006931" cy="0"/>
           </a:xfrm>
           <a:prstGeom prst="straightConnector1">
             <a:avLst/>
@@ -29028,7 +28865,12 @@
             <p:ph type="title"/>
           </p:nvPr>
         </p:nvSpPr>
-        <p:spPr/>
+        <p:spPr>
+          <a:xfrm>
+            <a:off x="838200" y="343353"/>
+            <a:ext cx="10515600" cy="1325563"/>
+          </a:xfrm>
+        </p:spPr>
         <p:txBody>
           <a:bodyPr/>
           <a:lstStyle/>
@@ -29057,7 +28899,12 @@
             <p:ph idx="1"/>
           </p:nvPr>
         </p:nvSpPr>
-        <p:spPr/>
+        <p:spPr>
+          <a:xfrm>
+            <a:off x="838201" y="1825625"/>
+            <a:ext cx="6945086" cy="4351338"/>
+          </a:xfrm>
+        </p:spPr>
         <p:txBody>
           <a:bodyPr/>
           <a:lstStyle/>
@@ -29137,11 +28984,483 @@
             <a:pPr lvl="1"/>
             <a:r>
               <a:rPr lang="en-US" dirty="0"/>
-              <a:t>Windows, Linux, macOS</a:t>
-            </a:r>
-          </a:p>
-        </p:txBody>
-      </p:sp>
+              <a:t>Windows, Linux, macOS, BSD</a:t>
+            </a:r>
+          </a:p>
+        </p:txBody>
+      </p:sp>
+      <p:sp>
+        <p:nvSpPr>
+          <p:cNvPr id="4" name="Rectangle 3">
+            <a:extLst>
+              <a:ext uri="{FF2B5EF4-FFF2-40B4-BE49-F238E27FC236}">
+                <a16:creationId xmlns:a16="http://schemas.microsoft.com/office/drawing/2014/main" id="{2DAEDABD-2F51-4373-99B8-200EE8B05C68}"/>
+              </a:ext>
+            </a:extLst>
+          </p:cNvPr>
+          <p:cNvSpPr/>
+          <p:nvPr/>
+        </p:nvSpPr>
+        <p:spPr>
+          <a:xfrm>
+            <a:off x="8131629" y="2329541"/>
+            <a:ext cx="957943" cy="1325563"/>
+          </a:xfrm>
+          <a:prstGeom prst="rect">
+            <a:avLst/>
+          </a:prstGeom>
+        </p:spPr>
+        <p:style>
+          <a:lnRef idx="2">
+            <a:schemeClr val="accent1">
+              <a:shade val="50000"/>
+            </a:schemeClr>
+          </a:lnRef>
+          <a:fillRef idx="1">
+            <a:schemeClr val="accent1"/>
+          </a:fillRef>
+          <a:effectRef idx="0">
+            <a:schemeClr val="accent1"/>
+          </a:effectRef>
+          <a:fontRef idx="minor">
+            <a:schemeClr val="lt1"/>
+          </a:fontRef>
+        </p:style>
+        <p:txBody>
+          <a:bodyPr rtlCol="0" anchor="t"/>
+          <a:lstStyle/>
+          <a:p>
+            <a:pPr algn="ctr"/>
+            <a:r>
+              <a:rPr lang="en-US" dirty="0"/>
+              <a:t>App1</a:t>
+            </a:r>
+          </a:p>
+        </p:txBody>
+      </p:sp>
+      <p:sp>
+        <p:nvSpPr>
+          <p:cNvPr id="5" name="Rectangle 4">
+            <a:extLst>
+              <a:ext uri="{FF2B5EF4-FFF2-40B4-BE49-F238E27FC236}">
+                <a16:creationId xmlns:a16="http://schemas.microsoft.com/office/drawing/2014/main" id="{602C8787-BDB6-416C-B224-5BE946924E0A}"/>
+              </a:ext>
+            </a:extLst>
+          </p:cNvPr>
+          <p:cNvSpPr/>
+          <p:nvPr/>
+        </p:nvSpPr>
+        <p:spPr>
+          <a:xfrm>
+            <a:off x="9318173" y="2329539"/>
+            <a:ext cx="957943" cy="1325563"/>
+          </a:xfrm>
+          <a:prstGeom prst="rect">
+            <a:avLst/>
+          </a:prstGeom>
+        </p:spPr>
+        <p:style>
+          <a:lnRef idx="2">
+            <a:schemeClr val="accent1">
+              <a:shade val="50000"/>
+            </a:schemeClr>
+          </a:lnRef>
+          <a:fillRef idx="1">
+            <a:schemeClr val="accent1"/>
+          </a:fillRef>
+          <a:effectRef idx="0">
+            <a:schemeClr val="accent1"/>
+          </a:effectRef>
+          <a:fontRef idx="minor">
+            <a:schemeClr val="lt1"/>
+          </a:fontRef>
+        </p:style>
+        <p:txBody>
+          <a:bodyPr rtlCol="0" anchor="t"/>
+          <a:lstStyle/>
+          <a:p>
+            <a:pPr algn="ctr"/>
+            <a:r>
+              <a:rPr lang="en-US" dirty="0"/>
+              <a:t>App2</a:t>
+            </a:r>
+          </a:p>
+        </p:txBody>
+      </p:sp>
+      <p:sp>
+        <p:nvSpPr>
+          <p:cNvPr id="6" name="Rectangle 5">
+            <a:extLst>
+              <a:ext uri="{FF2B5EF4-FFF2-40B4-BE49-F238E27FC236}">
+                <a16:creationId xmlns:a16="http://schemas.microsoft.com/office/drawing/2014/main" id="{BEEE5655-4277-42F5-A68E-87192FD2A3EE}"/>
+              </a:ext>
+            </a:extLst>
+          </p:cNvPr>
+          <p:cNvSpPr/>
+          <p:nvPr/>
+        </p:nvSpPr>
+        <p:spPr>
+          <a:xfrm>
+            <a:off x="10450288" y="2329538"/>
+            <a:ext cx="957943" cy="1325563"/>
+          </a:xfrm>
+          <a:prstGeom prst="rect">
+            <a:avLst/>
+          </a:prstGeom>
+        </p:spPr>
+        <p:style>
+          <a:lnRef idx="2">
+            <a:schemeClr val="accent1">
+              <a:shade val="50000"/>
+            </a:schemeClr>
+          </a:lnRef>
+          <a:fillRef idx="1">
+            <a:schemeClr val="accent1"/>
+          </a:fillRef>
+          <a:effectRef idx="0">
+            <a:schemeClr val="accent1"/>
+          </a:effectRef>
+          <a:fontRef idx="minor">
+            <a:schemeClr val="lt1"/>
+          </a:fontRef>
+        </p:style>
+        <p:txBody>
+          <a:bodyPr rtlCol="0" anchor="t"/>
+          <a:lstStyle/>
+          <a:p>
+            <a:pPr algn="ctr"/>
+            <a:r>
+              <a:rPr lang="en-US" dirty="0"/>
+              <a:t>App3</a:t>
+            </a:r>
+          </a:p>
+        </p:txBody>
+      </p:sp>
+      <p:sp>
+        <p:nvSpPr>
+          <p:cNvPr id="7" name="Rectangle: Rounded Corners 6">
+            <a:extLst>
+              <a:ext uri="{FF2B5EF4-FFF2-40B4-BE49-F238E27FC236}">
+                <a16:creationId xmlns:a16="http://schemas.microsoft.com/office/drawing/2014/main" id="{0551026F-744F-4B76-8B53-751801AFE1B8}"/>
+              </a:ext>
+            </a:extLst>
+          </p:cNvPr>
+          <p:cNvSpPr/>
+          <p:nvPr/>
+        </p:nvSpPr>
+        <p:spPr>
+          <a:xfrm>
+            <a:off x="9285517" y="4441372"/>
+            <a:ext cx="957943" cy="653143"/>
+          </a:xfrm>
+          <a:prstGeom prst="roundRect">
+            <a:avLst/>
+          </a:prstGeom>
+        </p:spPr>
+        <p:style>
+          <a:lnRef idx="2">
+            <a:schemeClr val="accent6">
+              <a:shade val="50000"/>
+            </a:schemeClr>
+          </a:lnRef>
+          <a:fillRef idx="1">
+            <a:schemeClr val="accent6"/>
+          </a:fillRef>
+          <a:effectRef idx="0">
+            <a:schemeClr val="accent6"/>
+          </a:effectRef>
+          <a:fontRef idx="minor">
+            <a:schemeClr val="lt1"/>
+          </a:fontRef>
+        </p:style>
+        <p:txBody>
+          <a:bodyPr rtlCol="0" anchor="ctr"/>
+          <a:lstStyle/>
+          <a:p>
+            <a:pPr algn="ctr"/>
+            <a:r>
+              <a:rPr lang="en-US" dirty="0"/>
+              <a:t>Lib</a:t>
+            </a:r>
+          </a:p>
+        </p:txBody>
+      </p:sp>
+      <p:sp>
+        <p:nvSpPr>
+          <p:cNvPr id="8" name="Rectangle: Rounded Corners 7">
+            <a:extLst>
+              <a:ext uri="{FF2B5EF4-FFF2-40B4-BE49-F238E27FC236}">
+                <a16:creationId xmlns:a16="http://schemas.microsoft.com/office/drawing/2014/main" id="{41FD15FB-E7B8-4838-AF40-79DB2D18D518}"/>
+              </a:ext>
+            </a:extLst>
+          </p:cNvPr>
+          <p:cNvSpPr/>
+          <p:nvPr/>
+        </p:nvSpPr>
+        <p:spPr>
+          <a:xfrm>
+            <a:off x="8186059" y="3004456"/>
+            <a:ext cx="816428" cy="522516"/>
+          </a:xfrm>
+          <a:prstGeom prst="roundRect">
+            <a:avLst/>
+          </a:prstGeom>
+        </p:spPr>
+        <p:style>
+          <a:lnRef idx="2">
+            <a:schemeClr val="accent6">
+              <a:shade val="50000"/>
+            </a:schemeClr>
+          </a:lnRef>
+          <a:fillRef idx="1">
+            <a:schemeClr val="accent6"/>
+          </a:fillRef>
+          <a:effectRef idx="0">
+            <a:schemeClr val="accent6"/>
+          </a:effectRef>
+          <a:fontRef idx="minor">
+            <a:schemeClr val="lt1"/>
+          </a:fontRef>
+        </p:style>
+        <p:txBody>
+          <a:bodyPr rtlCol="0" anchor="ctr"/>
+          <a:lstStyle/>
+          <a:p>
+            <a:pPr algn="ctr"/>
+            <a:r>
+              <a:rPr lang="en-US" dirty="0"/>
+              <a:t>Lib</a:t>
+            </a:r>
+          </a:p>
+        </p:txBody>
+      </p:sp>
+      <p:sp>
+        <p:nvSpPr>
+          <p:cNvPr id="9" name="Rectangle: Rounded Corners 8">
+            <a:extLst>
+              <a:ext uri="{FF2B5EF4-FFF2-40B4-BE49-F238E27FC236}">
+                <a16:creationId xmlns:a16="http://schemas.microsoft.com/office/drawing/2014/main" id="{951DC986-BB4C-41E3-89CB-A45A493A7989}"/>
+              </a:ext>
+            </a:extLst>
+          </p:cNvPr>
+          <p:cNvSpPr/>
+          <p:nvPr/>
+        </p:nvSpPr>
+        <p:spPr>
+          <a:xfrm>
+            <a:off x="9388930" y="3004456"/>
+            <a:ext cx="816428" cy="522516"/>
+          </a:xfrm>
+          <a:prstGeom prst="roundRect">
+            <a:avLst/>
+          </a:prstGeom>
+        </p:spPr>
+        <p:style>
+          <a:lnRef idx="2">
+            <a:schemeClr val="accent6">
+              <a:shade val="50000"/>
+            </a:schemeClr>
+          </a:lnRef>
+          <a:fillRef idx="1">
+            <a:schemeClr val="accent6"/>
+          </a:fillRef>
+          <a:effectRef idx="0">
+            <a:schemeClr val="accent6"/>
+          </a:effectRef>
+          <a:fontRef idx="minor">
+            <a:schemeClr val="lt1"/>
+          </a:fontRef>
+        </p:style>
+        <p:txBody>
+          <a:bodyPr rtlCol="0" anchor="ctr"/>
+          <a:lstStyle/>
+          <a:p>
+            <a:pPr algn="ctr"/>
+            <a:r>
+              <a:rPr lang="en-US" dirty="0"/>
+              <a:t>Lib</a:t>
+            </a:r>
+          </a:p>
+        </p:txBody>
+      </p:sp>
+      <p:sp>
+        <p:nvSpPr>
+          <p:cNvPr id="10" name="Rectangle: Rounded Corners 9">
+            <a:extLst>
+              <a:ext uri="{FF2B5EF4-FFF2-40B4-BE49-F238E27FC236}">
+                <a16:creationId xmlns:a16="http://schemas.microsoft.com/office/drawing/2014/main" id="{CC5C3857-2B1C-47D6-82DF-2990FDC6D9B5}"/>
+              </a:ext>
+            </a:extLst>
+          </p:cNvPr>
+          <p:cNvSpPr/>
+          <p:nvPr/>
+        </p:nvSpPr>
+        <p:spPr>
+          <a:xfrm>
+            <a:off x="10504717" y="3004456"/>
+            <a:ext cx="816428" cy="522516"/>
+          </a:xfrm>
+          <a:prstGeom prst="roundRect">
+            <a:avLst/>
+          </a:prstGeom>
+        </p:spPr>
+        <p:style>
+          <a:lnRef idx="2">
+            <a:schemeClr val="accent6">
+              <a:shade val="50000"/>
+            </a:schemeClr>
+          </a:lnRef>
+          <a:fillRef idx="1">
+            <a:schemeClr val="accent6"/>
+          </a:fillRef>
+          <a:effectRef idx="0">
+            <a:schemeClr val="accent6"/>
+          </a:effectRef>
+          <a:fontRef idx="minor">
+            <a:schemeClr val="lt1"/>
+          </a:fontRef>
+        </p:style>
+        <p:txBody>
+          <a:bodyPr rtlCol="0" anchor="ctr"/>
+          <a:lstStyle/>
+          <a:p>
+            <a:pPr algn="ctr"/>
+            <a:r>
+              <a:rPr lang="en-US" dirty="0"/>
+              <a:t>Lib</a:t>
+            </a:r>
+          </a:p>
+        </p:txBody>
+      </p:sp>
+      <p:cxnSp>
+        <p:nvCxnSpPr>
+          <p:cNvPr id="12" name="Straight Arrow Connector 11">
+            <a:extLst>
+              <a:ext uri="{FF2B5EF4-FFF2-40B4-BE49-F238E27FC236}">
+                <a16:creationId xmlns:a16="http://schemas.microsoft.com/office/drawing/2014/main" id="{9482B1C5-40E0-4005-87DB-5F367203DDB0}"/>
+              </a:ext>
+            </a:extLst>
+          </p:cNvPr>
+          <p:cNvCxnSpPr>
+            <a:cxnSpLocks/>
+            <a:stCxn id="7" idx="1"/>
+            <a:endCxn id="4" idx="2"/>
+          </p:cNvCxnSpPr>
+          <p:nvPr/>
+        </p:nvCxnSpPr>
+        <p:spPr>
+          <a:xfrm flipH="1" flipV="1">
+            <a:off x="8610601" y="3655104"/>
+            <a:ext cx="674916" cy="1112840"/>
+          </a:xfrm>
+          <a:prstGeom prst="straightConnector1">
+            <a:avLst/>
+          </a:prstGeom>
+          <a:ln>
+            <a:tailEnd type="triangle"/>
+          </a:ln>
+        </p:spPr>
+        <p:style>
+          <a:lnRef idx="1">
+            <a:schemeClr val="accent1"/>
+          </a:lnRef>
+          <a:fillRef idx="0">
+            <a:schemeClr val="accent1"/>
+          </a:fillRef>
+          <a:effectRef idx="0">
+            <a:schemeClr val="accent1"/>
+          </a:effectRef>
+          <a:fontRef idx="minor">
+            <a:schemeClr val="tx1"/>
+          </a:fontRef>
+        </p:style>
+      </p:cxnSp>
+      <p:cxnSp>
+        <p:nvCxnSpPr>
+          <p:cNvPr id="13" name="Straight Arrow Connector 12">
+            <a:extLst>
+              <a:ext uri="{FF2B5EF4-FFF2-40B4-BE49-F238E27FC236}">
+                <a16:creationId xmlns:a16="http://schemas.microsoft.com/office/drawing/2014/main" id="{FB16FFA2-DFBD-4DEB-A551-E8B996C15477}"/>
+              </a:ext>
+            </a:extLst>
+          </p:cNvPr>
+          <p:cNvCxnSpPr>
+            <a:cxnSpLocks/>
+            <a:stCxn id="7" idx="0"/>
+            <a:endCxn id="5" idx="2"/>
+          </p:cNvCxnSpPr>
+          <p:nvPr/>
+        </p:nvCxnSpPr>
+        <p:spPr>
+          <a:xfrm flipV="1">
+            <a:off x="9764489" y="3655102"/>
+            <a:ext cx="32656" cy="786270"/>
+          </a:xfrm>
+          <a:prstGeom prst="straightConnector1">
+            <a:avLst/>
+          </a:prstGeom>
+          <a:ln>
+            <a:tailEnd type="triangle"/>
+          </a:ln>
+        </p:spPr>
+        <p:style>
+          <a:lnRef idx="1">
+            <a:schemeClr val="accent1"/>
+          </a:lnRef>
+          <a:fillRef idx="0">
+            <a:schemeClr val="accent1"/>
+          </a:fillRef>
+          <a:effectRef idx="0">
+            <a:schemeClr val="accent1"/>
+          </a:effectRef>
+          <a:fontRef idx="minor">
+            <a:schemeClr val="tx1"/>
+          </a:fontRef>
+        </p:style>
+      </p:cxnSp>
+      <p:cxnSp>
+        <p:nvCxnSpPr>
+          <p:cNvPr id="16" name="Straight Arrow Connector 15">
+            <a:extLst>
+              <a:ext uri="{FF2B5EF4-FFF2-40B4-BE49-F238E27FC236}">
+                <a16:creationId xmlns:a16="http://schemas.microsoft.com/office/drawing/2014/main" id="{5C2320D7-D334-45EA-A142-AB432F97C006}"/>
+              </a:ext>
+            </a:extLst>
+          </p:cNvPr>
+          <p:cNvCxnSpPr>
+            <a:cxnSpLocks/>
+            <a:stCxn id="7" idx="3"/>
+            <a:endCxn id="6" idx="2"/>
+          </p:cNvCxnSpPr>
+          <p:nvPr/>
+        </p:nvCxnSpPr>
+        <p:spPr>
+          <a:xfrm flipV="1">
+            <a:off x="10243460" y="3655101"/>
+            <a:ext cx="685800" cy="1112843"/>
+          </a:xfrm>
+          <a:prstGeom prst="straightConnector1">
+            <a:avLst/>
+          </a:prstGeom>
+          <a:ln>
+            <a:tailEnd type="triangle"/>
+          </a:ln>
+        </p:spPr>
+        <p:style>
+          <a:lnRef idx="1">
+            <a:schemeClr val="accent1"/>
+          </a:lnRef>
+          <a:fillRef idx="0">
+            <a:schemeClr val="accent1"/>
+          </a:fillRef>
+          <a:effectRef idx="0">
+            <a:schemeClr val="accent1"/>
+          </a:effectRef>
+          <a:fontRef idx="minor">
+            <a:schemeClr val="tx1"/>
+          </a:fontRef>
+        </p:style>
+      </p:cxnSp>
     </p:spTree>
     <p:extLst>
       <p:ext uri="{BB962C8B-B14F-4D97-AF65-F5344CB8AC3E}">

--- a/2024/RU.pptx
+++ b/2024/RU.pptx
@@ -44,23 +44,23 @@
     <p:sldId id="392" r:id="rId35"/>
     <p:sldId id="391" r:id="rId36"/>
     <p:sldId id="311" r:id="rId37"/>
-    <p:sldId id="312" r:id="rId38"/>
-    <p:sldId id="342" r:id="rId39"/>
-    <p:sldId id="313" r:id="rId40"/>
-    <p:sldId id="315" r:id="rId41"/>
-    <p:sldId id="343" r:id="rId42"/>
-    <p:sldId id="316" r:id="rId43"/>
-    <p:sldId id="317" r:id="rId44"/>
-    <p:sldId id="372" r:id="rId45"/>
-    <p:sldId id="318" r:id="rId46"/>
-    <p:sldId id="363" r:id="rId47"/>
-    <p:sldId id="362" r:id="rId48"/>
-    <p:sldId id="321" r:id="rId49"/>
-    <p:sldId id="366" r:id="rId50"/>
-    <p:sldId id="322" r:id="rId51"/>
-    <p:sldId id="334" r:id="rId52"/>
-    <p:sldId id="320" r:id="rId53"/>
-    <p:sldId id="348" r:id="rId54"/>
+    <p:sldId id="342" r:id="rId38"/>
+    <p:sldId id="313" r:id="rId39"/>
+    <p:sldId id="315" r:id="rId40"/>
+    <p:sldId id="343" r:id="rId41"/>
+    <p:sldId id="316" r:id="rId42"/>
+    <p:sldId id="317" r:id="rId43"/>
+    <p:sldId id="372" r:id="rId44"/>
+    <p:sldId id="318" r:id="rId45"/>
+    <p:sldId id="363" r:id="rId46"/>
+    <p:sldId id="362" r:id="rId47"/>
+    <p:sldId id="321" r:id="rId48"/>
+    <p:sldId id="366" r:id="rId49"/>
+    <p:sldId id="322" r:id="rId50"/>
+    <p:sldId id="334" r:id="rId51"/>
+    <p:sldId id="320" r:id="rId52"/>
+    <p:sldId id="348" r:id="rId53"/>
+    <p:sldId id="312" r:id="rId54"/>
     <p:sldId id="335" r:id="rId55"/>
     <p:sldId id="344" r:id="rId56"/>
     <p:sldId id="380" r:id="rId57"/>
@@ -287,7 +287,7 @@
           <a:p>
             <a:fld id="{A36A2EB4-42A0-4A9F-94AC-04D10C1F231A}" type="datetimeFigureOut">
               <a:rPr lang="en-US" smtClean="0"/>
-              <a:t>5/19/2024</a:t>
+              <a:t>5/21/2024</a:t>
             </a:fld>
             <a:endParaRPr lang="en-US"/>
           </a:p>
@@ -2832,49 +2832,10 @@
           <a:p>
             <a:r>
               <a:rPr lang="ru-RU" dirty="0"/>
-              <a:t>В </a:t>
-            </a:r>
-            <a:r>
-              <a:rPr lang="en-US" dirty="0"/>
-              <a:t>32-</a:t>
-            </a:r>
-            <a:r>
-              <a:rPr lang="ru-RU" dirty="0"/>
-              <a:t>битных библиотеках </a:t>
-            </a:r>
-            <a:r>
-              <a:rPr lang="en-US" dirty="0"/>
-              <a:t>Windows</a:t>
-            </a:r>
-            <a:r>
-              <a:rPr lang="ru-RU" dirty="0"/>
-              <a:t> нет позиционно-независимых инструкций, поэтому в них абсолютные адреса в коде могут встречаться и релокация необходима.</a:t>
-            </a:r>
-          </a:p>
-          <a:p>
-            <a:endParaRPr lang="ru-RU" dirty="0"/>
-          </a:p>
-          <a:p>
-            <a:r>
-              <a:rPr lang="ru-RU" dirty="0"/>
-              <a:t>Чтобы как-то ускорить этот процесс в современных версиях </a:t>
-            </a:r>
-            <a:r>
-              <a:rPr lang="en-US" dirty="0"/>
-              <a:t>Windows </a:t>
-            </a:r>
-            <a:r>
-              <a:rPr lang="ru-RU" dirty="0"/>
-              <a:t>библиотеки в разных процессах принудительно загружаются по одному и тому же адресу, это позволяет переиспользовать результаты первой релокации повторно</a:t>
-            </a:r>
-            <a:r>
-              <a:rPr lang="en-US" dirty="0"/>
-              <a:t> </a:t>
-            </a:r>
-            <a:r>
-              <a:rPr lang="ru-RU" dirty="0"/>
-              <a:t>и не тратить ресурсы.</a:t>
-            </a:r>
+              <a:t>Далее рассмотрим следующий этап загрузки – поиск соответствия имён или как его ещё называют “разрешение имён”.</a:t>
+            </a:r>
+          </a:p>
+          <a:p>
             <a:endParaRPr lang="en-US" dirty="0"/>
           </a:p>
         </p:txBody>
@@ -2905,7 +2866,7 @@
     </p:spTree>
     <p:extLst>
       <p:ext uri="{BB962C8B-B14F-4D97-AF65-F5344CB8AC3E}">
-        <p14:creationId xmlns:p14="http://schemas.microsoft.com/office/powerpoint/2010/main" val="2691948003"/>
+        <p14:creationId xmlns:p14="http://schemas.microsoft.com/office/powerpoint/2010/main" val="858336803"/>
       </p:ext>
     </p:extLst>
   </p:cSld>
@@ -3076,10 +3037,58 @@
           <a:p>
             <a:r>
               <a:rPr lang="ru-RU" dirty="0"/>
-              <a:t>Далее рассмотрим следующий этап загрузки – поиск соответствия имён или как его ещё называют “разрешение имён”.</a:t>
-            </a:r>
-          </a:p>
-          <a:p>
+              <a:t>Здесь подходы </a:t>
+            </a:r>
+            <a:r>
+              <a:rPr lang="en-US" dirty="0"/>
+              <a:t>Windows </a:t>
+            </a:r>
+            <a:r>
+              <a:rPr lang="ru-RU" dirty="0"/>
+              <a:t>и </a:t>
+            </a:r>
+            <a:r>
+              <a:rPr lang="en-US" dirty="0"/>
+              <a:t>Linux </a:t>
+            </a:r>
+            <a:r>
+              <a:rPr lang="ru-RU" dirty="0"/>
+              <a:t>также различаются.</a:t>
+            </a:r>
+          </a:p>
+          <a:p>
+            <a:endParaRPr lang="ru-RU" dirty="0"/>
+          </a:p>
+          <a:p>
+            <a:r>
+              <a:rPr lang="ru-RU" dirty="0"/>
+              <a:t>Дело в том что на </a:t>
+            </a:r>
+            <a:r>
+              <a:rPr lang="en-US" dirty="0"/>
+              <a:t>Windows </a:t>
+            </a:r>
+            <a:r>
+              <a:rPr lang="ru-RU" dirty="0"/>
+              <a:t>в исполняемый файл ещё на этапе линковки записывается информация в какой библиотеке надо искать тот или иной символ.</a:t>
+            </a:r>
+          </a:p>
+          <a:p>
+            <a:endParaRPr lang="ru-RU" dirty="0"/>
+          </a:p>
+          <a:p>
+            <a:r>
+              <a:rPr lang="ru-RU" dirty="0"/>
+              <a:t>На </a:t>
+            </a:r>
+            <a:r>
+              <a:rPr lang="en-US" dirty="0"/>
+              <a:t>Linux </a:t>
+            </a:r>
+            <a:r>
+              <a:rPr lang="ru-RU" dirty="0"/>
+              <a:t>такой привязки не делается и загрузчик ищет каждый импортируемый во всех загруженных библиотеках. Это делает возможной специальную технику перехвата символов, о которой нужно сказать несколько слов, поскольку она будет в дальнейшем важна при обсуждении перфоманса.</a:t>
+            </a:r>
             <a:endParaRPr lang="en-US" dirty="0"/>
           </a:p>
         </p:txBody>
@@ -3110,7 +3119,7 @@
     </p:spTree>
     <p:extLst>
       <p:ext uri="{BB962C8B-B14F-4D97-AF65-F5344CB8AC3E}">
-        <p14:creationId xmlns:p14="http://schemas.microsoft.com/office/powerpoint/2010/main" val="858336803"/>
+        <p14:creationId xmlns:p14="http://schemas.microsoft.com/office/powerpoint/2010/main" val="2125730975"/>
       </p:ext>
     </p:extLst>
   </p:cSld>
@@ -3166,23 +3175,25 @@
           <a:p>
             <a:r>
               <a:rPr lang="ru-RU" dirty="0"/>
-              <a:t>Здесь подходы </a:t>
-            </a:r>
-            <a:r>
-              <a:rPr lang="en-US" dirty="0"/>
-              <a:t>Windows </a:t>
-            </a:r>
-            <a:r>
-              <a:rPr lang="ru-RU" dirty="0"/>
-              <a:t>и </a:t>
-            </a:r>
-            <a:r>
-              <a:rPr lang="en-US" dirty="0"/>
-              <a:t>Linux </a:t>
-            </a:r>
-            <a:r>
-              <a:rPr lang="ru-RU" dirty="0"/>
-              <a:t>также различаются.</a:t>
+              <a:t>Суть заключается в том, что с помощью разных техник мы можем управлять тем из какой библиотеки будет импортирован нужный символ.</a:t>
+            </a:r>
+            <a:endParaRPr lang="en-US" dirty="0"/>
+          </a:p>
+          <a:p>
+            <a:endParaRPr lang="en-US" dirty="0"/>
+          </a:p>
+          <a:p>
+            <a:r>
+              <a:rPr lang="ru-RU" dirty="0"/>
+              <a:t>Чаще всего используется подход, использующий переменную </a:t>
+            </a:r>
+            <a:r>
+              <a:rPr lang="en-US" dirty="0"/>
+              <a:t>LD_PRELOAD. </a:t>
+            </a:r>
+            <a:r>
+              <a:rPr lang="ru-RU" dirty="0"/>
+              <a:t>Он подгружает заданную библиотеку в начало цепочки поиска и соответственно заставляет программу использовать функции, определённые в этой библиотеке, вместо стандартных.</a:t>
             </a:r>
           </a:p>
           <a:p>
@@ -3191,15 +3202,7 @@
           <a:p>
             <a:r>
               <a:rPr lang="ru-RU" dirty="0"/>
-              <a:t>Дело в том что на </a:t>
-            </a:r>
-            <a:r>
-              <a:rPr lang="en-US" dirty="0"/>
-              <a:t>Windows </a:t>
-            </a:r>
-            <a:r>
-              <a:rPr lang="ru-RU" dirty="0"/>
-              <a:t>в исполняемый файл ещё на этапе линковки записывается информация в какой библиотеке надо искать тот или иной символ.</a:t>
+              <a:t>На слайде приведён пример этой техники.</a:t>
             </a:r>
           </a:p>
           <a:p>
@@ -3208,15 +3211,41 @@
           <a:p>
             <a:r>
               <a:rPr lang="ru-RU" dirty="0"/>
-              <a:t>На </a:t>
-            </a:r>
-            <a:r>
-              <a:rPr lang="en-US" dirty="0"/>
-              <a:t>Linux </a:t>
-            </a:r>
-            <a:r>
-              <a:rPr lang="ru-RU" dirty="0"/>
-              <a:t>такой привязки не делается и загрузчик ищет каждый импортируемый во всех загруженных библиотеках. Это делает возможной специальную технику перехвата символов, о которой нужно сказать несколько слов, поскольку она будет в дальнейшем важна при обсуждении перфоманса.</a:t>
+              <a:t>Перехват символов обычно используется для отладки и применяется в частности в </a:t>
+            </a:r>
+            <a:r>
+              <a:rPr lang="en-US" dirty="0"/>
+              <a:t>Asan, </a:t>
+            </a:r>
+            <a:r>
+              <a:rPr lang="en-US" dirty="0" err="1"/>
+              <a:t>efence</a:t>
+            </a:r>
+            <a:r>
+              <a:rPr lang="en-US" dirty="0"/>
+              <a:t> </a:t>
+            </a:r>
+            <a:r>
+              <a:rPr lang="ru-RU" dirty="0"/>
+              <a:t>и других отладчиках памяти.</a:t>
+            </a:r>
+            <a:r>
+              <a:rPr lang="en-US" dirty="0"/>
+              <a:t> </a:t>
+            </a:r>
+            <a:r>
+              <a:rPr lang="ru-RU" dirty="0"/>
+              <a:t>В нормальном режиме работы программы перехват символов не используется.</a:t>
+            </a:r>
+            <a:endParaRPr lang="en-US" dirty="0"/>
+          </a:p>
+          <a:p>
+            <a:endParaRPr lang="en-US" dirty="0"/>
+          </a:p>
+          <a:p>
+            <a:r>
+              <a:rPr lang="ru-RU" dirty="0"/>
+              <a:t>Перехват символов нетривиальным образом влияет на возможности компилятора по оптимизации кода, мы поговорим об этом в части доклада, посвященной оптимизации.</a:t>
             </a:r>
             <a:endParaRPr lang="en-US" dirty="0"/>
           </a:p>
@@ -3248,7 +3277,7 @@
     </p:spTree>
     <p:extLst>
       <p:ext uri="{BB962C8B-B14F-4D97-AF65-F5344CB8AC3E}">
-        <p14:creationId xmlns:p14="http://schemas.microsoft.com/office/powerpoint/2010/main" val="2125730975"/>
+        <p14:creationId xmlns:p14="http://schemas.microsoft.com/office/powerpoint/2010/main" val="1375370311"/>
       </p:ext>
     </p:extLst>
   </p:cSld>
@@ -3304,78 +3333,10 @@
           <a:p>
             <a:r>
               <a:rPr lang="ru-RU" dirty="0"/>
-              <a:t>Суть заключается в том, что с помощью разных техник мы можем управлять тем из какой библиотеки будет импортирован нужный символ.</a:t>
-            </a:r>
-            <a:endParaRPr lang="en-US" dirty="0"/>
-          </a:p>
-          <a:p>
-            <a:endParaRPr lang="en-US" dirty="0"/>
-          </a:p>
-          <a:p>
-            <a:r>
-              <a:rPr lang="ru-RU" dirty="0"/>
-              <a:t>Чаще всего используется подход, использующий переменную </a:t>
-            </a:r>
-            <a:r>
-              <a:rPr lang="en-US" dirty="0"/>
-              <a:t>LD_PRELOAD. </a:t>
-            </a:r>
-            <a:r>
-              <a:rPr lang="ru-RU" dirty="0"/>
-              <a:t>Он подгружает заданную библиотеку в начало цепочки поиска и соответственно заставляет программу использовать функции, определённые в этой библиотеке, вместо стандартных.</a:t>
-            </a:r>
-          </a:p>
-          <a:p>
-            <a:endParaRPr lang="ru-RU" dirty="0"/>
-          </a:p>
-          <a:p>
-            <a:r>
-              <a:rPr lang="ru-RU" dirty="0"/>
-              <a:t>На слайде приведён пример этой техники.</a:t>
-            </a:r>
-          </a:p>
-          <a:p>
-            <a:endParaRPr lang="ru-RU" dirty="0"/>
-          </a:p>
-          <a:p>
-            <a:r>
-              <a:rPr lang="ru-RU" dirty="0"/>
-              <a:t>Перехват символов обычно используется для отладки и применяется в частности в </a:t>
-            </a:r>
-            <a:r>
-              <a:rPr lang="en-US" dirty="0"/>
-              <a:t>Asan, </a:t>
-            </a:r>
-            <a:r>
-              <a:rPr lang="en-US" dirty="0" err="1"/>
-              <a:t>efence</a:t>
-            </a:r>
-            <a:r>
-              <a:rPr lang="en-US" dirty="0"/>
-              <a:t> </a:t>
-            </a:r>
-            <a:r>
-              <a:rPr lang="ru-RU" dirty="0"/>
-              <a:t>и других отладчиках памяти.</a:t>
-            </a:r>
-            <a:r>
-              <a:rPr lang="en-US" dirty="0"/>
-              <a:t> </a:t>
-            </a:r>
-            <a:r>
-              <a:rPr lang="ru-RU" dirty="0"/>
-              <a:t>В нормальном режиме работы программы перехват символов не используется.</a:t>
-            </a:r>
-            <a:endParaRPr lang="en-US" dirty="0"/>
-          </a:p>
-          <a:p>
-            <a:endParaRPr lang="en-US" dirty="0"/>
-          </a:p>
-          <a:p>
-            <a:r>
-              <a:rPr lang="ru-RU" dirty="0"/>
-              <a:t>Перехват символов нетривиальным образом влияет на возможности компилятора по оптимизации кода, мы поговорим об этом в части доклада, посвященной оптимизации.</a:t>
-            </a:r>
+              <a:t>Перейдём теперь к последнему этапу загрузки DLL – связыванию символов.</a:t>
+            </a:r>
+          </a:p>
+          <a:p>
             <a:endParaRPr lang="en-US" dirty="0"/>
           </a:p>
         </p:txBody>
@@ -3406,7 +3367,7 @@
     </p:spTree>
     <p:extLst>
       <p:ext uri="{BB962C8B-B14F-4D97-AF65-F5344CB8AC3E}">
-        <p14:creationId xmlns:p14="http://schemas.microsoft.com/office/powerpoint/2010/main" val="1375370311"/>
+        <p14:creationId xmlns:p14="http://schemas.microsoft.com/office/powerpoint/2010/main" val="2611400165"/>
       </p:ext>
     </p:extLst>
   </p:cSld>
@@ -3462,11 +3423,43 @@
           <a:p>
             <a:r>
               <a:rPr lang="ru-RU" dirty="0"/>
-              <a:t>Перейдём теперь к последнему этапу загрузки DLL – связыванию символов.</a:t>
-            </a:r>
-          </a:p>
-          <a:p>
-            <a:endParaRPr lang="en-US" dirty="0"/>
+              <a:t>Связывание (или биндинг) эта механизм, который собственно обеспечивает вызов импортированных функций, найденных на предыдущем этапе разрешения символов.</a:t>
+            </a:r>
+          </a:p>
+          <a:p>
+            <a:endParaRPr lang="ru-RU" dirty="0"/>
+          </a:p>
+          <a:p>
+            <a:r>
+              <a:rPr lang="ru-RU" dirty="0"/>
+              <a:t>Вызов функций в обеих ОС осуществляется через специальные таблицы импорта (</a:t>
+            </a:r>
+            <a:r>
+              <a:rPr lang="en-US" dirty="0"/>
+              <a:t>IAT, GOT).</a:t>
+            </a:r>
+            <a:endParaRPr lang="ru-RU" dirty="0"/>
+          </a:p>
+          <a:p>
+            <a:endParaRPr lang="ru-RU" dirty="0"/>
+          </a:p>
+          <a:p>
+            <a:r>
+              <a:rPr lang="ru-RU" dirty="0"/>
+              <a:t>Т.е. для вызова функции из библиотеки надо сначала загрузить её адрес из таблицы, а затем осуществить косвенный вызов по этом адресу. Это влечёт накладные расходы, похожие на расходы на вызов виртуальных функцих</a:t>
+            </a:r>
+            <a:r>
+              <a:rPr lang="en-US" dirty="0"/>
+              <a:t> </a:t>
+            </a:r>
+            <a:r>
+              <a:rPr lang="ru-RU" dirty="0"/>
+              <a:t>в </a:t>
+            </a:r>
+            <a:r>
+              <a:rPr lang="en-US" dirty="0"/>
+              <a:t>C++.</a:t>
+            </a:r>
           </a:p>
         </p:txBody>
       </p:sp>
@@ -3496,7 +3489,7 @@
     </p:spTree>
     <p:extLst>
       <p:ext uri="{BB962C8B-B14F-4D97-AF65-F5344CB8AC3E}">
-        <p14:creationId xmlns:p14="http://schemas.microsoft.com/office/powerpoint/2010/main" val="2611400165"/>
+        <p14:creationId xmlns:p14="http://schemas.microsoft.com/office/powerpoint/2010/main" val="1091385424"/>
       </p:ext>
     </p:extLst>
   </p:cSld>
@@ -3552,43 +3545,56 @@
           <a:p>
             <a:r>
               <a:rPr lang="ru-RU" dirty="0"/>
-              <a:t>Связывание (или биндинг) эта механизм, который собственно обеспечивает вызов импортированных функций, найденных на предыдущем этапе разрешения символов.</a:t>
-            </a:r>
-          </a:p>
-          <a:p>
+              <a:t>Связывание символов имеет интересную особенность на </a:t>
+            </a:r>
+            <a:r>
+              <a:rPr lang="en-US" dirty="0"/>
+              <a:t>Linux.</a:t>
+            </a:r>
             <a:endParaRPr lang="ru-RU" dirty="0"/>
           </a:p>
           <a:p>
-            <a:r>
-              <a:rPr lang="ru-RU" dirty="0"/>
-              <a:t>Вызов функций в обеих ОС осуществляется через специальные таблицы импорта (</a:t>
-            </a:r>
-            <a:r>
-              <a:rPr lang="en-US" dirty="0"/>
-              <a:t>IAT, GOT).</a:t>
-            </a:r>
             <a:endParaRPr lang="ru-RU" dirty="0"/>
           </a:p>
           <a:p>
+            <a:r>
+              <a:rPr lang="ru-RU" dirty="0"/>
+              <a:t>Дело в том что там загрузка адреса осуществляется не напрямую в вызывающем коде, а через специальную заглушку </a:t>
+            </a:r>
+            <a:r>
+              <a:rPr lang="en-US" dirty="0"/>
+              <a:t>PLT stub. </a:t>
+            </a:r>
+            <a:r>
+              <a:rPr lang="ru-RU" dirty="0"/>
+              <a:t>Эта заглушка нужна для того, чтобы отложить поиск адреса функции до его первого использования. Поэтому связывание символов на </a:t>
+            </a:r>
+            <a:r>
+              <a:rPr lang="en-US" dirty="0"/>
+              <a:t>Linux </a:t>
+            </a:r>
+            <a:r>
+              <a:rPr lang="ru-RU" dirty="0"/>
+              <a:t>называется ленивым.</a:t>
+            </a:r>
+          </a:p>
+          <a:p>
             <a:endParaRPr lang="ru-RU" dirty="0"/>
           </a:p>
           <a:p>
             <a:r>
               <a:rPr lang="ru-RU" dirty="0"/>
-              <a:t>Т.е. для вызова функции из библиотеки надо сначала загрузить её адрес из таблицы, а затем осуществить косвенный вызов по этом адресу. Это влечёт накладные расходы, похожие на расходы на вызов виртуальных функцих</a:t>
-            </a:r>
-            <a:r>
-              <a:rPr lang="en-US" dirty="0"/>
-              <a:t> </a:t>
-            </a:r>
-            <a:r>
-              <a:rPr lang="ru-RU" dirty="0"/>
-              <a:t>в </a:t>
-            </a:r>
-            <a:r>
-              <a:rPr lang="en-US" dirty="0"/>
-              <a:t>C++.</a:t>
-            </a:r>
+              <a:t>Дополнительный вызов функции добавляет накладных расходов на </a:t>
+            </a:r>
+            <a:r>
+              <a:rPr lang="en-US" dirty="0"/>
+              <a:t>Linux (I$, BTB), </a:t>
+            </a:r>
+            <a:r>
+              <a:rPr lang="ru-RU" dirty="0"/>
+              <a:t>но его можно отключить и мы поговорим об этом в секции оптимизаций.</a:t>
+            </a:r>
+            <a:endParaRPr lang="en-US" dirty="0"/>
           </a:p>
         </p:txBody>
       </p:sp>
@@ -3618,7 +3624,7 @@
     </p:spTree>
     <p:extLst>
       <p:ext uri="{BB962C8B-B14F-4D97-AF65-F5344CB8AC3E}">
-        <p14:creationId xmlns:p14="http://schemas.microsoft.com/office/powerpoint/2010/main" val="1091385424"/>
+        <p14:creationId xmlns:p14="http://schemas.microsoft.com/office/powerpoint/2010/main" val="1527714138"/>
       </p:ext>
     </p:extLst>
   </p:cSld>
@@ -3674,54 +3680,31 @@
           <a:p>
             <a:r>
               <a:rPr lang="ru-RU" dirty="0"/>
-              <a:t>Связывание символов имеет интересную особенность на </a:t>
-            </a:r>
-            <a:r>
-              <a:rPr lang="en-US" dirty="0"/>
-              <a:t>Linux.</a:t>
-            </a:r>
-            <a:endParaRPr lang="ru-RU" dirty="0"/>
-          </a:p>
-          <a:p>
-            <a:endParaRPr lang="ru-RU" dirty="0"/>
-          </a:p>
-          <a:p>
-            <a:r>
-              <a:rPr lang="ru-RU" dirty="0"/>
-              <a:t>Дело в том что там загрузка адреса осуществляется не напрямую в вызывающем коде, а через специальную заглушку </a:t>
-            </a:r>
-            <a:r>
-              <a:rPr lang="en-US" dirty="0"/>
-              <a:t>PLT stub. </a:t>
-            </a:r>
-            <a:r>
-              <a:rPr lang="ru-RU" dirty="0"/>
-              <a:t>Эта заглушка нужна для того, чтобы отложить поиск адреса функции до его первого использования. Поэтому связывание символов на </a:t>
-            </a:r>
-            <a:r>
-              <a:rPr lang="en-US" dirty="0"/>
-              <a:t>Linux </a:t>
-            </a:r>
-            <a:r>
-              <a:rPr lang="ru-RU" dirty="0"/>
-              <a:t>называется ленивым.</a:t>
-            </a:r>
-          </a:p>
-          <a:p>
-            <a:endParaRPr lang="ru-RU" dirty="0"/>
-          </a:p>
-          <a:p>
-            <a:r>
-              <a:rPr lang="ru-RU" dirty="0"/>
-              <a:t>Дополнительный вызов функции добавляет накладных расходов на </a:t>
-            </a:r>
-            <a:r>
-              <a:rPr lang="en-US" dirty="0"/>
-              <a:t>Linux (I$, BTB), </a:t>
-            </a:r>
-            <a:r>
-              <a:rPr lang="ru-RU" dirty="0"/>
-              <a:t>но его можно отключить и мы поговорим об этом в секции оптимизаций.</a:t>
+              <a:t>Посмотрев на основные этапы загрузки </a:t>
+            </a:r>
+            <a:r>
+              <a:rPr lang="en-US" dirty="0"/>
+              <a:t>DLL </a:t>
+            </a:r>
+            <a:r>
+              <a:rPr lang="ru-RU" dirty="0"/>
+              <a:t>мы можем теперь более чётко перечислить накладные расходы, которые возникают при их использовании</a:t>
+            </a:r>
+            <a:r>
+              <a:rPr lang="en-US" dirty="0"/>
+              <a:t>: </a:t>
+            </a:r>
+            <a:r>
+              <a:rPr lang="ru-RU" dirty="0"/>
+              <a:t>это релокация кода, разрешение</a:t>
+            </a:r>
+            <a:r>
+              <a:rPr lang="en-US" dirty="0"/>
+              <a:t>/</a:t>
+            </a:r>
+            <a:r>
+              <a:rPr lang="ru-RU" dirty="0"/>
+              <a:t>связывание символов и косвенные вызовы библиотечных функций.</a:t>
             </a:r>
             <a:endParaRPr lang="en-US" dirty="0"/>
           </a:p>
@@ -3744,7 +3727,7 @@
           <a:p>
             <a:fld id="{3AC94D10-082F-46D7-A834-266F9222130F}" type="slidenum">
               <a:rPr lang="en-US" smtClean="0"/>
-              <a:t>43</a:t>
+              <a:t>44</a:t>
             </a:fld>
             <a:endParaRPr lang="en-US"/>
           </a:p>
@@ -3753,7 +3736,7 @@
     </p:spTree>
     <p:extLst>
       <p:ext uri="{BB962C8B-B14F-4D97-AF65-F5344CB8AC3E}">
-        <p14:creationId xmlns:p14="http://schemas.microsoft.com/office/powerpoint/2010/main" val="1527714138"/>
+        <p14:creationId xmlns:p14="http://schemas.microsoft.com/office/powerpoint/2010/main" val="1974605979"/>
       </p:ext>
     </p:extLst>
   </p:cSld>
@@ -3809,31 +3792,7 @@
           <a:p>
             <a:r>
               <a:rPr lang="ru-RU" dirty="0"/>
-              <a:t>Посмотрев на основные этапы загрузки </a:t>
-            </a:r>
-            <a:r>
-              <a:rPr lang="en-US" dirty="0"/>
-              <a:t>DLL </a:t>
-            </a:r>
-            <a:r>
-              <a:rPr lang="ru-RU" dirty="0"/>
-              <a:t>мы можем теперь более чётко перечислить накладные расходы, которые возникают при их использовании</a:t>
-            </a:r>
-            <a:r>
-              <a:rPr lang="en-US" dirty="0"/>
-              <a:t>: </a:t>
-            </a:r>
-            <a:r>
-              <a:rPr lang="ru-RU" dirty="0"/>
-              <a:t>это релокация кода, разрешение</a:t>
-            </a:r>
-            <a:r>
-              <a:rPr lang="en-US" dirty="0"/>
-              <a:t>/</a:t>
-            </a:r>
-            <a:r>
-              <a:rPr lang="ru-RU" dirty="0"/>
-              <a:t>связывание символов и косвенные вызовы библиотечных функций.</a:t>
+              <a:t>Самой простой оптимизацией является отключение загрузки ненужных библиотек.</a:t>
             </a:r>
             <a:endParaRPr lang="en-US" dirty="0"/>
           </a:p>
@@ -3865,7 +3824,7 @@
     </p:spTree>
     <p:extLst>
       <p:ext uri="{BB962C8B-B14F-4D97-AF65-F5344CB8AC3E}">
-        <p14:creationId xmlns:p14="http://schemas.microsoft.com/office/powerpoint/2010/main" val="1974605979"/>
+        <p14:creationId xmlns:p14="http://schemas.microsoft.com/office/powerpoint/2010/main" val="4188326306"/>
       </p:ext>
     </p:extLst>
   </p:cSld>
@@ -3921,7 +3880,17 @@
           <a:p>
             <a:r>
               <a:rPr lang="ru-RU" dirty="0"/>
-              <a:t>Самой простой оптимизацией является отключение загрузки ненужных библиотек.</a:t>
+              <a:t>В больших программах, таких как дистрибутивы, часто можно указать избыточные наборы библиотек при линковке программы. Наличие таких лишних библиотек приведет к замедлению работы даже если библиотека не используется. Но есть специальный флаг линкера, которые такую ситуацию обнаруживает и игнорирует такие библиотеки.</a:t>
+            </a:r>
+            <a:endParaRPr lang="en-US" dirty="0"/>
+          </a:p>
+          <a:p>
+            <a:endParaRPr lang="en-US" dirty="0"/>
+          </a:p>
+          <a:p>
+            <a:r>
+              <a:rPr lang="ru-RU" dirty="0"/>
+              <a:t>Этот флаг не включён по умолчанию в некоторых дистрибутивах, поэтому может быть полезным указать его вручную.</a:t>
             </a:r>
             <a:endParaRPr lang="en-US" dirty="0"/>
           </a:p>
@@ -3953,7 +3922,7 @@
     </p:spTree>
     <p:extLst>
       <p:ext uri="{BB962C8B-B14F-4D97-AF65-F5344CB8AC3E}">
-        <p14:creationId xmlns:p14="http://schemas.microsoft.com/office/powerpoint/2010/main" val="4188326306"/>
+        <p14:creationId xmlns:p14="http://schemas.microsoft.com/office/powerpoint/2010/main" val="1416292603"/>
       </p:ext>
     </p:extLst>
   </p:cSld>
@@ -4009,19 +3978,74 @@
           <a:p>
             <a:r>
               <a:rPr lang="ru-RU" dirty="0"/>
-              <a:t>В больших программах, таких как дистрибутивы, часто можно указать избыточные наборы библиотек при линковке программы. Наличие таких лишних библиотек приведет к замедлению работы даже если библиотека не используется. Но есть специальный флаг линкера, которые такую ситуацию обнаруживает и игнорирует такие библиотеки.</a:t>
-            </a:r>
-            <a:endParaRPr lang="en-US" dirty="0"/>
-          </a:p>
-          <a:p>
-            <a:endParaRPr lang="en-US" dirty="0"/>
-          </a:p>
-          <a:p>
-            <a:r>
-              <a:rPr lang="ru-RU" dirty="0"/>
-              <a:t>Этот флаг не включён по умолчанию в некоторых дистрибутивах, поэтому может быть полезным указать его вручную.</a:t>
-            </a:r>
-            <a:endParaRPr lang="en-US" dirty="0"/>
+              <a:t>Даже если библиотека нужна, может оказаться что она используется редко или только в специфических сценариях, то нам нет особого смысла загружать её на старте программы и лучше отложить это до первого использования.</a:t>
+            </a:r>
+          </a:p>
+          <a:p>
+            <a:endParaRPr lang="ru-RU" dirty="0"/>
+          </a:p>
+          <a:p>
+            <a:r>
+              <a:rPr lang="en-US" dirty="0"/>
+              <a:t>Windows </a:t>
+            </a:r>
+            <a:r>
+              <a:rPr lang="ru-RU" dirty="0"/>
+              <a:t>и </a:t>
+            </a:r>
+            <a:r>
+              <a:rPr lang="en-US" dirty="0"/>
+              <a:t>macOS </a:t>
+            </a:r>
+            <a:r>
+              <a:rPr lang="ru-RU" dirty="0"/>
+              <a:t>предоставляют встроенные механизмы для этого. </a:t>
+            </a:r>
+            <a:r>
+              <a:rPr lang="en-US" dirty="0"/>
+              <a:t>Linux, </a:t>
+            </a:r>
+            <a:r>
+              <a:rPr lang="ru-RU" dirty="0"/>
+              <a:t>хотя и унаследовал свои </a:t>
+            </a:r>
+            <a:r>
+              <a:rPr lang="en-US" dirty="0"/>
+              <a:t>DLL</a:t>
+            </a:r>
+            <a:r>
+              <a:rPr lang="ru-RU" dirty="0"/>
+              <a:t> от </a:t>
+            </a:r>
+            <a:r>
+              <a:rPr lang="en-US" dirty="0"/>
+              <a:t>Solaris, </a:t>
+            </a:r>
+            <a:r>
+              <a:rPr lang="ru-RU" dirty="0"/>
+              <a:t>где была аналогичная возможность, не предоставляет встроенной поддежки для отложенной загрузки.</a:t>
+            </a:r>
+          </a:p>
+          <a:p>
+            <a:endParaRPr lang="ru-RU" dirty="0"/>
+          </a:p>
+          <a:p>
+            <a:r>
+              <a:rPr lang="ru-RU" dirty="0"/>
+              <a:t>Но можно воспользоваться </a:t>
+            </a:r>
+            <a:r>
+              <a:rPr lang="en-US" dirty="0"/>
+              <a:t>open-source </a:t>
+            </a:r>
+            <a:r>
+              <a:rPr lang="ru-RU" dirty="0"/>
+              <a:t>утилитой </a:t>
+            </a:r>
+            <a:r>
+              <a:rPr lang="en-US" dirty="0"/>
+              <a:t>Implib.so.</a:t>
+            </a:r>
           </a:p>
         </p:txBody>
       </p:sp>
@@ -4051,7 +4075,7 @@
     </p:spTree>
     <p:extLst>
       <p:ext uri="{BB962C8B-B14F-4D97-AF65-F5344CB8AC3E}">
-        <p14:creationId xmlns:p14="http://schemas.microsoft.com/office/powerpoint/2010/main" val="1416292603"/>
+        <p14:creationId xmlns:p14="http://schemas.microsoft.com/office/powerpoint/2010/main" val="2313320207"/>
       </p:ext>
     </p:extLst>
   </p:cSld>
@@ -4105,76 +4129,7 @@
           <a:bodyPr/>
           <a:lstStyle/>
           <a:p>
-            <a:r>
-              <a:rPr lang="ru-RU" dirty="0"/>
-              <a:t>Даже если библиотека нужна, может оказаться что она используется редко или только в специфических сценариях, то нам нет особого смысла загружать её на старте программы и лучше отложить это до первого использования.</a:t>
-            </a:r>
-          </a:p>
-          <a:p>
-            <a:endParaRPr lang="ru-RU" dirty="0"/>
-          </a:p>
-          <a:p>
-            <a:r>
-              <a:rPr lang="en-US" dirty="0"/>
-              <a:t>Windows </a:t>
-            </a:r>
-            <a:r>
-              <a:rPr lang="ru-RU" dirty="0"/>
-              <a:t>и </a:t>
-            </a:r>
-            <a:r>
-              <a:rPr lang="en-US" dirty="0"/>
-              <a:t>macOS </a:t>
-            </a:r>
-            <a:r>
-              <a:rPr lang="ru-RU" dirty="0"/>
-              <a:t>предоставляют встроенные механизмы для этого. </a:t>
-            </a:r>
-            <a:r>
-              <a:rPr lang="en-US" dirty="0"/>
-              <a:t>Linux, </a:t>
-            </a:r>
-            <a:r>
-              <a:rPr lang="ru-RU" dirty="0"/>
-              <a:t>хотя и унаследовал свои </a:t>
-            </a:r>
-            <a:r>
-              <a:rPr lang="en-US" dirty="0"/>
-              <a:t>DLL</a:t>
-            </a:r>
-            <a:r>
-              <a:rPr lang="ru-RU" dirty="0"/>
-              <a:t> от </a:t>
-            </a:r>
-            <a:r>
-              <a:rPr lang="en-US" dirty="0"/>
-              <a:t>Solaris, </a:t>
-            </a:r>
-            <a:r>
-              <a:rPr lang="ru-RU" dirty="0"/>
-              <a:t>где была аналогичная возможность, не предоставляет встроенной поддежки для отложенной загрузки.</a:t>
-            </a:r>
-          </a:p>
-          <a:p>
-            <a:endParaRPr lang="ru-RU" dirty="0"/>
-          </a:p>
-          <a:p>
-            <a:r>
-              <a:rPr lang="ru-RU" dirty="0"/>
-              <a:t>Но можно воспользоваться </a:t>
-            </a:r>
-            <a:r>
-              <a:rPr lang="en-US" dirty="0"/>
-              <a:t>open-source </a:t>
-            </a:r>
-            <a:r>
-              <a:rPr lang="ru-RU" dirty="0"/>
-              <a:t>утилитой </a:t>
-            </a:r>
-            <a:r>
-              <a:rPr lang="en-US" dirty="0"/>
-              <a:t>Implib.so.</a:t>
-            </a:r>
+            <a:endParaRPr lang="en-US" dirty="0"/>
           </a:p>
         </p:txBody>
       </p:sp>
@@ -4204,7 +4159,7 @@
     </p:spTree>
     <p:extLst>
       <p:ext uri="{BB962C8B-B14F-4D97-AF65-F5344CB8AC3E}">
-        <p14:creationId xmlns:p14="http://schemas.microsoft.com/office/powerpoint/2010/main" val="2313320207"/>
+        <p14:creationId xmlns:p14="http://schemas.microsoft.com/office/powerpoint/2010/main" val="620556484"/>
       </p:ext>
     </p:extLst>
   </p:cSld>
@@ -4403,7 +4358,7 @@
     </p:spTree>
     <p:extLst>
       <p:ext uri="{BB962C8B-B14F-4D97-AF65-F5344CB8AC3E}">
-        <p14:creationId xmlns:p14="http://schemas.microsoft.com/office/powerpoint/2010/main" val="620556484"/>
+        <p14:creationId xmlns:p14="http://schemas.microsoft.com/office/powerpoint/2010/main" val="1031465222"/>
       </p:ext>
     </p:extLst>
   </p:cSld>
@@ -4457,6 +4412,27 @@
           <a:bodyPr/>
           <a:lstStyle/>
           <a:p>
+            <a:r>
+              <a:rPr lang="ru-RU" dirty="0"/>
+              <a:t>Посмотрим теперь что делать если библиотеку всё же пришлось загрузить.</a:t>
+            </a:r>
+          </a:p>
+          <a:p>
+            <a:endParaRPr lang="ru-RU" dirty="0"/>
+          </a:p>
+          <a:p>
+            <a:r>
+              <a:rPr lang="ru-RU" dirty="0"/>
+              <a:t>Рассмотрим теперь поочерёдно перечисленные нами накладные расходы</a:t>
+            </a:r>
+            <a:r>
+              <a:rPr lang="en-US" dirty="0"/>
+              <a:t>. </a:t>
+            </a:r>
+            <a:r>
+              <a:rPr lang="ru-RU" dirty="0"/>
+              <a:t>Начнём с релокации.</a:t>
+            </a:r>
             <a:endParaRPr lang="en-US" dirty="0"/>
           </a:p>
         </p:txBody>
@@ -4487,7 +4463,7 @@
     </p:spTree>
     <p:extLst>
       <p:ext uri="{BB962C8B-B14F-4D97-AF65-F5344CB8AC3E}">
-        <p14:creationId xmlns:p14="http://schemas.microsoft.com/office/powerpoint/2010/main" val="1031465222"/>
+        <p14:creationId xmlns:p14="http://schemas.microsoft.com/office/powerpoint/2010/main" val="940538028"/>
       </p:ext>
     </p:extLst>
   </p:cSld>
@@ -4543,24 +4519,41 @@
           <a:p>
             <a:r>
               <a:rPr lang="ru-RU" dirty="0"/>
-              <a:t>Посмотрим теперь что делать если библиотеку всё же пришлось загрузить.</a:t>
-            </a:r>
-          </a:p>
-          <a:p>
-            <a:endParaRPr lang="ru-RU" dirty="0"/>
-          </a:p>
-          <a:p>
-            <a:r>
-              <a:rPr lang="ru-RU" dirty="0"/>
-              <a:t>Рассмотрим теперь поочерёдно перечисленные нами накладные расходы</a:t>
-            </a:r>
-            <a:r>
-              <a:rPr lang="en-US" dirty="0"/>
-              <a:t>. </a:t>
-            </a:r>
-            <a:r>
-              <a:rPr lang="ru-RU" dirty="0"/>
-              <a:t>Начнём с релокации.</a:t>
+              <a:t>Сразу скажу что решения для этой части в современных </a:t>
+            </a:r>
+            <a:r>
+              <a:rPr lang="en-US" dirty="0"/>
+              <a:t>Windows </a:t>
+            </a:r>
+            <a:r>
+              <a:rPr lang="ru-RU" dirty="0"/>
+              <a:t>и </a:t>
+            </a:r>
+            <a:r>
+              <a:rPr lang="en-US" dirty="0"/>
+              <a:t>Linux </a:t>
+            </a:r>
+            <a:r>
+              <a:rPr lang="ru-RU" dirty="0"/>
+              <a:t>нет. Но они существовали и использовались долгое время и вы до сих пор можете с ними столкнуться в статьях, поэтому посвятим им несколько слов.</a:t>
+            </a:r>
+            <a:endParaRPr lang="en-US" dirty="0"/>
+          </a:p>
+          <a:p>
+            <a:endParaRPr lang="en-US" dirty="0"/>
+          </a:p>
+          <a:p>
+            <a:r>
+              <a:rPr lang="ru-RU" dirty="0"/>
+              <a:t>Основная идея заключается в том, что мы можем заранее для всех используемых </a:t>
+            </a:r>
+            <a:r>
+              <a:rPr lang="en-US" dirty="0"/>
+              <a:t>DLL </a:t>
+            </a:r>
+            <a:r>
+              <a:rPr lang="ru-RU" dirty="0"/>
+              <a:t>выбрать непересекающиеся адреса в адресном простанстве процесса и слинковать их, исходя из того что они будут загружены по этим адресам. Загрузчик при загрузке увидит что адреса свободны и не будет проводить релокацию.</a:t>
             </a:r>
             <a:endParaRPr lang="en-US" dirty="0"/>
           </a:p>
@@ -4592,7 +4585,7 @@
     </p:spTree>
     <p:extLst>
       <p:ext uri="{BB962C8B-B14F-4D97-AF65-F5344CB8AC3E}">
-        <p14:creationId xmlns:p14="http://schemas.microsoft.com/office/powerpoint/2010/main" val="940538028"/>
+        <p14:creationId xmlns:p14="http://schemas.microsoft.com/office/powerpoint/2010/main" val="3043525197"/>
       </p:ext>
     </p:extLst>
   </p:cSld>
@@ -4648,23 +4641,31 @@
           <a:p>
             <a:r>
               <a:rPr lang="ru-RU" dirty="0"/>
-              <a:t>Сразу скажу что решения для этой части в современных </a:t>
-            </a:r>
-            <a:r>
-              <a:rPr lang="en-US" dirty="0"/>
-              <a:t>Windows </a:t>
-            </a:r>
-            <a:r>
-              <a:rPr lang="ru-RU" dirty="0"/>
-              <a:t>и </a:t>
-            </a:r>
-            <a:r>
-              <a:rPr lang="en-US" dirty="0"/>
-              <a:t>Linux </a:t>
-            </a:r>
-            <a:r>
-              <a:rPr lang="ru-RU" dirty="0"/>
-              <a:t>нет. Но они существовали и использовались долгое время и вы до сих пор можете с ними столкнуться в статьях, поэтому посвятим им несколько слов.</a:t>
+              <a:t>Решение это было реализовано и для </a:t>
+            </a:r>
+            <a:r>
+              <a:rPr lang="en-US" dirty="0"/>
+              <a:t>Windows, </a:t>
+            </a:r>
+            <a:r>
+              <a:rPr lang="ru-RU" dirty="0"/>
+              <a:t>и для </a:t>
+            </a:r>
+            <a:r>
+              <a:rPr lang="en-US" dirty="0"/>
+              <a:t>Linux, </a:t>
+            </a:r>
+            <a:r>
+              <a:rPr lang="ru-RU" dirty="0"/>
+              <a:t>но к сожалению вошло в противоречие с современными требованиями к безопасности, которые заключаются в том, что адрес загрузки </a:t>
+            </a:r>
+            <a:r>
+              <a:rPr lang="en-US" dirty="0"/>
+              <a:t>DLL </a:t>
+            </a:r>
+            <a:r>
+              <a:rPr lang="ru-RU" dirty="0"/>
+              <a:t>должен быть случайным (чтобы не упрощать подбор адресов хакерам).</a:t>
             </a:r>
             <a:endParaRPr lang="en-US" dirty="0"/>
           </a:p>
@@ -4674,17 +4675,32 @@
           <a:p>
             <a:r>
               <a:rPr lang="ru-RU" dirty="0"/>
-              <a:t>Основная идея заключается в том, что мы можем заранее для всех используемых </a:t>
-            </a:r>
-            <a:r>
-              <a:rPr lang="en-US" dirty="0"/>
-              <a:t>DLL </a:t>
-            </a:r>
-            <a:r>
-              <a:rPr lang="ru-RU" dirty="0"/>
-              <a:t>выбрать непересекающиеся адреса в адресном простанстве процесса и слинковать их, исходя из того что они будут загружены по этим адресам. Загрузчик при загрузке увидит что адреса свободны и не будет проводить релокацию.</a:t>
-            </a:r>
-            <a:endParaRPr lang="en-US" dirty="0"/>
+              <a:t>Поэтому сейчас этот метод не применяется</a:t>
+            </a:r>
+            <a:r>
+              <a:rPr lang="en-US" dirty="0"/>
+              <a:t>, </a:t>
+            </a:r>
+            <a:r>
+              <a:rPr lang="ru-RU" dirty="0"/>
+              <a:t>а поддержка </a:t>
+            </a:r>
+            <a:r>
+              <a:rPr lang="en-US" dirty="0" err="1"/>
+              <a:t>Prelink</a:t>
+            </a:r>
+            <a:r>
+              <a:rPr lang="en-US" dirty="0"/>
+              <a:t> </a:t>
+            </a:r>
+            <a:r>
+              <a:rPr lang="ru-RU" dirty="0"/>
+              <a:t>даже была удалена в последних версиях </a:t>
+            </a:r>
+            <a:r>
+              <a:rPr lang="en-US" dirty="0"/>
+              <a:t>Glibc.</a:t>
+            </a:r>
           </a:p>
         </p:txBody>
       </p:sp>
@@ -4714,7 +4730,7 @@
     </p:spTree>
     <p:extLst>
       <p:ext uri="{BB962C8B-B14F-4D97-AF65-F5344CB8AC3E}">
-        <p14:creationId xmlns:p14="http://schemas.microsoft.com/office/powerpoint/2010/main" val="3043525197"/>
+        <p14:creationId xmlns:p14="http://schemas.microsoft.com/office/powerpoint/2010/main" val="1998125518"/>
       </p:ext>
     </p:extLst>
   </p:cSld>
@@ -4770,66 +4786,50 @@
           <a:p>
             <a:r>
               <a:rPr lang="ru-RU" dirty="0"/>
-              <a:t>Решение это было реализовано и для </a:t>
-            </a:r>
-            <a:r>
-              <a:rPr lang="en-US" dirty="0"/>
-              <a:t>Windows, </a:t>
-            </a:r>
-            <a:r>
-              <a:rPr lang="ru-RU" dirty="0"/>
-              <a:t>и для </a:t>
-            </a:r>
-            <a:r>
-              <a:rPr lang="en-US" dirty="0"/>
-              <a:t>Linux, </a:t>
-            </a:r>
-            <a:r>
-              <a:rPr lang="ru-RU" dirty="0"/>
-              <a:t>но к сожалению вошло в противоречие с современными требованиями к безопасности, которые заключаются в том, что адрес загрузки </a:t>
-            </a:r>
-            <a:r>
-              <a:rPr lang="en-US" dirty="0"/>
-              <a:t>DLL </a:t>
-            </a:r>
-            <a:r>
-              <a:rPr lang="ru-RU" dirty="0"/>
-              <a:t>должен быть случайным (чтобы не упрощать подбор адресов хакерам).</a:t>
+              <a:t>В </a:t>
+            </a:r>
+            <a:r>
+              <a:rPr lang="en-US" dirty="0"/>
+              <a:t>32-</a:t>
+            </a:r>
+            <a:r>
+              <a:rPr lang="ru-RU" dirty="0"/>
+              <a:t>битных библиотеках </a:t>
+            </a:r>
+            <a:r>
+              <a:rPr lang="en-US" dirty="0"/>
+              <a:t>Windows</a:t>
+            </a:r>
+            <a:r>
+              <a:rPr lang="ru-RU" dirty="0"/>
+              <a:t> нет позиционно-независимых инструкций, поэтому в них абсолютные адреса в коде могут встречаться и релокация необходима.</a:t>
+            </a:r>
+          </a:p>
+          <a:p>
+            <a:endParaRPr lang="ru-RU" dirty="0"/>
+          </a:p>
+          <a:p>
+            <a:r>
+              <a:rPr lang="ru-RU" dirty="0"/>
+              <a:t>Чтобы как-то ускорить этот процесс в современных версиях </a:t>
+            </a:r>
+            <a:r>
+              <a:rPr lang="en-US" dirty="0"/>
+              <a:t>Windows </a:t>
+            </a:r>
+            <a:r>
+              <a:rPr lang="ru-RU" dirty="0"/>
+              <a:t>библиотеки в разных процессах принудительно загружаются по одному и тому же адресу, это позволяет переиспользовать результаты первой релокации повторно</a:t>
+            </a:r>
+            <a:r>
+              <a:rPr lang="en-US" dirty="0"/>
+              <a:t> </a:t>
+            </a:r>
+            <a:r>
+              <a:rPr lang="ru-RU" dirty="0"/>
+              <a:t>и не тратить ресурсы.</a:t>
             </a:r>
             <a:endParaRPr lang="en-US" dirty="0"/>
-          </a:p>
-          <a:p>
-            <a:endParaRPr lang="en-US" dirty="0"/>
-          </a:p>
-          <a:p>
-            <a:r>
-              <a:rPr lang="ru-RU" dirty="0"/>
-              <a:t>Поэтому сейчас этот метод не применяется</a:t>
-            </a:r>
-            <a:r>
-              <a:rPr lang="en-US" dirty="0"/>
-              <a:t>, </a:t>
-            </a:r>
-            <a:r>
-              <a:rPr lang="ru-RU" dirty="0"/>
-              <a:t>а поддержка </a:t>
-            </a:r>
-            <a:r>
-              <a:rPr lang="en-US" dirty="0" err="1"/>
-              <a:t>Prelink</a:t>
-            </a:r>
-            <a:r>
-              <a:rPr lang="en-US" dirty="0"/>
-              <a:t> </a:t>
-            </a:r>
-            <a:r>
-              <a:rPr lang="ru-RU" dirty="0"/>
-              <a:t>даже была удалена в последних версиях </a:t>
-            </a:r>
-            <a:r>
-              <a:rPr lang="en-US" dirty="0"/>
-              <a:t>Glibc.</a:t>
-            </a:r>
           </a:p>
         </p:txBody>
       </p:sp>
@@ -4859,7 +4859,7 @@
     </p:spTree>
     <p:extLst>
       <p:ext uri="{BB962C8B-B14F-4D97-AF65-F5344CB8AC3E}">
-        <p14:creationId xmlns:p14="http://schemas.microsoft.com/office/powerpoint/2010/main" val="1998125518"/>
+        <p14:creationId xmlns:p14="http://schemas.microsoft.com/office/powerpoint/2010/main" val="1423497470"/>
       </p:ext>
     </p:extLst>
   </p:cSld>
@@ -7721,7 +7721,7 @@
           <a:p>
             <a:fld id="{83D30A23-1FB6-43A1-891F-95145083C4E9}" type="datetime1">
               <a:rPr lang="en-US" smtClean="0"/>
-              <a:t>5/19/2024</a:t>
+              <a:t>5/21/2024</a:t>
             </a:fld>
             <a:endParaRPr lang="en-US"/>
           </a:p>
@@ -7919,7 +7919,7 @@
           <a:p>
             <a:fld id="{A4B03399-60D8-4226-8AC7-3F159D57E860}" type="datetime1">
               <a:rPr lang="en-US" smtClean="0"/>
-              <a:t>5/19/2024</a:t>
+              <a:t>5/21/2024</a:t>
             </a:fld>
             <a:endParaRPr lang="en-US"/>
           </a:p>
@@ -8127,7 +8127,7 @@
           <a:p>
             <a:fld id="{1A646459-A066-416D-8E21-9D451FB1CBED}" type="datetime1">
               <a:rPr lang="en-US" smtClean="0"/>
-              <a:t>5/19/2024</a:t>
+              <a:t>5/21/2024</a:t>
             </a:fld>
             <a:endParaRPr lang="en-US"/>
           </a:p>
@@ -8325,7 +8325,7 @@
           <a:p>
             <a:fld id="{0636B939-1A2A-498F-9013-EEF28820D750}" type="datetime1">
               <a:rPr lang="en-US" smtClean="0"/>
-              <a:t>5/19/2024</a:t>
+              <a:t>5/21/2024</a:t>
             </a:fld>
             <a:endParaRPr lang="en-US"/>
           </a:p>
@@ -8419,7 +8419,7 @@
             </a:fld>
             <a:r>
               <a:rPr lang="en-US" dirty="0"/>
-              <a:t>/70</a:t>
+              <a:t>/74</a:t>
             </a:r>
           </a:p>
         </p:txBody>
@@ -8639,7 +8639,7 @@
           <a:p>
             <a:fld id="{97D3760A-E884-42F2-A44C-F32FAA030BF6}" type="datetime1">
               <a:rPr lang="en-US" smtClean="0"/>
-              <a:t>5/19/2024</a:t>
+              <a:t>5/21/2024</a:t>
             </a:fld>
             <a:endParaRPr lang="en-US"/>
           </a:p>
@@ -8904,7 +8904,7 @@
           <a:p>
             <a:fld id="{4FC7535E-ABF1-4A69-B09E-251EF8B13143}" type="datetime1">
               <a:rPr lang="en-US" smtClean="0"/>
-              <a:t>5/19/2024</a:t>
+              <a:t>5/21/2024</a:t>
             </a:fld>
             <a:endParaRPr lang="en-US"/>
           </a:p>
@@ -9316,7 +9316,7 @@
           <a:p>
             <a:fld id="{CE54BCFC-68A7-4C68-9600-D4AAA16CF9A6}" type="datetime1">
               <a:rPr lang="en-US" smtClean="0"/>
-              <a:t>5/19/2024</a:t>
+              <a:t>5/21/2024</a:t>
             </a:fld>
             <a:endParaRPr lang="en-US"/>
           </a:p>
@@ -9457,7 +9457,7 @@
           <a:p>
             <a:fld id="{0F981744-C4F3-4F58-9E0E-AF6C4E78D03B}" type="datetime1">
               <a:rPr lang="en-US" smtClean="0"/>
-              <a:t>5/19/2024</a:t>
+              <a:t>5/21/2024</a:t>
             </a:fld>
             <a:endParaRPr lang="en-US"/>
           </a:p>
@@ -9570,7 +9570,7 @@
           <a:p>
             <a:fld id="{98ED47E1-EA96-4683-9629-E838295B20BC}" type="datetime1">
               <a:rPr lang="en-US" smtClean="0"/>
-              <a:t>5/19/2024</a:t>
+              <a:t>5/21/2024</a:t>
             </a:fld>
             <a:endParaRPr lang="en-US"/>
           </a:p>
@@ -9881,7 +9881,7 @@
           <a:p>
             <a:fld id="{2F2A1627-B435-455B-A0CA-0808E5748D61}" type="datetime1">
               <a:rPr lang="en-US" smtClean="0"/>
-              <a:t>5/19/2024</a:t>
+              <a:t>5/21/2024</a:t>
             </a:fld>
             <a:endParaRPr lang="en-US"/>
           </a:p>
@@ -10169,7 +10169,7 @@
           <a:p>
             <a:fld id="{FE11CB43-EB9E-4C41-ACD2-0EC61FB429F2}" type="datetime1">
               <a:rPr lang="en-US" smtClean="0"/>
-              <a:t>5/19/2024</a:t>
+              <a:t>5/21/2024</a:t>
             </a:fld>
             <a:endParaRPr lang="en-US"/>
           </a:p>
@@ -10410,7 +10410,7 @@
           <a:p>
             <a:fld id="{CC0B8F92-0932-40E4-878B-3E2E4AAA6810}" type="datetime1">
               <a:rPr lang="en-US" smtClean="0"/>
-              <a:t>5/19/2024</a:t>
+              <a:t>5/21/2024</a:t>
             </a:fld>
             <a:endParaRPr lang="en-US"/>
           </a:p>
@@ -20557,7 +20557,7 @@
                 <a:latin typeface="Courier New" panose="02070309020205020404" pitchFamily="49" charset="0"/>
                 <a:cs typeface="Courier New" panose="02070309020205020404" pitchFamily="49" charset="0"/>
               </a:rPr>
-              <a:t>int x = 16;</a:t>
+              <a:t>int x = 0x12;</a:t>
             </a:r>
           </a:p>
           <a:p>
@@ -21063,7 +21063,7 @@
                 <a:latin typeface="Courier New" panose="02070309020205020404" pitchFamily="49" charset="0"/>
                 <a:cs typeface="Courier New" panose="02070309020205020404" pitchFamily="49" charset="0"/>
               </a:rPr>
-              <a:t> 4018 18400000 00000000 10000000 00000000  .@..............</a:t>
+              <a:t> 4018 18400000 00000000 12000000 00000000  .@..............</a:t>
             </a:r>
           </a:p>
           <a:p>
@@ -21095,13 +21095,15 @@
               </a:ext>
             </a:extLst>
           </p:cNvPr>
-          <p:cNvCxnSpPr/>
+          <p:cNvCxnSpPr>
+            <a:cxnSpLocks/>
+          </p:cNvCxnSpPr>
           <p:nvPr/>
         </p:nvCxnSpPr>
         <p:spPr>
           <a:xfrm>
             <a:off x="4615543" y="4561114"/>
-            <a:ext cx="2612571" cy="0"/>
+            <a:ext cx="1219200" cy="0"/>
           </a:xfrm>
           <a:prstGeom prst="line">
             <a:avLst/>
@@ -21136,7 +21138,7 @@
         </p:nvSpPr>
         <p:spPr>
           <a:xfrm>
-            <a:off x="6836723" y="4999707"/>
+            <a:off x="6499266" y="4999707"/>
             <a:ext cx="391391" cy="369332"/>
           </a:xfrm>
           <a:prstGeom prst="rect">
@@ -21177,7 +21179,7 @@
         </p:nvCxnSpPr>
         <p:spPr>
           <a:xfrm flipH="1" flipV="1">
-            <a:off x="5921828" y="4674149"/>
+            <a:off x="5584371" y="4674149"/>
             <a:ext cx="914895" cy="432638"/>
           </a:xfrm>
           <a:prstGeom prst="straightConnector1">
@@ -21670,7 +21672,14 @@
                 <a:latin typeface="Courier New" panose="02070309020205020404" pitchFamily="49" charset="0"/>
                 <a:cs typeface="Courier New" panose="02070309020205020404" pitchFamily="49" charset="0"/>
               </a:rPr>
-              <a:t>000000004028  000600000001 R_X86_64_64       0000000000004020 x + 0</a:t>
+              <a:t>000000004028  000600000001 R_X86_64_64       0000000000004020 </a:t>
+            </a:r>
+            <a:r>
+              <a:rPr lang="en-US" sz="2000" b="1" dirty="0">
+                <a:latin typeface="Courier New" panose="02070309020205020404" pitchFamily="49" charset="0"/>
+                <a:cs typeface="Courier New" panose="02070309020205020404" pitchFamily="49" charset="0"/>
+              </a:rPr>
+              <a:t>x + 0</a:t>
             </a:r>
           </a:p>
           <a:p>
@@ -21776,7 +21785,7 @@
           <a:p>
             <a:r>
               <a:rPr lang="ru-RU" dirty="0"/>
-              <a:t>Все библиотеки компилируются в позиционно-независимый</a:t>
+              <a:t>Динамические библиотеки компилируются в позиционно-независимый</a:t>
             </a:r>
             <a:r>
               <a:rPr lang="en-US" dirty="0"/>
@@ -21807,7 +21816,7 @@
             <a:pPr lvl="1"/>
             <a:r>
               <a:rPr lang="ru-RU" dirty="0"/>
-              <a:t>Доступ к переменным и функциям идёт относительно </a:t>
+              <a:t>Адреса переменных указываются как смещение относительно </a:t>
             </a:r>
             <a:r>
               <a:rPr lang="en-US" dirty="0"/>
@@ -22134,7 +22143,7 @@
           <p:cNvPr id="2" name="Title 1">
             <a:extLst>
               <a:ext uri="{FF2B5EF4-FFF2-40B4-BE49-F238E27FC236}">
-                <a16:creationId xmlns:a16="http://schemas.microsoft.com/office/drawing/2014/main" id="{7C8F284C-309D-4DD7-B27E-CCE6D5FDB715}"/>
+                <a16:creationId xmlns:a16="http://schemas.microsoft.com/office/drawing/2014/main" id="{D490002F-4CE0-45C4-8D68-71037BD46965}"/>
               </a:ext>
             </a:extLst>
           </p:cNvPr>
@@ -22152,111 +22161,546 @@
           <a:p>
             <a:r>
               <a:rPr lang="ru-RU" dirty="0"/>
-              <a:t>Релокация библиотек</a:t>
-            </a:r>
-            <a:r>
-              <a:rPr lang="en-US" dirty="0"/>
-              <a:t>: </a:t>
-            </a:r>
-            <a:r>
-              <a:rPr lang="ru-RU" dirty="0"/>
-              <a:t>оптимизация в </a:t>
-            </a:r>
-            <a:r>
-              <a:rPr lang="en-US" dirty="0"/>
-              <a:t>Windows</a:t>
-            </a:r>
-          </a:p>
-        </p:txBody>
-      </p:sp>
-      <p:sp>
-        <p:nvSpPr>
-          <p:cNvPr id="3" name="Content Placeholder 2">
-            <a:extLst>
-              <a:ext uri="{FF2B5EF4-FFF2-40B4-BE49-F238E27FC236}">
-                <a16:creationId xmlns:a16="http://schemas.microsoft.com/office/drawing/2014/main" id="{736E5C5C-CDCA-4CF2-B8CA-A72F4957F083}"/>
-              </a:ext>
-            </a:extLst>
-          </p:cNvPr>
-          <p:cNvSpPr>
-            <a:spLocks noGrp="1"/>
-          </p:cNvSpPr>
-          <p:nvPr>
-            <p:ph idx="1"/>
-          </p:nvPr>
-        </p:nvSpPr>
-        <p:spPr/>
-        <p:txBody>
-          <a:bodyPr/>
-          <a:lstStyle/>
-          <a:p>
-            <a:r>
-              <a:rPr lang="ru-RU" dirty="0"/>
-              <a:t>В коде </a:t>
-            </a:r>
-            <a:r>
-              <a:rPr lang="en-US" dirty="0"/>
-              <a:t>Win32-</a:t>
-            </a:r>
-            <a:r>
-              <a:rPr lang="ru-RU" dirty="0"/>
-              <a:t>библиотек могут использоваться абсолютные адреса</a:t>
-            </a:r>
-            <a:endParaRPr lang="en-US" dirty="0"/>
-          </a:p>
-          <a:p>
-            <a:pPr lvl="1"/>
-            <a:r>
-              <a:rPr lang="ru-RU" dirty="0"/>
-              <a:t>В системе команд отсутствуют позиционно-независимые инструкции</a:t>
-            </a:r>
-            <a:endParaRPr lang="en-US" dirty="0"/>
-          </a:p>
-          <a:p>
-            <a:r>
-              <a:rPr lang="ru-RU" dirty="0"/>
-              <a:t>При загрузке требуется релокация</a:t>
-            </a:r>
-            <a:r>
-              <a:rPr lang="en-US" dirty="0"/>
-              <a:t> </a:t>
-            </a:r>
-            <a:r>
-              <a:rPr lang="ru-RU" dirty="0"/>
-              <a:t>большого количества инструкций</a:t>
-            </a:r>
-            <a:endParaRPr lang="en-US" dirty="0"/>
-          </a:p>
-          <a:p>
-            <a:r>
-              <a:rPr lang="ru-RU" dirty="0"/>
-              <a:t>Для ускорения работы библиотека во всех процессах загружается по одному и тому же адресу</a:t>
-            </a:r>
-          </a:p>
-          <a:p>
-            <a:pPr lvl="1"/>
-            <a:r>
-              <a:rPr lang="ru-RU" dirty="0"/>
-              <a:t>Накладные расходы возникают только при первой загрузке</a:t>
-            </a:r>
-          </a:p>
-          <a:p>
-            <a:pPr lvl="1"/>
-            <a:r>
-              <a:rPr lang="ru-RU" dirty="0"/>
-              <a:t>Работает только в современных версиях </a:t>
-            </a:r>
-            <a:r>
-              <a:rPr lang="en-US" dirty="0"/>
-              <a:t>Windows</a:t>
-            </a:r>
+              <a:t>Процесс загрузки </a:t>
+            </a:r>
+            <a:r>
+              <a:rPr lang="en-US" dirty="0"/>
+              <a:t>DLL</a:t>
+            </a:r>
+          </a:p>
+        </p:txBody>
+      </p:sp>
+      <p:sp>
+        <p:nvSpPr>
+          <p:cNvPr id="4" name="Rectangle 3">
+            <a:extLst>
+              <a:ext uri="{FF2B5EF4-FFF2-40B4-BE49-F238E27FC236}">
+                <a16:creationId xmlns:a16="http://schemas.microsoft.com/office/drawing/2014/main" id="{3A1303D3-75DE-4770-90CF-07FE598D73F6}"/>
+              </a:ext>
+            </a:extLst>
+          </p:cNvPr>
+          <p:cNvSpPr/>
+          <p:nvPr/>
+        </p:nvSpPr>
+        <p:spPr>
+          <a:xfrm>
+            <a:off x="500744" y="3287485"/>
+            <a:ext cx="1785256" cy="1366667"/>
+          </a:xfrm>
+          <a:prstGeom prst="rect">
+            <a:avLst/>
+          </a:prstGeom>
+        </p:spPr>
+        <p:style>
+          <a:lnRef idx="2">
+            <a:schemeClr val="accent1">
+              <a:shade val="50000"/>
+            </a:schemeClr>
+          </a:lnRef>
+          <a:fillRef idx="1">
+            <a:schemeClr val="accent1"/>
+          </a:fillRef>
+          <a:effectRef idx="0">
+            <a:schemeClr val="accent1"/>
+          </a:effectRef>
+          <a:fontRef idx="minor">
+            <a:schemeClr val="lt1"/>
+          </a:fontRef>
+        </p:style>
+        <p:txBody>
+          <a:bodyPr rtlCol="0" anchor="ctr"/>
+          <a:lstStyle/>
+          <a:p>
+            <a:pPr algn="ctr"/>
+            <a:r>
+              <a:rPr lang="ru-RU" dirty="0"/>
+              <a:t>Загрузка файла в память</a:t>
+            </a:r>
+            <a:r>
+              <a:rPr lang="en-US" dirty="0"/>
+              <a:t> (memory mapping)</a:t>
+            </a:r>
+          </a:p>
+        </p:txBody>
+      </p:sp>
+      <p:sp>
+        <p:nvSpPr>
+          <p:cNvPr id="5" name="Rectangle 4">
+            <a:extLst>
+              <a:ext uri="{FF2B5EF4-FFF2-40B4-BE49-F238E27FC236}">
+                <a16:creationId xmlns:a16="http://schemas.microsoft.com/office/drawing/2014/main" id="{D81C341A-89BC-4DFC-A1C0-1D74A91C9304}"/>
+              </a:ext>
+            </a:extLst>
+          </p:cNvPr>
+          <p:cNvSpPr/>
+          <p:nvPr/>
+        </p:nvSpPr>
+        <p:spPr>
+          <a:xfrm>
+            <a:off x="2911120" y="3298371"/>
+            <a:ext cx="1747966" cy="1325563"/>
+          </a:xfrm>
+          <a:prstGeom prst="rect">
+            <a:avLst/>
+          </a:prstGeom>
+        </p:spPr>
+        <p:style>
+          <a:lnRef idx="2">
+            <a:schemeClr val="accent1">
+              <a:shade val="50000"/>
+            </a:schemeClr>
+          </a:lnRef>
+          <a:fillRef idx="1">
+            <a:schemeClr val="accent1"/>
+          </a:fillRef>
+          <a:effectRef idx="0">
+            <a:schemeClr val="accent1"/>
+          </a:effectRef>
+          <a:fontRef idx="minor">
+            <a:schemeClr val="lt1"/>
+          </a:fontRef>
+        </p:style>
+        <p:txBody>
+          <a:bodyPr rtlCol="0" anchor="ctr"/>
+          <a:lstStyle/>
+          <a:p>
+            <a:pPr algn="ctr"/>
+            <a:r>
+              <a:rPr lang="ru-RU" dirty="0"/>
+              <a:t>Релокация</a:t>
+            </a:r>
+          </a:p>
+          <a:p>
+            <a:pPr algn="ctr"/>
+            <a:r>
+              <a:rPr lang="en-US" dirty="0"/>
+              <a:t>(relocation)</a:t>
+            </a:r>
+          </a:p>
+        </p:txBody>
+      </p:sp>
+      <p:sp>
+        <p:nvSpPr>
+          <p:cNvPr id="6" name="Rectangle 5">
+            <a:extLst>
+              <a:ext uri="{FF2B5EF4-FFF2-40B4-BE49-F238E27FC236}">
+                <a16:creationId xmlns:a16="http://schemas.microsoft.com/office/drawing/2014/main" id="{CAFDA0B0-C879-448C-8E8E-EBAEB22BA3C6}"/>
+              </a:ext>
+            </a:extLst>
+          </p:cNvPr>
+          <p:cNvSpPr/>
+          <p:nvPr/>
+        </p:nvSpPr>
+        <p:spPr>
+          <a:xfrm>
+            <a:off x="5246915" y="3298371"/>
+            <a:ext cx="2021921" cy="1325563"/>
+          </a:xfrm>
+          <a:prstGeom prst="rect">
+            <a:avLst/>
+          </a:prstGeom>
+        </p:spPr>
+        <p:style>
+          <a:lnRef idx="2">
+            <a:schemeClr val="accent1">
+              <a:shade val="50000"/>
+            </a:schemeClr>
+          </a:lnRef>
+          <a:fillRef idx="1">
+            <a:schemeClr val="accent1"/>
+          </a:fillRef>
+          <a:effectRef idx="0">
+            <a:schemeClr val="accent1"/>
+          </a:effectRef>
+          <a:fontRef idx="minor">
+            <a:schemeClr val="lt1"/>
+          </a:fontRef>
+        </p:style>
+        <p:txBody>
+          <a:bodyPr rtlCol="0" anchor="ctr"/>
+          <a:lstStyle/>
+          <a:p>
+            <a:pPr algn="ctr"/>
+            <a:r>
+              <a:rPr lang="ru-RU" dirty="0"/>
+              <a:t>Разрешение имён </a:t>
+            </a:r>
+            <a:r>
+              <a:rPr lang="en-US" dirty="0"/>
+              <a:t>(symbol resolution)</a:t>
+            </a:r>
+          </a:p>
+        </p:txBody>
+      </p:sp>
+      <p:cxnSp>
+        <p:nvCxnSpPr>
+          <p:cNvPr id="8" name="Straight Arrow Connector 7">
+            <a:extLst>
+              <a:ext uri="{FF2B5EF4-FFF2-40B4-BE49-F238E27FC236}">
+                <a16:creationId xmlns:a16="http://schemas.microsoft.com/office/drawing/2014/main" id="{5CE2F4C6-9204-45BF-B84D-E91D54658887}"/>
+              </a:ext>
+            </a:extLst>
+          </p:cNvPr>
+          <p:cNvCxnSpPr>
+            <a:cxnSpLocks/>
+            <a:stCxn id="4" idx="3"/>
+            <a:endCxn id="5" idx="1"/>
+          </p:cNvCxnSpPr>
+          <p:nvPr/>
+        </p:nvCxnSpPr>
+        <p:spPr>
+          <a:xfrm flipV="1">
+            <a:off x="2286000" y="3961153"/>
+            <a:ext cx="625120" cy="9666"/>
+          </a:xfrm>
+          <a:prstGeom prst="straightConnector1">
+            <a:avLst/>
+          </a:prstGeom>
+          <a:ln w="63500">
+            <a:tailEnd type="triangle"/>
+          </a:ln>
+        </p:spPr>
+        <p:style>
+          <a:lnRef idx="1">
+            <a:schemeClr val="accent1"/>
+          </a:lnRef>
+          <a:fillRef idx="0">
+            <a:schemeClr val="accent1"/>
+          </a:fillRef>
+          <a:effectRef idx="0">
+            <a:schemeClr val="accent1"/>
+          </a:effectRef>
+          <a:fontRef idx="minor">
+            <a:schemeClr val="tx1"/>
+          </a:fontRef>
+        </p:style>
+      </p:cxnSp>
+      <p:cxnSp>
+        <p:nvCxnSpPr>
+          <p:cNvPr id="9" name="Straight Arrow Connector 8">
+            <a:extLst>
+              <a:ext uri="{FF2B5EF4-FFF2-40B4-BE49-F238E27FC236}">
+                <a16:creationId xmlns:a16="http://schemas.microsoft.com/office/drawing/2014/main" id="{1A5C3A1F-4B19-4DA2-8AD2-833F61FCFD5D}"/>
+              </a:ext>
+            </a:extLst>
+          </p:cNvPr>
+          <p:cNvCxnSpPr>
+            <a:cxnSpLocks/>
+            <a:stCxn id="5" idx="3"/>
+            <a:endCxn id="6" idx="1"/>
+          </p:cNvCxnSpPr>
+          <p:nvPr/>
+        </p:nvCxnSpPr>
+        <p:spPr>
+          <a:xfrm>
+            <a:off x="4659086" y="3961153"/>
+            <a:ext cx="587829" cy="0"/>
+          </a:xfrm>
+          <a:prstGeom prst="straightConnector1">
+            <a:avLst/>
+          </a:prstGeom>
+          <a:ln w="63500">
+            <a:tailEnd type="triangle"/>
+          </a:ln>
+        </p:spPr>
+        <p:style>
+          <a:lnRef idx="1">
+            <a:schemeClr val="accent1"/>
+          </a:lnRef>
+          <a:fillRef idx="0">
+            <a:schemeClr val="accent1"/>
+          </a:fillRef>
+          <a:effectRef idx="0">
+            <a:schemeClr val="accent1"/>
+          </a:effectRef>
+          <a:fontRef idx="minor">
+            <a:schemeClr val="tx1"/>
+          </a:fontRef>
+        </p:style>
+      </p:cxnSp>
+      <p:cxnSp>
+        <p:nvCxnSpPr>
+          <p:cNvPr id="14" name="Straight Arrow Connector 13">
+            <a:extLst>
+              <a:ext uri="{FF2B5EF4-FFF2-40B4-BE49-F238E27FC236}">
+                <a16:creationId xmlns:a16="http://schemas.microsoft.com/office/drawing/2014/main" id="{7902B118-9106-4383-8F6D-3D2BC004E40E}"/>
+              </a:ext>
+            </a:extLst>
+          </p:cNvPr>
+          <p:cNvCxnSpPr>
+            <a:cxnSpLocks/>
+            <a:stCxn id="6" idx="3"/>
+            <a:endCxn id="31" idx="1"/>
+          </p:cNvCxnSpPr>
+          <p:nvPr/>
+        </p:nvCxnSpPr>
+        <p:spPr>
+          <a:xfrm flipV="1">
+            <a:off x="7268836" y="3960543"/>
+            <a:ext cx="587829" cy="610"/>
+          </a:xfrm>
+          <a:prstGeom prst="straightConnector1">
+            <a:avLst/>
+          </a:prstGeom>
+          <a:ln w="63500">
+            <a:tailEnd type="triangle"/>
+          </a:ln>
+        </p:spPr>
+        <p:style>
+          <a:lnRef idx="1">
+            <a:schemeClr val="accent1"/>
+          </a:lnRef>
+          <a:fillRef idx="0">
+            <a:schemeClr val="accent1"/>
+          </a:fillRef>
+          <a:effectRef idx="0">
+            <a:schemeClr val="accent1"/>
+          </a:effectRef>
+          <a:fontRef idx="minor">
+            <a:schemeClr val="tx1"/>
+          </a:fontRef>
+        </p:style>
+      </p:cxnSp>
+      <p:sp>
+        <p:nvSpPr>
+          <p:cNvPr id="17" name="TextBox 16">
+            <a:extLst>
+              <a:ext uri="{FF2B5EF4-FFF2-40B4-BE49-F238E27FC236}">
+                <a16:creationId xmlns:a16="http://schemas.microsoft.com/office/drawing/2014/main" id="{072DD281-C023-4C0A-929A-312074616BF8}"/>
+              </a:ext>
+            </a:extLst>
+          </p:cNvPr>
+          <p:cNvSpPr txBox="1"/>
+          <p:nvPr/>
+        </p:nvSpPr>
+        <p:spPr>
+          <a:xfrm>
+            <a:off x="10043283" y="3403104"/>
+            <a:ext cx="2021921" cy="1231106"/>
+          </a:xfrm>
+          <a:prstGeom prst="rect">
+            <a:avLst/>
+          </a:prstGeom>
+          <a:noFill/>
+        </p:spPr>
+        <p:txBody>
+          <a:bodyPr wrap="square" rtlCol="0">
+            <a:spAutoFit/>
+          </a:bodyPr>
+          <a:lstStyle/>
+          <a:p>
+            <a:pPr algn="ctr"/>
+            <a:r>
+              <a:rPr lang="en-US" sz="5400" dirty="0"/>
+              <a:t>…</a:t>
+            </a:r>
+          </a:p>
+          <a:p>
+            <a:pPr algn="ctr"/>
+            <a:r>
+              <a:rPr lang="en-US" sz="2000" dirty="0"/>
+              <a:t>(</a:t>
+            </a:r>
+            <a:r>
+              <a:rPr lang="ru-RU" sz="2000" dirty="0"/>
+              <a:t>использование)</a:t>
+            </a:r>
+            <a:endParaRPr lang="en-US" sz="5400" dirty="0"/>
+          </a:p>
+        </p:txBody>
+      </p:sp>
+      <p:sp>
+        <p:nvSpPr>
+          <p:cNvPr id="31" name="Rectangle 30">
+            <a:extLst>
+              <a:ext uri="{FF2B5EF4-FFF2-40B4-BE49-F238E27FC236}">
+                <a16:creationId xmlns:a16="http://schemas.microsoft.com/office/drawing/2014/main" id="{5F4CB353-579C-4D88-A16C-8B7BF40BEF09}"/>
+              </a:ext>
+            </a:extLst>
+          </p:cNvPr>
+          <p:cNvSpPr/>
+          <p:nvPr/>
+        </p:nvSpPr>
+        <p:spPr>
+          <a:xfrm>
+            <a:off x="7856665" y="3297761"/>
+            <a:ext cx="2021921" cy="1325563"/>
+          </a:xfrm>
+          <a:prstGeom prst="rect">
+            <a:avLst/>
+          </a:prstGeom>
+        </p:spPr>
+        <p:style>
+          <a:lnRef idx="2">
+            <a:schemeClr val="accent1">
+              <a:shade val="50000"/>
+            </a:schemeClr>
+          </a:lnRef>
+          <a:fillRef idx="1">
+            <a:schemeClr val="accent1"/>
+          </a:fillRef>
+          <a:effectRef idx="0">
+            <a:schemeClr val="accent1"/>
+          </a:effectRef>
+          <a:fontRef idx="minor">
+            <a:schemeClr val="lt1"/>
+          </a:fontRef>
+        </p:style>
+        <p:txBody>
+          <a:bodyPr rtlCol="0" anchor="ctr"/>
+          <a:lstStyle/>
+          <a:p>
+            <a:pPr algn="ctr"/>
+            <a:r>
+              <a:rPr lang="ru-RU" dirty="0"/>
+              <a:t>Связывание символов </a:t>
+            </a:r>
+            <a:r>
+              <a:rPr lang="en-US" dirty="0"/>
+              <a:t>(symbol binding)</a:t>
+            </a:r>
+          </a:p>
+        </p:txBody>
+      </p:sp>
+      <p:cxnSp>
+        <p:nvCxnSpPr>
+          <p:cNvPr id="34" name="Straight Arrow Connector 33">
+            <a:extLst>
+              <a:ext uri="{FF2B5EF4-FFF2-40B4-BE49-F238E27FC236}">
+                <a16:creationId xmlns:a16="http://schemas.microsoft.com/office/drawing/2014/main" id="{9EFCD0CC-2C02-48EF-B050-AEDE60A9BD9D}"/>
+              </a:ext>
+            </a:extLst>
+          </p:cNvPr>
+          <p:cNvCxnSpPr>
+            <a:cxnSpLocks/>
+          </p:cNvCxnSpPr>
+          <p:nvPr/>
+        </p:nvCxnSpPr>
+        <p:spPr>
+          <a:xfrm flipV="1">
+            <a:off x="7268836" y="3960542"/>
+            <a:ext cx="587829" cy="610"/>
+          </a:xfrm>
+          <a:prstGeom prst="straightConnector1">
+            <a:avLst/>
+          </a:prstGeom>
+          <a:ln w="63500">
+            <a:tailEnd type="triangle"/>
+          </a:ln>
+        </p:spPr>
+        <p:style>
+          <a:lnRef idx="1">
+            <a:schemeClr val="accent1"/>
+          </a:lnRef>
+          <a:fillRef idx="0">
+            <a:schemeClr val="accent1"/>
+          </a:fillRef>
+          <a:effectRef idx="0">
+            <a:schemeClr val="accent1"/>
+          </a:effectRef>
+          <a:fontRef idx="minor">
+            <a:schemeClr val="tx1"/>
+          </a:fontRef>
+        </p:style>
+      </p:cxnSp>
+      <p:cxnSp>
+        <p:nvCxnSpPr>
+          <p:cNvPr id="35" name="Straight Arrow Connector 34">
+            <a:extLst>
+              <a:ext uri="{FF2B5EF4-FFF2-40B4-BE49-F238E27FC236}">
+                <a16:creationId xmlns:a16="http://schemas.microsoft.com/office/drawing/2014/main" id="{56314CC0-78DF-474F-9EE5-3744FA6F4E2B}"/>
+              </a:ext>
+            </a:extLst>
+          </p:cNvPr>
+          <p:cNvCxnSpPr>
+            <a:cxnSpLocks/>
+            <a:stCxn id="31" idx="3"/>
+          </p:cNvCxnSpPr>
+          <p:nvPr/>
+        </p:nvCxnSpPr>
+        <p:spPr>
+          <a:xfrm flipV="1">
+            <a:off x="9878586" y="3960542"/>
+            <a:ext cx="529569" cy="1"/>
+          </a:xfrm>
+          <a:prstGeom prst="straightConnector1">
+            <a:avLst/>
+          </a:prstGeom>
+          <a:ln w="63500">
+            <a:tailEnd type="triangle"/>
+          </a:ln>
+        </p:spPr>
+        <p:style>
+          <a:lnRef idx="1">
+            <a:schemeClr val="accent1"/>
+          </a:lnRef>
+          <a:fillRef idx="0">
+            <a:schemeClr val="accent1"/>
+          </a:fillRef>
+          <a:effectRef idx="0">
+            <a:schemeClr val="accent1"/>
+          </a:effectRef>
+          <a:fontRef idx="minor">
+            <a:schemeClr val="tx1"/>
+          </a:fontRef>
+        </p:style>
+      </p:cxnSp>
+      <p:sp>
+        <p:nvSpPr>
+          <p:cNvPr id="15" name="Rectangle 14">
+            <a:extLst>
+              <a:ext uri="{FF2B5EF4-FFF2-40B4-BE49-F238E27FC236}">
+                <a16:creationId xmlns:a16="http://schemas.microsoft.com/office/drawing/2014/main" id="{2D667F1F-4810-48AF-B1AC-3F686E67B500}"/>
+              </a:ext>
+            </a:extLst>
+          </p:cNvPr>
+          <p:cNvSpPr/>
+          <p:nvPr/>
+        </p:nvSpPr>
+        <p:spPr>
+          <a:xfrm>
+            <a:off x="4952999" y="3048841"/>
+            <a:ext cx="2480533" cy="1823402"/>
+          </a:xfrm>
+          <a:prstGeom prst="rect">
+            <a:avLst/>
+          </a:prstGeom>
+          <a:noFill/>
+          <a:ln w="76200">
+            <a:solidFill>
+              <a:srgbClr val="FF0000"/>
+            </a:solidFill>
+          </a:ln>
+        </p:spPr>
+        <p:style>
+          <a:lnRef idx="2">
+            <a:schemeClr val="accent1">
+              <a:shade val="50000"/>
+            </a:schemeClr>
+          </a:lnRef>
+          <a:fillRef idx="1">
+            <a:schemeClr val="accent1"/>
+          </a:fillRef>
+          <a:effectRef idx="0">
+            <a:schemeClr val="accent1"/>
+          </a:effectRef>
+          <a:fontRef idx="minor">
+            <a:schemeClr val="lt1"/>
+          </a:fontRef>
+        </p:style>
+        <p:txBody>
+          <a:bodyPr rtlCol="0" anchor="ctr"/>
+          <a:lstStyle/>
+          <a:p>
+            <a:pPr algn="ctr"/>
+            <a:endParaRPr lang="en-US"/>
           </a:p>
         </p:txBody>
       </p:sp>
     </p:spTree>
     <p:extLst>
       <p:ext uri="{BB962C8B-B14F-4D97-AF65-F5344CB8AC3E}">
-        <p14:creationId xmlns:p14="http://schemas.microsoft.com/office/powerpoint/2010/main" val="3230384109"/>
+        <p14:creationId xmlns:p14="http://schemas.microsoft.com/office/powerpoint/2010/main" val="664868595"/>
       </p:ext>
     </p:extLst>
   </p:cSld>
@@ -22288,7 +22732,7 @@
           <p:cNvPr id="2" name="Title 1">
             <a:extLst>
               <a:ext uri="{FF2B5EF4-FFF2-40B4-BE49-F238E27FC236}">
-                <a16:creationId xmlns:a16="http://schemas.microsoft.com/office/drawing/2014/main" id="{D490002F-4CE0-45C4-8D68-71037BD46965}"/>
+                <a16:creationId xmlns:a16="http://schemas.microsoft.com/office/drawing/2014/main" id="{3ED59112-F186-48C6-9ED0-5FAA457FCFD6}"/>
               </a:ext>
             </a:extLst>
           </p:cNvPr>
@@ -22306,546 +22750,124 @@
           <a:p>
             <a:r>
               <a:rPr lang="ru-RU" dirty="0"/>
-              <a:t>Процесс загрузки </a:t>
-            </a:r>
-            <a:r>
-              <a:rPr lang="en-US" dirty="0"/>
-              <a:t>DLL</a:t>
-            </a:r>
-          </a:p>
-        </p:txBody>
-      </p:sp>
-      <p:sp>
-        <p:nvSpPr>
-          <p:cNvPr id="4" name="Rectangle 3">
-            <a:extLst>
-              <a:ext uri="{FF2B5EF4-FFF2-40B4-BE49-F238E27FC236}">
-                <a16:creationId xmlns:a16="http://schemas.microsoft.com/office/drawing/2014/main" id="{3A1303D3-75DE-4770-90CF-07FE598D73F6}"/>
-              </a:ext>
-            </a:extLst>
-          </p:cNvPr>
-          <p:cNvSpPr/>
-          <p:nvPr/>
+              <a:t>Разрешение имён </a:t>
+            </a:r>
+            <a:r>
+              <a:rPr lang="en-US" dirty="0"/>
+              <a:t>(symbol resolution)</a:t>
+            </a:r>
+          </a:p>
+        </p:txBody>
+      </p:sp>
+      <p:sp>
+        <p:nvSpPr>
+          <p:cNvPr id="3" name="Content Placeholder 2">
+            <a:extLst>
+              <a:ext uri="{FF2B5EF4-FFF2-40B4-BE49-F238E27FC236}">
+                <a16:creationId xmlns:a16="http://schemas.microsoft.com/office/drawing/2014/main" id="{A53CE5FC-45E9-4247-B36C-11291129611D}"/>
+              </a:ext>
+            </a:extLst>
+          </p:cNvPr>
+          <p:cNvSpPr>
+            <a:spLocks noGrp="1"/>
+          </p:cNvSpPr>
+          <p:nvPr>
+            <p:ph idx="1"/>
+          </p:nvPr>
         </p:nvSpPr>
         <p:spPr>
           <a:xfrm>
-            <a:off x="500744" y="3287485"/>
-            <a:ext cx="1785256" cy="1366667"/>
+            <a:off x="838200" y="1847397"/>
+            <a:ext cx="10515600" cy="4351338"/>
           </a:xfrm>
-          <a:prstGeom prst="rect">
-            <a:avLst/>
-          </a:prstGeom>
         </p:spPr>
-        <p:style>
-          <a:lnRef idx="2">
-            <a:schemeClr val="accent1">
-              <a:shade val="50000"/>
-            </a:schemeClr>
-          </a:lnRef>
-          <a:fillRef idx="1">
-            <a:schemeClr val="accent1"/>
-          </a:fillRef>
-          <a:effectRef idx="0">
-            <a:schemeClr val="accent1"/>
-          </a:effectRef>
-          <a:fontRef idx="minor">
-            <a:schemeClr val="lt1"/>
-          </a:fontRef>
-        </p:style>
-        <p:txBody>
-          <a:bodyPr rtlCol="0" anchor="ctr"/>
-          <a:lstStyle/>
-          <a:p>
-            <a:pPr algn="ctr"/>
-            <a:r>
-              <a:rPr lang="ru-RU" dirty="0"/>
-              <a:t>Загрузка файла в память</a:t>
-            </a:r>
-            <a:r>
-              <a:rPr lang="en-US" dirty="0"/>
-              <a:t> (memory mapping)</a:t>
-            </a:r>
-          </a:p>
-        </p:txBody>
-      </p:sp>
-      <p:sp>
-        <p:nvSpPr>
-          <p:cNvPr id="5" name="Rectangle 4">
-            <a:extLst>
-              <a:ext uri="{FF2B5EF4-FFF2-40B4-BE49-F238E27FC236}">
-                <a16:creationId xmlns:a16="http://schemas.microsoft.com/office/drawing/2014/main" id="{D81C341A-89BC-4DFC-A1C0-1D74A91C9304}"/>
-              </a:ext>
-            </a:extLst>
-          </p:cNvPr>
-          <p:cNvSpPr/>
-          <p:nvPr/>
-        </p:nvSpPr>
-        <p:spPr>
-          <a:xfrm>
-            <a:off x="2911120" y="3298371"/>
-            <a:ext cx="1747966" cy="1325563"/>
-          </a:xfrm>
-          <a:prstGeom prst="rect">
-            <a:avLst/>
-          </a:prstGeom>
-        </p:spPr>
-        <p:style>
-          <a:lnRef idx="2">
-            <a:schemeClr val="accent1">
-              <a:shade val="50000"/>
-            </a:schemeClr>
-          </a:lnRef>
-          <a:fillRef idx="1">
-            <a:schemeClr val="accent1"/>
-          </a:fillRef>
-          <a:effectRef idx="0">
-            <a:schemeClr val="accent1"/>
-          </a:effectRef>
-          <a:fontRef idx="minor">
-            <a:schemeClr val="lt1"/>
-          </a:fontRef>
-        </p:style>
-        <p:txBody>
-          <a:bodyPr rtlCol="0" anchor="ctr"/>
-          <a:lstStyle/>
-          <a:p>
-            <a:pPr algn="ctr"/>
-            <a:r>
-              <a:rPr lang="ru-RU" dirty="0"/>
-              <a:t>Релокация</a:t>
-            </a:r>
-          </a:p>
-          <a:p>
-            <a:pPr algn="ctr"/>
-            <a:r>
-              <a:rPr lang="en-US" dirty="0"/>
-              <a:t>(relocation)</a:t>
-            </a:r>
-          </a:p>
-        </p:txBody>
-      </p:sp>
-      <p:sp>
-        <p:nvSpPr>
-          <p:cNvPr id="6" name="Rectangle 5">
-            <a:extLst>
-              <a:ext uri="{FF2B5EF4-FFF2-40B4-BE49-F238E27FC236}">
-                <a16:creationId xmlns:a16="http://schemas.microsoft.com/office/drawing/2014/main" id="{CAFDA0B0-C879-448C-8E8E-EBAEB22BA3C6}"/>
-              </a:ext>
-            </a:extLst>
-          </p:cNvPr>
-          <p:cNvSpPr/>
-          <p:nvPr/>
-        </p:nvSpPr>
-        <p:spPr>
-          <a:xfrm>
-            <a:off x="5246915" y="3298371"/>
-            <a:ext cx="2021921" cy="1325563"/>
-          </a:xfrm>
-          <a:prstGeom prst="rect">
-            <a:avLst/>
-          </a:prstGeom>
-        </p:spPr>
-        <p:style>
-          <a:lnRef idx="2">
-            <a:schemeClr val="accent1">
-              <a:shade val="50000"/>
-            </a:schemeClr>
-          </a:lnRef>
-          <a:fillRef idx="1">
-            <a:schemeClr val="accent1"/>
-          </a:fillRef>
-          <a:effectRef idx="0">
-            <a:schemeClr val="accent1"/>
-          </a:effectRef>
-          <a:fontRef idx="minor">
-            <a:schemeClr val="lt1"/>
-          </a:fontRef>
-        </p:style>
-        <p:txBody>
-          <a:bodyPr rtlCol="0" anchor="ctr"/>
-          <a:lstStyle/>
-          <a:p>
-            <a:pPr algn="ctr"/>
-            <a:r>
-              <a:rPr lang="ru-RU" dirty="0"/>
-              <a:t>Разрешение имён </a:t>
-            </a:r>
-            <a:r>
-              <a:rPr lang="en-US" dirty="0"/>
-              <a:t>(symbol resolution)</a:t>
-            </a:r>
-          </a:p>
-        </p:txBody>
-      </p:sp>
-      <p:cxnSp>
-        <p:nvCxnSpPr>
-          <p:cNvPr id="8" name="Straight Arrow Connector 7">
-            <a:extLst>
-              <a:ext uri="{FF2B5EF4-FFF2-40B4-BE49-F238E27FC236}">
-                <a16:creationId xmlns:a16="http://schemas.microsoft.com/office/drawing/2014/main" id="{5CE2F4C6-9204-45BF-B84D-E91D54658887}"/>
-              </a:ext>
-            </a:extLst>
-          </p:cNvPr>
-          <p:cNvCxnSpPr>
-            <a:cxnSpLocks/>
-            <a:stCxn id="4" idx="3"/>
-            <a:endCxn id="5" idx="1"/>
-          </p:cNvCxnSpPr>
-          <p:nvPr/>
-        </p:nvCxnSpPr>
-        <p:spPr>
-          <a:xfrm flipV="1">
-            <a:off x="2286000" y="3961153"/>
-            <a:ext cx="625120" cy="9666"/>
-          </a:xfrm>
-          <a:prstGeom prst="straightConnector1">
-            <a:avLst/>
-          </a:prstGeom>
-          <a:ln w="63500">
-            <a:tailEnd type="triangle"/>
-          </a:ln>
-        </p:spPr>
-        <p:style>
-          <a:lnRef idx="1">
-            <a:schemeClr val="accent1"/>
-          </a:lnRef>
-          <a:fillRef idx="0">
-            <a:schemeClr val="accent1"/>
-          </a:fillRef>
-          <a:effectRef idx="0">
-            <a:schemeClr val="accent1"/>
-          </a:effectRef>
-          <a:fontRef idx="minor">
-            <a:schemeClr val="tx1"/>
-          </a:fontRef>
-        </p:style>
-      </p:cxnSp>
-      <p:cxnSp>
-        <p:nvCxnSpPr>
-          <p:cNvPr id="9" name="Straight Arrow Connector 8">
-            <a:extLst>
-              <a:ext uri="{FF2B5EF4-FFF2-40B4-BE49-F238E27FC236}">
-                <a16:creationId xmlns:a16="http://schemas.microsoft.com/office/drawing/2014/main" id="{1A5C3A1F-4B19-4DA2-8AD2-833F61FCFD5D}"/>
-              </a:ext>
-            </a:extLst>
-          </p:cNvPr>
-          <p:cNvCxnSpPr>
-            <a:cxnSpLocks/>
-            <a:stCxn id="5" idx="3"/>
-            <a:endCxn id="6" idx="1"/>
-          </p:cNvCxnSpPr>
-          <p:nvPr/>
-        </p:nvCxnSpPr>
-        <p:spPr>
-          <a:xfrm>
-            <a:off x="4659086" y="3961153"/>
-            <a:ext cx="587829" cy="0"/>
-          </a:xfrm>
-          <a:prstGeom prst="straightConnector1">
-            <a:avLst/>
-          </a:prstGeom>
-          <a:ln w="63500">
-            <a:tailEnd type="triangle"/>
-          </a:ln>
-        </p:spPr>
-        <p:style>
-          <a:lnRef idx="1">
-            <a:schemeClr val="accent1"/>
-          </a:lnRef>
-          <a:fillRef idx="0">
-            <a:schemeClr val="accent1"/>
-          </a:fillRef>
-          <a:effectRef idx="0">
-            <a:schemeClr val="accent1"/>
-          </a:effectRef>
-          <a:fontRef idx="minor">
-            <a:schemeClr val="tx1"/>
-          </a:fontRef>
-        </p:style>
-      </p:cxnSp>
-      <p:cxnSp>
-        <p:nvCxnSpPr>
-          <p:cNvPr id="14" name="Straight Arrow Connector 13">
-            <a:extLst>
-              <a:ext uri="{FF2B5EF4-FFF2-40B4-BE49-F238E27FC236}">
-                <a16:creationId xmlns:a16="http://schemas.microsoft.com/office/drawing/2014/main" id="{7902B118-9106-4383-8F6D-3D2BC004E40E}"/>
-              </a:ext>
-            </a:extLst>
-          </p:cNvPr>
-          <p:cNvCxnSpPr>
-            <a:cxnSpLocks/>
-            <a:stCxn id="6" idx="3"/>
-            <a:endCxn id="31" idx="1"/>
-          </p:cNvCxnSpPr>
-          <p:nvPr/>
-        </p:nvCxnSpPr>
-        <p:spPr>
-          <a:xfrm flipV="1">
-            <a:off x="7268836" y="3960543"/>
-            <a:ext cx="587829" cy="610"/>
-          </a:xfrm>
-          <a:prstGeom prst="straightConnector1">
-            <a:avLst/>
-          </a:prstGeom>
-          <a:ln w="63500">
-            <a:tailEnd type="triangle"/>
-          </a:ln>
-        </p:spPr>
-        <p:style>
-          <a:lnRef idx="1">
-            <a:schemeClr val="accent1"/>
-          </a:lnRef>
-          <a:fillRef idx="0">
-            <a:schemeClr val="accent1"/>
-          </a:fillRef>
-          <a:effectRef idx="0">
-            <a:schemeClr val="accent1"/>
-          </a:effectRef>
-          <a:fontRef idx="minor">
-            <a:schemeClr val="tx1"/>
-          </a:fontRef>
-        </p:style>
-      </p:cxnSp>
-      <p:sp>
-        <p:nvSpPr>
-          <p:cNvPr id="17" name="TextBox 16">
-            <a:extLst>
-              <a:ext uri="{FF2B5EF4-FFF2-40B4-BE49-F238E27FC236}">
-                <a16:creationId xmlns:a16="http://schemas.microsoft.com/office/drawing/2014/main" id="{072DD281-C023-4C0A-929A-312074616BF8}"/>
-              </a:ext>
-            </a:extLst>
-          </p:cNvPr>
-          <p:cNvSpPr txBox="1"/>
-          <p:nvPr/>
-        </p:nvSpPr>
-        <p:spPr>
-          <a:xfrm>
-            <a:off x="10043283" y="3403104"/>
-            <a:ext cx="2021921" cy="1231106"/>
-          </a:xfrm>
-          <a:prstGeom prst="rect">
-            <a:avLst/>
-          </a:prstGeom>
-          <a:noFill/>
-        </p:spPr>
-        <p:txBody>
-          <a:bodyPr wrap="square" rtlCol="0">
-            <a:spAutoFit/>
-          </a:bodyPr>
-          <a:lstStyle/>
-          <a:p>
-            <a:pPr algn="ctr"/>
-            <a:r>
-              <a:rPr lang="en-US" sz="5400" dirty="0"/>
-              <a:t>…</a:t>
-            </a:r>
-          </a:p>
-          <a:p>
-            <a:pPr algn="ctr"/>
-            <a:r>
-              <a:rPr lang="en-US" sz="2000" dirty="0"/>
-              <a:t>(</a:t>
-            </a:r>
-            <a:r>
-              <a:rPr lang="ru-RU" sz="2000" dirty="0"/>
-              <a:t>использование)</a:t>
-            </a:r>
-            <a:endParaRPr lang="en-US" sz="5400" dirty="0"/>
-          </a:p>
-        </p:txBody>
-      </p:sp>
-      <p:sp>
-        <p:nvSpPr>
-          <p:cNvPr id="31" name="Rectangle 30">
-            <a:extLst>
-              <a:ext uri="{FF2B5EF4-FFF2-40B4-BE49-F238E27FC236}">
-                <a16:creationId xmlns:a16="http://schemas.microsoft.com/office/drawing/2014/main" id="{5F4CB353-579C-4D88-A16C-8B7BF40BEF09}"/>
-              </a:ext>
-            </a:extLst>
-          </p:cNvPr>
-          <p:cNvSpPr/>
-          <p:nvPr/>
-        </p:nvSpPr>
-        <p:spPr>
-          <a:xfrm>
-            <a:off x="7856665" y="3297761"/>
-            <a:ext cx="2021921" cy="1325563"/>
-          </a:xfrm>
-          <a:prstGeom prst="rect">
-            <a:avLst/>
-          </a:prstGeom>
-        </p:spPr>
-        <p:style>
-          <a:lnRef idx="2">
-            <a:schemeClr val="accent1">
-              <a:shade val="50000"/>
-            </a:schemeClr>
-          </a:lnRef>
-          <a:fillRef idx="1">
-            <a:schemeClr val="accent1"/>
-          </a:fillRef>
-          <a:effectRef idx="0">
-            <a:schemeClr val="accent1"/>
-          </a:effectRef>
-          <a:fontRef idx="minor">
-            <a:schemeClr val="lt1"/>
-          </a:fontRef>
-        </p:style>
-        <p:txBody>
-          <a:bodyPr rtlCol="0" anchor="ctr"/>
-          <a:lstStyle/>
-          <a:p>
-            <a:pPr algn="ctr"/>
-            <a:r>
-              <a:rPr lang="ru-RU" dirty="0"/>
-              <a:t>Связывание символов </a:t>
-            </a:r>
-            <a:r>
-              <a:rPr lang="en-US" dirty="0"/>
-              <a:t>(symbol binding)</a:t>
-            </a:r>
-          </a:p>
-        </p:txBody>
-      </p:sp>
-      <p:cxnSp>
-        <p:nvCxnSpPr>
-          <p:cNvPr id="34" name="Straight Arrow Connector 33">
-            <a:extLst>
-              <a:ext uri="{FF2B5EF4-FFF2-40B4-BE49-F238E27FC236}">
-                <a16:creationId xmlns:a16="http://schemas.microsoft.com/office/drawing/2014/main" id="{9EFCD0CC-2C02-48EF-B050-AEDE60A9BD9D}"/>
-              </a:ext>
-            </a:extLst>
-          </p:cNvPr>
-          <p:cNvCxnSpPr>
-            <a:cxnSpLocks/>
-          </p:cNvCxnSpPr>
-          <p:nvPr/>
-        </p:nvCxnSpPr>
-        <p:spPr>
-          <a:xfrm flipV="1">
-            <a:off x="7268836" y="3960542"/>
-            <a:ext cx="587829" cy="610"/>
-          </a:xfrm>
-          <a:prstGeom prst="straightConnector1">
-            <a:avLst/>
-          </a:prstGeom>
-          <a:ln w="63500">
-            <a:tailEnd type="triangle"/>
-          </a:ln>
-        </p:spPr>
-        <p:style>
-          <a:lnRef idx="1">
-            <a:schemeClr val="accent1"/>
-          </a:lnRef>
-          <a:fillRef idx="0">
-            <a:schemeClr val="accent1"/>
-          </a:fillRef>
-          <a:effectRef idx="0">
-            <a:schemeClr val="accent1"/>
-          </a:effectRef>
-          <a:fontRef idx="minor">
-            <a:schemeClr val="tx1"/>
-          </a:fontRef>
-        </p:style>
-      </p:cxnSp>
-      <p:cxnSp>
-        <p:nvCxnSpPr>
-          <p:cNvPr id="35" name="Straight Arrow Connector 34">
-            <a:extLst>
-              <a:ext uri="{FF2B5EF4-FFF2-40B4-BE49-F238E27FC236}">
-                <a16:creationId xmlns:a16="http://schemas.microsoft.com/office/drawing/2014/main" id="{56314CC0-78DF-474F-9EE5-3744FA6F4E2B}"/>
-              </a:ext>
-            </a:extLst>
-          </p:cNvPr>
-          <p:cNvCxnSpPr>
-            <a:cxnSpLocks/>
-            <a:stCxn id="31" idx="3"/>
-          </p:cNvCxnSpPr>
-          <p:nvPr/>
-        </p:nvCxnSpPr>
-        <p:spPr>
-          <a:xfrm flipV="1">
-            <a:off x="9878586" y="3960542"/>
-            <a:ext cx="529569" cy="1"/>
-          </a:xfrm>
-          <a:prstGeom prst="straightConnector1">
-            <a:avLst/>
-          </a:prstGeom>
-          <a:ln w="63500">
-            <a:tailEnd type="triangle"/>
-          </a:ln>
-        </p:spPr>
-        <p:style>
-          <a:lnRef idx="1">
-            <a:schemeClr val="accent1"/>
-          </a:lnRef>
-          <a:fillRef idx="0">
-            <a:schemeClr val="accent1"/>
-          </a:fillRef>
-          <a:effectRef idx="0">
-            <a:schemeClr val="accent1"/>
-          </a:effectRef>
-          <a:fontRef idx="minor">
-            <a:schemeClr val="tx1"/>
-          </a:fontRef>
-        </p:style>
-      </p:cxnSp>
-      <p:sp>
-        <p:nvSpPr>
-          <p:cNvPr id="15" name="Rectangle 14">
-            <a:extLst>
-              <a:ext uri="{FF2B5EF4-FFF2-40B4-BE49-F238E27FC236}">
-                <a16:creationId xmlns:a16="http://schemas.microsoft.com/office/drawing/2014/main" id="{2D667F1F-4810-48AF-B1AC-3F686E67B500}"/>
-              </a:ext>
-            </a:extLst>
-          </p:cNvPr>
-          <p:cNvSpPr/>
-          <p:nvPr/>
-        </p:nvSpPr>
-        <p:spPr>
-          <a:xfrm>
-            <a:off x="4952999" y="3048841"/>
-            <a:ext cx="2480533" cy="1823402"/>
-          </a:xfrm>
-          <a:prstGeom prst="rect">
-            <a:avLst/>
-          </a:prstGeom>
-          <a:noFill/>
-          <a:ln w="76200">
-            <a:solidFill>
-              <a:srgbClr val="FF0000"/>
-            </a:solidFill>
-          </a:ln>
-        </p:spPr>
-        <p:style>
-          <a:lnRef idx="2">
-            <a:schemeClr val="accent1">
-              <a:shade val="50000"/>
-            </a:schemeClr>
-          </a:lnRef>
-          <a:fillRef idx="1">
-            <a:schemeClr val="accent1"/>
-          </a:fillRef>
-          <a:effectRef idx="0">
-            <a:schemeClr val="accent1"/>
-          </a:effectRef>
-          <a:fontRef idx="minor">
-            <a:schemeClr val="lt1"/>
-          </a:fontRef>
-        </p:style>
-        <p:txBody>
-          <a:bodyPr rtlCol="0" anchor="ctr"/>
-          <a:lstStyle/>
-          <a:p>
-            <a:pPr algn="ctr"/>
-            <a:endParaRPr lang="en-US"/>
+        <p:txBody>
+          <a:bodyPr/>
+          <a:lstStyle/>
+          <a:p>
+            <a:r>
+              <a:rPr lang="ru-RU" dirty="0"/>
+              <a:t>Поиск соответствия между экспортируемыми и импортируемыми символами</a:t>
+            </a:r>
+            <a:endParaRPr lang="en-US" dirty="0"/>
+          </a:p>
+          <a:p>
+            <a:r>
+              <a:rPr lang="ru-RU" dirty="0"/>
+              <a:t>Для ускорения поиска информация о символах хранится в хэштаблицах</a:t>
+            </a:r>
+          </a:p>
+          <a:p>
+            <a:r>
+              <a:rPr lang="en-US" dirty="0"/>
+              <a:t>Windows </a:t>
+            </a:r>
+            <a:r>
+              <a:rPr lang="ru-RU" dirty="0"/>
+              <a:t>и </a:t>
+            </a:r>
+            <a:r>
+              <a:rPr lang="en-US" dirty="0"/>
+              <a:t>Linux </a:t>
+            </a:r>
+            <a:r>
+              <a:rPr lang="ru-RU" dirty="0"/>
+              <a:t>используют разные подходы</a:t>
+            </a:r>
+            <a:r>
+              <a:rPr lang="en-US" dirty="0"/>
+              <a:t>:</a:t>
+            </a:r>
+            <a:endParaRPr lang="ru-RU" dirty="0"/>
+          </a:p>
+          <a:p>
+            <a:pPr lvl="1"/>
+            <a:r>
+              <a:rPr lang="en-US" dirty="0"/>
+              <a:t>Windows: </a:t>
+            </a:r>
+            <a:r>
+              <a:rPr lang="ru-RU" dirty="0"/>
+              <a:t>на этапе линковки символ связывается с конкретной библиотекой</a:t>
+            </a:r>
+            <a:r>
+              <a:rPr lang="en-US" dirty="0"/>
+              <a:t> </a:t>
+            </a:r>
+            <a:r>
+              <a:rPr lang="ru-RU" dirty="0"/>
+              <a:t>и может быть загружен только из неё</a:t>
+            </a:r>
+          </a:p>
+          <a:p>
+            <a:pPr lvl="1"/>
+            <a:r>
+              <a:rPr lang="en-US" dirty="0"/>
+              <a:t>Linux:</a:t>
+            </a:r>
+            <a:r>
+              <a:rPr lang="ru-RU" dirty="0"/>
+              <a:t> символ ищется во всех загруженных библиотеках</a:t>
+            </a:r>
+            <a:endParaRPr lang="en-US" dirty="0"/>
+          </a:p>
+          <a:p>
+            <a:pPr lvl="2"/>
+            <a:r>
+              <a:rPr lang="ru-RU" dirty="0"/>
+              <a:t>Это делает возможным динамический перехват символов (</a:t>
+            </a:r>
+            <a:r>
+              <a:rPr lang="en-US" dirty="0"/>
+              <a:t>runtime interposition)</a:t>
+            </a:r>
           </a:p>
         </p:txBody>
       </p:sp>
     </p:spTree>
     <p:extLst>
       <p:ext uri="{BB962C8B-B14F-4D97-AF65-F5344CB8AC3E}">
-        <p14:creationId xmlns:p14="http://schemas.microsoft.com/office/powerpoint/2010/main" val="664868595"/>
+        <p14:creationId xmlns:p14="http://schemas.microsoft.com/office/powerpoint/2010/main" val="3894009382"/>
       </p:ext>
     </p:extLst>
   </p:cSld>
@@ -22895,11 +22917,19 @@
           <a:p>
             <a:r>
               <a:rPr lang="ru-RU" dirty="0"/>
-              <a:t>Разрешение имён </a:t>
-            </a:r>
-            <a:r>
-              <a:rPr lang="en-US" dirty="0"/>
-              <a:t>(symbol resolution)</a:t>
+              <a:t>Перехват символов в </a:t>
+            </a:r>
+            <a:r>
+              <a:rPr lang="en-US" dirty="0"/>
+              <a:t>Linux</a:t>
+            </a:r>
+            <a:r>
+              <a:rPr lang="ru-RU" dirty="0"/>
+              <a:t> (</a:t>
+            </a:r>
+            <a:r>
+              <a:rPr lang="en-US" dirty="0"/>
+              <a:t>runtime interposition)</a:t>
             </a:r>
           </a:p>
         </p:txBody>
@@ -22922,97 +22952,349 @@
         </p:nvSpPr>
         <p:spPr>
           <a:xfrm>
-            <a:off x="838200" y="1847397"/>
-            <a:ext cx="10515600" cy="4351338"/>
+            <a:off x="838199" y="1690687"/>
+            <a:ext cx="10853057" cy="5167313"/>
           </a:xfrm>
         </p:spPr>
         <p:txBody>
-          <a:bodyPr/>
-          <a:lstStyle/>
-          <a:p>
-            <a:r>
-              <a:rPr lang="ru-RU" dirty="0"/>
-              <a:t>Поиск соответствия между экспортируемыми и импортируемыми символами</a:t>
-            </a:r>
+          <a:bodyPr>
+            <a:normAutofit lnSpcReduction="10000"/>
+          </a:bodyPr>
+          <a:lstStyle/>
+          <a:p>
+            <a:r>
+              <a:rPr lang="ru-RU" dirty="0"/>
+              <a:t>Можно заставить загрузчик найти символ не в исходной библиотеке</a:t>
+            </a:r>
+            <a:r>
+              <a:rPr lang="en-US" dirty="0"/>
+              <a:t>, </a:t>
+            </a:r>
+            <a:r>
+              <a:rPr lang="ru-RU" dirty="0"/>
+              <a:t>а в библиотеке-перехватчике</a:t>
+            </a:r>
+          </a:p>
+          <a:p>
+            <a:r>
+              <a:rPr lang="ru-RU" dirty="0"/>
+              <a:t>Обычно перехват символов осуществляется с помощью переменной окружения </a:t>
+            </a:r>
+            <a:r>
+              <a:rPr lang="en-US" dirty="0"/>
+              <a:t>LD_PRELOAD:</a:t>
+            </a:r>
+          </a:p>
+          <a:p>
+            <a:pPr marL="457200" lvl="1" indent="0">
+              <a:buNone/>
+            </a:pPr>
+            <a:r>
+              <a:rPr lang="en-US" sz="1800" dirty="0">
+                <a:solidFill>
+                  <a:prstClr val="black"/>
+                </a:solidFill>
+                <a:latin typeface="Courier New" panose="02070309020205020404" pitchFamily="49" charset="0"/>
+                <a:cs typeface="Courier New" panose="02070309020205020404" pitchFamily="49" charset="0"/>
+              </a:rPr>
+              <a:t>$ cat </a:t>
+            </a:r>
+            <a:r>
+              <a:rPr lang="en-US" sz="1800" dirty="0" err="1">
+                <a:solidFill>
+                  <a:prstClr val="black"/>
+                </a:solidFill>
+                <a:latin typeface="Courier New" panose="02070309020205020404" pitchFamily="49" charset="0"/>
+                <a:cs typeface="Courier New" panose="02070309020205020404" pitchFamily="49" charset="0"/>
+              </a:rPr>
+              <a:t>prog.c</a:t>
+            </a:r>
+            <a:endParaRPr lang="en-US" sz="1800" dirty="0">
+              <a:solidFill>
+                <a:prstClr val="black"/>
+              </a:solidFill>
+              <a:latin typeface="Courier New" panose="02070309020205020404" pitchFamily="49" charset="0"/>
+              <a:cs typeface="Courier New" panose="02070309020205020404" pitchFamily="49" charset="0"/>
+            </a:endParaRPr>
+          </a:p>
+          <a:p>
+            <a:pPr marL="457200" lvl="1" indent="0">
+              <a:buNone/>
+            </a:pPr>
+            <a:r>
+              <a:rPr lang="fr-FR" sz="1800" dirty="0" err="1">
+                <a:solidFill>
+                  <a:prstClr val="black"/>
+                </a:solidFill>
+                <a:latin typeface="Courier New" panose="02070309020205020404" pitchFamily="49" charset="0"/>
+                <a:cs typeface="Courier New" panose="02070309020205020404" pitchFamily="49" charset="0"/>
+              </a:rPr>
+              <a:t>int</a:t>
+            </a:r>
+            <a:r>
+              <a:rPr lang="fr-FR" sz="1800" dirty="0">
+                <a:solidFill>
+                  <a:prstClr val="black"/>
+                </a:solidFill>
+                <a:latin typeface="Courier New" panose="02070309020205020404" pitchFamily="49" charset="0"/>
+                <a:cs typeface="Courier New" panose="02070309020205020404" pitchFamily="49" charset="0"/>
+              </a:rPr>
+              <a:t> main(</a:t>
+            </a:r>
+            <a:r>
+              <a:rPr lang="fr-FR" sz="1800" dirty="0" err="1">
+                <a:solidFill>
+                  <a:prstClr val="black"/>
+                </a:solidFill>
+                <a:latin typeface="Courier New" panose="02070309020205020404" pitchFamily="49" charset="0"/>
+                <a:cs typeface="Courier New" panose="02070309020205020404" pitchFamily="49" charset="0"/>
+              </a:rPr>
+              <a:t>int</a:t>
+            </a:r>
+            <a:r>
+              <a:rPr lang="fr-FR" sz="1800" dirty="0">
+                <a:solidFill>
+                  <a:prstClr val="black"/>
+                </a:solidFill>
+                <a:latin typeface="Courier New" panose="02070309020205020404" pitchFamily="49" charset="0"/>
+                <a:cs typeface="Courier New" panose="02070309020205020404" pitchFamily="49" charset="0"/>
+              </a:rPr>
+              <a:t> </a:t>
+            </a:r>
+            <a:r>
+              <a:rPr lang="fr-FR" sz="1800" dirty="0" err="1">
+                <a:solidFill>
+                  <a:prstClr val="black"/>
+                </a:solidFill>
+                <a:latin typeface="Courier New" panose="02070309020205020404" pitchFamily="49" charset="0"/>
+                <a:cs typeface="Courier New" panose="02070309020205020404" pitchFamily="49" charset="0"/>
+              </a:rPr>
+              <a:t>argc</a:t>
+            </a:r>
+            <a:r>
+              <a:rPr lang="fr-FR" sz="1800" dirty="0">
+                <a:solidFill>
+                  <a:prstClr val="black"/>
+                </a:solidFill>
+                <a:latin typeface="Courier New" panose="02070309020205020404" pitchFamily="49" charset="0"/>
+                <a:cs typeface="Courier New" panose="02070309020205020404" pitchFamily="49" charset="0"/>
+              </a:rPr>
+              <a:t>) { printf("%d\n", </a:t>
+            </a:r>
+            <a:r>
+              <a:rPr lang="fr-FR" sz="1800" dirty="0" err="1">
+                <a:solidFill>
+                  <a:prstClr val="black"/>
+                </a:solidFill>
+                <a:latin typeface="Courier New" panose="02070309020205020404" pitchFamily="49" charset="0"/>
+                <a:cs typeface="Courier New" panose="02070309020205020404" pitchFamily="49" charset="0"/>
+              </a:rPr>
+              <a:t>argc</a:t>
+            </a:r>
+            <a:r>
+              <a:rPr lang="fr-FR" sz="1800" dirty="0">
+                <a:solidFill>
+                  <a:prstClr val="black"/>
+                </a:solidFill>
+                <a:latin typeface="Courier New" panose="02070309020205020404" pitchFamily="49" charset="0"/>
+                <a:cs typeface="Courier New" panose="02070309020205020404" pitchFamily="49" charset="0"/>
+              </a:rPr>
+              <a:t>); }</a:t>
+            </a:r>
+          </a:p>
+          <a:p>
+            <a:pPr marL="457200" lvl="1" indent="0">
+              <a:buNone/>
+            </a:pPr>
+            <a:r>
+              <a:rPr lang="en-US" sz="1800" dirty="0">
+                <a:solidFill>
+                  <a:prstClr val="black"/>
+                </a:solidFill>
+                <a:latin typeface="Courier New" panose="02070309020205020404" pitchFamily="49" charset="0"/>
+                <a:cs typeface="Courier New" panose="02070309020205020404" pitchFamily="49" charset="0"/>
+              </a:rPr>
+              <a:t>$ ./prog a b c</a:t>
+            </a:r>
+          </a:p>
+          <a:p>
+            <a:pPr marL="457200" lvl="1" indent="0">
+              <a:buNone/>
+            </a:pPr>
+            <a:r>
+              <a:rPr lang="en-US" sz="1800" dirty="0">
+                <a:solidFill>
+                  <a:prstClr val="black"/>
+                </a:solidFill>
+                <a:latin typeface="Courier New" panose="02070309020205020404" pitchFamily="49" charset="0"/>
+                <a:cs typeface="Courier New" panose="02070309020205020404" pitchFamily="49" charset="0"/>
+              </a:rPr>
+              <a:t>4</a:t>
+            </a:r>
+          </a:p>
+          <a:p>
+            <a:pPr marL="457200" lvl="1" indent="0">
+              <a:buNone/>
+            </a:pPr>
+            <a:r>
+              <a:rPr lang="en-US" sz="1800" dirty="0">
+                <a:solidFill>
+                  <a:prstClr val="black"/>
+                </a:solidFill>
+                <a:latin typeface="Courier New" panose="02070309020205020404" pitchFamily="49" charset="0"/>
+                <a:cs typeface="Courier New" panose="02070309020205020404" pitchFamily="49" charset="0"/>
+              </a:rPr>
+              <a:t>$ cat </a:t>
+            </a:r>
+            <a:r>
+              <a:rPr lang="en-US" sz="1800" dirty="0" err="1">
+                <a:solidFill>
+                  <a:prstClr val="black"/>
+                </a:solidFill>
+                <a:latin typeface="Courier New" panose="02070309020205020404" pitchFamily="49" charset="0"/>
+                <a:cs typeface="Courier New" panose="02070309020205020404" pitchFamily="49" charset="0"/>
+              </a:rPr>
+              <a:t>lib.c</a:t>
+            </a:r>
+            <a:endParaRPr lang="en-US" sz="1800" dirty="0">
+              <a:solidFill>
+                <a:prstClr val="black"/>
+              </a:solidFill>
+              <a:latin typeface="Courier New" panose="02070309020205020404" pitchFamily="49" charset="0"/>
+              <a:cs typeface="Courier New" panose="02070309020205020404" pitchFamily="49" charset="0"/>
+            </a:endParaRPr>
+          </a:p>
+          <a:p>
+            <a:pPr marL="457200" lvl="1" indent="0">
+              <a:buNone/>
+            </a:pPr>
+            <a:r>
+              <a:rPr lang="en-US" sz="1800" dirty="0">
+                <a:solidFill>
+                  <a:prstClr val="black"/>
+                </a:solidFill>
+                <a:latin typeface="Courier New" panose="02070309020205020404" pitchFamily="49" charset="0"/>
+                <a:cs typeface="Courier New" panose="02070309020205020404" pitchFamily="49" charset="0"/>
+              </a:rPr>
+              <a:t>int </a:t>
+            </a:r>
+            <a:r>
+              <a:rPr lang="en-US" sz="1800" dirty="0" err="1">
+                <a:solidFill>
+                  <a:prstClr val="black"/>
+                </a:solidFill>
+                <a:latin typeface="Courier New" panose="02070309020205020404" pitchFamily="49" charset="0"/>
+                <a:cs typeface="Courier New" panose="02070309020205020404" pitchFamily="49" charset="0"/>
+              </a:rPr>
+              <a:t>printf</a:t>
+            </a:r>
+            <a:r>
+              <a:rPr lang="en-US" sz="1800" dirty="0">
+                <a:solidFill>
+                  <a:prstClr val="black"/>
+                </a:solidFill>
+                <a:latin typeface="Courier New" panose="02070309020205020404" pitchFamily="49" charset="0"/>
+                <a:cs typeface="Courier New" panose="02070309020205020404" pitchFamily="49" charset="0"/>
+              </a:rPr>
+              <a:t>(char *</a:t>
+            </a:r>
+            <a:r>
+              <a:rPr lang="en-US" sz="1800" dirty="0" err="1">
+                <a:solidFill>
+                  <a:prstClr val="black"/>
+                </a:solidFill>
+                <a:latin typeface="Courier New" panose="02070309020205020404" pitchFamily="49" charset="0"/>
+                <a:cs typeface="Courier New" panose="02070309020205020404" pitchFamily="49" charset="0"/>
+              </a:rPr>
+              <a:t>fmt</a:t>
+            </a:r>
+            <a:r>
+              <a:rPr lang="en-US" sz="1800" dirty="0">
+                <a:solidFill>
+                  <a:prstClr val="black"/>
+                </a:solidFill>
+                <a:latin typeface="Courier New" panose="02070309020205020404" pitchFamily="49" charset="0"/>
+                <a:cs typeface="Courier New" panose="02070309020205020404" pitchFamily="49" charset="0"/>
+              </a:rPr>
+              <a:t>, ...) { puts("Hello from interceptor\n"); }</a:t>
+            </a:r>
+          </a:p>
+          <a:p>
+            <a:pPr marL="457200" lvl="1" indent="0">
+              <a:buNone/>
+            </a:pPr>
+            <a:r>
+              <a:rPr lang="en-US" sz="1800" dirty="0">
+                <a:solidFill>
+                  <a:prstClr val="black"/>
+                </a:solidFill>
+                <a:latin typeface="Courier New" panose="02070309020205020404" pitchFamily="49" charset="0"/>
+                <a:cs typeface="Courier New" panose="02070309020205020404" pitchFamily="49" charset="0"/>
+              </a:rPr>
+              <a:t>$ LD_PRELOAD=./lib.so ./prog a b c</a:t>
+            </a:r>
+          </a:p>
+          <a:p>
+            <a:pPr marL="457200" lvl="1" indent="0">
+              <a:buNone/>
+            </a:pPr>
+            <a:r>
+              <a:rPr lang="en-US" sz="1800" dirty="0">
+                <a:solidFill>
+                  <a:prstClr val="black"/>
+                </a:solidFill>
+                <a:latin typeface="Courier New" panose="02070309020205020404" pitchFamily="49" charset="0"/>
+                <a:cs typeface="Courier New" panose="02070309020205020404" pitchFamily="49" charset="0"/>
+              </a:rPr>
+              <a:t>Hello from interceptor</a:t>
+            </a:r>
+          </a:p>
+          <a:p>
+            <a:r>
+              <a:rPr lang="ru-RU" dirty="0"/>
+              <a:t>Частно используется в отладочных инструментах типа </a:t>
+            </a:r>
+            <a:r>
+              <a:rPr lang="en-US" dirty="0"/>
+              <a:t>Electric Fence </a:t>
+            </a:r>
+            <a:r>
+              <a:rPr lang="ru-RU" dirty="0"/>
+              <a:t>или </a:t>
+            </a:r>
+            <a:r>
+              <a:rPr lang="en-US" dirty="0" err="1"/>
+              <a:t>AddressSanitizer</a:t>
+            </a:r>
+            <a:r>
+              <a:rPr lang="en-US" dirty="0"/>
+              <a:t> </a:t>
+            </a:r>
+            <a:r>
+              <a:rPr lang="ru-RU" dirty="0"/>
+              <a:t>для перехвата операций с памятью (</a:t>
+            </a:r>
+            <a:r>
+              <a:rPr lang="en-US" dirty="0"/>
+              <a:t>malloc </a:t>
+            </a:r>
+            <a:r>
+              <a:rPr lang="ru-RU" dirty="0"/>
+              <a:t>и пр.)</a:t>
+            </a:r>
+          </a:p>
+          <a:p>
+            <a:pPr marL="0" indent="0">
+              <a:buNone/>
+            </a:pPr>
             <a:endParaRPr lang="en-US" dirty="0"/>
-          </a:p>
-          <a:p>
-            <a:r>
-              <a:rPr lang="ru-RU" dirty="0"/>
-              <a:t>Для ускорения поиска информация о символах хранится в хэштаблицах</a:t>
-            </a:r>
-          </a:p>
-          <a:p>
-            <a:r>
-              <a:rPr lang="en-US" dirty="0"/>
-              <a:t>Windows </a:t>
-            </a:r>
-            <a:r>
-              <a:rPr lang="ru-RU" dirty="0"/>
-              <a:t>и </a:t>
-            </a:r>
-            <a:r>
-              <a:rPr lang="en-US" dirty="0"/>
-              <a:t>Linux </a:t>
-            </a:r>
-            <a:r>
-              <a:rPr lang="ru-RU" dirty="0"/>
-              <a:t>используют разные подходы</a:t>
-            </a:r>
-            <a:r>
-              <a:rPr lang="en-US" dirty="0"/>
-              <a:t>:</a:t>
-            </a:r>
-            <a:endParaRPr lang="ru-RU" dirty="0"/>
-          </a:p>
-          <a:p>
-            <a:pPr lvl="1"/>
-            <a:r>
-              <a:rPr lang="en-US" dirty="0"/>
-              <a:t>Windows: </a:t>
-            </a:r>
-            <a:r>
-              <a:rPr lang="ru-RU" dirty="0"/>
-              <a:t>на этапе линковки символ связывается с конкретной библиотекой</a:t>
-            </a:r>
-            <a:r>
-              <a:rPr lang="en-US" dirty="0"/>
-              <a:t> </a:t>
-            </a:r>
-            <a:r>
-              <a:rPr lang="ru-RU" dirty="0"/>
-              <a:t>и может быть загружен только из неё</a:t>
-            </a:r>
-          </a:p>
-          <a:p>
-            <a:pPr lvl="1"/>
-            <a:r>
-              <a:rPr lang="en-US" dirty="0"/>
-              <a:t>Linux:</a:t>
-            </a:r>
-            <a:r>
-              <a:rPr lang="ru-RU" dirty="0"/>
-              <a:t> символ ищется во всех загруженных библиотеках</a:t>
-            </a:r>
-            <a:endParaRPr lang="en-US" dirty="0"/>
-          </a:p>
-          <a:p>
-            <a:pPr lvl="2"/>
-            <a:r>
-              <a:rPr lang="ru-RU" dirty="0"/>
-              <a:t>Это делает возможным динамический перехват символов (</a:t>
-            </a:r>
-            <a:r>
-              <a:rPr lang="en-US" dirty="0"/>
-              <a:t>runtime interposition)</a:t>
-            </a:r>
           </a:p>
         </p:txBody>
       </p:sp>
     </p:spTree>
     <p:extLst>
       <p:ext uri="{BB962C8B-B14F-4D97-AF65-F5344CB8AC3E}">
-        <p14:creationId xmlns:p14="http://schemas.microsoft.com/office/powerpoint/2010/main" val="3894009382"/>
+        <p14:creationId xmlns:p14="http://schemas.microsoft.com/office/powerpoint/2010/main" val="345441132"/>
       </p:ext>
     </p:extLst>
   </p:cSld>
@@ -23150,405 +23432,593 @@
       </p:grpSpPr>
       <p:sp>
         <p:nvSpPr>
-          <p:cNvPr id="2" name="Title 1">
-            <a:extLst>
-              <a:ext uri="{FF2B5EF4-FFF2-40B4-BE49-F238E27FC236}">
-                <a16:creationId xmlns:a16="http://schemas.microsoft.com/office/drawing/2014/main" id="{3ED59112-F186-48C6-9ED0-5FAA457FCFD6}"/>
-              </a:ext>
-            </a:extLst>
-          </p:cNvPr>
-          <p:cNvSpPr>
-            <a:spLocks noGrp="1"/>
-          </p:cNvSpPr>
-          <p:nvPr>
-            <p:ph type="title"/>
-          </p:nvPr>
-        </p:nvSpPr>
-        <p:spPr/>
-        <p:txBody>
-          <a:bodyPr/>
-          <a:lstStyle/>
-          <a:p>
-            <a:r>
-              <a:rPr lang="ru-RU" dirty="0"/>
-              <a:t>Перехват символов в </a:t>
-            </a:r>
-            <a:r>
-              <a:rPr lang="en-US" dirty="0"/>
-              <a:t>Linux</a:t>
-            </a:r>
-            <a:r>
-              <a:rPr lang="ru-RU" dirty="0"/>
-              <a:t> (</a:t>
-            </a:r>
-            <a:r>
-              <a:rPr lang="en-US" dirty="0"/>
-              <a:t>runtime interposition)</a:t>
-            </a:r>
-          </a:p>
-        </p:txBody>
-      </p:sp>
-      <p:sp>
-        <p:nvSpPr>
-          <p:cNvPr id="3" name="Content Placeholder 2">
-            <a:extLst>
-              <a:ext uri="{FF2B5EF4-FFF2-40B4-BE49-F238E27FC236}">
-                <a16:creationId xmlns:a16="http://schemas.microsoft.com/office/drawing/2014/main" id="{A53CE5FC-45E9-4247-B36C-11291129611D}"/>
-              </a:ext>
-            </a:extLst>
-          </p:cNvPr>
-          <p:cNvSpPr>
-            <a:spLocks noGrp="1"/>
-          </p:cNvSpPr>
-          <p:nvPr>
-            <p:ph idx="1"/>
-          </p:nvPr>
+          <p:cNvPr id="4" name="Rectangle 3">
+            <a:extLst>
+              <a:ext uri="{FF2B5EF4-FFF2-40B4-BE49-F238E27FC236}">
+                <a16:creationId xmlns:a16="http://schemas.microsoft.com/office/drawing/2014/main" id="{3A1303D3-75DE-4770-90CF-07FE598D73F6}"/>
+              </a:ext>
+            </a:extLst>
+          </p:cNvPr>
+          <p:cNvSpPr/>
+          <p:nvPr/>
         </p:nvSpPr>
         <p:spPr>
           <a:xfrm>
-            <a:off x="838199" y="1690687"/>
-            <a:ext cx="10853057" cy="5167313"/>
+            <a:off x="500744" y="3287485"/>
+            <a:ext cx="1785256" cy="1366667"/>
           </a:xfrm>
+          <a:prstGeom prst="rect">
+            <a:avLst/>
+          </a:prstGeom>
         </p:spPr>
-        <p:txBody>
-          <a:bodyPr>
-            <a:normAutofit lnSpcReduction="10000"/>
+        <p:style>
+          <a:lnRef idx="2">
+            <a:schemeClr val="accent1">
+              <a:shade val="50000"/>
+            </a:schemeClr>
+          </a:lnRef>
+          <a:fillRef idx="1">
+            <a:schemeClr val="accent1"/>
+          </a:fillRef>
+          <a:effectRef idx="0">
+            <a:schemeClr val="accent1"/>
+          </a:effectRef>
+          <a:fontRef idx="minor">
+            <a:schemeClr val="lt1"/>
+          </a:fontRef>
+        </p:style>
+        <p:txBody>
+          <a:bodyPr rtlCol="0" anchor="ctr"/>
+          <a:lstStyle/>
+          <a:p>
+            <a:pPr algn="ctr"/>
+            <a:r>
+              <a:rPr lang="ru-RU" dirty="0"/>
+              <a:t>Загрузка файла в память</a:t>
+            </a:r>
+            <a:r>
+              <a:rPr lang="en-US" dirty="0"/>
+              <a:t> (memory mapping)</a:t>
+            </a:r>
+          </a:p>
+        </p:txBody>
+      </p:sp>
+      <p:sp>
+        <p:nvSpPr>
+          <p:cNvPr id="5" name="Rectangle 4">
+            <a:extLst>
+              <a:ext uri="{FF2B5EF4-FFF2-40B4-BE49-F238E27FC236}">
+                <a16:creationId xmlns:a16="http://schemas.microsoft.com/office/drawing/2014/main" id="{D81C341A-89BC-4DFC-A1C0-1D74A91C9304}"/>
+              </a:ext>
+            </a:extLst>
+          </p:cNvPr>
+          <p:cNvSpPr/>
+          <p:nvPr/>
+        </p:nvSpPr>
+        <p:spPr>
+          <a:xfrm>
+            <a:off x="2911120" y="3298371"/>
+            <a:ext cx="1747966" cy="1325563"/>
+          </a:xfrm>
+          <a:prstGeom prst="rect">
+            <a:avLst/>
+          </a:prstGeom>
+        </p:spPr>
+        <p:style>
+          <a:lnRef idx="2">
+            <a:schemeClr val="accent1">
+              <a:shade val="50000"/>
+            </a:schemeClr>
+          </a:lnRef>
+          <a:fillRef idx="1">
+            <a:schemeClr val="accent1"/>
+          </a:fillRef>
+          <a:effectRef idx="0">
+            <a:schemeClr val="accent1"/>
+          </a:effectRef>
+          <a:fontRef idx="minor">
+            <a:schemeClr val="lt1"/>
+          </a:fontRef>
+        </p:style>
+        <p:txBody>
+          <a:bodyPr rtlCol="0" anchor="ctr"/>
+          <a:lstStyle/>
+          <a:p>
+            <a:pPr algn="ctr"/>
+            <a:r>
+              <a:rPr lang="ru-RU" dirty="0"/>
+              <a:t>Релокация</a:t>
+            </a:r>
+          </a:p>
+          <a:p>
+            <a:pPr algn="ctr"/>
+            <a:r>
+              <a:rPr lang="en-US" dirty="0"/>
+              <a:t>(relocation)</a:t>
+            </a:r>
+          </a:p>
+        </p:txBody>
+      </p:sp>
+      <p:sp>
+        <p:nvSpPr>
+          <p:cNvPr id="6" name="Rectangle 5">
+            <a:extLst>
+              <a:ext uri="{FF2B5EF4-FFF2-40B4-BE49-F238E27FC236}">
+                <a16:creationId xmlns:a16="http://schemas.microsoft.com/office/drawing/2014/main" id="{CAFDA0B0-C879-448C-8E8E-EBAEB22BA3C6}"/>
+              </a:ext>
+            </a:extLst>
+          </p:cNvPr>
+          <p:cNvSpPr/>
+          <p:nvPr/>
+        </p:nvSpPr>
+        <p:spPr>
+          <a:xfrm>
+            <a:off x="5246915" y="3298371"/>
+            <a:ext cx="2021921" cy="1325563"/>
+          </a:xfrm>
+          <a:prstGeom prst="rect">
+            <a:avLst/>
+          </a:prstGeom>
+        </p:spPr>
+        <p:style>
+          <a:lnRef idx="2">
+            <a:schemeClr val="accent1">
+              <a:shade val="50000"/>
+            </a:schemeClr>
+          </a:lnRef>
+          <a:fillRef idx="1">
+            <a:schemeClr val="accent1"/>
+          </a:fillRef>
+          <a:effectRef idx="0">
+            <a:schemeClr val="accent1"/>
+          </a:effectRef>
+          <a:fontRef idx="minor">
+            <a:schemeClr val="lt1"/>
+          </a:fontRef>
+        </p:style>
+        <p:txBody>
+          <a:bodyPr rtlCol="0" anchor="ctr"/>
+          <a:lstStyle/>
+          <a:p>
+            <a:pPr algn="ctr"/>
+            <a:r>
+              <a:rPr lang="ru-RU" dirty="0"/>
+              <a:t>Разрешение имён </a:t>
+            </a:r>
+            <a:r>
+              <a:rPr lang="en-US" dirty="0"/>
+              <a:t>(symbol resolution)</a:t>
+            </a:r>
+          </a:p>
+        </p:txBody>
+      </p:sp>
+      <p:cxnSp>
+        <p:nvCxnSpPr>
+          <p:cNvPr id="8" name="Straight Arrow Connector 7">
+            <a:extLst>
+              <a:ext uri="{FF2B5EF4-FFF2-40B4-BE49-F238E27FC236}">
+                <a16:creationId xmlns:a16="http://schemas.microsoft.com/office/drawing/2014/main" id="{5CE2F4C6-9204-45BF-B84D-E91D54658887}"/>
+              </a:ext>
+            </a:extLst>
+          </p:cNvPr>
+          <p:cNvCxnSpPr>
+            <a:cxnSpLocks/>
+            <a:stCxn id="4" idx="3"/>
+            <a:endCxn id="5" idx="1"/>
+          </p:cNvCxnSpPr>
+          <p:nvPr/>
+        </p:nvCxnSpPr>
+        <p:spPr>
+          <a:xfrm flipV="1">
+            <a:off x="2286000" y="3961153"/>
+            <a:ext cx="625120" cy="9666"/>
+          </a:xfrm>
+          <a:prstGeom prst="straightConnector1">
+            <a:avLst/>
+          </a:prstGeom>
+          <a:ln w="63500">
+            <a:tailEnd type="triangle"/>
+          </a:ln>
+        </p:spPr>
+        <p:style>
+          <a:lnRef idx="1">
+            <a:schemeClr val="accent1"/>
+          </a:lnRef>
+          <a:fillRef idx="0">
+            <a:schemeClr val="accent1"/>
+          </a:fillRef>
+          <a:effectRef idx="0">
+            <a:schemeClr val="accent1"/>
+          </a:effectRef>
+          <a:fontRef idx="minor">
+            <a:schemeClr val="tx1"/>
+          </a:fontRef>
+        </p:style>
+      </p:cxnSp>
+      <p:cxnSp>
+        <p:nvCxnSpPr>
+          <p:cNvPr id="9" name="Straight Arrow Connector 8">
+            <a:extLst>
+              <a:ext uri="{FF2B5EF4-FFF2-40B4-BE49-F238E27FC236}">
+                <a16:creationId xmlns:a16="http://schemas.microsoft.com/office/drawing/2014/main" id="{1A5C3A1F-4B19-4DA2-8AD2-833F61FCFD5D}"/>
+              </a:ext>
+            </a:extLst>
+          </p:cNvPr>
+          <p:cNvCxnSpPr>
+            <a:cxnSpLocks/>
+            <a:stCxn id="5" idx="3"/>
+            <a:endCxn id="6" idx="1"/>
+          </p:cNvCxnSpPr>
+          <p:nvPr/>
+        </p:nvCxnSpPr>
+        <p:spPr>
+          <a:xfrm>
+            <a:off x="4659086" y="3961153"/>
+            <a:ext cx="587829" cy="0"/>
+          </a:xfrm>
+          <a:prstGeom prst="straightConnector1">
+            <a:avLst/>
+          </a:prstGeom>
+          <a:ln w="63500">
+            <a:tailEnd type="triangle"/>
+          </a:ln>
+        </p:spPr>
+        <p:style>
+          <a:lnRef idx="1">
+            <a:schemeClr val="accent1"/>
+          </a:lnRef>
+          <a:fillRef idx="0">
+            <a:schemeClr val="accent1"/>
+          </a:fillRef>
+          <a:effectRef idx="0">
+            <a:schemeClr val="accent1"/>
+          </a:effectRef>
+          <a:fontRef idx="minor">
+            <a:schemeClr val="tx1"/>
+          </a:fontRef>
+        </p:style>
+      </p:cxnSp>
+      <p:sp>
+        <p:nvSpPr>
+          <p:cNvPr id="12" name="Title 1">
+            <a:extLst>
+              <a:ext uri="{FF2B5EF4-FFF2-40B4-BE49-F238E27FC236}">
+                <a16:creationId xmlns:a16="http://schemas.microsoft.com/office/drawing/2014/main" id="{B1EF5697-ECE4-4697-BF14-9837998FF827}"/>
+              </a:ext>
+            </a:extLst>
+          </p:cNvPr>
+          <p:cNvSpPr txBox="1">
+            <a:spLocks/>
+          </p:cNvSpPr>
+          <p:nvPr/>
+        </p:nvSpPr>
+        <p:spPr>
+          <a:xfrm>
+            <a:off x="538643" y="205225"/>
+            <a:ext cx="10515600" cy="1325563"/>
+          </a:xfrm>
+          <a:prstGeom prst="rect">
+            <a:avLst/>
+          </a:prstGeom>
+        </p:spPr>
+        <p:txBody>
+          <a:bodyPr vert="horz" lIns="91440" tIns="45720" rIns="91440" bIns="45720" rtlCol="0" anchor="ctr">
+            <a:normAutofit/>
           </a:bodyPr>
-          <a:lstStyle/>
-          <a:p>
-            <a:r>
-              <a:rPr lang="ru-RU" dirty="0"/>
-              <a:t>Можно заставить загрузчик найти символ не в исходной библиотеке</a:t>
-            </a:r>
-            <a:r>
-              <a:rPr lang="en-US" dirty="0"/>
-              <a:t>, </a:t>
-            </a:r>
-            <a:r>
-              <a:rPr lang="ru-RU" dirty="0"/>
-              <a:t>а в библиотеке-перехватчике</a:t>
-            </a:r>
-          </a:p>
-          <a:p>
-            <a:r>
-              <a:rPr lang="ru-RU" dirty="0"/>
-              <a:t>Обычно перехват символов осуществляется с помощью переменной окружения </a:t>
-            </a:r>
-            <a:r>
-              <a:rPr lang="en-US" dirty="0"/>
-              <a:t>LD_PRELOAD:</a:t>
-            </a:r>
-          </a:p>
-          <a:p>
-            <a:pPr marL="457200" lvl="1" indent="0">
+          <a:lstStyle>
+            <a:lvl1pPr algn="l" defTabSz="914400" rtl="0" eaLnBrk="1" latinLnBrk="0" hangingPunct="1">
+              <a:lnSpc>
+                <a:spcPct val="90000"/>
+              </a:lnSpc>
+              <a:spcBef>
+                <a:spcPct val="0"/>
+              </a:spcBef>
               <a:buNone/>
-            </a:pPr>
-            <a:r>
-              <a:rPr lang="en-US" sz="1800" dirty="0">
+              <a:defRPr sz="4400" kern="1200">
                 <a:solidFill>
-                  <a:prstClr val="black"/>
+                  <a:schemeClr val="tx1"/>
                 </a:solidFill>
-                <a:latin typeface="Courier New" panose="02070309020205020404" pitchFamily="49" charset="0"/>
-                <a:cs typeface="Courier New" panose="02070309020205020404" pitchFamily="49" charset="0"/>
-              </a:rPr>
-              <a:t>$ cat </a:t>
-            </a:r>
-            <a:r>
-              <a:rPr lang="en-US" sz="1800" dirty="0" err="1">
-                <a:solidFill>
-                  <a:prstClr val="black"/>
-                </a:solidFill>
-                <a:latin typeface="Courier New" panose="02070309020205020404" pitchFamily="49" charset="0"/>
-                <a:cs typeface="Courier New" panose="02070309020205020404" pitchFamily="49" charset="0"/>
-              </a:rPr>
-              <a:t>prog.c</a:t>
-            </a:r>
-            <a:endParaRPr lang="en-US" sz="1800" dirty="0">
-              <a:solidFill>
-                <a:prstClr val="black"/>
-              </a:solidFill>
-              <a:latin typeface="Courier New" panose="02070309020205020404" pitchFamily="49" charset="0"/>
-              <a:cs typeface="Courier New" panose="02070309020205020404" pitchFamily="49" charset="0"/>
-            </a:endParaRPr>
-          </a:p>
-          <a:p>
-            <a:pPr marL="457200" lvl="1" indent="0">
-              <a:buNone/>
-            </a:pPr>
-            <a:r>
-              <a:rPr lang="fr-FR" sz="1800" dirty="0" err="1">
-                <a:solidFill>
-                  <a:prstClr val="black"/>
-                </a:solidFill>
-                <a:latin typeface="Courier New" panose="02070309020205020404" pitchFamily="49" charset="0"/>
-                <a:cs typeface="Courier New" panose="02070309020205020404" pitchFamily="49" charset="0"/>
-              </a:rPr>
-              <a:t>int</a:t>
-            </a:r>
-            <a:r>
-              <a:rPr lang="fr-FR" sz="1800" dirty="0">
-                <a:solidFill>
-                  <a:prstClr val="black"/>
-                </a:solidFill>
-                <a:latin typeface="Courier New" panose="02070309020205020404" pitchFamily="49" charset="0"/>
-                <a:cs typeface="Courier New" panose="02070309020205020404" pitchFamily="49" charset="0"/>
-              </a:rPr>
-              <a:t> main(</a:t>
-            </a:r>
-            <a:r>
-              <a:rPr lang="fr-FR" sz="1800" dirty="0" err="1">
-                <a:solidFill>
-                  <a:prstClr val="black"/>
-                </a:solidFill>
-                <a:latin typeface="Courier New" panose="02070309020205020404" pitchFamily="49" charset="0"/>
-                <a:cs typeface="Courier New" panose="02070309020205020404" pitchFamily="49" charset="0"/>
-              </a:rPr>
-              <a:t>int</a:t>
-            </a:r>
-            <a:r>
-              <a:rPr lang="fr-FR" sz="1800" dirty="0">
-                <a:solidFill>
-                  <a:prstClr val="black"/>
-                </a:solidFill>
-                <a:latin typeface="Courier New" panose="02070309020205020404" pitchFamily="49" charset="0"/>
-                <a:cs typeface="Courier New" panose="02070309020205020404" pitchFamily="49" charset="0"/>
-              </a:rPr>
-              <a:t> </a:t>
-            </a:r>
-            <a:r>
-              <a:rPr lang="fr-FR" sz="1800" dirty="0" err="1">
-                <a:solidFill>
-                  <a:prstClr val="black"/>
-                </a:solidFill>
-                <a:latin typeface="Courier New" panose="02070309020205020404" pitchFamily="49" charset="0"/>
-                <a:cs typeface="Courier New" panose="02070309020205020404" pitchFamily="49" charset="0"/>
-              </a:rPr>
-              <a:t>argc</a:t>
-            </a:r>
-            <a:r>
-              <a:rPr lang="fr-FR" sz="1800" dirty="0">
-                <a:solidFill>
-                  <a:prstClr val="black"/>
-                </a:solidFill>
-                <a:latin typeface="Courier New" panose="02070309020205020404" pitchFamily="49" charset="0"/>
-                <a:cs typeface="Courier New" panose="02070309020205020404" pitchFamily="49" charset="0"/>
-              </a:rPr>
-              <a:t>) { printf("%d\n", </a:t>
-            </a:r>
-            <a:r>
-              <a:rPr lang="fr-FR" sz="1800" dirty="0" err="1">
-                <a:solidFill>
-                  <a:prstClr val="black"/>
-                </a:solidFill>
-                <a:latin typeface="Courier New" panose="02070309020205020404" pitchFamily="49" charset="0"/>
-                <a:cs typeface="Courier New" panose="02070309020205020404" pitchFamily="49" charset="0"/>
-              </a:rPr>
-              <a:t>argc</a:t>
-            </a:r>
-            <a:r>
-              <a:rPr lang="fr-FR" sz="1800" dirty="0">
-                <a:solidFill>
-                  <a:prstClr val="black"/>
-                </a:solidFill>
-                <a:latin typeface="Courier New" panose="02070309020205020404" pitchFamily="49" charset="0"/>
-                <a:cs typeface="Courier New" panose="02070309020205020404" pitchFamily="49" charset="0"/>
-              </a:rPr>
-              <a:t>); }</a:t>
-            </a:r>
-          </a:p>
-          <a:p>
-            <a:pPr marL="457200" lvl="1" indent="0">
-              <a:buNone/>
-            </a:pPr>
-            <a:r>
-              <a:rPr lang="en-US" sz="1800" dirty="0">
-                <a:solidFill>
-                  <a:prstClr val="black"/>
-                </a:solidFill>
-                <a:latin typeface="Courier New" panose="02070309020205020404" pitchFamily="49" charset="0"/>
-                <a:cs typeface="Courier New" panose="02070309020205020404" pitchFamily="49" charset="0"/>
-              </a:rPr>
-              <a:t>$ cat </a:t>
-            </a:r>
-            <a:r>
-              <a:rPr lang="en-US" sz="1800" dirty="0" err="1">
-                <a:solidFill>
-                  <a:prstClr val="black"/>
-                </a:solidFill>
-                <a:latin typeface="Courier New" panose="02070309020205020404" pitchFamily="49" charset="0"/>
-                <a:cs typeface="Courier New" panose="02070309020205020404" pitchFamily="49" charset="0"/>
-              </a:rPr>
-              <a:t>lib.c</a:t>
-            </a:r>
-            <a:endParaRPr lang="en-US" sz="1800" dirty="0">
-              <a:solidFill>
-                <a:prstClr val="black"/>
-              </a:solidFill>
-              <a:latin typeface="Courier New" panose="02070309020205020404" pitchFamily="49" charset="0"/>
-              <a:cs typeface="Courier New" panose="02070309020205020404" pitchFamily="49" charset="0"/>
-            </a:endParaRPr>
-          </a:p>
-          <a:p>
-            <a:pPr marL="457200" lvl="1" indent="0">
-              <a:buNone/>
-            </a:pPr>
-            <a:r>
-              <a:rPr lang="en-US" sz="1800" dirty="0">
-                <a:solidFill>
-                  <a:prstClr val="black"/>
-                </a:solidFill>
-                <a:latin typeface="Courier New" panose="02070309020205020404" pitchFamily="49" charset="0"/>
-                <a:cs typeface="Courier New" panose="02070309020205020404" pitchFamily="49" charset="0"/>
-              </a:rPr>
-              <a:t>int </a:t>
-            </a:r>
-            <a:r>
-              <a:rPr lang="en-US" sz="1800" dirty="0" err="1">
-                <a:solidFill>
-                  <a:prstClr val="black"/>
-                </a:solidFill>
-                <a:latin typeface="Courier New" panose="02070309020205020404" pitchFamily="49" charset="0"/>
-                <a:cs typeface="Courier New" panose="02070309020205020404" pitchFamily="49" charset="0"/>
-              </a:rPr>
-              <a:t>printf</a:t>
-            </a:r>
-            <a:r>
-              <a:rPr lang="en-US" sz="1800" dirty="0">
-                <a:solidFill>
-                  <a:prstClr val="black"/>
-                </a:solidFill>
-                <a:latin typeface="Courier New" panose="02070309020205020404" pitchFamily="49" charset="0"/>
-                <a:cs typeface="Courier New" panose="02070309020205020404" pitchFamily="49" charset="0"/>
-              </a:rPr>
-              <a:t>(char *</a:t>
-            </a:r>
-            <a:r>
-              <a:rPr lang="en-US" sz="1800" dirty="0" err="1">
-                <a:solidFill>
-                  <a:prstClr val="black"/>
-                </a:solidFill>
-                <a:latin typeface="Courier New" panose="02070309020205020404" pitchFamily="49" charset="0"/>
-                <a:cs typeface="Courier New" panose="02070309020205020404" pitchFamily="49" charset="0"/>
-              </a:rPr>
-              <a:t>fmt</a:t>
-            </a:r>
-            <a:r>
-              <a:rPr lang="en-US" sz="1800" dirty="0">
-                <a:solidFill>
-                  <a:prstClr val="black"/>
-                </a:solidFill>
-                <a:latin typeface="Courier New" panose="02070309020205020404" pitchFamily="49" charset="0"/>
-                <a:cs typeface="Courier New" panose="02070309020205020404" pitchFamily="49" charset="0"/>
-              </a:rPr>
-              <a:t>, ...) { puts("Hello from interceptor\n"); }</a:t>
-            </a:r>
-          </a:p>
-          <a:p>
-            <a:pPr marL="457200" lvl="1" indent="0">
-              <a:buNone/>
-            </a:pPr>
-            <a:r>
-              <a:rPr lang="en-US" sz="1800" dirty="0">
-                <a:solidFill>
-                  <a:prstClr val="black"/>
-                </a:solidFill>
-                <a:latin typeface="Courier New" panose="02070309020205020404" pitchFamily="49" charset="0"/>
-                <a:cs typeface="Courier New" panose="02070309020205020404" pitchFamily="49" charset="0"/>
-              </a:rPr>
-              <a:t>$ ./prog</a:t>
-            </a:r>
-          </a:p>
-          <a:p>
-            <a:pPr marL="457200" lvl="1" indent="0">
-              <a:buNone/>
-            </a:pPr>
-            <a:r>
-              <a:rPr lang="en-US" sz="1800" dirty="0">
-                <a:solidFill>
-                  <a:prstClr val="black"/>
-                </a:solidFill>
-                <a:latin typeface="Courier New" panose="02070309020205020404" pitchFamily="49" charset="0"/>
-                <a:cs typeface="Courier New" panose="02070309020205020404" pitchFamily="49" charset="0"/>
-              </a:rPr>
-              <a:t>1</a:t>
-            </a:r>
-          </a:p>
-          <a:p>
-            <a:pPr marL="457200" lvl="1" indent="0">
-              <a:buNone/>
-            </a:pPr>
-            <a:r>
-              <a:rPr lang="en-US" sz="1800" dirty="0">
-                <a:solidFill>
-                  <a:prstClr val="black"/>
-                </a:solidFill>
-                <a:latin typeface="Courier New" panose="02070309020205020404" pitchFamily="49" charset="0"/>
-                <a:cs typeface="Courier New" panose="02070309020205020404" pitchFamily="49" charset="0"/>
-              </a:rPr>
-              <a:t>$ LD_PRELOAD=./lib.so ./prog</a:t>
-            </a:r>
-          </a:p>
-          <a:p>
-            <a:pPr marL="457200" lvl="1" indent="0">
-              <a:buNone/>
-            </a:pPr>
-            <a:r>
-              <a:rPr lang="en-US" sz="1800" dirty="0">
-                <a:solidFill>
-                  <a:prstClr val="black"/>
-                </a:solidFill>
-                <a:latin typeface="Courier New" panose="02070309020205020404" pitchFamily="49" charset="0"/>
-                <a:cs typeface="Courier New" panose="02070309020205020404" pitchFamily="49" charset="0"/>
-              </a:rPr>
-              <a:t>Hello from interceptor</a:t>
-            </a:r>
-          </a:p>
-          <a:p>
-            <a:r>
-              <a:rPr lang="ru-RU" dirty="0"/>
-              <a:t>Частно используется в отладочных инструментах типа </a:t>
-            </a:r>
-            <a:r>
-              <a:rPr lang="en-US" dirty="0"/>
-              <a:t>Electric Fence </a:t>
-            </a:r>
-            <a:r>
-              <a:rPr lang="ru-RU" dirty="0"/>
-              <a:t>или </a:t>
-            </a:r>
-            <a:r>
-              <a:rPr lang="en-US" dirty="0" err="1"/>
-              <a:t>AddressSanitizer</a:t>
-            </a:r>
-            <a:r>
-              <a:rPr lang="en-US" dirty="0"/>
-              <a:t> </a:t>
-            </a:r>
-            <a:r>
-              <a:rPr lang="ru-RU" dirty="0"/>
-              <a:t>для перехвата операций с памятью (</a:t>
-            </a:r>
-            <a:r>
-              <a:rPr lang="en-US" dirty="0"/>
-              <a:t>malloc </a:t>
-            </a:r>
-            <a:r>
-              <a:rPr lang="ru-RU" dirty="0"/>
-              <a:t>и пр.)</a:t>
-            </a:r>
-          </a:p>
-          <a:p>
-            <a:pPr marL="0" indent="0">
-              <a:buNone/>
-            </a:pPr>
-            <a:endParaRPr lang="en-US" dirty="0"/>
+                <a:latin typeface="+mj-lt"/>
+                <a:ea typeface="+mj-ea"/>
+                <a:cs typeface="+mj-cs"/>
+              </a:defRPr>
+            </a:lvl1pPr>
+          </a:lstStyle>
+          <a:p>
+            <a:r>
+              <a:rPr lang="ru-RU" dirty="0"/>
+              <a:t>Процесс загрузки </a:t>
+            </a:r>
+            <a:r>
+              <a:rPr lang="en-US" dirty="0"/>
+              <a:t>DLL</a:t>
+            </a:r>
+          </a:p>
+        </p:txBody>
+      </p:sp>
+      <p:cxnSp>
+        <p:nvCxnSpPr>
+          <p:cNvPr id="14" name="Straight Arrow Connector 13">
+            <a:extLst>
+              <a:ext uri="{FF2B5EF4-FFF2-40B4-BE49-F238E27FC236}">
+                <a16:creationId xmlns:a16="http://schemas.microsoft.com/office/drawing/2014/main" id="{7902B118-9106-4383-8F6D-3D2BC004E40E}"/>
+              </a:ext>
+            </a:extLst>
+          </p:cNvPr>
+          <p:cNvCxnSpPr>
+            <a:cxnSpLocks/>
+            <a:stCxn id="6" idx="3"/>
+            <a:endCxn id="31" idx="1"/>
+          </p:cNvCxnSpPr>
+          <p:nvPr/>
+        </p:nvCxnSpPr>
+        <p:spPr>
+          <a:xfrm flipV="1">
+            <a:off x="7268836" y="3960543"/>
+            <a:ext cx="587829" cy="610"/>
+          </a:xfrm>
+          <a:prstGeom prst="straightConnector1">
+            <a:avLst/>
+          </a:prstGeom>
+          <a:ln w="63500">
+            <a:tailEnd type="triangle"/>
+          </a:ln>
+        </p:spPr>
+        <p:style>
+          <a:lnRef idx="1">
+            <a:schemeClr val="accent1"/>
+          </a:lnRef>
+          <a:fillRef idx="0">
+            <a:schemeClr val="accent1"/>
+          </a:fillRef>
+          <a:effectRef idx="0">
+            <a:schemeClr val="accent1"/>
+          </a:effectRef>
+          <a:fontRef idx="minor">
+            <a:schemeClr val="tx1"/>
+          </a:fontRef>
+        </p:style>
+      </p:cxnSp>
+      <p:sp>
+        <p:nvSpPr>
+          <p:cNvPr id="17" name="TextBox 16">
+            <a:extLst>
+              <a:ext uri="{FF2B5EF4-FFF2-40B4-BE49-F238E27FC236}">
+                <a16:creationId xmlns:a16="http://schemas.microsoft.com/office/drawing/2014/main" id="{072DD281-C023-4C0A-929A-312074616BF8}"/>
+              </a:ext>
+            </a:extLst>
+          </p:cNvPr>
+          <p:cNvSpPr txBox="1"/>
+          <p:nvPr/>
+        </p:nvSpPr>
+        <p:spPr>
+          <a:xfrm>
+            <a:off x="10043283" y="3403104"/>
+            <a:ext cx="2021921" cy="1231106"/>
+          </a:xfrm>
+          <a:prstGeom prst="rect">
+            <a:avLst/>
+          </a:prstGeom>
+          <a:noFill/>
+        </p:spPr>
+        <p:txBody>
+          <a:bodyPr wrap="square" rtlCol="0">
+            <a:spAutoFit/>
+          </a:bodyPr>
+          <a:lstStyle/>
+          <a:p>
+            <a:pPr algn="ctr"/>
+            <a:r>
+              <a:rPr lang="en-US" sz="5400" dirty="0"/>
+              <a:t>…</a:t>
+            </a:r>
+          </a:p>
+          <a:p>
+            <a:pPr algn="ctr"/>
+            <a:r>
+              <a:rPr lang="en-US" sz="2000" dirty="0"/>
+              <a:t>(</a:t>
+            </a:r>
+            <a:r>
+              <a:rPr lang="ru-RU" sz="2000" dirty="0"/>
+              <a:t>использование)</a:t>
+            </a:r>
+            <a:endParaRPr lang="en-US" sz="5400" dirty="0"/>
+          </a:p>
+        </p:txBody>
+      </p:sp>
+      <p:sp>
+        <p:nvSpPr>
+          <p:cNvPr id="31" name="Rectangle 30">
+            <a:extLst>
+              <a:ext uri="{FF2B5EF4-FFF2-40B4-BE49-F238E27FC236}">
+                <a16:creationId xmlns:a16="http://schemas.microsoft.com/office/drawing/2014/main" id="{5F4CB353-579C-4D88-A16C-8B7BF40BEF09}"/>
+              </a:ext>
+            </a:extLst>
+          </p:cNvPr>
+          <p:cNvSpPr/>
+          <p:nvPr/>
+        </p:nvSpPr>
+        <p:spPr>
+          <a:xfrm>
+            <a:off x="7856665" y="3297761"/>
+            <a:ext cx="2021921" cy="1325563"/>
+          </a:xfrm>
+          <a:prstGeom prst="rect">
+            <a:avLst/>
+          </a:prstGeom>
+        </p:spPr>
+        <p:style>
+          <a:lnRef idx="2">
+            <a:schemeClr val="accent1">
+              <a:shade val="50000"/>
+            </a:schemeClr>
+          </a:lnRef>
+          <a:fillRef idx="1">
+            <a:schemeClr val="accent1"/>
+          </a:fillRef>
+          <a:effectRef idx="0">
+            <a:schemeClr val="accent1"/>
+          </a:effectRef>
+          <a:fontRef idx="minor">
+            <a:schemeClr val="lt1"/>
+          </a:fontRef>
+        </p:style>
+        <p:txBody>
+          <a:bodyPr rtlCol="0" anchor="ctr"/>
+          <a:lstStyle/>
+          <a:p>
+            <a:pPr algn="ctr"/>
+            <a:r>
+              <a:rPr lang="ru-RU" dirty="0"/>
+              <a:t>Связывание символов </a:t>
+            </a:r>
+            <a:r>
+              <a:rPr lang="en-US" dirty="0"/>
+              <a:t>(symbol binding)</a:t>
+            </a:r>
+          </a:p>
+        </p:txBody>
+      </p:sp>
+      <p:cxnSp>
+        <p:nvCxnSpPr>
+          <p:cNvPr id="34" name="Straight Arrow Connector 33">
+            <a:extLst>
+              <a:ext uri="{FF2B5EF4-FFF2-40B4-BE49-F238E27FC236}">
+                <a16:creationId xmlns:a16="http://schemas.microsoft.com/office/drawing/2014/main" id="{9EFCD0CC-2C02-48EF-B050-AEDE60A9BD9D}"/>
+              </a:ext>
+            </a:extLst>
+          </p:cNvPr>
+          <p:cNvCxnSpPr>
+            <a:cxnSpLocks/>
+          </p:cNvCxnSpPr>
+          <p:nvPr/>
+        </p:nvCxnSpPr>
+        <p:spPr>
+          <a:xfrm flipV="1">
+            <a:off x="7268836" y="3960542"/>
+            <a:ext cx="587829" cy="610"/>
+          </a:xfrm>
+          <a:prstGeom prst="straightConnector1">
+            <a:avLst/>
+          </a:prstGeom>
+          <a:ln w="63500">
+            <a:tailEnd type="triangle"/>
+          </a:ln>
+        </p:spPr>
+        <p:style>
+          <a:lnRef idx="1">
+            <a:schemeClr val="accent1"/>
+          </a:lnRef>
+          <a:fillRef idx="0">
+            <a:schemeClr val="accent1"/>
+          </a:fillRef>
+          <a:effectRef idx="0">
+            <a:schemeClr val="accent1"/>
+          </a:effectRef>
+          <a:fontRef idx="minor">
+            <a:schemeClr val="tx1"/>
+          </a:fontRef>
+        </p:style>
+      </p:cxnSp>
+      <p:cxnSp>
+        <p:nvCxnSpPr>
+          <p:cNvPr id="35" name="Straight Arrow Connector 34">
+            <a:extLst>
+              <a:ext uri="{FF2B5EF4-FFF2-40B4-BE49-F238E27FC236}">
+                <a16:creationId xmlns:a16="http://schemas.microsoft.com/office/drawing/2014/main" id="{56314CC0-78DF-474F-9EE5-3744FA6F4E2B}"/>
+              </a:ext>
+            </a:extLst>
+          </p:cNvPr>
+          <p:cNvCxnSpPr>
+            <a:cxnSpLocks/>
+            <a:stCxn id="31" idx="3"/>
+          </p:cNvCxnSpPr>
+          <p:nvPr/>
+        </p:nvCxnSpPr>
+        <p:spPr>
+          <a:xfrm flipV="1">
+            <a:off x="9878586" y="3960542"/>
+            <a:ext cx="529569" cy="1"/>
+          </a:xfrm>
+          <a:prstGeom prst="straightConnector1">
+            <a:avLst/>
+          </a:prstGeom>
+          <a:ln w="63500">
+            <a:tailEnd type="triangle"/>
+          </a:ln>
+        </p:spPr>
+        <p:style>
+          <a:lnRef idx="1">
+            <a:schemeClr val="accent1"/>
+          </a:lnRef>
+          <a:fillRef idx="0">
+            <a:schemeClr val="accent1"/>
+          </a:fillRef>
+          <a:effectRef idx="0">
+            <a:schemeClr val="accent1"/>
+          </a:effectRef>
+          <a:fontRef idx="minor">
+            <a:schemeClr val="tx1"/>
+          </a:fontRef>
+        </p:style>
+      </p:cxnSp>
+      <p:sp>
+        <p:nvSpPr>
+          <p:cNvPr id="15" name="Rectangle 14">
+            <a:extLst>
+              <a:ext uri="{FF2B5EF4-FFF2-40B4-BE49-F238E27FC236}">
+                <a16:creationId xmlns:a16="http://schemas.microsoft.com/office/drawing/2014/main" id="{2D667F1F-4810-48AF-B1AC-3F686E67B500}"/>
+              </a:ext>
+            </a:extLst>
+          </p:cNvPr>
+          <p:cNvSpPr/>
+          <p:nvPr/>
+        </p:nvSpPr>
+        <p:spPr>
+          <a:xfrm>
+            <a:off x="7562750" y="3074298"/>
+            <a:ext cx="2480533" cy="1823402"/>
+          </a:xfrm>
+          <a:prstGeom prst="rect">
+            <a:avLst/>
+          </a:prstGeom>
+          <a:noFill/>
+          <a:ln w="76200">
+            <a:solidFill>
+              <a:srgbClr val="FF0000"/>
+            </a:solidFill>
+          </a:ln>
+        </p:spPr>
+        <p:style>
+          <a:lnRef idx="2">
+            <a:schemeClr val="accent1">
+              <a:shade val="50000"/>
+            </a:schemeClr>
+          </a:lnRef>
+          <a:fillRef idx="1">
+            <a:schemeClr val="accent1"/>
+          </a:fillRef>
+          <a:effectRef idx="0">
+            <a:schemeClr val="accent1"/>
+          </a:effectRef>
+          <a:fontRef idx="minor">
+            <a:schemeClr val="lt1"/>
+          </a:fontRef>
+        </p:style>
+        <p:txBody>
+          <a:bodyPr rtlCol="0" anchor="ctr"/>
+          <a:lstStyle/>
+          <a:p>
+            <a:pPr algn="ctr"/>
+            <a:endParaRPr lang="en-US"/>
           </a:p>
         </p:txBody>
       </p:sp>
     </p:spTree>
     <p:extLst>
       <p:ext uri="{BB962C8B-B14F-4D97-AF65-F5344CB8AC3E}">
-        <p14:creationId xmlns:p14="http://schemas.microsoft.com/office/powerpoint/2010/main" val="345441132"/>
+        <p14:creationId xmlns:p14="http://schemas.microsoft.com/office/powerpoint/2010/main" val="2672786599"/>
       </p:ext>
     </p:extLst>
   </p:cSld>
@@ -23577,593 +24047,341 @@
       </p:grpSpPr>
       <p:sp>
         <p:nvSpPr>
-          <p:cNvPr id="4" name="Rectangle 3">
-            <a:extLst>
-              <a:ext uri="{FF2B5EF4-FFF2-40B4-BE49-F238E27FC236}">
-                <a16:creationId xmlns:a16="http://schemas.microsoft.com/office/drawing/2014/main" id="{3A1303D3-75DE-4770-90CF-07FE598D73F6}"/>
-              </a:ext>
-            </a:extLst>
-          </p:cNvPr>
-          <p:cNvSpPr/>
-          <p:nvPr/>
+          <p:cNvPr id="2" name="Title 1">
+            <a:extLst>
+              <a:ext uri="{FF2B5EF4-FFF2-40B4-BE49-F238E27FC236}">
+                <a16:creationId xmlns:a16="http://schemas.microsoft.com/office/drawing/2014/main" id="{082EBD7C-DE14-4983-A724-D868BE7B976C}"/>
+              </a:ext>
+            </a:extLst>
+          </p:cNvPr>
+          <p:cNvSpPr>
+            <a:spLocks noGrp="1"/>
+          </p:cNvSpPr>
+          <p:nvPr>
+            <p:ph type="title"/>
+          </p:nvPr>
+        </p:nvSpPr>
+        <p:spPr/>
+        <p:txBody>
+          <a:bodyPr/>
+          <a:lstStyle/>
+          <a:p>
+            <a:r>
+              <a:rPr lang="ru-RU" dirty="0"/>
+              <a:t>Связывание символов </a:t>
+            </a:r>
+            <a:r>
+              <a:rPr lang="en-US" dirty="0"/>
+              <a:t>(symbol binding)</a:t>
+            </a:r>
+          </a:p>
+        </p:txBody>
+      </p:sp>
+      <p:sp>
+        <p:nvSpPr>
+          <p:cNvPr id="3" name="Content Placeholder 2">
+            <a:extLst>
+              <a:ext uri="{FF2B5EF4-FFF2-40B4-BE49-F238E27FC236}">
+                <a16:creationId xmlns:a16="http://schemas.microsoft.com/office/drawing/2014/main" id="{0032CE76-5223-4C6A-A885-5FCE53593804}"/>
+              </a:ext>
+            </a:extLst>
+          </p:cNvPr>
+          <p:cNvSpPr>
+            <a:spLocks noGrp="1"/>
+          </p:cNvSpPr>
+          <p:nvPr>
+            <p:ph idx="1"/>
+          </p:nvPr>
         </p:nvSpPr>
         <p:spPr>
           <a:xfrm>
-            <a:off x="500744" y="3287485"/>
-            <a:ext cx="1785256" cy="1366667"/>
+            <a:off x="838200" y="1825624"/>
+            <a:ext cx="10820400" cy="4716689"/>
           </a:xfrm>
-          <a:prstGeom prst="rect">
-            <a:avLst/>
-          </a:prstGeom>
         </p:spPr>
-        <p:style>
-          <a:lnRef idx="2">
-            <a:schemeClr val="accent1">
-              <a:shade val="50000"/>
-            </a:schemeClr>
-          </a:lnRef>
-          <a:fillRef idx="1">
-            <a:schemeClr val="accent1"/>
-          </a:fillRef>
-          <a:effectRef idx="0">
-            <a:schemeClr val="accent1"/>
-          </a:effectRef>
-          <a:fontRef idx="minor">
-            <a:schemeClr val="lt1"/>
-          </a:fontRef>
-        </p:style>
-        <p:txBody>
-          <a:bodyPr rtlCol="0" anchor="ctr"/>
-          <a:lstStyle/>
-          <a:p>
-            <a:pPr algn="ctr"/>
-            <a:r>
-              <a:rPr lang="ru-RU" dirty="0"/>
-              <a:t>Загрузка файла в память</a:t>
-            </a:r>
-            <a:r>
-              <a:rPr lang="en-US" dirty="0"/>
-              <a:t> (memory mapping)</a:t>
-            </a:r>
-          </a:p>
-        </p:txBody>
-      </p:sp>
-      <p:sp>
-        <p:nvSpPr>
-          <p:cNvPr id="5" name="Rectangle 4">
-            <a:extLst>
-              <a:ext uri="{FF2B5EF4-FFF2-40B4-BE49-F238E27FC236}">
-                <a16:creationId xmlns:a16="http://schemas.microsoft.com/office/drawing/2014/main" id="{D81C341A-89BC-4DFC-A1C0-1D74A91C9304}"/>
-              </a:ext>
-            </a:extLst>
-          </p:cNvPr>
-          <p:cNvSpPr/>
-          <p:nvPr/>
-        </p:nvSpPr>
-        <p:spPr>
-          <a:xfrm>
-            <a:off x="2911120" y="3298371"/>
-            <a:ext cx="1747966" cy="1325563"/>
-          </a:xfrm>
-          <a:prstGeom prst="rect">
-            <a:avLst/>
-          </a:prstGeom>
-        </p:spPr>
-        <p:style>
-          <a:lnRef idx="2">
-            <a:schemeClr val="accent1">
-              <a:shade val="50000"/>
-            </a:schemeClr>
-          </a:lnRef>
-          <a:fillRef idx="1">
-            <a:schemeClr val="accent1"/>
-          </a:fillRef>
-          <a:effectRef idx="0">
-            <a:schemeClr val="accent1"/>
-          </a:effectRef>
-          <a:fontRef idx="minor">
-            <a:schemeClr val="lt1"/>
-          </a:fontRef>
-        </p:style>
-        <p:txBody>
-          <a:bodyPr rtlCol="0" anchor="ctr"/>
-          <a:lstStyle/>
-          <a:p>
-            <a:pPr algn="ctr"/>
-            <a:r>
-              <a:rPr lang="ru-RU" dirty="0"/>
-              <a:t>Релокация</a:t>
-            </a:r>
-          </a:p>
-          <a:p>
-            <a:pPr algn="ctr"/>
-            <a:r>
-              <a:rPr lang="en-US" dirty="0"/>
-              <a:t>(relocation)</a:t>
-            </a:r>
-          </a:p>
-        </p:txBody>
-      </p:sp>
-      <p:sp>
-        <p:nvSpPr>
-          <p:cNvPr id="6" name="Rectangle 5">
-            <a:extLst>
-              <a:ext uri="{FF2B5EF4-FFF2-40B4-BE49-F238E27FC236}">
-                <a16:creationId xmlns:a16="http://schemas.microsoft.com/office/drawing/2014/main" id="{CAFDA0B0-C879-448C-8E8E-EBAEB22BA3C6}"/>
-              </a:ext>
-            </a:extLst>
-          </p:cNvPr>
-          <p:cNvSpPr/>
-          <p:nvPr/>
-        </p:nvSpPr>
-        <p:spPr>
-          <a:xfrm>
-            <a:off x="5246915" y="3298371"/>
-            <a:ext cx="2021921" cy="1325563"/>
-          </a:xfrm>
-          <a:prstGeom prst="rect">
-            <a:avLst/>
-          </a:prstGeom>
-        </p:spPr>
-        <p:style>
-          <a:lnRef idx="2">
-            <a:schemeClr val="accent1">
-              <a:shade val="50000"/>
-            </a:schemeClr>
-          </a:lnRef>
-          <a:fillRef idx="1">
-            <a:schemeClr val="accent1"/>
-          </a:fillRef>
-          <a:effectRef idx="0">
-            <a:schemeClr val="accent1"/>
-          </a:effectRef>
-          <a:fontRef idx="minor">
-            <a:schemeClr val="lt1"/>
-          </a:fontRef>
-        </p:style>
-        <p:txBody>
-          <a:bodyPr rtlCol="0" anchor="ctr"/>
-          <a:lstStyle/>
-          <a:p>
-            <a:pPr algn="ctr"/>
-            <a:r>
-              <a:rPr lang="ru-RU" dirty="0"/>
-              <a:t>Разрешение имён </a:t>
-            </a:r>
-            <a:r>
-              <a:rPr lang="en-US" dirty="0"/>
-              <a:t>(symbol resolution)</a:t>
-            </a:r>
-          </a:p>
-        </p:txBody>
-      </p:sp>
-      <p:cxnSp>
-        <p:nvCxnSpPr>
-          <p:cNvPr id="8" name="Straight Arrow Connector 7">
-            <a:extLst>
-              <a:ext uri="{FF2B5EF4-FFF2-40B4-BE49-F238E27FC236}">
-                <a16:creationId xmlns:a16="http://schemas.microsoft.com/office/drawing/2014/main" id="{5CE2F4C6-9204-45BF-B84D-E91D54658887}"/>
-              </a:ext>
-            </a:extLst>
-          </p:cNvPr>
-          <p:cNvCxnSpPr>
-            <a:cxnSpLocks/>
-            <a:stCxn id="4" idx="3"/>
-            <a:endCxn id="5" idx="1"/>
-          </p:cNvCxnSpPr>
-          <p:nvPr/>
-        </p:nvCxnSpPr>
-        <p:spPr>
-          <a:xfrm flipV="1">
-            <a:off x="2286000" y="3961153"/>
-            <a:ext cx="625120" cy="9666"/>
-          </a:xfrm>
-          <a:prstGeom prst="straightConnector1">
-            <a:avLst/>
-          </a:prstGeom>
-          <a:ln w="63500">
-            <a:tailEnd type="triangle"/>
-          </a:ln>
-        </p:spPr>
-        <p:style>
-          <a:lnRef idx="1">
-            <a:schemeClr val="accent1"/>
-          </a:lnRef>
-          <a:fillRef idx="0">
-            <a:schemeClr val="accent1"/>
-          </a:fillRef>
-          <a:effectRef idx="0">
-            <a:schemeClr val="accent1"/>
-          </a:effectRef>
-          <a:fontRef idx="minor">
-            <a:schemeClr val="tx1"/>
-          </a:fontRef>
-        </p:style>
-      </p:cxnSp>
-      <p:cxnSp>
-        <p:nvCxnSpPr>
-          <p:cNvPr id="9" name="Straight Arrow Connector 8">
-            <a:extLst>
-              <a:ext uri="{FF2B5EF4-FFF2-40B4-BE49-F238E27FC236}">
-                <a16:creationId xmlns:a16="http://schemas.microsoft.com/office/drawing/2014/main" id="{1A5C3A1F-4B19-4DA2-8AD2-833F61FCFD5D}"/>
-              </a:ext>
-            </a:extLst>
-          </p:cNvPr>
-          <p:cNvCxnSpPr>
-            <a:cxnSpLocks/>
-            <a:stCxn id="5" idx="3"/>
-            <a:endCxn id="6" idx="1"/>
-          </p:cNvCxnSpPr>
-          <p:nvPr/>
-        </p:nvCxnSpPr>
-        <p:spPr>
-          <a:xfrm>
-            <a:off x="4659086" y="3961153"/>
-            <a:ext cx="587829" cy="0"/>
-          </a:xfrm>
-          <a:prstGeom prst="straightConnector1">
-            <a:avLst/>
-          </a:prstGeom>
-          <a:ln w="63500">
-            <a:tailEnd type="triangle"/>
-          </a:ln>
-        </p:spPr>
-        <p:style>
-          <a:lnRef idx="1">
-            <a:schemeClr val="accent1"/>
-          </a:lnRef>
-          <a:fillRef idx="0">
-            <a:schemeClr val="accent1"/>
-          </a:fillRef>
-          <a:effectRef idx="0">
-            <a:schemeClr val="accent1"/>
-          </a:effectRef>
-          <a:fontRef idx="minor">
-            <a:schemeClr val="tx1"/>
-          </a:fontRef>
-        </p:style>
-      </p:cxnSp>
-      <p:sp>
-        <p:nvSpPr>
-          <p:cNvPr id="12" name="Title 1">
-            <a:extLst>
-              <a:ext uri="{FF2B5EF4-FFF2-40B4-BE49-F238E27FC236}">
-                <a16:creationId xmlns:a16="http://schemas.microsoft.com/office/drawing/2014/main" id="{B1EF5697-ECE4-4697-BF14-9837998FF827}"/>
-              </a:ext>
-            </a:extLst>
-          </p:cNvPr>
-          <p:cNvSpPr txBox="1">
-            <a:spLocks/>
-          </p:cNvSpPr>
-          <p:nvPr/>
-        </p:nvSpPr>
-        <p:spPr>
-          <a:xfrm>
-            <a:off x="538643" y="205225"/>
-            <a:ext cx="10515600" cy="1325563"/>
-          </a:xfrm>
-          <a:prstGeom prst="rect">
-            <a:avLst/>
-          </a:prstGeom>
-        </p:spPr>
-        <p:txBody>
-          <a:bodyPr vert="horz" lIns="91440" tIns="45720" rIns="91440" bIns="45720" rtlCol="0" anchor="ctr">
-            <a:normAutofit/>
+        <p:txBody>
+          <a:bodyPr>
+            <a:normAutofit fontScale="92500" lnSpcReduction="20000"/>
           </a:bodyPr>
-          <a:lstStyle>
-            <a:lvl1pPr algn="l" defTabSz="914400" rtl="0" eaLnBrk="1" latinLnBrk="0" hangingPunct="1">
-              <a:lnSpc>
-                <a:spcPct val="90000"/>
-              </a:lnSpc>
-              <a:spcBef>
-                <a:spcPct val="0"/>
-              </a:spcBef>
+          <a:lstStyle/>
+          <a:p>
+            <a:r>
+              <a:rPr lang="ru-RU" dirty="0"/>
+              <a:t>Механизм связывания </a:t>
+            </a:r>
+            <a:r>
+              <a:rPr lang="en-US" dirty="0"/>
+              <a:t>(binding)</a:t>
+            </a:r>
+            <a:r>
+              <a:rPr lang="ru-RU" dirty="0"/>
+              <a:t> вызовов функций в исполняемом файле с адресами импортируемых функций, найденными в процессе разрешения имён (</a:t>
+            </a:r>
+            <a:r>
+              <a:rPr lang="en-US" dirty="0"/>
+              <a:t>symbol resolution)</a:t>
+            </a:r>
+          </a:p>
+          <a:p>
+            <a:r>
+              <a:rPr lang="ru-RU" dirty="0"/>
+              <a:t>Импортируемые функции вызываются через специальную таблицу</a:t>
+            </a:r>
+            <a:endParaRPr lang="en-US" dirty="0"/>
+          </a:p>
+          <a:p>
+            <a:pPr lvl="1"/>
+            <a:r>
+              <a:rPr lang="en-US" dirty="0"/>
+              <a:t>Import Address Table</a:t>
+            </a:r>
+            <a:r>
+              <a:rPr lang="ru-RU" dirty="0"/>
+              <a:t> на </a:t>
+            </a:r>
+            <a:r>
+              <a:rPr lang="en-US" dirty="0"/>
+              <a:t>Windows, Global Offset Table </a:t>
+            </a:r>
+            <a:r>
+              <a:rPr lang="ru-RU" dirty="0"/>
+              <a:t>на </a:t>
+            </a:r>
+            <a:r>
+              <a:rPr lang="en-US" dirty="0"/>
+              <a:t>Linux</a:t>
+            </a:r>
+          </a:p>
+          <a:p>
+            <a:pPr lvl="1"/>
+            <a:r>
+              <a:rPr lang="ru-RU" dirty="0"/>
+              <a:t>Инициализируется загрузчиком</a:t>
+            </a:r>
+            <a:r>
+              <a:rPr lang="en-US" dirty="0"/>
+              <a:t> </a:t>
+            </a:r>
+            <a:r>
+              <a:rPr lang="ru-RU" i="1" dirty="0"/>
+              <a:t>обычно</a:t>
+            </a:r>
+            <a:r>
+              <a:rPr lang="ru-RU" dirty="0"/>
+              <a:t> на старте программы</a:t>
+            </a:r>
+            <a:endParaRPr lang="en-US" dirty="0"/>
+          </a:p>
+          <a:p>
+            <a:r>
+              <a:rPr lang="ru-RU" dirty="0"/>
+              <a:t>Вызов импортируемой функции осуществляется через загрузку адреса из этой таблицы</a:t>
+            </a:r>
+            <a:r>
+              <a:rPr lang="en-US" dirty="0"/>
+              <a:t>:</a:t>
+            </a:r>
+          </a:p>
+          <a:p>
+            <a:pPr marL="457200" lvl="1" indent="0">
               <a:buNone/>
-              <a:defRPr sz="4400" kern="1200">
+            </a:pPr>
+            <a:r>
+              <a:rPr lang="en-US" dirty="0">
+                <a:latin typeface="Courier New" panose="02070309020205020404" pitchFamily="49" charset="0"/>
+                <a:cs typeface="Courier New" panose="02070309020205020404" pitchFamily="49" charset="0"/>
+              </a:rPr>
+              <a:t># Windows</a:t>
+            </a:r>
+          </a:p>
+          <a:p>
+            <a:pPr marL="457200" lvl="1" indent="0">
+              <a:buNone/>
+            </a:pPr>
+            <a:r>
+              <a:rPr lang="en-US" dirty="0">
                 <a:solidFill>
-                  <a:schemeClr val="tx1"/>
+                  <a:srgbClr val="7030A0"/>
                 </a:solidFill>
-                <a:latin typeface="+mj-lt"/>
-                <a:ea typeface="+mj-ea"/>
-                <a:cs typeface="+mj-cs"/>
-              </a:defRPr>
-            </a:lvl1pPr>
-          </a:lstStyle>
-          <a:p>
-            <a:r>
-              <a:rPr lang="ru-RU" dirty="0"/>
-              <a:t>Процесс загрузки </a:t>
-            </a:r>
-            <a:r>
-              <a:rPr lang="en-US" dirty="0"/>
-              <a:t>DLL</a:t>
-            </a:r>
-          </a:p>
-        </p:txBody>
-      </p:sp>
-      <p:cxnSp>
-        <p:nvCxnSpPr>
-          <p:cNvPr id="14" name="Straight Arrow Connector 13">
-            <a:extLst>
-              <a:ext uri="{FF2B5EF4-FFF2-40B4-BE49-F238E27FC236}">
-                <a16:creationId xmlns:a16="http://schemas.microsoft.com/office/drawing/2014/main" id="{7902B118-9106-4383-8F6D-3D2BC004E40E}"/>
-              </a:ext>
-            </a:extLst>
-          </p:cNvPr>
-          <p:cNvCxnSpPr>
-            <a:cxnSpLocks/>
-            <a:stCxn id="6" idx="3"/>
-            <a:endCxn id="31" idx="1"/>
-          </p:cNvCxnSpPr>
-          <p:nvPr/>
-        </p:nvCxnSpPr>
-        <p:spPr>
-          <a:xfrm flipV="1">
-            <a:off x="7268836" y="3960543"/>
-            <a:ext cx="587829" cy="610"/>
-          </a:xfrm>
-          <a:prstGeom prst="straightConnector1">
-            <a:avLst/>
-          </a:prstGeom>
-          <a:ln w="63500">
-            <a:tailEnd type="triangle"/>
-          </a:ln>
-        </p:spPr>
-        <p:style>
-          <a:lnRef idx="1">
-            <a:schemeClr val="accent1"/>
-          </a:lnRef>
-          <a:fillRef idx="0">
-            <a:schemeClr val="accent1"/>
-          </a:fillRef>
-          <a:effectRef idx="0">
-            <a:schemeClr val="accent1"/>
-          </a:effectRef>
-          <a:fontRef idx="minor">
-            <a:schemeClr val="tx1"/>
-          </a:fontRef>
-        </p:style>
-      </p:cxnSp>
-      <p:sp>
-        <p:nvSpPr>
-          <p:cNvPr id="17" name="TextBox 16">
-            <a:extLst>
-              <a:ext uri="{FF2B5EF4-FFF2-40B4-BE49-F238E27FC236}">
-                <a16:creationId xmlns:a16="http://schemas.microsoft.com/office/drawing/2014/main" id="{072DD281-C023-4C0A-929A-312074616BF8}"/>
-              </a:ext>
-            </a:extLst>
-          </p:cNvPr>
-          <p:cNvSpPr txBox="1"/>
-          <p:nvPr/>
-        </p:nvSpPr>
-        <p:spPr>
-          <a:xfrm>
-            <a:off x="10043283" y="3403104"/>
-            <a:ext cx="2021921" cy="1231106"/>
-          </a:xfrm>
-          <a:prstGeom prst="rect">
-            <a:avLst/>
-          </a:prstGeom>
-          <a:noFill/>
-        </p:spPr>
-        <p:txBody>
-          <a:bodyPr wrap="square" rtlCol="0">
-            <a:spAutoFit/>
-          </a:bodyPr>
-          <a:lstStyle/>
-          <a:p>
-            <a:pPr algn="ctr"/>
-            <a:r>
-              <a:rPr lang="en-US" sz="5400" dirty="0"/>
-              <a:t>…</a:t>
-            </a:r>
-          </a:p>
-          <a:p>
-            <a:pPr algn="ctr"/>
-            <a:r>
-              <a:rPr lang="en-US" sz="2000" dirty="0"/>
-              <a:t>(</a:t>
-            </a:r>
-            <a:r>
-              <a:rPr lang="ru-RU" sz="2000" dirty="0"/>
-              <a:t>использование)</a:t>
-            </a:r>
-            <a:endParaRPr lang="en-US" sz="5400" dirty="0"/>
-          </a:p>
-        </p:txBody>
-      </p:sp>
-      <p:sp>
-        <p:nvSpPr>
-          <p:cNvPr id="31" name="Rectangle 30">
-            <a:extLst>
-              <a:ext uri="{FF2B5EF4-FFF2-40B4-BE49-F238E27FC236}">
-                <a16:creationId xmlns:a16="http://schemas.microsoft.com/office/drawing/2014/main" id="{5F4CB353-579C-4D88-A16C-8B7BF40BEF09}"/>
-              </a:ext>
-            </a:extLst>
-          </p:cNvPr>
-          <p:cNvSpPr/>
-          <p:nvPr/>
-        </p:nvSpPr>
-        <p:spPr>
-          <a:xfrm>
-            <a:off x="7856665" y="3297761"/>
-            <a:ext cx="2021921" cy="1325563"/>
-          </a:xfrm>
-          <a:prstGeom prst="rect">
-            <a:avLst/>
-          </a:prstGeom>
-        </p:spPr>
-        <p:style>
-          <a:lnRef idx="2">
-            <a:schemeClr val="accent1">
-              <a:shade val="50000"/>
-            </a:schemeClr>
-          </a:lnRef>
-          <a:fillRef idx="1">
-            <a:schemeClr val="accent1"/>
-          </a:fillRef>
-          <a:effectRef idx="0">
-            <a:schemeClr val="accent1"/>
-          </a:effectRef>
-          <a:fontRef idx="minor">
-            <a:schemeClr val="lt1"/>
-          </a:fontRef>
-        </p:style>
-        <p:txBody>
-          <a:bodyPr rtlCol="0" anchor="ctr"/>
-          <a:lstStyle/>
-          <a:p>
-            <a:pPr algn="ctr"/>
-            <a:r>
-              <a:rPr lang="ru-RU" dirty="0"/>
-              <a:t>Связывание символов </a:t>
-            </a:r>
-            <a:r>
-              <a:rPr lang="en-US" dirty="0"/>
-              <a:t>(symbol binding)</a:t>
-            </a:r>
-          </a:p>
-        </p:txBody>
-      </p:sp>
-      <p:cxnSp>
-        <p:nvCxnSpPr>
-          <p:cNvPr id="34" name="Straight Arrow Connector 33">
-            <a:extLst>
-              <a:ext uri="{FF2B5EF4-FFF2-40B4-BE49-F238E27FC236}">
-                <a16:creationId xmlns:a16="http://schemas.microsoft.com/office/drawing/2014/main" id="{9EFCD0CC-2C02-48EF-B050-AEDE60A9BD9D}"/>
-              </a:ext>
-            </a:extLst>
-          </p:cNvPr>
-          <p:cNvCxnSpPr>
-            <a:cxnSpLocks/>
-          </p:cNvCxnSpPr>
-          <p:nvPr/>
-        </p:nvCxnSpPr>
-        <p:spPr>
-          <a:xfrm flipV="1">
-            <a:off x="7268836" y="3960542"/>
-            <a:ext cx="587829" cy="610"/>
-          </a:xfrm>
-          <a:prstGeom prst="straightConnector1">
-            <a:avLst/>
-          </a:prstGeom>
-          <a:ln w="63500">
-            <a:tailEnd type="triangle"/>
-          </a:ln>
-        </p:spPr>
-        <p:style>
-          <a:lnRef idx="1">
-            <a:schemeClr val="accent1"/>
-          </a:lnRef>
-          <a:fillRef idx="0">
-            <a:schemeClr val="accent1"/>
-          </a:fillRef>
-          <a:effectRef idx="0">
-            <a:schemeClr val="accent1"/>
-          </a:effectRef>
-          <a:fontRef idx="minor">
-            <a:schemeClr val="tx1"/>
-          </a:fontRef>
-        </p:style>
-      </p:cxnSp>
-      <p:cxnSp>
-        <p:nvCxnSpPr>
-          <p:cNvPr id="35" name="Straight Arrow Connector 34">
-            <a:extLst>
-              <a:ext uri="{FF2B5EF4-FFF2-40B4-BE49-F238E27FC236}">
-                <a16:creationId xmlns:a16="http://schemas.microsoft.com/office/drawing/2014/main" id="{56314CC0-78DF-474F-9EE5-3744FA6F4E2B}"/>
-              </a:ext>
-            </a:extLst>
-          </p:cNvPr>
-          <p:cNvCxnSpPr>
-            <a:cxnSpLocks/>
-            <a:stCxn id="31" idx="3"/>
-          </p:cNvCxnSpPr>
-          <p:nvPr/>
-        </p:nvCxnSpPr>
-        <p:spPr>
-          <a:xfrm flipV="1">
-            <a:off x="9878586" y="3960542"/>
-            <a:ext cx="529569" cy="1"/>
-          </a:xfrm>
-          <a:prstGeom prst="straightConnector1">
-            <a:avLst/>
-          </a:prstGeom>
-          <a:ln w="63500">
-            <a:tailEnd type="triangle"/>
-          </a:ln>
-        </p:spPr>
-        <p:style>
-          <a:lnRef idx="1">
-            <a:schemeClr val="accent1"/>
-          </a:lnRef>
-          <a:fillRef idx="0">
-            <a:schemeClr val="accent1"/>
-          </a:fillRef>
-          <a:effectRef idx="0">
-            <a:schemeClr val="accent1"/>
-          </a:effectRef>
-          <a:fontRef idx="minor">
-            <a:schemeClr val="tx1"/>
-          </a:fontRef>
-        </p:style>
-      </p:cxnSp>
-      <p:sp>
-        <p:nvSpPr>
-          <p:cNvPr id="15" name="Rectangle 14">
-            <a:extLst>
-              <a:ext uri="{FF2B5EF4-FFF2-40B4-BE49-F238E27FC236}">
-                <a16:creationId xmlns:a16="http://schemas.microsoft.com/office/drawing/2014/main" id="{2D667F1F-4810-48AF-B1AC-3F686E67B500}"/>
-              </a:ext>
-            </a:extLst>
-          </p:cNvPr>
-          <p:cNvSpPr/>
-          <p:nvPr/>
-        </p:nvSpPr>
-        <p:spPr>
-          <a:xfrm>
-            <a:off x="7562750" y="3074298"/>
-            <a:ext cx="2480533" cy="1823402"/>
-          </a:xfrm>
-          <a:prstGeom prst="rect">
-            <a:avLst/>
-          </a:prstGeom>
-          <a:noFill/>
-          <a:ln w="76200">
-            <a:solidFill>
-              <a:srgbClr val="FF0000"/>
-            </a:solidFill>
-          </a:ln>
-        </p:spPr>
-        <p:style>
-          <a:lnRef idx="2">
-            <a:schemeClr val="accent1">
-              <a:shade val="50000"/>
-            </a:schemeClr>
-          </a:lnRef>
-          <a:fillRef idx="1">
-            <a:schemeClr val="accent1"/>
-          </a:fillRef>
-          <a:effectRef idx="0">
-            <a:schemeClr val="accent1"/>
-          </a:effectRef>
-          <a:fontRef idx="minor">
-            <a:schemeClr val="lt1"/>
-          </a:fontRef>
-        </p:style>
-        <p:txBody>
-          <a:bodyPr rtlCol="0" anchor="ctr"/>
-          <a:lstStyle/>
-          <a:p>
-            <a:pPr algn="ctr"/>
-            <a:endParaRPr lang="en-US"/>
+                <a:latin typeface="Courier New" panose="02070309020205020404" pitchFamily="49" charset="0"/>
+                <a:cs typeface="Courier New" panose="02070309020205020404" pitchFamily="49" charset="0"/>
+              </a:rPr>
+              <a:t>call qword </a:t>
+            </a:r>
+            <a:r>
+              <a:rPr lang="en-US" dirty="0" err="1">
+                <a:solidFill>
+                  <a:srgbClr val="7030A0"/>
+                </a:solidFill>
+                <a:latin typeface="Courier New" panose="02070309020205020404" pitchFamily="49" charset="0"/>
+                <a:cs typeface="Courier New" panose="02070309020205020404" pitchFamily="49" charset="0"/>
+              </a:rPr>
+              <a:t>ptr</a:t>
+            </a:r>
+            <a:r>
+              <a:rPr lang="en-US" dirty="0">
+                <a:solidFill>
+                  <a:srgbClr val="7030A0"/>
+                </a:solidFill>
+                <a:latin typeface="Courier New" panose="02070309020205020404" pitchFamily="49" charset="0"/>
+                <a:cs typeface="Courier New" panose="02070309020205020404" pitchFamily="49" charset="0"/>
+              </a:rPr>
+              <a:t> </a:t>
+            </a:r>
+            <a:r>
+              <a:rPr lang="en-US" dirty="0">
+                <a:solidFill>
+                  <a:schemeClr val="accent5"/>
+                </a:solidFill>
+                <a:latin typeface="Courier New" panose="02070309020205020404" pitchFamily="49" charset="0"/>
+                <a:cs typeface="Courier New" panose="02070309020205020404" pitchFamily="49" charset="0"/>
+              </a:rPr>
+              <a:t>[</a:t>
+            </a:r>
+            <a:r>
+              <a:rPr lang="en-US" dirty="0">
+                <a:latin typeface="Courier New" panose="02070309020205020404" pitchFamily="49" charset="0"/>
+                <a:cs typeface="Courier New" panose="02070309020205020404" pitchFamily="49" charset="0"/>
+              </a:rPr>
+              <a:t>__</a:t>
+            </a:r>
+            <a:r>
+              <a:rPr lang="en-US" dirty="0" err="1">
+                <a:latin typeface="Courier New" panose="02070309020205020404" pitchFamily="49" charset="0"/>
+                <a:cs typeface="Courier New" panose="02070309020205020404" pitchFamily="49" charset="0"/>
+              </a:rPr>
+              <a:t>imp_foo</a:t>
+            </a:r>
+            <a:r>
+              <a:rPr lang="en-US" dirty="0">
+                <a:solidFill>
+                  <a:schemeClr val="accent5"/>
+                </a:solidFill>
+                <a:latin typeface="Courier New" panose="02070309020205020404" pitchFamily="49" charset="0"/>
+                <a:cs typeface="Courier New" panose="02070309020205020404" pitchFamily="49" charset="0"/>
+              </a:rPr>
+              <a:t>]</a:t>
+            </a:r>
+          </a:p>
+          <a:p>
+            <a:pPr marL="457200" lvl="1" indent="0">
+              <a:buNone/>
+            </a:pPr>
+            <a:endParaRPr lang="en-US" dirty="0">
+              <a:latin typeface="Courier New" panose="02070309020205020404" pitchFamily="49" charset="0"/>
+              <a:cs typeface="Courier New" panose="02070309020205020404" pitchFamily="49" charset="0"/>
+            </a:endParaRPr>
+          </a:p>
+          <a:p>
+            <a:pPr marL="457200" lvl="1" indent="0">
+              <a:buNone/>
+            </a:pPr>
+            <a:r>
+              <a:rPr lang="en-US" dirty="0">
+                <a:latin typeface="Courier New" panose="02070309020205020404" pitchFamily="49" charset="0"/>
+                <a:cs typeface="Courier New" panose="02070309020205020404" pitchFamily="49" charset="0"/>
+              </a:rPr>
+              <a:t># Linux</a:t>
+            </a:r>
+          </a:p>
+          <a:p>
+            <a:pPr marL="457200" lvl="1" indent="0">
+              <a:buNone/>
+            </a:pPr>
+            <a:r>
+              <a:rPr lang="en-US" dirty="0">
+                <a:solidFill>
+                  <a:srgbClr val="7030A0"/>
+                </a:solidFill>
+                <a:latin typeface="Courier New" panose="02070309020205020404" pitchFamily="49" charset="0"/>
+                <a:cs typeface="Courier New" panose="02070309020205020404" pitchFamily="49" charset="0"/>
+              </a:rPr>
+              <a:t>call </a:t>
+            </a:r>
+            <a:r>
+              <a:rPr lang="en-US" dirty="0">
+                <a:solidFill>
+                  <a:schemeClr val="accent5"/>
+                </a:solidFill>
+                <a:latin typeface="Courier New" panose="02070309020205020404" pitchFamily="49" charset="0"/>
+                <a:cs typeface="Courier New" panose="02070309020205020404" pitchFamily="49" charset="0"/>
+              </a:rPr>
+              <a:t>*</a:t>
+            </a:r>
+            <a:r>
+              <a:rPr lang="en-US" dirty="0" err="1">
+                <a:latin typeface="Courier New" panose="02070309020205020404" pitchFamily="49" charset="0"/>
+                <a:cs typeface="Courier New" panose="02070309020205020404" pitchFamily="49" charset="0"/>
+              </a:rPr>
+              <a:t>foo</a:t>
+            </a:r>
+            <a:r>
+              <a:rPr lang="en-US" dirty="0" err="1">
+                <a:solidFill>
+                  <a:schemeClr val="accent5"/>
+                </a:solidFill>
+                <a:latin typeface="Courier New" panose="02070309020205020404" pitchFamily="49" charset="0"/>
+                <a:cs typeface="Courier New" panose="02070309020205020404" pitchFamily="49" charset="0"/>
+              </a:rPr>
+              <a:t>@</a:t>
+            </a:r>
+            <a:r>
+              <a:rPr lang="en-US" dirty="0" err="1">
+                <a:solidFill>
+                  <a:srgbClr val="7030A0"/>
+                </a:solidFill>
+                <a:latin typeface="Courier New" panose="02070309020205020404" pitchFamily="49" charset="0"/>
+                <a:cs typeface="Courier New" panose="02070309020205020404" pitchFamily="49" charset="0"/>
+              </a:rPr>
+              <a:t>GOTPCREL</a:t>
+            </a:r>
+            <a:r>
+              <a:rPr lang="en-US" dirty="0">
+                <a:solidFill>
+                  <a:schemeClr val="accent5"/>
+                </a:solidFill>
+                <a:latin typeface="Courier New" panose="02070309020205020404" pitchFamily="49" charset="0"/>
+                <a:cs typeface="Courier New" panose="02070309020205020404" pitchFamily="49" charset="0"/>
+              </a:rPr>
+              <a:t>(%</a:t>
+            </a:r>
+            <a:r>
+              <a:rPr lang="en-US" dirty="0">
+                <a:solidFill>
+                  <a:schemeClr val="accent2"/>
+                </a:solidFill>
+                <a:latin typeface="Courier New" panose="02070309020205020404" pitchFamily="49" charset="0"/>
+                <a:cs typeface="Courier New" panose="02070309020205020404" pitchFamily="49" charset="0"/>
+              </a:rPr>
+              <a:t>rip</a:t>
+            </a:r>
+            <a:r>
+              <a:rPr lang="en-US" dirty="0">
+                <a:solidFill>
+                  <a:schemeClr val="accent5"/>
+                </a:solidFill>
+                <a:latin typeface="Courier New" panose="02070309020205020404" pitchFamily="49" charset="0"/>
+                <a:cs typeface="Courier New" panose="02070309020205020404" pitchFamily="49" charset="0"/>
+              </a:rPr>
+              <a:t>)</a:t>
+            </a:r>
+          </a:p>
+          <a:p>
+            <a:r>
+              <a:rPr lang="ru-RU" dirty="0"/>
+              <a:t>Вызов функции из библиотеки является косвенным (</a:t>
+            </a:r>
+            <a:r>
+              <a:rPr lang="en-US" dirty="0"/>
+              <a:t>indirect)</a:t>
+            </a:r>
           </a:p>
         </p:txBody>
       </p:sp>
     </p:spTree>
     <p:extLst>
       <p:ext uri="{BB962C8B-B14F-4D97-AF65-F5344CB8AC3E}">
-        <p14:creationId xmlns:p14="http://schemas.microsoft.com/office/powerpoint/2010/main" val="2672786599"/>
+        <p14:creationId xmlns:p14="http://schemas.microsoft.com/office/powerpoint/2010/main" val="1519460642"/>
       </p:ext>
     </p:extLst>
   </p:cSld>
@@ -24195,7 +24413,7 @@
           <p:cNvPr id="2" name="Title 1">
             <a:extLst>
               <a:ext uri="{FF2B5EF4-FFF2-40B4-BE49-F238E27FC236}">
-                <a16:creationId xmlns:a16="http://schemas.microsoft.com/office/drawing/2014/main" id="{082EBD7C-DE14-4983-A724-D868BE7B976C}"/>
+                <a16:creationId xmlns:a16="http://schemas.microsoft.com/office/drawing/2014/main" id="{6B5BCA84-D286-4541-957B-73B6D3C5CA85}"/>
               </a:ext>
             </a:extLst>
           </p:cNvPr>
@@ -24213,11 +24431,19 @@
           <a:p>
             <a:r>
               <a:rPr lang="ru-RU" dirty="0"/>
-              <a:t>Связывание символов </a:t>
-            </a:r>
-            <a:r>
-              <a:rPr lang="en-US" dirty="0"/>
-              <a:t>(symbol binding)</a:t>
+              <a:t>Ленивое связывание в </a:t>
+            </a:r>
+            <a:r>
+              <a:rPr lang="en-US" dirty="0"/>
+              <a:t>Linux</a:t>
+            </a:r>
+            <a:r>
+              <a:rPr lang="ru-RU" dirty="0"/>
+              <a:t> (</a:t>
+            </a:r>
+            <a:r>
+              <a:rPr lang="en-US" dirty="0"/>
+              <a:t>lazy binding)</a:t>
             </a:r>
           </a:p>
         </p:txBody>
@@ -24227,7 +24453,7 @@
           <p:cNvPr id="3" name="Content Placeholder 2">
             <a:extLst>
               <a:ext uri="{FF2B5EF4-FFF2-40B4-BE49-F238E27FC236}">
-                <a16:creationId xmlns:a16="http://schemas.microsoft.com/office/drawing/2014/main" id="{0032CE76-5223-4C6A-A885-5FCE53593804}"/>
+                <a16:creationId xmlns:a16="http://schemas.microsoft.com/office/drawing/2014/main" id="{065AF591-5BBB-43E2-BF57-19FD1821268F}"/>
               </a:ext>
             </a:extLst>
           </p:cNvPr>
@@ -24238,94 +24464,42 @@
             <p:ph idx="1"/>
           </p:nvPr>
         </p:nvSpPr>
-        <p:spPr>
-          <a:xfrm>
-            <a:off x="838200" y="1825624"/>
-            <a:ext cx="10820400" cy="4716689"/>
-          </a:xfrm>
-        </p:spPr>
+        <p:spPr/>
         <p:txBody>
           <a:bodyPr>
-            <a:normAutofit fontScale="92500" lnSpcReduction="20000"/>
+            <a:normAutofit fontScale="85000" lnSpcReduction="20000"/>
           </a:bodyPr>
           <a:lstStyle/>
           <a:p>
             <a:r>
               <a:rPr lang="ru-RU" dirty="0"/>
-              <a:t>Механизм связывания </a:t>
-            </a:r>
-            <a:r>
-              <a:rPr lang="en-US" dirty="0"/>
-              <a:t>(binding)</a:t>
-            </a:r>
-            <a:r>
-              <a:rPr lang="ru-RU" dirty="0"/>
-              <a:t> вызовов функций в исполняемом файле с адресами импортируемых функций, найденными в процессе разрешения имён (</a:t>
-            </a:r>
-            <a:r>
-              <a:rPr lang="en-US" dirty="0"/>
-              <a:t>symbol resolution)</a:t>
-            </a:r>
-          </a:p>
-          <a:p>
-            <a:r>
-              <a:rPr lang="ru-RU" dirty="0"/>
-              <a:t>Импортируемые функции вызываются через специальную таблицу</a:t>
+              <a:t>Загрузка символа из таблицы адресов осуществляется не напрямую, а через функцию-заглушку </a:t>
+            </a:r>
+            <a:r>
+              <a:rPr lang="en-US" dirty="0"/>
+              <a:t>(PLT stub)</a:t>
+            </a:r>
+          </a:p>
+          <a:p>
+            <a:r>
+              <a:rPr lang="en-US" dirty="0"/>
+              <a:t>PLT stubs </a:t>
+            </a:r>
+            <a:r>
+              <a:rPr lang="ru-RU" dirty="0"/>
+              <a:t>создаются линкером автоматически</a:t>
             </a:r>
             <a:endParaRPr lang="en-US" dirty="0"/>
           </a:p>
           <a:p>
-            <a:pPr lvl="1"/>
-            <a:r>
-              <a:rPr lang="en-US" dirty="0"/>
-              <a:t>Import Address Table</a:t>
-            </a:r>
-            <a:r>
-              <a:rPr lang="ru-RU" dirty="0"/>
-              <a:t> на </a:t>
-            </a:r>
-            <a:r>
-              <a:rPr lang="en-US" dirty="0"/>
-              <a:t>Windows, Global Offset Table </a:t>
-            </a:r>
-            <a:r>
-              <a:rPr lang="ru-RU" dirty="0"/>
-              <a:t>на </a:t>
-            </a:r>
-            <a:r>
-              <a:rPr lang="en-US" dirty="0"/>
-              <a:t>Linux</a:t>
-            </a:r>
-          </a:p>
-          <a:p>
-            <a:pPr lvl="1"/>
-            <a:r>
-              <a:rPr lang="ru-RU" dirty="0"/>
-              <a:t>Инициализируется загрузчиком</a:t>
-            </a:r>
-            <a:r>
-              <a:rPr lang="en-US" dirty="0"/>
-              <a:t> </a:t>
-            </a:r>
-            <a:r>
-              <a:rPr lang="ru-RU" i="1" dirty="0"/>
-              <a:t>обычно</a:t>
-            </a:r>
-            <a:r>
-              <a:rPr lang="ru-RU" dirty="0"/>
-              <a:t> на старте программы</a:t>
+            <a:r>
+              <a:rPr lang="ru-RU" dirty="0"/>
+              <a:t>Откладывает поиск символа до первого его использования</a:t>
             </a:r>
             <a:endParaRPr lang="en-US" dirty="0"/>
           </a:p>
           <a:p>
-            <a:r>
-              <a:rPr lang="ru-RU" dirty="0"/>
-              <a:t>Вызов импортируемой функции осуществляется через загрузку адреса из этой таблицы</a:t>
-            </a:r>
-            <a:r>
-              <a:rPr lang="en-US" dirty="0"/>
-              <a:t>:</a:t>
-            </a:r>
+            <a:endParaRPr lang="en-US" dirty="0"/>
           </a:p>
           <a:p>
             <a:pPr marL="457200" lvl="1" indent="0">
@@ -24336,13 +24510,8 @@
                 <a:latin typeface="Courier New" panose="02070309020205020404" pitchFamily="49" charset="0"/>
                 <a:cs typeface="Courier New" panose="02070309020205020404" pitchFamily="49" charset="0"/>
               </a:rPr>
-              <a:t># Windows</a:t>
-            </a:r>
-          </a:p>
-          <a:p>
-            <a:pPr marL="457200" lvl="1" indent="0">
-              <a:buNone/>
-            </a:pPr>
+              <a:t>  </a:t>
+            </a:r>
             <a:r>
               <a:rPr lang="en-US" dirty="0">
                 <a:solidFill>
@@ -24351,7 +24520,82 @@
                 <a:latin typeface="Courier New" panose="02070309020205020404" pitchFamily="49" charset="0"/>
                 <a:cs typeface="Courier New" panose="02070309020205020404" pitchFamily="49" charset="0"/>
               </a:rPr>
-              <a:t>call qword </a:t>
+              <a:t>.section .text</a:t>
+            </a:r>
+          </a:p>
+          <a:p>
+            <a:pPr marL="457200" lvl="1" indent="0">
+              <a:buNone/>
+            </a:pPr>
+            <a:r>
+              <a:rPr lang="en-US" dirty="0">
+                <a:latin typeface="Courier New" panose="02070309020205020404" pitchFamily="49" charset="0"/>
+                <a:cs typeface="Courier New" panose="02070309020205020404" pitchFamily="49" charset="0"/>
+              </a:rPr>
+              <a:t>  ...</a:t>
+            </a:r>
+          </a:p>
+          <a:p>
+            <a:pPr marL="457200" lvl="1" indent="0">
+              <a:buNone/>
+            </a:pPr>
+            <a:r>
+              <a:rPr lang="en-US" dirty="0">
+                <a:latin typeface="Courier New" panose="02070309020205020404" pitchFamily="49" charset="0"/>
+                <a:cs typeface="Courier New" panose="02070309020205020404" pitchFamily="49" charset="0"/>
+              </a:rPr>
+              <a:t>  </a:t>
+            </a:r>
+            <a:r>
+              <a:rPr lang="en-US" dirty="0">
+                <a:solidFill>
+                  <a:srgbClr val="7030A0"/>
+                </a:solidFill>
+                <a:latin typeface="Courier New" panose="02070309020205020404" pitchFamily="49" charset="0"/>
+                <a:cs typeface="Courier New" panose="02070309020205020404" pitchFamily="49" charset="0"/>
+              </a:rPr>
+              <a:t>call </a:t>
+            </a:r>
+            <a:r>
+              <a:rPr lang="en-US" dirty="0">
+                <a:latin typeface="Courier New" panose="02070309020205020404" pitchFamily="49" charset="0"/>
+                <a:cs typeface="Courier New" panose="02070309020205020404" pitchFamily="49" charset="0"/>
+              </a:rPr>
+              <a:t>foo</a:t>
+            </a:r>
+          </a:p>
+          <a:p>
+            <a:pPr marL="457200" lvl="1" indent="0">
+              <a:buNone/>
+            </a:pPr>
+            <a:r>
+              <a:rPr lang="en-US" dirty="0">
+                <a:latin typeface="Courier New" panose="02070309020205020404" pitchFamily="49" charset="0"/>
+                <a:cs typeface="Courier New" panose="02070309020205020404" pitchFamily="49" charset="0"/>
+              </a:rPr>
+              <a:t>  ...</a:t>
+            </a:r>
+          </a:p>
+          <a:p>
+            <a:pPr marL="457200" lvl="1" indent="0">
+              <a:buNone/>
+            </a:pPr>
+            <a:r>
+              <a:rPr lang="en-US" dirty="0">
+                <a:latin typeface="Courier New" panose="02070309020205020404" pitchFamily="49" charset="0"/>
+                <a:cs typeface="Courier New" panose="02070309020205020404" pitchFamily="49" charset="0"/>
+              </a:rPr>
+              <a:t>  </a:t>
+            </a:r>
+            <a:r>
+              <a:rPr lang="en-US" dirty="0">
+                <a:solidFill>
+                  <a:srgbClr val="7030A0"/>
+                </a:solidFill>
+                <a:latin typeface="Courier New" panose="02070309020205020404" pitchFamily="49" charset="0"/>
+                <a:cs typeface="Courier New" panose="02070309020205020404" pitchFamily="49" charset="0"/>
+              </a:rPr>
+              <a:t>.section .</a:t>
             </a:r>
             <a:r>
               <a:rPr lang="en-US" dirty="0" err="1">
@@ -24361,7 +24605,69 @@
                 <a:latin typeface="Courier New" panose="02070309020205020404" pitchFamily="49" charset="0"/>
                 <a:cs typeface="Courier New" panose="02070309020205020404" pitchFamily="49" charset="0"/>
               </a:rPr>
-              <a:t>ptr</a:t>
+              <a:t>plt</a:t>
+            </a:r>
+            <a:endParaRPr lang="en-US" dirty="0">
+              <a:solidFill>
+                <a:srgbClr val="7030A0"/>
+              </a:solidFill>
+              <a:latin typeface="Courier New" panose="02070309020205020404" pitchFamily="49" charset="0"/>
+              <a:cs typeface="Courier New" panose="02070309020205020404" pitchFamily="49" charset="0"/>
+            </a:endParaRPr>
+          </a:p>
+          <a:p>
+            <a:pPr marL="457200" lvl="1" indent="0">
+              <a:buNone/>
+            </a:pPr>
+            <a:r>
+              <a:rPr lang="en-US" dirty="0">
+                <a:latin typeface="Courier New" panose="02070309020205020404" pitchFamily="49" charset="0"/>
+                <a:cs typeface="Courier New" panose="02070309020205020404" pitchFamily="49" charset="0"/>
+              </a:rPr>
+              <a:t>foo</a:t>
+            </a:r>
+            <a:r>
+              <a:rPr lang="en-US" dirty="0">
+                <a:solidFill>
+                  <a:schemeClr val="accent5"/>
+                </a:solidFill>
+                <a:latin typeface="Courier New" panose="02070309020205020404" pitchFamily="49" charset="0"/>
+                <a:cs typeface="Courier New" panose="02070309020205020404" pitchFamily="49" charset="0"/>
+              </a:rPr>
+              <a:t>:</a:t>
+            </a:r>
+            <a:r>
+              <a:rPr lang="en-US" dirty="0">
+                <a:latin typeface="Courier New" panose="02070309020205020404" pitchFamily="49" charset="0"/>
+                <a:cs typeface="Courier New" panose="02070309020205020404" pitchFamily="49" charset="0"/>
+              </a:rPr>
+              <a:t>   # PLT</a:t>
+            </a:r>
+            <a:r>
+              <a:rPr lang="ru-RU" dirty="0">
+                <a:latin typeface="Courier New" panose="02070309020205020404" pitchFamily="49" charset="0"/>
+                <a:cs typeface="Courier New" panose="02070309020205020404" pitchFamily="49" charset="0"/>
+              </a:rPr>
+              <a:t> </a:t>
+            </a:r>
+            <a:r>
+              <a:rPr lang="en-US" dirty="0">
+                <a:latin typeface="Courier New" panose="02070309020205020404" pitchFamily="49" charset="0"/>
+                <a:cs typeface="Courier New" panose="02070309020205020404" pitchFamily="49" charset="0"/>
+              </a:rPr>
+              <a:t>stub pseudocode</a:t>
+            </a:r>
+          </a:p>
+          <a:p>
+            <a:pPr marL="457200" lvl="1" indent="0">
+              <a:buNone/>
+            </a:pPr>
+            <a:r>
+              <a:rPr lang="en-US" dirty="0">
+                <a:latin typeface="Courier New" panose="02070309020205020404" pitchFamily="49" charset="0"/>
+                <a:cs typeface="Courier New" panose="02070309020205020404" pitchFamily="49" charset="0"/>
+              </a:rPr>
+              <a:t>  </a:t>
             </a:r>
             <a:r>
               <a:rPr lang="en-US" dirty="0">
@@ -24371,7 +24677,56 @@
                 <a:latin typeface="Courier New" panose="02070309020205020404" pitchFamily="49" charset="0"/>
                 <a:cs typeface="Courier New" panose="02070309020205020404" pitchFamily="49" charset="0"/>
               </a:rPr>
-              <a:t> </a:t>
+              <a:t>if </a:t>
+            </a:r>
+            <a:r>
+              <a:rPr lang="en-US" dirty="0">
+                <a:solidFill>
+                  <a:schemeClr val="accent5"/>
+                </a:solidFill>
+                <a:latin typeface="Courier New" panose="02070309020205020404" pitchFamily="49" charset="0"/>
+                <a:cs typeface="Courier New" panose="02070309020205020404" pitchFamily="49" charset="0"/>
+              </a:rPr>
+              <a:t>(</a:t>
+            </a:r>
+            <a:r>
+              <a:rPr lang="en-US" dirty="0">
+                <a:latin typeface="Courier New" panose="02070309020205020404" pitchFamily="49" charset="0"/>
+                <a:cs typeface="Courier New" panose="02070309020205020404" pitchFamily="49" charset="0"/>
+              </a:rPr>
+              <a:t>first call</a:t>
+            </a:r>
+            <a:r>
+              <a:rPr lang="en-US" dirty="0">
+                <a:solidFill>
+                  <a:schemeClr val="accent5"/>
+                </a:solidFill>
+                <a:latin typeface="Courier New" panose="02070309020205020404" pitchFamily="49" charset="0"/>
+                <a:cs typeface="Courier New" panose="02070309020205020404" pitchFamily="49" charset="0"/>
+              </a:rPr>
+              <a:t>)</a:t>
+            </a:r>
+          </a:p>
+          <a:p>
+            <a:pPr marL="457200" lvl="1" indent="0">
+              <a:buNone/>
+            </a:pPr>
+            <a:r>
+              <a:rPr lang="en-US" dirty="0">
+                <a:latin typeface="Courier New" panose="02070309020205020404" pitchFamily="49" charset="0"/>
+                <a:cs typeface="Courier New" panose="02070309020205020404" pitchFamily="49" charset="0"/>
+              </a:rPr>
+              <a:t>    </a:t>
+            </a:r>
+            <a:r>
+              <a:rPr lang="en-US" dirty="0">
+                <a:solidFill>
+                  <a:schemeClr val="accent2"/>
+                </a:solidFill>
+                <a:latin typeface="Courier New" panose="02070309020205020404" pitchFamily="49" charset="0"/>
+                <a:cs typeface="Courier New" panose="02070309020205020404" pitchFamily="49" charset="0"/>
+              </a:rPr>
+              <a:t>GOT</a:t>
             </a:r>
             <a:r>
               <a:rPr lang="en-US" dirty="0">
@@ -24388,14 +24743,7 @@
                 <a:latin typeface="Courier New" panose="02070309020205020404" pitchFamily="49" charset="0"/>
                 <a:cs typeface="Courier New" panose="02070309020205020404" pitchFamily="49" charset="0"/>
               </a:rPr>
-              <a:t>__</a:t>
-            </a:r>
-            <a:r>
-              <a:rPr lang="en-US" dirty="0" err="1">
-                <a:latin typeface="Courier New" panose="02070309020205020404" pitchFamily="49" charset="0"/>
-                <a:cs typeface="Courier New" panose="02070309020205020404" pitchFamily="49" charset="0"/>
-              </a:rPr>
-              <a:t>imp_foo</a:t>
+              <a:t>foo</a:t>
             </a:r>
             <a:r>
               <a:rPr lang="en-US" dirty="0">
@@ -24407,32 +24755,42 @@
               </a:rPr>
               <a:t>]</a:t>
             </a:r>
-          </a:p>
-          <a:p>
-            <a:pPr marL="457200" lvl="1" indent="0">
-              <a:buNone/>
-            </a:pPr>
-            <a:endParaRPr lang="en-US" dirty="0">
-              <a:latin typeface="Courier New" panose="02070309020205020404" pitchFamily="49" charset="0"/>
-              <a:cs typeface="Courier New" panose="02070309020205020404" pitchFamily="49" charset="0"/>
-            </a:endParaRPr>
-          </a:p>
-          <a:p>
-            <a:pPr marL="457200" lvl="1" indent="0">
-              <a:buNone/>
-            </a:pPr>
             <a:r>
               <a:rPr lang="en-US" dirty="0">
                 <a:latin typeface="Courier New" panose="02070309020205020404" pitchFamily="49" charset="0"/>
                 <a:cs typeface="Courier New" panose="02070309020205020404" pitchFamily="49" charset="0"/>
               </a:rPr>
-              <a:t># Linux</a:t>
+              <a:t> </a:t>
+            </a:r>
+            <a:r>
+              <a:rPr lang="en-US" dirty="0">
+                <a:solidFill>
+                  <a:schemeClr val="accent5"/>
+                </a:solidFill>
+                <a:latin typeface="Courier New" panose="02070309020205020404" pitchFamily="49" charset="0"/>
+                <a:cs typeface="Courier New" panose="02070309020205020404" pitchFamily="49" charset="0"/>
+              </a:rPr>
+              <a:t>=</a:t>
+            </a:r>
+            <a:r>
+              <a:rPr lang="en-US" dirty="0">
+                <a:latin typeface="Courier New" panose="02070309020205020404" pitchFamily="49" charset="0"/>
+                <a:cs typeface="Courier New" panose="02070309020205020404" pitchFamily="49" charset="0"/>
+              </a:rPr>
+              <a:t> resolve address of foo</a:t>
             </a:r>
           </a:p>
           <a:p>
             <a:pPr marL="457200" lvl="1" indent="0">
               <a:buNone/>
             </a:pPr>
+            <a:r>
+              <a:rPr lang="en-US" dirty="0">
+                <a:latin typeface="Courier New" panose="02070309020205020404" pitchFamily="49" charset="0"/>
+                <a:cs typeface="Courier New" panose="02070309020205020404" pitchFamily="49" charset="0"/>
+              </a:rPr>
+              <a:t>  </a:t>
+            </a:r>
             <a:r>
               <a:rPr lang="en-US" dirty="0">
                 <a:solidFill>
@@ -24446,39 +24804,12 @@
             <a:r>
               <a:rPr lang="en-US" dirty="0">
                 <a:solidFill>
-                  <a:schemeClr val="accent5"/>
+                  <a:schemeClr val="accent2"/>
                 </a:solidFill>
                 <a:latin typeface="Courier New" panose="02070309020205020404" pitchFamily="49" charset="0"/>
                 <a:cs typeface="Courier New" panose="02070309020205020404" pitchFamily="49" charset="0"/>
               </a:rPr>
-              <a:t>*</a:t>
-            </a:r>
-            <a:r>
-              <a:rPr lang="en-US" dirty="0" err="1">
-                <a:latin typeface="Courier New" panose="02070309020205020404" pitchFamily="49" charset="0"/>
-                <a:cs typeface="Courier New" panose="02070309020205020404" pitchFamily="49" charset="0"/>
-              </a:rPr>
-              <a:t>foo</a:t>
-            </a:r>
-            <a:r>
-              <a:rPr lang="en-US" dirty="0" err="1">
-                <a:solidFill>
-                  <a:schemeClr val="accent5"/>
-                </a:solidFill>
-                <a:latin typeface="Courier New" panose="02070309020205020404" pitchFamily="49" charset="0"/>
-                <a:cs typeface="Courier New" panose="02070309020205020404" pitchFamily="49" charset="0"/>
-              </a:rPr>
-              <a:t>@</a:t>
-            </a:r>
-            <a:r>
-              <a:rPr lang="en-US" dirty="0" err="1">
-                <a:solidFill>
-                  <a:srgbClr val="7030A0"/>
-                </a:solidFill>
-                <a:latin typeface="Courier New" panose="02070309020205020404" pitchFamily="49" charset="0"/>
-                <a:cs typeface="Courier New" panose="02070309020205020404" pitchFamily="49" charset="0"/>
-              </a:rPr>
-              <a:t>GOTPCREL</a:t>
+              <a:t>GOT</a:t>
             </a:r>
             <a:r>
               <a:rPr lang="en-US" dirty="0">
@@ -24488,17 +24819,14 @@
                 <a:latin typeface="Courier New" panose="02070309020205020404" pitchFamily="49" charset="0"/>
                 <a:cs typeface="Courier New" panose="02070309020205020404" pitchFamily="49" charset="0"/>
               </a:rPr>
-              <a:t>(%</a:t>
+              <a:t>[</a:t>
             </a:r>
             <a:r>
               <a:rPr lang="en-US" dirty="0">
-                <a:solidFill>
-                  <a:schemeClr val="accent2"/>
-                </a:solidFill>
                 <a:latin typeface="Courier New" panose="02070309020205020404" pitchFamily="49" charset="0"/>
                 <a:cs typeface="Courier New" panose="02070309020205020404" pitchFamily="49" charset="0"/>
               </a:rPr>
-              <a:t>rip</a:t>
+              <a:t>foo</a:t>
             </a:r>
             <a:r>
               <a:rPr lang="en-US" dirty="0">
@@ -24508,17 +24836,7 @@
                 <a:latin typeface="Courier New" panose="02070309020205020404" pitchFamily="49" charset="0"/>
                 <a:cs typeface="Courier New" panose="02070309020205020404" pitchFamily="49" charset="0"/>
               </a:rPr>
-              <a:t>)</a:t>
-            </a:r>
-          </a:p>
-          <a:p>
-            <a:r>
-              <a:rPr lang="ru-RU" dirty="0"/>
-              <a:t>Вызов функции из библиотеки является косвенным (</a:t>
-            </a:r>
-            <a:r>
-              <a:rPr lang="en-US" dirty="0"/>
-              <a:t>indirect)</a:t>
+              <a:t>]</a:t>
             </a:r>
           </a:p>
         </p:txBody>
@@ -24526,7 +24844,7 @@
     </p:spTree>
     <p:extLst>
       <p:ext uri="{BB962C8B-B14F-4D97-AF65-F5344CB8AC3E}">
-        <p14:creationId xmlns:p14="http://schemas.microsoft.com/office/powerpoint/2010/main" val="1519460642"/>
+        <p14:creationId xmlns:p14="http://schemas.microsoft.com/office/powerpoint/2010/main" val="708043716"/>
       </p:ext>
     </p:extLst>
   </p:cSld>
@@ -24558,7 +24876,7 @@
           <p:cNvPr id="2" name="Title 1">
             <a:extLst>
               <a:ext uri="{FF2B5EF4-FFF2-40B4-BE49-F238E27FC236}">
-                <a16:creationId xmlns:a16="http://schemas.microsoft.com/office/drawing/2014/main" id="{6B5BCA84-D286-4541-957B-73B6D3C5CA85}"/>
+                <a16:creationId xmlns:a16="http://schemas.microsoft.com/office/drawing/2014/main" id="{F6EF644F-F050-4188-B7DE-D558EED4F914}"/>
               </a:ext>
             </a:extLst>
           </p:cNvPr>
@@ -24576,29 +24894,18 @@
           <a:p>
             <a:r>
               <a:rPr lang="ru-RU" dirty="0"/>
-              <a:t>Ленивое связывание в </a:t>
-            </a:r>
-            <a:r>
-              <a:rPr lang="en-US" dirty="0"/>
-              <a:t>Linux</a:t>
-            </a:r>
-            <a:r>
-              <a:rPr lang="ru-RU" dirty="0"/>
-              <a:t> (</a:t>
-            </a:r>
-            <a:r>
-              <a:rPr lang="en-US" dirty="0"/>
-              <a:t>lazy binding)</a:t>
-            </a:r>
-          </a:p>
-        </p:txBody>
-      </p:sp>
-      <p:sp>
-        <p:nvSpPr>
-          <p:cNvPr id="3" name="Content Placeholder 2">
-            <a:extLst>
-              <a:ext uri="{FF2B5EF4-FFF2-40B4-BE49-F238E27FC236}">
-                <a16:creationId xmlns:a16="http://schemas.microsoft.com/office/drawing/2014/main" id="{065AF591-5BBB-43E2-BF57-19FD1821268F}"/>
+              <a:t>Ускорение работы динамических библиотек</a:t>
+            </a:r>
+            <a:endParaRPr lang="en-US" dirty="0"/>
+          </a:p>
+        </p:txBody>
+      </p:sp>
+      <p:sp>
+        <p:nvSpPr>
+          <p:cNvPr id="3" name="Text Placeholder 2">
+            <a:extLst>
+              <a:ext uri="{FF2B5EF4-FFF2-40B4-BE49-F238E27FC236}">
+                <a16:creationId xmlns:a16="http://schemas.microsoft.com/office/drawing/2014/main" id="{251B3974-2F77-445B-9ABE-2E91F2DEE466}"/>
               </a:ext>
             </a:extLst>
           </p:cNvPr>
@@ -24606,390 +24913,22 @@
             <a:spLocks noGrp="1"/>
           </p:cNvSpPr>
           <p:nvPr>
-            <p:ph idx="1"/>
+            <p:ph type="body" idx="1"/>
           </p:nvPr>
         </p:nvSpPr>
         <p:spPr/>
         <p:txBody>
-          <a:bodyPr>
-            <a:normAutofit fontScale="85000" lnSpcReduction="20000"/>
-          </a:bodyPr>
-          <a:lstStyle/>
-          <a:p>
-            <a:r>
-              <a:rPr lang="ru-RU" dirty="0"/>
-              <a:t>Загрузка символа из таблицы адресов осуществляется не напрямую, а через функцию-заглушку </a:t>
-            </a:r>
-            <a:r>
-              <a:rPr lang="en-US" dirty="0"/>
-              <a:t>(PLT stub)</a:t>
-            </a:r>
-          </a:p>
-          <a:p>
-            <a:r>
-              <a:rPr lang="en-US" dirty="0"/>
-              <a:t>PLT stubs </a:t>
-            </a:r>
-            <a:r>
-              <a:rPr lang="ru-RU" dirty="0"/>
-              <a:t>создаются линкером автоматически</a:t>
-            </a:r>
-            <a:endParaRPr lang="en-US" dirty="0"/>
-          </a:p>
-          <a:p>
-            <a:r>
-              <a:rPr lang="ru-RU" dirty="0"/>
-              <a:t>Откладывает поиск символа до первого его использования</a:t>
-            </a:r>
-            <a:endParaRPr lang="en-US" dirty="0"/>
-          </a:p>
-          <a:p>
-            <a:endParaRPr lang="en-US" dirty="0"/>
-          </a:p>
-          <a:p>
-            <a:pPr marL="457200" lvl="1" indent="0">
-              <a:buNone/>
-            </a:pPr>
-            <a:r>
-              <a:rPr lang="en-US" dirty="0">
-                <a:latin typeface="Courier New" panose="02070309020205020404" pitchFamily="49" charset="0"/>
-                <a:cs typeface="Courier New" panose="02070309020205020404" pitchFamily="49" charset="0"/>
-              </a:rPr>
-              <a:t>  </a:t>
-            </a:r>
-            <a:r>
-              <a:rPr lang="en-US" dirty="0">
-                <a:solidFill>
-                  <a:srgbClr val="7030A0"/>
-                </a:solidFill>
-                <a:latin typeface="Courier New" panose="02070309020205020404" pitchFamily="49" charset="0"/>
-                <a:cs typeface="Courier New" panose="02070309020205020404" pitchFamily="49" charset="0"/>
-              </a:rPr>
-              <a:t>.section .text</a:t>
-            </a:r>
-          </a:p>
-          <a:p>
-            <a:pPr marL="457200" lvl="1" indent="0">
-              <a:buNone/>
-            </a:pPr>
-            <a:r>
-              <a:rPr lang="en-US" dirty="0">
-                <a:latin typeface="Courier New" panose="02070309020205020404" pitchFamily="49" charset="0"/>
-                <a:cs typeface="Courier New" panose="02070309020205020404" pitchFamily="49" charset="0"/>
-              </a:rPr>
-              <a:t>  ...</a:t>
-            </a:r>
-          </a:p>
-          <a:p>
-            <a:pPr marL="457200" lvl="1" indent="0">
-              <a:buNone/>
-            </a:pPr>
-            <a:r>
-              <a:rPr lang="en-US" dirty="0">
-                <a:latin typeface="Courier New" panose="02070309020205020404" pitchFamily="49" charset="0"/>
-                <a:cs typeface="Courier New" panose="02070309020205020404" pitchFamily="49" charset="0"/>
-              </a:rPr>
-              <a:t>  </a:t>
-            </a:r>
-            <a:r>
-              <a:rPr lang="en-US" dirty="0">
-                <a:solidFill>
-                  <a:srgbClr val="7030A0"/>
-                </a:solidFill>
-                <a:latin typeface="Courier New" panose="02070309020205020404" pitchFamily="49" charset="0"/>
-                <a:cs typeface="Courier New" panose="02070309020205020404" pitchFamily="49" charset="0"/>
-              </a:rPr>
-              <a:t>call </a:t>
-            </a:r>
-            <a:r>
-              <a:rPr lang="en-US" dirty="0">
-                <a:latin typeface="Courier New" panose="02070309020205020404" pitchFamily="49" charset="0"/>
-                <a:cs typeface="Courier New" panose="02070309020205020404" pitchFamily="49" charset="0"/>
-              </a:rPr>
-              <a:t>foo</a:t>
-            </a:r>
-          </a:p>
-          <a:p>
-            <a:pPr marL="457200" lvl="1" indent="0">
-              <a:buNone/>
-            </a:pPr>
-            <a:r>
-              <a:rPr lang="en-US" dirty="0">
-                <a:latin typeface="Courier New" panose="02070309020205020404" pitchFamily="49" charset="0"/>
-                <a:cs typeface="Courier New" panose="02070309020205020404" pitchFamily="49" charset="0"/>
-              </a:rPr>
-              <a:t>  ...</a:t>
-            </a:r>
-          </a:p>
-          <a:p>
-            <a:pPr marL="457200" lvl="1" indent="0">
-              <a:buNone/>
-            </a:pPr>
-            <a:r>
-              <a:rPr lang="en-US" dirty="0">
-                <a:latin typeface="Courier New" panose="02070309020205020404" pitchFamily="49" charset="0"/>
-                <a:cs typeface="Courier New" panose="02070309020205020404" pitchFamily="49" charset="0"/>
-              </a:rPr>
-              <a:t>  </a:t>
-            </a:r>
-            <a:r>
-              <a:rPr lang="en-US" dirty="0">
-                <a:solidFill>
-                  <a:srgbClr val="7030A0"/>
-                </a:solidFill>
-                <a:latin typeface="Courier New" panose="02070309020205020404" pitchFamily="49" charset="0"/>
-                <a:cs typeface="Courier New" panose="02070309020205020404" pitchFamily="49" charset="0"/>
-              </a:rPr>
-              <a:t>.section .</a:t>
-            </a:r>
-            <a:r>
-              <a:rPr lang="en-US" dirty="0" err="1">
-                <a:solidFill>
-                  <a:srgbClr val="7030A0"/>
-                </a:solidFill>
-                <a:latin typeface="Courier New" panose="02070309020205020404" pitchFamily="49" charset="0"/>
-                <a:cs typeface="Courier New" panose="02070309020205020404" pitchFamily="49" charset="0"/>
-              </a:rPr>
-              <a:t>plt</a:t>
-            </a:r>
-            <a:endParaRPr lang="en-US" dirty="0">
-              <a:solidFill>
-                <a:srgbClr val="7030A0"/>
-              </a:solidFill>
-              <a:latin typeface="Courier New" panose="02070309020205020404" pitchFamily="49" charset="0"/>
-              <a:cs typeface="Courier New" panose="02070309020205020404" pitchFamily="49" charset="0"/>
-            </a:endParaRPr>
-          </a:p>
-          <a:p>
-            <a:pPr marL="457200" lvl="1" indent="0">
-              <a:buNone/>
-            </a:pPr>
-            <a:r>
-              <a:rPr lang="en-US" dirty="0">
-                <a:latin typeface="Courier New" panose="02070309020205020404" pitchFamily="49" charset="0"/>
-                <a:cs typeface="Courier New" panose="02070309020205020404" pitchFamily="49" charset="0"/>
-              </a:rPr>
-              <a:t>foo</a:t>
-            </a:r>
-            <a:r>
-              <a:rPr lang="en-US" dirty="0">
-                <a:solidFill>
-                  <a:schemeClr val="accent5"/>
-                </a:solidFill>
-                <a:latin typeface="Courier New" panose="02070309020205020404" pitchFamily="49" charset="0"/>
-                <a:cs typeface="Courier New" panose="02070309020205020404" pitchFamily="49" charset="0"/>
-              </a:rPr>
-              <a:t>:</a:t>
-            </a:r>
-            <a:r>
-              <a:rPr lang="en-US" dirty="0">
-                <a:latin typeface="Courier New" panose="02070309020205020404" pitchFamily="49" charset="0"/>
-                <a:cs typeface="Courier New" panose="02070309020205020404" pitchFamily="49" charset="0"/>
-              </a:rPr>
-              <a:t>   # PLT</a:t>
-            </a:r>
-            <a:r>
-              <a:rPr lang="ru-RU" dirty="0">
-                <a:latin typeface="Courier New" panose="02070309020205020404" pitchFamily="49" charset="0"/>
-                <a:cs typeface="Courier New" panose="02070309020205020404" pitchFamily="49" charset="0"/>
-              </a:rPr>
-              <a:t> </a:t>
-            </a:r>
-            <a:r>
-              <a:rPr lang="en-US" dirty="0">
-                <a:latin typeface="Courier New" panose="02070309020205020404" pitchFamily="49" charset="0"/>
-                <a:cs typeface="Courier New" panose="02070309020205020404" pitchFamily="49" charset="0"/>
-              </a:rPr>
-              <a:t>stub pseudocode</a:t>
-            </a:r>
-          </a:p>
-          <a:p>
-            <a:pPr marL="457200" lvl="1" indent="0">
-              <a:buNone/>
-            </a:pPr>
-            <a:r>
-              <a:rPr lang="en-US" dirty="0">
-                <a:latin typeface="Courier New" panose="02070309020205020404" pitchFamily="49" charset="0"/>
-                <a:cs typeface="Courier New" panose="02070309020205020404" pitchFamily="49" charset="0"/>
-              </a:rPr>
-              <a:t>  </a:t>
-            </a:r>
-            <a:r>
-              <a:rPr lang="en-US" dirty="0">
-                <a:solidFill>
-                  <a:srgbClr val="7030A0"/>
-                </a:solidFill>
-                <a:latin typeface="Courier New" panose="02070309020205020404" pitchFamily="49" charset="0"/>
-                <a:cs typeface="Courier New" panose="02070309020205020404" pitchFamily="49" charset="0"/>
-              </a:rPr>
-              <a:t>if </a:t>
-            </a:r>
-            <a:r>
-              <a:rPr lang="en-US" dirty="0">
-                <a:solidFill>
-                  <a:schemeClr val="accent5"/>
-                </a:solidFill>
-                <a:latin typeface="Courier New" panose="02070309020205020404" pitchFamily="49" charset="0"/>
-                <a:cs typeface="Courier New" panose="02070309020205020404" pitchFamily="49" charset="0"/>
-              </a:rPr>
-              <a:t>(</a:t>
-            </a:r>
-            <a:r>
-              <a:rPr lang="en-US" dirty="0">
-                <a:latin typeface="Courier New" panose="02070309020205020404" pitchFamily="49" charset="0"/>
-                <a:cs typeface="Courier New" panose="02070309020205020404" pitchFamily="49" charset="0"/>
-              </a:rPr>
-              <a:t>first call</a:t>
-            </a:r>
-            <a:r>
-              <a:rPr lang="en-US" dirty="0">
-                <a:solidFill>
-                  <a:schemeClr val="accent5"/>
-                </a:solidFill>
-                <a:latin typeface="Courier New" panose="02070309020205020404" pitchFamily="49" charset="0"/>
-                <a:cs typeface="Courier New" panose="02070309020205020404" pitchFamily="49" charset="0"/>
-              </a:rPr>
-              <a:t>)</a:t>
-            </a:r>
-          </a:p>
-          <a:p>
-            <a:pPr marL="457200" lvl="1" indent="0">
-              <a:buNone/>
-            </a:pPr>
-            <a:r>
-              <a:rPr lang="en-US" dirty="0">
-                <a:latin typeface="Courier New" panose="02070309020205020404" pitchFamily="49" charset="0"/>
-                <a:cs typeface="Courier New" panose="02070309020205020404" pitchFamily="49" charset="0"/>
-              </a:rPr>
-              <a:t>    </a:t>
-            </a:r>
-            <a:r>
-              <a:rPr lang="en-US" dirty="0">
-                <a:solidFill>
-                  <a:schemeClr val="accent2"/>
-                </a:solidFill>
-                <a:latin typeface="Courier New" panose="02070309020205020404" pitchFamily="49" charset="0"/>
-                <a:cs typeface="Courier New" panose="02070309020205020404" pitchFamily="49" charset="0"/>
-              </a:rPr>
-              <a:t>GOT</a:t>
-            </a:r>
-            <a:r>
-              <a:rPr lang="en-US" dirty="0">
-                <a:solidFill>
-                  <a:schemeClr val="accent5"/>
-                </a:solidFill>
-                <a:latin typeface="Courier New" panose="02070309020205020404" pitchFamily="49" charset="0"/>
-                <a:cs typeface="Courier New" panose="02070309020205020404" pitchFamily="49" charset="0"/>
-              </a:rPr>
-              <a:t>[</a:t>
-            </a:r>
-            <a:r>
-              <a:rPr lang="en-US" dirty="0">
-                <a:latin typeface="Courier New" panose="02070309020205020404" pitchFamily="49" charset="0"/>
-                <a:cs typeface="Courier New" panose="02070309020205020404" pitchFamily="49" charset="0"/>
-              </a:rPr>
-              <a:t>foo</a:t>
-            </a:r>
-            <a:r>
-              <a:rPr lang="en-US" dirty="0">
-                <a:solidFill>
-                  <a:schemeClr val="accent5"/>
-                </a:solidFill>
-                <a:latin typeface="Courier New" panose="02070309020205020404" pitchFamily="49" charset="0"/>
-                <a:cs typeface="Courier New" panose="02070309020205020404" pitchFamily="49" charset="0"/>
-              </a:rPr>
-              <a:t>]</a:t>
-            </a:r>
-            <a:r>
-              <a:rPr lang="en-US" dirty="0">
-                <a:latin typeface="Courier New" panose="02070309020205020404" pitchFamily="49" charset="0"/>
-                <a:cs typeface="Courier New" panose="02070309020205020404" pitchFamily="49" charset="0"/>
-              </a:rPr>
-              <a:t> </a:t>
-            </a:r>
-            <a:r>
-              <a:rPr lang="en-US" dirty="0">
-                <a:solidFill>
-                  <a:schemeClr val="accent5"/>
-                </a:solidFill>
-                <a:latin typeface="Courier New" panose="02070309020205020404" pitchFamily="49" charset="0"/>
-                <a:cs typeface="Courier New" panose="02070309020205020404" pitchFamily="49" charset="0"/>
-              </a:rPr>
-              <a:t>=</a:t>
-            </a:r>
-            <a:r>
-              <a:rPr lang="en-US" dirty="0">
-                <a:latin typeface="Courier New" panose="02070309020205020404" pitchFamily="49" charset="0"/>
-                <a:cs typeface="Courier New" panose="02070309020205020404" pitchFamily="49" charset="0"/>
-              </a:rPr>
-              <a:t> resolve address of foo</a:t>
-            </a:r>
-          </a:p>
-          <a:p>
-            <a:pPr marL="457200" lvl="1" indent="0">
-              <a:buNone/>
-            </a:pPr>
-            <a:r>
-              <a:rPr lang="en-US" dirty="0">
-                <a:latin typeface="Courier New" panose="02070309020205020404" pitchFamily="49" charset="0"/>
-                <a:cs typeface="Courier New" panose="02070309020205020404" pitchFamily="49" charset="0"/>
-              </a:rPr>
-              <a:t>  </a:t>
-            </a:r>
-            <a:r>
-              <a:rPr lang="en-US" dirty="0">
-                <a:solidFill>
-                  <a:srgbClr val="7030A0"/>
-                </a:solidFill>
-                <a:latin typeface="Courier New" panose="02070309020205020404" pitchFamily="49" charset="0"/>
-                <a:cs typeface="Courier New" panose="02070309020205020404" pitchFamily="49" charset="0"/>
-              </a:rPr>
-              <a:t>call </a:t>
-            </a:r>
-            <a:r>
-              <a:rPr lang="en-US" dirty="0">
-                <a:solidFill>
-                  <a:schemeClr val="accent2"/>
-                </a:solidFill>
-                <a:latin typeface="Courier New" panose="02070309020205020404" pitchFamily="49" charset="0"/>
-                <a:cs typeface="Courier New" panose="02070309020205020404" pitchFamily="49" charset="0"/>
-              </a:rPr>
-              <a:t>GOT</a:t>
-            </a:r>
-            <a:r>
-              <a:rPr lang="en-US" dirty="0">
-                <a:solidFill>
-                  <a:schemeClr val="accent5"/>
-                </a:solidFill>
-                <a:latin typeface="Courier New" panose="02070309020205020404" pitchFamily="49" charset="0"/>
-                <a:cs typeface="Courier New" panose="02070309020205020404" pitchFamily="49" charset="0"/>
-              </a:rPr>
-              <a:t>[</a:t>
-            </a:r>
-            <a:r>
-              <a:rPr lang="en-US" dirty="0">
-                <a:latin typeface="Courier New" panose="02070309020205020404" pitchFamily="49" charset="0"/>
-                <a:cs typeface="Courier New" panose="02070309020205020404" pitchFamily="49" charset="0"/>
-              </a:rPr>
-              <a:t>foo</a:t>
-            </a:r>
-            <a:r>
-              <a:rPr lang="en-US" dirty="0">
-                <a:solidFill>
-                  <a:schemeClr val="accent5"/>
-                </a:solidFill>
-                <a:latin typeface="Courier New" panose="02070309020205020404" pitchFamily="49" charset="0"/>
-                <a:cs typeface="Courier New" panose="02070309020205020404" pitchFamily="49" charset="0"/>
-              </a:rPr>
-              <a:t>]</a:t>
-            </a:r>
+          <a:bodyPr/>
+          <a:lstStyle/>
+          <a:p>
+            <a:endParaRPr lang="en-US"/>
           </a:p>
         </p:txBody>
       </p:sp>
     </p:spTree>
     <p:extLst>
       <p:ext uri="{BB962C8B-B14F-4D97-AF65-F5344CB8AC3E}">
-        <p14:creationId xmlns:p14="http://schemas.microsoft.com/office/powerpoint/2010/main" val="708043716"/>
+        <p14:creationId xmlns:p14="http://schemas.microsoft.com/office/powerpoint/2010/main" val="2875779329"/>
       </p:ext>
     </p:extLst>
   </p:cSld>
@@ -25021,7 +24960,7 @@
           <p:cNvPr id="2" name="Title 1">
             <a:extLst>
               <a:ext uri="{FF2B5EF4-FFF2-40B4-BE49-F238E27FC236}">
-                <a16:creationId xmlns:a16="http://schemas.microsoft.com/office/drawing/2014/main" id="{F6EF644F-F050-4188-B7DE-D558EED4F914}"/>
+                <a16:creationId xmlns:a16="http://schemas.microsoft.com/office/drawing/2014/main" id="{0A95A14D-8CF8-471B-AF3D-26999D8951D8}"/>
               </a:ext>
             </a:extLst>
           </p:cNvPr>
@@ -25039,41 +24978,98 @@
           <a:p>
             <a:r>
               <a:rPr lang="ru-RU" dirty="0"/>
-              <a:t>Ускорение работы динамических библиотек</a:t>
+              <a:t>Накладные расходы</a:t>
+            </a:r>
+            <a:r>
+              <a:rPr lang="en-US" dirty="0"/>
+              <a:t> </a:t>
+            </a:r>
+            <a:r>
+              <a:rPr lang="ru-RU" dirty="0"/>
+              <a:t>при использовании </a:t>
+            </a:r>
+            <a:r>
+              <a:rPr lang="en-US" dirty="0"/>
+              <a:t>DLL</a:t>
+            </a:r>
+          </a:p>
+        </p:txBody>
+      </p:sp>
+      <p:sp>
+        <p:nvSpPr>
+          <p:cNvPr id="3" name="Content Placeholder 2">
+            <a:extLst>
+              <a:ext uri="{FF2B5EF4-FFF2-40B4-BE49-F238E27FC236}">
+                <a16:creationId xmlns:a16="http://schemas.microsoft.com/office/drawing/2014/main" id="{5B49B649-A403-4066-8731-42F55BC6F396}"/>
+              </a:ext>
+            </a:extLst>
+          </p:cNvPr>
+          <p:cNvSpPr>
+            <a:spLocks noGrp="1"/>
+          </p:cNvSpPr>
+          <p:nvPr>
+            <p:ph idx="1"/>
+          </p:nvPr>
+        </p:nvSpPr>
+        <p:spPr/>
+        <p:txBody>
+          <a:bodyPr/>
+          <a:lstStyle/>
+          <a:p>
+            <a:r>
+              <a:rPr lang="ru-RU" dirty="0"/>
+              <a:t>Загрузка</a:t>
+            </a:r>
+            <a:r>
+              <a:rPr lang="en-US" dirty="0"/>
+              <a:t> </a:t>
+            </a:r>
+            <a:r>
+              <a:rPr lang="ru-RU" dirty="0"/>
+              <a:t>библиотеки</a:t>
             </a:r>
             <a:endParaRPr lang="en-US" dirty="0"/>
           </a:p>
-        </p:txBody>
-      </p:sp>
-      <p:sp>
-        <p:nvSpPr>
-          <p:cNvPr id="3" name="Text Placeholder 2">
-            <a:extLst>
-              <a:ext uri="{FF2B5EF4-FFF2-40B4-BE49-F238E27FC236}">
-                <a16:creationId xmlns:a16="http://schemas.microsoft.com/office/drawing/2014/main" id="{251B3974-2F77-445B-9ABE-2E91F2DEE466}"/>
-              </a:ext>
-            </a:extLst>
-          </p:cNvPr>
-          <p:cNvSpPr>
-            <a:spLocks noGrp="1"/>
-          </p:cNvSpPr>
-          <p:nvPr>
-            <p:ph type="body" idx="1"/>
-          </p:nvPr>
-        </p:nvSpPr>
-        <p:spPr/>
-        <p:txBody>
-          <a:bodyPr/>
-          <a:lstStyle/>
-          <a:p>
-            <a:endParaRPr lang="en-US"/>
+          <a:p>
+            <a:pPr lvl="1"/>
+            <a:r>
+              <a:rPr lang="ru-RU" dirty="0"/>
+              <a:t>Релокация</a:t>
+            </a:r>
+            <a:endParaRPr lang="en-US" dirty="0"/>
+          </a:p>
+          <a:p>
+            <a:pPr lvl="1"/>
+            <a:r>
+              <a:rPr lang="ru-RU" dirty="0"/>
+              <a:t>Разрешение и связывание символов</a:t>
+            </a:r>
+            <a:endParaRPr lang="en-US" dirty="0"/>
+          </a:p>
+          <a:p>
+            <a:r>
+              <a:rPr lang="ru-RU" dirty="0"/>
+              <a:t>Работа с библиотекой</a:t>
+            </a:r>
+            <a:endParaRPr lang="en-US" dirty="0"/>
+          </a:p>
+          <a:p>
+            <a:pPr lvl="1"/>
+            <a:r>
+              <a:rPr lang="ru-RU" dirty="0"/>
+              <a:t>Косвенные вызовы функций (</a:t>
+            </a:r>
+            <a:r>
+              <a:rPr lang="en-US" dirty="0"/>
+              <a:t>indirect calls)</a:t>
+            </a:r>
           </a:p>
         </p:txBody>
       </p:sp>
     </p:spTree>
     <p:extLst>
       <p:ext uri="{BB962C8B-B14F-4D97-AF65-F5344CB8AC3E}">
-        <p14:creationId xmlns:p14="http://schemas.microsoft.com/office/powerpoint/2010/main" val="2875779329"/>
+        <p14:creationId xmlns:p14="http://schemas.microsoft.com/office/powerpoint/2010/main" val="713884318"/>
       </p:ext>
     </p:extLst>
   </p:cSld>
@@ -25162,18 +25158,18 @@
           <a:lstStyle/>
           <a:p>
             <a:r>
-              <a:rPr lang="ru-RU" dirty="0"/>
+              <a:rPr lang="ru-RU" b="1" dirty="0"/>
               <a:t>Загрузка</a:t>
             </a:r>
             <a:r>
-              <a:rPr lang="en-US" dirty="0"/>
+              <a:rPr lang="en-US" b="1" dirty="0"/>
               <a:t> </a:t>
             </a:r>
             <a:r>
-              <a:rPr lang="ru-RU" dirty="0"/>
+              <a:rPr lang="ru-RU" b="1" dirty="0"/>
               <a:t>библиотеки</a:t>
             </a:r>
-            <a:endParaRPr lang="en-US" dirty="0"/>
+            <a:endParaRPr lang="en-US" b="1" dirty="0"/>
           </a:p>
           <a:p>
             <a:pPr lvl="1"/>
@@ -25214,7 +25210,7 @@
     </p:spTree>
     <p:extLst>
       <p:ext uri="{BB962C8B-B14F-4D97-AF65-F5344CB8AC3E}">
-        <p14:creationId xmlns:p14="http://schemas.microsoft.com/office/powerpoint/2010/main" val="713884318"/>
+        <p14:creationId xmlns:p14="http://schemas.microsoft.com/office/powerpoint/2010/main" val="3456458615"/>
       </p:ext>
     </p:extLst>
   </p:cSld>
@@ -25246,147 +25242,6 @@
           <p:cNvPr id="2" name="Title 1">
             <a:extLst>
               <a:ext uri="{FF2B5EF4-FFF2-40B4-BE49-F238E27FC236}">
-                <a16:creationId xmlns:a16="http://schemas.microsoft.com/office/drawing/2014/main" id="{0A95A14D-8CF8-471B-AF3D-26999D8951D8}"/>
-              </a:ext>
-            </a:extLst>
-          </p:cNvPr>
-          <p:cNvSpPr>
-            <a:spLocks noGrp="1"/>
-          </p:cNvSpPr>
-          <p:nvPr>
-            <p:ph type="title"/>
-          </p:nvPr>
-        </p:nvSpPr>
-        <p:spPr/>
-        <p:txBody>
-          <a:bodyPr/>
-          <a:lstStyle/>
-          <a:p>
-            <a:r>
-              <a:rPr lang="ru-RU" dirty="0"/>
-              <a:t>Накладные расходы</a:t>
-            </a:r>
-            <a:r>
-              <a:rPr lang="en-US" dirty="0"/>
-              <a:t> </a:t>
-            </a:r>
-            <a:r>
-              <a:rPr lang="ru-RU" dirty="0"/>
-              <a:t>при использовании </a:t>
-            </a:r>
-            <a:r>
-              <a:rPr lang="en-US" dirty="0"/>
-              <a:t>DLL</a:t>
-            </a:r>
-          </a:p>
-        </p:txBody>
-      </p:sp>
-      <p:sp>
-        <p:nvSpPr>
-          <p:cNvPr id="3" name="Content Placeholder 2">
-            <a:extLst>
-              <a:ext uri="{FF2B5EF4-FFF2-40B4-BE49-F238E27FC236}">
-                <a16:creationId xmlns:a16="http://schemas.microsoft.com/office/drawing/2014/main" id="{5B49B649-A403-4066-8731-42F55BC6F396}"/>
-              </a:ext>
-            </a:extLst>
-          </p:cNvPr>
-          <p:cNvSpPr>
-            <a:spLocks noGrp="1"/>
-          </p:cNvSpPr>
-          <p:nvPr>
-            <p:ph idx="1"/>
-          </p:nvPr>
-        </p:nvSpPr>
-        <p:spPr/>
-        <p:txBody>
-          <a:bodyPr/>
-          <a:lstStyle/>
-          <a:p>
-            <a:r>
-              <a:rPr lang="ru-RU" b="1" dirty="0"/>
-              <a:t>Загрузка</a:t>
-            </a:r>
-            <a:r>
-              <a:rPr lang="en-US" b="1" dirty="0"/>
-              <a:t> </a:t>
-            </a:r>
-            <a:r>
-              <a:rPr lang="ru-RU" b="1" dirty="0"/>
-              <a:t>библиотеки</a:t>
-            </a:r>
-            <a:endParaRPr lang="en-US" b="1" dirty="0"/>
-          </a:p>
-          <a:p>
-            <a:pPr lvl="1"/>
-            <a:r>
-              <a:rPr lang="ru-RU" dirty="0"/>
-              <a:t>Релокация</a:t>
-            </a:r>
-            <a:endParaRPr lang="en-US" dirty="0"/>
-          </a:p>
-          <a:p>
-            <a:pPr lvl="1"/>
-            <a:r>
-              <a:rPr lang="ru-RU" dirty="0"/>
-              <a:t>Разрешение и связывание символов</a:t>
-            </a:r>
-            <a:endParaRPr lang="en-US" dirty="0"/>
-          </a:p>
-          <a:p>
-            <a:r>
-              <a:rPr lang="ru-RU" dirty="0"/>
-              <a:t>Работа с библиотекой</a:t>
-            </a:r>
-            <a:endParaRPr lang="en-US" dirty="0"/>
-          </a:p>
-          <a:p>
-            <a:pPr lvl="1"/>
-            <a:r>
-              <a:rPr lang="ru-RU" dirty="0"/>
-              <a:t>Косвенные вызовы функций (</a:t>
-            </a:r>
-            <a:r>
-              <a:rPr lang="en-US" dirty="0"/>
-              <a:t>indirect calls)</a:t>
-            </a:r>
-          </a:p>
-        </p:txBody>
-      </p:sp>
-    </p:spTree>
-    <p:extLst>
-      <p:ext uri="{BB962C8B-B14F-4D97-AF65-F5344CB8AC3E}">
-        <p14:creationId xmlns:p14="http://schemas.microsoft.com/office/powerpoint/2010/main" val="3456458615"/>
-      </p:ext>
-    </p:extLst>
-  </p:cSld>
-  <p:clrMapOvr>
-    <a:masterClrMapping/>
-  </p:clrMapOvr>
-</p:sld>
-</file>
-
-<file path=ppt/slides/slide47.xml><?xml version="1.0" encoding="utf-8"?>
-<p:sld xmlns:a="http://schemas.openxmlformats.org/drawingml/2006/main" xmlns:r="http://schemas.openxmlformats.org/officeDocument/2006/relationships" xmlns:p="http://schemas.openxmlformats.org/presentationml/2006/main">
-  <p:cSld>
-    <p:spTree>
-      <p:nvGrpSpPr>
-        <p:cNvPr id="1" name=""/>
-        <p:cNvGrpSpPr/>
-        <p:nvPr/>
-      </p:nvGrpSpPr>
-      <p:grpSpPr>
-        <a:xfrm>
-          <a:off x="0" y="0"/>
-          <a:ext cx="0" cy="0"/>
-          <a:chOff x="0" y="0"/>
-          <a:chExt cx="0" cy="0"/>
-        </a:xfrm>
-      </p:grpSpPr>
-      <p:sp>
-        <p:nvSpPr>
-          <p:cNvPr id="2" name="Title 1">
-            <a:extLst>
-              <a:ext uri="{FF2B5EF4-FFF2-40B4-BE49-F238E27FC236}">
                 <a16:creationId xmlns:a16="http://schemas.microsoft.com/office/drawing/2014/main" id="{8E0E9818-C119-4C4F-A02D-FD8FDD74BB07}"/>
               </a:ext>
             </a:extLst>
@@ -25508,7 +25363,7 @@
 </p:sld>
 </file>
 
-<file path=ppt/slides/slide48.xml><?xml version="1.0" encoding="utf-8"?>
+<file path=ppt/slides/slide47.xml><?xml version="1.0" encoding="utf-8"?>
 <p:sld xmlns:a="http://schemas.openxmlformats.org/drawingml/2006/main" xmlns:r="http://schemas.openxmlformats.org/officeDocument/2006/relationships" xmlns:p="http://schemas.openxmlformats.org/presentationml/2006/main">
   <p:cSld>
     <p:spTree>
@@ -25757,6 +25612,753 @@
 </p:sld>
 </file>
 
+<file path=ppt/slides/slide48.xml><?xml version="1.0" encoding="utf-8"?>
+<p:sld xmlns:a="http://schemas.openxmlformats.org/drawingml/2006/main" xmlns:r="http://schemas.openxmlformats.org/officeDocument/2006/relationships" xmlns:p="http://schemas.openxmlformats.org/presentationml/2006/main">
+  <p:cSld>
+    <p:spTree>
+      <p:nvGrpSpPr>
+        <p:cNvPr id="1" name=""/>
+        <p:cNvGrpSpPr/>
+        <p:nvPr/>
+      </p:nvGrpSpPr>
+      <p:grpSpPr>
+        <a:xfrm>
+          <a:off x="0" y="0"/>
+          <a:ext cx="0" cy="0"/>
+          <a:chOff x="0" y="0"/>
+          <a:chExt cx="0" cy="0"/>
+        </a:xfrm>
+      </p:grpSpPr>
+      <p:sp>
+        <p:nvSpPr>
+          <p:cNvPr id="2" name="Title 1">
+            <a:extLst>
+              <a:ext uri="{FF2B5EF4-FFF2-40B4-BE49-F238E27FC236}">
+                <a16:creationId xmlns:a16="http://schemas.microsoft.com/office/drawing/2014/main" id="{C950FB13-62AB-4FE7-A1E1-3579C5B2DC9E}"/>
+              </a:ext>
+            </a:extLst>
+          </p:cNvPr>
+          <p:cNvSpPr>
+            <a:spLocks noGrp="1"/>
+          </p:cNvSpPr>
+          <p:nvPr>
+            <p:ph type="title"/>
+          </p:nvPr>
+        </p:nvSpPr>
+        <p:spPr/>
+        <p:txBody>
+          <a:bodyPr/>
+          <a:lstStyle/>
+          <a:p>
+            <a:r>
+              <a:rPr lang="en-US" dirty="0"/>
+              <a:t>Implib.so</a:t>
+            </a:r>
+          </a:p>
+        </p:txBody>
+      </p:sp>
+      <p:sp>
+        <p:nvSpPr>
+          <p:cNvPr id="3" name="Content Placeholder 2">
+            <a:extLst>
+              <a:ext uri="{FF2B5EF4-FFF2-40B4-BE49-F238E27FC236}">
+                <a16:creationId xmlns:a16="http://schemas.microsoft.com/office/drawing/2014/main" id="{B528BA41-1C17-4678-8E95-464AFB383BDC}"/>
+              </a:ext>
+            </a:extLst>
+          </p:cNvPr>
+          <p:cNvSpPr>
+            <a:spLocks noGrp="1"/>
+          </p:cNvSpPr>
+          <p:nvPr>
+            <p:ph idx="1"/>
+          </p:nvPr>
+        </p:nvSpPr>
+        <p:spPr>
+          <a:xfrm>
+            <a:off x="762000" y="1597025"/>
+            <a:ext cx="10831286" cy="4895850"/>
+          </a:xfrm>
+        </p:spPr>
+        <p:txBody>
+          <a:bodyPr>
+            <a:normAutofit fontScale="85000" lnSpcReduction="20000"/>
+          </a:bodyPr>
+          <a:lstStyle/>
+          <a:p>
+            <a:r>
+              <a:rPr lang="ru-RU" dirty="0"/>
+              <a:t>Реализует отложенную загрузку в </a:t>
+            </a:r>
+            <a:r>
+              <a:rPr lang="en-US" dirty="0"/>
+              <a:t>POSIX</a:t>
+            </a:r>
+            <a:r>
+              <a:rPr lang="ru-RU" dirty="0"/>
+              <a:t>-систем</a:t>
+            </a:r>
+            <a:endParaRPr lang="en-US" dirty="0"/>
+          </a:p>
+          <a:p>
+            <a:r>
+              <a:rPr lang="ru-RU" dirty="0"/>
+              <a:t>Для заданной </a:t>
+            </a:r>
+            <a:r>
+              <a:rPr lang="en-US" dirty="0"/>
+              <a:t>DLL </a:t>
+            </a:r>
+            <a:r>
+              <a:rPr lang="ru-RU" dirty="0"/>
+              <a:t>генерирует небольшую статическую библиотеку </a:t>
+            </a:r>
+            <a:r>
+              <a:rPr lang="en-US" dirty="0"/>
+              <a:t>c </a:t>
+            </a:r>
+            <a:r>
+              <a:rPr lang="ru-RU" dirty="0"/>
+              <a:t>функциями-заглушками (</a:t>
+            </a:r>
+            <a:r>
+              <a:rPr lang="en-US" dirty="0"/>
+              <a:t>trampolines)</a:t>
+            </a:r>
+          </a:p>
+          <a:p>
+            <a:r>
+              <a:rPr lang="ru-RU" dirty="0"/>
+              <a:t>Вместо </a:t>
+            </a:r>
+            <a:r>
+              <a:rPr lang="en-US" dirty="0"/>
+              <a:t>DLL </a:t>
+            </a:r>
+            <a:r>
+              <a:rPr lang="ru-RU" dirty="0"/>
+              <a:t>программа линкуется с этой статической библиотекой</a:t>
+            </a:r>
+          </a:p>
+          <a:p>
+            <a:r>
+              <a:rPr lang="ru-RU" dirty="0"/>
+              <a:t>Во время работы вызов функции-заглушки приведёт к загрузке библиотеки</a:t>
+            </a:r>
+            <a:r>
+              <a:rPr lang="en-US" dirty="0"/>
+              <a:t> </a:t>
+            </a:r>
+            <a:r>
+              <a:rPr lang="ru-RU" dirty="0"/>
+              <a:t>и передаче управления в неё</a:t>
+            </a:r>
+            <a:r>
+              <a:rPr lang="en-US" dirty="0"/>
+              <a:t>:</a:t>
+            </a:r>
+          </a:p>
+          <a:p>
+            <a:endParaRPr lang="en-US" dirty="0"/>
+          </a:p>
+          <a:p>
+            <a:pPr marL="457200" lvl="1" indent="0">
+              <a:buNone/>
+            </a:pPr>
+            <a:r>
+              <a:rPr lang="en-US" dirty="0">
+                <a:solidFill>
+                  <a:srgbClr val="7030A0"/>
+                </a:solidFill>
+                <a:latin typeface="Courier New" panose="02070309020205020404" pitchFamily="49" charset="0"/>
+                <a:cs typeface="Courier New" panose="02070309020205020404" pitchFamily="49" charset="0"/>
+              </a:rPr>
+              <a:t>int </a:t>
+            </a:r>
+            <a:r>
+              <a:rPr lang="en-US" dirty="0">
+                <a:solidFill>
+                  <a:schemeClr val="accent2"/>
+                </a:solidFill>
+                <a:latin typeface="Courier New" panose="02070309020205020404" pitchFamily="49" charset="0"/>
+                <a:cs typeface="Courier New" panose="02070309020205020404" pitchFamily="49" charset="0"/>
+              </a:rPr>
+              <a:t>foo</a:t>
+            </a:r>
+            <a:r>
+              <a:rPr lang="en-US" dirty="0">
+                <a:solidFill>
+                  <a:schemeClr val="accent5"/>
+                </a:solidFill>
+                <a:latin typeface="Courier New" panose="02070309020205020404" pitchFamily="49" charset="0"/>
+                <a:cs typeface="Courier New" panose="02070309020205020404" pitchFamily="49" charset="0"/>
+              </a:rPr>
+              <a:t>(</a:t>
+            </a:r>
+            <a:r>
+              <a:rPr lang="en-US" dirty="0">
+                <a:solidFill>
+                  <a:schemeClr val="accent6">
+                    <a:lumMod val="75000"/>
+                  </a:schemeClr>
+                </a:solidFill>
+                <a:latin typeface="Courier New" panose="02070309020205020404" pitchFamily="49" charset="0"/>
+                <a:cs typeface="Courier New" panose="02070309020205020404" pitchFamily="49" charset="0"/>
+              </a:rPr>
+              <a:t>type1 </a:t>
+            </a:r>
+            <a:r>
+              <a:rPr lang="en-US" dirty="0">
+                <a:solidFill>
+                  <a:schemeClr val="accent2"/>
+                </a:solidFill>
+                <a:latin typeface="Courier New" panose="02070309020205020404" pitchFamily="49" charset="0"/>
+                <a:cs typeface="Courier New" panose="02070309020205020404" pitchFamily="49" charset="0"/>
+              </a:rPr>
+              <a:t>arg1</a:t>
+            </a:r>
+            <a:r>
+              <a:rPr lang="en-US" dirty="0">
+                <a:solidFill>
+                  <a:schemeClr val="accent5"/>
+                </a:solidFill>
+                <a:latin typeface="Courier New" panose="02070309020205020404" pitchFamily="49" charset="0"/>
+                <a:cs typeface="Courier New" panose="02070309020205020404" pitchFamily="49" charset="0"/>
+              </a:rPr>
+              <a:t>,</a:t>
+            </a:r>
+            <a:r>
+              <a:rPr lang="en-US" dirty="0">
+                <a:latin typeface="Courier New" panose="02070309020205020404" pitchFamily="49" charset="0"/>
+                <a:cs typeface="Courier New" panose="02070309020205020404" pitchFamily="49" charset="0"/>
+              </a:rPr>
+              <a:t> </a:t>
+            </a:r>
+            <a:r>
+              <a:rPr lang="en-US" dirty="0">
+                <a:solidFill>
+                  <a:schemeClr val="accent6">
+                    <a:lumMod val="75000"/>
+                  </a:schemeClr>
+                </a:solidFill>
+                <a:latin typeface="Courier New" panose="02070309020205020404" pitchFamily="49" charset="0"/>
+                <a:cs typeface="Courier New" panose="02070309020205020404" pitchFamily="49" charset="0"/>
+              </a:rPr>
+              <a:t>type2 </a:t>
+            </a:r>
+            <a:r>
+              <a:rPr lang="en-US" dirty="0">
+                <a:solidFill>
+                  <a:schemeClr val="accent2"/>
+                </a:solidFill>
+                <a:latin typeface="Courier New" panose="02070309020205020404" pitchFamily="49" charset="0"/>
+                <a:cs typeface="Courier New" panose="02070309020205020404" pitchFamily="49" charset="0"/>
+              </a:rPr>
+              <a:t>arg2</a:t>
+            </a:r>
+            <a:r>
+              <a:rPr lang="en-US" dirty="0">
+                <a:solidFill>
+                  <a:schemeClr val="accent5"/>
+                </a:solidFill>
+                <a:latin typeface="Courier New" panose="02070309020205020404" pitchFamily="49" charset="0"/>
+                <a:cs typeface="Courier New" panose="02070309020205020404" pitchFamily="49" charset="0"/>
+              </a:rPr>
+              <a:t>, ...)</a:t>
+            </a:r>
+            <a:r>
+              <a:rPr lang="en-US" dirty="0">
+                <a:latin typeface="Courier New" panose="02070309020205020404" pitchFamily="49" charset="0"/>
+                <a:cs typeface="Courier New" panose="02070309020205020404" pitchFamily="49" charset="0"/>
+              </a:rPr>
+              <a:t> </a:t>
+            </a:r>
+            <a:r>
+              <a:rPr lang="en-US" dirty="0">
+                <a:solidFill>
+                  <a:schemeClr val="accent5"/>
+                </a:solidFill>
+                <a:latin typeface="Courier New" panose="02070309020205020404" pitchFamily="49" charset="0"/>
+                <a:cs typeface="Courier New" panose="02070309020205020404" pitchFamily="49" charset="0"/>
+              </a:rPr>
+              <a:t>{</a:t>
+            </a:r>
+            <a:r>
+              <a:rPr lang="en-US" dirty="0">
+                <a:latin typeface="Courier New" panose="02070309020205020404" pitchFamily="49" charset="0"/>
+                <a:cs typeface="Courier New" panose="02070309020205020404" pitchFamily="49" charset="0"/>
+              </a:rPr>
+              <a:t>  # Stub</a:t>
+            </a:r>
+          </a:p>
+          <a:p>
+            <a:pPr marL="457200" lvl="1" indent="0">
+              <a:buNone/>
+            </a:pPr>
+            <a:r>
+              <a:rPr lang="en-US" dirty="0">
+                <a:latin typeface="Courier New" panose="02070309020205020404" pitchFamily="49" charset="0"/>
+                <a:cs typeface="Courier New" panose="02070309020205020404" pitchFamily="49" charset="0"/>
+              </a:rPr>
+              <a:t>  </a:t>
+            </a:r>
+            <a:r>
+              <a:rPr lang="en-US" dirty="0">
+                <a:solidFill>
+                  <a:srgbClr val="7030A0"/>
+                </a:solidFill>
+                <a:latin typeface="Courier New" panose="02070309020205020404" pitchFamily="49" charset="0"/>
+                <a:cs typeface="Courier New" panose="02070309020205020404" pitchFamily="49" charset="0"/>
+              </a:rPr>
+              <a:t>static void </a:t>
+            </a:r>
+            <a:r>
+              <a:rPr lang="en-US" dirty="0">
+                <a:solidFill>
+                  <a:schemeClr val="accent5"/>
+                </a:solidFill>
+                <a:latin typeface="Courier New" panose="02070309020205020404" pitchFamily="49" charset="0"/>
+                <a:cs typeface="Courier New" panose="02070309020205020404" pitchFamily="49" charset="0"/>
+              </a:rPr>
+              <a:t>*</a:t>
+            </a:r>
+            <a:r>
+              <a:rPr lang="en-US" dirty="0" err="1">
+                <a:solidFill>
+                  <a:schemeClr val="accent2"/>
+                </a:solidFill>
+                <a:latin typeface="Courier New" panose="02070309020205020404" pitchFamily="49" charset="0"/>
+                <a:cs typeface="Courier New" panose="02070309020205020404" pitchFamily="49" charset="0"/>
+              </a:rPr>
+              <a:t>foo_real</a:t>
+            </a:r>
+            <a:r>
+              <a:rPr lang="en-US" dirty="0">
+                <a:latin typeface="Courier New" panose="02070309020205020404" pitchFamily="49" charset="0"/>
+                <a:cs typeface="Courier New" panose="02070309020205020404" pitchFamily="49" charset="0"/>
+              </a:rPr>
+              <a:t> </a:t>
+            </a:r>
+            <a:r>
+              <a:rPr lang="en-US" dirty="0">
+                <a:solidFill>
+                  <a:schemeClr val="accent5"/>
+                </a:solidFill>
+                <a:latin typeface="Courier New" panose="02070309020205020404" pitchFamily="49" charset="0"/>
+                <a:cs typeface="Courier New" panose="02070309020205020404" pitchFamily="49" charset="0"/>
+              </a:rPr>
+              <a:t>= </a:t>
+            </a:r>
+            <a:r>
+              <a:rPr lang="en-US" dirty="0">
+                <a:latin typeface="Courier New" panose="02070309020205020404" pitchFamily="49" charset="0"/>
+                <a:cs typeface="Courier New" panose="02070309020205020404" pitchFamily="49" charset="0"/>
+              </a:rPr>
+              <a:t>NULL</a:t>
+            </a:r>
+            <a:r>
+              <a:rPr lang="en-US" dirty="0">
+                <a:solidFill>
+                  <a:schemeClr val="accent5"/>
+                </a:solidFill>
+                <a:latin typeface="Courier New" panose="02070309020205020404" pitchFamily="49" charset="0"/>
+                <a:cs typeface="Courier New" panose="02070309020205020404" pitchFamily="49" charset="0"/>
+              </a:rPr>
+              <a:t>;</a:t>
+            </a:r>
+          </a:p>
+          <a:p>
+            <a:pPr marL="457200" lvl="1" indent="0">
+              <a:buNone/>
+            </a:pPr>
+            <a:r>
+              <a:rPr lang="en-US" dirty="0">
+                <a:latin typeface="Courier New" panose="02070309020205020404" pitchFamily="49" charset="0"/>
+                <a:cs typeface="Courier New" panose="02070309020205020404" pitchFamily="49" charset="0"/>
+              </a:rPr>
+              <a:t>  </a:t>
+            </a:r>
+            <a:r>
+              <a:rPr lang="en-US" dirty="0">
+                <a:solidFill>
+                  <a:srgbClr val="7030A0"/>
+                </a:solidFill>
+                <a:latin typeface="Courier New" panose="02070309020205020404" pitchFamily="49" charset="0"/>
+                <a:cs typeface="Courier New" panose="02070309020205020404" pitchFamily="49" charset="0"/>
+              </a:rPr>
+              <a:t>if </a:t>
+            </a:r>
+            <a:r>
+              <a:rPr lang="en-US" dirty="0">
+                <a:solidFill>
+                  <a:schemeClr val="accent5"/>
+                </a:solidFill>
+                <a:latin typeface="Courier New" panose="02070309020205020404" pitchFamily="49" charset="0"/>
+                <a:cs typeface="Courier New" panose="02070309020205020404" pitchFamily="49" charset="0"/>
+              </a:rPr>
+              <a:t>(!</a:t>
+            </a:r>
+            <a:r>
+              <a:rPr lang="en-US" dirty="0" err="1">
+                <a:solidFill>
+                  <a:schemeClr val="accent2"/>
+                </a:solidFill>
+                <a:latin typeface="Courier New" panose="02070309020205020404" pitchFamily="49" charset="0"/>
+                <a:cs typeface="Courier New" panose="02070309020205020404" pitchFamily="49" charset="0"/>
+              </a:rPr>
+              <a:t>foo_real</a:t>
+            </a:r>
+            <a:r>
+              <a:rPr lang="en-US" dirty="0">
+                <a:solidFill>
+                  <a:schemeClr val="accent5"/>
+                </a:solidFill>
+                <a:latin typeface="Courier New" panose="02070309020205020404" pitchFamily="49" charset="0"/>
+                <a:cs typeface="Courier New" panose="02070309020205020404" pitchFamily="49" charset="0"/>
+              </a:rPr>
+              <a:t>) {</a:t>
+            </a:r>
+          </a:p>
+          <a:p>
+            <a:pPr marL="457200" lvl="1" indent="0">
+              <a:buNone/>
+            </a:pPr>
+            <a:r>
+              <a:rPr lang="en-US" dirty="0">
+                <a:latin typeface="Courier New" panose="02070309020205020404" pitchFamily="49" charset="0"/>
+                <a:cs typeface="Courier New" panose="02070309020205020404" pitchFamily="49" charset="0"/>
+              </a:rPr>
+              <a:t>    </a:t>
+            </a:r>
+            <a:r>
+              <a:rPr lang="en-US" dirty="0">
+                <a:solidFill>
+                  <a:srgbClr val="7030A0"/>
+                </a:solidFill>
+                <a:latin typeface="Courier New" panose="02070309020205020404" pitchFamily="49" charset="0"/>
+                <a:cs typeface="Courier New" panose="02070309020205020404" pitchFamily="49" charset="0"/>
+              </a:rPr>
+              <a:t>void </a:t>
+            </a:r>
+            <a:r>
+              <a:rPr lang="en-US" dirty="0">
+                <a:solidFill>
+                  <a:schemeClr val="accent5"/>
+                </a:solidFill>
+                <a:latin typeface="Courier New" panose="02070309020205020404" pitchFamily="49" charset="0"/>
+                <a:cs typeface="Courier New" panose="02070309020205020404" pitchFamily="49" charset="0"/>
+              </a:rPr>
+              <a:t>*</a:t>
+            </a:r>
+            <a:r>
+              <a:rPr lang="en-US" dirty="0">
+                <a:solidFill>
+                  <a:schemeClr val="accent2"/>
+                </a:solidFill>
+                <a:latin typeface="Courier New" panose="02070309020205020404" pitchFamily="49" charset="0"/>
+                <a:cs typeface="Courier New" panose="02070309020205020404" pitchFamily="49" charset="0"/>
+              </a:rPr>
+              <a:t>handle</a:t>
+            </a:r>
+            <a:r>
+              <a:rPr lang="en-US" dirty="0">
+                <a:latin typeface="Courier New" panose="02070309020205020404" pitchFamily="49" charset="0"/>
+                <a:cs typeface="Courier New" panose="02070309020205020404" pitchFamily="49" charset="0"/>
+              </a:rPr>
+              <a:t> </a:t>
+            </a:r>
+            <a:r>
+              <a:rPr lang="en-US" dirty="0">
+                <a:solidFill>
+                  <a:schemeClr val="accent5"/>
+                </a:solidFill>
+                <a:latin typeface="Courier New" panose="02070309020205020404" pitchFamily="49" charset="0"/>
+                <a:cs typeface="Courier New" panose="02070309020205020404" pitchFamily="49" charset="0"/>
+              </a:rPr>
+              <a:t>=</a:t>
+            </a:r>
+            <a:r>
+              <a:rPr lang="en-US" dirty="0">
+                <a:latin typeface="Courier New" panose="02070309020205020404" pitchFamily="49" charset="0"/>
+                <a:cs typeface="Courier New" panose="02070309020205020404" pitchFamily="49" charset="0"/>
+              </a:rPr>
+              <a:t> </a:t>
+            </a:r>
+            <a:r>
+              <a:rPr lang="en-US" dirty="0" err="1">
+                <a:latin typeface="Courier New" panose="02070309020205020404" pitchFamily="49" charset="0"/>
+                <a:cs typeface="Courier New" panose="02070309020205020404" pitchFamily="49" charset="0"/>
+              </a:rPr>
+              <a:t>dlopen</a:t>
+            </a:r>
+            <a:r>
+              <a:rPr lang="en-US" dirty="0">
+                <a:solidFill>
+                  <a:schemeClr val="accent5"/>
+                </a:solidFill>
+                <a:latin typeface="Courier New" panose="02070309020205020404" pitchFamily="49" charset="0"/>
+                <a:cs typeface="Courier New" panose="02070309020205020404" pitchFamily="49" charset="0"/>
+              </a:rPr>
+              <a:t>(...);</a:t>
+            </a:r>
+          </a:p>
+          <a:p>
+            <a:pPr marL="457200" lvl="1" indent="0">
+              <a:buNone/>
+            </a:pPr>
+            <a:r>
+              <a:rPr lang="en-US" dirty="0">
+                <a:latin typeface="Courier New" panose="02070309020205020404" pitchFamily="49" charset="0"/>
+                <a:cs typeface="Courier New" panose="02070309020205020404" pitchFamily="49" charset="0"/>
+              </a:rPr>
+              <a:t>    </a:t>
+            </a:r>
+            <a:r>
+              <a:rPr lang="en-US" dirty="0" err="1">
+                <a:solidFill>
+                  <a:schemeClr val="accent2"/>
+                </a:solidFill>
+                <a:latin typeface="Courier New" panose="02070309020205020404" pitchFamily="49" charset="0"/>
+                <a:cs typeface="Courier New" panose="02070309020205020404" pitchFamily="49" charset="0"/>
+              </a:rPr>
+              <a:t>foo_real</a:t>
+            </a:r>
+            <a:r>
+              <a:rPr lang="en-US" dirty="0">
+                <a:latin typeface="Courier New" panose="02070309020205020404" pitchFamily="49" charset="0"/>
+                <a:cs typeface="Courier New" panose="02070309020205020404" pitchFamily="49" charset="0"/>
+              </a:rPr>
+              <a:t> </a:t>
+            </a:r>
+            <a:r>
+              <a:rPr lang="en-US" dirty="0">
+                <a:solidFill>
+                  <a:schemeClr val="accent5"/>
+                </a:solidFill>
+                <a:latin typeface="Courier New" panose="02070309020205020404" pitchFamily="49" charset="0"/>
+                <a:cs typeface="Courier New" panose="02070309020205020404" pitchFamily="49" charset="0"/>
+              </a:rPr>
+              <a:t>=</a:t>
+            </a:r>
+            <a:r>
+              <a:rPr lang="en-US" dirty="0">
+                <a:latin typeface="Courier New" panose="02070309020205020404" pitchFamily="49" charset="0"/>
+                <a:cs typeface="Courier New" panose="02070309020205020404" pitchFamily="49" charset="0"/>
+              </a:rPr>
+              <a:t> </a:t>
+            </a:r>
+            <a:r>
+              <a:rPr lang="en-US" dirty="0" err="1">
+                <a:latin typeface="Courier New" panose="02070309020205020404" pitchFamily="49" charset="0"/>
+                <a:cs typeface="Courier New" panose="02070309020205020404" pitchFamily="49" charset="0"/>
+              </a:rPr>
+              <a:t>dlsym</a:t>
+            </a:r>
+            <a:r>
+              <a:rPr lang="en-US" dirty="0">
+                <a:solidFill>
+                  <a:schemeClr val="accent5"/>
+                </a:solidFill>
+                <a:latin typeface="Courier New" panose="02070309020205020404" pitchFamily="49" charset="0"/>
+                <a:cs typeface="Courier New" panose="02070309020205020404" pitchFamily="49" charset="0"/>
+              </a:rPr>
+              <a:t>(</a:t>
+            </a:r>
+            <a:r>
+              <a:rPr lang="en-US" dirty="0">
+                <a:solidFill>
+                  <a:schemeClr val="accent2"/>
+                </a:solidFill>
+                <a:latin typeface="Courier New" panose="02070309020205020404" pitchFamily="49" charset="0"/>
+                <a:cs typeface="Courier New" panose="02070309020205020404" pitchFamily="49" charset="0"/>
+              </a:rPr>
+              <a:t>handle</a:t>
+            </a:r>
+            <a:r>
+              <a:rPr lang="en-US" dirty="0">
+                <a:solidFill>
+                  <a:schemeClr val="accent5"/>
+                </a:solidFill>
+                <a:latin typeface="Courier New" panose="02070309020205020404" pitchFamily="49" charset="0"/>
+                <a:cs typeface="Courier New" panose="02070309020205020404" pitchFamily="49" charset="0"/>
+              </a:rPr>
+              <a:t>,</a:t>
+            </a:r>
+            <a:r>
+              <a:rPr lang="en-US" dirty="0">
+                <a:latin typeface="Courier New" panose="02070309020205020404" pitchFamily="49" charset="0"/>
+                <a:cs typeface="Courier New" panose="02070309020205020404" pitchFamily="49" charset="0"/>
+              </a:rPr>
+              <a:t> </a:t>
+            </a:r>
+            <a:r>
+              <a:rPr lang="en-US" dirty="0">
+                <a:solidFill>
+                  <a:schemeClr val="accent5"/>
+                </a:solidFill>
+                <a:latin typeface="Courier New" panose="02070309020205020404" pitchFamily="49" charset="0"/>
+                <a:cs typeface="Courier New" panose="02070309020205020404" pitchFamily="49" charset="0"/>
+              </a:rPr>
+              <a:t>“</a:t>
+            </a:r>
+            <a:r>
+              <a:rPr lang="en-US" dirty="0">
+                <a:latin typeface="Courier New" panose="02070309020205020404" pitchFamily="49" charset="0"/>
+                <a:cs typeface="Courier New" panose="02070309020205020404" pitchFamily="49" charset="0"/>
+              </a:rPr>
+              <a:t>foo</a:t>
+            </a:r>
+            <a:r>
+              <a:rPr lang="en-US" dirty="0">
+                <a:solidFill>
+                  <a:schemeClr val="accent5"/>
+                </a:solidFill>
+                <a:latin typeface="Courier New" panose="02070309020205020404" pitchFamily="49" charset="0"/>
+                <a:cs typeface="Courier New" panose="02070309020205020404" pitchFamily="49" charset="0"/>
+              </a:rPr>
+              <a:t>”);</a:t>
+            </a:r>
+          </a:p>
+          <a:p>
+            <a:pPr marL="457200" lvl="1" indent="0">
+              <a:buNone/>
+            </a:pPr>
+            <a:r>
+              <a:rPr lang="en-US" dirty="0">
+                <a:latin typeface="Courier New" panose="02070309020205020404" pitchFamily="49" charset="0"/>
+                <a:cs typeface="Courier New" panose="02070309020205020404" pitchFamily="49" charset="0"/>
+              </a:rPr>
+              <a:t>  </a:t>
+            </a:r>
+            <a:r>
+              <a:rPr lang="en-US" dirty="0">
+                <a:solidFill>
+                  <a:schemeClr val="accent5"/>
+                </a:solidFill>
+                <a:latin typeface="Courier New" panose="02070309020205020404" pitchFamily="49" charset="0"/>
+                <a:cs typeface="Courier New" panose="02070309020205020404" pitchFamily="49" charset="0"/>
+              </a:rPr>
+              <a:t>}</a:t>
+            </a:r>
+          </a:p>
+          <a:p>
+            <a:pPr marL="457200" lvl="1" indent="0">
+              <a:buNone/>
+            </a:pPr>
+            <a:r>
+              <a:rPr lang="en-US" dirty="0">
+                <a:latin typeface="Courier New" panose="02070309020205020404" pitchFamily="49" charset="0"/>
+                <a:cs typeface="Courier New" panose="02070309020205020404" pitchFamily="49" charset="0"/>
+              </a:rPr>
+              <a:t>  </a:t>
+            </a:r>
+            <a:r>
+              <a:rPr lang="en-US" dirty="0">
+                <a:solidFill>
+                  <a:srgbClr val="7030A0"/>
+                </a:solidFill>
+                <a:latin typeface="Courier New" panose="02070309020205020404" pitchFamily="49" charset="0"/>
+                <a:cs typeface="Courier New" panose="02070309020205020404" pitchFamily="49" charset="0"/>
+              </a:rPr>
+              <a:t>return </a:t>
+            </a:r>
+            <a:r>
+              <a:rPr lang="en-US" dirty="0" err="1">
+                <a:solidFill>
+                  <a:schemeClr val="accent2"/>
+                </a:solidFill>
+                <a:latin typeface="Courier New" panose="02070309020205020404" pitchFamily="49" charset="0"/>
+                <a:cs typeface="Courier New" panose="02070309020205020404" pitchFamily="49" charset="0"/>
+              </a:rPr>
+              <a:t>foo_real</a:t>
+            </a:r>
+            <a:r>
+              <a:rPr lang="en-US" dirty="0">
+                <a:solidFill>
+                  <a:schemeClr val="accent5"/>
+                </a:solidFill>
+                <a:latin typeface="Courier New" panose="02070309020205020404" pitchFamily="49" charset="0"/>
+                <a:cs typeface="Courier New" panose="02070309020205020404" pitchFamily="49" charset="0"/>
+              </a:rPr>
+              <a:t>(</a:t>
+            </a:r>
+            <a:r>
+              <a:rPr lang="en-US" dirty="0">
+                <a:solidFill>
+                  <a:schemeClr val="accent2"/>
+                </a:solidFill>
+                <a:latin typeface="Courier New" panose="02070309020205020404" pitchFamily="49" charset="0"/>
+                <a:cs typeface="Courier New" panose="02070309020205020404" pitchFamily="49" charset="0"/>
+              </a:rPr>
+              <a:t>arg1</a:t>
+            </a:r>
+            <a:r>
+              <a:rPr lang="en-US" dirty="0">
+                <a:solidFill>
+                  <a:schemeClr val="accent5"/>
+                </a:solidFill>
+                <a:latin typeface="Courier New" panose="02070309020205020404" pitchFamily="49" charset="0"/>
+                <a:cs typeface="Courier New" panose="02070309020205020404" pitchFamily="49" charset="0"/>
+              </a:rPr>
+              <a:t>,</a:t>
+            </a:r>
+            <a:r>
+              <a:rPr lang="en-US" dirty="0">
+                <a:latin typeface="Courier New" panose="02070309020205020404" pitchFamily="49" charset="0"/>
+                <a:cs typeface="Courier New" panose="02070309020205020404" pitchFamily="49" charset="0"/>
+              </a:rPr>
+              <a:t> </a:t>
+            </a:r>
+            <a:r>
+              <a:rPr lang="en-US" dirty="0">
+                <a:solidFill>
+                  <a:schemeClr val="accent2"/>
+                </a:solidFill>
+                <a:latin typeface="Courier New" panose="02070309020205020404" pitchFamily="49" charset="0"/>
+                <a:cs typeface="Courier New" panose="02070309020205020404" pitchFamily="49" charset="0"/>
+              </a:rPr>
+              <a:t>arg2</a:t>
+            </a:r>
+            <a:r>
+              <a:rPr lang="en-US" dirty="0">
+                <a:solidFill>
+                  <a:schemeClr val="accent5"/>
+                </a:solidFill>
+                <a:latin typeface="Courier New" panose="02070309020205020404" pitchFamily="49" charset="0"/>
+                <a:cs typeface="Courier New" panose="02070309020205020404" pitchFamily="49" charset="0"/>
+              </a:rPr>
+              <a:t>, ...);</a:t>
+            </a:r>
+          </a:p>
+          <a:p>
+            <a:pPr marL="457200" lvl="1" indent="0">
+              <a:buNone/>
+            </a:pPr>
+            <a:r>
+              <a:rPr lang="en-US" dirty="0">
+                <a:solidFill>
+                  <a:schemeClr val="accent5"/>
+                </a:solidFill>
+                <a:latin typeface="Courier New" panose="02070309020205020404" pitchFamily="49" charset="0"/>
+                <a:cs typeface="Courier New" panose="02070309020205020404" pitchFamily="49" charset="0"/>
+              </a:rPr>
+              <a:t>}</a:t>
+            </a:r>
+          </a:p>
+        </p:txBody>
+      </p:sp>
+    </p:spTree>
+    <p:extLst>
+      <p:ext uri="{BB962C8B-B14F-4D97-AF65-F5344CB8AC3E}">
+        <p14:creationId xmlns:p14="http://schemas.microsoft.com/office/powerpoint/2010/main" val="355822256"/>
+      </p:ext>
+    </p:extLst>
+  </p:cSld>
+  <p:clrMapOvr>
+    <a:masterClrMapping/>
+  </p:clrMapOvr>
+</p:sld>
+</file>
+
 <file path=ppt/slides/slide49.xml><?xml version="1.0" encoding="utf-8"?>
 <p:sld xmlns:a="http://schemas.openxmlformats.org/drawingml/2006/main" xmlns:r="http://schemas.openxmlformats.org/officeDocument/2006/relationships" xmlns:p="http://schemas.openxmlformats.org/presentationml/2006/main">
   <p:cSld>
@@ -25818,675 +26420,84 @@
             <p:ph idx="1"/>
           </p:nvPr>
         </p:nvSpPr>
-        <p:spPr>
-          <a:xfrm>
-            <a:off x="762000" y="1597025"/>
-            <a:ext cx="10831286" cy="4895850"/>
-          </a:xfrm>
-        </p:spPr>
+        <p:spPr/>
         <p:txBody>
           <a:bodyPr>
-            <a:normAutofit fontScale="85000" lnSpcReduction="20000"/>
+            <a:normAutofit/>
           </a:bodyPr>
           <a:lstStyle/>
           <a:p>
             <a:r>
               <a:rPr lang="ru-RU" dirty="0"/>
-              <a:t>Реализует отложенную загрузку в </a:t>
-            </a:r>
-            <a:r>
-              <a:rPr lang="en-US" dirty="0"/>
-              <a:t>POSIX</a:t>
-            </a:r>
-            <a:r>
-              <a:rPr lang="ru-RU" dirty="0"/>
-              <a:t>-систем</a:t>
+              <a:t>Реализована с помощью </a:t>
+            </a:r>
+            <a:r>
+              <a:rPr lang="en-US" dirty="0"/>
+              <a:t>API </a:t>
+            </a:r>
+            <a:r>
+              <a:rPr lang="ru-RU" dirty="0"/>
+              <a:t>динамической загрузки </a:t>
+            </a:r>
+            <a:r>
+              <a:rPr lang="en-US" dirty="0"/>
+              <a:t>POSIX </a:t>
+            </a:r>
+            <a:r>
+              <a:rPr lang="ru-RU" dirty="0"/>
+              <a:t>(</a:t>
+            </a:r>
+            <a:r>
+              <a:rPr lang="en-US" dirty="0" err="1"/>
+              <a:t>dlopen</a:t>
+            </a:r>
+            <a:r>
+              <a:rPr lang="en-US" dirty="0"/>
+              <a:t>, </a:t>
+            </a:r>
+            <a:r>
+              <a:rPr lang="en-US" dirty="0" err="1"/>
+              <a:t>dlsym</a:t>
+            </a:r>
+            <a:r>
+              <a:rPr lang="en-US" dirty="0"/>
+              <a:t>)</a:t>
+            </a:r>
+          </a:p>
+          <a:p>
+            <a:r>
+              <a:rPr lang="ru-RU" dirty="0"/>
+              <a:t>Имеет минимальные накладные расходы</a:t>
             </a:r>
             <a:endParaRPr lang="en-US" dirty="0"/>
           </a:p>
           <a:p>
             <a:r>
               <a:rPr lang="ru-RU" dirty="0"/>
-              <a:t>Для заданной </a:t>
-            </a:r>
-            <a:r>
-              <a:rPr lang="en-US" dirty="0"/>
-              <a:t>DLL </a:t>
-            </a:r>
-            <a:r>
-              <a:rPr lang="ru-RU" dirty="0"/>
-              <a:t>генерирует небольшую статическую библиотеку </a:t>
-            </a:r>
-            <a:r>
-              <a:rPr lang="en-US" dirty="0"/>
-              <a:t>c </a:t>
-            </a:r>
-            <a:r>
-              <a:rPr lang="ru-RU" dirty="0"/>
-              <a:t>функциями-заглушками (</a:t>
-            </a:r>
-            <a:r>
-              <a:rPr lang="en-US" dirty="0"/>
-              <a:t>trampolines)</a:t>
-            </a:r>
-          </a:p>
-          <a:p>
-            <a:r>
-              <a:rPr lang="ru-RU" dirty="0"/>
-              <a:t>Вместо </a:t>
-            </a:r>
-            <a:r>
-              <a:rPr lang="en-US" dirty="0"/>
-              <a:t>DLL </a:t>
-            </a:r>
-            <a:r>
-              <a:rPr lang="ru-RU" dirty="0"/>
-              <a:t>программа линкуется с этой статической библиотекой</a:t>
-            </a:r>
-          </a:p>
-          <a:p>
-            <a:r>
-              <a:rPr lang="ru-RU" dirty="0"/>
-              <a:t>Во время работы вызов функции-заглушки приведёт к загрузке библиотеки</a:t>
-            </a:r>
-            <a:r>
-              <a:rPr lang="en-US" dirty="0"/>
-              <a:t> </a:t>
-            </a:r>
-            <a:r>
-              <a:rPr lang="ru-RU" dirty="0"/>
-              <a:t>и передаче управления в неё</a:t>
-            </a:r>
-            <a:r>
-              <a:rPr lang="en-US" dirty="0"/>
-              <a:t>:</a:t>
-            </a:r>
-          </a:p>
-          <a:p>
+              <a:t>Поддерживает большое количество платформ</a:t>
+            </a:r>
             <a:endParaRPr lang="en-US" dirty="0"/>
           </a:p>
           <a:p>
-            <a:pPr marL="457200" lvl="1" indent="0">
-              <a:buNone/>
-            </a:pPr>
-            <a:r>
-              <a:rPr lang="en-US" dirty="0">
-                <a:solidFill>
-                  <a:srgbClr val="7030A0"/>
-                </a:solidFill>
-                <a:latin typeface="Courier New" panose="02070309020205020404" pitchFamily="49" charset="0"/>
-                <a:cs typeface="Courier New" panose="02070309020205020404" pitchFamily="49" charset="0"/>
-              </a:rPr>
-              <a:t>int </a:t>
-            </a:r>
-            <a:r>
-              <a:rPr lang="en-US" dirty="0">
-                <a:solidFill>
-                  <a:schemeClr val="accent2"/>
-                </a:solidFill>
-                <a:latin typeface="Courier New" panose="02070309020205020404" pitchFamily="49" charset="0"/>
-                <a:cs typeface="Courier New" panose="02070309020205020404" pitchFamily="49" charset="0"/>
-              </a:rPr>
-              <a:t>foo</a:t>
-            </a:r>
-            <a:r>
-              <a:rPr lang="en-US" dirty="0">
-                <a:solidFill>
-                  <a:schemeClr val="accent5"/>
-                </a:solidFill>
-                <a:latin typeface="Courier New" panose="02070309020205020404" pitchFamily="49" charset="0"/>
-                <a:cs typeface="Courier New" panose="02070309020205020404" pitchFamily="49" charset="0"/>
-              </a:rPr>
-              <a:t>(</a:t>
-            </a:r>
-            <a:r>
-              <a:rPr lang="en-US" dirty="0">
-                <a:solidFill>
-                  <a:schemeClr val="accent6">
-                    <a:lumMod val="75000"/>
-                  </a:schemeClr>
-                </a:solidFill>
-                <a:latin typeface="Courier New" panose="02070309020205020404" pitchFamily="49" charset="0"/>
-                <a:cs typeface="Courier New" panose="02070309020205020404" pitchFamily="49" charset="0"/>
-              </a:rPr>
-              <a:t>type1 </a:t>
-            </a:r>
-            <a:r>
-              <a:rPr lang="en-US" dirty="0">
-                <a:solidFill>
-                  <a:schemeClr val="accent2"/>
-                </a:solidFill>
-                <a:latin typeface="Courier New" panose="02070309020205020404" pitchFamily="49" charset="0"/>
-                <a:cs typeface="Courier New" panose="02070309020205020404" pitchFamily="49" charset="0"/>
-              </a:rPr>
-              <a:t>arg1</a:t>
-            </a:r>
-            <a:r>
-              <a:rPr lang="en-US" dirty="0">
-                <a:solidFill>
-                  <a:schemeClr val="accent5"/>
-                </a:solidFill>
-                <a:latin typeface="Courier New" panose="02070309020205020404" pitchFamily="49" charset="0"/>
-                <a:cs typeface="Courier New" panose="02070309020205020404" pitchFamily="49" charset="0"/>
-              </a:rPr>
-              <a:t>,</a:t>
-            </a:r>
-            <a:r>
-              <a:rPr lang="en-US" dirty="0">
-                <a:latin typeface="Courier New" panose="02070309020205020404" pitchFamily="49" charset="0"/>
-                <a:cs typeface="Courier New" panose="02070309020205020404" pitchFamily="49" charset="0"/>
-              </a:rPr>
-              <a:t> </a:t>
-            </a:r>
-            <a:r>
-              <a:rPr lang="en-US" dirty="0">
-                <a:solidFill>
-                  <a:schemeClr val="accent6">
-                    <a:lumMod val="75000"/>
-                  </a:schemeClr>
-                </a:solidFill>
-                <a:latin typeface="Courier New" panose="02070309020205020404" pitchFamily="49" charset="0"/>
-                <a:cs typeface="Courier New" panose="02070309020205020404" pitchFamily="49" charset="0"/>
-              </a:rPr>
-              <a:t>type2 </a:t>
-            </a:r>
-            <a:r>
-              <a:rPr lang="en-US" dirty="0">
-                <a:solidFill>
-                  <a:schemeClr val="accent2"/>
-                </a:solidFill>
-                <a:latin typeface="Courier New" panose="02070309020205020404" pitchFamily="49" charset="0"/>
-                <a:cs typeface="Courier New" panose="02070309020205020404" pitchFamily="49" charset="0"/>
-              </a:rPr>
-              <a:t>arg2</a:t>
-            </a:r>
-            <a:r>
-              <a:rPr lang="en-US" dirty="0">
-                <a:solidFill>
-                  <a:schemeClr val="accent5"/>
-                </a:solidFill>
-                <a:latin typeface="Courier New" panose="02070309020205020404" pitchFamily="49" charset="0"/>
-                <a:cs typeface="Courier New" panose="02070309020205020404" pitchFamily="49" charset="0"/>
-              </a:rPr>
-              <a:t>, ...)</a:t>
-            </a:r>
-            <a:r>
-              <a:rPr lang="en-US" dirty="0">
-                <a:latin typeface="Courier New" panose="02070309020205020404" pitchFamily="49" charset="0"/>
-                <a:cs typeface="Courier New" panose="02070309020205020404" pitchFamily="49" charset="0"/>
-              </a:rPr>
-              <a:t> </a:t>
-            </a:r>
-            <a:r>
-              <a:rPr lang="en-US" dirty="0">
-                <a:solidFill>
-                  <a:schemeClr val="accent5"/>
-                </a:solidFill>
-                <a:latin typeface="Courier New" panose="02070309020205020404" pitchFamily="49" charset="0"/>
-                <a:cs typeface="Courier New" panose="02070309020205020404" pitchFamily="49" charset="0"/>
-              </a:rPr>
-              <a:t>{</a:t>
-            </a:r>
-            <a:r>
-              <a:rPr lang="en-US" dirty="0">
-                <a:latin typeface="Courier New" panose="02070309020205020404" pitchFamily="49" charset="0"/>
-                <a:cs typeface="Courier New" panose="02070309020205020404" pitchFamily="49" charset="0"/>
-              </a:rPr>
-              <a:t>  # Stub</a:t>
-            </a:r>
-          </a:p>
-          <a:p>
-            <a:pPr marL="457200" lvl="1" indent="0">
-              <a:buNone/>
-            </a:pPr>
-            <a:r>
-              <a:rPr lang="en-US" dirty="0">
-                <a:latin typeface="Courier New" panose="02070309020205020404" pitchFamily="49" charset="0"/>
-                <a:cs typeface="Courier New" panose="02070309020205020404" pitchFamily="49" charset="0"/>
-              </a:rPr>
-              <a:t>  </a:t>
-            </a:r>
-            <a:r>
-              <a:rPr lang="en-US" dirty="0">
-                <a:solidFill>
-                  <a:srgbClr val="7030A0"/>
-                </a:solidFill>
-                <a:latin typeface="Courier New" panose="02070309020205020404" pitchFamily="49" charset="0"/>
-                <a:cs typeface="Courier New" panose="02070309020205020404" pitchFamily="49" charset="0"/>
-              </a:rPr>
-              <a:t>static void </a:t>
-            </a:r>
-            <a:r>
-              <a:rPr lang="en-US" dirty="0">
-                <a:solidFill>
-                  <a:schemeClr val="accent5"/>
-                </a:solidFill>
-                <a:latin typeface="Courier New" panose="02070309020205020404" pitchFamily="49" charset="0"/>
-                <a:cs typeface="Courier New" panose="02070309020205020404" pitchFamily="49" charset="0"/>
-              </a:rPr>
-              <a:t>*</a:t>
-            </a:r>
-            <a:r>
-              <a:rPr lang="en-US" dirty="0" err="1">
-                <a:solidFill>
-                  <a:schemeClr val="accent2"/>
-                </a:solidFill>
-                <a:latin typeface="Courier New" panose="02070309020205020404" pitchFamily="49" charset="0"/>
-                <a:cs typeface="Courier New" panose="02070309020205020404" pitchFamily="49" charset="0"/>
-              </a:rPr>
-              <a:t>foo_real</a:t>
-            </a:r>
-            <a:r>
-              <a:rPr lang="en-US" dirty="0">
-                <a:latin typeface="Courier New" panose="02070309020205020404" pitchFamily="49" charset="0"/>
-                <a:cs typeface="Courier New" panose="02070309020205020404" pitchFamily="49" charset="0"/>
-              </a:rPr>
-              <a:t> </a:t>
-            </a:r>
-            <a:r>
-              <a:rPr lang="en-US" dirty="0">
-                <a:solidFill>
-                  <a:schemeClr val="accent5"/>
-                </a:solidFill>
-                <a:latin typeface="Courier New" panose="02070309020205020404" pitchFamily="49" charset="0"/>
-                <a:cs typeface="Courier New" panose="02070309020205020404" pitchFamily="49" charset="0"/>
-              </a:rPr>
-              <a:t>= </a:t>
-            </a:r>
-            <a:r>
-              <a:rPr lang="en-US" dirty="0">
-                <a:latin typeface="Courier New" panose="02070309020205020404" pitchFamily="49" charset="0"/>
-                <a:cs typeface="Courier New" panose="02070309020205020404" pitchFamily="49" charset="0"/>
-              </a:rPr>
-              <a:t>NULL</a:t>
-            </a:r>
-            <a:r>
-              <a:rPr lang="en-US" dirty="0">
-                <a:solidFill>
-                  <a:schemeClr val="accent5"/>
-                </a:solidFill>
-                <a:latin typeface="Courier New" panose="02070309020205020404" pitchFamily="49" charset="0"/>
-                <a:cs typeface="Courier New" panose="02070309020205020404" pitchFamily="49" charset="0"/>
-              </a:rPr>
-              <a:t>;</a:t>
-            </a:r>
-          </a:p>
-          <a:p>
-            <a:pPr marL="457200" lvl="1" indent="0">
-              <a:buNone/>
-            </a:pPr>
-            <a:r>
-              <a:rPr lang="en-US" dirty="0">
-                <a:latin typeface="Courier New" panose="02070309020205020404" pitchFamily="49" charset="0"/>
-                <a:cs typeface="Courier New" panose="02070309020205020404" pitchFamily="49" charset="0"/>
-              </a:rPr>
-              <a:t>  </a:t>
-            </a:r>
-            <a:r>
-              <a:rPr lang="en-US" dirty="0">
-                <a:solidFill>
-                  <a:srgbClr val="7030A0"/>
-                </a:solidFill>
-                <a:latin typeface="Courier New" panose="02070309020205020404" pitchFamily="49" charset="0"/>
-                <a:cs typeface="Courier New" panose="02070309020205020404" pitchFamily="49" charset="0"/>
-              </a:rPr>
-              <a:t>if </a:t>
-            </a:r>
-            <a:r>
-              <a:rPr lang="en-US" dirty="0">
-                <a:solidFill>
-                  <a:schemeClr val="accent5"/>
-                </a:solidFill>
-                <a:latin typeface="Courier New" panose="02070309020205020404" pitchFamily="49" charset="0"/>
-                <a:cs typeface="Courier New" panose="02070309020205020404" pitchFamily="49" charset="0"/>
-              </a:rPr>
-              <a:t>(!</a:t>
-            </a:r>
-            <a:r>
-              <a:rPr lang="en-US" dirty="0" err="1">
-                <a:solidFill>
-                  <a:schemeClr val="accent2"/>
-                </a:solidFill>
-                <a:latin typeface="Courier New" panose="02070309020205020404" pitchFamily="49" charset="0"/>
-                <a:cs typeface="Courier New" panose="02070309020205020404" pitchFamily="49" charset="0"/>
-              </a:rPr>
-              <a:t>foo_real</a:t>
-            </a:r>
-            <a:r>
-              <a:rPr lang="en-US" dirty="0">
-                <a:solidFill>
-                  <a:schemeClr val="accent5"/>
-                </a:solidFill>
-                <a:latin typeface="Courier New" panose="02070309020205020404" pitchFamily="49" charset="0"/>
-                <a:cs typeface="Courier New" panose="02070309020205020404" pitchFamily="49" charset="0"/>
-              </a:rPr>
-              <a:t>) {</a:t>
-            </a:r>
-          </a:p>
-          <a:p>
-            <a:pPr marL="457200" lvl="1" indent="0">
-              <a:buNone/>
-            </a:pPr>
-            <a:r>
-              <a:rPr lang="en-US" dirty="0">
-                <a:latin typeface="Courier New" panose="02070309020205020404" pitchFamily="49" charset="0"/>
-                <a:cs typeface="Courier New" panose="02070309020205020404" pitchFamily="49" charset="0"/>
-              </a:rPr>
-              <a:t>    </a:t>
-            </a:r>
-            <a:r>
-              <a:rPr lang="en-US" dirty="0">
-                <a:solidFill>
-                  <a:srgbClr val="7030A0"/>
-                </a:solidFill>
-                <a:latin typeface="Courier New" panose="02070309020205020404" pitchFamily="49" charset="0"/>
-                <a:cs typeface="Courier New" panose="02070309020205020404" pitchFamily="49" charset="0"/>
-              </a:rPr>
-              <a:t>void </a:t>
-            </a:r>
-            <a:r>
-              <a:rPr lang="en-US" dirty="0">
-                <a:solidFill>
-                  <a:schemeClr val="accent5"/>
-                </a:solidFill>
-                <a:latin typeface="Courier New" panose="02070309020205020404" pitchFamily="49" charset="0"/>
-                <a:cs typeface="Courier New" panose="02070309020205020404" pitchFamily="49" charset="0"/>
-              </a:rPr>
-              <a:t>*</a:t>
-            </a:r>
-            <a:r>
-              <a:rPr lang="en-US" dirty="0">
-                <a:solidFill>
-                  <a:schemeClr val="accent2"/>
-                </a:solidFill>
-                <a:latin typeface="Courier New" panose="02070309020205020404" pitchFamily="49" charset="0"/>
-                <a:cs typeface="Courier New" panose="02070309020205020404" pitchFamily="49" charset="0"/>
-              </a:rPr>
-              <a:t>handle</a:t>
-            </a:r>
-            <a:r>
-              <a:rPr lang="en-US" dirty="0">
-                <a:latin typeface="Courier New" panose="02070309020205020404" pitchFamily="49" charset="0"/>
-                <a:cs typeface="Courier New" panose="02070309020205020404" pitchFamily="49" charset="0"/>
-              </a:rPr>
-              <a:t> </a:t>
-            </a:r>
-            <a:r>
-              <a:rPr lang="en-US" dirty="0">
-                <a:solidFill>
-                  <a:schemeClr val="accent5"/>
-                </a:solidFill>
-                <a:latin typeface="Courier New" panose="02070309020205020404" pitchFamily="49" charset="0"/>
-                <a:cs typeface="Courier New" panose="02070309020205020404" pitchFamily="49" charset="0"/>
-              </a:rPr>
-              <a:t>=</a:t>
-            </a:r>
-            <a:r>
-              <a:rPr lang="en-US" dirty="0">
-                <a:latin typeface="Courier New" panose="02070309020205020404" pitchFamily="49" charset="0"/>
-                <a:cs typeface="Courier New" panose="02070309020205020404" pitchFamily="49" charset="0"/>
-              </a:rPr>
-              <a:t> </a:t>
-            </a:r>
-            <a:r>
-              <a:rPr lang="en-US" dirty="0" err="1">
-                <a:latin typeface="Courier New" panose="02070309020205020404" pitchFamily="49" charset="0"/>
-                <a:cs typeface="Courier New" panose="02070309020205020404" pitchFamily="49" charset="0"/>
-              </a:rPr>
-              <a:t>dlopen</a:t>
-            </a:r>
-            <a:r>
-              <a:rPr lang="en-US" dirty="0">
-                <a:solidFill>
-                  <a:schemeClr val="accent5"/>
-                </a:solidFill>
-                <a:latin typeface="Courier New" panose="02070309020205020404" pitchFamily="49" charset="0"/>
-                <a:cs typeface="Courier New" panose="02070309020205020404" pitchFamily="49" charset="0"/>
-              </a:rPr>
-              <a:t>(...);</a:t>
-            </a:r>
-          </a:p>
-          <a:p>
-            <a:pPr marL="457200" lvl="1" indent="0">
-              <a:buNone/>
-            </a:pPr>
-            <a:r>
-              <a:rPr lang="en-US" dirty="0">
-                <a:latin typeface="Courier New" panose="02070309020205020404" pitchFamily="49" charset="0"/>
-                <a:cs typeface="Courier New" panose="02070309020205020404" pitchFamily="49" charset="0"/>
-              </a:rPr>
-              <a:t>    </a:t>
-            </a:r>
-            <a:r>
-              <a:rPr lang="en-US" dirty="0" err="1">
-                <a:solidFill>
-                  <a:schemeClr val="accent2"/>
-                </a:solidFill>
-                <a:latin typeface="Courier New" panose="02070309020205020404" pitchFamily="49" charset="0"/>
-                <a:cs typeface="Courier New" panose="02070309020205020404" pitchFamily="49" charset="0"/>
-              </a:rPr>
-              <a:t>foo_real</a:t>
-            </a:r>
-            <a:r>
-              <a:rPr lang="en-US" dirty="0">
-                <a:latin typeface="Courier New" panose="02070309020205020404" pitchFamily="49" charset="0"/>
-                <a:cs typeface="Courier New" panose="02070309020205020404" pitchFamily="49" charset="0"/>
-              </a:rPr>
-              <a:t> </a:t>
-            </a:r>
-            <a:r>
-              <a:rPr lang="en-US" dirty="0">
-                <a:solidFill>
-                  <a:schemeClr val="accent5"/>
-                </a:solidFill>
-                <a:latin typeface="Courier New" panose="02070309020205020404" pitchFamily="49" charset="0"/>
-                <a:cs typeface="Courier New" panose="02070309020205020404" pitchFamily="49" charset="0"/>
-              </a:rPr>
-              <a:t>=</a:t>
-            </a:r>
-            <a:r>
-              <a:rPr lang="en-US" dirty="0">
-                <a:latin typeface="Courier New" panose="02070309020205020404" pitchFamily="49" charset="0"/>
-                <a:cs typeface="Courier New" panose="02070309020205020404" pitchFamily="49" charset="0"/>
-              </a:rPr>
-              <a:t> </a:t>
-            </a:r>
-            <a:r>
-              <a:rPr lang="en-US" dirty="0" err="1">
-                <a:latin typeface="Courier New" panose="02070309020205020404" pitchFamily="49" charset="0"/>
-                <a:cs typeface="Courier New" panose="02070309020205020404" pitchFamily="49" charset="0"/>
-              </a:rPr>
-              <a:t>dlsym</a:t>
-            </a:r>
-            <a:r>
-              <a:rPr lang="en-US" dirty="0">
-                <a:solidFill>
-                  <a:schemeClr val="accent5"/>
-                </a:solidFill>
-                <a:latin typeface="Courier New" panose="02070309020205020404" pitchFamily="49" charset="0"/>
-                <a:cs typeface="Courier New" panose="02070309020205020404" pitchFamily="49" charset="0"/>
-              </a:rPr>
-              <a:t>(</a:t>
-            </a:r>
-            <a:r>
-              <a:rPr lang="en-US" dirty="0">
-                <a:solidFill>
-                  <a:schemeClr val="accent2"/>
-                </a:solidFill>
-                <a:latin typeface="Courier New" panose="02070309020205020404" pitchFamily="49" charset="0"/>
-                <a:cs typeface="Courier New" panose="02070309020205020404" pitchFamily="49" charset="0"/>
-              </a:rPr>
-              <a:t>handle</a:t>
-            </a:r>
-            <a:r>
-              <a:rPr lang="en-US" dirty="0">
-                <a:solidFill>
-                  <a:schemeClr val="accent5"/>
-                </a:solidFill>
-                <a:latin typeface="Courier New" panose="02070309020205020404" pitchFamily="49" charset="0"/>
-                <a:cs typeface="Courier New" panose="02070309020205020404" pitchFamily="49" charset="0"/>
-              </a:rPr>
-              <a:t>,</a:t>
-            </a:r>
-            <a:r>
-              <a:rPr lang="en-US" dirty="0">
-                <a:latin typeface="Courier New" panose="02070309020205020404" pitchFamily="49" charset="0"/>
-                <a:cs typeface="Courier New" panose="02070309020205020404" pitchFamily="49" charset="0"/>
-              </a:rPr>
-              <a:t> </a:t>
-            </a:r>
-            <a:r>
-              <a:rPr lang="en-US" dirty="0">
-                <a:solidFill>
-                  <a:schemeClr val="accent5"/>
-                </a:solidFill>
-                <a:latin typeface="Courier New" panose="02070309020205020404" pitchFamily="49" charset="0"/>
-                <a:cs typeface="Courier New" panose="02070309020205020404" pitchFamily="49" charset="0"/>
-              </a:rPr>
-              <a:t>“</a:t>
-            </a:r>
-            <a:r>
-              <a:rPr lang="en-US" dirty="0">
-                <a:latin typeface="Courier New" panose="02070309020205020404" pitchFamily="49" charset="0"/>
-                <a:cs typeface="Courier New" panose="02070309020205020404" pitchFamily="49" charset="0"/>
-              </a:rPr>
-              <a:t>foo</a:t>
-            </a:r>
-            <a:r>
-              <a:rPr lang="en-US" dirty="0">
-                <a:solidFill>
-                  <a:schemeClr val="accent5"/>
-                </a:solidFill>
-                <a:latin typeface="Courier New" panose="02070309020205020404" pitchFamily="49" charset="0"/>
-                <a:cs typeface="Courier New" panose="02070309020205020404" pitchFamily="49" charset="0"/>
-              </a:rPr>
-              <a:t>”);</a:t>
-            </a:r>
-          </a:p>
-          <a:p>
-            <a:pPr marL="457200" lvl="1" indent="0">
-              <a:buNone/>
-            </a:pPr>
-            <a:r>
-              <a:rPr lang="en-US" dirty="0">
-                <a:latin typeface="Courier New" panose="02070309020205020404" pitchFamily="49" charset="0"/>
-                <a:cs typeface="Courier New" panose="02070309020205020404" pitchFamily="49" charset="0"/>
-              </a:rPr>
-              <a:t>  </a:t>
-            </a:r>
-            <a:r>
-              <a:rPr lang="en-US" dirty="0">
-                <a:solidFill>
-                  <a:schemeClr val="accent5"/>
-                </a:solidFill>
-                <a:latin typeface="Courier New" panose="02070309020205020404" pitchFamily="49" charset="0"/>
-                <a:cs typeface="Courier New" panose="02070309020205020404" pitchFamily="49" charset="0"/>
-              </a:rPr>
-              <a:t>}</a:t>
-            </a:r>
-          </a:p>
-          <a:p>
-            <a:pPr marL="457200" lvl="1" indent="0">
-              <a:buNone/>
-            </a:pPr>
-            <a:r>
-              <a:rPr lang="en-US" dirty="0">
-                <a:latin typeface="Courier New" panose="02070309020205020404" pitchFamily="49" charset="0"/>
-                <a:cs typeface="Courier New" panose="02070309020205020404" pitchFamily="49" charset="0"/>
-              </a:rPr>
-              <a:t>  </a:t>
-            </a:r>
-            <a:r>
-              <a:rPr lang="en-US" dirty="0">
-                <a:solidFill>
-                  <a:srgbClr val="7030A0"/>
-                </a:solidFill>
-                <a:latin typeface="Courier New" panose="02070309020205020404" pitchFamily="49" charset="0"/>
-                <a:cs typeface="Courier New" panose="02070309020205020404" pitchFamily="49" charset="0"/>
-              </a:rPr>
-              <a:t>return </a:t>
-            </a:r>
-            <a:r>
-              <a:rPr lang="en-US" dirty="0" err="1">
-                <a:solidFill>
-                  <a:schemeClr val="accent2"/>
-                </a:solidFill>
-                <a:latin typeface="Courier New" panose="02070309020205020404" pitchFamily="49" charset="0"/>
-                <a:cs typeface="Courier New" panose="02070309020205020404" pitchFamily="49" charset="0"/>
-              </a:rPr>
-              <a:t>foo_real</a:t>
-            </a:r>
-            <a:r>
-              <a:rPr lang="en-US" dirty="0">
-                <a:solidFill>
-                  <a:schemeClr val="accent5"/>
-                </a:solidFill>
-                <a:latin typeface="Courier New" panose="02070309020205020404" pitchFamily="49" charset="0"/>
-                <a:cs typeface="Courier New" panose="02070309020205020404" pitchFamily="49" charset="0"/>
-              </a:rPr>
-              <a:t>(</a:t>
-            </a:r>
-            <a:r>
-              <a:rPr lang="en-US" dirty="0">
-                <a:solidFill>
-                  <a:schemeClr val="accent2"/>
-                </a:solidFill>
-                <a:latin typeface="Courier New" panose="02070309020205020404" pitchFamily="49" charset="0"/>
-                <a:cs typeface="Courier New" panose="02070309020205020404" pitchFamily="49" charset="0"/>
-              </a:rPr>
-              <a:t>arg1</a:t>
-            </a:r>
-            <a:r>
-              <a:rPr lang="en-US" dirty="0">
-                <a:solidFill>
-                  <a:schemeClr val="accent5"/>
-                </a:solidFill>
-                <a:latin typeface="Courier New" panose="02070309020205020404" pitchFamily="49" charset="0"/>
-                <a:cs typeface="Courier New" panose="02070309020205020404" pitchFamily="49" charset="0"/>
-              </a:rPr>
-              <a:t>,</a:t>
-            </a:r>
-            <a:r>
-              <a:rPr lang="en-US" dirty="0">
-                <a:latin typeface="Courier New" panose="02070309020205020404" pitchFamily="49" charset="0"/>
-                <a:cs typeface="Courier New" panose="02070309020205020404" pitchFamily="49" charset="0"/>
-              </a:rPr>
-              <a:t> </a:t>
-            </a:r>
-            <a:r>
-              <a:rPr lang="en-US" dirty="0">
-                <a:solidFill>
-                  <a:schemeClr val="accent2"/>
-                </a:solidFill>
-                <a:latin typeface="Courier New" panose="02070309020205020404" pitchFamily="49" charset="0"/>
-                <a:cs typeface="Courier New" panose="02070309020205020404" pitchFamily="49" charset="0"/>
-              </a:rPr>
-              <a:t>arg2</a:t>
-            </a:r>
-            <a:r>
-              <a:rPr lang="en-US" dirty="0">
-                <a:solidFill>
-                  <a:schemeClr val="accent5"/>
-                </a:solidFill>
-                <a:latin typeface="Courier New" panose="02070309020205020404" pitchFamily="49" charset="0"/>
-                <a:cs typeface="Courier New" panose="02070309020205020404" pitchFamily="49" charset="0"/>
-              </a:rPr>
-              <a:t>, ...);</a:t>
-            </a:r>
-          </a:p>
-          <a:p>
-            <a:pPr marL="457200" lvl="1" indent="0">
-              <a:buNone/>
-            </a:pPr>
-            <a:r>
-              <a:rPr lang="en-US" dirty="0">
-                <a:solidFill>
-                  <a:schemeClr val="accent5"/>
-                </a:solidFill>
-                <a:latin typeface="Courier New" panose="02070309020205020404" pitchFamily="49" charset="0"/>
-                <a:cs typeface="Courier New" panose="02070309020205020404" pitchFamily="49" charset="0"/>
-              </a:rPr>
-              <a:t>}</a:t>
+            <a:pPr lvl="1"/>
+            <a:r>
+              <a:rPr lang="en-US" dirty="0"/>
+              <a:t>x86, ARM, AArch64, RISC-V, e2k, etc.</a:t>
+            </a:r>
+          </a:p>
+          <a:p>
+            <a:pPr lvl="1"/>
+            <a:r>
+              <a:rPr lang="en-US" dirty="0"/>
+              <a:t>Linux (+ </a:t>
+            </a:r>
+            <a:r>
+              <a:rPr lang="ru-RU" dirty="0"/>
+              <a:t>частично </a:t>
+            </a:r>
+            <a:r>
+              <a:rPr lang="en-US" dirty="0"/>
+              <a:t>BSD)</a:t>
             </a:r>
           </a:p>
         </p:txBody>
@@ -26494,7 +26505,7 @@
     </p:spTree>
     <p:extLst>
       <p:ext uri="{BB962C8B-B14F-4D97-AF65-F5344CB8AC3E}">
-        <p14:creationId xmlns:p14="http://schemas.microsoft.com/office/powerpoint/2010/main" val="355822256"/>
+        <p14:creationId xmlns:p14="http://schemas.microsoft.com/office/powerpoint/2010/main" val="2978459452"/>
       </p:ext>
     </p:extLst>
   </p:cSld>
@@ -26653,7 +26664,7 @@
           <p:cNvPr id="2" name="Title 1">
             <a:extLst>
               <a:ext uri="{FF2B5EF4-FFF2-40B4-BE49-F238E27FC236}">
-                <a16:creationId xmlns:a16="http://schemas.microsoft.com/office/drawing/2014/main" id="{C950FB13-62AB-4FE7-A1E1-3579C5B2DC9E}"/>
+                <a16:creationId xmlns:a16="http://schemas.microsoft.com/office/drawing/2014/main" id="{0A95A14D-8CF8-471B-AF3D-26999D8951D8}"/>
               </a:ext>
             </a:extLst>
           </p:cNvPr>
@@ -26670,8 +26681,20 @@
           <a:lstStyle/>
           <a:p>
             <a:r>
-              <a:rPr lang="en-US" dirty="0"/>
-              <a:t>Implib.so</a:t>
+              <a:rPr lang="ru-RU" dirty="0"/>
+              <a:t>Накладные расходы</a:t>
+            </a:r>
+            <a:r>
+              <a:rPr lang="en-US" dirty="0"/>
+              <a:t> </a:t>
+            </a:r>
+            <a:r>
+              <a:rPr lang="ru-RU" dirty="0"/>
+              <a:t>при использовании </a:t>
+            </a:r>
+            <a:r>
+              <a:rPr lang="en-US" dirty="0"/>
+              <a:t>DLL</a:t>
             </a:r>
           </a:p>
         </p:txBody>
@@ -26681,7 +26704,7 @@
           <p:cNvPr id="3" name="Content Placeholder 2">
             <a:extLst>
               <a:ext uri="{FF2B5EF4-FFF2-40B4-BE49-F238E27FC236}">
-                <a16:creationId xmlns:a16="http://schemas.microsoft.com/office/drawing/2014/main" id="{B528BA41-1C17-4678-8E95-464AFB383BDC}"/>
+                <a16:creationId xmlns:a16="http://schemas.microsoft.com/office/drawing/2014/main" id="{5B49B649-A403-4066-8731-42F55BC6F396}"/>
               </a:ext>
             </a:extLst>
           </p:cNvPr>
@@ -26694,82 +26717,74 @@
         </p:nvSpPr>
         <p:spPr/>
         <p:txBody>
-          <a:bodyPr>
-            <a:normAutofit/>
-          </a:bodyPr>
-          <a:lstStyle/>
-          <a:p>
-            <a:r>
-              <a:rPr lang="ru-RU" dirty="0"/>
-              <a:t>Реализована с помощью </a:t>
-            </a:r>
-            <a:r>
-              <a:rPr lang="en-US" dirty="0"/>
-              <a:t>API </a:t>
-            </a:r>
-            <a:r>
-              <a:rPr lang="ru-RU" dirty="0"/>
-              <a:t>динамической загрузки </a:t>
-            </a:r>
-            <a:r>
-              <a:rPr lang="en-US" dirty="0"/>
-              <a:t>POSIX </a:t>
+          <a:bodyPr/>
+          <a:lstStyle/>
+          <a:p>
+            <a:r>
+              <a:rPr lang="ru-RU" dirty="0"/>
+              <a:t>Загрузка</a:t>
+            </a:r>
+            <a:r>
+              <a:rPr lang="en-US" dirty="0"/>
+              <a:t> </a:t>
+            </a:r>
+            <a:r>
+              <a:rPr lang="ru-RU" dirty="0"/>
+              <a:t>библиотеки</a:t>
+            </a:r>
+            <a:endParaRPr lang="en-US" dirty="0"/>
+          </a:p>
+          <a:p>
+            <a:pPr lvl="1"/>
+            <a:r>
+              <a:rPr lang="ru-RU" b="1" dirty="0"/>
+              <a:t>Релокация</a:t>
+            </a:r>
+            <a:endParaRPr lang="en-US" b="1" dirty="0"/>
+          </a:p>
+          <a:p>
+            <a:pPr lvl="1"/>
+            <a:r>
+              <a:rPr lang="ru-RU" dirty="0"/>
+              <a:t>Разрешение и </a:t>
+            </a:r>
+            <a:r>
+              <a:rPr lang="en-US" dirty="0"/>
+              <a:t>c</a:t>
+            </a:r>
+            <a:r>
+              <a:rPr lang="ru-RU" dirty="0"/>
+              <a:t>вязывание символов</a:t>
+            </a:r>
+            <a:endParaRPr lang="en-US" dirty="0"/>
+          </a:p>
+          <a:p>
+            <a:r>
+              <a:rPr lang="ru-RU" dirty="0"/>
+              <a:t>Работа с библиотекой</a:t>
+            </a:r>
+            <a:r>
+              <a:rPr lang="en-US" dirty="0"/>
+              <a:t>:</a:t>
+            </a:r>
+          </a:p>
+          <a:p>
+            <a:pPr lvl="1"/>
+            <a:r>
+              <a:rPr lang="ru-RU" dirty="0"/>
+              <a:t>Косвенные вызовы функций</a:t>
+            </a:r>
+            <a:r>
+              <a:rPr lang="en-US" dirty="0"/>
+              <a:t> </a:t>
             </a:r>
             <a:r>
               <a:rPr lang="ru-RU" dirty="0"/>
               <a:t>(</a:t>
             </a:r>
             <a:r>
-              <a:rPr lang="en-US" dirty="0" err="1"/>
-              <a:t>dlopen</a:t>
-            </a:r>
-            <a:r>
-              <a:rPr lang="en-US" dirty="0"/>
-              <a:t>, </a:t>
-            </a:r>
-            <a:r>
-              <a:rPr lang="en-US" dirty="0" err="1"/>
-              <a:t>dlsym</a:t>
-            </a:r>
-            <a:r>
-              <a:rPr lang="en-US" dirty="0"/>
-              <a:t>)</a:t>
-            </a:r>
-          </a:p>
-          <a:p>
-            <a:r>
-              <a:rPr lang="ru-RU" dirty="0"/>
-              <a:t>Имеет минимальные накладные расходы</a:t>
-            </a:r>
-            <a:endParaRPr lang="en-US" dirty="0"/>
-          </a:p>
-          <a:p>
-            <a:r>
-              <a:rPr lang="ru-RU" dirty="0"/>
-              <a:t>Поддерживает большое количество платформ</a:t>
-            </a:r>
-            <a:endParaRPr lang="en-US" dirty="0"/>
-          </a:p>
-          <a:p>
-            <a:pPr lvl="1"/>
-            <a:r>
-              <a:rPr lang="en-US" dirty="0"/>
-              <a:t>x86, ARM, AArch64, RISC-V, e2k, etc.</a:t>
-            </a:r>
-          </a:p>
-          <a:p>
-            <a:pPr lvl="1"/>
-            <a:r>
-              <a:rPr lang="en-US" dirty="0"/>
-              <a:t>Linux (+ </a:t>
-            </a:r>
-            <a:r>
-              <a:rPr lang="ru-RU" dirty="0"/>
-              <a:t>частично </a:t>
-            </a:r>
-            <a:r>
-              <a:rPr lang="en-US" dirty="0"/>
-              <a:t>BSD)</a:t>
+              <a:rPr lang="en-US" dirty="0"/>
+              <a:t>indirect calls)</a:t>
             </a:r>
           </a:p>
         </p:txBody>
@@ -26777,7 +26792,7 @@
     </p:spTree>
     <p:extLst>
       <p:ext uri="{BB962C8B-B14F-4D97-AF65-F5344CB8AC3E}">
-        <p14:creationId xmlns:p14="http://schemas.microsoft.com/office/powerpoint/2010/main" val="2978459452"/>
+        <p14:creationId xmlns:p14="http://schemas.microsoft.com/office/powerpoint/2010/main" val="1022637675"/>
       </p:ext>
     </p:extLst>
   </p:cSld>
@@ -26809,7 +26824,7 @@
           <p:cNvPr id="2" name="Title 1">
             <a:extLst>
               <a:ext uri="{FF2B5EF4-FFF2-40B4-BE49-F238E27FC236}">
-                <a16:creationId xmlns:a16="http://schemas.microsoft.com/office/drawing/2014/main" id="{0A95A14D-8CF8-471B-AF3D-26999D8951D8}"/>
+                <a16:creationId xmlns:a16="http://schemas.microsoft.com/office/drawing/2014/main" id="{7AF91015-ECCE-4F52-A094-F7A97B8372AA}"/>
               </a:ext>
             </a:extLst>
           </p:cNvPr>
@@ -26827,19 +26842,11 @@
           <a:p>
             <a:r>
               <a:rPr lang="ru-RU" dirty="0"/>
-              <a:t>Накладные расходы</a:t>
-            </a:r>
-            <a:r>
-              <a:rPr lang="en-US" dirty="0"/>
-              <a:t> </a:t>
-            </a:r>
-            <a:r>
-              <a:rPr lang="ru-RU" dirty="0"/>
-              <a:t>при использовании </a:t>
-            </a:r>
-            <a:r>
-              <a:rPr lang="en-US" dirty="0"/>
-              <a:t>DLL</a:t>
+              <a:t>Ускорение загрузки </a:t>
+            </a:r>
+            <a:r>
+              <a:rPr lang="en-US" dirty="0"/>
+              <a:t>DLL: link-time relocation</a:t>
             </a:r>
           </a:p>
         </p:txBody>
@@ -26849,7 +26856,7 @@
           <p:cNvPr id="3" name="Content Placeholder 2">
             <a:extLst>
               <a:ext uri="{FF2B5EF4-FFF2-40B4-BE49-F238E27FC236}">
-                <a16:creationId xmlns:a16="http://schemas.microsoft.com/office/drawing/2014/main" id="{5B49B649-A403-4066-8731-42F55BC6F396}"/>
+                <a16:creationId xmlns:a16="http://schemas.microsoft.com/office/drawing/2014/main" id="{2BD8BCD0-2D76-422B-99E3-FFE3CED6CBCC}"/>
               </a:ext>
             </a:extLst>
           </p:cNvPr>
@@ -26860,53 +26867,61 @@
             <p:ph idx="1"/>
           </p:nvPr>
         </p:nvSpPr>
-        <p:spPr/>
-        <p:txBody>
-          <a:bodyPr/>
-          <a:lstStyle/>
-          <a:p>
-            <a:r>
-              <a:rPr lang="ru-RU" dirty="0"/>
-              <a:t>Загрузка</a:t>
-            </a:r>
-            <a:r>
-              <a:rPr lang="en-US" dirty="0"/>
-              <a:t> </a:t>
-            </a:r>
-            <a:r>
-              <a:rPr lang="ru-RU" dirty="0"/>
-              <a:t>библиотеки</a:t>
+        <p:spPr>
+          <a:xfrm>
+            <a:off x="838200" y="1825624"/>
+            <a:ext cx="10885714" cy="4792889"/>
+          </a:xfrm>
+        </p:spPr>
+        <p:txBody>
+          <a:bodyPr>
+            <a:normAutofit/>
+          </a:bodyPr>
+          <a:lstStyle/>
+          <a:p>
+            <a:r>
+              <a:rPr lang="ru-RU" dirty="0"/>
+              <a:t>Релокации можно избежать если выбрать адрес загрузки на этапе линковки</a:t>
+            </a:r>
+            <a:r>
+              <a:rPr lang="en-US" dirty="0"/>
+              <a:t>:</a:t>
+            </a:r>
+          </a:p>
+          <a:p>
+            <a:pPr lvl="1"/>
+            <a:r>
+              <a:rPr lang="ru-RU" dirty="0"/>
+              <a:t>Просканировать все установленные программы и библиотеки</a:t>
             </a:r>
             <a:endParaRPr lang="en-US" dirty="0"/>
           </a:p>
           <a:p>
             <a:pPr lvl="1"/>
             <a:r>
-              <a:rPr lang="ru-RU" b="1" dirty="0"/>
-              <a:t>Релокация</a:t>
-            </a:r>
-            <a:endParaRPr lang="en-US" b="1" dirty="0"/>
+              <a:rPr lang="ru-RU" dirty="0"/>
+              <a:t>Статически распределить адресное пространство между всеми библиотеками</a:t>
+            </a:r>
+            <a:endParaRPr lang="en-US" dirty="0"/>
           </a:p>
           <a:p>
             <a:pPr lvl="1"/>
             <a:r>
               <a:rPr lang="ru-RU" dirty="0"/>
-              <a:t>Разрешение и </a:t>
-            </a:r>
-            <a:r>
-              <a:rPr lang="en-US" dirty="0"/>
-              <a:t>c</a:t>
-            </a:r>
-            <a:r>
-              <a:rPr lang="ru-RU" dirty="0"/>
-              <a:t>вязывание символов</a:t>
+              <a:t>Слинковать каждую библиотеку по её адресу</a:t>
+            </a:r>
+          </a:p>
+          <a:p>
+            <a:r>
+              <a:rPr lang="ru-RU" dirty="0"/>
+              <a:t>Динамический загрузчик сможет избежать релокации библиотеки</a:t>
             </a:r>
             <a:endParaRPr lang="en-US" dirty="0"/>
           </a:p>
           <a:p>
             <a:r>
               <a:rPr lang="ru-RU" dirty="0"/>
-              <a:t>Работа с библиотекой</a:t>
+              <a:t>Решение</a:t>
             </a:r>
             <a:r>
               <a:rPr lang="en-US" dirty="0"/>
@@ -26916,28 +26931,39 @@
           <a:p>
             <a:pPr lvl="1"/>
             <a:r>
-              <a:rPr lang="ru-RU" dirty="0"/>
-              <a:t>Косвенные вызовы функций</a:t>
-            </a:r>
-            <a:r>
-              <a:rPr lang="en-US" dirty="0"/>
-              <a:t> </a:t>
-            </a:r>
-            <a:r>
-              <a:rPr lang="ru-RU" dirty="0"/>
-              <a:t>(</a:t>
-            </a:r>
-            <a:r>
-              <a:rPr lang="en-US" dirty="0"/>
-              <a:t>indirect calls)</a:t>
-            </a:r>
+              <a:rPr lang="en-US" dirty="0"/>
+              <a:t>Windows: preferred load address (</a:t>
+            </a:r>
+            <a:r>
+              <a:rPr lang="ru-RU" dirty="0"/>
+              <a:t>параметр </a:t>
+            </a:r>
+            <a:r>
+              <a:rPr lang="en-US" dirty="0"/>
+              <a:t>/BASE)</a:t>
+            </a:r>
+          </a:p>
+          <a:p>
+            <a:pPr lvl="1"/>
+            <a:r>
+              <a:rPr lang="en-US" dirty="0"/>
+              <a:t>Linux: </a:t>
+            </a:r>
+            <a:r>
+              <a:rPr lang="en-US" dirty="0" err="1"/>
+              <a:t>Prelink</a:t>
+            </a:r>
+            <a:endParaRPr lang="ru-RU" dirty="0"/>
+          </a:p>
+          <a:p>
+            <a:endParaRPr lang="en-US" dirty="0"/>
           </a:p>
         </p:txBody>
       </p:sp>
     </p:spTree>
     <p:extLst>
       <p:ext uri="{BB962C8B-B14F-4D97-AF65-F5344CB8AC3E}">
-        <p14:creationId xmlns:p14="http://schemas.microsoft.com/office/powerpoint/2010/main" val="1022637675"/>
+        <p14:creationId xmlns:p14="http://schemas.microsoft.com/office/powerpoint/2010/main" val="3216698986"/>
       </p:ext>
     </p:extLst>
   </p:cSld>
@@ -27026,7 +27052,7 @@
           <a:p>
             <a:r>
               <a:rPr lang="ru-RU" dirty="0"/>
-              <a:t>Релокации можно избежать если выбрать адрес загрузки на этапе линковки</a:t>
+              <a:t>Оптимизация нерелевантна из-за современных требований к безопасности</a:t>
             </a:r>
             <a:r>
               <a:rPr lang="en-US" dirty="0"/>
@@ -27037,70 +27063,24 @@
             <a:pPr lvl="1"/>
             <a:r>
               <a:rPr lang="ru-RU" dirty="0"/>
-              <a:t>Просканировать все установленные программы и библиотеки</a:t>
-            </a:r>
-            <a:endParaRPr lang="en-US" dirty="0"/>
-          </a:p>
-          <a:p>
-            <a:pPr lvl="1"/>
-            <a:r>
-              <a:rPr lang="ru-RU" dirty="0"/>
-              <a:t>Статически распределить адресное пространство между всеми библиотеками</a:t>
-            </a:r>
-            <a:endParaRPr lang="en-US" dirty="0"/>
-          </a:p>
-          <a:p>
-            <a:pPr lvl="1"/>
-            <a:r>
-              <a:rPr lang="ru-RU" dirty="0"/>
-              <a:t>Слинковать каждую библиотеку по её адресу</a:t>
-            </a:r>
-          </a:p>
-          <a:p>
-            <a:r>
-              <a:rPr lang="ru-RU" dirty="0"/>
-              <a:t>Динамический загрузчик сможет избежать релокации библиотеки</a:t>
-            </a:r>
-            <a:endParaRPr lang="en-US" dirty="0"/>
-          </a:p>
-          <a:p>
-            <a:r>
-              <a:rPr lang="ru-RU" dirty="0"/>
-              <a:t>Решение</a:t>
-            </a:r>
-            <a:r>
-              <a:rPr lang="en-US" dirty="0"/>
-              <a:t>:</a:t>
-            </a:r>
-          </a:p>
-          <a:p>
-            <a:pPr lvl="1"/>
-            <a:r>
-              <a:rPr lang="en-US" dirty="0"/>
-              <a:t>Windows: preferred load address (</a:t>
-            </a:r>
-            <a:r>
-              <a:rPr lang="ru-RU" dirty="0"/>
-              <a:t>параметр </a:t>
-            </a:r>
-            <a:r>
-              <a:rPr lang="en-US" dirty="0"/>
-              <a:t>/BASE)</a:t>
-            </a:r>
-          </a:p>
-          <a:p>
-            <a:pPr lvl="1"/>
-            <a:r>
-              <a:rPr lang="en-US" dirty="0"/>
-              <a:t>Linux: </a:t>
-            </a:r>
-            <a:r>
-              <a:rPr lang="en-US" dirty="0" err="1"/>
-              <a:t>Prelink</a:t>
-            </a:r>
-            <a:endParaRPr lang="ru-RU" dirty="0"/>
-          </a:p>
-          <a:p>
+              <a:t>Механизм </a:t>
+            </a:r>
+            <a:r>
+              <a:rPr lang="en-US" dirty="0"/>
+              <a:t>ASLR</a:t>
+            </a:r>
+            <a:r>
+              <a:rPr lang="ru-RU" dirty="0"/>
+              <a:t> требует загружать </a:t>
+            </a:r>
+            <a:r>
+              <a:rPr lang="en-US" dirty="0"/>
+              <a:t>DLL </a:t>
+            </a:r>
+            <a:r>
+              <a:rPr lang="ru-RU" dirty="0"/>
+              <a:t>по случайным адресам (для усложнения подбора адресов хакерами)</a:t>
+            </a:r>
             <a:endParaRPr lang="en-US" dirty="0"/>
           </a:p>
         </p:txBody>
@@ -27108,7 +27088,7 @@
     </p:spTree>
     <p:extLst>
       <p:ext uri="{BB962C8B-B14F-4D97-AF65-F5344CB8AC3E}">
-        <p14:creationId xmlns:p14="http://schemas.microsoft.com/office/powerpoint/2010/main" val="3216698986"/>
+        <p14:creationId xmlns:p14="http://schemas.microsoft.com/office/powerpoint/2010/main" val="3621633948"/>
       </p:ext>
     </p:extLst>
   </p:cSld>
@@ -27140,7 +27120,7 @@
           <p:cNvPr id="2" name="Title 1">
             <a:extLst>
               <a:ext uri="{FF2B5EF4-FFF2-40B4-BE49-F238E27FC236}">
-                <a16:creationId xmlns:a16="http://schemas.microsoft.com/office/drawing/2014/main" id="{7AF91015-ECCE-4F52-A094-F7A97B8372AA}"/>
+                <a16:creationId xmlns:a16="http://schemas.microsoft.com/office/drawing/2014/main" id="{7C8F284C-309D-4DD7-B27E-CCE6D5FDB715}"/>
               </a:ext>
             </a:extLst>
           </p:cNvPr>
@@ -27158,11 +27138,19 @@
           <a:p>
             <a:r>
               <a:rPr lang="ru-RU" dirty="0"/>
-              <a:t>Ускорение загрузки </a:t>
-            </a:r>
-            <a:r>
-              <a:rPr lang="en-US" dirty="0"/>
-              <a:t>DLL: link-time relocation</a:t>
+              <a:t>Релокация библиотек</a:t>
+            </a:r>
+            <a:r>
+              <a:rPr lang="en-US" dirty="0"/>
+              <a:t>: </a:t>
+            </a:r>
+            <a:r>
+              <a:rPr lang="ru-RU" dirty="0"/>
+              <a:t>оптимизация в </a:t>
+            </a:r>
+            <a:r>
+              <a:rPr lang="en-US" dirty="0"/>
+              <a:t>Windows</a:t>
             </a:r>
           </a:p>
         </p:txBody>
@@ -27172,7 +27160,7 @@
           <p:cNvPr id="3" name="Content Placeholder 2">
             <a:extLst>
               <a:ext uri="{FF2B5EF4-FFF2-40B4-BE49-F238E27FC236}">
-                <a16:creationId xmlns:a16="http://schemas.microsoft.com/office/drawing/2014/main" id="{2BD8BCD0-2D76-422B-99E3-FFE3CED6CBCC}"/>
+                <a16:creationId xmlns:a16="http://schemas.microsoft.com/office/drawing/2014/main" id="{736E5C5C-CDCA-4CF2-B8CA-A72F4957F083}"/>
               </a:ext>
             </a:extLst>
           </p:cNvPr>
@@ -27183,57 +27171,38 @@
             <p:ph idx="1"/>
           </p:nvPr>
         </p:nvSpPr>
-        <p:spPr>
-          <a:xfrm>
-            <a:off x="838200" y="1825624"/>
-            <a:ext cx="10885714" cy="4792889"/>
-          </a:xfrm>
-        </p:spPr>
-        <p:txBody>
-          <a:bodyPr>
-            <a:normAutofit/>
-          </a:bodyPr>
-          <a:lstStyle/>
-          <a:p>
-            <a:r>
-              <a:rPr lang="ru-RU" dirty="0"/>
-              <a:t>Оптимизация нерелевантна из-за современных требований к безопасности</a:t>
-            </a:r>
-            <a:r>
-              <a:rPr lang="en-US" dirty="0"/>
-              <a:t>:</a:t>
-            </a:r>
-          </a:p>
-          <a:p>
-            <a:pPr lvl="1"/>
-            <a:r>
-              <a:rPr lang="ru-RU" dirty="0"/>
-              <a:t>Механизм </a:t>
-            </a:r>
-            <a:r>
-              <a:rPr lang="en-US" dirty="0"/>
-              <a:t>ASLR</a:t>
-            </a:r>
-            <a:r>
-              <a:rPr lang="ru-RU" dirty="0"/>
-              <a:t> требует загружать </a:t>
-            </a:r>
-            <a:r>
-              <a:rPr lang="en-US" dirty="0"/>
-              <a:t>DLL </a:t>
-            </a:r>
-            <a:r>
-              <a:rPr lang="ru-RU" dirty="0"/>
-              <a:t>по случайным адресам (для усложнения подбора адресов хакерами)</a:t>
-            </a:r>
-            <a:endParaRPr lang="en-US" dirty="0"/>
+        <p:spPr/>
+        <p:txBody>
+          <a:bodyPr/>
+          <a:lstStyle/>
+          <a:p>
+            <a:r>
+              <a:rPr lang="ru-RU" dirty="0"/>
+              <a:t>Для ускорения работы библиотека во всех процессах загружается по одному и тому же адресу</a:t>
+            </a:r>
+          </a:p>
+          <a:p>
+            <a:r>
+              <a:rPr lang="ru-RU" dirty="0"/>
+              <a:t>Накладные расходы возникают только при первой загрузке</a:t>
+            </a:r>
+          </a:p>
+          <a:p>
+            <a:r>
+              <a:rPr lang="ru-RU" dirty="0"/>
+              <a:t>Работает только в современных версиях </a:t>
+            </a:r>
+            <a:r>
+              <a:rPr lang="en-US" dirty="0"/>
+              <a:t>Windows</a:t>
+            </a:r>
           </a:p>
         </p:txBody>
       </p:sp>
     </p:spTree>
     <p:extLst>
       <p:ext uri="{BB962C8B-B14F-4D97-AF65-F5344CB8AC3E}">
-        <p14:creationId xmlns:p14="http://schemas.microsoft.com/office/powerpoint/2010/main" val="3621633948"/>
+        <p14:creationId xmlns:p14="http://schemas.microsoft.com/office/powerpoint/2010/main" val="1003070452"/>
       </p:ext>
     </p:extLst>
   </p:cSld>

--- a/2024/RU.pptx
+++ b/2024/RU.pptx
@@ -5,7 +5,7 @@
     <p:sldMasterId id="2147483648" r:id="rId1"/>
   </p:sldMasterIdLst>
   <p:notesMasterIdLst>
-    <p:notesMasterId r:id="rId81"/>
+    <p:notesMasterId r:id="rId82"/>
   </p:notesMasterIdLst>
   <p:sldIdLst>
     <p:sldId id="256" r:id="rId2"/>
@@ -59,34 +59,35 @@
     <p:sldId id="322" r:id="rId50"/>
     <p:sldId id="334" r:id="rId51"/>
     <p:sldId id="320" r:id="rId52"/>
-    <p:sldId id="348" r:id="rId53"/>
-    <p:sldId id="312" r:id="rId54"/>
-    <p:sldId id="335" r:id="rId55"/>
-    <p:sldId id="344" r:id="rId56"/>
-    <p:sldId id="380" r:id="rId57"/>
-    <p:sldId id="323" r:id="rId58"/>
-    <p:sldId id="345" r:id="rId59"/>
-    <p:sldId id="351" r:id="rId60"/>
-    <p:sldId id="336" r:id="rId61"/>
-    <p:sldId id="324" r:id="rId62"/>
-    <p:sldId id="326" r:id="rId63"/>
-    <p:sldId id="327" r:id="rId64"/>
-    <p:sldId id="347" r:id="rId65"/>
-    <p:sldId id="328" r:id="rId66"/>
-    <p:sldId id="330" r:id="rId67"/>
-    <p:sldId id="365" r:id="rId68"/>
-    <p:sldId id="364" r:id="rId69"/>
-    <p:sldId id="338" r:id="rId70"/>
-    <p:sldId id="379" r:id="rId71"/>
-    <p:sldId id="377" r:id="rId72"/>
-    <p:sldId id="378" r:id="rId73"/>
-    <p:sldId id="319" r:id="rId74"/>
-    <p:sldId id="299" r:id="rId75"/>
-    <p:sldId id="352" r:id="rId76"/>
-    <p:sldId id="353" r:id="rId77"/>
-    <p:sldId id="349" r:id="rId78"/>
-    <p:sldId id="350" r:id="rId79"/>
-    <p:sldId id="346" r:id="rId80"/>
+    <p:sldId id="393" r:id="rId53"/>
+    <p:sldId id="348" r:id="rId54"/>
+    <p:sldId id="312" r:id="rId55"/>
+    <p:sldId id="335" r:id="rId56"/>
+    <p:sldId id="344" r:id="rId57"/>
+    <p:sldId id="380" r:id="rId58"/>
+    <p:sldId id="323" r:id="rId59"/>
+    <p:sldId id="345" r:id="rId60"/>
+    <p:sldId id="351" r:id="rId61"/>
+    <p:sldId id="336" r:id="rId62"/>
+    <p:sldId id="324" r:id="rId63"/>
+    <p:sldId id="326" r:id="rId64"/>
+    <p:sldId id="327" r:id="rId65"/>
+    <p:sldId id="347" r:id="rId66"/>
+    <p:sldId id="328" r:id="rId67"/>
+    <p:sldId id="330" r:id="rId68"/>
+    <p:sldId id="365" r:id="rId69"/>
+    <p:sldId id="364" r:id="rId70"/>
+    <p:sldId id="338" r:id="rId71"/>
+    <p:sldId id="379" r:id="rId72"/>
+    <p:sldId id="377" r:id="rId73"/>
+    <p:sldId id="378" r:id="rId74"/>
+    <p:sldId id="319" r:id="rId75"/>
+    <p:sldId id="299" r:id="rId76"/>
+    <p:sldId id="352" r:id="rId77"/>
+    <p:sldId id="353" r:id="rId78"/>
+    <p:sldId id="349" r:id="rId79"/>
+    <p:sldId id="350" r:id="rId80"/>
+    <p:sldId id="346" r:id="rId81"/>
   </p:sldIdLst>
   <p:sldSz cx="12192000" cy="6858000"/>
   <p:notesSz cx="6858000" cy="9144000"/>
@@ -195,7 +196,7 @@
 
 <file path=ppt/commentAuthors.xml><?xml version="1.0" encoding="utf-8"?>
 <p:cmAuthorLst xmlns:a="http://schemas.openxmlformats.org/drawingml/2006/main" xmlns:r="http://schemas.openxmlformats.org/officeDocument/2006/relationships" xmlns:p="http://schemas.openxmlformats.org/presentationml/2006/main">
-  <p:cmAuthor id="1" name="Asus" initials="A" lastIdx="5" clrIdx="0">
+  <p:cmAuthor id="1" name="Asus" initials="A" lastIdx="6" clrIdx="0">
     <p:extLst>
       <p:ext uri="{19B8F6BF-5375-455C-9EA6-DF929625EA0E}">
         <p15:presenceInfo xmlns:p15="http://schemas.microsoft.com/office/powerpoint/2012/main" userId="Asus" providerId="None"/>
@@ -287,7 +288,7 @@
           <a:p>
             <a:fld id="{A36A2EB4-42A0-4A9F-94AC-04D10C1F231A}" type="datetimeFigureOut">
               <a:rPr lang="en-US" smtClean="0"/>
-              <a:t>5/21/2024</a:t>
+              <a:t>5/25/2024</a:t>
             </a:fld>
             <a:endParaRPr lang="en-US"/>
           </a:p>
@@ -4553,7 +4554,7 @@
             </a:r>
             <a:r>
               <a:rPr lang="ru-RU" dirty="0"/>
-              <a:t>выбрать непересекающиеся адреса в адресном простанстве процесса и слинковать их, исходя из того что они будут загружены по этим адресам. Загрузчик при загрузке увидит что адреса свободны и не будет проводить релокацию.</a:t>
+              <a:t>выбрать непересекающиеся адреса в адресном простанстве процесса и слинковать их, исходя из того что они будут загружены по этим адресам. Тогда мы могли бы перенести расходы на релокацию с этапа рантайма на этап линктайма. Загрузчик при загрузке увидит что адреса свободны и не будет проводить релокацию.</a:t>
             </a:r>
             <a:endParaRPr lang="en-US" dirty="0"/>
           </a:p>
@@ -4721,7 +4722,7 @@
           <a:p>
             <a:fld id="{3AC94D10-082F-46D7-A834-266F9222130F}" type="slidenum">
               <a:rPr lang="en-US" smtClean="0"/>
-              <a:t>52</a:t>
+              <a:t>53</a:t>
             </a:fld>
             <a:endParaRPr lang="en-US"/>
           </a:p>
@@ -4850,7 +4851,7 @@
           <a:p>
             <a:fld id="{3AC94D10-082F-46D7-A834-266F9222130F}" type="slidenum">
               <a:rPr lang="en-US" smtClean="0"/>
-              <a:t>53</a:t>
+              <a:t>54</a:t>
             </a:fld>
             <a:endParaRPr lang="en-US"/>
           </a:p>
@@ -4938,7 +4939,7 @@
           <a:p>
             <a:fld id="{3AC94D10-082F-46D7-A834-266F9222130F}" type="slidenum">
               <a:rPr lang="en-US" smtClean="0"/>
-              <a:t>54</a:t>
+              <a:t>55</a:t>
             </a:fld>
             <a:endParaRPr lang="en-US"/>
           </a:p>
@@ -5022,7 +5023,7 @@
           <a:p>
             <a:fld id="{3AC94D10-082F-46D7-A834-266F9222130F}" type="slidenum">
               <a:rPr lang="en-US" smtClean="0"/>
-              <a:t>55</a:t>
+              <a:t>56</a:t>
             </a:fld>
             <a:endParaRPr lang="en-US"/>
           </a:p>
@@ -5160,7 +5161,7 @@
           <a:p>
             <a:fld id="{3AC94D10-082F-46D7-A834-266F9222130F}" type="slidenum">
               <a:rPr lang="en-US" smtClean="0"/>
-              <a:t>56</a:t>
+              <a:t>57</a:t>
             </a:fld>
             <a:endParaRPr lang="en-US"/>
           </a:p>
@@ -5351,7 +5352,7 @@
           <a:p>
             <a:fld id="{3AC94D10-082F-46D7-A834-266F9222130F}" type="slidenum">
               <a:rPr lang="en-US" smtClean="0"/>
-              <a:t>57</a:t>
+              <a:t>58</a:t>
             </a:fld>
             <a:endParaRPr lang="en-US"/>
           </a:p>
@@ -5435,7 +5436,7 @@
           <a:p>
             <a:fld id="{3AC94D10-082F-46D7-A834-266F9222130F}" type="slidenum">
               <a:rPr lang="en-US" smtClean="0"/>
-              <a:t>58</a:t>
+              <a:t>59</a:t>
             </a:fld>
             <a:endParaRPr lang="en-US"/>
           </a:p>
@@ -5654,7 +5655,7 @@
           <a:p>
             <a:fld id="{3AC94D10-082F-46D7-A834-266F9222130F}" type="slidenum">
               <a:rPr lang="en-US" smtClean="0"/>
-              <a:t>59</a:t>
+              <a:t>60</a:t>
             </a:fld>
             <a:endParaRPr lang="en-US"/>
           </a:p>
@@ -5755,7 +5756,7 @@
           <a:p>
             <a:fld id="{3AC94D10-082F-46D7-A834-266F9222130F}" type="slidenum">
               <a:rPr lang="en-US" smtClean="0"/>
-              <a:t>60</a:t>
+              <a:t>61</a:t>
             </a:fld>
             <a:endParaRPr lang="en-US"/>
           </a:p>
@@ -5820,7 +5821,7 @@
           <a:p>
             <a:r>
               <a:rPr lang="ru-RU" dirty="0"/>
-              <a:t>Дело в том что на </a:t>
+              <a:t>Эта проблема наиболее актуальна для </a:t>
             </a:r>
             <a:r>
               <a:rPr lang="en-US" dirty="0"/>
@@ -5828,7 +5829,7 @@
             </a:r>
             <a:r>
               <a:rPr lang="ru-RU" dirty="0"/>
-              <a:t>все библиотечные функции по умолчанию являются экспортируемыми (для того чтобы </a:t>
+              <a:t>из-за того что там все библиотечные функции по умолчанию являются экспортируемыми (для того чтобы </a:t>
             </a:r>
             <a:r>
               <a:rPr lang="en-US" dirty="0"/>
@@ -5886,7 +5887,7 @@
           <a:p>
             <a:fld id="{3AC94D10-082F-46D7-A834-266F9222130F}" type="slidenum">
               <a:rPr lang="en-US" smtClean="0"/>
-              <a:t>61</a:t>
+              <a:t>62</a:t>
             </a:fld>
             <a:endParaRPr lang="en-US"/>
           </a:p>
@@ -6022,7 +6023,7 @@
           <a:p>
             <a:fld id="{3AC94D10-082F-46D7-A834-266F9222130F}" type="slidenum">
               <a:rPr lang="en-US" smtClean="0"/>
-              <a:t>62</a:t>
+              <a:t>63</a:t>
             </a:fld>
             <a:endParaRPr lang="en-US"/>
           </a:p>
@@ -6189,7 +6190,7 @@
           <a:p>
             <a:fld id="{3AC94D10-082F-46D7-A834-266F9222130F}" type="slidenum">
               <a:rPr lang="en-US" smtClean="0"/>
-              <a:t>63</a:t>
+              <a:t>64</a:t>
             </a:fld>
             <a:endParaRPr lang="en-US"/>
           </a:p>
@@ -6273,7 +6274,7 @@
           <a:p>
             <a:fld id="{3AC94D10-082F-46D7-A834-266F9222130F}" type="slidenum">
               <a:rPr lang="en-US" smtClean="0"/>
-              <a:t>64</a:t>
+              <a:t>65</a:t>
             </a:fld>
             <a:endParaRPr lang="en-US"/>
           </a:p>
@@ -6428,7 +6429,7 @@
           <a:p>
             <a:fld id="{3AC94D10-082F-46D7-A834-266F9222130F}" type="slidenum">
               <a:rPr lang="en-US" smtClean="0"/>
-              <a:t>65</a:t>
+              <a:t>66</a:t>
             </a:fld>
             <a:endParaRPr lang="en-US"/>
           </a:p>
@@ -6541,7 +6542,7 @@
           <a:p>
             <a:fld id="{3AC94D10-082F-46D7-A834-266F9222130F}" type="slidenum">
               <a:rPr lang="en-US" smtClean="0"/>
-              <a:t>66</a:t>
+              <a:t>67</a:t>
             </a:fld>
             <a:endParaRPr lang="en-US"/>
           </a:p>
@@ -6656,7 +6657,7 @@
           <a:p>
             <a:fld id="{3AC94D10-082F-46D7-A834-266F9222130F}" type="slidenum">
               <a:rPr lang="en-US" smtClean="0"/>
-              <a:t>67</a:t>
+              <a:t>68</a:t>
             </a:fld>
             <a:endParaRPr lang="en-US"/>
           </a:p>
@@ -6768,7 +6769,7 @@
           <a:p>
             <a:fld id="{3AC94D10-082F-46D7-A834-266F9222130F}" type="slidenum">
               <a:rPr lang="en-US" smtClean="0"/>
-              <a:t>68</a:t>
+              <a:t>69</a:t>
             </a:fld>
             <a:endParaRPr lang="en-US"/>
           </a:p>
@@ -6967,7 +6968,7 @@
           <a:p>
             <a:fld id="{3AC94D10-082F-46D7-A834-266F9222130F}" type="slidenum">
               <a:rPr lang="en-US" smtClean="0"/>
-              <a:t>69</a:t>
+              <a:t>70</a:t>
             </a:fld>
             <a:endParaRPr lang="en-US"/>
           </a:p>
@@ -7051,7 +7052,7 @@
           <a:p>
             <a:fld id="{3AC94D10-082F-46D7-A834-266F9222130F}" type="slidenum">
               <a:rPr lang="en-US" smtClean="0"/>
-              <a:t>70</a:t>
+              <a:t>71</a:t>
             </a:fld>
             <a:endParaRPr lang="en-US"/>
           </a:p>
@@ -7135,7 +7136,7 @@
           <a:p>
             <a:fld id="{3AC94D10-082F-46D7-A834-266F9222130F}" type="slidenum">
               <a:rPr lang="en-US" smtClean="0"/>
-              <a:t>71</a:t>
+              <a:t>72</a:t>
             </a:fld>
             <a:endParaRPr lang="en-US"/>
           </a:p>
@@ -7219,7 +7220,7 @@
           <a:p>
             <a:fld id="{3AC94D10-082F-46D7-A834-266F9222130F}" type="slidenum">
               <a:rPr lang="en-US" smtClean="0"/>
-              <a:t>72</a:t>
+              <a:t>73</a:t>
             </a:fld>
             <a:endParaRPr lang="en-US"/>
           </a:p>
@@ -7721,7 +7722,7 @@
           <a:p>
             <a:fld id="{83D30A23-1FB6-43A1-891F-95145083C4E9}" type="datetime1">
               <a:rPr lang="en-US" smtClean="0"/>
-              <a:t>5/21/2024</a:t>
+              <a:t>5/25/2024</a:t>
             </a:fld>
             <a:endParaRPr lang="en-US"/>
           </a:p>
@@ -7919,7 +7920,7 @@
           <a:p>
             <a:fld id="{A4B03399-60D8-4226-8AC7-3F159D57E860}" type="datetime1">
               <a:rPr lang="en-US" smtClean="0"/>
-              <a:t>5/21/2024</a:t>
+              <a:t>5/25/2024</a:t>
             </a:fld>
             <a:endParaRPr lang="en-US"/>
           </a:p>
@@ -8127,7 +8128,7 @@
           <a:p>
             <a:fld id="{1A646459-A066-416D-8E21-9D451FB1CBED}" type="datetime1">
               <a:rPr lang="en-US" smtClean="0"/>
-              <a:t>5/21/2024</a:t>
+              <a:t>5/25/2024</a:t>
             </a:fld>
             <a:endParaRPr lang="en-US"/>
           </a:p>
@@ -8325,7 +8326,7 @@
           <a:p>
             <a:fld id="{0636B939-1A2A-498F-9013-EEF28820D750}" type="datetime1">
               <a:rPr lang="en-US" smtClean="0"/>
-              <a:t>5/21/2024</a:t>
+              <a:t>5/25/2024</a:t>
             </a:fld>
             <a:endParaRPr lang="en-US"/>
           </a:p>
@@ -8419,7 +8420,7 @@
             </a:fld>
             <a:r>
               <a:rPr lang="en-US" dirty="0"/>
-              <a:t>/74</a:t>
+              <a:t>/75</a:t>
             </a:r>
           </a:p>
         </p:txBody>
@@ -8639,7 +8640,7 @@
           <a:p>
             <a:fld id="{97D3760A-E884-42F2-A44C-F32FAA030BF6}" type="datetime1">
               <a:rPr lang="en-US" smtClean="0"/>
-              <a:t>5/21/2024</a:t>
+              <a:t>5/25/2024</a:t>
             </a:fld>
             <a:endParaRPr lang="en-US"/>
           </a:p>
@@ -8904,7 +8905,7 @@
           <a:p>
             <a:fld id="{4FC7535E-ABF1-4A69-B09E-251EF8B13143}" type="datetime1">
               <a:rPr lang="en-US" smtClean="0"/>
-              <a:t>5/21/2024</a:t>
+              <a:t>5/25/2024</a:t>
             </a:fld>
             <a:endParaRPr lang="en-US"/>
           </a:p>
@@ -9316,7 +9317,7 @@
           <a:p>
             <a:fld id="{CE54BCFC-68A7-4C68-9600-D4AAA16CF9A6}" type="datetime1">
               <a:rPr lang="en-US" smtClean="0"/>
-              <a:t>5/21/2024</a:t>
+              <a:t>5/25/2024</a:t>
             </a:fld>
             <a:endParaRPr lang="en-US"/>
           </a:p>
@@ -9457,7 +9458,7 @@
           <a:p>
             <a:fld id="{0F981744-C4F3-4F58-9E0E-AF6C4E78D03B}" type="datetime1">
               <a:rPr lang="en-US" smtClean="0"/>
-              <a:t>5/21/2024</a:t>
+              <a:t>5/25/2024</a:t>
             </a:fld>
             <a:endParaRPr lang="en-US"/>
           </a:p>
@@ -9570,7 +9571,7 @@
           <a:p>
             <a:fld id="{98ED47E1-EA96-4683-9629-E838295B20BC}" type="datetime1">
               <a:rPr lang="en-US" smtClean="0"/>
-              <a:t>5/21/2024</a:t>
+              <a:t>5/25/2024</a:t>
             </a:fld>
             <a:endParaRPr lang="en-US"/>
           </a:p>
@@ -9881,7 +9882,7 @@
           <a:p>
             <a:fld id="{2F2A1627-B435-455B-A0CA-0808E5748D61}" type="datetime1">
               <a:rPr lang="en-US" smtClean="0"/>
-              <a:t>5/21/2024</a:t>
+              <a:t>5/25/2024</a:t>
             </a:fld>
             <a:endParaRPr lang="en-US"/>
           </a:p>
@@ -10169,7 +10170,7 @@
           <a:p>
             <a:fld id="{FE11CB43-EB9E-4C41-ACD2-0EC61FB429F2}" type="datetime1">
               <a:rPr lang="en-US" smtClean="0"/>
-              <a:t>5/21/2024</a:t>
+              <a:t>5/25/2024</a:t>
             </a:fld>
             <a:endParaRPr lang="en-US"/>
           </a:p>
@@ -10410,7 +10411,7 @@
           <a:p>
             <a:fld id="{CC0B8F92-0932-40E4-878B-3E2E4AAA6810}" type="datetime1">
               <a:rPr lang="en-US" smtClean="0"/>
-              <a:t>5/21/2024</a:t>
+              <a:t>5/25/2024</a:t>
             </a:fld>
             <a:endParaRPr lang="en-US"/>
           </a:p>
@@ -26908,7 +26909,7 @@
             <a:pPr lvl="1"/>
             <a:r>
               <a:rPr lang="ru-RU" dirty="0"/>
-              <a:t>Слинковать каждую библиотеку по её адресу</a:t>
+              <a:t>Слинковать каждую библиотеку по выделенному ей адресу</a:t>
             </a:r>
           </a:p>
           <a:p>
@@ -26995,7 +26996,7 @@
           <p:cNvPr id="2" name="Title 1">
             <a:extLst>
               <a:ext uri="{FF2B5EF4-FFF2-40B4-BE49-F238E27FC236}">
-                <a16:creationId xmlns:a16="http://schemas.microsoft.com/office/drawing/2014/main" id="{7AF91015-ECCE-4F52-A094-F7A97B8372AA}"/>
+                <a16:creationId xmlns:a16="http://schemas.microsoft.com/office/drawing/2014/main" id="{795E9FF5-23F1-4D72-A831-758DA0BBA172}"/>
               </a:ext>
             </a:extLst>
           </p:cNvPr>
@@ -27004,91 +27005,970 @@
           </p:cNvSpPr>
           <p:nvPr>
             <p:ph type="title"/>
-          </p:nvPr>
-        </p:nvSpPr>
-        <p:spPr/>
-        <p:txBody>
-          <a:bodyPr/>
-          <a:lstStyle/>
-          <a:p>
-            <a:r>
-              <a:rPr lang="ru-RU" dirty="0"/>
-              <a:t>Ускорение загрузки </a:t>
-            </a:r>
-            <a:r>
-              <a:rPr lang="en-US" dirty="0"/>
-              <a:t>DLL: link-time relocation</a:t>
-            </a:r>
-          </a:p>
-        </p:txBody>
-      </p:sp>
-      <p:sp>
-        <p:nvSpPr>
-          <p:cNvPr id="3" name="Content Placeholder 2">
-            <a:extLst>
-              <a:ext uri="{FF2B5EF4-FFF2-40B4-BE49-F238E27FC236}">
-                <a16:creationId xmlns:a16="http://schemas.microsoft.com/office/drawing/2014/main" id="{2BD8BCD0-2D76-422B-99E3-FFE3CED6CBCC}"/>
-              </a:ext>
-            </a:extLst>
-          </p:cNvPr>
-          <p:cNvSpPr>
-            <a:spLocks noGrp="1"/>
-          </p:cNvSpPr>
-          <p:nvPr>
-            <p:ph idx="1"/>
           </p:nvPr>
         </p:nvSpPr>
         <p:spPr>
           <a:xfrm>
-            <a:off x="838200" y="1825624"/>
-            <a:ext cx="10885714" cy="4792889"/>
+            <a:off x="838200" y="16780"/>
+            <a:ext cx="10515600" cy="1325563"/>
           </a:xfrm>
         </p:spPr>
         <p:txBody>
-          <a:bodyPr>
-            <a:normAutofit/>
+          <a:bodyPr/>
+          <a:lstStyle/>
+          <a:p>
+            <a:r>
+              <a:rPr lang="en-US" dirty="0"/>
+              <a:t>Address-space Layout Randomization</a:t>
+            </a:r>
+          </a:p>
+        </p:txBody>
+      </p:sp>
+      <p:sp>
+        <p:nvSpPr>
+          <p:cNvPr id="4" name="Rectangle 3">
+            <a:extLst>
+              <a:ext uri="{FF2B5EF4-FFF2-40B4-BE49-F238E27FC236}">
+                <a16:creationId xmlns:a16="http://schemas.microsoft.com/office/drawing/2014/main" id="{615E7E09-FFD2-4B9B-A091-20AA1C974BC5}"/>
+              </a:ext>
+            </a:extLst>
+          </p:cNvPr>
+          <p:cNvSpPr/>
+          <p:nvPr/>
+        </p:nvSpPr>
+        <p:spPr>
+          <a:xfrm>
+            <a:off x="2231571" y="1556659"/>
+            <a:ext cx="1752600" cy="5029200"/>
+          </a:xfrm>
+          <a:prstGeom prst="rect">
+            <a:avLst/>
+          </a:prstGeom>
+          <a:noFill/>
+        </p:spPr>
+        <p:style>
+          <a:lnRef idx="2">
+            <a:schemeClr val="accent1">
+              <a:shade val="50000"/>
+            </a:schemeClr>
+          </a:lnRef>
+          <a:fillRef idx="1">
+            <a:schemeClr val="accent1"/>
+          </a:fillRef>
+          <a:effectRef idx="0">
+            <a:schemeClr val="accent1"/>
+          </a:effectRef>
+          <a:fontRef idx="minor">
+            <a:schemeClr val="lt1"/>
+          </a:fontRef>
+        </p:style>
+        <p:txBody>
+          <a:bodyPr rtlCol="0" anchor="ctr"/>
+          <a:lstStyle/>
+          <a:p>
+            <a:pPr algn="ctr"/>
+            <a:endParaRPr lang="en-US"/>
+          </a:p>
+        </p:txBody>
+      </p:sp>
+      <p:sp>
+        <p:nvSpPr>
+          <p:cNvPr id="5" name="Rectangle 4">
+            <a:extLst>
+              <a:ext uri="{FF2B5EF4-FFF2-40B4-BE49-F238E27FC236}">
+                <a16:creationId xmlns:a16="http://schemas.microsoft.com/office/drawing/2014/main" id="{37DB833C-C370-4190-BD81-42326CBB0929}"/>
+              </a:ext>
+            </a:extLst>
+          </p:cNvPr>
+          <p:cNvSpPr/>
+          <p:nvPr/>
+        </p:nvSpPr>
+        <p:spPr>
+          <a:xfrm>
+            <a:off x="2231571" y="1992087"/>
+            <a:ext cx="1752600" cy="435428"/>
+          </a:xfrm>
+          <a:prstGeom prst="rect">
+            <a:avLst/>
+          </a:prstGeom>
+        </p:spPr>
+        <p:style>
+          <a:lnRef idx="2">
+            <a:schemeClr val="accent1">
+              <a:shade val="50000"/>
+            </a:schemeClr>
+          </a:lnRef>
+          <a:fillRef idx="1">
+            <a:schemeClr val="accent1"/>
+          </a:fillRef>
+          <a:effectRef idx="0">
+            <a:schemeClr val="accent1"/>
+          </a:effectRef>
+          <a:fontRef idx="minor">
+            <a:schemeClr val="lt1"/>
+          </a:fontRef>
+        </p:style>
+        <p:txBody>
+          <a:bodyPr rtlCol="0" anchor="ctr"/>
+          <a:lstStyle/>
+          <a:p>
+            <a:pPr algn="ctr"/>
+            <a:r>
+              <a:rPr lang="en-US" dirty="0"/>
+              <a:t>Code</a:t>
+            </a:r>
+          </a:p>
+        </p:txBody>
+      </p:sp>
+      <p:sp>
+        <p:nvSpPr>
+          <p:cNvPr id="7" name="Rectangle 6">
+            <a:extLst>
+              <a:ext uri="{FF2B5EF4-FFF2-40B4-BE49-F238E27FC236}">
+                <a16:creationId xmlns:a16="http://schemas.microsoft.com/office/drawing/2014/main" id="{043AD97B-7A7B-478C-8307-F6F6D655FD23}"/>
+              </a:ext>
+            </a:extLst>
+          </p:cNvPr>
+          <p:cNvSpPr/>
+          <p:nvPr/>
+        </p:nvSpPr>
+        <p:spPr>
+          <a:xfrm>
+            <a:off x="2231569" y="2427515"/>
+            <a:ext cx="1752600" cy="435428"/>
+          </a:xfrm>
+          <a:prstGeom prst="rect">
+            <a:avLst/>
+          </a:prstGeom>
+          <a:solidFill>
+            <a:schemeClr val="accent4"/>
+          </a:solidFill>
+        </p:spPr>
+        <p:style>
+          <a:lnRef idx="2">
+            <a:schemeClr val="accent1">
+              <a:shade val="50000"/>
+            </a:schemeClr>
+          </a:lnRef>
+          <a:fillRef idx="1">
+            <a:schemeClr val="accent1"/>
+          </a:fillRef>
+          <a:effectRef idx="0">
+            <a:schemeClr val="accent1"/>
+          </a:effectRef>
+          <a:fontRef idx="minor">
+            <a:schemeClr val="lt1"/>
+          </a:fontRef>
+        </p:style>
+        <p:txBody>
+          <a:bodyPr rtlCol="0" anchor="ctr"/>
+          <a:lstStyle/>
+          <a:p>
+            <a:pPr algn="ctr"/>
+            <a:r>
+              <a:rPr lang="en-US" dirty="0"/>
+              <a:t>Stack</a:t>
+            </a:r>
+          </a:p>
+        </p:txBody>
+      </p:sp>
+      <p:sp>
+        <p:nvSpPr>
+          <p:cNvPr id="9" name="Rectangle 8">
+            <a:extLst>
+              <a:ext uri="{FF2B5EF4-FFF2-40B4-BE49-F238E27FC236}">
+                <a16:creationId xmlns:a16="http://schemas.microsoft.com/office/drawing/2014/main" id="{E956E45B-F72F-4B7C-B799-DD10317D6B98}"/>
+              </a:ext>
+            </a:extLst>
+          </p:cNvPr>
+          <p:cNvSpPr/>
+          <p:nvPr/>
+        </p:nvSpPr>
+        <p:spPr>
+          <a:xfrm>
+            <a:off x="2231569" y="2862943"/>
+            <a:ext cx="1752600" cy="435428"/>
+          </a:xfrm>
+          <a:prstGeom prst="rect">
+            <a:avLst/>
+          </a:prstGeom>
+          <a:solidFill>
+            <a:schemeClr val="accent3"/>
+          </a:solidFill>
+        </p:spPr>
+        <p:style>
+          <a:lnRef idx="2">
+            <a:schemeClr val="accent1">
+              <a:shade val="50000"/>
+            </a:schemeClr>
+          </a:lnRef>
+          <a:fillRef idx="1">
+            <a:schemeClr val="accent1"/>
+          </a:fillRef>
+          <a:effectRef idx="0">
+            <a:schemeClr val="accent1"/>
+          </a:effectRef>
+          <a:fontRef idx="minor">
+            <a:schemeClr val="lt1"/>
+          </a:fontRef>
+        </p:style>
+        <p:txBody>
+          <a:bodyPr rtlCol="0" anchor="ctr"/>
+          <a:lstStyle/>
+          <a:p>
+            <a:pPr algn="ctr"/>
+            <a:r>
+              <a:rPr lang="en-US" dirty="0"/>
+              <a:t>Heap</a:t>
+            </a:r>
+          </a:p>
+        </p:txBody>
+      </p:sp>
+      <p:sp>
+        <p:nvSpPr>
+          <p:cNvPr id="11" name="TextBox 10">
+            <a:extLst>
+              <a:ext uri="{FF2B5EF4-FFF2-40B4-BE49-F238E27FC236}">
+                <a16:creationId xmlns:a16="http://schemas.microsoft.com/office/drawing/2014/main" id="{ECF7B1C1-4440-4E41-9D0F-389F3B2B5DD0}"/>
+              </a:ext>
+            </a:extLst>
+          </p:cNvPr>
+          <p:cNvSpPr txBox="1"/>
+          <p:nvPr/>
+        </p:nvSpPr>
+        <p:spPr>
+          <a:xfrm>
+            <a:off x="1632857" y="1385888"/>
+            <a:ext cx="696685" cy="369332"/>
+          </a:xfrm>
+          <a:prstGeom prst="rect">
+            <a:avLst/>
+          </a:prstGeom>
+          <a:noFill/>
+        </p:spPr>
+        <p:txBody>
+          <a:bodyPr wrap="square" rtlCol="0">
+            <a:spAutoFit/>
           </a:bodyPr>
           <a:lstStyle/>
           <a:p>
             <a:r>
-              <a:rPr lang="ru-RU" dirty="0"/>
-              <a:t>Оптимизация нерелевантна из-за современных требований к безопасности</a:t>
-            </a:r>
-            <a:r>
-              <a:rPr lang="en-US" dirty="0"/>
-              <a:t>:</a:t>
-            </a:r>
-          </a:p>
-          <a:p>
-            <a:pPr lvl="1"/>
-            <a:r>
-              <a:rPr lang="ru-RU" dirty="0"/>
-              <a:t>Механизм </a:t>
-            </a:r>
-            <a:r>
-              <a:rPr lang="en-US" dirty="0"/>
-              <a:t>ASLR</a:t>
-            </a:r>
-            <a:r>
-              <a:rPr lang="ru-RU" dirty="0"/>
-              <a:t> требует загружать </a:t>
-            </a:r>
+              <a:rPr lang="en-US" dirty="0"/>
+              <a:t>0x0</a:t>
+            </a:r>
+          </a:p>
+        </p:txBody>
+      </p:sp>
+      <p:sp>
+        <p:nvSpPr>
+          <p:cNvPr id="12" name="TextBox 11">
+            <a:extLst>
+              <a:ext uri="{FF2B5EF4-FFF2-40B4-BE49-F238E27FC236}">
+                <a16:creationId xmlns:a16="http://schemas.microsoft.com/office/drawing/2014/main" id="{68CF5841-423B-4EAF-AB28-B9F7E0BAFD2B}"/>
+              </a:ext>
+            </a:extLst>
+          </p:cNvPr>
+          <p:cNvSpPr txBox="1"/>
+          <p:nvPr/>
+        </p:nvSpPr>
+        <p:spPr>
+          <a:xfrm>
+            <a:off x="1317173" y="6401193"/>
+            <a:ext cx="1110342" cy="369332"/>
+          </a:xfrm>
+          <a:prstGeom prst="rect">
+            <a:avLst/>
+          </a:prstGeom>
+          <a:noFill/>
+        </p:spPr>
+        <p:txBody>
+          <a:bodyPr wrap="square" rtlCol="0">
+            <a:spAutoFit/>
+          </a:bodyPr>
+          <a:lstStyle/>
+          <a:p>
+            <a:r>
+              <a:rPr lang="en-US" dirty="0"/>
+              <a:t>0xff…ff</a:t>
+            </a:r>
+          </a:p>
+        </p:txBody>
+      </p:sp>
+      <p:sp>
+        <p:nvSpPr>
+          <p:cNvPr id="13" name="Rectangle 12">
+            <a:extLst>
+              <a:ext uri="{FF2B5EF4-FFF2-40B4-BE49-F238E27FC236}">
+                <a16:creationId xmlns:a16="http://schemas.microsoft.com/office/drawing/2014/main" id="{342FC09B-F591-49D5-9273-159962847688}"/>
+              </a:ext>
+            </a:extLst>
+          </p:cNvPr>
+          <p:cNvSpPr/>
+          <p:nvPr/>
+        </p:nvSpPr>
+        <p:spPr>
+          <a:xfrm>
+            <a:off x="2231569" y="3287632"/>
+            <a:ext cx="1752600" cy="435428"/>
+          </a:xfrm>
+          <a:prstGeom prst="rect">
+            <a:avLst/>
+          </a:prstGeom>
+          <a:solidFill>
+            <a:schemeClr val="accent6"/>
+          </a:solidFill>
+        </p:spPr>
+        <p:style>
+          <a:lnRef idx="2">
+            <a:schemeClr val="accent1">
+              <a:shade val="50000"/>
+            </a:schemeClr>
+          </a:lnRef>
+          <a:fillRef idx="1">
+            <a:schemeClr val="accent1"/>
+          </a:fillRef>
+          <a:effectRef idx="0">
+            <a:schemeClr val="accent1"/>
+          </a:effectRef>
+          <a:fontRef idx="minor">
+            <a:schemeClr val="lt1"/>
+          </a:fontRef>
+        </p:style>
+        <p:txBody>
+          <a:bodyPr rtlCol="0" anchor="ctr"/>
+          <a:lstStyle/>
+          <a:p>
+            <a:pPr algn="ctr"/>
+            <a:r>
+              <a:rPr lang="en-US" dirty="0"/>
+              <a:t>DLL 1</a:t>
+            </a:r>
+          </a:p>
+        </p:txBody>
+      </p:sp>
+      <p:sp>
+        <p:nvSpPr>
+          <p:cNvPr id="14" name="Rectangle 13">
+            <a:extLst>
+              <a:ext uri="{FF2B5EF4-FFF2-40B4-BE49-F238E27FC236}">
+                <a16:creationId xmlns:a16="http://schemas.microsoft.com/office/drawing/2014/main" id="{27F5FA83-FC33-41B5-AC38-F036F4EEA4D8}"/>
+              </a:ext>
+            </a:extLst>
+          </p:cNvPr>
+          <p:cNvSpPr/>
+          <p:nvPr/>
+        </p:nvSpPr>
+        <p:spPr>
+          <a:xfrm>
+            <a:off x="2231569" y="3699590"/>
+            <a:ext cx="1752600" cy="435428"/>
+          </a:xfrm>
+          <a:prstGeom prst="rect">
+            <a:avLst/>
+          </a:prstGeom>
+          <a:solidFill>
+            <a:schemeClr val="accent6"/>
+          </a:solidFill>
+        </p:spPr>
+        <p:style>
+          <a:lnRef idx="2">
+            <a:schemeClr val="accent1">
+              <a:shade val="50000"/>
+            </a:schemeClr>
+          </a:lnRef>
+          <a:fillRef idx="1">
+            <a:schemeClr val="accent1"/>
+          </a:fillRef>
+          <a:effectRef idx="0">
+            <a:schemeClr val="accent1"/>
+          </a:effectRef>
+          <a:fontRef idx="minor">
+            <a:schemeClr val="lt1"/>
+          </a:fontRef>
+        </p:style>
+        <p:txBody>
+          <a:bodyPr rtlCol="0" anchor="ctr"/>
+          <a:lstStyle/>
+          <a:p>
+            <a:pPr algn="ctr"/>
+            <a:r>
+              <a:rPr lang="en-US" dirty="0"/>
+              <a:t>DLL 2</a:t>
+            </a:r>
+          </a:p>
+        </p:txBody>
+      </p:sp>
+      <p:sp>
+        <p:nvSpPr>
+          <p:cNvPr id="15" name="Rectangle 14">
+            <a:extLst>
+              <a:ext uri="{FF2B5EF4-FFF2-40B4-BE49-F238E27FC236}">
+                <a16:creationId xmlns:a16="http://schemas.microsoft.com/office/drawing/2014/main" id="{D91C5F64-CEFD-4D28-82A6-C0CD8951420D}"/>
+              </a:ext>
+            </a:extLst>
+          </p:cNvPr>
+          <p:cNvSpPr/>
+          <p:nvPr/>
+        </p:nvSpPr>
+        <p:spPr>
+          <a:xfrm>
+            <a:off x="2231569" y="4124279"/>
+            <a:ext cx="1752600" cy="435428"/>
+          </a:xfrm>
+          <a:prstGeom prst="rect">
+            <a:avLst/>
+          </a:prstGeom>
+          <a:solidFill>
+            <a:schemeClr val="accent6"/>
+          </a:solidFill>
+        </p:spPr>
+        <p:style>
+          <a:lnRef idx="2">
+            <a:schemeClr val="accent1">
+              <a:shade val="50000"/>
+            </a:schemeClr>
+          </a:lnRef>
+          <a:fillRef idx="1">
+            <a:schemeClr val="accent1"/>
+          </a:fillRef>
+          <a:effectRef idx="0">
+            <a:schemeClr val="accent1"/>
+          </a:effectRef>
+          <a:fontRef idx="minor">
+            <a:schemeClr val="lt1"/>
+          </a:fontRef>
+        </p:style>
+        <p:txBody>
+          <a:bodyPr rtlCol="0" anchor="ctr"/>
+          <a:lstStyle/>
+          <a:p>
+            <a:pPr algn="ctr"/>
+            <a:r>
+              <a:rPr lang="en-US" dirty="0"/>
+              <a:t>DLL 3</a:t>
+            </a:r>
+          </a:p>
+        </p:txBody>
+      </p:sp>
+      <p:sp>
+        <p:nvSpPr>
+          <p:cNvPr id="16" name="Rectangle 15">
+            <a:extLst>
+              <a:ext uri="{FF2B5EF4-FFF2-40B4-BE49-F238E27FC236}">
+                <a16:creationId xmlns:a16="http://schemas.microsoft.com/office/drawing/2014/main" id="{34F8470B-7F95-479F-A671-0DBB83D1A8B2}"/>
+              </a:ext>
+            </a:extLst>
+          </p:cNvPr>
+          <p:cNvSpPr/>
+          <p:nvPr/>
+        </p:nvSpPr>
+        <p:spPr>
+          <a:xfrm>
+            <a:off x="7832275" y="1556659"/>
+            <a:ext cx="1752600" cy="5029200"/>
+          </a:xfrm>
+          <a:prstGeom prst="rect">
+            <a:avLst/>
+          </a:prstGeom>
+          <a:noFill/>
+        </p:spPr>
+        <p:style>
+          <a:lnRef idx="2">
+            <a:schemeClr val="accent1">
+              <a:shade val="50000"/>
+            </a:schemeClr>
+          </a:lnRef>
+          <a:fillRef idx="1">
+            <a:schemeClr val="accent1"/>
+          </a:fillRef>
+          <a:effectRef idx="0">
+            <a:schemeClr val="accent1"/>
+          </a:effectRef>
+          <a:fontRef idx="minor">
+            <a:schemeClr val="lt1"/>
+          </a:fontRef>
+        </p:style>
+        <p:txBody>
+          <a:bodyPr rtlCol="0" anchor="ctr"/>
+          <a:lstStyle/>
+          <a:p>
+            <a:pPr algn="ctr"/>
+            <a:endParaRPr lang="en-US"/>
+          </a:p>
+        </p:txBody>
+      </p:sp>
+      <p:sp>
+        <p:nvSpPr>
+          <p:cNvPr id="17" name="Rectangle 16">
+            <a:extLst>
+              <a:ext uri="{FF2B5EF4-FFF2-40B4-BE49-F238E27FC236}">
+                <a16:creationId xmlns:a16="http://schemas.microsoft.com/office/drawing/2014/main" id="{CD2EDC2E-77AC-44D7-B199-F436BE6CD34D}"/>
+              </a:ext>
+            </a:extLst>
+          </p:cNvPr>
+          <p:cNvSpPr/>
+          <p:nvPr/>
+        </p:nvSpPr>
+        <p:spPr>
+          <a:xfrm>
+            <a:off x="7832273" y="3447615"/>
+            <a:ext cx="1752600" cy="435428"/>
+          </a:xfrm>
+          <a:prstGeom prst="rect">
+            <a:avLst/>
+          </a:prstGeom>
+        </p:spPr>
+        <p:style>
+          <a:lnRef idx="2">
+            <a:schemeClr val="accent1">
+              <a:shade val="50000"/>
+            </a:schemeClr>
+          </a:lnRef>
+          <a:fillRef idx="1">
+            <a:schemeClr val="accent1"/>
+          </a:fillRef>
+          <a:effectRef idx="0">
+            <a:schemeClr val="accent1"/>
+          </a:effectRef>
+          <a:fontRef idx="minor">
+            <a:schemeClr val="lt1"/>
+          </a:fontRef>
+        </p:style>
+        <p:txBody>
+          <a:bodyPr rtlCol="0" anchor="ctr"/>
+          <a:lstStyle/>
+          <a:p>
+            <a:pPr algn="ctr"/>
+            <a:r>
+              <a:rPr lang="en-US" dirty="0"/>
+              <a:t>Code</a:t>
+            </a:r>
+          </a:p>
+        </p:txBody>
+      </p:sp>
+      <p:sp>
+        <p:nvSpPr>
+          <p:cNvPr id="19" name="Rectangle 18">
+            <a:extLst>
+              <a:ext uri="{FF2B5EF4-FFF2-40B4-BE49-F238E27FC236}">
+                <a16:creationId xmlns:a16="http://schemas.microsoft.com/office/drawing/2014/main" id="{EE517F8E-F127-4BEA-981E-4FF08BE5C472}"/>
+              </a:ext>
+            </a:extLst>
+          </p:cNvPr>
+          <p:cNvSpPr/>
+          <p:nvPr/>
+        </p:nvSpPr>
+        <p:spPr>
+          <a:xfrm>
+            <a:off x="7832273" y="4483221"/>
+            <a:ext cx="1752600" cy="435428"/>
+          </a:xfrm>
+          <a:prstGeom prst="rect">
+            <a:avLst/>
+          </a:prstGeom>
+          <a:solidFill>
+            <a:schemeClr val="accent4"/>
+          </a:solidFill>
+        </p:spPr>
+        <p:style>
+          <a:lnRef idx="2">
+            <a:schemeClr val="accent1">
+              <a:shade val="50000"/>
+            </a:schemeClr>
+          </a:lnRef>
+          <a:fillRef idx="1">
+            <a:schemeClr val="accent1"/>
+          </a:fillRef>
+          <a:effectRef idx="0">
+            <a:schemeClr val="accent1"/>
+          </a:effectRef>
+          <a:fontRef idx="minor">
+            <a:schemeClr val="lt1"/>
+          </a:fontRef>
+        </p:style>
+        <p:txBody>
+          <a:bodyPr rtlCol="0" anchor="ctr"/>
+          <a:lstStyle/>
+          <a:p>
+            <a:pPr algn="ctr"/>
+            <a:r>
+              <a:rPr lang="en-US" dirty="0"/>
+              <a:t>Stack</a:t>
+            </a:r>
+          </a:p>
+        </p:txBody>
+      </p:sp>
+      <p:sp>
+        <p:nvSpPr>
+          <p:cNvPr id="21" name="Rectangle 20">
+            <a:extLst>
+              <a:ext uri="{FF2B5EF4-FFF2-40B4-BE49-F238E27FC236}">
+                <a16:creationId xmlns:a16="http://schemas.microsoft.com/office/drawing/2014/main" id="{FEF1CF32-0026-4597-97B4-0732582D4247}"/>
+              </a:ext>
+            </a:extLst>
+          </p:cNvPr>
+          <p:cNvSpPr/>
+          <p:nvPr/>
+        </p:nvSpPr>
+        <p:spPr>
+          <a:xfrm>
+            <a:off x="7832273" y="1874044"/>
+            <a:ext cx="1752600" cy="435428"/>
+          </a:xfrm>
+          <a:prstGeom prst="rect">
+            <a:avLst/>
+          </a:prstGeom>
+          <a:solidFill>
+            <a:schemeClr val="accent3"/>
+          </a:solidFill>
+        </p:spPr>
+        <p:style>
+          <a:lnRef idx="2">
+            <a:schemeClr val="accent1">
+              <a:shade val="50000"/>
+            </a:schemeClr>
+          </a:lnRef>
+          <a:fillRef idx="1">
+            <a:schemeClr val="accent1"/>
+          </a:fillRef>
+          <a:effectRef idx="0">
+            <a:schemeClr val="accent1"/>
+          </a:effectRef>
+          <a:fontRef idx="minor">
+            <a:schemeClr val="lt1"/>
+          </a:fontRef>
+        </p:style>
+        <p:txBody>
+          <a:bodyPr rtlCol="0" anchor="ctr"/>
+          <a:lstStyle/>
+          <a:p>
+            <a:pPr algn="ctr"/>
+            <a:r>
+              <a:rPr lang="en-US" dirty="0"/>
+              <a:t>Heap</a:t>
+            </a:r>
+          </a:p>
+        </p:txBody>
+      </p:sp>
+      <p:sp>
+        <p:nvSpPr>
+          <p:cNvPr id="23" name="TextBox 22">
+            <a:extLst>
+              <a:ext uri="{FF2B5EF4-FFF2-40B4-BE49-F238E27FC236}">
+                <a16:creationId xmlns:a16="http://schemas.microsoft.com/office/drawing/2014/main" id="{77D3DE88-33DE-4405-96DD-7731A5F4A931}"/>
+              </a:ext>
+            </a:extLst>
+          </p:cNvPr>
+          <p:cNvSpPr txBox="1"/>
+          <p:nvPr/>
+        </p:nvSpPr>
+        <p:spPr>
+          <a:xfrm>
+            <a:off x="7233561" y="1385888"/>
+            <a:ext cx="696685" cy="369332"/>
+          </a:xfrm>
+          <a:prstGeom prst="rect">
+            <a:avLst/>
+          </a:prstGeom>
+          <a:noFill/>
+        </p:spPr>
+        <p:txBody>
+          <a:bodyPr wrap="square" rtlCol="0">
+            <a:spAutoFit/>
+          </a:bodyPr>
+          <a:lstStyle/>
+          <a:p>
+            <a:r>
+              <a:rPr lang="en-US" dirty="0"/>
+              <a:t>0x0</a:t>
+            </a:r>
+          </a:p>
+        </p:txBody>
+      </p:sp>
+      <p:sp>
+        <p:nvSpPr>
+          <p:cNvPr id="24" name="TextBox 23">
+            <a:extLst>
+              <a:ext uri="{FF2B5EF4-FFF2-40B4-BE49-F238E27FC236}">
+                <a16:creationId xmlns:a16="http://schemas.microsoft.com/office/drawing/2014/main" id="{50EC0423-E809-48CC-B323-F5BE2B988F4A}"/>
+              </a:ext>
+            </a:extLst>
+          </p:cNvPr>
+          <p:cNvSpPr txBox="1"/>
+          <p:nvPr/>
+        </p:nvSpPr>
+        <p:spPr>
+          <a:xfrm>
+            <a:off x="6917877" y="6401193"/>
+            <a:ext cx="1110342" cy="369332"/>
+          </a:xfrm>
+          <a:prstGeom prst="rect">
+            <a:avLst/>
+          </a:prstGeom>
+          <a:noFill/>
+        </p:spPr>
+        <p:txBody>
+          <a:bodyPr wrap="square" rtlCol="0">
+            <a:spAutoFit/>
+          </a:bodyPr>
+          <a:lstStyle/>
+          <a:p>
+            <a:r>
+              <a:rPr lang="en-US" dirty="0"/>
+              <a:t>0xff…ff</a:t>
+            </a:r>
+          </a:p>
+        </p:txBody>
+      </p:sp>
+      <p:sp>
+        <p:nvSpPr>
+          <p:cNvPr id="25" name="Rectangle 24">
+            <a:extLst>
+              <a:ext uri="{FF2B5EF4-FFF2-40B4-BE49-F238E27FC236}">
+                <a16:creationId xmlns:a16="http://schemas.microsoft.com/office/drawing/2014/main" id="{9939527F-0B53-45DF-AFAD-1F84113BD2E1}"/>
+              </a:ext>
+            </a:extLst>
+          </p:cNvPr>
+          <p:cNvSpPr/>
+          <p:nvPr/>
+        </p:nvSpPr>
+        <p:spPr>
+          <a:xfrm>
+            <a:off x="7832273" y="2766671"/>
+            <a:ext cx="1752600" cy="435428"/>
+          </a:xfrm>
+          <a:prstGeom prst="rect">
+            <a:avLst/>
+          </a:prstGeom>
+          <a:solidFill>
+            <a:schemeClr val="accent6"/>
+          </a:solidFill>
+        </p:spPr>
+        <p:style>
+          <a:lnRef idx="2">
+            <a:schemeClr val="accent1">
+              <a:shade val="50000"/>
+            </a:schemeClr>
+          </a:lnRef>
+          <a:fillRef idx="1">
+            <a:schemeClr val="accent1"/>
+          </a:fillRef>
+          <a:effectRef idx="0">
+            <a:schemeClr val="accent1"/>
+          </a:effectRef>
+          <a:fontRef idx="minor">
+            <a:schemeClr val="lt1"/>
+          </a:fontRef>
+        </p:style>
+        <p:txBody>
+          <a:bodyPr rtlCol="0" anchor="ctr"/>
+          <a:lstStyle/>
+          <a:p>
+            <a:pPr algn="ctr"/>
             <a:r>
               <a:rPr lang="en-US" dirty="0"/>
               <a:t>DLL </a:t>
             </a:r>
             <a:r>
               <a:rPr lang="ru-RU" dirty="0"/>
-              <a:t>по случайным адресам (для усложнения подбора адресов хакерами)</a:t>
+              <a:t>2</a:t>
             </a:r>
             <a:endParaRPr lang="en-US" dirty="0"/>
+          </a:p>
+        </p:txBody>
+      </p:sp>
+      <p:sp>
+        <p:nvSpPr>
+          <p:cNvPr id="26" name="Rectangle 25">
+            <a:extLst>
+              <a:ext uri="{FF2B5EF4-FFF2-40B4-BE49-F238E27FC236}">
+                <a16:creationId xmlns:a16="http://schemas.microsoft.com/office/drawing/2014/main" id="{8921CD2E-4242-4C9A-841F-26CA74614964}"/>
+              </a:ext>
+            </a:extLst>
+          </p:cNvPr>
+          <p:cNvSpPr/>
+          <p:nvPr/>
+        </p:nvSpPr>
+        <p:spPr>
+          <a:xfrm>
+            <a:off x="7832273" y="5846941"/>
+            <a:ext cx="1752600" cy="435428"/>
+          </a:xfrm>
+          <a:prstGeom prst="rect">
+            <a:avLst/>
+          </a:prstGeom>
+          <a:solidFill>
+            <a:schemeClr val="accent6"/>
+          </a:solidFill>
+        </p:spPr>
+        <p:style>
+          <a:lnRef idx="2">
+            <a:schemeClr val="accent1">
+              <a:shade val="50000"/>
+            </a:schemeClr>
+          </a:lnRef>
+          <a:fillRef idx="1">
+            <a:schemeClr val="accent1"/>
+          </a:fillRef>
+          <a:effectRef idx="0">
+            <a:schemeClr val="accent1"/>
+          </a:effectRef>
+          <a:fontRef idx="minor">
+            <a:schemeClr val="lt1"/>
+          </a:fontRef>
+        </p:style>
+        <p:txBody>
+          <a:bodyPr rtlCol="0" anchor="ctr"/>
+          <a:lstStyle/>
+          <a:p>
+            <a:pPr algn="ctr"/>
+            <a:r>
+              <a:rPr lang="en-US" dirty="0"/>
+              <a:t>DLL </a:t>
+            </a:r>
+            <a:r>
+              <a:rPr lang="ru-RU" dirty="0"/>
+              <a:t>3</a:t>
+            </a:r>
+            <a:endParaRPr lang="en-US" dirty="0"/>
+          </a:p>
+        </p:txBody>
+      </p:sp>
+      <p:sp>
+        <p:nvSpPr>
+          <p:cNvPr id="27" name="Rectangle 26">
+            <a:extLst>
+              <a:ext uri="{FF2B5EF4-FFF2-40B4-BE49-F238E27FC236}">
+                <a16:creationId xmlns:a16="http://schemas.microsoft.com/office/drawing/2014/main" id="{5F9131C4-A7D2-4032-824E-BFB78D06F794}"/>
+              </a:ext>
+            </a:extLst>
+          </p:cNvPr>
+          <p:cNvSpPr/>
+          <p:nvPr/>
+        </p:nvSpPr>
+        <p:spPr>
+          <a:xfrm>
+            <a:off x="7832273" y="5251001"/>
+            <a:ext cx="1752600" cy="435428"/>
+          </a:xfrm>
+          <a:prstGeom prst="rect">
+            <a:avLst/>
+          </a:prstGeom>
+          <a:solidFill>
+            <a:schemeClr val="accent6"/>
+          </a:solidFill>
+        </p:spPr>
+        <p:style>
+          <a:lnRef idx="2">
+            <a:schemeClr val="accent1">
+              <a:shade val="50000"/>
+            </a:schemeClr>
+          </a:lnRef>
+          <a:fillRef idx="1">
+            <a:schemeClr val="accent1"/>
+          </a:fillRef>
+          <a:effectRef idx="0">
+            <a:schemeClr val="accent1"/>
+          </a:effectRef>
+          <a:fontRef idx="minor">
+            <a:schemeClr val="lt1"/>
+          </a:fontRef>
+        </p:style>
+        <p:txBody>
+          <a:bodyPr rtlCol="0" anchor="ctr"/>
+          <a:lstStyle/>
+          <a:p>
+            <a:pPr algn="ctr"/>
+            <a:r>
+              <a:rPr lang="en-US" dirty="0"/>
+              <a:t>DLL </a:t>
+            </a:r>
+            <a:r>
+              <a:rPr lang="ru-RU" dirty="0"/>
+              <a:t>1</a:t>
+            </a:r>
+            <a:endParaRPr lang="en-US" dirty="0"/>
+          </a:p>
+        </p:txBody>
+      </p:sp>
+      <p:sp>
+        <p:nvSpPr>
+          <p:cNvPr id="29" name="TextBox 28">
+            <a:extLst>
+              <a:ext uri="{FF2B5EF4-FFF2-40B4-BE49-F238E27FC236}">
+                <a16:creationId xmlns:a16="http://schemas.microsoft.com/office/drawing/2014/main" id="{5B8FD1B8-2DF6-4114-97FC-8A5CA272DD9A}"/>
+              </a:ext>
+            </a:extLst>
+          </p:cNvPr>
+          <p:cNvSpPr txBox="1"/>
+          <p:nvPr/>
+        </p:nvSpPr>
+        <p:spPr>
+          <a:xfrm>
+            <a:off x="838200" y="3028292"/>
+            <a:ext cx="1360714" cy="954107"/>
+          </a:xfrm>
+          <a:prstGeom prst="rect">
+            <a:avLst/>
+          </a:prstGeom>
+          <a:noFill/>
+        </p:spPr>
+        <p:txBody>
+          <a:bodyPr wrap="square" rtlCol="0">
+            <a:spAutoFit/>
+          </a:bodyPr>
+          <a:lstStyle/>
+          <a:p>
+            <a:r>
+              <a:rPr lang="en-US" sz="2800" dirty="0"/>
+              <a:t>Pre-ASLR:</a:t>
+            </a:r>
+          </a:p>
+        </p:txBody>
+      </p:sp>
+      <p:sp>
+        <p:nvSpPr>
+          <p:cNvPr id="30" name="TextBox 29">
+            <a:extLst>
+              <a:ext uri="{FF2B5EF4-FFF2-40B4-BE49-F238E27FC236}">
+                <a16:creationId xmlns:a16="http://schemas.microsoft.com/office/drawing/2014/main" id="{EE9AFDCF-50F2-4AC5-8B5F-614D23370845}"/>
+              </a:ext>
+            </a:extLst>
+          </p:cNvPr>
+          <p:cNvSpPr txBox="1"/>
+          <p:nvPr/>
+        </p:nvSpPr>
+        <p:spPr>
+          <a:xfrm>
+            <a:off x="5361214" y="3057397"/>
+            <a:ext cx="2471057" cy="954107"/>
+          </a:xfrm>
+          <a:prstGeom prst="rect">
+            <a:avLst/>
+          </a:prstGeom>
+          <a:noFill/>
+        </p:spPr>
+        <p:txBody>
+          <a:bodyPr wrap="square" rtlCol="0">
+            <a:spAutoFit/>
+          </a:bodyPr>
+          <a:lstStyle/>
+          <a:p>
+            <a:r>
+              <a:rPr lang="ru-RU" sz="2800" dirty="0"/>
+              <a:t>Современные ОС с </a:t>
+            </a:r>
+            <a:r>
+              <a:rPr lang="en-US" sz="2800" dirty="0"/>
+              <a:t>ASLR:</a:t>
+            </a:r>
           </a:p>
         </p:txBody>
       </p:sp>
     </p:spTree>
     <p:extLst>
       <p:ext uri="{BB962C8B-B14F-4D97-AF65-F5344CB8AC3E}">
-        <p14:creationId xmlns:p14="http://schemas.microsoft.com/office/powerpoint/2010/main" val="3621633948"/>
+        <p14:creationId xmlns:p14="http://schemas.microsoft.com/office/powerpoint/2010/main" val="1062865836"/>
       </p:ext>
     </p:extLst>
   </p:cSld>
@@ -27120,7 +28000,7 @@
           <p:cNvPr id="2" name="Title 1">
             <a:extLst>
               <a:ext uri="{FF2B5EF4-FFF2-40B4-BE49-F238E27FC236}">
-                <a16:creationId xmlns:a16="http://schemas.microsoft.com/office/drawing/2014/main" id="{7C8F284C-309D-4DD7-B27E-CCE6D5FDB715}"/>
+                <a16:creationId xmlns:a16="http://schemas.microsoft.com/office/drawing/2014/main" id="{7AF91015-ECCE-4F52-A094-F7A97B8372AA}"/>
               </a:ext>
             </a:extLst>
           </p:cNvPr>
@@ -27138,19 +28018,11 @@
           <a:p>
             <a:r>
               <a:rPr lang="ru-RU" dirty="0"/>
-              <a:t>Релокация библиотек</a:t>
-            </a:r>
-            <a:r>
-              <a:rPr lang="en-US" dirty="0"/>
-              <a:t>: </a:t>
-            </a:r>
-            <a:r>
-              <a:rPr lang="ru-RU" dirty="0"/>
-              <a:t>оптимизация в </a:t>
-            </a:r>
-            <a:r>
-              <a:rPr lang="en-US" dirty="0"/>
-              <a:t>Windows</a:t>
+              <a:t>Ускорение загрузки </a:t>
+            </a:r>
+            <a:r>
+              <a:rPr lang="en-US" dirty="0"/>
+              <a:t>DLL: link-time relocation</a:t>
             </a:r>
           </a:p>
         </p:txBody>
@@ -27160,7 +28032,7 @@
           <p:cNvPr id="3" name="Content Placeholder 2">
             <a:extLst>
               <a:ext uri="{FF2B5EF4-FFF2-40B4-BE49-F238E27FC236}">
-                <a16:creationId xmlns:a16="http://schemas.microsoft.com/office/drawing/2014/main" id="{736E5C5C-CDCA-4CF2-B8CA-A72F4957F083}"/>
+                <a16:creationId xmlns:a16="http://schemas.microsoft.com/office/drawing/2014/main" id="{2BD8BCD0-2D76-422B-99E3-FFE3CED6CBCC}"/>
               </a:ext>
             </a:extLst>
           </p:cNvPr>
@@ -27171,38 +28043,57 @@
             <p:ph idx="1"/>
           </p:nvPr>
         </p:nvSpPr>
-        <p:spPr/>
-        <p:txBody>
-          <a:bodyPr/>
-          <a:lstStyle/>
-          <a:p>
-            <a:r>
-              <a:rPr lang="ru-RU" dirty="0"/>
-              <a:t>Для ускорения работы библиотека во всех процессах загружается по одному и тому же адресу</a:t>
-            </a:r>
-          </a:p>
-          <a:p>
-            <a:r>
-              <a:rPr lang="ru-RU" dirty="0"/>
-              <a:t>Накладные расходы возникают только при первой загрузке</a:t>
-            </a:r>
-          </a:p>
-          <a:p>
-            <a:r>
-              <a:rPr lang="ru-RU" dirty="0"/>
-              <a:t>Работает только в современных версиях </a:t>
-            </a:r>
-            <a:r>
-              <a:rPr lang="en-US" dirty="0"/>
-              <a:t>Windows</a:t>
-            </a:r>
+        <p:spPr>
+          <a:xfrm>
+            <a:off x="838200" y="1825624"/>
+            <a:ext cx="10885714" cy="4792889"/>
+          </a:xfrm>
+        </p:spPr>
+        <p:txBody>
+          <a:bodyPr>
+            <a:normAutofit/>
+          </a:bodyPr>
+          <a:lstStyle/>
+          <a:p>
+            <a:r>
+              <a:rPr lang="ru-RU" dirty="0"/>
+              <a:t>Оптимизация нерелевантна из-за современных требований к безопасности</a:t>
+            </a:r>
+            <a:r>
+              <a:rPr lang="en-US" dirty="0"/>
+              <a:t>:</a:t>
+            </a:r>
+          </a:p>
+          <a:p>
+            <a:pPr lvl="1"/>
+            <a:r>
+              <a:rPr lang="ru-RU" dirty="0"/>
+              <a:t>Механизм </a:t>
+            </a:r>
+            <a:r>
+              <a:rPr lang="en-US" dirty="0"/>
+              <a:t>ASLR</a:t>
+            </a:r>
+            <a:r>
+              <a:rPr lang="ru-RU" dirty="0"/>
+              <a:t> требует загружать </a:t>
+            </a:r>
+            <a:r>
+              <a:rPr lang="en-US" dirty="0"/>
+              <a:t>DLL </a:t>
+            </a:r>
+            <a:r>
+              <a:rPr lang="ru-RU" dirty="0"/>
+              <a:t>по случайным адресам (для усложнения подбора адресов хакерами)</a:t>
+            </a:r>
+            <a:endParaRPr lang="en-US" dirty="0"/>
           </a:p>
         </p:txBody>
       </p:sp>
     </p:spTree>
     <p:extLst>
       <p:ext uri="{BB962C8B-B14F-4D97-AF65-F5344CB8AC3E}">
-        <p14:creationId xmlns:p14="http://schemas.microsoft.com/office/powerpoint/2010/main" val="1003070452"/>
+        <p14:creationId xmlns:p14="http://schemas.microsoft.com/office/powerpoint/2010/main" val="3621633948"/>
       </p:ext>
     </p:extLst>
   </p:cSld>
@@ -27234,7 +28125,7 @@
           <p:cNvPr id="2" name="Title 1">
             <a:extLst>
               <a:ext uri="{FF2B5EF4-FFF2-40B4-BE49-F238E27FC236}">
-                <a16:creationId xmlns:a16="http://schemas.microsoft.com/office/drawing/2014/main" id="{0A95A14D-8CF8-471B-AF3D-26999D8951D8}"/>
+                <a16:creationId xmlns:a16="http://schemas.microsoft.com/office/drawing/2014/main" id="{7C8F284C-309D-4DD7-B27E-CCE6D5FDB715}"/>
               </a:ext>
             </a:extLst>
           </p:cNvPr>
@@ -27252,19 +28143,19 @@
           <a:p>
             <a:r>
               <a:rPr lang="ru-RU" dirty="0"/>
-              <a:t>Накладные расходы</a:t>
-            </a:r>
-            <a:r>
-              <a:rPr lang="en-US" dirty="0"/>
-              <a:t> </a:t>
-            </a:r>
-            <a:r>
-              <a:rPr lang="ru-RU" dirty="0"/>
-              <a:t>при использовании </a:t>
-            </a:r>
-            <a:r>
-              <a:rPr lang="en-US" dirty="0"/>
-              <a:t>DLL</a:t>
+              <a:t>Релокация библиотек</a:t>
+            </a:r>
+            <a:r>
+              <a:rPr lang="en-US" dirty="0"/>
+              <a:t>: </a:t>
+            </a:r>
+            <a:r>
+              <a:rPr lang="ru-RU" dirty="0"/>
+              <a:t>оптимизация в </a:t>
+            </a:r>
+            <a:r>
+              <a:rPr lang="en-US" dirty="0"/>
+              <a:t>Windows</a:t>
             </a:r>
           </a:p>
         </p:txBody>
@@ -27274,7 +28165,7 @@
           <p:cNvPr id="3" name="Content Placeholder 2">
             <a:extLst>
               <a:ext uri="{FF2B5EF4-FFF2-40B4-BE49-F238E27FC236}">
-                <a16:creationId xmlns:a16="http://schemas.microsoft.com/office/drawing/2014/main" id="{5B49B649-A403-4066-8731-42F55BC6F396}"/>
+                <a16:creationId xmlns:a16="http://schemas.microsoft.com/office/drawing/2014/main" id="{736E5C5C-CDCA-4CF2-B8CA-A72F4957F083}"/>
               </a:ext>
             </a:extLst>
           </p:cNvPr>
@@ -27292,61 +28183,23 @@
           <a:p>
             <a:r>
               <a:rPr lang="ru-RU" dirty="0"/>
-              <a:t>Загрузка</a:t>
-            </a:r>
-            <a:r>
-              <a:rPr lang="en-US" dirty="0"/>
-              <a:t> </a:t>
-            </a:r>
-            <a:r>
-              <a:rPr lang="ru-RU" dirty="0"/>
-              <a:t>библиотеки</a:t>
-            </a:r>
-            <a:endParaRPr lang="en-US" dirty="0"/>
-          </a:p>
-          <a:p>
-            <a:pPr lvl="1"/>
-            <a:r>
-              <a:rPr lang="ru-RU" dirty="0"/>
-              <a:t>Релокация</a:t>
-            </a:r>
-            <a:endParaRPr lang="en-US" dirty="0"/>
-          </a:p>
-          <a:p>
-            <a:pPr lvl="1"/>
-            <a:r>
-              <a:rPr lang="ru-RU" b="1" dirty="0"/>
-              <a:t>Разрешение и </a:t>
-            </a:r>
-            <a:r>
-              <a:rPr lang="en-US" b="1" dirty="0"/>
-              <a:t>c</a:t>
-            </a:r>
-            <a:r>
-              <a:rPr lang="ru-RU" b="1" dirty="0"/>
-              <a:t>вязывание символов</a:t>
-            </a:r>
-            <a:endParaRPr lang="en-US" b="1" dirty="0"/>
-          </a:p>
-          <a:p>
-            <a:r>
-              <a:rPr lang="ru-RU" dirty="0"/>
-              <a:t>Работа с библиотекой</a:t>
-            </a:r>
-            <a:r>
-              <a:rPr lang="en-US" dirty="0"/>
-              <a:t>:</a:t>
-            </a:r>
-          </a:p>
-          <a:p>
-            <a:pPr lvl="1"/>
-            <a:r>
-              <a:rPr lang="ru-RU" dirty="0"/>
-              <a:t>Косвенные вызовы функций (</a:t>
-            </a:r>
-            <a:r>
-              <a:rPr lang="en-US" dirty="0"/>
-              <a:t>indirect calls)</a:t>
+              <a:t>Для ускорения работы библиотека во всех процессах загружается по одному и тому же адресу</a:t>
+            </a:r>
+          </a:p>
+          <a:p>
+            <a:r>
+              <a:rPr lang="ru-RU" dirty="0"/>
+              <a:t>Накладные расходы возникают только при первой загрузке</a:t>
+            </a:r>
+          </a:p>
+          <a:p>
+            <a:r>
+              <a:rPr lang="ru-RU" dirty="0"/>
+              <a:t>Работает только в современных версиях </a:t>
+            </a:r>
+            <a:r>
+              <a:rPr lang="en-US" dirty="0"/>
+              <a:t>Windows</a:t>
             </a:r>
           </a:p>
         </p:txBody>
@@ -27354,7 +28207,7 @@
     </p:spTree>
     <p:extLst>
       <p:ext uri="{BB962C8B-B14F-4D97-AF65-F5344CB8AC3E}">
-        <p14:creationId xmlns:p14="http://schemas.microsoft.com/office/powerpoint/2010/main" val="2436921369"/>
+        <p14:creationId xmlns:p14="http://schemas.microsoft.com/office/powerpoint/2010/main" val="1003070452"/>
       </p:ext>
     </p:extLst>
   </p:cSld>
@@ -27386,7 +28239,7 @@
           <p:cNvPr id="2" name="Title 1">
             <a:extLst>
               <a:ext uri="{FF2B5EF4-FFF2-40B4-BE49-F238E27FC236}">
-                <a16:creationId xmlns:a16="http://schemas.microsoft.com/office/drawing/2014/main" id="{CC798AB3-1D15-4521-A8DE-3E17788A428F}"/>
+                <a16:creationId xmlns:a16="http://schemas.microsoft.com/office/drawing/2014/main" id="{0A95A14D-8CF8-471B-AF3D-26999D8951D8}"/>
               </a:ext>
             </a:extLst>
           </p:cNvPr>
@@ -27404,69 +28257,86 @@
           <a:p>
             <a:r>
               <a:rPr lang="ru-RU" dirty="0"/>
-              <a:t>Ускорение работы </a:t>
-            </a:r>
-            <a:r>
-              <a:rPr lang="en-US" dirty="0"/>
-              <a:t>DLL: </a:t>
-            </a:r>
-            <a:r>
-              <a:rPr lang="en-US" dirty="0" err="1"/>
-              <a:t>prelinking</a:t>
+              <a:t>Накладные расходы</a:t>
+            </a:r>
+            <a:r>
+              <a:rPr lang="en-US" dirty="0"/>
+              <a:t> </a:t>
+            </a:r>
+            <a:r>
+              <a:rPr lang="ru-RU" dirty="0"/>
+              <a:t>при использовании </a:t>
+            </a:r>
+            <a:r>
+              <a:rPr lang="en-US" dirty="0"/>
+              <a:t>DLL</a:t>
+            </a:r>
+          </a:p>
+        </p:txBody>
+      </p:sp>
+      <p:sp>
+        <p:nvSpPr>
+          <p:cNvPr id="3" name="Content Placeholder 2">
+            <a:extLst>
+              <a:ext uri="{FF2B5EF4-FFF2-40B4-BE49-F238E27FC236}">
+                <a16:creationId xmlns:a16="http://schemas.microsoft.com/office/drawing/2014/main" id="{5B49B649-A403-4066-8731-42F55BC6F396}"/>
+              </a:ext>
+            </a:extLst>
+          </p:cNvPr>
+          <p:cNvSpPr>
+            <a:spLocks noGrp="1"/>
+          </p:cNvSpPr>
+          <p:nvPr>
+            <p:ph idx="1"/>
+          </p:nvPr>
+        </p:nvSpPr>
+        <p:spPr/>
+        <p:txBody>
+          <a:bodyPr/>
+          <a:lstStyle/>
+          <a:p>
+            <a:r>
+              <a:rPr lang="ru-RU" dirty="0"/>
+              <a:t>Загрузка</a:t>
+            </a:r>
+            <a:r>
+              <a:rPr lang="en-US" dirty="0"/>
+              <a:t> </a:t>
+            </a:r>
+            <a:r>
+              <a:rPr lang="ru-RU" dirty="0"/>
+              <a:t>библиотеки</a:t>
             </a:r>
             <a:endParaRPr lang="en-US" dirty="0"/>
           </a:p>
-        </p:txBody>
-      </p:sp>
-      <p:sp>
-        <p:nvSpPr>
-          <p:cNvPr id="3" name="Content Placeholder 2">
-            <a:extLst>
-              <a:ext uri="{FF2B5EF4-FFF2-40B4-BE49-F238E27FC236}">
-                <a16:creationId xmlns:a16="http://schemas.microsoft.com/office/drawing/2014/main" id="{0CFC98EF-8A0E-4555-8157-8ACA61A524AE}"/>
-              </a:ext>
-            </a:extLst>
-          </p:cNvPr>
-          <p:cNvSpPr>
-            <a:spLocks noGrp="1"/>
-          </p:cNvSpPr>
-          <p:nvPr>
-            <p:ph idx="1"/>
-          </p:nvPr>
-        </p:nvSpPr>
-        <p:spPr/>
-        <p:txBody>
-          <a:bodyPr>
-            <a:normAutofit/>
-          </a:bodyPr>
-          <a:lstStyle/>
-          <a:p>
-            <a:r>
-              <a:rPr lang="ru-RU" dirty="0"/>
-              <a:t>Заранее (до запуска) инициализировать таблицу адресов в файле программы</a:t>
-            </a:r>
-          </a:p>
-          <a:p>
-            <a:r>
-              <a:rPr lang="ru-RU" dirty="0"/>
-              <a:t>Ускорит поиск символов если библиотека всегда загружается по одному и тому же адресу</a:t>
-            </a:r>
-          </a:p>
           <a:p>
             <a:pPr lvl="1"/>
             <a:r>
               <a:rPr lang="ru-RU" dirty="0"/>
-              <a:t>Т.е. была проведена </a:t>
-            </a:r>
-            <a:r>
-              <a:rPr lang="en-US" dirty="0"/>
-              <a:t>link-time relocation</a:t>
-            </a:r>
-          </a:p>
-          <a:p>
-            <a:r>
-              <a:rPr lang="ru-RU" dirty="0"/>
-              <a:t>Решение</a:t>
+              <a:t>Релокация</a:t>
+            </a:r>
+            <a:endParaRPr lang="en-US" dirty="0"/>
+          </a:p>
+          <a:p>
+            <a:pPr lvl="1"/>
+            <a:r>
+              <a:rPr lang="ru-RU" b="1" dirty="0"/>
+              <a:t>Разрешение и </a:t>
+            </a:r>
+            <a:r>
+              <a:rPr lang="en-US" b="1" dirty="0"/>
+              <a:t>c</a:t>
+            </a:r>
+            <a:r>
+              <a:rPr lang="ru-RU" b="1" dirty="0"/>
+              <a:t>вязывание символов</a:t>
+            </a:r>
+            <a:endParaRPr lang="en-US" b="1" dirty="0"/>
+          </a:p>
+          <a:p>
+            <a:r>
+              <a:rPr lang="ru-RU" dirty="0"/>
+              <a:t>Работа с библиотекой</a:t>
             </a:r>
             <a:r>
               <a:rPr lang="en-US" dirty="0"/>
@@ -27476,57 +28346,20 @@
           <a:p>
             <a:pPr lvl="1"/>
             <a:r>
-              <a:rPr lang="en-US" dirty="0"/>
-              <a:t>Windows: DLL binding</a:t>
-            </a:r>
-          </a:p>
-          <a:p>
-            <a:pPr lvl="1"/>
-            <a:r>
-              <a:rPr lang="en-US" dirty="0"/>
-              <a:t>Linux: </a:t>
-            </a:r>
-            <a:r>
-              <a:rPr lang="en-US" dirty="0" err="1"/>
-              <a:t>Prelink</a:t>
-            </a:r>
-            <a:endParaRPr lang="en-US" dirty="0"/>
-          </a:p>
-          <a:p>
-            <a:r>
-              <a:rPr lang="ru-RU" dirty="0"/>
-              <a:t>Не используется в современных версиях </a:t>
-            </a:r>
-            <a:r>
-              <a:rPr lang="en-US" dirty="0"/>
-              <a:t>Windows </a:t>
-            </a:r>
-            <a:r>
-              <a:rPr lang="ru-RU" dirty="0"/>
-              <a:t>и </a:t>
-            </a:r>
-            <a:r>
-              <a:rPr lang="en-US" dirty="0"/>
-              <a:t>Linux </a:t>
-            </a:r>
-            <a:r>
-              <a:rPr lang="ru-RU" dirty="0"/>
-              <a:t>из-за </a:t>
-            </a:r>
-            <a:r>
-              <a:rPr lang="en-US" dirty="0"/>
-              <a:t>ASLR</a:t>
-            </a:r>
-          </a:p>
-          <a:p>
-            <a:endParaRPr lang="en-US" dirty="0"/>
+              <a:rPr lang="ru-RU" dirty="0"/>
+              <a:t>Косвенные вызовы функций (</a:t>
+            </a:r>
+            <a:r>
+              <a:rPr lang="en-US" dirty="0"/>
+              <a:t>indirect calls)</a:t>
+            </a:r>
           </a:p>
         </p:txBody>
       </p:sp>
     </p:spTree>
     <p:extLst>
       <p:ext uri="{BB962C8B-B14F-4D97-AF65-F5344CB8AC3E}">
-        <p14:creationId xmlns:p14="http://schemas.microsoft.com/office/powerpoint/2010/main" val="3957192232"/>
+        <p14:creationId xmlns:p14="http://schemas.microsoft.com/office/powerpoint/2010/main" val="2436921369"/>
       </p:ext>
     </p:extLst>
   </p:cSld>
@@ -27583,8 +28416,8 @@
               <a:t>DLL: </a:t>
             </a:r>
             <a:r>
-              <a:rPr lang="ru-RU" dirty="0"/>
-              <a:t>оптимизация таблиц символов</a:t>
+              <a:rPr lang="en-US" dirty="0" err="1"/>
+              <a:t>prelinking</a:t>
             </a:r>
             <a:endParaRPr lang="en-US" dirty="0"/>
           </a:p>
@@ -27609,13 +28442,73 @@
         <p:spPr/>
         <p:txBody>
           <a:bodyPr>
-            <a:normAutofit lnSpcReduction="10000"/>
+            <a:normAutofit/>
           </a:bodyPr>
           <a:lstStyle/>
           <a:p>
             <a:r>
               <a:rPr lang="ru-RU" dirty="0"/>
-              <a:t>Поиск символов в </a:t>
+              <a:t>Заранее (до запуска) инициализировать таблицу адресов в файле программы</a:t>
+            </a:r>
+          </a:p>
+          <a:p>
+            <a:r>
+              <a:rPr lang="ru-RU" dirty="0"/>
+              <a:t>Ускорит поиск символов если библиотека всегда загружается по одному и тому же адресу</a:t>
+            </a:r>
+          </a:p>
+          <a:p>
+            <a:pPr lvl="1"/>
+            <a:r>
+              <a:rPr lang="ru-RU" dirty="0"/>
+              <a:t>Т.е. была проведена </a:t>
+            </a:r>
+            <a:r>
+              <a:rPr lang="en-US" dirty="0"/>
+              <a:t>link-time relocation</a:t>
+            </a:r>
+          </a:p>
+          <a:p>
+            <a:r>
+              <a:rPr lang="ru-RU" dirty="0"/>
+              <a:t>Решение</a:t>
+            </a:r>
+            <a:r>
+              <a:rPr lang="en-US" dirty="0"/>
+              <a:t>:</a:t>
+            </a:r>
+          </a:p>
+          <a:p>
+            <a:pPr lvl="1"/>
+            <a:r>
+              <a:rPr lang="en-US" dirty="0"/>
+              <a:t>Windows: DLL binding</a:t>
+            </a:r>
+          </a:p>
+          <a:p>
+            <a:pPr lvl="1"/>
+            <a:r>
+              <a:rPr lang="en-US" dirty="0"/>
+              <a:t>Linux: </a:t>
+            </a:r>
+            <a:r>
+              <a:rPr lang="en-US" dirty="0" err="1"/>
+              <a:t>Prelink</a:t>
+            </a:r>
+            <a:endParaRPr lang="en-US" dirty="0"/>
+          </a:p>
+          <a:p>
+            <a:r>
+              <a:rPr lang="ru-RU" dirty="0"/>
+              <a:t>Не используется в современных версиях </a:t>
+            </a:r>
+            <a:r>
+              <a:rPr lang="en-US" dirty="0"/>
+              <a:t>Windows </a:t>
+            </a:r>
+            <a:r>
+              <a:rPr lang="ru-RU" dirty="0"/>
+              <a:t>и </a:t>
             </a:r>
             <a:r>
               <a:rPr lang="en-US" dirty="0"/>
@@ -27623,77 +28516,14 @@
             </a:r>
             <a:r>
               <a:rPr lang="ru-RU" dirty="0"/>
-              <a:t>осуществляется по хэштаблицам, хранящимся в файлах</a:t>
-            </a:r>
-            <a:r>
-              <a:rPr lang="en-US" dirty="0"/>
-              <a:t> </a:t>
-            </a:r>
-            <a:r>
-              <a:rPr lang="ru-RU" dirty="0"/>
-              <a:t>динамических библиотек</a:t>
-            </a:r>
-          </a:p>
-          <a:p>
-            <a:r>
-              <a:rPr lang="ru-RU" dirty="0"/>
-              <a:t>Линкеры позволяют управлять размером и форматом этих хэштаблиц</a:t>
-            </a:r>
-            <a:endParaRPr lang="en-US" dirty="0"/>
-          </a:p>
-          <a:p>
-            <a:r>
-              <a:rPr lang="ru-RU" dirty="0"/>
-              <a:t>Обычно рекомендуемая конфигурация опций</a:t>
-            </a:r>
-            <a:r>
-              <a:rPr lang="en-US" dirty="0"/>
-              <a:t>:</a:t>
-            </a:r>
-          </a:p>
-          <a:p>
-            <a:pPr lvl="1"/>
-            <a:r>
-              <a:rPr lang="en-US" dirty="0"/>
-              <a:t>-</a:t>
-            </a:r>
-            <a:r>
-              <a:rPr lang="en-US" dirty="0" err="1"/>
-              <a:t>Wl</a:t>
-            </a:r>
-            <a:r>
-              <a:rPr lang="en-US" dirty="0"/>
-              <a:t>,--hash-style=both -Wl,-O1</a:t>
-            </a:r>
-          </a:p>
-          <a:p>
-            <a:r>
-              <a:rPr lang="en-US" dirty="0"/>
-              <a:t>-</a:t>
-            </a:r>
-            <a:r>
-              <a:rPr lang="en-US" dirty="0" err="1"/>
-              <a:t>Wl</a:t>
-            </a:r>
-            <a:r>
-              <a:rPr lang="en-US" dirty="0"/>
-              <a:t>,--hash-style=both </a:t>
-            </a:r>
-            <a:r>
-              <a:rPr lang="ru-RU" dirty="0"/>
-              <a:t>уже включена по умолчанию во всех современных дистрибутивах</a:t>
-            </a:r>
-            <a:endParaRPr lang="en-US" dirty="0"/>
-          </a:p>
-          <a:p>
-            <a:r>
-              <a:rPr lang="en-US" dirty="0"/>
-              <a:t>-Wl,-O1 </a:t>
-            </a:r>
-            <a:r>
-              <a:rPr lang="ru-RU" dirty="0"/>
-              <a:t>не оказывает существенного влияния на производительность</a:t>
-            </a:r>
+              <a:t>из-за </a:t>
+            </a:r>
+            <a:r>
+              <a:rPr lang="en-US" dirty="0"/>
+              <a:t>ASLR</a:t>
+            </a:r>
+          </a:p>
+          <a:p>
             <a:endParaRPr lang="en-US" dirty="0"/>
           </a:p>
         </p:txBody>
@@ -27701,7 +28531,7 @@
     </p:spTree>
     <p:extLst>
       <p:ext uri="{BB962C8B-B14F-4D97-AF65-F5344CB8AC3E}">
-        <p14:creationId xmlns:p14="http://schemas.microsoft.com/office/powerpoint/2010/main" val="2083035709"/>
+        <p14:creationId xmlns:p14="http://schemas.microsoft.com/office/powerpoint/2010/main" val="3957192232"/>
       </p:ext>
     </p:extLst>
   </p:cSld>
@@ -27733,7 +28563,7 @@
           <p:cNvPr id="2" name="Title 1">
             <a:extLst>
               <a:ext uri="{FF2B5EF4-FFF2-40B4-BE49-F238E27FC236}">
-                <a16:creationId xmlns:a16="http://schemas.microsoft.com/office/drawing/2014/main" id="{EE2B7844-B8D9-42D2-80BE-3F170C7DECBA}"/>
+                <a16:creationId xmlns:a16="http://schemas.microsoft.com/office/drawing/2014/main" id="{CC798AB3-1D15-4521-A8DE-3E17788A428F}"/>
               </a:ext>
             </a:extLst>
           </p:cNvPr>
@@ -27759,7 +28589,7 @@
             </a:r>
             <a:r>
               <a:rPr lang="ru-RU" dirty="0"/>
-              <a:t>отключение ленивого связывания</a:t>
+              <a:t>оптимизация таблиц символов</a:t>
             </a:r>
             <a:endParaRPr lang="en-US" dirty="0"/>
           </a:p>
@@ -27770,7 +28600,7 @@
           <p:cNvPr id="3" name="Content Placeholder 2">
             <a:extLst>
               <a:ext uri="{FF2B5EF4-FFF2-40B4-BE49-F238E27FC236}">
-                <a16:creationId xmlns:a16="http://schemas.microsoft.com/office/drawing/2014/main" id="{0B44980E-F464-4A2A-AD5D-A16AADA1264C}"/>
+                <a16:creationId xmlns:a16="http://schemas.microsoft.com/office/drawing/2014/main" id="{0CFC98EF-8A0E-4555-8157-8ACA61A524AE}"/>
               </a:ext>
             </a:extLst>
           </p:cNvPr>
@@ -27781,21 +28611,16 @@
             <p:ph idx="1"/>
           </p:nvPr>
         </p:nvSpPr>
-        <p:spPr>
-          <a:xfrm>
-            <a:off x="838199" y="1825625"/>
-            <a:ext cx="10842171" cy="4667250"/>
-          </a:xfrm>
-        </p:spPr>
+        <p:spPr/>
         <p:txBody>
           <a:bodyPr>
-            <a:normAutofit/>
+            <a:normAutofit lnSpcReduction="10000"/>
           </a:bodyPr>
           <a:lstStyle/>
           <a:p>
             <a:r>
               <a:rPr lang="ru-RU" dirty="0"/>
-              <a:t>Ленивое связывание в </a:t>
+              <a:t>Поиск символов в </a:t>
             </a:r>
             <a:r>
               <a:rPr lang="en-US" dirty="0"/>
@@ -27803,54 +28628,77 @@
             </a:r>
             <a:r>
               <a:rPr lang="ru-RU" dirty="0"/>
-              <a:t>ускоряет загрузку библиотек ценой накладных расходов в процессе работы</a:t>
-            </a:r>
-          </a:p>
-          <a:p>
-            <a:r>
-              <a:rPr lang="ru-RU" dirty="0"/>
-              <a:t>К загрузке адреса и косвенному вызову функции добавляется вызов </a:t>
-            </a:r>
-            <a:r>
-              <a:rPr lang="en-US" dirty="0"/>
-              <a:t>PLT-</a:t>
-            </a:r>
-            <a:r>
-              <a:rPr lang="ru-RU" dirty="0"/>
-              <a:t>заглушки</a:t>
+              <a:t>осуществляется по хэштаблицам, хранящимся в файлах</a:t>
+            </a:r>
+            <a:r>
+              <a:rPr lang="en-US" dirty="0"/>
+              <a:t> </a:t>
+            </a:r>
+            <a:r>
+              <a:rPr lang="ru-RU" dirty="0"/>
+              <a:t>динамических библиотек</a:t>
+            </a:r>
+          </a:p>
+          <a:p>
+            <a:r>
+              <a:rPr lang="ru-RU" dirty="0"/>
+              <a:t>Линкеры позволяют управлять размером и форматом этих хэштаблиц</a:t>
+            </a:r>
+            <a:endParaRPr lang="en-US" dirty="0"/>
+          </a:p>
+          <a:p>
+            <a:r>
+              <a:rPr lang="ru-RU" dirty="0"/>
+              <a:t>Обычно рекомендуемая конфигурация опций</a:t>
+            </a:r>
+            <a:r>
+              <a:rPr lang="en-US" dirty="0"/>
+              <a:t>:</a:t>
             </a:r>
           </a:p>
           <a:p>
             <a:pPr lvl="1"/>
             <a:r>
-              <a:rPr lang="ru-RU" dirty="0"/>
-              <a:t>Загрузку адреса приходится осуществлять при каждом вызове</a:t>
-            </a:r>
-          </a:p>
-          <a:p>
-            <a:r>
-              <a:rPr lang="ru-RU" dirty="0"/>
-              <a:t>Ленивая загрузка и связанные с ней накладные расходы могут быть отключены</a:t>
-            </a:r>
-            <a:r>
-              <a:rPr lang="en-US" dirty="0"/>
-              <a:t> </a:t>
-            </a:r>
-            <a:r>
-              <a:rPr lang="ru-RU" dirty="0"/>
-              <a:t>флагом </a:t>
-            </a:r>
-            <a:r>
               <a:rPr lang="en-US" dirty="0"/>
               <a:t>-</a:t>
             </a:r>
             <a:r>
               <a:rPr lang="en-US" dirty="0" err="1"/>
-              <a:t>fno-plt</a:t>
+              <a:t>Wl</a:t>
+            </a:r>
+            <a:r>
+              <a:rPr lang="en-US" dirty="0"/>
+              <a:t>,--hash-style=both -Wl,-O1</a:t>
+            </a:r>
+          </a:p>
+          <a:p>
+            <a:r>
+              <a:rPr lang="en-US" dirty="0"/>
+              <a:t>-</a:t>
+            </a:r>
+            <a:r>
+              <a:rPr lang="en-US" dirty="0" err="1"/>
+              <a:t>Wl</a:t>
+            </a:r>
+            <a:r>
+              <a:rPr lang="en-US" dirty="0"/>
+              <a:t>,--hash-style=both </a:t>
+            </a:r>
+            <a:r>
+              <a:rPr lang="ru-RU" dirty="0"/>
+              <a:t>уже включена по умолчанию во всех современных дистрибутивах</a:t>
             </a:r>
             <a:endParaRPr lang="en-US" dirty="0"/>
           </a:p>
           <a:p>
+            <a:r>
+              <a:rPr lang="en-US" dirty="0"/>
+              <a:t>-Wl,-O1 </a:t>
+            </a:r>
+            <a:r>
+              <a:rPr lang="ru-RU" dirty="0"/>
+              <a:t>не оказывает существенного влияния на производительность</a:t>
+            </a:r>
             <a:endParaRPr lang="en-US" dirty="0"/>
           </a:p>
         </p:txBody>
@@ -27858,7 +28706,7 @@
     </p:spTree>
     <p:extLst>
       <p:ext uri="{BB962C8B-B14F-4D97-AF65-F5344CB8AC3E}">
-        <p14:creationId xmlns:p14="http://schemas.microsoft.com/office/powerpoint/2010/main" val="225035390"/>
+        <p14:creationId xmlns:p14="http://schemas.microsoft.com/office/powerpoint/2010/main" val="2083035709"/>
       </p:ext>
     </p:extLst>
   </p:cSld>
@@ -27952,7 +28800,72 @@
           <a:p>
             <a:r>
               <a:rPr lang="ru-RU" dirty="0"/>
-              <a:t>Использование </a:t>
+              <a:t>Ленивое связывание в </a:t>
+            </a:r>
+            <a:r>
+              <a:rPr lang="en-US" dirty="0"/>
+              <a:t>Linux </a:t>
+            </a:r>
+            <a:r>
+              <a:rPr lang="ru-RU" dirty="0"/>
+              <a:t>ускоряет загрузку библиотек ценой накладных расходов в процессе работы</a:t>
+            </a:r>
+          </a:p>
+          <a:p>
+            <a:r>
+              <a:rPr lang="ru-RU" dirty="0"/>
+              <a:t>К загрузке адреса и косвенному вызову функции добавляется вызов </a:t>
+            </a:r>
+            <a:r>
+              <a:rPr lang="en-US" dirty="0"/>
+              <a:t>PLT-</a:t>
+            </a:r>
+            <a:r>
+              <a:rPr lang="ru-RU" dirty="0"/>
+              <a:t>заглушки</a:t>
+            </a:r>
+          </a:p>
+          <a:p>
+            <a:pPr lvl="1"/>
+            <a:r>
+              <a:rPr lang="ru-RU" dirty="0"/>
+              <a:t>Лишний </a:t>
+            </a:r>
+            <a:r>
+              <a:rPr lang="en-US" dirty="0"/>
+              <a:t>jump</a:t>
+            </a:r>
+          </a:p>
+          <a:p>
+            <a:pPr lvl="1"/>
+            <a:r>
+              <a:rPr lang="ru-RU" dirty="0"/>
+              <a:t>Вырастает нагрузка на кэши и </a:t>
+            </a:r>
+            <a:r>
+              <a:rPr lang="en-US" dirty="0"/>
+              <a:t>branch predictor</a:t>
+            </a:r>
+          </a:p>
+          <a:p>
+            <a:pPr lvl="1"/>
+            <a:r>
+              <a:rPr lang="ru-RU" dirty="0"/>
+              <a:t>Загрузку адреса приходится осуществлять при каждом вызове</a:t>
+            </a:r>
+          </a:p>
+          <a:p>
+            <a:r>
+              <a:rPr lang="ru-RU" dirty="0"/>
+              <a:t>Ленивая загрузка и связанные с ней накладные расходы могут быть отключены</a:t>
+            </a:r>
+            <a:r>
+              <a:rPr lang="en-US" dirty="0"/>
+              <a:t> </a:t>
+            </a:r>
+            <a:r>
+              <a:rPr lang="ru-RU" dirty="0"/>
+              <a:t>флагом </a:t>
             </a:r>
             <a:r>
               <a:rPr lang="en-US" dirty="0"/>
@@ -27965,140 +28878,14 @@
             <a:endParaRPr lang="en-US" dirty="0"/>
           </a:p>
           <a:p>
-            <a:pPr lvl="1"/>
-            <a:r>
-              <a:rPr lang="ru-RU" dirty="0"/>
-              <a:t>Ускоряет вызовы библиотечных функций</a:t>
-            </a:r>
-          </a:p>
-          <a:p>
-            <a:pPr lvl="1"/>
-            <a:r>
-              <a:rPr lang="ru-RU" dirty="0"/>
-              <a:t>Снижает нагрузку на </a:t>
-            </a:r>
-            <a:r>
-              <a:rPr lang="en-US" dirty="0"/>
-              <a:t>I$ </a:t>
-            </a:r>
-            <a:r>
-              <a:rPr lang="ru-RU" dirty="0"/>
-              <a:t>и </a:t>
-            </a:r>
-            <a:r>
-              <a:rPr lang="en-US" dirty="0"/>
-              <a:t>BTB</a:t>
-            </a:r>
-          </a:p>
-          <a:p>
-            <a:pPr lvl="1"/>
-            <a:r>
-              <a:rPr lang="ru-RU" dirty="0"/>
-              <a:t>Замедляет загрузку</a:t>
-            </a:r>
-            <a:r>
-              <a:rPr lang="en-US" dirty="0"/>
-              <a:t> </a:t>
-            </a:r>
-            <a:r>
-              <a:rPr lang="ru-RU" dirty="0"/>
-              <a:t>библиотеки (т.к. все адреса надо инициализировать на старте</a:t>
-            </a:r>
-            <a:r>
-              <a:rPr lang="en-US" dirty="0"/>
-              <a:t> </a:t>
-            </a:r>
-            <a:r>
-              <a:rPr lang="ru-RU" dirty="0"/>
-              <a:t>программы)</a:t>
-            </a:r>
-          </a:p>
-          <a:p>
-            <a:r>
-              <a:rPr lang="ru-RU" dirty="0"/>
-              <a:t>Современные требования к безопасности и так рекомендуют разрешать все функции на старте программы</a:t>
-            </a:r>
-          </a:p>
-          <a:p>
-            <a:pPr lvl="1"/>
-            <a:r>
-              <a:rPr lang="ru-RU" dirty="0"/>
-              <a:t>Позволяет использовать технологию </a:t>
-            </a:r>
-            <a:r>
-              <a:rPr lang="en-US" dirty="0"/>
-              <a:t>Full </a:t>
-            </a:r>
-            <a:r>
-              <a:rPr lang="en-US" dirty="0" err="1"/>
-              <a:t>Relro</a:t>
-            </a:r>
-            <a:r>
-              <a:rPr lang="en-US" dirty="0"/>
-              <a:t> (-</a:t>
-            </a:r>
-            <a:r>
-              <a:rPr lang="en-US" dirty="0" err="1"/>
-              <a:t>Wl</a:t>
-            </a:r>
-            <a:r>
-              <a:rPr lang="en-US" dirty="0"/>
-              <a:t>,-</a:t>
-            </a:r>
-            <a:r>
-              <a:rPr lang="en-US" dirty="0" err="1"/>
-              <a:t>z,relro</a:t>
-            </a:r>
-            <a:r>
-              <a:rPr lang="en-US" dirty="0"/>
-              <a:t>) </a:t>
-            </a:r>
-            <a:r>
-              <a:rPr lang="ru-RU" dirty="0"/>
-              <a:t>для защиты от непреднамеренных модификаций </a:t>
-            </a:r>
-            <a:r>
-              <a:rPr lang="en-US" dirty="0"/>
-              <a:t>GOT</a:t>
-            </a:r>
-          </a:p>
-          <a:p>
-            <a:pPr lvl="1"/>
-            <a:r>
-              <a:rPr lang="en-US" dirty="0"/>
-              <a:t>Full </a:t>
-            </a:r>
-            <a:r>
-              <a:rPr lang="en-US" dirty="0" err="1"/>
-              <a:t>Relro</a:t>
-            </a:r>
-            <a:r>
-              <a:rPr lang="en-US" dirty="0"/>
-              <a:t> </a:t>
-            </a:r>
-            <a:r>
-              <a:rPr lang="ru-RU" dirty="0"/>
-              <a:t>используется по умолчанию в </a:t>
-            </a:r>
-            <a:r>
-              <a:rPr lang="en-US" dirty="0"/>
-              <a:t>RHEL/Fedora </a:t>
-            </a:r>
-            <a:r>
-              <a:rPr lang="ru-RU" dirty="0"/>
-              <a:t>и </a:t>
-            </a:r>
-            <a:r>
-              <a:rPr lang="en-US" dirty="0"/>
-              <a:t>Ubuntu</a:t>
-            </a:r>
+            <a:endParaRPr lang="en-US" dirty="0"/>
           </a:p>
         </p:txBody>
       </p:sp>
     </p:spTree>
     <p:extLst>
       <p:ext uri="{BB962C8B-B14F-4D97-AF65-F5344CB8AC3E}">
-        <p14:creationId xmlns:p14="http://schemas.microsoft.com/office/powerpoint/2010/main" val="1232306249"/>
+        <p14:creationId xmlns:p14="http://schemas.microsoft.com/office/powerpoint/2010/main" val="225035390"/>
       </p:ext>
     </p:extLst>
   </p:cSld>
@@ -28192,17 +28979,6 @@
           <a:p>
             <a:r>
               <a:rPr lang="ru-RU" dirty="0"/>
-              <a:t>Примеры</a:t>
-            </a:r>
-            <a:r>
-              <a:rPr lang="en-US" dirty="0"/>
-              <a:t>:</a:t>
-            </a:r>
-          </a:p>
-          <a:p>
-            <a:pPr lvl="1"/>
-            <a:r>
-              <a:rPr lang="ru-RU" dirty="0"/>
               <a:t>Использование </a:t>
             </a:r>
             <a:r>
@@ -28213,44 +28989,143 @@
               <a:rPr lang="en-US" dirty="0" err="1"/>
               <a:t>fno-plt</a:t>
             </a:r>
+            <a:endParaRPr lang="en-US" dirty="0"/>
+          </a:p>
+          <a:p>
+            <a:pPr lvl="1"/>
+            <a:r>
+              <a:rPr lang="ru-RU" dirty="0"/>
+              <a:t>Ускоряет вызовы библиотечных функций</a:t>
+            </a:r>
+          </a:p>
+          <a:p>
+            <a:pPr lvl="1"/>
+            <a:r>
+              <a:rPr lang="ru-RU" dirty="0"/>
+              <a:t>Снижает нагрузку на </a:t>
+            </a:r>
+            <a:r>
+              <a:rPr lang="en-US" dirty="0"/>
+              <a:t>I$ </a:t>
+            </a:r>
+            <a:r>
+              <a:rPr lang="ru-RU" dirty="0"/>
+              <a:t>и </a:t>
+            </a:r>
+            <a:r>
+              <a:rPr lang="en-US" dirty="0"/>
+              <a:t>BTB</a:t>
+            </a:r>
+          </a:p>
+          <a:p>
+            <a:pPr lvl="1"/>
+            <a:r>
+              <a:rPr lang="ru-RU" dirty="0"/>
+              <a:t>Замедляет загрузку</a:t>
+            </a:r>
             <a:r>
               <a:rPr lang="en-US" dirty="0"/>
               <a:t> </a:t>
             </a:r>
             <a:r>
               <a:rPr lang="ru-RU" dirty="0"/>
-              <a:t>в </a:t>
-            </a:r>
-            <a:r>
-              <a:rPr lang="en-US" dirty="0"/>
-              <a:t>Clang </a:t>
-            </a:r>
-            <a:r>
-              <a:rPr lang="ru-RU" dirty="0"/>
-              <a:t>даёт до </a:t>
-            </a:r>
-            <a:r>
-              <a:rPr lang="en-US" dirty="0"/>
-              <a:t>10% </a:t>
-            </a:r>
-            <a:r>
-              <a:rPr lang="ru-RU" dirty="0"/>
-              <a:t>прироста производительности</a:t>
-            </a:r>
-            <a:endParaRPr lang="en-US" dirty="0"/>
-          </a:p>
-          <a:p>
-            <a:endParaRPr lang="en-US" dirty="0"/>
-          </a:p>
-          <a:p>
-            <a:endParaRPr lang="en-US" dirty="0"/>
+              <a:t>библиотеки (т.к. все адреса надо инициализировать на старте</a:t>
+            </a:r>
+            <a:r>
+              <a:rPr lang="en-US" dirty="0"/>
+              <a:t> </a:t>
+            </a:r>
+            <a:r>
+              <a:rPr lang="ru-RU" dirty="0"/>
+              <a:t>программы)</a:t>
+            </a:r>
+          </a:p>
+          <a:p>
+            <a:r>
+              <a:rPr lang="ru-RU" dirty="0"/>
+              <a:t>Современные требования к безопасности и так рекомендуют разрешать все функции на старте программы</a:t>
+            </a:r>
+          </a:p>
+          <a:p>
+            <a:pPr lvl="1"/>
+            <a:r>
+              <a:rPr lang="ru-RU" dirty="0"/>
+              <a:t>Позволяет использовать технологию </a:t>
+            </a:r>
+            <a:r>
+              <a:rPr lang="en-US" dirty="0"/>
+              <a:t>Full </a:t>
+            </a:r>
+            <a:r>
+              <a:rPr lang="en-US" dirty="0" err="1"/>
+              <a:t>Relro</a:t>
+            </a:r>
+            <a:r>
+              <a:rPr lang="en-US" dirty="0"/>
+              <a:t> (-</a:t>
+            </a:r>
+            <a:r>
+              <a:rPr lang="en-US" dirty="0" err="1"/>
+              <a:t>Wl</a:t>
+            </a:r>
+            <a:r>
+              <a:rPr lang="en-US" dirty="0"/>
+              <a:t>,-</a:t>
+            </a:r>
+            <a:r>
+              <a:rPr lang="en-US" dirty="0" err="1"/>
+              <a:t>z,relro</a:t>
+            </a:r>
+            <a:r>
+              <a:rPr lang="en-US" dirty="0"/>
+              <a:t>) </a:t>
+            </a:r>
+            <a:r>
+              <a:rPr lang="ru-RU" dirty="0"/>
+              <a:t>для защиты от непреднамеренных модификаций </a:t>
+            </a:r>
+            <a:r>
+              <a:rPr lang="en-US" dirty="0"/>
+              <a:t>GOT</a:t>
+            </a:r>
+          </a:p>
+          <a:p>
+            <a:pPr lvl="1"/>
+            <a:r>
+              <a:rPr lang="en-US" dirty="0"/>
+              <a:t>Full </a:t>
+            </a:r>
+            <a:r>
+              <a:rPr lang="en-US" dirty="0" err="1"/>
+              <a:t>Relro</a:t>
+            </a:r>
+            <a:r>
+              <a:rPr lang="en-US" dirty="0"/>
+              <a:t> </a:t>
+            </a:r>
+            <a:r>
+              <a:rPr lang="ru-RU" dirty="0"/>
+              <a:t>используется по умолчанию в </a:t>
+            </a:r>
+            <a:r>
+              <a:rPr lang="en-US" dirty="0"/>
+              <a:t>RHEL/Fedora </a:t>
+            </a:r>
+            <a:r>
+              <a:rPr lang="ru-RU" dirty="0"/>
+              <a:t>и </a:t>
+            </a:r>
+            <a:r>
+              <a:rPr lang="en-US" dirty="0"/>
+              <a:t>Ubuntu</a:t>
+            </a:r>
           </a:p>
         </p:txBody>
       </p:sp>
     </p:spTree>
     <p:extLst>
       <p:ext uri="{BB962C8B-B14F-4D97-AF65-F5344CB8AC3E}">
-        <p14:creationId xmlns:p14="http://schemas.microsoft.com/office/powerpoint/2010/main" val="1282722250"/>
+        <p14:creationId xmlns:p14="http://schemas.microsoft.com/office/powerpoint/2010/main" val="1232306249"/>
       </p:ext>
     </p:extLst>
   </p:cSld>
@@ -28415,7 +29290,7 @@
           <p:cNvPr id="2" name="Title 1">
             <a:extLst>
               <a:ext uri="{FF2B5EF4-FFF2-40B4-BE49-F238E27FC236}">
-                <a16:creationId xmlns:a16="http://schemas.microsoft.com/office/drawing/2014/main" id="{0A95A14D-8CF8-471B-AF3D-26999D8951D8}"/>
+                <a16:creationId xmlns:a16="http://schemas.microsoft.com/office/drawing/2014/main" id="{EE2B7844-B8D9-42D2-80BE-3F170C7DECBA}"/>
               </a:ext>
             </a:extLst>
           </p:cNvPr>
@@ -28433,7 +29308,70 @@
           <a:p>
             <a:r>
               <a:rPr lang="ru-RU" dirty="0"/>
-              <a:t>Накладные расходы</a:t>
+              <a:t>Ускорение работы </a:t>
+            </a:r>
+            <a:r>
+              <a:rPr lang="en-US" dirty="0"/>
+              <a:t>DLL: </a:t>
+            </a:r>
+            <a:r>
+              <a:rPr lang="ru-RU" dirty="0"/>
+              <a:t>отключение ленивого связывания</a:t>
+            </a:r>
+            <a:endParaRPr lang="en-US" dirty="0"/>
+          </a:p>
+        </p:txBody>
+      </p:sp>
+      <p:sp>
+        <p:nvSpPr>
+          <p:cNvPr id="3" name="Content Placeholder 2">
+            <a:extLst>
+              <a:ext uri="{FF2B5EF4-FFF2-40B4-BE49-F238E27FC236}">
+                <a16:creationId xmlns:a16="http://schemas.microsoft.com/office/drawing/2014/main" id="{0B44980E-F464-4A2A-AD5D-A16AADA1264C}"/>
+              </a:ext>
+            </a:extLst>
+          </p:cNvPr>
+          <p:cNvSpPr>
+            <a:spLocks noGrp="1"/>
+          </p:cNvSpPr>
+          <p:nvPr>
+            <p:ph idx="1"/>
+          </p:nvPr>
+        </p:nvSpPr>
+        <p:spPr>
+          <a:xfrm>
+            <a:off x="838199" y="1825625"/>
+            <a:ext cx="10842171" cy="4667250"/>
+          </a:xfrm>
+        </p:spPr>
+        <p:txBody>
+          <a:bodyPr>
+            <a:normAutofit/>
+          </a:bodyPr>
+          <a:lstStyle/>
+          <a:p>
+            <a:r>
+              <a:rPr lang="ru-RU" dirty="0"/>
+              <a:t>Примеры</a:t>
+            </a:r>
+            <a:r>
+              <a:rPr lang="en-US" dirty="0"/>
+              <a:t>:</a:t>
+            </a:r>
+          </a:p>
+          <a:p>
+            <a:pPr lvl="1"/>
+            <a:r>
+              <a:rPr lang="ru-RU" dirty="0"/>
+              <a:t>Использование </a:t>
+            </a:r>
+            <a:r>
+              <a:rPr lang="en-US" dirty="0"/>
+              <a:t>-</a:t>
+            </a:r>
+            <a:r>
+              <a:rPr lang="en-US" dirty="0" err="1"/>
+              <a:t>fno-plt</a:t>
             </a:r>
             <a:r>
               <a:rPr lang="en-US" dirty="0"/>
@@ -28441,98 +29379,38 @@
             </a:r>
             <a:r>
               <a:rPr lang="ru-RU" dirty="0"/>
-              <a:t>при использовании </a:t>
-            </a:r>
-            <a:r>
-              <a:rPr lang="en-US" dirty="0"/>
-              <a:t>DLL</a:t>
-            </a:r>
-          </a:p>
-        </p:txBody>
-      </p:sp>
-      <p:sp>
-        <p:nvSpPr>
-          <p:cNvPr id="3" name="Content Placeholder 2">
-            <a:extLst>
-              <a:ext uri="{FF2B5EF4-FFF2-40B4-BE49-F238E27FC236}">
-                <a16:creationId xmlns:a16="http://schemas.microsoft.com/office/drawing/2014/main" id="{5B49B649-A403-4066-8731-42F55BC6F396}"/>
-              </a:ext>
-            </a:extLst>
-          </p:cNvPr>
-          <p:cNvSpPr>
-            <a:spLocks noGrp="1"/>
-          </p:cNvSpPr>
-          <p:nvPr>
-            <p:ph idx="1"/>
-          </p:nvPr>
-        </p:nvSpPr>
-        <p:spPr/>
-        <p:txBody>
-          <a:bodyPr/>
-          <a:lstStyle/>
-          <a:p>
-            <a:r>
-              <a:rPr lang="ru-RU" dirty="0"/>
-              <a:t>Загрузка</a:t>
-            </a:r>
-            <a:r>
-              <a:rPr lang="en-US" dirty="0"/>
-              <a:t> </a:t>
-            </a:r>
-            <a:r>
-              <a:rPr lang="ru-RU" dirty="0"/>
-              <a:t>библиотеки</a:t>
+              <a:t>в </a:t>
+            </a:r>
+            <a:r>
+              <a:rPr lang="en-US" dirty="0"/>
+              <a:t>Clang </a:t>
+            </a:r>
+            <a:r>
+              <a:rPr lang="ru-RU" dirty="0"/>
+              <a:t>даёт до </a:t>
+            </a:r>
+            <a:r>
+              <a:rPr lang="en-US" dirty="0"/>
+              <a:t>10% </a:t>
+            </a:r>
+            <a:r>
+              <a:rPr lang="ru-RU" dirty="0"/>
+              <a:t>прироста производительности</a:t>
             </a:r>
             <a:endParaRPr lang="en-US" dirty="0"/>
           </a:p>
           <a:p>
-            <a:pPr lvl="1"/>
-            <a:r>
-              <a:rPr lang="ru-RU" dirty="0"/>
-              <a:t>Релокация</a:t>
-            </a:r>
             <a:endParaRPr lang="en-US" dirty="0"/>
           </a:p>
           <a:p>
-            <a:pPr lvl="1"/>
-            <a:r>
-              <a:rPr lang="ru-RU" dirty="0"/>
-              <a:t>Разрешение и </a:t>
-            </a:r>
-            <a:r>
-              <a:rPr lang="en-US" dirty="0"/>
-              <a:t>c</a:t>
-            </a:r>
-            <a:r>
-              <a:rPr lang="ru-RU" dirty="0"/>
-              <a:t>вязывание символов</a:t>
-            </a:r>
             <a:endParaRPr lang="en-US" dirty="0"/>
-          </a:p>
-          <a:p>
-            <a:r>
-              <a:rPr lang="ru-RU" dirty="0"/>
-              <a:t>Работа с библиотекой</a:t>
-            </a:r>
-            <a:endParaRPr lang="en-US" dirty="0"/>
-          </a:p>
-          <a:p>
-            <a:pPr lvl="1"/>
-            <a:r>
-              <a:rPr lang="ru-RU" b="1" dirty="0"/>
-              <a:t>Косвенные вызовы функций (</a:t>
-            </a:r>
-            <a:r>
-              <a:rPr lang="en-US" b="1" dirty="0"/>
-              <a:t>indirect calls)</a:t>
-            </a:r>
           </a:p>
         </p:txBody>
       </p:sp>
     </p:spTree>
     <p:extLst>
       <p:ext uri="{BB962C8B-B14F-4D97-AF65-F5344CB8AC3E}">
-        <p14:creationId xmlns:p14="http://schemas.microsoft.com/office/powerpoint/2010/main" val="3025777625"/>
+        <p14:creationId xmlns:p14="http://schemas.microsoft.com/office/powerpoint/2010/main" val="1282722250"/>
       </p:ext>
     </p:extLst>
   </p:cSld>
@@ -28564,7 +29442,7 @@
           <p:cNvPr id="2" name="Title 1">
             <a:extLst>
               <a:ext uri="{FF2B5EF4-FFF2-40B4-BE49-F238E27FC236}">
-                <a16:creationId xmlns:a16="http://schemas.microsoft.com/office/drawing/2014/main" id="{9E2F4025-5B63-47B1-ACD7-A498A81AE42A}"/>
+                <a16:creationId xmlns:a16="http://schemas.microsoft.com/office/drawing/2014/main" id="{0A95A14D-8CF8-471B-AF3D-26999D8951D8}"/>
               </a:ext>
             </a:extLst>
           </p:cNvPr>
@@ -28582,113 +29460,106 @@
           <a:p>
             <a:r>
               <a:rPr lang="ru-RU" dirty="0"/>
-              <a:t>Проблема с экспортируемыми символами</a:t>
+              <a:t>Накладные расходы</a:t>
+            </a:r>
+            <a:r>
+              <a:rPr lang="en-US" dirty="0"/>
+              <a:t> </a:t>
+            </a:r>
+            <a:r>
+              <a:rPr lang="ru-RU" dirty="0"/>
+              <a:t>при использовании </a:t>
+            </a:r>
+            <a:r>
+              <a:rPr lang="en-US" dirty="0"/>
+              <a:t>DLL</a:t>
+            </a:r>
+          </a:p>
+        </p:txBody>
+      </p:sp>
+      <p:sp>
+        <p:nvSpPr>
+          <p:cNvPr id="3" name="Content Placeholder 2">
+            <a:extLst>
+              <a:ext uri="{FF2B5EF4-FFF2-40B4-BE49-F238E27FC236}">
+                <a16:creationId xmlns:a16="http://schemas.microsoft.com/office/drawing/2014/main" id="{5B49B649-A403-4066-8731-42F55BC6F396}"/>
+              </a:ext>
+            </a:extLst>
+          </p:cNvPr>
+          <p:cNvSpPr>
+            <a:spLocks noGrp="1"/>
+          </p:cNvSpPr>
+          <p:nvPr>
+            <p:ph idx="1"/>
+          </p:nvPr>
+        </p:nvSpPr>
+        <p:spPr/>
+        <p:txBody>
+          <a:bodyPr/>
+          <a:lstStyle/>
+          <a:p>
+            <a:r>
+              <a:rPr lang="ru-RU" dirty="0"/>
+              <a:t>Загрузка</a:t>
+            </a:r>
+            <a:r>
+              <a:rPr lang="en-US" dirty="0"/>
+              <a:t> </a:t>
+            </a:r>
+            <a:r>
+              <a:rPr lang="ru-RU" dirty="0"/>
+              <a:t>библиотеки</a:t>
             </a:r>
             <a:endParaRPr lang="en-US" dirty="0"/>
           </a:p>
-        </p:txBody>
-      </p:sp>
-      <p:sp>
-        <p:nvSpPr>
-          <p:cNvPr id="3" name="Content Placeholder 2">
-            <a:extLst>
-              <a:ext uri="{FF2B5EF4-FFF2-40B4-BE49-F238E27FC236}">
-                <a16:creationId xmlns:a16="http://schemas.microsoft.com/office/drawing/2014/main" id="{37862244-1BB6-4E07-B31C-F099E59591B4}"/>
-              </a:ext>
-            </a:extLst>
-          </p:cNvPr>
-          <p:cNvSpPr>
-            <a:spLocks noGrp="1"/>
-          </p:cNvSpPr>
-          <p:nvPr>
-            <p:ph idx="1"/>
-          </p:nvPr>
-        </p:nvSpPr>
-        <p:spPr/>
-        <p:txBody>
-          <a:bodyPr/>
-          <a:lstStyle/>
-          <a:p>
-            <a:r>
-              <a:rPr lang="ru-RU" dirty="0"/>
-              <a:t>По умолчанию на </a:t>
-            </a:r>
-            <a:r>
-              <a:rPr lang="en-US" dirty="0"/>
-              <a:t>Linux </a:t>
-            </a:r>
-            <a:r>
-              <a:rPr lang="ru-RU" dirty="0"/>
-              <a:t>все функции в библиотеках экспортируются</a:t>
-            </a:r>
-          </a:p>
           <a:p>
             <a:pPr lvl="1"/>
             <a:r>
               <a:rPr lang="ru-RU" dirty="0"/>
-              <a:t>Для совместимости со статическими библиотеками</a:t>
-            </a:r>
-          </a:p>
-          <a:p>
-            <a:r>
-              <a:rPr lang="ru-RU" dirty="0"/>
-              <a:t>Из-за возможного перехвата функций вызов функций внутри библиотеки происходит через таблицу адресов (</a:t>
-            </a:r>
-            <a:r>
-              <a:rPr lang="en-US" dirty="0"/>
-              <a:t>GOT</a:t>
-            </a:r>
-            <a:r>
-              <a:rPr lang="ru-RU" dirty="0"/>
-              <a:t>)</a:t>
+              <a:t>Релокация</a:t>
             </a:r>
             <a:endParaRPr lang="en-US" dirty="0"/>
           </a:p>
           <a:p>
-            <a:r>
-              <a:rPr lang="ru-RU" dirty="0"/>
-              <a:t>Накладные расходы</a:t>
-            </a:r>
-            <a:r>
-              <a:rPr lang="en-US" dirty="0"/>
-              <a:t>:</a:t>
-            </a:r>
-          </a:p>
-          <a:p>
             <a:pPr lvl="1"/>
             <a:r>
               <a:rPr lang="ru-RU" dirty="0"/>
-              <a:t>Косвенные вызовы функций</a:t>
-            </a:r>
+              <a:t>Разрешение и </a:t>
+            </a:r>
+            <a:r>
+              <a:rPr lang="en-US" dirty="0"/>
+              <a:t>c</a:t>
+            </a:r>
+            <a:r>
+              <a:rPr lang="ru-RU" dirty="0"/>
+              <a:t>вязывание символов</a:t>
+            </a:r>
+            <a:endParaRPr lang="en-US" dirty="0"/>
+          </a:p>
+          <a:p>
+            <a:r>
+              <a:rPr lang="ru-RU" dirty="0"/>
+              <a:t>Работа с библиотекой</a:t>
+            </a:r>
+            <a:endParaRPr lang="en-US" dirty="0"/>
           </a:p>
           <a:p>
             <a:pPr lvl="1"/>
             <a:r>
-              <a:rPr lang="ru-RU" dirty="0"/>
-              <a:t>Отмена оптимизаций в компиляторе</a:t>
-            </a:r>
-            <a:r>
-              <a:rPr lang="en-US" dirty="0"/>
-              <a:t> (</a:t>
-            </a:r>
-            <a:r>
-              <a:rPr lang="en-US" dirty="0" err="1"/>
-              <a:t>inlining</a:t>
-            </a:r>
-            <a:r>
-              <a:rPr lang="en-US" dirty="0"/>
-              <a:t>, cloning, etc.)</a:t>
-            </a:r>
-          </a:p>
-          <a:p>
-            <a:endParaRPr lang="en-US" dirty="0"/>
+              <a:rPr lang="ru-RU" b="1" dirty="0"/>
+              <a:t>Косвенные вызовы функций (</a:t>
+            </a:r>
+            <a:r>
+              <a:rPr lang="en-US" b="1" dirty="0"/>
+              <a:t>indirect calls)</a:t>
+            </a:r>
           </a:p>
         </p:txBody>
       </p:sp>
     </p:spTree>
     <p:extLst>
       <p:ext uri="{BB962C8B-B14F-4D97-AF65-F5344CB8AC3E}">
-        <p14:creationId xmlns:p14="http://schemas.microsoft.com/office/powerpoint/2010/main" val="653850357"/>
+        <p14:creationId xmlns:p14="http://schemas.microsoft.com/office/powerpoint/2010/main" val="3025777625"/>
       </p:ext>
     </p:extLst>
   </p:cSld>
@@ -28720,7 +29591,7 @@
           <p:cNvPr id="2" name="Title 1">
             <a:extLst>
               <a:ext uri="{FF2B5EF4-FFF2-40B4-BE49-F238E27FC236}">
-                <a16:creationId xmlns:a16="http://schemas.microsoft.com/office/drawing/2014/main" id="{44E34916-01E9-4F42-B603-B05283CC4616}"/>
+                <a16:creationId xmlns:a16="http://schemas.microsoft.com/office/drawing/2014/main" id="{9E2F4025-5B63-47B1-ACD7-A498A81AE42A}"/>
               </a:ext>
             </a:extLst>
           </p:cNvPr>
@@ -28738,281 +29609,139 @@
           <a:p>
             <a:r>
               <a:rPr lang="ru-RU" dirty="0"/>
-              <a:t>Пример отмены оптимизаций</a:t>
+              <a:t>Проблема с экспортируемыми символами в </a:t>
+            </a:r>
+            <a:r>
+              <a:rPr lang="en-US" dirty="0"/>
+              <a:t>Linux</a:t>
+            </a:r>
+          </a:p>
+        </p:txBody>
+      </p:sp>
+      <p:sp>
+        <p:nvSpPr>
+          <p:cNvPr id="3" name="Content Placeholder 2">
+            <a:extLst>
+              <a:ext uri="{FF2B5EF4-FFF2-40B4-BE49-F238E27FC236}">
+                <a16:creationId xmlns:a16="http://schemas.microsoft.com/office/drawing/2014/main" id="{37862244-1BB6-4E07-B31C-F099E59591B4}"/>
+              </a:ext>
+            </a:extLst>
+          </p:cNvPr>
+          <p:cNvSpPr>
+            <a:spLocks noGrp="1"/>
+          </p:cNvSpPr>
+          <p:nvPr>
+            <p:ph idx="1"/>
+          </p:nvPr>
+        </p:nvSpPr>
+        <p:spPr/>
+        <p:txBody>
+          <a:bodyPr/>
+          <a:lstStyle/>
+          <a:p>
+            <a:r>
+              <a:rPr lang="ru-RU" dirty="0"/>
+              <a:t>По умолчанию на </a:t>
+            </a:r>
+            <a:r>
+              <a:rPr lang="en-US" dirty="0"/>
+              <a:t>Linux </a:t>
+            </a:r>
+            <a:r>
+              <a:rPr lang="ru-RU" dirty="0"/>
+              <a:t>все функции в </a:t>
+            </a:r>
+            <a:r>
+              <a:rPr lang="en-US" dirty="0"/>
+              <a:t>DLL </a:t>
+            </a:r>
+            <a:r>
+              <a:rPr lang="ru-RU" dirty="0"/>
+              <a:t>экспортируются</a:t>
+            </a:r>
+          </a:p>
+          <a:p>
+            <a:pPr lvl="1"/>
+            <a:r>
+              <a:rPr lang="ru-RU" dirty="0"/>
+              <a:t>Для совместимости со статическими библиотеками</a:t>
+            </a:r>
+          </a:p>
+          <a:p>
+            <a:r>
+              <a:rPr lang="ru-RU" dirty="0"/>
+              <a:t>Вызовы даже внутренних функций</a:t>
+            </a:r>
+            <a:r>
+              <a:rPr lang="en-US" dirty="0"/>
+              <a:t> </a:t>
+            </a:r>
+            <a:r>
+              <a:rPr lang="ru-RU" dirty="0"/>
+              <a:t>библиотеки происходят через таблицу адресов (</a:t>
+            </a:r>
+            <a:r>
+              <a:rPr lang="en-US" dirty="0"/>
+              <a:t>GOT</a:t>
+            </a:r>
+            <a:r>
+              <a:rPr lang="ru-RU" dirty="0"/>
+              <a:t>)</a:t>
+            </a:r>
+          </a:p>
+          <a:p>
+            <a:pPr lvl="1"/>
+            <a:r>
+              <a:rPr lang="ru-RU" dirty="0"/>
+              <a:t>Из-за возможности перехвата символов</a:t>
             </a:r>
             <a:endParaRPr lang="en-US" dirty="0"/>
           </a:p>
-        </p:txBody>
-      </p:sp>
-      <p:sp>
-        <p:nvSpPr>
-          <p:cNvPr id="3" name="Content Placeholder 2">
-            <a:extLst>
-              <a:ext uri="{FF2B5EF4-FFF2-40B4-BE49-F238E27FC236}">
-                <a16:creationId xmlns:a16="http://schemas.microsoft.com/office/drawing/2014/main" id="{6770FDB2-1A82-4929-A1E6-E0FB79342368}"/>
-              </a:ext>
-            </a:extLst>
-          </p:cNvPr>
-          <p:cNvSpPr>
-            <a:spLocks noGrp="1"/>
-          </p:cNvSpPr>
-          <p:nvPr>
-            <p:ph idx="1"/>
-          </p:nvPr>
-        </p:nvSpPr>
-        <p:spPr/>
-        <p:txBody>
-          <a:bodyPr>
-            <a:normAutofit lnSpcReduction="10000"/>
-          </a:bodyPr>
-          <a:lstStyle/>
-          <a:p>
-            <a:r>
-              <a:rPr lang="ru-RU" dirty="0"/>
-              <a:t>Компилятор не встраивает вызов функции из-за возможности перехвата</a:t>
-            </a:r>
-            <a:r>
-              <a:rPr lang="en-US" dirty="0"/>
-              <a:t> foo</a:t>
-            </a:r>
-          </a:p>
-          <a:p>
-            <a:pPr marL="457200" lvl="1" indent="0">
-              <a:buNone/>
-            </a:pPr>
-            <a:endParaRPr lang="ru-RU" dirty="0">
-              <a:latin typeface="Courier New" panose="02070309020205020404" pitchFamily="49" charset="0"/>
-              <a:cs typeface="Courier New" panose="02070309020205020404" pitchFamily="49" charset="0"/>
-            </a:endParaRPr>
-          </a:p>
-          <a:p>
-            <a:pPr marL="457200" lvl="1" indent="0">
-              <a:buNone/>
-            </a:pPr>
-            <a:r>
-              <a:rPr lang="en-US" dirty="0">
-                <a:latin typeface="Courier New" panose="02070309020205020404" pitchFamily="49" charset="0"/>
-                <a:cs typeface="Courier New" panose="02070309020205020404" pitchFamily="49" charset="0"/>
-              </a:rPr>
-              <a:t>$ cat </a:t>
-            </a:r>
-            <a:r>
-              <a:rPr lang="en-US" dirty="0" err="1">
-                <a:latin typeface="Courier New" panose="02070309020205020404" pitchFamily="49" charset="0"/>
-                <a:cs typeface="Courier New" panose="02070309020205020404" pitchFamily="49" charset="0"/>
-              </a:rPr>
-              <a:t>mylib.c</a:t>
-            </a:r>
-            <a:endParaRPr lang="en-US" dirty="0">
-              <a:latin typeface="Courier New" panose="02070309020205020404" pitchFamily="49" charset="0"/>
-              <a:cs typeface="Courier New" panose="02070309020205020404" pitchFamily="49" charset="0"/>
-            </a:endParaRPr>
-          </a:p>
-          <a:p>
-            <a:pPr marL="457200" lvl="1" indent="0">
-              <a:buNone/>
-            </a:pPr>
-            <a:r>
-              <a:rPr lang="en-US" dirty="0">
-                <a:solidFill>
-                  <a:prstClr val="black"/>
-                </a:solidFill>
-                <a:latin typeface="Courier New" panose="02070309020205020404" pitchFamily="49" charset="0"/>
-                <a:cs typeface="Courier New" panose="02070309020205020404" pitchFamily="49" charset="0"/>
-              </a:rPr>
-              <a:t>void foo() {}</a:t>
-            </a:r>
-          </a:p>
-          <a:p>
-            <a:pPr marL="457200" lvl="1" indent="0">
-              <a:buNone/>
-            </a:pPr>
-            <a:r>
-              <a:rPr lang="en-US" dirty="0">
-                <a:solidFill>
-                  <a:prstClr val="black"/>
-                </a:solidFill>
-                <a:latin typeface="Courier New" panose="02070309020205020404" pitchFamily="49" charset="0"/>
-                <a:cs typeface="Courier New" panose="02070309020205020404" pitchFamily="49" charset="0"/>
-              </a:rPr>
-              <a:t>void bar() { foo(); }</a:t>
-            </a:r>
-          </a:p>
-          <a:p>
-            <a:pPr marL="457200" lvl="1" indent="0">
-              <a:buNone/>
-            </a:pPr>
-            <a:endParaRPr lang="ru-RU" dirty="0">
-              <a:solidFill>
-                <a:prstClr val="black"/>
-              </a:solidFill>
-              <a:latin typeface="Courier New" panose="02070309020205020404" pitchFamily="49" charset="0"/>
-              <a:cs typeface="Courier New" panose="02070309020205020404" pitchFamily="49" charset="0"/>
-            </a:endParaRPr>
-          </a:p>
-          <a:p>
-            <a:pPr marL="457200" lvl="1" indent="0">
-              <a:buNone/>
-            </a:pPr>
-            <a:r>
-              <a:rPr lang="en-US" dirty="0">
-                <a:solidFill>
-                  <a:prstClr val="black"/>
-                </a:solidFill>
-                <a:latin typeface="Courier New" panose="02070309020205020404" pitchFamily="49" charset="0"/>
-                <a:cs typeface="Courier New" panose="02070309020205020404" pitchFamily="49" charset="0"/>
-              </a:rPr>
-              <a:t>$ </a:t>
-            </a:r>
-            <a:r>
-              <a:rPr lang="en-US" dirty="0" err="1">
-                <a:solidFill>
-                  <a:prstClr val="black"/>
-                </a:solidFill>
-                <a:latin typeface="Courier New" panose="02070309020205020404" pitchFamily="49" charset="0"/>
-                <a:cs typeface="Courier New" panose="02070309020205020404" pitchFamily="49" charset="0"/>
-              </a:rPr>
-              <a:t>gcc</a:t>
-            </a:r>
-            <a:r>
-              <a:rPr lang="en-US" dirty="0">
-                <a:solidFill>
-                  <a:prstClr val="black"/>
-                </a:solidFill>
-                <a:latin typeface="Courier New" panose="02070309020205020404" pitchFamily="49" charset="0"/>
-                <a:cs typeface="Courier New" panose="02070309020205020404" pitchFamily="49" charset="0"/>
-              </a:rPr>
-              <a:t> </a:t>
-            </a:r>
-            <a:r>
-              <a:rPr lang="en-US" dirty="0" err="1">
-                <a:solidFill>
-                  <a:prstClr val="black"/>
-                </a:solidFill>
-                <a:latin typeface="Courier New" panose="02070309020205020404" pitchFamily="49" charset="0"/>
-                <a:cs typeface="Courier New" panose="02070309020205020404" pitchFamily="49" charset="0"/>
-              </a:rPr>
-              <a:t>mylib.c</a:t>
-            </a:r>
-            <a:r>
-              <a:rPr lang="en-US" dirty="0">
-                <a:solidFill>
-                  <a:prstClr val="black"/>
-                </a:solidFill>
-                <a:latin typeface="Courier New" panose="02070309020205020404" pitchFamily="49" charset="0"/>
-                <a:cs typeface="Courier New" panose="02070309020205020404" pitchFamily="49" charset="0"/>
-              </a:rPr>
-              <a:t> -O3 -</a:t>
-            </a:r>
-            <a:r>
-              <a:rPr lang="en-US" dirty="0" err="1">
-                <a:solidFill>
-                  <a:prstClr val="black"/>
-                </a:solidFill>
-                <a:latin typeface="Courier New" panose="02070309020205020404" pitchFamily="49" charset="0"/>
-                <a:cs typeface="Courier New" panose="02070309020205020404" pitchFamily="49" charset="0"/>
-              </a:rPr>
-              <a:t>fPIC</a:t>
-            </a:r>
-            <a:r>
-              <a:rPr lang="en-US" dirty="0">
-                <a:solidFill>
-                  <a:prstClr val="black"/>
-                </a:solidFill>
-                <a:latin typeface="Courier New" panose="02070309020205020404" pitchFamily="49" charset="0"/>
-                <a:cs typeface="Courier New" panose="02070309020205020404" pitchFamily="49" charset="0"/>
-              </a:rPr>
-              <a:t> -S –o -</a:t>
-            </a:r>
-          </a:p>
-          <a:p>
-            <a:pPr marL="457200" lvl="1" indent="0">
-              <a:buNone/>
-            </a:pPr>
-            <a:r>
-              <a:rPr lang="en-US" dirty="0">
-                <a:solidFill>
-                  <a:prstClr val="black"/>
-                </a:solidFill>
-                <a:latin typeface="Courier New" panose="02070309020205020404" pitchFamily="49" charset="0"/>
-                <a:cs typeface="Courier New" panose="02070309020205020404" pitchFamily="49" charset="0"/>
-              </a:rPr>
-              <a:t>...</a:t>
-            </a:r>
-          </a:p>
-          <a:p>
-            <a:pPr marL="457200" lvl="1" indent="0">
-              <a:buNone/>
-            </a:pPr>
-            <a:r>
-              <a:rPr lang="en-US" dirty="0">
-                <a:solidFill>
-                  <a:prstClr val="black"/>
-                </a:solidFill>
-                <a:latin typeface="Courier New" panose="02070309020205020404" pitchFamily="49" charset="0"/>
-                <a:cs typeface="Courier New" panose="02070309020205020404" pitchFamily="49" charset="0"/>
-              </a:rPr>
-              <a:t>bar:</a:t>
-            </a:r>
-          </a:p>
-          <a:p>
-            <a:pPr marL="457200" lvl="1" indent="0">
-              <a:buNone/>
-            </a:pPr>
-            <a:r>
-              <a:rPr lang="en-US" dirty="0">
-                <a:solidFill>
-                  <a:prstClr val="black"/>
-                </a:solidFill>
-                <a:latin typeface="Courier New" panose="02070309020205020404" pitchFamily="49" charset="0"/>
-                <a:cs typeface="Courier New" panose="02070309020205020404" pitchFamily="49" charset="0"/>
-              </a:rPr>
-              <a:t>  </a:t>
-            </a:r>
-            <a:r>
-              <a:rPr lang="en-US" dirty="0" err="1">
-                <a:solidFill>
-                  <a:prstClr val="black"/>
-                </a:solidFill>
-                <a:latin typeface="Courier New" panose="02070309020205020404" pitchFamily="49" charset="0"/>
-                <a:cs typeface="Courier New" panose="02070309020205020404" pitchFamily="49" charset="0"/>
-              </a:rPr>
-              <a:t>jmp</a:t>
-            </a:r>
-            <a:r>
-              <a:rPr lang="en-US" dirty="0">
-                <a:solidFill>
-                  <a:prstClr val="black"/>
-                </a:solidFill>
-                <a:latin typeface="Courier New" panose="02070309020205020404" pitchFamily="49" charset="0"/>
-                <a:cs typeface="Courier New" panose="02070309020205020404" pitchFamily="49" charset="0"/>
-              </a:rPr>
-              <a:t>     </a:t>
-            </a:r>
-            <a:r>
-              <a:rPr lang="en-US" dirty="0" err="1">
-                <a:solidFill>
-                  <a:prstClr val="black"/>
-                </a:solidFill>
-                <a:latin typeface="Courier New" panose="02070309020205020404" pitchFamily="49" charset="0"/>
-                <a:cs typeface="Courier New" panose="02070309020205020404" pitchFamily="49" charset="0"/>
-              </a:rPr>
-              <a:t>foo@PLT</a:t>
-            </a:r>
-            <a:endParaRPr lang="en-US" dirty="0">
-              <a:solidFill>
-                <a:prstClr val="black"/>
-              </a:solidFill>
-              <a:latin typeface="Courier New" panose="02070309020205020404" pitchFamily="49" charset="0"/>
-              <a:cs typeface="Courier New" panose="02070309020205020404" pitchFamily="49" charset="0"/>
-            </a:endParaRPr>
+          <a:p>
+            <a:r>
+              <a:rPr lang="ru-RU" dirty="0"/>
+              <a:t>Накладные расходы</a:t>
+            </a:r>
+            <a:r>
+              <a:rPr lang="en-US" dirty="0"/>
+              <a:t>:</a:t>
+            </a:r>
+          </a:p>
+          <a:p>
+            <a:pPr lvl="1"/>
+            <a:r>
+              <a:rPr lang="ru-RU" dirty="0"/>
+              <a:t>Косвенные вызовы функций</a:t>
+            </a:r>
+          </a:p>
+          <a:p>
+            <a:pPr lvl="1"/>
+            <a:r>
+              <a:rPr lang="ru-RU" dirty="0"/>
+              <a:t>Отмена оптимизаций в компиляторе</a:t>
+            </a:r>
+            <a:r>
+              <a:rPr lang="en-US" dirty="0"/>
+              <a:t> (</a:t>
+            </a:r>
+            <a:r>
+              <a:rPr lang="en-US" dirty="0" err="1"/>
+              <a:t>inlining</a:t>
+            </a:r>
+            <a:r>
+              <a:rPr lang="en-US" dirty="0"/>
+              <a:t>, cloning, etc.)</a:t>
+            </a:r>
+          </a:p>
+          <a:p>
+            <a:endParaRPr lang="en-US" dirty="0"/>
           </a:p>
         </p:txBody>
       </p:sp>
     </p:spTree>
     <p:extLst>
       <p:ext uri="{BB962C8B-B14F-4D97-AF65-F5344CB8AC3E}">
-        <p14:creationId xmlns:p14="http://schemas.microsoft.com/office/powerpoint/2010/main" val="2182239902"/>
+        <p14:creationId xmlns:p14="http://schemas.microsoft.com/office/powerpoint/2010/main" val="653850357"/>
       </p:ext>
     </p:extLst>
   </p:cSld>
@@ -29044,6 +29773,330 @@
           <p:cNvPr id="2" name="Title 1">
             <a:extLst>
               <a:ext uri="{FF2B5EF4-FFF2-40B4-BE49-F238E27FC236}">
+                <a16:creationId xmlns:a16="http://schemas.microsoft.com/office/drawing/2014/main" id="{44E34916-01E9-4F42-B603-B05283CC4616}"/>
+              </a:ext>
+            </a:extLst>
+          </p:cNvPr>
+          <p:cNvSpPr>
+            <a:spLocks noGrp="1"/>
+          </p:cNvSpPr>
+          <p:nvPr>
+            <p:ph type="title"/>
+          </p:nvPr>
+        </p:nvSpPr>
+        <p:spPr/>
+        <p:txBody>
+          <a:bodyPr/>
+          <a:lstStyle/>
+          <a:p>
+            <a:r>
+              <a:rPr lang="ru-RU" dirty="0"/>
+              <a:t>Пример отмены оптимизаций</a:t>
+            </a:r>
+            <a:endParaRPr lang="en-US" dirty="0"/>
+          </a:p>
+        </p:txBody>
+      </p:sp>
+      <p:sp>
+        <p:nvSpPr>
+          <p:cNvPr id="3" name="Content Placeholder 2">
+            <a:extLst>
+              <a:ext uri="{FF2B5EF4-FFF2-40B4-BE49-F238E27FC236}">
+                <a16:creationId xmlns:a16="http://schemas.microsoft.com/office/drawing/2014/main" id="{6770FDB2-1A82-4929-A1E6-E0FB79342368}"/>
+              </a:ext>
+            </a:extLst>
+          </p:cNvPr>
+          <p:cNvSpPr>
+            <a:spLocks noGrp="1"/>
+          </p:cNvSpPr>
+          <p:nvPr>
+            <p:ph idx="1"/>
+          </p:nvPr>
+        </p:nvSpPr>
+        <p:spPr/>
+        <p:txBody>
+          <a:bodyPr>
+            <a:normAutofit lnSpcReduction="10000"/>
+          </a:bodyPr>
+          <a:lstStyle/>
+          <a:p>
+            <a:r>
+              <a:rPr lang="ru-RU" dirty="0"/>
+              <a:t>Компилятор не встраивает вызов функции из-за возможности перехвата</a:t>
+            </a:r>
+            <a:r>
+              <a:rPr lang="en-US" dirty="0"/>
+              <a:t> foo</a:t>
+            </a:r>
+          </a:p>
+          <a:p>
+            <a:pPr marL="457200" lvl="1" indent="0">
+              <a:buNone/>
+            </a:pPr>
+            <a:endParaRPr lang="ru-RU" dirty="0">
+              <a:latin typeface="Courier New" panose="02070309020205020404" pitchFamily="49" charset="0"/>
+              <a:cs typeface="Courier New" panose="02070309020205020404" pitchFamily="49" charset="0"/>
+            </a:endParaRPr>
+          </a:p>
+          <a:p>
+            <a:pPr marL="457200" lvl="1" indent="0">
+              <a:buNone/>
+            </a:pPr>
+            <a:r>
+              <a:rPr lang="en-US" dirty="0">
+                <a:latin typeface="Courier New" panose="02070309020205020404" pitchFamily="49" charset="0"/>
+                <a:cs typeface="Courier New" panose="02070309020205020404" pitchFamily="49" charset="0"/>
+              </a:rPr>
+              <a:t>$ cat </a:t>
+            </a:r>
+            <a:r>
+              <a:rPr lang="en-US" dirty="0" err="1">
+                <a:latin typeface="Courier New" panose="02070309020205020404" pitchFamily="49" charset="0"/>
+                <a:cs typeface="Courier New" panose="02070309020205020404" pitchFamily="49" charset="0"/>
+              </a:rPr>
+              <a:t>mylib.c</a:t>
+            </a:r>
+            <a:endParaRPr lang="en-US" dirty="0">
+              <a:latin typeface="Courier New" panose="02070309020205020404" pitchFamily="49" charset="0"/>
+              <a:cs typeface="Courier New" panose="02070309020205020404" pitchFamily="49" charset="0"/>
+            </a:endParaRPr>
+          </a:p>
+          <a:p>
+            <a:pPr marL="457200" lvl="1" indent="0">
+              <a:buNone/>
+            </a:pPr>
+            <a:r>
+              <a:rPr lang="en-US" dirty="0">
+                <a:solidFill>
+                  <a:prstClr val="black"/>
+                </a:solidFill>
+                <a:latin typeface="Courier New" panose="02070309020205020404" pitchFamily="49" charset="0"/>
+                <a:cs typeface="Courier New" panose="02070309020205020404" pitchFamily="49" charset="0"/>
+              </a:rPr>
+              <a:t>void foo() {}</a:t>
+            </a:r>
+          </a:p>
+          <a:p>
+            <a:pPr marL="457200" lvl="1" indent="0">
+              <a:buNone/>
+            </a:pPr>
+            <a:r>
+              <a:rPr lang="en-US" dirty="0">
+                <a:solidFill>
+                  <a:prstClr val="black"/>
+                </a:solidFill>
+                <a:latin typeface="Courier New" panose="02070309020205020404" pitchFamily="49" charset="0"/>
+                <a:cs typeface="Courier New" panose="02070309020205020404" pitchFamily="49" charset="0"/>
+              </a:rPr>
+              <a:t>void bar() { foo(); }</a:t>
+            </a:r>
+          </a:p>
+          <a:p>
+            <a:pPr marL="457200" lvl="1" indent="0">
+              <a:buNone/>
+            </a:pPr>
+            <a:endParaRPr lang="ru-RU" dirty="0">
+              <a:solidFill>
+                <a:prstClr val="black"/>
+              </a:solidFill>
+              <a:latin typeface="Courier New" panose="02070309020205020404" pitchFamily="49" charset="0"/>
+              <a:cs typeface="Courier New" panose="02070309020205020404" pitchFamily="49" charset="0"/>
+            </a:endParaRPr>
+          </a:p>
+          <a:p>
+            <a:pPr marL="457200" lvl="1" indent="0">
+              <a:buNone/>
+            </a:pPr>
+            <a:r>
+              <a:rPr lang="en-US" dirty="0">
+                <a:solidFill>
+                  <a:prstClr val="black"/>
+                </a:solidFill>
+                <a:latin typeface="Courier New" panose="02070309020205020404" pitchFamily="49" charset="0"/>
+                <a:cs typeface="Courier New" panose="02070309020205020404" pitchFamily="49" charset="0"/>
+              </a:rPr>
+              <a:t>$ </a:t>
+            </a:r>
+            <a:r>
+              <a:rPr lang="en-US" dirty="0" err="1">
+                <a:solidFill>
+                  <a:prstClr val="black"/>
+                </a:solidFill>
+                <a:latin typeface="Courier New" panose="02070309020205020404" pitchFamily="49" charset="0"/>
+                <a:cs typeface="Courier New" panose="02070309020205020404" pitchFamily="49" charset="0"/>
+              </a:rPr>
+              <a:t>gcc</a:t>
+            </a:r>
+            <a:r>
+              <a:rPr lang="en-US" dirty="0">
+                <a:solidFill>
+                  <a:prstClr val="black"/>
+                </a:solidFill>
+                <a:latin typeface="Courier New" panose="02070309020205020404" pitchFamily="49" charset="0"/>
+                <a:cs typeface="Courier New" panose="02070309020205020404" pitchFamily="49" charset="0"/>
+              </a:rPr>
+              <a:t> </a:t>
+            </a:r>
+            <a:r>
+              <a:rPr lang="en-US" dirty="0" err="1">
+                <a:solidFill>
+                  <a:prstClr val="black"/>
+                </a:solidFill>
+                <a:latin typeface="Courier New" panose="02070309020205020404" pitchFamily="49" charset="0"/>
+                <a:cs typeface="Courier New" panose="02070309020205020404" pitchFamily="49" charset="0"/>
+              </a:rPr>
+              <a:t>mylib.c</a:t>
+            </a:r>
+            <a:r>
+              <a:rPr lang="en-US" dirty="0">
+                <a:solidFill>
+                  <a:prstClr val="black"/>
+                </a:solidFill>
+                <a:latin typeface="Courier New" panose="02070309020205020404" pitchFamily="49" charset="0"/>
+                <a:cs typeface="Courier New" panose="02070309020205020404" pitchFamily="49" charset="0"/>
+              </a:rPr>
+              <a:t> -O3 -</a:t>
+            </a:r>
+            <a:r>
+              <a:rPr lang="en-US" dirty="0" err="1">
+                <a:solidFill>
+                  <a:prstClr val="black"/>
+                </a:solidFill>
+                <a:latin typeface="Courier New" panose="02070309020205020404" pitchFamily="49" charset="0"/>
+                <a:cs typeface="Courier New" panose="02070309020205020404" pitchFamily="49" charset="0"/>
+              </a:rPr>
+              <a:t>fPIC</a:t>
+            </a:r>
+            <a:r>
+              <a:rPr lang="en-US" dirty="0">
+                <a:solidFill>
+                  <a:prstClr val="black"/>
+                </a:solidFill>
+                <a:latin typeface="Courier New" panose="02070309020205020404" pitchFamily="49" charset="0"/>
+                <a:cs typeface="Courier New" panose="02070309020205020404" pitchFamily="49" charset="0"/>
+              </a:rPr>
+              <a:t> -S –o -</a:t>
+            </a:r>
+          </a:p>
+          <a:p>
+            <a:pPr marL="457200" lvl="1" indent="0">
+              <a:buNone/>
+            </a:pPr>
+            <a:r>
+              <a:rPr lang="en-US" dirty="0">
+                <a:solidFill>
+                  <a:prstClr val="black"/>
+                </a:solidFill>
+                <a:latin typeface="Courier New" panose="02070309020205020404" pitchFamily="49" charset="0"/>
+                <a:cs typeface="Courier New" panose="02070309020205020404" pitchFamily="49" charset="0"/>
+              </a:rPr>
+              <a:t>...</a:t>
+            </a:r>
+          </a:p>
+          <a:p>
+            <a:pPr marL="457200" lvl="1" indent="0">
+              <a:buNone/>
+            </a:pPr>
+            <a:r>
+              <a:rPr lang="en-US" dirty="0">
+                <a:solidFill>
+                  <a:prstClr val="black"/>
+                </a:solidFill>
+                <a:latin typeface="Courier New" panose="02070309020205020404" pitchFamily="49" charset="0"/>
+                <a:cs typeface="Courier New" panose="02070309020205020404" pitchFamily="49" charset="0"/>
+              </a:rPr>
+              <a:t>bar:</a:t>
+            </a:r>
+          </a:p>
+          <a:p>
+            <a:pPr marL="457200" lvl="1" indent="0">
+              <a:buNone/>
+            </a:pPr>
+            <a:r>
+              <a:rPr lang="en-US" dirty="0">
+                <a:solidFill>
+                  <a:prstClr val="black"/>
+                </a:solidFill>
+                <a:latin typeface="Courier New" panose="02070309020205020404" pitchFamily="49" charset="0"/>
+                <a:cs typeface="Courier New" panose="02070309020205020404" pitchFamily="49" charset="0"/>
+              </a:rPr>
+              <a:t>  </a:t>
+            </a:r>
+            <a:r>
+              <a:rPr lang="en-US" dirty="0" err="1">
+                <a:solidFill>
+                  <a:prstClr val="black"/>
+                </a:solidFill>
+                <a:latin typeface="Courier New" panose="02070309020205020404" pitchFamily="49" charset="0"/>
+                <a:cs typeface="Courier New" panose="02070309020205020404" pitchFamily="49" charset="0"/>
+              </a:rPr>
+              <a:t>jmp</a:t>
+            </a:r>
+            <a:r>
+              <a:rPr lang="en-US" dirty="0">
+                <a:solidFill>
+                  <a:prstClr val="black"/>
+                </a:solidFill>
+                <a:latin typeface="Courier New" panose="02070309020205020404" pitchFamily="49" charset="0"/>
+                <a:cs typeface="Courier New" panose="02070309020205020404" pitchFamily="49" charset="0"/>
+              </a:rPr>
+              <a:t>     </a:t>
+            </a:r>
+            <a:r>
+              <a:rPr lang="en-US" dirty="0" err="1">
+                <a:solidFill>
+                  <a:prstClr val="black"/>
+                </a:solidFill>
+                <a:latin typeface="Courier New" panose="02070309020205020404" pitchFamily="49" charset="0"/>
+                <a:cs typeface="Courier New" panose="02070309020205020404" pitchFamily="49" charset="0"/>
+              </a:rPr>
+              <a:t>foo@PLT</a:t>
+            </a:r>
+            <a:endParaRPr lang="en-US" dirty="0">
+              <a:solidFill>
+                <a:prstClr val="black"/>
+              </a:solidFill>
+              <a:latin typeface="Courier New" panose="02070309020205020404" pitchFamily="49" charset="0"/>
+              <a:cs typeface="Courier New" panose="02070309020205020404" pitchFamily="49" charset="0"/>
+            </a:endParaRPr>
+          </a:p>
+        </p:txBody>
+      </p:sp>
+    </p:spTree>
+    <p:extLst>
+      <p:ext uri="{BB962C8B-B14F-4D97-AF65-F5344CB8AC3E}">
+        <p14:creationId xmlns:p14="http://schemas.microsoft.com/office/powerpoint/2010/main" val="2182239902"/>
+      </p:ext>
+    </p:extLst>
+  </p:cSld>
+  <p:clrMapOvr>
+    <a:masterClrMapping/>
+  </p:clrMapOvr>
+</p:sld>
+</file>
+
+<file path=ppt/slides/slide64.xml><?xml version="1.0" encoding="utf-8"?>
+<p:sld xmlns:a="http://schemas.openxmlformats.org/drawingml/2006/main" xmlns:r="http://schemas.openxmlformats.org/officeDocument/2006/relationships" xmlns:p="http://schemas.openxmlformats.org/presentationml/2006/main">
+  <p:cSld>
+    <p:spTree>
+      <p:nvGrpSpPr>
+        <p:cNvPr id="1" name=""/>
+        <p:cNvGrpSpPr/>
+        <p:nvPr/>
+      </p:nvGrpSpPr>
+      <p:grpSpPr>
+        <a:xfrm>
+          <a:off x="0" y="0"/>
+          <a:ext cx="0" cy="0"/>
+          <a:chOff x="0" y="0"/>
+          <a:chExt cx="0" cy="0"/>
+        </a:xfrm>
+      </p:grpSpPr>
+      <p:sp>
+        <p:nvSpPr>
+          <p:cNvPr id="2" name="Title 1">
+            <a:extLst>
+              <a:ext uri="{FF2B5EF4-FFF2-40B4-BE49-F238E27FC236}">
                 <a16:creationId xmlns:a16="http://schemas.microsoft.com/office/drawing/2014/main" id="{BD766DFC-0AB1-4998-9C8F-D80FEAAB8954}"/>
               </a:ext>
             </a:extLst>
@@ -29232,7 +30285,7 @@
 </p:sld>
 </file>
 
-<file path=ppt/slides/slide64.xml><?xml version="1.0" encoding="utf-8"?>
+<file path=ppt/slides/slide65.xml><?xml version="1.0" encoding="utf-8"?>
 <p:sld xmlns:a="http://schemas.openxmlformats.org/drawingml/2006/main" xmlns:r="http://schemas.openxmlformats.org/officeDocument/2006/relationships" xmlns:p="http://schemas.openxmlformats.org/presentationml/2006/main">
   <p:cSld>
     <p:spTree>
@@ -29449,7 +30502,7 @@
 </p:sld>
 </file>
 
-<file path=ppt/slides/slide65.xml><?xml version="1.0" encoding="utf-8"?>
+<file path=ppt/slides/slide66.xml><?xml version="1.0" encoding="utf-8"?>
 <p:sld xmlns:a="http://schemas.openxmlformats.org/drawingml/2006/main" xmlns:r="http://schemas.openxmlformats.org/officeDocument/2006/relationships" xmlns:p="http://schemas.openxmlformats.org/presentationml/2006/main">
   <p:cSld>
     <p:spTree>
@@ -29770,7 +30823,7 @@
 </p:sld>
 </file>
 
-<file path=ppt/slides/slide66.xml><?xml version="1.0" encoding="utf-8"?>
+<file path=ppt/slides/slide67.xml><?xml version="1.0" encoding="utf-8"?>
 <p:sld xmlns:a="http://schemas.openxmlformats.org/drawingml/2006/main" xmlns:r="http://schemas.openxmlformats.org/officeDocument/2006/relationships" xmlns:p="http://schemas.openxmlformats.org/presentationml/2006/main">
   <p:cSld>
     <p:spTree>
@@ -29929,7 +30982,7 @@
 </p:sld>
 </file>
 
-<file path=ppt/slides/slide67.xml><?xml version="1.0" encoding="utf-8"?>
+<file path=ppt/slides/slide68.xml><?xml version="1.0" encoding="utf-8"?>
 <p:sld xmlns:a="http://schemas.openxmlformats.org/drawingml/2006/main" xmlns:r="http://schemas.openxmlformats.org/officeDocument/2006/relationships" xmlns:p="http://schemas.openxmlformats.org/presentationml/2006/main">
   <p:cSld>
     <p:spTree>
@@ -30434,388 +31487,6 @@
     <p:extLst>
       <p:ext uri="{BB962C8B-B14F-4D97-AF65-F5344CB8AC3E}">
         <p14:creationId xmlns:p14="http://schemas.microsoft.com/office/powerpoint/2010/main" val="469104947"/>
-      </p:ext>
-    </p:extLst>
-  </p:cSld>
-  <p:clrMapOvr>
-    <a:masterClrMapping/>
-  </p:clrMapOvr>
-</p:sld>
-</file>
-
-<file path=ppt/slides/slide68.xml><?xml version="1.0" encoding="utf-8"?>
-<p:sld xmlns:a="http://schemas.openxmlformats.org/drawingml/2006/main" xmlns:r="http://schemas.openxmlformats.org/officeDocument/2006/relationships" xmlns:p="http://schemas.openxmlformats.org/presentationml/2006/main">
-  <p:cSld>
-    <p:spTree>
-      <p:nvGrpSpPr>
-        <p:cNvPr id="1" name=""/>
-        <p:cNvGrpSpPr/>
-        <p:nvPr/>
-      </p:nvGrpSpPr>
-      <p:grpSpPr>
-        <a:xfrm>
-          <a:off x="0" y="0"/>
-          <a:ext cx="0" cy="0"/>
-          <a:chOff x="0" y="0"/>
-          <a:chExt cx="0" cy="0"/>
-        </a:xfrm>
-      </p:grpSpPr>
-      <p:sp>
-        <p:nvSpPr>
-          <p:cNvPr id="2" name="Title 1">
-            <a:extLst>
-              <a:ext uri="{FF2B5EF4-FFF2-40B4-BE49-F238E27FC236}">
-                <a16:creationId xmlns:a16="http://schemas.microsoft.com/office/drawing/2014/main" id="{BD766DFC-0AB1-4998-9C8F-D80FEAAB8954}"/>
-              </a:ext>
-            </a:extLst>
-          </p:cNvPr>
-          <p:cNvSpPr>
-            <a:spLocks noGrp="1"/>
-          </p:cNvSpPr>
-          <p:nvPr>
-            <p:ph type="title"/>
-          </p:nvPr>
-        </p:nvSpPr>
-        <p:spPr/>
-        <p:txBody>
-          <a:bodyPr/>
-          <a:lstStyle/>
-          <a:p>
-            <a:r>
-              <a:rPr lang="ru-RU" dirty="0"/>
-              <a:t>Пример использования </a:t>
-            </a:r>
-            <a:r>
-              <a:rPr lang="en-US" dirty="0" err="1"/>
-              <a:t>ShlibVisibilityChecker</a:t>
-            </a:r>
-            <a:endParaRPr lang="en-US" dirty="0"/>
-          </a:p>
-        </p:txBody>
-      </p:sp>
-      <p:sp>
-        <p:nvSpPr>
-          <p:cNvPr id="3" name="Content Placeholder 2">
-            <a:extLst>
-              <a:ext uri="{FF2B5EF4-FFF2-40B4-BE49-F238E27FC236}">
-                <a16:creationId xmlns:a16="http://schemas.microsoft.com/office/drawing/2014/main" id="{CFEBEFD7-23BF-4F14-9339-37AF67D86D7F}"/>
-              </a:ext>
-            </a:extLst>
-          </p:cNvPr>
-          <p:cNvSpPr>
-            <a:spLocks noGrp="1"/>
-          </p:cNvSpPr>
-          <p:nvPr>
-            <p:ph idx="1"/>
-          </p:nvPr>
-        </p:nvSpPr>
-        <p:spPr>
-          <a:xfrm>
-            <a:off x="838200" y="1825625"/>
-            <a:ext cx="10515600" cy="4847318"/>
-          </a:xfrm>
-        </p:spPr>
-        <p:txBody>
-          <a:bodyPr>
-            <a:normAutofit fontScale="92500" lnSpcReduction="20000"/>
-          </a:bodyPr>
-          <a:lstStyle/>
-          <a:p>
-            <a:pPr marL="457200" lvl="1" indent="0">
-              <a:buNone/>
-            </a:pPr>
-            <a:r>
-              <a:rPr lang="en-US" dirty="0">
-                <a:latin typeface="Courier New" panose="02070309020205020404" pitchFamily="49" charset="0"/>
-                <a:cs typeface="Courier New" panose="02070309020205020404" pitchFamily="49" charset="0"/>
-              </a:rPr>
-              <a:t>$ </a:t>
-            </a:r>
-            <a:r>
-              <a:rPr lang="en-US" dirty="0" err="1">
-                <a:latin typeface="Courier New" panose="02070309020205020404" pitchFamily="49" charset="0"/>
-                <a:cs typeface="Courier New" panose="02070309020205020404" pitchFamily="49" charset="0"/>
-              </a:rPr>
-              <a:t>read_header_api</a:t>
-            </a:r>
-            <a:r>
-              <a:rPr lang="en-US" dirty="0">
-                <a:latin typeface="Courier New" panose="02070309020205020404" pitchFamily="49" charset="0"/>
-                <a:cs typeface="Courier New" panose="02070309020205020404" pitchFamily="49" charset="0"/>
-              </a:rPr>
-              <a:t> --only-</a:t>
-            </a:r>
-            <a:r>
-              <a:rPr lang="en-US" dirty="0" err="1">
-                <a:latin typeface="Courier New" panose="02070309020205020404" pitchFamily="49" charset="0"/>
-                <a:cs typeface="Courier New" panose="02070309020205020404" pitchFamily="49" charset="0"/>
-              </a:rPr>
-              <a:t>args</a:t>
-            </a:r>
-            <a:r>
-              <a:rPr lang="en-US" dirty="0">
-                <a:latin typeface="Courier New" panose="02070309020205020404" pitchFamily="49" charset="0"/>
-                <a:cs typeface="Courier New" panose="02070309020205020404" pitchFamily="49" charset="0"/>
-              </a:rPr>
-              <a:t> /</a:t>
-            </a:r>
-            <a:r>
-              <a:rPr lang="en-US" dirty="0" err="1">
-                <a:latin typeface="Courier New" panose="02070309020205020404" pitchFamily="49" charset="0"/>
-                <a:cs typeface="Courier New" panose="02070309020205020404" pitchFamily="49" charset="0"/>
-              </a:rPr>
-              <a:t>usr</a:t>
-            </a:r>
-            <a:r>
-              <a:rPr lang="en-US" dirty="0">
-                <a:latin typeface="Courier New" panose="02070309020205020404" pitchFamily="49" charset="0"/>
-                <a:cs typeface="Courier New" panose="02070309020205020404" pitchFamily="49" charset="0"/>
-              </a:rPr>
-              <a:t>/include/x86_64-linux-gnu/</a:t>
-            </a:r>
-            <a:r>
-              <a:rPr lang="en-US" dirty="0" err="1">
-                <a:latin typeface="Courier New" panose="02070309020205020404" pitchFamily="49" charset="0"/>
-                <a:cs typeface="Courier New" panose="02070309020205020404" pitchFamily="49" charset="0"/>
-              </a:rPr>
-              <a:t>gmp.h</a:t>
-            </a:r>
-            <a:r>
-              <a:rPr lang="en-US" dirty="0">
-                <a:latin typeface="Courier New" panose="02070309020205020404" pitchFamily="49" charset="0"/>
-                <a:cs typeface="Courier New" panose="02070309020205020404" pitchFamily="49" charset="0"/>
-              </a:rPr>
-              <a:t> &gt; api.txt</a:t>
-            </a:r>
-          </a:p>
-          <a:p>
-            <a:pPr marL="457200" lvl="1" indent="0">
-              <a:buNone/>
-            </a:pPr>
-            <a:endParaRPr lang="en-US" dirty="0">
-              <a:latin typeface="Courier New" panose="02070309020205020404" pitchFamily="49" charset="0"/>
-              <a:cs typeface="Courier New" panose="02070309020205020404" pitchFamily="49" charset="0"/>
-            </a:endParaRPr>
-          </a:p>
-          <a:p>
-            <a:pPr marL="457200" lvl="1" indent="0">
-              <a:buNone/>
-            </a:pPr>
-            <a:r>
-              <a:rPr lang="en-US" dirty="0">
-                <a:latin typeface="Courier New" panose="02070309020205020404" pitchFamily="49" charset="0"/>
-                <a:cs typeface="Courier New" panose="02070309020205020404" pitchFamily="49" charset="0"/>
-              </a:rPr>
-              <a:t>$ </a:t>
-            </a:r>
-            <a:r>
-              <a:rPr lang="en-US" dirty="0" err="1">
-                <a:latin typeface="Courier New" panose="02070309020205020404" pitchFamily="49" charset="0"/>
-                <a:cs typeface="Courier New" panose="02070309020205020404" pitchFamily="49" charset="0"/>
-              </a:rPr>
-              <a:t>read_binary_api</a:t>
-            </a:r>
-            <a:r>
-              <a:rPr lang="en-US" dirty="0">
-                <a:latin typeface="Courier New" panose="02070309020205020404" pitchFamily="49" charset="0"/>
-                <a:cs typeface="Courier New" panose="02070309020205020404" pitchFamily="49" charset="0"/>
-              </a:rPr>
-              <a:t> --permissive /</a:t>
-            </a:r>
-            <a:r>
-              <a:rPr lang="en-US" dirty="0" err="1">
-                <a:latin typeface="Courier New" panose="02070309020205020404" pitchFamily="49" charset="0"/>
-                <a:cs typeface="Courier New" panose="02070309020205020404" pitchFamily="49" charset="0"/>
-              </a:rPr>
-              <a:t>usr</a:t>
-            </a:r>
-            <a:r>
-              <a:rPr lang="en-US" dirty="0">
-                <a:latin typeface="Courier New" panose="02070309020205020404" pitchFamily="49" charset="0"/>
-                <a:cs typeface="Courier New" panose="02070309020205020404" pitchFamily="49" charset="0"/>
-              </a:rPr>
-              <a:t>/lib/x86_64-linux-gnu/libgmp.so.10.4.1 &gt; abi.txt</a:t>
-            </a:r>
-          </a:p>
-          <a:p>
-            <a:pPr marL="457200" lvl="1" indent="0">
-              <a:buNone/>
-            </a:pPr>
-            <a:endParaRPr lang="en-US" dirty="0">
-              <a:latin typeface="Courier New" panose="02070309020205020404" pitchFamily="49" charset="0"/>
-              <a:cs typeface="Courier New" panose="02070309020205020404" pitchFamily="49" charset="0"/>
-            </a:endParaRPr>
-          </a:p>
-          <a:p>
-            <a:pPr marL="457200" lvl="1" indent="0">
-              <a:buNone/>
-            </a:pPr>
-            <a:r>
-              <a:rPr lang="en-US" dirty="0">
-                <a:latin typeface="Courier New" panose="02070309020205020404" pitchFamily="49" charset="0"/>
-                <a:cs typeface="Courier New" panose="02070309020205020404" pitchFamily="49" charset="0"/>
-              </a:rPr>
-              <a:t>$ diff api.txt abi.txt | </a:t>
-            </a:r>
-            <a:r>
-              <a:rPr lang="en-US" dirty="0" err="1">
-                <a:latin typeface="Courier New" panose="02070309020205020404" pitchFamily="49" charset="0"/>
-                <a:cs typeface="Courier New" panose="02070309020205020404" pitchFamily="49" charset="0"/>
-              </a:rPr>
-              <a:t>wc</a:t>
-            </a:r>
-            <a:r>
-              <a:rPr lang="en-US" dirty="0">
-                <a:latin typeface="Courier New" panose="02070309020205020404" pitchFamily="49" charset="0"/>
-                <a:cs typeface="Courier New" panose="02070309020205020404" pitchFamily="49" charset="0"/>
-              </a:rPr>
-              <a:t> -l</a:t>
-            </a:r>
-          </a:p>
-          <a:p>
-            <a:pPr marL="457200" lvl="1" indent="0">
-              <a:buNone/>
-            </a:pPr>
-            <a:r>
-              <a:rPr lang="en-US" b="1" dirty="0">
-                <a:latin typeface="Courier New" panose="02070309020205020404" pitchFamily="49" charset="0"/>
-                <a:cs typeface="Courier New" panose="02070309020205020404" pitchFamily="49" charset="0"/>
-              </a:rPr>
-              <a:t>323</a:t>
-            </a:r>
-          </a:p>
-          <a:p>
-            <a:pPr marL="457200" lvl="1" indent="0">
-              <a:buNone/>
-            </a:pPr>
-            <a:endParaRPr lang="en-US" dirty="0">
-              <a:latin typeface="Courier New" panose="02070309020205020404" pitchFamily="49" charset="0"/>
-              <a:cs typeface="Courier New" panose="02070309020205020404" pitchFamily="49" charset="0"/>
-            </a:endParaRPr>
-          </a:p>
-          <a:p>
-            <a:pPr marL="457200" lvl="1" indent="0">
-              <a:buNone/>
-            </a:pPr>
-            <a:r>
-              <a:rPr lang="en-US" dirty="0">
-                <a:latin typeface="Courier New" panose="02070309020205020404" pitchFamily="49" charset="0"/>
-                <a:cs typeface="Courier New" panose="02070309020205020404" pitchFamily="49" charset="0"/>
-              </a:rPr>
-              <a:t>$ diff api.txt abi.txt</a:t>
-            </a:r>
-          </a:p>
-          <a:p>
-            <a:pPr marL="457200" lvl="1" indent="0">
-              <a:buNone/>
-            </a:pPr>
-            <a:r>
-              <a:rPr lang="en-US" dirty="0">
-                <a:latin typeface="Courier New" panose="02070309020205020404" pitchFamily="49" charset="0"/>
-                <a:cs typeface="Courier New" panose="02070309020205020404" pitchFamily="49" charset="0"/>
-              </a:rPr>
-              <a:t>0a1,10</a:t>
-            </a:r>
-          </a:p>
-          <a:p>
-            <a:pPr marL="457200" lvl="1" indent="0">
-              <a:buNone/>
-            </a:pPr>
-            <a:r>
-              <a:rPr lang="en-US" b="1" dirty="0">
-                <a:latin typeface="Courier New" panose="02070309020205020404" pitchFamily="49" charset="0"/>
-                <a:cs typeface="Courier New" panose="02070309020205020404" pitchFamily="49" charset="0"/>
-              </a:rPr>
-              <a:t>&gt; __gmp_0</a:t>
-            </a:r>
-          </a:p>
-          <a:p>
-            <a:pPr marL="457200" lvl="1" indent="0">
-              <a:buNone/>
-            </a:pPr>
-            <a:r>
-              <a:rPr lang="en-US" b="1" dirty="0">
-                <a:latin typeface="Courier New" panose="02070309020205020404" pitchFamily="49" charset="0"/>
-                <a:cs typeface="Courier New" panose="02070309020205020404" pitchFamily="49" charset="0"/>
-              </a:rPr>
-              <a:t>&gt; __</a:t>
-            </a:r>
-            <a:r>
-              <a:rPr lang="en-US" b="1" dirty="0" err="1">
-                <a:latin typeface="Courier New" panose="02070309020205020404" pitchFamily="49" charset="0"/>
-                <a:cs typeface="Courier New" panose="02070309020205020404" pitchFamily="49" charset="0"/>
-              </a:rPr>
-              <a:t>gmp_allocate_func</a:t>
-            </a:r>
-            <a:endParaRPr lang="en-US" b="1" dirty="0">
-              <a:latin typeface="Courier New" panose="02070309020205020404" pitchFamily="49" charset="0"/>
-              <a:cs typeface="Courier New" panose="02070309020205020404" pitchFamily="49" charset="0"/>
-            </a:endParaRPr>
-          </a:p>
-          <a:p>
-            <a:pPr marL="457200" lvl="1" indent="0">
-              <a:buNone/>
-            </a:pPr>
-            <a:r>
-              <a:rPr lang="en-US" b="1" dirty="0">
-                <a:latin typeface="Courier New" panose="02070309020205020404" pitchFamily="49" charset="0"/>
-                <a:cs typeface="Courier New" panose="02070309020205020404" pitchFamily="49" charset="0"/>
-              </a:rPr>
-              <a:t>&gt; __</a:t>
-            </a:r>
-            <a:r>
-              <a:rPr lang="en-US" b="1" dirty="0" err="1">
-                <a:latin typeface="Courier New" panose="02070309020205020404" pitchFamily="49" charset="0"/>
-                <a:cs typeface="Courier New" panose="02070309020205020404" pitchFamily="49" charset="0"/>
-              </a:rPr>
-              <a:t>gmp_asprintf_final</a:t>
-            </a:r>
-            <a:endParaRPr lang="en-US" b="1" dirty="0">
-              <a:latin typeface="Courier New" panose="02070309020205020404" pitchFamily="49" charset="0"/>
-              <a:cs typeface="Courier New" panose="02070309020205020404" pitchFamily="49" charset="0"/>
-            </a:endParaRPr>
-          </a:p>
-          <a:p>
-            <a:pPr marL="457200" lvl="1" indent="0">
-              <a:buNone/>
-            </a:pPr>
-            <a:r>
-              <a:rPr lang="en-US" b="1" dirty="0">
-                <a:latin typeface="Courier New" panose="02070309020205020404" pitchFamily="49" charset="0"/>
-                <a:cs typeface="Courier New" panose="02070309020205020404" pitchFamily="49" charset="0"/>
-              </a:rPr>
-              <a:t>&gt; __</a:t>
-            </a:r>
-            <a:r>
-              <a:rPr lang="en-US" b="1" dirty="0" err="1">
-                <a:latin typeface="Courier New" panose="02070309020205020404" pitchFamily="49" charset="0"/>
-                <a:cs typeface="Courier New" panose="02070309020205020404" pitchFamily="49" charset="0"/>
-              </a:rPr>
-              <a:t>gmp_asprintf_funs</a:t>
-            </a:r>
-            <a:endParaRPr lang="en-US" b="1" dirty="0">
-              <a:latin typeface="Courier New" panose="02070309020205020404" pitchFamily="49" charset="0"/>
-              <a:cs typeface="Courier New" panose="02070309020205020404" pitchFamily="49" charset="0"/>
-            </a:endParaRPr>
-          </a:p>
-          <a:p>
-            <a:pPr marL="457200" lvl="1" indent="0">
-              <a:buNone/>
-            </a:pPr>
-            <a:r>
-              <a:rPr lang="en-US" b="1" dirty="0">
-                <a:latin typeface="Courier New" panose="02070309020205020404" pitchFamily="49" charset="0"/>
-                <a:cs typeface="Courier New" panose="02070309020205020404" pitchFamily="49" charset="0"/>
-              </a:rPr>
-              <a:t>…</a:t>
-            </a:r>
-          </a:p>
-        </p:txBody>
-      </p:sp>
-    </p:spTree>
-    <p:extLst>
-      <p:ext uri="{BB962C8B-B14F-4D97-AF65-F5344CB8AC3E}">
-        <p14:creationId xmlns:p14="http://schemas.microsoft.com/office/powerpoint/2010/main" val="3323570136"/>
       </p:ext>
     </p:extLst>
   </p:cSld>
@@ -30847,7 +31518,7 @@
           <p:cNvPr id="2" name="Title 1">
             <a:extLst>
               <a:ext uri="{FF2B5EF4-FFF2-40B4-BE49-F238E27FC236}">
-                <a16:creationId xmlns:a16="http://schemas.microsoft.com/office/drawing/2014/main" id="{B79A58A2-53E2-4B07-B541-7560DC951115}"/>
+                <a16:creationId xmlns:a16="http://schemas.microsoft.com/office/drawing/2014/main" id="{BD766DFC-0AB1-4998-9C8F-D80FEAAB8954}"/>
               </a:ext>
             </a:extLst>
           </p:cNvPr>
@@ -30865,7 +31536,11 @@
           <a:p>
             <a:r>
               <a:rPr lang="ru-RU" dirty="0"/>
-              <a:t>Резюме</a:t>
+              <a:t>Пример использования </a:t>
+            </a:r>
+            <a:r>
+              <a:rPr lang="en-US" dirty="0" err="1"/>
+              <a:t>ShlibVisibilityChecker</a:t>
             </a:r>
             <a:endParaRPr lang="en-US" dirty="0"/>
           </a:p>
@@ -30876,7 +31551,7 @@
           <p:cNvPr id="3" name="Content Placeholder 2">
             <a:extLst>
               <a:ext uri="{FF2B5EF4-FFF2-40B4-BE49-F238E27FC236}">
-                <a16:creationId xmlns:a16="http://schemas.microsoft.com/office/drawing/2014/main" id="{89B42026-4F60-4665-8FC5-FDB3293BF4A3}"/>
+                <a16:creationId xmlns:a16="http://schemas.microsoft.com/office/drawing/2014/main" id="{CFEBEFD7-23BF-4F14-9339-37AF67D86D7F}"/>
               </a:ext>
             </a:extLst>
           </p:cNvPr>
@@ -30887,19 +31562,313 @@
             <p:ph idx="1"/>
           </p:nvPr>
         </p:nvSpPr>
-        <p:spPr/>
-        <p:txBody>
-          <a:bodyPr/>
-          <a:lstStyle/>
-          <a:p>
-            <a:endParaRPr lang="en-US" dirty="0"/>
+        <p:spPr>
+          <a:xfrm>
+            <a:off x="838200" y="1825625"/>
+            <a:ext cx="10515600" cy="4847318"/>
+          </a:xfrm>
+        </p:spPr>
+        <p:txBody>
+          <a:bodyPr>
+            <a:normAutofit fontScale="92500" lnSpcReduction="20000"/>
+          </a:bodyPr>
+          <a:lstStyle/>
+          <a:p>
+            <a:pPr marL="457200" lvl="1" indent="0">
+              <a:buNone/>
+            </a:pPr>
+            <a:r>
+              <a:rPr lang="en-US" dirty="0">
+                <a:latin typeface="Courier New" panose="02070309020205020404" pitchFamily="49" charset="0"/>
+                <a:cs typeface="Courier New" panose="02070309020205020404" pitchFamily="49" charset="0"/>
+              </a:rPr>
+              <a:t>$ </a:t>
+            </a:r>
+            <a:r>
+              <a:rPr lang="en-US" dirty="0" err="1">
+                <a:latin typeface="Courier New" panose="02070309020205020404" pitchFamily="49" charset="0"/>
+                <a:cs typeface="Courier New" panose="02070309020205020404" pitchFamily="49" charset="0"/>
+              </a:rPr>
+              <a:t>read_header_api</a:t>
+            </a:r>
+            <a:r>
+              <a:rPr lang="en-US" dirty="0">
+                <a:latin typeface="Courier New" panose="02070309020205020404" pitchFamily="49" charset="0"/>
+                <a:cs typeface="Courier New" panose="02070309020205020404" pitchFamily="49" charset="0"/>
+              </a:rPr>
+              <a:t> --only-</a:t>
+            </a:r>
+            <a:r>
+              <a:rPr lang="en-US" dirty="0" err="1">
+                <a:latin typeface="Courier New" panose="02070309020205020404" pitchFamily="49" charset="0"/>
+                <a:cs typeface="Courier New" panose="02070309020205020404" pitchFamily="49" charset="0"/>
+              </a:rPr>
+              <a:t>args</a:t>
+            </a:r>
+            <a:r>
+              <a:rPr lang="en-US" dirty="0">
+                <a:latin typeface="Courier New" panose="02070309020205020404" pitchFamily="49" charset="0"/>
+                <a:cs typeface="Courier New" panose="02070309020205020404" pitchFamily="49" charset="0"/>
+              </a:rPr>
+              <a:t> /</a:t>
+            </a:r>
+            <a:r>
+              <a:rPr lang="en-US" dirty="0" err="1">
+                <a:latin typeface="Courier New" panose="02070309020205020404" pitchFamily="49" charset="0"/>
+                <a:cs typeface="Courier New" panose="02070309020205020404" pitchFamily="49" charset="0"/>
+              </a:rPr>
+              <a:t>usr</a:t>
+            </a:r>
+            <a:r>
+              <a:rPr lang="en-US" dirty="0">
+                <a:latin typeface="Courier New" panose="02070309020205020404" pitchFamily="49" charset="0"/>
+                <a:cs typeface="Courier New" panose="02070309020205020404" pitchFamily="49" charset="0"/>
+              </a:rPr>
+              <a:t>/include/x86_64-linux-gnu/</a:t>
+            </a:r>
+            <a:r>
+              <a:rPr lang="en-US" dirty="0" err="1">
+                <a:latin typeface="Courier New" panose="02070309020205020404" pitchFamily="49" charset="0"/>
+                <a:cs typeface="Courier New" panose="02070309020205020404" pitchFamily="49" charset="0"/>
+              </a:rPr>
+              <a:t>gmp.h</a:t>
+            </a:r>
+            <a:r>
+              <a:rPr lang="en-US" dirty="0">
+                <a:latin typeface="Courier New" panose="02070309020205020404" pitchFamily="49" charset="0"/>
+                <a:cs typeface="Courier New" panose="02070309020205020404" pitchFamily="49" charset="0"/>
+              </a:rPr>
+              <a:t> &gt; api.txt</a:t>
+            </a:r>
+          </a:p>
+          <a:p>
+            <a:pPr marL="457200" lvl="1" indent="0">
+              <a:buNone/>
+            </a:pPr>
+            <a:endParaRPr lang="en-US" dirty="0">
+              <a:latin typeface="Courier New" panose="02070309020205020404" pitchFamily="49" charset="0"/>
+              <a:cs typeface="Courier New" panose="02070309020205020404" pitchFamily="49" charset="0"/>
+            </a:endParaRPr>
+          </a:p>
+          <a:p>
+            <a:pPr marL="457200" lvl="1" indent="0">
+              <a:buNone/>
+            </a:pPr>
+            <a:r>
+              <a:rPr lang="en-US" dirty="0">
+                <a:latin typeface="Courier New" panose="02070309020205020404" pitchFamily="49" charset="0"/>
+                <a:cs typeface="Courier New" panose="02070309020205020404" pitchFamily="49" charset="0"/>
+              </a:rPr>
+              <a:t>$ </a:t>
+            </a:r>
+            <a:r>
+              <a:rPr lang="en-US" dirty="0" err="1">
+                <a:latin typeface="Courier New" panose="02070309020205020404" pitchFamily="49" charset="0"/>
+                <a:cs typeface="Courier New" panose="02070309020205020404" pitchFamily="49" charset="0"/>
+              </a:rPr>
+              <a:t>read_binary_api</a:t>
+            </a:r>
+            <a:r>
+              <a:rPr lang="en-US" dirty="0">
+                <a:latin typeface="Courier New" panose="02070309020205020404" pitchFamily="49" charset="0"/>
+                <a:cs typeface="Courier New" panose="02070309020205020404" pitchFamily="49" charset="0"/>
+              </a:rPr>
+              <a:t> --permissive /</a:t>
+            </a:r>
+            <a:r>
+              <a:rPr lang="en-US" dirty="0" err="1">
+                <a:latin typeface="Courier New" panose="02070309020205020404" pitchFamily="49" charset="0"/>
+                <a:cs typeface="Courier New" panose="02070309020205020404" pitchFamily="49" charset="0"/>
+              </a:rPr>
+              <a:t>usr</a:t>
+            </a:r>
+            <a:r>
+              <a:rPr lang="en-US" dirty="0">
+                <a:latin typeface="Courier New" panose="02070309020205020404" pitchFamily="49" charset="0"/>
+                <a:cs typeface="Courier New" panose="02070309020205020404" pitchFamily="49" charset="0"/>
+              </a:rPr>
+              <a:t>/lib/x86_64-linux-gnu/libgmp.so.10.4.1 &gt; abi.txt</a:t>
+            </a:r>
+          </a:p>
+          <a:p>
+            <a:pPr marL="457200" lvl="1" indent="0">
+              <a:buNone/>
+            </a:pPr>
+            <a:endParaRPr lang="en-US" dirty="0">
+              <a:latin typeface="Courier New" panose="02070309020205020404" pitchFamily="49" charset="0"/>
+              <a:cs typeface="Courier New" panose="02070309020205020404" pitchFamily="49" charset="0"/>
+            </a:endParaRPr>
+          </a:p>
+          <a:p>
+            <a:pPr marL="457200" lvl="1" indent="0">
+              <a:buNone/>
+            </a:pPr>
+            <a:r>
+              <a:rPr lang="en-US" dirty="0">
+                <a:latin typeface="Courier New" panose="02070309020205020404" pitchFamily="49" charset="0"/>
+                <a:cs typeface="Courier New" panose="02070309020205020404" pitchFamily="49" charset="0"/>
+              </a:rPr>
+              <a:t>$ diff api.txt abi.txt | </a:t>
+            </a:r>
+            <a:r>
+              <a:rPr lang="en-US" dirty="0" err="1">
+                <a:latin typeface="Courier New" panose="02070309020205020404" pitchFamily="49" charset="0"/>
+                <a:cs typeface="Courier New" panose="02070309020205020404" pitchFamily="49" charset="0"/>
+              </a:rPr>
+              <a:t>wc</a:t>
+            </a:r>
+            <a:r>
+              <a:rPr lang="en-US" dirty="0">
+                <a:latin typeface="Courier New" panose="02070309020205020404" pitchFamily="49" charset="0"/>
+                <a:cs typeface="Courier New" panose="02070309020205020404" pitchFamily="49" charset="0"/>
+              </a:rPr>
+              <a:t> -l</a:t>
+            </a:r>
+          </a:p>
+          <a:p>
+            <a:pPr marL="457200" lvl="1" indent="0">
+              <a:buNone/>
+            </a:pPr>
+            <a:r>
+              <a:rPr lang="en-US" b="1" dirty="0">
+                <a:latin typeface="Courier New" panose="02070309020205020404" pitchFamily="49" charset="0"/>
+                <a:cs typeface="Courier New" panose="02070309020205020404" pitchFamily="49" charset="0"/>
+              </a:rPr>
+              <a:t>323</a:t>
+            </a:r>
+          </a:p>
+          <a:p>
+            <a:pPr marL="457200" lvl="1" indent="0">
+              <a:buNone/>
+            </a:pPr>
+            <a:endParaRPr lang="en-US" dirty="0">
+              <a:latin typeface="Courier New" panose="02070309020205020404" pitchFamily="49" charset="0"/>
+              <a:cs typeface="Courier New" panose="02070309020205020404" pitchFamily="49" charset="0"/>
+            </a:endParaRPr>
+          </a:p>
+          <a:p>
+            <a:pPr marL="457200" lvl="1" indent="0">
+              <a:buNone/>
+            </a:pPr>
+            <a:r>
+              <a:rPr lang="en-US" dirty="0">
+                <a:latin typeface="Courier New" panose="02070309020205020404" pitchFamily="49" charset="0"/>
+                <a:cs typeface="Courier New" panose="02070309020205020404" pitchFamily="49" charset="0"/>
+              </a:rPr>
+              <a:t>$ diff api.txt abi.txt</a:t>
+            </a:r>
+          </a:p>
+          <a:p>
+            <a:pPr marL="457200" lvl="1" indent="0">
+              <a:buNone/>
+            </a:pPr>
+            <a:r>
+              <a:rPr lang="en-US" dirty="0">
+                <a:latin typeface="Courier New" panose="02070309020205020404" pitchFamily="49" charset="0"/>
+                <a:cs typeface="Courier New" panose="02070309020205020404" pitchFamily="49" charset="0"/>
+              </a:rPr>
+              <a:t>0a1,10</a:t>
+            </a:r>
+          </a:p>
+          <a:p>
+            <a:pPr marL="457200" lvl="1" indent="0">
+              <a:buNone/>
+            </a:pPr>
+            <a:r>
+              <a:rPr lang="en-US" b="1" dirty="0">
+                <a:latin typeface="Courier New" panose="02070309020205020404" pitchFamily="49" charset="0"/>
+                <a:cs typeface="Courier New" panose="02070309020205020404" pitchFamily="49" charset="0"/>
+              </a:rPr>
+              <a:t>&gt; __gmp_0</a:t>
+            </a:r>
+          </a:p>
+          <a:p>
+            <a:pPr marL="457200" lvl="1" indent="0">
+              <a:buNone/>
+            </a:pPr>
+            <a:r>
+              <a:rPr lang="en-US" b="1" dirty="0">
+                <a:latin typeface="Courier New" panose="02070309020205020404" pitchFamily="49" charset="0"/>
+                <a:cs typeface="Courier New" panose="02070309020205020404" pitchFamily="49" charset="0"/>
+              </a:rPr>
+              <a:t>&gt; __</a:t>
+            </a:r>
+            <a:r>
+              <a:rPr lang="en-US" b="1" dirty="0" err="1">
+                <a:latin typeface="Courier New" panose="02070309020205020404" pitchFamily="49" charset="0"/>
+                <a:cs typeface="Courier New" panose="02070309020205020404" pitchFamily="49" charset="0"/>
+              </a:rPr>
+              <a:t>gmp_allocate_func</a:t>
+            </a:r>
+            <a:endParaRPr lang="en-US" b="1" dirty="0">
+              <a:latin typeface="Courier New" panose="02070309020205020404" pitchFamily="49" charset="0"/>
+              <a:cs typeface="Courier New" panose="02070309020205020404" pitchFamily="49" charset="0"/>
+            </a:endParaRPr>
+          </a:p>
+          <a:p>
+            <a:pPr marL="457200" lvl="1" indent="0">
+              <a:buNone/>
+            </a:pPr>
+            <a:r>
+              <a:rPr lang="en-US" b="1" dirty="0">
+                <a:latin typeface="Courier New" panose="02070309020205020404" pitchFamily="49" charset="0"/>
+                <a:cs typeface="Courier New" panose="02070309020205020404" pitchFamily="49" charset="0"/>
+              </a:rPr>
+              <a:t>&gt; __</a:t>
+            </a:r>
+            <a:r>
+              <a:rPr lang="en-US" b="1" dirty="0" err="1">
+                <a:latin typeface="Courier New" panose="02070309020205020404" pitchFamily="49" charset="0"/>
+                <a:cs typeface="Courier New" panose="02070309020205020404" pitchFamily="49" charset="0"/>
+              </a:rPr>
+              <a:t>gmp_asprintf_final</a:t>
+            </a:r>
+            <a:endParaRPr lang="en-US" b="1" dirty="0">
+              <a:latin typeface="Courier New" panose="02070309020205020404" pitchFamily="49" charset="0"/>
+              <a:cs typeface="Courier New" panose="02070309020205020404" pitchFamily="49" charset="0"/>
+            </a:endParaRPr>
+          </a:p>
+          <a:p>
+            <a:pPr marL="457200" lvl="1" indent="0">
+              <a:buNone/>
+            </a:pPr>
+            <a:r>
+              <a:rPr lang="en-US" b="1" dirty="0">
+                <a:latin typeface="Courier New" panose="02070309020205020404" pitchFamily="49" charset="0"/>
+                <a:cs typeface="Courier New" panose="02070309020205020404" pitchFamily="49" charset="0"/>
+              </a:rPr>
+              <a:t>&gt; __</a:t>
+            </a:r>
+            <a:r>
+              <a:rPr lang="en-US" b="1" dirty="0" err="1">
+                <a:latin typeface="Courier New" panose="02070309020205020404" pitchFamily="49" charset="0"/>
+                <a:cs typeface="Courier New" panose="02070309020205020404" pitchFamily="49" charset="0"/>
+              </a:rPr>
+              <a:t>gmp_asprintf_funs</a:t>
+            </a:r>
+            <a:endParaRPr lang="en-US" b="1" dirty="0">
+              <a:latin typeface="Courier New" panose="02070309020205020404" pitchFamily="49" charset="0"/>
+              <a:cs typeface="Courier New" panose="02070309020205020404" pitchFamily="49" charset="0"/>
+            </a:endParaRPr>
+          </a:p>
+          <a:p>
+            <a:pPr marL="457200" lvl="1" indent="0">
+              <a:buNone/>
+            </a:pPr>
+            <a:r>
+              <a:rPr lang="en-US" b="1" dirty="0">
+                <a:latin typeface="Courier New" panose="02070309020205020404" pitchFamily="49" charset="0"/>
+                <a:cs typeface="Courier New" panose="02070309020205020404" pitchFamily="49" charset="0"/>
+              </a:rPr>
+              <a:t>…</a:t>
+            </a:r>
           </a:p>
         </p:txBody>
       </p:sp>
     </p:spTree>
     <p:extLst>
       <p:ext uri="{BB962C8B-B14F-4D97-AF65-F5344CB8AC3E}">
-        <p14:creationId xmlns:p14="http://schemas.microsoft.com/office/powerpoint/2010/main" val="883765393"/>
+        <p14:creationId xmlns:p14="http://schemas.microsoft.com/office/powerpoint/2010/main" val="3323570136"/>
       </p:ext>
     </p:extLst>
   </p:cSld>
@@ -31124,17 +32093,14 @@
           <a:bodyPr/>
           <a:lstStyle/>
           <a:p>
-            <a:r>
-              <a:rPr lang="ru-RU" dirty="0"/>
-              <a:t>Динамические библиотеки имеют ряд преимуществ над статическими</a:t>
-            </a:r>
+            <a:endParaRPr lang="en-US" dirty="0"/>
           </a:p>
         </p:txBody>
       </p:sp>
     </p:spTree>
     <p:extLst>
       <p:ext uri="{BB962C8B-B14F-4D97-AF65-F5344CB8AC3E}">
-        <p14:creationId xmlns:p14="http://schemas.microsoft.com/office/powerpoint/2010/main" val="871995427"/>
+        <p14:creationId xmlns:p14="http://schemas.microsoft.com/office/powerpoint/2010/main" val="883765393"/>
       </p:ext>
     </p:extLst>
   </p:cSld>
@@ -31216,18 +32182,12 @@
               <a:t>Динамические библиотеки имеют ряд преимуществ над статическими</a:t>
             </a:r>
           </a:p>
-          <a:p>
-            <a:r>
-              <a:rPr lang="ru-RU" dirty="0"/>
-              <a:t>Добавляют накладные расходы при загрузке и во время работы приложения</a:t>
-            </a:r>
-          </a:p>
         </p:txBody>
       </p:sp>
     </p:spTree>
     <p:extLst>
       <p:ext uri="{BB962C8B-B14F-4D97-AF65-F5344CB8AC3E}">
-        <p14:creationId xmlns:p14="http://schemas.microsoft.com/office/powerpoint/2010/main" val="2882286536"/>
+        <p14:creationId xmlns:p14="http://schemas.microsoft.com/office/powerpoint/2010/main" val="871995427"/>
       </p:ext>
     </p:extLst>
   </p:cSld>
@@ -31315,6 +32275,99 @@
               <a:t>Добавляют накладные расходы при загрузке и во время работы приложения</a:t>
             </a:r>
           </a:p>
+        </p:txBody>
+      </p:sp>
+    </p:spTree>
+    <p:extLst>
+      <p:ext uri="{BB962C8B-B14F-4D97-AF65-F5344CB8AC3E}">
+        <p14:creationId xmlns:p14="http://schemas.microsoft.com/office/powerpoint/2010/main" val="2882286536"/>
+      </p:ext>
+    </p:extLst>
+  </p:cSld>
+  <p:clrMapOvr>
+    <a:masterClrMapping/>
+  </p:clrMapOvr>
+</p:sld>
+</file>
+
+<file path=ppt/slides/slide73.xml><?xml version="1.0" encoding="utf-8"?>
+<p:sld xmlns:a="http://schemas.openxmlformats.org/drawingml/2006/main" xmlns:r="http://schemas.openxmlformats.org/officeDocument/2006/relationships" xmlns:p="http://schemas.openxmlformats.org/presentationml/2006/main">
+  <p:cSld>
+    <p:spTree>
+      <p:nvGrpSpPr>
+        <p:cNvPr id="1" name=""/>
+        <p:cNvGrpSpPr/>
+        <p:nvPr/>
+      </p:nvGrpSpPr>
+      <p:grpSpPr>
+        <a:xfrm>
+          <a:off x="0" y="0"/>
+          <a:ext cx="0" cy="0"/>
+          <a:chOff x="0" y="0"/>
+          <a:chExt cx="0" cy="0"/>
+        </a:xfrm>
+      </p:grpSpPr>
+      <p:sp>
+        <p:nvSpPr>
+          <p:cNvPr id="2" name="Title 1">
+            <a:extLst>
+              <a:ext uri="{FF2B5EF4-FFF2-40B4-BE49-F238E27FC236}">
+                <a16:creationId xmlns:a16="http://schemas.microsoft.com/office/drawing/2014/main" id="{B79A58A2-53E2-4B07-B541-7560DC951115}"/>
+              </a:ext>
+            </a:extLst>
+          </p:cNvPr>
+          <p:cNvSpPr>
+            <a:spLocks noGrp="1"/>
+          </p:cNvSpPr>
+          <p:nvPr>
+            <p:ph type="title"/>
+          </p:nvPr>
+        </p:nvSpPr>
+        <p:spPr/>
+        <p:txBody>
+          <a:bodyPr/>
+          <a:lstStyle/>
+          <a:p>
+            <a:r>
+              <a:rPr lang="ru-RU" dirty="0"/>
+              <a:t>Резюме</a:t>
+            </a:r>
+            <a:endParaRPr lang="en-US" dirty="0"/>
+          </a:p>
+        </p:txBody>
+      </p:sp>
+      <p:sp>
+        <p:nvSpPr>
+          <p:cNvPr id="3" name="Content Placeholder 2">
+            <a:extLst>
+              <a:ext uri="{FF2B5EF4-FFF2-40B4-BE49-F238E27FC236}">
+                <a16:creationId xmlns:a16="http://schemas.microsoft.com/office/drawing/2014/main" id="{89B42026-4F60-4665-8FC5-FDB3293BF4A3}"/>
+              </a:ext>
+            </a:extLst>
+          </p:cNvPr>
+          <p:cNvSpPr>
+            <a:spLocks noGrp="1"/>
+          </p:cNvSpPr>
+          <p:nvPr>
+            <p:ph idx="1"/>
+          </p:nvPr>
+        </p:nvSpPr>
+        <p:spPr/>
+        <p:txBody>
+          <a:bodyPr/>
+          <a:lstStyle/>
+          <a:p>
+            <a:r>
+              <a:rPr lang="ru-RU" dirty="0"/>
+              <a:t>Динамические библиотеки имеют ряд преимуществ над статическими</a:t>
+            </a:r>
+          </a:p>
+          <a:p>
+            <a:r>
+              <a:rPr lang="ru-RU" dirty="0"/>
+              <a:t>Добавляют накладные расходы при загрузке и во время работы приложения</a:t>
+            </a:r>
+          </a:p>
           <a:p>
             <a:r>
               <a:rPr lang="ru-RU" dirty="0"/>
@@ -31356,7 +32409,7 @@
 </p:sld>
 </file>
 
-<file path=ppt/slides/slide73.xml><?xml version="1.0" encoding="utf-8"?>
+<file path=ppt/slides/slide74.xml><?xml version="1.0" encoding="utf-8"?>
 <p:sld xmlns:a="http://schemas.openxmlformats.org/drawingml/2006/main" xmlns:r="http://schemas.openxmlformats.org/officeDocument/2006/relationships" xmlns:p="http://schemas.openxmlformats.org/presentationml/2006/main">
   <p:cSld>
     <p:spTree>
@@ -31781,93 +32834,6 @@
 </p:sld>
 </file>
 
-<file path=ppt/slides/slide74.xml><?xml version="1.0" encoding="utf-8"?>
-<p:sld xmlns:a="http://schemas.openxmlformats.org/drawingml/2006/main" xmlns:r="http://schemas.openxmlformats.org/officeDocument/2006/relationships" xmlns:p="http://schemas.openxmlformats.org/presentationml/2006/main">
-  <p:cSld>
-    <p:spTree>
-      <p:nvGrpSpPr>
-        <p:cNvPr id="1" name=""/>
-        <p:cNvGrpSpPr/>
-        <p:nvPr/>
-      </p:nvGrpSpPr>
-      <p:grpSpPr>
-        <a:xfrm>
-          <a:off x="0" y="0"/>
-          <a:ext cx="0" cy="0"/>
-          <a:chOff x="0" y="0"/>
-          <a:chExt cx="0" cy="0"/>
-        </a:xfrm>
-      </p:grpSpPr>
-      <p:sp>
-        <p:nvSpPr>
-          <p:cNvPr id="2" name="Title 1">
-            <a:extLst>
-              <a:ext uri="{FF2B5EF4-FFF2-40B4-BE49-F238E27FC236}">
-                <a16:creationId xmlns:a16="http://schemas.microsoft.com/office/drawing/2014/main" id="{AE55B1BF-E6CB-4A61-A19B-EAB2E2F68128}"/>
-              </a:ext>
-            </a:extLst>
-          </p:cNvPr>
-          <p:cNvSpPr>
-            <a:spLocks noGrp="1"/>
-          </p:cNvSpPr>
-          <p:nvPr>
-            <p:ph type="title"/>
-          </p:nvPr>
-        </p:nvSpPr>
-        <p:spPr/>
-        <p:txBody>
-          <a:bodyPr/>
-          <a:lstStyle/>
-          <a:p>
-            <a:r>
-              <a:rPr lang="ru-RU" dirty="0"/>
-              <a:t>Спасибо за внимание</a:t>
-            </a:r>
-            <a:r>
-              <a:rPr lang="en-US" dirty="0"/>
-              <a:t>!</a:t>
-            </a:r>
-          </a:p>
-        </p:txBody>
-      </p:sp>
-      <p:sp>
-        <p:nvSpPr>
-          <p:cNvPr id="3" name="Content Placeholder 2">
-            <a:extLst>
-              <a:ext uri="{FF2B5EF4-FFF2-40B4-BE49-F238E27FC236}">
-                <a16:creationId xmlns:a16="http://schemas.microsoft.com/office/drawing/2014/main" id="{FDC23327-086B-41AB-AC13-CE5A75450C7E}"/>
-              </a:ext>
-            </a:extLst>
-          </p:cNvPr>
-          <p:cNvSpPr>
-            <a:spLocks noGrp="1"/>
-          </p:cNvSpPr>
-          <p:nvPr>
-            <p:ph idx="1"/>
-          </p:nvPr>
-        </p:nvSpPr>
-        <p:spPr/>
-        <p:txBody>
-          <a:bodyPr/>
-          <a:lstStyle/>
-          <a:p>
-            <a:endParaRPr lang="en-US" dirty="0"/>
-          </a:p>
-        </p:txBody>
-      </p:sp>
-    </p:spTree>
-    <p:extLst>
-      <p:ext uri="{BB962C8B-B14F-4D97-AF65-F5344CB8AC3E}">
-        <p14:creationId xmlns:p14="http://schemas.microsoft.com/office/powerpoint/2010/main" val="876813992"/>
-      </p:ext>
-    </p:extLst>
-  </p:cSld>
-  <p:clrMapOvr>
-    <a:masterClrMapping/>
-  </p:clrMapOvr>
-</p:sld>
-</file>
-
 <file path=ppt/slides/slide75.xml><?xml version="1.0" encoding="utf-8"?>
 <p:sld xmlns:a="http://schemas.openxmlformats.org/drawingml/2006/main" xmlns:r="http://schemas.openxmlformats.org/officeDocument/2006/relationships" xmlns:p="http://schemas.openxmlformats.org/presentationml/2006/main">
   <p:cSld>
@@ -31890,7 +32856,7 @@
           <p:cNvPr id="2" name="Title 1">
             <a:extLst>
               <a:ext uri="{FF2B5EF4-FFF2-40B4-BE49-F238E27FC236}">
-                <a16:creationId xmlns:a16="http://schemas.microsoft.com/office/drawing/2014/main" id="{F09C38B6-88BB-47D5-AECF-F1AEB00015C7}"/>
+                <a16:creationId xmlns:a16="http://schemas.microsoft.com/office/drawing/2014/main" id="{AE55B1BF-E6CB-4A61-A19B-EAB2E2F68128}"/>
               </a:ext>
             </a:extLst>
           </p:cNvPr>
@@ -31908,9 +32874,12 @@
           <a:p>
             <a:r>
               <a:rPr lang="ru-RU" dirty="0"/>
-              <a:t>Проверка экономии памяти</a:t>
-            </a:r>
-            <a:endParaRPr lang="en-US" dirty="0"/>
+              <a:t>Спасибо за внимание</a:t>
+            </a:r>
+            <a:r>
+              <a:rPr lang="en-US" dirty="0"/>
+              <a:t>!</a:t>
+            </a:r>
           </a:p>
         </p:txBody>
       </p:sp>
@@ -31919,7 +32888,7 @@
           <p:cNvPr id="3" name="Content Placeholder 2">
             <a:extLst>
               <a:ext uri="{FF2B5EF4-FFF2-40B4-BE49-F238E27FC236}">
-                <a16:creationId xmlns:a16="http://schemas.microsoft.com/office/drawing/2014/main" id="{EB72A63E-B5E1-4193-A82F-B3B0576B1822}"/>
+                <a16:creationId xmlns:a16="http://schemas.microsoft.com/office/drawing/2014/main" id="{FDC23327-086B-41AB-AC13-CE5A75450C7E}"/>
               </a:ext>
             </a:extLst>
           </p:cNvPr>
@@ -31935,64 +32904,6 @@
           <a:bodyPr/>
           <a:lstStyle/>
           <a:p>
-            <a:r>
-              <a:rPr lang="ru-RU" dirty="0"/>
-              <a:t>Собрать сканнер</a:t>
-            </a:r>
-            <a:endParaRPr lang="en-US" dirty="0"/>
-          </a:p>
-          <a:p>
-            <a:pPr lvl="1"/>
-            <a:r>
-              <a:rPr lang="en-US" dirty="0" err="1"/>
-              <a:t>gcc</a:t>
-            </a:r>
-            <a:r>
-              <a:rPr lang="en-US" dirty="0"/>
-              <a:t> -Wall -</a:t>
-            </a:r>
-            <a:r>
-              <a:rPr lang="en-US" dirty="0" err="1"/>
-              <a:t>Wextra</a:t>
-            </a:r>
-            <a:r>
-              <a:rPr lang="en-US" dirty="0"/>
-              <a:t> scripts/ram-</a:t>
-            </a:r>
-            <a:r>
-              <a:rPr lang="en-US" dirty="0" err="1"/>
-              <a:t>savings.c</a:t>
-            </a:r>
-            <a:endParaRPr lang="en-US" dirty="0"/>
-          </a:p>
-          <a:p>
-            <a:r>
-              <a:rPr lang="ru-RU" dirty="0"/>
-              <a:t>Запустить под </a:t>
-            </a:r>
-            <a:r>
-              <a:rPr lang="en-US" dirty="0" err="1"/>
-              <a:t>sudo</a:t>
-            </a:r>
-            <a:r>
-              <a:rPr lang="en-US" dirty="0"/>
-              <a:t>:</a:t>
-            </a:r>
-          </a:p>
-          <a:p>
-            <a:pPr lvl="1"/>
-            <a:r>
-              <a:rPr lang="en-US" dirty="0" err="1"/>
-              <a:t>sudo</a:t>
-            </a:r>
-            <a:r>
-              <a:rPr lang="en-US" dirty="0"/>
-              <a:t> ./</a:t>
-            </a:r>
-            <a:r>
-              <a:rPr lang="en-US" dirty="0" err="1"/>
-              <a:t>a.out</a:t>
-            </a:r>
             <a:endParaRPr lang="en-US" dirty="0"/>
           </a:p>
         </p:txBody>
@@ -32000,7 +32911,7 @@
     </p:spTree>
     <p:extLst>
       <p:ext uri="{BB962C8B-B14F-4D97-AF65-F5344CB8AC3E}">
-        <p14:creationId xmlns:p14="http://schemas.microsoft.com/office/powerpoint/2010/main" val="458418495"/>
+        <p14:creationId xmlns:p14="http://schemas.microsoft.com/office/powerpoint/2010/main" val="876813992"/>
       </p:ext>
     </p:extLst>
   </p:cSld>
@@ -32032,7 +32943,7 @@
           <p:cNvPr id="2" name="Title 1">
             <a:extLst>
               <a:ext uri="{FF2B5EF4-FFF2-40B4-BE49-F238E27FC236}">
-                <a16:creationId xmlns:a16="http://schemas.microsoft.com/office/drawing/2014/main" id="{A332E884-F784-4417-BF2B-03646842341A}"/>
+                <a16:creationId xmlns:a16="http://schemas.microsoft.com/office/drawing/2014/main" id="{F09C38B6-88BB-47D5-AECF-F1AEB00015C7}"/>
               </a:ext>
             </a:extLst>
           </p:cNvPr>
@@ -32050,7 +32961,7 @@
           <a:p>
             <a:r>
               <a:rPr lang="ru-RU" dirty="0"/>
-              <a:t>Анализ экономии диска</a:t>
+              <a:t>Проверка экономии памяти</a:t>
             </a:r>
             <a:endParaRPr lang="en-US" dirty="0"/>
           </a:p>
@@ -32061,7 +32972,7 @@
           <p:cNvPr id="3" name="Content Placeholder 2">
             <a:extLst>
               <a:ext uri="{FF2B5EF4-FFF2-40B4-BE49-F238E27FC236}">
-                <a16:creationId xmlns:a16="http://schemas.microsoft.com/office/drawing/2014/main" id="{E04AF023-58A8-450D-A198-B852C2288198}"/>
+                <a16:creationId xmlns:a16="http://schemas.microsoft.com/office/drawing/2014/main" id="{EB72A63E-B5E1-4193-A82F-B3B0576B1822}"/>
               </a:ext>
             </a:extLst>
           </p:cNvPr>
@@ -32079,35 +32990,61 @@
           <a:p>
             <a:r>
               <a:rPr lang="ru-RU" dirty="0"/>
-              <a:t>Запустить</a:t>
+              <a:t>Собрать сканнер</a:t>
             </a:r>
             <a:endParaRPr lang="en-US" dirty="0"/>
           </a:p>
           <a:p>
             <a:pPr lvl="1"/>
             <a:r>
-              <a:rPr lang="en-US" dirty="0"/>
-              <a:t>scripts/disk-savings.pl</a:t>
-            </a:r>
-          </a:p>
-          <a:p>
-            <a:r>
-              <a:rPr lang="ru-RU" dirty="0"/>
-              <a:t>Скрипт даёт верхнюю оценку – реальная экономии памяти будет ниже</a:t>
+              <a:rPr lang="en-US" dirty="0" err="1"/>
+              <a:t>gcc</a:t>
+            </a:r>
+            <a:r>
+              <a:rPr lang="en-US" dirty="0"/>
+              <a:t> -Wall -</a:t>
+            </a:r>
+            <a:r>
+              <a:rPr lang="en-US" dirty="0" err="1"/>
+              <a:t>Wextra</a:t>
+            </a:r>
+            <a:r>
+              <a:rPr lang="en-US" dirty="0"/>
+              <a:t> scripts/ram-</a:t>
+            </a:r>
+            <a:r>
+              <a:rPr lang="en-US" dirty="0" err="1"/>
+              <a:t>savings.c</a:t>
+            </a:r>
+            <a:endParaRPr lang="en-US" dirty="0"/>
+          </a:p>
+          <a:p>
+            <a:r>
+              <a:rPr lang="ru-RU" dirty="0"/>
+              <a:t>Запустить под </a:t>
+            </a:r>
+            <a:r>
+              <a:rPr lang="en-US" dirty="0" err="1"/>
+              <a:t>sudo</a:t>
+            </a:r>
+            <a:r>
+              <a:rPr lang="en-US" dirty="0"/>
+              <a:t>:</a:t>
             </a:r>
           </a:p>
           <a:p>
             <a:pPr lvl="1"/>
             <a:r>
-              <a:rPr lang="ru-RU" dirty="0"/>
-              <a:t>При использовании статическх библиотек не все их функции будут использованы приложениями</a:t>
-            </a:r>
-          </a:p>
-          <a:p>
-            <a:pPr lvl="1"/>
-            <a:r>
-              <a:rPr lang="ru-RU" dirty="0"/>
-              <a:t>Соответственно библиотеки только частично будут включены в исполняемые файлы</a:t>
+              <a:rPr lang="en-US" dirty="0" err="1"/>
+              <a:t>sudo</a:t>
+            </a:r>
+            <a:r>
+              <a:rPr lang="en-US" dirty="0"/>
+              <a:t> ./</a:t>
+            </a:r>
+            <a:r>
+              <a:rPr lang="en-US" dirty="0" err="1"/>
+              <a:t>a.out</a:t>
             </a:r>
             <a:endParaRPr lang="en-US" dirty="0"/>
           </a:p>
@@ -32116,7 +33053,7 @@
     </p:spTree>
     <p:extLst>
       <p:ext uri="{BB962C8B-B14F-4D97-AF65-F5344CB8AC3E}">
-        <p14:creationId xmlns:p14="http://schemas.microsoft.com/office/powerpoint/2010/main" val="4057433900"/>
+        <p14:creationId xmlns:p14="http://schemas.microsoft.com/office/powerpoint/2010/main" val="458418495"/>
       </p:ext>
     </p:extLst>
   </p:cSld>
@@ -32148,7 +33085,7 @@
           <p:cNvPr id="2" name="Title 1">
             <a:extLst>
               <a:ext uri="{FF2B5EF4-FFF2-40B4-BE49-F238E27FC236}">
-                <a16:creationId xmlns:a16="http://schemas.microsoft.com/office/drawing/2014/main" id="{CD19E7E3-A310-49FF-A77B-B37588A39A3E}"/>
+                <a16:creationId xmlns:a16="http://schemas.microsoft.com/office/drawing/2014/main" id="{A332E884-F784-4417-BF2B-03646842341A}"/>
               </a:ext>
             </a:extLst>
           </p:cNvPr>
@@ -32166,12 +33103,9 @@
           <a:p>
             <a:r>
               <a:rPr lang="ru-RU" dirty="0"/>
-              <a:t>Проверка </a:t>
-            </a:r>
-            <a:r>
-              <a:rPr lang="en-US" dirty="0"/>
-              <a:t>-Wl,-O1</a:t>
-            </a:r>
+              <a:t>Анализ экономии диска</a:t>
+            </a:r>
+            <a:endParaRPr lang="en-US" dirty="0"/>
           </a:p>
         </p:txBody>
       </p:sp>
@@ -32180,7 +33114,7 @@
           <p:cNvPr id="3" name="Content Placeholder 2">
             <a:extLst>
               <a:ext uri="{FF2B5EF4-FFF2-40B4-BE49-F238E27FC236}">
-                <a16:creationId xmlns:a16="http://schemas.microsoft.com/office/drawing/2014/main" id="{0263D36B-8799-48BF-9D12-7FA8EC932069}"/>
+                <a16:creationId xmlns:a16="http://schemas.microsoft.com/office/drawing/2014/main" id="{E04AF023-58A8-450D-A198-B852C2288198}"/>
               </a:ext>
             </a:extLst>
           </p:cNvPr>
@@ -32198,50 +33132,44 @@
           <a:p>
             <a:r>
               <a:rPr lang="ru-RU" dirty="0"/>
-              <a:t>Собрать две версии </a:t>
-            </a:r>
-            <a:r>
-              <a:rPr lang="en-US" dirty="0"/>
-              <a:t>LLVM:</a:t>
-            </a:r>
+              <a:t>Запустить</a:t>
+            </a:r>
+            <a:endParaRPr lang="en-US" dirty="0"/>
           </a:p>
           <a:p>
             <a:pPr lvl="1"/>
             <a:r>
               <a:rPr lang="en-US" dirty="0"/>
-              <a:t>-DBUILD_SHARED_LIBS=ON</a:t>
+              <a:t>scripts/disk-savings.pl</a:t>
+            </a:r>
+          </a:p>
+          <a:p>
+            <a:r>
+              <a:rPr lang="ru-RU" dirty="0"/>
+              <a:t>Скрипт даёт верхнюю оценку – реальная экономии памяти будет ниже</a:t>
             </a:r>
           </a:p>
           <a:p>
             <a:pPr lvl="1"/>
             <a:r>
-              <a:rPr lang="en-US" dirty="0"/>
-              <a:t>-DBUILD_SHARED_LIBS=ON -DCMAKE_SHARED_LINKER_FLAGS='-Wl,-O1’</a:t>
-            </a:r>
-          </a:p>
-          <a:p>
-            <a:r>
-              <a:rPr lang="ru-RU" dirty="0"/>
-              <a:t>Сравнить производительность</a:t>
-            </a:r>
-            <a:r>
-              <a:rPr lang="en-US" dirty="0"/>
-              <a:t>:</a:t>
+              <a:rPr lang="ru-RU" dirty="0"/>
+              <a:t>При использовании статическх библиотек не все их функции будут использованы приложениями</a:t>
             </a:r>
           </a:p>
           <a:p>
             <a:pPr lvl="1"/>
             <a:r>
-              <a:rPr lang="en-US" dirty="0"/>
-              <a:t>./benchmark.pl 10 path/to/clang -h</a:t>
-            </a:r>
+              <a:rPr lang="ru-RU" dirty="0"/>
+              <a:t>Соответственно библиотеки только частично будут включены в исполняемые файлы</a:t>
+            </a:r>
+            <a:endParaRPr lang="en-US" dirty="0"/>
           </a:p>
         </p:txBody>
       </p:sp>
     </p:spTree>
     <p:extLst>
       <p:ext uri="{BB962C8B-B14F-4D97-AF65-F5344CB8AC3E}">
-        <p14:creationId xmlns:p14="http://schemas.microsoft.com/office/powerpoint/2010/main" val="1685019486"/>
+        <p14:creationId xmlns:p14="http://schemas.microsoft.com/office/powerpoint/2010/main" val="4057433900"/>
       </p:ext>
     </p:extLst>
   </p:cSld>
@@ -32295,13 +33223,8 @@
             </a:r>
             <a:r>
               <a:rPr lang="en-US" dirty="0"/>
-              <a:t>-</a:t>
-            </a:r>
-            <a:r>
-              <a:rPr lang="en-US" dirty="0" err="1"/>
-              <a:t>fno-plt</a:t>
-            </a:r>
-            <a:endParaRPr lang="en-US" dirty="0"/>
+              <a:t>-Wl,-O1</a:t>
+            </a:r>
           </a:p>
         </p:txBody>
       </p:sp>
@@ -32346,23 +33269,7 @@
             <a:pPr lvl="1"/>
             <a:r>
               <a:rPr lang="en-US" dirty="0"/>
-              <a:t>-DBUILD_SHARED_LIBS=ON -DCMAKE_CXX_FLAGS=‘-</a:t>
-            </a:r>
-            <a:r>
-              <a:rPr lang="en-US" dirty="0" err="1"/>
-              <a:t>fno</a:t>
-            </a:r>
-            <a:r>
-              <a:rPr lang="en-US" dirty="0"/>
-              <a:t>-</a:t>
-            </a:r>
-            <a:r>
-              <a:rPr lang="en-US" dirty="0" err="1"/>
-              <a:t>plt</a:t>
-            </a:r>
-            <a:r>
-              <a:rPr lang="en-US" dirty="0"/>
-              <a:t>’</a:t>
+              <a:t>-DBUILD_SHARED_LIBS=ON -DCMAKE_SHARED_LINKER_FLAGS='-Wl,-O1’</a:t>
             </a:r>
           </a:p>
           <a:p>
@@ -32379,20 +33286,15 @@
             <a:pPr lvl="1"/>
             <a:r>
               <a:rPr lang="en-US" dirty="0"/>
-              <a:t>./benchmark.pl 10 path/to/clang -S -O2 ~/</a:t>
-            </a:r>
-            <a:r>
-              <a:rPr lang="en-US" dirty="0" err="1"/>
-              <a:t>InstCombining.ii</a:t>
-            </a:r>
-            <a:endParaRPr lang="en-US" dirty="0"/>
+              <a:t>./benchmark.pl 10 path/to/clang -h</a:t>
+            </a:r>
           </a:p>
         </p:txBody>
       </p:sp>
     </p:spTree>
     <p:extLst>
       <p:ext uri="{BB962C8B-B14F-4D97-AF65-F5344CB8AC3E}">
-        <p14:creationId xmlns:p14="http://schemas.microsoft.com/office/powerpoint/2010/main" val="4180884372"/>
+        <p14:creationId xmlns:p14="http://schemas.microsoft.com/office/powerpoint/2010/main" val="1685019486"/>
       </p:ext>
     </p:extLst>
   </p:cSld>
@@ -32450,12 +33352,9 @@
             </a:r>
             <a:r>
               <a:rPr lang="en-US" dirty="0" err="1"/>
-              <a:t>Bsymbolic</a:t>
-            </a:r>
-            <a:r>
-              <a:rPr lang="en-US" dirty="0"/>
-              <a:t>-functions</a:t>
-            </a:r>
+              <a:t>fno-plt</a:t>
+            </a:r>
+            <a:endParaRPr lang="en-US" dirty="0"/>
           </a:p>
         </p:txBody>
       </p:sp>
@@ -32500,23 +33399,23 @@
             <a:pPr lvl="1"/>
             <a:r>
               <a:rPr lang="en-US" dirty="0"/>
-              <a:t>-DBUILD_SHARED_LIBS=ON -DCMAKE_SHARED_LINKER_FLAGS='-</a:t>
+              <a:t>-DBUILD_SHARED_LIBS=ON -DCMAKE_CXX_FLAGS=‘-</a:t>
             </a:r>
             <a:r>
               <a:rPr lang="en-US" dirty="0" err="1"/>
-              <a:t>Wl</a:t>
-            </a:r>
-            <a:r>
-              <a:rPr lang="en-US" dirty="0"/>
-              <a:t>,-</a:t>
+              <a:t>fno</a:t>
+            </a:r>
+            <a:r>
+              <a:rPr lang="en-US" dirty="0"/>
+              <a:t>-</a:t>
             </a:r>
             <a:r>
               <a:rPr lang="en-US" dirty="0" err="1"/>
-              <a:t>Bsymbolic</a:t>
-            </a:r>
-            <a:r>
-              <a:rPr lang="en-US" dirty="0"/>
-              <a:t>-functions’</a:t>
+              <a:t>plt</a:t>
+            </a:r>
+            <a:r>
+              <a:rPr lang="en-US" dirty="0"/>
+              <a:t>’</a:t>
             </a:r>
           </a:p>
           <a:p>
@@ -32546,7 +33445,7 @@
     </p:spTree>
     <p:extLst>
       <p:ext uri="{BB962C8B-B14F-4D97-AF65-F5344CB8AC3E}">
-        <p14:creationId xmlns:p14="http://schemas.microsoft.com/office/powerpoint/2010/main" val="2465096134"/>
+        <p14:creationId xmlns:p14="http://schemas.microsoft.com/office/powerpoint/2010/main" val="4180884372"/>
       </p:ext>
     </p:extLst>
   </p:cSld>
@@ -33187,6 +34086,160 @@
     <p:extLst>
       <p:ext uri="{BB962C8B-B14F-4D97-AF65-F5344CB8AC3E}">
         <p14:creationId xmlns:p14="http://schemas.microsoft.com/office/powerpoint/2010/main" val="1155664524"/>
+      </p:ext>
+    </p:extLst>
+  </p:cSld>
+  <p:clrMapOvr>
+    <a:masterClrMapping/>
+  </p:clrMapOvr>
+</p:sld>
+</file>
+
+<file path=ppt/slides/slide80.xml><?xml version="1.0" encoding="utf-8"?>
+<p:sld xmlns:a="http://schemas.openxmlformats.org/drawingml/2006/main" xmlns:r="http://schemas.openxmlformats.org/officeDocument/2006/relationships" xmlns:p="http://schemas.openxmlformats.org/presentationml/2006/main">
+  <p:cSld>
+    <p:spTree>
+      <p:nvGrpSpPr>
+        <p:cNvPr id="1" name=""/>
+        <p:cNvGrpSpPr/>
+        <p:nvPr/>
+      </p:nvGrpSpPr>
+      <p:grpSpPr>
+        <a:xfrm>
+          <a:off x="0" y="0"/>
+          <a:ext cx="0" cy="0"/>
+          <a:chOff x="0" y="0"/>
+          <a:chExt cx="0" cy="0"/>
+        </a:xfrm>
+      </p:grpSpPr>
+      <p:sp>
+        <p:nvSpPr>
+          <p:cNvPr id="2" name="Title 1">
+            <a:extLst>
+              <a:ext uri="{FF2B5EF4-FFF2-40B4-BE49-F238E27FC236}">
+                <a16:creationId xmlns:a16="http://schemas.microsoft.com/office/drawing/2014/main" id="{CD19E7E3-A310-49FF-A77B-B37588A39A3E}"/>
+              </a:ext>
+            </a:extLst>
+          </p:cNvPr>
+          <p:cNvSpPr>
+            <a:spLocks noGrp="1"/>
+          </p:cNvSpPr>
+          <p:nvPr>
+            <p:ph type="title"/>
+          </p:nvPr>
+        </p:nvSpPr>
+        <p:spPr/>
+        <p:txBody>
+          <a:bodyPr/>
+          <a:lstStyle/>
+          <a:p>
+            <a:r>
+              <a:rPr lang="ru-RU" dirty="0"/>
+              <a:t>Проверка </a:t>
+            </a:r>
+            <a:r>
+              <a:rPr lang="en-US" dirty="0"/>
+              <a:t>-</a:t>
+            </a:r>
+            <a:r>
+              <a:rPr lang="en-US" dirty="0" err="1"/>
+              <a:t>Bsymbolic</a:t>
+            </a:r>
+            <a:r>
+              <a:rPr lang="en-US" dirty="0"/>
+              <a:t>-functions</a:t>
+            </a:r>
+          </a:p>
+        </p:txBody>
+      </p:sp>
+      <p:sp>
+        <p:nvSpPr>
+          <p:cNvPr id="3" name="Content Placeholder 2">
+            <a:extLst>
+              <a:ext uri="{FF2B5EF4-FFF2-40B4-BE49-F238E27FC236}">
+                <a16:creationId xmlns:a16="http://schemas.microsoft.com/office/drawing/2014/main" id="{0263D36B-8799-48BF-9D12-7FA8EC932069}"/>
+              </a:ext>
+            </a:extLst>
+          </p:cNvPr>
+          <p:cNvSpPr>
+            <a:spLocks noGrp="1"/>
+          </p:cNvSpPr>
+          <p:nvPr>
+            <p:ph idx="1"/>
+          </p:nvPr>
+        </p:nvSpPr>
+        <p:spPr/>
+        <p:txBody>
+          <a:bodyPr/>
+          <a:lstStyle/>
+          <a:p>
+            <a:r>
+              <a:rPr lang="ru-RU" dirty="0"/>
+              <a:t>Собрать две версии </a:t>
+            </a:r>
+            <a:r>
+              <a:rPr lang="en-US" dirty="0"/>
+              <a:t>LLVM:</a:t>
+            </a:r>
+          </a:p>
+          <a:p>
+            <a:pPr lvl="1"/>
+            <a:r>
+              <a:rPr lang="en-US" dirty="0"/>
+              <a:t>-DBUILD_SHARED_LIBS=ON</a:t>
+            </a:r>
+          </a:p>
+          <a:p>
+            <a:pPr lvl="1"/>
+            <a:r>
+              <a:rPr lang="en-US" dirty="0"/>
+              <a:t>-DBUILD_SHARED_LIBS=ON -DCMAKE_SHARED_LINKER_FLAGS='-</a:t>
+            </a:r>
+            <a:r>
+              <a:rPr lang="en-US" dirty="0" err="1"/>
+              <a:t>Wl</a:t>
+            </a:r>
+            <a:r>
+              <a:rPr lang="en-US" dirty="0"/>
+              <a:t>,-</a:t>
+            </a:r>
+            <a:r>
+              <a:rPr lang="en-US" dirty="0" err="1"/>
+              <a:t>Bsymbolic</a:t>
+            </a:r>
+            <a:r>
+              <a:rPr lang="en-US" dirty="0"/>
+              <a:t>-functions’</a:t>
+            </a:r>
+          </a:p>
+          <a:p>
+            <a:r>
+              <a:rPr lang="ru-RU" dirty="0"/>
+              <a:t>Сравнить производительность</a:t>
+            </a:r>
+            <a:r>
+              <a:rPr lang="en-US" dirty="0"/>
+              <a:t>:</a:t>
+            </a:r>
+          </a:p>
+          <a:p>
+            <a:pPr lvl="1"/>
+            <a:r>
+              <a:rPr lang="en-US" dirty="0"/>
+              <a:t>./benchmark.pl 10 path/to/clang -S -O2 ~/</a:t>
+            </a:r>
+            <a:r>
+              <a:rPr lang="en-US" dirty="0" err="1"/>
+              <a:t>InstCombining.ii</a:t>
+            </a:r>
+            <a:endParaRPr lang="en-US" dirty="0"/>
+          </a:p>
+        </p:txBody>
+      </p:sp>
+    </p:spTree>
+    <p:extLst>
+      <p:ext uri="{BB962C8B-B14F-4D97-AF65-F5344CB8AC3E}">
+        <p14:creationId xmlns:p14="http://schemas.microsoft.com/office/powerpoint/2010/main" val="2465096134"/>
       </p:ext>
     </p:extLst>
   </p:cSld>

--- a/2024/RU.pptx
+++ b/2024/RU.pptx
@@ -64,29 +64,29 @@
     <p:sldId id="312" r:id="rId55"/>
     <p:sldId id="335" r:id="rId56"/>
     <p:sldId id="344" r:id="rId57"/>
-    <p:sldId id="380" r:id="rId58"/>
-    <p:sldId id="323" r:id="rId59"/>
-    <p:sldId id="345" r:id="rId60"/>
-    <p:sldId id="351" r:id="rId61"/>
-    <p:sldId id="336" r:id="rId62"/>
-    <p:sldId id="324" r:id="rId63"/>
-    <p:sldId id="327" r:id="rId64"/>
-    <p:sldId id="347" r:id="rId65"/>
-    <p:sldId id="328" r:id="rId66"/>
-    <p:sldId id="330" r:id="rId67"/>
-    <p:sldId id="365" r:id="rId68"/>
-    <p:sldId id="364" r:id="rId69"/>
-    <p:sldId id="338" r:id="rId70"/>
-    <p:sldId id="379" r:id="rId71"/>
-    <p:sldId id="377" r:id="rId72"/>
-    <p:sldId id="378" r:id="rId73"/>
-    <p:sldId id="319" r:id="rId74"/>
-    <p:sldId id="299" r:id="rId75"/>
-    <p:sldId id="352" r:id="rId76"/>
-    <p:sldId id="353" r:id="rId77"/>
-    <p:sldId id="349" r:id="rId78"/>
-    <p:sldId id="350" r:id="rId79"/>
-    <p:sldId id="346" r:id="rId80"/>
+    <p:sldId id="323" r:id="rId58"/>
+    <p:sldId id="345" r:id="rId59"/>
+    <p:sldId id="351" r:id="rId60"/>
+    <p:sldId id="336" r:id="rId61"/>
+    <p:sldId id="324" r:id="rId62"/>
+    <p:sldId id="327" r:id="rId63"/>
+    <p:sldId id="347" r:id="rId64"/>
+    <p:sldId id="328" r:id="rId65"/>
+    <p:sldId id="330" r:id="rId66"/>
+    <p:sldId id="365" r:id="rId67"/>
+    <p:sldId id="364" r:id="rId68"/>
+    <p:sldId id="338" r:id="rId69"/>
+    <p:sldId id="379" r:id="rId70"/>
+    <p:sldId id="377" r:id="rId71"/>
+    <p:sldId id="378" r:id="rId72"/>
+    <p:sldId id="319" r:id="rId73"/>
+    <p:sldId id="299" r:id="rId74"/>
+    <p:sldId id="352" r:id="rId75"/>
+    <p:sldId id="353" r:id="rId76"/>
+    <p:sldId id="349" r:id="rId77"/>
+    <p:sldId id="350" r:id="rId78"/>
+    <p:sldId id="346" r:id="rId79"/>
+    <p:sldId id="380" r:id="rId80"/>
     <p:sldId id="393" r:id="rId81"/>
   </p:sldIdLst>
   <p:sldSz cx="12192000" cy="6858000"/>
@@ -288,7 +288,7 @@
           <a:p>
             <a:fld id="{A36A2EB4-42A0-4A9F-94AC-04D10C1F231A}" type="datetimeFigureOut">
               <a:rPr lang="en-US" smtClean="0"/>
-              <a:t>5/26/2024</a:t>
+              <a:t>5/31/2024</a:t>
             </a:fld>
             <a:endParaRPr lang="en-US"/>
           </a:p>
@@ -5224,19 +5224,32 @@
           <a:p>
             <a:r>
               <a:rPr lang="ru-RU" dirty="0"/>
-              <a:t>Самый простой подход к связыванию символов</a:t>
-            </a:r>
-            <a:r>
-              <a:rPr lang="en-US" dirty="0"/>
-              <a:t>: </a:t>
-            </a:r>
-            <a:r>
-              <a:rPr lang="ru-RU" dirty="0"/>
-              <a:t>оптимизация размера соответсвующих таблиц поиска. Обычно рекомендуется использовать две опции</a:t>
-            </a:r>
-            <a:r>
-              <a:rPr lang="en-US" dirty="0"/>
-              <a:t>: hash-style </a:t>
+              <a:t>Мы уже упоминали что ленивое связывание на </a:t>
+            </a:r>
+            <a:r>
+              <a:rPr lang="en-US" dirty="0"/>
+              <a:t>Linux </a:t>
+            </a:r>
+            <a:r>
+              <a:rPr lang="ru-RU" dirty="0"/>
+              <a:t>добавляет лишний вызов заглушки при вызове библиотечной функции.</a:t>
+            </a:r>
+          </a:p>
+          <a:p>
+            <a:endParaRPr lang="ru-RU" dirty="0"/>
+          </a:p>
+          <a:p>
+            <a:r>
+              <a:rPr lang="ru-RU" dirty="0"/>
+              <a:t>Современные </a:t>
+            </a:r>
+            <a:r>
+              <a:rPr lang="en-US" dirty="0" err="1"/>
+              <a:t>gcc</a:t>
+            </a:r>
+            <a:r>
+              <a:rPr lang="en-US" dirty="0"/>
+              <a:t> </a:t>
             </a:r>
             <a:r>
               <a:rPr lang="ru-RU" dirty="0"/>
@@ -5244,37 +5257,77 @@
             </a:r>
             <a:r>
               <a:rPr lang="en-US" dirty="0"/>
-              <a:t>O1. </a:t>
-            </a:r>
-            <a:r>
-              <a:rPr lang="ru-RU" dirty="0"/>
-              <a:t>Первая из них уже по умолчанию включена в современных дистрибутивах (</a:t>
-            </a:r>
-            <a:r>
-              <a:rPr lang="en-US" dirty="0"/>
-              <a:t>RHEL </a:t>
-            </a:r>
-            <a:r>
-              <a:rPr lang="ru-RU" dirty="0"/>
-              <a:t>и </a:t>
-            </a:r>
-            <a:r>
-              <a:rPr lang="en-US" dirty="0"/>
-              <a:t>Ubuntu)</a:t>
-            </a:r>
-            <a:r>
-              <a:rPr lang="ru-RU" dirty="0"/>
-              <a:t>, а вторая по моим замерам не оказывает существенного влияния на производительность.</a:t>
-            </a:r>
+              <a:t>clang </a:t>
+            </a:r>
+            <a:r>
+              <a:rPr lang="ru-RU" dirty="0"/>
+              <a:t>позволяют избежать этого с помощью специальной опции компиляции</a:t>
+            </a:r>
+            <a:r>
+              <a:rPr lang="en-US" dirty="0"/>
+              <a:t> –</a:t>
+            </a:r>
+            <a:r>
+              <a:rPr lang="en-US" dirty="0" err="1"/>
+              <a:t>fno-plt</a:t>
+            </a:r>
+            <a:r>
+              <a:rPr lang="en-US" dirty="0"/>
+              <a:t>.</a:t>
+            </a:r>
+          </a:p>
+          <a:p>
             <a:endParaRPr lang="en-US" dirty="0"/>
           </a:p>
           <a:p>
+            <a:r>
+              <a:rPr lang="ru-RU" dirty="0"/>
+              <a:t>Её использование замедлит загрузку </a:t>
+            </a:r>
+            <a:r>
+              <a:rPr lang="en-US" dirty="0"/>
+              <a:t>DLL</a:t>
+            </a:r>
+            <a:r>
+              <a:rPr lang="ru-RU" dirty="0"/>
+              <a:t>, т.к. теперь все функции потребуется разрешить и связать на старте программы, но с другой стороны ускорит работу программы в дальнейшем, т.к. избавится от </a:t>
+            </a:r>
+            <a:r>
+              <a:rPr lang="en-US" dirty="0"/>
+              <a:t>PLT-</a:t>
+            </a:r>
+            <a:r>
+              <a:rPr lang="ru-RU" dirty="0"/>
+              <a:t>заглушки</a:t>
+            </a:r>
+            <a:r>
+              <a:rPr lang="en-US" dirty="0"/>
+              <a:t>.</a:t>
+            </a:r>
+          </a:p>
+          <a:p>
             <a:endParaRPr lang="en-US" dirty="0"/>
           </a:p>
           <a:p>
             <a:r>
               <a:rPr lang="ru-RU" dirty="0"/>
-              <a:t>Резюмируя данный слайд можно сказать что дефолтные настройки тулчейнов в данном контексте оптимальны.</a:t>
+              <a:t>Также этот флаг позволит загружать адрес функции из таблицы </a:t>
+            </a:r>
+            <a:r>
+              <a:rPr lang="en-US" dirty="0"/>
+              <a:t>GOT </a:t>
+            </a:r>
+            <a:r>
+              <a:rPr lang="ru-RU" dirty="0"/>
+              <a:t>только один раз на несколько вызовов одной и той же функции</a:t>
+            </a:r>
+            <a:r>
+              <a:rPr lang="en-US" dirty="0"/>
+              <a:t>, </a:t>
+            </a:r>
+            <a:r>
+              <a:rPr lang="ru-RU" dirty="0"/>
+              <a:t>т.е. сократит количество обращений в память.</a:t>
             </a:r>
             <a:endParaRPr lang="en-US" dirty="0"/>
           </a:p>
@@ -5306,7 +5359,7 @@
     </p:spTree>
     <p:extLst>
       <p:ext uri="{BB962C8B-B14F-4D97-AF65-F5344CB8AC3E}">
-        <p14:creationId xmlns:p14="http://schemas.microsoft.com/office/powerpoint/2010/main" val="1525720301"/>
+        <p14:creationId xmlns:p14="http://schemas.microsoft.com/office/powerpoint/2010/main" val="305821099"/>
       </p:ext>
     </p:extLst>
   </p:cSld>
@@ -5360,113 +5413,6 @@
           <a:bodyPr/>
           <a:lstStyle/>
           <a:p>
-            <a:r>
-              <a:rPr lang="ru-RU" dirty="0"/>
-              <a:t>Мы уже упоминали что ленивое связывание на </a:t>
-            </a:r>
-            <a:r>
-              <a:rPr lang="en-US" dirty="0"/>
-              <a:t>Linux </a:t>
-            </a:r>
-            <a:r>
-              <a:rPr lang="ru-RU" dirty="0"/>
-              <a:t>добавляет лишний вызов заглушки при вызове библиотечной функции.</a:t>
-            </a:r>
-          </a:p>
-          <a:p>
-            <a:endParaRPr lang="ru-RU" dirty="0"/>
-          </a:p>
-          <a:p>
-            <a:r>
-              <a:rPr lang="ru-RU" dirty="0"/>
-              <a:t>Современные </a:t>
-            </a:r>
-            <a:r>
-              <a:rPr lang="en-US" dirty="0" err="1"/>
-              <a:t>gcc</a:t>
-            </a:r>
-            <a:r>
-              <a:rPr lang="en-US" dirty="0"/>
-              <a:t> </a:t>
-            </a:r>
-            <a:r>
-              <a:rPr lang="ru-RU" dirty="0"/>
-              <a:t>и </a:t>
-            </a:r>
-            <a:r>
-              <a:rPr lang="en-US" dirty="0"/>
-              <a:t>clang </a:t>
-            </a:r>
-            <a:r>
-              <a:rPr lang="ru-RU" dirty="0"/>
-              <a:t>позволяют избежать этого с помощью специальной опции компиляции</a:t>
-            </a:r>
-            <a:r>
-              <a:rPr lang="en-US" dirty="0"/>
-              <a:t> –</a:t>
-            </a:r>
-            <a:r>
-              <a:rPr lang="en-US" dirty="0" err="1"/>
-              <a:t>fno-plt</a:t>
-            </a:r>
-            <a:r>
-              <a:rPr lang="en-US" dirty="0"/>
-              <a:t>.</a:t>
-            </a:r>
-          </a:p>
-          <a:p>
-            <a:endParaRPr lang="en-US" dirty="0"/>
-          </a:p>
-          <a:p>
-            <a:r>
-              <a:rPr lang="ru-RU" dirty="0"/>
-              <a:t>Её использование замедлит загрузку </a:t>
-            </a:r>
-            <a:r>
-              <a:rPr lang="en-US" dirty="0"/>
-              <a:t>DLL</a:t>
-            </a:r>
-            <a:r>
-              <a:rPr lang="ru-RU" dirty="0"/>
-              <a:t>, т.к. теперь все функции потребуется разрешить и связать на старте программы, но с другой стороны ускорит работу программы в дальнейшем, т.к. избавится от </a:t>
-            </a:r>
-            <a:r>
-              <a:rPr lang="en-US" dirty="0"/>
-              <a:t>PLT-</a:t>
-            </a:r>
-            <a:r>
-              <a:rPr lang="ru-RU" dirty="0"/>
-              <a:t>заглушки</a:t>
-            </a:r>
-            <a:r>
-              <a:rPr lang="en-US" dirty="0"/>
-              <a:t>.</a:t>
-            </a:r>
-          </a:p>
-          <a:p>
-            <a:endParaRPr lang="en-US" dirty="0"/>
-          </a:p>
-          <a:p>
-            <a:r>
-              <a:rPr lang="ru-RU" dirty="0"/>
-              <a:t>Также этот флаг позволит загружать адрес функции из таблицы </a:t>
-            </a:r>
-            <a:r>
-              <a:rPr lang="en-US" dirty="0"/>
-              <a:t>GOT </a:t>
-            </a:r>
-            <a:r>
-              <a:rPr lang="ru-RU" dirty="0"/>
-              <a:t>только один раз на несколько вызовов одной и той же функции</a:t>
-            </a:r>
-            <a:r>
-              <a:rPr lang="en-US" dirty="0"/>
-              <a:t>, </a:t>
-            </a:r>
-            <a:r>
-              <a:rPr lang="ru-RU" dirty="0"/>
-              <a:t>т.е. сократит количество обращений в память.</a:t>
-            </a:r>
             <a:endParaRPr lang="en-US" dirty="0"/>
           </a:p>
         </p:txBody>
@@ -5497,7 +5443,7 @@
     </p:spTree>
     <p:extLst>
       <p:ext uri="{BB962C8B-B14F-4D97-AF65-F5344CB8AC3E}">
-        <p14:creationId xmlns:p14="http://schemas.microsoft.com/office/powerpoint/2010/main" val="305821099"/>
+        <p14:creationId xmlns:p14="http://schemas.microsoft.com/office/powerpoint/2010/main" val="3696372151"/>
       </p:ext>
     </p:extLst>
   </p:cSld>
@@ -5666,6 +5612,26 @@
           <a:bodyPr/>
           <a:lstStyle/>
           <a:p>
+            <a:r>
+              <a:rPr lang="ru-RU" dirty="0"/>
+              <a:t>Мои замеры показали что </a:t>
+            </a:r>
+            <a:r>
+              <a:rPr lang="en-US" dirty="0"/>
+              <a:t>–</a:t>
+            </a:r>
+            <a:r>
+              <a:rPr lang="en-US" dirty="0" err="1"/>
+              <a:t>fno-plt</a:t>
+            </a:r>
+            <a:r>
+              <a:rPr lang="en-US" dirty="0"/>
+              <a:t> </a:t>
+            </a:r>
+            <a:r>
+              <a:rPr lang="ru-RU" dirty="0"/>
+              <a:t>даёт существенный прирост производительности и я рекомендую её использовать.</a:t>
+            </a:r>
             <a:endParaRPr lang="en-US" dirty="0"/>
           </a:p>
         </p:txBody>
@@ -5696,7 +5662,7 @@
     </p:spTree>
     <p:extLst>
       <p:ext uri="{BB962C8B-B14F-4D97-AF65-F5344CB8AC3E}">
-        <p14:creationId xmlns:p14="http://schemas.microsoft.com/office/powerpoint/2010/main" val="3696372151"/>
+        <p14:creationId xmlns:p14="http://schemas.microsoft.com/office/powerpoint/2010/main" val="1863594613"/>
       </p:ext>
     </p:extLst>
   </p:cSld>
@@ -5752,25 +5718,22 @@
           <a:p>
             <a:r>
               <a:rPr lang="ru-RU" dirty="0"/>
-              <a:t>Мои замеры показали что </a:t>
-            </a:r>
-            <a:r>
-              <a:rPr lang="en-US" dirty="0"/>
-              <a:t>–</a:t>
-            </a:r>
-            <a:r>
-              <a:rPr lang="en-US" dirty="0" err="1"/>
-              <a:t>fno-plt</a:t>
-            </a:r>
-            <a:r>
-              <a:rPr lang="en-US" dirty="0"/>
-              <a:t> </a:t>
-            </a:r>
-            <a:r>
-              <a:rPr lang="ru-RU" dirty="0"/>
-              <a:t>даёт существенный прирост производительности и я рекомендую её использовать.</a:t>
+              <a:t>Перейдём наконец к последнему пункту в списке накладных расходов. А именно рассмотрим как можно ускорить вызовы библиотечных функций.</a:t>
             </a:r>
             <a:endParaRPr lang="en-US" dirty="0"/>
+          </a:p>
+          <a:p>
+            <a:endParaRPr lang="en-US" dirty="0"/>
+          </a:p>
+          <a:p>
+            <a:r>
+              <a:rPr lang="ru-RU" dirty="0"/>
+              <a:t>Эта часть в основном будет посвящена </a:t>
+            </a:r>
+            <a:r>
+              <a:rPr lang="en-US" dirty="0"/>
+              <a:t>Linux.</a:t>
+            </a:r>
           </a:p>
         </p:txBody>
       </p:sp>
@@ -5800,7 +5763,7 @@
     </p:spTree>
     <p:extLst>
       <p:ext uri="{BB962C8B-B14F-4D97-AF65-F5344CB8AC3E}">
-        <p14:creationId xmlns:p14="http://schemas.microsoft.com/office/powerpoint/2010/main" val="1863594613"/>
+        <p14:creationId xmlns:p14="http://schemas.microsoft.com/office/powerpoint/2010/main" val="3270444806"/>
       </p:ext>
     </p:extLst>
   </p:cSld>
@@ -5856,22 +5819,52 @@
           <a:p>
             <a:r>
               <a:rPr lang="ru-RU" dirty="0"/>
-              <a:t>Перейдём наконец к последнему пункту в списке накладных расходов. А именно рассмотрим как можно ускорить вызовы библиотечных функций.</a:t>
+              <a:t>Эта проблема наиболее актуальна для </a:t>
+            </a:r>
+            <a:r>
+              <a:rPr lang="en-US" dirty="0"/>
+              <a:t>Linux </a:t>
+            </a:r>
+            <a:r>
+              <a:rPr lang="ru-RU" dirty="0"/>
+              <a:t>из-за того что там все библиотечные функции по умолчанию являются экспортируемыми (для того чтобы </a:t>
+            </a:r>
+            <a:r>
+              <a:rPr lang="en-US" dirty="0"/>
+              <a:t>DLL </a:t>
+            </a:r>
+            <a:r>
+              <a:rPr lang="ru-RU" dirty="0"/>
+              <a:t>были более похожи на статические библиотеки).</a:t>
             </a:r>
             <a:endParaRPr lang="en-US" dirty="0"/>
           </a:p>
           <a:p>
+            <a:endParaRPr lang="ru-RU" dirty="0"/>
+          </a:p>
+          <a:p>
+            <a:r>
+              <a:rPr lang="ru-RU" dirty="0"/>
+              <a:t>Это приводит к тому что вызовы функций даже внутри библиотеки делаются не напрямую, а через таблицу диспетчеризации, с соответствующими накладными расходами</a:t>
+            </a:r>
+            <a:r>
+              <a:rPr lang="en-US" dirty="0"/>
+              <a:t> </a:t>
+            </a:r>
+            <a:r>
+              <a:rPr lang="ru-RU" dirty="0"/>
+              <a:t>на косвенные вызовы.</a:t>
+            </a:r>
+          </a:p>
+          <a:p>
+            <a:endParaRPr lang="ru-RU" dirty="0"/>
+          </a:p>
+          <a:p>
+            <a:r>
+              <a:rPr lang="ru-RU" dirty="0"/>
+              <a:t>Кроме того из-за того что функции экспортируются возникает возможность их перехвата и компилятору приходится вести себя более консервативно и существенно ограничивать оптимизации.</a:t>
+            </a:r>
             <a:endParaRPr lang="en-US" dirty="0"/>
-          </a:p>
-          <a:p>
-            <a:r>
-              <a:rPr lang="ru-RU" dirty="0"/>
-              <a:t>Эта часть в основном будет посвящена </a:t>
-            </a:r>
-            <a:r>
-              <a:rPr lang="en-US" dirty="0"/>
-              <a:t>Linux.</a:t>
-            </a:r>
           </a:p>
         </p:txBody>
       </p:sp>
@@ -5901,7 +5894,7 @@
     </p:spTree>
     <p:extLst>
       <p:ext uri="{BB962C8B-B14F-4D97-AF65-F5344CB8AC3E}">
-        <p14:creationId xmlns:p14="http://schemas.microsoft.com/office/powerpoint/2010/main" val="3270444806"/>
+        <p14:creationId xmlns:p14="http://schemas.microsoft.com/office/powerpoint/2010/main" val="1185757282"/>
       </p:ext>
     </p:extLst>
   </p:cSld>
@@ -5957,15 +5950,52 @@
           <a:p>
             <a:r>
               <a:rPr lang="ru-RU" dirty="0"/>
-              <a:t>Эта проблема наиболее актуальна для </a:t>
-            </a:r>
-            <a:r>
-              <a:rPr lang="en-US" dirty="0"/>
-              <a:t>Linux </a:t>
-            </a:r>
-            <a:r>
-              <a:rPr lang="ru-RU" dirty="0"/>
-              <a:t>из-за того что там все библиотечные функции по умолчанию являются экспортируемыми (для того чтобы </a:t>
+              <a:t>Бороться с таким неэффективным поведением можно несколькими способами.</a:t>
+            </a:r>
+          </a:p>
+          <a:p>
+            <a:endParaRPr lang="ru-RU" dirty="0"/>
+          </a:p>
+          <a:p>
+            <a:r>
+              <a:rPr lang="ru-RU" dirty="0"/>
+              <a:t>Во-первых есть специальные флаги, которые </a:t>
+            </a:r>
+            <a:r>
+              <a:rPr lang="en-US" dirty="0"/>
+              <a:t>“</a:t>
+            </a:r>
+            <a:r>
+              <a:rPr lang="ru-RU" dirty="0"/>
+              <a:t>развязывают руки</a:t>
+            </a:r>
+            <a:r>
+              <a:rPr lang="en-US" dirty="0"/>
+              <a:t>”</a:t>
+            </a:r>
+            <a:r>
+              <a:rPr lang="ru-RU" dirty="0"/>
+              <a:t> компилятору</a:t>
+            </a:r>
+            <a:r>
+              <a:rPr lang="en-US" dirty="0"/>
+              <a:t>: </a:t>
+            </a:r>
+            <a:r>
+              <a:rPr lang="ru-RU" dirty="0"/>
+              <a:t>один, </a:t>
+            </a:r>
+            <a:r>
+              <a:rPr lang="en-US" dirty="0"/>
+              <a:t>-</a:t>
+            </a:r>
+            <a:r>
+              <a:rPr lang="en-US" dirty="0" err="1"/>
+              <a:t>Bsymbolic</a:t>
+            </a:r>
+            <a:r>
+              <a:rPr lang="ru-RU" dirty="0"/>
+              <a:t>, для линковки, чтобы вместо косвенных вызовы внутренних функций </a:t>
             </a:r>
             <a:r>
               <a:rPr lang="en-US" dirty="0"/>
@@ -5973,34 +6003,33 @@
             </a:r>
             <a:r>
               <a:rPr lang="ru-RU" dirty="0"/>
-              <a:t>были более похожи на статические библиотеки).</a:t>
+              <a:t>использовать прямые. А второй</a:t>
+            </a:r>
+            <a:r>
+              <a:rPr lang="en-US" dirty="0"/>
+              <a:t>, -</a:t>
+            </a:r>
+            <a:r>
+              <a:rPr lang="en-US" dirty="0" err="1"/>
+              <a:t>fno</a:t>
+            </a:r>
+            <a:r>
+              <a:rPr lang="en-US" dirty="0"/>
+              <a:t>-semantic-interposition, </a:t>
+            </a:r>
+            <a:r>
+              <a:rPr lang="ru-RU" dirty="0"/>
+              <a:t>чтобы позволить компилятору при оптимизации игнорировать возможность перехвата функций.</a:t>
             </a:r>
             <a:endParaRPr lang="en-US" dirty="0"/>
           </a:p>
           <a:p>
-            <a:endParaRPr lang="ru-RU" dirty="0"/>
-          </a:p>
-          <a:p>
-            <a:r>
-              <a:rPr lang="ru-RU" dirty="0"/>
-              <a:t>Это приводит к тому что вызовы функций даже внутри библиотеки делаются не напрямую, а через таблицу диспетчеризации, с соответствующими накладными расходами</a:t>
-            </a:r>
-            <a:r>
-              <a:rPr lang="en-US" dirty="0"/>
-              <a:t> </a:t>
-            </a:r>
-            <a:r>
-              <a:rPr lang="ru-RU" dirty="0"/>
-              <a:t>на косвенные вызовы.</a:t>
-            </a:r>
-          </a:p>
-          <a:p>
-            <a:endParaRPr lang="ru-RU" dirty="0"/>
-          </a:p>
-          <a:p>
-            <a:r>
-              <a:rPr lang="ru-RU" dirty="0"/>
-              <a:t>Кроме того из-за того что функции экспортируются возникает возможность их перехвата и компилятору приходится вести себя более консервативно и существенно ограничивать оптимизации.</a:t>
+            <a:endParaRPr lang="en-US" dirty="0"/>
+          </a:p>
+          <a:p>
+            <a:r>
+              <a:rPr lang="ru-RU" dirty="0"/>
+              <a:t>Для оптимальной производительности требуется включить оба флага.</a:t>
             </a:r>
             <a:endParaRPr lang="en-US" dirty="0"/>
           </a:p>
@@ -6032,7 +6061,7 @@
     </p:spTree>
     <p:extLst>
       <p:ext uri="{BB962C8B-B14F-4D97-AF65-F5344CB8AC3E}">
-        <p14:creationId xmlns:p14="http://schemas.microsoft.com/office/powerpoint/2010/main" val="1185757282"/>
+        <p14:creationId xmlns:p14="http://schemas.microsoft.com/office/powerpoint/2010/main" val="3733641060"/>
       </p:ext>
     </p:extLst>
   </p:cSld>
@@ -6086,89 +6115,6 @@
           <a:bodyPr/>
           <a:lstStyle/>
           <a:p>
-            <a:r>
-              <a:rPr lang="ru-RU" dirty="0"/>
-              <a:t>Бороться с таким неэффективным поведением можно несколькими способами.</a:t>
-            </a:r>
-          </a:p>
-          <a:p>
-            <a:endParaRPr lang="ru-RU" dirty="0"/>
-          </a:p>
-          <a:p>
-            <a:r>
-              <a:rPr lang="ru-RU" dirty="0"/>
-              <a:t>Во-первых есть специальные флаги, которые </a:t>
-            </a:r>
-            <a:r>
-              <a:rPr lang="en-US" dirty="0"/>
-              <a:t>“</a:t>
-            </a:r>
-            <a:r>
-              <a:rPr lang="ru-RU" dirty="0"/>
-              <a:t>развязывают руки</a:t>
-            </a:r>
-            <a:r>
-              <a:rPr lang="en-US" dirty="0"/>
-              <a:t>”</a:t>
-            </a:r>
-            <a:r>
-              <a:rPr lang="ru-RU" dirty="0"/>
-              <a:t> компилятору</a:t>
-            </a:r>
-            <a:r>
-              <a:rPr lang="en-US" dirty="0"/>
-              <a:t>: </a:t>
-            </a:r>
-            <a:r>
-              <a:rPr lang="ru-RU" dirty="0"/>
-              <a:t>один, </a:t>
-            </a:r>
-            <a:r>
-              <a:rPr lang="en-US" dirty="0"/>
-              <a:t>-</a:t>
-            </a:r>
-            <a:r>
-              <a:rPr lang="en-US" dirty="0" err="1"/>
-              <a:t>Bsymbolic</a:t>
-            </a:r>
-            <a:r>
-              <a:rPr lang="ru-RU" dirty="0"/>
-              <a:t>, для линковки, чтобы вместо косвенных вызовы внутренних функций </a:t>
-            </a:r>
-            <a:r>
-              <a:rPr lang="en-US" dirty="0"/>
-              <a:t>DLL </a:t>
-            </a:r>
-            <a:r>
-              <a:rPr lang="ru-RU" dirty="0"/>
-              <a:t>использовать прямые. А второй</a:t>
-            </a:r>
-            <a:r>
-              <a:rPr lang="en-US" dirty="0"/>
-              <a:t>, -</a:t>
-            </a:r>
-            <a:r>
-              <a:rPr lang="en-US" dirty="0" err="1"/>
-              <a:t>fno</a:t>
-            </a:r>
-            <a:r>
-              <a:rPr lang="en-US" dirty="0"/>
-              <a:t>-semantic-interposition, </a:t>
-            </a:r>
-            <a:r>
-              <a:rPr lang="ru-RU" dirty="0"/>
-              <a:t>чтобы позволить компилятору при оптимизации игнорировать возможность перехвата функций.</a:t>
-            </a:r>
-            <a:endParaRPr lang="en-US" dirty="0"/>
-          </a:p>
-          <a:p>
-            <a:endParaRPr lang="en-US" dirty="0"/>
-          </a:p>
-          <a:p>
-            <a:r>
-              <a:rPr lang="ru-RU" dirty="0"/>
-              <a:t>Для оптимальной производительности требуется включить оба флага.</a:t>
-            </a:r>
             <a:endParaRPr lang="en-US" dirty="0"/>
           </a:p>
         </p:txBody>
@@ -6199,7 +6145,7 @@
     </p:spTree>
     <p:extLst>
       <p:ext uri="{BB962C8B-B14F-4D97-AF65-F5344CB8AC3E}">
-        <p14:creationId xmlns:p14="http://schemas.microsoft.com/office/powerpoint/2010/main" val="3733641060"/>
+        <p14:creationId xmlns:p14="http://schemas.microsoft.com/office/powerpoint/2010/main" val="22341218"/>
       </p:ext>
     </p:extLst>
   </p:cSld>
@@ -6253,6 +6199,77 @@
           <a:bodyPr/>
           <a:lstStyle/>
           <a:p>
+            <a:r>
+              <a:rPr lang="ru-RU" dirty="0"/>
+              <a:t>Помимо использования флагов есть второй, более традиционный способ, который заключается в сокращении интерфейса библиотеки, т.е. уменьшении количества функций, которые она экспортирует.</a:t>
+            </a:r>
+          </a:p>
+          <a:p>
+            <a:endParaRPr lang="ru-RU" dirty="0"/>
+          </a:p>
+          <a:p>
+            <a:r>
+              <a:rPr lang="ru-RU" dirty="0"/>
+              <a:t>Суть его заключается в том, что мы явно помечаем экспортируемые функции специальным атрибутом </a:t>
+            </a:r>
+            <a:r>
+              <a:rPr lang="en-US" dirty="0"/>
+              <a:t>visibility</a:t>
+            </a:r>
+            <a:r>
+              <a:rPr lang="ru-RU" dirty="0"/>
+              <a:t>, а все остальные символы делаем внутренними</a:t>
+            </a:r>
+            <a:r>
+              <a:rPr lang="en-US" dirty="0"/>
+              <a:t> </a:t>
+            </a:r>
+            <a:r>
+              <a:rPr lang="ru-RU" dirty="0"/>
+              <a:t>с помощью флага. Соответственно для всех скрытых, неэкспортируемых функций </a:t>
+            </a:r>
+            <a:r>
+              <a:rPr lang="en-US" dirty="0"/>
+              <a:t>(</a:t>
+            </a:r>
+            <a:r>
+              <a:rPr lang="ru-RU" dirty="0"/>
+              <a:t>которых гораздо больше</a:t>
+            </a:r>
+            <a:r>
+              <a:rPr lang="en-US" dirty="0"/>
+              <a:t>) </a:t>
+            </a:r>
+            <a:r>
+              <a:rPr lang="ru-RU" dirty="0"/>
+              <a:t>компилятор сможет применять более агрессивные оптимизации и при генерации кода использовать прямые вызовы</a:t>
+            </a:r>
+            <a:r>
+              <a:rPr lang="en-US" dirty="0"/>
+              <a:t> (</a:t>
+            </a:r>
+            <a:r>
+              <a:rPr lang="ru-RU" dirty="0"/>
+              <a:t>вместо косвенных).</a:t>
+            </a:r>
+            <a:endParaRPr lang="en-US" dirty="0"/>
+          </a:p>
+          <a:p>
+            <a:endParaRPr lang="en-US" dirty="0"/>
+          </a:p>
+          <a:p>
+            <a:r>
+              <a:rPr lang="ru-RU" dirty="0"/>
+              <a:t>Помимо оптимизации у этого подхода есть ещё одно преимущество</a:t>
+            </a:r>
+            <a:r>
+              <a:rPr lang="en-US" dirty="0"/>
+              <a:t>: </a:t>
+            </a:r>
+            <a:r>
+              <a:rPr lang="ru-RU" dirty="0"/>
+              <a:t>мы скрываем от пользователя внутренние детали реализации библиотеки и не даём возможности использовать её недокументированным образом.</a:t>
+            </a:r>
             <a:endParaRPr lang="en-US" dirty="0"/>
           </a:p>
         </p:txBody>
@@ -6283,7 +6300,7 @@
     </p:spTree>
     <p:extLst>
       <p:ext uri="{BB962C8B-B14F-4D97-AF65-F5344CB8AC3E}">
-        <p14:creationId xmlns:p14="http://schemas.microsoft.com/office/powerpoint/2010/main" val="22341218"/>
+        <p14:creationId xmlns:p14="http://schemas.microsoft.com/office/powerpoint/2010/main" val="1530341260"/>
       </p:ext>
     </p:extLst>
   </p:cSld>
@@ -6339,7 +6356,23 @@
           <a:p>
             <a:r>
               <a:rPr lang="ru-RU" dirty="0"/>
-              <a:t>Помимо использования флагов есть второй, более традиционный способ, который заключается в сокращении интерфейса библиотеки, т.е. уменьшении количества функций, которые она экспортирует.</a:t>
+              <a:t>Если вы захотите применить оптимизацию сокрытия символов к большой кодовой базе, например к дистрибутиву </a:t>
+            </a:r>
+            <a:r>
+              <a:rPr lang="en-US" dirty="0"/>
+              <a:t>Linux, </a:t>
+            </a:r>
+            <a:r>
+              <a:rPr lang="ru-RU" dirty="0"/>
+              <a:t>то придётся вручную</a:t>
+            </a:r>
+            <a:r>
+              <a:rPr lang="en-US" dirty="0"/>
+              <a:t> </a:t>
+            </a:r>
+            <a:r>
+              <a:rPr lang="ru-RU" dirty="0"/>
+              <a:t>по очереди анализировать каждую библиотеку на предмет того экспортируются ли из неё ненужные символы и если да, то какие.</a:t>
             </a:r>
           </a:p>
           <a:p>
@@ -6348,65 +6381,7 @@
           <a:p>
             <a:r>
               <a:rPr lang="ru-RU" dirty="0"/>
-              <a:t>Суть его заключается в том, что мы явно помечаем экспортируемые функции специальным атрибутом </a:t>
-            </a:r>
-            <a:r>
-              <a:rPr lang="en-US" dirty="0"/>
-              <a:t>visibility</a:t>
-            </a:r>
-            <a:r>
-              <a:rPr lang="ru-RU" dirty="0"/>
-              <a:t>, а все остальные символы делаем внутренними</a:t>
-            </a:r>
-            <a:r>
-              <a:rPr lang="en-US" dirty="0"/>
-              <a:t> </a:t>
-            </a:r>
-            <a:r>
-              <a:rPr lang="ru-RU" dirty="0"/>
-              <a:t>с помощью флага. Соответственно для всех скрытых, неэкспортируемых функций </a:t>
-            </a:r>
-            <a:r>
-              <a:rPr lang="en-US" dirty="0"/>
-              <a:t>(</a:t>
-            </a:r>
-            <a:r>
-              <a:rPr lang="ru-RU" dirty="0"/>
-              <a:t>которых гораздо больше</a:t>
-            </a:r>
-            <a:r>
-              <a:rPr lang="en-US" dirty="0"/>
-              <a:t>) </a:t>
-            </a:r>
-            <a:r>
-              <a:rPr lang="ru-RU" dirty="0"/>
-              <a:t>компилятор сможет применять более агрессивные оптимизации и при генерации кода использовать прямые вызовы</a:t>
-            </a:r>
-            <a:r>
-              <a:rPr lang="en-US" dirty="0"/>
-              <a:t> (</a:t>
-            </a:r>
-            <a:r>
-              <a:rPr lang="ru-RU" dirty="0"/>
-              <a:t>вместо косвенных).</a:t>
-            </a:r>
-            <a:endParaRPr lang="en-US" dirty="0"/>
-          </a:p>
-          <a:p>
-            <a:endParaRPr lang="en-US" dirty="0"/>
-          </a:p>
-          <a:p>
-            <a:r>
-              <a:rPr lang="ru-RU" dirty="0"/>
-              <a:t>Помимо оптимизации у этого подхода есть ещё одно преимущество</a:t>
-            </a:r>
-            <a:r>
-              <a:rPr lang="en-US" dirty="0"/>
-              <a:t>: </a:t>
-            </a:r>
-            <a:r>
-              <a:rPr lang="ru-RU" dirty="0"/>
-              <a:t>мы скрываем от пользователя внутренние детали реализации библиотеки и не даём возможности использовать её недокументированным образом.</a:t>
+              <a:t>Эту задачу можно упростить с помощью автоматизации.</a:t>
             </a:r>
             <a:endParaRPr lang="en-US" dirty="0"/>
           </a:p>
@@ -6438,7 +6413,7 @@
     </p:spTree>
     <p:extLst>
       <p:ext uri="{BB962C8B-B14F-4D97-AF65-F5344CB8AC3E}">
-        <p14:creationId xmlns:p14="http://schemas.microsoft.com/office/powerpoint/2010/main" val="1530341260"/>
+        <p14:creationId xmlns:p14="http://schemas.microsoft.com/office/powerpoint/2010/main" val="3687863370"/>
       </p:ext>
     </p:extLst>
   </p:cSld>
@@ -6494,15 +6469,11 @@
           <a:p>
             <a:r>
               <a:rPr lang="ru-RU" dirty="0"/>
-              <a:t>Если вы захотите применить оптимизацию сокрытия символов к большой кодовой базе, например к дистрибутиву </a:t>
-            </a:r>
-            <a:r>
-              <a:rPr lang="en-US" dirty="0"/>
-              <a:t>Linux, </a:t>
-            </a:r>
-            <a:r>
-              <a:rPr lang="ru-RU" dirty="0"/>
-              <a:t>то придётся вручную</a:t>
+              <a:t>Утилита </a:t>
+            </a:r>
+            <a:r>
+              <a:rPr lang="en-US" dirty="0" err="1"/>
+              <a:t>ShlibVisibilityChecker</a:t>
             </a:r>
             <a:r>
               <a:rPr lang="en-US" dirty="0"/>
@@ -6510,17 +6481,23 @@
             </a:r>
             <a:r>
               <a:rPr lang="ru-RU" dirty="0"/>
-              <a:t>по очереди анализировать каждую библиотеку на предмет того экспортируются ли из неё ненужные символы и если да, то какие.</a:t>
-            </a:r>
-          </a:p>
-          <a:p>
+              <a:t>по бинарному файлу библиотеки</a:t>
+            </a:r>
+            <a:r>
+              <a:rPr lang="en-US" dirty="0"/>
+              <a:t> </a:t>
+            </a:r>
+            <a:r>
+              <a:rPr lang="ru-RU" dirty="0"/>
+              <a:t>и её заголовочным файлам скажет какие символы нужно скрыть. Я успешно применял эту утилиту для поиска проблемных библиотек в </a:t>
+            </a:r>
+            <a:r>
+              <a:rPr lang="en-US" dirty="0"/>
+              <a:t>Ubuntu.</a:t>
+            </a:r>
             <a:endParaRPr lang="ru-RU" dirty="0"/>
           </a:p>
           <a:p>
-            <a:r>
-              <a:rPr lang="ru-RU" dirty="0"/>
-              <a:t>Эту задачу можно упростить с помощью автоматизации.</a:t>
-            </a:r>
             <a:endParaRPr lang="en-US" dirty="0"/>
           </a:p>
         </p:txBody>
@@ -6551,7 +6528,7 @@
     </p:spTree>
     <p:extLst>
       <p:ext uri="{BB962C8B-B14F-4D97-AF65-F5344CB8AC3E}">
-        <p14:creationId xmlns:p14="http://schemas.microsoft.com/office/powerpoint/2010/main" val="3687863370"/>
+        <p14:creationId xmlns:p14="http://schemas.microsoft.com/office/powerpoint/2010/main" val="286087877"/>
       </p:ext>
     </p:extLst>
   </p:cSld>
@@ -6607,11 +6584,15 @@
           <a:p>
             <a:r>
               <a:rPr lang="ru-RU" dirty="0"/>
-              <a:t>Утилита </a:t>
+              <a:t>На слайде приведён пример анализа популярной библиотеки</a:t>
+            </a:r>
+            <a:r>
+              <a:rPr lang="en-US" dirty="0"/>
+              <a:t> </a:t>
             </a:r>
             <a:r>
               <a:rPr lang="en-US" dirty="0" err="1"/>
-              <a:t>ShlibVisibilityChecker</a:t>
+              <a:t>libgmp</a:t>
             </a:r>
             <a:r>
               <a:rPr lang="en-US" dirty="0"/>
@@ -6619,7 +6600,7 @@
             </a:r>
             <a:r>
               <a:rPr lang="ru-RU" dirty="0"/>
-              <a:t>по бинарному файлу библиотеки</a:t>
+              <a:t>для вычислений произвольной точности.</a:t>
             </a:r>
             <a:r>
               <a:rPr lang="en-US" dirty="0"/>
@@ -6627,15 +6608,8 @@
             </a:r>
             <a:r>
               <a:rPr lang="ru-RU" dirty="0"/>
-              <a:t>и её заголовочным файлам скажет какие символы нужно скрыть. Я успешно применял эту утилиту для поиска проблемных библиотек в </a:t>
-            </a:r>
-            <a:r>
-              <a:rPr lang="en-US" dirty="0"/>
-              <a:t>Ubuntu.</a:t>
-            </a:r>
-            <a:endParaRPr lang="ru-RU" dirty="0"/>
-          </a:p>
-          <a:p>
+              <a:t>В своё время её авторы не приняли мой патч про сокращение интерфейса и можно видеть что библиотека экспортирует большое количество ненужных символов. Такие неоптимальности встречаются во многих библиотеках.</a:t>
+            </a:r>
             <a:endParaRPr lang="en-US" dirty="0"/>
           </a:p>
         </p:txBody>
@@ -6666,7 +6640,7 @@
     </p:spTree>
     <p:extLst>
       <p:ext uri="{BB962C8B-B14F-4D97-AF65-F5344CB8AC3E}">
-        <p14:creationId xmlns:p14="http://schemas.microsoft.com/office/powerpoint/2010/main" val="286087877"/>
+        <p14:creationId xmlns:p14="http://schemas.microsoft.com/office/powerpoint/2010/main" val="492988692"/>
       </p:ext>
     </p:extLst>
   </p:cSld>
@@ -6720,34 +6694,6 @@
           <a:bodyPr/>
           <a:lstStyle/>
           <a:p>
-            <a:r>
-              <a:rPr lang="ru-RU" dirty="0"/>
-              <a:t>На слайде приведён пример анализа популярной библиотеки</a:t>
-            </a:r>
-            <a:r>
-              <a:rPr lang="en-US" dirty="0"/>
-              <a:t> </a:t>
-            </a:r>
-            <a:r>
-              <a:rPr lang="en-US" dirty="0" err="1"/>
-              <a:t>libgmp</a:t>
-            </a:r>
-            <a:r>
-              <a:rPr lang="en-US" dirty="0"/>
-              <a:t> </a:t>
-            </a:r>
-            <a:r>
-              <a:rPr lang="ru-RU" dirty="0"/>
-              <a:t>для вычислений произвольной точности.</a:t>
-            </a:r>
-            <a:r>
-              <a:rPr lang="en-US" dirty="0"/>
-              <a:t> </a:t>
-            </a:r>
-            <a:r>
-              <a:rPr lang="ru-RU" dirty="0"/>
-              <a:t>В своё время её авторы не приняли мой патч про сокращение интерфейса и можно видеть что библиотека экспортирует большое количество ненужных символов. Такие неоптимальности встречаются во многих библиотеках.</a:t>
-            </a:r>
             <a:endParaRPr lang="en-US" dirty="0"/>
           </a:p>
         </p:txBody>
@@ -6778,7 +6724,7 @@
     </p:spTree>
     <p:extLst>
       <p:ext uri="{BB962C8B-B14F-4D97-AF65-F5344CB8AC3E}">
-        <p14:creationId xmlns:p14="http://schemas.microsoft.com/office/powerpoint/2010/main" val="492988692"/>
+        <p14:creationId xmlns:p14="http://schemas.microsoft.com/office/powerpoint/2010/main" val="1220552600"/>
       </p:ext>
     </p:extLst>
   </p:cSld>
@@ -6977,7 +6923,7 @@
     </p:spTree>
     <p:extLst>
       <p:ext uri="{BB962C8B-B14F-4D97-AF65-F5344CB8AC3E}">
-        <p14:creationId xmlns:p14="http://schemas.microsoft.com/office/powerpoint/2010/main" val="1220552600"/>
+        <p14:creationId xmlns:p14="http://schemas.microsoft.com/office/powerpoint/2010/main" val="499940782"/>
       </p:ext>
     </p:extLst>
   </p:cSld>
@@ -7061,7 +7007,7 @@
     </p:spTree>
     <p:extLst>
       <p:ext uri="{BB962C8B-B14F-4D97-AF65-F5344CB8AC3E}">
-        <p14:creationId xmlns:p14="http://schemas.microsoft.com/office/powerpoint/2010/main" val="499940782"/>
+        <p14:creationId xmlns:p14="http://schemas.microsoft.com/office/powerpoint/2010/main" val="2809069906"/>
       </p:ext>
     </p:extLst>
   </p:cSld>
@@ -7145,7 +7091,7 @@
     </p:spTree>
     <p:extLst>
       <p:ext uri="{BB962C8B-B14F-4D97-AF65-F5344CB8AC3E}">
-        <p14:creationId xmlns:p14="http://schemas.microsoft.com/office/powerpoint/2010/main" val="2809069906"/>
+        <p14:creationId xmlns:p14="http://schemas.microsoft.com/office/powerpoint/2010/main" val="4042281356"/>
       </p:ext>
     </p:extLst>
   </p:cSld>
@@ -7199,6 +7145,60 @@
           <a:bodyPr/>
           <a:lstStyle/>
           <a:p>
+            <a:r>
+              <a:rPr lang="ru-RU" dirty="0"/>
+              <a:t>Самый простой подход к связыванию символов</a:t>
+            </a:r>
+            <a:r>
+              <a:rPr lang="en-US" dirty="0"/>
+              <a:t>: </a:t>
+            </a:r>
+            <a:r>
+              <a:rPr lang="ru-RU" dirty="0"/>
+              <a:t>оптимизация размера соответсвующих таблиц поиска. Обычно рекомендуется использовать две опции</a:t>
+            </a:r>
+            <a:r>
+              <a:rPr lang="en-US" dirty="0"/>
+              <a:t>: hash-style </a:t>
+            </a:r>
+            <a:r>
+              <a:rPr lang="ru-RU" dirty="0"/>
+              <a:t>и </a:t>
+            </a:r>
+            <a:r>
+              <a:rPr lang="en-US" dirty="0"/>
+              <a:t>O1. </a:t>
+            </a:r>
+            <a:r>
+              <a:rPr lang="ru-RU" dirty="0"/>
+              <a:t>Первая из них уже по умолчанию включена в современных дистрибутивах (</a:t>
+            </a:r>
+            <a:r>
+              <a:rPr lang="en-US" dirty="0"/>
+              <a:t>RHEL </a:t>
+            </a:r>
+            <a:r>
+              <a:rPr lang="ru-RU" dirty="0"/>
+              <a:t>и </a:t>
+            </a:r>
+            <a:r>
+              <a:rPr lang="en-US" dirty="0"/>
+              <a:t>Ubuntu)</a:t>
+            </a:r>
+            <a:r>
+              <a:rPr lang="ru-RU" dirty="0"/>
+              <a:t>, а вторая по моим замерам не оказывает существенного влияния на производительность.</a:t>
+            </a:r>
+            <a:endParaRPr lang="en-US" dirty="0"/>
+          </a:p>
+          <a:p>
+            <a:endParaRPr lang="en-US" dirty="0"/>
+          </a:p>
+          <a:p>
+            <a:r>
+              <a:rPr lang="ru-RU" dirty="0"/>
+              <a:t>Резюмируя данный слайд можно сказать что дефолтные настройки тулчейнов в данном контексте оптимальны.</a:t>
+            </a:r>
             <a:endParaRPr lang="en-US" dirty="0"/>
           </a:p>
         </p:txBody>
@@ -7220,7 +7220,7 @@
           <a:p>
             <a:fld id="{3AC94D10-082F-46D7-A834-266F9222130F}" type="slidenum">
               <a:rPr lang="en-US" smtClean="0"/>
-              <a:t>72</a:t>
+              <a:t>79</a:t>
             </a:fld>
             <a:endParaRPr lang="en-US"/>
           </a:p>
@@ -7229,7 +7229,7 @@
     </p:spTree>
     <p:extLst>
       <p:ext uri="{BB962C8B-B14F-4D97-AF65-F5344CB8AC3E}">
-        <p14:creationId xmlns:p14="http://schemas.microsoft.com/office/powerpoint/2010/main" val="4042281356"/>
+        <p14:creationId xmlns:p14="http://schemas.microsoft.com/office/powerpoint/2010/main" val="1525720301"/>
       </p:ext>
     </p:extLst>
   </p:cSld>
@@ -7722,7 +7722,7 @@
           <a:p>
             <a:fld id="{83D30A23-1FB6-43A1-891F-95145083C4E9}" type="datetime1">
               <a:rPr lang="en-US" smtClean="0"/>
-              <a:t>5/26/2024</a:t>
+              <a:t>5/31/2024</a:t>
             </a:fld>
             <a:endParaRPr lang="en-US"/>
           </a:p>
@@ -7920,7 +7920,7 @@
           <a:p>
             <a:fld id="{A4B03399-60D8-4226-8AC7-3F159D57E860}" type="datetime1">
               <a:rPr lang="en-US" smtClean="0"/>
-              <a:t>5/26/2024</a:t>
+              <a:t>5/31/2024</a:t>
             </a:fld>
             <a:endParaRPr lang="en-US"/>
           </a:p>
@@ -8128,7 +8128,7 @@
           <a:p>
             <a:fld id="{1A646459-A066-416D-8E21-9D451FB1CBED}" type="datetime1">
               <a:rPr lang="en-US" smtClean="0"/>
-              <a:t>5/26/2024</a:t>
+              <a:t>5/31/2024</a:t>
             </a:fld>
             <a:endParaRPr lang="en-US"/>
           </a:p>
@@ -8326,7 +8326,7 @@
           <a:p>
             <a:fld id="{0636B939-1A2A-498F-9013-EEF28820D750}" type="datetime1">
               <a:rPr lang="en-US" smtClean="0"/>
-              <a:t>5/26/2024</a:t>
+              <a:t>5/31/2024</a:t>
             </a:fld>
             <a:endParaRPr lang="en-US"/>
           </a:p>
@@ -8640,7 +8640,7 @@
           <a:p>
             <a:fld id="{97D3760A-E884-42F2-A44C-F32FAA030BF6}" type="datetime1">
               <a:rPr lang="en-US" smtClean="0"/>
-              <a:t>5/26/2024</a:t>
+              <a:t>5/31/2024</a:t>
             </a:fld>
             <a:endParaRPr lang="en-US"/>
           </a:p>
@@ -8905,7 +8905,7 @@
           <a:p>
             <a:fld id="{4FC7535E-ABF1-4A69-B09E-251EF8B13143}" type="datetime1">
               <a:rPr lang="en-US" smtClean="0"/>
-              <a:t>5/26/2024</a:t>
+              <a:t>5/31/2024</a:t>
             </a:fld>
             <a:endParaRPr lang="en-US"/>
           </a:p>
@@ -9317,7 +9317,7 @@
           <a:p>
             <a:fld id="{CE54BCFC-68A7-4C68-9600-D4AAA16CF9A6}" type="datetime1">
               <a:rPr lang="en-US" smtClean="0"/>
-              <a:t>5/26/2024</a:t>
+              <a:t>5/31/2024</a:t>
             </a:fld>
             <a:endParaRPr lang="en-US"/>
           </a:p>
@@ -9458,7 +9458,7 @@
           <a:p>
             <a:fld id="{0F981744-C4F3-4F58-9E0E-AF6C4E78D03B}" type="datetime1">
               <a:rPr lang="en-US" smtClean="0"/>
-              <a:t>5/26/2024</a:t>
+              <a:t>5/31/2024</a:t>
             </a:fld>
             <a:endParaRPr lang="en-US"/>
           </a:p>
@@ -9571,7 +9571,7 @@
           <a:p>
             <a:fld id="{98ED47E1-EA96-4683-9629-E838295B20BC}" type="datetime1">
               <a:rPr lang="en-US" smtClean="0"/>
-              <a:t>5/26/2024</a:t>
+              <a:t>5/31/2024</a:t>
             </a:fld>
             <a:endParaRPr lang="en-US"/>
           </a:p>
@@ -9882,7 +9882,7 @@
           <a:p>
             <a:fld id="{2F2A1627-B435-455B-A0CA-0808E5748D61}" type="datetime1">
               <a:rPr lang="en-US" smtClean="0"/>
-              <a:t>5/26/2024</a:t>
+              <a:t>5/31/2024</a:t>
             </a:fld>
             <a:endParaRPr lang="en-US"/>
           </a:p>
@@ -10170,7 +10170,7 @@
           <a:p>
             <a:fld id="{FE11CB43-EB9E-4C41-ACD2-0EC61FB429F2}" type="datetime1">
               <a:rPr lang="en-US" smtClean="0"/>
-              <a:t>5/26/2024</a:t>
+              <a:t>5/31/2024</a:t>
             </a:fld>
             <a:endParaRPr lang="en-US"/>
           </a:p>
@@ -10411,7 +10411,7 @@
           <a:p>
             <a:fld id="{CC0B8F92-0932-40E4-878B-3E2E4AAA6810}" type="datetime1">
               <a:rPr lang="en-US" smtClean="0"/>
-              <a:t>5/26/2024</a:t>
+              <a:t>5/31/2024</a:t>
             </a:fld>
             <a:endParaRPr lang="en-US"/>
           </a:p>
@@ -14549,6 +14549,21 @@
             <a:endParaRPr lang="en-US" dirty="0"/>
           </a:p>
           <a:p>
+            <a:pPr lvl="1"/>
+            <a:r>
+              <a:rPr lang="ru-RU" dirty="0"/>
+              <a:t>Поиск таких изменений можно автоматизировать (</a:t>
+            </a:r>
+            <a:r>
+              <a:rPr lang="en-US" dirty="0" err="1"/>
+              <a:t>libabigail</a:t>
+            </a:r>
+            <a:r>
+              <a:rPr lang="en-US" dirty="0"/>
+              <a:t>, ABI Compliance Checker, etc.)</a:t>
+            </a:r>
+          </a:p>
+          <a:p>
             <a:r>
               <a:rPr lang="ru-RU" dirty="0"/>
               <a:t>Если они необходимы разработчик должен обновить в файле библиотеки информацию о её версии</a:t>
@@ -26160,7 +26175,7 @@
             </a:r>
             <a:r>
               <a:rPr lang="ru-RU" dirty="0"/>
-              <a:t>-систем</a:t>
+              <a:t>-системах</a:t>
             </a:r>
             <a:endParaRPr lang="en-US" dirty="0"/>
           </a:p>
@@ -27532,11 +27547,19 @@
             </a:r>
             <a:r>
               <a:rPr lang="en-US" dirty="0"/>
-              <a:t>ASLR</a:t>
-            </a:r>
-            <a:r>
-              <a:rPr lang="ru-RU" dirty="0"/>
-              <a:t> требует загружать </a:t>
+              <a:t>Address-Space </a:t>
+            </a:r>
+            <a:r>
+              <a:rPr lang="en-US"/>
+              <a:t>Layout Randomization</a:t>
+            </a:r>
+            <a:r>
+              <a:rPr lang="ru-RU"/>
+              <a:t> </a:t>
+            </a:r>
+            <a:r>
+              <a:rPr lang="ru-RU" dirty="0"/>
+              <a:t>требует загружать </a:t>
             </a:r>
             <a:r>
               <a:rPr lang="en-US" dirty="0"/>
@@ -28053,7 +28076,7 @@
           <p:cNvPr id="2" name="Title 1">
             <a:extLst>
               <a:ext uri="{FF2B5EF4-FFF2-40B4-BE49-F238E27FC236}">
-                <a16:creationId xmlns:a16="http://schemas.microsoft.com/office/drawing/2014/main" id="{CC798AB3-1D15-4521-A8DE-3E17788A428F}"/>
+                <a16:creationId xmlns:a16="http://schemas.microsoft.com/office/drawing/2014/main" id="{EE2B7844-B8D9-42D2-80BE-3F170C7DECBA}"/>
               </a:ext>
             </a:extLst>
           </p:cNvPr>
@@ -28079,7 +28102,7 @@
             </a:r>
             <a:r>
               <a:rPr lang="ru-RU" dirty="0"/>
-              <a:t>оптимизация таблиц символов</a:t>
+              <a:t>отключение ленивого связывания</a:t>
             </a:r>
             <a:endParaRPr lang="en-US" dirty="0"/>
           </a:p>
@@ -28090,7 +28113,7 @@
           <p:cNvPr id="3" name="Content Placeholder 2">
             <a:extLst>
               <a:ext uri="{FF2B5EF4-FFF2-40B4-BE49-F238E27FC236}">
-                <a16:creationId xmlns:a16="http://schemas.microsoft.com/office/drawing/2014/main" id="{0CFC98EF-8A0E-4555-8157-8ACA61A524AE}"/>
+                <a16:creationId xmlns:a16="http://schemas.microsoft.com/office/drawing/2014/main" id="{0B44980E-F464-4A2A-AD5D-A16AADA1264C}"/>
               </a:ext>
             </a:extLst>
           </p:cNvPr>
@@ -28101,16 +28124,21 @@
             <p:ph idx="1"/>
           </p:nvPr>
         </p:nvSpPr>
-        <p:spPr/>
+        <p:spPr>
+          <a:xfrm>
+            <a:off x="838199" y="1825625"/>
+            <a:ext cx="10842171" cy="4667250"/>
+          </a:xfrm>
+        </p:spPr>
         <p:txBody>
           <a:bodyPr>
-            <a:normAutofit lnSpcReduction="10000"/>
+            <a:normAutofit/>
           </a:bodyPr>
           <a:lstStyle/>
           <a:p>
             <a:r>
               <a:rPr lang="ru-RU" dirty="0"/>
-              <a:t>Поиск символов в </a:t>
+              <a:t>Ленивое связывание в </a:t>
             </a:r>
             <a:r>
               <a:rPr lang="en-US" dirty="0"/>
@@ -28118,7 +28146,56 @@
             </a:r>
             <a:r>
               <a:rPr lang="ru-RU" dirty="0"/>
-              <a:t>осуществляется по хэштаблицам, хранящимся в файлах</a:t>
+              <a:t>ускоряет загрузку библиотек ценой накладных расходов в процессе работы</a:t>
+            </a:r>
+          </a:p>
+          <a:p>
+            <a:r>
+              <a:rPr lang="ru-RU" dirty="0"/>
+              <a:t>К загрузке адреса и косвенному вызову функции добавляется вызов </a:t>
+            </a:r>
+            <a:r>
+              <a:rPr lang="en-US" dirty="0"/>
+              <a:t>PLT-</a:t>
+            </a:r>
+            <a:r>
+              <a:rPr lang="ru-RU" dirty="0"/>
+              <a:t>заглушки</a:t>
+            </a:r>
+          </a:p>
+          <a:p>
+            <a:pPr lvl="1"/>
+            <a:r>
+              <a:rPr lang="ru-RU" dirty="0"/>
+              <a:t>Лишний </a:t>
+            </a:r>
+            <a:r>
+              <a:rPr lang="en-US" dirty="0"/>
+              <a:t>jump</a:t>
+            </a:r>
+          </a:p>
+          <a:p>
+            <a:pPr lvl="1"/>
+            <a:r>
+              <a:rPr lang="ru-RU" dirty="0"/>
+              <a:t>Вырастает нагрузка на кэши и </a:t>
+            </a:r>
+            <a:r>
+              <a:rPr lang="en-US" dirty="0"/>
+              <a:t>branch predictor</a:t>
+            </a:r>
+          </a:p>
+          <a:p>
+            <a:pPr lvl="1"/>
+            <a:r>
+              <a:rPr lang="ru-RU" dirty="0"/>
+              <a:t>Загрузку адреса приходится осуществлять при каждом вызове</a:t>
+            </a:r>
+          </a:p>
+          <a:p>
+            <a:r>
+              <a:rPr lang="ru-RU" dirty="0"/>
+              <a:t>Ленивое связывание и связанные с ним накладные расходы могут быть отключены</a:t>
             </a:r>
             <a:r>
               <a:rPr lang="en-US" dirty="0"/>
@@ -28126,69 +28203,19 @@
             </a:r>
             <a:r>
               <a:rPr lang="ru-RU" dirty="0"/>
-              <a:t>динамических библиотек</a:t>
-            </a:r>
-          </a:p>
-          <a:p>
-            <a:r>
-              <a:rPr lang="ru-RU" dirty="0"/>
-              <a:t>Линкеры позволяют управлять размером и форматом этих хэштаблиц</a:t>
+              <a:t>флагом </a:t>
+            </a:r>
+            <a:r>
+              <a:rPr lang="en-US" dirty="0"/>
+              <a:t>-</a:t>
+            </a:r>
+            <a:r>
+              <a:rPr lang="en-US" dirty="0" err="1"/>
+              <a:t>fno-plt</a:t>
             </a:r>
             <a:endParaRPr lang="en-US" dirty="0"/>
           </a:p>
           <a:p>
-            <a:r>
-              <a:rPr lang="ru-RU" dirty="0"/>
-              <a:t>Обычно рекомендуемая конфигурация опций</a:t>
-            </a:r>
-            <a:r>
-              <a:rPr lang="en-US" dirty="0"/>
-              <a:t>:</a:t>
-            </a:r>
-          </a:p>
-          <a:p>
-            <a:pPr lvl="1"/>
-            <a:r>
-              <a:rPr lang="en-US" dirty="0"/>
-              <a:t>-</a:t>
-            </a:r>
-            <a:r>
-              <a:rPr lang="en-US" dirty="0" err="1"/>
-              <a:t>Wl</a:t>
-            </a:r>
-            <a:r>
-              <a:rPr lang="en-US" dirty="0"/>
-              <a:t>,--hash-style=both -Wl,-O1</a:t>
-            </a:r>
-          </a:p>
-          <a:p>
-            <a:r>
-              <a:rPr lang="en-US" dirty="0"/>
-              <a:t>-</a:t>
-            </a:r>
-            <a:r>
-              <a:rPr lang="en-US" dirty="0" err="1"/>
-              <a:t>Wl</a:t>
-            </a:r>
-            <a:r>
-              <a:rPr lang="en-US" dirty="0"/>
-              <a:t>,--hash-style=both </a:t>
-            </a:r>
-            <a:r>
-              <a:rPr lang="ru-RU" dirty="0"/>
-              <a:t>уже включена по умолчанию во всех современных дистрибутивах</a:t>
-            </a:r>
-            <a:endParaRPr lang="en-US" dirty="0"/>
-          </a:p>
-          <a:p>
-            <a:r>
-              <a:rPr lang="en-US" dirty="0"/>
-              <a:t>-Wl,-O1 </a:t>
-            </a:r>
-            <a:r>
-              <a:rPr lang="ru-RU" dirty="0"/>
-              <a:t>не оказывает существенного влияния на производительность</a:t>
-            </a:r>
             <a:endParaRPr lang="en-US" dirty="0"/>
           </a:p>
         </p:txBody>
@@ -28196,7 +28223,7 @@
     </p:spTree>
     <p:extLst>
       <p:ext uri="{BB962C8B-B14F-4D97-AF65-F5344CB8AC3E}">
-        <p14:creationId xmlns:p14="http://schemas.microsoft.com/office/powerpoint/2010/main" val="2083035709"/>
+        <p14:creationId xmlns:p14="http://schemas.microsoft.com/office/powerpoint/2010/main" val="225035390"/>
       </p:ext>
     </p:extLst>
   </p:cSld>
@@ -28290,72 +28317,7 @@
           <a:p>
             <a:r>
               <a:rPr lang="ru-RU" dirty="0"/>
-              <a:t>Ленивое связывание в </a:t>
-            </a:r>
-            <a:r>
-              <a:rPr lang="en-US" dirty="0"/>
-              <a:t>Linux </a:t>
-            </a:r>
-            <a:r>
-              <a:rPr lang="ru-RU" dirty="0"/>
-              <a:t>ускоряет загрузку библиотек ценой накладных расходов в процессе работы</a:t>
-            </a:r>
-          </a:p>
-          <a:p>
-            <a:r>
-              <a:rPr lang="ru-RU" dirty="0"/>
-              <a:t>К загрузке адреса и косвенному вызову функции добавляется вызов </a:t>
-            </a:r>
-            <a:r>
-              <a:rPr lang="en-US" dirty="0"/>
-              <a:t>PLT-</a:t>
-            </a:r>
-            <a:r>
-              <a:rPr lang="ru-RU" dirty="0"/>
-              <a:t>заглушки</a:t>
-            </a:r>
-          </a:p>
-          <a:p>
-            <a:pPr lvl="1"/>
-            <a:r>
-              <a:rPr lang="ru-RU" dirty="0"/>
-              <a:t>Лишний </a:t>
-            </a:r>
-            <a:r>
-              <a:rPr lang="en-US" dirty="0"/>
-              <a:t>jump</a:t>
-            </a:r>
-          </a:p>
-          <a:p>
-            <a:pPr lvl="1"/>
-            <a:r>
-              <a:rPr lang="ru-RU" dirty="0"/>
-              <a:t>Вырастает нагрузка на кэши и </a:t>
-            </a:r>
-            <a:r>
-              <a:rPr lang="en-US" dirty="0"/>
-              <a:t>branch predictor</a:t>
-            </a:r>
-          </a:p>
-          <a:p>
-            <a:pPr lvl="1"/>
-            <a:r>
-              <a:rPr lang="ru-RU" dirty="0"/>
-              <a:t>Загрузку адреса приходится осуществлять при каждом вызове</a:t>
-            </a:r>
-          </a:p>
-          <a:p>
-            <a:r>
-              <a:rPr lang="ru-RU" dirty="0"/>
-              <a:t>Ленивая загрузка и связанные с ней накладные расходы могут быть отключены</a:t>
-            </a:r>
-            <a:r>
-              <a:rPr lang="en-US" dirty="0"/>
-              <a:t> </a:t>
-            </a:r>
-            <a:r>
-              <a:rPr lang="ru-RU" dirty="0"/>
-              <a:t>флагом </a:t>
+              <a:t>Использование </a:t>
             </a:r>
             <a:r>
               <a:rPr lang="en-US" dirty="0"/>
@@ -28368,14 +28330,140 @@
             <a:endParaRPr lang="en-US" dirty="0"/>
           </a:p>
           <a:p>
-            <a:endParaRPr lang="en-US" dirty="0"/>
+            <a:pPr lvl="1"/>
+            <a:r>
+              <a:rPr lang="ru-RU" dirty="0"/>
+              <a:t>Ускоряет вызовы библиотечных функций</a:t>
+            </a:r>
+          </a:p>
+          <a:p>
+            <a:pPr lvl="1"/>
+            <a:r>
+              <a:rPr lang="ru-RU" dirty="0"/>
+              <a:t>Снижает нагрузку на </a:t>
+            </a:r>
+            <a:r>
+              <a:rPr lang="en-US" dirty="0"/>
+              <a:t>I$ </a:t>
+            </a:r>
+            <a:r>
+              <a:rPr lang="ru-RU" dirty="0"/>
+              <a:t>и </a:t>
+            </a:r>
+            <a:r>
+              <a:rPr lang="en-US" dirty="0"/>
+              <a:t>BTB</a:t>
+            </a:r>
+          </a:p>
+          <a:p>
+            <a:pPr lvl="1"/>
+            <a:r>
+              <a:rPr lang="ru-RU" dirty="0"/>
+              <a:t>Замедляет загрузку</a:t>
+            </a:r>
+            <a:r>
+              <a:rPr lang="en-US" dirty="0"/>
+              <a:t> </a:t>
+            </a:r>
+            <a:r>
+              <a:rPr lang="ru-RU" dirty="0"/>
+              <a:t>библиотеки (т.к. все адреса надо инициализировать на старте</a:t>
+            </a:r>
+            <a:r>
+              <a:rPr lang="en-US" dirty="0"/>
+              <a:t> </a:t>
+            </a:r>
+            <a:r>
+              <a:rPr lang="ru-RU" dirty="0"/>
+              <a:t>программы)</a:t>
+            </a:r>
+          </a:p>
+          <a:p>
+            <a:r>
+              <a:rPr lang="ru-RU" dirty="0"/>
+              <a:t>Современные требования к безопасности и так рекомендуют разрешать все функции на старте программы</a:t>
+            </a:r>
+          </a:p>
+          <a:p>
+            <a:pPr lvl="1"/>
+            <a:r>
+              <a:rPr lang="ru-RU" dirty="0"/>
+              <a:t>Позволяет использовать технологию </a:t>
+            </a:r>
+            <a:r>
+              <a:rPr lang="en-US" dirty="0"/>
+              <a:t>Full </a:t>
+            </a:r>
+            <a:r>
+              <a:rPr lang="en-US" dirty="0" err="1"/>
+              <a:t>Relro</a:t>
+            </a:r>
+            <a:r>
+              <a:rPr lang="en-US" dirty="0"/>
+              <a:t> (-</a:t>
+            </a:r>
+            <a:r>
+              <a:rPr lang="en-US" dirty="0" err="1"/>
+              <a:t>Wl</a:t>
+            </a:r>
+            <a:r>
+              <a:rPr lang="en-US" dirty="0"/>
+              <a:t>,-</a:t>
+            </a:r>
+            <a:r>
+              <a:rPr lang="en-US" dirty="0" err="1"/>
+              <a:t>z,relro</a:t>
+            </a:r>
+            <a:r>
+              <a:rPr lang="en-US" dirty="0"/>
+              <a:t>) </a:t>
+            </a:r>
+            <a:r>
+              <a:rPr lang="ru-RU" dirty="0"/>
+              <a:t>для защиты от непреднамеренных модификаций </a:t>
+            </a:r>
+            <a:r>
+              <a:rPr lang="en-US" dirty="0"/>
+              <a:t>GOT</a:t>
+            </a:r>
+          </a:p>
+          <a:p>
+            <a:pPr lvl="1"/>
+            <a:r>
+              <a:rPr lang="en-US" dirty="0"/>
+              <a:t>Full </a:t>
+            </a:r>
+            <a:r>
+              <a:rPr lang="en-US" dirty="0" err="1"/>
+              <a:t>Relro</a:t>
+            </a:r>
+            <a:r>
+              <a:rPr lang="en-US" dirty="0"/>
+              <a:t> </a:t>
+            </a:r>
+            <a:r>
+              <a:rPr lang="ru-RU" dirty="0"/>
+              <a:t>используется по умолчанию в </a:t>
+            </a:r>
+            <a:r>
+              <a:rPr lang="en-US" dirty="0"/>
+              <a:t>RHEL/Fedora </a:t>
+            </a:r>
+            <a:r>
+              <a:rPr lang="ru-RU" dirty="0"/>
+              <a:t>и </a:t>
+            </a:r>
+            <a:r>
+              <a:rPr lang="en-US" dirty="0"/>
+              <a:t>Ubuntu</a:t>
+            </a:r>
           </a:p>
         </p:txBody>
       </p:sp>
     </p:spTree>
     <p:extLst>
       <p:ext uri="{BB962C8B-B14F-4D97-AF65-F5344CB8AC3E}">
-        <p14:creationId xmlns:p14="http://schemas.microsoft.com/office/powerpoint/2010/main" val="225035390"/>
+        <p14:creationId xmlns:p14="http://schemas.microsoft.com/office/powerpoint/2010/main" val="1232306249"/>
       </p:ext>
     </p:extLst>
   </p:cSld>
@@ -28469,6 +28557,17 @@
           <a:p>
             <a:r>
               <a:rPr lang="ru-RU" dirty="0"/>
+              <a:t>Примеры</a:t>
+            </a:r>
+            <a:r>
+              <a:rPr lang="en-US" dirty="0"/>
+              <a:t>:</a:t>
+            </a:r>
+          </a:p>
+          <a:p>
+            <a:pPr lvl="1"/>
+            <a:r>
+              <a:rPr lang="ru-RU" dirty="0"/>
               <a:t>Использование </a:t>
             </a:r>
             <a:r>
@@ -28479,143 +28578,44 @@
               <a:rPr lang="en-US" dirty="0" err="1"/>
               <a:t>fno-plt</a:t>
             </a:r>
+            <a:r>
+              <a:rPr lang="en-US" dirty="0"/>
+              <a:t> </a:t>
+            </a:r>
+            <a:r>
+              <a:rPr lang="ru-RU" dirty="0"/>
+              <a:t>в </a:t>
+            </a:r>
+            <a:r>
+              <a:rPr lang="en-US" dirty="0"/>
+              <a:t>Clang </a:t>
+            </a:r>
+            <a:r>
+              <a:rPr lang="ru-RU" dirty="0"/>
+              <a:t>даёт до </a:t>
+            </a:r>
+            <a:r>
+              <a:rPr lang="en-US" dirty="0"/>
+              <a:t>10% </a:t>
+            </a:r>
+            <a:r>
+              <a:rPr lang="ru-RU" dirty="0"/>
+              <a:t>прироста производительности</a:t>
+            </a:r>
             <a:endParaRPr lang="en-US" dirty="0"/>
           </a:p>
           <a:p>
-            <a:pPr lvl="1"/>
-            <a:r>
-              <a:rPr lang="ru-RU" dirty="0"/>
-              <a:t>Ускоряет вызовы библиотечных функций</a:t>
-            </a:r>
-          </a:p>
-          <a:p>
-            <a:pPr lvl="1"/>
-            <a:r>
-              <a:rPr lang="ru-RU" dirty="0"/>
-              <a:t>Снижает нагрузку на </a:t>
-            </a:r>
-            <a:r>
-              <a:rPr lang="en-US" dirty="0"/>
-              <a:t>I$ </a:t>
-            </a:r>
-            <a:r>
-              <a:rPr lang="ru-RU" dirty="0"/>
-              <a:t>и </a:t>
-            </a:r>
-            <a:r>
-              <a:rPr lang="en-US" dirty="0"/>
-              <a:t>BTB</a:t>
-            </a:r>
-          </a:p>
-          <a:p>
-            <a:pPr lvl="1"/>
-            <a:r>
-              <a:rPr lang="ru-RU" dirty="0"/>
-              <a:t>Замедляет загрузку</a:t>
-            </a:r>
-            <a:r>
-              <a:rPr lang="en-US" dirty="0"/>
-              <a:t> </a:t>
-            </a:r>
-            <a:r>
-              <a:rPr lang="ru-RU" dirty="0"/>
-              <a:t>библиотеки (т.к. все адреса надо инициализировать на старте</a:t>
-            </a:r>
-            <a:r>
-              <a:rPr lang="en-US" dirty="0"/>
-              <a:t> </a:t>
-            </a:r>
-            <a:r>
-              <a:rPr lang="ru-RU" dirty="0"/>
-              <a:t>программы)</a:t>
-            </a:r>
-          </a:p>
-          <a:p>
-            <a:r>
-              <a:rPr lang="ru-RU" dirty="0"/>
-              <a:t>Современные требования к безопасности и так рекомендуют разрешать все функции на старте программы</a:t>
-            </a:r>
-          </a:p>
-          <a:p>
-            <a:pPr lvl="1"/>
-            <a:r>
-              <a:rPr lang="ru-RU" dirty="0"/>
-              <a:t>Позволяет использовать технологию </a:t>
-            </a:r>
-            <a:r>
-              <a:rPr lang="en-US" dirty="0"/>
-              <a:t>Full </a:t>
-            </a:r>
-            <a:r>
-              <a:rPr lang="en-US" dirty="0" err="1"/>
-              <a:t>Relro</a:t>
-            </a:r>
-            <a:r>
-              <a:rPr lang="en-US" dirty="0"/>
-              <a:t> (-</a:t>
-            </a:r>
-            <a:r>
-              <a:rPr lang="en-US" dirty="0" err="1"/>
-              <a:t>Wl</a:t>
-            </a:r>
-            <a:r>
-              <a:rPr lang="en-US" dirty="0"/>
-              <a:t>,-</a:t>
-            </a:r>
-            <a:r>
-              <a:rPr lang="en-US" dirty="0" err="1"/>
-              <a:t>z,relro</a:t>
-            </a:r>
-            <a:r>
-              <a:rPr lang="en-US" dirty="0"/>
-              <a:t>) </a:t>
-            </a:r>
-            <a:r>
-              <a:rPr lang="ru-RU" dirty="0"/>
-              <a:t>для защиты от непреднамеренных модификаций </a:t>
-            </a:r>
-            <a:r>
-              <a:rPr lang="en-US" dirty="0"/>
-              <a:t>GOT</a:t>
-            </a:r>
-          </a:p>
-          <a:p>
-            <a:pPr lvl="1"/>
-            <a:r>
-              <a:rPr lang="en-US" dirty="0"/>
-              <a:t>Full </a:t>
-            </a:r>
-            <a:r>
-              <a:rPr lang="en-US" dirty="0" err="1"/>
-              <a:t>Relro</a:t>
-            </a:r>
-            <a:r>
-              <a:rPr lang="en-US" dirty="0"/>
-              <a:t> </a:t>
-            </a:r>
-            <a:r>
-              <a:rPr lang="ru-RU" dirty="0"/>
-              <a:t>используется по умолчанию в </a:t>
-            </a:r>
-            <a:r>
-              <a:rPr lang="en-US" dirty="0"/>
-              <a:t>RHEL/Fedora </a:t>
-            </a:r>
-            <a:r>
-              <a:rPr lang="ru-RU" dirty="0"/>
-              <a:t>и </a:t>
-            </a:r>
-            <a:r>
-              <a:rPr lang="en-US" dirty="0"/>
-              <a:t>Ubuntu</a:t>
-            </a:r>
+            <a:endParaRPr lang="en-US" dirty="0"/>
+          </a:p>
+          <a:p>
+            <a:endParaRPr lang="en-US" dirty="0"/>
           </a:p>
         </p:txBody>
       </p:sp>
     </p:spTree>
     <p:extLst>
       <p:ext uri="{BB962C8B-B14F-4D97-AF65-F5344CB8AC3E}">
-        <p14:creationId xmlns:p14="http://schemas.microsoft.com/office/powerpoint/2010/main" val="1232306249"/>
+        <p14:creationId xmlns:p14="http://schemas.microsoft.com/office/powerpoint/2010/main" val="1282722250"/>
       </p:ext>
     </p:extLst>
   </p:cSld>
@@ -28780,7 +28780,7 @@
           <p:cNvPr id="2" name="Title 1">
             <a:extLst>
               <a:ext uri="{FF2B5EF4-FFF2-40B4-BE49-F238E27FC236}">
-                <a16:creationId xmlns:a16="http://schemas.microsoft.com/office/drawing/2014/main" id="{EE2B7844-B8D9-42D2-80BE-3F170C7DECBA}"/>
+                <a16:creationId xmlns:a16="http://schemas.microsoft.com/office/drawing/2014/main" id="{0A95A14D-8CF8-471B-AF3D-26999D8951D8}"/>
               </a:ext>
             </a:extLst>
           </p:cNvPr>
@@ -28798,109 +28798,106 @@
           <a:p>
             <a:r>
               <a:rPr lang="ru-RU" dirty="0"/>
-              <a:t>Ускорение работы </a:t>
-            </a:r>
-            <a:r>
-              <a:rPr lang="en-US" dirty="0"/>
-              <a:t>DLL: </a:t>
-            </a:r>
-            <a:r>
-              <a:rPr lang="ru-RU" dirty="0"/>
-              <a:t>отключение ленивого связывания</a:t>
+              <a:t>Накладные расходы</a:t>
+            </a:r>
+            <a:r>
+              <a:rPr lang="en-US" dirty="0"/>
+              <a:t> </a:t>
+            </a:r>
+            <a:r>
+              <a:rPr lang="ru-RU" dirty="0"/>
+              <a:t>при использовании </a:t>
+            </a:r>
+            <a:r>
+              <a:rPr lang="en-US" dirty="0"/>
+              <a:t>DLL</a:t>
+            </a:r>
+          </a:p>
+        </p:txBody>
+      </p:sp>
+      <p:sp>
+        <p:nvSpPr>
+          <p:cNvPr id="3" name="Content Placeholder 2">
+            <a:extLst>
+              <a:ext uri="{FF2B5EF4-FFF2-40B4-BE49-F238E27FC236}">
+                <a16:creationId xmlns:a16="http://schemas.microsoft.com/office/drawing/2014/main" id="{5B49B649-A403-4066-8731-42F55BC6F396}"/>
+              </a:ext>
+            </a:extLst>
+          </p:cNvPr>
+          <p:cNvSpPr>
+            <a:spLocks noGrp="1"/>
+          </p:cNvSpPr>
+          <p:nvPr>
+            <p:ph idx="1"/>
+          </p:nvPr>
+        </p:nvSpPr>
+        <p:spPr/>
+        <p:txBody>
+          <a:bodyPr/>
+          <a:lstStyle/>
+          <a:p>
+            <a:r>
+              <a:rPr lang="ru-RU" dirty="0"/>
+              <a:t>Загрузка</a:t>
+            </a:r>
+            <a:r>
+              <a:rPr lang="en-US" dirty="0"/>
+              <a:t> </a:t>
+            </a:r>
+            <a:r>
+              <a:rPr lang="ru-RU" dirty="0"/>
+              <a:t>библиотеки</a:t>
             </a:r>
             <a:endParaRPr lang="en-US" dirty="0"/>
           </a:p>
-        </p:txBody>
-      </p:sp>
-      <p:sp>
-        <p:nvSpPr>
-          <p:cNvPr id="3" name="Content Placeholder 2">
-            <a:extLst>
-              <a:ext uri="{FF2B5EF4-FFF2-40B4-BE49-F238E27FC236}">
-                <a16:creationId xmlns:a16="http://schemas.microsoft.com/office/drawing/2014/main" id="{0B44980E-F464-4A2A-AD5D-A16AADA1264C}"/>
-              </a:ext>
-            </a:extLst>
-          </p:cNvPr>
-          <p:cNvSpPr>
-            <a:spLocks noGrp="1"/>
-          </p:cNvSpPr>
-          <p:nvPr>
-            <p:ph idx="1"/>
-          </p:nvPr>
-        </p:nvSpPr>
-        <p:spPr>
-          <a:xfrm>
-            <a:off x="838199" y="1825625"/>
-            <a:ext cx="10842171" cy="4667250"/>
-          </a:xfrm>
-        </p:spPr>
-        <p:txBody>
-          <a:bodyPr>
-            <a:normAutofit/>
-          </a:bodyPr>
-          <a:lstStyle/>
-          <a:p>
-            <a:r>
-              <a:rPr lang="ru-RU" dirty="0"/>
-              <a:t>Примеры</a:t>
-            </a:r>
-            <a:r>
-              <a:rPr lang="en-US" dirty="0"/>
-              <a:t>:</a:t>
-            </a:r>
-          </a:p>
           <a:p>
             <a:pPr lvl="1"/>
             <a:r>
               <a:rPr lang="ru-RU" dirty="0"/>
-              <a:t>Использование </a:t>
-            </a:r>
-            <a:r>
-              <a:rPr lang="en-US" dirty="0"/>
-              <a:t>-</a:t>
-            </a:r>
-            <a:r>
-              <a:rPr lang="en-US" dirty="0" err="1"/>
-              <a:t>fno-plt</a:t>
-            </a:r>
-            <a:r>
-              <a:rPr lang="en-US" dirty="0"/>
-              <a:t> </a:t>
-            </a:r>
-            <a:r>
-              <a:rPr lang="ru-RU" dirty="0"/>
-              <a:t>в </a:t>
-            </a:r>
-            <a:r>
-              <a:rPr lang="en-US" dirty="0"/>
-              <a:t>Clang </a:t>
-            </a:r>
-            <a:r>
-              <a:rPr lang="ru-RU" dirty="0"/>
-              <a:t>даёт до </a:t>
-            </a:r>
-            <a:r>
-              <a:rPr lang="en-US" dirty="0"/>
-              <a:t>10% </a:t>
-            </a:r>
-            <a:r>
-              <a:rPr lang="ru-RU" dirty="0"/>
-              <a:t>прироста производительности</a:t>
+              <a:t>Релокация</a:t>
             </a:r>
             <a:endParaRPr lang="en-US" dirty="0"/>
           </a:p>
           <a:p>
+            <a:pPr lvl="1"/>
+            <a:r>
+              <a:rPr lang="ru-RU" dirty="0"/>
+              <a:t>Разрешение и </a:t>
+            </a:r>
+            <a:r>
+              <a:rPr lang="en-US" dirty="0"/>
+              <a:t>c</a:t>
+            </a:r>
+            <a:r>
+              <a:rPr lang="ru-RU" dirty="0"/>
+              <a:t>вязывание символов</a:t>
+            </a:r>
             <a:endParaRPr lang="en-US" dirty="0"/>
           </a:p>
           <a:p>
+            <a:r>
+              <a:rPr lang="ru-RU" dirty="0"/>
+              <a:t>Работа с библиотекой</a:t>
+            </a:r>
             <a:endParaRPr lang="en-US" dirty="0"/>
+          </a:p>
+          <a:p>
+            <a:pPr lvl="1"/>
+            <a:r>
+              <a:rPr lang="ru-RU" b="1" dirty="0"/>
+              <a:t>Косвенные вызовы функций (</a:t>
+            </a:r>
+            <a:r>
+              <a:rPr lang="en-US" b="1" dirty="0"/>
+              <a:t>indirect calls)</a:t>
+            </a:r>
           </a:p>
         </p:txBody>
       </p:sp>
     </p:spTree>
     <p:extLst>
       <p:ext uri="{BB962C8B-B14F-4D97-AF65-F5344CB8AC3E}">
-        <p14:creationId xmlns:p14="http://schemas.microsoft.com/office/powerpoint/2010/main" val="1282722250"/>
+        <p14:creationId xmlns:p14="http://schemas.microsoft.com/office/powerpoint/2010/main" val="3025777625"/>
       </p:ext>
     </p:extLst>
   </p:cSld>
@@ -28932,7 +28929,7 @@
           <p:cNvPr id="2" name="Title 1">
             <a:extLst>
               <a:ext uri="{FF2B5EF4-FFF2-40B4-BE49-F238E27FC236}">
-                <a16:creationId xmlns:a16="http://schemas.microsoft.com/office/drawing/2014/main" id="{0A95A14D-8CF8-471B-AF3D-26999D8951D8}"/>
+                <a16:creationId xmlns:a16="http://schemas.microsoft.com/office/drawing/2014/main" id="{9E2F4025-5B63-47B1-ACD7-A498A81AE42A}"/>
               </a:ext>
             </a:extLst>
           </p:cNvPr>
@@ -28950,106 +28947,139 @@
           <a:p>
             <a:r>
               <a:rPr lang="ru-RU" dirty="0"/>
+              <a:t>Проблема с экспортируемыми символами в </a:t>
+            </a:r>
+            <a:r>
+              <a:rPr lang="en-US" dirty="0"/>
+              <a:t>Linux</a:t>
+            </a:r>
+          </a:p>
+        </p:txBody>
+      </p:sp>
+      <p:sp>
+        <p:nvSpPr>
+          <p:cNvPr id="3" name="Content Placeholder 2">
+            <a:extLst>
+              <a:ext uri="{FF2B5EF4-FFF2-40B4-BE49-F238E27FC236}">
+                <a16:creationId xmlns:a16="http://schemas.microsoft.com/office/drawing/2014/main" id="{37862244-1BB6-4E07-B31C-F099E59591B4}"/>
+              </a:ext>
+            </a:extLst>
+          </p:cNvPr>
+          <p:cNvSpPr>
+            <a:spLocks noGrp="1"/>
+          </p:cNvSpPr>
+          <p:nvPr>
+            <p:ph idx="1"/>
+          </p:nvPr>
+        </p:nvSpPr>
+        <p:spPr/>
+        <p:txBody>
+          <a:bodyPr/>
+          <a:lstStyle/>
+          <a:p>
+            <a:r>
+              <a:rPr lang="ru-RU" dirty="0"/>
+              <a:t>По умолчанию на </a:t>
+            </a:r>
+            <a:r>
+              <a:rPr lang="en-US" dirty="0"/>
+              <a:t>Linux </a:t>
+            </a:r>
+            <a:r>
+              <a:rPr lang="ru-RU" dirty="0"/>
+              <a:t>все функции в </a:t>
+            </a:r>
+            <a:r>
+              <a:rPr lang="en-US" dirty="0"/>
+              <a:t>DLL </a:t>
+            </a:r>
+            <a:r>
+              <a:rPr lang="ru-RU" dirty="0"/>
+              <a:t>экспортируются</a:t>
+            </a:r>
+          </a:p>
+          <a:p>
+            <a:pPr lvl="1"/>
+            <a:r>
+              <a:rPr lang="ru-RU" dirty="0"/>
+              <a:t>Для совместимости со статическими библиотеками</a:t>
+            </a:r>
+          </a:p>
+          <a:p>
+            <a:r>
+              <a:rPr lang="ru-RU" dirty="0"/>
+              <a:t>Вызовы даже внутренних функций</a:t>
+            </a:r>
+            <a:r>
+              <a:rPr lang="en-US" dirty="0"/>
+              <a:t> </a:t>
+            </a:r>
+            <a:r>
+              <a:rPr lang="ru-RU" dirty="0"/>
+              <a:t>библиотеки происходят через таблицу адресов (</a:t>
+            </a:r>
+            <a:r>
+              <a:rPr lang="en-US" dirty="0"/>
+              <a:t>GOT</a:t>
+            </a:r>
+            <a:r>
+              <a:rPr lang="ru-RU" dirty="0"/>
+              <a:t>)</a:t>
+            </a:r>
+          </a:p>
+          <a:p>
+            <a:pPr lvl="1"/>
+            <a:r>
+              <a:rPr lang="ru-RU" dirty="0"/>
+              <a:t>Из-за возможности перехвата символов</a:t>
+            </a:r>
+            <a:endParaRPr lang="en-US" dirty="0"/>
+          </a:p>
+          <a:p>
+            <a:r>
+              <a:rPr lang="ru-RU" dirty="0"/>
               <a:t>Накладные расходы</a:t>
             </a:r>
             <a:r>
               <a:rPr lang="en-US" dirty="0"/>
-              <a:t> </a:t>
-            </a:r>
-            <a:r>
-              <a:rPr lang="ru-RU" dirty="0"/>
-              <a:t>при использовании </a:t>
-            </a:r>
-            <a:r>
-              <a:rPr lang="en-US" dirty="0"/>
-              <a:t>DLL</a:t>
-            </a:r>
-          </a:p>
-        </p:txBody>
-      </p:sp>
-      <p:sp>
-        <p:nvSpPr>
-          <p:cNvPr id="3" name="Content Placeholder 2">
-            <a:extLst>
-              <a:ext uri="{FF2B5EF4-FFF2-40B4-BE49-F238E27FC236}">
-                <a16:creationId xmlns:a16="http://schemas.microsoft.com/office/drawing/2014/main" id="{5B49B649-A403-4066-8731-42F55BC6F396}"/>
-              </a:ext>
-            </a:extLst>
-          </p:cNvPr>
-          <p:cNvSpPr>
-            <a:spLocks noGrp="1"/>
-          </p:cNvSpPr>
-          <p:nvPr>
-            <p:ph idx="1"/>
-          </p:nvPr>
-        </p:nvSpPr>
-        <p:spPr/>
-        <p:txBody>
-          <a:bodyPr/>
-          <a:lstStyle/>
-          <a:p>
-            <a:r>
-              <a:rPr lang="ru-RU" dirty="0"/>
-              <a:t>Загрузка</a:t>
-            </a:r>
-            <a:r>
-              <a:rPr lang="en-US" dirty="0"/>
-              <a:t> </a:t>
-            </a:r>
-            <a:r>
-              <a:rPr lang="ru-RU" dirty="0"/>
-              <a:t>библиотеки</a:t>
-            </a:r>
+              <a:t>:</a:t>
+            </a:r>
+          </a:p>
+          <a:p>
+            <a:pPr lvl="1"/>
+            <a:r>
+              <a:rPr lang="ru-RU" dirty="0"/>
+              <a:t>Косвенные вызовы функций</a:t>
+            </a:r>
+          </a:p>
+          <a:p>
+            <a:pPr lvl="1"/>
+            <a:r>
+              <a:rPr lang="ru-RU" dirty="0"/>
+              <a:t>Отмена оптимизаций в компиляторе</a:t>
+            </a:r>
+            <a:r>
+              <a:rPr lang="en-US" dirty="0"/>
+              <a:t> (</a:t>
+            </a:r>
+            <a:r>
+              <a:rPr lang="en-US" dirty="0" err="1"/>
+              <a:t>inlining</a:t>
+            </a:r>
+            <a:r>
+              <a:rPr lang="en-US" dirty="0"/>
+              <a:t>, cloning, etc.)</a:t>
+            </a:r>
+          </a:p>
+          <a:p>
             <a:endParaRPr lang="en-US" dirty="0"/>
-          </a:p>
-          <a:p>
-            <a:pPr lvl="1"/>
-            <a:r>
-              <a:rPr lang="ru-RU" dirty="0"/>
-              <a:t>Релокация</a:t>
-            </a:r>
-            <a:endParaRPr lang="en-US" dirty="0"/>
-          </a:p>
-          <a:p>
-            <a:pPr lvl="1"/>
-            <a:r>
-              <a:rPr lang="ru-RU" dirty="0"/>
-              <a:t>Разрешение и </a:t>
-            </a:r>
-            <a:r>
-              <a:rPr lang="en-US" dirty="0"/>
-              <a:t>c</a:t>
-            </a:r>
-            <a:r>
-              <a:rPr lang="ru-RU" dirty="0"/>
-              <a:t>вязывание символов</a:t>
-            </a:r>
-            <a:endParaRPr lang="en-US" dirty="0"/>
-          </a:p>
-          <a:p>
-            <a:r>
-              <a:rPr lang="ru-RU" dirty="0"/>
-              <a:t>Работа с библиотекой</a:t>
-            </a:r>
-            <a:endParaRPr lang="en-US" dirty="0"/>
-          </a:p>
-          <a:p>
-            <a:pPr lvl="1"/>
-            <a:r>
-              <a:rPr lang="ru-RU" b="1" dirty="0"/>
-              <a:t>Косвенные вызовы функций (</a:t>
-            </a:r>
-            <a:r>
-              <a:rPr lang="en-US" b="1" dirty="0"/>
-              <a:t>indirect calls)</a:t>
-            </a:r>
           </a:p>
         </p:txBody>
       </p:sp>
     </p:spTree>
     <p:extLst>
       <p:ext uri="{BB962C8B-B14F-4D97-AF65-F5344CB8AC3E}">
-        <p14:creationId xmlns:p14="http://schemas.microsoft.com/office/powerpoint/2010/main" val="3025777625"/>
+        <p14:creationId xmlns:p14="http://schemas.microsoft.com/office/powerpoint/2010/main" val="653850357"/>
       </p:ext>
     </p:extLst>
   </p:cSld>
@@ -29081,188 +29111,6 @@
           <p:cNvPr id="2" name="Title 1">
             <a:extLst>
               <a:ext uri="{FF2B5EF4-FFF2-40B4-BE49-F238E27FC236}">
-                <a16:creationId xmlns:a16="http://schemas.microsoft.com/office/drawing/2014/main" id="{9E2F4025-5B63-47B1-ACD7-A498A81AE42A}"/>
-              </a:ext>
-            </a:extLst>
-          </p:cNvPr>
-          <p:cNvSpPr>
-            <a:spLocks noGrp="1"/>
-          </p:cNvSpPr>
-          <p:nvPr>
-            <p:ph type="title"/>
-          </p:nvPr>
-        </p:nvSpPr>
-        <p:spPr/>
-        <p:txBody>
-          <a:bodyPr/>
-          <a:lstStyle/>
-          <a:p>
-            <a:r>
-              <a:rPr lang="ru-RU" dirty="0"/>
-              <a:t>Проблема с экспортируемыми символами в </a:t>
-            </a:r>
-            <a:r>
-              <a:rPr lang="en-US" dirty="0"/>
-              <a:t>Linux</a:t>
-            </a:r>
-          </a:p>
-        </p:txBody>
-      </p:sp>
-      <p:sp>
-        <p:nvSpPr>
-          <p:cNvPr id="3" name="Content Placeholder 2">
-            <a:extLst>
-              <a:ext uri="{FF2B5EF4-FFF2-40B4-BE49-F238E27FC236}">
-                <a16:creationId xmlns:a16="http://schemas.microsoft.com/office/drawing/2014/main" id="{37862244-1BB6-4E07-B31C-F099E59591B4}"/>
-              </a:ext>
-            </a:extLst>
-          </p:cNvPr>
-          <p:cNvSpPr>
-            <a:spLocks noGrp="1"/>
-          </p:cNvSpPr>
-          <p:nvPr>
-            <p:ph idx="1"/>
-          </p:nvPr>
-        </p:nvSpPr>
-        <p:spPr/>
-        <p:txBody>
-          <a:bodyPr/>
-          <a:lstStyle/>
-          <a:p>
-            <a:r>
-              <a:rPr lang="ru-RU" dirty="0"/>
-              <a:t>По умолчанию на </a:t>
-            </a:r>
-            <a:r>
-              <a:rPr lang="en-US" dirty="0"/>
-              <a:t>Linux </a:t>
-            </a:r>
-            <a:r>
-              <a:rPr lang="ru-RU" dirty="0"/>
-              <a:t>все функции в </a:t>
-            </a:r>
-            <a:r>
-              <a:rPr lang="en-US" dirty="0"/>
-              <a:t>DLL </a:t>
-            </a:r>
-            <a:r>
-              <a:rPr lang="ru-RU" dirty="0"/>
-              <a:t>экспортируются</a:t>
-            </a:r>
-          </a:p>
-          <a:p>
-            <a:pPr lvl="1"/>
-            <a:r>
-              <a:rPr lang="ru-RU" dirty="0"/>
-              <a:t>Для совместимости со статическими библиотеками</a:t>
-            </a:r>
-          </a:p>
-          <a:p>
-            <a:r>
-              <a:rPr lang="ru-RU" dirty="0"/>
-              <a:t>Вызовы даже внутренних функций</a:t>
-            </a:r>
-            <a:r>
-              <a:rPr lang="en-US" dirty="0"/>
-              <a:t> </a:t>
-            </a:r>
-            <a:r>
-              <a:rPr lang="ru-RU" dirty="0"/>
-              <a:t>библиотеки происходят через таблицу адресов (</a:t>
-            </a:r>
-            <a:r>
-              <a:rPr lang="en-US" dirty="0"/>
-              <a:t>GOT</a:t>
-            </a:r>
-            <a:r>
-              <a:rPr lang="ru-RU" dirty="0"/>
-              <a:t>)</a:t>
-            </a:r>
-          </a:p>
-          <a:p>
-            <a:pPr lvl="1"/>
-            <a:r>
-              <a:rPr lang="ru-RU" dirty="0"/>
-              <a:t>Из-за возможности перехвата символов</a:t>
-            </a:r>
-            <a:endParaRPr lang="en-US" dirty="0"/>
-          </a:p>
-          <a:p>
-            <a:r>
-              <a:rPr lang="ru-RU" dirty="0"/>
-              <a:t>Накладные расходы</a:t>
-            </a:r>
-            <a:r>
-              <a:rPr lang="en-US" dirty="0"/>
-              <a:t>:</a:t>
-            </a:r>
-          </a:p>
-          <a:p>
-            <a:pPr lvl="1"/>
-            <a:r>
-              <a:rPr lang="ru-RU" dirty="0"/>
-              <a:t>Косвенные вызовы функций</a:t>
-            </a:r>
-          </a:p>
-          <a:p>
-            <a:pPr lvl="1"/>
-            <a:r>
-              <a:rPr lang="ru-RU" dirty="0"/>
-              <a:t>Отмена оптимизаций в компиляторе</a:t>
-            </a:r>
-            <a:r>
-              <a:rPr lang="en-US" dirty="0"/>
-              <a:t> (</a:t>
-            </a:r>
-            <a:r>
-              <a:rPr lang="en-US" dirty="0" err="1"/>
-              <a:t>inlining</a:t>
-            </a:r>
-            <a:r>
-              <a:rPr lang="en-US" dirty="0"/>
-              <a:t>, cloning, etc.)</a:t>
-            </a:r>
-          </a:p>
-          <a:p>
-            <a:endParaRPr lang="en-US" dirty="0"/>
-          </a:p>
-        </p:txBody>
-      </p:sp>
-    </p:spTree>
-    <p:extLst>
-      <p:ext uri="{BB962C8B-B14F-4D97-AF65-F5344CB8AC3E}">
-        <p14:creationId xmlns:p14="http://schemas.microsoft.com/office/powerpoint/2010/main" val="653850357"/>
-      </p:ext>
-    </p:extLst>
-  </p:cSld>
-  <p:clrMapOvr>
-    <a:masterClrMapping/>
-  </p:clrMapOvr>
-</p:sld>
-</file>
-
-<file path=ppt/slides/slide63.xml><?xml version="1.0" encoding="utf-8"?>
-<p:sld xmlns:a="http://schemas.openxmlformats.org/drawingml/2006/main" xmlns:r="http://schemas.openxmlformats.org/officeDocument/2006/relationships" xmlns:p="http://schemas.openxmlformats.org/presentationml/2006/main">
-  <p:cSld>
-    <p:spTree>
-      <p:nvGrpSpPr>
-        <p:cNvPr id="1" name=""/>
-        <p:cNvGrpSpPr/>
-        <p:nvPr/>
-      </p:nvGrpSpPr>
-      <p:grpSpPr>
-        <a:xfrm>
-          <a:off x="0" y="0"/>
-          <a:ext cx="0" cy="0"/>
-          <a:chOff x="0" y="0"/>
-          <a:chExt cx="0" cy="0"/>
-        </a:xfrm>
-      </p:grpSpPr>
-      <p:sp>
-        <p:nvSpPr>
-          <p:cNvPr id="2" name="Title 1">
-            <a:extLst>
-              <a:ext uri="{FF2B5EF4-FFF2-40B4-BE49-F238E27FC236}">
                 <a16:creationId xmlns:a16="http://schemas.microsoft.com/office/drawing/2014/main" id="{BD766DFC-0AB1-4998-9C8F-D80FEAAB8954}"/>
               </a:ext>
             </a:extLst>
@@ -29451,7 +29299,7 @@
 </p:sld>
 </file>
 
-<file path=ppt/slides/slide64.xml><?xml version="1.0" encoding="utf-8"?>
+<file path=ppt/slides/slide63.xml><?xml version="1.0" encoding="utf-8"?>
 <p:sld xmlns:a="http://schemas.openxmlformats.org/drawingml/2006/main" xmlns:r="http://schemas.openxmlformats.org/officeDocument/2006/relationships" xmlns:p="http://schemas.openxmlformats.org/presentationml/2006/main">
   <p:cSld>
     <p:spTree>
@@ -29668,7 +29516,7 @@
 </p:sld>
 </file>
 
-<file path=ppt/slides/slide65.xml><?xml version="1.0" encoding="utf-8"?>
+<file path=ppt/slides/slide64.xml><?xml version="1.0" encoding="utf-8"?>
 <p:sld xmlns:a="http://schemas.openxmlformats.org/drawingml/2006/main" xmlns:r="http://schemas.openxmlformats.org/officeDocument/2006/relationships" xmlns:p="http://schemas.openxmlformats.org/presentationml/2006/main">
   <p:cSld>
     <p:spTree>
@@ -29989,7 +29837,7 @@
 </p:sld>
 </file>
 
-<file path=ppt/slides/slide66.xml><?xml version="1.0" encoding="utf-8"?>
+<file path=ppt/slides/slide65.xml><?xml version="1.0" encoding="utf-8"?>
 <p:sld xmlns:a="http://schemas.openxmlformats.org/drawingml/2006/main" xmlns:r="http://schemas.openxmlformats.org/officeDocument/2006/relationships" xmlns:p="http://schemas.openxmlformats.org/presentationml/2006/main">
   <p:cSld>
     <p:spTree>
@@ -30148,7 +29996,7 @@
 </p:sld>
 </file>
 
-<file path=ppt/slides/slide67.xml><?xml version="1.0" encoding="utf-8"?>
+<file path=ppt/slides/slide66.xml><?xml version="1.0" encoding="utf-8"?>
 <p:sld xmlns:a="http://schemas.openxmlformats.org/drawingml/2006/main" xmlns:r="http://schemas.openxmlformats.org/officeDocument/2006/relationships" xmlns:p="http://schemas.openxmlformats.org/presentationml/2006/main">
   <p:cSld>
     <p:spTree>
@@ -30653,6 +30501,388 @@
     <p:extLst>
       <p:ext uri="{BB962C8B-B14F-4D97-AF65-F5344CB8AC3E}">
         <p14:creationId xmlns:p14="http://schemas.microsoft.com/office/powerpoint/2010/main" val="469104947"/>
+      </p:ext>
+    </p:extLst>
+  </p:cSld>
+  <p:clrMapOvr>
+    <a:masterClrMapping/>
+  </p:clrMapOvr>
+</p:sld>
+</file>
+
+<file path=ppt/slides/slide67.xml><?xml version="1.0" encoding="utf-8"?>
+<p:sld xmlns:a="http://schemas.openxmlformats.org/drawingml/2006/main" xmlns:r="http://schemas.openxmlformats.org/officeDocument/2006/relationships" xmlns:p="http://schemas.openxmlformats.org/presentationml/2006/main">
+  <p:cSld>
+    <p:spTree>
+      <p:nvGrpSpPr>
+        <p:cNvPr id="1" name=""/>
+        <p:cNvGrpSpPr/>
+        <p:nvPr/>
+      </p:nvGrpSpPr>
+      <p:grpSpPr>
+        <a:xfrm>
+          <a:off x="0" y="0"/>
+          <a:ext cx="0" cy="0"/>
+          <a:chOff x="0" y="0"/>
+          <a:chExt cx="0" cy="0"/>
+        </a:xfrm>
+      </p:grpSpPr>
+      <p:sp>
+        <p:nvSpPr>
+          <p:cNvPr id="2" name="Title 1">
+            <a:extLst>
+              <a:ext uri="{FF2B5EF4-FFF2-40B4-BE49-F238E27FC236}">
+                <a16:creationId xmlns:a16="http://schemas.microsoft.com/office/drawing/2014/main" id="{BD766DFC-0AB1-4998-9C8F-D80FEAAB8954}"/>
+              </a:ext>
+            </a:extLst>
+          </p:cNvPr>
+          <p:cNvSpPr>
+            <a:spLocks noGrp="1"/>
+          </p:cNvSpPr>
+          <p:nvPr>
+            <p:ph type="title"/>
+          </p:nvPr>
+        </p:nvSpPr>
+        <p:spPr/>
+        <p:txBody>
+          <a:bodyPr/>
+          <a:lstStyle/>
+          <a:p>
+            <a:r>
+              <a:rPr lang="ru-RU" dirty="0"/>
+              <a:t>Пример использования </a:t>
+            </a:r>
+            <a:r>
+              <a:rPr lang="en-US" dirty="0" err="1"/>
+              <a:t>ShlibVisibilityChecker</a:t>
+            </a:r>
+            <a:endParaRPr lang="en-US" dirty="0"/>
+          </a:p>
+        </p:txBody>
+      </p:sp>
+      <p:sp>
+        <p:nvSpPr>
+          <p:cNvPr id="3" name="Content Placeholder 2">
+            <a:extLst>
+              <a:ext uri="{FF2B5EF4-FFF2-40B4-BE49-F238E27FC236}">
+                <a16:creationId xmlns:a16="http://schemas.microsoft.com/office/drawing/2014/main" id="{CFEBEFD7-23BF-4F14-9339-37AF67D86D7F}"/>
+              </a:ext>
+            </a:extLst>
+          </p:cNvPr>
+          <p:cNvSpPr>
+            <a:spLocks noGrp="1"/>
+          </p:cNvSpPr>
+          <p:nvPr>
+            <p:ph idx="1"/>
+          </p:nvPr>
+        </p:nvSpPr>
+        <p:spPr>
+          <a:xfrm>
+            <a:off x="838200" y="1825625"/>
+            <a:ext cx="10515600" cy="4847318"/>
+          </a:xfrm>
+        </p:spPr>
+        <p:txBody>
+          <a:bodyPr>
+            <a:normAutofit fontScale="92500" lnSpcReduction="20000"/>
+          </a:bodyPr>
+          <a:lstStyle/>
+          <a:p>
+            <a:pPr marL="457200" lvl="1" indent="0">
+              <a:buNone/>
+            </a:pPr>
+            <a:r>
+              <a:rPr lang="en-US" dirty="0">
+                <a:latin typeface="Courier New" panose="02070309020205020404" pitchFamily="49" charset="0"/>
+                <a:cs typeface="Courier New" panose="02070309020205020404" pitchFamily="49" charset="0"/>
+              </a:rPr>
+              <a:t>$ </a:t>
+            </a:r>
+            <a:r>
+              <a:rPr lang="en-US" dirty="0" err="1">
+                <a:latin typeface="Courier New" panose="02070309020205020404" pitchFamily="49" charset="0"/>
+                <a:cs typeface="Courier New" panose="02070309020205020404" pitchFamily="49" charset="0"/>
+              </a:rPr>
+              <a:t>read_header_api</a:t>
+            </a:r>
+            <a:r>
+              <a:rPr lang="en-US" dirty="0">
+                <a:latin typeface="Courier New" panose="02070309020205020404" pitchFamily="49" charset="0"/>
+                <a:cs typeface="Courier New" panose="02070309020205020404" pitchFamily="49" charset="0"/>
+              </a:rPr>
+              <a:t> --only-</a:t>
+            </a:r>
+            <a:r>
+              <a:rPr lang="en-US" dirty="0" err="1">
+                <a:latin typeface="Courier New" panose="02070309020205020404" pitchFamily="49" charset="0"/>
+                <a:cs typeface="Courier New" panose="02070309020205020404" pitchFamily="49" charset="0"/>
+              </a:rPr>
+              <a:t>args</a:t>
+            </a:r>
+            <a:r>
+              <a:rPr lang="en-US" dirty="0">
+                <a:latin typeface="Courier New" panose="02070309020205020404" pitchFamily="49" charset="0"/>
+                <a:cs typeface="Courier New" panose="02070309020205020404" pitchFamily="49" charset="0"/>
+              </a:rPr>
+              <a:t> /</a:t>
+            </a:r>
+            <a:r>
+              <a:rPr lang="en-US" dirty="0" err="1">
+                <a:latin typeface="Courier New" panose="02070309020205020404" pitchFamily="49" charset="0"/>
+                <a:cs typeface="Courier New" panose="02070309020205020404" pitchFamily="49" charset="0"/>
+              </a:rPr>
+              <a:t>usr</a:t>
+            </a:r>
+            <a:r>
+              <a:rPr lang="en-US" dirty="0">
+                <a:latin typeface="Courier New" panose="02070309020205020404" pitchFamily="49" charset="0"/>
+                <a:cs typeface="Courier New" panose="02070309020205020404" pitchFamily="49" charset="0"/>
+              </a:rPr>
+              <a:t>/include/x86_64-linux-gnu/</a:t>
+            </a:r>
+            <a:r>
+              <a:rPr lang="en-US" dirty="0" err="1">
+                <a:latin typeface="Courier New" panose="02070309020205020404" pitchFamily="49" charset="0"/>
+                <a:cs typeface="Courier New" panose="02070309020205020404" pitchFamily="49" charset="0"/>
+              </a:rPr>
+              <a:t>gmp.h</a:t>
+            </a:r>
+            <a:r>
+              <a:rPr lang="en-US" dirty="0">
+                <a:latin typeface="Courier New" panose="02070309020205020404" pitchFamily="49" charset="0"/>
+                <a:cs typeface="Courier New" panose="02070309020205020404" pitchFamily="49" charset="0"/>
+              </a:rPr>
+              <a:t> &gt; api.txt</a:t>
+            </a:r>
+          </a:p>
+          <a:p>
+            <a:pPr marL="457200" lvl="1" indent="0">
+              <a:buNone/>
+            </a:pPr>
+            <a:endParaRPr lang="en-US" dirty="0">
+              <a:latin typeface="Courier New" panose="02070309020205020404" pitchFamily="49" charset="0"/>
+              <a:cs typeface="Courier New" panose="02070309020205020404" pitchFamily="49" charset="0"/>
+            </a:endParaRPr>
+          </a:p>
+          <a:p>
+            <a:pPr marL="457200" lvl="1" indent="0">
+              <a:buNone/>
+            </a:pPr>
+            <a:r>
+              <a:rPr lang="en-US" dirty="0">
+                <a:latin typeface="Courier New" panose="02070309020205020404" pitchFamily="49" charset="0"/>
+                <a:cs typeface="Courier New" panose="02070309020205020404" pitchFamily="49" charset="0"/>
+              </a:rPr>
+              <a:t>$ </a:t>
+            </a:r>
+            <a:r>
+              <a:rPr lang="en-US" dirty="0" err="1">
+                <a:latin typeface="Courier New" panose="02070309020205020404" pitchFamily="49" charset="0"/>
+                <a:cs typeface="Courier New" panose="02070309020205020404" pitchFamily="49" charset="0"/>
+              </a:rPr>
+              <a:t>read_binary_api</a:t>
+            </a:r>
+            <a:r>
+              <a:rPr lang="en-US" dirty="0">
+                <a:latin typeface="Courier New" panose="02070309020205020404" pitchFamily="49" charset="0"/>
+                <a:cs typeface="Courier New" panose="02070309020205020404" pitchFamily="49" charset="0"/>
+              </a:rPr>
+              <a:t> --permissive /</a:t>
+            </a:r>
+            <a:r>
+              <a:rPr lang="en-US" dirty="0" err="1">
+                <a:latin typeface="Courier New" panose="02070309020205020404" pitchFamily="49" charset="0"/>
+                <a:cs typeface="Courier New" panose="02070309020205020404" pitchFamily="49" charset="0"/>
+              </a:rPr>
+              <a:t>usr</a:t>
+            </a:r>
+            <a:r>
+              <a:rPr lang="en-US" dirty="0">
+                <a:latin typeface="Courier New" panose="02070309020205020404" pitchFamily="49" charset="0"/>
+                <a:cs typeface="Courier New" panose="02070309020205020404" pitchFamily="49" charset="0"/>
+              </a:rPr>
+              <a:t>/lib/x86_64-linux-gnu/libgmp.so.10.4.1 &gt; abi.txt</a:t>
+            </a:r>
+          </a:p>
+          <a:p>
+            <a:pPr marL="457200" lvl="1" indent="0">
+              <a:buNone/>
+            </a:pPr>
+            <a:endParaRPr lang="en-US" dirty="0">
+              <a:latin typeface="Courier New" panose="02070309020205020404" pitchFamily="49" charset="0"/>
+              <a:cs typeface="Courier New" panose="02070309020205020404" pitchFamily="49" charset="0"/>
+            </a:endParaRPr>
+          </a:p>
+          <a:p>
+            <a:pPr marL="457200" lvl="1" indent="0">
+              <a:buNone/>
+            </a:pPr>
+            <a:r>
+              <a:rPr lang="en-US" dirty="0">
+                <a:latin typeface="Courier New" panose="02070309020205020404" pitchFamily="49" charset="0"/>
+                <a:cs typeface="Courier New" panose="02070309020205020404" pitchFamily="49" charset="0"/>
+              </a:rPr>
+              <a:t>$ diff api.txt abi.txt | </a:t>
+            </a:r>
+            <a:r>
+              <a:rPr lang="en-US" dirty="0" err="1">
+                <a:latin typeface="Courier New" panose="02070309020205020404" pitchFamily="49" charset="0"/>
+                <a:cs typeface="Courier New" panose="02070309020205020404" pitchFamily="49" charset="0"/>
+              </a:rPr>
+              <a:t>wc</a:t>
+            </a:r>
+            <a:r>
+              <a:rPr lang="en-US" dirty="0">
+                <a:latin typeface="Courier New" panose="02070309020205020404" pitchFamily="49" charset="0"/>
+                <a:cs typeface="Courier New" panose="02070309020205020404" pitchFamily="49" charset="0"/>
+              </a:rPr>
+              <a:t> -l</a:t>
+            </a:r>
+          </a:p>
+          <a:p>
+            <a:pPr marL="457200" lvl="1" indent="0">
+              <a:buNone/>
+            </a:pPr>
+            <a:r>
+              <a:rPr lang="en-US" b="1" dirty="0">
+                <a:latin typeface="Courier New" panose="02070309020205020404" pitchFamily="49" charset="0"/>
+                <a:cs typeface="Courier New" panose="02070309020205020404" pitchFamily="49" charset="0"/>
+              </a:rPr>
+              <a:t>323</a:t>
+            </a:r>
+          </a:p>
+          <a:p>
+            <a:pPr marL="457200" lvl="1" indent="0">
+              <a:buNone/>
+            </a:pPr>
+            <a:endParaRPr lang="en-US" dirty="0">
+              <a:latin typeface="Courier New" panose="02070309020205020404" pitchFamily="49" charset="0"/>
+              <a:cs typeface="Courier New" panose="02070309020205020404" pitchFamily="49" charset="0"/>
+            </a:endParaRPr>
+          </a:p>
+          <a:p>
+            <a:pPr marL="457200" lvl="1" indent="0">
+              <a:buNone/>
+            </a:pPr>
+            <a:r>
+              <a:rPr lang="en-US" dirty="0">
+                <a:latin typeface="Courier New" panose="02070309020205020404" pitchFamily="49" charset="0"/>
+                <a:cs typeface="Courier New" panose="02070309020205020404" pitchFamily="49" charset="0"/>
+              </a:rPr>
+              <a:t>$ diff api.txt abi.txt</a:t>
+            </a:r>
+          </a:p>
+          <a:p>
+            <a:pPr marL="457200" lvl="1" indent="0">
+              <a:buNone/>
+            </a:pPr>
+            <a:r>
+              <a:rPr lang="en-US" dirty="0">
+                <a:latin typeface="Courier New" panose="02070309020205020404" pitchFamily="49" charset="0"/>
+                <a:cs typeface="Courier New" panose="02070309020205020404" pitchFamily="49" charset="0"/>
+              </a:rPr>
+              <a:t>0a1,10</a:t>
+            </a:r>
+          </a:p>
+          <a:p>
+            <a:pPr marL="457200" lvl="1" indent="0">
+              <a:buNone/>
+            </a:pPr>
+            <a:r>
+              <a:rPr lang="en-US" b="1" dirty="0">
+                <a:latin typeface="Courier New" panose="02070309020205020404" pitchFamily="49" charset="0"/>
+                <a:cs typeface="Courier New" panose="02070309020205020404" pitchFamily="49" charset="0"/>
+              </a:rPr>
+              <a:t>&gt; __gmp_0</a:t>
+            </a:r>
+          </a:p>
+          <a:p>
+            <a:pPr marL="457200" lvl="1" indent="0">
+              <a:buNone/>
+            </a:pPr>
+            <a:r>
+              <a:rPr lang="en-US" b="1" dirty="0">
+                <a:latin typeface="Courier New" panose="02070309020205020404" pitchFamily="49" charset="0"/>
+                <a:cs typeface="Courier New" panose="02070309020205020404" pitchFamily="49" charset="0"/>
+              </a:rPr>
+              <a:t>&gt; __</a:t>
+            </a:r>
+            <a:r>
+              <a:rPr lang="en-US" b="1" dirty="0" err="1">
+                <a:latin typeface="Courier New" panose="02070309020205020404" pitchFamily="49" charset="0"/>
+                <a:cs typeface="Courier New" panose="02070309020205020404" pitchFamily="49" charset="0"/>
+              </a:rPr>
+              <a:t>gmp_allocate_func</a:t>
+            </a:r>
+            <a:endParaRPr lang="en-US" b="1" dirty="0">
+              <a:latin typeface="Courier New" panose="02070309020205020404" pitchFamily="49" charset="0"/>
+              <a:cs typeface="Courier New" panose="02070309020205020404" pitchFamily="49" charset="0"/>
+            </a:endParaRPr>
+          </a:p>
+          <a:p>
+            <a:pPr marL="457200" lvl="1" indent="0">
+              <a:buNone/>
+            </a:pPr>
+            <a:r>
+              <a:rPr lang="en-US" b="1" dirty="0">
+                <a:latin typeface="Courier New" panose="02070309020205020404" pitchFamily="49" charset="0"/>
+                <a:cs typeface="Courier New" panose="02070309020205020404" pitchFamily="49" charset="0"/>
+              </a:rPr>
+              <a:t>&gt; __</a:t>
+            </a:r>
+            <a:r>
+              <a:rPr lang="en-US" b="1" dirty="0" err="1">
+                <a:latin typeface="Courier New" panose="02070309020205020404" pitchFamily="49" charset="0"/>
+                <a:cs typeface="Courier New" panose="02070309020205020404" pitchFamily="49" charset="0"/>
+              </a:rPr>
+              <a:t>gmp_asprintf_final</a:t>
+            </a:r>
+            <a:endParaRPr lang="en-US" b="1" dirty="0">
+              <a:latin typeface="Courier New" panose="02070309020205020404" pitchFamily="49" charset="0"/>
+              <a:cs typeface="Courier New" panose="02070309020205020404" pitchFamily="49" charset="0"/>
+            </a:endParaRPr>
+          </a:p>
+          <a:p>
+            <a:pPr marL="457200" lvl="1" indent="0">
+              <a:buNone/>
+            </a:pPr>
+            <a:r>
+              <a:rPr lang="en-US" b="1" dirty="0">
+                <a:latin typeface="Courier New" panose="02070309020205020404" pitchFamily="49" charset="0"/>
+                <a:cs typeface="Courier New" panose="02070309020205020404" pitchFamily="49" charset="0"/>
+              </a:rPr>
+              <a:t>&gt; __</a:t>
+            </a:r>
+            <a:r>
+              <a:rPr lang="en-US" b="1" dirty="0" err="1">
+                <a:latin typeface="Courier New" panose="02070309020205020404" pitchFamily="49" charset="0"/>
+                <a:cs typeface="Courier New" panose="02070309020205020404" pitchFamily="49" charset="0"/>
+              </a:rPr>
+              <a:t>gmp_asprintf_funs</a:t>
+            </a:r>
+            <a:endParaRPr lang="en-US" b="1" dirty="0">
+              <a:latin typeface="Courier New" panose="02070309020205020404" pitchFamily="49" charset="0"/>
+              <a:cs typeface="Courier New" panose="02070309020205020404" pitchFamily="49" charset="0"/>
+            </a:endParaRPr>
+          </a:p>
+          <a:p>
+            <a:pPr marL="457200" lvl="1" indent="0">
+              <a:buNone/>
+            </a:pPr>
+            <a:r>
+              <a:rPr lang="en-US" b="1" dirty="0">
+                <a:latin typeface="Courier New" panose="02070309020205020404" pitchFamily="49" charset="0"/>
+                <a:cs typeface="Courier New" panose="02070309020205020404" pitchFamily="49" charset="0"/>
+              </a:rPr>
+              <a:t>…</a:t>
+            </a:r>
+          </a:p>
+        </p:txBody>
+      </p:sp>
+    </p:spTree>
+    <p:extLst>
+      <p:ext uri="{BB962C8B-B14F-4D97-AF65-F5344CB8AC3E}">
+        <p14:creationId xmlns:p14="http://schemas.microsoft.com/office/powerpoint/2010/main" val="3323570136"/>
       </p:ext>
     </p:extLst>
   </p:cSld>
@@ -30684,7 +30914,7 @@
           <p:cNvPr id="2" name="Title 1">
             <a:extLst>
               <a:ext uri="{FF2B5EF4-FFF2-40B4-BE49-F238E27FC236}">
-                <a16:creationId xmlns:a16="http://schemas.microsoft.com/office/drawing/2014/main" id="{BD766DFC-0AB1-4998-9C8F-D80FEAAB8954}"/>
+                <a16:creationId xmlns:a16="http://schemas.microsoft.com/office/drawing/2014/main" id="{B79A58A2-53E2-4B07-B541-7560DC951115}"/>
               </a:ext>
             </a:extLst>
           </p:cNvPr>
@@ -30702,11 +30932,7 @@
           <a:p>
             <a:r>
               <a:rPr lang="ru-RU" dirty="0"/>
-              <a:t>Пример использования </a:t>
-            </a:r>
-            <a:r>
-              <a:rPr lang="en-US" dirty="0" err="1"/>
-              <a:t>ShlibVisibilityChecker</a:t>
+              <a:t>Резюме</a:t>
             </a:r>
             <a:endParaRPr lang="en-US" dirty="0"/>
           </a:p>
@@ -30717,7 +30943,7 @@
           <p:cNvPr id="3" name="Content Placeholder 2">
             <a:extLst>
               <a:ext uri="{FF2B5EF4-FFF2-40B4-BE49-F238E27FC236}">
-                <a16:creationId xmlns:a16="http://schemas.microsoft.com/office/drawing/2014/main" id="{CFEBEFD7-23BF-4F14-9339-37AF67D86D7F}"/>
+                <a16:creationId xmlns:a16="http://schemas.microsoft.com/office/drawing/2014/main" id="{89B42026-4F60-4665-8FC5-FDB3293BF4A3}"/>
               </a:ext>
             </a:extLst>
           </p:cNvPr>
@@ -30728,313 +30954,19 @@
             <p:ph idx="1"/>
           </p:nvPr>
         </p:nvSpPr>
-        <p:spPr>
-          <a:xfrm>
-            <a:off x="838200" y="1825625"/>
-            <a:ext cx="10515600" cy="4847318"/>
-          </a:xfrm>
-        </p:spPr>
-        <p:txBody>
-          <a:bodyPr>
-            <a:normAutofit fontScale="92500" lnSpcReduction="20000"/>
-          </a:bodyPr>
-          <a:lstStyle/>
-          <a:p>
-            <a:pPr marL="457200" lvl="1" indent="0">
-              <a:buNone/>
-            </a:pPr>
-            <a:r>
-              <a:rPr lang="en-US" dirty="0">
-                <a:latin typeface="Courier New" panose="02070309020205020404" pitchFamily="49" charset="0"/>
-                <a:cs typeface="Courier New" panose="02070309020205020404" pitchFamily="49" charset="0"/>
-              </a:rPr>
-              <a:t>$ </a:t>
-            </a:r>
-            <a:r>
-              <a:rPr lang="en-US" dirty="0" err="1">
-                <a:latin typeface="Courier New" panose="02070309020205020404" pitchFamily="49" charset="0"/>
-                <a:cs typeface="Courier New" panose="02070309020205020404" pitchFamily="49" charset="0"/>
-              </a:rPr>
-              <a:t>read_header_api</a:t>
-            </a:r>
-            <a:r>
-              <a:rPr lang="en-US" dirty="0">
-                <a:latin typeface="Courier New" panose="02070309020205020404" pitchFamily="49" charset="0"/>
-                <a:cs typeface="Courier New" panose="02070309020205020404" pitchFamily="49" charset="0"/>
-              </a:rPr>
-              <a:t> --only-</a:t>
-            </a:r>
-            <a:r>
-              <a:rPr lang="en-US" dirty="0" err="1">
-                <a:latin typeface="Courier New" panose="02070309020205020404" pitchFamily="49" charset="0"/>
-                <a:cs typeface="Courier New" panose="02070309020205020404" pitchFamily="49" charset="0"/>
-              </a:rPr>
-              <a:t>args</a:t>
-            </a:r>
-            <a:r>
-              <a:rPr lang="en-US" dirty="0">
-                <a:latin typeface="Courier New" panose="02070309020205020404" pitchFamily="49" charset="0"/>
-                <a:cs typeface="Courier New" panose="02070309020205020404" pitchFamily="49" charset="0"/>
-              </a:rPr>
-              <a:t> /</a:t>
-            </a:r>
-            <a:r>
-              <a:rPr lang="en-US" dirty="0" err="1">
-                <a:latin typeface="Courier New" panose="02070309020205020404" pitchFamily="49" charset="0"/>
-                <a:cs typeface="Courier New" panose="02070309020205020404" pitchFamily="49" charset="0"/>
-              </a:rPr>
-              <a:t>usr</a:t>
-            </a:r>
-            <a:r>
-              <a:rPr lang="en-US" dirty="0">
-                <a:latin typeface="Courier New" panose="02070309020205020404" pitchFamily="49" charset="0"/>
-                <a:cs typeface="Courier New" panose="02070309020205020404" pitchFamily="49" charset="0"/>
-              </a:rPr>
-              <a:t>/include/x86_64-linux-gnu/</a:t>
-            </a:r>
-            <a:r>
-              <a:rPr lang="en-US" dirty="0" err="1">
-                <a:latin typeface="Courier New" panose="02070309020205020404" pitchFamily="49" charset="0"/>
-                <a:cs typeface="Courier New" panose="02070309020205020404" pitchFamily="49" charset="0"/>
-              </a:rPr>
-              <a:t>gmp.h</a:t>
-            </a:r>
-            <a:r>
-              <a:rPr lang="en-US" dirty="0">
-                <a:latin typeface="Courier New" panose="02070309020205020404" pitchFamily="49" charset="0"/>
-                <a:cs typeface="Courier New" panose="02070309020205020404" pitchFamily="49" charset="0"/>
-              </a:rPr>
-              <a:t> &gt; api.txt</a:t>
-            </a:r>
-          </a:p>
-          <a:p>
-            <a:pPr marL="457200" lvl="1" indent="0">
-              <a:buNone/>
-            </a:pPr>
-            <a:endParaRPr lang="en-US" dirty="0">
-              <a:latin typeface="Courier New" panose="02070309020205020404" pitchFamily="49" charset="0"/>
-              <a:cs typeface="Courier New" panose="02070309020205020404" pitchFamily="49" charset="0"/>
-            </a:endParaRPr>
-          </a:p>
-          <a:p>
-            <a:pPr marL="457200" lvl="1" indent="0">
-              <a:buNone/>
-            </a:pPr>
-            <a:r>
-              <a:rPr lang="en-US" dirty="0">
-                <a:latin typeface="Courier New" panose="02070309020205020404" pitchFamily="49" charset="0"/>
-                <a:cs typeface="Courier New" panose="02070309020205020404" pitchFamily="49" charset="0"/>
-              </a:rPr>
-              <a:t>$ </a:t>
-            </a:r>
-            <a:r>
-              <a:rPr lang="en-US" dirty="0" err="1">
-                <a:latin typeface="Courier New" panose="02070309020205020404" pitchFamily="49" charset="0"/>
-                <a:cs typeface="Courier New" panose="02070309020205020404" pitchFamily="49" charset="0"/>
-              </a:rPr>
-              <a:t>read_binary_api</a:t>
-            </a:r>
-            <a:r>
-              <a:rPr lang="en-US" dirty="0">
-                <a:latin typeface="Courier New" panose="02070309020205020404" pitchFamily="49" charset="0"/>
-                <a:cs typeface="Courier New" panose="02070309020205020404" pitchFamily="49" charset="0"/>
-              </a:rPr>
-              <a:t> --permissive /</a:t>
-            </a:r>
-            <a:r>
-              <a:rPr lang="en-US" dirty="0" err="1">
-                <a:latin typeface="Courier New" panose="02070309020205020404" pitchFamily="49" charset="0"/>
-                <a:cs typeface="Courier New" panose="02070309020205020404" pitchFamily="49" charset="0"/>
-              </a:rPr>
-              <a:t>usr</a:t>
-            </a:r>
-            <a:r>
-              <a:rPr lang="en-US" dirty="0">
-                <a:latin typeface="Courier New" panose="02070309020205020404" pitchFamily="49" charset="0"/>
-                <a:cs typeface="Courier New" panose="02070309020205020404" pitchFamily="49" charset="0"/>
-              </a:rPr>
-              <a:t>/lib/x86_64-linux-gnu/libgmp.so.10.4.1 &gt; abi.txt</a:t>
-            </a:r>
-          </a:p>
-          <a:p>
-            <a:pPr marL="457200" lvl="1" indent="0">
-              <a:buNone/>
-            </a:pPr>
-            <a:endParaRPr lang="en-US" dirty="0">
-              <a:latin typeface="Courier New" panose="02070309020205020404" pitchFamily="49" charset="0"/>
-              <a:cs typeface="Courier New" panose="02070309020205020404" pitchFamily="49" charset="0"/>
-            </a:endParaRPr>
-          </a:p>
-          <a:p>
-            <a:pPr marL="457200" lvl="1" indent="0">
-              <a:buNone/>
-            </a:pPr>
-            <a:r>
-              <a:rPr lang="en-US" dirty="0">
-                <a:latin typeface="Courier New" panose="02070309020205020404" pitchFamily="49" charset="0"/>
-                <a:cs typeface="Courier New" panose="02070309020205020404" pitchFamily="49" charset="0"/>
-              </a:rPr>
-              <a:t>$ diff api.txt abi.txt | </a:t>
-            </a:r>
-            <a:r>
-              <a:rPr lang="en-US" dirty="0" err="1">
-                <a:latin typeface="Courier New" panose="02070309020205020404" pitchFamily="49" charset="0"/>
-                <a:cs typeface="Courier New" panose="02070309020205020404" pitchFamily="49" charset="0"/>
-              </a:rPr>
-              <a:t>wc</a:t>
-            </a:r>
-            <a:r>
-              <a:rPr lang="en-US" dirty="0">
-                <a:latin typeface="Courier New" panose="02070309020205020404" pitchFamily="49" charset="0"/>
-                <a:cs typeface="Courier New" panose="02070309020205020404" pitchFamily="49" charset="0"/>
-              </a:rPr>
-              <a:t> -l</a:t>
-            </a:r>
-          </a:p>
-          <a:p>
-            <a:pPr marL="457200" lvl="1" indent="0">
-              <a:buNone/>
-            </a:pPr>
-   